--- a/Robustness.pptx
+++ b/Robustness.pptx
@@ -5,7 +5,7 @@
     <p:sldMasterId id="2147483659" r:id="rId1"/>
   </p:sldMasterIdLst>
   <p:notesMasterIdLst>
-    <p:notesMasterId r:id="rId12"/>
+    <p:notesMasterId r:id="rId16"/>
   </p:notesMasterIdLst>
   <p:sldIdLst>
     <p:sldId id="256" r:id="rId2"/>
@@ -17,31 +17,39 @@
     <p:sldId id="261" r:id="rId8"/>
     <p:sldId id="262" r:id="rId9"/>
     <p:sldId id="263" r:id="rId10"/>
-    <p:sldId id="265" r:id="rId11"/>
+    <p:sldId id="266" r:id="rId11"/>
+    <p:sldId id="269" r:id="rId12"/>
+    <p:sldId id="267" r:id="rId13"/>
+    <p:sldId id="268" r:id="rId14"/>
+    <p:sldId id="265" r:id="rId15"/>
   </p:sldIdLst>
   <p:sldSz cx="9144000" cy="5143500" type="screen16x9"/>
   <p:notesSz cx="6858000" cy="9144000"/>
   <p:embeddedFontLst>
     <p:embeddedFont>
-      <p:font typeface="Open Sans" panose="02010600030101010101" charset="0"/>
-      <p:regular r:id="rId13"/>
-      <p:bold r:id="rId14"/>
-      <p:italic r:id="rId15"/>
-      <p:boldItalic r:id="rId16"/>
+      <p:font typeface="宋体" panose="02010600030101010101" pitchFamily="2" charset="-122"/>
+      <p:regular r:id="rId17"/>
     </p:embeddedFont>
     <p:embeddedFont>
-      <p:font typeface="Open Sans Light" panose="02010600030101010101" charset="0"/>
-      <p:regular r:id="rId17"/>
-      <p:bold r:id="rId18"/>
-      <p:italic r:id="rId19"/>
-      <p:boldItalic r:id="rId20"/>
+      <p:font typeface="Open Sans" panose="020B0604020202020204" charset="0"/>
+      <p:regular r:id="rId18"/>
+      <p:bold r:id="rId19"/>
+      <p:italic r:id="rId20"/>
+      <p:boldItalic r:id="rId21"/>
     </p:embeddedFont>
     <p:embeddedFont>
-      <p:font typeface="Open Sans SemiBold" panose="02010600030101010101" charset="0"/>
-      <p:regular r:id="rId21"/>
-      <p:bold r:id="rId22"/>
-      <p:italic r:id="rId23"/>
-      <p:boldItalic r:id="rId24"/>
+      <p:font typeface="Open Sans Light" panose="020B0604020202020204" charset="0"/>
+      <p:regular r:id="rId22"/>
+      <p:bold r:id="rId23"/>
+      <p:italic r:id="rId24"/>
+      <p:boldItalic r:id="rId25"/>
+    </p:embeddedFont>
+    <p:embeddedFont>
+      <p:font typeface="Open Sans SemiBold" panose="020B0604020202020204" charset="0"/>
+      <p:regular r:id="rId26"/>
+      <p:bold r:id="rId27"/>
+      <p:italic r:id="rId28"/>
+      <p:boldItalic r:id="rId29"/>
     </p:embeddedFont>
   </p:embeddedFontLst>
   <p:defaultTextStyle>
@@ -981,7 +989,15 @@
           <a:p>
             <a:r>
               <a:rPr lang="en-US" altLang="zh-CN" dirty="0"/>
-              <a:t>The source and goal concepts are similar to the six dimensions of quality attributes proposed by SEI. Here, we simplify it and only focus on the stimulus (source) and the reaction of the system.</a:t>
+              <a:t>The source and goal concepts are similar to the six dimensions of quality attributes proposed by SEI. Here, we simplify it and only focus on the stimulus (source) and </a:t>
+            </a:r>
+            <a:r>
+              <a:rPr lang="en-US" altLang="zh-CN" dirty="0" smtClean="0"/>
+              <a:t>the expected </a:t>
+            </a:r>
+            <a:r>
+              <a:rPr lang="en-US" altLang="zh-CN" dirty="0"/>
+              <a:t>reaction of the system.</a:t>
             </a:r>
             <a:endParaRPr lang="zh-CN" altLang="en-US" dirty="0"/>
           </a:p>
@@ -1068,8 +1084,32 @@
             <a:pPr marL="457200" indent="-298450"/>
             <a:r>
               <a:rPr lang="en-US" altLang="zh-CN" dirty="0"/>
-              <a:t>We consider deadlock-free to be the weakest form of liveness, i.e., the system should not be stuck at some step.</a:t>
-            </a:r>
+              <a:t>We consider deadlock-free to be the weakest form of liveness, i.e., the system should not be stuck at some step</a:t>
+            </a:r>
+            <a:r>
+              <a:rPr lang="en-US" altLang="zh-CN" dirty="0" smtClean="0"/>
+              <a:t>.</a:t>
+            </a:r>
+          </a:p>
+          <a:p>
+            <a:pPr marL="158750" indent="0">
+              <a:buNone/>
+            </a:pPr>
+            <a:endParaRPr lang="en-US" altLang="zh-CN" dirty="0" smtClean="0"/>
+          </a:p>
+          <a:p>
+            <a:pPr marL="158750" indent="0">
+              <a:buNone/>
+            </a:pPr>
+            <a:r>
+              <a:rPr lang="en-US" altLang="zh-CN" b="1" dirty="0" smtClean="0"/>
+              <a:t>I will use “correct” in this presentation</a:t>
+            </a:r>
+            <a:r>
+              <a:rPr lang="en-US" altLang="zh-CN" b="1" baseline="0" dirty="0" smtClean="0"/>
+              <a:t> for simplicity, but it means the system should satisfy the given safety properties and be deadlock-free.</a:t>
+            </a:r>
+            <a:endParaRPr lang="en-US" altLang="zh-CN" b="1" dirty="0"/>
           </a:p>
         </p:txBody>
       </p:sp>
@@ -1136,6 +1176,80 @@
           <a:lstStyle/>
           <a:p>
             <a:r>
+              <a:rPr lang="en-US" dirty="0" smtClean="0"/>
+              <a:t>The last send will</a:t>
+            </a:r>
+            <a:r>
+              <a:rPr lang="en-US" baseline="0" dirty="0" smtClean="0"/>
+              <a:t> cause deadlock, i.e., the system is waiting for a rec event, but the environment is waiting for a send event.</a:t>
+            </a:r>
+            <a:endParaRPr lang="en-US" dirty="0"/>
+          </a:p>
+        </p:txBody>
+      </p:sp>
+    </p:spTree>
+    <p:extLst>
+      <p:ext uri="{BB962C8B-B14F-4D97-AF65-F5344CB8AC3E}">
+        <p14:creationId xmlns:p14="http://schemas.microsoft.com/office/powerpoint/2010/main" val="3152369955"/>
+      </p:ext>
+    </p:extLst>
+  </p:cSld>
+  <p:clrMapOvr>
+    <a:masterClrMapping/>
+  </p:clrMapOvr>
+</p:notes>
+</file>
+
+<file path=ppt/notesSlides/notesSlide6.xml><?xml version="1.0" encoding="utf-8"?>
+<p:notes xmlns:a="http://schemas.openxmlformats.org/drawingml/2006/main" xmlns:r="http://schemas.openxmlformats.org/officeDocument/2006/relationships" xmlns:p="http://schemas.openxmlformats.org/presentationml/2006/main">
+  <p:cSld>
+    <p:spTree>
+      <p:nvGrpSpPr>
+        <p:cNvPr id="1" name=""/>
+        <p:cNvGrpSpPr/>
+        <p:nvPr/>
+      </p:nvGrpSpPr>
+      <p:grpSpPr>
+        <a:xfrm>
+          <a:off x="0" y="0"/>
+          <a:ext cx="0" cy="0"/>
+          <a:chOff x="0" y="0"/>
+          <a:chExt cx="0" cy="0"/>
+        </a:xfrm>
+      </p:grpSpPr>
+      <p:sp>
+        <p:nvSpPr>
+          <p:cNvPr id="2" name="Slide Image Placeholder 1"/>
+          <p:cNvSpPr>
+            <a:spLocks noGrp="1" noRot="1" noChangeAspect="1"/>
+          </p:cNvSpPr>
+          <p:nvPr>
+            <p:ph type="sldImg"/>
+          </p:nvPr>
+        </p:nvSpPr>
+        <p:spPr>
+          <a:xfrm>
+            <a:off x="381000" y="685800"/>
+            <a:ext cx="6096000" cy="3429000"/>
+          </a:xfrm>
+        </p:spPr>
+      </p:sp>
+      <p:sp>
+        <p:nvSpPr>
+          <p:cNvPr id="3" name="Notes Placeholder 2"/>
+          <p:cNvSpPr>
+            <a:spLocks noGrp="1"/>
+          </p:cNvSpPr>
+          <p:nvPr>
+            <p:ph type="body" idx="1"/>
+          </p:nvPr>
+        </p:nvSpPr>
+        <p:spPr/>
+        <p:txBody>
+          <a:bodyPr/>
+          <a:lstStyle/>
+          <a:p>
+            <a:r>
               <a:rPr lang="en-US" altLang="zh-CN" dirty="0"/>
               <a:t>Interpretation of the projected state machine: we do not know what exactly will happen after a send event (e.g., a lose event or anything else), but we do know that we may need multiple send events to reach a rec event (i.e., the message is successfully received by the receiver).</a:t>
             </a:r>
@@ -1156,7 +1270,185 @@
 </p:notes>
 </file>
 
-<file path=ppt/notesSlides/notesSlide6.xml><?xml version="1.0" encoding="utf-8"?>
+<file path=ppt/notesSlides/notesSlide7.xml><?xml version="1.0" encoding="utf-8"?>
+<p:notes xmlns:a="http://schemas.openxmlformats.org/drawingml/2006/main" xmlns:r="http://schemas.openxmlformats.org/officeDocument/2006/relationships" xmlns:p="http://schemas.openxmlformats.org/presentationml/2006/main">
+  <p:cSld>
+    <p:spTree>
+      <p:nvGrpSpPr>
+        <p:cNvPr id="1" name=""/>
+        <p:cNvGrpSpPr/>
+        <p:nvPr/>
+      </p:nvGrpSpPr>
+      <p:grpSpPr>
+        <a:xfrm>
+          <a:off x="0" y="0"/>
+          <a:ext cx="0" cy="0"/>
+          <a:chOff x="0" y="0"/>
+          <a:chExt cx="0" cy="0"/>
+        </a:xfrm>
+      </p:grpSpPr>
+      <p:sp>
+        <p:nvSpPr>
+          <p:cNvPr id="2" name="Slide Image Placeholder 1"/>
+          <p:cNvSpPr>
+            <a:spLocks noGrp="1" noRot="1" noChangeAspect="1"/>
+          </p:cNvSpPr>
+          <p:nvPr>
+            <p:ph type="sldImg"/>
+          </p:nvPr>
+        </p:nvSpPr>
+        <p:spPr>
+          <a:xfrm>
+            <a:off x="381000" y="685800"/>
+            <a:ext cx="6096000" cy="3429000"/>
+          </a:xfrm>
+        </p:spPr>
+      </p:sp>
+      <p:sp>
+        <p:nvSpPr>
+          <p:cNvPr id="3" name="Notes Placeholder 2"/>
+          <p:cNvSpPr>
+            <a:spLocks noGrp="1"/>
+          </p:cNvSpPr>
+          <p:nvPr>
+            <p:ph type="body" idx="1"/>
+          </p:nvPr>
+        </p:nvSpPr>
+        <p:spPr/>
+        <p:txBody>
+          <a:bodyPr/>
+          <a:lstStyle/>
+          <a:p>
+            <a:r>
+              <a:rPr lang="en-US" dirty="0" smtClean="0"/>
+              <a:t>The definition of internal</a:t>
+            </a:r>
+            <a:r>
+              <a:rPr lang="en-US" baseline="0" dirty="0" smtClean="0"/>
+              <a:t> gives us the flexibility that: we could analyze the system capability against a given component in the environment, and the internal events under a given component could be the interfaces under another environment.</a:t>
+            </a:r>
+          </a:p>
+          <a:p>
+            <a:r>
+              <a:rPr lang="en-US" baseline="0" dirty="0" smtClean="0"/>
+              <a:t>(I didn’t investigate this, but could be a future research direction)</a:t>
+            </a:r>
+            <a:endParaRPr lang="en-US" dirty="0"/>
+          </a:p>
+        </p:txBody>
+      </p:sp>
+    </p:spTree>
+    <p:extLst>
+      <p:ext uri="{BB962C8B-B14F-4D97-AF65-F5344CB8AC3E}">
+        <p14:creationId xmlns:p14="http://schemas.microsoft.com/office/powerpoint/2010/main" val="1538742082"/>
+      </p:ext>
+    </p:extLst>
+  </p:cSld>
+  <p:clrMapOvr>
+    <a:masterClrMapping/>
+  </p:clrMapOvr>
+</p:notes>
+</file>
+
+<file path=ppt/notesSlides/notesSlide8.xml><?xml version="1.0" encoding="utf-8"?>
+<p:notes xmlns:a="http://schemas.openxmlformats.org/drawingml/2006/main" xmlns:r="http://schemas.openxmlformats.org/officeDocument/2006/relationships" xmlns:p="http://schemas.openxmlformats.org/presentationml/2006/main">
+  <p:cSld>
+    <p:spTree>
+      <p:nvGrpSpPr>
+        <p:cNvPr id="1" name=""/>
+        <p:cNvGrpSpPr/>
+        <p:nvPr/>
+      </p:nvGrpSpPr>
+      <p:grpSpPr>
+        <a:xfrm>
+          <a:off x="0" y="0"/>
+          <a:ext cx="0" cy="0"/>
+          <a:chOff x="0" y="0"/>
+          <a:chExt cx="0" cy="0"/>
+        </a:xfrm>
+      </p:grpSpPr>
+      <p:sp>
+        <p:nvSpPr>
+          <p:cNvPr id="2" name="Slide Image Placeholder 1"/>
+          <p:cNvSpPr>
+            <a:spLocks noGrp="1" noRot="1" noChangeAspect="1"/>
+          </p:cNvSpPr>
+          <p:nvPr>
+            <p:ph type="sldImg"/>
+          </p:nvPr>
+        </p:nvSpPr>
+        <p:spPr>
+          <a:xfrm>
+            <a:off x="381000" y="685800"/>
+            <a:ext cx="6096000" cy="3429000"/>
+          </a:xfrm>
+        </p:spPr>
+      </p:sp>
+      <p:sp>
+        <p:nvSpPr>
+          <p:cNvPr id="3" name="Notes Placeholder 2"/>
+          <p:cNvSpPr>
+            <a:spLocks noGrp="1"/>
+          </p:cNvSpPr>
+          <p:nvPr>
+            <p:ph type="body" idx="1"/>
+          </p:nvPr>
+        </p:nvSpPr>
+        <p:spPr/>
+        <p:txBody>
+          <a:bodyPr/>
+          <a:lstStyle/>
+          <a:p>
+            <a:r>
+              <a:rPr lang="en-US" dirty="0" smtClean="0"/>
+              <a:t>&lt;send,</a:t>
+            </a:r>
+            <a:r>
+              <a:rPr lang="en-US" baseline="0" dirty="0" smtClean="0"/>
+              <a:t> </a:t>
+            </a:r>
+            <a:r>
+              <a:rPr lang="en-US" baseline="0" dirty="0" err="1" smtClean="0"/>
+              <a:t>getack</a:t>
+            </a:r>
+            <a:r>
+              <a:rPr lang="en-US" baseline="0" dirty="0" smtClean="0"/>
+              <a:t>, send, </a:t>
+            </a:r>
+            <a:r>
+              <a:rPr lang="en-US" baseline="0" dirty="0" err="1" smtClean="0"/>
+              <a:t>getack</a:t>
+            </a:r>
+            <a:r>
+              <a:rPr lang="en-US" baseline="0" dirty="0" smtClean="0"/>
+              <a:t>, …</a:t>
+            </a:r>
+            <a:r>
+              <a:rPr lang="en-US" dirty="0" smtClean="0"/>
+              <a:t>&gt; means that the environment</a:t>
+            </a:r>
+            <a:r>
+              <a:rPr lang="en-US" baseline="0" dirty="0" smtClean="0"/>
+              <a:t> (channel) only accepts inputs without any output, which violates the property that input and output should alternate.</a:t>
+            </a:r>
+            <a:endParaRPr lang="en-US" dirty="0"/>
+          </a:p>
+        </p:txBody>
+      </p:sp>
+    </p:spTree>
+    <p:extLst>
+      <p:ext uri="{BB962C8B-B14F-4D97-AF65-F5344CB8AC3E}">
+        <p14:creationId xmlns:p14="http://schemas.microsoft.com/office/powerpoint/2010/main" val="1468799618"/>
+      </p:ext>
+    </p:extLst>
+  </p:cSld>
+  <p:clrMapOvr>
+    <a:masterClrMapping/>
+  </p:clrMapOvr>
+</p:notes>
+</file>
+
+<file path=ppt/notesSlides/notesSlide9.xml><?xml version="1.0" encoding="utf-8"?>
 <p:notes xmlns:a="http://schemas.openxmlformats.org/drawingml/2006/main" xmlns:r="http://schemas.openxmlformats.org/officeDocument/2006/relationships" xmlns:p="http://schemas.openxmlformats.org/presentationml/2006/main">
   <p:cSld>
     <p:spTree>
@@ -7267,10 +7559,772 @@
   <p:clrMapOvr>
     <a:masterClrMapping/>
   </p:clrMapOvr>
+  <p:timing>
+    <p:tnLst>
+      <p:par>
+        <p:cTn id="1" dur="indefinite" restart="never" nodeType="tmRoot"/>
+      </p:par>
+    </p:tnLst>
+  </p:timing>
 </p:sld>
 </file>
 
 <file path=ppt/slides/slide10.xml><?xml version="1.0" encoding="utf-8"?>
+<p:sld xmlns:a="http://schemas.openxmlformats.org/drawingml/2006/main" xmlns:r="http://schemas.openxmlformats.org/officeDocument/2006/relationships" xmlns:p="http://schemas.openxmlformats.org/presentationml/2006/main">
+  <p:cSld>
+    <p:spTree>
+      <p:nvGrpSpPr>
+        <p:cNvPr id="1" name=""/>
+        <p:cNvGrpSpPr/>
+        <p:nvPr/>
+      </p:nvGrpSpPr>
+      <p:grpSpPr>
+        <a:xfrm>
+          <a:off x="0" y="0"/>
+          <a:ext cx="0" cy="0"/>
+          <a:chOff x="0" y="0"/>
+          <a:chExt cx="0" cy="0"/>
+        </a:xfrm>
+      </p:grpSpPr>
+      <p:sp>
+        <p:nvSpPr>
+          <p:cNvPr id="2" name="Title 1"/>
+          <p:cNvSpPr>
+            <a:spLocks noGrp="1"/>
+          </p:cNvSpPr>
+          <p:nvPr>
+            <p:ph type="title"/>
+          </p:nvPr>
+        </p:nvSpPr>
+        <p:spPr/>
+        <p:txBody>
+          <a:bodyPr/>
+          <a:lstStyle/>
+          <a:p>
+            <a:r>
+              <a:rPr lang="en-US" dirty="0" smtClean="0"/>
+              <a:t>Representation of system capability</a:t>
+            </a:r>
+            <a:endParaRPr lang="en-US" dirty="0"/>
+          </a:p>
+        </p:txBody>
+      </p:sp>
+      <p:sp>
+        <p:nvSpPr>
+          <p:cNvPr id="3" name="Text Placeholder 2"/>
+          <p:cNvSpPr>
+            <a:spLocks noGrp="1"/>
+          </p:cNvSpPr>
+          <p:nvPr>
+            <p:ph type="body" idx="1"/>
+          </p:nvPr>
+        </p:nvSpPr>
+        <p:spPr/>
+        <p:txBody>
+          <a:bodyPr/>
+          <a:lstStyle/>
+          <a:p>
+            <a:r>
+              <a:rPr lang="en-US" sz="1600" dirty="0" smtClean="0"/>
+              <a:t>The capability of a system can be represented as all the traces of its corresponding state machine.</a:t>
+            </a:r>
+          </a:p>
+          <a:p>
+            <a:r>
+              <a:rPr lang="en-US" sz="1600" dirty="0" smtClean="0"/>
+              <a:t>Problem: the “internal” events are less important when analyzing its capability to work against a given environment.</a:t>
+            </a:r>
+          </a:p>
+          <a:p>
+            <a:r>
+              <a:rPr lang="en-US" sz="1600" dirty="0" smtClean="0"/>
+              <a:t>Solution: project the system to the interfaces of the environment.</a:t>
+            </a:r>
+            <a:endParaRPr lang="en-US" sz="1600" dirty="0"/>
+          </a:p>
+        </p:txBody>
+      </p:sp>
+      <p:sp>
+        <p:nvSpPr>
+          <p:cNvPr id="4" name="Slide Number Placeholder 3"/>
+          <p:cNvSpPr>
+            <a:spLocks noGrp="1"/>
+          </p:cNvSpPr>
+          <p:nvPr>
+            <p:ph type="sldNum" idx="12"/>
+          </p:nvPr>
+        </p:nvSpPr>
+        <p:spPr/>
+        <p:txBody>
+          <a:bodyPr/>
+          <a:lstStyle/>
+          <a:p>
+            <a:pPr marL="0" lvl="0" indent="0" algn="r" rtl="0">
+              <a:spcBef>
+                <a:spcPts val="0"/>
+              </a:spcBef>
+              <a:spcAft>
+                <a:spcPts val="0"/>
+              </a:spcAft>
+              <a:buNone/>
+            </a:pPr>
+            <a:fld id="{00000000-1234-1234-1234-123412341234}" type="slidenum">
+              <a:rPr lang="en" smtClean="0"/>
+              <a:t>10</a:t>
+            </a:fld>
+            <a:endParaRPr lang="en"/>
+          </a:p>
+        </p:txBody>
+      </p:sp>
+      <p:pic>
+        <p:nvPicPr>
+          <p:cNvPr id="5" name="Picture 4"/>
+          <p:cNvPicPr>
+            <a:picLocks noChangeAspect="1"/>
+          </p:cNvPicPr>
+          <p:nvPr/>
+        </p:nvPicPr>
+        <p:blipFill>
+          <a:blip r:embed="rId3"/>
+          <a:stretch>
+            <a:fillRect/>
+          </a:stretch>
+        </p:blipFill>
+        <p:spPr>
+          <a:xfrm>
+            <a:off x="764345" y="2944659"/>
+            <a:ext cx="3136062" cy="1115044"/>
+          </a:xfrm>
+          <a:prstGeom prst="rect">
+            <a:avLst/>
+          </a:prstGeom>
+        </p:spPr>
+      </p:pic>
+      <p:sp>
+        <p:nvSpPr>
+          <p:cNvPr id="6" name="Arrow: Right 5">
+            <a:extLst>
+              <a:ext uri="{FF2B5EF4-FFF2-40B4-BE49-F238E27FC236}">
+                <a16:creationId xmlns:a16="http://schemas.microsoft.com/office/drawing/2014/main" id="{050FAB4A-AB45-4641-8A3D-1AEAF001B78D}"/>
+              </a:ext>
+            </a:extLst>
+          </p:cNvPr>
+          <p:cNvSpPr/>
+          <p:nvPr/>
+        </p:nvSpPr>
+        <p:spPr>
+          <a:xfrm>
+            <a:off x="4101532" y="3386968"/>
+            <a:ext cx="976745" cy="249382"/>
+          </a:xfrm>
+          <a:prstGeom prst="rightArrow">
+            <a:avLst/>
+          </a:prstGeom>
+        </p:spPr>
+        <p:style>
+          <a:lnRef idx="2">
+            <a:schemeClr val="accent1">
+              <a:shade val="50000"/>
+            </a:schemeClr>
+          </a:lnRef>
+          <a:fillRef idx="1">
+            <a:schemeClr val="accent1"/>
+          </a:fillRef>
+          <a:effectRef idx="0">
+            <a:schemeClr val="accent1"/>
+          </a:effectRef>
+          <a:fontRef idx="minor">
+            <a:schemeClr val="lt1"/>
+          </a:fontRef>
+        </p:style>
+        <p:txBody>
+          <a:bodyPr rtlCol="0" anchor="ctr"/>
+          <a:lstStyle/>
+          <a:p>
+            <a:pPr algn="ctr"/>
+            <a:endParaRPr lang="zh-CN" altLang="en-US"/>
+          </a:p>
+        </p:txBody>
+      </p:sp>
+      <p:sp>
+        <p:nvSpPr>
+          <p:cNvPr id="7" name="TextBox 6">
+            <a:extLst>
+              <a:ext uri="{FF2B5EF4-FFF2-40B4-BE49-F238E27FC236}">
+                <a16:creationId xmlns:a16="http://schemas.microsoft.com/office/drawing/2014/main" id="{A1C6BCB3-7C6F-4EF4-AE3F-BFB83C285B0F}"/>
+              </a:ext>
+            </a:extLst>
+          </p:cNvPr>
+          <p:cNvSpPr txBox="1"/>
+          <p:nvPr/>
+        </p:nvSpPr>
+        <p:spPr>
+          <a:xfrm>
+            <a:off x="4039166" y="3109969"/>
+            <a:ext cx="1120820" cy="276999"/>
+          </a:xfrm>
+          <a:prstGeom prst="rect">
+            <a:avLst/>
+          </a:prstGeom>
+          <a:noFill/>
+        </p:spPr>
+        <p:txBody>
+          <a:bodyPr wrap="none" rtlCol="0">
+            <a:spAutoFit/>
+          </a:bodyPr>
+          <a:lstStyle/>
+          <a:p>
+            <a:r>
+              <a:rPr lang="en-US" altLang="zh-CN" sz="1200" dirty="0"/>
+              <a:t>Hide </a:t>
+            </a:r>
+            <a:r>
+              <a:rPr lang="en-US" altLang="zh-CN" sz="1200" dirty="0" smtClean="0"/>
+              <a:t>internals</a:t>
+            </a:r>
+            <a:endParaRPr lang="zh-CN" altLang="en-US" sz="1200" dirty="0"/>
+          </a:p>
+        </p:txBody>
+      </p:sp>
+      <p:pic>
+        <p:nvPicPr>
+          <p:cNvPr id="8" name="Picture 7"/>
+          <p:cNvPicPr>
+            <a:picLocks noChangeAspect="1"/>
+          </p:cNvPicPr>
+          <p:nvPr/>
+        </p:nvPicPr>
+        <p:blipFill>
+          <a:blip r:embed="rId4"/>
+          <a:stretch>
+            <a:fillRect/>
+          </a:stretch>
+        </p:blipFill>
+        <p:spPr>
+          <a:xfrm>
+            <a:off x="5279402" y="2967747"/>
+            <a:ext cx="1999282" cy="1091956"/>
+          </a:xfrm>
+          <a:prstGeom prst="rect">
+            <a:avLst/>
+          </a:prstGeom>
+        </p:spPr>
+      </p:pic>
+    </p:spTree>
+    <p:extLst>
+      <p:ext uri="{BB962C8B-B14F-4D97-AF65-F5344CB8AC3E}">
+        <p14:creationId xmlns:p14="http://schemas.microsoft.com/office/powerpoint/2010/main" val="269365240"/>
+      </p:ext>
+    </p:extLst>
+  </p:cSld>
+  <p:clrMapOvr>
+    <a:masterClrMapping/>
+  </p:clrMapOvr>
+  <p:timing>
+    <p:tnLst>
+      <p:par>
+        <p:cTn id="1" dur="indefinite" restart="never" nodeType="tmRoot"/>
+      </p:par>
+    </p:tnLst>
+  </p:timing>
+</p:sld>
+</file>
+
+<file path=ppt/slides/slide11.xml><?xml version="1.0" encoding="utf-8"?>
+<p:sld xmlns:a="http://schemas.openxmlformats.org/drawingml/2006/main" xmlns:r="http://schemas.openxmlformats.org/officeDocument/2006/relationships" xmlns:p="http://schemas.openxmlformats.org/presentationml/2006/main">
+  <p:cSld>
+    <p:spTree>
+      <p:nvGrpSpPr>
+        <p:cNvPr id="1" name=""/>
+        <p:cNvGrpSpPr/>
+        <p:nvPr/>
+      </p:nvGrpSpPr>
+      <p:grpSpPr>
+        <a:xfrm>
+          <a:off x="0" y="0"/>
+          <a:ext cx="0" cy="0"/>
+          <a:chOff x="0" y="0"/>
+          <a:chExt cx="0" cy="0"/>
+        </a:xfrm>
+      </p:grpSpPr>
+      <p:sp>
+        <p:nvSpPr>
+          <p:cNvPr id="2" name="Title 1"/>
+          <p:cNvSpPr>
+            <a:spLocks noGrp="1"/>
+          </p:cNvSpPr>
+          <p:nvPr>
+            <p:ph type="title"/>
+          </p:nvPr>
+        </p:nvSpPr>
+        <p:spPr/>
+        <p:txBody>
+          <a:bodyPr/>
+          <a:lstStyle/>
+          <a:p>
+            <a:r>
+              <a:rPr lang="en-US" dirty="0"/>
+              <a:t>Representation of system assumption</a:t>
+            </a:r>
+          </a:p>
+        </p:txBody>
+      </p:sp>
+      <p:sp>
+        <p:nvSpPr>
+          <p:cNvPr id="3" name="Text Placeholder 2"/>
+          <p:cNvSpPr>
+            <a:spLocks noGrp="1"/>
+          </p:cNvSpPr>
+          <p:nvPr>
+            <p:ph type="body" idx="1"/>
+          </p:nvPr>
+        </p:nvSpPr>
+        <p:spPr/>
+        <p:txBody>
+          <a:bodyPr/>
+          <a:lstStyle/>
+          <a:p>
+            <a:r>
+              <a:rPr lang="en-US" dirty="0" smtClean="0"/>
+              <a:t>The projected capability describes all the possible traces of the environment that the system can work with.</a:t>
+            </a:r>
+          </a:p>
+          <a:p>
+            <a:r>
+              <a:rPr lang="en-US" dirty="0" smtClean="0"/>
+              <a:t>However, it may include traces that would lead to property violation.</a:t>
+            </a:r>
+          </a:p>
+          <a:p>
+            <a:r>
+              <a:rPr lang="en-US" dirty="0"/>
+              <a:t>E.g., system allows trace &lt;send, </a:t>
+            </a:r>
+            <a:r>
+              <a:rPr lang="en-US" dirty="0" err="1"/>
+              <a:t>getack</a:t>
+            </a:r>
+            <a:r>
+              <a:rPr lang="en-US" dirty="0"/>
+              <a:t>, send, </a:t>
+            </a:r>
+            <a:r>
+              <a:rPr lang="en-US" dirty="0" err="1"/>
+              <a:t>getack</a:t>
+            </a:r>
+            <a:r>
+              <a:rPr lang="en-US" dirty="0"/>
+              <a:t>, …&gt;, which violates property that input and output should alternate.</a:t>
+            </a:r>
+          </a:p>
+          <a:p>
+            <a:endParaRPr lang="en-US" dirty="0"/>
+          </a:p>
+        </p:txBody>
+      </p:sp>
+      <p:sp>
+        <p:nvSpPr>
+          <p:cNvPr id="4" name="Slide Number Placeholder 3"/>
+          <p:cNvSpPr>
+            <a:spLocks noGrp="1"/>
+          </p:cNvSpPr>
+          <p:nvPr>
+            <p:ph type="sldNum" idx="12"/>
+          </p:nvPr>
+        </p:nvSpPr>
+        <p:spPr/>
+        <p:txBody>
+          <a:bodyPr/>
+          <a:lstStyle/>
+          <a:p>
+            <a:pPr marL="0" lvl="0" indent="0" algn="r" rtl="0">
+              <a:spcBef>
+                <a:spcPts val="0"/>
+              </a:spcBef>
+              <a:spcAft>
+                <a:spcPts val="0"/>
+              </a:spcAft>
+              <a:buNone/>
+            </a:pPr>
+            <a:fld id="{00000000-1234-1234-1234-123412341234}" type="slidenum">
+              <a:rPr lang="en" smtClean="0"/>
+              <a:t>11</a:t>
+            </a:fld>
+            <a:endParaRPr lang="en"/>
+          </a:p>
+        </p:txBody>
+      </p:sp>
+      <p:pic>
+        <p:nvPicPr>
+          <p:cNvPr id="5" name="Picture 4"/>
+          <p:cNvPicPr>
+            <a:picLocks noChangeAspect="1"/>
+          </p:cNvPicPr>
+          <p:nvPr/>
+        </p:nvPicPr>
+        <p:blipFill>
+          <a:blip r:embed="rId2"/>
+          <a:stretch>
+            <a:fillRect/>
+          </a:stretch>
+        </p:blipFill>
+        <p:spPr>
+          <a:xfrm>
+            <a:off x="5794793" y="2862204"/>
+            <a:ext cx="2677665" cy="1462471"/>
+          </a:xfrm>
+          <a:prstGeom prst="rect">
+            <a:avLst/>
+          </a:prstGeom>
+        </p:spPr>
+      </p:pic>
+    </p:spTree>
+    <p:extLst>
+      <p:ext uri="{BB962C8B-B14F-4D97-AF65-F5344CB8AC3E}">
+        <p14:creationId xmlns:p14="http://schemas.microsoft.com/office/powerpoint/2010/main" val="1912107243"/>
+      </p:ext>
+    </p:extLst>
+  </p:cSld>
+  <p:clrMapOvr>
+    <a:masterClrMapping/>
+  </p:clrMapOvr>
+  <p:timing>
+    <p:tnLst>
+      <p:par>
+        <p:cTn id="1" dur="indefinite" restart="never" nodeType="tmRoot"/>
+      </p:par>
+    </p:tnLst>
+  </p:timing>
+</p:sld>
+</file>
+
+<file path=ppt/slides/slide12.xml><?xml version="1.0" encoding="utf-8"?>
+<p:sld xmlns:a="http://schemas.openxmlformats.org/drawingml/2006/main" xmlns:r="http://schemas.openxmlformats.org/officeDocument/2006/relationships" xmlns:p="http://schemas.openxmlformats.org/presentationml/2006/main">
+  <p:cSld>
+    <p:spTree>
+      <p:nvGrpSpPr>
+        <p:cNvPr id="1" name=""/>
+        <p:cNvGrpSpPr/>
+        <p:nvPr/>
+      </p:nvGrpSpPr>
+      <p:grpSpPr>
+        <a:xfrm>
+          <a:off x="0" y="0"/>
+          <a:ext cx="0" cy="0"/>
+          <a:chOff x="0" y="0"/>
+          <a:chExt cx="0" cy="0"/>
+        </a:xfrm>
+      </p:grpSpPr>
+      <p:sp>
+        <p:nvSpPr>
+          <p:cNvPr id="2" name="Title 1"/>
+          <p:cNvSpPr>
+            <a:spLocks noGrp="1"/>
+          </p:cNvSpPr>
+          <p:nvPr>
+            <p:ph type="title"/>
+          </p:nvPr>
+        </p:nvSpPr>
+        <p:spPr/>
+        <p:txBody>
+          <a:bodyPr/>
+          <a:lstStyle/>
+          <a:p>
+            <a:r>
+              <a:rPr lang="en-US" dirty="0" smtClean="0"/>
+              <a:t>Representation of system assumption</a:t>
+            </a:r>
+            <a:endParaRPr lang="en-US" dirty="0"/>
+          </a:p>
+        </p:txBody>
+      </p:sp>
+      <p:sp>
+        <p:nvSpPr>
+          <p:cNvPr id="3" name="Text Placeholder 2"/>
+          <p:cNvSpPr>
+            <a:spLocks noGrp="1"/>
+          </p:cNvSpPr>
+          <p:nvPr>
+            <p:ph type="body" idx="1"/>
+          </p:nvPr>
+        </p:nvSpPr>
+        <p:spPr>
+          <a:xfrm>
+            <a:off x="311700" y="1152475"/>
+            <a:ext cx="6564381" cy="3172200"/>
+          </a:xfrm>
+        </p:spPr>
+        <p:txBody>
+          <a:bodyPr/>
+          <a:lstStyle/>
+          <a:p>
+            <a:r>
+              <a:rPr lang="en-US" sz="1600" dirty="0" smtClean="0"/>
+              <a:t>Most often, a system cannot work under any environment.</a:t>
+            </a:r>
+          </a:p>
+          <a:p>
+            <a:r>
+              <a:rPr lang="en-US" sz="1600" dirty="0" smtClean="0"/>
+              <a:t>Developers make implicit assumptions of the environment to ensure “correct” function.</a:t>
+            </a:r>
+          </a:p>
+          <a:p>
+            <a:r>
+              <a:rPr lang="en-US" sz="1600" dirty="0" smtClean="0"/>
+              <a:t>E.g., system allows trace &lt;send, </a:t>
+            </a:r>
+            <a:r>
+              <a:rPr lang="en-US" sz="1600" dirty="0" err="1" smtClean="0"/>
+              <a:t>getack</a:t>
+            </a:r>
+            <a:r>
+              <a:rPr lang="en-US" sz="1600" dirty="0" smtClean="0"/>
+              <a:t>, send, </a:t>
+            </a:r>
+            <a:r>
+              <a:rPr lang="en-US" sz="1600" dirty="0" err="1" smtClean="0"/>
+              <a:t>getack</a:t>
+            </a:r>
+            <a:r>
+              <a:rPr lang="en-US" sz="1600" dirty="0" smtClean="0"/>
+              <a:t>, …&gt;, which violates property that input and output should alternate.</a:t>
+            </a:r>
+          </a:p>
+          <a:p>
+            <a:endParaRPr lang="en-US" sz="1600" dirty="0" smtClean="0"/>
+          </a:p>
+          <a:p>
+            <a:r>
+              <a:rPr lang="en-US" sz="1600" dirty="0" smtClean="0"/>
+              <a:t>To ensure the property, it assumes the environment to be:</a:t>
+            </a:r>
+            <a:endParaRPr lang="en-US" sz="1600" dirty="0"/>
+          </a:p>
+        </p:txBody>
+      </p:sp>
+      <p:sp>
+        <p:nvSpPr>
+          <p:cNvPr id="4" name="Slide Number Placeholder 3"/>
+          <p:cNvSpPr>
+            <a:spLocks noGrp="1"/>
+          </p:cNvSpPr>
+          <p:nvPr>
+            <p:ph type="sldNum" idx="12"/>
+          </p:nvPr>
+        </p:nvSpPr>
+        <p:spPr/>
+        <p:txBody>
+          <a:bodyPr/>
+          <a:lstStyle/>
+          <a:p>
+            <a:pPr marL="0" lvl="0" indent="0" algn="r" rtl="0">
+              <a:spcBef>
+                <a:spcPts val="0"/>
+              </a:spcBef>
+              <a:spcAft>
+                <a:spcPts val="0"/>
+              </a:spcAft>
+              <a:buNone/>
+            </a:pPr>
+            <a:fld id="{00000000-1234-1234-1234-123412341234}" type="slidenum">
+              <a:rPr lang="en" smtClean="0"/>
+              <a:t>12</a:t>
+            </a:fld>
+            <a:endParaRPr lang="en"/>
+          </a:p>
+        </p:txBody>
+      </p:sp>
+      <p:pic>
+        <p:nvPicPr>
+          <p:cNvPr id="6" name="Picture 5"/>
+          <p:cNvPicPr>
+            <a:picLocks noChangeAspect="1"/>
+          </p:cNvPicPr>
+          <p:nvPr/>
+        </p:nvPicPr>
+        <p:blipFill>
+          <a:blip r:embed="rId3"/>
+          <a:stretch>
+            <a:fillRect/>
+          </a:stretch>
+        </p:blipFill>
+        <p:spPr>
+          <a:xfrm>
+            <a:off x="6524787" y="3286182"/>
+            <a:ext cx="2077966" cy="786257"/>
+          </a:xfrm>
+          <a:prstGeom prst="rect">
+            <a:avLst/>
+          </a:prstGeom>
+        </p:spPr>
+      </p:pic>
+      <p:pic>
+        <p:nvPicPr>
+          <p:cNvPr id="7" name="Picture 6"/>
+          <p:cNvPicPr>
+            <a:picLocks noChangeAspect="1"/>
+          </p:cNvPicPr>
+          <p:nvPr/>
+        </p:nvPicPr>
+        <p:blipFill>
+          <a:blip r:embed="rId4"/>
+          <a:stretch>
+            <a:fillRect/>
+          </a:stretch>
+        </p:blipFill>
+        <p:spPr>
+          <a:xfrm>
+            <a:off x="6524787" y="1941990"/>
+            <a:ext cx="1999282" cy="1091956"/>
+          </a:xfrm>
+          <a:prstGeom prst="rect">
+            <a:avLst/>
+          </a:prstGeom>
+        </p:spPr>
+      </p:pic>
+    </p:spTree>
+    <p:extLst>
+      <p:ext uri="{BB962C8B-B14F-4D97-AF65-F5344CB8AC3E}">
+        <p14:creationId xmlns:p14="http://schemas.microsoft.com/office/powerpoint/2010/main" val="2161841171"/>
+      </p:ext>
+    </p:extLst>
+  </p:cSld>
+  <p:clrMapOvr>
+    <a:masterClrMapping/>
+  </p:clrMapOvr>
+  <p:timing>
+    <p:tnLst>
+      <p:par>
+        <p:cTn id="1" dur="indefinite" restart="never" nodeType="tmRoot"/>
+      </p:par>
+    </p:tnLst>
+  </p:timing>
+</p:sld>
+</file>
+
+<file path=ppt/slides/slide13.xml><?xml version="1.0" encoding="utf-8"?>
+<p:sld xmlns:a="http://schemas.openxmlformats.org/drawingml/2006/main" xmlns:r="http://schemas.openxmlformats.org/officeDocument/2006/relationships" xmlns:p="http://schemas.openxmlformats.org/presentationml/2006/main">
+  <p:cSld>
+    <p:spTree>
+      <p:nvGrpSpPr>
+        <p:cNvPr id="1" name=""/>
+        <p:cNvGrpSpPr/>
+        <p:nvPr/>
+      </p:nvGrpSpPr>
+      <p:grpSpPr>
+        <a:xfrm>
+          <a:off x="0" y="0"/>
+          <a:ext cx="0" cy="0"/>
+          <a:chOff x="0" y="0"/>
+          <a:chExt cx="0" cy="0"/>
+        </a:xfrm>
+      </p:grpSpPr>
+      <p:sp>
+        <p:nvSpPr>
+          <p:cNvPr id="2" name="Title 1"/>
+          <p:cNvSpPr>
+            <a:spLocks noGrp="1"/>
+          </p:cNvSpPr>
+          <p:nvPr>
+            <p:ph type="title"/>
+          </p:nvPr>
+        </p:nvSpPr>
+        <p:spPr/>
+        <p:txBody>
+          <a:bodyPr/>
+          <a:lstStyle/>
+          <a:p>
+            <a:r>
+              <a:rPr lang="en-US" dirty="0" smtClean="0"/>
+              <a:t>Strong and Weak assumption</a:t>
+            </a:r>
+            <a:endParaRPr lang="en-US" dirty="0"/>
+          </a:p>
+        </p:txBody>
+      </p:sp>
+      <p:sp>
+        <p:nvSpPr>
+          <p:cNvPr id="3" name="Text Placeholder 2"/>
+          <p:cNvSpPr>
+            <a:spLocks noGrp="1"/>
+          </p:cNvSpPr>
+          <p:nvPr>
+            <p:ph type="body" idx="1"/>
+          </p:nvPr>
+        </p:nvSpPr>
+        <p:spPr/>
+        <p:txBody>
+          <a:bodyPr/>
+          <a:lstStyle/>
+          <a:p>
+            <a:r>
+              <a:rPr lang="en-US" dirty="0" smtClean="0"/>
+              <a:t>Stronger assumption =&gt; less allowed behavior of the environment;</a:t>
+            </a:r>
+          </a:p>
+          <a:p>
+            <a:r>
+              <a:rPr lang="en-US" dirty="0" smtClean="0"/>
+              <a:t>Weaker assumption =&gt; more allowed behavior of the environment.</a:t>
+            </a:r>
+            <a:endParaRPr lang="en-US" dirty="0"/>
+          </a:p>
+        </p:txBody>
+      </p:sp>
+      <p:sp>
+        <p:nvSpPr>
+          <p:cNvPr id="4" name="Slide Number Placeholder 3"/>
+          <p:cNvSpPr>
+            <a:spLocks noGrp="1"/>
+          </p:cNvSpPr>
+          <p:nvPr>
+            <p:ph type="sldNum" idx="12"/>
+          </p:nvPr>
+        </p:nvSpPr>
+        <p:spPr/>
+        <p:txBody>
+          <a:bodyPr/>
+          <a:lstStyle/>
+          <a:p>
+            <a:pPr marL="0" lvl="0" indent="0" algn="r" rtl="0">
+              <a:spcBef>
+                <a:spcPts val="0"/>
+              </a:spcBef>
+              <a:spcAft>
+                <a:spcPts val="0"/>
+              </a:spcAft>
+              <a:buNone/>
+            </a:pPr>
+            <a:fld id="{00000000-1234-1234-1234-123412341234}" type="slidenum">
+              <a:rPr lang="en" smtClean="0"/>
+              <a:t>13</a:t>
+            </a:fld>
+            <a:endParaRPr lang="en"/>
+          </a:p>
+        </p:txBody>
+      </p:sp>
+    </p:spTree>
+    <p:extLst>
+      <p:ext uri="{BB962C8B-B14F-4D97-AF65-F5344CB8AC3E}">
+        <p14:creationId xmlns:p14="http://schemas.microsoft.com/office/powerpoint/2010/main" val="1948873531"/>
+      </p:ext>
+    </p:extLst>
+  </p:cSld>
+  <p:clrMapOvr>
+    <a:masterClrMapping/>
+  </p:clrMapOvr>
+  <p:timing>
+    <p:tnLst>
+      <p:par>
+        <p:cTn id="1" dur="indefinite" restart="never" nodeType="tmRoot"/>
+      </p:par>
+    </p:tnLst>
+  </p:timing>
+</p:sld>
+</file>
+
+<file path=ppt/slides/slide14.xml><?xml version="1.0" encoding="utf-8"?>
 <p:sld xmlns:a="http://schemas.openxmlformats.org/drawingml/2006/main" xmlns:r="http://schemas.openxmlformats.org/officeDocument/2006/relationships" xmlns:p="http://schemas.openxmlformats.org/presentationml/2006/main">
   <p:cSld>
     <p:spTree>
@@ -7348,7 +8402,7 @@
             </a:pPr>
             <a:fld id="{00000000-1234-1234-1234-123412341234}" type="slidenum">
               <a:rPr lang="en" smtClean="0"/>
-              <a:t>10</a:t>
+              <a:t>14</a:t>
             </a:fld>
             <a:endParaRPr lang="en"/>
           </a:p>
@@ -7486,6 +8540,13 @@
   <p:clrMapOvr>
     <a:masterClrMapping/>
   </p:clrMapOvr>
+  <p:timing>
+    <p:tnLst>
+      <p:par>
+        <p:cTn id="1" dur="indefinite" restart="never" nodeType="tmRoot"/>
+      </p:par>
+    </p:tnLst>
+  </p:timing>
 </p:sld>
 </file>
 
@@ -7614,6 +8675,21 @@
   <p:clrMapOvr>
     <a:masterClrMapping/>
   </p:clrMapOvr>
+  <mc:AlternateContent xmlns:mc="http://schemas.openxmlformats.org/markup-compatibility/2006">
+    <mc:Choice xmlns:p14="http://schemas.microsoft.com/office/powerpoint/2010/main" Requires="p14">
+      <p:transition spd="slow" p14:dur="2000"/>
+    </mc:Choice>
+    <mc:Fallback>
+      <p:transition spd="slow"/>
+    </mc:Fallback>
+  </mc:AlternateContent>
+  <p:timing>
+    <p:tnLst>
+      <p:par>
+        <p:cTn id="1" dur="indefinite" restart="never" nodeType="tmRoot"/>
+      </p:par>
+    </p:tnLst>
+  </p:timing>
 </p:sld>
 </file>
 
@@ -7771,9 +8847,17 @@
               </a:spcAft>
               <a:buNone/>
             </a:pPr>
+            <a:r>
+              <a:rPr lang="en" dirty="0"/>
+              <a:t/>
+            </a:r>
             <a:br>
               <a:rPr lang="en" dirty="0"/>
             </a:br>
+            <a:r>
+              <a:rPr lang="en" dirty="0"/>
+              <a:t/>
+            </a:r>
             <a:br>
               <a:rPr lang="en" dirty="0"/>
             </a:br>
@@ -7828,6 +8912,13 @@
   <p:clrMapOvr>
     <a:masterClrMapping/>
   </p:clrMapOvr>
+  <p:timing>
+    <p:tnLst>
+      <p:par>
+        <p:cTn id="1" dur="indefinite" restart="never" nodeType="tmRoot"/>
+      </p:par>
+    </p:tnLst>
+  </p:timing>
 </p:sld>
 </file>
 
@@ -8070,6 +9161,13 @@
   <p:clrMapOvr>
     <a:masterClrMapping/>
   </p:clrMapOvr>
+  <p:timing>
+    <p:tnLst>
+      <p:par>
+        <p:cTn id="1" dur="indefinite" restart="never" nodeType="tmRoot"/>
+      </p:par>
+    </p:tnLst>
+  </p:timing>
 </p:sld>
 </file>
 
@@ -8280,6 +9378,13 @@
   <p:clrMapOvr>
     <a:masterClrMapping/>
   </p:clrMapOvr>
+  <p:timing>
+    <p:tnLst>
+      <p:par>
+        <p:cTn id="1" dur="indefinite" restart="never" nodeType="tmRoot"/>
+      </p:par>
+    </p:tnLst>
+  </p:timing>
 </p:sld>
 </file>
 
@@ -8416,13 +9521,7 @@
       </p:pic>
       <p:pic>
         <p:nvPicPr>
-          <p:cNvPr id="5" name="Picture 4">
-            <a:extLst>
-              <a:ext uri="{FF2B5EF4-FFF2-40B4-BE49-F238E27FC236}">
-                <a16:creationId xmlns:a16="http://schemas.microsoft.com/office/drawing/2014/main" id="{84ECE6F5-7DF0-4CA6-85AF-51AB1FA4C230}"/>
-              </a:ext>
-            </a:extLst>
-          </p:cNvPr>
+          <p:cNvPr id="8" name="Picture 7"/>
           <p:cNvPicPr>
             <a:picLocks noChangeAspect="1"/>
           </p:cNvPicPr>
@@ -8436,8 +9535,8 @@
         </p:blipFill>
         <p:spPr>
           <a:xfrm>
-            <a:off x="6286500" y="2325122"/>
-            <a:ext cx="2419350" cy="806450"/>
+            <a:off x="528432" y="1753911"/>
+            <a:ext cx="2106777" cy="903854"/>
           </a:xfrm>
           <a:prstGeom prst="rect">
             <a:avLst/>
@@ -8446,13 +9545,7 @@
       </p:pic>
       <p:pic>
         <p:nvPicPr>
-          <p:cNvPr id="6" name="Picture 5">
-            <a:extLst>
-              <a:ext uri="{FF2B5EF4-FFF2-40B4-BE49-F238E27FC236}">
-                <a16:creationId xmlns:a16="http://schemas.microsoft.com/office/drawing/2014/main" id="{A747C775-D9E2-4D8C-AB25-1978F4DCC0A8}"/>
-              </a:ext>
-            </a:extLst>
-          </p:cNvPr>
+          <p:cNvPr id="9" name="Picture 8"/>
           <p:cNvPicPr>
             <a:picLocks noChangeAspect="1"/>
           </p:cNvPicPr>
@@ -8466,8 +9559,8 @@
         </p:blipFill>
         <p:spPr>
           <a:xfrm>
-            <a:off x="438150" y="1681406"/>
-            <a:ext cx="2247900" cy="890344"/>
+            <a:off x="485440" y="2875746"/>
+            <a:ext cx="2192760" cy="877104"/>
           </a:xfrm>
           <a:prstGeom prst="rect">
             <a:avLst/>
@@ -8476,13 +9569,7 @@
       </p:pic>
       <p:pic>
         <p:nvPicPr>
-          <p:cNvPr id="7" name="Picture 6">
-            <a:extLst>
-              <a:ext uri="{FF2B5EF4-FFF2-40B4-BE49-F238E27FC236}">
-                <a16:creationId xmlns:a16="http://schemas.microsoft.com/office/drawing/2014/main" id="{153529F7-F183-4A1A-81D8-D9B0B4190286}"/>
-              </a:ext>
-            </a:extLst>
-          </p:cNvPr>
+          <p:cNvPr id="10" name="Picture 9"/>
           <p:cNvPicPr>
             <a:picLocks noChangeAspect="1"/>
           </p:cNvPicPr>
@@ -8496,8 +9583,8 @@
         </p:blipFill>
         <p:spPr>
           <a:xfrm>
-            <a:off x="407743" y="2728347"/>
-            <a:ext cx="2348157" cy="875143"/>
+            <a:off x="6238864" y="2205838"/>
+            <a:ext cx="2507944" cy="948951"/>
           </a:xfrm>
           <a:prstGeom prst="rect">
             <a:avLst/>
@@ -8514,6 +9601,13 @@
   <p:clrMapOvr>
     <a:masterClrMapping/>
   </p:clrMapOvr>
+  <p:timing>
+    <p:tnLst>
+      <p:par>
+        <p:cTn id="1" dur="indefinite" restart="never" nodeType="tmRoot"/>
+      </p:par>
+    </p:tnLst>
+  </p:timing>
 </p:sld>
 </file>
 
@@ -8673,13 +9767,7 @@
       </p:sp>
       <p:pic>
         <p:nvPicPr>
-          <p:cNvPr id="5" name="Picture 4">
-            <a:extLst>
-              <a:ext uri="{FF2B5EF4-FFF2-40B4-BE49-F238E27FC236}">
-                <a16:creationId xmlns:a16="http://schemas.microsoft.com/office/drawing/2014/main" id="{203E2947-94FF-47AB-B4E6-21A44DD636A5}"/>
-              </a:ext>
-            </a:extLst>
-          </p:cNvPr>
+          <p:cNvPr id="6" name="Picture 5"/>
           <p:cNvPicPr>
             <a:picLocks noChangeAspect="1"/>
           </p:cNvPicPr>
@@ -8693,8 +9781,8 @@
         </p:blipFill>
         <p:spPr>
           <a:xfrm>
-            <a:off x="6195689" y="2571750"/>
-            <a:ext cx="2148880" cy="1244600"/>
+            <a:off x="6284612" y="2583969"/>
+            <a:ext cx="1815835" cy="1125517"/>
           </a:xfrm>
           <a:prstGeom prst="rect">
             <a:avLst/>
@@ -8711,6 +9799,13 @@
   <p:clrMapOvr>
     <a:masterClrMapping/>
   </p:clrMapOvr>
+  <p:timing>
+    <p:tnLst>
+      <p:par>
+        <p:cTn id="1" dur="indefinite" restart="never" nodeType="tmRoot"/>
+      </p:par>
+    </p:tnLst>
+  </p:timing>
 </p:sld>
 </file>
 
@@ -8798,12 +9893,90 @@
           </a:p>
         </p:txBody>
       </p:sp>
+      <p:sp>
+        <p:nvSpPr>
+          <p:cNvPr id="11" name="Text Placeholder 2">
+            <a:extLst>
+              <a:ext uri="{FF2B5EF4-FFF2-40B4-BE49-F238E27FC236}">
+                <a16:creationId xmlns:a16="http://schemas.microsoft.com/office/drawing/2014/main" id="{55A69C89-DE76-4A70-A9B3-14818AF1592C}"/>
+              </a:ext>
+            </a:extLst>
+          </p:cNvPr>
+          <p:cNvSpPr>
+            <a:spLocks noGrp="1"/>
+          </p:cNvSpPr>
+          <p:nvPr>
+            <p:ph type="body" idx="1"/>
+          </p:nvPr>
+        </p:nvSpPr>
+        <p:spPr>
+          <a:xfrm>
+            <a:off x="438150" y="3760087"/>
+            <a:ext cx="8394149" cy="564588"/>
+          </a:xfrm>
+        </p:spPr>
+        <p:txBody>
+          <a:bodyPr/>
+          <a:lstStyle/>
+          <a:p>
+            <a:pPr marL="114300" indent="0">
+              <a:buNone/>
+            </a:pPr>
+            <a:r>
+              <a:rPr lang="en-US" altLang="zh-CN" sz="1600" dirty="0" smtClean="0"/>
+              <a:t>Combining the system and environment, a </a:t>
+            </a:r>
+            <a:r>
+              <a:rPr lang="en-US" altLang="zh-CN" sz="1600" dirty="0"/>
+              <a:t>trace to deadlock</a:t>
+            </a:r>
+            <a:r>
+              <a:rPr lang="en-US" altLang="zh-CN" sz="1600" dirty="0" smtClean="0"/>
+              <a:t>:</a:t>
+            </a:r>
+          </a:p>
+          <a:p>
+            <a:pPr marL="114300" indent="0">
+              <a:buNone/>
+            </a:pPr>
+            <a:r>
+              <a:rPr lang="en-US" altLang="zh-CN" sz="1600" dirty="0"/>
+              <a:t>	</a:t>
+            </a:r>
+            <a:r>
+              <a:rPr lang="en-US" altLang="zh-CN" sz="1600" dirty="0" smtClean="0"/>
+              <a:t>&lt;</a:t>
+            </a:r>
+            <a:r>
+              <a:rPr lang="en-US" altLang="zh-CN" sz="1600" dirty="0"/>
+              <a:t>input, send, </a:t>
+            </a:r>
+            <a:r>
+              <a:rPr lang="en-US" altLang="zh-CN" sz="1600" dirty="0" smtClean="0"/>
+              <a:t>lose, </a:t>
+            </a:r>
+            <a:r>
+              <a:rPr lang="en-US" altLang="zh-CN" sz="1600" dirty="0" smtClean="0">
+                <a:solidFill>
+                  <a:srgbClr val="FF0000"/>
+                </a:solidFill>
+              </a:rPr>
+              <a:t>send</a:t>
+            </a:r>
+            <a:r>
+              <a:rPr lang="en-US" altLang="zh-CN" sz="1600" dirty="0" smtClean="0"/>
+              <a:t>&gt;</a:t>
+            </a:r>
+            <a:endParaRPr lang="en-US" altLang="zh-CN" sz="1600" dirty="0"/>
+          </a:p>
+        </p:txBody>
+      </p:sp>
       <p:pic>
         <p:nvPicPr>
-          <p:cNvPr id="5" name="Picture 4">
+          <p:cNvPr id="10" name="Picture 4">
             <a:extLst>
               <a:ext uri="{FF2B5EF4-FFF2-40B4-BE49-F238E27FC236}">
-                <a16:creationId xmlns:a16="http://schemas.microsoft.com/office/drawing/2014/main" id="{EE1F9424-A3CA-41B6-91DB-0C3E2ED8B354}"/>
+                <a16:creationId xmlns:a16="http://schemas.microsoft.com/office/drawing/2014/main" id="{1C69F5EC-0D66-4C81-BC05-A77A667529ED}"/>
               </a:ext>
             </a:extLst>
           </p:cNvPr>
@@ -8813,7 +9986,7 @@
           <p:nvPr/>
         </p:nvPicPr>
         <p:blipFill>
-          <a:blip r:embed="rId2">
+          <a:blip r:embed="rId3">
             <a:extLst>
               <a:ext uri="{28A0092B-C50C-407E-A947-70E740481C1C}">
                 <a14:useLocalDpi xmlns:a14="http://schemas.microsoft.com/office/drawing/2010/main" val="0"/>
@@ -8847,43 +10020,7 @@
       </p:pic>
       <p:pic>
         <p:nvPicPr>
-          <p:cNvPr id="7" name="Picture 6">
-            <a:extLst>
-              <a:ext uri="{FF2B5EF4-FFF2-40B4-BE49-F238E27FC236}">
-                <a16:creationId xmlns:a16="http://schemas.microsoft.com/office/drawing/2014/main" id="{DC94FEC7-9269-44E9-B907-A78E0DA63D56}"/>
-              </a:ext>
-            </a:extLst>
-          </p:cNvPr>
-          <p:cNvPicPr>
-            <a:picLocks noChangeAspect="1"/>
-          </p:cNvPicPr>
-          <p:nvPr/>
-        </p:nvPicPr>
-        <p:blipFill>
-          <a:blip r:embed="rId3"/>
-          <a:stretch>
-            <a:fillRect/>
-          </a:stretch>
-        </p:blipFill>
-        <p:spPr>
-          <a:xfrm>
-            <a:off x="438150" y="1681406"/>
-            <a:ext cx="2247900" cy="890344"/>
-          </a:xfrm>
-          <a:prstGeom prst="rect">
-            <a:avLst/>
-          </a:prstGeom>
-        </p:spPr>
-      </p:pic>
-      <p:pic>
-        <p:nvPicPr>
-          <p:cNvPr id="8" name="Picture 7">
-            <a:extLst>
-              <a:ext uri="{FF2B5EF4-FFF2-40B4-BE49-F238E27FC236}">
-                <a16:creationId xmlns:a16="http://schemas.microsoft.com/office/drawing/2014/main" id="{B1F1750B-1759-4520-8EA1-4033460A5A3E}"/>
-              </a:ext>
-            </a:extLst>
-          </p:cNvPr>
+          <p:cNvPr id="12" name="Picture 11"/>
           <p:cNvPicPr>
             <a:picLocks noChangeAspect="1"/>
           </p:cNvPicPr>
@@ -8897,8 +10034,8 @@
         </p:blipFill>
         <p:spPr>
           <a:xfrm>
-            <a:off x="407743" y="2728347"/>
-            <a:ext cx="2348157" cy="875143"/>
+            <a:off x="528432" y="1753911"/>
+            <a:ext cx="2106777" cy="903854"/>
           </a:xfrm>
           <a:prstGeom prst="rect">
             <a:avLst/>
@@ -8907,13 +10044,7 @@
       </p:pic>
       <p:pic>
         <p:nvPicPr>
-          <p:cNvPr id="9" name="Picture 8">
-            <a:extLst>
-              <a:ext uri="{FF2B5EF4-FFF2-40B4-BE49-F238E27FC236}">
-                <a16:creationId xmlns:a16="http://schemas.microsoft.com/office/drawing/2014/main" id="{D58C29A0-200C-408B-B6F0-8B6B9C0F5DF4}"/>
-              </a:ext>
-            </a:extLst>
-          </p:cNvPr>
+          <p:cNvPr id="13" name="Picture 12"/>
           <p:cNvPicPr>
             <a:picLocks noChangeAspect="1"/>
           </p:cNvPicPr>
@@ -8927,8 +10058,32 @@
         </p:blipFill>
         <p:spPr>
           <a:xfrm>
-            <a:off x="6218239" y="2177650"/>
-            <a:ext cx="2697161" cy="1101393"/>
+            <a:off x="485440" y="2875746"/>
+            <a:ext cx="2192760" cy="877104"/>
+          </a:xfrm>
+          <a:prstGeom prst="rect">
+            <a:avLst/>
+          </a:prstGeom>
+        </p:spPr>
+      </p:pic>
+      <p:pic>
+        <p:nvPicPr>
+          <p:cNvPr id="3" name="Picture 2"/>
+          <p:cNvPicPr>
+            <a:picLocks noChangeAspect="1"/>
+          </p:cNvPicPr>
+          <p:nvPr/>
+        </p:nvPicPr>
+        <p:blipFill>
+          <a:blip r:embed="rId6"/>
+          <a:stretch>
+            <a:fillRect/>
+          </a:stretch>
+        </p:blipFill>
+        <p:spPr>
+          <a:xfrm>
+            <a:off x="6210923" y="2107682"/>
+            <a:ext cx="2679644" cy="1229620"/>
           </a:xfrm>
           <a:prstGeom prst="rect">
             <a:avLst/>
@@ -8937,37 +10092,49 @@
       </p:pic>
       <p:sp>
         <p:nvSpPr>
-          <p:cNvPr id="11" name="Text Placeholder 2">
-            <a:extLst>
-              <a:ext uri="{FF2B5EF4-FFF2-40B4-BE49-F238E27FC236}">
-                <a16:creationId xmlns:a16="http://schemas.microsoft.com/office/drawing/2014/main" id="{55A69C89-DE76-4A70-A9B3-14818AF1592C}"/>
-              </a:ext>
-            </a:extLst>
-          </p:cNvPr>
-          <p:cNvSpPr>
-            <a:spLocks noGrp="1"/>
-          </p:cNvSpPr>
-          <p:nvPr>
-            <p:ph type="body" idx="1"/>
-          </p:nvPr>
+          <p:cNvPr id="6" name="Oval 5"/>
+          <p:cNvSpPr/>
+          <p:nvPr/>
         </p:nvSpPr>
         <p:spPr>
           <a:xfrm>
-            <a:off x="438150" y="3760087"/>
-            <a:ext cx="8394149" cy="564588"/>
+            <a:off x="6979403" y="2649822"/>
+            <a:ext cx="325465" cy="323076"/>
           </a:xfrm>
+          <a:prstGeom prst="ellipse">
+            <a:avLst/>
+          </a:prstGeom>
+          <a:noFill/>
+          <a:ln w="28575" cap="flat" cmpd="sng" algn="ctr">
+            <a:solidFill>
+              <a:schemeClr val="accent1"/>
+            </a:solidFill>
+            <a:prstDash val="solid"/>
+            <a:round/>
+            <a:headEnd type="none" w="med" len="med"/>
+            <a:tailEnd type="none" w="med" len="med"/>
+          </a:ln>
         </p:spPr>
+        <p:style>
+          <a:lnRef idx="0">
+            <a:scrgbClr r="0" g="0" b="0"/>
+          </a:lnRef>
+          <a:fillRef idx="0">
+            <a:scrgbClr r="0" g="0" b="0"/>
+          </a:fillRef>
+          <a:effectRef idx="0">
+            <a:scrgbClr r="0" g="0" b="0"/>
+          </a:effectRef>
+          <a:fontRef idx="minor">
+            <a:schemeClr val="accent1"/>
+          </a:fontRef>
+        </p:style>
         <p:txBody>
-          <a:bodyPr/>
+          <a:bodyPr rtlCol="0" anchor="ctr"/>
           <a:lstStyle/>
           <a:p>
-            <a:pPr marL="114300" indent="0">
-              <a:buNone/>
-            </a:pPr>
-            <a:r>
-              <a:rPr lang="en-US" altLang="zh-CN" dirty="0"/>
-              <a:t>A trace to deadlock: &lt;input, send, lose&gt;</a:t>
-            </a:r>
+            <a:pPr algn="ctr"/>
+            <a:endParaRPr lang="en-US"/>
           </a:p>
         </p:txBody>
       </p:sp>
@@ -8981,6 +10148,13 @@
   <p:clrMapOvr>
     <a:masterClrMapping/>
   </p:clrMapOvr>
+  <p:timing>
+    <p:tnLst>
+      <p:par>
+        <p:cTn id="1" dur="indefinite" restart="never" nodeType="tmRoot"/>
+      </p:par>
+    </p:tnLst>
+  </p:timing>
 </p:sld>
 </file>
 
@@ -9052,29 +10226,61 @@
           <a:lstStyle/>
           <a:p>
             <a:r>
+              <a:rPr lang="en-US" altLang="zh-CN" sz="1600" dirty="0"/>
+              <a:t>Uncertainty can be represented as traces of environment which lead to property violation (i.e., an error state or deadlock).</a:t>
+            </a:r>
+          </a:p>
+          <a:p>
+            <a:pPr lvl="1">
+              <a:spcBef>
+                <a:spcPts val="0"/>
+              </a:spcBef>
+              <a:spcAft>
+                <a:spcPts val="800"/>
+              </a:spcAft>
+            </a:pPr>
+            <a:r>
               <a:rPr lang="en-US" altLang="zh-CN" dirty="0"/>
-              <a:t>Uncertainty can be represented as traces of environment which lead to property violation (i.e., an error state or deadlock).</a:t>
-            </a:r>
-          </a:p>
-          <a:p>
-            <a:pPr lvl="1"/>
+              <a:t>E.g., </a:t>
+            </a:r>
+            <a:r>
+              <a:rPr lang="en-US" altLang="zh-CN" dirty="0" smtClean="0"/>
+              <a:t>a trace in environment: &lt;send</a:t>
+            </a:r>
             <a:r>
               <a:rPr lang="en-US" altLang="zh-CN" dirty="0"/>
-              <a:t>E.g., &lt;send, lose, …&gt;</a:t>
-            </a:r>
-          </a:p>
-          <a:p>
-            <a:r>
-              <a:rPr lang="en-US" altLang="zh-CN" dirty="0"/>
+              <a:t>, lose</a:t>
+            </a:r>
+            <a:r>
+              <a:rPr lang="en-US" altLang="zh-CN" dirty="0" smtClean="0"/>
+              <a:t>, </a:t>
+            </a:r>
+            <a:r>
+              <a:rPr lang="en-US" altLang="zh-CN" dirty="0" smtClean="0">
+                <a:solidFill>
+                  <a:srgbClr val="FF0000"/>
+                </a:solidFill>
+              </a:rPr>
+              <a:t>send</a:t>
+            </a:r>
+            <a:r>
+              <a:rPr lang="en-US" altLang="zh-CN" dirty="0" smtClean="0"/>
+              <a:t>&gt;</a:t>
+            </a:r>
+            <a:endParaRPr lang="en-US" altLang="zh-CN" dirty="0"/>
+          </a:p>
+          <a:p>
+            <a:r>
+              <a:rPr lang="en-US" altLang="zh-CN" sz="1600" dirty="0"/>
               <a:t>Problem: the alphabet of internal events is often unknown.</a:t>
             </a:r>
           </a:p>
           <a:p>
             <a:r>
-              <a:rPr lang="en-US" altLang="zh-CN" dirty="0"/>
+              <a:rPr lang="en-US" altLang="zh-CN" sz="1600" dirty="0"/>
               <a:t>Solution: project the environment to the known interfaces.</a:t>
             </a:r>
-            <a:endParaRPr lang="zh-CN" altLang="en-US" dirty="0"/>
+            <a:endParaRPr lang="zh-CN" altLang="en-US" sz="1600" dirty="0"/>
           </a:p>
         </p:txBody>
       </p:sp>
@@ -9116,36 +10322,6 @@
           </a:p>
         </p:txBody>
       </p:sp>
-      <p:pic>
-        <p:nvPicPr>
-          <p:cNvPr id="5" name="Picture 4">
-            <a:extLst>
-              <a:ext uri="{FF2B5EF4-FFF2-40B4-BE49-F238E27FC236}">
-                <a16:creationId xmlns:a16="http://schemas.microsoft.com/office/drawing/2014/main" id="{3946236D-759E-4E1D-85C1-119D675343F7}"/>
-              </a:ext>
-            </a:extLst>
-          </p:cNvPr>
-          <p:cNvPicPr>
-            <a:picLocks noChangeAspect="1"/>
-          </p:cNvPicPr>
-          <p:nvPr/>
-        </p:nvPicPr>
-        <p:blipFill>
-          <a:blip r:embed="rId3"/>
-          <a:stretch>
-            <a:fillRect/>
-          </a:stretch>
-        </p:blipFill>
-        <p:spPr>
-          <a:xfrm>
-            <a:off x="905021" y="3223282"/>
-            <a:ext cx="2697161" cy="1101393"/>
-          </a:xfrm>
-          <a:prstGeom prst="rect">
-            <a:avLst/>
-          </a:prstGeom>
-        </p:spPr>
-      </p:pic>
       <p:sp>
         <p:nvSpPr>
           <p:cNvPr id="6" name="Arrow: Right 5">
@@ -9160,7 +10336,7 @@
         </p:nvSpPr>
         <p:spPr>
           <a:xfrm>
-            <a:off x="3900055" y="3609109"/>
+            <a:off x="3900055" y="3283646"/>
             <a:ext cx="976745" cy="249382"/>
           </a:xfrm>
           <a:prstGeom prst="rightArrow">
@@ -9192,35 +10368,87 @@
           </a:p>
         </p:txBody>
       </p:sp>
-      <p:grpSp>
-        <p:nvGrpSpPr>
-          <p:cNvPr id="11" name="Group 10">
+      <p:sp>
+        <p:nvSpPr>
+          <p:cNvPr id="12" name="TextBox 11">
             <a:extLst>
               <a:ext uri="{FF2B5EF4-FFF2-40B4-BE49-F238E27FC236}">
-                <a16:creationId xmlns:a16="http://schemas.microsoft.com/office/drawing/2014/main" id="{60749C10-0647-43BD-983B-2776EE702309}"/>
+                <a16:creationId xmlns:a16="http://schemas.microsoft.com/office/drawing/2014/main" id="{A1C6BCB3-7C6F-4EF4-AE3F-BFB83C285B0F}"/>
               </a:ext>
             </a:extLst>
           </p:cNvPr>
+          <p:cNvSpPr txBox="1"/>
+          <p:nvPr/>
+        </p:nvSpPr>
+        <p:spPr>
+          <a:xfrm>
+            <a:off x="3837689" y="3006647"/>
+            <a:ext cx="1120820" cy="276999"/>
+          </a:xfrm>
+          <a:prstGeom prst="rect">
+            <a:avLst/>
+          </a:prstGeom>
+          <a:noFill/>
+        </p:spPr>
+        <p:txBody>
+          <a:bodyPr wrap="none" rtlCol="0">
+            <a:spAutoFit/>
+          </a:bodyPr>
+          <a:lstStyle/>
+          <a:p>
+            <a:r>
+              <a:rPr lang="en-US" altLang="zh-CN" sz="1200" dirty="0"/>
+              <a:t>Hide </a:t>
+            </a:r>
+            <a:r>
+              <a:rPr lang="en-US" altLang="zh-CN" sz="1200" dirty="0" smtClean="0"/>
+              <a:t>internals</a:t>
+            </a:r>
+            <a:endParaRPr lang="zh-CN" altLang="en-US" sz="1200" dirty="0"/>
+          </a:p>
+        </p:txBody>
+      </p:sp>
+      <p:pic>
+        <p:nvPicPr>
+          <p:cNvPr id="7" name="Picture 6"/>
+          <p:cNvPicPr>
+            <a:picLocks noChangeAspect="1"/>
+          </p:cNvPicPr>
+          <p:nvPr/>
+        </p:nvPicPr>
+        <p:blipFill>
+          <a:blip r:embed="rId3"/>
+          <a:stretch>
+            <a:fillRect/>
+          </a:stretch>
+        </p:blipFill>
+        <p:spPr>
+          <a:xfrm>
+            <a:off x="1009693" y="2827832"/>
+            <a:ext cx="2530123" cy="1161009"/>
+          </a:xfrm>
+          <a:prstGeom prst="rect">
+            <a:avLst/>
+          </a:prstGeom>
+        </p:spPr>
+      </p:pic>
+      <p:grpSp>
+        <p:nvGrpSpPr>
+          <p:cNvPr id="13" name="Group 12"/>
           <p:cNvGrpSpPr/>
           <p:nvPr/>
         </p:nvGrpSpPr>
         <p:grpSpPr>
           <a:xfrm>
-            <a:off x="5174673" y="3234293"/>
-            <a:ext cx="2444248" cy="1079369"/>
-            <a:chOff x="5174673" y="3234293"/>
-            <a:chExt cx="2444248" cy="1079369"/>
+            <a:off x="5179438" y="2918815"/>
+            <a:ext cx="2210435" cy="966109"/>
+            <a:chOff x="5179438" y="3244278"/>
+            <a:chExt cx="2210435" cy="966109"/>
           </a:xfrm>
         </p:grpSpPr>
         <p:pic>
           <p:nvPicPr>
-            <p:cNvPr id="8" name="Picture 7">
-              <a:extLst>
-                <a:ext uri="{FF2B5EF4-FFF2-40B4-BE49-F238E27FC236}">
-                  <a16:creationId xmlns:a16="http://schemas.microsoft.com/office/drawing/2014/main" id="{30D93FBB-1F23-41CE-B3FD-176A3C852310}"/>
-                </a:ext>
-              </a:extLst>
-            </p:cNvPr>
+            <p:cNvPr id="9" name="Picture 8"/>
             <p:cNvPicPr>
               <a:picLocks noChangeAspect="1"/>
             </p:cNvPicPr>
@@ -9234,8 +10462,8 @@
           </p:blipFill>
           <p:spPr>
             <a:xfrm>
-              <a:off x="5174673" y="3234293"/>
-              <a:ext cx="2444248" cy="1079369"/>
+              <a:off x="5179438" y="3257210"/>
+              <a:ext cx="2210435" cy="953177"/>
             </a:xfrm>
             <a:prstGeom prst="rect">
               <a:avLst/>
@@ -9256,8 +10484,8 @@
           </p:nvSpPr>
           <p:spPr>
             <a:xfrm>
-              <a:off x="5618017" y="3234293"/>
-              <a:ext cx="187037" cy="307777"/>
+              <a:off x="5683686" y="3244278"/>
+              <a:ext cx="216002" cy="307777"/>
             </a:xfrm>
             <a:prstGeom prst="rect">
               <a:avLst/>
@@ -9281,37 +10509,304 @@
       </p:grpSp>
       <p:sp>
         <p:nvSpPr>
-          <p:cNvPr id="12" name="TextBox 11">
+          <p:cNvPr id="15" name="Text Placeholder 2">
             <a:extLst>
               <a:ext uri="{FF2B5EF4-FFF2-40B4-BE49-F238E27FC236}">
-                <a16:creationId xmlns:a16="http://schemas.microsoft.com/office/drawing/2014/main" id="{A1C6BCB3-7C6F-4EF4-AE3F-BFB83C285B0F}"/>
+                <a16:creationId xmlns:a16="http://schemas.microsoft.com/office/drawing/2014/main" id="{55A69C89-DE76-4A70-A9B3-14818AF1592C}"/>
               </a:ext>
             </a:extLst>
           </p:cNvPr>
-          <p:cNvSpPr txBox="1"/>
+          <p:cNvSpPr txBox="1">
+            <a:spLocks/>
+          </p:cNvSpPr>
           <p:nvPr/>
         </p:nvSpPr>
         <p:spPr>
           <a:xfrm>
-            <a:off x="3837689" y="3332110"/>
-            <a:ext cx="1043876" cy="276999"/>
+            <a:off x="438151" y="4010689"/>
+            <a:ext cx="8394149" cy="353540"/>
           </a:xfrm>
           <a:prstGeom prst="rect">
             <a:avLst/>
           </a:prstGeom>
           <a:noFill/>
+          <a:ln>
+            <a:noFill/>
+          </a:ln>
         </p:spPr>
         <p:txBody>
-          <a:bodyPr wrap="none" rtlCol="0">
-            <a:spAutoFit/>
+          <a:bodyPr spcFirstLastPara="1" wrap="square" lIns="91425" tIns="91425" rIns="91425" bIns="91425" anchor="t" anchorCtr="0">
+            <a:noAutofit/>
           </a:bodyPr>
-          <a:lstStyle/>
-          <a:p>
-            <a:r>
-              <a:rPr lang="en-US" altLang="zh-CN" sz="1200" dirty="0"/>
-              <a:t>Hide internal</a:t>
-            </a:r>
-            <a:endParaRPr lang="zh-CN" altLang="en-US" sz="1200" dirty="0"/>
+          <a:lstStyle>
+            <a:defPPr marR="0" lvl="0" algn="l" rtl="0">
+              <a:lnSpc>
+                <a:spcPct val="100000"/>
+              </a:lnSpc>
+              <a:spcBef>
+                <a:spcPts val="0"/>
+              </a:spcBef>
+              <a:spcAft>
+                <a:spcPts val="0"/>
+              </a:spcAft>
+            </a:defPPr>
+            <a:lvl1pPr marL="457200" marR="0" lvl="0" indent="-342900" algn="l" rtl="0" eaLnBrk="1" hangingPunct="1">
+              <a:lnSpc>
+                <a:spcPct val="115000"/>
+              </a:lnSpc>
+              <a:spcBef>
+                <a:spcPts val="0"/>
+              </a:spcBef>
+              <a:spcAft>
+                <a:spcPts val="0"/>
+              </a:spcAft>
+              <a:buClr>
+                <a:schemeClr val="dk2"/>
+              </a:buClr>
+              <a:buSzPts val="1800"/>
+              <a:buFont typeface="Open Sans Light"/>
+              <a:buChar char="●"/>
+              <a:defRPr sz="1800" b="0" i="0" u="none" strike="noStrike" cap="none">
+                <a:solidFill>
+                  <a:schemeClr val="dk2"/>
+                </a:solidFill>
+                <a:latin typeface="Open Sans Light"/>
+                <a:ea typeface="Open Sans Light"/>
+                <a:cs typeface="Open Sans Light"/>
+                <a:sym typeface="Open Sans Light"/>
+              </a:defRPr>
+            </a:lvl1pPr>
+            <a:lvl2pPr marL="914400" marR="0" lvl="1" indent="-317500" algn="l" rtl="0" eaLnBrk="1" hangingPunct="1">
+              <a:lnSpc>
+                <a:spcPct val="115000"/>
+              </a:lnSpc>
+              <a:spcBef>
+                <a:spcPts val="1600"/>
+              </a:spcBef>
+              <a:spcAft>
+                <a:spcPts val="0"/>
+              </a:spcAft>
+              <a:buClr>
+                <a:schemeClr val="dk2"/>
+              </a:buClr>
+              <a:buSzPts val="1400"/>
+              <a:buFont typeface="Open Sans Light"/>
+              <a:buChar char="○"/>
+              <a:defRPr sz="1400" b="0" i="0" u="none" strike="noStrike" cap="none">
+                <a:solidFill>
+                  <a:schemeClr val="dk2"/>
+                </a:solidFill>
+                <a:latin typeface="Open Sans Light"/>
+                <a:ea typeface="Open Sans Light"/>
+                <a:cs typeface="Open Sans Light"/>
+                <a:sym typeface="Open Sans Light"/>
+              </a:defRPr>
+            </a:lvl2pPr>
+            <a:lvl3pPr marL="1371600" marR="0" lvl="2" indent="-317500" algn="l" rtl="0" eaLnBrk="1" hangingPunct="1">
+              <a:lnSpc>
+                <a:spcPct val="115000"/>
+              </a:lnSpc>
+              <a:spcBef>
+                <a:spcPts val="1600"/>
+              </a:spcBef>
+              <a:spcAft>
+                <a:spcPts val="0"/>
+              </a:spcAft>
+              <a:buClr>
+                <a:schemeClr val="dk2"/>
+              </a:buClr>
+              <a:buSzPts val="1400"/>
+              <a:buFont typeface="Open Sans Light"/>
+              <a:buChar char="■"/>
+              <a:defRPr sz="1400" b="0" i="0" u="none" strike="noStrike" cap="none">
+                <a:solidFill>
+                  <a:schemeClr val="dk2"/>
+                </a:solidFill>
+                <a:latin typeface="Open Sans Light"/>
+                <a:ea typeface="Open Sans Light"/>
+                <a:cs typeface="Open Sans Light"/>
+                <a:sym typeface="Open Sans Light"/>
+              </a:defRPr>
+            </a:lvl3pPr>
+            <a:lvl4pPr marL="1828800" marR="0" lvl="3" indent="-317500" algn="l" rtl="0" eaLnBrk="1" hangingPunct="1">
+              <a:lnSpc>
+                <a:spcPct val="115000"/>
+              </a:lnSpc>
+              <a:spcBef>
+                <a:spcPts val="1600"/>
+              </a:spcBef>
+              <a:spcAft>
+                <a:spcPts val="0"/>
+              </a:spcAft>
+              <a:buClr>
+                <a:schemeClr val="dk2"/>
+              </a:buClr>
+              <a:buSzPts val="1400"/>
+              <a:buFont typeface="Open Sans Light"/>
+              <a:buChar char="●"/>
+              <a:defRPr sz="1400" b="0" i="0" u="none" strike="noStrike" cap="none">
+                <a:solidFill>
+                  <a:schemeClr val="dk2"/>
+                </a:solidFill>
+                <a:latin typeface="Open Sans Light"/>
+                <a:ea typeface="Open Sans Light"/>
+                <a:cs typeface="Open Sans Light"/>
+                <a:sym typeface="Open Sans Light"/>
+              </a:defRPr>
+            </a:lvl4pPr>
+            <a:lvl5pPr marL="2286000" marR="0" lvl="4" indent="-317500" algn="l" rtl="0" eaLnBrk="1" hangingPunct="1">
+              <a:lnSpc>
+                <a:spcPct val="115000"/>
+              </a:lnSpc>
+              <a:spcBef>
+                <a:spcPts val="1600"/>
+              </a:spcBef>
+              <a:spcAft>
+                <a:spcPts val="0"/>
+              </a:spcAft>
+              <a:buClr>
+                <a:schemeClr val="dk2"/>
+              </a:buClr>
+              <a:buSzPts val="1400"/>
+              <a:buFont typeface="Open Sans Light"/>
+              <a:buChar char="○"/>
+              <a:defRPr sz="1400" b="0" i="0" u="none" strike="noStrike" cap="none">
+                <a:solidFill>
+                  <a:schemeClr val="dk2"/>
+                </a:solidFill>
+                <a:latin typeface="Open Sans Light"/>
+                <a:ea typeface="Open Sans Light"/>
+                <a:cs typeface="Open Sans Light"/>
+                <a:sym typeface="Open Sans Light"/>
+              </a:defRPr>
+            </a:lvl5pPr>
+            <a:lvl6pPr marL="2743200" marR="0" lvl="5" indent="-317500" algn="l" rtl="0" eaLnBrk="1" hangingPunct="1">
+              <a:lnSpc>
+                <a:spcPct val="115000"/>
+              </a:lnSpc>
+              <a:spcBef>
+                <a:spcPts val="1600"/>
+              </a:spcBef>
+              <a:spcAft>
+                <a:spcPts val="0"/>
+              </a:spcAft>
+              <a:buClr>
+                <a:schemeClr val="dk2"/>
+              </a:buClr>
+              <a:buSzPts val="1400"/>
+              <a:buFont typeface="Open Sans Light"/>
+              <a:buChar char="■"/>
+              <a:defRPr sz="1400" b="0" i="0" u="none" strike="noStrike" cap="none">
+                <a:solidFill>
+                  <a:schemeClr val="dk2"/>
+                </a:solidFill>
+                <a:latin typeface="Open Sans Light"/>
+                <a:ea typeface="Open Sans Light"/>
+                <a:cs typeface="Open Sans Light"/>
+                <a:sym typeface="Open Sans Light"/>
+              </a:defRPr>
+            </a:lvl6pPr>
+            <a:lvl7pPr marL="3200400" marR="0" lvl="6" indent="-317500" algn="l" rtl="0" eaLnBrk="1" hangingPunct="1">
+              <a:lnSpc>
+                <a:spcPct val="115000"/>
+              </a:lnSpc>
+              <a:spcBef>
+                <a:spcPts val="1600"/>
+              </a:spcBef>
+              <a:spcAft>
+                <a:spcPts val="0"/>
+              </a:spcAft>
+              <a:buClr>
+                <a:schemeClr val="dk2"/>
+              </a:buClr>
+              <a:buSzPts val="1400"/>
+              <a:buFont typeface="Open Sans Light"/>
+              <a:buChar char="●"/>
+              <a:defRPr sz="1400" b="0" i="0" u="none" strike="noStrike" cap="none">
+                <a:solidFill>
+                  <a:schemeClr val="dk2"/>
+                </a:solidFill>
+                <a:latin typeface="Open Sans Light"/>
+                <a:ea typeface="Open Sans Light"/>
+                <a:cs typeface="Open Sans Light"/>
+                <a:sym typeface="Open Sans Light"/>
+              </a:defRPr>
+            </a:lvl7pPr>
+            <a:lvl8pPr marL="3657600" marR="0" lvl="7" indent="-317500" algn="l" rtl="0" eaLnBrk="1" hangingPunct="1">
+              <a:lnSpc>
+                <a:spcPct val="115000"/>
+              </a:lnSpc>
+              <a:spcBef>
+                <a:spcPts val="1600"/>
+              </a:spcBef>
+              <a:spcAft>
+                <a:spcPts val="0"/>
+              </a:spcAft>
+              <a:buClr>
+                <a:schemeClr val="dk2"/>
+              </a:buClr>
+              <a:buSzPts val="1400"/>
+              <a:buFont typeface="Open Sans Light"/>
+              <a:buChar char="○"/>
+              <a:defRPr sz="1400" b="0" i="0" u="none" strike="noStrike" cap="none">
+                <a:solidFill>
+                  <a:schemeClr val="dk2"/>
+                </a:solidFill>
+                <a:latin typeface="Open Sans Light"/>
+                <a:ea typeface="Open Sans Light"/>
+                <a:cs typeface="Open Sans Light"/>
+                <a:sym typeface="Open Sans Light"/>
+              </a:defRPr>
+            </a:lvl8pPr>
+            <a:lvl9pPr marL="4114800" marR="0" lvl="8" indent="-317500" algn="l" rtl="0" eaLnBrk="1" hangingPunct="1">
+              <a:lnSpc>
+                <a:spcPct val="115000"/>
+              </a:lnSpc>
+              <a:spcBef>
+                <a:spcPts val="1600"/>
+              </a:spcBef>
+              <a:spcAft>
+                <a:spcPts val="1600"/>
+              </a:spcAft>
+              <a:buClr>
+                <a:schemeClr val="dk2"/>
+              </a:buClr>
+              <a:buSzPts val="1400"/>
+              <a:buFont typeface="Open Sans Light"/>
+              <a:buChar char="■"/>
+              <a:defRPr sz="1400" b="0" i="0" u="none" strike="noStrike" cap="none">
+                <a:solidFill>
+                  <a:schemeClr val="dk2"/>
+                </a:solidFill>
+                <a:latin typeface="Open Sans Light"/>
+                <a:ea typeface="Open Sans Light"/>
+                <a:cs typeface="Open Sans Light"/>
+                <a:sym typeface="Open Sans Light"/>
+              </a:defRPr>
+            </a:lvl9pPr>
+          </a:lstStyle>
+          <a:p>
+            <a:pPr marL="114300" indent="0">
+              <a:buFont typeface="Open Sans Light"/>
+              <a:buNone/>
+            </a:pPr>
+            <a:r>
+              <a:rPr lang="en-US" altLang="zh-CN" sz="1400" dirty="0" smtClean="0"/>
+              <a:t>The projected trace: &lt;send, </a:t>
+            </a:r>
+            <a:r>
+              <a:rPr lang="en-US" altLang="zh-CN" sz="1400" dirty="0" smtClean="0">
+                <a:solidFill>
+                  <a:srgbClr val="FF0000"/>
+                </a:solidFill>
+              </a:rPr>
+              <a:t>send</a:t>
+            </a:r>
+            <a:r>
+              <a:rPr lang="en-US" altLang="zh-CN" sz="1400" dirty="0" smtClean="0"/>
+              <a:t>&gt;</a:t>
+            </a:r>
+            <a:endParaRPr lang="en-US" altLang="zh-CN" sz="1400" dirty="0"/>
           </a:p>
         </p:txBody>
       </p:sp>
@@ -9325,6 +10820,13 @@
   <p:clrMapOvr>
     <a:masterClrMapping/>
   </p:clrMapOvr>
+  <p:timing>
+    <p:tnLst>
+      <p:par>
+        <p:cTn id="1" dur="indefinite" restart="never" nodeType="tmRoot"/>
+      </p:par>
+    </p:tnLst>
+  </p:timing>
 </p:sld>
 </file>
 

--- a/Robustness.pptx
+++ b/Robustness.pptx
@@ -5,7 +5,7 @@
     <p:sldMasterId id="2147483659" r:id="rId1"/>
   </p:sldMasterIdLst>
   <p:notesMasterIdLst>
-    <p:notesMasterId r:id="rId16"/>
+    <p:notesMasterId r:id="rId19"/>
   </p:notesMasterIdLst>
   <p:sldIdLst>
     <p:sldId id="256" r:id="rId2"/>
@@ -13,43 +13,42 @@
     <p:sldId id="257" r:id="rId4"/>
     <p:sldId id="258" r:id="rId5"/>
     <p:sldId id="259" r:id="rId6"/>
-    <p:sldId id="260" r:id="rId7"/>
-    <p:sldId id="261" r:id="rId8"/>
-    <p:sldId id="262" r:id="rId9"/>
-    <p:sldId id="263" r:id="rId10"/>
-    <p:sldId id="266" r:id="rId11"/>
-    <p:sldId id="269" r:id="rId12"/>
-    <p:sldId id="267" r:id="rId13"/>
-    <p:sldId id="268" r:id="rId14"/>
-    <p:sldId id="265" r:id="rId15"/>
+    <p:sldId id="270" r:id="rId7"/>
+    <p:sldId id="260" r:id="rId8"/>
+    <p:sldId id="261" r:id="rId9"/>
+    <p:sldId id="273" r:id="rId10"/>
+    <p:sldId id="262" r:id="rId11"/>
+    <p:sldId id="274" r:id="rId12"/>
+    <p:sldId id="266" r:id="rId13"/>
+    <p:sldId id="269" r:id="rId14"/>
+    <p:sldId id="271" r:id="rId15"/>
+    <p:sldId id="268" r:id="rId16"/>
+    <p:sldId id="272" r:id="rId17"/>
+    <p:sldId id="265" r:id="rId18"/>
   </p:sldIdLst>
   <p:sldSz cx="9144000" cy="5143500" type="screen16x9"/>
   <p:notesSz cx="6858000" cy="9144000"/>
   <p:embeddedFontLst>
     <p:embeddedFont>
-      <p:font typeface="宋体" panose="02010600030101010101" pitchFamily="2" charset="-122"/>
-      <p:regular r:id="rId17"/>
+      <p:font typeface="Open Sans" panose="02010600030101010101" charset="0"/>
+      <p:regular r:id="rId20"/>
+      <p:bold r:id="rId21"/>
+      <p:italic r:id="rId22"/>
+      <p:boldItalic r:id="rId23"/>
     </p:embeddedFont>
     <p:embeddedFont>
-      <p:font typeface="Open Sans" panose="020B0604020202020204" charset="0"/>
-      <p:regular r:id="rId18"/>
-      <p:bold r:id="rId19"/>
-      <p:italic r:id="rId20"/>
-      <p:boldItalic r:id="rId21"/>
+      <p:font typeface="Open Sans Light" panose="02010600030101010101" charset="0"/>
+      <p:regular r:id="rId24"/>
+      <p:bold r:id="rId25"/>
+      <p:italic r:id="rId26"/>
+      <p:boldItalic r:id="rId27"/>
     </p:embeddedFont>
     <p:embeddedFont>
-      <p:font typeface="Open Sans Light" panose="020B0604020202020204" charset="0"/>
-      <p:regular r:id="rId22"/>
-      <p:bold r:id="rId23"/>
-      <p:italic r:id="rId24"/>
-      <p:boldItalic r:id="rId25"/>
-    </p:embeddedFont>
-    <p:embeddedFont>
-      <p:font typeface="Open Sans SemiBold" panose="020B0604020202020204" charset="0"/>
-      <p:regular r:id="rId26"/>
-      <p:bold r:id="rId27"/>
-      <p:italic r:id="rId28"/>
-      <p:boldItalic r:id="rId29"/>
+      <p:font typeface="Open Sans SemiBold" panose="02010600030101010101" charset="0"/>
+      <p:regular r:id="rId28"/>
+      <p:bold r:id="rId29"/>
+      <p:italic r:id="rId30"/>
+      <p:boldItalic r:id="rId31"/>
     </p:embeddedFont>
   </p:embeddedFontLst>
   <p:defaultTextStyle>
@@ -989,15 +988,7 @@
           <a:p>
             <a:r>
               <a:rPr lang="en-US" altLang="zh-CN" dirty="0"/>
-              <a:t>The source and goal concepts are similar to the six dimensions of quality attributes proposed by SEI. Here, we simplify it and only focus on the stimulus (source) and </a:t>
-            </a:r>
-            <a:r>
-              <a:rPr lang="en-US" altLang="zh-CN" dirty="0" smtClean="0"/>
-              <a:t>the expected </a:t>
-            </a:r>
-            <a:r>
-              <a:rPr lang="en-US" altLang="zh-CN" dirty="0"/>
-              <a:t>reaction of the system.</a:t>
+              <a:t>The source and goal concepts are similar to the six dimensions of quality attributes proposed by SEI. Here, we simplify it and only focus on the stimulus (source) and the expected reaction of the system.</a:t>
             </a:r>
             <a:endParaRPr lang="zh-CN" altLang="en-US" dirty="0"/>
           </a:p>
@@ -1065,58 +1056,18 @@
           <a:bodyPr/>
           <a:lstStyle/>
           <a:p>
-            <a:pPr marL="158750" indent="0">
-              <a:buNone/>
-            </a:pPr>
-            <a:r>
-              <a:rPr lang="en-US" altLang="zh-CN" b="1" dirty="0"/>
-              <a:t>Limitations:</a:t>
-            </a:r>
-          </a:p>
-          <a:p>
-            <a:pPr marL="457200" indent="-298450"/>
             <a:r>
               <a:rPr lang="en-US" altLang="zh-CN" dirty="0"/>
-              <a:t>A safety property is restricted to the form of LTSA property.</a:t>
-            </a:r>
-          </a:p>
-          <a:p>
-            <a:pPr marL="457200" indent="-298450"/>
-            <a:r>
-              <a:rPr lang="en-US" altLang="zh-CN" dirty="0"/>
-              <a:t>We consider deadlock-free to be the weakest form of liveness, i.e., the system should not be stuck at some step</a:t>
-            </a:r>
-            <a:r>
-              <a:rPr lang="en-US" altLang="zh-CN" dirty="0" smtClean="0"/>
-              <a:t>.</a:t>
-            </a:r>
-          </a:p>
-          <a:p>
-            <a:pPr marL="158750" indent="0">
-              <a:buNone/>
-            </a:pPr>
-            <a:endParaRPr lang="en-US" altLang="zh-CN" dirty="0" smtClean="0"/>
-          </a:p>
-          <a:p>
-            <a:pPr marL="158750" indent="0">
-              <a:buNone/>
-            </a:pPr>
-            <a:r>
-              <a:rPr lang="en-US" altLang="zh-CN" b="1" dirty="0" smtClean="0"/>
-              <a:t>I will use “correct” in this presentation</a:t>
-            </a:r>
-            <a:r>
-              <a:rPr lang="en-US" altLang="zh-CN" b="1" baseline="0" dirty="0" smtClean="0"/>
-              <a:t> for simplicity, but it means the system should satisfy the given safety properties and be deadlock-free.</a:t>
-            </a:r>
-            <a:endParaRPr lang="en-US" altLang="zh-CN" b="1" dirty="0"/>
+              <a:t>In the diagrams above, state 0 is always the initial state</a:t>
+            </a:r>
+            <a:endParaRPr lang="zh-CN" altLang="en-US" dirty="0"/>
           </a:p>
         </p:txBody>
       </p:sp>
     </p:spTree>
     <p:extLst>
       <p:ext uri="{BB962C8B-B14F-4D97-AF65-F5344CB8AC3E}">
-        <p14:creationId xmlns:p14="http://schemas.microsoft.com/office/powerpoint/2010/main" val="988333764"/>
+        <p14:creationId xmlns:p14="http://schemas.microsoft.com/office/powerpoint/2010/main" val="2651326126"/>
       </p:ext>
     </p:extLst>
   </p:cSld>
@@ -1175,22 +1126,69 @@
           <a:bodyPr/>
           <a:lstStyle/>
           <a:p>
-            <a:r>
-              <a:rPr lang="en-US" dirty="0" smtClean="0"/>
-              <a:t>The last send will</a:t>
-            </a:r>
-            <a:r>
-              <a:rPr lang="en-US" baseline="0" dirty="0" smtClean="0"/>
-              <a:t> cause deadlock, i.e., the system is waiting for a rec event, but the environment is waiting for a send event.</a:t>
-            </a:r>
-            <a:endParaRPr lang="en-US" dirty="0"/>
+            <a:pPr marL="158750" indent="0">
+              <a:buNone/>
+            </a:pPr>
+            <a:r>
+              <a:rPr lang="en-US" altLang="zh-CN" b="1" dirty="0"/>
+              <a:t>State -1 refers to the error state. A trace to the error state means the safety property P is violated.</a:t>
+            </a:r>
+          </a:p>
+          <a:p>
+            <a:pPr marL="158750" indent="0">
+              <a:buNone/>
+            </a:pPr>
+            <a:endParaRPr lang="en-US" altLang="zh-CN" b="1" dirty="0"/>
+          </a:p>
+          <a:p>
+            <a:pPr marL="158750" indent="0">
+              <a:buNone/>
+            </a:pPr>
+            <a:r>
+              <a:rPr lang="en-US" altLang="zh-CN" b="1" dirty="0"/>
+              <a:t>Limitations:</a:t>
+            </a:r>
+          </a:p>
+          <a:p>
+            <a:pPr marL="457200" indent="-298450"/>
+            <a:r>
+              <a:rPr lang="en-US" altLang="zh-CN" dirty="0"/>
+              <a:t>A safety property is restricted to the form of LTSA property.</a:t>
+            </a:r>
+          </a:p>
+          <a:p>
+            <a:pPr marL="457200" indent="-298450"/>
+            <a:r>
+              <a:rPr lang="en-US" altLang="zh-CN" dirty="0"/>
+              <a:t>We consider deadlock-free to be the weakest form of liveness, i.e., the system should not be stuck at some step.</a:t>
+            </a:r>
+          </a:p>
+          <a:p>
+            <a:pPr marL="158750" indent="0">
+              <a:buNone/>
+            </a:pPr>
+            <a:endParaRPr lang="en-US" altLang="zh-CN" dirty="0"/>
+          </a:p>
+          <a:p>
+            <a:pPr marL="158750" indent="0">
+              <a:buNone/>
+            </a:pPr>
+            <a:r>
+              <a:rPr lang="en-US" altLang="zh-CN" b="1" dirty="0"/>
+              <a:t>I will use “correct” in this presentation</a:t>
+            </a:r>
+            <a:r>
+              <a:rPr lang="en-US" altLang="zh-CN" b="1" baseline="0" dirty="0"/>
+              <a:t> for simplicity, but it means the system should satisfy the given safety properties and be deadlock-free.</a:t>
+            </a:r>
+            <a:endParaRPr lang="en-US" altLang="zh-CN" b="1" dirty="0"/>
           </a:p>
         </p:txBody>
       </p:sp>
     </p:spTree>
     <p:extLst>
       <p:ext uri="{BB962C8B-B14F-4D97-AF65-F5344CB8AC3E}">
-        <p14:creationId xmlns:p14="http://schemas.microsoft.com/office/powerpoint/2010/main" val="3152369955"/>
+        <p14:creationId xmlns:p14="http://schemas.microsoft.com/office/powerpoint/2010/main" val="988333764"/>
       </p:ext>
     </p:extLst>
   </p:cSld>
@@ -1250,17 +1248,21 @@
           <a:lstStyle/>
           <a:p>
             <a:r>
-              <a:rPr lang="en-US" altLang="zh-CN" dirty="0"/>
-              <a:t>Interpretation of the projected state machine: we do not know what exactly will happen after a send event (e.g., a lose event or anything else), but we do know that we may need multiple send events to reach a rec event (i.e., the message is successfully received by the receiver).</a:t>
-            </a:r>
-            <a:endParaRPr lang="zh-CN" altLang="en-US" dirty="0"/>
+              <a:rPr lang="en-US" dirty="0"/>
+              <a:t>The last send will</a:t>
+            </a:r>
+            <a:r>
+              <a:rPr lang="en-US" baseline="0" dirty="0"/>
+              <a:t> cause deadlock, i.e., the system is waiting for a rec event, but the environment is waiting for a send event.</a:t>
+            </a:r>
+            <a:endParaRPr lang="en-US" dirty="0"/>
           </a:p>
         </p:txBody>
       </p:sp>
     </p:spTree>
     <p:extLst>
       <p:ext uri="{BB962C8B-B14F-4D97-AF65-F5344CB8AC3E}">
-        <p14:creationId xmlns:p14="http://schemas.microsoft.com/office/powerpoint/2010/main" val="2305024677"/>
+        <p14:creationId xmlns:p14="http://schemas.microsoft.com/office/powerpoint/2010/main" val="3152369955"/>
       </p:ext>
     </p:extLst>
   </p:cSld>
@@ -1320,17 +1322,17 @@
           <a:lstStyle/>
           <a:p>
             <a:r>
-              <a:rPr lang="en-US" dirty="0" smtClean="0"/>
+              <a:rPr lang="en-US" dirty="0"/>
               <a:t>The definition of internal</a:t>
             </a:r>
             <a:r>
-              <a:rPr lang="en-US" baseline="0" dirty="0" smtClean="0"/>
+              <a:rPr lang="en-US" baseline="0" dirty="0"/>
               <a:t> gives us the flexibility that: we could analyze the system capability against a given component in the environment, and the internal events under a given component could be the interfaces under another environment.</a:t>
             </a:r>
           </a:p>
           <a:p>
             <a:r>
-              <a:rPr lang="en-US" baseline="0" dirty="0" smtClean="0"/>
+              <a:rPr lang="en-US" baseline="0" dirty="0"/>
               <a:t>(I didn’t investigate this, but could be a future research direction)</a:t>
             </a:r>
             <a:endParaRPr lang="en-US" dirty="0"/>
@@ -1399,46 +1401,68 @@
           <a:bodyPr/>
           <a:lstStyle/>
           <a:p>
-            <a:r>
-              <a:rPr lang="en-US" dirty="0" smtClean="0"/>
+            <a:pPr marL="457200" marR="0" lvl="0" indent="-298450" algn="l" defTabSz="914400" rtl="0" eaLnBrk="1" fontAlgn="auto" latinLnBrk="0" hangingPunct="1">
+              <a:lnSpc>
+                <a:spcPct val="100000"/>
+              </a:lnSpc>
+              <a:spcBef>
+                <a:spcPts val="0"/>
+              </a:spcBef>
+              <a:spcAft>
+                <a:spcPts val="0"/>
+              </a:spcAft>
+              <a:buClr>
+                <a:srgbClr val="000000"/>
+              </a:buClr>
+              <a:buSzPts val="1100"/>
+              <a:buFont typeface="Arial"/>
+              <a:buChar char="●"/>
+              <a:tabLst/>
+              <a:defRPr/>
+            </a:pPr>
+            <a:r>
+              <a:rPr lang="en-US" altLang="zh-CN" dirty="0"/>
               <a:t>&lt;send,</a:t>
             </a:r>
             <a:r>
-              <a:rPr lang="en-US" baseline="0" dirty="0" smtClean="0"/>
+              <a:rPr lang="en-US" altLang="zh-CN" baseline="0" dirty="0"/>
               <a:t> </a:t>
             </a:r>
             <a:r>
-              <a:rPr lang="en-US" baseline="0" dirty="0" err="1" smtClean="0"/>
+              <a:rPr lang="en-US" altLang="zh-CN" baseline="0" dirty="0" err="1"/>
               <a:t>getack</a:t>
             </a:r>
             <a:r>
-              <a:rPr lang="en-US" baseline="0" dirty="0" smtClean="0"/>
+              <a:rPr lang="en-US" altLang="zh-CN" baseline="0" dirty="0"/>
               <a:t>, send, </a:t>
             </a:r>
             <a:r>
-              <a:rPr lang="en-US" baseline="0" dirty="0" err="1" smtClean="0"/>
+              <a:rPr lang="en-US" altLang="zh-CN" baseline="0" dirty="0" err="1"/>
               <a:t>getack</a:t>
             </a:r>
             <a:r>
-              <a:rPr lang="en-US" baseline="0" dirty="0" smtClean="0"/>
+              <a:rPr lang="en-US" altLang="zh-CN" baseline="0" dirty="0"/>
               <a:t>, …</a:t>
             </a:r>
             <a:r>
-              <a:rPr lang="en-US" dirty="0" smtClean="0"/>
+              <a:rPr lang="en-US" altLang="zh-CN" dirty="0"/>
               <a:t>&gt; means that the environment</a:t>
             </a:r>
             <a:r>
-              <a:rPr lang="en-US" baseline="0" dirty="0" smtClean="0"/>
+              <a:rPr lang="en-US" altLang="zh-CN" baseline="0" dirty="0"/>
               <a:t> (channel) only accepts inputs without any output, which violates the property that input and output should alternate.</a:t>
             </a:r>
-            <a:endParaRPr lang="en-US" dirty="0"/>
+            <a:endParaRPr lang="en-US" altLang="zh-CN" dirty="0"/>
+          </a:p>
+          <a:p>
+            <a:endParaRPr lang="zh-CN" altLang="en-US" dirty="0"/>
           </a:p>
         </p:txBody>
       </p:sp>
     </p:spTree>
     <p:extLst>
       <p:ext uri="{BB962C8B-B14F-4D97-AF65-F5344CB8AC3E}">
-        <p14:creationId xmlns:p14="http://schemas.microsoft.com/office/powerpoint/2010/main" val="1468799618"/>
+        <p14:creationId xmlns:p14="http://schemas.microsoft.com/office/powerpoint/2010/main" val="1588598558"/>
       </p:ext>
     </p:extLst>
   </p:cSld>
@@ -7559,13 +7583,6 @@
   <p:clrMapOvr>
     <a:masterClrMapping/>
   </p:clrMapOvr>
-  <p:timing>
-    <p:tnLst>
-      <p:par>
-        <p:cTn id="1" dur="indefinite" restart="never" nodeType="tmRoot"/>
-      </p:par>
-    </p:tnLst>
-  </p:timing>
 </p:sld>
 </file>
 
@@ -7588,7 +7605,13 @@
       </p:grpSpPr>
       <p:sp>
         <p:nvSpPr>
-          <p:cNvPr id="2" name="Title 1"/>
+          <p:cNvPr id="2" name="Title 1">
+            <a:extLst>
+              <a:ext uri="{FF2B5EF4-FFF2-40B4-BE49-F238E27FC236}">
+                <a16:creationId xmlns:a16="http://schemas.microsoft.com/office/drawing/2014/main" id="{FED4BC74-3FEC-4F8C-90AF-A6224B4E4C56}"/>
+              </a:ext>
+            </a:extLst>
+          </p:cNvPr>
           <p:cNvSpPr>
             <a:spLocks noGrp="1"/>
           </p:cNvSpPr>
@@ -7602,16 +7625,295 @@
           <a:lstStyle/>
           <a:p>
             <a:r>
-              <a:rPr lang="en-US" dirty="0" smtClean="0"/>
-              <a:t>Representation of system capability</a:t>
-            </a:r>
-            <a:endParaRPr lang="en-US" dirty="0"/>
+              <a:rPr lang="en-US" altLang="zh-CN" dirty="0"/>
+              <a:t>Representation of uncertainty</a:t>
+            </a:r>
+            <a:endParaRPr lang="zh-CN" altLang="en-US" dirty="0"/>
           </a:p>
         </p:txBody>
       </p:sp>
       <p:sp>
         <p:nvSpPr>
-          <p:cNvPr id="3" name="Text Placeholder 2"/>
+          <p:cNvPr id="4" name="Slide Number Placeholder 3">
+            <a:extLst>
+              <a:ext uri="{FF2B5EF4-FFF2-40B4-BE49-F238E27FC236}">
+                <a16:creationId xmlns:a16="http://schemas.microsoft.com/office/drawing/2014/main" id="{94D65B1B-1BB7-4D03-95BE-AD13320F1005}"/>
+              </a:ext>
+            </a:extLst>
+          </p:cNvPr>
+          <p:cNvSpPr>
+            <a:spLocks noGrp="1"/>
+          </p:cNvSpPr>
+          <p:nvPr>
+            <p:ph type="sldNum" idx="12"/>
+          </p:nvPr>
+        </p:nvSpPr>
+        <p:spPr/>
+        <p:txBody>
+          <a:bodyPr/>
+          <a:lstStyle/>
+          <a:p>
+            <a:pPr marL="0" lvl="0" indent="0" algn="r" rtl="0">
+              <a:spcBef>
+                <a:spcPts val="0"/>
+              </a:spcBef>
+              <a:spcAft>
+                <a:spcPts val="0"/>
+              </a:spcAft>
+              <a:buNone/>
+            </a:pPr>
+            <a:fld id="{00000000-1234-1234-1234-123412341234}" type="slidenum">
+              <a:rPr lang="en" smtClean="0"/>
+              <a:t>10</a:t>
+            </a:fld>
+            <a:endParaRPr lang="en"/>
+          </a:p>
+        </p:txBody>
+      </p:sp>
+      <p:sp>
+        <p:nvSpPr>
+          <p:cNvPr id="11" name="Text Placeholder 2">
+            <a:extLst>
+              <a:ext uri="{FF2B5EF4-FFF2-40B4-BE49-F238E27FC236}">
+                <a16:creationId xmlns:a16="http://schemas.microsoft.com/office/drawing/2014/main" id="{55A69C89-DE76-4A70-A9B3-14818AF1592C}"/>
+              </a:ext>
+            </a:extLst>
+          </p:cNvPr>
+          <p:cNvSpPr>
+            <a:spLocks noGrp="1"/>
+          </p:cNvSpPr>
+          <p:nvPr>
+            <p:ph type="body" idx="1"/>
+          </p:nvPr>
+        </p:nvSpPr>
+        <p:spPr>
+          <a:xfrm>
+            <a:off x="438151" y="3621775"/>
+            <a:ext cx="8394149" cy="564588"/>
+          </a:xfrm>
+        </p:spPr>
+        <p:txBody>
+          <a:bodyPr/>
+          <a:lstStyle/>
+          <a:p>
+            <a:pPr marL="114300" indent="0">
+              <a:buNone/>
+            </a:pPr>
+            <a:r>
+              <a:rPr lang="en-US" altLang="zh-CN" sz="1600" dirty="0"/>
+              <a:t>Combining the system and the environment, a trace to deadlock:</a:t>
+            </a:r>
+          </a:p>
+          <a:p>
+            <a:pPr marL="114300" indent="0">
+              <a:buNone/>
+            </a:pPr>
+            <a:r>
+              <a:rPr lang="en-US" altLang="zh-CN" sz="1600" dirty="0"/>
+              <a:t>	&lt;input, send, lose, </a:t>
+            </a:r>
+            <a:r>
+              <a:rPr lang="en-US" altLang="zh-CN" sz="1600" dirty="0">
+                <a:solidFill>
+                  <a:srgbClr val="FF0000"/>
+                </a:solidFill>
+              </a:rPr>
+              <a:t>send</a:t>
+            </a:r>
+            <a:r>
+              <a:rPr lang="en-US" altLang="zh-CN" sz="1600" dirty="0"/>
+              <a:t>&gt;</a:t>
+            </a:r>
+          </a:p>
+        </p:txBody>
+      </p:sp>
+      <p:pic>
+        <p:nvPicPr>
+          <p:cNvPr id="10" name="Picture 4">
+            <a:extLst>
+              <a:ext uri="{FF2B5EF4-FFF2-40B4-BE49-F238E27FC236}">
+                <a16:creationId xmlns:a16="http://schemas.microsoft.com/office/drawing/2014/main" id="{1C69F5EC-0D66-4C81-BC05-A77A667529ED}"/>
+              </a:ext>
+            </a:extLst>
+          </p:cNvPr>
+          <p:cNvPicPr>
+            <a:picLocks noChangeAspect="1" noChangeArrowheads="1"/>
+          </p:cNvPicPr>
+          <p:nvPr/>
+        </p:nvPicPr>
+        <p:blipFill>
+          <a:blip r:embed="rId3">
+            <a:extLst>
+              <a:ext uri="{28A0092B-C50C-407E-A947-70E740481C1C}">
+                <a14:useLocalDpi xmlns:a14="http://schemas.microsoft.com/office/drawing/2010/main" val="0"/>
+              </a:ext>
+            </a:extLst>
+          </a:blip>
+          <a:srcRect/>
+          <a:stretch>
+            <a:fillRect/>
+          </a:stretch>
+        </p:blipFill>
+        <p:spPr bwMode="auto">
+          <a:xfrm>
+            <a:off x="2686050" y="1138650"/>
+            <a:ext cx="3771900" cy="2362200"/>
+          </a:xfrm>
+          <a:prstGeom prst="rect">
+            <a:avLst/>
+          </a:prstGeom>
+          <a:noFill/>
+          <a:extLst>
+            <a:ext uri="{909E8E84-426E-40DD-AFC4-6F175D3DCCD1}">
+              <a14:hiddenFill xmlns:a14="http://schemas.microsoft.com/office/drawing/2010/main">
+                <a:solidFill>
+                  <a:srgbClr val="FFFFFF"/>
+                </a:solidFill>
+              </a14:hiddenFill>
+            </a:ext>
+          </a:extLst>
+        </p:spPr>
+      </p:pic>
+      <p:pic>
+        <p:nvPicPr>
+          <p:cNvPr id="12" name="Picture 11"/>
+          <p:cNvPicPr>
+            <a:picLocks noChangeAspect="1"/>
+          </p:cNvPicPr>
+          <p:nvPr/>
+        </p:nvPicPr>
+        <p:blipFill>
+          <a:blip r:embed="rId4"/>
+          <a:stretch>
+            <a:fillRect/>
+          </a:stretch>
+        </p:blipFill>
+        <p:spPr>
+          <a:xfrm>
+            <a:off x="528432" y="1501911"/>
+            <a:ext cx="2106777" cy="903854"/>
+          </a:xfrm>
+          <a:prstGeom prst="rect">
+            <a:avLst/>
+          </a:prstGeom>
+        </p:spPr>
+      </p:pic>
+      <p:pic>
+        <p:nvPicPr>
+          <p:cNvPr id="13" name="Picture 12"/>
+          <p:cNvPicPr>
+            <a:picLocks noChangeAspect="1"/>
+          </p:cNvPicPr>
+          <p:nvPr/>
+        </p:nvPicPr>
+        <p:blipFill>
+          <a:blip r:embed="rId5"/>
+          <a:stretch>
+            <a:fillRect/>
+          </a:stretch>
+        </p:blipFill>
+        <p:spPr>
+          <a:xfrm>
+            <a:off x="485440" y="2623746"/>
+            <a:ext cx="2192760" cy="877104"/>
+          </a:xfrm>
+          <a:prstGeom prst="rect">
+            <a:avLst/>
+          </a:prstGeom>
+        </p:spPr>
+      </p:pic>
+      <p:pic>
+        <p:nvPicPr>
+          <p:cNvPr id="3" name="Picture 2"/>
+          <p:cNvPicPr>
+            <a:picLocks noChangeAspect="1"/>
+          </p:cNvPicPr>
+          <p:nvPr/>
+        </p:nvPicPr>
+        <p:blipFill>
+          <a:blip r:embed="rId6"/>
+          <a:stretch>
+            <a:fillRect/>
+          </a:stretch>
+        </p:blipFill>
+        <p:spPr>
+          <a:xfrm>
+            <a:off x="6210923" y="1855682"/>
+            <a:ext cx="2679644" cy="1229620"/>
+          </a:xfrm>
+          <a:prstGeom prst="rect">
+            <a:avLst/>
+          </a:prstGeom>
+        </p:spPr>
+      </p:pic>
+    </p:spTree>
+    <p:extLst>
+      <p:ext uri="{BB962C8B-B14F-4D97-AF65-F5344CB8AC3E}">
+        <p14:creationId xmlns:p14="http://schemas.microsoft.com/office/powerpoint/2010/main" val="3776908126"/>
+      </p:ext>
+    </p:extLst>
+  </p:cSld>
+  <p:clrMapOvr>
+    <a:masterClrMapping/>
+  </p:clrMapOvr>
+</p:sld>
+</file>
+
+<file path=ppt/slides/slide11.xml><?xml version="1.0" encoding="utf-8"?>
+<p:sld xmlns:a="http://schemas.openxmlformats.org/drawingml/2006/main" xmlns:r="http://schemas.openxmlformats.org/officeDocument/2006/relationships" xmlns:p="http://schemas.openxmlformats.org/presentationml/2006/main">
+  <p:cSld>
+    <p:spTree>
+      <p:nvGrpSpPr>
+        <p:cNvPr id="1" name=""/>
+        <p:cNvGrpSpPr/>
+        <p:nvPr/>
+      </p:nvGrpSpPr>
+      <p:grpSpPr>
+        <a:xfrm>
+          <a:off x="0" y="0"/>
+          <a:ext cx="0" cy="0"/>
+          <a:chOff x="0" y="0"/>
+          <a:chExt cx="0" cy="0"/>
+        </a:xfrm>
+      </p:grpSpPr>
+      <p:sp>
+        <p:nvSpPr>
+          <p:cNvPr id="2" name="Title 1">
+            <a:extLst>
+              <a:ext uri="{FF2B5EF4-FFF2-40B4-BE49-F238E27FC236}">
+                <a16:creationId xmlns:a16="http://schemas.microsoft.com/office/drawing/2014/main" id="{BA6B2C50-9FFA-4A11-A88F-BF827DE3D7EB}"/>
+              </a:ext>
+            </a:extLst>
+          </p:cNvPr>
+          <p:cNvSpPr>
+            <a:spLocks noGrp="1"/>
+          </p:cNvSpPr>
+          <p:nvPr>
+            <p:ph type="title"/>
+          </p:nvPr>
+        </p:nvSpPr>
+        <p:spPr/>
+        <p:txBody>
+          <a:bodyPr/>
+          <a:lstStyle/>
+          <a:p>
+            <a:r>
+              <a:rPr lang="en-US" altLang="zh-CN" dirty="0"/>
+              <a:t>Representation of uncertainty</a:t>
+            </a:r>
+            <a:endParaRPr lang="zh-CN" altLang="en-US" dirty="0"/>
+          </a:p>
+        </p:txBody>
+      </p:sp>
+      <p:sp>
+        <p:nvSpPr>
+          <p:cNvPr id="3" name="Text Placeholder 2">
+            <a:extLst>
+              <a:ext uri="{FF2B5EF4-FFF2-40B4-BE49-F238E27FC236}">
+                <a16:creationId xmlns:a16="http://schemas.microsoft.com/office/drawing/2014/main" id="{411C90ED-C1C2-412A-9DD6-1AA4CEB44002}"/>
+              </a:ext>
+            </a:extLst>
+          </p:cNvPr>
           <p:cNvSpPr>
             <a:spLocks noGrp="1"/>
           </p:cNvSpPr>
@@ -7625,28 +7927,66 @@
           <a:lstStyle/>
           <a:p>
             <a:r>
-              <a:rPr lang="en-US" sz="1600" dirty="0" smtClean="0"/>
-              <a:t>The capability of a system can be represented as all the traces of its corresponding state machine.</a:t>
-            </a:r>
-          </a:p>
-          <a:p>
-            <a:r>
-              <a:rPr lang="en-US" sz="1600" dirty="0" smtClean="0"/>
-              <a:t>Problem: the “internal” events are less important when analyzing its capability to work against a given environment.</a:t>
-            </a:r>
-          </a:p>
-          <a:p>
-            <a:r>
-              <a:rPr lang="en-US" sz="1600" dirty="0" smtClean="0"/>
-              <a:t>Solution: project the system to the interfaces of the environment.</a:t>
-            </a:r>
-            <a:endParaRPr lang="en-US" sz="1600" dirty="0"/>
+              <a:rPr lang="en-US" altLang="zh-CN" sz="1600" dirty="0"/>
+              <a:t>Uncertainty is the alternative behavior over the perfect environment which may cause property violations.</a:t>
+            </a:r>
+          </a:p>
+          <a:p>
+            <a:pPr lvl="1">
+              <a:spcBef>
+                <a:spcPts val="0"/>
+              </a:spcBef>
+              <a:spcAft>
+                <a:spcPts val="800"/>
+              </a:spcAft>
+            </a:pPr>
+            <a:r>
+              <a:rPr lang="en-US" altLang="zh-CN" dirty="0"/>
+              <a:t>E.g., a trace in environment: &lt;send, lose, </a:t>
+            </a:r>
+            <a:r>
+              <a:rPr lang="en-US" altLang="zh-CN" dirty="0">
+                <a:solidFill>
+                  <a:srgbClr val="FF0000"/>
+                </a:solidFill>
+              </a:rPr>
+              <a:t>send</a:t>
+            </a:r>
+            <a:r>
+              <a:rPr lang="en-US" altLang="zh-CN" dirty="0"/>
+              <a:t>&gt;</a:t>
+            </a:r>
+          </a:p>
+          <a:p>
+            <a:r>
+              <a:rPr lang="en-US" altLang="zh-CN" sz="1600" dirty="0"/>
+              <a:t>Problem: the alphabet of internal events is often unknown.</a:t>
+            </a:r>
+          </a:p>
+          <a:p>
+            <a:r>
+              <a:rPr lang="en-US" altLang="zh-CN" sz="1600" dirty="0"/>
+              <a:t>Solution: project the environment to the known interfaces.</a:t>
+            </a:r>
+            <a:endParaRPr lang="zh-CN" altLang="en-US" sz="1600" dirty="0"/>
+          </a:p>
+          <a:p>
+            <a:endParaRPr lang="en-US" altLang="zh-CN" dirty="0"/>
+          </a:p>
+          <a:p>
+            <a:endParaRPr lang="en-US" altLang="zh-CN" dirty="0"/>
           </a:p>
         </p:txBody>
       </p:sp>
       <p:sp>
         <p:nvSpPr>
-          <p:cNvPr id="4" name="Slide Number Placeholder 3"/>
+          <p:cNvPr id="4" name="Slide Number Placeholder 3">
+            <a:extLst>
+              <a:ext uri="{FF2B5EF4-FFF2-40B4-BE49-F238E27FC236}">
+                <a16:creationId xmlns:a16="http://schemas.microsoft.com/office/drawing/2014/main" id="{381072B6-446C-4D87-8FBC-0B47E14722D3}"/>
+              </a:ext>
+            </a:extLst>
+          </p:cNvPr>
           <p:cNvSpPr>
             <a:spLocks noGrp="1"/>
           </p:cNvSpPr>
@@ -7670,42 +8010,18 @@
             </a:pPr>
             <a:fld id="{00000000-1234-1234-1234-123412341234}" type="slidenum">
               <a:rPr lang="en" smtClean="0"/>
-              <a:t>10</a:t>
+              <a:t>11</a:t>
             </a:fld>
             <a:endParaRPr lang="en"/>
           </a:p>
         </p:txBody>
       </p:sp>
-      <p:pic>
-        <p:nvPicPr>
-          <p:cNvPr id="5" name="Picture 4"/>
-          <p:cNvPicPr>
-            <a:picLocks noChangeAspect="1"/>
-          </p:cNvPicPr>
-          <p:nvPr/>
-        </p:nvPicPr>
-        <p:blipFill>
-          <a:blip r:embed="rId3"/>
-          <a:stretch>
-            <a:fillRect/>
-          </a:stretch>
-        </p:blipFill>
-        <p:spPr>
-          <a:xfrm>
-            <a:off x="764345" y="2944659"/>
-            <a:ext cx="3136062" cy="1115044"/>
-          </a:xfrm>
-          <a:prstGeom prst="rect">
-            <a:avLst/>
-          </a:prstGeom>
-        </p:spPr>
-      </p:pic>
       <p:sp>
         <p:nvSpPr>
-          <p:cNvPr id="6" name="Arrow: Right 5">
+          <p:cNvPr id="5" name="Arrow: Right 4">
             <a:extLst>
               <a:ext uri="{FF2B5EF4-FFF2-40B4-BE49-F238E27FC236}">
-                <a16:creationId xmlns:a16="http://schemas.microsoft.com/office/drawing/2014/main" id="{050FAB4A-AB45-4641-8A3D-1AEAF001B78D}"/>
+                <a16:creationId xmlns:a16="http://schemas.microsoft.com/office/drawing/2014/main" id="{602C3F2F-9C1D-49F5-A281-856A00E51960}"/>
               </a:ext>
             </a:extLst>
           </p:cNvPr>
@@ -7714,7 +8030,7 @@
         </p:nvSpPr>
         <p:spPr>
           <a:xfrm>
-            <a:off x="4101532" y="3386968"/>
+            <a:off x="3900055" y="3283646"/>
             <a:ext cx="976745" cy="249382"/>
           </a:xfrm>
           <a:prstGeom prst="rightArrow">
@@ -7746,217 +8062,15 @@
           </a:p>
         </p:txBody>
       </p:sp>
-      <p:sp>
-        <p:nvSpPr>
-          <p:cNvPr id="7" name="TextBox 6">
+      <p:pic>
+        <p:nvPicPr>
+          <p:cNvPr id="7" name="Picture 6">
             <a:extLst>
               <a:ext uri="{FF2B5EF4-FFF2-40B4-BE49-F238E27FC236}">
-                <a16:creationId xmlns:a16="http://schemas.microsoft.com/office/drawing/2014/main" id="{A1C6BCB3-7C6F-4EF4-AE3F-BFB83C285B0F}"/>
+                <a16:creationId xmlns:a16="http://schemas.microsoft.com/office/drawing/2014/main" id="{2CEB0D3D-A2A4-48C0-83CA-4DC2B9D7B8DC}"/>
               </a:ext>
             </a:extLst>
           </p:cNvPr>
-          <p:cNvSpPr txBox="1"/>
-          <p:nvPr/>
-        </p:nvSpPr>
-        <p:spPr>
-          <a:xfrm>
-            <a:off x="4039166" y="3109969"/>
-            <a:ext cx="1120820" cy="276999"/>
-          </a:xfrm>
-          <a:prstGeom prst="rect">
-            <a:avLst/>
-          </a:prstGeom>
-          <a:noFill/>
-        </p:spPr>
-        <p:txBody>
-          <a:bodyPr wrap="none" rtlCol="0">
-            <a:spAutoFit/>
-          </a:bodyPr>
-          <a:lstStyle/>
-          <a:p>
-            <a:r>
-              <a:rPr lang="en-US" altLang="zh-CN" sz="1200" dirty="0"/>
-              <a:t>Hide </a:t>
-            </a:r>
-            <a:r>
-              <a:rPr lang="en-US" altLang="zh-CN" sz="1200" dirty="0" smtClean="0"/>
-              <a:t>internals</a:t>
-            </a:r>
-            <a:endParaRPr lang="zh-CN" altLang="en-US" sz="1200" dirty="0"/>
-          </a:p>
-        </p:txBody>
-      </p:sp>
-      <p:pic>
-        <p:nvPicPr>
-          <p:cNvPr id="8" name="Picture 7"/>
-          <p:cNvPicPr>
-            <a:picLocks noChangeAspect="1"/>
-          </p:cNvPicPr>
-          <p:nvPr/>
-        </p:nvPicPr>
-        <p:blipFill>
-          <a:blip r:embed="rId4"/>
-          <a:stretch>
-            <a:fillRect/>
-          </a:stretch>
-        </p:blipFill>
-        <p:spPr>
-          <a:xfrm>
-            <a:off x="5279402" y="2967747"/>
-            <a:ext cx="1999282" cy="1091956"/>
-          </a:xfrm>
-          <a:prstGeom prst="rect">
-            <a:avLst/>
-          </a:prstGeom>
-        </p:spPr>
-      </p:pic>
-    </p:spTree>
-    <p:extLst>
-      <p:ext uri="{BB962C8B-B14F-4D97-AF65-F5344CB8AC3E}">
-        <p14:creationId xmlns:p14="http://schemas.microsoft.com/office/powerpoint/2010/main" val="269365240"/>
-      </p:ext>
-    </p:extLst>
-  </p:cSld>
-  <p:clrMapOvr>
-    <a:masterClrMapping/>
-  </p:clrMapOvr>
-  <p:timing>
-    <p:tnLst>
-      <p:par>
-        <p:cTn id="1" dur="indefinite" restart="never" nodeType="tmRoot"/>
-      </p:par>
-    </p:tnLst>
-  </p:timing>
-</p:sld>
-</file>
-
-<file path=ppt/slides/slide11.xml><?xml version="1.0" encoding="utf-8"?>
-<p:sld xmlns:a="http://schemas.openxmlformats.org/drawingml/2006/main" xmlns:r="http://schemas.openxmlformats.org/officeDocument/2006/relationships" xmlns:p="http://schemas.openxmlformats.org/presentationml/2006/main">
-  <p:cSld>
-    <p:spTree>
-      <p:nvGrpSpPr>
-        <p:cNvPr id="1" name=""/>
-        <p:cNvGrpSpPr/>
-        <p:nvPr/>
-      </p:nvGrpSpPr>
-      <p:grpSpPr>
-        <a:xfrm>
-          <a:off x="0" y="0"/>
-          <a:ext cx="0" cy="0"/>
-          <a:chOff x="0" y="0"/>
-          <a:chExt cx="0" cy="0"/>
-        </a:xfrm>
-      </p:grpSpPr>
-      <p:sp>
-        <p:nvSpPr>
-          <p:cNvPr id="2" name="Title 1"/>
-          <p:cNvSpPr>
-            <a:spLocks noGrp="1"/>
-          </p:cNvSpPr>
-          <p:nvPr>
-            <p:ph type="title"/>
-          </p:nvPr>
-        </p:nvSpPr>
-        <p:spPr/>
-        <p:txBody>
-          <a:bodyPr/>
-          <a:lstStyle/>
-          <a:p>
-            <a:r>
-              <a:rPr lang="en-US" dirty="0"/>
-              <a:t>Representation of system assumption</a:t>
-            </a:r>
-          </a:p>
-        </p:txBody>
-      </p:sp>
-      <p:sp>
-        <p:nvSpPr>
-          <p:cNvPr id="3" name="Text Placeholder 2"/>
-          <p:cNvSpPr>
-            <a:spLocks noGrp="1"/>
-          </p:cNvSpPr>
-          <p:nvPr>
-            <p:ph type="body" idx="1"/>
-          </p:nvPr>
-        </p:nvSpPr>
-        <p:spPr/>
-        <p:txBody>
-          <a:bodyPr/>
-          <a:lstStyle/>
-          <a:p>
-            <a:r>
-              <a:rPr lang="en-US" dirty="0" smtClean="0"/>
-              <a:t>The projected capability describes all the possible traces of the environment that the system can work with.</a:t>
-            </a:r>
-          </a:p>
-          <a:p>
-            <a:r>
-              <a:rPr lang="en-US" dirty="0" smtClean="0"/>
-              <a:t>However, it may include traces that would lead to property violation.</a:t>
-            </a:r>
-          </a:p>
-          <a:p>
-            <a:r>
-              <a:rPr lang="en-US" dirty="0"/>
-              <a:t>E.g., system allows trace &lt;send, </a:t>
-            </a:r>
-            <a:r>
-              <a:rPr lang="en-US" dirty="0" err="1"/>
-              <a:t>getack</a:t>
-            </a:r>
-            <a:r>
-              <a:rPr lang="en-US" dirty="0"/>
-              <a:t>, send, </a:t>
-            </a:r>
-            <a:r>
-              <a:rPr lang="en-US" dirty="0" err="1"/>
-              <a:t>getack</a:t>
-            </a:r>
-            <a:r>
-              <a:rPr lang="en-US" dirty="0"/>
-              <a:t>, …&gt;, which violates property that input and output should alternate.</a:t>
-            </a:r>
-          </a:p>
-          <a:p>
-            <a:endParaRPr lang="en-US" dirty="0"/>
-          </a:p>
-        </p:txBody>
-      </p:sp>
-      <p:sp>
-        <p:nvSpPr>
-          <p:cNvPr id="4" name="Slide Number Placeholder 3"/>
-          <p:cNvSpPr>
-            <a:spLocks noGrp="1"/>
-          </p:cNvSpPr>
-          <p:nvPr>
-            <p:ph type="sldNum" idx="12"/>
-          </p:nvPr>
-        </p:nvSpPr>
-        <p:spPr/>
-        <p:txBody>
-          <a:bodyPr/>
-          <a:lstStyle/>
-          <a:p>
-            <a:pPr marL="0" lvl="0" indent="0" algn="r" rtl="0">
-              <a:spcBef>
-                <a:spcPts val="0"/>
-              </a:spcBef>
-              <a:spcAft>
-                <a:spcPts val="0"/>
-              </a:spcAft>
-              <a:buNone/>
-            </a:pPr>
-            <a:fld id="{00000000-1234-1234-1234-123412341234}" type="slidenum">
-              <a:rPr lang="en" smtClean="0"/>
-              <a:t>11</a:t>
-            </a:fld>
-            <a:endParaRPr lang="en"/>
-          </a:p>
-        </p:txBody>
-      </p:sp>
-      <p:pic>
-        <p:nvPicPr>
-          <p:cNvPr id="5" name="Picture 4"/>
           <p:cNvPicPr>
             <a:picLocks noChangeAspect="1"/>
           </p:cNvPicPr>
@@ -7970,31 +8084,356 @@
         </p:blipFill>
         <p:spPr>
           <a:xfrm>
-            <a:off x="5794793" y="2862204"/>
-            <a:ext cx="2677665" cy="1462471"/>
+            <a:off x="1009693" y="2827832"/>
+            <a:ext cx="2530123" cy="1161009"/>
           </a:xfrm>
           <a:prstGeom prst="rect">
             <a:avLst/>
           </a:prstGeom>
         </p:spPr>
       </p:pic>
+      <p:pic>
+        <p:nvPicPr>
+          <p:cNvPr id="8" name="Picture 7">
+            <a:extLst>
+              <a:ext uri="{FF2B5EF4-FFF2-40B4-BE49-F238E27FC236}">
+                <a16:creationId xmlns:a16="http://schemas.microsoft.com/office/drawing/2014/main" id="{7D2FDC86-6BCF-4CAA-90CC-95E7B011C769}"/>
+              </a:ext>
+            </a:extLst>
+          </p:cNvPr>
+          <p:cNvPicPr>
+            <a:picLocks noChangeAspect="1"/>
+          </p:cNvPicPr>
+          <p:nvPr/>
+        </p:nvPicPr>
+        <p:blipFill>
+          <a:blip r:embed="rId3"/>
+          <a:stretch>
+            <a:fillRect/>
+          </a:stretch>
+        </p:blipFill>
+        <p:spPr>
+          <a:xfrm>
+            <a:off x="5179438" y="2931747"/>
+            <a:ext cx="2210435" cy="953177"/>
+          </a:xfrm>
+          <a:prstGeom prst="rect">
+            <a:avLst/>
+          </a:prstGeom>
+        </p:spPr>
+      </p:pic>
+      <p:sp>
+        <p:nvSpPr>
+          <p:cNvPr id="9" name="Text Placeholder 2">
+            <a:extLst>
+              <a:ext uri="{FF2B5EF4-FFF2-40B4-BE49-F238E27FC236}">
+                <a16:creationId xmlns:a16="http://schemas.microsoft.com/office/drawing/2014/main" id="{770F91BE-A4EE-4FC3-A406-A521B369D37E}"/>
+              </a:ext>
+            </a:extLst>
+          </p:cNvPr>
+          <p:cNvSpPr txBox="1">
+            <a:spLocks/>
+          </p:cNvSpPr>
+          <p:nvPr/>
+        </p:nvSpPr>
+        <p:spPr>
+          <a:xfrm>
+            <a:off x="438151" y="4010689"/>
+            <a:ext cx="8394149" cy="353540"/>
+          </a:xfrm>
+          <a:prstGeom prst="rect">
+            <a:avLst/>
+          </a:prstGeom>
+          <a:noFill/>
+          <a:ln>
+            <a:noFill/>
+          </a:ln>
+        </p:spPr>
+        <p:txBody>
+          <a:bodyPr spcFirstLastPara="1" wrap="square" lIns="91425" tIns="91425" rIns="91425" bIns="91425" anchor="t" anchorCtr="0">
+            <a:noAutofit/>
+          </a:bodyPr>
+          <a:lstStyle>
+            <a:defPPr marR="0" lvl="0" algn="l" rtl="0">
+              <a:lnSpc>
+                <a:spcPct val="100000"/>
+              </a:lnSpc>
+              <a:spcBef>
+                <a:spcPts val="0"/>
+              </a:spcBef>
+              <a:spcAft>
+                <a:spcPts val="0"/>
+              </a:spcAft>
+            </a:defPPr>
+            <a:lvl1pPr marL="457200" marR="0" lvl="0" indent="-342900" algn="l" rtl="0" eaLnBrk="1" hangingPunct="1">
+              <a:lnSpc>
+                <a:spcPct val="115000"/>
+              </a:lnSpc>
+              <a:spcBef>
+                <a:spcPts val="0"/>
+              </a:spcBef>
+              <a:spcAft>
+                <a:spcPts val="0"/>
+              </a:spcAft>
+              <a:buClr>
+                <a:schemeClr val="dk2"/>
+              </a:buClr>
+              <a:buSzPts val="1800"/>
+              <a:buFont typeface="Open Sans Light"/>
+              <a:buChar char="●"/>
+              <a:defRPr sz="1800" b="0" i="0" u="none" strike="noStrike" cap="none">
+                <a:solidFill>
+                  <a:schemeClr val="dk2"/>
+                </a:solidFill>
+                <a:latin typeface="Open Sans Light"/>
+                <a:ea typeface="Open Sans Light"/>
+                <a:cs typeface="Open Sans Light"/>
+                <a:sym typeface="Open Sans Light"/>
+              </a:defRPr>
+            </a:lvl1pPr>
+            <a:lvl2pPr marL="914400" marR="0" lvl="1" indent="-317500" algn="l" rtl="0" eaLnBrk="1" hangingPunct="1">
+              <a:lnSpc>
+                <a:spcPct val="115000"/>
+              </a:lnSpc>
+              <a:spcBef>
+                <a:spcPts val="1600"/>
+              </a:spcBef>
+              <a:spcAft>
+                <a:spcPts val="0"/>
+              </a:spcAft>
+              <a:buClr>
+                <a:schemeClr val="dk2"/>
+              </a:buClr>
+              <a:buSzPts val="1400"/>
+              <a:buFont typeface="Open Sans Light"/>
+              <a:buChar char="○"/>
+              <a:defRPr sz="1400" b="0" i="0" u="none" strike="noStrike" cap="none">
+                <a:solidFill>
+                  <a:schemeClr val="dk2"/>
+                </a:solidFill>
+                <a:latin typeface="Open Sans Light"/>
+                <a:ea typeface="Open Sans Light"/>
+                <a:cs typeface="Open Sans Light"/>
+                <a:sym typeface="Open Sans Light"/>
+              </a:defRPr>
+            </a:lvl2pPr>
+            <a:lvl3pPr marL="1371600" marR="0" lvl="2" indent="-317500" algn="l" rtl="0" eaLnBrk="1" hangingPunct="1">
+              <a:lnSpc>
+                <a:spcPct val="115000"/>
+              </a:lnSpc>
+              <a:spcBef>
+                <a:spcPts val="1600"/>
+              </a:spcBef>
+              <a:spcAft>
+                <a:spcPts val="0"/>
+              </a:spcAft>
+              <a:buClr>
+                <a:schemeClr val="dk2"/>
+              </a:buClr>
+              <a:buSzPts val="1400"/>
+              <a:buFont typeface="Open Sans Light"/>
+              <a:buChar char="■"/>
+              <a:defRPr sz="1400" b="0" i="0" u="none" strike="noStrike" cap="none">
+                <a:solidFill>
+                  <a:schemeClr val="dk2"/>
+                </a:solidFill>
+                <a:latin typeface="Open Sans Light"/>
+                <a:ea typeface="Open Sans Light"/>
+                <a:cs typeface="Open Sans Light"/>
+                <a:sym typeface="Open Sans Light"/>
+              </a:defRPr>
+            </a:lvl3pPr>
+            <a:lvl4pPr marL="1828800" marR="0" lvl="3" indent="-317500" algn="l" rtl="0" eaLnBrk="1" hangingPunct="1">
+              <a:lnSpc>
+                <a:spcPct val="115000"/>
+              </a:lnSpc>
+              <a:spcBef>
+                <a:spcPts val="1600"/>
+              </a:spcBef>
+              <a:spcAft>
+                <a:spcPts val="0"/>
+              </a:spcAft>
+              <a:buClr>
+                <a:schemeClr val="dk2"/>
+              </a:buClr>
+              <a:buSzPts val="1400"/>
+              <a:buFont typeface="Open Sans Light"/>
+              <a:buChar char="●"/>
+              <a:defRPr sz="1400" b="0" i="0" u="none" strike="noStrike" cap="none">
+                <a:solidFill>
+                  <a:schemeClr val="dk2"/>
+                </a:solidFill>
+                <a:latin typeface="Open Sans Light"/>
+                <a:ea typeface="Open Sans Light"/>
+                <a:cs typeface="Open Sans Light"/>
+                <a:sym typeface="Open Sans Light"/>
+              </a:defRPr>
+            </a:lvl4pPr>
+            <a:lvl5pPr marL="2286000" marR="0" lvl="4" indent="-317500" algn="l" rtl="0" eaLnBrk="1" hangingPunct="1">
+              <a:lnSpc>
+                <a:spcPct val="115000"/>
+              </a:lnSpc>
+              <a:spcBef>
+                <a:spcPts val="1600"/>
+              </a:spcBef>
+              <a:spcAft>
+                <a:spcPts val="0"/>
+              </a:spcAft>
+              <a:buClr>
+                <a:schemeClr val="dk2"/>
+              </a:buClr>
+              <a:buSzPts val="1400"/>
+              <a:buFont typeface="Open Sans Light"/>
+              <a:buChar char="○"/>
+              <a:defRPr sz="1400" b="0" i="0" u="none" strike="noStrike" cap="none">
+                <a:solidFill>
+                  <a:schemeClr val="dk2"/>
+                </a:solidFill>
+                <a:latin typeface="Open Sans Light"/>
+                <a:ea typeface="Open Sans Light"/>
+                <a:cs typeface="Open Sans Light"/>
+                <a:sym typeface="Open Sans Light"/>
+              </a:defRPr>
+            </a:lvl5pPr>
+            <a:lvl6pPr marL="2743200" marR="0" lvl="5" indent="-317500" algn="l" rtl="0" eaLnBrk="1" hangingPunct="1">
+              <a:lnSpc>
+                <a:spcPct val="115000"/>
+              </a:lnSpc>
+              <a:spcBef>
+                <a:spcPts val="1600"/>
+              </a:spcBef>
+              <a:spcAft>
+                <a:spcPts val="0"/>
+              </a:spcAft>
+              <a:buClr>
+                <a:schemeClr val="dk2"/>
+              </a:buClr>
+              <a:buSzPts val="1400"/>
+              <a:buFont typeface="Open Sans Light"/>
+              <a:buChar char="■"/>
+              <a:defRPr sz="1400" b="0" i="0" u="none" strike="noStrike" cap="none">
+                <a:solidFill>
+                  <a:schemeClr val="dk2"/>
+                </a:solidFill>
+                <a:latin typeface="Open Sans Light"/>
+                <a:ea typeface="Open Sans Light"/>
+                <a:cs typeface="Open Sans Light"/>
+                <a:sym typeface="Open Sans Light"/>
+              </a:defRPr>
+            </a:lvl6pPr>
+            <a:lvl7pPr marL="3200400" marR="0" lvl="6" indent="-317500" algn="l" rtl="0" eaLnBrk="1" hangingPunct="1">
+              <a:lnSpc>
+                <a:spcPct val="115000"/>
+              </a:lnSpc>
+              <a:spcBef>
+                <a:spcPts val="1600"/>
+              </a:spcBef>
+              <a:spcAft>
+                <a:spcPts val="0"/>
+              </a:spcAft>
+              <a:buClr>
+                <a:schemeClr val="dk2"/>
+              </a:buClr>
+              <a:buSzPts val="1400"/>
+              <a:buFont typeface="Open Sans Light"/>
+              <a:buChar char="●"/>
+              <a:defRPr sz="1400" b="0" i="0" u="none" strike="noStrike" cap="none">
+                <a:solidFill>
+                  <a:schemeClr val="dk2"/>
+                </a:solidFill>
+                <a:latin typeface="Open Sans Light"/>
+                <a:ea typeface="Open Sans Light"/>
+                <a:cs typeface="Open Sans Light"/>
+                <a:sym typeface="Open Sans Light"/>
+              </a:defRPr>
+            </a:lvl7pPr>
+            <a:lvl8pPr marL="3657600" marR="0" lvl="7" indent="-317500" algn="l" rtl="0" eaLnBrk="1" hangingPunct="1">
+              <a:lnSpc>
+                <a:spcPct val="115000"/>
+              </a:lnSpc>
+              <a:spcBef>
+                <a:spcPts val="1600"/>
+              </a:spcBef>
+              <a:spcAft>
+                <a:spcPts val="0"/>
+              </a:spcAft>
+              <a:buClr>
+                <a:schemeClr val="dk2"/>
+              </a:buClr>
+              <a:buSzPts val="1400"/>
+              <a:buFont typeface="Open Sans Light"/>
+              <a:buChar char="○"/>
+              <a:defRPr sz="1400" b="0" i="0" u="none" strike="noStrike" cap="none">
+                <a:solidFill>
+                  <a:schemeClr val="dk2"/>
+                </a:solidFill>
+                <a:latin typeface="Open Sans Light"/>
+                <a:ea typeface="Open Sans Light"/>
+                <a:cs typeface="Open Sans Light"/>
+                <a:sym typeface="Open Sans Light"/>
+              </a:defRPr>
+            </a:lvl8pPr>
+            <a:lvl9pPr marL="4114800" marR="0" lvl="8" indent="-317500" algn="l" rtl="0" eaLnBrk="1" hangingPunct="1">
+              <a:lnSpc>
+                <a:spcPct val="115000"/>
+              </a:lnSpc>
+              <a:spcBef>
+                <a:spcPts val="1600"/>
+              </a:spcBef>
+              <a:spcAft>
+                <a:spcPts val="1600"/>
+              </a:spcAft>
+              <a:buClr>
+                <a:schemeClr val="dk2"/>
+              </a:buClr>
+              <a:buSzPts val="1400"/>
+              <a:buFont typeface="Open Sans Light"/>
+              <a:buChar char="■"/>
+              <a:defRPr sz="1400" b="0" i="0" u="none" strike="noStrike" cap="none">
+                <a:solidFill>
+                  <a:schemeClr val="dk2"/>
+                </a:solidFill>
+                <a:latin typeface="Open Sans Light"/>
+                <a:ea typeface="Open Sans Light"/>
+                <a:cs typeface="Open Sans Light"/>
+                <a:sym typeface="Open Sans Light"/>
+              </a:defRPr>
+            </a:lvl9pPr>
+          </a:lstStyle>
+          <a:p>
+            <a:pPr marL="114300" indent="0">
+              <a:buFont typeface="Open Sans Light"/>
+              <a:buNone/>
+            </a:pPr>
+            <a:r>
+              <a:rPr lang="en-US" altLang="zh-CN" sz="1400" dirty="0"/>
+              <a:t>The projected trace: &lt;send, </a:t>
+            </a:r>
+            <a:r>
+              <a:rPr lang="en-US" altLang="zh-CN" sz="1400" dirty="0">
+                <a:solidFill>
+                  <a:srgbClr val="FF0000"/>
+                </a:solidFill>
+              </a:rPr>
+              <a:t>send</a:t>
+            </a:r>
+            <a:r>
+              <a:rPr lang="en-US" altLang="zh-CN" sz="1400" dirty="0"/>
+              <a:t>&gt;</a:t>
+            </a:r>
+          </a:p>
+        </p:txBody>
+      </p:sp>
     </p:spTree>
     <p:extLst>
       <p:ext uri="{BB962C8B-B14F-4D97-AF65-F5344CB8AC3E}">
-        <p14:creationId xmlns:p14="http://schemas.microsoft.com/office/powerpoint/2010/main" val="1912107243"/>
+        <p14:creationId xmlns:p14="http://schemas.microsoft.com/office/powerpoint/2010/main" val="1457441070"/>
       </p:ext>
     </p:extLst>
   </p:cSld>
   <p:clrMapOvr>
     <a:masterClrMapping/>
   </p:clrMapOvr>
-  <p:timing>
-    <p:tnLst>
-      <p:par>
-        <p:cTn id="1" dur="indefinite" restart="never" nodeType="tmRoot"/>
-      </p:par>
-    </p:tnLst>
-  </p:timing>
 </p:sld>
 </file>
 
@@ -8031,10 +8470,9 @@
           <a:lstStyle/>
           <a:p>
             <a:r>
-              <a:rPr lang="en-US" dirty="0" smtClean="0"/>
-              <a:t>Representation of system assumption</a:t>
-            </a:r>
-            <a:endParaRPr lang="en-US" dirty="0"/>
+              <a:rPr lang="en-US" dirty="0"/>
+              <a:t>Representation of system capability</a:t>
+            </a:r>
           </a:p>
         </p:txBody>
       </p:sp>
@@ -8048,58 +8486,27 @@
             <p:ph type="body" idx="1"/>
           </p:nvPr>
         </p:nvSpPr>
-        <p:spPr>
-          <a:xfrm>
-            <a:off x="311700" y="1152475"/>
-            <a:ext cx="6564381" cy="3172200"/>
-          </a:xfrm>
-        </p:spPr>
+        <p:spPr/>
         <p:txBody>
           <a:bodyPr/>
           <a:lstStyle/>
           <a:p>
             <a:r>
-              <a:rPr lang="en-US" sz="1600" dirty="0" smtClean="0"/>
-              <a:t>Most often, a system cannot work under any environment.</a:t>
-            </a:r>
-          </a:p>
-          <a:p>
-            <a:r>
-              <a:rPr lang="en-US" sz="1600" dirty="0" smtClean="0"/>
-              <a:t>Developers make implicit assumptions of the environment to ensure “correct” function.</a:t>
-            </a:r>
-          </a:p>
-          <a:p>
-            <a:r>
-              <a:rPr lang="en-US" sz="1600" dirty="0" smtClean="0"/>
-              <a:t>E.g., system allows trace &lt;send, </a:t>
-            </a:r>
-            <a:r>
-              <a:rPr lang="en-US" sz="1600" dirty="0" err="1" smtClean="0"/>
-              <a:t>getack</a:t>
-            </a:r>
-            <a:r>
-              <a:rPr lang="en-US" sz="1600" dirty="0" smtClean="0"/>
-              <a:t>, send, </a:t>
-            </a:r>
-            <a:r>
-              <a:rPr lang="en-US" sz="1600" dirty="0" err="1" smtClean="0"/>
-              <a:t>getack</a:t>
-            </a:r>
-            <a:r>
-              <a:rPr lang="en-US" sz="1600" dirty="0" smtClean="0"/>
-              <a:t>, …&gt;, which violates property that input and output should alternate.</a:t>
-            </a:r>
-          </a:p>
-          <a:p>
-            <a:endParaRPr lang="en-US" sz="1600" dirty="0" smtClean="0"/>
-          </a:p>
-          <a:p>
-            <a:r>
-              <a:rPr lang="en-US" sz="1600" dirty="0" smtClean="0"/>
-              <a:t>To ensure the property, it assumes the environment to be:</a:t>
-            </a:r>
-            <a:endParaRPr lang="en-US" sz="1600" dirty="0"/>
+              <a:rPr lang="en-US" sz="1600" dirty="0"/>
+              <a:t>The capability of a system can be represented as all its traces.</a:t>
+            </a:r>
+          </a:p>
+          <a:p>
+            <a:r>
+              <a:rPr lang="en-US" sz="1600" dirty="0"/>
+              <a:t>Problem: the “internal” events are less important when analyzing its capability to work against a given environment.</a:t>
+            </a:r>
+          </a:p>
+          <a:p>
+            <a:r>
+              <a:rPr lang="en-US" sz="1600" dirty="0"/>
+              <a:t>Solution: project the system to the interfaces of the environment.</a:t>
+            </a:r>
           </a:p>
         </p:txBody>
       </p:sp>
@@ -8137,7 +8544,7 @@
       </p:sp>
       <p:pic>
         <p:nvPicPr>
-          <p:cNvPr id="6" name="Picture 5"/>
+          <p:cNvPr id="5" name="Picture 4"/>
           <p:cNvPicPr>
             <a:picLocks noChangeAspect="1"/>
           </p:cNvPicPr>
@@ -8151,17 +8558,99 @@
         </p:blipFill>
         <p:spPr>
           <a:xfrm>
-            <a:off x="6524787" y="3286182"/>
-            <a:ext cx="2077966" cy="786257"/>
+            <a:off x="505145" y="2725111"/>
+            <a:ext cx="3758992" cy="1336530"/>
           </a:xfrm>
           <a:prstGeom prst="rect">
             <a:avLst/>
           </a:prstGeom>
         </p:spPr>
       </p:pic>
+      <p:sp>
+        <p:nvSpPr>
+          <p:cNvPr id="6" name="Arrow: Right 5">
+            <a:extLst>
+              <a:ext uri="{FF2B5EF4-FFF2-40B4-BE49-F238E27FC236}">
+                <a16:creationId xmlns:a16="http://schemas.microsoft.com/office/drawing/2014/main" id="{050FAB4A-AB45-4641-8A3D-1AEAF001B78D}"/>
+              </a:ext>
+            </a:extLst>
+          </p:cNvPr>
+          <p:cNvSpPr/>
+          <p:nvPr/>
+        </p:nvSpPr>
+        <p:spPr>
+          <a:xfrm>
+            <a:off x="4466996" y="3341722"/>
+            <a:ext cx="976745" cy="249382"/>
+          </a:xfrm>
+          <a:prstGeom prst="rightArrow">
+            <a:avLst/>
+          </a:prstGeom>
+        </p:spPr>
+        <p:style>
+          <a:lnRef idx="2">
+            <a:schemeClr val="accent1">
+              <a:shade val="50000"/>
+            </a:schemeClr>
+          </a:lnRef>
+          <a:fillRef idx="1">
+            <a:schemeClr val="accent1"/>
+          </a:fillRef>
+          <a:effectRef idx="0">
+            <a:schemeClr val="accent1"/>
+          </a:effectRef>
+          <a:fontRef idx="minor">
+            <a:schemeClr val="lt1"/>
+          </a:fontRef>
+        </p:style>
+        <p:txBody>
+          <a:bodyPr rtlCol="0" anchor="ctr"/>
+          <a:lstStyle/>
+          <a:p>
+            <a:pPr algn="ctr"/>
+            <a:endParaRPr lang="zh-CN" altLang="en-US"/>
+          </a:p>
+        </p:txBody>
+      </p:sp>
+      <p:sp>
+        <p:nvSpPr>
+          <p:cNvPr id="7" name="TextBox 6">
+            <a:extLst>
+              <a:ext uri="{FF2B5EF4-FFF2-40B4-BE49-F238E27FC236}">
+                <a16:creationId xmlns:a16="http://schemas.microsoft.com/office/drawing/2014/main" id="{A1C6BCB3-7C6F-4EF4-AE3F-BFB83C285B0F}"/>
+              </a:ext>
+            </a:extLst>
+          </p:cNvPr>
+          <p:cNvSpPr txBox="1"/>
+          <p:nvPr/>
+        </p:nvSpPr>
+        <p:spPr>
+          <a:xfrm>
+            <a:off x="4394958" y="3064723"/>
+            <a:ext cx="1120820" cy="276999"/>
+          </a:xfrm>
+          <a:prstGeom prst="rect">
+            <a:avLst/>
+          </a:prstGeom>
+          <a:noFill/>
+        </p:spPr>
+        <p:txBody>
+          <a:bodyPr wrap="none" rtlCol="0">
+            <a:spAutoFit/>
+          </a:bodyPr>
+          <a:lstStyle/>
+          <a:p>
+            <a:r>
+              <a:rPr lang="en-US" altLang="zh-CN" sz="1200" dirty="0"/>
+              <a:t>Hide internals</a:t>
+            </a:r>
+            <a:endParaRPr lang="zh-CN" altLang="en-US" sz="1200" dirty="0"/>
+          </a:p>
+        </p:txBody>
+      </p:sp>
       <p:pic>
         <p:nvPicPr>
-          <p:cNvPr id="7" name="Picture 6"/>
+          <p:cNvPr id="8" name="Picture 7"/>
           <p:cNvPicPr>
             <a:picLocks noChangeAspect="1"/>
           </p:cNvPicPr>
@@ -8175,8 +8664,8 @@
         </p:blipFill>
         <p:spPr>
           <a:xfrm>
-            <a:off x="6524787" y="1941990"/>
-            <a:ext cx="1999282" cy="1091956"/>
+            <a:off x="5646601" y="2725111"/>
+            <a:ext cx="2361295" cy="1289678"/>
           </a:xfrm>
           <a:prstGeom prst="rect">
             <a:avLst/>
@@ -8186,20 +8675,13 @@
     </p:spTree>
     <p:extLst>
       <p:ext uri="{BB962C8B-B14F-4D97-AF65-F5344CB8AC3E}">
-        <p14:creationId xmlns:p14="http://schemas.microsoft.com/office/powerpoint/2010/main" val="2161841171"/>
+        <p14:creationId xmlns:p14="http://schemas.microsoft.com/office/powerpoint/2010/main" val="269365240"/>
       </p:ext>
     </p:extLst>
   </p:cSld>
   <p:clrMapOvr>
     <a:masterClrMapping/>
   </p:clrMapOvr>
-  <p:timing>
-    <p:tnLst>
-      <p:par>
-        <p:cTn id="1" dur="indefinite" restart="never" nodeType="tmRoot"/>
-      </p:par>
-    </p:tnLst>
-  </p:timing>
 </p:sld>
 </file>
 
@@ -8236,10 +8718,9 @@
           <a:lstStyle/>
           <a:p>
             <a:r>
-              <a:rPr lang="en-US" dirty="0" smtClean="0"/>
-              <a:t>Strong and Weak assumption</a:t>
-            </a:r>
-            <a:endParaRPr lang="en-US" dirty="0"/>
+              <a:rPr lang="en-US" dirty="0"/>
+              <a:t>Representation of system assumption</a:t>
+            </a:r>
           </a:p>
         </p:txBody>
       </p:sp>
@@ -8259,15 +8740,39 @@
           <a:lstStyle/>
           <a:p>
             <a:r>
-              <a:rPr lang="en-US" dirty="0" smtClean="0"/>
-              <a:t>Stronger assumption =&gt; less allowed behavior of the environment;</a:t>
-            </a:r>
-          </a:p>
-          <a:p>
-            <a:r>
-              <a:rPr lang="en-US" dirty="0" smtClean="0"/>
-              <a:t>Weaker assumption =&gt; more allowed behavior of the environment.</a:t>
-            </a:r>
+              <a:rPr lang="en-US" dirty="0"/>
+              <a:t>The projected capability describes all the possible traces of the environment that the system can work with.</a:t>
+            </a:r>
+          </a:p>
+          <a:p>
+            <a:r>
+              <a:rPr lang="en-US" dirty="0"/>
+              <a:t>However, it may include traces that would lead to property violation.</a:t>
+            </a:r>
+          </a:p>
+          <a:p>
+            <a:r>
+              <a:rPr lang="en-US" dirty="0"/>
+              <a:t>E.g., system allows trace &lt;send, </a:t>
+            </a:r>
+            <a:r>
+              <a:rPr lang="en-US" dirty="0" err="1"/>
+              <a:t>getack</a:t>
+            </a:r>
+            <a:r>
+              <a:rPr lang="en-US" dirty="0"/>
+              <a:t>, send, </a:t>
+            </a:r>
+            <a:r>
+              <a:rPr lang="en-US" dirty="0" err="1"/>
+              <a:t>getack</a:t>
+            </a:r>
+            <a:r>
+              <a:rPr lang="en-US" dirty="0"/>
+              <a:t>, …&gt;, which violates property that input and output should alternate.</a:t>
+            </a:r>
+          </a:p>
+          <a:p>
             <a:endParaRPr lang="en-US" dirty="0"/>
           </a:p>
         </p:txBody>
@@ -8304,6 +8809,393 @@
           </a:p>
         </p:txBody>
       </p:sp>
+      <p:pic>
+        <p:nvPicPr>
+          <p:cNvPr id="5" name="Picture 4"/>
+          <p:cNvPicPr>
+            <a:picLocks noChangeAspect="1"/>
+          </p:cNvPicPr>
+          <p:nvPr/>
+        </p:nvPicPr>
+        <p:blipFill>
+          <a:blip r:embed="rId3"/>
+          <a:stretch>
+            <a:fillRect/>
+          </a:stretch>
+        </p:blipFill>
+        <p:spPr>
+          <a:xfrm>
+            <a:off x="5794793" y="2862204"/>
+            <a:ext cx="2677665" cy="1462471"/>
+          </a:xfrm>
+          <a:prstGeom prst="rect">
+            <a:avLst/>
+          </a:prstGeom>
+        </p:spPr>
+      </p:pic>
+    </p:spTree>
+    <p:extLst>
+      <p:ext uri="{BB962C8B-B14F-4D97-AF65-F5344CB8AC3E}">
+        <p14:creationId xmlns:p14="http://schemas.microsoft.com/office/powerpoint/2010/main" val="1912107243"/>
+      </p:ext>
+    </p:extLst>
+  </p:cSld>
+  <p:clrMapOvr>
+    <a:masterClrMapping/>
+  </p:clrMapOvr>
+</p:sld>
+</file>
+
+<file path=ppt/slides/slide14.xml><?xml version="1.0" encoding="utf-8"?>
+<p:sld xmlns:a="http://schemas.openxmlformats.org/drawingml/2006/main" xmlns:r="http://schemas.openxmlformats.org/officeDocument/2006/relationships" xmlns:p="http://schemas.openxmlformats.org/presentationml/2006/main">
+  <p:cSld>
+    <p:spTree>
+      <p:nvGrpSpPr>
+        <p:cNvPr id="1" name=""/>
+        <p:cNvGrpSpPr/>
+        <p:nvPr/>
+      </p:nvGrpSpPr>
+      <p:grpSpPr>
+        <a:xfrm>
+          <a:off x="0" y="0"/>
+          <a:ext cx="0" cy="0"/>
+          <a:chOff x="0" y="0"/>
+          <a:chExt cx="0" cy="0"/>
+        </a:xfrm>
+      </p:grpSpPr>
+      <p:sp>
+        <p:nvSpPr>
+          <p:cNvPr id="2" name="Title 1">
+            <a:extLst>
+              <a:ext uri="{FF2B5EF4-FFF2-40B4-BE49-F238E27FC236}">
+                <a16:creationId xmlns:a16="http://schemas.microsoft.com/office/drawing/2014/main" id="{2044C4E1-1376-459E-B552-A368FE17721D}"/>
+              </a:ext>
+            </a:extLst>
+          </p:cNvPr>
+          <p:cNvSpPr>
+            <a:spLocks noGrp="1"/>
+          </p:cNvSpPr>
+          <p:nvPr>
+            <p:ph type="title"/>
+          </p:nvPr>
+        </p:nvSpPr>
+        <p:spPr/>
+        <p:txBody>
+          <a:bodyPr/>
+          <a:lstStyle/>
+          <a:p>
+            <a:r>
+              <a:rPr lang="en-US" altLang="zh-CN" dirty="0"/>
+              <a:t>Representation of system assumption</a:t>
+            </a:r>
+            <a:endParaRPr lang="zh-CN" altLang="en-US" dirty="0"/>
+          </a:p>
+        </p:txBody>
+      </p:sp>
+      <p:sp>
+        <p:nvSpPr>
+          <p:cNvPr id="3" name="Text Placeholder 2">
+            <a:extLst>
+              <a:ext uri="{FF2B5EF4-FFF2-40B4-BE49-F238E27FC236}">
+                <a16:creationId xmlns:a16="http://schemas.microsoft.com/office/drawing/2014/main" id="{5648DA02-5E9E-48CC-93D5-44B2CBA9726C}"/>
+              </a:ext>
+            </a:extLst>
+          </p:cNvPr>
+          <p:cNvSpPr>
+            <a:spLocks noGrp="1"/>
+          </p:cNvSpPr>
+          <p:nvPr>
+            <p:ph type="body" idx="1"/>
+          </p:nvPr>
+        </p:nvSpPr>
+        <p:spPr/>
+        <p:txBody>
+          <a:bodyPr/>
+          <a:lstStyle/>
+          <a:p>
+            <a:r>
+              <a:rPr lang="en-US" altLang="zh-CN" dirty="0"/>
+              <a:t>Developers make implicit assumptions of the environment to ensure “correct” function.</a:t>
+            </a:r>
+          </a:p>
+          <a:p>
+            <a:r>
+              <a:rPr lang="en-US" altLang="zh-CN" dirty="0"/>
+              <a:t>The assumption includes a subset of behavior of the system capability.</a:t>
+            </a:r>
+          </a:p>
+          <a:p>
+            <a:r>
+              <a:rPr lang="en-US" altLang="zh-CN" dirty="0"/>
+              <a:t>E.g., to ensure the property, it assumes the environment to be:</a:t>
+            </a:r>
+          </a:p>
+          <a:p>
+            <a:endParaRPr lang="en-US" altLang="zh-CN" dirty="0"/>
+          </a:p>
+          <a:p>
+            <a:endParaRPr lang="en-US" altLang="zh-CN" dirty="0"/>
+          </a:p>
+          <a:p>
+            <a:endParaRPr lang="zh-CN" altLang="en-US" dirty="0"/>
+          </a:p>
+        </p:txBody>
+      </p:sp>
+      <p:sp>
+        <p:nvSpPr>
+          <p:cNvPr id="4" name="Slide Number Placeholder 3">
+            <a:extLst>
+              <a:ext uri="{FF2B5EF4-FFF2-40B4-BE49-F238E27FC236}">
+                <a16:creationId xmlns:a16="http://schemas.microsoft.com/office/drawing/2014/main" id="{E7D0DC66-5D70-4AA3-A027-53FF31C55DCF}"/>
+              </a:ext>
+            </a:extLst>
+          </p:cNvPr>
+          <p:cNvSpPr>
+            <a:spLocks noGrp="1"/>
+          </p:cNvSpPr>
+          <p:nvPr>
+            <p:ph type="sldNum" idx="12"/>
+          </p:nvPr>
+        </p:nvSpPr>
+        <p:spPr/>
+        <p:txBody>
+          <a:bodyPr/>
+          <a:lstStyle/>
+          <a:p>
+            <a:pPr marL="0" lvl="0" indent="0" algn="r" rtl="0">
+              <a:spcBef>
+                <a:spcPts val="0"/>
+              </a:spcBef>
+              <a:spcAft>
+                <a:spcPts val="0"/>
+              </a:spcAft>
+              <a:buNone/>
+            </a:pPr>
+            <a:fld id="{00000000-1234-1234-1234-123412341234}" type="slidenum">
+              <a:rPr lang="en" smtClean="0"/>
+              <a:t>14</a:t>
+            </a:fld>
+            <a:endParaRPr lang="en"/>
+          </a:p>
+        </p:txBody>
+      </p:sp>
+      <p:pic>
+        <p:nvPicPr>
+          <p:cNvPr id="6" name="Picture 5">
+            <a:extLst>
+              <a:ext uri="{FF2B5EF4-FFF2-40B4-BE49-F238E27FC236}">
+                <a16:creationId xmlns:a16="http://schemas.microsoft.com/office/drawing/2014/main" id="{08EABEA7-B911-4213-8B40-DE3030ABD0DC}"/>
+              </a:ext>
+            </a:extLst>
+          </p:cNvPr>
+          <p:cNvPicPr>
+            <a:picLocks noChangeAspect="1"/>
+          </p:cNvPicPr>
+          <p:nvPr/>
+        </p:nvPicPr>
+        <p:blipFill>
+          <a:blip r:embed="rId2"/>
+          <a:stretch>
+            <a:fillRect/>
+          </a:stretch>
+        </p:blipFill>
+        <p:spPr>
+          <a:xfrm>
+            <a:off x="5728875" y="2738575"/>
+            <a:ext cx="2743583" cy="1124107"/>
+          </a:xfrm>
+          <a:prstGeom prst="rect">
+            <a:avLst/>
+          </a:prstGeom>
+        </p:spPr>
+      </p:pic>
+    </p:spTree>
+    <p:extLst>
+      <p:ext uri="{BB962C8B-B14F-4D97-AF65-F5344CB8AC3E}">
+        <p14:creationId xmlns:p14="http://schemas.microsoft.com/office/powerpoint/2010/main" val="1685732303"/>
+      </p:ext>
+    </p:extLst>
+  </p:cSld>
+  <p:clrMapOvr>
+    <a:masterClrMapping/>
+  </p:clrMapOvr>
+</p:sld>
+</file>
+
+<file path=ppt/slides/slide15.xml><?xml version="1.0" encoding="utf-8"?>
+<p:sld xmlns:a="http://schemas.openxmlformats.org/drawingml/2006/main" xmlns:r="http://schemas.openxmlformats.org/officeDocument/2006/relationships" xmlns:p="http://schemas.openxmlformats.org/presentationml/2006/main">
+  <p:cSld>
+    <p:spTree>
+      <p:nvGrpSpPr>
+        <p:cNvPr id="1" name=""/>
+        <p:cNvGrpSpPr/>
+        <p:nvPr/>
+      </p:nvGrpSpPr>
+      <p:grpSpPr>
+        <a:xfrm>
+          <a:off x="0" y="0"/>
+          <a:ext cx="0" cy="0"/>
+          <a:chOff x="0" y="0"/>
+          <a:chExt cx="0" cy="0"/>
+        </a:xfrm>
+      </p:grpSpPr>
+      <p:sp>
+        <p:nvSpPr>
+          <p:cNvPr id="2" name="Title 1"/>
+          <p:cNvSpPr>
+            <a:spLocks noGrp="1"/>
+          </p:cNvSpPr>
+          <p:nvPr>
+            <p:ph type="title"/>
+          </p:nvPr>
+        </p:nvSpPr>
+        <p:spPr/>
+        <p:txBody>
+          <a:bodyPr/>
+          <a:lstStyle/>
+          <a:p>
+            <a:r>
+              <a:rPr lang="en-US" dirty="0"/>
+              <a:t>Strong and Weak assumption</a:t>
+            </a:r>
+          </a:p>
+        </p:txBody>
+      </p:sp>
+      <p:sp>
+        <p:nvSpPr>
+          <p:cNvPr id="3" name="Text Placeholder 2"/>
+          <p:cNvSpPr>
+            <a:spLocks noGrp="1"/>
+          </p:cNvSpPr>
+          <p:nvPr>
+            <p:ph type="body" idx="1"/>
+          </p:nvPr>
+        </p:nvSpPr>
+        <p:spPr/>
+        <p:txBody>
+          <a:bodyPr/>
+          <a:lstStyle/>
+          <a:p>
+            <a:r>
+              <a:rPr lang="en-US" dirty="0"/>
+              <a:t>Stronger assumption =&gt; less allowed behavior of the environment;</a:t>
+            </a:r>
+          </a:p>
+          <a:p>
+            <a:endParaRPr lang="en-US" dirty="0"/>
+          </a:p>
+          <a:p>
+            <a:endParaRPr lang="en-US" dirty="0"/>
+          </a:p>
+          <a:p>
+            <a:endParaRPr lang="en-US" dirty="0"/>
+          </a:p>
+          <a:p>
+            <a:pPr marL="114300" indent="0">
+              <a:buNone/>
+            </a:pPr>
+            <a:endParaRPr lang="en-US" dirty="0"/>
+          </a:p>
+          <a:p>
+            <a:r>
+              <a:rPr lang="en-US" dirty="0"/>
+              <a:t>Weaker assumption =&gt; more allowed behavior of the environment.</a:t>
+            </a:r>
+          </a:p>
+        </p:txBody>
+      </p:sp>
+      <p:sp>
+        <p:nvSpPr>
+          <p:cNvPr id="4" name="Slide Number Placeholder 3"/>
+          <p:cNvSpPr>
+            <a:spLocks noGrp="1"/>
+          </p:cNvSpPr>
+          <p:nvPr>
+            <p:ph type="sldNum" idx="12"/>
+          </p:nvPr>
+        </p:nvSpPr>
+        <p:spPr/>
+        <p:txBody>
+          <a:bodyPr/>
+          <a:lstStyle/>
+          <a:p>
+            <a:pPr marL="0" lvl="0" indent="0" algn="r" rtl="0">
+              <a:spcBef>
+                <a:spcPts val="0"/>
+              </a:spcBef>
+              <a:spcAft>
+                <a:spcPts val="0"/>
+              </a:spcAft>
+              <a:buNone/>
+            </a:pPr>
+            <a:fld id="{00000000-1234-1234-1234-123412341234}" type="slidenum">
+              <a:rPr lang="en" smtClean="0"/>
+              <a:t>15</a:t>
+            </a:fld>
+            <a:endParaRPr lang="en"/>
+          </a:p>
+        </p:txBody>
+      </p:sp>
+      <p:pic>
+        <p:nvPicPr>
+          <p:cNvPr id="5" name="Picture 4">
+            <a:extLst>
+              <a:ext uri="{FF2B5EF4-FFF2-40B4-BE49-F238E27FC236}">
+                <a16:creationId xmlns:a16="http://schemas.microsoft.com/office/drawing/2014/main" id="{517D9079-4358-4A3A-A927-8F3D33A48C36}"/>
+              </a:ext>
+            </a:extLst>
+          </p:cNvPr>
+          <p:cNvPicPr>
+            <a:picLocks noChangeAspect="1"/>
+          </p:cNvPicPr>
+          <p:nvPr/>
+        </p:nvPicPr>
+        <p:blipFill>
+          <a:blip r:embed="rId2"/>
+          <a:stretch>
+            <a:fillRect/>
+          </a:stretch>
+        </p:blipFill>
+        <p:spPr>
+          <a:xfrm>
+            <a:off x="954361" y="3219621"/>
+            <a:ext cx="2886478" cy="1105054"/>
+          </a:xfrm>
+          <a:prstGeom prst="rect">
+            <a:avLst/>
+          </a:prstGeom>
+        </p:spPr>
+      </p:pic>
+      <p:pic>
+        <p:nvPicPr>
+          <p:cNvPr id="6" name="Picture 5">
+            <a:extLst>
+              <a:ext uri="{FF2B5EF4-FFF2-40B4-BE49-F238E27FC236}">
+                <a16:creationId xmlns:a16="http://schemas.microsoft.com/office/drawing/2014/main" id="{E0E6B421-AF24-4D85-B3CF-F72C662E30EB}"/>
+              </a:ext>
+            </a:extLst>
+          </p:cNvPr>
+          <p:cNvPicPr>
+            <a:picLocks noChangeAspect="1"/>
+          </p:cNvPicPr>
+          <p:nvPr/>
+        </p:nvPicPr>
+        <p:blipFill>
+          <a:blip r:embed="rId3"/>
+          <a:stretch>
+            <a:fillRect/>
+          </a:stretch>
+        </p:blipFill>
+        <p:spPr>
+          <a:xfrm>
+            <a:off x="978177" y="1633521"/>
+            <a:ext cx="2838846" cy="1105054"/>
+          </a:xfrm>
+          <a:prstGeom prst="rect">
+            <a:avLst/>
+          </a:prstGeom>
+        </p:spPr>
+      </p:pic>
     </p:spTree>
     <p:extLst>
       <p:ext uri="{BB962C8B-B14F-4D97-AF65-F5344CB8AC3E}">
@@ -8314,17 +9206,154 @@
   <p:clrMapOvr>
     <a:masterClrMapping/>
   </p:clrMapOvr>
-  <p:timing>
-    <p:tnLst>
-      <p:par>
-        <p:cTn id="1" dur="indefinite" restart="never" nodeType="tmRoot"/>
-      </p:par>
-    </p:tnLst>
-  </p:timing>
 </p:sld>
 </file>
 
-<file path=ppt/slides/slide14.xml><?xml version="1.0" encoding="utf-8"?>
+<file path=ppt/slides/slide16.xml><?xml version="1.0" encoding="utf-8"?>
+<p:sld xmlns:a="http://schemas.openxmlformats.org/drawingml/2006/main" xmlns:r="http://schemas.openxmlformats.org/officeDocument/2006/relationships" xmlns:p="http://schemas.openxmlformats.org/presentationml/2006/main">
+  <p:cSld>
+    <p:spTree>
+      <p:nvGrpSpPr>
+        <p:cNvPr id="1" name=""/>
+        <p:cNvGrpSpPr/>
+        <p:nvPr/>
+      </p:nvGrpSpPr>
+      <p:grpSpPr>
+        <a:xfrm>
+          <a:off x="0" y="0"/>
+          <a:ext cx="0" cy="0"/>
+          <a:chOff x="0" y="0"/>
+          <a:chExt cx="0" cy="0"/>
+        </a:xfrm>
+      </p:grpSpPr>
+      <p:sp>
+        <p:nvSpPr>
+          <p:cNvPr id="2" name="Title 1">
+            <a:extLst>
+              <a:ext uri="{FF2B5EF4-FFF2-40B4-BE49-F238E27FC236}">
+                <a16:creationId xmlns:a16="http://schemas.microsoft.com/office/drawing/2014/main" id="{39E42BF1-8A1B-41B5-BC9C-6F5E002567D7}"/>
+              </a:ext>
+            </a:extLst>
+          </p:cNvPr>
+          <p:cNvSpPr>
+            <a:spLocks noGrp="1"/>
+          </p:cNvSpPr>
+          <p:nvPr>
+            <p:ph type="title"/>
+          </p:nvPr>
+        </p:nvSpPr>
+        <p:spPr/>
+        <p:txBody>
+          <a:bodyPr/>
+          <a:lstStyle/>
+          <a:p>
+            <a:r>
+              <a:rPr lang="en-US" altLang="zh-CN" dirty="0"/>
+              <a:t>Checkpoint</a:t>
+            </a:r>
+            <a:endParaRPr lang="zh-CN" altLang="en-US" dirty="0"/>
+          </a:p>
+        </p:txBody>
+      </p:sp>
+      <p:sp>
+        <p:nvSpPr>
+          <p:cNvPr id="3" name="Text Placeholder 2">
+            <a:extLst>
+              <a:ext uri="{FF2B5EF4-FFF2-40B4-BE49-F238E27FC236}">
+                <a16:creationId xmlns:a16="http://schemas.microsoft.com/office/drawing/2014/main" id="{3D2E007E-4C5E-4FF5-8DD9-FEBC3C0A1456}"/>
+              </a:ext>
+            </a:extLst>
+          </p:cNvPr>
+          <p:cNvSpPr>
+            <a:spLocks noGrp="1"/>
+          </p:cNvSpPr>
+          <p:nvPr>
+            <p:ph type="body" idx="1"/>
+          </p:nvPr>
+        </p:nvSpPr>
+        <p:spPr/>
+        <p:txBody>
+          <a:bodyPr/>
+          <a:lstStyle/>
+          <a:p>
+            <a:r>
+              <a:rPr lang="en-US" altLang="zh-CN" dirty="0"/>
+              <a:t>A system functions “correctly” in an environment when the given safety property is satisfied and it is deadlock-free.</a:t>
+            </a:r>
+          </a:p>
+          <a:p>
+            <a:r>
+              <a:rPr lang="en-US" altLang="zh-CN" dirty="0"/>
+              <a:t>Uncertainties are traces in the projected environment model, which lead to property violations.</a:t>
+            </a:r>
+          </a:p>
+          <a:p>
+            <a:r>
+              <a:rPr lang="en-US" altLang="zh-CN" dirty="0"/>
+              <a:t>System capability includes all the traces in the projected system model.</a:t>
+            </a:r>
+          </a:p>
+          <a:p>
+            <a:r>
+              <a:rPr lang="en-US" altLang="zh-CN" dirty="0"/>
+              <a:t>System assumption is a subset of traces</a:t>
+            </a:r>
+            <a:endParaRPr lang="zh-CN" altLang="en-US" dirty="0"/>
+          </a:p>
+        </p:txBody>
+      </p:sp>
+      <p:sp>
+        <p:nvSpPr>
+          <p:cNvPr id="4" name="Slide Number Placeholder 3">
+            <a:extLst>
+              <a:ext uri="{FF2B5EF4-FFF2-40B4-BE49-F238E27FC236}">
+                <a16:creationId xmlns:a16="http://schemas.microsoft.com/office/drawing/2014/main" id="{6CA286C0-ED70-47AE-9DCD-584BB170CFFE}"/>
+              </a:ext>
+            </a:extLst>
+          </p:cNvPr>
+          <p:cNvSpPr>
+            <a:spLocks noGrp="1"/>
+          </p:cNvSpPr>
+          <p:nvPr>
+            <p:ph type="sldNum" idx="12"/>
+          </p:nvPr>
+        </p:nvSpPr>
+        <p:spPr/>
+        <p:txBody>
+          <a:bodyPr/>
+          <a:lstStyle/>
+          <a:p>
+            <a:pPr marL="0" lvl="0" indent="0" algn="r" rtl="0">
+              <a:spcBef>
+                <a:spcPts val="0"/>
+              </a:spcBef>
+              <a:spcAft>
+                <a:spcPts val="0"/>
+              </a:spcAft>
+              <a:buNone/>
+            </a:pPr>
+            <a:fld id="{00000000-1234-1234-1234-123412341234}" type="slidenum">
+              <a:rPr lang="en" smtClean="0"/>
+              <a:t>16</a:t>
+            </a:fld>
+            <a:endParaRPr lang="en"/>
+          </a:p>
+        </p:txBody>
+      </p:sp>
+    </p:spTree>
+    <p:extLst>
+      <p:ext uri="{BB962C8B-B14F-4D97-AF65-F5344CB8AC3E}">
+        <p14:creationId xmlns:p14="http://schemas.microsoft.com/office/powerpoint/2010/main" val="3935891712"/>
+      </p:ext>
+    </p:extLst>
+  </p:cSld>
+  <p:clrMapOvr>
+    <a:masterClrMapping/>
+  </p:clrMapOvr>
+</p:sld>
+</file>
+
+<file path=ppt/slides/slide17.xml><?xml version="1.0" encoding="utf-8"?>
 <p:sld xmlns:a="http://schemas.openxmlformats.org/drawingml/2006/main" xmlns:r="http://schemas.openxmlformats.org/officeDocument/2006/relationships" xmlns:p="http://schemas.openxmlformats.org/presentationml/2006/main">
   <p:cSld>
     <p:spTree>
@@ -8402,7 +9431,7 @@
             </a:pPr>
             <a:fld id="{00000000-1234-1234-1234-123412341234}" type="slidenum">
               <a:rPr lang="en" smtClean="0"/>
-              <a:t>14</a:t>
+              <a:t>17</a:t>
             </a:fld>
             <a:endParaRPr lang="en"/>
           </a:p>
@@ -8540,13 +9569,6 @@
   <p:clrMapOvr>
     <a:masterClrMapping/>
   </p:clrMapOvr>
-  <p:timing>
-    <p:tnLst>
-      <p:par>
-        <p:cTn id="1" dur="indefinite" restart="never" nodeType="tmRoot"/>
-      </p:par>
-    </p:tnLst>
-  </p:timing>
 </p:sld>
 </file>
 
@@ -8675,21 +9697,6 @@
   <p:clrMapOvr>
     <a:masterClrMapping/>
   </p:clrMapOvr>
-  <mc:AlternateContent xmlns:mc="http://schemas.openxmlformats.org/markup-compatibility/2006">
-    <mc:Choice xmlns:p14="http://schemas.microsoft.com/office/powerpoint/2010/main" Requires="p14">
-      <p:transition spd="slow" p14:dur="2000"/>
-    </mc:Choice>
-    <mc:Fallback>
-      <p:transition spd="slow"/>
-    </mc:Fallback>
-  </mc:AlternateContent>
-  <p:timing>
-    <p:tnLst>
-      <p:par>
-        <p:cTn id="1" dur="indefinite" restart="never" nodeType="tmRoot"/>
-      </p:par>
-    </p:tnLst>
-  </p:timing>
 </p:sld>
 </file>
 
@@ -8847,17 +9854,9 @@
               </a:spcAft>
               <a:buNone/>
             </a:pPr>
-            <a:r>
-              <a:rPr lang="en" dirty="0"/>
-              <a:t/>
-            </a:r>
             <a:br>
               <a:rPr lang="en" dirty="0"/>
             </a:br>
-            <a:r>
-              <a:rPr lang="en" dirty="0"/>
-              <a:t/>
-            </a:r>
             <a:br>
               <a:rPr lang="en" dirty="0"/>
             </a:br>
@@ -8912,13 +9911,6 @@
   <p:clrMapOvr>
     <a:masterClrMapping/>
   </p:clrMapOvr>
-  <p:timing>
-    <p:tnLst>
-      <p:par>
-        <p:cTn id="1" dur="indefinite" restart="never" nodeType="tmRoot"/>
-      </p:par>
-    </p:tnLst>
-  </p:timing>
 </p:sld>
 </file>
 
@@ -9161,13 +10153,6 @@
   <p:clrMapOvr>
     <a:masterClrMapping/>
   </p:clrMapOvr>
-  <p:timing>
-    <p:tnLst>
-      <p:par>
-        <p:cTn id="1" dur="indefinite" restart="never" nodeType="tmRoot"/>
-      </p:par>
-    </p:tnLst>
-  </p:timing>
 </p:sld>
 </file>
 
@@ -9378,17 +10363,173 @@
   <p:clrMapOvr>
     <a:masterClrMapping/>
   </p:clrMapOvr>
-  <p:timing>
-    <p:tnLst>
-      <p:par>
-        <p:cTn id="1" dur="indefinite" restart="never" nodeType="tmRoot"/>
-      </p:par>
-    </p:tnLst>
-  </p:timing>
 </p:sld>
 </file>
 
 <file path=ppt/slides/slide6.xml><?xml version="1.0" encoding="utf-8"?>
+<p:sld xmlns:a="http://schemas.openxmlformats.org/drawingml/2006/main" xmlns:r="http://schemas.openxmlformats.org/officeDocument/2006/relationships" xmlns:p="http://schemas.openxmlformats.org/presentationml/2006/main">
+  <p:cSld>
+    <p:spTree>
+      <p:nvGrpSpPr>
+        <p:cNvPr id="1" name=""/>
+        <p:cNvGrpSpPr/>
+        <p:nvPr/>
+      </p:nvGrpSpPr>
+      <p:grpSpPr>
+        <a:xfrm>
+          <a:off x="0" y="0"/>
+          <a:ext cx="0" cy="0"/>
+          <a:chOff x="0" y="0"/>
+          <a:chExt cx="0" cy="0"/>
+        </a:xfrm>
+      </p:grpSpPr>
+      <p:sp>
+        <p:nvSpPr>
+          <p:cNvPr id="2" name="Title 1">
+            <a:extLst>
+              <a:ext uri="{FF2B5EF4-FFF2-40B4-BE49-F238E27FC236}">
+                <a16:creationId xmlns:a16="http://schemas.microsoft.com/office/drawing/2014/main" id="{7D605995-26D7-480D-A8E6-4CA4D75F6B77}"/>
+              </a:ext>
+            </a:extLst>
+          </p:cNvPr>
+          <p:cNvSpPr>
+            <a:spLocks noGrp="1"/>
+          </p:cNvSpPr>
+          <p:nvPr>
+            <p:ph type="title"/>
+          </p:nvPr>
+        </p:nvSpPr>
+        <p:spPr/>
+        <p:txBody>
+          <a:bodyPr/>
+          <a:lstStyle/>
+          <a:p>
+            <a:r>
+              <a:rPr lang="en-US" altLang="zh-CN" dirty="0"/>
+              <a:t>Background</a:t>
+            </a:r>
+            <a:endParaRPr lang="zh-CN" altLang="en-US" dirty="0"/>
+          </a:p>
+        </p:txBody>
+      </p:sp>
+      <p:sp>
+        <p:nvSpPr>
+          <p:cNvPr id="3" name="Text Placeholder 2">
+            <a:extLst>
+              <a:ext uri="{FF2B5EF4-FFF2-40B4-BE49-F238E27FC236}">
+                <a16:creationId xmlns:a16="http://schemas.microsoft.com/office/drawing/2014/main" id="{1843D3EB-6AE8-431A-A06F-71485AF82E70}"/>
+              </a:ext>
+            </a:extLst>
+          </p:cNvPr>
+          <p:cNvSpPr>
+            <a:spLocks noGrp="1"/>
+          </p:cNvSpPr>
+          <p:nvPr>
+            <p:ph type="body" idx="1"/>
+          </p:nvPr>
+        </p:nvSpPr>
+        <p:spPr/>
+        <p:txBody>
+          <a:bodyPr/>
+          <a:lstStyle/>
+          <a:p>
+            <a:pPr marL="114300" indent="0">
+              <a:buNone/>
+            </a:pPr>
+            <a:r>
+              <a:rPr lang="en-US" altLang="zh-CN" sz="1400" dirty="0"/>
+              <a:t>We use labelled transition systems to model the behavior of systems and environments.</a:t>
+            </a:r>
+            <a:endParaRPr lang="zh-CN" altLang="en-US" sz="1400" dirty="0"/>
+          </a:p>
+        </p:txBody>
+      </p:sp>
+      <p:sp>
+        <p:nvSpPr>
+          <p:cNvPr id="4" name="Slide Number Placeholder 3">
+            <a:extLst>
+              <a:ext uri="{FF2B5EF4-FFF2-40B4-BE49-F238E27FC236}">
+                <a16:creationId xmlns:a16="http://schemas.microsoft.com/office/drawing/2014/main" id="{DD769FA6-C05F-4802-8572-EDA4F133331D}"/>
+              </a:ext>
+            </a:extLst>
+          </p:cNvPr>
+          <p:cNvSpPr>
+            <a:spLocks noGrp="1"/>
+          </p:cNvSpPr>
+          <p:nvPr>
+            <p:ph type="sldNum" idx="12"/>
+          </p:nvPr>
+        </p:nvSpPr>
+        <p:spPr/>
+        <p:txBody>
+          <a:bodyPr/>
+          <a:lstStyle/>
+          <a:p>
+            <a:pPr marL="0" lvl="0" indent="0" algn="r" rtl="0">
+              <a:spcBef>
+                <a:spcPts val="0"/>
+              </a:spcBef>
+              <a:spcAft>
+                <a:spcPts val="0"/>
+              </a:spcAft>
+              <a:buNone/>
+            </a:pPr>
+            <a:fld id="{00000000-1234-1234-1234-123412341234}" type="slidenum">
+              <a:rPr lang="en" smtClean="0"/>
+              <a:t>6</a:t>
+            </a:fld>
+            <a:endParaRPr lang="en"/>
+          </a:p>
+        </p:txBody>
+      </p:sp>
+      <p:pic>
+        <p:nvPicPr>
+          <p:cNvPr id="10" name="Picture 9">
+            <a:extLst>
+              <a:ext uri="{FF2B5EF4-FFF2-40B4-BE49-F238E27FC236}">
+                <a16:creationId xmlns:a16="http://schemas.microsoft.com/office/drawing/2014/main" id="{FE22408C-4A77-4163-AFBB-C9F8F850FDA4}"/>
+              </a:ext>
+            </a:extLst>
+          </p:cNvPr>
+          <p:cNvPicPr>
+            <a:picLocks noChangeAspect="1"/>
+          </p:cNvPicPr>
+          <p:nvPr>
+            <p:custDataLst>
+              <p:tags r:id="rId1"/>
+            </p:custDataLst>
+          </p:nvPr>
+        </p:nvPicPr>
+        <p:blipFill>
+          <a:blip r:embed="rId3"/>
+          <a:stretch>
+            <a:fillRect/>
+          </a:stretch>
+        </p:blipFill>
+        <p:spPr>
+          <a:xfrm>
+            <a:off x="729790" y="1728168"/>
+            <a:ext cx="7367619" cy="2262857"/>
+          </a:xfrm>
+          <a:prstGeom prst="rect">
+            <a:avLst/>
+          </a:prstGeom>
+        </p:spPr>
+      </p:pic>
+    </p:spTree>
+    <p:extLst>
+      <p:ext uri="{BB962C8B-B14F-4D97-AF65-F5344CB8AC3E}">
+        <p14:creationId xmlns:p14="http://schemas.microsoft.com/office/powerpoint/2010/main" val="3205186143"/>
+      </p:ext>
+    </p:extLst>
+  </p:cSld>
+  <p:clrMapOvr>
+    <a:masterClrMapping/>
+  </p:clrMapOvr>
+</p:sld>
+</file>
+
+<file path=ppt/slides/slide7.xml><?xml version="1.0" encoding="utf-8"?>
 <p:sld xmlns:a="http://schemas.openxmlformats.org/drawingml/2006/main" xmlns:r="http://schemas.openxmlformats.org/officeDocument/2006/relationships" xmlns:p="http://schemas.openxmlformats.org/presentationml/2006/main">
   <p:cSld>
     <p:spTree>
@@ -9428,7 +10569,7 @@
           <a:p>
             <a:r>
               <a:rPr lang="en-US" altLang="zh-CN" dirty="0"/>
-              <a:t>Motivation Example</a:t>
+              <a:t>Motivation Example – A perfect case</a:t>
             </a:r>
             <a:endParaRPr lang="zh-CN" altLang="en-US" dirty="0"/>
           </a:p>
@@ -9466,7 +10607,7 @@
             </a:pPr>
             <a:fld id="{00000000-1234-1234-1234-123412341234}" type="slidenum">
               <a:rPr lang="en" smtClean="0"/>
-              <a:t>6</a:t>
+              <a:t>7</a:t>
             </a:fld>
             <a:endParaRPr lang="en"/>
           </a:p>
@@ -9475,505 +10616,6 @@
       <p:pic>
         <p:nvPicPr>
           <p:cNvPr id="1028" name="Picture 4">
-            <a:extLst>
-              <a:ext uri="{FF2B5EF4-FFF2-40B4-BE49-F238E27FC236}">
-                <a16:creationId xmlns:a16="http://schemas.microsoft.com/office/drawing/2014/main" id="{1C69F5EC-0D66-4C81-BC05-A77A667529ED}"/>
-              </a:ext>
-            </a:extLst>
-          </p:cNvPr>
-          <p:cNvPicPr>
-            <a:picLocks noChangeAspect="1" noChangeArrowheads="1"/>
-          </p:cNvPicPr>
-          <p:nvPr/>
-        </p:nvPicPr>
-        <p:blipFill>
-          <a:blip r:embed="rId2">
-            <a:extLst>
-              <a:ext uri="{28A0092B-C50C-407E-A947-70E740481C1C}">
-                <a14:useLocalDpi xmlns:a14="http://schemas.microsoft.com/office/drawing/2010/main" val="0"/>
-              </a:ext>
-            </a:extLst>
-          </a:blip>
-          <a:srcRect/>
-          <a:stretch>
-            <a:fillRect/>
-          </a:stretch>
-        </p:blipFill>
-        <p:spPr bwMode="auto">
-          <a:xfrm>
-            <a:off x="2686050" y="1390650"/>
-            <a:ext cx="3771900" cy="2362200"/>
-          </a:xfrm>
-          <a:prstGeom prst="rect">
-            <a:avLst/>
-          </a:prstGeom>
-          <a:noFill/>
-          <a:extLst>
-            <a:ext uri="{909E8E84-426E-40DD-AFC4-6F175D3DCCD1}">
-              <a14:hiddenFill xmlns:a14="http://schemas.microsoft.com/office/drawing/2010/main">
-                <a:solidFill>
-                  <a:srgbClr val="FFFFFF"/>
-                </a:solidFill>
-              </a14:hiddenFill>
-            </a:ext>
-          </a:extLst>
-        </p:spPr>
-      </p:pic>
-      <p:pic>
-        <p:nvPicPr>
-          <p:cNvPr id="8" name="Picture 7"/>
-          <p:cNvPicPr>
-            <a:picLocks noChangeAspect="1"/>
-          </p:cNvPicPr>
-          <p:nvPr/>
-        </p:nvPicPr>
-        <p:blipFill>
-          <a:blip r:embed="rId3"/>
-          <a:stretch>
-            <a:fillRect/>
-          </a:stretch>
-        </p:blipFill>
-        <p:spPr>
-          <a:xfrm>
-            <a:off x="528432" y="1753911"/>
-            <a:ext cx="2106777" cy="903854"/>
-          </a:xfrm>
-          <a:prstGeom prst="rect">
-            <a:avLst/>
-          </a:prstGeom>
-        </p:spPr>
-      </p:pic>
-      <p:pic>
-        <p:nvPicPr>
-          <p:cNvPr id="9" name="Picture 8"/>
-          <p:cNvPicPr>
-            <a:picLocks noChangeAspect="1"/>
-          </p:cNvPicPr>
-          <p:nvPr/>
-        </p:nvPicPr>
-        <p:blipFill>
-          <a:blip r:embed="rId4"/>
-          <a:stretch>
-            <a:fillRect/>
-          </a:stretch>
-        </p:blipFill>
-        <p:spPr>
-          <a:xfrm>
-            <a:off x="485440" y="2875746"/>
-            <a:ext cx="2192760" cy="877104"/>
-          </a:xfrm>
-          <a:prstGeom prst="rect">
-            <a:avLst/>
-          </a:prstGeom>
-        </p:spPr>
-      </p:pic>
-      <p:pic>
-        <p:nvPicPr>
-          <p:cNvPr id="10" name="Picture 9"/>
-          <p:cNvPicPr>
-            <a:picLocks noChangeAspect="1"/>
-          </p:cNvPicPr>
-          <p:nvPr/>
-        </p:nvPicPr>
-        <p:blipFill>
-          <a:blip r:embed="rId5"/>
-          <a:stretch>
-            <a:fillRect/>
-          </a:stretch>
-        </p:blipFill>
-        <p:spPr>
-          <a:xfrm>
-            <a:off x="6238864" y="2205838"/>
-            <a:ext cx="2507944" cy="948951"/>
-          </a:xfrm>
-          <a:prstGeom prst="rect">
-            <a:avLst/>
-          </a:prstGeom>
-        </p:spPr>
-      </p:pic>
-    </p:spTree>
-    <p:extLst>
-      <p:ext uri="{BB962C8B-B14F-4D97-AF65-F5344CB8AC3E}">
-        <p14:creationId xmlns:p14="http://schemas.microsoft.com/office/powerpoint/2010/main" val="3537159091"/>
-      </p:ext>
-    </p:extLst>
-  </p:cSld>
-  <p:clrMapOvr>
-    <a:masterClrMapping/>
-  </p:clrMapOvr>
-  <p:timing>
-    <p:tnLst>
-      <p:par>
-        <p:cTn id="1" dur="indefinite" restart="never" nodeType="tmRoot"/>
-      </p:par>
-    </p:tnLst>
-  </p:timing>
-</p:sld>
-</file>
-
-<file path=ppt/slides/slide7.xml><?xml version="1.0" encoding="utf-8"?>
-<p:sld xmlns:a="http://schemas.openxmlformats.org/drawingml/2006/main" xmlns:r="http://schemas.openxmlformats.org/officeDocument/2006/relationships" xmlns:p="http://schemas.openxmlformats.org/presentationml/2006/main">
-  <p:cSld>
-    <p:spTree>
-      <p:nvGrpSpPr>
-        <p:cNvPr id="1" name=""/>
-        <p:cNvGrpSpPr/>
-        <p:nvPr/>
-      </p:nvGrpSpPr>
-      <p:grpSpPr>
-        <a:xfrm>
-          <a:off x="0" y="0"/>
-          <a:ext cx="0" cy="0"/>
-          <a:chOff x="0" y="0"/>
-          <a:chExt cx="0" cy="0"/>
-        </a:xfrm>
-      </p:grpSpPr>
-      <p:sp>
-        <p:nvSpPr>
-          <p:cNvPr id="2" name="Title 1">
-            <a:extLst>
-              <a:ext uri="{FF2B5EF4-FFF2-40B4-BE49-F238E27FC236}">
-                <a16:creationId xmlns:a16="http://schemas.microsoft.com/office/drawing/2014/main" id="{D8EDB796-F80C-47DA-AC70-977473F07FE9}"/>
-              </a:ext>
-            </a:extLst>
-          </p:cNvPr>
-          <p:cNvSpPr>
-            <a:spLocks noGrp="1"/>
-          </p:cNvSpPr>
-          <p:nvPr>
-            <p:ph type="title"/>
-          </p:nvPr>
-        </p:nvSpPr>
-        <p:spPr/>
-        <p:txBody>
-          <a:bodyPr/>
-          <a:lstStyle/>
-          <a:p>
-            <a:r>
-              <a:rPr lang="en-US" altLang="zh-CN" dirty="0"/>
-              <a:t>The “correct” function</a:t>
-            </a:r>
-            <a:endParaRPr lang="zh-CN" altLang="en-US" dirty="0"/>
-          </a:p>
-        </p:txBody>
-      </p:sp>
-      <p:sp>
-        <p:nvSpPr>
-          <p:cNvPr id="3" name="Text Placeholder 2">
-            <a:extLst>
-              <a:ext uri="{FF2B5EF4-FFF2-40B4-BE49-F238E27FC236}">
-                <a16:creationId xmlns:a16="http://schemas.microsoft.com/office/drawing/2014/main" id="{DD7B06E2-7AAE-43A7-948E-4A4B27B207EC}"/>
-              </a:ext>
-            </a:extLst>
-          </p:cNvPr>
-          <p:cNvSpPr>
-            <a:spLocks noGrp="1"/>
-          </p:cNvSpPr>
-          <p:nvPr>
-            <p:ph type="body" idx="1"/>
-          </p:nvPr>
-        </p:nvSpPr>
-        <p:spPr/>
-        <p:txBody>
-          <a:bodyPr/>
-          <a:lstStyle/>
-          <a:p>
-            <a:r>
-              <a:rPr lang="en-US" altLang="zh-CN" dirty="0"/>
-              <a:t>Informally, (1) bad things should not happen, and (2) good things should happen.</a:t>
-            </a:r>
-          </a:p>
-          <a:p>
-            <a:r>
-              <a:rPr lang="en-US" altLang="zh-CN" dirty="0"/>
-              <a:t>Formally, the correct function is a combination of </a:t>
-            </a:r>
-            <a:r>
-              <a:rPr lang="en-US" altLang="zh-CN" b="1" dirty="0"/>
-              <a:t>safety</a:t>
-            </a:r>
-            <a:r>
-              <a:rPr lang="en-US" altLang="zh-CN" dirty="0"/>
-              <a:t> and </a:t>
-            </a:r>
-            <a:r>
-              <a:rPr lang="en-US" altLang="zh-CN" b="1" dirty="0"/>
-              <a:t>liveness</a:t>
-            </a:r>
-            <a:r>
-              <a:rPr lang="en-US" altLang="zh-CN" dirty="0"/>
-              <a:t> properties.</a:t>
-            </a:r>
-          </a:p>
-          <a:p>
-            <a:r>
-              <a:rPr lang="en-US" altLang="zh-CN" dirty="0"/>
-              <a:t>In the example, we consider:</a:t>
-            </a:r>
-          </a:p>
-          <a:p>
-            <a:pPr lvl="1"/>
-            <a:r>
-              <a:rPr lang="en-US" altLang="zh-CN" dirty="0"/>
-              <a:t>Safety Property P: input and output should alternate, i.e.,</a:t>
-            </a:r>
-          </a:p>
-          <a:p>
-            <a:pPr lvl="1"/>
-            <a:r>
-              <a:rPr lang="en-US" altLang="zh-CN" dirty="0"/>
-              <a:t>Liveness Property: the system should be deadlock-free.</a:t>
-            </a:r>
-          </a:p>
-        </p:txBody>
-      </p:sp>
-      <p:sp>
-        <p:nvSpPr>
-          <p:cNvPr id="4" name="Slide Number Placeholder 3">
-            <a:extLst>
-              <a:ext uri="{FF2B5EF4-FFF2-40B4-BE49-F238E27FC236}">
-                <a16:creationId xmlns:a16="http://schemas.microsoft.com/office/drawing/2014/main" id="{73F2EA82-C591-4284-8C67-A86BB9EFF70C}"/>
-              </a:ext>
-            </a:extLst>
-          </p:cNvPr>
-          <p:cNvSpPr>
-            <a:spLocks noGrp="1"/>
-          </p:cNvSpPr>
-          <p:nvPr>
-            <p:ph type="sldNum" idx="12"/>
-          </p:nvPr>
-        </p:nvSpPr>
-        <p:spPr/>
-        <p:txBody>
-          <a:bodyPr/>
-          <a:lstStyle/>
-          <a:p>
-            <a:pPr marL="0" lvl="0" indent="0" algn="r" rtl="0">
-              <a:spcBef>
-                <a:spcPts val="0"/>
-              </a:spcBef>
-              <a:spcAft>
-                <a:spcPts val="0"/>
-              </a:spcAft>
-              <a:buNone/>
-            </a:pPr>
-            <a:fld id="{00000000-1234-1234-1234-123412341234}" type="slidenum">
-              <a:rPr lang="en" smtClean="0"/>
-              <a:t>7</a:t>
-            </a:fld>
-            <a:endParaRPr lang="en"/>
-          </a:p>
-        </p:txBody>
-      </p:sp>
-      <p:pic>
-        <p:nvPicPr>
-          <p:cNvPr id="6" name="Picture 5"/>
-          <p:cNvPicPr>
-            <a:picLocks noChangeAspect="1"/>
-          </p:cNvPicPr>
-          <p:nvPr/>
-        </p:nvPicPr>
-        <p:blipFill>
-          <a:blip r:embed="rId3"/>
-          <a:stretch>
-            <a:fillRect/>
-          </a:stretch>
-        </p:blipFill>
-        <p:spPr>
-          <a:xfrm>
-            <a:off x="6284612" y="2583969"/>
-            <a:ext cx="1815835" cy="1125517"/>
-          </a:xfrm>
-          <a:prstGeom prst="rect">
-            <a:avLst/>
-          </a:prstGeom>
-        </p:spPr>
-      </p:pic>
-    </p:spTree>
-    <p:extLst>
-      <p:ext uri="{BB962C8B-B14F-4D97-AF65-F5344CB8AC3E}">
-        <p14:creationId xmlns:p14="http://schemas.microsoft.com/office/powerpoint/2010/main" val="3019702908"/>
-      </p:ext>
-    </p:extLst>
-  </p:cSld>
-  <p:clrMapOvr>
-    <a:masterClrMapping/>
-  </p:clrMapOvr>
-  <p:timing>
-    <p:tnLst>
-      <p:par>
-        <p:cTn id="1" dur="indefinite" restart="never" nodeType="tmRoot"/>
-      </p:par>
-    </p:tnLst>
-  </p:timing>
-</p:sld>
-</file>
-
-<file path=ppt/slides/slide8.xml><?xml version="1.0" encoding="utf-8"?>
-<p:sld xmlns:a="http://schemas.openxmlformats.org/drawingml/2006/main" xmlns:r="http://schemas.openxmlformats.org/officeDocument/2006/relationships" xmlns:p="http://schemas.openxmlformats.org/presentationml/2006/main">
-  <p:cSld>
-    <p:spTree>
-      <p:nvGrpSpPr>
-        <p:cNvPr id="1" name=""/>
-        <p:cNvGrpSpPr/>
-        <p:nvPr/>
-      </p:nvGrpSpPr>
-      <p:grpSpPr>
-        <a:xfrm>
-          <a:off x="0" y="0"/>
-          <a:ext cx="0" cy="0"/>
-          <a:chOff x="0" y="0"/>
-          <a:chExt cx="0" cy="0"/>
-        </a:xfrm>
-      </p:grpSpPr>
-      <p:sp>
-        <p:nvSpPr>
-          <p:cNvPr id="2" name="Title 1">
-            <a:extLst>
-              <a:ext uri="{FF2B5EF4-FFF2-40B4-BE49-F238E27FC236}">
-                <a16:creationId xmlns:a16="http://schemas.microsoft.com/office/drawing/2014/main" id="{FED4BC74-3FEC-4F8C-90AF-A6224B4E4C56}"/>
-              </a:ext>
-            </a:extLst>
-          </p:cNvPr>
-          <p:cNvSpPr>
-            <a:spLocks noGrp="1"/>
-          </p:cNvSpPr>
-          <p:nvPr>
-            <p:ph type="title"/>
-          </p:nvPr>
-        </p:nvSpPr>
-        <p:spPr/>
-        <p:txBody>
-          <a:bodyPr/>
-          <a:lstStyle/>
-          <a:p>
-            <a:r>
-              <a:rPr lang="en-US" altLang="zh-CN" dirty="0"/>
-              <a:t>Representation of uncertainty</a:t>
-            </a:r>
-            <a:endParaRPr lang="zh-CN" altLang="en-US" dirty="0"/>
-          </a:p>
-        </p:txBody>
-      </p:sp>
-      <p:sp>
-        <p:nvSpPr>
-          <p:cNvPr id="4" name="Slide Number Placeholder 3">
-            <a:extLst>
-              <a:ext uri="{FF2B5EF4-FFF2-40B4-BE49-F238E27FC236}">
-                <a16:creationId xmlns:a16="http://schemas.microsoft.com/office/drawing/2014/main" id="{94D65B1B-1BB7-4D03-95BE-AD13320F1005}"/>
-              </a:ext>
-            </a:extLst>
-          </p:cNvPr>
-          <p:cNvSpPr>
-            <a:spLocks noGrp="1"/>
-          </p:cNvSpPr>
-          <p:nvPr>
-            <p:ph type="sldNum" idx="12"/>
-          </p:nvPr>
-        </p:nvSpPr>
-        <p:spPr/>
-        <p:txBody>
-          <a:bodyPr/>
-          <a:lstStyle/>
-          <a:p>
-            <a:pPr marL="0" lvl="0" indent="0" algn="r" rtl="0">
-              <a:spcBef>
-                <a:spcPts val="0"/>
-              </a:spcBef>
-              <a:spcAft>
-                <a:spcPts val="0"/>
-              </a:spcAft>
-              <a:buNone/>
-            </a:pPr>
-            <a:fld id="{00000000-1234-1234-1234-123412341234}" type="slidenum">
-              <a:rPr lang="en" smtClean="0"/>
-              <a:t>8</a:t>
-            </a:fld>
-            <a:endParaRPr lang="en"/>
-          </a:p>
-        </p:txBody>
-      </p:sp>
-      <p:sp>
-        <p:nvSpPr>
-          <p:cNvPr id="11" name="Text Placeholder 2">
-            <a:extLst>
-              <a:ext uri="{FF2B5EF4-FFF2-40B4-BE49-F238E27FC236}">
-                <a16:creationId xmlns:a16="http://schemas.microsoft.com/office/drawing/2014/main" id="{55A69C89-DE76-4A70-A9B3-14818AF1592C}"/>
-              </a:ext>
-            </a:extLst>
-          </p:cNvPr>
-          <p:cNvSpPr>
-            <a:spLocks noGrp="1"/>
-          </p:cNvSpPr>
-          <p:nvPr>
-            <p:ph type="body" idx="1"/>
-          </p:nvPr>
-        </p:nvSpPr>
-        <p:spPr>
-          <a:xfrm>
-            <a:off x="438150" y="3760087"/>
-            <a:ext cx="8394149" cy="564588"/>
-          </a:xfrm>
-        </p:spPr>
-        <p:txBody>
-          <a:bodyPr/>
-          <a:lstStyle/>
-          <a:p>
-            <a:pPr marL="114300" indent="0">
-              <a:buNone/>
-            </a:pPr>
-            <a:r>
-              <a:rPr lang="en-US" altLang="zh-CN" sz="1600" dirty="0" smtClean="0"/>
-              <a:t>Combining the system and environment, a </a:t>
-            </a:r>
-            <a:r>
-              <a:rPr lang="en-US" altLang="zh-CN" sz="1600" dirty="0"/>
-              <a:t>trace to deadlock</a:t>
-            </a:r>
-            <a:r>
-              <a:rPr lang="en-US" altLang="zh-CN" sz="1600" dirty="0" smtClean="0"/>
-              <a:t>:</a:t>
-            </a:r>
-          </a:p>
-          <a:p>
-            <a:pPr marL="114300" indent="0">
-              <a:buNone/>
-            </a:pPr>
-            <a:r>
-              <a:rPr lang="en-US" altLang="zh-CN" sz="1600" dirty="0"/>
-              <a:t>	</a:t>
-            </a:r>
-            <a:r>
-              <a:rPr lang="en-US" altLang="zh-CN" sz="1600" dirty="0" smtClean="0"/>
-              <a:t>&lt;</a:t>
-            </a:r>
-            <a:r>
-              <a:rPr lang="en-US" altLang="zh-CN" sz="1600" dirty="0"/>
-              <a:t>input, send, </a:t>
-            </a:r>
-            <a:r>
-              <a:rPr lang="en-US" altLang="zh-CN" sz="1600" dirty="0" smtClean="0"/>
-              <a:t>lose, </a:t>
-            </a:r>
-            <a:r>
-              <a:rPr lang="en-US" altLang="zh-CN" sz="1600" dirty="0" smtClean="0">
-                <a:solidFill>
-                  <a:srgbClr val="FF0000"/>
-                </a:solidFill>
-              </a:rPr>
-              <a:t>send</a:t>
-            </a:r>
-            <a:r>
-              <a:rPr lang="en-US" altLang="zh-CN" sz="1600" dirty="0" smtClean="0"/>
-              <a:t>&gt;</a:t>
-            </a:r>
-            <a:endParaRPr lang="en-US" altLang="zh-CN" sz="1600" dirty="0"/>
-          </a:p>
-        </p:txBody>
-      </p:sp>
-      <p:pic>
-        <p:nvPicPr>
-          <p:cNvPr id="10" name="Picture 4">
             <a:extLst>
               <a:ext uri="{FF2B5EF4-FFF2-40B4-BE49-F238E27FC236}">
                 <a16:creationId xmlns:a16="http://schemas.microsoft.com/office/drawing/2014/main" id="{1C69F5EC-0D66-4C81-BC05-A77A667529ED}"/>
@@ -10020,7 +10662,7 @@
       </p:pic>
       <p:pic>
         <p:nvPicPr>
-          <p:cNvPr id="12" name="Picture 11"/>
+          <p:cNvPr id="8" name="Picture 7"/>
           <p:cNvPicPr>
             <a:picLocks noChangeAspect="1"/>
           </p:cNvPicPr>
@@ -10044,7 +10686,7 @@
       </p:pic>
       <p:pic>
         <p:nvPicPr>
-          <p:cNvPr id="13" name="Picture 12"/>
+          <p:cNvPr id="9" name="Picture 8"/>
           <p:cNvPicPr>
             <a:picLocks noChangeAspect="1"/>
           </p:cNvPicPr>
@@ -10068,7 +10710,7 @@
       </p:pic>
       <p:pic>
         <p:nvPicPr>
-          <p:cNvPr id="3" name="Picture 2"/>
+          <p:cNvPr id="10" name="Picture 9"/>
           <p:cNvPicPr>
             <a:picLocks noChangeAspect="1"/>
           </p:cNvPicPr>
@@ -10082,79 +10724,215 @@
         </p:blipFill>
         <p:spPr>
           <a:xfrm>
-            <a:off x="6210923" y="2107682"/>
-            <a:ext cx="2679644" cy="1229620"/>
+            <a:off x="6238864" y="2205838"/>
+            <a:ext cx="2507944" cy="948951"/>
           </a:xfrm>
           <a:prstGeom prst="rect">
             <a:avLst/>
           </a:prstGeom>
         </p:spPr>
       </p:pic>
-      <p:sp>
-        <p:nvSpPr>
-          <p:cNvPr id="6" name="Oval 5"/>
-          <p:cNvSpPr/>
-          <p:nvPr/>
-        </p:nvSpPr>
-        <p:spPr>
-          <a:xfrm>
-            <a:off x="6979403" y="2649822"/>
-            <a:ext cx="325465" cy="323076"/>
-          </a:xfrm>
-          <a:prstGeom prst="ellipse">
-            <a:avLst/>
-          </a:prstGeom>
-          <a:noFill/>
-          <a:ln w="28575" cap="flat" cmpd="sng" algn="ctr">
-            <a:solidFill>
-              <a:schemeClr val="accent1"/>
-            </a:solidFill>
-            <a:prstDash val="solid"/>
-            <a:round/>
-            <a:headEnd type="none" w="med" len="med"/>
-            <a:tailEnd type="none" w="med" len="med"/>
-          </a:ln>
-        </p:spPr>
-        <p:style>
-          <a:lnRef idx="0">
-            <a:scrgbClr r="0" g="0" b="0"/>
-          </a:lnRef>
-          <a:fillRef idx="0">
-            <a:scrgbClr r="0" g="0" b="0"/>
-          </a:fillRef>
-          <a:effectRef idx="0">
-            <a:scrgbClr r="0" g="0" b="0"/>
-          </a:effectRef>
-          <a:fontRef idx="minor">
-            <a:schemeClr val="accent1"/>
-          </a:fontRef>
-        </p:style>
-        <p:txBody>
-          <a:bodyPr rtlCol="0" anchor="ctr"/>
-          <a:lstStyle/>
-          <a:p>
-            <a:pPr algn="ctr"/>
-            <a:endParaRPr lang="en-US"/>
-          </a:p>
-        </p:txBody>
-      </p:sp>
     </p:spTree>
     <p:extLst>
       <p:ext uri="{BB962C8B-B14F-4D97-AF65-F5344CB8AC3E}">
-        <p14:creationId xmlns:p14="http://schemas.microsoft.com/office/powerpoint/2010/main" val="3776908126"/>
+        <p14:creationId xmlns:p14="http://schemas.microsoft.com/office/powerpoint/2010/main" val="3537159091"/>
       </p:ext>
     </p:extLst>
   </p:cSld>
   <p:clrMapOvr>
     <a:masterClrMapping/>
   </p:clrMapOvr>
-  <p:timing>
-    <p:tnLst>
-      <p:par>
-        <p:cTn id="1" dur="indefinite" restart="never" nodeType="tmRoot"/>
-      </p:par>
-    </p:tnLst>
-  </p:timing>
+</p:sld>
+</file>
+
+<file path=ppt/slides/slide8.xml><?xml version="1.0" encoding="utf-8"?>
+<p:sld xmlns:a="http://schemas.openxmlformats.org/drawingml/2006/main" xmlns:r="http://schemas.openxmlformats.org/officeDocument/2006/relationships" xmlns:p="http://schemas.openxmlformats.org/presentationml/2006/main">
+  <p:cSld>
+    <p:spTree>
+      <p:nvGrpSpPr>
+        <p:cNvPr id="1" name=""/>
+        <p:cNvGrpSpPr/>
+        <p:nvPr/>
+      </p:nvGrpSpPr>
+      <p:grpSpPr>
+        <a:xfrm>
+          <a:off x="0" y="0"/>
+          <a:ext cx="0" cy="0"/>
+          <a:chOff x="0" y="0"/>
+          <a:chExt cx="0" cy="0"/>
+        </a:xfrm>
+      </p:grpSpPr>
+      <p:sp>
+        <p:nvSpPr>
+          <p:cNvPr id="2" name="Title 1">
+            <a:extLst>
+              <a:ext uri="{FF2B5EF4-FFF2-40B4-BE49-F238E27FC236}">
+                <a16:creationId xmlns:a16="http://schemas.microsoft.com/office/drawing/2014/main" id="{D8EDB796-F80C-47DA-AC70-977473F07FE9}"/>
+              </a:ext>
+            </a:extLst>
+          </p:cNvPr>
+          <p:cNvSpPr>
+            <a:spLocks noGrp="1"/>
+          </p:cNvSpPr>
+          <p:nvPr>
+            <p:ph type="title"/>
+          </p:nvPr>
+        </p:nvSpPr>
+        <p:spPr/>
+        <p:txBody>
+          <a:bodyPr/>
+          <a:lstStyle/>
+          <a:p>
+            <a:r>
+              <a:rPr lang="en-US" altLang="zh-CN" dirty="0"/>
+              <a:t>The “correct” function</a:t>
+            </a:r>
+            <a:endParaRPr lang="zh-CN" altLang="en-US" dirty="0"/>
+          </a:p>
+        </p:txBody>
+      </p:sp>
+      <p:sp>
+        <p:nvSpPr>
+          <p:cNvPr id="3" name="Text Placeholder 2">
+            <a:extLst>
+              <a:ext uri="{FF2B5EF4-FFF2-40B4-BE49-F238E27FC236}">
+                <a16:creationId xmlns:a16="http://schemas.microsoft.com/office/drawing/2014/main" id="{DD7B06E2-7AAE-43A7-948E-4A4B27B207EC}"/>
+              </a:ext>
+            </a:extLst>
+          </p:cNvPr>
+          <p:cNvSpPr>
+            <a:spLocks noGrp="1"/>
+          </p:cNvSpPr>
+          <p:nvPr>
+            <p:ph type="body" idx="1"/>
+          </p:nvPr>
+        </p:nvSpPr>
+        <p:spPr/>
+        <p:txBody>
+          <a:bodyPr/>
+          <a:lstStyle/>
+          <a:p>
+            <a:r>
+              <a:rPr lang="en-US" altLang="zh-CN" dirty="0"/>
+              <a:t>Informally, (1) bad things should not happen, and (2) good things should happen.</a:t>
+            </a:r>
+          </a:p>
+          <a:p>
+            <a:r>
+              <a:rPr lang="en-US" altLang="zh-CN" dirty="0"/>
+              <a:t>Formally, the correct function is a combination of </a:t>
+            </a:r>
+            <a:r>
+              <a:rPr lang="en-US" altLang="zh-CN" b="1" dirty="0"/>
+              <a:t>safety</a:t>
+            </a:r>
+            <a:r>
+              <a:rPr lang="en-US" altLang="zh-CN" dirty="0"/>
+              <a:t> and </a:t>
+            </a:r>
+            <a:r>
+              <a:rPr lang="en-US" altLang="zh-CN" b="1" dirty="0"/>
+              <a:t>liveness</a:t>
+            </a:r>
+            <a:r>
+              <a:rPr lang="en-US" altLang="zh-CN" dirty="0"/>
+              <a:t> properties.</a:t>
+            </a:r>
+          </a:p>
+          <a:p>
+            <a:r>
+              <a:rPr lang="en-US" altLang="zh-CN" dirty="0"/>
+              <a:t>In the example, we consider:</a:t>
+            </a:r>
+          </a:p>
+          <a:p>
+            <a:pPr lvl="1"/>
+            <a:r>
+              <a:rPr lang="en-US" altLang="zh-CN" dirty="0"/>
+              <a:t>Safety Property P: input and output should alternate, i.e.,</a:t>
+            </a:r>
+          </a:p>
+          <a:p>
+            <a:pPr lvl="1"/>
+            <a:r>
+              <a:rPr lang="en-US" altLang="zh-CN" dirty="0"/>
+              <a:t>Liveness Property: the system should be deadlock-free.</a:t>
+            </a:r>
+          </a:p>
+        </p:txBody>
+      </p:sp>
+      <p:sp>
+        <p:nvSpPr>
+          <p:cNvPr id="4" name="Slide Number Placeholder 3">
+            <a:extLst>
+              <a:ext uri="{FF2B5EF4-FFF2-40B4-BE49-F238E27FC236}">
+                <a16:creationId xmlns:a16="http://schemas.microsoft.com/office/drawing/2014/main" id="{73F2EA82-C591-4284-8C67-A86BB9EFF70C}"/>
+              </a:ext>
+            </a:extLst>
+          </p:cNvPr>
+          <p:cNvSpPr>
+            <a:spLocks noGrp="1"/>
+          </p:cNvSpPr>
+          <p:nvPr>
+            <p:ph type="sldNum" idx="12"/>
+          </p:nvPr>
+        </p:nvSpPr>
+        <p:spPr/>
+        <p:txBody>
+          <a:bodyPr/>
+          <a:lstStyle/>
+          <a:p>
+            <a:pPr marL="0" lvl="0" indent="0" algn="r" rtl="0">
+              <a:spcBef>
+                <a:spcPts val="0"/>
+              </a:spcBef>
+              <a:spcAft>
+                <a:spcPts val="0"/>
+              </a:spcAft>
+              <a:buNone/>
+            </a:pPr>
+            <a:fld id="{00000000-1234-1234-1234-123412341234}" type="slidenum">
+              <a:rPr lang="en" smtClean="0"/>
+              <a:t>8</a:t>
+            </a:fld>
+            <a:endParaRPr lang="en"/>
+          </a:p>
+        </p:txBody>
+      </p:sp>
+      <p:pic>
+        <p:nvPicPr>
+          <p:cNvPr id="6" name="Picture 5"/>
+          <p:cNvPicPr>
+            <a:picLocks noChangeAspect="1"/>
+          </p:cNvPicPr>
+          <p:nvPr/>
+        </p:nvPicPr>
+        <p:blipFill>
+          <a:blip r:embed="rId3"/>
+          <a:stretch>
+            <a:fillRect/>
+          </a:stretch>
+        </p:blipFill>
+        <p:spPr>
+          <a:xfrm>
+            <a:off x="6284612" y="2583969"/>
+            <a:ext cx="1815835" cy="1125517"/>
+          </a:xfrm>
+          <a:prstGeom prst="rect">
+            <a:avLst/>
+          </a:prstGeom>
+        </p:spPr>
+      </p:pic>
+    </p:spTree>
+    <p:extLst>
+      <p:ext uri="{BB962C8B-B14F-4D97-AF65-F5344CB8AC3E}">
+        <p14:creationId xmlns:p14="http://schemas.microsoft.com/office/powerpoint/2010/main" val="3019702908"/>
+      </p:ext>
+    </p:extLst>
+  </p:cSld>
+  <p:clrMapOvr>
+    <a:masterClrMapping/>
+  </p:clrMapOvr>
 </p:sld>
 </file>
 
@@ -10180,7 +10958,7 @@
           <p:cNvPr id="2" name="Title 1">
             <a:extLst>
               <a:ext uri="{FF2B5EF4-FFF2-40B4-BE49-F238E27FC236}">
-                <a16:creationId xmlns:a16="http://schemas.microsoft.com/office/drawing/2014/main" id="{72886A9F-3E02-4E9C-B69F-2369FB4680DA}"/>
+                <a16:creationId xmlns:a16="http://schemas.microsoft.com/office/drawing/2014/main" id="{A630D276-EC86-4A4E-9B86-D9F01DD9F24E}"/>
               </a:ext>
             </a:extLst>
           </p:cNvPr>
@@ -10198,7 +10976,7 @@
           <a:p>
             <a:r>
               <a:rPr lang="en-US" altLang="zh-CN" dirty="0"/>
-              <a:t>Representation of uncertainty</a:t>
+              <a:t>The perfect environment</a:t>
             </a:r>
             <a:endParaRPr lang="zh-CN" altLang="en-US" dirty="0"/>
           </a:p>
@@ -10209,7 +10987,7 @@
           <p:cNvPr id="3" name="Text Placeholder 2">
             <a:extLst>
               <a:ext uri="{FF2B5EF4-FFF2-40B4-BE49-F238E27FC236}">
-                <a16:creationId xmlns:a16="http://schemas.microsoft.com/office/drawing/2014/main" id="{19561B14-7171-4417-8FB0-77F31844953E}"/>
+                <a16:creationId xmlns:a16="http://schemas.microsoft.com/office/drawing/2014/main" id="{7B95873E-AD2E-4F70-9E2D-BD04BD98B4C4}"/>
               </a:ext>
             </a:extLst>
           </p:cNvPr>
@@ -10227,60 +11005,60 @@
           <a:p>
             <a:r>
               <a:rPr lang="en-US" altLang="zh-CN" sz="1600" dirty="0"/>
-              <a:t>Uncertainty can be represented as traces of environment which lead to property violation (i.e., an error state or deadlock).</a:t>
-            </a:r>
-          </a:p>
-          <a:p>
-            <a:pPr lvl="1">
-              <a:spcBef>
-                <a:spcPts val="0"/>
-              </a:spcBef>
-              <a:spcAft>
-                <a:spcPts val="800"/>
-              </a:spcAft>
+              <a:t>The system combined with the channel satisfies the safety property and is deadlock-free, and</a:t>
+            </a:r>
+          </a:p>
+          <a:p>
+            <a:r>
+              <a:rPr lang="en-US" altLang="zh-CN" sz="1600" dirty="0"/>
+              <a:t>The channel is the perfect environment for the system to work with.</a:t>
+            </a:r>
+          </a:p>
+          <a:p>
+            <a:pPr marL="114300" indent="0">
+              <a:buNone/>
             </a:pPr>
-            <a:r>
-              <a:rPr lang="en-US" altLang="zh-CN" dirty="0"/>
-              <a:t>E.g., </a:t>
-            </a:r>
-            <a:r>
-              <a:rPr lang="en-US" altLang="zh-CN" dirty="0" smtClean="0"/>
-              <a:t>a trace in environment: &lt;send</a:t>
-            </a:r>
-            <a:r>
-              <a:rPr lang="en-US" altLang="zh-CN" dirty="0"/>
-              <a:t>, lose</a:t>
-            </a:r>
-            <a:r>
-              <a:rPr lang="en-US" altLang="zh-CN" dirty="0" smtClean="0"/>
-              <a:t>, </a:t>
-            </a:r>
-            <a:r>
-              <a:rPr lang="en-US" altLang="zh-CN" dirty="0" smtClean="0">
-                <a:solidFill>
-                  <a:srgbClr val="FF0000"/>
-                </a:solidFill>
-              </a:rPr>
-              <a:t>send</a:t>
-            </a:r>
-            <a:r>
-              <a:rPr lang="en-US" altLang="zh-CN" dirty="0" smtClean="0"/>
-              <a:t>&gt;</a:t>
-            </a:r>
-            <a:endParaRPr lang="en-US" altLang="zh-CN" dirty="0"/>
-          </a:p>
-          <a:p>
+            <a:endParaRPr lang="en-US" altLang="zh-CN" sz="1600" dirty="0"/>
+          </a:p>
+          <a:p>
+            <a:pPr marL="114300" indent="0">
+              <a:buNone/>
+            </a:pPr>
+            <a:endParaRPr lang="en-US" altLang="zh-CN" sz="1600" dirty="0"/>
+          </a:p>
+          <a:p>
+            <a:pPr marL="114300" indent="0">
+              <a:buNone/>
+            </a:pPr>
+            <a:endParaRPr lang="en-US" altLang="zh-CN" sz="1600" dirty="0"/>
+          </a:p>
+          <a:p>
+            <a:pPr marL="114300" indent="0">
+              <a:buNone/>
+            </a:pPr>
+            <a:endParaRPr lang="en-US" altLang="zh-CN" sz="1600" dirty="0"/>
+          </a:p>
+          <a:p>
+            <a:pPr marL="114300" indent="0">
+              <a:buNone/>
+            </a:pPr>
+            <a:r>
+              <a:rPr lang="en-US" altLang="zh-CN" sz="1600" b="1" dirty="0"/>
+              <a:t>Definition</a:t>
+            </a:r>
             <a:r>
               <a:rPr lang="en-US" altLang="zh-CN" sz="1600" dirty="0"/>
-              <a:t>Problem: the alphabet of internal events is often unknown.</a:t>
-            </a:r>
-          </a:p>
-          <a:p>
+              <a:t>: The </a:t>
+            </a:r>
+            <a:r>
+              <a:rPr lang="en-US" altLang="zh-CN" sz="1600" i="1" dirty="0"/>
+              <a:t>perfect environment </a:t>
+            </a:r>
             <a:r>
               <a:rPr lang="en-US" altLang="zh-CN" sz="1600" dirty="0"/>
-              <a:t>Solution: project the environment to the known interfaces.</a:t>
-            </a:r>
-            <a:endParaRPr lang="zh-CN" altLang="en-US" sz="1600" dirty="0"/>
+              <a:t>of a system is the environment that includes the least possible behavior and with which the system satisfies the safety property and is deadlock-free.</a:t>
+            </a:r>
+            <a:endParaRPr lang="zh-CN" altLang="en-US" sz="1600" i="1" dirty="0"/>
           </a:p>
         </p:txBody>
       </p:sp>
@@ -10289,7 +11067,7 @@
           <p:cNvPr id="4" name="Slide Number Placeholder 3">
             <a:extLst>
               <a:ext uri="{FF2B5EF4-FFF2-40B4-BE49-F238E27FC236}">
-                <a16:creationId xmlns:a16="http://schemas.microsoft.com/office/drawing/2014/main" id="{F95BCBD3-9A94-494E-A649-EC5BC0296DED}"/>
+                <a16:creationId xmlns:a16="http://schemas.microsoft.com/office/drawing/2014/main" id="{84F4DF14-BFEB-47EA-AAA0-B352FEF7D45B}"/>
               </a:ext>
             </a:extLst>
           </p:cNvPr>
@@ -10322,515 +11100,69 @@
           </a:p>
         </p:txBody>
       </p:sp>
-      <p:sp>
-        <p:nvSpPr>
-          <p:cNvPr id="6" name="Arrow: Right 5">
+      <p:pic>
+        <p:nvPicPr>
+          <p:cNvPr id="5" name="Picture 4">
             <a:extLst>
               <a:ext uri="{FF2B5EF4-FFF2-40B4-BE49-F238E27FC236}">
-                <a16:creationId xmlns:a16="http://schemas.microsoft.com/office/drawing/2014/main" id="{050FAB4A-AB45-4641-8A3D-1AEAF001B78D}"/>
+                <a16:creationId xmlns:a16="http://schemas.microsoft.com/office/drawing/2014/main" id="{81F42DC3-317C-4DCD-842F-F4A4061B8559}"/>
               </a:ext>
             </a:extLst>
           </p:cNvPr>
-          <p:cNvSpPr/>
-          <p:nvPr/>
-        </p:nvSpPr>
-        <p:spPr>
-          <a:xfrm>
-            <a:off x="3900055" y="3283646"/>
-            <a:ext cx="976745" cy="249382"/>
-          </a:xfrm>
-          <a:prstGeom prst="rightArrow">
-            <a:avLst/>
-          </a:prstGeom>
-        </p:spPr>
-        <p:style>
-          <a:lnRef idx="2">
-            <a:schemeClr val="accent1">
-              <a:shade val="50000"/>
-            </a:schemeClr>
-          </a:lnRef>
-          <a:fillRef idx="1">
-            <a:schemeClr val="accent1"/>
-          </a:fillRef>
-          <a:effectRef idx="0">
-            <a:schemeClr val="accent1"/>
-          </a:effectRef>
-          <a:fontRef idx="minor">
-            <a:schemeClr val="lt1"/>
-          </a:fontRef>
-        </p:style>
-        <p:txBody>
-          <a:bodyPr rtlCol="0" anchor="ctr"/>
-          <a:lstStyle/>
-          <a:p>
-            <a:pPr algn="ctr"/>
-            <a:endParaRPr lang="zh-CN" altLang="en-US"/>
-          </a:p>
-        </p:txBody>
-      </p:sp>
-      <p:sp>
-        <p:nvSpPr>
-          <p:cNvPr id="12" name="TextBox 11">
-            <a:extLst>
-              <a:ext uri="{FF2B5EF4-FFF2-40B4-BE49-F238E27FC236}">
-                <a16:creationId xmlns:a16="http://schemas.microsoft.com/office/drawing/2014/main" id="{A1C6BCB3-7C6F-4EF4-AE3F-BFB83C285B0F}"/>
-              </a:ext>
-            </a:extLst>
-          </p:cNvPr>
-          <p:cNvSpPr txBox="1"/>
-          <p:nvPr/>
-        </p:nvSpPr>
-        <p:spPr>
-          <a:xfrm>
-            <a:off x="3837689" y="3006647"/>
-            <a:ext cx="1120820" cy="276999"/>
-          </a:xfrm>
-          <a:prstGeom prst="rect">
-            <a:avLst/>
-          </a:prstGeom>
-          <a:noFill/>
-        </p:spPr>
-        <p:txBody>
-          <a:bodyPr wrap="none" rtlCol="0">
-            <a:spAutoFit/>
-          </a:bodyPr>
-          <a:lstStyle/>
-          <a:p>
-            <a:r>
-              <a:rPr lang="en-US" altLang="zh-CN" sz="1200" dirty="0"/>
-              <a:t>Hide </a:t>
-            </a:r>
-            <a:r>
-              <a:rPr lang="en-US" altLang="zh-CN" sz="1200" dirty="0" smtClean="0"/>
-              <a:t>internals</a:t>
-            </a:r>
-            <a:endParaRPr lang="zh-CN" altLang="en-US" sz="1200" dirty="0"/>
-          </a:p>
-        </p:txBody>
-      </p:sp>
-      <p:pic>
-        <p:nvPicPr>
-          <p:cNvPr id="7" name="Picture 6"/>
           <p:cNvPicPr>
             <a:picLocks noChangeAspect="1"/>
           </p:cNvPicPr>
           <p:nvPr/>
         </p:nvPicPr>
         <p:blipFill>
-          <a:blip r:embed="rId3"/>
+          <a:blip r:embed="rId2"/>
           <a:stretch>
             <a:fillRect/>
           </a:stretch>
         </p:blipFill>
         <p:spPr>
           <a:xfrm>
-            <a:off x="1009693" y="2827832"/>
-            <a:ext cx="2530123" cy="1161009"/>
+            <a:off x="882064" y="2133827"/>
+            <a:ext cx="2314736" cy="875845"/>
           </a:xfrm>
           <a:prstGeom prst="rect">
             <a:avLst/>
           </a:prstGeom>
         </p:spPr>
       </p:pic>
-      <p:grpSp>
-        <p:nvGrpSpPr>
-          <p:cNvPr id="13" name="Group 12"/>
-          <p:cNvGrpSpPr/>
-          <p:nvPr/>
-        </p:nvGrpSpPr>
-        <p:grpSpPr>
-          <a:xfrm>
-            <a:off x="5179438" y="2918815"/>
-            <a:ext cx="2210435" cy="966109"/>
-            <a:chOff x="5179438" y="3244278"/>
-            <a:chExt cx="2210435" cy="966109"/>
-          </a:xfrm>
-        </p:grpSpPr>
-        <p:pic>
-          <p:nvPicPr>
-            <p:cNvPr id="9" name="Picture 8"/>
-            <p:cNvPicPr>
-              <a:picLocks noChangeAspect="1"/>
-            </p:cNvPicPr>
-            <p:nvPr/>
-          </p:nvPicPr>
-          <p:blipFill>
-            <a:blip r:embed="rId4"/>
-            <a:stretch>
-              <a:fillRect/>
-            </a:stretch>
-          </p:blipFill>
-          <p:spPr>
-            <a:xfrm>
-              <a:off x="5179438" y="3257210"/>
-              <a:ext cx="2210435" cy="953177"/>
-            </a:xfrm>
-            <a:prstGeom prst="rect">
-              <a:avLst/>
-            </a:prstGeom>
-          </p:spPr>
-        </p:pic>
-        <p:sp>
-          <p:nvSpPr>
-            <p:cNvPr id="10" name="TextBox 9">
-              <a:extLst>
-                <a:ext uri="{FF2B5EF4-FFF2-40B4-BE49-F238E27FC236}">
-                  <a16:creationId xmlns:a16="http://schemas.microsoft.com/office/drawing/2014/main" id="{A6B22645-3A8C-4880-9189-187CC00ACA3F}"/>
-                </a:ext>
-              </a:extLst>
-            </p:cNvPr>
-            <p:cNvSpPr txBox="1"/>
-            <p:nvPr/>
-          </p:nvSpPr>
-          <p:spPr>
-            <a:xfrm>
-              <a:off x="5683686" y="3244278"/>
-              <a:ext cx="216002" cy="307777"/>
-            </a:xfrm>
-            <a:prstGeom prst="rect">
-              <a:avLst/>
-            </a:prstGeom>
-            <a:noFill/>
-          </p:spPr>
-          <p:txBody>
-            <a:bodyPr wrap="square" rtlCol="0">
-              <a:spAutoFit/>
-            </a:bodyPr>
-            <a:lstStyle/>
-            <a:p>
-              <a:r>
-                <a:rPr lang="en-US" altLang="zh-CN" dirty="0"/>
-                <a:t>’</a:t>
-              </a:r>
-              <a:endParaRPr lang="zh-CN" altLang="en-US" dirty="0"/>
-            </a:p>
-          </p:txBody>
-        </p:sp>
-      </p:grpSp>
-      <p:sp>
-        <p:nvSpPr>
-          <p:cNvPr id="15" name="Text Placeholder 2">
-            <a:extLst>
-              <a:ext uri="{FF2B5EF4-FFF2-40B4-BE49-F238E27FC236}">
-                <a16:creationId xmlns:a16="http://schemas.microsoft.com/office/drawing/2014/main" id="{55A69C89-DE76-4A70-A9B3-14818AF1592C}"/>
-              </a:ext>
-            </a:extLst>
-          </p:cNvPr>
-          <p:cNvSpPr txBox="1">
-            <a:spLocks/>
-          </p:cNvSpPr>
-          <p:nvPr/>
-        </p:nvSpPr>
-        <p:spPr>
-          <a:xfrm>
-            <a:off x="438151" y="4010689"/>
-            <a:ext cx="8394149" cy="353540"/>
-          </a:xfrm>
-          <a:prstGeom prst="rect">
-            <a:avLst/>
-          </a:prstGeom>
-          <a:noFill/>
-          <a:ln>
-            <a:noFill/>
-          </a:ln>
-        </p:spPr>
-        <p:txBody>
-          <a:bodyPr spcFirstLastPara="1" wrap="square" lIns="91425" tIns="91425" rIns="91425" bIns="91425" anchor="t" anchorCtr="0">
-            <a:noAutofit/>
-          </a:bodyPr>
-          <a:lstStyle>
-            <a:defPPr marR="0" lvl="0" algn="l" rtl="0">
-              <a:lnSpc>
-                <a:spcPct val="100000"/>
-              </a:lnSpc>
-              <a:spcBef>
-                <a:spcPts val="0"/>
-              </a:spcBef>
-              <a:spcAft>
-                <a:spcPts val="0"/>
-              </a:spcAft>
-            </a:defPPr>
-            <a:lvl1pPr marL="457200" marR="0" lvl="0" indent="-342900" algn="l" rtl="0" eaLnBrk="1" hangingPunct="1">
-              <a:lnSpc>
-                <a:spcPct val="115000"/>
-              </a:lnSpc>
-              <a:spcBef>
-                <a:spcPts val="0"/>
-              </a:spcBef>
-              <a:spcAft>
-                <a:spcPts val="0"/>
-              </a:spcAft>
-              <a:buClr>
-                <a:schemeClr val="dk2"/>
-              </a:buClr>
-              <a:buSzPts val="1800"/>
-              <a:buFont typeface="Open Sans Light"/>
-              <a:buChar char="●"/>
-              <a:defRPr sz="1800" b="0" i="0" u="none" strike="noStrike" cap="none">
-                <a:solidFill>
-                  <a:schemeClr val="dk2"/>
-                </a:solidFill>
-                <a:latin typeface="Open Sans Light"/>
-                <a:ea typeface="Open Sans Light"/>
-                <a:cs typeface="Open Sans Light"/>
-                <a:sym typeface="Open Sans Light"/>
-              </a:defRPr>
-            </a:lvl1pPr>
-            <a:lvl2pPr marL="914400" marR="0" lvl="1" indent="-317500" algn="l" rtl="0" eaLnBrk="1" hangingPunct="1">
-              <a:lnSpc>
-                <a:spcPct val="115000"/>
-              </a:lnSpc>
-              <a:spcBef>
-                <a:spcPts val="1600"/>
-              </a:spcBef>
-              <a:spcAft>
-                <a:spcPts val="0"/>
-              </a:spcAft>
-              <a:buClr>
-                <a:schemeClr val="dk2"/>
-              </a:buClr>
-              <a:buSzPts val="1400"/>
-              <a:buFont typeface="Open Sans Light"/>
-              <a:buChar char="○"/>
-              <a:defRPr sz="1400" b="0" i="0" u="none" strike="noStrike" cap="none">
-                <a:solidFill>
-                  <a:schemeClr val="dk2"/>
-                </a:solidFill>
-                <a:latin typeface="Open Sans Light"/>
-                <a:ea typeface="Open Sans Light"/>
-                <a:cs typeface="Open Sans Light"/>
-                <a:sym typeface="Open Sans Light"/>
-              </a:defRPr>
-            </a:lvl2pPr>
-            <a:lvl3pPr marL="1371600" marR="0" lvl="2" indent="-317500" algn="l" rtl="0" eaLnBrk="1" hangingPunct="1">
-              <a:lnSpc>
-                <a:spcPct val="115000"/>
-              </a:lnSpc>
-              <a:spcBef>
-                <a:spcPts val="1600"/>
-              </a:spcBef>
-              <a:spcAft>
-                <a:spcPts val="0"/>
-              </a:spcAft>
-              <a:buClr>
-                <a:schemeClr val="dk2"/>
-              </a:buClr>
-              <a:buSzPts val="1400"/>
-              <a:buFont typeface="Open Sans Light"/>
-              <a:buChar char="■"/>
-              <a:defRPr sz="1400" b="0" i="0" u="none" strike="noStrike" cap="none">
-                <a:solidFill>
-                  <a:schemeClr val="dk2"/>
-                </a:solidFill>
-                <a:latin typeface="Open Sans Light"/>
-                <a:ea typeface="Open Sans Light"/>
-                <a:cs typeface="Open Sans Light"/>
-                <a:sym typeface="Open Sans Light"/>
-              </a:defRPr>
-            </a:lvl3pPr>
-            <a:lvl4pPr marL="1828800" marR="0" lvl="3" indent="-317500" algn="l" rtl="0" eaLnBrk="1" hangingPunct="1">
-              <a:lnSpc>
-                <a:spcPct val="115000"/>
-              </a:lnSpc>
-              <a:spcBef>
-                <a:spcPts val="1600"/>
-              </a:spcBef>
-              <a:spcAft>
-                <a:spcPts val="0"/>
-              </a:spcAft>
-              <a:buClr>
-                <a:schemeClr val="dk2"/>
-              </a:buClr>
-              <a:buSzPts val="1400"/>
-              <a:buFont typeface="Open Sans Light"/>
-              <a:buChar char="●"/>
-              <a:defRPr sz="1400" b="0" i="0" u="none" strike="noStrike" cap="none">
-                <a:solidFill>
-                  <a:schemeClr val="dk2"/>
-                </a:solidFill>
-                <a:latin typeface="Open Sans Light"/>
-                <a:ea typeface="Open Sans Light"/>
-                <a:cs typeface="Open Sans Light"/>
-                <a:sym typeface="Open Sans Light"/>
-              </a:defRPr>
-            </a:lvl4pPr>
-            <a:lvl5pPr marL="2286000" marR="0" lvl="4" indent="-317500" algn="l" rtl="0" eaLnBrk="1" hangingPunct="1">
-              <a:lnSpc>
-                <a:spcPct val="115000"/>
-              </a:lnSpc>
-              <a:spcBef>
-                <a:spcPts val="1600"/>
-              </a:spcBef>
-              <a:spcAft>
-                <a:spcPts val="0"/>
-              </a:spcAft>
-              <a:buClr>
-                <a:schemeClr val="dk2"/>
-              </a:buClr>
-              <a:buSzPts val="1400"/>
-              <a:buFont typeface="Open Sans Light"/>
-              <a:buChar char="○"/>
-              <a:defRPr sz="1400" b="0" i="0" u="none" strike="noStrike" cap="none">
-                <a:solidFill>
-                  <a:schemeClr val="dk2"/>
-                </a:solidFill>
-                <a:latin typeface="Open Sans Light"/>
-                <a:ea typeface="Open Sans Light"/>
-                <a:cs typeface="Open Sans Light"/>
-                <a:sym typeface="Open Sans Light"/>
-              </a:defRPr>
-            </a:lvl5pPr>
-            <a:lvl6pPr marL="2743200" marR="0" lvl="5" indent="-317500" algn="l" rtl="0" eaLnBrk="1" hangingPunct="1">
-              <a:lnSpc>
-                <a:spcPct val="115000"/>
-              </a:lnSpc>
-              <a:spcBef>
-                <a:spcPts val="1600"/>
-              </a:spcBef>
-              <a:spcAft>
-                <a:spcPts val="0"/>
-              </a:spcAft>
-              <a:buClr>
-                <a:schemeClr val="dk2"/>
-              </a:buClr>
-              <a:buSzPts val="1400"/>
-              <a:buFont typeface="Open Sans Light"/>
-              <a:buChar char="■"/>
-              <a:defRPr sz="1400" b="0" i="0" u="none" strike="noStrike" cap="none">
-                <a:solidFill>
-                  <a:schemeClr val="dk2"/>
-                </a:solidFill>
-                <a:latin typeface="Open Sans Light"/>
-                <a:ea typeface="Open Sans Light"/>
-                <a:cs typeface="Open Sans Light"/>
-                <a:sym typeface="Open Sans Light"/>
-              </a:defRPr>
-            </a:lvl6pPr>
-            <a:lvl7pPr marL="3200400" marR="0" lvl="6" indent="-317500" algn="l" rtl="0" eaLnBrk="1" hangingPunct="1">
-              <a:lnSpc>
-                <a:spcPct val="115000"/>
-              </a:lnSpc>
-              <a:spcBef>
-                <a:spcPts val="1600"/>
-              </a:spcBef>
-              <a:spcAft>
-                <a:spcPts val="0"/>
-              </a:spcAft>
-              <a:buClr>
-                <a:schemeClr val="dk2"/>
-              </a:buClr>
-              <a:buSzPts val="1400"/>
-              <a:buFont typeface="Open Sans Light"/>
-              <a:buChar char="●"/>
-              <a:defRPr sz="1400" b="0" i="0" u="none" strike="noStrike" cap="none">
-                <a:solidFill>
-                  <a:schemeClr val="dk2"/>
-                </a:solidFill>
-                <a:latin typeface="Open Sans Light"/>
-                <a:ea typeface="Open Sans Light"/>
-                <a:cs typeface="Open Sans Light"/>
-                <a:sym typeface="Open Sans Light"/>
-              </a:defRPr>
-            </a:lvl7pPr>
-            <a:lvl8pPr marL="3657600" marR="0" lvl="7" indent="-317500" algn="l" rtl="0" eaLnBrk="1" hangingPunct="1">
-              <a:lnSpc>
-                <a:spcPct val="115000"/>
-              </a:lnSpc>
-              <a:spcBef>
-                <a:spcPts val="1600"/>
-              </a:spcBef>
-              <a:spcAft>
-                <a:spcPts val="0"/>
-              </a:spcAft>
-              <a:buClr>
-                <a:schemeClr val="dk2"/>
-              </a:buClr>
-              <a:buSzPts val="1400"/>
-              <a:buFont typeface="Open Sans Light"/>
-              <a:buChar char="○"/>
-              <a:defRPr sz="1400" b="0" i="0" u="none" strike="noStrike" cap="none">
-                <a:solidFill>
-                  <a:schemeClr val="dk2"/>
-                </a:solidFill>
-                <a:latin typeface="Open Sans Light"/>
-                <a:ea typeface="Open Sans Light"/>
-                <a:cs typeface="Open Sans Light"/>
-                <a:sym typeface="Open Sans Light"/>
-              </a:defRPr>
-            </a:lvl8pPr>
-            <a:lvl9pPr marL="4114800" marR="0" lvl="8" indent="-317500" algn="l" rtl="0" eaLnBrk="1" hangingPunct="1">
-              <a:lnSpc>
-                <a:spcPct val="115000"/>
-              </a:lnSpc>
-              <a:spcBef>
-                <a:spcPts val="1600"/>
-              </a:spcBef>
-              <a:spcAft>
-                <a:spcPts val="1600"/>
-              </a:spcAft>
-              <a:buClr>
-                <a:schemeClr val="dk2"/>
-              </a:buClr>
-              <a:buSzPts val="1400"/>
-              <a:buFont typeface="Open Sans Light"/>
-              <a:buChar char="■"/>
-              <a:defRPr sz="1400" b="0" i="0" u="none" strike="noStrike" cap="none">
-                <a:solidFill>
-                  <a:schemeClr val="dk2"/>
-                </a:solidFill>
-                <a:latin typeface="Open Sans Light"/>
-                <a:ea typeface="Open Sans Light"/>
-                <a:cs typeface="Open Sans Light"/>
-                <a:sym typeface="Open Sans Light"/>
-              </a:defRPr>
-            </a:lvl9pPr>
-          </a:lstStyle>
-          <a:p>
-            <a:pPr marL="114300" indent="0">
-              <a:buFont typeface="Open Sans Light"/>
-              <a:buNone/>
-            </a:pPr>
-            <a:r>
-              <a:rPr lang="en-US" altLang="zh-CN" sz="1400" dirty="0" smtClean="0"/>
-              <a:t>The projected trace: &lt;send, </a:t>
-            </a:r>
-            <a:r>
-              <a:rPr lang="en-US" altLang="zh-CN" sz="1400" dirty="0" smtClean="0">
-                <a:solidFill>
-                  <a:srgbClr val="FF0000"/>
-                </a:solidFill>
-              </a:rPr>
-              <a:t>send</a:t>
-            </a:r>
-            <a:r>
-              <a:rPr lang="en-US" altLang="zh-CN" sz="1400" dirty="0" smtClean="0"/>
-              <a:t>&gt;</a:t>
-            </a:r>
-            <a:endParaRPr lang="en-US" altLang="zh-CN" sz="1400" dirty="0"/>
-          </a:p>
-        </p:txBody>
-      </p:sp>
     </p:spTree>
     <p:extLst>
       <p:ext uri="{BB962C8B-B14F-4D97-AF65-F5344CB8AC3E}">
-        <p14:creationId xmlns:p14="http://schemas.microsoft.com/office/powerpoint/2010/main" val="2977572171"/>
+        <p14:creationId xmlns:p14="http://schemas.microsoft.com/office/powerpoint/2010/main" val="1676429614"/>
       </p:ext>
     </p:extLst>
   </p:cSld>
   <p:clrMapOvr>
     <a:masterClrMapping/>
   </p:clrMapOvr>
-  <p:timing>
-    <p:tnLst>
-      <p:par>
-        <p:cTn id="1" dur="indefinite" restart="never" nodeType="tmRoot"/>
-      </p:par>
-    </p:tnLst>
-  </p:timing>
 </p:sld>
 </file>
 
 <file path=ppt/tags/tag1.xml><?xml version="1.0" encoding="utf-8"?>
+<p:tagLst xmlns:a="http://schemas.openxmlformats.org/drawingml/2006/main" xmlns:r="http://schemas.openxmlformats.org/officeDocument/2006/relationships" xmlns:p="http://schemas.openxmlformats.org/presentationml/2006/main">
+  <p:tag name="OUTPUTDPI" val="1200"/>
+  <p:tag name="ORIGINALHEIGHT" val="1113.611"/>
+  <p:tag name="ORIGINALWIDTH" val="3625.797"/>
+  <p:tag name="LATEXADDIN" val="\documentclass{article}&#10;\usepackage{amsmath}&#10;\pagestyle{empty}&#10;\begin{document}&#10;&#10;A \textit{laballed transtion system} $T$ is a four tuple $\langle Q, \Sigma, \delta, q_0 \rangle$ where&#10;\begin{itemize}&#10;\item $Q$ is a finite set of states,&#10;\item $\Sigma$ is a set of actions called the \textit{alphabet} of $T$,&#10;\item $\delta \subseteq Q \times \Sigma \rightarrow Q$ is a function called the \textit{transition function} of $T$,&#10;\item $q_0 \in Q$ is the initial state.&#10;\end{itemize}&#10;&#10;\end{document}"/>
+  <p:tag name="IGUANATEXSIZE" val="20"/>
+  <p:tag name="IGUANATEXCURSOR" val="356"/>
+  <p:tag name="TRANSPARENCY" val="True"/>
+  <p:tag name="FILENAME" val=""/>
+  <p:tag name="LATEXENGINEID" val="0"/>
+  <p:tag name="TEMPFOLDER" val=".\tmp\"/>
+  <p:tag name="LATEXFORMHEIGHT" val="312"/>
+  <p:tag name="LATEXFORMWIDTH" val="384"/>
+  <p:tag name="LATEXFORMWRAP" val="True"/>
+  <p:tag name="BITMAPVECTOR" val="0"/>
+</p:tagLst>
+</file>
+
+<file path=ppt/tags/tag2.xml><?xml version="1.0" encoding="utf-8"?>
 <p:tagLst xmlns:a="http://schemas.openxmlformats.org/drawingml/2006/main" xmlns:r="http://schemas.openxmlformats.org/officeDocument/2006/relationships" xmlns:p="http://schemas.openxmlformats.org/presentationml/2006/main">
   <p:tag name="OUTPUTDPI" val="1200"/>
   <p:tag name="ORIGINALHEIGHT" val="1021.372"/>

--- a/Robustness.pptx
+++ b/Robustness.pptx
@@ -5,7 +5,7 @@
     <p:sldMasterId id="2147483659" r:id="rId1"/>
   </p:sldMasterIdLst>
   <p:notesMasterIdLst>
-    <p:notesMasterId r:id="rId19"/>
+    <p:notesMasterId r:id="rId21"/>
   </p:notesMasterIdLst>
   <p:sldIdLst>
     <p:sldId id="256" r:id="rId2"/>
@@ -15,40 +15,46 @@
     <p:sldId id="259" r:id="rId6"/>
     <p:sldId id="270" r:id="rId7"/>
     <p:sldId id="260" r:id="rId8"/>
-    <p:sldId id="261" r:id="rId9"/>
-    <p:sldId id="273" r:id="rId10"/>
-    <p:sldId id="262" r:id="rId11"/>
-    <p:sldId id="274" r:id="rId12"/>
-    <p:sldId id="266" r:id="rId13"/>
-    <p:sldId id="269" r:id="rId14"/>
-    <p:sldId id="271" r:id="rId15"/>
-    <p:sldId id="268" r:id="rId16"/>
-    <p:sldId id="272" r:id="rId17"/>
-    <p:sldId id="265" r:id="rId18"/>
+    <p:sldId id="276" r:id="rId9"/>
+    <p:sldId id="261" r:id="rId10"/>
+    <p:sldId id="273" r:id="rId11"/>
+    <p:sldId id="262" r:id="rId12"/>
+    <p:sldId id="274" r:id="rId13"/>
+    <p:sldId id="275" r:id="rId14"/>
+    <p:sldId id="266" r:id="rId15"/>
+    <p:sldId id="269" r:id="rId16"/>
+    <p:sldId id="271" r:id="rId17"/>
+    <p:sldId id="268" r:id="rId18"/>
+    <p:sldId id="265" r:id="rId19"/>
+    <p:sldId id="277" r:id="rId20"/>
   </p:sldIdLst>
   <p:sldSz cx="9144000" cy="5143500" type="screen16x9"/>
   <p:notesSz cx="6858000" cy="9144000"/>
   <p:embeddedFontLst>
     <p:embeddedFont>
-      <p:font typeface="Open Sans" panose="02010600030101010101" charset="0"/>
-      <p:regular r:id="rId20"/>
-      <p:bold r:id="rId21"/>
-      <p:italic r:id="rId22"/>
-      <p:boldItalic r:id="rId23"/>
+      <p:font typeface="Open Sans SemiBold" panose="020B0604020202020204" charset="0"/>
+      <p:regular r:id="rId22"/>
+      <p:bold r:id="rId23"/>
+      <p:italic r:id="rId24"/>
+      <p:boldItalic r:id="rId25"/>
     </p:embeddedFont>
     <p:embeddedFont>
-      <p:font typeface="Open Sans Light" panose="02010600030101010101" charset="0"/>
-      <p:regular r:id="rId24"/>
-      <p:bold r:id="rId25"/>
-      <p:italic r:id="rId26"/>
-      <p:boldItalic r:id="rId27"/>
+      <p:font typeface="宋体" panose="02010600030101010101" pitchFamily="2" charset="-122"/>
+      <p:regular r:id="rId26"/>
     </p:embeddedFont>
     <p:embeddedFont>
-      <p:font typeface="Open Sans SemiBold" panose="02010600030101010101" charset="0"/>
-      <p:regular r:id="rId28"/>
-      <p:bold r:id="rId29"/>
-      <p:italic r:id="rId30"/>
-      <p:boldItalic r:id="rId31"/>
+      <p:font typeface="Open Sans" panose="020B0604020202020204" charset="0"/>
+      <p:regular r:id="rId27"/>
+      <p:bold r:id="rId28"/>
+      <p:italic r:id="rId29"/>
+      <p:boldItalic r:id="rId30"/>
+    </p:embeddedFont>
+    <p:embeddedFont>
+      <p:font typeface="Open Sans Light" panose="020B0604020202020204" charset="0"/>
+      <p:regular r:id="rId31"/>
+      <p:bold r:id="rId32"/>
+      <p:italic r:id="rId33"/>
+      <p:boldItalic r:id="rId34"/>
     </p:embeddedFont>
   </p:embeddedFontLst>
   <p:defaultTextStyle>
@@ -833,6 +839,293 @@
 </p:notes>
 </file>
 
+<file path=ppt/notesSlides/notesSlide10.xml><?xml version="1.0" encoding="utf-8"?>
+<p:notes xmlns:a="http://schemas.openxmlformats.org/drawingml/2006/main" xmlns:r="http://schemas.openxmlformats.org/officeDocument/2006/relationships" xmlns:p="http://schemas.openxmlformats.org/presentationml/2006/main">
+  <p:cSld>
+    <p:spTree>
+      <p:nvGrpSpPr>
+        <p:cNvPr id="1" name=""/>
+        <p:cNvGrpSpPr/>
+        <p:nvPr/>
+      </p:nvGrpSpPr>
+      <p:grpSpPr>
+        <a:xfrm>
+          <a:off x="0" y="0"/>
+          <a:ext cx="0" cy="0"/>
+          <a:chOff x="0" y="0"/>
+          <a:chExt cx="0" cy="0"/>
+        </a:xfrm>
+      </p:grpSpPr>
+      <p:sp>
+        <p:nvSpPr>
+          <p:cNvPr id="2" name="Slide Image Placeholder 1"/>
+          <p:cNvSpPr>
+            <a:spLocks noGrp="1" noRot="1" noChangeAspect="1"/>
+          </p:cNvSpPr>
+          <p:nvPr>
+            <p:ph type="sldImg"/>
+          </p:nvPr>
+        </p:nvSpPr>
+        <p:spPr>
+          <a:xfrm>
+            <a:off x="381000" y="685800"/>
+            <a:ext cx="6096000" cy="3429000"/>
+          </a:xfrm>
+        </p:spPr>
+      </p:sp>
+      <p:sp>
+        <p:nvSpPr>
+          <p:cNvPr id="3" name="Notes Placeholder 2"/>
+          <p:cNvSpPr>
+            <a:spLocks noGrp="1"/>
+          </p:cNvSpPr>
+          <p:nvPr>
+            <p:ph type="body" idx="1"/>
+          </p:nvPr>
+        </p:nvSpPr>
+        <p:spPr/>
+        <p:txBody>
+          <a:bodyPr/>
+          <a:lstStyle/>
+          <a:p>
+            <a:r>
+              <a:rPr lang="en-US" dirty="0"/>
+              <a:t>The definition of internal</a:t>
+            </a:r>
+            <a:r>
+              <a:rPr lang="en-US" baseline="0" dirty="0"/>
+              <a:t> gives us the flexibility that: we could analyze the system capability against a given component in the environment, and the internal events under a given component could be the interfaces under another environment.</a:t>
+            </a:r>
+          </a:p>
+          <a:p>
+            <a:r>
+              <a:rPr lang="en-US" baseline="0" dirty="0"/>
+              <a:t>(I didn’t investigate this, but could be a future research direction)</a:t>
+            </a:r>
+            <a:endParaRPr lang="en-US" dirty="0"/>
+          </a:p>
+        </p:txBody>
+      </p:sp>
+    </p:spTree>
+    <p:extLst>
+      <p:ext uri="{BB962C8B-B14F-4D97-AF65-F5344CB8AC3E}">
+        <p14:creationId xmlns:p14="http://schemas.microsoft.com/office/powerpoint/2010/main" val="1538742082"/>
+      </p:ext>
+    </p:extLst>
+  </p:cSld>
+  <p:clrMapOvr>
+    <a:masterClrMapping/>
+  </p:clrMapOvr>
+</p:notes>
+</file>
+
+<file path=ppt/notesSlides/notesSlide11.xml><?xml version="1.0" encoding="utf-8"?>
+<p:notes xmlns:a="http://schemas.openxmlformats.org/drawingml/2006/main" xmlns:r="http://schemas.openxmlformats.org/officeDocument/2006/relationships" xmlns:p="http://schemas.openxmlformats.org/presentationml/2006/main">
+  <p:cSld>
+    <p:spTree>
+      <p:nvGrpSpPr>
+        <p:cNvPr id="1" name=""/>
+        <p:cNvGrpSpPr/>
+        <p:nvPr/>
+      </p:nvGrpSpPr>
+      <p:grpSpPr>
+        <a:xfrm>
+          <a:off x="0" y="0"/>
+          <a:ext cx="0" cy="0"/>
+          <a:chOff x="0" y="0"/>
+          <a:chExt cx="0" cy="0"/>
+        </a:xfrm>
+      </p:grpSpPr>
+      <p:sp>
+        <p:nvSpPr>
+          <p:cNvPr id="2" name="Slide Image Placeholder 1"/>
+          <p:cNvSpPr>
+            <a:spLocks noGrp="1" noRot="1" noChangeAspect="1"/>
+          </p:cNvSpPr>
+          <p:nvPr>
+            <p:ph type="sldImg"/>
+          </p:nvPr>
+        </p:nvSpPr>
+        <p:spPr>
+          <a:xfrm>
+            <a:off x="381000" y="685800"/>
+            <a:ext cx="6096000" cy="3429000"/>
+          </a:xfrm>
+        </p:spPr>
+      </p:sp>
+      <p:sp>
+        <p:nvSpPr>
+          <p:cNvPr id="3" name="Notes Placeholder 2"/>
+          <p:cNvSpPr>
+            <a:spLocks noGrp="1"/>
+          </p:cNvSpPr>
+          <p:nvPr>
+            <p:ph type="body" idx="1"/>
+          </p:nvPr>
+        </p:nvSpPr>
+        <p:spPr/>
+        <p:txBody>
+          <a:bodyPr/>
+          <a:lstStyle/>
+          <a:p>
+            <a:pPr marL="457200" marR="0" lvl="0" indent="-298450" algn="l" defTabSz="914400" rtl="0" eaLnBrk="1" fontAlgn="auto" latinLnBrk="0" hangingPunct="1">
+              <a:lnSpc>
+                <a:spcPct val="100000"/>
+              </a:lnSpc>
+              <a:spcBef>
+                <a:spcPts val="0"/>
+              </a:spcBef>
+              <a:spcAft>
+                <a:spcPts val="0"/>
+              </a:spcAft>
+              <a:buClr>
+                <a:srgbClr val="000000"/>
+              </a:buClr>
+              <a:buSzPts val="1100"/>
+              <a:buFont typeface="Arial"/>
+              <a:buChar char="●"/>
+              <a:tabLst/>
+              <a:defRPr/>
+            </a:pPr>
+            <a:r>
+              <a:rPr lang="en-US" altLang="zh-CN" dirty="0"/>
+              <a:t>&lt;send,</a:t>
+            </a:r>
+            <a:r>
+              <a:rPr lang="en-US" altLang="zh-CN" baseline="0" dirty="0"/>
+              <a:t> </a:t>
+            </a:r>
+            <a:r>
+              <a:rPr lang="en-US" altLang="zh-CN" baseline="0" dirty="0" err="1"/>
+              <a:t>getack</a:t>
+            </a:r>
+            <a:r>
+              <a:rPr lang="en-US" altLang="zh-CN" baseline="0" dirty="0"/>
+              <a:t>, send, </a:t>
+            </a:r>
+            <a:r>
+              <a:rPr lang="en-US" altLang="zh-CN" baseline="0" dirty="0" err="1"/>
+              <a:t>getack</a:t>
+            </a:r>
+            <a:r>
+              <a:rPr lang="en-US" altLang="zh-CN" baseline="0" dirty="0"/>
+              <a:t>, …</a:t>
+            </a:r>
+            <a:r>
+              <a:rPr lang="en-US" altLang="zh-CN" dirty="0"/>
+              <a:t>&gt; means that the environment</a:t>
+            </a:r>
+            <a:r>
+              <a:rPr lang="en-US" altLang="zh-CN" baseline="0" dirty="0"/>
+              <a:t> (channel) only accepts inputs without any output, which violates the property that input and output should alternate.</a:t>
+            </a:r>
+            <a:endParaRPr lang="en-US" altLang="zh-CN" dirty="0"/>
+          </a:p>
+          <a:p>
+            <a:endParaRPr lang="zh-CN" altLang="en-US" dirty="0"/>
+          </a:p>
+        </p:txBody>
+      </p:sp>
+    </p:spTree>
+    <p:extLst>
+      <p:ext uri="{BB962C8B-B14F-4D97-AF65-F5344CB8AC3E}">
+        <p14:creationId xmlns:p14="http://schemas.microsoft.com/office/powerpoint/2010/main" val="1588598558"/>
+      </p:ext>
+    </p:extLst>
+  </p:cSld>
+  <p:clrMapOvr>
+    <a:masterClrMapping/>
+  </p:clrMapOvr>
+</p:notes>
+</file>
+
+<file path=ppt/notesSlides/notesSlide12.xml><?xml version="1.0" encoding="utf-8"?>
+<p:notes xmlns:a="http://schemas.openxmlformats.org/drawingml/2006/main" xmlns:r="http://schemas.openxmlformats.org/officeDocument/2006/relationships" xmlns:p="http://schemas.openxmlformats.org/presentationml/2006/main">
+  <p:cSld>
+    <p:spTree>
+      <p:nvGrpSpPr>
+        <p:cNvPr id="1" name=""/>
+        <p:cNvGrpSpPr/>
+        <p:nvPr/>
+      </p:nvGrpSpPr>
+      <p:grpSpPr>
+        <a:xfrm>
+          <a:off x="0" y="0"/>
+          <a:ext cx="0" cy="0"/>
+          <a:chOff x="0" y="0"/>
+          <a:chExt cx="0" cy="0"/>
+        </a:xfrm>
+      </p:grpSpPr>
+      <p:sp>
+        <p:nvSpPr>
+          <p:cNvPr id="2" name="Slide Image Placeholder 1"/>
+          <p:cNvSpPr>
+            <a:spLocks noGrp="1" noRot="1" noChangeAspect="1"/>
+          </p:cNvSpPr>
+          <p:nvPr>
+            <p:ph type="sldImg"/>
+          </p:nvPr>
+        </p:nvSpPr>
+        <p:spPr>
+          <a:xfrm>
+            <a:off x="381000" y="685800"/>
+            <a:ext cx="6096000" cy="3429000"/>
+          </a:xfrm>
+        </p:spPr>
+      </p:sp>
+      <p:sp>
+        <p:nvSpPr>
+          <p:cNvPr id="3" name="Notes Placeholder 2"/>
+          <p:cNvSpPr>
+            <a:spLocks noGrp="1"/>
+          </p:cNvSpPr>
+          <p:nvPr>
+            <p:ph type="body" idx="1"/>
+          </p:nvPr>
+        </p:nvSpPr>
+        <p:spPr/>
+        <p:txBody>
+          <a:bodyPr/>
+          <a:lstStyle/>
+          <a:p>
+            <a:pPr marL="158750" indent="0">
+              <a:buNone/>
+            </a:pPr>
+            <a:r>
+              <a:rPr lang="en-US" altLang="zh-CN" dirty="0"/>
+              <a:t>The intuition is that:</a:t>
+            </a:r>
+          </a:p>
+          <a:p>
+            <a:pPr marL="457200" indent="-298450"/>
+            <a:r>
+              <a:rPr lang="en-US" altLang="zh-CN" dirty="0"/>
+              <a:t>A system is often designed to work under some environments, e.g., we assume that the environment should work exactly in the sequence of &lt;send, rec, ack, </a:t>
+            </a:r>
+            <a:r>
+              <a:rPr lang="en-US" altLang="zh-CN" dirty="0" err="1"/>
+              <a:t>getack</a:t>
+            </a:r>
+            <a:r>
+              <a:rPr lang="en-US" altLang="zh-CN" dirty="0"/>
+              <a:t>&gt;, otherwise, the system would deadlock or violate the safety property.</a:t>
+            </a:r>
+          </a:p>
+        </p:txBody>
+      </p:sp>
+    </p:spTree>
+    <p:extLst>
+      <p:ext uri="{BB962C8B-B14F-4D97-AF65-F5344CB8AC3E}">
+        <p14:creationId xmlns:p14="http://schemas.microsoft.com/office/powerpoint/2010/main" val="3946360166"/>
+      </p:ext>
+    </p:extLst>
+  </p:cSld>
+  <p:clrMapOvr>
+    <a:masterClrMapping/>
+  </p:clrMapOvr>
+</p:notes>
+</file>
+
 <file path=ppt/notesSlides/notesSlide2.xml><?xml version="1.0" encoding="utf-8"?>
 <p:notes xmlns:a="http://schemas.openxmlformats.org/drawingml/2006/main" xmlns:r="http://schemas.openxmlformats.org/officeDocument/2006/relationships" xmlns:p="http://schemas.openxmlformats.org/presentationml/2006/main" showMasterSp="0" showMasterPhAnim="0">
   <p:cSld>
@@ -1034,12 +1327,7 @@
             <p:ph type="sldImg"/>
           </p:nvPr>
         </p:nvSpPr>
-        <p:spPr>
-          <a:xfrm>
-            <a:off x="381000" y="685800"/>
-            <a:ext cx="6096000" cy="3429000"/>
-          </a:xfrm>
-        </p:spPr>
+        <p:spPr/>
       </p:sp>
       <p:sp>
         <p:nvSpPr>
@@ -1057,17 +1345,21 @@
           <a:lstStyle/>
           <a:p>
             <a:r>
-              <a:rPr lang="en-US" altLang="zh-CN" dirty="0"/>
-              <a:t>In the diagrams above, state 0 is always the initial state</a:t>
-            </a:r>
-            <a:endParaRPr lang="zh-CN" altLang="en-US" dirty="0"/>
+              <a:rPr lang="en-US" dirty="0" smtClean="0"/>
+              <a:t>In</a:t>
+            </a:r>
+            <a:r>
+              <a:rPr lang="en-US" baseline="0" dirty="0" smtClean="0"/>
+              <a:t> other domain, there are formal definitions of robustness</a:t>
+            </a:r>
+            <a:endParaRPr lang="en-US" dirty="0"/>
           </a:p>
         </p:txBody>
       </p:sp>
     </p:spTree>
     <p:extLst>
       <p:ext uri="{BB962C8B-B14F-4D97-AF65-F5344CB8AC3E}">
-        <p14:creationId xmlns:p14="http://schemas.microsoft.com/office/powerpoint/2010/main" val="2651326126"/>
+        <p14:creationId xmlns:p14="http://schemas.microsoft.com/office/powerpoint/2010/main" val="1876292659"/>
       </p:ext>
     </p:extLst>
   </p:cSld>
@@ -1126,69 +1418,18 @@
           <a:bodyPr/>
           <a:lstStyle/>
           <a:p>
-            <a:pPr marL="158750" indent="0">
-              <a:buNone/>
-            </a:pPr>
-            <a:r>
-              <a:rPr lang="en-US" altLang="zh-CN" b="1" dirty="0"/>
-              <a:t>State -1 refers to the error state. A trace to the error state means the safety property P is violated.</a:t>
-            </a:r>
-          </a:p>
-          <a:p>
-            <a:pPr marL="158750" indent="0">
-              <a:buNone/>
-            </a:pPr>
-            <a:endParaRPr lang="en-US" altLang="zh-CN" b="1" dirty="0"/>
-          </a:p>
-          <a:p>
-            <a:pPr marL="158750" indent="0">
-              <a:buNone/>
-            </a:pPr>
-            <a:r>
-              <a:rPr lang="en-US" altLang="zh-CN" b="1" dirty="0"/>
-              <a:t>Limitations:</a:t>
-            </a:r>
-          </a:p>
-          <a:p>
-            <a:pPr marL="457200" indent="-298450"/>
             <a:r>
               <a:rPr lang="en-US" altLang="zh-CN" dirty="0"/>
-              <a:t>A safety property is restricted to the form of LTSA property.</a:t>
-            </a:r>
-          </a:p>
-          <a:p>
-            <a:pPr marL="457200" indent="-298450"/>
-            <a:r>
-              <a:rPr lang="en-US" altLang="zh-CN" dirty="0"/>
-              <a:t>We consider deadlock-free to be the weakest form of liveness, i.e., the system should not be stuck at some step.</a:t>
-            </a:r>
-          </a:p>
-          <a:p>
-            <a:pPr marL="158750" indent="0">
-              <a:buNone/>
-            </a:pPr>
-            <a:endParaRPr lang="en-US" altLang="zh-CN" dirty="0"/>
-          </a:p>
-          <a:p>
-            <a:pPr marL="158750" indent="0">
-              <a:buNone/>
-            </a:pPr>
-            <a:r>
-              <a:rPr lang="en-US" altLang="zh-CN" b="1" dirty="0"/>
-              <a:t>I will use “correct” in this presentation</a:t>
-            </a:r>
-            <a:r>
-              <a:rPr lang="en-US" altLang="zh-CN" b="1" baseline="0" dirty="0"/>
-              <a:t> for simplicity, but it means the system should satisfy the given safety properties and be deadlock-free.</a:t>
-            </a:r>
-            <a:endParaRPr lang="en-US" altLang="zh-CN" b="1" dirty="0"/>
+              <a:t>In the diagrams above, state 0 is always the initial state</a:t>
+            </a:r>
+            <a:endParaRPr lang="zh-CN" altLang="en-US" dirty="0"/>
           </a:p>
         </p:txBody>
       </p:sp>
     </p:spTree>
     <p:extLst>
       <p:ext uri="{BB962C8B-B14F-4D97-AF65-F5344CB8AC3E}">
-        <p14:creationId xmlns:p14="http://schemas.microsoft.com/office/powerpoint/2010/main" val="988333764"/>
+        <p14:creationId xmlns:p14="http://schemas.microsoft.com/office/powerpoint/2010/main" val="2651326126"/>
       </p:ext>
     </p:extLst>
   </p:cSld>
@@ -1247,22 +1488,69 @@
           <a:bodyPr/>
           <a:lstStyle/>
           <a:p>
-            <a:r>
-              <a:rPr lang="en-US" dirty="0"/>
-              <a:t>The last send will</a:t>
-            </a:r>
-            <a:r>
-              <a:rPr lang="en-US" baseline="0" dirty="0"/>
-              <a:t> cause deadlock, i.e., the system is waiting for a rec event, but the environment is waiting for a send event.</a:t>
-            </a:r>
-            <a:endParaRPr lang="en-US" dirty="0"/>
+            <a:pPr marL="158750" indent="0">
+              <a:buNone/>
+            </a:pPr>
+            <a:r>
+              <a:rPr lang="en-US" altLang="zh-CN" b="1" dirty="0"/>
+              <a:t>State -1 refers to the error state. A trace to the error state means the safety property P is violated.</a:t>
+            </a:r>
+          </a:p>
+          <a:p>
+            <a:pPr marL="158750" indent="0">
+              <a:buNone/>
+            </a:pPr>
+            <a:endParaRPr lang="en-US" altLang="zh-CN" b="1" dirty="0"/>
+          </a:p>
+          <a:p>
+            <a:pPr marL="158750" indent="0">
+              <a:buNone/>
+            </a:pPr>
+            <a:r>
+              <a:rPr lang="en-US" altLang="zh-CN" b="1" dirty="0"/>
+              <a:t>Limitations:</a:t>
+            </a:r>
+          </a:p>
+          <a:p>
+            <a:pPr marL="457200" indent="-298450"/>
+            <a:r>
+              <a:rPr lang="en-US" altLang="zh-CN" dirty="0"/>
+              <a:t>A safety property is restricted to the form of LTSA property.</a:t>
+            </a:r>
+          </a:p>
+          <a:p>
+            <a:pPr marL="457200" indent="-298450"/>
+            <a:r>
+              <a:rPr lang="en-US" altLang="zh-CN" dirty="0"/>
+              <a:t>We consider deadlock-free to be the weakest form of liveness, i.e., the system should not be stuck at some step.</a:t>
+            </a:r>
+          </a:p>
+          <a:p>
+            <a:pPr marL="158750" indent="0">
+              <a:buNone/>
+            </a:pPr>
+            <a:endParaRPr lang="en-US" altLang="zh-CN" dirty="0"/>
+          </a:p>
+          <a:p>
+            <a:pPr marL="158750" indent="0">
+              <a:buNone/>
+            </a:pPr>
+            <a:r>
+              <a:rPr lang="en-US" altLang="zh-CN" b="1" dirty="0"/>
+              <a:t>I will use “correct” in this presentation</a:t>
+            </a:r>
+            <a:r>
+              <a:rPr lang="en-US" altLang="zh-CN" b="1" baseline="0" dirty="0"/>
+              <a:t> for simplicity, but it means the system should satisfy the given safety properties and be deadlock-free.</a:t>
+            </a:r>
+            <a:endParaRPr lang="en-US" altLang="zh-CN" b="1" dirty="0"/>
           </a:p>
         </p:txBody>
       </p:sp>
     </p:spTree>
     <p:extLst>
       <p:ext uri="{BB962C8B-B14F-4D97-AF65-F5344CB8AC3E}">
-        <p14:creationId xmlns:p14="http://schemas.microsoft.com/office/powerpoint/2010/main" val="3152369955"/>
+        <p14:creationId xmlns:p14="http://schemas.microsoft.com/office/powerpoint/2010/main" val="988333764"/>
       </p:ext>
     </p:extLst>
   </p:cSld>
@@ -1322,18 +1610,16 @@
           <a:lstStyle/>
           <a:p>
             <a:r>
-              <a:rPr lang="en-US" dirty="0"/>
-              <a:t>The definition of internal</a:t>
-            </a:r>
-            <a:r>
-              <a:rPr lang="en-US" baseline="0" dirty="0"/>
-              <a:t> gives us the flexibility that: we could analyze the system capability against a given component in the environment, and the internal events under a given component could be the interfaces under another environment.</a:t>
-            </a:r>
-          </a:p>
-          <a:p>
-            <a:r>
-              <a:rPr lang="en-US" baseline="0" dirty="0"/>
-              <a:t>(I didn’t investigate this, but could be a future research direction)</a:t>
+              <a:rPr lang="en-US" dirty="0" smtClean="0"/>
+              <a:t>!!!change</a:t>
+            </a:r>
+            <a:r>
+              <a:rPr lang="en-US" baseline="0" dirty="0" smtClean="0"/>
+              <a:t> perfect environment to baseline </a:t>
+            </a:r>
+            <a:r>
+              <a:rPr lang="en-US" baseline="0" dirty="0" err="1" smtClean="0"/>
+              <a:t>envrionment</a:t>
             </a:r>
             <a:endParaRPr lang="en-US" dirty="0"/>
           </a:p>
@@ -1342,7 +1628,7 @@
     </p:spTree>
     <p:extLst>
       <p:ext uri="{BB962C8B-B14F-4D97-AF65-F5344CB8AC3E}">
-        <p14:creationId xmlns:p14="http://schemas.microsoft.com/office/powerpoint/2010/main" val="1538742082"/>
+        <p14:creationId xmlns:p14="http://schemas.microsoft.com/office/powerpoint/2010/main" val="1614229158"/>
       </p:ext>
     </p:extLst>
   </p:cSld>
@@ -1401,68 +1687,32 @@
           <a:bodyPr/>
           <a:lstStyle/>
           <a:p>
-            <a:pPr marL="457200" marR="0" lvl="0" indent="-298450" algn="l" defTabSz="914400" rtl="0" eaLnBrk="1" fontAlgn="auto" latinLnBrk="0" hangingPunct="1">
-              <a:lnSpc>
-                <a:spcPct val="100000"/>
-              </a:lnSpc>
-              <a:spcBef>
-                <a:spcPts val="0"/>
-              </a:spcBef>
-              <a:spcAft>
-                <a:spcPts val="0"/>
-              </a:spcAft>
-              <a:buClr>
-                <a:srgbClr val="000000"/>
-              </a:buClr>
-              <a:buSzPts val="1100"/>
-              <a:buFont typeface="Arial"/>
-              <a:buChar char="●"/>
-              <a:tabLst/>
-              <a:defRPr/>
-            </a:pPr>
-            <a:r>
-              <a:rPr lang="en-US" altLang="zh-CN" dirty="0"/>
-              <a:t>&lt;send,</a:t>
-            </a:r>
-            <a:r>
-              <a:rPr lang="en-US" altLang="zh-CN" baseline="0" dirty="0"/>
-              <a:t> </a:t>
-            </a:r>
-            <a:r>
-              <a:rPr lang="en-US" altLang="zh-CN" baseline="0" dirty="0" err="1"/>
-              <a:t>getack</a:t>
-            </a:r>
-            <a:r>
-              <a:rPr lang="en-US" altLang="zh-CN" baseline="0" dirty="0"/>
-              <a:t>, send, </a:t>
-            </a:r>
-            <a:r>
-              <a:rPr lang="en-US" altLang="zh-CN" baseline="0" dirty="0" err="1"/>
-              <a:t>getack</a:t>
-            </a:r>
-            <a:r>
-              <a:rPr lang="en-US" altLang="zh-CN" baseline="0" dirty="0"/>
-              <a:t>, …</a:t>
-            </a:r>
-            <a:r>
-              <a:rPr lang="en-US" altLang="zh-CN" dirty="0"/>
-              <a:t>&gt; means that the environment</a:t>
-            </a:r>
-            <a:r>
-              <a:rPr lang="en-US" altLang="zh-CN" baseline="0" dirty="0"/>
-              <a:t> (channel) only accepts inputs without any output, which violates the property that input and output should alternate.</a:t>
-            </a:r>
-            <a:endParaRPr lang="en-US" altLang="zh-CN" dirty="0"/>
-          </a:p>
-          <a:p>
-            <a:endParaRPr lang="zh-CN" altLang="en-US" dirty="0"/>
+            <a:r>
+              <a:rPr lang="en-US" dirty="0"/>
+              <a:t>The last send will</a:t>
+            </a:r>
+            <a:r>
+              <a:rPr lang="en-US" baseline="0" dirty="0"/>
+              <a:t> cause deadlock, i.e., the system is waiting for a rec event, but the environment is waiting for a send event</a:t>
+            </a:r>
+            <a:r>
+              <a:rPr lang="en-US" baseline="0" dirty="0" smtClean="0"/>
+              <a:t>.</a:t>
+            </a:r>
+          </a:p>
+          <a:p>
+            <a:r>
+              <a:rPr lang="en-US" baseline="0" dirty="0" smtClean="0"/>
+              <a:t>!!! Show the difference between the baseline channel.</a:t>
+            </a:r>
+            <a:endParaRPr lang="en-US" dirty="0"/>
           </a:p>
         </p:txBody>
       </p:sp>
     </p:spTree>
     <p:extLst>
       <p:ext uri="{BB962C8B-B14F-4D97-AF65-F5344CB8AC3E}">
-        <p14:creationId xmlns:p14="http://schemas.microsoft.com/office/powerpoint/2010/main" val="1588598558"/>
+        <p14:creationId xmlns:p14="http://schemas.microsoft.com/office/powerpoint/2010/main" val="3152369955"/>
       </p:ext>
     </p:extLst>
   </p:cSld>
@@ -1521,35 +1771,22 @@
           <a:bodyPr/>
           <a:lstStyle/>
           <a:p>
-            <a:pPr marL="158750" indent="0">
-              <a:buNone/>
-            </a:pPr>
-            <a:r>
-              <a:rPr lang="en-US" altLang="zh-CN" dirty="0"/>
-              <a:t>The intuition is that:</a:t>
-            </a:r>
-          </a:p>
-          <a:p>
-            <a:pPr marL="457200" indent="-298450"/>
-            <a:r>
-              <a:rPr lang="en-US" altLang="zh-CN" dirty="0"/>
-              <a:t>A system is often designed to work under some environments, e.g., we assume that the environment should work exactly in the sequence of &lt;send, rec, ack, </a:t>
-            </a:r>
-            <a:r>
-              <a:rPr lang="en-US" altLang="zh-CN" dirty="0" err="1"/>
-              <a:t>getack</a:t>
-            </a:r>
-            <a:r>
-              <a:rPr lang="en-US" altLang="zh-CN" dirty="0"/>
-              <a:t>&gt;, otherwise, the system would deadlock or violate the safety property.</a:t>
-            </a:r>
+            <a:r>
+              <a:rPr lang="en-US" dirty="0" smtClean="0"/>
+              <a:t>For now,</a:t>
+            </a:r>
+            <a:r>
+              <a:rPr lang="en-US" baseline="0" dirty="0" smtClean="0"/>
+              <a:t> let’s ignore the concrete definition of the ‘-’ operator over state machines.</a:t>
+            </a:r>
+            <a:endParaRPr lang="en-US" dirty="0"/>
           </a:p>
         </p:txBody>
       </p:sp>
     </p:spTree>
     <p:extLst>
       <p:ext uri="{BB962C8B-B14F-4D97-AF65-F5344CB8AC3E}">
-        <p14:creationId xmlns:p14="http://schemas.microsoft.com/office/powerpoint/2010/main" val="3946360166"/>
+        <p14:creationId xmlns:p14="http://schemas.microsoft.com/office/powerpoint/2010/main" val="3701410757"/>
       </p:ext>
     </p:extLst>
   </p:cSld>
@@ -7608,6 +7845,213 @@
           <p:cNvPr id="2" name="Title 1">
             <a:extLst>
               <a:ext uri="{FF2B5EF4-FFF2-40B4-BE49-F238E27FC236}">
+                <a16:creationId xmlns:a16="http://schemas.microsoft.com/office/drawing/2014/main" id="{A630D276-EC86-4A4E-9B86-D9F01DD9F24E}"/>
+              </a:ext>
+            </a:extLst>
+          </p:cNvPr>
+          <p:cNvSpPr>
+            <a:spLocks noGrp="1"/>
+          </p:cNvSpPr>
+          <p:nvPr>
+            <p:ph type="title"/>
+          </p:nvPr>
+        </p:nvSpPr>
+        <p:spPr/>
+        <p:txBody>
+          <a:bodyPr/>
+          <a:lstStyle/>
+          <a:p>
+            <a:r>
+              <a:rPr lang="en-US" altLang="zh-CN" dirty="0"/>
+              <a:t>The perfect environment</a:t>
+            </a:r>
+            <a:endParaRPr lang="zh-CN" altLang="en-US" dirty="0"/>
+          </a:p>
+        </p:txBody>
+      </p:sp>
+      <p:sp>
+        <p:nvSpPr>
+          <p:cNvPr id="3" name="Text Placeholder 2">
+            <a:extLst>
+              <a:ext uri="{FF2B5EF4-FFF2-40B4-BE49-F238E27FC236}">
+                <a16:creationId xmlns:a16="http://schemas.microsoft.com/office/drawing/2014/main" id="{7B95873E-AD2E-4F70-9E2D-BD04BD98B4C4}"/>
+              </a:ext>
+            </a:extLst>
+          </p:cNvPr>
+          <p:cNvSpPr>
+            <a:spLocks noGrp="1"/>
+          </p:cNvSpPr>
+          <p:nvPr>
+            <p:ph type="body" idx="1"/>
+          </p:nvPr>
+        </p:nvSpPr>
+        <p:spPr/>
+        <p:txBody>
+          <a:bodyPr/>
+          <a:lstStyle/>
+          <a:p>
+            <a:r>
+              <a:rPr lang="en-US" altLang="zh-CN" sz="1600" dirty="0"/>
+              <a:t>The system combined with the channel satisfies the safety property and is deadlock-free, and</a:t>
+            </a:r>
+          </a:p>
+          <a:p>
+            <a:r>
+              <a:rPr lang="en-US" altLang="zh-CN" sz="1600" dirty="0"/>
+              <a:t>The channel is the perfect environment for the system to work with.</a:t>
+            </a:r>
+          </a:p>
+          <a:p>
+            <a:pPr marL="114300" indent="0">
+              <a:buNone/>
+            </a:pPr>
+            <a:endParaRPr lang="en-US" altLang="zh-CN" sz="1600" dirty="0"/>
+          </a:p>
+          <a:p>
+            <a:pPr marL="114300" indent="0">
+              <a:buNone/>
+            </a:pPr>
+            <a:endParaRPr lang="en-US" altLang="zh-CN" sz="1600" dirty="0"/>
+          </a:p>
+          <a:p>
+            <a:pPr marL="114300" indent="0">
+              <a:buNone/>
+            </a:pPr>
+            <a:endParaRPr lang="en-US" altLang="zh-CN" sz="1600" dirty="0"/>
+          </a:p>
+          <a:p>
+            <a:pPr marL="114300" indent="0">
+              <a:buNone/>
+            </a:pPr>
+            <a:endParaRPr lang="en-US" altLang="zh-CN" sz="1600" dirty="0"/>
+          </a:p>
+          <a:p>
+            <a:pPr marL="114300" indent="0">
+              <a:buNone/>
+            </a:pPr>
+            <a:r>
+              <a:rPr lang="en-US" altLang="zh-CN" sz="1600" b="1" dirty="0"/>
+              <a:t>Definition</a:t>
+            </a:r>
+            <a:r>
+              <a:rPr lang="en-US" altLang="zh-CN" sz="1600" dirty="0"/>
+              <a:t>: The </a:t>
+            </a:r>
+            <a:r>
+              <a:rPr lang="en-US" altLang="zh-CN" sz="1600" i="1" dirty="0"/>
+              <a:t>perfect environment </a:t>
+            </a:r>
+            <a:r>
+              <a:rPr lang="en-US" altLang="zh-CN" sz="1600" dirty="0"/>
+              <a:t>of a system is the environment that includes the least possible behavior and with which the system satisfies the safety property and is deadlock-free.</a:t>
+            </a:r>
+            <a:endParaRPr lang="zh-CN" altLang="en-US" sz="1600" i="1" dirty="0"/>
+          </a:p>
+        </p:txBody>
+      </p:sp>
+      <p:sp>
+        <p:nvSpPr>
+          <p:cNvPr id="4" name="Slide Number Placeholder 3">
+            <a:extLst>
+              <a:ext uri="{FF2B5EF4-FFF2-40B4-BE49-F238E27FC236}">
+                <a16:creationId xmlns:a16="http://schemas.microsoft.com/office/drawing/2014/main" id="{84F4DF14-BFEB-47EA-AAA0-B352FEF7D45B}"/>
+              </a:ext>
+            </a:extLst>
+          </p:cNvPr>
+          <p:cNvSpPr>
+            <a:spLocks noGrp="1"/>
+          </p:cNvSpPr>
+          <p:nvPr>
+            <p:ph type="sldNum" idx="12"/>
+          </p:nvPr>
+        </p:nvSpPr>
+        <p:spPr/>
+        <p:txBody>
+          <a:bodyPr/>
+          <a:lstStyle/>
+          <a:p>
+            <a:pPr marL="0" lvl="0" indent="0" algn="r" rtl="0">
+              <a:spcBef>
+                <a:spcPts val="0"/>
+              </a:spcBef>
+              <a:spcAft>
+                <a:spcPts val="0"/>
+              </a:spcAft>
+              <a:buNone/>
+            </a:pPr>
+            <a:fld id="{00000000-1234-1234-1234-123412341234}" type="slidenum">
+              <a:rPr lang="en" smtClean="0"/>
+              <a:t>10</a:t>
+            </a:fld>
+            <a:endParaRPr lang="en"/>
+          </a:p>
+        </p:txBody>
+      </p:sp>
+      <p:pic>
+        <p:nvPicPr>
+          <p:cNvPr id="5" name="Picture 4">
+            <a:extLst>
+              <a:ext uri="{FF2B5EF4-FFF2-40B4-BE49-F238E27FC236}">
+                <a16:creationId xmlns:a16="http://schemas.microsoft.com/office/drawing/2014/main" id="{81F42DC3-317C-4DCD-842F-F4A4061B8559}"/>
+              </a:ext>
+            </a:extLst>
+          </p:cNvPr>
+          <p:cNvPicPr>
+            <a:picLocks noChangeAspect="1"/>
+          </p:cNvPicPr>
+          <p:nvPr/>
+        </p:nvPicPr>
+        <p:blipFill>
+          <a:blip r:embed="rId3"/>
+          <a:stretch>
+            <a:fillRect/>
+          </a:stretch>
+        </p:blipFill>
+        <p:spPr>
+          <a:xfrm>
+            <a:off x="882064" y="2133827"/>
+            <a:ext cx="2314736" cy="875845"/>
+          </a:xfrm>
+          <a:prstGeom prst="rect">
+            <a:avLst/>
+          </a:prstGeom>
+        </p:spPr>
+      </p:pic>
+    </p:spTree>
+    <p:extLst>
+      <p:ext uri="{BB962C8B-B14F-4D97-AF65-F5344CB8AC3E}">
+        <p14:creationId xmlns:p14="http://schemas.microsoft.com/office/powerpoint/2010/main" val="1676429614"/>
+      </p:ext>
+    </p:extLst>
+  </p:cSld>
+  <p:clrMapOvr>
+    <a:masterClrMapping/>
+  </p:clrMapOvr>
+</p:sld>
+</file>
+
+<file path=ppt/slides/slide11.xml><?xml version="1.0" encoding="utf-8"?>
+<p:sld xmlns:a="http://schemas.openxmlformats.org/drawingml/2006/main" xmlns:r="http://schemas.openxmlformats.org/officeDocument/2006/relationships" xmlns:p="http://schemas.openxmlformats.org/presentationml/2006/main">
+  <p:cSld>
+    <p:spTree>
+      <p:nvGrpSpPr>
+        <p:cNvPr id="1" name=""/>
+        <p:cNvGrpSpPr/>
+        <p:nvPr/>
+      </p:nvGrpSpPr>
+      <p:grpSpPr>
+        <a:xfrm>
+          <a:off x="0" y="0"/>
+          <a:ext cx="0" cy="0"/>
+          <a:chOff x="0" y="0"/>
+          <a:chExt cx="0" cy="0"/>
+        </a:xfrm>
+      </p:grpSpPr>
+      <p:sp>
+        <p:nvSpPr>
+          <p:cNvPr id="2" name="Title 1">
+            <a:extLst>
+              <a:ext uri="{FF2B5EF4-FFF2-40B4-BE49-F238E27FC236}">
                 <a16:creationId xmlns:a16="http://schemas.microsoft.com/office/drawing/2014/main" id="{FED4BC74-3FEC-4F8C-90AF-A6224B4E4C56}"/>
               </a:ext>
             </a:extLst>
@@ -7664,7 +8108,7 @@
             </a:pPr>
             <a:fld id="{00000000-1234-1234-1234-123412341234}" type="slidenum">
               <a:rPr lang="en" smtClean="0"/>
-              <a:t>10</a:t>
+              <a:t>11</a:t>
             </a:fld>
             <a:endParaRPr lang="en"/>
           </a:p>
@@ -7859,7 +8303,7 @@
 </p:sld>
 </file>
 
-<file path=ppt/slides/slide11.xml><?xml version="1.0" encoding="utf-8"?>
+<file path=ppt/slides/slide12.xml><?xml version="1.0" encoding="utf-8"?>
 <p:sld xmlns:a="http://schemas.openxmlformats.org/drawingml/2006/main" xmlns:r="http://schemas.openxmlformats.org/officeDocument/2006/relationships" xmlns:p="http://schemas.openxmlformats.org/presentationml/2006/main">
   <p:cSld>
     <p:spTree>
@@ -7928,7 +8372,15 @@
           <a:p>
             <a:r>
               <a:rPr lang="en-US" altLang="zh-CN" sz="1600" dirty="0"/>
-              <a:t>Uncertainty is the alternative behavior over the perfect environment which may cause property violations.</a:t>
+              <a:t>Uncertainty is the </a:t>
+            </a:r>
+            <a:r>
+              <a:rPr lang="en-US" altLang="zh-CN" sz="1600" dirty="0" smtClean="0"/>
+              <a:t>additional behavior that is not in the baseline environment which </a:t>
+            </a:r>
+            <a:r>
+              <a:rPr lang="en-US" altLang="zh-CN" sz="1600" dirty="0"/>
+              <a:t>may cause property violations.</a:t>
             </a:r>
           </a:p>
           <a:p>
@@ -8010,7 +8462,7 @@
             </a:pPr>
             <a:fld id="{00000000-1234-1234-1234-123412341234}" type="slidenum">
               <a:rPr lang="en" smtClean="0"/>
-              <a:t>11</a:t>
+              <a:t>12</a:t>
             </a:fld>
             <a:endParaRPr lang="en"/>
           </a:p>
@@ -8437,7 +8889,7 @@
 </p:sld>
 </file>
 
-<file path=ppt/slides/slide12.xml><?xml version="1.0" encoding="utf-8"?>
+<file path=ppt/slides/slide13.xml><?xml version="1.0" encoding="utf-8"?>
 <p:sld xmlns:a="http://schemas.openxmlformats.org/drawingml/2006/main" xmlns:r="http://schemas.openxmlformats.org/officeDocument/2006/relationships" xmlns:p="http://schemas.openxmlformats.org/presentationml/2006/main">
   <p:cSld>
     <p:spTree>
@@ -8470,6 +8922,132 @@
           <a:lstStyle/>
           <a:p>
             <a:r>
+              <a:rPr lang="en-US" altLang="zh-CN" dirty="0"/>
+              <a:t>Representation of uncertainty</a:t>
+            </a:r>
+            <a:endParaRPr lang="en-US" dirty="0"/>
+          </a:p>
+        </p:txBody>
+      </p:sp>
+      <p:sp>
+        <p:nvSpPr>
+          <p:cNvPr id="4" name="Slide Number Placeholder 3"/>
+          <p:cNvSpPr>
+            <a:spLocks noGrp="1"/>
+          </p:cNvSpPr>
+          <p:nvPr>
+            <p:ph type="sldNum" idx="12"/>
+          </p:nvPr>
+        </p:nvSpPr>
+        <p:spPr/>
+        <p:txBody>
+          <a:bodyPr/>
+          <a:lstStyle/>
+          <a:p>
+            <a:pPr marL="0" lvl="0" indent="0" algn="r" rtl="0">
+              <a:spcBef>
+                <a:spcPts val="0"/>
+              </a:spcBef>
+              <a:spcAft>
+                <a:spcPts val="0"/>
+              </a:spcAft>
+              <a:buNone/>
+            </a:pPr>
+            <a:fld id="{00000000-1234-1234-1234-123412341234}" type="slidenum">
+              <a:rPr lang="en" smtClean="0"/>
+              <a:t>13</a:t>
+            </a:fld>
+            <a:endParaRPr lang="en"/>
+          </a:p>
+        </p:txBody>
+      </p:sp>
+      <p:pic>
+        <p:nvPicPr>
+          <p:cNvPr id="11" name="Picture 10"/>
+          <p:cNvPicPr>
+            <a:picLocks noChangeAspect="1"/>
+          </p:cNvPicPr>
+          <p:nvPr>
+            <p:custDataLst>
+              <p:tags r:id="rId1"/>
+            </p:custDataLst>
+          </p:nvPr>
+        </p:nvPicPr>
+        <p:blipFill>
+          <a:blip r:embed="rId4">
+            <a:extLst>
+              <a:ext uri="{28A0092B-C50C-407E-A947-70E740481C1C}">
+                <a14:useLocalDpi xmlns:a14="http://schemas.microsoft.com/office/drawing/2010/main" val="0"/>
+              </a:ext>
+            </a:extLst>
+          </a:blip>
+          <a:stretch>
+            <a:fillRect/>
+          </a:stretch>
+        </p:blipFill>
+        <p:spPr>
+          <a:xfrm>
+            <a:off x="425313" y="1458770"/>
+            <a:ext cx="8165966" cy="1970457"/>
+          </a:xfrm>
+          <a:prstGeom prst="rect">
+            <a:avLst/>
+          </a:prstGeom>
+        </p:spPr>
+      </p:pic>
+    </p:spTree>
+    <p:extLst>
+      <p:ext uri="{BB962C8B-B14F-4D97-AF65-F5344CB8AC3E}">
+        <p14:creationId xmlns:p14="http://schemas.microsoft.com/office/powerpoint/2010/main" val="1223467988"/>
+      </p:ext>
+    </p:extLst>
+  </p:cSld>
+  <p:clrMapOvr>
+    <a:masterClrMapping/>
+  </p:clrMapOvr>
+  <p:timing>
+    <p:tnLst>
+      <p:par>
+        <p:cTn id="1" dur="indefinite" restart="never" nodeType="tmRoot"/>
+      </p:par>
+    </p:tnLst>
+  </p:timing>
+</p:sld>
+</file>
+
+<file path=ppt/slides/slide14.xml><?xml version="1.0" encoding="utf-8"?>
+<p:sld xmlns:a="http://schemas.openxmlformats.org/drawingml/2006/main" xmlns:r="http://schemas.openxmlformats.org/officeDocument/2006/relationships" xmlns:p="http://schemas.openxmlformats.org/presentationml/2006/main">
+  <p:cSld>
+    <p:spTree>
+      <p:nvGrpSpPr>
+        <p:cNvPr id="1" name=""/>
+        <p:cNvGrpSpPr/>
+        <p:nvPr/>
+      </p:nvGrpSpPr>
+      <p:grpSpPr>
+        <a:xfrm>
+          <a:off x="0" y="0"/>
+          <a:ext cx="0" cy="0"/>
+          <a:chOff x="0" y="0"/>
+          <a:chExt cx="0" cy="0"/>
+        </a:xfrm>
+      </p:grpSpPr>
+      <p:sp>
+        <p:nvSpPr>
+          <p:cNvPr id="2" name="Title 1"/>
+          <p:cNvSpPr>
+            <a:spLocks noGrp="1"/>
+          </p:cNvSpPr>
+          <p:nvPr>
+            <p:ph type="title"/>
+          </p:nvPr>
+        </p:nvSpPr>
+        <p:spPr/>
+        <p:txBody>
+          <a:bodyPr/>
+          <a:lstStyle/>
+          <a:p>
+            <a:r>
               <a:rPr lang="en-US" dirty="0"/>
               <a:t>Representation of system capability</a:t>
             </a:r>
@@ -8493,8 +9071,17 @@
           <a:p>
             <a:r>
               <a:rPr lang="en-US" sz="1600" dirty="0"/>
-              <a:t>The capability of a system can be represented as all its traces.</a:t>
-            </a:r>
+              <a:t>The capability of a system can be represented as all </a:t>
+            </a:r>
+            <a:r>
+              <a:rPr lang="en-US" sz="1600" dirty="0" smtClean="0"/>
+              <a:t>the</a:t>
+            </a:r>
+            <a:r>
+              <a:rPr lang="en-US" sz="1600" dirty="0" smtClean="0"/>
+              <a:t> traces of the LTS.</a:t>
+            </a:r>
+            <a:endParaRPr lang="en-US" sz="1600" dirty="0"/>
           </a:p>
           <a:p>
             <a:r>
@@ -8536,7 +9123,7 @@
             </a:pPr>
             <a:fld id="{00000000-1234-1234-1234-123412341234}" type="slidenum">
               <a:rPr lang="en" smtClean="0"/>
-              <a:t>12</a:t>
+              <a:t>14</a:t>
             </a:fld>
             <a:endParaRPr lang="en"/>
           </a:p>
@@ -8609,42 +9196,6 @@
           <a:p>
             <a:pPr algn="ctr"/>
             <a:endParaRPr lang="zh-CN" altLang="en-US"/>
-          </a:p>
-        </p:txBody>
-      </p:sp>
-      <p:sp>
-        <p:nvSpPr>
-          <p:cNvPr id="7" name="TextBox 6">
-            <a:extLst>
-              <a:ext uri="{FF2B5EF4-FFF2-40B4-BE49-F238E27FC236}">
-                <a16:creationId xmlns:a16="http://schemas.microsoft.com/office/drawing/2014/main" id="{A1C6BCB3-7C6F-4EF4-AE3F-BFB83C285B0F}"/>
-              </a:ext>
-            </a:extLst>
-          </p:cNvPr>
-          <p:cNvSpPr txBox="1"/>
-          <p:nvPr/>
-        </p:nvSpPr>
-        <p:spPr>
-          <a:xfrm>
-            <a:off x="4394958" y="3064723"/>
-            <a:ext cx="1120820" cy="276999"/>
-          </a:xfrm>
-          <a:prstGeom prst="rect">
-            <a:avLst/>
-          </a:prstGeom>
-          <a:noFill/>
-        </p:spPr>
-        <p:txBody>
-          <a:bodyPr wrap="none" rtlCol="0">
-            <a:spAutoFit/>
-          </a:bodyPr>
-          <a:lstStyle/>
-          <a:p>
-            <a:r>
-              <a:rPr lang="en-US" altLang="zh-CN" sz="1200" dirty="0"/>
-              <a:t>Hide internals</a:t>
-            </a:r>
-            <a:endParaRPr lang="zh-CN" altLang="en-US" sz="1200" dirty="0"/>
           </a:p>
         </p:txBody>
       </p:sp>
@@ -8685,7 +9236,7 @@
 </p:sld>
 </file>
 
-<file path=ppt/slides/slide13.xml><?xml version="1.0" encoding="utf-8"?>
+<file path=ppt/slides/slide15.xml><?xml version="1.0" encoding="utf-8"?>
 <p:sld xmlns:a="http://schemas.openxmlformats.org/drawingml/2006/main" xmlns:r="http://schemas.openxmlformats.org/officeDocument/2006/relationships" xmlns:p="http://schemas.openxmlformats.org/presentationml/2006/main">
   <p:cSld>
     <p:spTree>
@@ -8741,8 +9292,21 @@
           <a:p>
             <a:r>
               <a:rPr lang="en-US" dirty="0"/>
-              <a:t>The projected capability describes all the possible traces of the environment that the system can work with.</a:t>
-            </a:r>
+              <a:t>The projected </a:t>
+            </a:r>
+            <a:r>
+              <a:rPr lang="en-US" dirty="0" smtClean="0"/>
+              <a:t>model </a:t>
+            </a:r>
+            <a:r>
+              <a:rPr lang="en-US" dirty="0"/>
+              <a:t>describes all the possible traces of the environment that the system can work </a:t>
+            </a:r>
+            <a:r>
+              <a:rPr lang="en-US" dirty="0" smtClean="0"/>
+              <a:t>with (i.e., deadlock-free).</a:t>
+            </a:r>
+            <a:endParaRPr lang="en-US" dirty="0"/>
           </a:p>
           <a:p>
             <a:r>
@@ -8803,7 +9367,7 @@
             </a:pPr>
             <a:fld id="{00000000-1234-1234-1234-123412341234}" type="slidenum">
               <a:rPr lang="en" smtClean="0"/>
-              <a:t>13</a:t>
+              <a:t>15</a:t>
             </a:fld>
             <a:endParaRPr lang="en"/>
           </a:p>
@@ -8846,7 +9410,7 @@
 </p:sld>
 </file>
 
-<file path=ppt/slides/slide14.xml><?xml version="1.0" encoding="utf-8"?>
+<file path=ppt/slides/slide16.xml><?xml version="1.0" encoding="utf-8"?>
 <p:sld xmlns:a="http://schemas.openxmlformats.org/drawingml/2006/main" xmlns:r="http://schemas.openxmlformats.org/officeDocument/2006/relationships" xmlns:p="http://schemas.openxmlformats.org/presentationml/2006/main">
   <p:cSld>
     <p:spTree>
@@ -8973,7 +9537,7 @@
             </a:pPr>
             <a:fld id="{00000000-1234-1234-1234-123412341234}" type="slidenum">
               <a:rPr lang="en" smtClean="0"/>
-              <a:t>14</a:t>
+              <a:t>16</a:t>
             </a:fld>
             <a:endParaRPr lang="en"/>
           </a:p>
@@ -9022,7 +9586,7 @@
 </p:sld>
 </file>
 
-<file path=ppt/slides/slide15.xml><?xml version="1.0" encoding="utf-8"?>
+<file path=ppt/slides/slide17.xml><?xml version="1.0" encoding="utf-8"?>
 <p:sld xmlns:a="http://schemas.openxmlformats.org/drawingml/2006/main" xmlns:r="http://schemas.openxmlformats.org/officeDocument/2006/relationships" xmlns:p="http://schemas.openxmlformats.org/presentationml/2006/main">
   <p:cSld>
     <p:spTree>
@@ -9055,8 +9619,20 @@
           <a:lstStyle/>
           <a:p>
             <a:r>
+              <a:rPr lang="en-US" dirty="0" smtClean="0"/>
+              <a:t>Stronger </a:t>
+            </a:r>
+            <a:r>
               <a:rPr lang="en-US" dirty="0"/>
-              <a:t>Strong and Weak assumption</a:t>
+              <a:t>and </a:t>
+            </a:r>
+            <a:r>
+              <a:rPr lang="en-US" dirty="0" smtClean="0"/>
+              <a:t>Weaker </a:t>
+            </a:r>
+            <a:r>
+              <a:rPr lang="en-US" dirty="0"/>
+              <a:t>assumption</a:t>
             </a:r>
           </a:p>
         </p:txBody>
@@ -9130,7 +9706,7 @@
             </a:pPr>
             <a:fld id="{00000000-1234-1234-1234-123412341234}" type="slidenum">
               <a:rPr lang="en" smtClean="0"/>
-              <a:t>15</a:t>
+              <a:t>17</a:t>
             </a:fld>
             <a:endParaRPr lang="en"/>
           </a:p>
@@ -9209,7 +9785,7 @@
 </p:sld>
 </file>
 
-<file path=ppt/slides/slide16.xml><?xml version="1.0" encoding="utf-8"?>
+<file path=ppt/slides/slide18.xml><?xml version="1.0" encoding="utf-8"?>
 <p:sld xmlns:a="http://schemas.openxmlformats.org/drawingml/2006/main" xmlns:r="http://schemas.openxmlformats.org/officeDocument/2006/relationships" xmlns:p="http://schemas.openxmlformats.org/presentationml/2006/main">
   <p:cSld>
     <p:spTree>
@@ -9231,7 +9807,7 @@
           <p:cNvPr id="2" name="Title 1">
             <a:extLst>
               <a:ext uri="{FF2B5EF4-FFF2-40B4-BE49-F238E27FC236}">
-                <a16:creationId xmlns:a16="http://schemas.microsoft.com/office/drawing/2014/main" id="{39E42BF1-8A1B-41B5-BC9C-6F5E002567D7}"/>
+                <a16:creationId xmlns:a16="http://schemas.microsoft.com/office/drawing/2014/main" id="{C0F9B937-2823-4AEA-B237-A98FA01A85B4}"/>
               </a:ext>
             </a:extLst>
           </p:cNvPr>
@@ -9249,54 +9825,7 @@
           <a:p>
             <a:r>
               <a:rPr lang="en-US" altLang="zh-CN" dirty="0"/>
-              <a:t>Checkpoint</a:t>
-            </a:r>
-            <a:endParaRPr lang="zh-CN" altLang="en-US" dirty="0"/>
-          </a:p>
-        </p:txBody>
-      </p:sp>
-      <p:sp>
-        <p:nvSpPr>
-          <p:cNvPr id="3" name="Text Placeholder 2">
-            <a:extLst>
-              <a:ext uri="{FF2B5EF4-FFF2-40B4-BE49-F238E27FC236}">
-                <a16:creationId xmlns:a16="http://schemas.microsoft.com/office/drawing/2014/main" id="{3D2E007E-4C5E-4FF5-8DD9-FEBC3C0A1456}"/>
-              </a:ext>
-            </a:extLst>
-          </p:cNvPr>
-          <p:cNvSpPr>
-            <a:spLocks noGrp="1"/>
-          </p:cNvSpPr>
-          <p:nvPr>
-            <p:ph type="body" idx="1"/>
-          </p:nvPr>
-        </p:nvSpPr>
-        <p:spPr/>
-        <p:txBody>
-          <a:bodyPr/>
-          <a:lstStyle/>
-          <a:p>
-            <a:r>
-              <a:rPr lang="en-US" altLang="zh-CN" dirty="0"/>
-              <a:t>A system functions “correctly” in an environment when the given safety property is satisfied and it is deadlock-free.</a:t>
-            </a:r>
-          </a:p>
-          <a:p>
-            <a:r>
-              <a:rPr lang="en-US" altLang="zh-CN" dirty="0"/>
-              <a:t>Uncertainties are traces in the projected environment model, which lead to property violations.</a:t>
-            </a:r>
-          </a:p>
-          <a:p>
-            <a:r>
-              <a:rPr lang="en-US" altLang="zh-CN" dirty="0"/>
-              <a:t>System capability includes all the traces in the projected system model.</a:t>
-            </a:r>
-          </a:p>
-          <a:p>
-            <a:r>
-              <a:rPr lang="en-US" altLang="zh-CN" dirty="0"/>
-              <a:t>System assumption is a subset of traces</a:t>
+              <a:t>Capability to handle uncertainty</a:t>
             </a:r>
             <a:endParaRPr lang="zh-CN" altLang="en-US" dirty="0"/>
           </a:p>
@@ -9307,7 +9836,7 @@
           <p:cNvPr id="4" name="Slide Number Placeholder 3">
             <a:extLst>
               <a:ext uri="{FF2B5EF4-FFF2-40B4-BE49-F238E27FC236}">
-                <a16:creationId xmlns:a16="http://schemas.microsoft.com/office/drawing/2014/main" id="{6CA286C0-ED70-47AE-9DCD-584BB170CFFE}"/>
+                <a16:creationId xmlns:a16="http://schemas.microsoft.com/office/drawing/2014/main" id="{097C9D5D-7B18-4EEB-9DFE-106FFD7D497F}"/>
               </a:ext>
             </a:extLst>
           </p:cNvPr>
@@ -9334,26 +9863,67 @@
             </a:pPr>
             <a:fld id="{00000000-1234-1234-1234-123412341234}" type="slidenum">
               <a:rPr lang="en" smtClean="0"/>
-              <a:t>16</a:t>
+              <a:t>18</a:t>
             </a:fld>
             <a:endParaRPr lang="en"/>
           </a:p>
         </p:txBody>
       </p:sp>
+      <p:pic>
+        <p:nvPicPr>
+          <p:cNvPr id="5" name="Picture 4"/>
+          <p:cNvPicPr>
+            <a:picLocks noChangeAspect="1"/>
+          </p:cNvPicPr>
+          <p:nvPr>
+            <p:custDataLst>
+              <p:tags r:id="rId1"/>
+            </p:custDataLst>
+          </p:nvPr>
+        </p:nvPicPr>
+        <p:blipFill>
+          <a:blip r:embed="rId4">
+            <a:extLst>
+              <a:ext uri="{28A0092B-C50C-407E-A947-70E740481C1C}">
+                <a14:useLocalDpi xmlns:a14="http://schemas.microsoft.com/office/drawing/2010/main" val="0"/>
+              </a:ext>
+            </a:extLst>
+          </a:blip>
+          <a:stretch>
+            <a:fillRect/>
+          </a:stretch>
+        </p:blipFill>
+        <p:spPr>
+          <a:xfrm>
+            <a:off x="552801" y="1467200"/>
+            <a:ext cx="7919657" cy="2212468"/>
+          </a:xfrm>
+          <a:prstGeom prst="rect">
+            <a:avLst/>
+          </a:prstGeom>
+        </p:spPr>
+      </p:pic>
     </p:spTree>
     <p:extLst>
       <p:ext uri="{BB962C8B-B14F-4D97-AF65-F5344CB8AC3E}">
-        <p14:creationId xmlns:p14="http://schemas.microsoft.com/office/powerpoint/2010/main" val="3935891712"/>
+        <p14:creationId xmlns:p14="http://schemas.microsoft.com/office/powerpoint/2010/main" val="2535727170"/>
       </p:ext>
     </p:extLst>
   </p:cSld>
   <p:clrMapOvr>
     <a:masterClrMapping/>
   </p:clrMapOvr>
+  <p:timing>
+    <p:tnLst>
+      <p:par>
+        <p:cTn id="1" dur="indefinite" restart="never" nodeType="tmRoot"/>
+      </p:par>
+    </p:tnLst>
+  </p:timing>
 </p:sld>
 </file>
 
-<file path=ppt/slides/slide17.xml><?xml version="1.0" encoding="utf-8"?>
+<file path=ppt/slides/slide19.xml><?xml version="1.0" encoding="utf-8"?>
 <p:sld xmlns:a="http://schemas.openxmlformats.org/drawingml/2006/main" xmlns:r="http://schemas.openxmlformats.org/officeDocument/2006/relationships" xmlns:p="http://schemas.openxmlformats.org/presentationml/2006/main">
   <p:cSld>
     <p:spTree>
@@ -9372,13 +9942,7 @@
       </p:grpSpPr>
       <p:sp>
         <p:nvSpPr>
-          <p:cNvPr id="2" name="Title 1">
-            <a:extLst>
-              <a:ext uri="{FF2B5EF4-FFF2-40B4-BE49-F238E27FC236}">
-                <a16:creationId xmlns:a16="http://schemas.microsoft.com/office/drawing/2014/main" id="{C0F9B937-2823-4AEA-B237-A98FA01A85B4}"/>
-              </a:ext>
-            </a:extLst>
-          </p:cNvPr>
+          <p:cNvPr id="2" name="Title 1"/>
           <p:cNvSpPr>
             <a:spLocks noGrp="1"/>
           </p:cNvSpPr>
@@ -9392,22 +9956,53 @@
           <a:lstStyle/>
           <a:p>
             <a:r>
-              <a:rPr lang="en-US" altLang="zh-CN" dirty="0"/>
-              <a:t>Capability to handle uncertainty</a:t>
-            </a:r>
-            <a:endParaRPr lang="zh-CN" altLang="en-US" dirty="0"/>
+              <a:rPr lang="en-US" dirty="0" smtClean="0"/>
+              <a:t>Application</a:t>
+            </a:r>
+            <a:endParaRPr lang="en-US" dirty="0"/>
           </a:p>
         </p:txBody>
       </p:sp>
       <p:sp>
         <p:nvSpPr>
-          <p:cNvPr id="4" name="Slide Number Placeholder 3">
-            <a:extLst>
-              <a:ext uri="{FF2B5EF4-FFF2-40B4-BE49-F238E27FC236}">
-                <a16:creationId xmlns:a16="http://schemas.microsoft.com/office/drawing/2014/main" id="{097C9D5D-7B18-4EEB-9DFE-106FFD7D497F}"/>
-              </a:ext>
-            </a:extLst>
-          </p:cNvPr>
+          <p:cNvPr id="3" name="Text Placeholder 2"/>
+          <p:cNvSpPr>
+            <a:spLocks noGrp="1"/>
+          </p:cNvSpPr>
+          <p:nvPr>
+            <p:ph type="body" idx="1"/>
+          </p:nvPr>
+        </p:nvSpPr>
+        <p:spPr/>
+        <p:txBody>
+          <a:bodyPr/>
+          <a:lstStyle/>
+          <a:p>
+            <a:r>
+              <a:rPr lang="en-US" dirty="0" smtClean="0"/>
+              <a:t>Security protocol and attacker model</a:t>
+            </a:r>
+          </a:p>
+          <a:p>
+            <a:r>
+              <a:rPr lang="en-US" dirty="0" smtClean="0"/>
+              <a:t>Human machine interface model and human behavior model</a:t>
+            </a:r>
+          </a:p>
+          <a:p>
+            <a:r>
+              <a:rPr lang="en-US" dirty="0" smtClean="0"/>
+              <a:t>Distributed protocol and fault model</a:t>
+            </a:r>
+          </a:p>
+          <a:p>
+            <a:endParaRPr lang="en-US" dirty="0"/>
+          </a:p>
+        </p:txBody>
+      </p:sp>
+      <p:sp>
+        <p:nvSpPr>
+          <p:cNvPr id="4" name="Slide Number Placeholder 3"/>
           <p:cNvSpPr>
             <a:spLocks noGrp="1"/>
           </p:cNvSpPr>
@@ -9431,138 +10026,16 @@
             </a:pPr>
             <a:fld id="{00000000-1234-1234-1234-123412341234}" type="slidenum">
               <a:rPr lang="en" smtClean="0"/>
-              <a:t>17</a:t>
+              <a:t>19</a:t>
             </a:fld>
             <a:endParaRPr lang="en"/>
-          </a:p>
-        </p:txBody>
-      </p:sp>
-      <p:pic>
-        <p:nvPicPr>
-          <p:cNvPr id="8" name="Picture 7">
-            <a:extLst>
-              <a:ext uri="{FF2B5EF4-FFF2-40B4-BE49-F238E27FC236}">
-                <a16:creationId xmlns:a16="http://schemas.microsoft.com/office/drawing/2014/main" id="{7FE13FA7-AA15-4D0D-9A25-2FEB76CF4DAE}"/>
-              </a:ext>
-            </a:extLst>
-          </p:cNvPr>
-          <p:cNvPicPr>
-            <a:picLocks noChangeAspect="1"/>
-          </p:cNvPicPr>
-          <p:nvPr>
-            <p:custDataLst>
-              <p:tags r:id="rId1"/>
-            </p:custDataLst>
-          </p:nvPr>
-        </p:nvPicPr>
-        <p:blipFill>
-          <a:blip r:embed="rId4"/>
-          <a:stretch>
-            <a:fillRect/>
-          </a:stretch>
-        </p:blipFill>
-        <p:spPr>
-          <a:xfrm>
-            <a:off x="552801" y="1467200"/>
-            <a:ext cx="7494854" cy="1867890"/>
-          </a:xfrm>
-          <a:prstGeom prst="rect">
-            <a:avLst/>
-          </a:prstGeom>
-        </p:spPr>
-      </p:pic>
-      <p:sp>
-        <p:nvSpPr>
-          <p:cNvPr id="11" name="Speech Bubble: Oval 10">
-            <a:extLst>
-              <a:ext uri="{FF2B5EF4-FFF2-40B4-BE49-F238E27FC236}">
-                <a16:creationId xmlns:a16="http://schemas.microsoft.com/office/drawing/2014/main" id="{8F4E7BA4-F9BA-4C34-BC1A-3E7F8F9F3526}"/>
-              </a:ext>
-            </a:extLst>
-          </p:cNvPr>
-          <p:cNvSpPr/>
-          <p:nvPr/>
-        </p:nvSpPr>
-        <p:spPr>
-          <a:xfrm>
-            <a:off x="3515255" y="2571750"/>
-            <a:ext cx="4383145" cy="1867890"/>
-          </a:xfrm>
-          <a:prstGeom prst="wedgeEllipseCallout">
-            <a:avLst>
-              <a:gd name="adj1" fmla="val -59435"/>
-              <a:gd name="adj2" fmla="val -48349"/>
-            </a:avLst>
-          </a:prstGeom>
-        </p:spPr>
-        <p:style>
-          <a:lnRef idx="2">
-            <a:schemeClr val="accent1">
-              <a:shade val="50000"/>
-            </a:schemeClr>
-          </a:lnRef>
-          <a:fillRef idx="1">
-            <a:schemeClr val="accent1"/>
-          </a:fillRef>
-          <a:effectRef idx="0">
-            <a:schemeClr val="accent1"/>
-          </a:effectRef>
-          <a:fontRef idx="minor">
-            <a:schemeClr val="lt1"/>
-          </a:fontRef>
-        </p:style>
-        <p:txBody>
-          <a:bodyPr rtlCol="0" anchor="ctr"/>
-          <a:lstStyle/>
-          <a:p>
-            <a:pPr algn="ctr"/>
-            <a:r>
-              <a:rPr lang="en-US" altLang="zh-CN" b="1" dirty="0"/>
-              <a:t>Stronger</a:t>
-            </a:r>
-            <a:r>
-              <a:rPr lang="en-US" altLang="zh-CN" dirty="0"/>
-              <a:t> assumption =&gt; </a:t>
-            </a:r>
-            <a:r>
-              <a:rPr lang="en-US" altLang="zh-CN" b="1" dirty="0"/>
-              <a:t>Less</a:t>
-            </a:r>
-            <a:r>
-              <a:rPr lang="en-US" altLang="zh-CN" dirty="0"/>
-              <a:t> allowed behavior of the environment;</a:t>
-            </a:r>
-          </a:p>
-          <a:p>
-            <a:pPr algn="ctr"/>
-            <a:endParaRPr lang="en-US" altLang="zh-CN" dirty="0"/>
-          </a:p>
-          <a:p>
-            <a:pPr algn="ctr"/>
-            <a:r>
-              <a:rPr lang="en-US" altLang="zh-CN" b="1" dirty="0"/>
-              <a:t>Weaker</a:t>
-            </a:r>
-            <a:r>
-              <a:rPr lang="en-US" altLang="zh-CN" dirty="0"/>
-              <a:t> assumption =&gt; </a:t>
-            </a:r>
-            <a:r>
-              <a:rPr lang="en-US" altLang="zh-CN" b="1" dirty="0"/>
-              <a:t>More</a:t>
-            </a:r>
-            <a:r>
-              <a:rPr lang="en-US" altLang="zh-CN" dirty="0"/>
-              <a:t> allowed behavior of the environment</a:t>
-            </a:r>
-            <a:endParaRPr lang="zh-CN" altLang="en-US" dirty="0"/>
           </a:p>
         </p:txBody>
       </p:sp>
     </p:spTree>
     <p:extLst>
       <p:ext uri="{BB962C8B-B14F-4D97-AF65-F5344CB8AC3E}">
-        <p14:creationId xmlns:p14="http://schemas.microsoft.com/office/powerpoint/2010/main" val="2535727170"/>
+        <p14:creationId xmlns:p14="http://schemas.microsoft.com/office/powerpoint/2010/main" val="2579216949"/>
       </p:ext>
     </p:extLst>
   </p:cSld>
@@ -9697,6 +10170,14 @@
   <p:clrMapOvr>
     <a:masterClrMapping/>
   </p:clrMapOvr>
+  <mc:AlternateContent xmlns:mc="http://schemas.openxmlformats.org/markup-compatibility/2006">
+    <mc:Choice xmlns:p14="http://schemas.microsoft.com/office/powerpoint/2010/main" Requires="p14">
+      <p:transition spd="slow" p14:dur="2000"/>
+    </mc:Choice>
+    <mc:Fallback>
+      <p:transition spd="slow"/>
+    </mc:Fallback>
+  </mc:AlternateContent>
 </p:sld>
 </file>
 
@@ -9854,9 +10335,17 @@
               </a:spcAft>
               <a:buNone/>
             </a:pPr>
+            <a:r>
+              <a:rPr lang="en" dirty="0"/>
+              <a:t/>
+            </a:r>
             <a:br>
               <a:rPr lang="en" dirty="0"/>
             </a:br>
+            <a:r>
+              <a:rPr lang="en" dirty="0"/>
+              <a:t/>
+            </a:r>
             <a:br>
               <a:rPr lang="en" dirty="0"/>
             </a:br>
@@ -10090,9 +10579,16 @@
               <a:t>stochastic disturbances</a:t>
             </a:r>
             <a:r>
-              <a:rPr lang="en-US" altLang="zh-CN" dirty="0"/>
+              <a:rPr lang="en-US" altLang="zh-CN" dirty="0" smtClean="0"/>
               <a:t>.</a:t>
             </a:r>
+          </a:p>
+          <a:p>
+            <a:r>
+              <a:rPr lang="en-US" altLang="zh-CN" dirty="0" smtClean="0"/>
+              <a:t>In distributed system</a:t>
+            </a:r>
+            <a:endParaRPr lang="en-US" altLang="zh-CN" dirty="0"/>
           </a:p>
           <a:p>
             <a:r>
@@ -10764,6 +11260,110 @@
       </p:grpSpPr>
       <p:sp>
         <p:nvSpPr>
+          <p:cNvPr id="2" name="Title 1"/>
+          <p:cNvSpPr>
+            <a:spLocks noGrp="1"/>
+          </p:cNvSpPr>
+          <p:nvPr>
+            <p:ph type="title"/>
+          </p:nvPr>
+        </p:nvSpPr>
+        <p:spPr/>
+        <p:txBody>
+          <a:bodyPr/>
+          <a:lstStyle/>
+          <a:p>
+            <a:r>
+              <a:rPr lang="en-US" dirty="0" smtClean="0"/>
+              <a:t>Research problem</a:t>
+            </a:r>
+            <a:endParaRPr lang="en-US" dirty="0"/>
+          </a:p>
+        </p:txBody>
+      </p:sp>
+      <p:sp>
+        <p:nvSpPr>
+          <p:cNvPr id="3" name="Text Placeholder 2"/>
+          <p:cNvSpPr>
+            <a:spLocks noGrp="1"/>
+          </p:cNvSpPr>
+          <p:nvPr>
+            <p:ph type="body" idx="1"/>
+          </p:nvPr>
+        </p:nvSpPr>
+        <p:spPr/>
+        <p:txBody>
+          <a:bodyPr/>
+          <a:lstStyle/>
+          <a:p>
+            <a:endParaRPr lang="en-US"/>
+          </a:p>
+        </p:txBody>
+      </p:sp>
+      <p:sp>
+        <p:nvSpPr>
+          <p:cNvPr id="4" name="Slide Number Placeholder 3"/>
+          <p:cNvSpPr>
+            <a:spLocks noGrp="1"/>
+          </p:cNvSpPr>
+          <p:nvPr>
+            <p:ph type="sldNum" idx="12"/>
+          </p:nvPr>
+        </p:nvSpPr>
+        <p:spPr/>
+        <p:txBody>
+          <a:bodyPr/>
+          <a:lstStyle/>
+          <a:p>
+            <a:pPr marL="0" lvl="0" indent="0" algn="r" rtl="0">
+              <a:spcBef>
+                <a:spcPts val="0"/>
+              </a:spcBef>
+              <a:spcAft>
+                <a:spcPts val="0"/>
+              </a:spcAft>
+              <a:buNone/>
+            </a:pPr>
+            <a:fld id="{00000000-1234-1234-1234-123412341234}" type="slidenum">
+              <a:rPr lang="en" smtClean="0"/>
+              <a:t>8</a:t>
+            </a:fld>
+            <a:endParaRPr lang="en"/>
+          </a:p>
+        </p:txBody>
+      </p:sp>
+    </p:spTree>
+    <p:extLst>
+      <p:ext uri="{BB962C8B-B14F-4D97-AF65-F5344CB8AC3E}">
+        <p14:creationId xmlns:p14="http://schemas.microsoft.com/office/powerpoint/2010/main" val="3550090811"/>
+      </p:ext>
+    </p:extLst>
+  </p:cSld>
+  <p:clrMapOvr>
+    <a:masterClrMapping/>
+  </p:clrMapOvr>
+</p:sld>
+</file>
+
+<file path=ppt/slides/slide9.xml><?xml version="1.0" encoding="utf-8"?>
+<p:sld xmlns:a="http://schemas.openxmlformats.org/drawingml/2006/main" xmlns:r="http://schemas.openxmlformats.org/officeDocument/2006/relationships" xmlns:p="http://schemas.openxmlformats.org/presentationml/2006/main">
+  <p:cSld>
+    <p:spTree>
+      <p:nvGrpSpPr>
+        <p:cNvPr id="1" name=""/>
+        <p:cNvGrpSpPr/>
+        <p:nvPr/>
+      </p:nvGrpSpPr>
+      <p:grpSpPr>
+        <a:xfrm>
+          <a:off x="0" y="0"/>
+          <a:ext cx="0" cy="0"/>
+          <a:chOff x="0" y="0"/>
+          <a:chExt cx="0" cy="0"/>
+        </a:xfrm>
+      </p:grpSpPr>
+      <p:sp>
+        <p:nvSpPr>
           <p:cNvPr id="2" name="Title 1">
             <a:extLst>
               <a:ext uri="{FF2B5EF4-FFF2-40B4-BE49-F238E27FC236}">
@@ -10893,7 +11493,7 @@
             </a:pPr>
             <a:fld id="{00000000-1234-1234-1234-123412341234}" type="slidenum">
               <a:rPr lang="en" smtClean="0"/>
-              <a:t>8</a:t>
+              <a:t>9</a:t>
             </a:fld>
             <a:endParaRPr lang="en"/>
           </a:p>
@@ -10936,213 +11536,6 @@
 </p:sld>
 </file>
 
-<file path=ppt/slides/slide9.xml><?xml version="1.0" encoding="utf-8"?>
-<p:sld xmlns:a="http://schemas.openxmlformats.org/drawingml/2006/main" xmlns:r="http://schemas.openxmlformats.org/officeDocument/2006/relationships" xmlns:p="http://schemas.openxmlformats.org/presentationml/2006/main">
-  <p:cSld>
-    <p:spTree>
-      <p:nvGrpSpPr>
-        <p:cNvPr id="1" name=""/>
-        <p:cNvGrpSpPr/>
-        <p:nvPr/>
-      </p:nvGrpSpPr>
-      <p:grpSpPr>
-        <a:xfrm>
-          <a:off x="0" y="0"/>
-          <a:ext cx="0" cy="0"/>
-          <a:chOff x="0" y="0"/>
-          <a:chExt cx="0" cy="0"/>
-        </a:xfrm>
-      </p:grpSpPr>
-      <p:sp>
-        <p:nvSpPr>
-          <p:cNvPr id="2" name="Title 1">
-            <a:extLst>
-              <a:ext uri="{FF2B5EF4-FFF2-40B4-BE49-F238E27FC236}">
-                <a16:creationId xmlns:a16="http://schemas.microsoft.com/office/drawing/2014/main" id="{A630D276-EC86-4A4E-9B86-D9F01DD9F24E}"/>
-              </a:ext>
-            </a:extLst>
-          </p:cNvPr>
-          <p:cNvSpPr>
-            <a:spLocks noGrp="1"/>
-          </p:cNvSpPr>
-          <p:nvPr>
-            <p:ph type="title"/>
-          </p:nvPr>
-        </p:nvSpPr>
-        <p:spPr/>
-        <p:txBody>
-          <a:bodyPr/>
-          <a:lstStyle/>
-          <a:p>
-            <a:r>
-              <a:rPr lang="en-US" altLang="zh-CN" dirty="0"/>
-              <a:t>The perfect environment</a:t>
-            </a:r>
-            <a:endParaRPr lang="zh-CN" altLang="en-US" dirty="0"/>
-          </a:p>
-        </p:txBody>
-      </p:sp>
-      <p:sp>
-        <p:nvSpPr>
-          <p:cNvPr id="3" name="Text Placeholder 2">
-            <a:extLst>
-              <a:ext uri="{FF2B5EF4-FFF2-40B4-BE49-F238E27FC236}">
-                <a16:creationId xmlns:a16="http://schemas.microsoft.com/office/drawing/2014/main" id="{7B95873E-AD2E-4F70-9E2D-BD04BD98B4C4}"/>
-              </a:ext>
-            </a:extLst>
-          </p:cNvPr>
-          <p:cNvSpPr>
-            <a:spLocks noGrp="1"/>
-          </p:cNvSpPr>
-          <p:nvPr>
-            <p:ph type="body" idx="1"/>
-          </p:nvPr>
-        </p:nvSpPr>
-        <p:spPr/>
-        <p:txBody>
-          <a:bodyPr/>
-          <a:lstStyle/>
-          <a:p>
-            <a:r>
-              <a:rPr lang="en-US" altLang="zh-CN" sz="1600" dirty="0"/>
-              <a:t>The system combined with the channel satisfies the safety property and is deadlock-free, and</a:t>
-            </a:r>
-          </a:p>
-          <a:p>
-            <a:r>
-              <a:rPr lang="en-US" altLang="zh-CN" sz="1600" dirty="0"/>
-              <a:t>The channel is the perfect environment for the system to work with.</a:t>
-            </a:r>
-          </a:p>
-          <a:p>
-            <a:pPr marL="114300" indent="0">
-              <a:buNone/>
-            </a:pPr>
-            <a:endParaRPr lang="en-US" altLang="zh-CN" sz="1600" dirty="0"/>
-          </a:p>
-          <a:p>
-            <a:pPr marL="114300" indent="0">
-              <a:buNone/>
-            </a:pPr>
-            <a:endParaRPr lang="en-US" altLang="zh-CN" sz="1600" dirty="0"/>
-          </a:p>
-          <a:p>
-            <a:pPr marL="114300" indent="0">
-              <a:buNone/>
-            </a:pPr>
-            <a:endParaRPr lang="en-US" altLang="zh-CN" sz="1600" dirty="0"/>
-          </a:p>
-          <a:p>
-            <a:pPr marL="114300" indent="0">
-              <a:buNone/>
-            </a:pPr>
-            <a:endParaRPr lang="en-US" altLang="zh-CN" sz="1600" dirty="0"/>
-          </a:p>
-          <a:p>
-            <a:pPr marL="114300" indent="0">
-              <a:buNone/>
-            </a:pPr>
-            <a:r>
-              <a:rPr lang="en-US" altLang="zh-CN" sz="1600" b="1" dirty="0"/>
-              <a:t>Definition</a:t>
-            </a:r>
-            <a:r>
-              <a:rPr lang="en-US" altLang="zh-CN" sz="1600" dirty="0"/>
-              <a:t>: The </a:t>
-            </a:r>
-            <a:r>
-              <a:rPr lang="en-US" altLang="zh-CN" sz="1600" i="1" dirty="0"/>
-              <a:t>perfect environment </a:t>
-            </a:r>
-            <a:r>
-              <a:rPr lang="en-US" altLang="zh-CN" sz="1600" dirty="0"/>
-              <a:t>of a system is the environment that includes the least possible behavior and with which the system satisfies the safety property and is deadlock-free.</a:t>
-            </a:r>
-            <a:endParaRPr lang="zh-CN" altLang="en-US" sz="1600" i="1" dirty="0"/>
-          </a:p>
-        </p:txBody>
-      </p:sp>
-      <p:sp>
-        <p:nvSpPr>
-          <p:cNvPr id="4" name="Slide Number Placeholder 3">
-            <a:extLst>
-              <a:ext uri="{FF2B5EF4-FFF2-40B4-BE49-F238E27FC236}">
-                <a16:creationId xmlns:a16="http://schemas.microsoft.com/office/drawing/2014/main" id="{84F4DF14-BFEB-47EA-AAA0-B352FEF7D45B}"/>
-              </a:ext>
-            </a:extLst>
-          </p:cNvPr>
-          <p:cNvSpPr>
-            <a:spLocks noGrp="1"/>
-          </p:cNvSpPr>
-          <p:nvPr>
-            <p:ph type="sldNum" idx="12"/>
-          </p:nvPr>
-        </p:nvSpPr>
-        <p:spPr/>
-        <p:txBody>
-          <a:bodyPr/>
-          <a:lstStyle/>
-          <a:p>
-            <a:pPr marL="0" lvl="0" indent="0" algn="r" rtl="0">
-              <a:spcBef>
-                <a:spcPts val="0"/>
-              </a:spcBef>
-              <a:spcAft>
-                <a:spcPts val="0"/>
-              </a:spcAft>
-              <a:buNone/>
-            </a:pPr>
-            <a:fld id="{00000000-1234-1234-1234-123412341234}" type="slidenum">
-              <a:rPr lang="en" smtClean="0"/>
-              <a:t>9</a:t>
-            </a:fld>
-            <a:endParaRPr lang="en"/>
-          </a:p>
-        </p:txBody>
-      </p:sp>
-      <p:pic>
-        <p:nvPicPr>
-          <p:cNvPr id="5" name="Picture 4">
-            <a:extLst>
-              <a:ext uri="{FF2B5EF4-FFF2-40B4-BE49-F238E27FC236}">
-                <a16:creationId xmlns:a16="http://schemas.microsoft.com/office/drawing/2014/main" id="{81F42DC3-317C-4DCD-842F-F4A4061B8559}"/>
-              </a:ext>
-            </a:extLst>
-          </p:cNvPr>
-          <p:cNvPicPr>
-            <a:picLocks noChangeAspect="1"/>
-          </p:cNvPicPr>
-          <p:nvPr/>
-        </p:nvPicPr>
-        <p:blipFill>
-          <a:blip r:embed="rId2"/>
-          <a:stretch>
-            <a:fillRect/>
-          </a:stretch>
-        </p:blipFill>
-        <p:spPr>
-          <a:xfrm>
-            <a:off x="882064" y="2133827"/>
-            <a:ext cx="2314736" cy="875845"/>
-          </a:xfrm>
-          <a:prstGeom prst="rect">
-            <a:avLst/>
-          </a:prstGeom>
-        </p:spPr>
-      </p:pic>
-    </p:spTree>
-    <p:extLst>
-      <p:ext uri="{BB962C8B-B14F-4D97-AF65-F5344CB8AC3E}">
-        <p14:creationId xmlns:p14="http://schemas.microsoft.com/office/powerpoint/2010/main" val="1676429614"/>
-      </p:ext>
-    </p:extLst>
-  </p:cSld>
-  <p:clrMapOvr>
-    <a:masterClrMapping/>
-  </p:clrMapOvr>
-</p:sld>
-</file>
-
 <file path=ppt/tags/tag1.xml><?xml version="1.0" encoding="utf-8"?>
 <p:tagLst xmlns:a="http://schemas.openxmlformats.org/drawingml/2006/main" xmlns:r="http://schemas.openxmlformats.org/officeDocument/2006/relationships" xmlns:p="http://schemas.openxmlformats.org/presentationml/2006/main">
   <p:tag name="OUTPUTDPI" val="1200"/>
@@ -11165,15 +11558,34 @@
 <file path=ppt/tags/tag2.xml><?xml version="1.0" encoding="utf-8"?>
 <p:tagLst xmlns:a="http://schemas.openxmlformats.org/drawingml/2006/main" xmlns:r="http://schemas.openxmlformats.org/officeDocument/2006/relationships" xmlns:p="http://schemas.openxmlformats.org/presentationml/2006/main">
   <p:tag name="OUTPUTDPI" val="1200"/>
-  <p:tag name="ORIGINALHEIGHT" val="1021.372"/>
-  <p:tag name="ORIGINALWIDTH" val="4098.237"/>
-  <p:tag name="LATEXADDIN" val="\documentclass{article}&#10;\usepackage{amsmath}&#10;\pagestyle{empty}&#10;\begin{document}&#10;&#10;$C = A_w - Env_p$ where&#10;\begin{itemize}&#10;\item $C$ is the capability of a system to handle uncertainty,&#10;\item $A_w$ is the weakest assumption of the system over environment to ensure ``correct'' function,&#10;\item $Env_p$ is the perfect environment to ensure ``correct'' function.&#10;\end{itemize}&#10;&#10;&#10;\end{document}"/>
-  <p:tag name="IGUANATEXSIZE" val="18"/>
-  <p:tag name="IGUANATEXCURSOR" val="357"/>
+  <p:tag name="ORIGINALHEIGHT" val="1034.871"/>
+  <p:tag name="ORIGINALWIDTH" val="4288.714"/>
+  <p:tag name="LATEXADDIN" val="\documentclass{article}&#10;\usepackage{amsmath}&#10;\usepackage{amssymb}&#10;\pagestyle{empty}&#10;\begin{document}&#10;&#10;\noindent The uncertainty $U_{Env}$ of a given environment $Env$ is the althernative behavior over the perfect environment $Env^p$, i.e., $U_{Env} = Env_{\upharpoonright \Sigma_I} - Env^p_{\upharpoonright \Sigma_I}$, where&#10;\begin{itemize}&#10;\item $Env_{\upharpoonright \Sigma_I}$ is the projected model of the environment $Env$ over $\Sigma_I$, the alphabet of the interface,&#10;\item $Env^p_{\upharpoonright \Sigma_I}$ is the projected model of the perfect environment over the alphatbet of the interface.&#10;\end{itemize}&#10;&#10;&#10;\end{document}"/>
+  <p:tag name="IGUANATEXSIZE" val="20"/>
+  <p:tag name="IGUANATEXCURSOR" val="603"/>
   <p:tag name="TRANSPARENCY" val="True"/>
   <p:tag name="FILENAME" val=""/>
   <p:tag name="LATEXENGINEID" val="0"/>
-  <p:tag name="TEMPFOLDER" val="C:\Users\CJ\Desktop\LTSA-Robust\tmp\"/>
+  <p:tag name="TEMPFOLDER" val=".\tmp\"/>
+  <p:tag name="LATEXFORMHEIGHT" val="320.4"/>
+  <p:tag name="LATEXFORMWIDTH" val="464.4"/>
+  <p:tag name="LATEXFORMWRAP" val="True"/>
+  <p:tag name="BITMAPVECTOR" val="0"/>
+</p:tagLst>
+</file>
+
+<file path=ppt/tags/tag3.xml><?xml version="1.0" encoding="utf-8"?>
+<p:tagLst xmlns:a="http://schemas.openxmlformats.org/drawingml/2006/main" xmlns:r="http://schemas.openxmlformats.org/officeDocument/2006/relationships" xmlns:p="http://schemas.openxmlformats.org/presentationml/2006/main">
+  <p:tag name="OUTPUTDPI" val="1200"/>
+  <p:tag name="ORIGINALHEIGHT" val="1145.107"/>
+  <p:tag name="ORIGINALWIDTH" val="4098.988"/>
+  <p:tag name="LATEXADDIN" val="\documentclass{article}&#10;\usepackage{amsmath}&#10;\usepackage{amssymb}&#10;\pagestyle{empty}&#10;\begin{document}&#10;&#10;$C = WA_{\upharpoonright \Sigma_I} - Env^p_{\upharpoonright \Sigma_I}$ where&#10;\begin{itemize}&#10;\item $C$ is the capability of a system to handle uncertainty in the environment,&#10;\item $WA_{\upharpoonright \Sigma_I}$ is the weakest assumption of the system to ensure ``correct'' function, projected over the alphabet of the environment interface,&#10;\item $Env^p_{\upharpoonright \Sigma_I}$ is the perfect environment projected over the alphabet of the environment interface.&#10;\end{itemize}&#10;&#10;&#10;\end{document}"/>
+  <p:tag name="IGUANATEXSIZE" val="18"/>
+  <p:tag name="IGUANATEXCURSOR" val="484"/>
+  <p:tag name="TRANSPARENCY" val="True"/>
+  <p:tag name="FILENAME" val=""/>
+  <p:tag name="LATEXENGINEID" val="0"/>
+  <p:tag name="TEMPFOLDER" val=".\tmp\"/>
   <p:tag name="LATEXFORMHEIGHT" val="312"/>
   <p:tag name="LATEXFORMWIDTH" val="384"/>
   <p:tag name="LATEXFORMWRAP" val="True"/>

--- a/Robustness.pptx
+++ b/Robustness.pptx
@@ -5,56 +5,54 @@
     <p:sldMasterId id="2147483659" r:id="rId1"/>
   </p:sldMasterIdLst>
   <p:notesMasterIdLst>
-    <p:notesMasterId r:id="rId21"/>
+    <p:notesMasterId r:id="rId23"/>
   </p:notesMasterIdLst>
   <p:sldIdLst>
     <p:sldId id="256" r:id="rId2"/>
     <p:sldId id="264" r:id="rId3"/>
     <p:sldId id="257" r:id="rId4"/>
-    <p:sldId id="258" r:id="rId5"/>
-    <p:sldId id="259" r:id="rId6"/>
-    <p:sldId id="270" r:id="rId7"/>
-    <p:sldId id="260" r:id="rId8"/>
-    <p:sldId id="276" r:id="rId9"/>
+    <p:sldId id="278" r:id="rId5"/>
+    <p:sldId id="258" r:id="rId6"/>
+    <p:sldId id="259" r:id="rId7"/>
+    <p:sldId id="270" r:id="rId8"/>
+    <p:sldId id="260" r:id="rId9"/>
     <p:sldId id="261" r:id="rId10"/>
-    <p:sldId id="273" r:id="rId11"/>
-    <p:sldId id="262" r:id="rId12"/>
-    <p:sldId id="274" r:id="rId13"/>
-    <p:sldId id="275" r:id="rId14"/>
-    <p:sldId id="266" r:id="rId15"/>
-    <p:sldId id="269" r:id="rId16"/>
-    <p:sldId id="271" r:id="rId17"/>
-    <p:sldId id="268" r:id="rId18"/>
-    <p:sldId id="265" r:id="rId19"/>
-    <p:sldId id="277" r:id="rId20"/>
+    <p:sldId id="262" r:id="rId11"/>
+    <p:sldId id="279" r:id="rId12"/>
+    <p:sldId id="280" r:id="rId13"/>
+    <p:sldId id="281" r:id="rId14"/>
+    <p:sldId id="274" r:id="rId15"/>
+    <p:sldId id="275" r:id="rId16"/>
+    <p:sldId id="266" r:id="rId17"/>
+    <p:sldId id="269" r:id="rId18"/>
+    <p:sldId id="271" r:id="rId19"/>
+    <p:sldId id="268" r:id="rId20"/>
+    <p:sldId id="265" r:id="rId21"/>
+    <p:sldId id="277" r:id="rId22"/>
   </p:sldIdLst>
   <p:sldSz cx="9144000" cy="5143500" type="screen16x9"/>
   <p:notesSz cx="6858000" cy="9144000"/>
   <p:embeddedFontLst>
     <p:embeddedFont>
-      <p:font typeface="Open Sans SemiBold" panose="020B0604020202020204" charset="0"/>
-      <p:regular r:id="rId22"/>
-      <p:bold r:id="rId23"/>
-      <p:italic r:id="rId24"/>
-      <p:boldItalic r:id="rId25"/>
+      <p:font typeface="Open Sans" panose="02010600030101010101" charset="0"/>
+      <p:regular r:id="rId24"/>
+      <p:bold r:id="rId25"/>
+      <p:italic r:id="rId26"/>
+      <p:boldItalic r:id="rId27"/>
     </p:embeddedFont>
     <p:embeddedFont>
-      <p:font typeface="宋体" panose="02010600030101010101" pitchFamily="2" charset="-122"/>
-      <p:regular r:id="rId26"/>
+      <p:font typeface="Open Sans Light" panose="02010600030101010101" charset="0"/>
+      <p:regular r:id="rId28"/>
+      <p:bold r:id="rId29"/>
+      <p:italic r:id="rId30"/>
+      <p:boldItalic r:id="rId31"/>
     </p:embeddedFont>
     <p:embeddedFont>
-      <p:font typeface="Open Sans" panose="020B0604020202020204" charset="0"/>
-      <p:regular r:id="rId27"/>
-      <p:bold r:id="rId28"/>
-      <p:italic r:id="rId29"/>
-      <p:boldItalic r:id="rId30"/>
-    </p:embeddedFont>
-    <p:embeddedFont>
-      <p:font typeface="Open Sans Light" panose="020B0604020202020204" charset="0"/>
-      <p:regular r:id="rId31"/>
-      <p:bold r:id="rId32"/>
-      <p:italic r:id="rId33"/>
-      <p:boldItalic r:id="rId34"/>
+      <p:font typeface="Open Sans SemiBold" panose="02010600030101010101" charset="0"/>
+      <p:regular r:id="rId32"/>
+      <p:bold r:id="rId33"/>
+      <p:italic r:id="rId34"/>
+      <p:boldItalic r:id="rId35"/>
     </p:embeddedFont>
   </p:embeddedFontLst>
   <p:defaultTextStyle>
@@ -1218,7 +1216,7 @@
               </a:spcAft>
               <a:buNone/>
             </a:pPr>
-            <a:endParaRPr/>
+            <a:endParaRPr dirty="0"/>
           </a:p>
         </p:txBody>
       </p:sp>
@@ -1327,7 +1325,12 @@
             <p:ph type="sldImg"/>
           </p:nvPr>
         </p:nvSpPr>
-        <p:spPr/>
+        <p:spPr>
+          <a:xfrm>
+            <a:off x="381000" y="685800"/>
+            <a:ext cx="6096000" cy="3429000"/>
+          </a:xfrm>
+        </p:spPr>
       </p:sp>
       <p:sp>
         <p:nvSpPr>
@@ -1345,11 +1348,11 @@
           <a:lstStyle/>
           <a:p>
             <a:r>
-              <a:rPr lang="en-US" dirty="0" smtClean="0"/>
+              <a:rPr lang="en-US" dirty="0"/>
               <a:t>In</a:t>
             </a:r>
             <a:r>
-              <a:rPr lang="en-US" baseline="0" dirty="0" smtClean="0"/>
+              <a:rPr lang="en-US" baseline="0" dirty="0"/>
               <a:t> other domain, there are formal definitions of robustness</a:t>
             </a:r>
             <a:endParaRPr lang="en-US" dirty="0"/>
@@ -1610,25 +1613,20 @@
           <a:lstStyle/>
           <a:p>
             <a:r>
-              <a:rPr lang="en-US" dirty="0" smtClean="0"/>
-              <a:t>!!!change</a:t>
-            </a:r>
-            <a:r>
-              <a:rPr lang="en-US" baseline="0" dirty="0" smtClean="0"/>
-              <a:t> perfect environment to baseline </a:t>
-            </a:r>
-            <a:r>
-              <a:rPr lang="en-US" baseline="0" dirty="0" err="1" smtClean="0"/>
-              <a:t>envrionment</a:t>
-            </a:r>
-            <a:endParaRPr lang="en-US" dirty="0"/>
+              <a:rPr lang="en-US" dirty="0"/>
+              <a:t>The last send will</a:t>
+            </a:r>
+            <a:r>
+              <a:rPr lang="en-US" baseline="0" dirty="0"/>
+              <a:t> cause deadlock, i.e., the system is waiting for a rec event, but the environment is waiting for a send event.</a:t>
+            </a:r>
           </a:p>
         </p:txBody>
       </p:sp>
     </p:spTree>
     <p:extLst>
       <p:ext uri="{BB962C8B-B14F-4D97-AF65-F5344CB8AC3E}">
-        <p14:creationId xmlns:p14="http://schemas.microsoft.com/office/powerpoint/2010/main" val="1614229158"/>
+        <p14:creationId xmlns:p14="http://schemas.microsoft.com/office/powerpoint/2010/main" val="3152369955"/>
       </p:ext>
     </p:extLst>
   </p:cSld>
@@ -1687,32 +1685,14 @@
           <a:bodyPr/>
           <a:lstStyle/>
           <a:p>
-            <a:r>
-              <a:rPr lang="en-US" dirty="0"/>
-              <a:t>The last send will</a:t>
-            </a:r>
-            <a:r>
-              <a:rPr lang="en-US" baseline="0" dirty="0"/>
-              <a:t> cause deadlock, i.e., the system is waiting for a rec event, but the environment is waiting for a send event</a:t>
-            </a:r>
-            <a:r>
-              <a:rPr lang="en-US" baseline="0" dirty="0" smtClean="0"/>
-              <a:t>.</a:t>
-            </a:r>
-          </a:p>
-          <a:p>
-            <a:r>
-              <a:rPr lang="en-US" baseline="0" dirty="0" smtClean="0"/>
-              <a:t>!!! Show the difference between the baseline channel.</a:t>
-            </a:r>
-            <a:endParaRPr lang="en-US" dirty="0"/>
+            <a:endParaRPr lang="zh-CN" altLang="en-US" dirty="0"/>
           </a:p>
         </p:txBody>
       </p:sp>
     </p:spTree>
     <p:extLst>
       <p:ext uri="{BB962C8B-B14F-4D97-AF65-F5344CB8AC3E}">
-        <p14:creationId xmlns:p14="http://schemas.microsoft.com/office/powerpoint/2010/main" val="3152369955"/>
+        <p14:creationId xmlns:p14="http://schemas.microsoft.com/office/powerpoint/2010/main" val="2159525119"/>
       </p:ext>
     </p:extLst>
   </p:cSld>
@@ -1772,11 +1752,11 @@
           <a:lstStyle/>
           <a:p>
             <a:r>
-              <a:rPr lang="en-US" dirty="0" smtClean="0"/>
+              <a:rPr lang="en-US" dirty="0"/>
               <a:t>For now,</a:t>
             </a:r>
             <a:r>
-              <a:rPr lang="en-US" baseline="0" dirty="0" smtClean="0"/>
+              <a:rPr lang="en-US" baseline="0" dirty="0"/>
               <a:t> let’s ignore the concrete definition of the ‘-’ operator over state machines.</a:t>
             </a:r>
             <a:endParaRPr lang="en-US" dirty="0"/>
@@ -7845,7 +7825,7 @@
           <p:cNvPr id="2" name="Title 1">
             <a:extLst>
               <a:ext uri="{FF2B5EF4-FFF2-40B4-BE49-F238E27FC236}">
-                <a16:creationId xmlns:a16="http://schemas.microsoft.com/office/drawing/2014/main" id="{A630D276-EC86-4A4E-9B86-D9F01DD9F24E}"/>
+                <a16:creationId xmlns:a16="http://schemas.microsoft.com/office/drawing/2014/main" id="{FED4BC74-3FEC-4F8C-90AF-A6224B4E4C56}"/>
               </a:ext>
             </a:extLst>
           </p:cNvPr>
@@ -7863,7 +7843,7 @@
           <a:p>
             <a:r>
               <a:rPr lang="en-US" altLang="zh-CN" dirty="0"/>
-              <a:t>The perfect environment</a:t>
+              <a:t>Uncertainty in environment</a:t>
             </a:r>
             <a:endParaRPr lang="zh-CN" altLang="en-US" dirty="0"/>
           </a:p>
@@ -7871,10 +7851,209 @@
       </p:sp>
       <p:sp>
         <p:nvSpPr>
-          <p:cNvPr id="3" name="Text Placeholder 2">
+          <p:cNvPr id="4" name="Slide Number Placeholder 3">
             <a:extLst>
               <a:ext uri="{FF2B5EF4-FFF2-40B4-BE49-F238E27FC236}">
-                <a16:creationId xmlns:a16="http://schemas.microsoft.com/office/drawing/2014/main" id="{7B95873E-AD2E-4F70-9E2D-BD04BD98B4C4}"/>
+                <a16:creationId xmlns:a16="http://schemas.microsoft.com/office/drawing/2014/main" id="{94D65B1B-1BB7-4D03-95BE-AD13320F1005}"/>
+              </a:ext>
+            </a:extLst>
+          </p:cNvPr>
+          <p:cNvSpPr>
+            <a:spLocks noGrp="1"/>
+          </p:cNvSpPr>
+          <p:nvPr>
+            <p:ph type="sldNum" idx="12"/>
+          </p:nvPr>
+        </p:nvSpPr>
+        <p:spPr/>
+        <p:txBody>
+          <a:bodyPr/>
+          <a:lstStyle/>
+          <a:p>
+            <a:pPr marL="0" lvl="0" indent="0" algn="r" rtl="0">
+              <a:spcBef>
+                <a:spcPts val="0"/>
+              </a:spcBef>
+              <a:spcAft>
+                <a:spcPts val="0"/>
+              </a:spcAft>
+              <a:buNone/>
+            </a:pPr>
+            <a:fld id="{00000000-1234-1234-1234-123412341234}" type="slidenum">
+              <a:rPr lang="en" smtClean="0"/>
+              <a:t>10</a:t>
+            </a:fld>
+            <a:endParaRPr lang="en"/>
+          </a:p>
+        </p:txBody>
+      </p:sp>
+      <p:pic>
+        <p:nvPicPr>
+          <p:cNvPr id="9" name="Picture 4">
+            <a:extLst>
+              <a:ext uri="{FF2B5EF4-FFF2-40B4-BE49-F238E27FC236}">
+                <a16:creationId xmlns:a16="http://schemas.microsoft.com/office/drawing/2014/main" id="{4435E0DE-AD05-417E-A144-694148EC95FB}"/>
+              </a:ext>
+            </a:extLst>
+          </p:cNvPr>
+          <p:cNvPicPr>
+            <a:picLocks noChangeAspect="1" noChangeArrowheads="1"/>
+          </p:cNvPicPr>
+          <p:nvPr/>
+        </p:nvPicPr>
+        <p:blipFill>
+          <a:blip r:embed="rId3">
+            <a:extLst>
+              <a:ext uri="{28A0092B-C50C-407E-A947-70E740481C1C}">
+                <a14:useLocalDpi xmlns:a14="http://schemas.microsoft.com/office/drawing/2010/main" val="0"/>
+              </a:ext>
+            </a:extLst>
+          </a:blip>
+          <a:srcRect/>
+          <a:stretch>
+            <a:fillRect/>
+          </a:stretch>
+        </p:blipFill>
+        <p:spPr bwMode="auto">
+          <a:xfrm>
+            <a:off x="2708969" y="1369067"/>
+            <a:ext cx="2888444" cy="1808925"/>
+          </a:xfrm>
+          <a:prstGeom prst="rect">
+            <a:avLst/>
+          </a:prstGeom>
+          <a:noFill/>
+          <a:extLst>
+            <a:ext uri="{909E8E84-426E-40DD-AFC4-6F175D3DCCD1}">
+              <a14:hiddenFill xmlns:a14="http://schemas.microsoft.com/office/drawing/2010/main">
+                <a:solidFill>
+                  <a:srgbClr val="FFFFFF"/>
+                </a:solidFill>
+              </a14:hiddenFill>
+            </a:ext>
+          </a:extLst>
+        </p:spPr>
+      </p:pic>
+      <p:pic>
+        <p:nvPicPr>
+          <p:cNvPr id="14" name="Picture 13">
+            <a:extLst>
+              <a:ext uri="{FF2B5EF4-FFF2-40B4-BE49-F238E27FC236}">
+                <a16:creationId xmlns:a16="http://schemas.microsoft.com/office/drawing/2014/main" id="{6E7B91F0-A5FE-4332-BDFD-F88D6ADF26D2}"/>
+              </a:ext>
+            </a:extLst>
+          </p:cNvPr>
+          <p:cNvPicPr>
+            <a:picLocks noChangeAspect="1"/>
+          </p:cNvPicPr>
+          <p:nvPr/>
+        </p:nvPicPr>
+        <p:blipFill>
+          <a:blip r:embed="rId4"/>
+          <a:stretch>
+            <a:fillRect/>
+          </a:stretch>
+        </p:blipFill>
+        <p:spPr>
+          <a:xfrm>
+            <a:off x="677914" y="1387134"/>
+            <a:ext cx="2031055" cy="871368"/>
+          </a:xfrm>
+          <a:prstGeom prst="rect">
+            <a:avLst/>
+          </a:prstGeom>
+        </p:spPr>
+      </p:pic>
+      <p:pic>
+        <p:nvPicPr>
+          <p:cNvPr id="15" name="Picture 14">
+            <a:extLst>
+              <a:ext uri="{FF2B5EF4-FFF2-40B4-BE49-F238E27FC236}">
+                <a16:creationId xmlns:a16="http://schemas.microsoft.com/office/drawing/2014/main" id="{DD96F5EF-C619-4AC6-96A6-F1BF76B91667}"/>
+              </a:ext>
+            </a:extLst>
+          </p:cNvPr>
+          <p:cNvPicPr>
+            <a:picLocks noChangeAspect="1"/>
+          </p:cNvPicPr>
+          <p:nvPr/>
+        </p:nvPicPr>
+        <p:blipFill>
+          <a:blip r:embed="rId5"/>
+          <a:stretch>
+            <a:fillRect/>
+          </a:stretch>
+        </p:blipFill>
+        <p:spPr>
+          <a:xfrm>
+            <a:off x="677914" y="2477533"/>
+            <a:ext cx="2031056" cy="812422"/>
+          </a:xfrm>
+          <a:prstGeom prst="rect">
+            <a:avLst/>
+          </a:prstGeom>
+        </p:spPr>
+      </p:pic>
+      <p:pic>
+        <p:nvPicPr>
+          <p:cNvPr id="16" name="Picture 15">
+            <a:extLst>
+              <a:ext uri="{FF2B5EF4-FFF2-40B4-BE49-F238E27FC236}">
+                <a16:creationId xmlns:a16="http://schemas.microsoft.com/office/drawing/2014/main" id="{BC29A51F-7FCC-479B-8E12-B1D45D05D6FF}"/>
+              </a:ext>
+            </a:extLst>
+          </p:cNvPr>
+          <p:cNvPicPr>
+            <a:picLocks noChangeAspect="1"/>
+          </p:cNvPicPr>
+          <p:nvPr/>
+        </p:nvPicPr>
+        <p:blipFill>
+          <a:blip r:embed="rId6"/>
+          <a:stretch>
+            <a:fillRect/>
+          </a:stretch>
+        </p:blipFill>
+        <p:spPr>
+          <a:xfrm>
+            <a:off x="5462799" y="1119713"/>
+            <a:ext cx="3009659" cy="1138789"/>
+          </a:xfrm>
+          <a:prstGeom prst="rect">
+            <a:avLst/>
+          </a:prstGeom>
+        </p:spPr>
+      </p:pic>
+      <p:pic>
+        <p:nvPicPr>
+          <p:cNvPr id="3" name="Picture 2"/>
+          <p:cNvPicPr>
+            <a:picLocks noChangeAspect="1"/>
+          </p:cNvPicPr>
+          <p:nvPr/>
+        </p:nvPicPr>
+        <p:blipFill>
+          <a:blip r:embed="rId7"/>
+          <a:stretch>
+            <a:fillRect/>
+          </a:stretch>
+        </p:blipFill>
+        <p:spPr>
+          <a:xfrm>
+            <a:off x="5457564" y="2797959"/>
+            <a:ext cx="3374736" cy="1548580"/>
+          </a:xfrm>
+          <a:prstGeom prst="rect">
+            <a:avLst/>
+          </a:prstGeom>
+        </p:spPr>
+      </p:pic>
+      <p:sp>
+        <p:nvSpPr>
+          <p:cNvPr id="11" name="Text Placeholder 2">
+            <a:extLst>
+              <a:ext uri="{FF2B5EF4-FFF2-40B4-BE49-F238E27FC236}">
+                <a16:creationId xmlns:a16="http://schemas.microsoft.com/office/drawing/2014/main" id="{55A69C89-DE76-4A70-A9B3-14818AF1592C}"/>
               </a:ext>
             </a:extLst>
           </p:cNvPr>
@@ -7885,142 +8064,50 @@
             <p:ph type="body" idx="1"/>
           </p:nvPr>
         </p:nvSpPr>
-        <p:spPr/>
+        <p:spPr>
+          <a:xfrm>
+            <a:off x="311700" y="3427346"/>
+            <a:ext cx="5649900" cy="1179538"/>
+          </a:xfrm>
+        </p:spPr>
         <p:txBody>
           <a:bodyPr/>
           <a:lstStyle/>
           <a:p>
             <a:r>
               <a:rPr lang="en-US" altLang="zh-CN" sz="1600" dirty="0"/>
-              <a:t>The system combined with the channel satisfies the safety property and is deadlock-free, and</a:t>
-            </a:r>
-          </a:p>
-          <a:p>
-            <a:r>
-              <a:rPr lang="en-US" altLang="zh-CN" sz="1600" dirty="0"/>
-              <a:t>The channel is the perfect environment for the system to work with.</a:t>
-            </a:r>
-          </a:p>
-          <a:p>
-            <a:pPr marL="114300" indent="0">
-              <a:buNone/>
-            </a:pPr>
-            <a:endParaRPr lang="en-US" altLang="zh-CN" sz="1600" dirty="0"/>
-          </a:p>
-          <a:p>
-            <a:pPr marL="114300" indent="0">
-              <a:buNone/>
-            </a:pPr>
-            <a:endParaRPr lang="en-US" altLang="zh-CN" sz="1600" dirty="0"/>
-          </a:p>
-          <a:p>
-            <a:pPr marL="114300" indent="0">
-              <a:buNone/>
-            </a:pPr>
-            <a:endParaRPr lang="en-US" altLang="zh-CN" sz="1600" dirty="0"/>
-          </a:p>
-          <a:p>
-            <a:pPr marL="114300" indent="0">
-              <a:buNone/>
-            </a:pPr>
-            <a:endParaRPr lang="en-US" altLang="zh-CN" sz="1600" dirty="0"/>
-          </a:p>
-          <a:p>
-            <a:pPr marL="114300" indent="0">
-              <a:buNone/>
-            </a:pPr>
-            <a:r>
-              <a:rPr lang="en-US" altLang="zh-CN" sz="1600" b="1" dirty="0"/>
-              <a:t>Definition</a:t>
-            </a:r>
-            <a:r>
-              <a:rPr lang="en-US" altLang="zh-CN" sz="1600" dirty="0"/>
-              <a:t>: The </a:t>
-            </a:r>
-            <a:r>
-              <a:rPr lang="en-US" altLang="zh-CN" sz="1600" i="1" dirty="0"/>
-              <a:t>perfect environment </a:t>
-            </a:r>
-            <a:r>
-              <a:rPr lang="en-US" altLang="zh-CN" sz="1600" dirty="0"/>
-              <a:t>of a system is the environment that includes the least possible behavior and with which the system satisfies the safety property and is deadlock-free.</a:t>
-            </a:r>
-            <a:endParaRPr lang="zh-CN" altLang="en-US" sz="1600" i="1" dirty="0"/>
+              <a:t>Is the system capable to deal with such uncertainty?</a:t>
+            </a:r>
+          </a:p>
+          <a:p>
+            <a:pPr lvl="1"/>
+            <a:r>
+              <a:rPr lang="en-US" altLang="zh-CN" dirty="0"/>
+              <a:t>By model checking, a trace to deadlock: &lt;input, send, lose, </a:t>
+            </a:r>
+            <a:r>
+              <a:rPr lang="en-US" altLang="zh-CN" dirty="0">
+                <a:solidFill>
+                  <a:srgbClr val="FF0000"/>
+                </a:solidFill>
+              </a:rPr>
+              <a:t>send</a:t>
+            </a:r>
+            <a:r>
+              <a:rPr lang="en-US" altLang="zh-CN" dirty="0"/>
+              <a:t>&gt;.</a:t>
+            </a:r>
+          </a:p>
+          <a:p>
+            <a:pPr lvl="1"/>
+            <a:endParaRPr lang="en-US" altLang="zh-CN" sz="1200" dirty="0"/>
           </a:p>
         </p:txBody>
       </p:sp>
-      <p:sp>
-        <p:nvSpPr>
-          <p:cNvPr id="4" name="Slide Number Placeholder 3">
-            <a:extLst>
-              <a:ext uri="{FF2B5EF4-FFF2-40B4-BE49-F238E27FC236}">
-                <a16:creationId xmlns:a16="http://schemas.microsoft.com/office/drawing/2014/main" id="{84F4DF14-BFEB-47EA-AAA0-B352FEF7D45B}"/>
-              </a:ext>
-            </a:extLst>
-          </p:cNvPr>
-          <p:cNvSpPr>
-            <a:spLocks noGrp="1"/>
-          </p:cNvSpPr>
-          <p:nvPr>
-            <p:ph type="sldNum" idx="12"/>
-          </p:nvPr>
-        </p:nvSpPr>
-        <p:spPr/>
-        <p:txBody>
-          <a:bodyPr/>
-          <a:lstStyle/>
-          <a:p>
-            <a:pPr marL="0" lvl="0" indent="0" algn="r" rtl="0">
-              <a:spcBef>
-                <a:spcPts val="0"/>
-              </a:spcBef>
-              <a:spcAft>
-                <a:spcPts val="0"/>
-              </a:spcAft>
-              <a:buNone/>
-            </a:pPr>
-            <a:fld id="{00000000-1234-1234-1234-123412341234}" type="slidenum">
-              <a:rPr lang="en" smtClean="0"/>
-              <a:t>10</a:t>
-            </a:fld>
-            <a:endParaRPr lang="en"/>
-          </a:p>
-        </p:txBody>
-      </p:sp>
-      <p:pic>
-        <p:nvPicPr>
-          <p:cNvPr id="5" name="Picture 4">
-            <a:extLst>
-              <a:ext uri="{FF2B5EF4-FFF2-40B4-BE49-F238E27FC236}">
-                <a16:creationId xmlns:a16="http://schemas.microsoft.com/office/drawing/2014/main" id="{81F42DC3-317C-4DCD-842F-F4A4061B8559}"/>
-              </a:ext>
-            </a:extLst>
-          </p:cNvPr>
-          <p:cNvPicPr>
-            <a:picLocks noChangeAspect="1"/>
-          </p:cNvPicPr>
-          <p:nvPr/>
-        </p:nvPicPr>
-        <p:blipFill>
-          <a:blip r:embed="rId3"/>
-          <a:stretch>
-            <a:fillRect/>
-          </a:stretch>
-        </p:blipFill>
-        <p:spPr>
-          <a:xfrm>
-            <a:off x="882064" y="2133827"/>
-            <a:ext cx="2314736" cy="875845"/>
-          </a:xfrm>
-          <a:prstGeom prst="rect">
-            <a:avLst/>
-          </a:prstGeom>
-        </p:spPr>
-      </p:pic>
     </p:spTree>
     <p:extLst>
       <p:ext uri="{BB962C8B-B14F-4D97-AF65-F5344CB8AC3E}">
-        <p14:creationId xmlns:p14="http://schemas.microsoft.com/office/powerpoint/2010/main" val="1676429614"/>
+        <p14:creationId xmlns:p14="http://schemas.microsoft.com/office/powerpoint/2010/main" val="3776908126"/>
       </p:ext>
     </p:extLst>
   </p:cSld>
@@ -8052,7 +8139,7 @@
           <p:cNvPr id="2" name="Title 1">
             <a:extLst>
               <a:ext uri="{FF2B5EF4-FFF2-40B4-BE49-F238E27FC236}">
-                <a16:creationId xmlns:a16="http://schemas.microsoft.com/office/drawing/2014/main" id="{FED4BC74-3FEC-4F8C-90AF-A6224B4E4C56}"/>
+                <a16:creationId xmlns:a16="http://schemas.microsoft.com/office/drawing/2014/main" id="{B795B8F2-CF3C-426B-AD77-C6898C5BF127}"/>
               </a:ext>
             </a:extLst>
           </p:cNvPr>
@@ -8070,9 +8157,110 @@
           <a:p>
             <a:r>
               <a:rPr lang="en-US" altLang="zh-CN" dirty="0"/>
-              <a:t>Representation of uncertainty</a:t>
+              <a:t>Representation of Uncertainty</a:t>
             </a:r>
             <a:endParaRPr lang="zh-CN" altLang="en-US" dirty="0"/>
+          </a:p>
+        </p:txBody>
+      </p:sp>
+      <p:sp>
+        <p:nvSpPr>
+          <p:cNvPr id="3" name="Text Placeholder 2">
+            <a:extLst>
+              <a:ext uri="{FF2B5EF4-FFF2-40B4-BE49-F238E27FC236}">
+                <a16:creationId xmlns:a16="http://schemas.microsoft.com/office/drawing/2014/main" id="{C0710122-E6DE-435F-AD45-4E3E886DE737}"/>
+              </a:ext>
+            </a:extLst>
+          </p:cNvPr>
+          <p:cNvSpPr>
+            <a:spLocks noGrp="1"/>
+          </p:cNvSpPr>
+          <p:nvPr>
+            <p:ph type="body" idx="1"/>
+          </p:nvPr>
+        </p:nvSpPr>
+        <p:spPr>
+          <a:xfrm>
+            <a:off x="311700" y="1152474"/>
+            <a:ext cx="5961428" cy="3419525"/>
+          </a:xfrm>
+        </p:spPr>
+        <p:txBody>
+          <a:bodyPr/>
+          <a:lstStyle/>
+          <a:p>
+            <a:pPr>
+              <a:spcAft>
+                <a:spcPts val="800"/>
+              </a:spcAft>
+            </a:pPr>
+            <a:r>
+              <a:rPr lang="en-US" altLang="zh-CN" dirty="0"/>
+              <a:t>The</a:t>
+            </a:r>
+            <a:r>
+              <a:rPr lang="en-US" altLang="zh-CN" b="1" dirty="0"/>
+              <a:t> </a:t>
+            </a:r>
+            <a:r>
+              <a:rPr lang="en-US" altLang="zh-CN" i="1" dirty="0"/>
+              <a:t>baseline environment</a:t>
+            </a:r>
+            <a:r>
+              <a:rPr lang="en-US" altLang="zh-CN" dirty="0"/>
+              <a:t> is a pre-defined environment in which the system can ensure “correct” function.</a:t>
+            </a:r>
+          </a:p>
+          <a:p>
+            <a:pPr>
+              <a:spcAft>
+                <a:spcPts val="800"/>
+              </a:spcAft>
+            </a:pPr>
+            <a:r>
+              <a:rPr lang="en-US" altLang="zh-CN" dirty="0"/>
+              <a:t>Then, </a:t>
+            </a:r>
+            <a:r>
+              <a:rPr lang="en-US" altLang="zh-CN" i="1" dirty="0"/>
+              <a:t>uncertainty</a:t>
+            </a:r>
+            <a:r>
+              <a:rPr lang="en-US" altLang="zh-CN" dirty="0"/>
+              <a:t> is the additional behavior that is not in the </a:t>
+            </a:r>
+            <a:r>
+              <a:rPr lang="en-US" altLang="zh-CN" i="1" dirty="0"/>
+              <a:t>baseline environment </a:t>
+            </a:r>
+            <a:r>
+              <a:rPr lang="en-US" altLang="zh-CN" dirty="0"/>
+              <a:t>which may cause property violations.</a:t>
+            </a:r>
+          </a:p>
+          <a:p>
+            <a:pPr>
+              <a:spcAft>
+                <a:spcPts val="800"/>
+              </a:spcAft>
+            </a:pPr>
+            <a:r>
+              <a:rPr lang="en-US" altLang="zh-CN" dirty="0"/>
+              <a:t>Intuitively, </a:t>
+            </a:r>
+            <a:r>
+              <a:rPr lang="en-US" altLang="zh-CN" i="1" dirty="0"/>
+              <a:t>Uncertainty(Env) = Beh(Env) – Beh(Env</a:t>
+            </a:r>
+            <a:r>
+              <a:rPr lang="en-US" altLang="zh-CN" i="1" baseline="-25000" dirty="0"/>
+              <a:t>base</a:t>
+            </a:r>
+            <a:r>
+              <a:rPr lang="en-US" altLang="zh-CN" i="1" dirty="0"/>
+              <a:t>).</a:t>
+            </a:r>
+            <a:endParaRPr lang="zh-CN" altLang="en-US" i="1" dirty="0"/>
           </a:p>
         </p:txBody>
       </p:sp>
@@ -8081,7 +8269,7 @@
           <p:cNvPr id="4" name="Slide Number Placeholder 3">
             <a:extLst>
               <a:ext uri="{FF2B5EF4-FFF2-40B4-BE49-F238E27FC236}">
-                <a16:creationId xmlns:a16="http://schemas.microsoft.com/office/drawing/2014/main" id="{94D65B1B-1BB7-4D03-95BE-AD13320F1005}"/>
+                <a16:creationId xmlns:a16="http://schemas.microsoft.com/office/drawing/2014/main" id="{A5CAA7FB-4A3B-4694-85E1-3D6C964AC031}"/>
               </a:ext>
             </a:extLst>
           </p:cNvPr>
@@ -8114,186 +8302,145 @@
           </a:p>
         </p:txBody>
       </p:sp>
-      <p:sp>
-        <p:nvSpPr>
-          <p:cNvPr id="11" name="Text Placeholder 2">
+      <p:pic>
+        <p:nvPicPr>
+          <p:cNvPr id="5" name="Picture 4">
             <a:extLst>
               <a:ext uri="{FF2B5EF4-FFF2-40B4-BE49-F238E27FC236}">
-                <a16:creationId xmlns:a16="http://schemas.microsoft.com/office/drawing/2014/main" id="{55A69C89-DE76-4A70-A9B3-14818AF1592C}"/>
+                <a16:creationId xmlns:a16="http://schemas.microsoft.com/office/drawing/2014/main" id="{102BBE3F-5DB3-4E66-97F1-7DA5348D0D0B}"/>
               </a:ext>
             </a:extLst>
           </p:cNvPr>
-          <p:cNvSpPr>
-            <a:spLocks noGrp="1"/>
-          </p:cNvSpPr>
-          <p:nvPr>
-            <p:ph type="body" idx="1"/>
-          </p:nvPr>
-        </p:nvSpPr>
-        <p:spPr>
-          <a:xfrm>
-            <a:off x="438151" y="3621775"/>
-            <a:ext cx="8394149" cy="564588"/>
-          </a:xfrm>
-        </p:spPr>
-        <p:txBody>
-          <a:bodyPr/>
-          <a:lstStyle/>
-          <a:p>
-            <a:pPr marL="114300" indent="0">
-              <a:buNone/>
-            </a:pPr>
-            <a:r>
-              <a:rPr lang="en-US" altLang="zh-CN" sz="1600" dirty="0"/>
-              <a:t>Combining the system and the environment, a trace to deadlock:</a:t>
-            </a:r>
-          </a:p>
-          <a:p>
-            <a:pPr marL="114300" indent="0">
-              <a:buNone/>
-            </a:pPr>
-            <a:r>
-              <a:rPr lang="en-US" altLang="zh-CN" sz="1600" dirty="0"/>
-              <a:t>	&lt;input, send, lose, </a:t>
-            </a:r>
-            <a:r>
-              <a:rPr lang="en-US" altLang="zh-CN" sz="1600" dirty="0">
-                <a:solidFill>
-                  <a:srgbClr val="FF0000"/>
-                </a:solidFill>
-              </a:rPr>
-              <a:t>send</a:t>
-            </a:r>
-            <a:r>
-              <a:rPr lang="en-US" altLang="zh-CN" sz="1600" dirty="0"/>
-              <a:t>&gt;</a:t>
-            </a:r>
-          </a:p>
-        </p:txBody>
-      </p:sp>
-      <p:pic>
-        <p:nvPicPr>
-          <p:cNvPr id="10" name="Picture 4">
-            <a:extLst>
-              <a:ext uri="{FF2B5EF4-FFF2-40B4-BE49-F238E27FC236}">
-                <a16:creationId xmlns:a16="http://schemas.microsoft.com/office/drawing/2014/main" id="{1C69F5EC-0D66-4C81-BC05-A77A667529ED}"/>
-              </a:ext>
-            </a:extLst>
-          </p:cNvPr>
-          <p:cNvPicPr>
-            <a:picLocks noChangeAspect="1" noChangeArrowheads="1"/>
-          </p:cNvPicPr>
-          <p:nvPr/>
-        </p:nvPicPr>
-        <p:blipFill>
-          <a:blip r:embed="rId3">
-            <a:extLst>
-              <a:ext uri="{28A0092B-C50C-407E-A947-70E740481C1C}">
-                <a14:useLocalDpi xmlns:a14="http://schemas.microsoft.com/office/drawing/2010/main" val="0"/>
-              </a:ext>
-            </a:extLst>
-          </a:blip>
-          <a:srcRect/>
-          <a:stretch>
-            <a:fillRect/>
-          </a:stretch>
-        </p:blipFill>
-        <p:spPr bwMode="auto">
-          <a:xfrm>
-            <a:off x="2686050" y="1138650"/>
-            <a:ext cx="3771900" cy="2362200"/>
-          </a:xfrm>
-          <a:prstGeom prst="rect">
-            <a:avLst/>
-          </a:prstGeom>
-          <a:noFill/>
-          <a:extLst>
-            <a:ext uri="{909E8E84-426E-40DD-AFC4-6F175D3DCCD1}">
-              <a14:hiddenFill xmlns:a14="http://schemas.microsoft.com/office/drawing/2010/main">
-                <a:solidFill>
-                  <a:srgbClr val="FFFFFF"/>
-                </a:solidFill>
-              </a14:hiddenFill>
-            </a:ext>
-          </a:extLst>
-        </p:spPr>
-      </p:pic>
-      <p:pic>
-        <p:nvPicPr>
-          <p:cNvPr id="12" name="Picture 11"/>
           <p:cNvPicPr>
             <a:picLocks noChangeAspect="1"/>
           </p:cNvPicPr>
           <p:nvPr/>
         </p:nvPicPr>
         <p:blipFill>
-          <a:blip r:embed="rId4"/>
+          <a:blip r:embed="rId3"/>
           <a:stretch>
             <a:fillRect/>
           </a:stretch>
         </p:blipFill>
         <p:spPr>
           <a:xfrm>
-            <a:off x="528432" y="1501911"/>
-            <a:ext cx="2106777" cy="903854"/>
+            <a:off x="6273128" y="1200758"/>
+            <a:ext cx="2467672" cy="933713"/>
           </a:xfrm>
           <a:prstGeom prst="rect">
             <a:avLst/>
           </a:prstGeom>
         </p:spPr>
       </p:pic>
-      <p:pic>
-        <p:nvPicPr>
-          <p:cNvPr id="13" name="Picture 12"/>
-          <p:cNvPicPr>
-            <a:picLocks noChangeAspect="1"/>
-          </p:cNvPicPr>
+      <p:grpSp>
+        <p:nvGrpSpPr>
+          <p:cNvPr id="9" name="Group 8">
+            <a:extLst>
+              <a:ext uri="{FF2B5EF4-FFF2-40B4-BE49-F238E27FC236}">
+                <a16:creationId xmlns:a16="http://schemas.microsoft.com/office/drawing/2014/main" id="{E90C34CE-C694-4608-BAE2-1632F037BC55}"/>
+              </a:ext>
+            </a:extLst>
+          </p:cNvPr>
+          <p:cNvGrpSpPr/>
           <p:nvPr/>
-        </p:nvPicPr>
-        <p:blipFill>
-          <a:blip r:embed="rId5"/>
-          <a:stretch>
-            <a:fillRect/>
-          </a:stretch>
-        </p:blipFill>
-        <p:spPr>
+        </p:nvGrpSpPr>
+        <p:grpSpPr>
           <a:xfrm>
-            <a:off x="485440" y="2623746"/>
-            <a:ext cx="2192760" cy="877104"/>
+            <a:off x="6273128" y="2182755"/>
+            <a:ext cx="2559172" cy="1174339"/>
+            <a:chOff x="6273128" y="1152474"/>
+            <a:chExt cx="2559172" cy="1174339"/>
           </a:xfrm>
-          <a:prstGeom prst="rect">
-            <a:avLst/>
-          </a:prstGeom>
-        </p:spPr>
-      </p:pic>
-      <p:pic>
-        <p:nvPicPr>
-          <p:cNvPr id="3" name="Picture 2"/>
-          <p:cNvPicPr>
-            <a:picLocks noChangeAspect="1"/>
-          </p:cNvPicPr>
-          <p:nvPr/>
-        </p:nvPicPr>
-        <p:blipFill>
-          <a:blip r:embed="rId6"/>
-          <a:stretch>
-            <a:fillRect/>
-          </a:stretch>
-        </p:blipFill>
-        <p:spPr>
-          <a:xfrm>
-            <a:off x="6210923" y="1855682"/>
-            <a:ext cx="2679644" cy="1229620"/>
-          </a:xfrm>
-          <a:prstGeom prst="rect">
-            <a:avLst/>
-          </a:prstGeom>
-        </p:spPr>
-      </p:pic>
+        </p:grpSpPr>
+        <p:pic>
+          <p:nvPicPr>
+            <p:cNvPr id="6" name="Picture 5">
+              <a:extLst>
+                <a:ext uri="{FF2B5EF4-FFF2-40B4-BE49-F238E27FC236}">
+                  <a16:creationId xmlns:a16="http://schemas.microsoft.com/office/drawing/2014/main" id="{EE9438A3-52F7-40F1-B69F-686E5B510DBB}"/>
+                </a:ext>
+              </a:extLst>
+            </p:cNvPr>
+            <p:cNvPicPr>
+              <a:picLocks noChangeAspect="1"/>
+            </p:cNvPicPr>
+            <p:nvPr/>
+          </p:nvPicPr>
+          <p:blipFill>
+            <a:blip r:embed="rId4"/>
+            <a:stretch>
+              <a:fillRect/>
+            </a:stretch>
+          </p:blipFill>
+          <p:spPr>
+            <a:xfrm>
+              <a:off x="6273128" y="1152474"/>
+              <a:ext cx="2559172" cy="1174339"/>
+            </a:xfrm>
+            <a:prstGeom prst="rect">
+              <a:avLst/>
+            </a:prstGeom>
+          </p:spPr>
+        </p:pic>
+        <p:sp>
+          <p:nvSpPr>
+            <p:cNvPr id="8" name="Oval 7">
+              <a:extLst>
+                <a:ext uri="{FF2B5EF4-FFF2-40B4-BE49-F238E27FC236}">
+                  <a16:creationId xmlns:a16="http://schemas.microsoft.com/office/drawing/2014/main" id="{3C2B5564-C337-4FF1-BFE8-79184E3D1AB1}"/>
+                </a:ext>
+              </a:extLst>
+            </p:cNvPr>
+            <p:cNvSpPr/>
+            <p:nvPr/>
+          </p:nvSpPr>
+          <p:spPr>
+            <a:xfrm>
+              <a:off x="6804000" y="1262662"/>
+              <a:ext cx="784800" cy="666938"/>
+            </a:xfrm>
+            <a:prstGeom prst="ellipse">
+              <a:avLst/>
+            </a:prstGeom>
+            <a:noFill/>
+            <a:ln w="28575" cap="flat" cmpd="sng" algn="ctr">
+              <a:solidFill>
+                <a:schemeClr val="accent1"/>
+              </a:solidFill>
+              <a:prstDash val="solid"/>
+              <a:round/>
+              <a:headEnd type="none" w="med" len="med"/>
+              <a:tailEnd type="none" w="med" len="med"/>
+            </a:ln>
+          </p:spPr>
+          <p:style>
+            <a:lnRef idx="0">
+              <a:scrgbClr r="0" g="0" b="0"/>
+            </a:lnRef>
+            <a:fillRef idx="0">
+              <a:scrgbClr r="0" g="0" b="0"/>
+            </a:fillRef>
+            <a:effectRef idx="0">
+              <a:scrgbClr r="0" g="0" b="0"/>
+            </a:effectRef>
+            <a:fontRef idx="minor">
+              <a:schemeClr val="accent1"/>
+            </a:fontRef>
+          </p:style>
+          <p:txBody>
+            <a:bodyPr rtlCol="0" anchor="ctr"/>
+            <a:lstStyle/>
+            <a:p>
+              <a:pPr algn="ctr"/>
+              <a:endParaRPr lang="zh-CN" altLang="en-US"/>
+            </a:p>
+          </p:txBody>
+        </p:sp>
+      </p:grpSp>
     </p:spTree>
     <p:extLst>
       <p:ext uri="{BB962C8B-B14F-4D97-AF65-F5344CB8AC3E}">
-        <p14:creationId xmlns:p14="http://schemas.microsoft.com/office/powerpoint/2010/main" val="3776908126"/>
+        <p14:creationId xmlns:p14="http://schemas.microsoft.com/office/powerpoint/2010/main" val="3579262732"/>
       </p:ext>
     </p:extLst>
   </p:cSld>
@@ -8325,6 +8472,427 @@
           <p:cNvPr id="2" name="Title 1">
             <a:extLst>
               <a:ext uri="{FF2B5EF4-FFF2-40B4-BE49-F238E27FC236}">
+                <a16:creationId xmlns:a16="http://schemas.microsoft.com/office/drawing/2014/main" id="{BE39D0B7-AB27-469A-B392-3855DFCE2301}"/>
+              </a:ext>
+            </a:extLst>
+          </p:cNvPr>
+          <p:cNvSpPr>
+            <a:spLocks noGrp="1"/>
+          </p:cNvSpPr>
+          <p:nvPr>
+            <p:ph type="title"/>
+          </p:nvPr>
+        </p:nvSpPr>
+        <p:spPr/>
+        <p:txBody>
+          <a:bodyPr/>
+          <a:lstStyle/>
+          <a:p>
+            <a:r>
+              <a:rPr lang="en-US" altLang="zh-CN" dirty="0"/>
+              <a:t>Capability to deal with uncertainty</a:t>
+            </a:r>
+            <a:endParaRPr lang="zh-CN" altLang="en-US" dirty="0"/>
+          </a:p>
+        </p:txBody>
+      </p:sp>
+      <p:sp>
+        <p:nvSpPr>
+          <p:cNvPr id="3" name="Text Placeholder 2">
+            <a:extLst>
+              <a:ext uri="{FF2B5EF4-FFF2-40B4-BE49-F238E27FC236}">
+                <a16:creationId xmlns:a16="http://schemas.microsoft.com/office/drawing/2014/main" id="{59B091C9-EBDA-455A-AE75-0D847B9A783B}"/>
+              </a:ext>
+            </a:extLst>
+          </p:cNvPr>
+          <p:cNvSpPr>
+            <a:spLocks noGrp="1"/>
+          </p:cNvSpPr>
+          <p:nvPr>
+            <p:ph type="body" idx="1"/>
+          </p:nvPr>
+        </p:nvSpPr>
+        <p:spPr/>
+        <p:txBody>
+          <a:bodyPr/>
+          <a:lstStyle/>
+          <a:p>
+            <a:pPr>
+              <a:spcAft>
+                <a:spcPts val="800"/>
+              </a:spcAft>
+            </a:pPr>
+            <a:r>
+              <a:rPr lang="en-US" altLang="zh-CN" dirty="0"/>
+              <a:t>If the additional behavior of the environment would not cause property violation, we say the system can deal with the uncertainty.</a:t>
+            </a:r>
+          </a:p>
+          <a:p>
+            <a:pPr>
+              <a:spcAft>
+                <a:spcPts val="800"/>
+              </a:spcAft>
+            </a:pPr>
+            <a:r>
+              <a:rPr lang="en-US" altLang="zh-CN" dirty="0"/>
+              <a:t>Capability of a system to deal with uncertainty is the additional behavior allowed by the system, that is not in the </a:t>
+            </a:r>
+            <a:r>
+              <a:rPr lang="en-US" altLang="zh-CN" i="1" dirty="0"/>
+              <a:t>base environment</a:t>
+            </a:r>
+            <a:r>
+              <a:rPr lang="en-US" altLang="zh-CN" dirty="0"/>
+              <a:t>.</a:t>
+            </a:r>
+          </a:p>
+          <a:p>
+            <a:pPr>
+              <a:spcAft>
+                <a:spcPts val="800"/>
+              </a:spcAft>
+            </a:pPr>
+            <a:r>
+              <a:rPr lang="en-US" altLang="zh-CN" dirty="0"/>
+              <a:t>Intuitively, </a:t>
+            </a:r>
+            <a:r>
+              <a:rPr lang="en-US" altLang="zh-CN" i="1" dirty="0"/>
+              <a:t>Capability(S) = </a:t>
+            </a:r>
+            <a:r>
+              <a:rPr lang="en-US" altLang="zh-CN" i="1" dirty="0" err="1"/>
+              <a:t>AllowedEnv</a:t>
+            </a:r>
+            <a:r>
+              <a:rPr lang="en-US" altLang="zh-CN" i="1" dirty="0"/>
+              <a:t>(S) – Beh(Env</a:t>
+            </a:r>
+            <a:r>
+              <a:rPr lang="en-US" altLang="zh-CN" i="1" baseline="-25000" dirty="0"/>
+              <a:t>base</a:t>
+            </a:r>
+            <a:r>
+              <a:rPr lang="en-US" altLang="zh-CN" i="1" dirty="0"/>
+              <a:t>).</a:t>
+            </a:r>
+            <a:endParaRPr lang="zh-CN" altLang="en-US" i="1" dirty="0"/>
+          </a:p>
+        </p:txBody>
+      </p:sp>
+      <p:sp>
+        <p:nvSpPr>
+          <p:cNvPr id="4" name="Slide Number Placeholder 3">
+            <a:extLst>
+              <a:ext uri="{FF2B5EF4-FFF2-40B4-BE49-F238E27FC236}">
+                <a16:creationId xmlns:a16="http://schemas.microsoft.com/office/drawing/2014/main" id="{A8BD16C6-D6E3-42FD-A356-EE2CDE05A150}"/>
+              </a:ext>
+            </a:extLst>
+          </p:cNvPr>
+          <p:cNvSpPr>
+            <a:spLocks noGrp="1"/>
+          </p:cNvSpPr>
+          <p:nvPr>
+            <p:ph type="sldNum" idx="12"/>
+          </p:nvPr>
+        </p:nvSpPr>
+        <p:spPr/>
+        <p:txBody>
+          <a:bodyPr/>
+          <a:lstStyle/>
+          <a:p>
+            <a:pPr marL="0" lvl="0" indent="0" algn="r" rtl="0">
+              <a:spcBef>
+                <a:spcPts val="0"/>
+              </a:spcBef>
+              <a:spcAft>
+                <a:spcPts val="0"/>
+              </a:spcAft>
+              <a:buNone/>
+            </a:pPr>
+            <a:fld id="{00000000-1234-1234-1234-123412341234}" type="slidenum">
+              <a:rPr lang="en" smtClean="0"/>
+              <a:t>12</a:t>
+            </a:fld>
+            <a:endParaRPr lang="en"/>
+          </a:p>
+        </p:txBody>
+      </p:sp>
+      <p:sp>
+        <p:nvSpPr>
+          <p:cNvPr id="6" name="Thought Bubble: Cloud 5">
+            <a:extLst>
+              <a:ext uri="{FF2B5EF4-FFF2-40B4-BE49-F238E27FC236}">
+                <a16:creationId xmlns:a16="http://schemas.microsoft.com/office/drawing/2014/main" id="{DE34CD99-9C07-45A2-B4B5-ACC1A7F72A8A}"/>
+              </a:ext>
+            </a:extLst>
+          </p:cNvPr>
+          <p:cNvSpPr/>
+          <p:nvPr/>
+        </p:nvSpPr>
+        <p:spPr>
+          <a:xfrm>
+            <a:off x="1260000" y="3230274"/>
+            <a:ext cx="2944800" cy="1147325"/>
+          </a:xfrm>
+          <a:prstGeom prst="cloudCallout">
+            <a:avLst>
+              <a:gd name="adj1" fmla="val 41971"/>
+              <a:gd name="adj2" fmla="val -69826"/>
+            </a:avLst>
+          </a:prstGeom>
+        </p:spPr>
+        <p:style>
+          <a:lnRef idx="2">
+            <a:schemeClr val="accent1">
+              <a:shade val="50000"/>
+            </a:schemeClr>
+          </a:lnRef>
+          <a:fillRef idx="1">
+            <a:schemeClr val="accent1"/>
+          </a:fillRef>
+          <a:effectRef idx="0">
+            <a:schemeClr val="accent1"/>
+          </a:effectRef>
+          <a:fontRef idx="minor">
+            <a:schemeClr val="lt1"/>
+          </a:fontRef>
+        </p:style>
+        <p:txBody>
+          <a:bodyPr rtlCol="0" anchor="ctr"/>
+          <a:lstStyle/>
+          <a:p>
+            <a:pPr algn="ctr"/>
+            <a:r>
+              <a:rPr lang="en-US" altLang="zh-CN" dirty="0"/>
+              <a:t>How to generate the allowed behavior of the environment?</a:t>
+            </a:r>
+            <a:endParaRPr lang="zh-CN" altLang="en-US" dirty="0"/>
+          </a:p>
+        </p:txBody>
+      </p:sp>
+      <p:sp>
+        <p:nvSpPr>
+          <p:cNvPr id="7" name="Thought Bubble: Cloud 6">
+            <a:extLst>
+              <a:ext uri="{FF2B5EF4-FFF2-40B4-BE49-F238E27FC236}">
+                <a16:creationId xmlns:a16="http://schemas.microsoft.com/office/drawing/2014/main" id="{C2331446-CF29-428A-8F5D-8D5A703B8D61}"/>
+              </a:ext>
+            </a:extLst>
+          </p:cNvPr>
+          <p:cNvSpPr/>
+          <p:nvPr/>
+        </p:nvSpPr>
+        <p:spPr>
+          <a:xfrm>
+            <a:off x="5083202" y="3230275"/>
+            <a:ext cx="2498398" cy="945726"/>
+          </a:xfrm>
+          <a:prstGeom prst="cloudCallout">
+            <a:avLst>
+              <a:gd name="adj1" fmla="val -50811"/>
+              <a:gd name="adj2" fmla="val -78151"/>
+            </a:avLst>
+          </a:prstGeom>
+        </p:spPr>
+        <p:style>
+          <a:lnRef idx="2">
+            <a:schemeClr val="accent1">
+              <a:shade val="50000"/>
+            </a:schemeClr>
+          </a:lnRef>
+          <a:fillRef idx="1">
+            <a:schemeClr val="accent1"/>
+          </a:fillRef>
+          <a:effectRef idx="0">
+            <a:schemeClr val="accent1"/>
+          </a:effectRef>
+          <a:fontRef idx="minor">
+            <a:schemeClr val="lt1"/>
+          </a:fontRef>
+        </p:style>
+        <p:txBody>
+          <a:bodyPr rtlCol="0" anchor="ctr"/>
+          <a:lstStyle/>
+          <a:p>
+            <a:pPr algn="ctr"/>
+            <a:r>
+              <a:rPr lang="en-US" altLang="zh-CN" dirty="0"/>
+              <a:t>How to define the LTS minus operator?</a:t>
+            </a:r>
+            <a:endParaRPr lang="zh-CN" altLang="en-US" dirty="0"/>
+          </a:p>
+        </p:txBody>
+      </p:sp>
+    </p:spTree>
+    <p:extLst>
+      <p:ext uri="{BB962C8B-B14F-4D97-AF65-F5344CB8AC3E}">
+        <p14:creationId xmlns:p14="http://schemas.microsoft.com/office/powerpoint/2010/main" val="1543839397"/>
+      </p:ext>
+    </p:extLst>
+  </p:cSld>
+  <p:clrMapOvr>
+    <a:masterClrMapping/>
+  </p:clrMapOvr>
+</p:sld>
+</file>
+
+<file path=ppt/slides/slide13.xml><?xml version="1.0" encoding="utf-8"?>
+<p:sld xmlns:a="http://schemas.openxmlformats.org/drawingml/2006/main" xmlns:r="http://schemas.openxmlformats.org/officeDocument/2006/relationships" xmlns:p="http://schemas.openxmlformats.org/presentationml/2006/main">
+  <p:cSld>
+    <p:spTree>
+      <p:nvGrpSpPr>
+        <p:cNvPr id="1" name=""/>
+        <p:cNvGrpSpPr/>
+        <p:nvPr/>
+      </p:nvGrpSpPr>
+      <p:grpSpPr>
+        <a:xfrm>
+          <a:off x="0" y="0"/>
+          <a:ext cx="0" cy="0"/>
+          <a:chOff x="0" y="0"/>
+          <a:chExt cx="0" cy="0"/>
+        </a:xfrm>
+      </p:grpSpPr>
+      <p:sp>
+        <p:nvSpPr>
+          <p:cNvPr id="2" name="Title 1">
+            <a:extLst>
+              <a:ext uri="{FF2B5EF4-FFF2-40B4-BE49-F238E27FC236}">
+                <a16:creationId xmlns:a16="http://schemas.microsoft.com/office/drawing/2014/main" id="{90B5F31C-C43B-40A3-956E-062368675942}"/>
+              </a:ext>
+            </a:extLst>
+          </p:cNvPr>
+          <p:cNvSpPr>
+            <a:spLocks noGrp="1"/>
+          </p:cNvSpPr>
+          <p:nvPr>
+            <p:ph type="title"/>
+          </p:nvPr>
+        </p:nvSpPr>
+        <p:spPr/>
+        <p:txBody>
+          <a:bodyPr/>
+          <a:lstStyle/>
+          <a:p>
+            <a:r>
+              <a:rPr lang="en-US" altLang="zh-CN" dirty="0"/>
+              <a:t>Generating weakest assumption</a:t>
+            </a:r>
+            <a:endParaRPr lang="zh-CN" altLang="en-US" dirty="0"/>
+          </a:p>
+        </p:txBody>
+      </p:sp>
+      <p:sp>
+        <p:nvSpPr>
+          <p:cNvPr id="3" name="Text Placeholder 2">
+            <a:extLst>
+              <a:ext uri="{FF2B5EF4-FFF2-40B4-BE49-F238E27FC236}">
+                <a16:creationId xmlns:a16="http://schemas.microsoft.com/office/drawing/2014/main" id="{BCADE428-090D-4311-A904-541194D53C0E}"/>
+              </a:ext>
+            </a:extLst>
+          </p:cNvPr>
+          <p:cNvSpPr>
+            <a:spLocks noGrp="1"/>
+          </p:cNvSpPr>
+          <p:nvPr>
+            <p:ph type="body" idx="1"/>
+          </p:nvPr>
+        </p:nvSpPr>
+        <p:spPr/>
+        <p:txBody>
+          <a:bodyPr/>
+          <a:lstStyle/>
+          <a:p>
+            <a:r>
+              <a:rPr lang="en-US" altLang="zh-CN" dirty="0"/>
+              <a:t>The </a:t>
+            </a:r>
+            <a:r>
+              <a:rPr lang="en-US" altLang="zh-CN" i="1" dirty="0"/>
+              <a:t>assumption</a:t>
+            </a:r>
+            <a:r>
+              <a:rPr lang="en-US" altLang="zh-CN" dirty="0"/>
+              <a:t> of a system is</a:t>
+            </a:r>
+            <a:endParaRPr lang="zh-CN" altLang="en-US" dirty="0"/>
+          </a:p>
+        </p:txBody>
+      </p:sp>
+      <p:sp>
+        <p:nvSpPr>
+          <p:cNvPr id="4" name="Slide Number Placeholder 3">
+            <a:extLst>
+              <a:ext uri="{FF2B5EF4-FFF2-40B4-BE49-F238E27FC236}">
+                <a16:creationId xmlns:a16="http://schemas.microsoft.com/office/drawing/2014/main" id="{8A2AA3EA-9BD5-452B-A9C0-F85B4A7FB2A6}"/>
+              </a:ext>
+            </a:extLst>
+          </p:cNvPr>
+          <p:cNvSpPr>
+            <a:spLocks noGrp="1"/>
+          </p:cNvSpPr>
+          <p:nvPr>
+            <p:ph type="sldNum" idx="12"/>
+          </p:nvPr>
+        </p:nvSpPr>
+        <p:spPr/>
+        <p:txBody>
+          <a:bodyPr/>
+          <a:lstStyle/>
+          <a:p>
+            <a:pPr marL="0" lvl="0" indent="0" algn="r" rtl="0">
+              <a:spcBef>
+                <a:spcPts val="0"/>
+              </a:spcBef>
+              <a:spcAft>
+                <a:spcPts val="0"/>
+              </a:spcAft>
+              <a:buNone/>
+            </a:pPr>
+            <a:fld id="{00000000-1234-1234-1234-123412341234}" type="slidenum">
+              <a:rPr lang="en" smtClean="0"/>
+              <a:t>13</a:t>
+            </a:fld>
+            <a:endParaRPr lang="en"/>
+          </a:p>
+        </p:txBody>
+      </p:sp>
+    </p:spTree>
+    <p:extLst>
+      <p:ext uri="{BB962C8B-B14F-4D97-AF65-F5344CB8AC3E}">
+        <p14:creationId xmlns:p14="http://schemas.microsoft.com/office/powerpoint/2010/main" val="3877037453"/>
+      </p:ext>
+    </p:extLst>
+  </p:cSld>
+  <p:clrMapOvr>
+    <a:masterClrMapping/>
+  </p:clrMapOvr>
+</p:sld>
+</file>
+
+<file path=ppt/slides/slide14.xml><?xml version="1.0" encoding="utf-8"?>
+<p:sld xmlns:a="http://schemas.openxmlformats.org/drawingml/2006/main" xmlns:r="http://schemas.openxmlformats.org/officeDocument/2006/relationships" xmlns:p="http://schemas.openxmlformats.org/presentationml/2006/main">
+  <p:cSld>
+    <p:spTree>
+      <p:nvGrpSpPr>
+        <p:cNvPr id="1" name=""/>
+        <p:cNvGrpSpPr/>
+        <p:nvPr/>
+      </p:nvGrpSpPr>
+      <p:grpSpPr>
+        <a:xfrm>
+          <a:off x="0" y="0"/>
+          <a:ext cx="0" cy="0"/>
+          <a:chOff x="0" y="0"/>
+          <a:chExt cx="0" cy="0"/>
+        </a:xfrm>
+      </p:grpSpPr>
+      <p:sp>
+        <p:nvSpPr>
+          <p:cNvPr id="2" name="Title 1">
+            <a:extLst>
+              <a:ext uri="{FF2B5EF4-FFF2-40B4-BE49-F238E27FC236}">
                 <a16:creationId xmlns:a16="http://schemas.microsoft.com/office/drawing/2014/main" id="{BA6B2C50-9FFA-4A11-A88F-BF827DE3D7EB}"/>
               </a:ext>
             </a:extLst>
@@ -8372,15 +8940,7 @@
           <a:p>
             <a:r>
               <a:rPr lang="en-US" altLang="zh-CN" sz="1600" dirty="0"/>
-              <a:t>Uncertainty is the </a:t>
-            </a:r>
-            <a:r>
-              <a:rPr lang="en-US" altLang="zh-CN" sz="1600" dirty="0" smtClean="0"/>
-              <a:t>additional behavior that is not in the baseline environment which </a:t>
-            </a:r>
-            <a:r>
-              <a:rPr lang="en-US" altLang="zh-CN" sz="1600" dirty="0"/>
-              <a:t>may cause property violations.</a:t>
+              <a:t>Uncertainty is the additional behavior that is not in the baseline environment which may cause property violations.</a:t>
             </a:r>
           </a:p>
           <a:p>
@@ -8462,7 +9022,7 @@
             </a:pPr>
             <a:fld id="{00000000-1234-1234-1234-123412341234}" type="slidenum">
               <a:rPr lang="en" smtClean="0"/>
-              <a:t>12</a:t>
+              <a:t>14</a:t>
             </a:fld>
             <a:endParaRPr lang="en"/>
           </a:p>
@@ -8889,7 +9449,7 @@
 </p:sld>
 </file>
 
-<file path=ppt/slides/slide13.xml><?xml version="1.0" encoding="utf-8"?>
+<file path=ppt/slides/slide15.xml><?xml version="1.0" encoding="utf-8"?>
 <p:sld xmlns:a="http://schemas.openxmlformats.org/drawingml/2006/main" xmlns:r="http://schemas.openxmlformats.org/officeDocument/2006/relationships" xmlns:p="http://schemas.openxmlformats.org/presentationml/2006/main">
   <p:cSld>
     <p:spTree>
@@ -8955,7 +9515,7 @@
             </a:pPr>
             <a:fld id="{00000000-1234-1234-1234-123412341234}" type="slidenum">
               <a:rPr lang="en" smtClean="0"/>
-              <a:t>13</a:t>
+              <a:t>15</a:t>
             </a:fld>
             <a:endParaRPr lang="en"/>
           </a:p>
@@ -9005,17 +9565,10 @@
   <p:clrMapOvr>
     <a:masterClrMapping/>
   </p:clrMapOvr>
-  <p:timing>
-    <p:tnLst>
-      <p:par>
-        <p:cTn id="1" dur="indefinite" restart="never" nodeType="tmRoot"/>
-      </p:par>
-    </p:tnLst>
-  </p:timing>
 </p:sld>
 </file>
 
-<file path=ppt/slides/slide14.xml><?xml version="1.0" encoding="utf-8"?>
+<file path=ppt/slides/slide16.xml><?xml version="1.0" encoding="utf-8"?>
 <p:sld xmlns:a="http://schemas.openxmlformats.org/drawingml/2006/main" xmlns:r="http://schemas.openxmlformats.org/officeDocument/2006/relationships" xmlns:p="http://schemas.openxmlformats.org/presentationml/2006/main">
   <p:cSld>
     <p:spTree>
@@ -9071,17 +9624,8 @@
           <a:p>
             <a:r>
               <a:rPr lang="en-US" sz="1600" dirty="0"/>
-              <a:t>The capability of a system can be represented as all </a:t>
-            </a:r>
-            <a:r>
-              <a:rPr lang="en-US" sz="1600" dirty="0" smtClean="0"/>
-              <a:t>the</a:t>
-            </a:r>
-            <a:r>
-              <a:rPr lang="en-US" sz="1600" dirty="0" smtClean="0"/>
-              <a:t> traces of the LTS.</a:t>
-            </a:r>
-            <a:endParaRPr lang="en-US" sz="1600" dirty="0"/>
+              <a:t>The capability of a system can be represented as all the traces of the LTS.</a:t>
+            </a:r>
           </a:p>
           <a:p>
             <a:r>
@@ -9123,7 +9667,7 @@
             </a:pPr>
             <a:fld id="{00000000-1234-1234-1234-123412341234}" type="slidenum">
               <a:rPr lang="en" smtClean="0"/>
-              <a:t>14</a:t>
+              <a:t>16</a:t>
             </a:fld>
             <a:endParaRPr lang="en"/>
           </a:p>
@@ -9236,7 +9780,7 @@
 </p:sld>
 </file>
 
-<file path=ppt/slides/slide15.xml><?xml version="1.0" encoding="utf-8"?>
+<file path=ppt/slides/slide17.xml><?xml version="1.0" encoding="utf-8"?>
 <p:sld xmlns:a="http://schemas.openxmlformats.org/drawingml/2006/main" xmlns:r="http://schemas.openxmlformats.org/officeDocument/2006/relationships" xmlns:p="http://schemas.openxmlformats.org/presentationml/2006/main">
   <p:cSld>
     <p:spTree>
@@ -9292,21 +9836,8 @@
           <a:p>
             <a:r>
               <a:rPr lang="en-US" dirty="0"/>
-              <a:t>The projected </a:t>
-            </a:r>
-            <a:r>
-              <a:rPr lang="en-US" dirty="0" smtClean="0"/>
-              <a:t>model </a:t>
-            </a:r>
-            <a:r>
-              <a:rPr lang="en-US" dirty="0"/>
-              <a:t>describes all the possible traces of the environment that the system can work </a:t>
-            </a:r>
-            <a:r>
-              <a:rPr lang="en-US" dirty="0" smtClean="0"/>
-              <a:t>with (i.e., deadlock-free).</a:t>
-            </a:r>
-            <a:endParaRPr lang="en-US" dirty="0"/>
+              <a:t>The projected model describes all the possible traces of the environment that the system can work with (i.e., deadlock-free).</a:t>
+            </a:r>
           </a:p>
           <a:p>
             <a:r>
@@ -9367,7 +9898,7 @@
             </a:pPr>
             <a:fld id="{00000000-1234-1234-1234-123412341234}" type="slidenum">
               <a:rPr lang="en" smtClean="0"/>
-              <a:t>15</a:t>
+              <a:t>17</a:t>
             </a:fld>
             <a:endParaRPr lang="en"/>
           </a:p>
@@ -9410,7 +9941,7 @@
 </p:sld>
 </file>
 
-<file path=ppt/slides/slide16.xml><?xml version="1.0" encoding="utf-8"?>
+<file path=ppt/slides/slide18.xml><?xml version="1.0" encoding="utf-8"?>
 <p:sld xmlns:a="http://schemas.openxmlformats.org/drawingml/2006/main" xmlns:r="http://schemas.openxmlformats.org/officeDocument/2006/relationships" xmlns:p="http://schemas.openxmlformats.org/presentationml/2006/main">
   <p:cSld>
     <p:spTree>
@@ -9537,7 +10068,7 @@
             </a:pPr>
             <a:fld id="{00000000-1234-1234-1234-123412341234}" type="slidenum">
               <a:rPr lang="en" smtClean="0"/>
-              <a:t>16</a:t>
+              <a:t>18</a:t>
             </a:fld>
             <a:endParaRPr lang="en"/>
           </a:p>
@@ -9586,7 +10117,7 @@
 </p:sld>
 </file>
 
-<file path=ppt/slides/slide17.xml><?xml version="1.0" encoding="utf-8"?>
+<file path=ppt/slides/slide19.xml><?xml version="1.0" encoding="utf-8"?>
 <p:sld xmlns:a="http://schemas.openxmlformats.org/drawingml/2006/main" xmlns:r="http://schemas.openxmlformats.org/officeDocument/2006/relationships" xmlns:p="http://schemas.openxmlformats.org/presentationml/2006/main">
   <p:cSld>
     <p:spTree>
@@ -9619,20 +10150,8 @@
           <a:lstStyle/>
           <a:p>
             <a:r>
-              <a:rPr lang="en-US" dirty="0" smtClean="0"/>
-              <a:t>Stronger </a:t>
-            </a:r>
-            <a:r>
               <a:rPr lang="en-US" dirty="0"/>
-              <a:t>and </a:t>
-            </a:r>
-            <a:r>
-              <a:rPr lang="en-US" dirty="0" smtClean="0"/>
-              <a:t>Weaker </a:t>
-            </a:r>
-            <a:r>
-              <a:rPr lang="en-US" dirty="0"/>
-              <a:t>assumption</a:t>
+              <a:t>Stronger and Weaker assumption</a:t>
             </a:r>
           </a:p>
         </p:txBody>
@@ -9706,7 +10225,7 @@
             </a:pPr>
             <a:fld id="{00000000-1234-1234-1234-123412341234}" type="slidenum">
               <a:rPr lang="en" smtClean="0"/>
-              <a:t>17</a:t>
+              <a:t>19</a:t>
             </a:fld>
             <a:endParaRPr lang="en"/>
           </a:p>
@@ -9785,7 +10304,141 @@
 </p:sld>
 </file>
 
-<file path=ppt/slides/slide18.xml><?xml version="1.0" encoding="utf-8"?>
+<file path=ppt/slides/slide2.xml><?xml version="1.0" encoding="utf-8"?>
+<p:sld xmlns:a="http://schemas.openxmlformats.org/drawingml/2006/main" xmlns:r="http://schemas.openxmlformats.org/officeDocument/2006/relationships" xmlns:p="http://schemas.openxmlformats.org/presentationml/2006/main" show="0">
+  <p:cSld>
+    <p:spTree>
+      <p:nvGrpSpPr>
+        <p:cNvPr id="1" name=""/>
+        <p:cNvGrpSpPr/>
+        <p:nvPr/>
+      </p:nvGrpSpPr>
+      <p:grpSpPr>
+        <a:xfrm>
+          <a:off x="0" y="0"/>
+          <a:ext cx="0" cy="0"/>
+          <a:chOff x="0" y="0"/>
+          <a:chExt cx="0" cy="0"/>
+        </a:xfrm>
+      </p:grpSpPr>
+      <p:sp>
+        <p:nvSpPr>
+          <p:cNvPr id="2" name="Title 1">
+            <a:extLst>
+              <a:ext uri="{FF2B5EF4-FFF2-40B4-BE49-F238E27FC236}">
+                <a16:creationId xmlns:a16="http://schemas.microsoft.com/office/drawing/2014/main" id="{002A871F-18A2-4401-B6B9-077086628C4E}"/>
+              </a:ext>
+            </a:extLst>
+          </p:cNvPr>
+          <p:cNvSpPr>
+            <a:spLocks noGrp="1"/>
+          </p:cNvSpPr>
+          <p:nvPr>
+            <p:ph type="title"/>
+          </p:nvPr>
+        </p:nvSpPr>
+        <p:spPr/>
+        <p:txBody>
+          <a:bodyPr/>
+          <a:lstStyle/>
+          <a:p>
+            <a:r>
+              <a:rPr lang="en-US" altLang="zh-CN" dirty="0"/>
+              <a:t>Agenda</a:t>
+            </a:r>
+            <a:endParaRPr lang="zh-CN" altLang="en-US" dirty="0"/>
+          </a:p>
+        </p:txBody>
+      </p:sp>
+      <p:sp>
+        <p:nvSpPr>
+          <p:cNvPr id="3" name="Text Placeholder 2">
+            <a:extLst>
+              <a:ext uri="{FF2B5EF4-FFF2-40B4-BE49-F238E27FC236}">
+                <a16:creationId xmlns:a16="http://schemas.microsoft.com/office/drawing/2014/main" id="{8D97EDBA-6795-4FFA-BF7E-762491D0EB39}"/>
+              </a:ext>
+            </a:extLst>
+          </p:cNvPr>
+          <p:cNvSpPr>
+            <a:spLocks noGrp="1"/>
+          </p:cNvSpPr>
+          <p:nvPr>
+            <p:ph type="body" idx="1"/>
+          </p:nvPr>
+        </p:nvSpPr>
+        <p:spPr/>
+        <p:txBody>
+          <a:bodyPr/>
+          <a:lstStyle/>
+          <a:p>
+            <a:r>
+              <a:rPr lang="en-US" altLang="zh-CN" dirty="0"/>
+              <a:t>Robustness Definition</a:t>
+            </a:r>
+          </a:p>
+          <a:p>
+            <a:r>
+              <a:rPr lang="en-US" altLang="zh-CN" dirty="0"/>
+              <a:t>Research Problem and Goal</a:t>
+            </a:r>
+          </a:p>
+          <a:p>
+            <a:endParaRPr lang="zh-CN" altLang="en-US" dirty="0"/>
+          </a:p>
+        </p:txBody>
+      </p:sp>
+      <p:sp>
+        <p:nvSpPr>
+          <p:cNvPr id="4" name="Slide Number Placeholder 3">
+            <a:extLst>
+              <a:ext uri="{FF2B5EF4-FFF2-40B4-BE49-F238E27FC236}">
+                <a16:creationId xmlns:a16="http://schemas.microsoft.com/office/drawing/2014/main" id="{6B4CE1E3-8D12-4A2F-87D4-6395F5C91DDC}"/>
+              </a:ext>
+            </a:extLst>
+          </p:cNvPr>
+          <p:cNvSpPr>
+            <a:spLocks noGrp="1"/>
+          </p:cNvSpPr>
+          <p:nvPr>
+            <p:ph type="sldNum" idx="12"/>
+          </p:nvPr>
+        </p:nvSpPr>
+        <p:spPr/>
+        <p:txBody>
+          <a:bodyPr/>
+          <a:lstStyle/>
+          <a:p>
+            <a:pPr marL="0" lvl="0" indent="0" algn="r" rtl="0">
+              <a:spcBef>
+                <a:spcPts val="0"/>
+              </a:spcBef>
+              <a:spcAft>
+                <a:spcPts val="0"/>
+              </a:spcAft>
+              <a:buNone/>
+            </a:pPr>
+            <a:fld id="{00000000-1234-1234-1234-123412341234}" type="slidenum">
+              <a:rPr lang="en" smtClean="0"/>
+              <a:t>2</a:t>
+            </a:fld>
+            <a:endParaRPr lang="en"/>
+          </a:p>
+        </p:txBody>
+      </p:sp>
+    </p:spTree>
+    <p:extLst>
+      <p:ext uri="{BB962C8B-B14F-4D97-AF65-F5344CB8AC3E}">
+        <p14:creationId xmlns:p14="http://schemas.microsoft.com/office/powerpoint/2010/main" val="3292415568"/>
+      </p:ext>
+    </p:extLst>
+  </p:cSld>
+  <p:clrMapOvr>
+    <a:masterClrMapping/>
+  </p:clrMapOvr>
+</p:sld>
+</file>
+
+<file path=ppt/slides/slide20.xml><?xml version="1.0" encoding="utf-8"?>
 <p:sld xmlns:a="http://schemas.openxmlformats.org/drawingml/2006/main" xmlns:r="http://schemas.openxmlformats.org/officeDocument/2006/relationships" xmlns:p="http://schemas.openxmlformats.org/presentationml/2006/main">
   <p:cSld>
     <p:spTree>
@@ -9863,7 +10516,7 @@
             </a:pPr>
             <a:fld id="{00000000-1234-1234-1234-123412341234}" type="slidenum">
               <a:rPr lang="en" smtClean="0"/>
-              <a:t>18</a:t>
+              <a:t>20</a:t>
             </a:fld>
             <a:endParaRPr lang="en"/>
           </a:p>
@@ -9913,17 +10566,10 @@
   <p:clrMapOvr>
     <a:masterClrMapping/>
   </p:clrMapOvr>
-  <p:timing>
-    <p:tnLst>
-      <p:par>
-        <p:cTn id="1" dur="indefinite" restart="never" nodeType="tmRoot"/>
-      </p:par>
-    </p:tnLst>
-  </p:timing>
 </p:sld>
 </file>
 
-<file path=ppt/slides/slide19.xml><?xml version="1.0" encoding="utf-8"?>
+<file path=ppt/slides/slide21.xml><?xml version="1.0" encoding="utf-8"?>
 <p:sld xmlns:a="http://schemas.openxmlformats.org/drawingml/2006/main" xmlns:r="http://schemas.openxmlformats.org/officeDocument/2006/relationships" xmlns:p="http://schemas.openxmlformats.org/presentationml/2006/main">
   <p:cSld>
     <p:spTree>
@@ -9956,10 +10602,9 @@
           <a:lstStyle/>
           <a:p>
             <a:r>
-              <a:rPr lang="en-US" dirty="0" smtClean="0"/>
+              <a:rPr lang="en-US" dirty="0"/>
               <a:t>Application</a:t>
             </a:r>
-            <a:endParaRPr lang="en-US" dirty="0"/>
           </a:p>
         </p:txBody>
       </p:sp>
@@ -9979,19 +10624,19 @@
           <a:lstStyle/>
           <a:p>
             <a:r>
-              <a:rPr lang="en-US" dirty="0" smtClean="0"/>
+              <a:rPr lang="en-US" dirty="0"/>
               <a:t>Security protocol and attacker model</a:t>
             </a:r>
           </a:p>
           <a:p>
             <a:r>
-              <a:rPr lang="en-US" dirty="0" smtClean="0"/>
+              <a:rPr lang="en-US" dirty="0"/>
               <a:t>Human machine interface model and human behavior model</a:t>
             </a:r>
           </a:p>
           <a:p>
             <a:r>
-              <a:rPr lang="en-US" dirty="0" smtClean="0"/>
+              <a:rPr lang="en-US" dirty="0"/>
               <a:t>Distributed protocol and fault model</a:t>
             </a:r>
           </a:p>
@@ -10026,7 +10671,7 @@
             </a:pPr>
             <a:fld id="{00000000-1234-1234-1234-123412341234}" type="slidenum">
               <a:rPr lang="en" smtClean="0"/>
-              <a:t>19</a:t>
+              <a:t>21</a:t>
             </a:fld>
             <a:endParaRPr lang="en"/>
           </a:p>
@@ -10042,142 +10687,6 @@
   <p:clrMapOvr>
     <a:masterClrMapping/>
   </p:clrMapOvr>
-</p:sld>
-</file>
-
-<file path=ppt/slides/slide2.xml><?xml version="1.0" encoding="utf-8"?>
-<p:sld xmlns:a="http://schemas.openxmlformats.org/drawingml/2006/main" xmlns:r="http://schemas.openxmlformats.org/officeDocument/2006/relationships" xmlns:p="http://schemas.openxmlformats.org/presentationml/2006/main" show="0">
-  <p:cSld>
-    <p:spTree>
-      <p:nvGrpSpPr>
-        <p:cNvPr id="1" name=""/>
-        <p:cNvGrpSpPr/>
-        <p:nvPr/>
-      </p:nvGrpSpPr>
-      <p:grpSpPr>
-        <a:xfrm>
-          <a:off x="0" y="0"/>
-          <a:ext cx="0" cy="0"/>
-          <a:chOff x="0" y="0"/>
-          <a:chExt cx="0" cy="0"/>
-        </a:xfrm>
-      </p:grpSpPr>
-      <p:sp>
-        <p:nvSpPr>
-          <p:cNvPr id="2" name="Title 1">
-            <a:extLst>
-              <a:ext uri="{FF2B5EF4-FFF2-40B4-BE49-F238E27FC236}">
-                <a16:creationId xmlns:a16="http://schemas.microsoft.com/office/drawing/2014/main" id="{002A871F-18A2-4401-B6B9-077086628C4E}"/>
-              </a:ext>
-            </a:extLst>
-          </p:cNvPr>
-          <p:cNvSpPr>
-            <a:spLocks noGrp="1"/>
-          </p:cNvSpPr>
-          <p:nvPr>
-            <p:ph type="title"/>
-          </p:nvPr>
-        </p:nvSpPr>
-        <p:spPr/>
-        <p:txBody>
-          <a:bodyPr/>
-          <a:lstStyle/>
-          <a:p>
-            <a:r>
-              <a:rPr lang="en-US" altLang="zh-CN" dirty="0"/>
-              <a:t>Agenda</a:t>
-            </a:r>
-            <a:endParaRPr lang="zh-CN" altLang="en-US" dirty="0"/>
-          </a:p>
-        </p:txBody>
-      </p:sp>
-      <p:sp>
-        <p:nvSpPr>
-          <p:cNvPr id="3" name="Text Placeholder 2">
-            <a:extLst>
-              <a:ext uri="{FF2B5EF4-FFF2-40B4-BE49-F238E27FC236}">
-                <a16:creationId xmlns:a16="http://schemas.microsoft.com/office/drawing/2014/main" id="{8D97EDBA-6795-4FFA-BF7E-762491D0EB39}"/>
-              </a:ext>
-            </a:extLst>
-          </p:cNvPr>
-          <p:cNvSpPr>
-            <a:spLocks noGrp="1"/>
-          </p:cNvSpPr>
-          <p:nvPr>
-            <p:ph type="body" idx="1"/>
-          </p:nvPr>
-        </p:nvSpPr>
-        <p:spPr/>
-        <p:txBody>
-          <a:bodyPr/>
-          <a:lstStyle/>
-          <a:p>
-            <a:r>
-              <a:rPr lang="en-US" altLang="zh-CN" dirty="0"/>
-              <a:t>Robustness Definition</a:t>
-            </a:r>
-          </a:p>
-          <a:p>
-            <a:endParaRPr lang="zh-CN" altLang="en-US" dirty="0"/>
-          </a:p>
-        </p:txBody>
-      </p:sp>
-      <p:sp>
-        <p:nvSpPr>
-          <p:cNvPr id="4" name="Slide Number Placeholder 3">
-            <a:extLst>
-              <a:ext uri="{FF2B5EF4-FFF2-40B4-BE49-F238E27FC236}">
-                <a16:creationId xmlns:a16="http://schemas.microsoft.com/office/drawing/2014/main" id="{6B4CE1E3-8D12-4A2F-87D4-6395F5C91DDC}"/>
-              </a:ext>
-            </a:extLst>
-          </p:cNvPr>
-          <p:cNvSpPr>
-            <a:spLocks noGrp="1"/>
-          </p:cNvSpPr>
-          <p:nvPr>
-            <p:ph type="sldNum" idx="12"/>
-          </p:nvPr>
-        </p:nvSpPr>
-        <p:spPr/>
-        <p:txBody>
-          <a:bodyPr/>
-          <a:lstStyle/>
-          <a:p>
-            <a:pPr marL="0" lvl="0" indent="0" algn="r" rtl="0">
-              <a:spcBef>
-                <a:spcPts val="0"/>
-              </a:spcBef>
-              <a:spcAft>
-                <a:spcPts val="0"/>
-              </a:spcAft>
-              <a:buNone/>
-            </a:pPr>
-            <a:fld id="{00000000-1234-1234-1234-123412341234}" type="slidenum">
-              <a:rPr lang="en" smtClean="0"/>
-              <a:t>2</a:t>
-            </a:fld>
-            <a:endParaRPr lang="en"/>
-          </a:p>
-        </p:txBody>
-      </p:sp>
-    </p:spTree>
-    <p:extLst>
-      <p:ext uri="{BB962C8B-B14F-4D97-AF65-F5344CB8AC3E}">
-        <p14:creationId xmlns:p14="http://schemas.microsoft.com/office/powerpoint/2010/main" val="3292415568"/>
-      </p:ext>
-    </p:extLst>
-  </p:cSld>
-  <p:clrMapOvr>
-    <a:masterClrMapping/>
-  </p:clrMapOvr>
-  <mc:AlternateContent xmlns:mc="http://schemas.openxmlformats.org/markup-compatibility/2006">
-    <mc:Choice xmlns:p14="http://schemas.microsoft.com/office/powerpoint/2010/main" Requires="p14">
-      <p:transition spd="slow" p14:dur="2000"/>
-    </mc:Choice>
-    <mc:Fallback>
-      <p:transition spd="slow"/>
-    </mc:Fallback>
-  </mc:AlternateContent>
 </p:sld>
 </file>
 
@@ -10271,7 +10780,13 @@
             </a:r>
           </a:p>
           <a:p>
-            <a:pPr marL="457200" lvl="1" indent="0">
+            <a:pPr marL="596900" lvl="1" indent="0">
+              <a:spcBef>
+                <a:spcPts val="0"/>
+              </a:spcBef>
+              <a:spcAft>
+                <a:spcPts val="800"/>
+              </a:spcAft>
               <a:buNone/>
             </a:pPr>
             <a:r>
@@ -10294,8 +10809,6 @@
               <a:rPr lang="en-US" altLang="zh-CN" dirty="0"/>
               <a:t>.</a:t>
             </a:r>
-          </a:p>
-          <a:p>
             <a:endParaRPr lang="en-US" altLang="zh-CN" b="1" dirty="0"/>
           </a:p>
           <a:p>
@@ -10305,7 +10818,13 @@
             </a:r>
           </a:p>
           <a:p>
-            <a:pPr marL="457200" lvl="1" indent="0">
+            <a:pPr marL="596900" lvl="1" indent="0">
+              <a:spcBef>
+                <a:spcPts val="0"/>
+              </a:spcBef>
+              <a:spcAft>
+                <a:spcPts val="800"/>
+              </a:spcAft>
               <a:buNone/>
             </a:pPr>
             <a:r>
@@ -10324,32 +10843,20 @@
               <a:rPr lang="en-US" altLang="zh-CN" dirty="0"/>
               <a:t>.</a:t>
             </a:r>
-          </a:p>
-          <a:p>
-            <a:pPr marL="0" lvl="0" indent="0" algn="l" rtl="0">
-              <a:spcBef>
-                <a:spcPts val="1600"/>
-              </a:spcBef>
-              <a:spcAft>
-                <a:spcPts val="1600"/>
-              </a:spcAft>
-              <a:buNone/>
-            </a:pPr>
-            <a:r>
-              <a:rPr lang="en" dirty="0"/>
-              <a:t/>
+            <a:endParaRPr lang="en-US" altLang="zh-CN" b="1" dirty="0"/>
+          </a:p>
+          <a:p>
+            <a:r>
+              <a:rPr lang="en-US" dirty="0"/>
+              <a:t>Other fields…</a:t>
             </a:r>
             <a:br>
-              <a:rPr lang="en" dirty="0"/>
+              <a:rPr lang="en-US" dirty="0"/>
             </a:br>
-            <a:r>
-              <a:rPr lang="en" dirty="0"/>
-              <a:t/>
-            </a:r>
             <a:br>
-              <a:rPr lang="en" dirty="0"/>
+              <a:rPr lang="en-US" dirty="0"/>
             </a:br>
-            <a:endParaRPr dirty="0"/>
+            <a:endParaRPr lang="en-US" dirty="0"/>
           </a:p>
         </p:txBody>
       </p:sp>
@@ -10425,7 +10932,7 @@
           <p:cNvPr id="2" name="Title 1">
             <a:extLst>
               <a:ext uri="{FF2B5EF4-FFF2-40B4-BE49-F238E27FC236}">
-                <a16:creationId xmlns:a16="http://schemas.microsoft.com/office/drawing/2014/main" id="{49041FF6-9BB7-4002-8216-E9801519F505}"/>
+                <a16:creationId xmlns:a16="http://schemas.microsoft.com/office/drawing/2014/main" id="{9E251364-039B-4735-91E3-409D2DED8681}"/>
               </a:ext>
             </a:extLst>
           </p:cNvPr>
@@ -10443,33 +10950,9 @@
           <a:p>
             <a:r>
               <a:rPr lang="en-US" altLang="zh-CN" dirty="0"/>
-              <a:t>The </a:t>
-            </a:r>
-            <a:r>
-              <a:rPr lang="en-US" altLang="zh-CN" dirty="0">
-                <a:solidFill>
-                  <a:srgbClr val="00B0F0"/>
-                </a:solidFill>
-              </a:rPr>
-              <a:t>Source</a:t>
-            </a:r>
-            <a:r>
-              <a:rPr lang="en-US" altLang="zh-CN" dirty="0"/>
-              <a:t> and </a:t>
-            </a:r>
-            <a:r>
-              <a:rPr lang="en-US" altLang="zh-CN" dirty="0">
-                <a:solidFill>
-                  <a:srgbClr val="FF0000"/>
-                </a:solidFill>
-              </a:rPr>
-              <a:t>Goal</a:t>
-            </a:r>
-            <a:endParaRPr lang="zh-CN" altLang="en-US" dirty="0">
-              <a:solidFill>
-                <a:srgbClr val="FF0000"/>
-              </a:solidFill>
-            </a:endParaRPr>
+              <a:t>How to measure Robustness?</a:t>
+            </a:r>
+            <a:endParaRPr lang="zh-CN" altLang="en-US" dirty="0"/>
           </a:p>
         </p:txBody>
       </p:sp>
@@ -10478,7 +10961,7 @@
           <p:cNvPr id="3" name="Text Placeholder 2">
             <a:extLst>
               <a:ext uri="{FF2B5EF4-FFF2-40B4-BE49-F238E27FC236}">
-                <a16:creationId xmlns:a16="http://schemas.microsoft.com/office/drawing/2014/main" id="{878A57C1-4ADC-4307-A286-8C2F98063040}"/>
+                <a16:creationId xmlns:a16="http://schemas.microsoft.com/office/drawing/2014/main" id="{A18E2989-81CF-4A96-913F-A4612ED50729}"/>
               </a:ext>
             </a:extLst>
           </p:cNvPr>
@@ -10496,108 +10979,92 @@
           <a:p>
             <a:r>
               <a:rPr lang="en-US" altLang="zh-CN" dirty="0"/>
-              <a:t>A robust system should </a:t>
-            </a:r>
-            <a:r>
-              <a:rPr lang="en-US" altLang="zh-CN" dirty="0">
-                <a:solidFill>
-                  <a:srgbClr val="FF0000"/>
-                </a:solidFill>
-              </a:rPr>
-              <a:t>function correctly </a:t>
-            </a:r>
+              <a:t>In other disciplines, there are widely accepted robustness measures and on-going research on it.</a:t>
+            </a:r>
+          </a:p>
+          <a:p>
+            <a:pPr lvl="1">
+              <a:spcBef>
+                <a:spcPts val="400"/>
+              </a:spcBef>
+            </a:pPr>
             <a:r>
               <a:rPr lang="en-US" altLang="zh-CN" dirty="0"/>
-              <a:t>with </a:t>
-            </a:r>
-            <a:r>
-              <a:rPr lang="en-US" altLang="zh-CN" dirty="0">
-                <a:solidFill>
-                  <a:srgbClr val="00B0F0"/>
-                </a:solidFill>
-              </a:rPr>
-              <a:t>erroneous input or environment</a:t>
-            </a:r>
+              <a:t>Robust control in control theory</a:t>
+            </a:r>
+          </a:p>
+          <a:p>
+            <a:pPr lvl="1">
+              <a:spcBef>
+                <a:spcPts val="400"/>
+              </a:spcBef>
+            </a:pPr>
             <a:r>
               <a:rPr lang="en-US" altLang="zh-CN" dirty="0"/>
-              <a:t>.</a:t>
-            </a:r>
-          </a:p>
-          <a:p>
+              <a:t>Robust statistics in statistics</a:t>
+            </a:r>
+          </a:p>
+          <a:p>
+            <a:pPr lvl="1">
+              <a:spcBef>
+                <a:spcPts val="400"/>
+              </a:spcBef>
+            </a:pPr>
             <a:r>
               <a:rPr lang="en-US" altLang="zh-CN" dirty="0"/>
-              <a:t>A robust ML algorithm should have </a:t>
-            </a:r>
-            <a:r>
-              <a:rPr lang="en-US" altLang="zh-CN" dirty="0">
-                <a:solidFill>
-                  <a:srgbClr val="FF0000"/>
-                </a:solidFill>
-              </a:rPr>
-              <a:t>similar performance </a:t>
-            </a:r>
+              <a:t>Robustness measures in computer networks</a:t>
+            </a:r>
+          </a:p>
+          <a:p>
+            <a:pPr lvl="1">
+              <a:spcBef>
+                <a:spcPts val="400"/>
+              </a:spcBef>
+            </a:pPr>
             <a:r>
               <a:rPr lang="en-US" altLang="zh-CN" dirty="0"/>
-              <a:t>on </a:t>
-            </a:r>
-            <a:r>
-              <a:rPr lang="en-US" altLang="zh-CN" dirty="0">
-                <a:solidFill>
-                  <a:srgbClr val="00B0F0"/>
-                </a:solidFill>
-              </a:rPr>
-              <a:t>datasets</a:t>
-            </a:r>
+              <a:t>Robustness metrics in mechanical design</a:t>
+            </a:r>
+          </a:p>
+          <a:p>
+            <a:pPr lvl="1">
+              <a:spcBef>
+                <a:spcPts val="400"/>
+              </a:spcBef>
+            </a:pPr>
             <a:r>
               <a:rPr lang="en-US" altLang="zh-CN" dirty="0"/>
-              <a:t> other than the training set (i.e., not prone to overfitting).</a:t>
+              <a:t>… (by simply Google it)</a:t>
             </a:r>
           </a:p>
           <a:p>
             <a:r>
               <a:rPr lang="en-US" altLang="zh-CN" dirty="0"/>
-              <a:t>A robust scheduling algorithm should </a:t>
-            </a:r>
-            <a:r>
-              <a:rPr lang="en-US" altLang="zh-CN" dirty="0">
-                <a:solidFill>
-                  <a:srgbClr val="FF0000"/>
-                </a:solidFill>
-              </a:rPr>
-              <a:t>generate suboptimal scheme </a:t>
-            </a:r>
+              <a:t>What about software?</a:t>
+            </a:r>
+          </a:p>
+          <a:p>
+            <a:pPr lvl="1">
+              <a:spcBef>
+                <a:spcPts val="400"/>
+              </a:spcBef>
+            </a:pPr>
             <a:r>
               <a:rPr lang="en-US" altLang="zh-CN" dirty="0"/>
-              <a:t>which is not sensitive to </a:t>
-            </a:r>
-            <a:r>
-              <a:rPr lang="en-US" altLang="zh-CN" dirty="0">
-                <a:solidFill>
-                  <a:srgbClr val="00B0F0"/>
-                </a:solidFill>
-              </a:rPr>
-              <a:t>stochastic disturbances</a:t>
-            </a:r>
-            <a:r>
-              <a:rPr lang="en-US" altLang="zh-CN" dirty="0" smtClean="0"/>
-              <a:t>.</a:t>
-            </a:r>
-          </a:p>
-          <a:p>
-            <a:r>
-              <a:rPr lang="en-US" altLang="zh-CN" dirty="0" smtClean="0"/>
-              <a:t>In distributed system</a:t>
-            </a:r>
-            <a:endParaRPr lang="en-US" altLang="zh-CN" dirty="0"/>
-          </a:p>
-          <a:p>
-            <a:r>
-              <a:rPr lang="en-US" altLang="zh-CN" dirty="0"/>
-              <a:t>…</a:t>
-            </a:r>
-          </a:p>
-          <a:p>
-            <a:endParaRPr lang="zh-CN" altLang="en-US" dirty="0"/>
+              <a:t>Unlike other quality attributes (e.g., performance, availability), no widely used measures.</a:t>
+            </a:r>
+          </a:p>
+          <a:p>
+            <a:pPr lvl="1">
+              <a:spcBef>
+                <a:spcPts val="400"/>
+              </a:spcBef>
+            </a:pPr>
+            <a:r>
+              <a:rPr lang="en-US" altLang="zh-CN" b="1" dirty="0"/>
+              <a:t>The context matters!</a:t>
+            </a:r>
+            <a:endParaRPr lang="zh-CN" altLang="en-US" b="1" dirty="0"/>
           </a:p>
         </p:txBody>
       </p:sp>
@@ -10606,7 +11073,7 @@
           <p:cNvPr id="4" name="Slide Number Placeholder 3">
             <a:extLst>
               <a:ext uri="{FF2B5EF4-FFF2-40B4-BE49-F238E27FC236}">
-                <a16:creationId xmlns:a16="http://schemas.microsoft.com/office/drawing/2014/main" id="{7AB845E8-6789-48B3-8C06-3B3EE9B4C480}"/>
+                <a16:creationId xmlns:a16="http://schemas.microsoft.com/office/drawing/2014/main" id="{C7F3070D-5F06-44AF-92CF-90615115297F}"/>
               </a:ext>
             </a:extLst>
           </p:cNvPr>
@@ -10642,7 +11109,7 @@
     </p:spTree>
     <p:extLst>
       <p:ext uri="{BB962C8B-B14F-4D97-AF65-F5344CB8AC3E}">
-        <p14:creationId xmlns:p14="http://schemas.microsoft.com/office/powerpoint/2010/main" val="3668782440"/>
+        <p14:creationId xmlns:p14="http://schemas.microsoft.com/office/powerpoint/2010/main" val="3889104320"/>
       </p:ext>
     </p:extLst>
   </p:cSld>
@@ -10674,7 +11141,7 @@
           <p:cNvPr id="2" name="Title 1">
             <a:extLst>
               <a:ext uri="{FF2B5EF4-FFF2-40B4-BE49-F238E27FC236}">
-                <a16:creationId xmlns:a16="http://schemas.microsoft.com/office/drawing/2014/main" id="{8A0693D7-C929-49EA-8927-55AF116E3BDD}"/>
+                <a16:creationId xmlns:a16="http://schemas.microsoft.com/office/drawing/2014/main" id="{49041FF6-9BB7-4002-8216-E9801519F505}"/>
               </a:ext>
             </a:extLst>
           </p:cNvPr>
@@ -10692,9 +11159,33 @@
           <a:p>
             <a:r>
               <a:rPr lang="en-US" altLang="zh-CN" dirty="0"/>
-              <a:t>We try to measure:</a:t>
-            </a:r>
-            <a:endParaRPr lang="zh-CN" altLang="en-US" dirty="0"/>
+              <a:t>The </a:t>
+            </a:r>
+            <a:r>
+              <a:rPr lang="en-US" altLang="zh-CN" dirty="0">
+                <a:solidFill>
+                  <a:srgbClr val="00B0F0"/>
+                </a:solidFill>
+              </a:rPr>
+              <a:t>Source</a:t>
+            </a:r>
+            <a:r>
+              <a:rPr lang="en-US" altLang="zh-CN" dirty="0"/>
+              <a:t> and </a:t>
+            </a:r>
+            <a:r>
+              <a:rPr lang="en-US" altLang="zh-CN" dirty="0">
+                <a:solidFill>
+                  <a:srgbClr val="FF0000"/>
+                </a:solidFill>
+              </a:rPr>
+              <a:t>Goal</a:t>
+            </a:r>
+            <a:endParaRPr lang="zh-CN" altLang="en-US" dirty="0">
+              <a:solidFill>
+                <a:srgbClr val="FF0000"/>
+              </a:solidFill>
+            </a:endParaRPr>
           </a:p>
         </p:txBody>
       </p:sp>
@@ -10703,7 +11194,7 @@
           <p:cNvPr id="3" name="Text Placeholder 2">
             <a:extLst>
               <a:ext uri="{FF2B5EF4-FFF2-40B4-BE49-F238E27FC236}">
-                <a16:creationId xmlns:a16="http://schemas.microsoft.com/office/drawing/2014/main" id="{D05C7AE0-921B-4B23-A094-CDB983C72801}"/>
+                <a16:creationId xmlns:a16="http://schemas.microsoft.com/office/drawing/2014/main" id="{878A57C1-4ADC-4307-A286-8C2F98063040}"/>
               </a:ext>
             </a:extLst>
           </p:cNvPr>
@@ -10721,7 +11212,19 @@
           <a:p>
             <a:r>
               <a:rPr lang="en-US" altLang="zh-CN" dirty="0"/>
-              <a:t>The system capability to deal with </a:t>
+              <a:t>A robust system should </a:t>
+            </a:r>
+            <a:r>
+              <a:rPr lang="en-US" altLang="zh-CN" dirty="0">
+                <a:solidFill>
+                  <a:srgbClr val="FF0000"/>
+                </a:solidFill>
+              </a:rPr>
+              <a:t>function correctly </a:t>
+            </a:r>
+            <a:r>
+              <a:rPr lang="en-US" altLang="zh-CN" dirty="0"/>
+              <a:t>with </a:t>
             </a:r>
             <a:r>
               <a:rPr lang="en-US" altLang="zh-CN" dirty="0">
@@ -10729,11 +11232,17 @@
                   <a:srgbClr val="00B0F0"/>
                 </a:solidFill>
               </a:rPr>
-              <a:t>uncertainty in environment</a:t>
+              <a:t>erroneous input or environment</a:t>
             </a:r>
             <a:r>
               <a:rPr lang="en-US" altLang="zh-CN" dirty="0"/>
-              <a:t> to ensure </a:t>
+              <a:t>.</a:t>
+            </a:r>
+          </a:p>
+          <a:p>
+            <a:r>
+              <a:rPr lang="en-US" altLang="zh-CN" dirty="0"/>
+              <a:t>A robust ML algorithm should have </a:t>
             </a:r>
             <a:r>
               <a:rPr lang="en-US" altLang="zh-CN" dirty="0">
@@ -10741,7 +11250,49 @@
                   <a:srgbClr val="FF0000"/>
                 </a:solidFill>
               </a:rPr>
-              <a:t>correct function</a:t>
+              <a:t>similar performance </a:t>
+            </a:r>
+            <a:r>
+              <a:rPr lang="en-US" altLang="zh-CN" dirty="0"/>
+              <a:t>on </a:t>
+            </a:r>
+            <a:r>
+              <a:rPr lang="en-US" altLang="zh-CN" dirty="0">
+                <a:solidFill>
+                  <a:srgbClr val="00B0F0"/>
+                </a:solidFill>
+              </a:rPr>
+              <a:t>datasets</a:t>
+            </a:r>
+            <a:r>
+              <a:rPr lang="en-US" altLang="zh-CN" dirty="0"/>
+              <a:t> other than the training set (i.e., not prone to overfitting).</a:t>
+            </a:r>
+          </a:p>
+          <a:p>
+            <a:r>
+              <a:rPr lang="en-US" altLang="zh-CN" dirty="0"/>
+              <a:t>A robust scheduling algorithm should </a:t>
+            </a:r>
+            <a:r>
+              <a:rPr lang="en-US" altLang="zh-CN" dirty="0">
+                <a:solidFill>
+                  <a:srgbClr val="FF0000"/>
+                </a:solidFill>
+              </a:rPr>
+              <a:t>generate suboptimal scheme </a:t>
+            </a:r>
+            <a:r>
+              <a:rPr lang="en-US" altLang="zh-CN" dirty="0"/>
+              <a:t>which is not sensitive to </a:t>
+            </a:r>
+            <a:r>
+              <a:rPr lang="en-US" altLang="zh-CN" dirty="0">
+                <a:solidFill>
+                  <a:srgbClr val="00B0F0"/>
+                </a:solidFill>
+              </a:rPr>
+              <a:t>stochastic disturbances</a:t>
             </a:r>
             <a:r>
               <a:rPr lang="en-US" altLang="zh-CN" dirty="0"/>
@@ -10751,63 +11302,21 @@
           <a:p>
             <a:r>
               <a:rPr lang="en-US" altLang="zh-CN" dirty="0"/>
-              <a:t>The source: uncertainty in environment</a:t>
-            </a:r>
-          </a:p>
-          <a:p>
-            <a:pPr lvl="1">
-              <a:spcBef>
-                <a:spcPts val="0"/>
-              </a:spcBef>
-              <a:spcAft>
-                <a:spcPts val="800"/>
-              </a:spcAft>
+              <a:t>…</a:t>
+            </a:r>
+          </a:p>
+          <a:p>
+            <a:endParaRPr lang="en-US" altLang="zh-CN" dirty="0"/>
+          </a:p>
+          <a:p>
+            <a:pPr marL="114300" indent="0">
+              <a:buNone/>
             </a:pPr>
             <a:r>
-              <a:rPr lang="en-US" altLang="zh-CN" dirty="0"/>
-              <a:t>What’s the representation of uncertainty in the environment?</a:t>
-            </a:r>
-          </a:p>
-          <a:p>
-            <a:r>
-              <a:rPr lang="en-US" altLang="zh-CN" dirty="0"/>
-              <a:t>The goal: to ensure correct function</a:t>
-            </a:r>
-          </a:p>
-          <a:p>
-            <a:pPr lvl="1">
-              <a:spcBef>
-                <a:spcPts val="0"/>
-              </a:spcBef>
-              <a:spcAft>
-                <a:spcPts val="800"/>
-              </a:spcAft>
-            </a:pPr>
-            <a:r>
-              <a:rPr lang="en-US" altLang="zh-CN" dirty="0"/>
-              <a:t>What’s the formal definition of “correct” function?</a:t>
-            </a:r>
-          </a:p>
-          <a:p>
-            <a:r>
-              <a:rPr lang="en-US" altLang="zh-CN" dirty="0"/>
-              <a:t>To measure: the system capability</a:t>
-            </a:r>
-          </a:p>
-          <a:p>
-            <a:pPr lvl="1">
-              <a:spcBef>
-                <a:spcPts val="0"/>
-              </a:spcBef>
-              <a:spcAft>
-                <a:spcPts val="800"/>
-              </a:spcAft>
-            </a:pPr>
-            <a:r>
-              <a:rPr lang="en-US" altLang="zh-CN" dirty="0"/>
-              <a:t>How to measure capability? How to define such a metric?</a:t>
-            </a:r>
-            <a:endParaRPr lang="zh-CN" altLang="en-US" dirty="0"/>
+              <a:rPr lang="en-US" altLang="zh-CN" b="1" dirty="0"/>
+              <a:t>Important to set up the CONTEXT!</a:t>
+            </a:r>
+            <a:endParaRPr lang="zh-CN" altLang="en-US" b="1" dirty="0"/>
           </a:p>
         </p:txBody>
       </p:sp>
@@ -10816,7 +11325,7 @@
           <p:cNvPr id="4" name="Slide Number Placeholder 3">
             <a:extLst>
               <a:ext uri="{FF2B5EF4-FFF2-40B4-BE49-F238E27FC236}">
-                <a16:creationId xmlns:a16="http://schemas.microsoft.com/office/drawing/2014/main" id="{DD200004-4FC8-42AB-BF45-1A005D50A196}"/>
+                <a16:creationId xmlns:a16="http://schemas.microsoft.com/office/drawing/2014/main" id="{7AB845E8-6789-48B3-8C06-3B3EE9B4C480}"/>
               </a:ext>
             </a:extLst>
           </p:cNvPr>
@@ -10852,7 +11361,7 @@
     </p:spTree>
     <p:extLst>
       <p:ext uri="{BB962C8B-B14F-4D97-AF65-F5344CB8AC3E}">
-        <p14:creationId xmlns:p14="http://schemas.microsoft.com/office/powerpoint/2010/main" val="4248666845"/>
+        <p14:creationId xmlns:p14="http://schemas.microsoft.com/office/powerpoint/2010/main" val="3668782440"/>
       </p:ext>
     </p:extLst>
   </p:cSld>
@@ -10884,6 +11393,226 @@
           <p:cNvPr id="2" name="Title 1">
             <a:extLst>
               <a:ext uri="{FF2B5EF4-FFF2-40B4-BE49-F238E27FC236}">
+                <a16:creationId xmlns:a16="http://schemas.microsoft.com/office/drawing/2014/main" id="{8A0693D7-C929-49EA-8927-55AF116E3BDD}"/>
+              </a:ext>
+            </a:extLst>
+          </p:cNvPr>
+          <p:cNvSpPr>
+            <a:spLocks noGrp="1"/>
+          </p:cNvSpPr>
+          <p:nvPr>
+            <p:ph type="title"/>
+          </p:nvPr>
+        </p:nvSpPr>
+        <p:spPr/>
+        <p:txBody>
+          <a:bodyPr/>
+          <a:lstStyle/>
+          <a:p>
+            <a:r>
+              <a:rPr lang="en-US" altLang="zh-CN" dirty="0"/>
+              <a:t>Research Questions</a:t>
+            </a:r>
+            <a:endParaRPr lang="zh-CN" altLang="en-US" dirty="0"/>
+          </a:p>
+        </p:txBody>
+      </p:sp>
+      <p:sp>
+        <p:nvSpPr>
+          <p:cNvPr id="3" name="Text Placeholder 2">
+            <a:extLst>
+              <a:ext uri="{FF2B5EF4-FFF2-40B4-BE49-F238E27FC236}">
+                <a16:creationId xmlns:a16="http://schemas.microsoft.com/office/drawing/2014/main" id="{D05C7AE0-921B-4B23-A094-CDB983C72801}"/>
+              </a:ext>
+            </a:extLst>
+          </p:cNvPr>
+          <p:cNvSpPr>
+            <a:spLocks noGrp="1"/>
+          </p:cNvSpPr>
+          <p:nvPr>
+            <p:ph type="body" idx="1"/>
+          </p:nvPr>
+        </p:nvSpPr>
+        <p:spPr/>
+        <p:txBody>
+          <a:bodyPr/>
+          <a:lstStyle/>
+          <a:p>
+            <a:pPr marL="114300" indent="0">
+              <a:buNone/>
+            </a:pPr>
+            <a:r>
+              <a:rPr lang="en-US" altLang="zh-CN" dirty="0"/>
+              <a:t>How to measure the system capability to deal with </a:t>
+            </a:r>
+            <a:r>
+              <a:rPr lang="en-US" altLang="zh-CN" dirty="0">
+                <a:solidFill>
+                  <a:srgbClr val="00B0F0"/>
+                </a:solidFill>
+              </a:rPr>
+              <a:t>uncertainty in environment</a:t>
+            </a:r>
+            <a:r>
+              <a:rPr lang="en-US" altLang="zh-CN" dirty="0"/>
+              <a:t> to ensure </a:t>
+            </a:r>
+            <a:r>
+              <a:rPr lang="en-US" altLang="zh-CN" dirty="0">
+                <a:solidFill>
+                  <a:srgbClr val="FF0000"/>
+                </a:solidFill>
+              </a:rPr>
+              <a:t>correct function</a:t>
+            </a:r>
+            <a:r>
+              <a:rPr lang="en-US" altLang="zh-CN" dirty="0"/>
+              <a:t>?</a:t>
+            </a:r>
+          </a:p>
+          <a:p>
+            <a:pPr>
+              <a:spcBef>
+                <a:spcPts val="800"/>
+              </a:spcBef>
+              <a:spcAft>
+                <a:spcPts val="800"/>
+              </a:spcAft>
+            </a:pPr>
+            <a:r>
+              <a:rPr lang="en-US" altLang="zh-CN" dirty="0"/>
+              <a:t>What’s the formal definition of “correct” function?</a:t>
+            </a:r>
+          </a:p>
+          <a:p>
+            <a:pPr>
+              <a:spcBef>
+                <a:spcPts val="800"/>
+              </a:spcBef>
+              <a:spcAft>
+                <a:spcPts val="800"/>
+              </a:spcAft>
+            </a:pPr>
+            <a:r>
+              <a:rPr lang="en-US" altLang="zh-CN" dirty="0"/>
+              <a:t>What’s the representation of uncertainty in the environment?</a:t>
+            </a:r>
+          </a:p>
+          <a:p>
+            <a:pPr>
+              <a:spcBef>
+                <a:spcPts val="800"/>
+              </a:spcBef>
+              <a:spcAft>
+                <a:spcPts val="800"/>
+              </a:spcAft>
+            </a:pPr>
+            <a:r>
+              <a:rPr lang="en-US" altLang="zh-CN" dirty="0"/>
+              <a:t>How to measure capability?</a:t>
+            </a:r>
+          </a:p>
+          <a:p>
+            <a:pPr lvl="1">
+              <a:spcBef>
+                <a:spcPts val="0"/>
+              </a:spcBef>
+            </a:pPr>
+            <a:r>
+              <a:rPr lang="en-US" altLang="zh-CN" dirty="0"/>
+              <a:t>How to define such a measure?</a:t>
+            </a:r>
+          </a:p>
+          <a:p>
+            <a:pPr lvl="1">
+              <a:spcBef>
+                <a:spcPts val="0"/>
+              </a:spcBef>
+              <a:spcAft>
+                <a:spcPts val="800"/>
+              </a:spcAft>
+            </a:pPr>
+            <a:r>
+              <a:rPr lang="en-US" altLang="zh-CN" dirty="0"/>
+              <a:t>How to compare the capability of two systems?</a:t>
+            </a:r>
+            <a:endParaRPr lang="zh-CN" altLang="en-US" dirty="0"/>
+          </a:p>
+        </p:txBody>
+      </p:sp>
+      <p:sp>
+        <p:nvSpPr>
+          <p:cNvPr id="4" name="Slide Number Placeholder 3">
+            <a:extLst>
+              <a:ext uri="{FF2B5EF4-FFF2-40B4-BE49-F238E27FC236}">
+                <a16:creationId xmlns:a16="http://schemas.microsoft.com/office/drawing/2014/main" id="{DD200004-4FC8-42AB-BF45-1A005D50A196}"/>
+              </a:ext>
+            </a:extLst>
+          </p:cNvPr>
+          <p:cNvSpPr>
+            <a:spLocks noGrp="1"/>
+          </p:cNvSpPr>
+          <p:nvPr>
+            <p:ph type="sldNum" idx="12"/>
+          </p:nvPr>
+        </p:nvSpPr>
+        <p:spPr/>
+        <p:txBody>
+          <a:bodyPr/>
+          <a:lstStyle/>
+          <a:p>
+            <a:pPr marL="0" lvl="0" indent="0" algn="r" rtl="0">
+              <a:spcBef>
+                <a:spcPts val="0"/>
+              </a:spcBef>
+              <a:spcAft>
+                <a:spcPts val="0"/>
+              </a:spcAft>
+              <a:buNone/>
+            </a:pPr>
+            <a:fld id="{00000000-1234-1234-1234-123412341234}" type="slidenum">
+              <a:rPr lang="en" smtClean="0"/>
+              <a:t>6</a:t>
+            </a:fld>
+            <a:endParaRPr lang="en"/>
+          </a:p>
+        </p:txBody>
+      </p:sp>
+    </p:spTree>
+    <p:extLst>
+      <p:ext uri="{BB962C8B-B14F-4D97-AF65-F5344CB8AC3E}">
+        <p14:creationId xmlns:p14="http://schemas.microsoft.com/office/powerpoint/2010/main" val="4248666845"/>
+      </p:ext>
+    </p:extLst>
+  </p:cSld>
+  <p:clrMapOvr>
+    <a:masterClrMapping/>
+  </p:clrMapOvr>
+</p:sld>
+</file>
+
+<file path=ppt/slides/slide7.xml><?xml version="1.0" encoding="utf-8"?>
+<p:sld xmlns:a="http://schemas.openxmlformats.org/drawingml/2006/main" xmlns:r="http://schemas.openxmlformats.org/officeDocument/2006/relationships" xmlns:p="http://schemas.openxmlformats.org/presentationml/2006/main">
+  <p:cSld>
+    <p:spTree>
+      <p:nvGrpSpPr>
+        <p:cNvPr id="1" name=""/>
+        <p:cNvGrpSpPr/>
+        <p:nvPr/>
+      </p:nvGrpSpPr>
+      <p:grpSpPr>
+        <a:xfrm>
+          <a:off x="0" y="0"/>
+          <a:ext cx="0" cy="0"/>
+          <a:chOff x="0" y="0"/>
+          <a:chExt cx="0" cy="0"/>
+        </a:xfrm>
+      </p:grpSpPr>
+      <p:sp>
+        <p:nvSpPr>
+          <p:cNvPr id="2" name="Title 1">
+            <a:extLst>
+              <a:ext uri="{FF2B5EF4-FFF2-40B4-BE49-F238E27FC236}">
                 <a16:creationId xmlns:a16="http://schemas.microsoft.com/office/drawing/2014/main" id="{7D605995-26D7-480D-A8E6-4CA4D75F6B77}"/>
               </a:ext>
             </a:extLst>
@@ -10972,7 +11701,7 @@
             </a:pPr>
             <a:fld id="{00000000-1234-1234-1234-123412341234}" type="slidenum">
               <a:rPr lang="en" smtClean="0"/>
-              <a:t>6</a:t>
+              <a:t>7</a:t>
             </a:fld>
             <a:endParaRPr lang="en"/>
           </a:p>
@@ -11025,7 +11754,7 @@
 </p:sld>
 </file>
 
-<file path=ppt/slides/slide7.xml><?xml version="1.0" encoding="utf-8"?>
+<file path=ppt/slides/slide8.xml><?xml version="1.0" encoding="utf-8"?>
 <p:sld xmlns:a="http://schemas.openxmlformats.org/drawingml/2006/main" xmlns:r="http://schemas.openxmlformats.org/officeDocument/2006/relationships" xmlns:p="http://schemas.openxmlformats.org/presentationml/2006/main">
   <p:cSld>
     <p:spTree>
@@ -11065,7 +11794,7 @@
           <a:p>
             <a:r>
               <a:rPr lang="en-US" altLang="zh-CN" dirty="0"/>
-              <a:t>Motivation Example – A perfect case</a:t>
+              <a:t>Motivation Example</a:t>
             </a:r>
             <a:endParaRPr lang="zh-CN" altLang="en-US" dirty="0"/>
           </a:p>
@@ -11103,7 +11832,7 @@
             </a:pPr>
             <a:fld id="{00000000-1234-1234-1234-123412341234}" type="slidenum">
               <a:rPr lang="en" smtClean="0"/>
-              <a:t>7</a:t>
+              <a:t>8</a:t>
             </a:fld>
             <a:endParaRPr lang="en"/>
           </a:p>
@@ -11138,8 +11867,8 @@
         </p:blipFill>
         <p:spPr bwMode="auto">
           <a:xfrm>
-            <a:off x="2686050" y="1390650"/>
-            <a:ext cx="3771900" cy="2362200"/>
+            <a:off x="2905137" y="1667287"/>
+            <a:ext cx="2888444" cy="1808925"/>
           </a:xfrm>
           <a:prstGeom prst="rect">
             <a:avLst/>
@@ -11172,8 +11901,8 @@
         </p:blipFill>
         <p:spPr>
           <a:xfrm>
-            <a:off x="528432" y="1753911"/>
-            <a:ext cx="2106777" cy="903854"/>
+            <a:off x="481745" y="1532061"/>
+            <a:ext cx="2423392" cy="1039689"/>
           </a:xfrm>
           <a:prstGeom prst="rect">
             <a:avLst/>
@@ -11196,8 +11925,8 @@
         </p:blipFill>
         <p:spPr>
           <a:xfrm>
-            <a:off x="485440" y="2875746"/>
-            <a:ext cx="2192760" cy="877104"/>
+            <a:off x="397192" y="2875745"/>
+            <a:ext cx="2599223" cy="1039689"/>
           </a:xfrm>
           <a:prstGeom prst="rect">
             <a:avLst/>
@@ -11220,8 +11949,8 @@
         </p:blipFill>
         <p:spPr>
           <a:xfrm>
-            <a:off x="6238864" y="2205838"/>
-            <a:ext cx="2507944" cy="948951"/>
+            <a:off x="5652596" y="2002354"/>
+            <a:ext cx="3009659" cy="1138789"/>
           </a:xfrm>
           <a:prstGeom prst="rect">
             <a:avLst/>
@@ -11232,110 +11961,6 @@
     <p:extLst>
       <p:ext uri="{BB962C8B-B14F-4D97-AF65-F5344CB8AC3E}">
         <p14:creationId xmlns:p14="http://schemas.microsoft.com/office/powerpoint/2010/main" val="3537159091"/>
-      </p:ext>
-    </p:extLst>
-  </p:cSld>
-  <p:clrMapOvr>
-    <a:masterClrMapping/>
-  </p:clrMapOvr>
-</p:sld>
-</file>
-
-<file path=ppt/slides/slide8.xml><?xml version="1.0" encoding="utf-8"?>
-<p:sld xmlns:a="http://schemas.openxmlformats.org/drawingml/2006/main" xmlns:r="http://schemas.openxmlformats.org/officeDocument/2006/relationships" xmlns:p="http://schemas.openxmlformats.org/presentationml/2006/main">
-  <p:cSld>
-    <p:spTree>
-      <p:nvGrpSpPr>
-        <p:cNvPr id="1" name=""/>
-        <p:cNvGrpSpPr/>
-        <p:nvPr/>
-      </p:nvGrpSpPr>
-      <p:grpSpPr>
-        <a:xfrm>
-          <a:off x="0" y="0"/>
-          <a:ext cx="0" cy="0"/>
-          <a:chOff x="0" y="0"/>
-          <a:chExt cx="0" cy="0"/>
-        </a:xfrm>
-      </p:grpSpPr>
-      <p:sp>
-        <p:nvSpPr>
-          <p:cNvPr id="2" name="Title 1"/>
-          <p:cNvSpPr>
-            <a:spLocks noGrp="1"/>
-          </p:cNvSpPr>
-          <p:nvPr>
-            <p:ph type="title"/>
-          </p:nvPr>
-        </p:nvSpPr>
-        <p:spPr/>
-        <p:txBody>
-          <a:bodyPr/>
-          <a:lstStyle/>
-          <a:p>
-            <a:r>
-              <a:rPr lang="en-US" dirty="0" smtClean="0"/>
-              <a:t>Research problem</a:t>
-            </a:r>
-            <a:endParaRPr lang="en-US" dirty="0"/>
-          </a:p>
-        </p:txBody>
-      </p:sp>
-      <p:sp>
-        <p:nvSpPr>
-          <p:cNvPr id="3" name="Text Placeholder 2"/>
-          <p:cNvSpPr>
-            <a:spLocks noGrp="1"/>
-          </p:cNvSpPr>
-          <p:nvPr>
-            <p:ph type="body" idx="1"/>
-          </p:nvPr>
-        </p:nvSpPr>
-        <p:spPr/>
-        <p:txBody>
-          <a:bodyPr/>
-          <a:lstStyle/>
-          <a:p>
-            <a:endParaRPr lang="en-US"/>
-          </a:p>
-        </p:txBody>
-      </p:sp>
-      <p:sp>
-        <p:nvSpPr>
-          <p:cNvPr id="4" name="Slide Number Placeholder 3"/>
-          <p:cNvSpPr>
-            <a:spLocks noGrp="1"/>
-          </p:cNvSpPr>
-          <p:nvPr>
-            <p:ph type="sldNum" idx="12"/>
-          </p:nvPr>
-        </p:nvSpPr>
-        <p:spPr/>
-        <p:txBody>
-          <a:bodyPr/>
-          <a:lstStyle/>
-          <a:p>
-            <a:pPr marL="0" lvl="0" indent="0" algn="r" rtl="0">
-              <a:spcBef>
-                <a:spcPts val="0"/>
-              </a:spcBef>
-              <a:spcAft>
-                <a:spcPts val="0"/>
-              </a:spcAft>
-              <a:buNone/>
-            </a:pPr>
-            <a:fld id="{00000000-1234-1234-1234-123412341234}" type="slidenum">
-              <a:rPr lang="en" smtClean="0"/>
-              <a:t>8</a:t>
-            </a:fld>
-            <a:endParaRPr lang="en"/>
-          </a:p>
-        </p:txBody>
-      </p:sp>
-    </p:spTree>
-    <p:extLst>
-      <p:ext uri="{BB962C8B-B14F-4D97-AF65-F5344CB8AC3E}">
-        <p14:creationId xmlns:p14="http://schemas.microsoft.com/office/powerpoint/2010/main" val="3550090811"/>
       </p:ext>
     </p:extLst>
   </p:cSld>

--- a/Robustness.pptx
+++ b/Robustness.pptx
@@ -5,54 +5,59 @@
     <p:sldMasterId id="2147483659" r:id="rId1"/>
   </p:sldMasterIdLst>
   <p:notesMasterIdLst>
-    <p:notesMasterId r:id="rId23"/>
+    <p:notesMasterId r:id="rId24"/>
   </p:notesMasterIdLst>
   <p:sldIdLst>
     <p:sldId id="256" r:id="rId2"/>
     <p:sldId id="264" r:id="rId3"/>
-    <p:sldId id="257" r:id="rId4"/>
-    <p:sldId id="278" r:id="rId5"/>
-    <p:sldId id="258" r:id="rId6"/>
-    <p:sldId id="259" r:id="rId7"/>
-    <p:sldId id="270" r:id="rId8"/>
-    <p:sldId id="260" r:id="rId9"/>
-    <p:sldId id="261" r:id="rId10"/>
-    <p:sldId id="262" r:id="rId11"/>
-    <p:sldId id="279" r:id="rId12"/>
-    <p:sldId id="280" r:id="rId13"/>
-    <p:sldId id="281" r:id="rId14"/>
-    <p:sldId id="274" r:id="rId15"/>
-    <p:sldId id="275" r:id="rId16"/>
-    <p:sldId id="266" r:id="rId17"/>
-    <p:sldId id="269" r:id="rId18"/>
-    <p:sldId id="271" r:id="rId19"/>
-    <p:sldId id="268" r:id="rId20"/>
-    <p:sldId id="265" r:id="rId21"/>
-    <p:sldId id="277" r:id="rId22"/>
+    <p:sldId id="284" r:id="rId4"/>
+    <p:sldId id="257" r:id="rId5"/>
+    <p:sldId id="278" r:id="rId6"/>
+    <p:sldId id="258" r:id="rId7"/>
+    <p:sldId id="259" r:id="rId8"/>
+    <p:sldId id="285" r:id="rId9"/>
+    <p:sldId id="270" r:id="rId10"/>
+    <p:sldId id="260" r:id="rId11"/>
+    <p:sldId id="261" r:id="rId12"/>
+    <p:sldId id="262" r:id="rId13"/>
+    <p:sldId id="279" r:id="rId14"/>
+    <p:sldId id="280" r:id="rId15"/>
+    <p:sldId id="286" r:id="rId16"/>
+    <p:sldId id="281" r:id="rId17"/>
+    <p:sldId id="268" r:id="rId18"/>
+    <p:sldId id="282" r:id="rId19"/>
+    <p:sldId id="283" r:id="rId20"/>
+    <p:sldId id="287" r:id="rId21"/>
+    <p:sldId id="288" r:id="rId22"/>
+    <p:sldId id="277" r:id="rId23"/>
   </p:sldIdLst>
   <p:sldSz cx="9144000" cy="5143500" type="screen16x9"/>
   <p:notesSz cx="6858000" cy="9144000"/>
   <p:embeddedFontLst>
     <p:embeddedFont>
-      <p:font typeface="Open Sans" panose="02010600030101010101" charset="0"/>
-      <p:regular r:id="rId24"/>
-      <p:bold r:id="rId25"/>
-      <p:italic r:id="rId26"/>
-      <p:boldItalic r:id="rId27"/>
+      <p:font typeface="Open Sans" panose="020B0604020202020204" charset="0"/>
+      <p:regular r:id="rId25"/>
+      <p:bold r:id="rId26"/>
+      <p:italic r:id="rId27"/>
+      <p:boldItalic r:id="rId28"/>
     </p:embeddedFont>
     <p:embeddedFont>
-      <p:font typeface="Open Sans Light" panose="02010600030101010101" charset="0"/>
-      <p:regular r:id="rId28"/>
-      <p:bold r:id="rId29"/>
-      <p:italic r:id="rId30"/>
-      <p:boldItalic r:id="rId31"/>
+      <p:font typeface="宋体" panose="02010600030101010101" pitchFamily="2" charset="-122"/>
+      <p:regular r:id="rId29"/>
     </p:embeddedFont>
     <p:embeddedFont>
-      <p:font typeface="Open Sans SemiBold" panose="02010600030101010101" charset="0"/>
-      <p:regular r:id="rId32"/>
-      <p:bold r:id="rId33"/>
-      <p:italic r:id="rId34"/>
-      <p:boldItalic r:id="rId35"/>
+      <p:font typeface="Open Sans Light" panose="020B0604020202020204" charset="0"/>
+      <p:regular r:id="rId30"/>
+      <p:bold r:id="rId31"/>
+      <p:italic r:id="rId32"/>
+      <p:boldItalic r:id="rId33"/>
+    </p:embeddedFont>
+    <p:embeddedFont>
+      <p:font typeface="Open Sans SemiBold" panose="020B0604020202020204" charset="0"/>
+      <p:regular r:id="rId34"/>
+      <p:bold r:id="rId35"/>
+      <p:italic r:id="rId36"/>
+      <p:boldItalic r:id="rId37"/>
     </p:embeddedFont>
   </p:embeddedFontLst>
   <p:defaultTextStyle>
@@ -837,293 +842,6 @@
 </p:notes>
 </file>
 
-<file path=ppt/notesSlides/notesSlide10.xml><?xml version="1.0" encoding="utf-8"?>
-<p:notes xmlns:a="http://schemas.openxmlformats.org/drawingml/2006/main" xmlns:r="http://schemas.openxmlformats.org/officeDocument/2006/relationships" xmlns:p="http://schemas.openxmlformats.org/presentationml/2006/main">
-  <p:cSld>
-    <p:spTree>
-      <p:nvGrpSpPr>
-        <p:cNvPr id="1" name=""/>
-        <p:cNvGrpSpPr/>
-        <p:nvPr/>
-      </p:nvGrpSpPr>
-      <p:grpSpPr>
-        <a:xfrm>
-          <a:off x="0" y="0"/>
-          <a:ext cx="0" cy="0"/>
-          <a:chOff x="0" y="0"/>
-          <a:chExt cx="0" cy="0"/>
-        </a:xfrm>
-      </p:grpSpPr>
-      <p:sp>
-        <p:nvSpPr>
-          <p:cNvPr id="2" name="Slide Image Placeholder 1"/>
-          <p:cNvSpPr>
-            <a:spLocks noGrp="1" noRot="1" noChangeAspect="1"/>
-          </p:cNvSpPr>
-          <p:nvPr>
-            <p:ph type="sldImg"/>
-          </p:nvPr>
-        </p:nvSpPr>
-        <p:spPr>
-          <a:xfrm>
-            <a:off x="381000" y="685800"/>
-            <a:ext cx="6096000" cy="3429000"/>
-          </a:xfrm>
-        </p:spPr>
-      </p:sp>
-      <p:sp>
-        <p:nvSpPr>
-          <p:cNvPr id="3" name="Notes Placeholder 2"/>
-          <p:cNvSpPr>
-            <a:spLocks noGrp="1"/>
-          </p:cNvSpPr>
-          <p:nvPr>
-            <p:ph type="body" idx="1"/>
-          </p:nvPr>
-        </p:nvSpPr>
-        <p:spPr/>
-        <p:txBody>
-          <a:bodyPr/>
-          <a:lstStyle/>
-          <a:p>
-            <a:r>
-              <a:rPr lang="en-US" dirty="0"/>
-              <a:t>The definition of internal</a:t>
-            </a:r>
-            <a:r>
-              <a:rPr lang="en-US" baseline="0" dirty="0"/>
-              <a:t> gives us the flexibility that: we could analyze the system capability against a given component in the environment, and the internal events under a given component could be the interfaces under another environment.</a:t>
-            </a:r>
-          </a:p>
-          <a:p>
-            <a:r>
-              <a:rPr lang="en-US" baseline="0" dirty="0"/>
-              <a:t>(I didn’t investigate this, but could be a future research direction)</a:t>
-            </a:r>
-            <a:endParaRPr lang="en-US" dirty="0"/>
-          </a:p>
-        </p:txBody>
-      </p:sp>
-    </p:spTree>
-    <p:extLst>
-      <p:ext uri="{BB962C8B-B14F-4D97-AF65-F5344CB8AC3E}">
-        <p14:creationId xmlns:p14="http://schemas.microsoft.com/office/powerpoint/2010/main" val="1538742082"/>
-      </p:ext>
-    </p:extLst>
-  </p:cSld>
-  <p:clrMapOvr>
-    <a:masterClrMapping/>
-  </p:clrMapOvr>
-</p:notes>
-</file>
-
-<file path=ppt/notesSlides/notesSlide11.xml><?xml version="1.0" encoding="utf-8"?>
-<p:notes xmlns:a="http://schemas.openxmlformats.org/drawingml/2006/main" xmlns:r="http://schemas.openxmlformats.org/officeDocument/2006/relationships" xmlns:p="http://schemas.openxmlformats.org/presentationml/2006/main">
-  <p:cSld>
-    <p:spTree>
-      <p:nvGrpSpPr>
-        <p:cNvPr id="1" name=""/>
-        <p:cNvGrpSpPr/>
-        <p:nvPr/>
-      </p:nvGrpSpPr>
-      <p:grpSpPr>
-        <a:xfrm>
-          <a:off x="0" y="0"/>
-          <a:ext cx="0" cy="0"/>
-          <a:chOff x="0" y="0"/>
-          <a:chExt cx="0" cy="0"/>
-        </a:xfrm>
-      </p:grpSpPr>
-      <p:sp>
-        <p:nvSpPr>
-          <p:cNvPr id="2" name="Slide Image Placeholder 1"/>
-          <p:cNvSpPr>
-            <a:spLocks noGrp="1" noRot="1" noChangeAspect="1"/>
-          </p:cNvSpPr>
-          <p:nvPr>
-            <p:ph type="sldImg"/>
-          </p:nvPr>
-        </p:nvSpPr>
-        <p:spPr>
-          <a:xfrm>
-            <a:off x="381000" y="685800"/>
-            <a:ext cx="6096000" cy="3429000"/>
-          </a:xfrm>
-        </p:spPr>
-      </p:sp>
-      <p:sp>
-        <p:nvSpPr>
-          <p:cNvPr id="3" name="Notes Placeholder 2"/>
-          <p:cNvSpPr>
-            <a:spLocks noGrp="1"/>
-          </p:cNvSpPr>
-          <p:nvPr>
-            <p:ph type="body" idx="1"/>
-          </p:nvPr>
-        </p:nvSpPr>
-        <p:spPr/>
-        <p:txBody>
-          <a:bodyPr/>
-          <a:lstStyle/>
-          <a:p>
-            <a:pPr marL="457200" marR="0" lvl="0" indent="-298450" algn="l" defTabSz="914400" rtl="0" eaLnBrk="1" fontAlgn="auto" latinLnBrk="0" hangingPunct="1">
-              <a:lnSpc>
-                <a:spcPct val="100000"/>
-              </a:lnSpc>
-              <a:spcBef>
-                <a:spcPts val="0"/>
-              </a:spcBef>
-              <a:spcAft>
-                <a:spcPts val="0"/>
-              </a:spcAft>
-              <a:buClr>
-                <a:srgbClr val="000000"/>
-              </a:buClr>
-              <a:buSzPts val="1100"/>
-              <a:buFont typeface="Arial"/>
-              <a:buChar char="●"/>
-              <a:tabLst/>
-              <a:defRPr/>
-            </a:pPr>
-            <a:r>
-              <a:rPr lang="en-US" altLang="zh-CN" dirty="0"/>
-              <a:t>&lt;send,</a:t>
-            </a:r>
-            <a:r>
-              <a:rPr lang="en-US" altLang="zh-CN" baseline="0" dirty="0"/>
-              <a:t> </a:t>
-            </a:r>
-            <a:r>
-              <a:rPr lang="en-US" altLang="zh-CN" baseline="0" dirty="0" err="1"/>
-              <a:t>getack</a:t>
-            </a:r>
-            <a:r>
-              <a:rPr lang="en-US" altLang="zh-CN" baseline="0" dirty="0"/>
-              <a:t>, send, </a:t>
-            </a:r>
-            <a:r>
-              <a:rPr lang="en-US" altLang="zh-CN" baseline="0" dirty="0" err="1"/>
-              <a:t>getack</a:t>
-            </a:r>
-            <a:r>
-              <a:rPr lang="en-US" altLang="zh-CN" baseline="0" dirty="0"/>
-              <a:t>, …</a:t>
-            </a:r>
-            <a:r>
-              <a:rPr lang="en-US" altLang="zh-CN" dirty="0"/>
-              <a:t>&gt; means that the environment</a:t>
-            </a:r>
-            <a:r>
-              <a:rPr lang="en-US" altLang="zh-CN" baseline="0" dirty="0"/>
-              <a:t> (channel) only accepts inputs without any output, which violates the property that input and output should alternate.</a:t>
-            </a:r>
-            <a:endParaRPr lang="en-US" altLang="zh-CN" dirty="0"/>
-          </a:p>
-          <a:p>
-            <a:endParaRPr lang="zh-CN" altLang="en-US" dirty="0"/>
-          </a:p>
-        </p:txBody>
-      </p:sp>
-    </p:spTree>
-    <p:extLst>
-      <p:ext uri="{BB962C8B-B14F-4D97-AF65-F5344CB8AC3E}">
-        <p14:creationId xmlns:p14="http://schemas.microsoft.com/office/powerpoint/2010/main" val="1588598558"/>
-      </p:ext>
-    </p:extLst>
-  </p:cSld>
-  <p:clrMapOvr>
-    <a:masterClrMapping/>
-  </p:clrMapOvr>
-</p:notes>
-</file>
-
-<file path=ppt/notesSlides/notesSlide12.xml><?xml version="1.0" encoding="utf-8"?>
-<p:notes xmlns:a="http://schemas.openxmlformats.org/drawingml/2006/main" xmlns:r="http://schemas.openxmlformats.org/officeDocument/2006/relationships" xmlns:p="http://schemas.openxmlformats.org/presentationml/2006/main">
-  <p:cSld>
-    <p:spTree>
-      <p:nvGrpSpPr>
-        <p:cNvPr id="1" name=""/>
-        <p:cNvGrpSpPr/>
-        <p:nvPr/>
-      </p:nvGrpSpPr>
-      <p:grpSpPr>
-        <a:xfrm>
-          <a:off x="0" y="0"/>
-          <a:ext cx="0" cy="0"/>
-          <a:chOff x="0" y="0"/>
-          <a:chExt cx="0" cy="0"/>
-        </a:xfrm>
-      </p:grpSpPr>
-      <p:sp>
-        <p:nvSpPr>
-          <p:cNvPr id="2" name="Slide Image Placeholder 1"/>
-          <p:cNvSpPr>
-            <a:spLocks noGrp="1" noRot="1" noChangeAspect="1"/>
-          </p:cNvSpPr>
-          <p:nvPr>
-            <p:ph type="sldImg"/>
-          </p:nvPr>
-        </p:nvSpPr>
-        <p:spPr>
-          <a:xfrm>
-            <a:off x="381000" y="685800"/>
-            <a:ext cx="6096000" cy="3429000"/>
-          </a:xfrm>
-        </p:spPr>
-      </p:sp>
-      <p:sp>
-        <p:nvSpPr>
-          <p:cNvPr id="3" name="Notes Placeholder 2"/>
-          <p:cNvSpPr>
-            <a:spLocks noGrp="1"/>
-          </p:cNvSpPr>
-          <p:nvPr>
-            <p:ph type="body" idx="1"/>
-          </p:nvPr>
-        </p:nvSpPr>
-        <p:spPr/>
-        <p:txBody>
-          <a:bodyPr/>
-          <a:lstStyle/>
-          <a:p>
-            <a:pPr marL="158750" indent="0">
-              <a:buNone/>
-            </a:pPr>
-            <a:r>
-              <a:rPr lang="en-US" altLang="zh-CN" dirty="0"/>
-              <a:t>The intuition is that:</a:t>
-            </a:r>
-          </a:p>
-          <a:p>
-            <a:pPr marL="457200" indent="-298450"/>
-            <a:r>
-              <a:rPr lang="en-US" altLang="zh-CN" dirty="0"/>
-              <a:t>A system is often designed to work under some environments, e.g., we assume that the environment should work exactly in the sequence of &lt;send, rec, ack, </a:t>
-            </a:r>
-            <a:r>
-              <a:rPr lang="en-US" altLang="zh-CN" dirty="0" err="1"/>
-              <a:t>getack</a:t>
-            </a:r>
-            <a:r>
-              <a:rPr lang="en-US" altLang="zh-CN" dirty="0"/>
-              <a:t>&gt;, otherwise, the system would deadlock or violate the safety property.</a:t>
-            </a:r>
-          </a:p>
-        </p:txBody>
-      </p:sp>
-    </p:spTree>
-    <p:extLst>
-      <p:ext uri="{BB962C8B-B14F-4D97-AF65-F5344CB8AC3E}">
-        <p14:creationId xmlns:p14="http://schemas.microsoft.com/office/powerpoint/2010/main" val="3946360166"/>
-      </p:ext>
-    </p:extLst>
-  </p:cSld>
-  <p:clrMapOvr>
-    <a:masterClrMapping/>
-  </p:clrMapOvr>
-</p:notes>
-</file>
-
 <file path=ppt/notesSlides/notesSlide2.xml><?xml version="1.0" encoding="utf-8"?>
 <p:notes xmlns:a="http://schemas.openxmlformats.org/drawingml/2006/main" xmlns:r="http://schemas.openxmlformats.org/officeDocument/2006/relationships" xmlns:p="http://schemas.openxmlformats.org/presentationml/2006/main" showMasterSp="0" showMasterPhAnim="0">
   <p:cSld>
@@ -1693,80 +1411,6 @@
     <p:extLst>
       <p:ext uri="{BB962C8B-B14F-4D97-AF65-F5344CB8AC3E}">
         <p14:creationId xmlns:p14="http://schemas.microsoft.com/office/powerpoint/2010/main" val="2159525119"/>
-      </p:ext>
-    </p:extLst>
-  </p:cSld>
-  <p:clrMapOvr>
-    <a:masterClrMapping/>
-  </p:clrMapOvr>
-</p:notes>
-</file>
-
-<file path=ppt/notesSlides/notesSlide9.xml><?xml version="1.0" encoding="utf-8"?>
-<p:notes xmlns:a="http://schemas.openxmlformats.org/drawingml/2006/main" xmlns:r="http://schemas.openxmlformats.org/officeDocument/2006/relationships" xmlns:p="http://schemas.openxmlformats.org/presentationml/2006/main">
-  <p:cSld>
-    <p:spTree>
-      <p:nvGrpSpPr>
-        <p:cNvPr id="1" name=""/>
-        <p:cNvGrpSpPr/>
-        <p:nvPr/>
-      </p:nvGrpSpPr>
-      <p:grpSpPr>
-        <a:xfrm>
-          <a:off x="0" y="0"/>
-          <a:ext cx="0" cy="0"/>
-          <a:chOff x="0" y="0"/>
-          <a:chExt cx="0" cy="0"/>
-        </a:xfrm>
-      </p:grpSpPr>
-      <p:sp>
-        <p:nvSpPr>
-          <p:cNvPr id="2" name="Slide Image Placeholder 1"/>
-          <p:cNvSpPr>
-            <a:spLocks noGrp="1" noRot="1" noChangeAspect="1"/>
-          </p:cNvSpPr>
-          <p:nvPr>
-            <p:ph type="sldImg"/>
-          </p:nvPr>
-        </p:nvSpPr>
-        <p:spPr>
-          <a:xfrm>
-            <a:off x="381000" y="685800"/>
-            <a:ext cx="6096000" cy="3429000"/>
-          </a:xfrm>
-        </p:spPr>
-      </p:sp>
-      <p:sp>
-        <p:nvSpPr>
-          <p:cNvPr id="3" name="Notes Placeholder 2"/>
-          <p:cNvSpPr>
-            <a:spLocks noGrp="1"/>
-          </p:cNvSpPr>
-          <p:nvPr>
-            <p:ph type="body" idx="1"/>
-          </p:nvPr>
-        </p:nvSpPr>
-        <p:spPr/>
-        <p:txBody>
-          <a:bodyPr/>
-          <a:lstStyle/>
-          <a:p>
-            <a:r>
-              <a:rPr lang="en-US" dirty="0"/>
-              <a:t>For now,</a:t>
-            </a:r>
-            <a:r>
-              <a:rPr lang="en-US" baseline="0" dirty="0"/>
-              <a:t> let’s ignore the concrete definition of the ‘-’ operator over state machines.</a:t>
-            </a:r>
-            <a:endParaRPr lang="en-US" dirty="0"/>
-          </a:p>
-        </p:txBody>
-      </p:sp>
-    </p:spTree>
-    <p:extLst>
-      <p:ext uri="{BB962C8B-B14F-4D97-AF65-F5344CB8AC3E}">
-        <p14:creationId xmlns:p14="http://schemas.microsoft.com/office/powerpoint/2010/main" val="3701410757"/>
       </p:ext>
     </p:extLst>
   </p:cSld>
@@ -7825,6 +7469,413 @@
           <p:cNvPr id="2" name="Title 1">
             <a:extLst>
               <a:ext uri="{FF2B5EF4-FFF2-40B4-BE49-F238E27FC236}">
+                <a16:creationId xmlns:a16="http://schemas.microsoft.com/office/drawing/2014/main" id="{9B0F71D3-E7C9-45D6-B944-0457099404B2}"/>
+              </a:ext>
+            </a:extLst>
+          </p:cNvPr>
+          <p:cNvSpPr>
+            <a:spLocks noGrp="1"/>
+          </p:cNvSpPr>
+          <p:nvPr>
+            <p:ph type="title"/>
+          </p:nvPr>
+        </p:nvSpPr>
+        <p:spPr/>
+        <p:txBody>
+          <a:bodyPr/>
+          <a:lstStyle/>
+          <a:p>
+            <a:r>
+              <a:rPr lang="en-US" altLang="zh-CN" dirty="0"/>
+              <a:t>Motivation Example</a:t>
+            </a:r>
+            <a:endParaRPr lang="zh-CN" altLang="en-US" dirty="0"/>
+          </a:p>
+        </p:txBody>
+      </p:sp>
+      <p:sp>
+        <p:nvSpPr>
+          <p:cNvPr id="4" name="Slide Number Placeholder 3">
+            <a:extLst>
+              <a:ext uri="{FF2B5EF4-FFF2-40B4-BE49-F238E27FC236}">
+                <a16:creationId xmlns:a16="http://schemas.microsoft.com/office/drawing/2014/main" id="{EC9AACC4-0395-47BE-B3CA-C53C4AFC802F}"/>
+              </a:ext>
+            </a:extLst>
+          </p:cNvPr>
+          <p:cNvSpPr>
+            <a:spLocks noGrp="1"/>
+          </p:cNvSpPr>
+          <p:nvPr>
+            <p:ph type="sldNum" idx="12"/>
+          </p:nvPr>
+        </p:nvSpPr>
+        <p:spPr/>
+        <p:txBody>
+          <a:bodyPr/>
+          <a:lstStyle/>
+          <a:p>
+            <a:pPr marL="0" lvl="0" indent="0" algn="r" rtl="0">
+              <a:spcBef>
+                <a:spcPts val="0"/>
+              </a:spcBef>
+              <a:spcAft>
+                <a:spcPts val="0"/>
+              </a:spcAft>
+              <a:buNone/>
+            </a:pPr>
+            <a:fld id="{00000000-1234-1234-1234-123412341234}" type="slidenum">
+              <a:rPr lang="en" smtClean="0"/>
+              <a:t>10</a:t>
+            </a:fld>
+            <a:endParaRPr lang="en"/>
+          </a:p>
+        </p:txBody>
+      </p:sp>
+      <p:pic>
+        <p:nvPicPr>
+          <p:cNvPr id="1028" name="Picture 4">
+            <a:extLst>
+              <a:ext uri="{FF2B5EF4-FFF2-40B4-BE49-F238E27FC236}">
+                <a16:creationId xmlns:a16="http://schemas.microsoft.com/office/drawing/2014/main" id="{1C69F5EC-0D66-4C81-BC05-A77A667529ED}"/>
+              </a:ext>
+            </a:extLst>
+          </p:cNvPr>
+          <p:cNvPicPr>
+            <a:picLocks noChangeAspect="1" noChangeArrowheads="1"/>
+          </p:cNvPicPr>
+          <p:nvPr/>
+        </p:nvPicPr>
+        <p:blipFill>
+          <a:blip r:embed="rId3">
+            <a:extLst>
+              <a:ext uri="{28A0092B-C50C-407E-A947-70E740481C1C}">
+                <a14:useLocalDpi xmlns:a14="http://schemas.microsoft.com/office/drawing/2010/main" val="0"/>
+              </a:ext>
+            </a:extLst>
+          </a:blip>
+          <a:srcRect/>
+          <a:stretch>
+            <a:fillRect/>
+          </a:stretch>
+        </p:blipFill>
+        <p:spPr bwMode="auto">
+          <a:xfrm>
+            <a:off x="2905137" y="1667287"/>
+            <a:ext cx="2888444" cy="1808925"/>
+          </a:xfrm>
+          <a:prstGeom prst="rect">
+            <a:avLst/>
+          </a:prstGeom>
+          <a:noFill/>
+          <a:extLst>
+            <a:ext uri="{909E8E84-426E-40DD-AFC4-6F175D3DCCD1}">
+              <a14:hiddenFill xmlns:a14="http://schemas.microsoft.com/office/drawing/2010/main">
+                <a:solidFill>
+                  <a:srgbClr val="FFFFFF"/>
+                </a:solidFill>
+              </a14:hiddenFill>
+            </a:ext>
+          </a:extLst>
+        </p:spPr>
+      </p:pic>
+      <p:pic>
+        <p:nvPicPr>
+          <p:cNvPr id="8" name="Picture 7"/>
+          <p:cNvPicPr>
+            <a:picLocks noChangeAspect="1"/>
+          </p:cNvPicPr>
+          <p:nvPr/>
+        </p:nvPicPr>
+        <p:blipFill>
+          <a:blip r:embed="rId4"/>
+          <a:stretch>
+            <a:fillRect/>
+          </a:stretch>
+        </p:blipFill>
+        <p:spPr>
+          <a:xfrm>
+            <a:off x="481745" y="1532061"/>
+            <a:ext cx="2423392" cy="1039689"/>
+          </a:xfrm>
+          <a:prstGeom prst="rect">
+            <a:avLst/>
+          </a:prstGeom>
+        </p:spPr>
+      </p:pic>
+      <p:pic>
+        <p:nvPicPr>
+          <p:cNvPr id="9" name="Picture 8"/>
+          <p:cNvPicPr>
+            <a:picLocks noChangeAspect="1"/>
+          </p:cNvPicPr>
+          <p:nvPr/>
+        </p:nvPicPr>
+        <p:blipFill>
+          <a:blip r:embed="rId5"/>
+          <a:stretch>
+            <a:fillRect/>
+          </a:stretch>
+        </p:blipFill>
+        <p:spPr>
+          <a:xfrm>
+            <a:off x="397192" y="2875745"/>
+            <a:ext cx="2599223" cy="1039689"/>
+          </a:xfrm>
+          <a:prstGeom prst="rect">
+            <a:avLst/>
+          </a:prstGeom>
+        </p:spPr>
+      </p:pic>
+      <p:pic>
+        <p:nvPicPr>
+          <p:cNvPr id="10" name="Picture 9"/>
+          <p:cNvPicPr>
+            <a:picLocks noChangeAspect="1"/>
+          </p:cNvPicPr>
+          <p:nvPr/>
+        </p:nvPicPr>
+        <p:blipFill>
+          <a:blip r:embed="rId6"/>
+          <a:stretch>
+            <a:fillRect/>
+          </a:stretch>
+        </p:blipFill>
+        <p:spPr>
+          <a:xfrm>
+            <a:off x="5652596" y="2002354"/>
+            <a:ext cx="3009659" cy="1138789"/>
+          </a:xfrm>
+          <a:prstGeom prst="rect">
+            <a:avLst/>
+          </a:prstGeom>
+        </p:spPr>
+      </p:pic>
+    </p:spTree>
+    <p:extLst>
+      <p:ext uri="{BB962C8B-B14F-4D97-AF65-F5344CB8AC3E}">
+        <p14:creationId xmlns:p14="http://schemas.microsoft.com/office/powerpoint/2010/main" val="3537159091"/>
+      </p:ext>
+    </p:extLst>
+  </p:cSld>
+  <p:clrMapOvr>
+    <a:masterClrMapping/>
+  </p:clrMapOvr>
+</p:sld>
+</file>
+
+<file path=ppt/slides/slide11.xml><?xml version="1.0" encoding="utf-8"?>
+<p:sld xmlns:a="http://schemas.openxmlformats.org/drawingml/2006/main" xmlns:r="http://schemas.openxmlformats.org/officeDocument/2006/relationships" xmlns:p="http://schemas.openxmlformats.org/presentationml/2006/main">
+  <p:cSld>
+    <p:spTree>
+      <p:nvGrpSpPr>
+        <p:cNvPr id="1" name=""/>
+        <p:cNvGrpSpPr/>
+        <p:nvPr/>
+      </p:nvGrpSpPr>
+      <p:grpSpPr>
+        <a:xfrm>
+          <a:off x="0" y="0"/>
+          <a:ext cx="0" cy="0"/>
+          <a:chOff x="0" y="0"/>
+          <a:chExt cx="0" cy="0"/>
+        </a:xfrm>
+      </p:grpSpPr>
+      <p:sp>
+        <p:nvSpPr>
+          <p:cNvPr id="2" name="Title 1">
+            <a:extLst>
+              <a:ext uri="{FF2B5EF4-FFF2-40B4-BE49-F238E27FC236}">
+                <a16:creationId xmlns:a16="http://schemas.microsoft.com/office/drawing/2014/main" id="{D8EDB796-F80C-47DA-AC70-977473F07FE9}"/>
+              </a:ext>
+            </a:extLst>
+          </p:cNvPr>
+          <p:cNvSpPr>
+            <a:spLocks noGrp="1"/>
+          </p:cNvSpPr>
+          <p:nvPr>
+            <p:ph type="title"/>
+          </p:nvPr>
+        </p:nvSpPr>
+        <p:spPr/>
+        <p:txBody>
+          <a:bodyPr/>
+          <a:lstStyle/>
+          <a:p>
+            <a:r>
+              <a:rPr lang="en-US" altLang="zh-CN" dirty="0"/>
+              <a:t>The “correct” function</a:t>
+            </a:r>
+            <a:endParaRPr lang="zh-CN" altLang="en-US" dirty="0"/>
+          </a:p>
+        </p:txBody>
+      </p:sp>
+      <p:sp>
+        <p:nvSpPr>
+          <p:cNvPr id="3" name="Text Placeholder 2">
+            <a:extLst>
+              <a:ext uri="{FF2B5EF4-FFF2-40B4-BE49-F238E27FC236}">
+                <a16:creationId xmlns:a16="http://schemas.microsoft.com/office/drawing/2014/main" id="{DD7B06E2-7AAE-43A7-948E-4A4B27B207EC}"/>
+              </a:ext>
+            </a:extLst>
+          </p:cNvPr>
+          <p:cNvSpPr>
+            <a:spLocks noGrp="1"/>
+          </p:cNvSpPr>
+          <p:nvPr>
+            <p:ph type="body" idx="1"/>
+          </p:nvPr>
+        </p:nvSpPr>
+        <p:spPr/>
+        <p:txBody>
+          <a:bodyPr/>
+          <a:lstStyle/>
+          <a:p>
+            <a:r>
+              <a:rPr lang="en-US" altLang="zh-CN" dirty="0"/>
+              <a:t>Informally, (1) bad things should not happen, and (2) good things should happen.</a:t>
+            </a:r>
+          </a:p>
+          <a:p>
+            <a:r>
+              <a:rPr lang="en-US" altLang="zh-CN" dirty="0"/>
+              <a:t>Formally, the correct function is a combination of </a:t>
+            </a:r>
+            <a:r>
+              <a:rPr lang="en-US" altLang="zh-CN" b="1" dirty="0"/>
+              <a:t>safety</a:t>
+            </a:r>
+            <a:r>
+              <a:rPr lang="en-US" altLang="zh-CN" dirty="0"/>
+              <a:t> and </a:t>
+            </a:r>
+            <a:r>
+              <a:rPr lang="en-US" altLang="zh-CN" b="1" dirty="0"/>
+              <a:t>liveness</a:t>
+            </a:r>
+            <a:r>
+              <a:rPr lang="en-US" altLang="zh-CN" dirty="0"/>
+              <a:t> properties.</a:t>
+            </a:r>
+          </a:p>
+          <a:p>
+            <a:r>
+              <a:rPr lang="en-US" altLang="zh-CN" dirty="0"/>
+              <a:t>In the example, we consider:</a:t>
+            </a:r>
+          </a:p>
+          <a:p>
+            <a:pPr lvl="1"/>
+            <a:r>
+              <a:rPr lang="en-US" altLang="zh-CN" dirty="0"/>
+              <a:t>Safety Property P: input and output should alternate, i.e.,</a:t>
+            </a:r>
+          </a:p>
+          <a:p>
+            <a:pPr lvl="1"/>
+            <a:r>
+              <a:rPr lang="en-US" altLang="zh-CN" dirty="0"/>
+              <a:t>Liveness Property: the system should be deadlock-free.</a:t>
+            </a:r>
+          </a:p>
+        </p:txBody>
+      </p:sp>
+      <p:sp>
+        <p:nvSpPr>
+          <p:cNvPr id="4" name="Slide Number Placeholder 3">
+            <a:extLst>
+              <a:ext uri="{FF2B5EF4-FFF2-40B4-BE49-F238E27FC236}">
+                <a16:creationId xmlns:a16="http://schemas.microsoft.com/office/drawing/2014/main" id="{73F2EA82-C591-4284-8C67-A86BB9EFF70C}"/>
+              </a:ext>
+            </a:extLst>
+          </p:cNvPr>
+          <p:cNvSpPr>
+            <a:spLocks noGrp="1"/>
+          </p:cNvSpPr>
+          <p:nvPr>
+            <p:ph type="sldNum" idx="12"/>
+          </p:nvPr>
+        </p:nvSpPr>
+        <p:spPr/>
+        <p:txBody>
+          <a:bodyPr/>
+          <a:lstStyle/>
+          <a:p>
+            <a:pPr marL="0" lvl="0" indent="0" algn="r" rtl="0">
+              <a:spcBef>
+                <a:spcPts val="0"/>
+              </a:spcBef>
+              <a:spcAft>
+                <a:spcPts val="0"/>
+              </a:spcAft>
+              <a:buNone/>
+            </a:pPr>
+            <a:fld id="{00000000-1234-1234-1234-123412341234}" type="slidenum">
+              <a:rPr lang="en" smtClean="0"/>
+              <a:t>11</a:t>
+            </a:fld>
+            <a:endParaRPr lang="en"/>
+          </a:p>
+        </p:txBody>
+      </p:sp>
+      <p:pic>
+        <p:nvPicPr>
+          <p:cNvPr id="6" name="Picture 5"/>
+          <p:cNvPicPr>
+            <a:picLocks noChangeAspect="1"/>
+          </p:cNvPicPr>
+          <p:nvPr/>
+        </p:nvPicPr>
+        <p:blipFill>
+          <a:blip r:embed="rId3"/>
+          <a:stretch>
+            <a:fillRect/>
+          </a:stretch>
+        </p:blipFill>
+        <p:spPr>
+          <a:xfrm>
+            <a:off x="6284612" y="2583969"/>
+            <a:ext cx="1815835" cy="1125517"/>
+          </a:xfrm>
+          <a:prstGeom prst="rect">
+            <a:avLst/>
+          </a:prstGeom>
+        </p:spPr>
+      </p:pic>
+    </p:spTree>
+    <p:extLst>
+      <p:ext uri="{BB962C8B-B14F-4D97-AF65-F5344CB8AC3E}">
+        <p14:creationId xmlns:p14="http://schemas.microsoft.com/office/powerpoint/2010/main" val="3019702908"/>
+      </p:ext>
+    </p:extLst>
+  </p:cSld>
+  <p:clrMapOvr>
+    <a:masterClrMapping/>
+  </p:clrMapOvr>
+</p:sld>
+</file>
+
+<file path=ppt/slides/slide12.xml><?xml version="1.0" encoding="utf-8"?>
+<p:sld xmlns:a="http://schemas.openxmlformats.org/drawingml/2006/main" xmlns:r="http://schemas.openxmlformats.org/officeDocument/2006/relationships" xmlns:p="http://schemas.openxmlformats.org/presentationml/2006/main">
+  <p:cSld>
+    <p:spTree>
+      <p:nvGrpSpPr>
+        <p:cNvPr id="1" name=""/>
+        <p:cNvGrpSpPr/>
+        <p:nvPr/>
+      </p:nvGrpSpPr>
+      <p:grpSpPr>
+        <a:xfrm>
+          <a:off x="0" y="0"/>
+          <a:ext cx="0" cy="0"/>
+          <a:chOff x="0" y="0"/>
+          <a:chExt cx="0" cy="0"/>
+        </a:xfrm>
+      </p:grpSpPr>
+      <p:sp>
+        <p:nvSpPr>
+          <p:cNvPr id="2" name="Title 1">
+            <a:extLst>
+              <a:ext uri="{FF2B5EF4-FFF2-40B4-BE49-F238E27FC236}">
                 <a16:creationId xmlns:a16="http://schemas.microsoft.com/office/drawing/2014/main" id="{FED4BC74-3FEC-4F8C-90AF-A6224B4E4C56}"/>
               </a:ext>
             </a:extLst>
@@ -7843,7 +7894,15 @@
           <a:p>
             <a:r>
               <a:rPr lang="en-US" altLang="zh-CN" dirty="0"/>
-              <a:t>Uncertainty in environment</a:t>
+              <a:t>Uncertainty in </a:t>
+            </a:r>
+            <a:r>
+              <a:rPr lang="en-US" altLang="zh-CN" dirty="0"/>
+              <a:t>e</a:t>
+            </a:r>
+            <a:r>
+              <a:rPr lang="en-US" altLang="zh-CN" dirty="0" smtClean="0"/>
+              <a:t>nvironment</a:t>
             </a:r>
             <a:endParaRPr lang="zh-CN" altLang="en-US" dirty="0"/>
           </a:p>
@@ -7881,7 +7940,7 @@
             </a:pPr>
             <a:fld id="{00000000-1234-1234-1234-123412341234}" type="slidenum">
               <a:rPr lang="en" smtClean="0"/>
-              <a:t>10</a:t>
+              <a:t>12</a:t>
             </a:fld>
             <a:endParaRPr lang="en"/>
           </a:p>
@@ -8117,7 +8176,7 @@
 </p:sld>
 </file>
 
-<file path=ppt/slides/slide11.xml><?xml version="1.0" encoding="utf-8"?>
+<file path=ppt/slides/slide13.xml><?xml version="1.0" encoding="utf-8"?>
 <p:sld xmlns:a="http://schemas.openxmlformats.org/drawingml/2006/main" xmlns:r="http://schemas.openxmlformats.org/officeDocument/2006/relationships" xmlns:p="http://schemas.openxmlformats.org/presentationml/2006/main">
   <p:cSld>
     <p:spTree>
@@ -8203,12 +8262,16 @@
               <a:t> </a:t>
             </a:r>
             <a:r>
-              <a:rPr lang="en-US" altLang="zh-CN" i="1" dirty="0"/>
+              <a:rPr lang="en-US" altLang="zh-CN" b="1" i="1" dirty="0"/>
               <a:t>baseline environment</a:t>
             </a:r>
             <a:r>
+              <a:rPr lang="en-US" altLang="zh-CN" b="1" dirty="0"/>
+              <a:t> </a:t>
+            </a:r>
+            <a:r>
               <a:rPr lang="en-US" altLang="zh-CN" dirty="0"/>
-              <a:t> is a pre-defined environment in which the system can ensure “correct” function.</a:t>
+              <a:t>is a pre-defined environment in which the system can ensure “correct” function.</a:t>
             </a:r>
           </a:p>
           <a:p>
@@ -8222,7 +8285,7 @@
               <a:t>Then, </a:t>
             </a:r>
             <a:r>
-              <a:rPr lang="en-US" altLang="zh-CN" i="1" dirty="0"/>
+              <a:rPr lang="en-US" altLang="zh-CN" b="1" i="1" dirty="0"/>
               <a:t>uncertainty</a:t>
             </a:r>
             <a:r>
@@ -8296,7 +8359,7 @@
             </a:pPr>
             <a:fld id="{00000000-1234-1234-1234-123412341234}" type="slidenum">
               <a:rPr lang="en" smtClean="0"/>
-              <a:t>11</a:t>
+              <a:t>13</a:t>
             </a:fld>
             <a:endParaRPr lang="en"/>
           </a:p>
@@ -8450,7 +8513,7 @@
 </p:sld>
 </file>
 
-<file path=ppt/slides/slide12.xml><?xml version="1.0" encoding="utf-8"?>
+<file path=ppt/slides/slide14.xml><?xml version="1.0" encoding="utf-8"?>
 <p:sld xmlns:a="http://schemas.openxmlformats.org/drawingml/2006/main" xmlns:r="http://schemas.openxmlformats.org/officeDocument/2006/relationships" xmlns:p="http://schemas.openxmlformats.org/presentationml/2006/main">
   <p:cSld>
     <p:spTree>
@@ -8490,7 +8553,11 @@
           <a:p>
             <a:r>
               <a:rPr lang="en-US" altLang="zh-CN" dirty="0"/>
-              <a:t>Capability to deal with uncertainty</a:t>
+              <a:t>Capability to deal with </a:t>
+            </a:r>
+            <a:r>
+              <a:rPr lang="en-US" altLang="zh-CN" dirty="0" smtClean="0"/>
+              <a:t>Uncertainty</a:t>
             </a:r>
             <a:endParaRPr lang="zh-CN" altLang="en-US" dirty="0"/>
           </a:p>
@@ -8534,8 +8601,12 @@
               </a:spcAft>
             </a:pPr>
             <a:r>
+              <a:rPr lang="en-US" altLang="zh-CN" b="1" i="1" dirty="0"/>
+              <a:t>Capability</a:t>
+            </a:r>
+            <a:r>
               <a:rPr lang="en-US" altLang="zh-CN" dirty="0"/>
-              <a:t>Capability of a system to deal with uncertainty is the additional behavior allowed by the system, that is not in the </a:t>
+              <a:t> of a system to deal with uncertainty is the additional behavior allowed by the system, that is not in the </a:t>
             </a:r>
             <a:r>
               <a:rPr lang="en-US" altLang="zh-CN" i="1" dirty="0"/>
@@ -8612,7 +8683,7 @@
             </a:pPr>
             <a:fld id="{00000000-1234-1234-1234-123412341234}" type="slidenum">
               <a:rPr lang="en" smtClean="0"/>
-              <a:t>12</a:t>
+              <a:t>14</a:t>
             </a:fld>
             <a:endParaRPr lang="en"/>
           </a:p>
@@ -8633,7 +8704,7 @@
         <p:spPr>
           <a:xfrm>
             <a:off x="1260000" y="3230274"/>
-            <a:ext cx="2944800" cy="1147325"/>
+            <a:ext cx="3110522" cy="1094401"/>
           </a:xfrm>
           <a:prstGeom prst="cloudCallout">
             <a:avLst>
@@ -8665,7 +8736,15 @@
             <a:pPr algn="ctr"/>
             <a:r>
               <a:rPr lang="en-US" altLang="zh-CN" dirty="0"/>
-              <a:t>How to generate the allowed behavior of the environment?</a:t>
+              <a:t>How to generate the </a:t>
+            </a:r>
+            <a:r>
+              <a:rPr lang="en-US" altLang="zh-CN" dirty="0" smtClean="0"/>
+              <a:t>maximum allowed </a:t>
+            </a:r>
+            <a:r>
+              <a:rPr lang="en-US" altLang="zh-CN" dirty="0"/>
+              <a:t>behavior of the environment?</a:t>
             </a:r>
             <a:endParaRPr lang="zh-CN" altLang="en-US" dirty="0"/>
           </a:p>
@@ -8737,718 +8816,6 @@
 </p:sld>
 </file>
 
-<file path=ppt/slides/slide13.xml><?xml version="1.0" encoding="utf-8"?>
-<p:sld xmlns:a="http://schemas.openxmlformats.org/drawingml/2006/main" xmlns:r="http://schemas.openxmlformats.org/officeDocument/2006/relationships" xmlns:p="http://schemas.openxmlformats.org/presentationml/2006/main">
-  <p:cSld>
-    <p:spTree>
-      <p:nvGrpSpPr>
-        <p:cNvPr id="1" name=""/>
-        <p:cNvGrpSpPr/>
-        <p:nvPr/>
-      </p:nvGrpSpPr>
-      <p:grpSpPr>
-        <a:xfrm>
-          <a:off x="0" y="0"/>
-          <a:ext cx="0" cy="0"/>
-          <a:chOff x="0" y="0"/>
-          <a:chExt cx="0" cy="0"/>
-        </a:xfrm>
-      </p:grpSpPr>
-      <p:sp>
-        <p:nvSpPr>
-          <p:cNvPr id="2" name="Title 1">
-            <a:extLst>
-              <a:ext uri="{FF2B5EF4-FFF2-40B4-BE49-F238E27FC236}">
-                <a16:creationId xmlns:a16="http://schemas.microsoft.com/office/drawing/2014/main" id="{90B5F31C-C43B-40A3-956E-062368675942}"/>
-              </a:ext>
-            </a:extLst>
-          </p:cNvPr>
-          <p:cNvSpPr>
-            <a:spLocks noGrp="1"/>
-          </p:cNvSpPr>
-          <p:nvPr>
-            <p:ph type="title"/>
-          </p:nvPr>
-        </p:nvSpPr>
-        <p:spPr/>
-        <p:txBody>
-          <a:bodyPr/>
-          <a:lstStyle/>
-          <a:p>
-            <a:r>
-              <a:rPr lang="en-US" altLang="zh-CN" dirty="0"/>
-              <a:t>Generating weakest assumption</a:t>
-            </a:r>
-            <a:endParaRPr lang="zh-CN" altLang="en-US" dirty="0"/>
-          </a:p>
-        </p:txBody>
-      </p:sp>
-      <p:sp>
-        <p:nvSpPr>
-          <p:cNvPr id="3" name="Text Placeholder 2">
-            <a:extLst>
-              <a:ext uri="{FF2B5EF4-FFF2-40B4-BE49-F238E27FC236}">
-                <a16:creationId xmlns:a16="http://schemas.microsoft.com/office/drawing/2014/main" id="{BCADE428-090D-4311-A904-541194D53C0E}"/>
-              </a:ext>
-            </a:extLst>
-          </p:cNvPr>
-          <p:cNvSpPr>
-            <a:spLocks noGrp="1"/>
-          </p:cNvSpPr>
-          <p:nvPr>
-            <p:ph type="body" idx="1"/>
-          </p:nvPr>
-        </p:nvSpPr>
-        <p:spPr/>
-        <p:txBody>
-          <a:bodyPr/>
-          <a:lstStyle/>
-          <a:p>
-            <a:r>
-              <a:rPr lang="en-US" altLang="zh-CN" dirty="0"/>
-              <a:t>The </a:t>
-            </a:r>
-            <a:r>
-              <a:rPr lang="en-US" altLang="zh-CN" i="1" dirty="0"/>
-              <a:t>assumption</a:t>
-            </a:r>
-            <a:r>
-              <a:rPr lang="en-US" altLang="zh-CN" dirty="0"/>
-              <a:t> of a system is</a:t>
-            </a:r>
-            <a:endParaRPr lang="zh-CN" altLang="en-US" dirty="0"/>
-          </a:p>
-        </p:txBody>
-      </p:sp>
-      <p:sp>
-        <p:nvSpPr>
-          <p:cNvPr id="4" name="Slide Number Placeholder 3">
-            <a:extLst>
-              <a:ext uri="{FF2B5EF4-FFF2-40B4-BE49-F238E27FC236}">
-                <a16:creationId xmlns:a16="http://schemas.microsoft.com/office/drawing/2014/main" id="{8A2AA3EA-9BD5-452B-A9C0-F85B4A7FB2A6}"/>
-              </a:ext>
-            </a:extLst>
-          </p:cNvPr>
-          <p:cNvSpPr>
-            <a:spLocks noGrp="1"/>
-          </p:cNvSpPr>
-          <p:nvPr>
-            <p:ph type="sldNum" idx="12"/>
-          </p:nvPr>
-        </p:nvSpPr>
-        <p:spPr/>
-        <p:txBody>
-          <a:bodyPr/>
-          <a:lstStyle/>
-          <a:p>
-            <a:pPr marL="0" lvl="0" indent="0" algn="r" rtl="0">
-              <a:spcBef>
-                <a:spcPts val="0"/>
-              </a:spcBef>
-              <a:spcAft>
-                <a:spcPts val="0"/>
-              </a:spcAft>
-              <a:buNone/>
-            </a:pPr>
-            <a:fld id="{00000000-1234-1234-1234-123412341234}" type="slidenum">
-              <a:rPr lang="en" smtClean="0"/>
-              <a:t>13</a:t>
-            </a:fld>
-            <a:endParaRPr lang="en"/>
-          </a:p>
-        </p:txBody>
-      </p:sp>
-    </p:spTree>
-    <p:extLst>
-      <p:ext uri="{BB962C8B-B14F-4D97-AF65-F5344CB8AC3E}">
-        <p14:creationId xmlns:p14="http://schemas.microsoft.com/office/powerpoint/2010/main" val="3877037453"/>
-      </p:ext>
-    </p:extLst>
-  </p:cSld>
-  <p:clrMapOvr>
-    <a:masterClrMapping/>
-  </p:clrMapOvr>
-</p:sld>
-</file>
-
-<file path=ppt/slides/slide14.xml><?xml version="1.0" encoding="utf-8"?>
-<p:sld xmlns:a="http://schemas.openxmlformats.org/drawingml/2006/main" xmlns:r="http://schemas.openxmlformats.org/officeDocument/2006/relationships" xmlns:p="http://schemas.openxmlformats.org/presentationml/2006/main">
-  <p:cSld>
-    <p:spTree>
-      <p:nvGrpSpPr>
-        <p:cNvPr id="1" name=""/>
-        <p:cNvGrpSpPr/>
-        <p:nvPr/>
-      </p:nvGrpSpPr>
-      <p:grpSpPr>
-        <a:xfrm>
-          <a:off x="0" y="0"/>
-          <a:ext cx="0" cy="0"/>
-          <a:chOff x="0" y="0"/>
-          <a:chExt cx="0" cy="0"/>
-        </a:xfrm>
-      </p:grpSpPr>
-      <p:sp>
-        <p:nvSpPr>
-          <p:cNvPr id="2" name="Title 1">
-            <a:extLst>
-              <a:ext uri="{FF2B5EF4-FFF2-40B4-BE49-F238E27FC236}">
-                <a16:creationId xmlns:a16="http://schemas.microsoft.com/office/drawing/2014/main" id="{BA6B2C50-9FFA-4A11-A88F-BF827DE3D7EB}"/>
-              </a:ext>
-            </a:extLst>
-          </p:cNvPr>
-          <p:cNvSpPr>
-            <a:spLocks noGrp="1"/>
-          </p:cNvSpPr>
-          <p:nvPr>
-            <p:ph type="title"/>
-          </p:nvPr>
-        </p:nvSpPr>
-        <p:spPr/>
-        <p:txBody>
-          <a:bodyPr/>
-          <a:lstStyle/>
-          <a:p>
-            <a:r>
-              <a:rPr lang="en-US" altLang="zh-CN" dirty="0"/>
-              <a:t>Representation of uncertainty</a:t>
-            </a:r>
-            <a:endParaRPr lang="zh-CN" altLang="en-US" dirty="0"/>
-          </a:p>
-        </p:txBody>
-      </p:sp>
-      <p:sp>
-        <p:nvSpPr>
-          <p:cNvPr id="3" name="Text Placeholder 2">
-            <a:extLst>
-              <a:ext uri="{FF2B5EF4-FFF2-40B4-BE49-F238E27FC236}">
-                <a16:creationId xmlns:a16="http://schemas.microsoft.com/office/drawing/2014/main" id="{411C90ED-C1C2-412A-9DD6-1AA4CEB44002}"/>
-              </a:ext>
-            </a:extLst>
-          </p:cNvPr>
-          <p:cNvSpPr>
-            <a:spLocks noGrp="1"/>
-          </p:cNvSpPr>
-          <p:nvPr>
-            <p:ph type="body" idx="1"/>
-          </p:nvPr>
-        </p:nvSpPr>
-        <p:spPr/>
-        <p:txBody>
-          <a:bodyPr/>
-          <a:lstStyle/>
-          <a:p>
-            <a:r>
-              <a:rPr lang="en-US" altLang="zh-CN" sz="1600" dirty="0"/>
-              <a:t>Uncertainty is the additional behavior that is not in the baseline environment which may cause property violations.</a:t>
-            </a:r>
-          </a:p>
-          <a:p>
-            <a:pPr lvl="1">
-              <a:spcBef>
-                <a:spcPts val="0"/>
-              </a:spcBef>
-              <a:spcAft>
-                <a:spcPts val="800"/>
-              </a:spcAft>
-            </a:pPr>
-            <a:r>
-              <a:rPr lang="en-US" altLang="zh-CN" dirty="0"/>
-              <a:t>E.g., a trace in environment: &lt;send, lose, </a:t>
-            </a:r>
-            <a:r>
-              <a:rPr lang="en-US" altLang="zh-CN" dirty="0">
-                <a:solidFill>
-                  <a:srgbClr val="FF0000"/>
-                </a:solidFill>
-              </a:rPr>
-              <a:t>send</a:t>
-            </a:r>
-            <a:r>
-              <a:rPr lang="en-US" altLang="zh-CN" dirty="0"/>
-              <a:t>&gt;</a:t>
-            </a:r>
-          </a:p>
-          <a:p>
-            <a:r>
-              <a:rPr lang="en-US" altLang="zh-CN" sz="1600" dirty="0"/>
-              <a:t>Problem: the alphabet of internal events is often unknown.</a:t>
-            </a:r>
-          </a:p>
-          <a:p>
-            <a:r>
-              <a:rPr lang="en-US" altLang="zh-CN" sz="1600" dirty="0"/>
-              <a:t>Solution: project the environment to the known interfaces.</a:t>
-            </a:r>
-            <a:endParaRPr lang="zh-CN" altLang="en-US" sz="1600" dirty="0"/>
-          </a:p>
-          <a:p>
-            <a:endParaRPr lang="en-US" altLang="zh-CN" dirty="0"/>
-          </a:p>
-          <a:p>
-            <a:endParaRPr lang="en-US" altLang="zh-CN" dirty="0"/>
-          </a:p>
-        </p:txBody>
-      </p:sp>
-      <p:sp>
-        <p:nvSpPr>
-          <p:cNvPr id="4" name="Slide Number Placeholder 3">
-            <a:extLst>
-              <a:ext uri="{FF2B5EF4-FFF2-40B4-BE49-F238E27FC236}">
-                <a16:creationId xmlns:a16="http://schemas.microsoft.com/office/drawing/2014/main" id="{381072B6-446C-4D87-8FBC-0B47E14722D3}"/>
-              </a:ext>
-            </a:extLst>
-          </p:cNvPr>
-          <p:cNvSpPr>
-            <a:spLocks noGrp="1"/>
-          </p:cNvSpPr>
-          <p:nvPr>
-            <p:ph type="sldNum" idx="12"/>
-          </p:nvPr>
-        </p:nvSpPr>
-        <p:spPr/>
-        <p:txBody>
-          <a:bodyPr/>
-          <a:lstStyle/>
-          <a:p>
-            <a:pPr marL="0" lvl="0" indent="0" algn="r" rtl="0">
-              <a:spcBef>
-                <a:spcPts val="0"/>
-              </a:spcBef>
-              <a:spcAft>
-                <a:spcPts val="0"/>
-              </a:spcAft>
-              <a:buNone/>
-            </a:pPr>
-            <a:fld id="{00000000-1234-1234-1234-123412341234}" type="slidenum">
-              <a:rPr lang="en" smtClean="0"/>
-              <a:t>14</a:t>
-            </a:fld>
-            <a:endParaRPr lang="en"/>
-          </a:p>
-        </p:txBody>
-      </p:sp>
-      <p:sp>
-        <p:nvSpPr>
-          <p:cNvPr id="5" name="Arrow: Right 4">
-            <a:extLst>
-              <a:ext uri="{FF2B5EF4-FFF2-40B4-BE49-F238E27FC236}">
-                <a16:creationId xmlns:a16="http://schemas.microsoft.com/office/drawing/2014/main" id="{602C3F2F-9C1D-49F5-A281-856A00E51960}"/>
-              </a:ext>
-            </a:extLst>
-          </p:cNvPr>
-          <p:cNvSpPr/>
-          <p:nvPr/>
-        </p:nvSpPr>
-        <p:spPr>
-          <a:xfrm>
-            <a:off x="3900055" y="3283646"/>
-            <a:ext cx="976745" cy="249382"/>
-          </a:xfrm>
-          <a:prstGeom prst="rightArrow">
-            <a:avLst/>
-          </a:prstGeom>
-        </p:spPr>
-        <p:style>
-          <a:lnRef idx="2">
-            <a:schemeClr val="accent1">
-              <a:shade val="50000"/>
-            </a:schemeClr>
-          </a:lnRef>
-          <a:fillRef idx="1">
-            <a:schemeClr val="accent1"/>
-          </a:fillRef>
-          <a:effectRef idx="0">
-            <a:schemeClr val="accent1"/>
-          </a:effectRef>
-          <a:fontRef idx="minor">
-            <a:schemeClr val="lt1"/>
-          </a:fontRef>
-        </p:style>
-        <p:txBody>
-          <a:bodyPr rtlCol="0" anchor="ctr"/>
-          <a:lstStyle/>
-          <a:p>
-            <a:pPr algn="ctr"/>
-            <a:endParaRPr lang="zh-CN" altLang="en-US"/>
-          </a:p>
-        </p:txBody>
-      </p:sp>
-      <p:pic>
-        <p:nvPicPr>
-          <p:cNvPr id="7" name="Picture 6">
-            <a:extLst>
-              <a:ext uri="{FF2B5EF4-FFF2-40B4-BE49-F238E27FC236}">
-                <a16:creationId xmlns:a16="http://schemas.microsoft.com/office/drawing/2014/main" id="{2CEB0D3D-A2A4-48C0-83CA-4DC2B9D7B8DC}"/>
-              </a:ext>
-            </a:extLst>
-          </p:cNvPr>
-          <p:cNvPicPr>
-            <a:picLocks noChangeAspect="1"/>
-          </p:cNvPicPr>
-          <p:nvPr/>
-        </p:nvPicPr>
-        <p:blipFill>
-          <a:blip r:embed="rId2"/>
-          <a:stretch>
-            <a:fillRect/>
-          </a:stretch>
-        </p:blipFill>
-        <p:spPr>
-          <a:xfrm>
-            <a:off x="1009693" y="2827832"/>
-            <a:ext cx="2530123" cy="1161009"/>
-          </a:xfrm>
-          <a:prstGeom prst="rect">
-            <a:avLst/>
-          </a:prstGeom>
-        </p:spPr>
-      </p:pic>
-      <p:pic>
-        <p:nvPicPr>
-          <p:cNvPr id="8" name="Picture 7">
-            <a:extLst>
-              <a:ext uri="{FF2B5EF4-FFF2-40B4-BE49-F238E27FC236}">
-                <a16:creationId xmlns:a16="http://schemas.microsoft.com/office/drawing/2014/main" id="{7D2FDC86-6BCF-4CAA-90CC-95E7B011C769}"/>
-              </a:ext>
-            </a:extLst>
-          </p:cNvPr>
-          <p:cNvPicPr>
-            <a:picLocks noChangeAspect="1"/>
-          </p:cNvPicPr>
-          <p:nvPr/>
-        </p:nvPicPr>
-        <p:blipFill>
-          <a:blip r:embed="rId3"/>
-          <a:stretch>
-            <a:fillRect/>
-          </a:stretch>
-        </p:blipFill>
-        <p:spPr>
-          <a:xfrm>
-            <a:off x="5179438" y="2931747"/>
-            <a:ext cx="2210435" cy="953177"/>
-          </a:xfrm>
-          <a:prstGeom prst="rect">
-            <a:avLst/>
-          </a:prstGeom>
-        </p:spPr>
-      </p:pic>
-      <p:sp>
-        <p:nvSpPr>
-          <p:cNvPr id="9" name="Text Placeholder 2">
-            <a:extLst>
-              <a:ext uri="{FF2B5EF4-FFF2-40B4-BE49-F238E27FC236}">
-                <a16:creationId xmlns:a16="http://schemas.microsoft.com/office/drawing/2014/main" id="{770F91BE-A4EE-4FC3-A406-A521B369D37E}"/>
-              </a:ext>
-            </a:extLst>
-          </p:cNvPr>
-          <p:cNvSpPr txBox="1">
-            <a:spLocks/>
-          </p:cNvSpPr>
-          <p:nvPr/>
-        </p:nvSpPr>
-        <p:spPr>
-          <a:xfrm>
-            <a:off x="438151" y="4010689"/>
-            <a:ext cx="8394149" cy="353540"/>
-          </a:xfrm>
-          <a:prstGeom prst="rect">
-            <a:avLst/>
-          </a:prstGeom>
-          <a:noFill/>
-          <a:ln>
-            <a:noFill/>
-          </a:ln>
-        </p:spPr>
-        <p:txBody>
-          <a:bodyPr spcFirstLastPara="1" wrap="square" lIns="91425" tIns="91425" rIns="91425" bIns="91425" anchor="t" anchorCtr="0">
-            <a:noAutofit/>
-          </a:bodyPr>
-          <a:lstStyle>
-            <a:defPPr marR="0" lvl="0" algn="l" rtl="0">
-              <a:lnSpc>
-                <a:spcPct val="100000"/>
-              </a:lnSpc>
-              <a:spcBef>
-                <a:spcPts val="0"/>
-              </a:spcBef>
-              <a:spcAft>
-                <a:spcPts val="0"/>
-              </a:spcAft>
-            </a:defPPr>
-            <a:lvl1pPr marL="457200" marR="0" lvl="0" indent="-342900" algn="l" rtl="0" eaLnBrk="1" hangingPunct="1">
-              <a:lnSpc>
-                <a:spcPct val="115000"/>
-              </a:lnSpc>
-              <a:spcBef>
-                <a:spcPts val="0"/>
-              </a:spcBef>
-              <a:spcAft>
-                <a:spcPts val="0"/>
-              </a:spcAft>
-              <a:buClr>
-                <a:schemeClr val="dk2"/>
-              </a:buClr>
-              <a:buSzPts val="1800"/>
-              <a:buFont typeface="Open Sans Light"/>
-              <a:buChar char="●"/>
-              <a:defRPr sz="1800" b="0" i="0" u="none" strike="noStrike" cap="none">
-                <a:solidFill>
-                  <a:schemeClr val="dk2"/>
-                </a:solidFill>
-                <a:latin typeface="Open Sans Light"/>
-                <a:ea typeface="Open Sans Light"/>
-                <a:cs typeface="Open Sans Light"/>
-                <a:sym typeface="Open Sans Light"/>
-              </a:defRPr>
-            </a:lvl1pPr>
-            <a:lvl2pPr marL="914400" marR="0" lvl="1" indent="-317500" algn="l" rtl="0" eaLnBrk="1" hangingPunct="1">
-              <a:lnSpc>
-                <a:spcPct val="115000"/>
-              </a:lnSpc>
-              <a:spcBef>
-                <a:spcPts val="1600"/>
-              </a:spcBef>
-              <a:spcAft>
-                <a:spcPts val="0"/>
-              </a:spcAft>
-              <a:buClr>
-                <a:schemeClr val="dk2"/>
-              </a:buClr>
-              <a:buSzPts val="1400"/>
-              <a:buFont typeface="Open Sans Light"/>
-              <a:buChar char="○"/>
-              <a:defRPr sz="1400" b="0" i="0" u="none" strike="noStrike" cap="none">
-                <a:solidFill>
-                  <a:schemeClr val="dk2"/>
-                </a:solidFill>
-                <a:latin typeface="Open Sans Light"/>
-                <a:ea typeface="Open Sans Light"/>
-                <a:cs typeface="Open Sans Light"/>
-                <a:sym typeface="Open Sans Light"/>
-              </a:defRPr>
-            </a:lvl2pPr>
-            <a:lvl3pPr marL="1371600" marR="0" lvl="2" indent="-317500" algn="l" rtl="0" eaLnBrk="1" hangingPunct="1">
-              <a:lnSpc>
-                <a:spcPct val="115000"/>
-              </a:lnSpc>
-              <a:spcBef>
-                <a:spcPts val="1600"/>
-              </a:spcBef>
-              <a:spcAft>
-                <a:spcPts val="0"/>
-              </a:spcAft>
-              <a:buClr>
-                <a:schemeClr val="dk2"/>
-              </a:buClr>
-              <a:buSzPts val="1400"/>
-              <a:buFont typeface="Open Sans Light"/>
-              <a:buChar char="■"/>
-              <a:defRPr sz="1400" b="0" i="0" u="none" strike="noStrike" cap="none">
-                <a:solidFill>
-                  <a:schemeClr val="dk2"/>
-                </a:solidFill>
-                <a:latin typeface="Open Sans Light"/>
-                <a:ea typeface="Open Sans Light"/>
-                <a:cs typeface="Open Sans Light"/>
-                <a:sym typeface="Open Sans Light"/>
-              </a:defRPr>
-            </a:lvl3pPr>
-            <a:lvl4pPr marL="1828800" marR="0" lvl="3" indent="-317500" algn="l" rtl="0" eaLnBrk="1" hangingPunct="1">
-              <a:lnSpc>
-                <a:spcPct val="115000"/>
-              </a:lnSpc>
-              <a:spcBef>
-                <a:spcPts val="1600"/>
-              </a:spcBef>
-              <a:spcAft>
-                <a:spcPts val="0"/>
-              </a:spcAft>
-              <a:buClr>
-                <a:schemeClr val="dk2"/>
-              </a:buClr>
-              <a:buSzPts val="1400"/>
-              <a:buFont typeface="Open Sans Light"/>
-              <a:buChar char="●"/>
-              <a:defRPr sz="1400" b="0" i="0" u="none" strike="noStrike" cap="none">
-                <a:solidFill>
-                  <a:schemeClr val="dk2"/>
-                </a:solidFill>
-                <a:latin typeface="Open Sans Light"/>
-                <a:ea typeface="Open Sans Light"/>
-                <a:cs typeface="Open Sans Light"/>
-                <a:sym typeface="Open Sans Light"/>
-              </a:defRPr>
-            </a:lvl4pPr>
-            <a:lvl5pPr marL="2286000" marR="0" lvl="4" indent="-317500" algn="l" rtl="0" eaLnBrk="1" hangingPunct="1">
-              <a:lnSpc>
-                <a:spcPct val="115000"/>
-              </a:lnSpc>
-              <a:spcBef>
-                <a:spcPts val="1600"/>
-              </a:spcBef>
-              <a:spcAft>
-                <a:spcPts val="0"/>
-              </a:spcAft>
-              <a:buClr>
-                <a:schemeClr val="dk2"/>
-              </a:buClr>
-              <a:buSzPts val="1400"/>
-              <a:buFont typeface="Open Sans Light"/>
-              <a:buChar char="○"/>
-              <a:defRPr sz="1400" b="0" i="0" u="none" strike="noStrike" cap="none">
-                <a:solidFill>
-                  <a:schemeClr val="dk2"/>
-                </a:solidFill>
-                <a:latin typeface="Open Sans Light"/>
-                <a:ea typeface="Open Sans Light"/>
-                <a:cs typeface="Open Sans Light"/>
-                <a:sym typeface="Open Sans Light"/>
-              </a:defRPr>
-            </a:lvl5pPr>
-            <a:lvl6pPr marL="2743200" marR="0" lvl="5" indent="-317500" algn="l" rtl="0" eaLnBrk="1" hangingPunct="1">
-              <a:lnSpc>
-                <a:spcPct val="115000"/>
-              </a:lnSpc>
-              <a:spcBef>
-                <a:spcPts val="1600"/>
-              </a:spcBef>
-              <a:spcAft>
-                <a:spcPts val="0"/>
-              </a:spcAft>
-              <a:buClr>
-                <a:schemeClr val="dk2"/>
-              </a:buClr>
-              <a:buSzPts val="1400"/>
-              <a:buFont typeface="Open Sans Light"/>
-              <a:buChar char="■"/>
-              <a:defRPr sz="1400" b="0" i="0" u="none" strike="noStrike" cap="none">
-                <a:solidFill>
-                  <a:schemeClr val="dk2"/>
-                </a:solidFill>
-                <a:latin typeface="Open Sans Light"/>
-                <a:ea typeface="Open Sans Light"/>
-                <a:cs typeface="Open Sans Light"/>
-                <a:sym typeface="Open Sans Light"/>
-              </a:defRPr>
-            </a:lvl6pPr>
-            <a:lvl7pPr marL="3200400" marR="0" lvl="6" indent="-317500" algn="l" rtl="0" eaLnBrk="1" hangingPunct="1">
-              <a:lnSpc>
-                <a:spcPct val="115000"/>
-              </a:lnSpc>
-              <a:spcBef>
-                <a:spcPts val="1600"/>
-              </a:spcBef>
-              <a:spcAft>
-                <a:spcPts val="0"/>
-              </a:spcAft>
-              <a:buClr>
-                <a:schemeClr val="dk2"/>
-              </a:buClr>
-              <a:buSzPts val="1400"/>
-              <a:buFont typeface="Open Sans Light"/>
-              <a:buChar char="●"/>
-              <a:defRPr sz="1400" b="0" i="0" u="none" strike="noStrike" cap="none">
-                <a:solidFill>
-                  <a:schemeClr val="dk2"/>
-                </a:solidFill>
-                <a:latin typeface="Open Sans Light"/>
-                <a:ea typeface="Open Sans Light"/>
-                <a:cs typeface="Open Sans Light"/>
-                <a:sym typeface="Open Sans Light"/>
-              </a:defRPr>
-            </a:lvl7pPr>
-            <a:lvl8pPr marL="3657600" marR="0" lvl="7" indent="-317500" algn="l" rtl="0" eaLnBrk="1" hangingPunct="1">
-              <a:lnSpc>
-                <a:spcPct val="115000"/>
-              </a:lnSpc>
-              <a:spcBef>
-                <a:spcPts val="1600"/>
-              </a:spcBef>
-              <a:spcAft>
-                <a:spcPts val="0"/>
-              </a:spcAft>
-              <a:buClr>
-                <a:schemeClr val="dk2"/>
-              </a:buClr>
-              <a:buSzPts val="1400"/>
-              <a:buFont typeface="Open Sans Light"/>
-              <a:buChar char="○"/>
-              <a:defRPr sz="1400" b="0" i="0" u="none" strike="noStrike" cap="none">
-                <a:solidFill>
-                  <a:schemeClr val="dk2"/>
-                </a:solidFill>
-                <a:latin typeface="Open Sans Light"/>
-                <a:ea typeface="Open Sans Light"/>
-                <a:cs typeface="Open Sans Light"/>
-                <a:sym typeface="Open Sans Light"/>
-              </a:defRPr>
-            </a:lvl8pPr>
-            <a:lvl9pPr marL="4114800" marR="0" lvl="8" indent="-317500" algn="l" rtl="0" eaLnBrk="1" hangingPunct="1">
-              <a:lnSpc>
-                <a:spcPct val="115000"/>
-              </a:lnSpc>
-              <a:spcBef>
-                <a:spcPts val="1600"/>
-              </a:spcBef>
-              <a:spcAft>
-                <a:spcPts val="1600"/>
-              </a:spcAft>
-              <a:buClr>
-                <a:schemeClr val="dk2"/>
-              </a:buClr>
-              <a:buSzPts val="1400"/>
-              <a:buFont typeface="Open Sans Light"/>
-              <a:buChar char="■"/>
-              <a:defRPr sz="1400" b="0" i="0" u="none" strike="noStrike" cap="none">
-                <a:solidFill>
-                  <a:schemeClr val="dk2"/>
-                </a:solidFill>
-                <a:latin typeface="Open Sans Light"/>
-                <a:ea typeface="Open Sans Light"/>
-                <a:cs typeface="Open Sans Light"/>
-                <a:sym typeface="Open Sans Light"/>
-              </a:defRPr>
-            </a:lvl9pPr>
-          </a:lstStyle>
-          <a:p>
-            <a:pPr marL="114300" indent="0">
-              <a:buFont typeface="Open Sans Light"/>
-              <a:buNone/>
-            </a:pPr>
-            <a:r>
-              <a:rPr lang="en-US" altLang="zh-CN" sz="1400" dirty="0"/>
-              <a:t>The projected trace: &lt;send, </a:t>
-            </a:r>
-            <a:r>
-              <a:rPr lang="en-US" altLang="zh-CN" sz="1400" dirty="0">
-                <a:solidFill>
-                  <a:srgbClr val="FF0000"/>
-                </a:solidFill>
-              </a:rPr>
-              <a:t>send</a:t>
-            </a:r>
-            <a:r>
-              <a:rPr lang="en-US" altLang="zh-CN" sz="1400" dirty="0"/>
-              <a:t>&gt;</a:t>
-            </a:r>
-          </a:p>
-        </p:txBody>
-      </p:sp>
-    </p:spTree>
-    <p:extLst>
-      <p:ext uri="{BB962C8B-B14F-4D97-AF65-F5344CB8AC3E}">
-        <p14:creationId xmlns:p14="http://schemas.microsoft.com/office/powerpoint/2010/main" val="1457441070"/>
-      </p:ext>
-    </p:extLst>
-  </p:cSld>
-  <p:clrMapOvr>
-    <a:masterClrMapping/>
-  </p:clrMapOvr>
-</p:sld>
-</file>
-
 <file path=ppt/slides/slide15.xml><?xml version="1.0" encoding="utf-8"?>
 <p:sld xmlns:a="http://schemas.openxmlformats.org/drawingml/2006/main" xmlns:r="http://schemas.openxmlformats.org/officeDocument/2006/relationships" xmlns:p="http://schemas.openxmlformats.org/presentationml/2006/main">
   <p:cSld>
@@ -9483,15 +8850,14 @@
           <a:p>
             <a:r>
               <a:rPr lang="en-US" altLang="zh-CN" dirty="0"/>
-              <a:t>Representation of uncertainty</a:t>
-            </a:r>
-            <a:endParaRPr lang="en-US" dirty="0"/>
+              <a:t>Approach In Details</a:t>
+            </a:r>
           </a:p>
         </p:txBody>
       </p:sp>
       <p:sp>
         <p:nvSpPr>
-          <p:cNvPr id="4" name="Slide Number Placeholder 3"/>
+          <p:cNvPr id="3" name="Slide Number Placeholder 2"/>
           <p:cNvSpPr>
             <a:spLocks noGrp="1"/>
           </p:cNvSpPr>
@@ -9521,44 +8887,10 @@
           </a:p>
         </p:txBody>
       </p:sp>
-      <p:pic>
-        <p:nvPicPr>
-          <p:cNvPr id="11" name="Picture 10"/>
-          <p:cNvPicPr>
-            <a:picLocks noChangeAspect="1"/>
-          </p:cNvPicPr>
-          <p:nvPr>
-            <p:custDataLst>
-              <p:tags r:id="rId1"/>
-            </p:custDataLst>
-          </p:nvPr>
-        </p:nvPicPr>
-        <p:blipFill>
-          <a:blip r:embed="rId4">
-            <a:extLst>
-              <a:ext uri="{28A0092B-C50C-407E-A947-70E740481C1C}">
-                <a14:useLocalDpi xmlns:a14="http://schemas.microsoft.com/office/drawing/2010/main" val="0"/>
-              </a:ext>
-            </a:extLst>
-          </a:blip>
-          <a:stretch>
-            <a:fillRect/>
-          </a:stretch>
-        </p:blipFill>
-        <p:spPr>
-          <a:xfrm>
-            <a:off x="425313" y="1458770"/>
-            <a:ext cx="8165966" cy="1970457"/>
-          </a:xfrm>
-          <a:prstGeom prst="rect">
-            <a:avLst/>
-          </a:prstGeom>
-        </p:spPr>
-      </p:pic>
     </p:spTree>
     <p:extLst>
       <p:ext uri="{BB962C8B-B14F-4D97-AF65-F5344CB8AC3E}">
-        <p14:creationId xmlns:p14="http://schemas.microsoft.com/office/powerpoint/2010/main" val="1223467988"/>
+        <p14:creationId xmlns:p14="http://schemas.microsoft.com/office/powerpoint/2010/main" val="4204826713"/>
       </p:ext>
     </p:extLst>
   </p:cSld>
@@ -9587,7 +8919,13 @@
       </p:grpSpPr>
       <p:sp>
         <p:nvSpPr>
-          <p:cNvPr id="2" name="Title 1"/>
+          <p:cNvPr id="2" name="Title 1">
+            <a:extLst>
+              <a:ext uri="{FF2B5EF4-FFF2-40B4-BE49-F238E27FC236}">
+                <a16:creationId xmlns:a16="http://schemas.microsoft.com/office/drawing/2014/main" id="{90B5F31C-C43B-40A3-956E-062368675942}"/>
+              </a:ext>
+            </a:extLst>
+          </p:cNvPr>
           <p:cNvSpPr>
             <a:spLocks noGrp="1"/>
           </p:cNvSpPr>
@@ -9601,15 +8939,22 @@
           <a:lstStyle/>
           <a:p>
             <a:r>
-              <a:rPr lang="en-US" dirty="0"/>
-              <a:t>Representation of system capability</a:t>
-            </a:r>
+              <a:rPr lang="en-US" altLang="zh-CN" dirty="0" smtClean="0"/>
+              <a:t>System Assumption</a:t>
+            </a:r>
+            <a:endParaRPr lang="zh-CN" altLang="en-US" dirty="0"/>
           </a:p>
         </p:txBody>
       </p:sp>
       <p:sp>
         <p:nvSpPr>
-          <p:cNvPr id="3" name="Text Placeholder 2"/>
+          <p:cNvPr id="3" name="Text Placeholder 2">
+            <a:extLst>
+              <a:ext uri="{FF2B5EF4-FFF2-40B4-BE49-F238E27FC236}">
+                <a16:creationId xmlns:a16="http://schemas.microsoft.com/office/drawing/2014/main" id="{BCADE428-090D-4311-A904-541194D53C0E}"/>
+              </a:ext>
+            </a:extLst>
+          </p:cNvPr>
           <p:cNvSpPr>
             <a:spLocks noGrp="1"/>
           </p:cNvSpPr>
@@ -9623,27 +8968,74 @@
           <a:lstStyle/>
           <a:p>
             <a:r>
-              <a:rPr lang="en-US" sz="1600" dirty="0"/>
-              <a:t>The capability of a system can be represented as all the traces of the LTS.</a:t>
-            </a:r>
-          </a:p>
-          <a:p>
-            <a:r>
-              <a:rPr lang="en-US" sz="1600" dirty="0"/>
-              <a:t>Problem: the “internal” events are less important when analyzing its capability to work against a given environment.</a:t>
-            </a:r>
-          </a:p>
-          <a:p>
-            <a:r>
-              <a:rPr lang="en-US" sz="1600" dirty="0"/>
-              <a:t>Solution: project the system to the interfaces of the environment.</a:t>
-            </a:r>
+              <a:rPr lang="en-US" altLang="zh-CN" dirty="0"/>
+              <a:t>The </a:t>
+            </a:r>
+            <a:r>
+              <a:rPr lang="en-US" altLang="zh-CN" b="1" i="1" dirty="0"/>
+              <a:t>assumption</a:t>
+            </a:r>
+            <a:r>
+              <a:rPr lang="en-US" altLang="zh-CN" dirty="0"/>
+              <a:t> </a:t>
+            </a:r>
+            <a:r>
+              <a:rPr lang="en-US" altLang="zh-CN" dirty="0" smtClean="0"/>
+              <a:t>is the expected behavior of the environment, made by a system, in which the system can ensure the “correct” function.</a:t>
+            </a:r>
+          </a:p>
+          <a:p>
+            <a:r>
+              <a:rPr lang="en-US" altLang="zh-CN" dirty="0" smtClean="0"/>
+              <a:t>E.g., </a:t>
+            </a:r>
+            <a:r>
+              <a:rPr lang="en-US" altLang="zh-CN" dirty="0"/>
+              <a:t>to ensure the property, </a:t>
+            </a:r>
+            <a:r>
+              <a:rPr lang="en-US" altLang="zh-CN" dirty="0" smtClean="0"/>
+              <a:t>the example system </a:t>
+            </a:r>
+            <a:r>
+              <a:rPr lang="en-US" altLang="zh-CN" dirty="0"/>
+              <a:t>assumes the environment to </a:t>
+            </a:r>
+            <a:r>
+              <a:rPr lang="en-US" altLang="zh-CN" dirty="0" smtClean="0"/>
+              <a:t>be:</a:t>
+            </a:r>
+          </a:p>
+          <a:p>
+            <a:endParaRPr lang="en-US" altLang="zh-CN" dirty="0"/>
+          </a:p>
+          <a:p>
+            <a:endParaRPr lang="en-US" altLang="zh-CN" dirty="0" smtClean="0"/>
+          </a:p>
+          <a:p>
+            <a:pPr marL="114300" indent="0">
+              <a:buNone/>
+            </a:pPr>
+            <a:endParaRPr lang="en-US" altLang="zh-CN" dirty="0" smtClean="0"/>
+          </a:p>
+          <a:p>
+            <a:r>
+              <a:rPr lang="en-US" altLang="zh-CN" dirty="0" smtClean="0"/>
+              <a:t>Other environments would either cause safety property violations or deadlock.</a:t>
+            </a:r>
+            <a:endParaRPr lang="zh-CN" altLang="en-US" dirty="0"/>
           </a:p>
         </p:txBody>
       </p:sp>
       <p:sp>
         <p:nvSpPr>
-          <p:cNvPr id="4" name="Slide Number Placeholder 3"/>
+          <p:cNvPr id="4" name="Slide Number Placeholder 3">
+            <a:extLst>
+              <a:ext uri="{FF2B5EF4-FFF2-40B4-BE49-F238E27FC236}">
+                <a16:creationId xmlns:a16="http://schemas.microsoft.com/office/drawing/2014/main" id="{8A2AA3EA-9BD5-452B-A9C0-F85B4A7FB2A6}"/>
+              </a:ext>
+            </a:extLst>
+          </p:cNvPr>
           <p:cNvSpPr>
             <a:spLocks noGrp="1"/>
           </p:cNvSpPr>
@@ -9675,92 +9067,28 @@
       </p:sp>
       <p:pic>
         <p:nvPicPr>
-          <p:cNvPr id="5" name="Picture 4"/>
+          <p:cNvPr id="5" name="Picture 4">
+            <a:extLst>
+              <a:ext uri="{FF2B5EF4-FFF2-40B4-BE49-F238E27FC236}">
+                <a16:creationId xmlns:a16="http://schemas.microsoft.com/office/drawing/2014/main" id="{08EABEA7-B911-4213-8B40-DE3030ABD0DC}"/>
+              </a:ext>
+            </a:extLst>
+          </p:cNvPr>
           <p:cNvPicPr>
             <a:picLocks noChangeAspect="1"/>
           </p:cNvPicPr>
           <p:nvPr/>
         </p:nvPicPr>
         <p:blipFill>
-          <a:blip r:embed="rId3"/>
+          <a:blip r:embed="rId2"/>
           <a:stretch>
             <a:fillRect/>
           </a:stretch>
         </p:blipFill>
         <p:spPr>
           <a:xfrm>
-            <a:off x="505145" y="2725111"/>
-            <a:ext cx="3758992" cy="1336530"/>
-          </a:xfrm>
-          <a:prstGeom prst="rect">
-            <a:avLst/>
-          </a:prstGeom>
-        </p:spPr>
-      </p:pic>
-      <p:sp>
-        <p:nvSpPr>
-          <p:cNvPr id="6" name="Arrow: Right 5">
-            <a:extLst>
-              <a:ext uri="{FF2B5EF4-FFF2-40B4-BE49-F238E27FC236}">
-                <a16:creationId xmlns:a16="http://schemas.microsoft.com/office/drawing/2014/main" id="{050FAB4A-AB45-4641-8A3D-1AEAF001B78D}"/>
-              </a:ext>
-            </a:extLst>
-          </p:cNvPr>
-          <p:cNvSpPr/>
-          <p:nvPr/>
-        </p:nvSpPr>
-        <p:spPr>
-          <a:xfrm>
-            <a:off x="4466996" y="3341722"/>
-            <a:ext cx="976745" cy="249382"/>
-          </a:xfrm>
-          <a:prstGeom prst="rightArrow">
-            <a:avLst/>
-          </a:prstGeom>
-        </p:spPr>
-        <p:style>
-          <a:lnRef idx="2">
-            <a:schemeClr val="accent1">
-              <a:shade val="50000"/>
-            </a:schemeClr>
-          </a:lnRef>
-          <a:fillRef idx="1">
-            <a:schemeClr val="accent1"/>
-          </a:fillRef>
-          <a:effectRef idx="0">
-            <a:schemeClr val="accent1"/>
-          </a:effectRef>
-          <a:fontRef idx="minor">
-            <a:schemeClr val="lt1"/>
-          </a:fontRef>
-        </p:style>
-        <p:txBody>
-          <a:bodyPr rtlCol="0" anchor="ctr"/>
-          <a:lstStyle/>
-          <a:p>
-            <a:pPr algn="ctr"/>
-            <a:endParaRPr lang="zh-CN" altLang="en-US"/>
-          </a:p>
-        </p:txBody>
-      </p:sp>
-      <p:pic>
-        <p:nvPicPr>
-          <p:cNvPr id="8" name="Picture 7"/>
-          <p:cNvPicPr>
-            <a:picLocks noChangeAspect="1"/>
-          </p:cNvPicPr>
-          <p:nvPr/>
-        </p:nvPicPr>
-        <p:blipFill>
-          <a:blip r:embed="rId4"/>
-          <a:stretch>
-            <a:fillRect/>
-          </a:stretch>
-        </p:blipFill>
-        <p:spPr>
-          <a:xfrm>
-            <a:off x="5646601" y="2725111"/>
-            <a:ext cx="2361295" cy="1289678"/>
+            <a:off x="3104495" y="2289124"/>
+            <a:ext cx="2743583" cy="1124107"/>
           </a:xfrm>
           <a:prstGeom prst="rect">
             <a:avLst/>
@@ -9770,7 +9098,7 @@
     </p:spTree>
     <p:extLst>
       <p:ext uri="{BB962C8B-B14F-4D97-AF65-F5344CB8AC3E}">
-        <p14:creationId xmlns:p14="http://schemas.microsoft.com/office/powerpoint/2010/main" val="269365240"/>
+        <p14:creationId xmlns:p14="http://schemas.microsoft.com/office/powerpoint/2010/main" val="3877037453"/>
       </p:ext>
     </p:extLst>
   </p:cSld>
@@ -9814,8 +9142,13 @@
           <a:p>
             <a:r>
               <a:rPr lang="en-US" dirty="0"/>
-              <a:t>Representation of system assumption</a:t>
-            </a:r>
+              <a:t>Stronger and Weaker </a:t>
+            </a:r>
+            <a:r>
+              <a:rPr lang="en-US" dirty="0" smtClean="0"/>
+              <a:t>Assumption</a:t>
+            </a:r>
+            <a:endParaRPr lang="en-US" dirty="0"/>
           </a:p>
         </p:txBody>
       </p:sp>
@@ -9836,39 +9169,45 @@
           <a:p>
             <a:r>
               <a:rPr lang="en-US" dirty="0"/>
-              <a:t>The projected model describes all the possible traces of the environment that the system can work with (i.e., deadlock-free).</a:t>
-            </a:r>
-          </a:p>
-          <a:p>
+              <a:t>Stronger assumption =&gt; </a:t>
+            </a:r>
+            <a:r>
+              <a:rPr lang="en-US" dirty="0" smtClean="0"/>
+              <a:t>less expected </a:t>
+            </a:r>
             <a:r>
               <a:rPr lang="en-US" dirty="0"/>
-              <a:t>However, it may include traces that would lead to property violation.</a:t>
-            </a:r>
+              <a:t>behavior of the environment;</a:t>
+            </a:r>
+          </a:p>
+          <a:p>
+            <a:endParaRPr lang="en-US" dirty="0"/>
+          </a:p>
+          <a:p>
+            <a:endParaRPr lang="en-US" dirty="0"/>
+          </a:p>
+          <a:p>
+            <a:endParaRPr lang="en-US" dirty="0"/>
+          </a:p>
+          <a:p>
+            <a:pPr marL="114300" indent="0">
+              <a:buNone/>
+            </a:pPr>
+            <a:endParaRPr lang="en-US" dirty="0"/>
           </a:p>
           <a:p>
             <a:r>
               <a:rPr lang="en-US" dirty="0"/>
-              <a:t>E.g., system allows trace &lt;send, </a:t>
-            </a:r>
-            <a:r>
-              <a:rPr lang="en-US" dirty="0" err="1"/>
-              <a:t>getack</a:t>
+              <a:t>Weaker assumption =&gt; more </a:t>
+            </a:r>
+            <a:r>
+              <a:rPr lang="en-US" dirty="0" smtClean="0"/>
+              <a:t>expected </a:t>
             </a:r>
             <a:r>
               <a:rPr lang="en-US" dirty="0"/>
-              <a:t>, send, </a:t>
-            </a:r>
-            <a:r>
-              <a:rPr lang="en-US" dirty="0" err="1"/>
-              <a:t>getack</a:t>
-            </a:r>
-            <a:r>
-              <a:rPr lang="en-US" dirty="0"/>
-              <a:t>, …&gt;, which violates property that input and output should alternate.</a:t>
-            </a:r>
-          </a:p>
-          <a:p>
-            <a:endParaRPr lang="en-US" dirty="0"/>
+              <a:t>behavior of the environment.</a:t>
+            </a:r>
           </a:p>
         </p:txBody>
       </p:sp>
@@ -9906,7 +9245,37 @@
       </p:sp>
       <p:pic>
         <p:nvPicPr>
-          <p:cNvPr id="5" name="Picture 4"/>
+          <p:cNvPr id="6" name="Picture 5">
+            <a:extLst>
+              <a:ext uri="{FF2B5EF4-FFF2-40B4-BE49-F238E27FC236}">
+                <a16:creationId xmlns:a16="http://schemas.microsoft.com/office/drawing/2014/main" id="{E0E6B421-AF24-4D85-B3CF-F72C662E30EB}"/>
+              </a:ext>
+            </a:extLst>
+          </p:cNvPr>
+          <p:cNvPicPr>
+            <a:picLocks noChangeAspect="1"/>
+          </p:cNvPicPr>
+          <p:nvPr/>
+        </p:nvPicPr>
+        <p:blipFill>
+          <a:blip r:embed="rId2"/>
+          <a:stretch>
+            <a:fillRect/>
+          </a:stretch>
+        </p:blipFill>
+        <p:spPr>
+          <a:xfrm>
+            <a:off x="978177" y="1633521"/>
+            <a:ext cx="2838846" cy="1105054"/>
+          </a:xfrm>
+          <a:prstGeom prst="rect">
+            <a:avLst/>
+          </a:prstGeom>
+        </p:spPr>
+      </p:pic>
+      <p:pic>
+        <p:nvPicPr>
+          <p:cNvPr id="7" name="Picture 6"/>
           <p:cNvPicPr>
             <a:picLocks noChangeAspect="1"/>
           </p:cNvPicPr>
@@ -9920,8 +9289,8 @@
         </p:blipFill>
         <p:spPr>
           <a:xfrm>
-            <a:off x="5794793" y="2862204"/>
-            <a:ext cx="2677665" cy="1462471"/>
+            <a:off x="978177" y="3240286"/>
+            <a:ext cx="2741831" cy="1084389"/>
           </a:xfrm>
           <a:prstGeom prst="rect">
             <a:avLst/>
@@ -9931,7 +9300,7 @@
     </p:spTree>
     <p:extLst>
       <p:ext uri="{BB962C8B-B14F-4D97-AF65-F5344CB8AC3E}">
-        <p14:creationId xmlns:p14="http://schemas.microsoft.com/office/powerpoint/2010/main" val="1912107243"/>
+        <p14:creationId xmlns:p14="http://schemas.microsoft.com/office/powerpoint/2010/main" val="1948873531"/>
       </p:ext>
     </p:extLst>
   </p:cSld>
@@ -9960,13 +9329,7 @@
       </p:grpSpPr>
       <p:sp>
         <p:nvSpPr>
-          <p:cNvPr id="2" name="Title 1">
-            <a:extLst>
-              <a:ext uri="{FF2B5EF4-FFF2-40B4-BE49-F238E27FC236}">
-                <a16:creationId xmlns:a16="http://schemas.microsoft.com/office/drawing/2014/main" id="{2044C4E1-1376-459E-B552-A368FE17721D}"/>
-              </a:ext>
-            </a:extLst>
-          </p:cNvPr>
+          <p:cNvPr id="2" name="Title 1"/>
           <p:cNvSpPr>
             <a:spLocks noGrp="1"/>
           </p:cNvSpPr>
@@ -9980,22 +9343,16 @@
           <a:lstStyle/>
           <a:p>
             <a:r>
-              <a:rPr lang="en-US" altLang="zh-CN" dirty="0"/>
-              <a:t>Representation of system assumption</a:t>
-            </a:r>
-            <a:endParaRPr lang="zh-CN" altLang="en-US" dirty="0"/>
+              <a:rPr lang="en-US" dirty="0" smtClean="0"/>
+              <a:t>Generating the weakest assumption</a:t>
+            </a:r>
+            <a:endParaRPr lang="en-US" dirty="0"/>
           </a:p>
         </p:txBody>
       </p:sp>
       <p:sp>
         <p:nvSpPr>
-          <p:cNvPr id="3" name="Text Placeholder 2">
-            <a:extLst>
-              <a:ext uri="{FF2B5EF4-FFF2-40B4-BE49-F238E27FC236}">
-                <a16:creationId xmlns:a16="http://schemas.microsoft.com/office/drawing/2014/main" id="{5648DA02-5E9E-48CC-93D5-44B2CBA9726C}"/>
-              </a:ext>
-            </a:extLst>
-          </p:cNvPr>
+          <p:cNvPr id="3" name="Text Placeholder 2"/>
           <p:cNvSpPr>
             <a:spLocks noGrp="1"/>
           </p:cNvSpPr>
@@ -10003,48 +9360,40 @@
             <p:ph type="body" idx="1"/>
           </p:nvPr>
         </p:nvSpPr>
-        <p:spPr/>
+        <p:spPr>
+          <a:xfrm>
+            <a:off x="311700" y="1152474"/>
+            <a:ext cx="8520600" cy="2752281"/>
+          </a:xfrm>
+        </p:spPr>
         <p:txBody>
           <a:bodyPr/>
           <a:lstStyle/>
           <a:p>
             <a:r>
-              <a:rPr lang="en-US" altLang="zh-CN" dirty="0"/>
-              <a:t>Developers make implicit assumptions of the environment to ensure “correct” function.</a:t>
-            </a:r>
-          </a:p>
-          <a:p>
-            <a:r>
-              <a:rPr lang="en-US" altLang="zh-CN" dirty="0"/>
-              <a:t>The assumption includes a subset of behavior of the system capability.</a:t>
-            </a:r>
-          </a:p>
-          <a:p>
-            <a:r>
-              <a:rPr lang="en-US" altLang="zh-CN" dirty="0"/>
-              <a:t>E.g., to ensure the property, it assumes the environment to be:</a:t>
-            </a:r>
-          </a:p>
-          <a:p>
-            <a:endParaRPr lang="en-US" altLang="zh-CN" dirty="0"/>
-          </a:p>
-          <a:p>
-            <a:endParaRPr lang="en-US" altLang="zh-CN" dirty="0"/>
-          </a:p>
-          <a:p>
-            <a:endParaRPr lang="zh-CN" altLang="en-US" dirty="0"/>
+              <a:rPr lang="en-US" dirty="0" smtClean="0"/>
+              <a:t>Maximum allowed behavior = The weakest assumption</a:t>
+            </a:r>
+          </a:p>
+          <a:p>
+            <a:r>
+              <a:rPr lang="en-US" dirty="0" smtClean="0"/>
+              <a:t>[Dimitra02] already presents an approach to generate the weakest assumption (</a:t>
+            </a:r>
+            <a:r>
+              <a:rPr lang="en-US" sz="1400" dirty="0" smtClean="0"/>
+              <a:t>a minor modification required</a:t>
+            </a:r>
+            <a:r>
+              <a:rPr lang="en-US" dirty="0" smtClean="0"/>
+              <a:t>).</a:t>
+            </a:r>
           </a:p>
         </p:txBody>
       </p:sp>
       <p:sp>
         <p:nvSpPr>
-          <p:cNvPr id="4" name="Slide Number Placeholder 3">
-            <a:extLst>
-              <a:ext uri="{FF2B5EF4-FFF2-40B4-BE49-F238E27FC236}">
-                <a16:creationId xmlns:a16="http://schemas.microsoft.com/office/drawing/2014/main" id="{E7D0DC66-5D70-4AA3-A027-53FF31C55DCF}"/>
-              </a:ext>
-            </a:extLst>
-          </p:cNvPr>
+          <p:cNvPr id="4" name="Slide Number Placeholder 3"/>
           <p:cNvSpPr>
             <a:spLocks noGrp="1"/>
           </p:cNvSpPr>
@@ -10074,12 +9423,101 @@
           </a:p>
         </p:txBody>
       </p:sp>
+      <p:sp>
+        <p:nvSpPr>
+          <p:cNvPr id="5" name="TextBox 4"/>
+          <p:cNvSpPr txBox="1"/>
+          <p:nvPr/>
+        </p:nvSpPr>
+        <p:spPr>
+          <a:xfrm>
+            <a:off x="311700" y="4096719"/>
+            <a:ext cx="8520600" cy="400110"/>
+          </a:xfrm>
+          <a:prstGeom prst="rect">
+            <a:avLst/>
+          </a:prstGeom>
+          <a:noFill/>
+        </p:spPr>
+        <p:txBody>
+          <a:bodyPr wrap="square" rtlCol="0">
+            <a:spAutoFit/>
+          </a:bodyPr>
+          <a:lstStyle/>
+          <a:p>
+            <a:r>
+              <a:rPr lang="en-US" sz="1000" dirty="0" smtClean="0">
+                <a:solidFill>
+                  <a:schemeClr val="bg2"/>
+                </a:solidFill>
+              </a:rPr>
+              <a:t>[Dimitra02] </a:t>
+            </a:r>
+            <a:r>
+              <a:rPr lang="en-US" sz="1000" dirty="0">
+                <a:solidFill>
+                  <a:schemeClr val="bg2"/>
+                </a:solidFill>
+              </a:rPr>
+              <a:t>D. </a:t>
+            </a:r>
+            <a:r>
+              <a:rPr lang="en-US" sz="1000" dirty="0" err="1">
+                <a:solidFill>
+                  <a:schemeClr val="bg2"/>
+                </a:solidFill>
+              </a:rPr>
+              <a:t>Giannakopoulou</a:t>
+            </a:r>
+            <a:r>
+              <a:rPr lang="en-US" sz="1000" dirty="0">
+                <a:solidFill>
+                  <a:schemeClr val="bg2"/>
+                </a:solidFill>
+              </a:rPr>
+              <a:t>, C. S. </a:t>
+            </a:r>
+            <a:r>
+              <a:rPr lang="en-US" sz="1000" dirty="0" err="1">
+                <a:solidFill>
+                  <a:schemeClr val="bg2"/>
+                </a:solidFill>
+              </a:rPr>
+              <a:t>Pǎsǎreanu</a:t>
+            </a:r>
+            <a:r>
+              <a:rPr lang="en-US" sz="1000" dirty="0">
+                <a:solidFill>
+                  <a:schemeClr val="bg2"/>
+                </a:solidFill>
+              </a:rPr>
+              <a:t>, and H. </a:t>
+            </a:r>
+            <a:r>
+              <a:rPr lang="en-US" sz="1000" dirty="0" err="1">
+                <a:solidFill>
+                  <a:schemeClr val="bg2"/>
+                </a:solidFill>
+              </a:rPr>
+              <a:t>Barringer</a:t>
+            </a:r>
+            <a:r>
+              <a:rPr lang="en-US" sz="1000" dirty="0">
+                <a:solidFill>
+                  <a:schemeClr val="bg2"/>
+                </a:solidFill>
+              </a:rPr>
+              <a:t>, “Assumption generation for software component verification,” in Proceedings - ASE 2002: 17th IEEE International Conference on Automated Software Engineering, 2002, pp. 3–12.</a:t>
+            </a:r>
+          </a:p>
+        </p:txBody>
+      </p:sp>
       <p:pic>
         <p:nvPicPr>
           <p:cNvPr id="6" name="Picture 5">
             <a:extLst>
               <a:ext uri="{FF2B5EF4-FFF2-40B4-BE49-F238E27FC236}">
-                <a16:creationId xmlns:a16="http://schemas.microsoft.com/office/drawing/2014/main" id="{08EABEA7-B911-4213-8B40-DE3030ABD0DC}"/>
+                <a16:creationId xmlns:a16="http://schemas.microsoft.com/office/drawing/2014/main" id="{6E7B91F0-A5FE-4332-BDFD-F88D6ADF26D2}"/>
               </a:ext>
             </a:extLst>
           </p:cNvPr>
@@ -10096,18 +9534,136 @@
         </p:blipFill>
         <p:spPr>
           <a:xfrm>
-            <a:off x="5728875" y="2738575"/>
-            <a:ext cx="2743583" cy="1124107"/>
+            <a:off x="926082" y="2360014"/>
+            <a:ext cx="1471184" cy="631171"/>
           </a:xfrm>
           <a:prstGeom prst="rect">
             <a:avLst/>
           </a:prstGeom>
         </p:spPr>
       </p:pic>
+      <p:pic>
+        <p:nvPicPr>
+          <p:cNvPr id="7" name="Picture 6">
+            <a:extLst>
+              <a:ext uri="{FF2B5EF4-FFF2-40B4-BE49-F238E27FC236}">
+                <a16:creationId xmlns:a16="http://schemas.microsoft.com/office/drawing/2014/main" id="{DD96F5EF-C619-4AC6-96A6-F1BF76B91667}"/>
+              </a:ext>
+            </a:extLst>
+          </p:cNvPr>
+          <p:cNvPicPr>
+            <a:picLocks noChangeAspect="1"/>
+          </p:cNvPicPr>
+          <p:nvPr/>
+        </p:nvPicPr>
+        <p:blipFill>
+          <a:blip r:embed="rId3"/>
+          <a:stretch>
+            <a:fillRect/>
+          </a:stretch>
+        </p:blipFill>
+        <p:spPr>
+          <a:xfrm>
+            <a:off x="2426063" y="2360014"/>
+            <a:ext cx="1471184" cy="588473"/>
+          </a:xfrm>
+          <a:prstGeom prst="rect">
+            <a:avLst/>
+          </a:prstGeom>
+        </p:spPr>
+      </p:pic>
+      <p:pic>
+        <p:nvPicPr>
+          <p:cNvPr id="8" name="Picture 7"/>
+          <p:cNvPicPr>
+            <a:picLocks noChangeAspect="1"/>
+          </p:cNvPicPr>
+          <p:nvPr/>
+        </p:nvPicPr>
+        <p:blipFill>
+          <a:blip r:embed="rId4"/>
+          <a:stretch>
+            <a:fillRect/>
+          </a:stretch>
+        </p:blipFill>
+        <p:spPr>
+          <a:xfrm>
+            <a:off x="1811971" y="3083236"/>
+            <a:ext cx="1228183" cy="761270"/>
+          </a:xfrm>
+          <a:prstGeom prst="rect">
+            <a:avLst/>
+          </a:prstGeom>
+        </p:spPr>
+      </p:pic>
+      <p:pic>
+        <p:nvPicPr>
+          <p:cNvPr id="9" name="Picture 8"/>
+          <p:cNvPicPr>
+            <a:picLocks noChangeAspect="1"/>
+          </p:cNvPicPr>
+          <p:nvPr/>
+        </p:nvPicPr>
+        <p:blipFill>
+          <a:blip r:embed="rId5"/>
+          <a:stretch>
+            <a:fillRect/>
+          </a:stretch>
+        </p:blipFill>
+        <p:spPr>
+          <a:xfrm>
+            <a:off x="5597638" y="2654251"/>
+            <a:ext cx="2056126" cy="788291"/>
+          </a:xfrm>
+          <a:prstGeom prst="rect">
+            <a:avLst/>
+          </a:prstGeom>
+        </p:spPr>
+      </p:pic>
+      <p:sp>
+        <p:nvSpPr>
+          <p:cNvPr id="10" name="Right Arrow 9"/>
+          <p:cNvSpPr/>
+          <p:nvPr/>
+        </p:nvSpPr>
+        <p:spPr>
+          <a:xfrm>
+            <a:off x="3897247" y="2851114"/>
+            <a:ext cx="1606657" cy="394567"/>
+          </a:xfrm>
+          <a:prstGeom prst="rightArrow">
+            <a:avLst/>
+          </a:prstGeom>
+        </p:spPr>
+        <p:style>
+          <a:lnRef idx="2">
+            <a:schemeClr val="accent1">
+              <a:shade val="50000"/>
+            </a:schemeClr>
+          </a:lnRef>
+          <a:fillRef idx="1">
+            <a:schemeClr val="accent1"/>
+          </a:fillRef>
+          <a:effectRef idx="0">
+            <a:schemeClr val="accent1"/>
+          </a:effectRef>
+          <a:fontRef idx="minor">
+            <a:schemeClr val="lt1"/>
+          </a:fontRef>
+        </p:style>
+        <p:txBody>
+          <a:bodyPr rtlCol="0" anchor="ctr"/>
+          <a:lstStyle/>
+          <a:p>
+            <a:pPr algn="ctr"/>
+            <a:endParaRPr lang="en-US"/>
+          </a:p>
+        </p:txBody>
+      </p:sp>
     </p:spTree>
     <p:extLst>
       <p:ext uri="{BB962C8B-B14F-4D97-AF65-F5344CB8AC3E}">
-        <p14:creationId xmlns:p14="http://schemas.microsoft.com/office/powerpoint/2010/main" val="1685732303"/>
+        <p14:creationId xmlns:p14="http://schemas.microsoft.com/office/powerpoint/2010/main" val="4019372244"/>
       </p:ext>
     </p:extLst>
   </p:cSld>
@@ -10150,9 +9706,10 @@
           <a:lstStyle/>
           <a:p>
             <a:r>
-              <a:rPr lang="en-US" dirty="0"/>
-              <a:t>Stronger and Weaker assumption</a:t>
-            </a:r>
+              <a:rPr lang="en-US" dirty="0" smtClean="0"/>
+              <a:t>The Minus Operator</a:t>
+            </a:r>
+            <a:endParaRPr lang="en-US" dirty="0"/>
           </a:p>
         </p:txBody>
       </p:sp>
@@ -10172,30 +9729,71 @@
           <a:lstStyle/>
           <a:p>
             <a:r>
-              <a:rPr lang="en-US" dirty="0"/>
-              <a:t>Stronger assumption =&gt; less allowed behavior of the environment;</a:t>
-            </a:r>
+              <a:rPr lang="en-US" dirty="0" smtClean="0"/>
+              <a:t>Reminder: </a:t>
+            </a:r>
+            <a:r>
+              <a:rPr lang="en-US" altLang="zh-CN" i="1" dirty="0"/>
+              <a:t>Capability(S) = </a:t>
+            </a:r>
+            <a:r>
+              <a:rPr lang="en-US" altLang="zh-CN" i="1" dirty="0" err="1" smtClean="0"/>
+              <a:t>WeakestAssumption</a:t>
+            </a:r>
+            <a:r>
+              <a:rPr lang="en-US" altLang="zh-CN" i="1" dirty="0" smtClean="0"/>
+              <a:t>(S</a:t>
+            </a:r>
+            <a:r>
+              <a:rPr lang="en-US" altLang="zh-CN" i="1" dirty="0"/>
+              <a:t>) – </a:t>
+            </a:r>
+            <a:r>
+              <a:rPr lang="en-US" altLang="zh-CN" i="1" dirty="0" err="1"/>
+              <a:t>Beh</a:t>
+            </a:r>
+            <a:r>
+              <a:rPr lang="en-US" altLang="zh-CN" i="1" dirty="0"/>
+              <a:t>(</a:t>
+            </a:r>
+            <a:r>
+              <a:rPr lang="en-US" altLang="zh-CN" i="1" dirty="0" err="1"/>
+              <a:t>Env</a:t>
+            </a:r>
+            <a:r>
+              <a:rPr lang="en-US" altLang="zh-CN" i="1" baseline="-25000" dirty="0" err="1"/>
+              <a:t>base</a:t>
+            </a:r>
+            <a:r>
+              <a:rPr lang="en-US" altLang="zh-CN" i="1" dirty="0" smtClean="0"/>
+              <a:t>)</a:t>
+            </a:r>
+          </a:p>
+          <a:p>
+            <a:r>
+              <a:rPr lang="en-US" altLang="zh-CN" dirty="0" smtClean="0"/>
+              <a:t>The LTS formalism is not enough, we introduce </a:t>
+            </a:r>
+            <a:r>
+              <a:rPr lang="en-US" b="1" dirty="0" err="1"/>
+              <a:t>Büchi</a:t>
+            </a:r>
+            <a:r>
+              <a:rPr lang="en-US" b="1" dirty="0"/>
+              <a:t> </a:t>
+            </a:r>
+            <a:r>
+              <a:rPr lang="en-US" b="1" dirty="0" smtClean="0"/>
+              <a:t>automata</a:t>
+            </a:r>
+            <a:r>
+              <a:rPr lang="en-US" dirty="0" smtClean="0"/>
+              <a:t>.</a:t>
+            </a:r>
+            <a:endParaRPr lang="en-US" altLang="zh-CN" dirty="0" smtClean="0"/>
           </a:p>
           <a:p>
             <a:endParaRPr lang="en-US" dirty="0"/>
-          </a:p>
-          <a:p>
-            <a:endParaRPr lang="en-US" dirty="0"/>
-          </a:p>
-          <a:p>
-            <a:endParaRPr lang="en-US" dirty="0"/>
-          </a:p>
-          <a:p>
-            <a:pPr marL="114300" indent="0">
-              <a:buNone/>
-            </a:pPr>
-            <a:endParaRPr lang="en-US" dirty="0"/>
-          </a:p>
-          <a:p>
-            <a:r>
-              <a:rPr lang="en-US" dirty="0"/>
-              <a:t>Weaker assumption =&gt; more allowed behavior of the environment.</a:t>
-            </a:r>
           </a:p>
         </p:txBody>
       </p:sp>
@@ -10231,70 +9829,10 @@
           </a:p>
         </p:txBody>
       </p:sp>
-      <p:pic>
-        <p:nvPicPr>
-          <p:cNvPr id="5" name="Picture 4">
-            <a:extLst>
-              <a:ext uri="{FF2B5EF4-FFF2-40B4-BE49-F238E27FC236}">
-                <a16:creationId xmlns:a16="http://schemas.microsoft.com/office/drawing/2014/main" id="{517D9079-4358-4A3A-A927-8F3D33A48C36}"/>
-              </a:ext>
-            </a:extLst>
-          </p:cNvPr>
-          <p:cNvPicPr>
-            <a:picLocks noChangeAspect="1"/>
-          </p:cNvPicPr>
-          <p:nvPr/>
-        </p:nvPicPr>
-        <p:blipFill>
-          <a:blip r:embed="rId2"/>
-          <a:stretch>
-            <a:fillRect/>
-          </a:stretch>
-        </p:blipFill>
-        <p:spPr>
-          <a:xfrm>
-            <a:off x="954361" y="3219621"/>
-            <a:ext cx="2886478" cy="1105054"/>
-          </a:xfrm>
-          <a:prstGeom prst="rect">
-            <a:avLst/>
-          </a:prstGeom>
-        </p:spPr>
-      </p:pic>
-      <p:pic>
-        <p:nvPicPr>
-          <p:cNvPr id="6" name="Picture 5">
-            <a:extLst>
-              <a:ext uri="{FF2B5EF4-FFF2-40B4-BE49-F238E27FC236}">
-                <a16:creationId xmlns:a16="http://schemas.microsoft.com/office/drawing/2014/main" id="{E0E6B421-AF24-4D85-B3CF-F72C662E30EB}"/>
-              </a:ext>
-            </a:extLst>
-          </p:cNvPr>
-          <p:cNvPicPr>
-            <a:picLocks noChangeAspect="1"/>
-          </p:cNvPicPr>
-          <p:nvPr/>
-        </p:nvPicPr>
-        <p:blipFill>
-          <a:blip r:embed="rId3"/>
-          <a:stretch>
-            <a:fillRect/>
-          </a:stretch>
-        </p:blipFill>
-        <p:spPr>
-          <a:xfrm>
-            <a:off x="978177" y="1633521"/>
-            <a:ext cx="2838846" cy="1105054"/>
-          </a:xfrm>
-          <a:prstGeom prst="rect">
-            <a:avLst/>
-          </a:prstGeom>
-        </p:spPr>
-      </p:pic>
     </p:spTree>
     <p:extLst>
       <p:ext uri="{BB962C8B-B14F-4D97-AF65-F5344CB8AC3E}">
-        <p14:creationId xmlns:p14="http://schemas.microsoft.com/office/powerpoint/2010/main" val="1948873531"/>
+        <p14:creationId xmlns:p14="http://schemas.microsoft.com/office/powerpoint/2010/main" val="526913245"/>
       </p:ext>
     </p:extLst>
   </p:cSld>
@@ -10305,7 +9843,7 @@
 </file>
 
 <file path=ppt/slides/slide2.xml><?xml version="1.0" encoding="utf-8"?>
-<p:sld xmlns:a="http://schemas.openxmlformats.org/drawingml/2006/main" xmlns:r="http://schemas.openxmlformats.org/officeDocument/2006/relationships" xmlns:p="http://schemas.openxmlformats.org/presentationml/2006/main" show="0">
+<p:sld xmlns:a="http://schemas.openxmlformats.org/drawingml/2006/main" xmlns:r="http://schemas.openxmlformats.org/officeDocument/2006/relationships" xmlns:p="http://schemas.openxmlformats.org/presentationml/2006/main">
   <p:cSld>
     <p:spTree>
       <p:nvGrpSpPr>
@@ -10372,15 +9910,28 @@
           <a:lstStyle/>
           <a:p>
             <a:r>
-              <a:rPr lang="en-US" altLang="zh-CN" dirty="0"/>
-              <a:t>Robustness Definition</a:t>
-            </a:r>
-          </a:p>
-          <a:p>
-            <a:r>
-              <a:rPr lang="en-US" altLang="zh-CN" dirty="0"/>
-              <a:t>Research Problem and Goal</a:t>
-            </a:r>
+              <a:rPr lang="en-US" altLang="zh-CN" dirty="0" smtClean="0"/>
+              <a:t>Research Problem</a:t>
+            </a:r>
+          </a:p>
+          <a:p>
+            <a:r>
+              <a:rPr lang="en-US" altLang="zh-CN" dirty="0" smtClean="0"/>
+              <a:t>Motivation Example &amp; Overview</a:t>
+            </a:r>
+          </a:p>
+          <a:p>
+            <a:r>
+              <a:rPr lang="en-US" altLang="zh-CN" dirty="0" smtClean="0"/>
+              <a:t>Approach In Details</a:t>
+            </a:r>
+          </a:p>
+          <a:p>
+            <a:r>
+              <a:rPr lang="en-US" altLang="zh-CN" dirty="0" smtClean="0"/>
+              <a:t>Limitation &amp; Future Work</a:t>
+            </a:r>
+            <a:endParaRPr lang="en-US" altLang="zh-CN" dirty="0"/>
           </a:p>
           <a:p>
             <a:endParaRPr lang="zh-CN" altLang="en-US" dirty="0"/>
@@ -10435,6 +9986,14 @@
   <p:clrMapOvr>
     <a:masterClrMapping/>
   </p:clrMapOvr>
+  <mc:AlternateContent xmlns:mc="http://schemas.openxmlformats.org/markup-compatibility/2006">
+    <mc:Choice xmlns:p14="http://schemas.microsoft.com/office/powerpoint/2010/main" Requires="p14">
+      <p:transition spd="slow" p14:dur="2000"/>
+    </mc:Choice>
+    <mc:Fallback>
+      <p:transition spd="slow"/>
+    </mc:Fallback>
+  </mc:AlternateContent>
 </p:sld>
 </file>
 
@@ -10457,13 +10016,7 @@
       </p:grpSpPr>
       <p:sp>
         <p:nvSpPr>
-          <p:cNvPr id="2" name="Title 1">
-            <a:extLst>
-              <a:ext uri="{FF2B5EF4-FFF2-40B4-BE49-F238E27FC236}">
-                <a16:creationId xmlns:a16="http://schemas.microsoft.com/office/drawing/2014/main" id="{C0F9B937-2823-4AEA-B237-A98FA01A85B4}"/>
-              </a:ext>
-            </a:extLst>
-          </p:cNvPr>
+          <p:cNvPr id="2" name="Title 1"/>
           <p:cNvSpPr>
             <a:spLocks noGrp="1"/>
           </p:cNvSpPr>
@@ -10477,22 +10030,19 @@
           <a:lstStyle/>
           <a:p>
             <a:r>
-              <a:rPr lang="en-US" altLang="zh-CN" dirty="0"/>
-              <a:t>Capability to handle uncertainty</a:t>
-            </a:r>
-            <a:endParaRPr lang="zh-CN" altLang="en-US" dirty="0"/>
+              <a:rPr lang="en-US" dirty="0" err="1"/>
+              <a:t>Büchi</a:t>
+            </a:r>
+            <a:r>
+              <a:rPr lang="en-US" dirty="0"/>
+              <a:t> automata</a:t>
+            </a:r>
           </a:p>
         </p:txBody>
       </p:sp>
       <p:sp>
         <p:nvSpPr>
-          <p:cNvPr id="4" name="Slide Number Placeholder 3">
-            <a:extLst>
-              <a:ext uri="{FF2B5EF4-FFF2-40B4-BE49-F238E27FC236}">
-                <a16:creationId xmlns:a16="http://schemas.microsoft.com/office/drawing/2014/main" id="{097C9D5D-7B18-4EEB-9DFE-106FFD7D497F}"/>
-              </a:ext>
-            </a:extLst>
-          </p:cNvPr>
+          <p:cNvPr id="4" name="Slide Number Placeholder 3"/>
           <p:cNvSpPr>
             <a:spLocks noGrp="1"/>
           </p:cNvSpPr>
@@ -10524,7 +10074,7 @@
       </p:sp>
       <p:pic>
         <p:nvPicPr>
-          <p:cNvPr id="5" name="Picture 4"/>
+          <p:cNvPr id="6" name="Picture 5"/>
           <p:cNvPicPr>
             <a:picLocks noChangeAspect="1"/>
           </p:cNvPicPr>
@@ -10535,7 +10085,7 @@
           </p:nvPr>
         </p:nvPicPr>
         <p:blipFill>
-          <a:blip r:embed="rId4">
+          <a:blip r:embed="rId3">
             <a:extLst>
               <a:ext uri="{28A0092B-C50C-407E-A947-70E740481C1C}">
                 <a14:useLocalDpi xmlns:a14="http://schemas.microsoft.com/office/drawing/2010/main" val="0"/>
@@ -10548,8 +10098,8 @@
         </p:blipFill>
         <p:spPr>
           <a:xfrm>
-            <a:off x="552801" y="1467200"/>
-            <a:ext cx="7919657" cy="2212468"/>
+            <a:off x="408190" y="1139987"/>
+            <a:ext cx="8326097" cy="3075047"/>
           </a:xfrm>
           <a:prstGeom prst="rect">
             <a:avLst/>
@@ -10559,13 +10109,20 @@
     </p:spTree>
     <p:extLst>
       <p:ext uri="{BB962C8B-B14F-4D97-AF65-F5344CB8AC3E}">
-        <p14:creationId xmlns:p14="http://schemas.microsoft.com/office/powerpoint/2010/main" val="2535727170"/>
+        <p14:creationId xmlns:p14="http://schemas.microsoft.com/office/powerpoint/2010/main" val="3492234586"/>
       </p:ext>
     </p:extLst>
   </p:cSld>
   <p:clrMapOvr>
     <a:masterClrMapping/>
   </p:clrMapOvr>
+  <p:timing>
+    <p:tnLst>
+      <p:par>
+        <p:cTn id="1" dur="indefinite" restart="never" nodeType="tmRoot"/>
+      </p:par>
+    </p:tnLst>
+  </p:timing>
 </p:sld>
 </file>
 
@@ -10602,9 +10159,10 @@
           <a:lstStyle/>
           <a:p>
             <a:r>
-              <a:rPr lang="en-US" dirty="0"/>
-              <a:t>Application</a:t>
-            </a:r>
+              <a:rPr lang="en-US" dirty="0" smtClean="0"/>
+              <a:t>Parallel composition ||</a:t>
+            </a:r>
+            <a:endParaRPr lang="en-US" dirty="0"/>
           </a:p>
         </p:txBody>
       </p:sp>
@@ -10623,25 +10181,18 @@
           <a:bodyPr/>
           <a:lstStyle/>
           <a:p>
-            <a:r>
-              <a:rPr lang="en-US" dirty="0"/>
-              <a:t>Security protocol and attacker model</a:t>
-            </a:r>
-          </a:p>
-          <a:p>
-            <a:r>
-              <a:rPr lang="en-US" dirty="0"/>
-              <a:t>Human machine interface model and human behavior model</a:t>
-            </a:r>
-          </a:p>
-          <a:p>
-            <a:r>
-              <a:rPr lang="en-US" dirty="0"/>
-              <a:t>Distributed protocol and fault model</a:t>
-            </a:r>
-          </a:p>
-          <a:p>
-            <a:endParaRPr lang="en-US" dirty="0"/>
+            <a:pPr marL="114300" indent="0">
+              <a:buNone/>
+            </a:pPr>
+            <a:r>
+              <a:rPr lang="en-US" sz="1400" i="1" dirty="0" smtClean="0"/>
+              <a:t>Parallel composition “</a:t>
+            </a:r>
+            <a:r>
+              <a:rPr lang="en-US" sz="1400" dirty="0" smtClean="0"/>
+              <a:t>||”  is an operator that combines behavior of two automaton by synchronizing common actions and interleaving the remaining actions.</a:t>
+            </a:r>
+            <a:endParaRPr lang="en-US" sz="1400" dirty="0"/>
           </a:p>
         </p:txBody>
       </p:sp>
@@ -10672,6 +10223,168 @@
             <a:fld id="{00000000-1234-1234-1234-123412341234}" type="slidenum">
               <a:rPr lang="en" smtClean="0"/>
               <a:t>21</a:t>
+            </a:fld>
+            <a:endParaRPr lang="en"/>
+          </a:p>
+        </p:txBody>
+      </p:sp>
+      <p:pic>
+        <p:nvPicPr>
+          <p:cNvPr id="15" name="Picture 14"/>
+          <p:cNvPicPr>
+            <a:picLocks noChangeAspect="1"/>
+          </p:cNvPicPr>
+          <p:nvPr>
+            <p:custDataLst>
+              <p:tags r:id="rId1"/>
+            </p:custDataLst>
+          </p:nvPr>
+        </p:nvPicPr>
+        <p:blipFill>
+          <a:blip r:embed="rId3">
+            <a:extLst>
+              <a:ext uri="{28A0092B-C50C-407E-A947-70E740481C1C}">
+                <a14:useLocalDpi xmlns:a14="http://schemas.microsoft.com/office/drawing/2010/main" val="0"/>
+              </a:ext>
+            </a:extLst>
+          </a:blip>
+          <a:stretch>
+            <a:fillRect/>
+          </a:stretch>
+        </p:blipFill>
+        <p:spPr>
+          <a:xfrm>
+            <a:off x="447903" y="1942608"/>
+            <a:ext cx="8241481" cy="1746357"/>
+          </a:xfrm>
+          <a:prstGeom prst="rect">
+            <a:avLst/>
+          </a:prstGeom>
+        </p:spPr>
+      </p:pic>
+    </p:spTree>
+    <p:extLst>
+      <p:ext uri="{BB962C8B-B14F-4D97-AF65-F5344CB8AC3E}">
+        <p14:creationId xmlns:p14="http://schemas.microsoft.com/office/powerpoint/2010/main" val="3337965237"/>
+      </p:ext>
+    </p:extLst>
+  </p:cSld>
+  <p:clrMapOvr>
+    <a:masterClrMapping/>
+  </p:clrMapOvr>
+  <p:timing>
+    <p:tnLst>
+      <p:par>
+        <p:cTn id="1" dur="indefinite" restart="never" nodeType="tmRoot"/>
+      </p:par>
+    </p:tnLst>
+  </p:timing>
+</p:sld>
+</file>
+
+<file path=ppt/slides/slide22.xml><?xml version="1.0" encoding="utf-8"?>
+<p:sld xmlns:a="http://schemas.openxmlformats.org/drawingml/2006/main" xmlns:r="http://schemas.openxmlformats.org/officeDocument/2006/relationships" xmlns:p="http://schemas.openxmlformats.org/presentationml/2006/main">
+  <p:cSld>
+    <p:spTree>
+      <p:nvGrpSpPr>
+        <p:cNvPr id="1" name=""/>
+        <p:cNvGrpSpPr/>
+        <p:nvPr/>
+      </p:nvGrpSpPr>
+      <p:grpSpPr>
+        <a:xfrm>
+          <a:off x="0" y="0"/>
+          <a:ext cx="0" cy="0"/>
+          <a:chOff x="0" y="0"/>
+          <a:chExt cx="0" cy="0"/>
+        </a:xfrm>
+      </p:grpSpPr>
+      <p:sp>
+        <p:nvSpPr>
+          <p:cNvPr id="2" name="Title 1"/>
+          <p:cNvSpPr>
+            <a:spLocks noGrp="1"/>
+          </p:cNvSpPr>
+          <p:nvPr>
+            <p:ph type="title"/>
+          </p:nvPr>
+        </p:nvSpPr>
+        <p:spPr/>
+        <p:txBody>
+          <a:bodyPr/>
+          <a:lstStyle/>
+          <a:p>
+            <a:r>
+              <a:rPr lang="en-US" dirty="0"/>
+              <a:t>Application</a:t>
+            </a:r>
+          </a:p>
+        </p:txBody>
+      </p:sp>
+      <p:sp>
+        <p:nvSpPr>
+          <p:cNvPr id="3" name="Text Placeholder 2"/>
+          <p:cNvSpPr>
+            <a:spLocks noGrp="1"/>
+          </p:cNvSpPr>
+          <p:nvPr>
+            <p:ph type="body" idx="1"/>
+          </p:nvPr>
+        </p:nvSpPr>
+        <p:spPr/>
+        <p:txBody>
+          <a:bodyPr/>
+          <a:lstStyle/>
+          <a:p>
+            <a:r>
+              <a:rPr lang="en-US" dirty="0"/>
+              <a:t>Security protocol and attacker model</a:t>
+            </a:r>
+          </a:p>
+          <a:p>
+            <a:r>
+              <a:rPr lang="en-US" dirty="0"/>
+              <a:t>Human machine interface model and human behavior model</a:t>
+            </a:r>
+          </a:p>
+          <a:p>
+            <a:r>
+              <a:rPr lang="en-US" dirty="0"/>
+              <a:t>Distributed protocol and fault model</a:t>
+            </a:r>
+          </a:p>
+          <a:p>
+            <a:endParaRPr lang="en-US" dirty="0"/>
+          </a:p>
+        </p:txBody>
+      </p:sp>
+      <p:sp>
+        <p:nvSpPr>
+          <p:cNvPr id="4" name="Slide Number Placeholder 3"/>
+          <p:cNvSpPr>
+            <a:spLocks noGrp="1"/>
+          </p:cNvSpPr>
+          <p:nvPr>
+            <p:ph type="sldNum" idx="12"/>
+          </p:nvPr>
+        </p:nvSpPr>
+        <p:spPr/>
+        <p:txBody>
+          <a:bodyPr/>
+          <a:lstStyle/>
+          <a:p>
+            <a:pPr marL="0" lvl="0" indent="0" algn="r" rtl="0">
+              <a:spcBef>
+                <a:spcPts val="0"/>
+              </a:spcBef>
+              <a:spcAft>
+                <a:spcPts val="0"/>
+              </a:spcAft>
+              <a:buNone/>
+            </a:pPr>
+            <a:fld id="{00000000-1234-1234-1234-123412341234}" type="slidenum">
+              <a:rPr lang="en" smtClean="0"/>
+              <a:t>22</a:t>
             </a:fld>
             <a:endParaRPr lang="en"/>
           </a:p>
@@ -10687,10 +10400,103 @@
   <p:clrMapOvr>
     <a:masterClrMapping/>
   </p:clrMapOvr>
+  <mc:AlternateContent xmlns:mc="http://schemas.openxmlformats.org/markup-compatibility/2006">
+    <mc:Choice xmlns:p14="http://schemas.microsoft.com/office/powerpoint/2010/main" Requires="p14">
+      <p:transition spd="slow" p14:dur="2000"/>
+    </mc:Choice>
+    <mc:Fallback>
+      <p:transition spd="slow"/>
+    </mc:Fallback>
+  </mc:AlternateContent>
 </p:sld>
 </file>
 
 <file path=ppt/slides/slide3.xml><?xml version="1.0" encoding="utf-8"?>
+<p:sld xmlns:a="http://schemas.openxmlformats.org/drawingml/2006/main" xmlns:r="http://schemas.openxmlformats.org/officeDocument/2006/relationships" xmlns:p="http://schemas.openxmlformats.org/presentationml/2006/main">
+  <p:cSld>
+    <p:spTree>
+      <p:nvGrpSpPr>
+        <p:cNvPr id="1" name=""/>
+        <p:cNvGrpSpPr/>
+        <p:nvPr/>
+      </p:nvGrpSpPr>
+      <p:grpSpPr>
+        <a:xfrm>
+          <a:off x="0" y="0"/>
+          <a:ext cx="0" cy="0"/>
+          <a:chOff x="0" y="0"/>
+          <a:chExt cx="0" cy="0"/>
+        </a:xfrm>
+      </p:grpSpPr>
+      <p:sp>
+        <p:nvSpPr>
+          <p:cNvPr id="2" name="Title 1"/>
+          <p:cNvSpPr>
+            <a:spLocks noGrp="1"/>
+          </p:cNvSpPr>
+          <p:nvPr>
+            <p:ph type="title"/>
+          </p:nvPr>
+        </p:nvSpPr>
+        <p:spPr/>
+        <p:txBody>
+          <a:bodyPr/>
+          <a:lstStyle/>
+          <a:p>
+            <a:r>
+              <a:rPr lang="en-US" dirty="0" smtClean="0"/>
+              <a:t>Research Problem</a:t>
+            </a:r>
+            <a:endParaRPr lang="en-US" dirty="0"/>
+          </a:p>
+        </p:txBody>
+      </p:sp>
+      <p:sp>
+        <p:nvSpPr>
+          <p:cNvPr id="3" name="Slide Number Placeholder 2"/>
+          <p:cNvSpPr>
+            <a:spLocks noGrp="1"/>
+          </p:cNvSpPr>
+          <p:nvPr>
+            <p:ph type="sldNum" idx="12"/>
+          </p:nvPr>
+        </p:nvSpPr>
+        <p:spPr/>
+        <p:txBody>
+          <a:bodyPr/>
+          <a:lstStyle/>
+          <a:p>
+            <a:pPr marL="0" lvl="0" indent="0" algn="r" rtl="0">
+              <a:spcBef>
+                <a:spcPts val="0"/>
+              </a:spcBef>
+              <a:spcAft>
+                <a:spcPts val="0"/>
+              </a:spcAft>
+              <a:buNone/>
+            </a:pPr>
+            <a:fld id="{00000000-1234-1234-1234-123412341234}" type="slidenum">
+              <a:rPr lang="en" smtClean="0"/>
+              <a:t>3</a:t>
+            </a:fld>
+            <a:endParaRPr lang="en"/>
+          </a:p>
+        </p:txBody>
+      </p:sp>
+    </p:spTree>
+    <p:extLst>
+      <p:ext uri="{BB962C8B-B14F-4D97-AF65-F5344CB8AC3E}">
+        <p14:creationId xmlns:p14="http://schemas.microsoft.com/office/powerpoint/2010/main" val="4062075277"/>
+      </p:ext>
+    </p:extLst>
+  </p:cSld>
+  <p:clrMapOvr>
+    <a:masterClrMapping/>
+  </p:clrMapOvr>
+</p:sld>
+</file>
+
+<file path=ppt/slides/slide4.xml><?xml version="1.0" encoding="utf-8"?>
 <p:sld xmlns:a="http://schemas.openxmlformats.org/drawingml/2006/main" xmlns:r="http://schemas.openxmlformats.org/officeDocument/2006/relationships" xmlns:p="http://schemas.openxmlformats.org/presentationml/2006/main">
   <p:cSld>
     <p:spTree>
@@ -10853,6 +10659,10 @@
             <a:br>
               <a:rPr lang="en-US" dirty="0"/>
             </a:br>
+            <a:r>
+              <a:rPr lang="en-US" dirty="0"/>
+              <a:t/>
+            </a:r>
             <a:br>
               <a:rPr lang="en-US" dirty="0"/>
             </a:br>
@@ -10896,222 +10706,13 @@
             </a:pPr>
             <a:fld id="{00000000-1234-1234-1234-123412341234}" type="slidenum">
               <a:rPr lang="en"/>
-              <a:t>3</a:t>
+              <a:t>4</a:t>
             </a:fld>
             <a:endParaRPr/>
           </a:p>
         </p:txBody>
       </p:sp>
     </p:spTree>
-  </p:cSld>
-  <p:clrMapOvr>
-    <a:masterClrMapping/>
-  </p:clrMapOvr>
-</p:sld>
-</file>
-
-<file path=ppt/slides/slide4.xml><?xml version="1.0" encoding="utf-8"?>
-<p:sld xmlns:a="http://schemas.openxmlformats.org/drawingml/2006/main" xmlns:r="http://schemas.openxmlformats.org/officeDocument/2006/relationships" xmlns:p="http://schemas.openxmlformats.org/presentationml/2006/main">
-  <p:cSld>
-    <p:spTree>
-      <p:nvGrpSpPr>
-        <p:cNvPr id="1" name=""/>
-        <p:cNvGrpSpPr/>
-        <p:nvPr/>
-      </p:nvGrpSpPr>
-      <p:grpSpPr>
-        <a:xfrm>
-          <a:off x="0" y="0"/>
-          <a:ext cx="0" cy="0"/>
-          <a:chOff x="0" y="0"/>
-          <a:chExt cx="0" cy="0"/>
-        </a:xfrm>
-      </p:grpSpPr>
-      <p:sp>
-        <p:nvSpPr>
-          <p:cNvPr id="2" name="Title 1">
-            <a:extLst>
-              <a:ext uri="{FF2B5EF4-FFF2-40B4-BE49-F238E27FC236}">
-                <a16:creationId xmlns:a16="http://schemas.microsoft.com/office/drawing/2014/main" id="{9E251364-039B-4735-91E3-409D2DED8681}"/>
-              </a:ext>
-            </a:extLst>
-          </p:cNvPr>
-          <p:cNvSpPr>
-            <a:spLocks noGrp="1"/>
-          </p:cNvSpPr>
-          <p:nvPr>
-            <p:ph type="title"/>
-          </p:nvPr>
-        </p:nvSpPr>
-        <p:spPr/>
-        <p:txBody>
-          <a:bodyPr/>
-          <a:lstStyle/>
-          <a:p>
-            <a:r>
-              <a:rPr lang="en-US" altLang="zh-CN" dirty="0"/>
-              <a:t>How to measure Robustness?</a:t>
-            </a:r>
-            <a:endParaRPr lang="zh-CN" altLang="en-US" dirty="0"/>
-          </a:p>
-        </p:txBody>
-      </p:sp>
-      <p:sp>
-        <p:nvSpPr>
-          <p:cNvPr id="3" name="Text Placeholder 2">
-            <a:extLst>
-              <a:ext uri="{FF2B5EF4-FFF2-40B4-BE49-F238E27FC236}">
-                <a16:creationId xmlns:a16="http://schemas.microsoft.com/office/drawing/2014/main" id="{A18E2989-81CF-4A96-913F-A4612ED50729}"/>
-              </a:ext>
-            </a:extLst>
-          </p:cNvPr>
-          <p:cNvSpPr>
-            <a:spLocks noGrp="1"/>
-          </p:cNvSpPr>
-          <p:nvPr>
-            <p:ph type="body" idx="1"/>
-          </p:nvPr>
-        </p:nvSpPr>
-        <p:spPr/>
-        <p:txBody>
-          <a:bodyPr/>
-          <a:lstStyle/>
-          <a:p>
-            <a:r>
-              <a:rPr lang="en-US" altLang="zh-CN" dirty="0"/>
-              <a:t>In other disciplines, there are widely accepted robustness measures and on-going research on it.</a:t>
-            </a:r>
-          </a:p>
-          <a:p>
-            <a:pPr lvl="1">
-              <a:spcBef>
-                <a:spcPts val="400"/>
-              </a:spcBef>
-            </a:pPr>
-            <a:r>
-              <a:rPr lang="en-US" altLang="zh-CN" dirty="0"/>
-              <a:t>Robust control in control theory</a:t>
-            </a:r>
-          </a:p>
-          <a:p>
-            <a:pPr lvl="1">
-              <a:spcBef>
-                <a:spcPts val="400"/>
-              </a:spcBef>
-            </a:pPr>
-            <a:r>
-              <a:rPr lang="en-US" altLang="zh-CN" dirty="0"/>
-              <a:t>Robust statistics in statistics</a:t>
-            </a:r>
-          </a:p>
-          <a:p>
-            <a:pPr lvl="1">
-              <a:spcBef>
-                <a:spcPts val="400"/>
-              </a:spcBef>
-            </a:pPr>
-            <a:r>
-              <a:rPr lang="en-US" altLang="zh-CN" dirty="0"/>
-              <a:t>Robustness measures in computer networks</a:t>
-            </a:r>
-          </a:p>
-          <a:p>
-            <a:pPr lvl="1">
-              <a:spcBef>
-                <a:spcPts val="400"/>
-              </a:spcBef>
-            </a:pPr>
-            <a:r>
-              <a:rPr lang="en-US" altLang="zh-CN" dirty="0"/>
-              <a:t>Robustness metrics in mechanical design</a:t>
-            </a:r>
-          </a:p>
-          <a:p>
-            <a:pPr lvl="1">
-              <a:spcBef>
-                <a:spcPts val="400"/>
-              </a:spcBef>
-            </a:pPr>
-            <a:r>
-              <a:rPr lang="en-US" altLang="zh-CN" dirty="0"/>
-              <a:t>… (by simply Google it)</a:t>
-            </a:r>
-          </a:p>
-          <a:p>
-            <a:r>
-              <a:rPr lang="en-US" altLang="zh-CN" dirty="0"/>
-              <a:t>What about software?</a:t>
-            </a:r>
-          </a:p>
-          <a:p>
-            <a:pPr lvl="1">
-              <a:spcBef>
-                <a:spcPts val="400"/>
-              </a:spcBef>
-            </a:pPr>
-            <a:r>
-              <a:rPr lang="en-US" altLang="zh-CN" dirty="0"/>
-              <a:t>Unlike other quality attributes (e.g., performance, availability), no widely used measures.</a:t>
-            </a:r>
-          </a:p>
-          <a:p>
-            <a:pPr lvl="1">
-              <a:spcBef>
-                <a:spcPts val="400"/>
-              </a:spcBef>
-            </a:pPr>
-            <a:r>
-              <a:rPr lang="en-US" altLang="zh-CN" b="1" dirty="0"/>
-              <a:t>The context matters!</a:t>
-            </a:r>
-            <a:endParaRPr lang="zh-CN" altLang="en-US" b="1" dirty="0"/>
-          </a:p>
-        </p:txBody>
-      </p:sp>
-      <p:sp>
-        <p:nvSpPr>
-          <p:cNvPr id="4" name="Slide Number Placeholder 3">
-            <a:extLst>
-              <a:ext uri="{FF2B5EF4-FFF2-40B4-BE49-F238E27FC236}">
-                <a16:creationId xmlns:a16="http://schemas.microsoft.com/office/drawing/2014/main" id="{C7F3070D-5F06-44AF-92CF-90615115297F}"/>
-              </a:ext>
-            </a:extLst>
-          </p:cNvPr>
-          <p:cNvSpPr>
-            <a:spLocks noGrp="1"/>
-          </p:cNvSpPr>
-          <p:nvPr>
-            <p:ph type="sldNum" idx="12"/>
-          </p:nvPr>
-        </p:nvSpPr>
-        <p:spPr/>
-        <p:txBody>
-          <a:bodyPr/>
-          <a:lstStyle/>
-          <a:p>
-            <a:pPr marL="0" lvl="0" indent="0" algn="r" rtl="0">
-              <a:spcBef>
-                <a:spcPts val="0"/>
-              </a:spcBef>
-              <a:spcAft>
-                <a:spcPts val="0"/>
-              </a:spcAft>
-              <a:buNone/>
-            </a:pPr>
-            <a:fld id="{00000000-1234-1234-1234-123412341234}" type="slidenum">
-              <a:rPr lang="en" smtClean="0"/>
-              <a:t>4</a:t>
-            </a:fld>
-            <a:endParaRPr lang="en"/>
-          </a:p>
-        </p:txBody>
-      </p:sp>
-    </p:spTree>
-    <p:extLst>
-      <p:ext uri="{BB962C8B-B14F-4D97-AF65-F5344CB8AC3E}">
-        <p14:creationId xmlns:p14="http://schemas.microsoft.com/office/powerpoint/2010/main" val="3889104320"/>
-      </p:ext>
-    </p:extLst>
   </p:cSld>
   <p:clrMapOvr>
     <a:masterClrMapping/>
@@ -11141,7 +10742,7 @@
           <p:cNvPr id="2" name="Title 1">
             <a:extLst>
               <a:ext uri="{FF2B5EF4-FFF2-40B4-BE49-F238E27FC236}">
-                <a16:creationId xmlns:a16="http://schemas.microsoft.com/office/drawing/2014/main" id="{49041FF6-9BB7-4002-8216-E9801519F505}"/>
+                <a16:creationId xmlns:a16="http://schemas.microsoft.com/office/drawing/2014/main" id="{9E251364-039B-4735-91E3-409D2DED8681}"/>
               </a:ext>
             </a:extLst>
           </p:cNvPr>
@@ -11159,33 +10760,9 @@
           <a:p>
             <a:r>
               <a:rPr lang="en-US" altLang="zh-CN" dirty="0"/>
-              <a:t>The </a:t>
-            </a:r>
-            <a:r>
-              <a:rPr lang="en-US" altLang="zh-CN" dirty="0">
-                <a:solidFill>
-                  <a:srgbClr val="00B0F0"/>
-                </a:solidFill>
-              </a:rPr>
-              <a:t>Source</a:t>
-            </a:r>
-            <a:r>
-              <a:rPr lang="en-US" altLang="zh-CN" dirty="0"/>
-              <a:t> and </a:t>
-            </a:r>
-            <a:r>
-              <a:rPr lang="en-US" altLang="zh-CN" dirty="0">
-                <a:solidFill>
-                  <a:srgbClr val="FF0000"/>
-                </a:solidFill>
-              </a:rPr>
-              <a:t>Goal</a:t>
-            </a:r>
-            <a:endParaRPr lang="zh-CN" altLang="en-US" dirty="0">
-              <a:solidFill>
-                <a:srgbClr val="FF0000"/>
-              </a:solidFill>
-            </a:endParaRPr>
+              <a:t>How to measure Robustness?</a:t>
+            </a:r>
+            <a:endParaRPr lang="zh-CN" altLang="en-US" dirty="0"/>
           </a:p>
         </p:txBody>
       </p:sp>
@@ -11194,7 +10771,7 @@
           <p:cNvPr id="3" name="Text Placeholder 2">
             <a:extLst>
               <a:ext uri="{FF2B5EF4-FFF2-40B4-BE49-F238E27FC236}">
-                <a16:creationId xmlns:a16="http://schemas.microsoft.com/office/drawing/2014/main" id="{878A57C1-4ADC-4307-A286-8C2F98063040}"/>
+                <a16:creationId xmlns:a16="http://schemas.microsoft.com/office/drawing/2014/main" id="{A18E2989-81CF-4A96-913F-A4612ED50729}"/>
               </a:ext>
             </a:extLst>
           </p:cNvPr>
@@ -11212,109 +10789,90 @@
           <a:p>
             <a:r>
               <a:rPr lang="en-US" altLang="zh-CN" dirty="0"/>
-              <a:t>A robust system should </a:t>
-            </a:r>
-            <a:r>
-              <a:rPr lang="en-US" altLang="zh-CN" dirty="0">
-                <a:solidFill>
-                  <a:srgbClr val="FF0000"/>
-                </a:solidFill>
-              </a:rPr>
-              <a:t>function correctly </a:t>
-            </a:r>
+              <a:t>In other disciplines, there are widely accepted robustness measures and on-going research on it.</a:t>
+            </a:r>
+          </a:p>
+          <a:p>
+            <a:pPr lvl="1">
+              <a:spcBef>
+                <a:spcPts val="400"/>
+              </a:spcBef>
+            </a:pPr>
             <a:r>
               <a:rPr lang="en-US" altLang="zh-CN" dirty="0"/>
-              <a:t>with </a:t>
-            </a:r>
-            <a:r>
-              <a:rPr lang="en-US" altLang="zh-CN" dirty="0">
-                <a:solidFill>
-                  <a:srgbClr val="00B0F0"/>
-                </a:solidFill>
-              </a:rPr>
-              <a:t>erroneous input or environment</a:t>
-            </a:r>
+              <a:t>Robust control in control theory</a:t>
+            </a:r>
+          </a:p>
+          <a:p>
+            <a:pPr lvl="1">
+              <a:spcBef>
+                <a:spcPts val="400"/>
+              </a:spcBef>
+            </a:pPr>
             <a:r>
               <a:rPr lang="en-US" altLang="zh-CN" dirty="0"/>
-              <a:t>.</a:t>
-            </a:r>
-          </a:p>
-          <a:p>
+              <a:t>Robust statistics in statistics</a:t>
+            </a:r>
+          </a:p>
+          <a:p>
+            <a:pPr lvl="1">
+              <a:spcBef>
+                <a:spcPts val="400"/>
+              </a:spcBef>
+            </a:pPr>
             <a:r>
               <a:rPr lang="en-US" altLang="zh-CN" dirty="0"/>
-              <a:t>A robust ML algorithm should have </a:t>
-            </a:r>
-            <a:r>
-              <a:rPr lang="en-US" altLang="zh-CN" dirty="0">
-                <a:solidFill>
-                  <a:srgbClr val="FF0000"/>
-                </a:solidFill>
-              </a:rPr>
-              <a:t>similar performance </a:t>
-            </a:r>
+              <a:t>Robustness measures in computer networks</a:t>
+            </a:r>
+          </a:p>
+          <a:p>
+            <a:pPr lvl="1">
+              <a:spcBef>
+                <a:spcPts val="400"/>
+              </a:spcBef>
+            </a:pPr>
             <a:r>
               <a:rPr lang="en-US" altLang="zh-CN" dirty="0"/>
-              <a:t>on </a:t>
-            </a:r>
-            <a:r>
-              <a:rPr lang="en-US" altLang="zh-CN" dirty="0">
-                <a:solidFill>
-                  <a:srgbClr val="00B0F0"/>
-                </a:solidFill>
-              </a:rPr>
-              <a:t>datasets</a:t>
-            </a:r>
+              <a:t>Robustness metrics in mechanical design</a:t>
+            </a:r>
+          </a:p>
+          <a:p>
+            <a:pPr lvl="1">
+              <a:spcBef>
+                <a:spcPts val="400"/>
+              </a:spcBef>
+            </a:pPr>
             <a:r>
               <a:rPr lang="en-US" altLang="zh-CN" dirty="0"/>
-              <a:t> other than the training set (i.e., not prone to overfitting).</a:t>
+              <a:t>… (by simply Google it)</a:t>
             </a:r>
           </a:p>
           <a:p>
             <a:r>
               <a:rPr lang="en-US" altLang="zh-CN" dirty="0"/>
-              <a:t>A robust scheduling algorithm should </a:t>
-            </a:r>
-            <a:r>
-              <a:rPr lang="en-US" altLang="zh-CN" dirty="0">
-                <a:solidFill>
-                  <a:srgbClr val="FF0000"/>
-                </a:solidFill>
-              </a:rPr>
-              <a:t>generate suboptimal scheme </a:t>
-            </a:r>
+              <a:t>What about software?</a:t>
+            </a:r>
+          </a:p>
+          <a:p>
+            <a:pPr lvl="1">
+              <a:spcBef>
+                <a:spcPts val="400"/>
+              </a:spcBef>
+            </a:pPr>
             <a:r>
               <a:rPr lang="en-US" altLang="zh-CN" dirty="0"/>
-              <a:t>which is not sensitive to </a:t>
-            </a:r>
-            <a:r>
-              <a:rPr lang="en-US" altLang="zh-CN" dirty="0">
-                <a:solidFill>
-                  <a:srgbClr val="00B0F0"/>
-                </a:solidFill>
-              </a:rPr>
-              <a:t>stochastic disturbances</a:t>
-            </a:r>
-            <a:r>
-              <a:rPr lang="en-US" altLang="zh-CN" dirty="0"/>
-              <a:t>.</a:t>
-            </a:r>
-          </a:p>
-          <a:p>
-            <a:r>
-              <a:rPr lang="en-US" altLang="zh-CN" dirty="0"/>
-              <a:t>…</a:t>
-            </a:r>
-          </a:p>
-          <a:p>
-            <a:endParaRPr lang="en-US" altLang="zh-CN" dirty="0"/>
-          </a:p>
-          <a:p>
-            <a:pPr marL="114300" indent="0">
-              <a:buNone/>
+              <a:t>Unlike other quality attributes (e.g., performance, availability), no widely used measures.</a:t>
+            </a:r>
+          </a:p>
+          <a:p>
+            <a:pPr lvl="1">
+              <a:spcBef>
+                <a:spcPts val="400"/>
+              </a:spcBef>
             </a:pPr>
             <a:r>
               <a:rPr lang="en-US" altLang="zh-CN" b="1" dirty="0"/>
-              <a:t>Important to set up the CONTEXT!</a:t>
+              <a:t>The context matters!</a:t>
             </a:r>
             <a:endParaRPr lang="zh-CN" altLang="en-US" b="1" dirty="0"/>
           </a:p>
@@ -11325,7 +10883,7 @@
           <p:cNvPr id="4" name="Slide Number Placeholder 3">
             <a:extLst>
               <a:ext uri="{FF2B5EF4-FFF2-40B4-BE49-F238E27FC236}">
-                <a16:creationId xmlns:a16="http://schemas.microsoft.com/office/drawing/2014/main" id="{7AB845E8-6789-48B3-8C06-3B3EE9B4C480}"/>
+                <a16:creationId xmlns:a16="http://schemas.microsoft.com/office/drawing/2014/main" id="{C7F3070D-5F06-44AF-92CF-90615115297F}"/>
               </a:ext>
             </a:extLst>
           </p:cNvPr>
@@ -11361,7 +10919,7 @@
     </p:spTree>
     <p:extLst>
       <p:ext uri="{BB962C8B-B14F-4D97-AF65-F5344CB8AC3E}">
-        <p14:creationId xmlns:p14="http://schemas.microsoft.com/office/powerpoint/2010/main" val="3668782440"/>
+        <p14:creationId xmlns:p14="http://schemas.microsoft.com/office/powerpoint/2010/main" val="3889104320"/>
       </p:ext>
     </p:extLst>
   </p:cSld>
@@ -11393,7 +10951,7 @@
           <p:cNvPr id="2" name="Title 1">
             <a:extLst>
               <a:ext uri="{FF2B5EF4-FFF2-40B4-BE49-F238E27FC236}">
-                <a16:creationId xmlns:a16="http://schemas.microsoft.com/office/drawing/2014/main" id="{8A0693D7-C929-49EA-8927-55AF116E3BDD}"/>
+                <a16:creationId xmlns:a16="http://schemas.microsoft.com/office/drawing/2014/main" id="{49041FF6-9BB7-4002-8216-E9801519F505}"/>
               </a:ext>
             </a:extLst>
           </p:cNvPr>
@@ -11411,9 +10969,33 @@
           <a:p>
             <a:r>
               <a:rPr lang="en-US" altLang="zh-CN" dirty="0"/>
-              <a:t>Research Questions</a:t>
-            </a:r>
-            <a:endParaRPr lang="zh-CN" altLang="en-US" dirty="0"/>
+              <a:t>The </a:t>
+            </a:r>
+            <a:r>
+              <a:rPr lang="en-US" altLang="zh-CN" dirty="0">
+                <a:solidFill>
+                  <a:srgbClr val="00B0F0"/>
+                </a:solidFill>
+              </a:rPr>
+              <a:t>Source</a:t>
+            </a:r>
+            <a:r>
+              <a:rPr lang="en-US" altLang="zh-CN" dirty="0"/>
+              <a:t> and </a:t>
+            </a:r>
+            <a:r>
+              <a:rPr lang="en-US" altLang="zh-CN" dirty="0">
+                <a:solidFill>
+                  <a:srgbClr val="FF0000"/>
+                </a:solidFill>
+              </a:rPr>
+              <a:t>Goal</a:t>
+            </a:r>
+            <a:endParaRPr lang="zh-CN" altLang="en-US" dirty="0">
+              <a:solidFill>
+                <a:srgbClr val="FF0000"/>
+              </a:solidFill>
+            </a:endParaRPr>
           </a:p>
         </p:txBody>
       </p:sp>
@@ -11422,7 +11004,7 @@
           <p:cNvPr id="3" name="Text Placeholder 2">
             <a:extLst>
               <a:ext uri="{FF2B5EF4-FFF2-40B4-BE49-F238E27FC236}">
-                <a16:creationId xmlns:a16="http://schemas.microsoft.com/office/drawing/2014/main" id="{D05C7AE0-921B-4B23-A094-CDB983C72801}"/>
+                <a16:creationId xmlns:a16="http://schemas.microsoft.com/office/drawing/2014/main" id="{878A57C1-4ADC-4307-A286-8C2F98063040}"/>
               </a:ext>
             </a:extLst>
           </p:cNvPr>
@@ -11438,12 +11020,21 @@
           <a:bodyPr/>
           <a:lstStyle/>
           <a:p>
-            <a:pPr marL="114300" indent="0">
-              <a:buNone/>
-            </a:pPr>
             <a:r>
               <a:rPr lang="en-US" altLang="zh-CN" dirty="0"/>
-              <a:t>How to measure the system capability to deal with </a:t>
+              <a:t>A robust system should </a:t>
+            </a:r>
+            <a:r>
+              <a:rPr lang="en-US" altLang="zh-CN" dirty="0">
+                <a:solidFill>
+                  <a:srgbClr val="FF0000"/>
+                </a:solidFill>
+              </a:rPr>
+              <a:t>function correctly </a:t>
+            </a:r>
+            <a:r>
+              <a:rPr lang="en-US" altLang="zh-CN" dirty="0"/>
+              <a:t>with </a:t>
             </a:r>
             <a:r>
               <a:rPr lang="en-US" altLang="zh-CN" dirty="0">
@@ -11451,11 +11042,17 @@
                   <a:srgbClr val="00B0F0"/>
                 </a:solidFill>
               </a:rPr>
-              <a:t>uncertainty in environment</a:t>
+              <a:t>erroneous input or environment</a:t>
             </a:r>
             <a:r>
               <a:rPr lang="en-US" altLang="zh-CN" dirty="0"/>
-              <a:t> to ensure </a:t>
+              <a:t>.</a:t>
+            </a:r>
+          </a:p>
+          <a:p>
+            <a:r>
+              <a:rPr lang="en-US" altLang="zh-CN" dirty="0"/>
+              <a:t>A robust ML algorithm should have </a:t>
             </a:r>
             <a:r>
               <a:rPr lang="en-US" altLang="zh-CN" dirty="0">
@@ -11463,80 +11060,73 @@
                   <a:srgbClr val="FF0000"/>
                 </a:solidFill>
               </a:rPr>
-              <a:t>correct function</a:t>
+              <a:t>similar performance </a:t>
             </a:r>
             <a:r>
               <a:rPr lang="en-US" altLang="zh-CN" dirty="0"/>
-              <a:t>?</a:t>
-            </a:r>
-          </a:p>
-          <a:p>
-            <a:pPr>
-              <a:spcBef>
-                <a:spcPts val="800"/>
-              </a:spcBef>
-              <a:spcAft>
-                <a:spcPts val="800"/>
-              </a:spcAft>
+              <a:t>on </a:t>
+            </a:r>
+            <a:r>
+              <a:rPr lang="en-US" altLang="zh-CN" dirty="0">
+                <a:solidFill>
+                  <a:srgbClr val="00B0F0"/>
+                </a:solidFill>
+              </a:rPr>
+              <a:t>datasets</a:t>
+            </a:r>
+            <a:r>
+              <a:rPr lang="en-US" altLang="zh-CN" dirty="0"/>
+              <a:t> other than the training set (i.e., not prone to overfitting).</a:t>
+            </a:r>
+          </a:p>
+          <a:p>
+            <a:r>
+              <a:rPr lang="en-US" altLang="zh-CN" dirty="0"/>
+              <a:t>A robust scheduling algorithm should </a:t>
+            </a:r>
+            <a:r>
+              <a:rPr lang="en-US" altLang="zh-CN" dirty="0">
+                <a:solidFill>
+                  <a:srgbClr val="FF0000"/>
+                </a:solidFill>
+              </a:rPr>
+              <a:t>generate suboptimal scheme </a:t>
+            </a:r>
+            <a:r>
+              <a:rPr lang="en-US" altLang="zh-CN" dirty="0"/>
+              <a:t>which is not sensitive to </a:t>
+            </a:r>
+            <a:r>
+              <a:rPr lang="en-US" altLang="zh-CN" dirty="0">
+                <a:solidFill>
+                  <a:srgbClr val="00B0F0"/>
+                </a:solidFill>
+              </a:rPr>
+              <a:t>stochastic disturbances</a:t>
+            </a:r>
+            <a:r>
+              <a:rPr lang="en-US" altLang="zh-CN" dirty="0"/>
+              <a:t>.</a:t>
+            </a:r>
+          </a:p>
+          <a:p>
+            <a:r>
+              <a:rPr lang="en-US" altLang="zh-CN" dirty="0"/>
+              <a:t>…</a:t>
+            </a:r>
+          </a:p>
+          <a:p>
+            <a:endParaRPr lang="en-US" altLang="zh-CN" dirty="0"/>
+          </a:p>
+          <a:p>
+            <a:pPr marL="114300" indent="0">
+              <a:buNone/>
             </a:pPr>
             <a:r>
-              <a:rPr lang="en-US" altLang="zh-CN" dirty="0"/>
-              <a:t>What’s the formal definition of “correct” function?</a:t>
-            </a:r>
-          </a:p>
-          <a:p>
-            <a:pPr>
-              <a:spcBef>
-                <a:spcPts val="800"/>
-              </a:spcBef>
-              <a:spcAft>
-                <a:spcPts val="800"/>
-              </a:spcAft>
-            </a:pPr>
-            <a:r>
-              <a:rPr lang="en-US" altLang="zh-CN" dirty="0"/>
-              <a:t>What’s the representation of uncertainty in the environment?</a:t>
-            </a:r>
-          </a:p>
-          <a:p>
-            <a:pPr>
-              <a:spcBef>
-                <a:spcPts val="800"/>
-              </a:spcBef>
-              <a:spcAft>
-                <a:spcPts val="800"/>
-              </a:spcAft>
-            </a:pPr>
-            <a:r>
-              <a:rPr lang="en-US" altLang="zh-CN" dirty="0"/>
-              <a:t>How to measure capability?</a:t>
-            </a:r>
-          </a:p>
-          <a:p>
-            <a:pPr lvl="1">
-              <a:spcBef>
-                <a:spcPts val="0"/>
-              </a:spcBef>
-            </a:pPr>
-            <a:r>
-              <a:rPr lang="en-US" altLang="zh-CN" dirty="0"/>
-              <a:t>How to define such a measure?</a:t>
-            </a:r>
-          </a:p>
-          <a:p>
-            <a:pPr lvl="1">
-              <a:spcBef>
-                <a:spcPts val="0"/>
-              </a:spcBef>
-              <a:spcAft>
-                <a:spcPts val="800"/>
-              </a:spcAft>
-            </a:pPr>
-            <a:r>
-              <a:rPr lang="en-US" altLang="zh-CN" dirty="0"/>
-              <a:t>How to compare the capability of two systems?</a:t>
-            </a:r>
-            <a:endParaRPr lang="zh-CN" altLang="en-US" dirty="0"/>
+              <a:rPr lang="en-US" altLang="zh-CN" b="1" dirty="0"/>
+              <a:t>Important to set up the CONTEXT!</a:t>
+            </a:r>
+            <a:endParaRPr lang="zh-CN" altLang="en-US" b="1" dirty="0"/>
           </a:p>
         </p:txBody>
       </p:sp>
@@ -11545,7 +11135,7 @@
           <p:cNvPr id="4" name="Slide Number Placeholder 3">
             <a:extLst>
               <a:ext uri="{FF2B5EF4-FFF2-40B4-BE49-F238E27FC236}">
-                <a16:creationId xmlns:a16="http://schemas.microsoft.com/office/drawing/2014/main" id="{DD200004-4FC8-42AB-BF45-1A005D50A196}"/>
+                <a16:creationId xmlns:a16="http://schemas.microsoft.com/office/drawing/2014/main" id="{7AB845E8-6789-48B3-8C06-3B3EE9B4C480}"/>
               </a:ext>
             </a:extLst>
           </p:cNvPr>
@@ -11581,7 +11171,7 @@
     </p:spTree>
     <p:extLst>
       <p:ext uri="{BB962C8B-B14F-4D97-AF65-F5344CB8AC3E}">
-        <p14:creationId xmlns:p14="http://schemas.microsoft.com/office/powerpoint/2010/main" val="4248666845"/>
+        <p14:creationId xmlns:p14="http://schemas.microsoft.com/office/powerpoint/2010/main" val="3668782440"/>
       </p:ext>
     </p:extLst>
   </p:cSld>
@@ -11613,6 +11203,315 @@
           <p:cNvPr id="2" name="Title 1">
             <a:extLst>
               <a:ext uri="{FF2B5EF4-FFF2-40B4-BE49-F238E27FC236}">
+                <a16:creationId xmlns:a16="http://schemas.microsoft.com/office/drawing/2014/main" id="{8A0693D7-C929-49EA-8927-55AF116E3BDD}"/>
+              </a:ext>
+            </a:extLst>
+          </p:cNvPr>
+          <p:cNvSpPr>
+            <a:spLocks noGrp="1"/>
+          </p:cNvSpPr>
+          <p:nvPr>
+            <p:ph type="title"/>
+          </p:nvPr>
+        </p:nvSpPr>
+        <p:spPr/>
+        <p:txBody>
+          <a:bodyPr/>
+          <a:lstStyle/>
+          <a:p>
+            <a:r>
+              <a:rPr lang="en-US" altLang="zh-CN" dirty="0"/>
+              <a:t>Research Questions</a:t>
+            </a:r>
+            <a:endParaRPr lang="zh-CN" altLang="en-US" dirty="0"/>
+          </a:p>
+        </p:txBody>
+      </p:sp>
+      <p:sp>
+        <p:nvSpPr>
+          <p:cNvPr id="3" name="Text Placeholder 2">
+            <a:extLst>
+              <a:ext uri="{FF2B5EF4-FFF2-40B4-BE49-F238E27FC236}">
+                <a16:creationId xmlns:a16="http://schemas.microsoft.com/office/drawing/2014/main" id="{D05C7AE0-921B-4B23-A094-CDB983C72801}"/>
+              </a:ext>
+            </a:extLst>
+          </p:cNvPr>
+          <p:cNvSpPr>
+            <a:spLocks noGrp="1"/>
+          </p:cNvSpPr>
+          <p:nvPr>
+            <p:ph type="body" idx="1"/>
+          </p:nvPr>
+        </p:nvSpPr>
+        <p:spPr/>
+        <p:txBody>
+          <a:bodyPr/>
+          <a:lstStyle/>
+          <a:p>
+            <a:pPr marL="114300" indent="0">
+              <a:buNone/>
+            </a:pPr>
+            <a:r>
+              <a:rPr lang="en-US" altLang="zh-CN" dirty="0"/>
+              <a:t>How to measure the system capability to deal with </a:t>
+            </a:r>
+            <a:r>
+              <a:rPr lang="en-US" altLang="zh-CN" dirty="0">
+                <a:solidFill>
+                  <a:srgbClr val="00B0F0"/>
+                </a:solidFill>
+              </a:rPr>
+              <a:t>uncertainty in environment</a:t>
+            </a:r>
+            <a:r>
+              <a:rPr lang="en-US" altLang="zh-CN" dirty="0"/>
+              <a:t> to ensure </a:t>
+            </a:r>
+            <a:r>
+              <a:rPr lang="en-US" altLang="zh-CN" dirty="0">
+                <a:solidFill>
+                  <a:srgbClr val="FF0000"/>
+                </a:solidFill>
+              </a:rPr>
+              <a:t>correct function</a:t>
+            </a:r>
+            <a:r>
+              <a:rPr lang="en-US" altLang="zh-CN" dirty="0"/>
+              <a:t>?</a:t>
+            </a:r>
+          </a:p>
+          <a:p>
+            <a:pPr>
+              <a:spcBef>
+                <a:spcPts val="800"/>
+              </a:spcBef>
+              <a:spcAft>
+                <a:spcPts val="800"/>
+              </a:spcAft>
+            </a:pPr>
+            <a:r>
+              <a:rPr lang="en-US" altLang="zh-CN" dirty="0"/>
+              <a:t>What’s the formal definition of “correct” function?</a:t>
+            </a:r>
+          </a:p>
+          <a:p>
+            <a:pPr>
+              <a:spcBef>
+                <a:spcPts val="800"/>
+              </a:spcBef>
+              <a:spcAft>
+                <a:spcPts val="800"/>
+              </a:spcAft>
+            </a:pPr>
+            <a:r>
+              <a:rPr lang="en-US" altLang="zh-CN" dirty="0"/>
+              <a:t>What’s the representation of uncertainty in the environment?</a:t>
+            </a:r>
+          </a:p>
+          <a:p>
+            <a:pPr>
+              <a:spcBef>
+                <a:spcPts val="800"/>
+              </a:spcBef>
+              <a:spcAft>
+                <a:spcPts val="800"/>
+              </a:spcAft>
+            </a:pPr>
+            <a:r>
+              <a:rPr lang="en-US" altLang="zh-CN" dirty="0"/>
+              <a:t>How to measure capability?</a:t>
+            </a:r>
+          </a:p>
+          <a:p>
+            <a:pPr lvl="1">
+              <a:spcBef>
+                <a:spcPts val="0"/>
+              </a:spcBef>
+            </a:pPr>
+            <a:r>
+              <a:rPr lang="en-US" altLang="zh-CN" dirty="0"/>
+              <a:t>How to define such a measure?</a:t>
+            </a:r>
+          </a:p>
+          <a:p>
+            <a:pPr lvl="1">
+              <a:spcBef>
+                <a:spcPts val="0"/>
+              </a:spcBef>
+              <a:spcAft>
+                <a:spcPts val="800"/>
+              </a:spcAft>
+            </a:pPr>
+            <a:r>
+              <a:rPr lang="en-US" altLang="zh-CN" dirty="0"/>
+              <a:t>How to compare the capability of two systems?</a:t>
+            </a:r>
+            <a:endParaRPr lang="zh-CN" altLang="en-US" dirty="0"/>
+          </a:p>
+        </p:txBody>
+      </p:sp>
+      <p:sp>
+        <p:nvSpPr>
+          <p:cNvPr id="4" name="Slide Number Placeholder 3">
+            <a:extLst>
+              <a:ext uri="{FF2B5EF4-FFF2-40B4-BE49-F238E27FC236}">
+                <a16:creationId xmlns:a16="http://schemas.microsoft.com/office/drawing/2014/main" id="{DD200004-4FC8-42AB-BF45-1A005D50A196}"/>
+              </a:ext>
+            </a:extLst>
+          </p:cNvPr>
+          <p:cNvSpPr>
+            <a:spLocks noGrp="1"/>
+          </p:cNvSpPr>
+          <p:nvPr>
+            <p:ph type="sldNum" idx="12"/>
+          </p:nvPr>
+        </p:nvSpPr>
+        <p:spPr/>
+        <p:txBody>
+          <a:bodyPr/>
+          <a:lstStyle/>
+          <a:p>
+            <a:pPr marL="0" lvl="0" indent="0" algn="r" rtl="0">
+              <a:spcBef>
+                <a:spcPts val="0"/>
+              </a:spcBef>
+              <a:spcAft>
+                <a:spcPts val="0"/>
+              </a:spcAft>
+              <a:buNone/>
+            </a:pPr>
+            <a:fld id="{00000000-1234-1234-1234-123412341234}" type="slidenum">
+              <a:rPr lang="en" smtClean="0"/>
+              <a:t>7</a:t>
+            </a:fld>
+            <a:endParaRPr lang="en"/>
+          </a:p>
+        </p:txBody>
+      </p:sp>
+    </p:spTree>
+    <p:extLst>
+      <p:ext uri="{BB962C8B-B14F-4D97-AF65-F5344CB8AC3E}">
+        <p14:creationId xmlns:p14="http://schemas.microsoft.com/office/powerpoint/2010/main" val="4248666845"/>
+      </p:ext>
+    </p:extLst>
+  </p:cSld>
+  <p:clrMapOvr>
+    <a:masterClrMapping/>
+  </p:clrMapOvr>
+</p:sld>
+</file>
+
+<file path=ppt/slides/slide8.xml><?xml version="1.0" encoding="utf-8"?>
+<p:sld xmlns:a="http://schemas.openxmlformats.org/drawingml/2006/main" xmlns:r="http://schemas.openxmlformats.org/officeDocument/2006/relationships" xmlns:p="http://schemas.openxmlformats.org/presentationml/2006/main">
+  <p:cSld>
+    <p:spTree>
+      <p:nvGrpSpPr>
+        <p:cNvPr id="1" name=""/>
+        <p:cNvGrpSpPr/>
+        <p:nvPr/>
+      </p:nvGrpSpPr>
+      <p:grpSpPr>
+        <a:xfrm>
+          <a:off x="0" y="0"/>
+          <a:ext cx="0" cy="0"/>
+          <a:chOff x="0" y="0"/>
+          <a:chExt cx="0" cy="0"/>
+        </a:xfrm>
+      </p:grpSpPr>
+      <p:sp>
+        <p:nvSpPr>
+          <p:cNvPr id="2" name="Title 1"/>
+          <p:cNvSpPr>
+            <a:spLocks noGrp="1"/>
+          </p:cNvSpPr>
+          <p:nvPr>
+            <p:ph type="title"/>
+          </p:nvPr>
+        </p:nvSpPr>
+        <p:spPr/>
+        <p:txBody>
+          <a:bodyPr/>
+          <a:lstStyle/>
+          <a:p>
+            <a:r>
+              <a:rPr lang="en-US" altLang="zh-CN" dirty="0"/>
+              <a:t>Motivation Example &amp; </a:t>
+            </a:r>
+            <a:r>
+              <a:rPr lang="en-US" altLang="zh-CN" dirty="0" smtClean="0"/>
+              <a:t>Overview</a:t>
+            </a:r>
+            <a:endParaRPr lang="en-US" dirty="0"/>
+          </a:p>
+        </p:txBody>
+      </p:sp>
+      <p:sp>
+        <p:nvSpPr>
+          <p:cNvPr id="3" name="Slide Number Placeholder 2"/>
+          <p:cNvSpPr>
+            <a:spLocks noGrp="1"/>
+          </p:cNvSpPr>
+          <p:nvPr>
+            <p:ph type="sldNum" idx="12"/>
+          </p:nvPr>
+        </p:nvSpPr>
+        <p:spPr/>
+        <p:txBody>
+          <a:bodyPr/>
+          <a:lstStyle/>
+          <a:p>
+            <a:pPr marL="0" lvl="0" indent="0" algn="r" rtl="0">
+              <a:spcBef>
+                <a:spcPts val="0"/>
+              </a:spcBef>
+              <a:spcAft>
+                <a:spcPts val="0"/>
+              </a:spcAft>
+              <a:buNone/>
+            </a:pPr>
+            <a:fld id="{00000000-1234-1234-1234-123412341234}" type="slidenum">
+              <a:rPr lang="en" smtClean="0"/>
+              <a:t>8</a:t>
+            </a:fld>
+            <a:endParaRPr lang="en"/>
+          </a:p>
+        </p:txBody>
+      </p:sp>
+    </p:spTree>
+    <p:extLst>
+      <p:ext uri="{BB962C8B-B14F-4D97-AF65-F5344CB8AC3E}">
+        <p14:creationId xmlns:p14="http://schemas.microsoft.com/office/powerpoint/2010/main" val="409779367"/>
+      </p:ext>
+    </p:extLst>
+  </p:cSld>
+  <p:clrMapOvr>
+    <a:masterClrMapping/>
+  </p:clrMapOvr>
+</p:sld>
+</file>
+
+<file path=ppt/slides/slide9.xml><?xml version="1.0" encoding="utf-8"?>
+<p:sld xmlns:a="http://schemas.openxmlformats.org/drawingml/2006/main" xmlns:r="http://schemas.openxmlformats.org/officeDocument/2006/relationships" xmlns:p="http://schemas.openxmlformats.org/presentationml/2006/main">
+  <p:cSld>
+    <p:spTree>
+      <p:nvGrpSpPr>
+        <p:cNvPr id="1" name=""/>
+        <p:cNvGrpSpPr/>
+        <p:nvPr/>
+      </p:nvGrpSpPr>
+      <p:grpSpPr>
+        <a:xfrm>
+          <a:off x="0" y="0"/>
+          <a:ext cx="0" cy="0"/>
+          <a:chOff x="0" y="0"/>
+          <a:chExt cx="0" cy="0"/>
+        </a:xfrm>
+      </p:grpSpPr>
+      <p:sp>
+        <p:nvSpPr>
+          <p:cNvPr id="2" name="Title 1">
+            <a:extLst>
+              <a:ext uri="{FF2B5EF4-FFF2-40B4-BE49-F238E27FC236}">
                 <a16:creationId xmlns:a16="http://schemas.microsoft.com/office/drawing/2014/main" id="{7D605995-26D7-480D-A8E6-4CA4D75F6B77}"/>
               </a:ext>
             </a:extLst>
@@ -11701,7 +11600,7 @@
             </a:pPr>
             <a:fld id="{00000000-1234-1234-1234-123412341234}" type="slidenum">
               <a:rPr lang="en" smtClean="0"/>
-              <a:t>7</a:t>
+              <a:t>9</a:t>
             </a:fld>
             <a:endParaRPr lang="en"/>
           </a:p>
@@ -11754,413 +11653,6 @@
 </p:sld>
 </file>
 
-<file path=ppt/slides/slide8.xml><?xml version="1.0" encoding="utf-8"?>
-<p:sld xmlns:a="http://schemas.openxmlformats.org/drawingml/2006/main" xmlns:r="http://schemas.openxmlformats.org/officeDocument/2006/relationships" xmlns:p="http://schemas.openxmlformats.org/presentationml/2006/main">
-  <p:cSld>
-    <p:spTree>
-      <p:nvGrpSpPr>
-        <p:cNvPr id="1" name=""/>
-        <p:cNvGrpSpPr/>
-        <p:nvPr/>
-      </p:nvGrpSpPr>
-      <p:grpSpPr>
-        <a:xfrm>
-          <a:off x="0" y="0"/>
-          <a:ext cx="0" cy="0"/>
-          <a:chOff x="0" y="0"/>
-          <a:chExt cx="0" cy="0"/>
-        </a:xfrm>
-      </p:grpSpPr>
-      <p:sp>
-        <p:nvSpPr>
-          <p:cNvPr id="2" name="Title 1">
-            <a:extLst>
-              <a:ext uri="{FF2B5EF4-FFF2-40B4-BE49-F238E27FC236}">
-                <a16:creationId xmlns:a16="http://schemas.microsoft.com/office/drawing/2014/main" id="{9B0F71D3-E7C9-45D6-B944-0457099404B2}"/>
-              </a:ext>
-            </a:extLst>
-          </p:cNvPr>
-          <p:cNvSpPr>
-            <a:spLocks noGrp="1"/>
-          </p:cNvSpPr>
-          <p:nvPr>
-            <p:ph type="title"/>
-          </p:nvPr>
-        </p:nvSpPr>
-        <p:spPr/>
-        <p:txBody>
-          <a:bodyPr/>
-          <a:lstStyle/>
-          <a:p>
-            <a:r>
-              <a:rPr lang="en-US" altLang="zh-CN" dirty="0"/>
-              <a:t>Motivation Example</a:t>
-            </a:r>
-            <a:endParaRPr lang="zh-CN" altLang="en-US" dirty="0"/>
-          </a:p>
-        </p:txBody>
-      </p:sp>
-      <p:sp>
-        <p:nvSpPr>
-          <p:cNvPr id="4" name="Slide Number Placeholder 3">
-            <a:extLst>
-              <a:ext uri="{FF2B5EF4-FFF2-40B4-BE49-F238E27FC236}">
-                <a16:creationId xmlns:a16="http://schemas.microsoft.com/office/drawing/2014/main" id="{EC9AACC4-0395-47BE-B3CA-C53C4AFC802F}"/>
-              </a:ext>
-            </a:extLst>
-          </p:cNvPr>
-          <p:cNvSpPr>
-            <a:spLocks noGrp="1"/>
-          </p:cNvSpPr>
-          <p:nvPr>
-            <p:ph type="sldNum" idx="12"/>
-          </p:nvPr>
-        </p:nvSpPr>
-        <p:spPr/>
-        <p:txBody>
-          <a:bodyPr/>
-          <a:lstStyle/>
-          <a:p>
-            <a:pPr marL="0" lvl="0" indent="0" algn="r" rtl="0">
-              <a:spcBef>
-                <a:spcPts val="0"/>
-              </a:spcBef>
-              <a:spcAft>
-                <a:spcPts val="0"/>
-              </a:spcAft>
-              <a:buNone/>
-            </a:pPr>
-            <a:fld id="{00000000-1234-1234-1234-123412341234}" type="slidenum">
-              <a:rPr lang="en" smtClean="0"/>
-              <a:t>8</a:t>
-            </a:fld>
-            <a:endParaRPr lang="en"/>
-          </a:p>
-        </p:txBody>
-      </p:sp>
-      <p:pic>
-        <p:nvPicPr>
-          <p:cNvPr id="1028" name="Picture 4">
-            <a:extLst>
-              <a:ext uri="{FF2B5EF4-FFF2-40B4-BE49-F238E27FC236}">
-                <a16:creationId xmlns:a16="http://schemas.microsoft.com/office/drawing/2014/main" id="{1C69F5EC-0D66-4C81-BC05-A77A667529ED}"/>
-              </a:ext>
-            </a:extLst>
-          </p:cNvPr>
-          <p:cNvPicPr>
-            <a:picLocks noChangeAspect="1" noChangeArrowheads="1"/>
-          </p:cNvPicPr>
-          <p:nvPr/>
-        </p:nvPicPr>
-        <p:blipFill>
-          <a:blip r:embed="rId3">
-            <a:extLst>
-              <a:ext uri="{28A0092B-C50C-407E-A947-70E740481C1C}">
-                <a14:useLocalDpi xmlns:a14="http://schemas.microsoft.com/office/drawing/2010/main" val="0"/>
-              </a:ext>
-            </a:extLst>
-          </a:blip>
-          <a:srcRect/>
-          <a:stretch>
-            <a:fillRect/>
-          </a:stretch>
-        </p:blipFill>
-        <p:spPr bwMode="auto">
-          <a:xfrm>
-            <a:off x="2905137" y="1667287"/>
-            <a:ext cx="2888444" cy="1808925"/>
-          </a:xfrm>
-          <a:prstGeom prst="rect">
-            <a:avLst/>
-          </a:prstGeom>
-          <a:noFill/>
-          <a:extLst>
-            <a:ext uri="{909E8E84-426E-40DD-AFC4-6F175D3DCCD1}">
-              <a14:hiddenFill xmlns:a14="http://schemas.microsoft.com/office/drawing/2010/main">
-                <a:solidFill>
-                  <a:srgbClr val="FFFFFF"/>
-                </a:solidFill>
-              </a14:hiddenFill>
-            </a:ext>
-          </a:extLst>
-        </p:spPr>
-      </p:pic>
-      <p:pic>
-        <p:nvPicPr>
-          <p:cNvPr id="8" name="Picture 7"/>
-          <p:cNvPicPr>
-            <a:picLocks noChangeAspect="1"/>
-          </p:cNvPicPr>
-          <p:nvPr/>
-        </p:nvPicPr>
-        <p:blipFill>
-          <a:blip r:embed="rId4"/>
-          <a:stretch>
-            <a:fillRect/>
-          </a:stretch>
-        </p:blipFill>
-        <p:spPr>
-          <a:xfrm>
-            <a:off x="481745" y="1532061"/>
-            <a:ext cx="2423392" cy="1039689"/>
-          </a:xfrm>
-          <a:prstGeom prst="rect">
-            <a:avLst/>
-          </a:prstGeom>
-        </p:spPr>
-      </p:pic>
-      <p:pic>
-        <p:nvPicPr>
-          <p:cNvPr id="9" name="Picture 8"/>
-          <p:cNvPicPr>
-            <a:picLocks noChangeAspect="1"/>
-          </p:cNvPicPr>
-          <p:nvPr/>
-        </p:nvPicPr>
-        <p:blipFill>
-          <a:blip r:embed="rId5"/>
-          <a:stretch>
-            <a:fillRect/>
-          </a:stretch>
-        </p:blipFill>
-        <p:spPr>
-          <a:xfrm>
-            <a:off x="397192" y="2875745"/>
-            <a:ext cx="2599223" cy="1039689"/>
-          </a:xfrm>
-          <a:prstGeom prst="rect">
-            <a:avLst/>
-          </a:prstGeom>
-        </p:spPr>
-      </p:pic>
-      <p:pic>
-        <p:nvPicPr>
-          <p:cNvPr id="10" name="Picture 9"/>
-          <p:cNvPicPr>
-            <a:picLocks noChangeAspect="1"/>
-          </p:cNvPicPr>
-          <p:nvPr/>
-        </p:nvPicPr>
-        <p:blipFill>
-          <a:blip r:embed="rId6"/>
-          <a:stretch>
-            <a:fillRect/>
-          </a:stretch>
-        </p:blipFill>
-        <p:spPr>
-          <a:xfrm>
-            <a:off x="5652596" y="2002354"/>
-            <a:ext cx="3009659" cy="1138789"/>
-          </a:xfrm>
-          <a:prstGeom prst="rect">
-            <a:avLst/>
-          </a:prstGeom>
-        </p:spPr>
-      </p:pic>
-    </p:spTree>
-    <p:extLst>
-      <p:ext uri="{BB962C8B-B14F-4D97-AF65-F5344CB8AC3E}">
-        <p14:creationId xmlns:p14="http://schemas.microsoft.com/office/powerpoint/2010/main" val="3537159091"/>
-      </p:ext>
-    </p:extLst>
-  </p:cSld>
-  <p:clrMapOvr>
-    <a:masterClrMapping/>
-  </p:clrMapOvr>
-</p:sld>
-</file>
-
-<file path=ppt/slides/slide9.xml><?xml version="1.0" encoding="utf-8"?>
-<p:sld xmlns:a="http://schemas.openxmlformats.org/drawingml/2006/main" xmlns:r="http://schemas.openxmlformats.org/officeDocument/2006/relationships" xmlns:p="http://schemas.openxmlformats.org/presentationml/2006/main">
-  <p:cSld>
-    <p:spTree>
-      <p:nvGrpSpPr>
-        <p:cNvPr id="1" name=""/>
-        <p:cNvGrpSpPr/>
-        <p:nvPr/>
-      </p:nvGrpSpPr>
-      <p:grpSpPr>
-        <a:xfrm>
-          <a:off x="0" y="0"/>
-          <a:ext cx="0" cy="0"/>
-          <a:chOff x="0" y="0"/>
-          <a:chExt cx="0" cy="0"/>
-        </a:xfrm>
-      </p:grpSpPr>
-      <p:sp>
-        <p:nvSpPr>
-          <p:cNvPr id="2" name="Title 1">
-            <a:extLst>
-              <a:ext uri="{FF2B5EF4-FFF2-40B4-BE49-F238E27FC236}">
-                <a16:creationId xmlns:a16="http://schemas.microsoft.com/office/drawing/2014/main" id="{D8EDB796-F80C-47DA-AC70-977473F07FE9}"/>
-              </a:ext>
-            </a:extLst>
-          </p:cNvPr>
-          <p:cNvSpPr>
-            <a:spLocks noGrp="1"/>
-          </p:cNvSpPr>
-          <p:nvPr>
-            <p:ph type="title"/>
-          </p:nvPr>
-        </p:nvSpPr>
-        <p:spPr/>
-        <p:txBody>
-          <a:bodyPr/>
-          <a:lstStyle/>
-          <a:p>
-            <a:r>
-              <a:rPr lang="en-US" altLang="zh-CN" dirty="0"/>
-              <a:t>The “correct” function</a:t>
-            </a:r>
-            <a:endParaRPr lang="zh-CN" altLang="en-US" dirty="0"/>
-          </a:p>
-        </p:txBody>
-      </p:sp>
-      <p:sp>
-        <p:nvSpPr>
-          <p:cNvPr id="3" name="Text Placeholder 2">
-            <a:extLst>
-              <a:ext uri="{FF2B5EF4-FFF2-40B4-BE49-F238E27FC236}">
-                <a16:creationId xmlns:a16="http://schemas.microsoft.com/office/drawing/2014/main" id="{DD7B06E2-7AAE-43A7-948E-4A4B27B207EC}"/>
-              </a:ext>
-            </a:extLst>
-          </p:cNvPr>
-          <p:cNvSpPr>
-            <a:spLocks noGrp="1"/>
-          </p:cNvSpPr>
-          <p:nvPr>
-            <p:ph type="body" idx="1"/>
-          </p:nvPr>
-        </p:nvSpPr>
-        <p:spPr/>
-        <p:txBody>
-          <a:bodyPr/>
-          <a:lstStyle/>
-          <a:p>
-            <a:r>
-              <a:rPr lang="en-US" altLang="zh-CN" dirty="0"/>
-              <a:t>Informally, (1) bad things should not happen, and (2) good things should happen.</a:t>
-            </a:r>
-          </a:p>
-          <a:p>
-            <a:r>
-              <a:rPr lang="en-US" altLang="zh-CN" dirty="0"/>
-              <a:t>Formally, the correct function is a combination of </a:t>
-            </a:r>
-            <a:r>
-              <a:rPr lang="en-US" altLang="zh-CN" b="1" dirty="0"/>
-              <a:t>safety</a:t>
-            </a:r>
-            <a:r>
-              <a:rPr lang="en-US" altLang="zh-CN" dirty="0"/>
-              <a:t> and </a:t>
-            </a:r>
-            <a:r>
-              <a:rPr lang="en-US" altLang="zh-CN" b="1" dirty="0"/>
-              <a:t>liveness</a:t>
-            </a:r>
-            <a:r>
-              <a:rPr lang="en-US" altLang="zh-CN" dirty="0"/>
-              <a:t> properties.</a:t>
-            </a:r>
-          </a:p>
-          <a:p>
-            <a:r>
-              <a:rPr lang="en-US" altLang="zh-CN" dirty="0"/>
-              <a:t>In the example, we consider:</a:t>
-            </a:r>
-          </a:p>
-          <a:p>
-            <a:pPr lvl="1"/>
-            <a:r>
-              <a:rPr lang="en-US" altLang="zh-CN" dirty="0"/>
-              <a:t>Safety Property P: input and output should alternate, i.e.,</a:t>
-            </a:r>
-          </a:p>
-          <a:p>
-            <a:pPr lvl="1"/>
-            <a:r>
-              <a:rPr lang="en-US" altLang="zh-CN" dirty="0"/>
-              <a:t>Liveness Property: the system should be deadlock-free.</a:t>
-            </a:r>
-          </a:p>
-        </p:txBody>
-      </p:sp>
-      <p:sp>
-        <p:nvSpPr>
-          <p:cNvPr id="4" name="Slide Number Placeholder 3">
-            <a:extLst>
-              <a:ext uri="{FF2B5EF4-FFF2-40B4-BE49-F238E27FC236}">
-                <a16:creationId xmlns:a16="http://schemas.microsoft.com/office/drawing/2014/main" id="{73F2EA82-C591-4284-8C67-A86BB9EFF70C}"/>
-              </a:ext>
-            </a:extLst>
-          </p:cNvPr>
-          <p:cNvSpPr>
-            <a:spLocks noGrp="1"/>
-          </p:cNvSpPr>
-          <p:nvPr>
-            <p:ph type="sldNum" idx="12"/>
-          </p:nvPr>
-        </p:nvSpPr>
-        <p:spPr/>
-        <p:txBody>
-          <a:bodyPr/>
-          <a:lstStyle/>
-          <a:p>
-            <a:pPr marL="0" lvl="0" indent="0" algn="r" rtl="0">
-              <a:spcBef>
-                <a:spcPts val="0"/>
-              </a:spcBef>
-              <a:spcAft>
-                <a:spcPts val="0"/>
-              </a:spcAft>
-              <a:buNone/>
-            </a:pPr>
-            <a:fld id="{00000000-1234-1234-1234-123412341234}" type="slidenum">
-              <a:rPr lang="en" smtClean="0"/>
-              <a:t>9</a:t>
-            </a:fld>
-            <a:endParaRPr lang="en"/>
-          </a:p>
-        </p:txBody>
-      </p:sp>
-      <p:pic>
-        <p:nvPicPr>
-          <p:cNvPr id="6" name="Picture 5"/>
-          <p:cNvPicPr>
-            <a:picLocks noChangeAspect="1"/>
-          </p:cNvPicPr>
-          <p:nvPr/>
-        </p:nvPicPr>
-        <p:blipFill>
-          <a:blip r:embed="rId3"/>
-          <a:stretch>
-            <a:fillRect/>
-          </a:stretch>
-        </p:blipFill>
-        <p:spPr>
-          <a:xfrm>
-            <a:off x="6284612" y="2583969"/>
-            <a:ext cx="1815835" cy="1125517"/>
-          </a:xfrm>
-          <a:prstGeom prst="rect">
-            <a:avLst/>
-          </a:prstGeom>
-        </p:spPr>
-      </p:pic>
-    </p:spTree>
-    <p:extLst>
-      <p:ext uri="{BB962C8B-B14F-4D97-AF65-F5344CB8AC3E}">
-        <p14:creationId xmlns:p14="http://schemas.microsoft.com/office/powerpoint/2010/main" val="3019702908"/>
-      </p:ext>
-    </p:extLst>
-  </p:cSld>
-  <p:clrMapOvr>
-    <a:masterClrMapping/>
-  </p:clrMapOvr>
-</p:sld>
-</file>
-
 <file path=ppt/tags/tag1.xml><?xml version="1.0" encoding="utf-8"?>
 <p:tagLst xmlns:a="http://schemas.openxmlformats.org/drawingml/2006/main" xmlns:r="http://schemas.openxmlformats.org/officeDocument/2006/relationships" xmlns:p="http://schemas.openxmlformats.org/presentationml/2006/main">
   <p:tag name="OUTPUTDPI" val="1200"/>
@@ -12183,17 +11675,17 @@
 <file path=ppt/tags/tag2.xml><?xml version="1.0" encoding="utf-8"?>
 <p:tagLst xmlns:a="http://schemas.openxmlformats.org/drawingml/2006/main" xmlns:r="http://schemas.openxmlformats.org/officeDocument/2006/relationships" xmlns:p="http://schemas.openxmlformats.org/presentationml/2006/main">
   <p:tag name="OUTPUTDPI" val="1200"/>
-  <p:tag name="ORIGINALHEIGHT" val="1034.871"/>
-  <p:tag name="ORIGINALWIDTH" val="4288.714"/>
-  <p:tag name="LATEXADDIN" val="\documentclass{article}&#10;\usepackage{amsmath}&#10;\usepackage{amssymb}&#10;\pagestyle{empty}&#10;\begin{document}&#10;&#10;\noindent The uncertainty $U_{Env}$ of a given environment $Env$ is the althernative behavior over the perfect environment $Env^p$, i.e., $U_{Env} = Env_{\upharpoonright \Sigma_I} - Env^p_{\upharpoonright \Sigma_I}$, where&#10;\begin{itemize}&#10;\item $Env_{\upharpoonright \Sigma_I}$ is the projected model of the environment $Env$ over $\Sigma_I$, the alphabet of the interface,&#10;\item $Env^p_{\upharpoonright \Sigma_I}$ is the projected model of the perfect environment over the alphatbet of the interface.&#10;\end{itemize}&#10;&#10;&#10;\end{document}"/>
+  <p:tag name="ORIGINALHEIGHT" val="1513.311"/>
+  <p:tag name="ORIGINALWIDTH" val="4097.488"/>
+  <p:tag name="LATEXADDIN" val="\documentclass{article}&#10;\usepackage{amsmath}&#10;\usepackage{amssymb}&#10;\pagestyle{empty}&#10;\begin{document}&#10;&#10;A Büchi automata is $B$ is a four tuple $\langle Q, \Sigma, \delta, q_0, F \rangle$ where&#10;\begin{itemize}&#10;\item $Q$ is a finite set of states,&#10;\item $\Sigma$ is a set of actions called the \textit{alphabet} of $B$,&#10;\item $\delta \subseteq Q \times \Sigma \rightarrow Q$ is a function called the \textit{transition function} of $B$,&#10;\item $q_0 \in Q$ is the initial state,&#10;\item $F \subseteq Q$ is the \textit{acceptance condition} that $B$ only accepts traces that at least one of the states in $F$ occurs infinitely often.&#10;\end{itemize}&#10;&#10;&#10;\end{document}"/>
   <p:tag name="IGUANATEXSIZE" val="20"/>
-  <p:tag name="IGUANATEXCURSOR" val="603"/>
+  <p:tag name="IGUANATEXCURSOR" val="538"/>
   <p:tag name="TRANSPARENCY" val="True"/>
   <p:tag name="FILENAME" val=""/>
   <p:tag name="LATEXENGINEID" val="0"/>
   <p:tag name="TEMPFOLDER" val=".\tmp\"/>
-  <p:tag name="LATEXFORMHEIGHT" val="320.4"/>
-  <p:tag name="LATEXFORMWIDTH" val="464.4"/>
+  <p:tag name="LATEXFORMHEIGHT" val="312"/>
+  <p:tag name="LATEXFORMWIDTH" val="384"/>
   <p:tag name="LATEXFORMWRAP" val="True"/>
   <p:tag name="BITMAPVECTOR" val="0"/>
 </p:tagLst>
@@ -12202,11 +11694,11 @@
 <file path=ppt/tags/tag3.xml><?xml version="1.0" encoding="utf-8"?>
 <p:tagLst xmlns:a="http://schemas.openxmlformats.org/drawingml/2006/main" xmlns:r="http://schemas.openxmlformats.org/officeDocument/2006/relationships" xmlns:p="http://schemas.openxmlformats.org/presentationml/2006/main">
   <p:tag name="OUTPUTDPI" val="1200"/>
-  <p:tag name="ORIGINALHEIGHT" val="1145.107"/>
-  <p:tag name="ORIGINALWIDTH" val="4098.988"/>
-  <p:tag name="LATEXADDIN" val="\documentclass{article}&#10;\usepackage{amsmath}&#10;\usepackage{amssymb}&#10;\pagestyle{empty}&#10;\begin{document}&#10;&#10;$C = WA_{\upharpoonright \Sigma_I} - Env^p_{\upharpoonright \Sigma_I}$ where&#10;\begin{itemize}&#10;\item $C$ is the capability of a system to handle uncertainty in the environment,&#10;\item $WA_{\upharpoonright \Sigma_I}$ is the weakest assumption of the system to ensure ``correct'' function, projected over the alphabet of the environment interface,&#10;\item $Env^p_{\upharpoonright \Sigma_I}$ is the perfect environment projected over the alphabet of the environment interface.&#10;\end{itemize}&#10;&#10;&#10;\end{document}"/>
-  <p:tag name="IGUANATEXSIZE" val="18"/>
-  <p:tag name="IGUANATEXCURSOR" val="484"/>
+  <p:tag name="ORIGINALHEIGHT" val="908.1365"/>
+  <p:tag name="ORIGINALWIDTH" val="4285.714"/>
+  <p:tag name="LATEXADDIN" val="\documentclass{article}&#10;\usepackage{amsmath}&#10;\pagestyle{empty}&#10;\begin{document}&#10;&#10;\noindent Let $B_1 = \langle Q^1, \Sigma^1, \delta^1, q^1_0, F^1 \rangle$ and $B_2 = \langle Q^2, \Sigma^2, \delta^2, q^2_0, F^2 \rangle$, $B_1 || B_2$ is an automata $B = \langle Q, \Sigma, \delta, q_0, F \rangle$, where $Q = Q^1 \times Q^2$, $\Sigma = \Sigma^1 \cup \Sigma^2$, $q_0 = (q^1_0, q^2_0)$, $F = \{(q^1, q^2) | q^1 \in F^1 \land q^2 \in F^2 \}$, and $\delta$ is defined as:&#10;&#10;$$\frac{B_1 \xrightarrow{a} B_1', a \notin \Sigma^2}{B_1 || B_2 \xrightarrow{a} B_1' || B_2} \quad \quad \frac{B_1 \xrightarrow{a} B_1', B_2 \xrightarrow{a} B_2'}{B_1 || B_2 \xrightarrow{a} B_1' || B_2'}$$&#10;&#10;&#10;\end{document}"/>
+  <p:tag name="IGUANATEXSIZE" val="20"/>
+  <p:tag name="IGUANATEXCURSOR" val="341"/>
   <p:tag name="TRANSPARENCY" val="True"/>
   <p:tag name="FILENAME" val=""/>
   <p:tag name="LATEXENGINEID" val="0"/>

--- a/Robustness.pptx
+++ b/Robustness.pptx
@@ -5,7 +5,7 @@
     <p:sldMasterId id="2147483659" r:id="rId1"/>
   </p:sldMasterIdLst>
   <p:notesMasterIdLst>
-    <p:notesMasterId r:id="rId24"/>
+    <p:notesMasterId r:id="rId32"/>
   </p:notesMasterIdLst>
   <p:sldIdLst>
     <p:sldId id="256" r:id="rId2"/>
@@ -27,37 +27,41 @@
     <p:sldId id="268" r:id="rId18"/>
     <p:sldId id="282" r:id="rId19"/>
     <p:sldId id="283" r:id="rId20"/>
-    <p:sldId id="287" r:id="rId21"/>
-    <p:sldId id="288" r:id="rId22"/>
-    <p:sldId id="277" r:id="rId23"/>
+    <p:sldId id="288" r:id="rId21"/>
+    <p:sldId id="289" r:id="rId22"/>
+    <p:sldId id="290" r:id="rId23"/>
+    <p:sldId id="292" r:id="rId24"/>
+    <p:sldId id="293" r:id="rId25"/>
+    <p:sldId id="294" r:id="rId26"/>
+    <p:sldId id="295" r:id="rId27"/>
+    <p:sldId id="296" r:id="rId28"/>
+    <p:sldId id="277" r:id="rId29"/>
+    <p:sldId id="297" r:id="rId30"/>
+    <p:sldId id="298" r:id="rId31"/>
   </p:sldIdLst>
   <p:sldSz cx="9144000" cy="5143500" type="screen16x9"/>
   <p:notesSz cx="6858000" cy="9144000"/>
   <p:embeddedFontLst>
     <p:embeddedFont>
-      <p:font typeface="Open Sans" panose="020B0604020202020204" charset="0"/>
-      <p:regular r:id="rId25"/>
-      <p:bold r:id="rId26"/>
-      <p:italic r:id="rId27"/>
-      <p:boldItalic r:id="rId28"/>
+      <p:font typeface="Open Sans" panose="02010600030101010101" charset="0"/>
+      <p:regular r:id="rId33"/>
+      <p:bold r:id="rId34"/>
+      <p:italic r:id="rId35"/>
+      <p:boldItalic r:id="rId36"/>
     </p:embeddedFont>
     <p:embeddedFont>
-      <p:font typeface="宋体" panose="02010600030101010101" pitchFamily="2" charset="-122"/>
-      <p:regular r:id="rId29"/>
+      <p:font typeface="Open Sans Light" panose="02010600030101010101" charset="0"/>
+      <p:regular r:id="rId37"/>
+      <p:bold r:id="rId38"/>
+      <p:italic r:id="rId39"/>
+      <p:boldItalic r:id="rId40"/>
     </p:embeddedFont>
     <p:embeddedFont>
-      <p:font typeface="Open Sans Light" panose="020B0604020202020204" charset="0"/>
-      <p:regular r:id="rId30"/>
-      <p:bold r:id="rId31"/>
-      <p:italic r:id="rId32"/>
-      <p:boldItalic r:id="rId33"/>
-    </p:embeddedFont>
-    <p:embeddedFont>
-      <p:font typeface="Open Sans SemiBold" panose="020B0604020202020204" charset="0"/>
-      <p:regular r:id="rId34"/>
-      <p:bold r:id="rId35"/>
-      <p:italic r:id="rId36"/>
-      <p:boldItalic r:id="rId37"/>
+      <p:font typeface="Open Sans SemiBold" panose="02010600030101010101" charset="0"/>
+      <p:regular r:id="rId41"/>
+      <p:bold r:id="rId42"/>
+      <p:italic r:id="rId43"/>
+      <p:boldItalic r:id="rId44"/>
     </p:embeddedFont>
   </p:embeddedFontLst>
   <p:defaultTextStyle>
@@ -7894,15 +7898,7 @@
           <a:p>
             <a:r>
               <a:rPr lang="en-US" altLang="zh-CN" dirty="0"/>
-              <a:t>Uncertainty in </a:t>
-            </a:r>
-            <a:r>
-              <a:rPr lang="en-US" altLang="zh-CN" dirty="0"/>
-              <a:t>e</a:t>
-            </a:r>
-            <a:r>
-              <a:rPr lang="en-US" altLang="zh-CN" dirty="0" smtClean="0"/>
-              <a:t>nvironment</a:t>
+              <a:t>Uncertainty in environment</a:t>
             </a:r>
             <a:endParaRPr lang="zh-CN" altLang="en-US" dirty="0"/>
           </a:p>
@@ -8553,11 +8549,7 @@
           <a:p>
             <a:r>
               <a:rPr lang="en-US" altLang="zh-CN" dirty="0"/>
-              <a:t>Capability to deal with </a:t>
-            </a:r>
-            <a:r>
-              <a:rPr lang="en-US" altLang="zh-CN" dirty="0" smtClean="0"/>
-              <a:t>Uncertainty</a:t>
+              <a:t>Capability to deal with Uncertainty</a:t>
             </a:r>
             <a:endParaRPr lang="zh-CN" altLang="en-US" dirty="0"/>
           </a:p>
@@ -8736,15 +8728,7 @@
             <a:pPr algn="ctr"/>
             <a:r>
               <a:rPr lang="en-US" altLang="zh-CN" dirty="0"/>
-              <a:t>How to generate the </a:t>
-            </a:r>
-            <a:r>
-              <a:rPr lang="en-US" altLang="zh-CN" dirty="0" smtClean="0"/>
-              <a:t>maximum allowed </a:t>
-            </a:r>
-            <a:r>
-              <a:rPr lang="en-US" altLang="zh-CN" dirty="0"/>
-              <a:t>behavior of the environment?</a:t>
+              <a:t>How to generate the maximum allowed behavior of the environment?</a:t>
             </a:r>
             <a:endParaRPr lang="zh-CN" altLang="en-US" dirty="0"/>
           </a:p>
@@ -8939,7 +8923,7 @@
           <a:lstStyle/>
           <a:p>
             <a:r>
-              <a:rPr lang="en-US" altLang="zh-CN" dirty="0" smtClean="0"/>
+              <a:rPr lang="en-US" altLang="zh-CN" dirty="0"/>
               <a:t>System Assumption</a:t>
             </a:r>
             <a:endParaRPr lang="zh-CN" altLang="en-US" dirty="0"/>
@@ -8977,50 +8961,30 @@
             </a:r>
             <a:r>
               <a:rPr lang="en-US" altLang="zh-CN" dirty="0"/>
-              <a:t> </a:t>
-            </a:r>
-            <a:r>
-              <a:rPr lang="en-US" altLang="zh-CN" dirty="0" smtClean="0"/>
-              <a:t>is the expected behavior of the environment, made by a system, in which the system can ensure the “correct” function.</a:t>
-            </a:r>
-          </a:p>
-          <a:p>
-            <a:r>
-              <a:rPr lang="en-US" altLang="zh-CN" dirty="0" smtClean="0"/>
-              <a:t>E.g., </a:t>
-            </a:r>
+              <a:t> is the expected behavior of the environment, made by a system, in which the system can ensure the “correct” function.</a:t>
+            </a:r>
+          </a:p>
+          <a:p>
             <a:r>
               <a:rPr lang="en-US" altLang="zh-CN" dirty="0"/>
-              <a:t>to ensure the property, </a:t>
-            </a:r>
-            <a:r>
-              <a:rPr lang="en-US" altLang="zh-CN" dirty="0" smtClean="0"/>
-              <a:t>the example system </a:t>
-            </a:r>
+              <a:t>E.g., to ensure the property, the example system assumes the environment to be:</a:t>
+            </a:r>
+          </a:p>
+          <a:p>
+            <a:endParaRPr lang="en-US" altLang="zh-CN" dirty="0"/>
+          </a:p>
+          <a:p>
+            <a:endParaRPr lang="en-US" altLang="zh-CN" dirty="0"/>
+          </a:p>
+          <a:p>
+            <a:pPr marL="114300" indent="0">
+              <a:buNone/>
+            </a:pPr>
+            <a:endParaRPr lang="en-US" altLang="zh-CN" dirty="0"/>
+          </a:p>
+          <a:p>
             <a:r>
               <a:rPr lang="en-US" altLang="zh-CN" dirty="0"/>
-              <a:t>assumes the environment to </a:t>
-            </a:r>
-            <a:r>
-              <a:rPr lang="en-US" altLang="zh-CN" dirty="0" smtClean="0"/>
-              <a:t>be:</a:t>
-            </a:r>
-          </a:p>
-          <a:p>
-            <a:endParaRPr lang="en-US" altLang="zh-CN" dirty="0"/>
-          </a:p>
-          <a:p>
-            <a:endParaRPr lang="en-US" altLang="zh-CN" dirty="0" smtClean="0"/>
-          </a:p>
-          <a:p>
-            <a:pPr marL="114300" indent="0">
-              <a:buNone/>
-            </a:pPr>
-            <a:endParaRPr lang="en-US" altLang="zh-CN" dirty="0" smtClean="0"/>
-          </a:p>
-          <a:p>
-            <a:r>
-              <a:rPr lang="en-US" altLang="zh-CN" dirty="0" smtClean="0"/>
               <a:t>Other environments would either cause safety property violations or deadlock.</a:t>
             </a:r>
             <a:endParaRPr lang="zh-CN" altLang="en-US" dirty="0"/>
@@ -9142,13 +9106,8 @@
           <a:p>
             <a:r>
               <a:rPr lang="en-US" dirty="0"/>
-              <a:t>Stronger and Weaker </a:t>
-            </a:r>
-            <a:r>
-              <a:rPr lang="en-US" dirty="0" smtClean="0"/>
-              <a:t>Assumption</a:t>
-            </a:r>
-            <a:endParaRPr lang="en-US" dirty="0"/>
+              <a:t>Stronger and Weaker Assumption</a:t>
+            </a:r>
           </a:p>
         </p:txBody>
       </p:sp>
@@ -9169,15 +9128,7 @@
           <a:p>
             <a:r>
               <a:rPr lang="en-US" dirty="0"/>
-              <a:t>Stronger assumption =&gt; </a:t>
-            </a:r>
-            <a:r>
-              <a:rPr lang="en-US" dirty="0" smtClean="0"/>
-              <a:t>less expected </a:t>
-            </a:r>
-            <a:r>
-              <a:rPr lang="en-US" dirty="0"/>
-              <a:t>behavior of the environment;</a:t>
+              <a:t>Stronger assumption =&gt; less allowed behavior of the environment;</a:t>
             </a:r>
           </a:p>
           <a:p>
@@ -9198,15 +9149,7 @@
           <a:p>
             <a:r>
               <a:rPr lang="en-US" dirty="0"/>
-              <a:t>Weaker assumption =&gt; more </a:t>
-            </a:r>
-            <a:r>
-              <a:rPr lang="en-US" dirty="0" smtClean="0"/>
-              <a:t>expected </a:t>
-            </a:r>
-            <a:r>
-              <a:rPr lang="en-US" dirty="0"/>
-              <a:t>behavior of the environment.</a:t>
+              <a:t>Weaker assumption =&gt; more allowed behavior of the environment.</a:t>
             </a:r>
           </a:p>
         </p:txBody>
@@ -9343,10 +9286,9 @@
           <a:lstStyle/>
           <a:p>
             <a:r>
-              <a:rPr lang="en-US" dirty="0" smtClean="0"/>
+              <a:rPr lang="en-US" dirty="0"/>
               <a:t>Generating the weakest assumption</a:t>
             </a:r>
-            <a:endParaRPr lang="en-US" dirty="0"/>
           </a:p>
         </p:txBody>
       </p:sp>
@@ -9371,21 +9313,21 @@
           <a:lstStyle/>
           <a:p>
             <a:r>
-              <a:rPr lang="en-US" dirty="0" smtClean="0"/>
+              <a:rPr lang="en-US" dirty="0"/>
               <a:t>Maximum allowed behavior = The weakest assumption</a:t>
             </a:r>
           </a:p>
           <a:p>
             <a:r>
-              <a:rPr lang="en-US" dirty="0" smtClean="0"/>
+              <a:rPr lang="en-US" dirty="0"/>
               <a:t>[Dimitra02] already presents an approach to generate the weakest assumption (</a:t>
             </a:r>
             <a:r>
-              <a:rPr lang="en-US" sz="1400" dirty="0" smtClean="0"/>
+              <a:rPr lang="en-US" sz="1400" dirty="0"/>
               <a:t>a minor modification required</a:t>
             </a:r>
             <a:r>
-              <a:rPr lang="en-US" dirty="0" smtClean="0"/>
+              <a:rPr lang="en-US" dirty="0"/>
               <a:t>).</a:t>
             </a:r>
           </a:p>
@@ -9446,20 +9388,12 @@
           <a:lstStyle/>
           <a:p>
             <a:r>
-              <a:rPr lang="en-US" sz="1000" dirty="0" smtClean="0">
-                <a:solidFill>
-                  <a:schemeClr val="bg2"/>
-                </a:solidFill>
-              </a:rPr>
-              <a:t>[Dimitra02] </a:t>
-            </a:r>
-            <a:r>
               <a:rPr lang="en-US" sz="1000" dirty="0">
                 <a:solidFill>
                   <a:schemeClr val="bg2"/>
                 </a:solidFill>
               </a:rPr>
-              <a:t>D. </a:t>
+              <a:t>[Dimitra02] D. </a:t>
             </a:r>
             <a:r>
               <a:rPr lang="en-US" sz="1000" dirty="0" err="1">
@@ -9612,8 +9546,8 @@
         </p:blipFill>
         <p:spPr>
           <a:xfrm>
-            <a:off x="5597638" y="2654251"/>
-            <a:ext cx="2056126" cy="788291"/>
+            <a:off x="5638383" y="2578252"/>
+            <a:ext cx="2673409" cy="1024949"/>
           </a:xfrm>
           <a:prstGeom prst="rect">
             <a:avLst/>
@@ -9628,8 +9562,8 @@
         </p:nvSpPr>
         <p:spPr>
           <a:xfrm>
-            <a:off x="3897247" y="2851114"/>
-            <a:ext cx="1606657" cy="394567"/>
+            <a:off x="4093061" y="2793901"/>
+            <a:ext cx="1349508" cy="394567"/>
           </a:xfrm>
           <a:prstGeom prst="rightArrow">
             <a:avLst/>
@@ -9706,8 +9640,12 @@
           <a:lstStyle/>
           <a:p>
             <a:r>
-              <a:rPr lang="en-US" dirty="0" smtClean="0"/>
-              <a:t>The Minus Operator</a:t>
+              <a:rPr lang="en-US" altLang="zh-CN" dirty="0" err="1"/>
+              <a:t>Büchi</a:t>
+            </a:r>
+            <a:r>
+              <a:rPr lang="en-US" altLang="zh-CN" dirty="0"/>
+              <a:t> automata</a:t>
             </a:r>
             <a:endParaRPr lang="en-US" dirty="0"/>
           </a:p>
@@ -9729,68 +9667,60 @@
           <a:lstStyle/>
           <a:p>
             <a:r>
-              <a:rPr lang="en-US" dirty="0" smtClean="0"/>
+              <a:rPr lang="en-US" sz="1400" dirty="0"/>
               <a:t>Reminder: </a:t>
             </a:r>
             <a:r>
-              <a:rPr lang="en-US" altLang="zh-CN" i="1" dirty="0"/>
+              <a:rPr lang="en-US" altLang="zh-CN" sz="1400" i="1" dirty="0"/>
               <a:t>Capability(S) = </a:t>
             </a:r>
             <a:r>
-              <a:rPr lang="en-US" altLang="zh-CN" i="1" dirty="0" err="1" smtClean="0"/>
+              <a:rPr lang="en-US" altLang="zh-CN" sz="1400" i="1" dirty="0" err="1"/>
               <a:t>WeakestAssumption</a:t>
             </a:r>
             <a:r>
-              <a:rPr lang="en-US" altLang="zh-CN" i="1" dirty="0" smtClean="0"/>
-              <a:t>(S</a:t>
-            </a:r>
-            <a:r>
-              <a:rPr lang="en-US" altLang="zh-CN" i="1" dirty="0"/>
-              <a:t>) – </a:t>
-            </a:r>
-            <a:r>
-              <a:rPr lang="en-US" altLang="zh-CN" i="1" dirty="0" err="1"/>
+              <a:rPr lang="en-US" altLang="zh-CN" sz="1400" i="1" dirty="0"/>
+              <a:t>(S) – </a:t>
+            </a:r>
+            <a:r>
+              <a:rPr lang="en-US" altLang="zh-CN" sz="1400" i="1" dirty="0" err="1"/>
               <a:t>Beh</a:t>
             </a:r>
             <a:r>
-              <a:rPr lang="en-US" altLang="zh-CN" i="1" dirty="0"/>
+              <a:rPr lang="en-US" altLang="zh-CN" sz="1400" i="1" dirty="0"/>
               <a:t>(</a:t>
             </a:r>
             <a:r>
-              <a:rPr lang="en-US" altLang="zh-CN" i="1" dirty="0" err="1"/>
+              <a:rPr lang="en-US" altLang="zh-CN" sz="1400" i="1" dirty="0" err="1"/>
               <a:t>Env</a:t>
             </a:r>
             <a:r>
-              <a:rPr lang="en-US" altLang="zh-CN" i="1" baseline="-25000" dirty="0" err="1"/>
+              <a:rPr lang="en-US" altLang="zh-CN" sz="1400" i="1" baseline="-25000" dirty="0" err="1"/>
               <a:t>base</a:t>
             </a:r>
             <a:r>
-              <a:rPr lang="en-US" altLang="zh-CN" i="1" dirty="0" smtClean="0"/>
+              <a:rPr lang="en-US" altLang="zh-CN" sz="1400" i="1" dirty="0"/>
               <a:t>)</a:t>
             </a:r>
           </a:p>
           <a:p>
             <a:r>
-              <a:rPr lang="en-US" altLang="zh-CN" dirty="0" smtClean="0"/>
+              <a:rPr lang="en-US" altLang="zh-CN" sz="1400" dirty="0"/>
               <a:t>The LTS formalism is not enough, we introduce </a:t>
             </a:r>
             <a:r>
-              <a:rPr lang="en-US" b="1" dirty="0" err="1"/>
+              <a:rPr lang="en-US" sz="1400" b="1" dirty="0" err="1"/>
               <a:t>Büchi</a:t>
             </a:r>
             <a:r>
-              <a:rPr lang="en-US" b="1" dirty="0"/>
-              <a:t> </a:t>
-            </a:r>
-            <a:r>
-              <a:rPr lang="en-US" b="1" dirty="0" smtClean="0"/>
-              <a:t>automata</a:t>
-            </a:r>
-            <a:r>
-              <a:rPr lang="en-US" dirty="0" smtClean="0"/>
+              <a:rPr lang="en-US" sz="1400" b="1" dirty="0"/>
+              <a:t> automata</a:t>
+            </a:r>
+            <a:r>
+              <a:rPr lang="en-US" sz="1400" dirty="0"/>
               <a:t>.</a:t>
             </a:r>
-            <a:endParaRPr lang="en-US" altLang="zh-CN" dirty="0" smtClean="0"/>
+            <a:endParaRPr lang="en-US" altLang="zh-CN" sz="1400" dirty="0"/>
           </a:p>
           <a:p>
             <a:endParaRPr lang="en-US" dirty="0"/>
@@ -9829,6 +9759,40 @@
           </a:p>
         </p:txBody>
       </p:sp>
+      <p:pic>
+        <p:nvPicPr>
+          <p:cNvPr id="5" name="Picture 4">
+            <a:extLst>
+              <a:ext uri="{FF2B5EF4-FFF2-40B4-BE49-F238E27FC236}">
+                <a16:creationId xmlns:a16="http://schemas.microsoft.com/office/drawing/2014/main" id="{18E6E457-A829-4DAF-A007-51E7AA8658B1}"/>
+              </a:ext>
+            </a:extLst>
+          </p:cNvPr>
+          <p:cNvPicPr>
+            <a:picLocks noChangeAspect="1"/>
+          </p:cNvPicPr>
+          <p:nvPr>
+            <p:custDataLst>
+              <p:tags r:id="rId1"/>
+            </p:custDataLst>
+          </p:nvPr>
+        </p:nvPicPr>
+        <p:blipFill>
+          <a:blip r:embed="rId3"/>
+          <a:stretch>
+            <a:fillRect/>
+          </a:stretch>
+        </p:blipFill>
+        <p:spPr>
+          <a:xfrm>
+            <a:off x="1010875" y="1828991"/>
+            <a:ext cx="7122249" cy="2630434"/>
+          </a:xfrm>
+          <a:prstGeom prst="rect">
+            <a:avLst/>
+          </a:prstGeom>
+        </p:spPr>
+      </p:pic>
     </p:spTree>
     <p:extLst>
       <p:ext uri="{BB962C8B-B14F-4D97-AF65-F5344CB8AC3E}">
@@ -9910,28 +9874,27 @@
           <a:lstStyle/>
           <a:p>
             <a:r>
-              <a:rPr lang="en-US" altLang="zh-CN" dirty="0" smtClean="0"/>
+              <a:rPr lang="en-US" altLang="zh-CN" dirty="0"/>
               <a:t>Research Problem</a:t>
             </a:r>
           </a:p>
           <a:p>
             <a:r>
-              <a:rPr lang="en-US" altLang="zh-CN" dirty="0" smtClean="0"/>
+              <a:rPr lang="en-US" altLang="zh-CN" dirty="0"/>
               <a:t>Motivation Example &amp; Overview</a:t>
             </a:r>
           </a:p>
           <a:p>
             <a:r>
-              <a:rPr lang="en-US" altLang="zh-CN" dirty="0" smtClean="0"/>
+              <a:rPr lang="en-US" altLang="zh-CN" dirty="0"/>
               <a:t>Approach In Details</a:t>
             </a:r>
           </a:p>
           <a:p>
             <a:r>
-              <a:rPr lang="en-US" altLang="zh-CN" dirty="0" smtClean="0"/>
-              <a:t>Limitation &amp; Future Work</a:t>
-            </a:r>
-            <a:endParaRPr lang="en-US" altLang="zh-CN" dirty="0"/>
+              <a:rPr lang="en-US" altLang="zh-CN" dirty="0"/>
+              <a:t>Discussion</a:t>
+            </a:r>
           </a:p>
           <a:p>
             <a:endParaRPr lang="zh-CN" altLang="en-US" dirty="0"/>
@@ -9986,14 +9949,6 @@
   <p:clrMapOvr>
     <a:masterClrMapping/>
   </p:clrMapOvr>
-  <mc:AlternateContent xmlns:mc="http://schemas.openxmlformats.org/markup-compatibility/2006">
-    <mc:Choice xmlns:p14="http://schemas.microsoft.com/office/powerpoint/2010/main" Requires="p14">
-      <p:transition spd="slow" p14:dur="2000"/>
-    </mc:Choice>
-    <mc:Fallback>
-      <p:transition spd="slow"/>
-    </mc:Fallback>
-  </mc:AlternateContent>
 </p:sld>
 </file>
 
@@ -10030,12 +9985,37 @@
           <a:lstStyle/>
           <a:p>
             <a:r>
-              <a:rPr lang="en-US" dirty="0" err="1"/>
-              <a:t>Büchi</a:t>
-            </a:r>
-            <a:r>
               <a:rPr lang="en-US" dirty="0"/>
-              <a:t> automata</a:t>
+              <a:t>Parallel composition ||</a:t>
+            </a:r>
+          </a:p>
+        </p:txBody>
+      </p:sp>
+      <p:sp>
+        <p:nvSpPr>
+          <p:cNvPr id="3" name="Text Placeholder 2"/>
+          <p:cNvSpPr>
+            <a:spLocks noGrp="1"/>
+          </p:cNvSpPr>
+          <p:nvPr>
+            <p:ph type="body" idx="1"/>
+          </p:nvPr>
+        </p:nvSpPr>
+        <p:spPr/>
+        <p:txBody>
+          <a:bodyPr/>
+          <a:lstStyle/>
+          <a:p>
+            <a:pPr marL="114300" indent="0">
+              <a:buNone/>
+            </a:pPr>
+            <a:r>
+              <a:rPr lang="en-US" sz="1600" i="1" dirty="0"/>
+              <a:t>Parallel composition “</a:t>
+            </a:r>
+            <a:r>
+              <a:rPr lang="en-US" sz="1600" dirty="0"/>
+              <a:t>||”  is an operator that combines behavior of two automaton by synchronizing common actions and interleaving the remaining actions.</a:t>
             </a:r>
           </a:p>
         </p:txBody>
@@ -10074,7 +10054,13 @@
       </p:sp>
       <p:pic>
         <p:nvPicPr>
-          <p:cNvPr id="6" name="Picture 5"/>
+          <p:cNvPr id="6" name="Picture 5">
+            <a:extLst>
+              <a:ext uri="{FF2B5EF4-FFF2-40B4-BE49-F238E27FC236}">
+                <a16:creationId xmlns:a16="http://schemas.microsoft.com/office/drawing/2014/main" id="{4819B198-3DF2-48C6-8AFF-5F23C3F475A7}"/>
+              </a:ext>
+            </a:extLst>
+          </p:cNvPr>
           <p:cNvPicPr>
             <a:picLocks noChangeAspect="1"/>
           </p:cNvPicPr>
@@ -10085,21 +10071,15 @@
           </p:nvPr>
         </p:nvPicPr>
         <p:blipFill>
-          <a:blip r:embed="rId3">
-            <a:extLst>
-              <a:ext uri="{28A0092B-C50C-407E-A947-70E740481C1C}">
-                <a14:useLocalDpi xmlns:a14="http://schemas.microsoft.com/office/drawing/2010/main" val="0"/>
-              </a:ext>
-            </a:extLst>
-          </a:blip>
+          <a:blip r:embed="rId3"/>
           <a:stretch>
             <a:fillRect/>
           </a:stretch>
         </p:blipFill>
         <p:spPr>
           <a:xfrm>
-            <a:off x="408190" y="1139987"/>
-            <a:ext cx="8326097" cy="3075047"/>
+            <a:off x="451259" y="2057808"/>
+            <a:ext cx="8241481" cy="1746357"/>
           </a:xfrm>
           <a:prstGeom prst="rect">
             <a:avLst/>
@@ -10109,20 +10089,13 @@
     </p:spTree>
     <p:extLst>
       <p:ext uri="{BB962C8B-B14F-4D97-AF65-F5344CB8AC3E}">
-        <p14:creationId xmlns:p14="http://schemas.microsoft.com/office/powerpoint/2010/main" val="3492234586"/>
+        <p14:creationId xmlns:p14="http://schemas.microsoft.com/office/powerpoint/2010/main" val="3337965237"/>
       </p:ext>
     </p:extLst>
   </p:cSld>
   <p:clrMapOvr>
     <a:masterClrMapping/>
   </p:clrMapOvr>
-  <p:timing>
-    <p:tnLst>
-      <p:par>
-        <p:cTn id="1" dur="indefinite" restart="never" nodeType="tmRoot"/>
-      </p:par>
-    </p:tnLst>
-  </p:timing>
 </p:sld>
 </file>
 
@@ -10145,7 +10118,13 @@
       </p:grpSpPr>
       <p:sp>
         <p:nvSpPr>
-          <p:cNvPr id="2" name="Title 1"/>
+          <p:cNvPr id="2" name="Title 1">
+            <a:extLst>
+              <a:ext uri="{FF2B5EF4-FFF2-40B4-BE49-F238E27FC236}">
+                <a16:creationId xmlns:a16="http://schemas.microsoft.com/office/drawing/2014/main" id="{6B70DAF4-5066-446B-9D73-A06A55D613C5}"/>
+              </a:ext>
+            </a:extLst>
+          </p:cNvPr>
           <p:cNvSpPr>
             <a:spLocks noGrp="1"/>
           </p:cNvSpPr>
@@ -10159,16 +10138,22 @@
           <a:lstStyle/>
           <a:p>
             <a:r>
-              <a:rPr lang="en-US" dirty="0" smtClean="0"/>
-              <a:t>Parallel composition ||</a:t>
-            </a:r>
-            <a:endParaRPr lang="en-US" dirty="0"/>
+              <a:rPr lang="en-US" altLang="zh-CN" dirty="0"/>
+              <a:t>Negation</a:t>
+            </a:r>
+            <a:endParaRPr lang="zh-CN" altLang="en-US" dirty="0"/>
           </a:p>
         </p:txBody>
       </p:sp>
       <p:sp>
         <p:nvSpPr>
-          <p:cNvPr id="3" name="Text Placeholder 2"/>
+          <p:cNvPr id="3" name="Text Placeholder 2">
+            <a:extLst>
+              <a:ext uri="{FF2B5EF4-FFF2-40B4-BE49-F238E27FC236}">
+                <a16:creationId xmlns:a16="http://schemas.microsoft.com/office/drawing/2014/main" id="{59612B09-9303-4FFF-A87C-A5EBFC8C55E8}"/>
+              </a:ext>
+            </a:extLst>
+          </p:cNvPr>
           <p:cNvSpPr>
             <a:spLocks noGrp="1"/>
           </p:cNvSpPr>
@@ -10185,20 +10170,30 @@
               <a:buNone/>
             </a:pPr>
             <a:r>
-              <a:rPr lang="en-US" sz="1400" i="1" dirty="0" smtClean="0"/>
-              <a:t>Parallel composition “</a:t>
-            </a:r>
-            <a:r>
-              <a:rPr lang="en-US" sz="1400" dirty="0" smtClean="0"/>
-              <a:t>||”  is an operator that combines behavior of two automaton by synchronizing common actions and interleaving the remaining actions.</a:t>
-            </a:r>
-            <a:endParaRPr lang="en-US" sz="1400" dirty="0"/>
+              <a:rPr lang="en-US" altLang="zh-CN" sz="1600" dirty="0"/>
+              <a:t>Negation is an operator that reverts the acceptance condition of a </a:t>
+            </a:r>
+            <a:r>
+              <a:rPr lang="en-US" altLang="zh-CN" sz="1600" dirty="0" err="1"/>
+              <a:t>Büchi</a:t>
+            </a:r>
+            <a:r>
+              <a:rPr lang="en-US" altLang="zh-CN" sz="1600" dirty="0"/>
+              <a:t> automata.</a:t>
+            </a:r>
+            <a:endParaRPr lang="zh-CN" altLang="en-US" sz="1600" dirty="0"/>
           </a:p>
         </p:txBody>
       </p:sp>
       <p:sp>
         <p:nvSpPr>
-          <p:cNvPr id="4" name="Slide Number Placeholder 3"/>
+          <p:cNvPr id="4" name="Slide Number Placeholder 3">
+            <a:extLst>
+              <a:ext uri="{FF2B5EF4-FFF2-40B4-BE49-F238E27FC236}">
+                <a16:creationId xmlns:a16="http://schemas.microsoft.com/office/drawing/2014/main" id="{5E621E83-FB4B-4C59-9FE7-BD14B08D5128}"/>
+              </a:ext>
+            </a:extLst>
+          </p:cNvPr>
           <p:cNvSpPr>
             <a:spLocks noGrp="1"/>
           </p:cNvSpPr>
@@ -10230,7 +10225,13 @@
       </p:sp>
       <p:pic>
         <p:nvPicPr>
-          <p:cNvPr id="15" name="Picture 14"/>
+          <p:cNvPr id="12" name="Picture 11">
+            <a:extLst>
+              <a:ext uri="{FF2B5EF4-FFF2-40B4-BE49-F238E27FC236}">
+                <a16:creationId xmlns:a16="http://schemas.microsoft.com/office/drawing/2014/main" id="{348AA186-3CCF-4343-96CA-25539E923DA0}"/>
+              </a:ext>
+            </a:extLst>
+          </p:cNvPr>
           <p:cNvPicPr>
             <a:picLocks noChangeAspect="1"/>
           </p:cNvPicPr>
@@ -10241,21 +10242,15 @@
           </p:nvPr>
         </p:nvPicPr>
         <p:blipFill>
-          <a:blip r:embed="rId3">
-            <a:extLst>
-              <a:ext uri="{28A0092B-C50C-407E-A947-70E740481C1C}">
-                <a14:useLocalDpi xmlns:a14="http://schemas.microsoft.com/office/drawing/2010/main" val="0"/>
-              </a:ext>
-            </a:extLst>
-          </a:blip>
+          <a:blip r:embed="rId3"/>
           <a:stretch>
             <a:fillRect/>
           </a:stretch>
         </p:blipFill>
         <p:spPr>
           <a:xfrm>
-            <a:off x="447903" y="1942608"/>
-            <a:ext cx="8241481" cy="1746357"/>
+            <a:off x="552801" y="1769600"/>
+            <a:ext cx="7561505" cy="505600"/>
           </a:xfrm>
           <a:prstGeom prst="rect">
             <a:avLst/>
@@ -10265,20 +10260,13 @@
     </p:spTree>
     <p:extLst>
       <p:ext uri="{BB962C8B-B14F-4D97-AF65-F5344CB8AC3E}">
-        <p14:creationId xmlns:p14="http://schemas.microsoft.com/office/powerpoint/2010/main" val="3337965237"/>
+        <p14:creationId xmlns:p14="http://schemas.microsoft.com/office/powerpoint/2010/main" val="48412353"/>
       </p:ext>
     </p:extLst>
   </p:cSld>
   <p:clrMapOvr>
     <a:masterClrMapping/>
   </p:clrMapOvr>
-  <p:timing>
-    <p:tnLst>
-      <p:par>
-        <p:cTn id="1" dur="indefinite" restart="never" nodeType="tmRoot"/>
-      </p:par>
-    </p:tnLst>
-  </p:timing>
 </p:sld>
 </file>
 
@@ -10301,6 +10289,1570 @@
       </p:grpSpPr>
       <p:sp>
         <p:nvSpPr>
+          <p:cNvPr id="2" name="Title 1">
+            <a:extLst>
+              <a:ext uri="{FF2B5EF4-FFF2-40B4-BE49-F238E27FC236}">
+                <a16:creationId xmlns:a16="http://schemas.microsoft.com/office/drawing/2014/main" id="{14511204-6FE0-4B5D-916D-81CB2856605E}"/>
+              </a:ext>
+            </a:extLst>
+          </p:cNvPr>
+          <p:cNvSpPr>
+            <a:spLocks noGrp="1"/>
+          </p:cNvSpPr>
+          <p:nvPr>
+            <p:ph type="title"/>
+          </p:nvPr>
+        </p:nvSpPr>
+        <p:spPr/>
+        <p:txBody>
+          <a:bodyPr/>
+          <a:lstStyle/>
+          <a:p>
+            <a:r>
+              <a:rPr lang="en-US" altLang="zh-CN" dirty="0"/>
+              <a:t>The Minus Operator</a:t>
+            </a:r>
+            <a:endParaRPr lang="zh-CN" altLang="en-US" dirty="0"/>
+          </a:p>
+        </p:txBody>
+      </p:sp>
+      <p:sp>
+        <p:nvSpPr>
+          <p:cNvPr id="4" name="Slide Number Placeholder 3">
+            <a:extLst>
+              <a:ext uri="{FF2B5EF4-FFF2-40B4-BE49-F238E27FC236}">
+                <a16:creationId xmlns:a16="http://schemas.microsoft.com/office/drawing/2014/main" id="{F8B85797-3A66-4D94-86D5-6CA069CC91BD}"/>
+              </a:ext>
+            </a:extLst>
+          </p:cNvPr>
+          <p:cNvSpPr>
+            <a:spLocks noGrp="1"/>
+          </p:cNvSpPr>
+          <p:nvPr>
+            <p:ph type="sldNum" idx="12"/>
+          </p:nvPr>
+        </p:nvSpPr>
+        <p:spPr/>
+        <p:txBody>
+          <a:bodyPr/>
+          <a:lstStyle/>
+          <a:p>
+            <a:pPr marL="0" lvl="0" indent="0" algn="r" rtl="0">
+              <a:spcBef>
+                <a:spcPts val="0"/>
+              </a:spcBef>
+              <a:spcAft>
+                <a:spcPts val="0"/>
+              </a:spcAft>
+              <a:buNone/>
+            </a:pPr>
+            <a:fld id="{00000000-1234-1234-1234-123412341234}" type="slidenum">
+              <a:rPr lang="en" smtClean="0"/>
+              <a:t>22</a:t>
+            </a:fld>
+            <a:endParaRPr lang="en"/>
+          </a:p>
+        </p:txBody>
+      </p:sp>
+      <p:pic>
+        <p:nvPicPr>
+          <p:cNvPr id="10" name="Picture 9">
+            <a:extLst>
+              <a:ext uri="{FF2B5EF4-FFF2-40B4-BE49-F238E27FC236}">
+                <a16:creationId xmlns:a16="http://schemas.microsoft.com/office/drawing/2014/main" id="{F6FE5A78-2FF4-45B7-8624-F9FD17EA1F58}"/>
+              </a:ext>
+            </a:extLst>
+          </p:cNvPr>
+          <p:cNvPicPr>
+            <a:picLocks noChangeAspect="1"/>
+          </p:cNvPicPr>
+          <p:nvPr>
+            <p:custDataLst>
+              <p:tags r:id="rId1"/>
+            </p:custDataLst>
+          </p:nvPr>
+        </p:nvPicPr>
+        <p:blipFill>
+          <a:blip r:embed="rId3"/>
+          <a:stretch>
+            <a:fillRect/>
+          </a:stretch>
+        </p:blipFill>
+        <p:spPr>
+          <a:xfrm>
+            <a:off x="480455" y="1459998"/>
+            <a:ext cx="8188816" cy="2223292"/>
+          </a:xfrm>
+          <a:prstGeom prst="rect">
+            <a:avLst/>
+          </a:prstGeom>
+        </p:spPr>
+      </p:pic>
+    </p:spTree>
+    <p:extLst>
+      <p:ext uri="{BB962C8B-B14F-4D97-AF65-F5344CB8AC3E}">
+        <p14:creationId xmlns:p14="http://schemas.microsoft.com/office/powerpoint/2010/main" val="2602809541"/>
+      </p:ext>
+    </p:extLst>
+  </p:cSld>
+  <p:clrMapOvr>
+    <a:masterClrMapping/>
+  </p:clrMapOvr>
+</p:sld>
+</file>
+
+<file path=ppt/slides/slide23.xml><?xml version="1.0" encoding="utf-8"?>
+<p:sld xmlns:a="http://schemas.openxmlformats.org/drawingml/2006/main" xmlns:r="http://schemas.openxmlformats.org/officeDocument/2006/relationships" xmlns:p="http://schemas.openxmlformats.org/presentationml/2006/main">
+  <p:cSld>
+    <p:spTree>
+      <p:nvGrpSpPr>
+        <p:cNvPr id="1" name=""/>
+        <p:cNvGrpSpPr/>
+        <p:nvPr/>
+      </p:nvGrpSpPr>
+      <p:grpSpPr>
+        <a:xfrm>
+          <a:off x="0" y="0"/>
+          <a:ext cx="0" cy="0"/>
+          <a:chOff x="0" y="0"/>
+          <a:chExt cx="0" cy="0"/>
+        </a:xfrm>
+      </p:grpSpPr>
+      <p:sp>
+        <p:nvSpPr>
+          <p:cNvPr id="2" name="Title 1">
+            <a:extLst>
+              <a:ext uri="{FF2B5EF4-FFF2-40B4-BE49-F238E27FC236}">
+                <a16:creationId xmlns:a16="http://schemas.microsoft.com/office/drawing/2014/main" id="{15D83291-D895-43C2-A9B6-08BE5155309C}"/>
+              </a:ext>
+            </a:extLst>
+          </p:cNvPr>
+          <p:cNvSpPr>
+            <a:spLocks noGrp="1"/>
+          </p:cNvSpPr>
+          <p:nvPr>
+            <p:ph type="title"/>
+          </p:nvPr>
+        </p:nvSpPr>
+        <p:spPr/>
+        <p:txBody>
+          <a:bodyPr/>
+          <a:lstStyle/>
+          <a:p>
+            <a:r>
+              <a:rPr lang="en-US" altLang="zh-CN" dirty="0"/>
+              <a:t>Example</a:t>
+            </a:r>
+            <a:endParaRPr lang="zh-CN" altLang="en-US" dirty="0"/>
+          </a:p>
+        </p:txBody>
+      </p:sp>
+      <p:sp>
+        <p:nvSpPr>
+          <p:cNvPr id="3" name="Text Placeholder 2">
+            <a:extLst>
+              <a:ext uri="{FF2B5EF4-FFF2-40B4-BE49-F238E27FC236}">
+                <a16:creationId xmlns:a16="http://schemas.microsoft.com/office/drawing/2014/main" id="{1083DC78-1AC3-4FD9-A1A3-871953946D02}"/>
+              </a:ext>
+            </a:extLst>
+          </p:cNvPr>
+          <p:cNvSpPr>
+            <a:spLocks noGrp="1"/>
+          </p:cNvSpPr>
+          <p:nvPr>
+            <p:ph type="body" idx="1"/>
+          </p:nvPr>
+        </p:nvSpPr>
+        <p:spPr/>
+        <p:txBody>
+          <a:bodyPr/>
+          <a:lstStyle/>
+          <a:p>
+            <a:pPr marL="139700" indent="0">
+              <a:buNone/>
+            </a:pPr>
+            <a:r>
+              <a:rPr lang="en-US" altLang="zh-CN" sz="1600" dirty="0"/>
+              <a:t>The weakest assumption of a system</a:t>
+            </a:r>
+            <a:endParaRPr lang="zh-CN" altLang="en-US" sz="1600" dirty="0"/>
+          </a:p>
+        </p:txBody>
+      </p:sp>
+      <p:sp>
+        <p:nvSpPr>
+          <p:cNvPr id="4" name="Text Placeholder 3">
+            <a:extLst>
+              <a:ext uri="{FF2B5EF4-FFF2-40B4-BE49-F238E27FC236}">
+                <a16:creationId xmlns:a16="http://schemas.microsoft.com/office/drawing/2014/main" id="{4B725C19-1420-4C89-AB7F-C1FB323EAB68}"/>
+              </a:ext>
+            </a:extLst>
+          </p:cNvPr>
+          <p:cNvSpPr>
+            <a:spLocks noGrp="1"/>
+          </p:cNvSpPr>
+          <p:nvPr>
+            <p:ph type="body" idx="2"/>
+          </p:nvPr>
+        </p:nvSpPr>
+        <p:spPr>
+          <a:xfrm>
+            <a:off x="4572000" y="1152475"/>
+            <a:ext cx="3999900" cy="3181200"/>
+          </a:xfrm>
+        </p:spPr>
+        <p:txBody>
+          <a:bodyPr/>
+          <a:lstStyle/>
+          <a:p>
+            <a:pPr marL="139700" indent="0">
+              <a:buNone/>
+            </a:pPr>
+            <a:r>
+              <a:rPr lang="en-US" altLang="zh-CN" sz="1600" dirty="0"/>
+              <a:t>The </a:t>
+            </a:r>
+            <a:r>
+              <a:rPr lang="en-US" altLang="zh-CN" sz="1600" i="1" dirty="0"/>
+              <a:t>baseline environment</a:t>
+            </a:r>
+            <a:endParaRPr lang="zh-CN" altLang="en-US" sz="1600" dirty="0"/>
+          </a:p>
+        </p:txBody>
+      </p:sp>
+      <p:sp>
+        <p:nvSpPr>
+          <p:cNvPr id="5" name="Slide Number Placeholder 4">
+            <a:extLst>
+              <a:ext uri="{FF2B5EF4-FFF2-40B4-BE49-F238E27FC236}">
+                <a16:creationId xmlns:a16="http://schemas.microsoft.com/office/drawing/2014/main" id="{6F93D4C6-6C4A-4527-A8A1-552F2CAA2C07}"/>
+              </a:ext>
+            </a:extLst>
+          </p:cNvPr>
+          <p:cNvSpPr>
+            <a:spLocks noGrp="1"/>
+          </p:cNvSpPr>
+          <p:nvPr>
+            <p:ph type="sldNum" idx="12"/>
+          </p:nvPr>
+        </p:nvSpPr>
+        <p:spPr/>
+        <p:txBody>
+          <a:bodyPr/>
+          <a:lstStyle/>
+          <a:p>
+            <a:pPr marL="0" lvl="0" indent="0" algn="r" rtl="0">
+              <a:spcBef>
+                <a:spcPts val="0"/>
+              </a:spcBef>
+              <a:spcAft>
+                <a:spcPts val="0"/>
+              </a:spcAft>
+              <a:buNone/>
+            </a:pPr>
+            <a:fld id="{00000000-1234-1234-1234-123412341234}" type="slidenum">
+              <a:rPr lang="en" smtClean="0"/>
+              <a:t>23</a:t>
+            </a:fld>
+            <a:endParaRPr lang="en"/>
+          </a:p>
+        </p:txBody>
+      </p:sp>
+      <p:pic>
+        <p:nvPicPr>
+          <p:cNvPr id="6" name="Picture 5">
+            <a:extLst>
+              <a:ext uri="{FF2B5EF4-FFF2-40B4-BE49-F238E27FC236}">
+                <a16:creationId xmlns:a16="http://schemas.microsoft.com/office/drawing/2014/main" id="{BC93CE4C-98C4-4B8E-9D01-D2CE790CFFEC}"/>
+              </a:ext>
+            </a:extLst>
+          </p:cNvPr>
+          <p:cNvPicPr>
+            <a:picLocks noChangeAspect="1"/>
+          </p:cNvPicPr>
+          <p:nvPr/>
+        </p:nvPicPr>
+        <p:blipFill>
+          <a:blip r:embed="rId2"/>
+          <a:stretch>
+            <a:fillRect/>
+          </a:stretch>
+        </p:blipFill>
+        <p:spPr>
+          <a:xfrm>
+            <a:off x="832500" y="2126227"/>
+            <a:ext cx="2945216" cy="1137262"/>
+          </a:xfrm>
+          <a:prstGeom prst="rect">
+            <a:avLst/>
+          </a:prstGeom>
+        </p:spPr>
+      </p:pic>
+      <p:pic>
+        <p:nvPicPr>
+          <p:cNvPr id="7" name="Picture 6">
+            <a:extLst>
+              <a:ext uri="{FF2B5EF4-FFF2-40B4-BE49-F238E27FC236}">
+                <a16:creationId xmlns:a16="http://schemas.microsoft.com/office/drawing/2014/main" id="{4B03E3D1-B60D-4AFD-B4F6-449CEA3A216D}"/>
+              </a:ext>
+            </a:extLst>
+          </p:cNvPr>
+          <p:cNvPicPr>
+            <a:picLocks noChangeAspect="1"/>
+          </p:cNvPicPr>
+          <p:nvPr/>
+        </p:nvPicPr>
+        <p:blipFill>
+          <a:blip r:embed="rId3"/>
+          <a:stretch>
+            <a:fillRect/>
+          </a:stretch>
+        </p:blipFill>
+        <p:spPr>
+          <a:xfrm>
+            <a:off x="4565458" y="2126227"/>
+            <a:ext cx="2920740" cy="1105144"/>
+          </a:xfrm>
+          <a:prstGeom prst="rect">
+            <a:avLst/>
+          </a:prstGeom>
+        </p:spPr>
+      </p:pic>
+      <p:sp>
+        <p:nvSpPr>
+          <p:cNvPr id="8" name="Rectangle 7">
+            <a:extLst>
+              <a:ext uri="{FF2B5EF4-FFF2-40B4-BE49-F238E27FC236}">
+                <a16:creationId xmlns:a16="http://schemas.microsoft.com/office/drawing/2014/main" id="{74BA576C-C565-428B-A71E-2F7FC2599F3F}"/>
+              </a:ext>
+            </a:extLst>
+          </p:cNvPr>
+          <p:cNvSpPr/>
+          <p:nvPr/>
+        </p:nvSpPr>
+        <p:spPr>
+          <a:xfrm>
+            <a:off x="3946258" y="2455200"/>
+            <a:ext cx="460800" cy="86400"/>
+          </a:xfrm>
+          <a:prstGeom prst="rect">
+            <a:avLst/>
+          </a:prstGeom>
+        </p:spPr>
+        <p:style>
+          <a:lnRef idx="2">
+            <a:schemeClr val="accent1">
+              <a:shade val="50000"/>
+            </a:schemeClr>
+          </a:lnRef>
+          <a:fillRef idx="1">
+            <a:schemeClr val="accent1"/>
+          </a:fillRef>
+          <a:effectRef idx="0">
+            <a:schemeClr val="accent1"/>
+          </a:effectRef>
+          <a:fontRef idx="minor">
+            <a:schemeClr val="lt1"/>
+          </a:fontRef>
+        </p:style>
+        <p:txBody>
+          <a:bodyPr rtlCol="0" anchor="ctr"/>
+          <a:lstStyle/>
+          <a:p>
+            <a:pPr algn="ctr"/>
+            <a:endParaRPr lang="zh-CN" altLang="en-US"/>
+          </a:p>
+        </p:txBody>
+      </p:sp>
+      <p:sp>
+        <p:nvSpPr>
+          <p:cNvPr id="9" name="Rectangle 8">
+            <a:extLst>
+              <a:ext uri="{FF2B5EF4-FFF2-40B4-BE49-F238E27FC236}">
+                <a16:creationId xmlns:a16="http://schemas.microsoft.com/office/drawing/2014/main" id="{F77D5FB5-2F7F-4DB5-B565-721D049F4550}"/>
+              </a:ext>
+            </a:extLst>
+          </p:cNvPr>
+          <p:cNvSpPr/>
+          <p:nvPr/>
+        </p:nvSpPr>
+        <p:spPr>
+          <a:xfrm>
+            <a:off x="7614598" y="2401575"/>
+            <a:ext cx="460800" cy="86400"/>
+          </a:xfrm>
+          <a:prstGeom prst="rect">
+            <a:avLst/>
+          </a:prstGeom>
+        </p:spPr>
+        <p:style>
+          <a:lnRef idx="2">
+            <a:schemeClr val="accent1">
+              <a:shade val="50000"/>
+            </a:schemeClr>
+          </a:lnRef>
+          <a:fillRef idx="1">
+            <a:schemeClr val="accent1"/>
+          </a:fillRef>
+          <a:effectRef idx="0">
+            <a:schemeClr val="accent1"/>
+          </a:effectRef>
+          <a:fontRef idx="minor">
+            <a:schemeClr val="lt1"/>
+          </a:fontRef>
+        </p:style>
+        <p:txBody>
+          <a:bodyPr rtlCol="0" anchor="ctr"/>
+          <a:lstStyle/>
+          <a:p>
+            <a:pPr algn="ctr"/>
+            <a:endParaRPr lang="zh-CN" altLang="en-US"/>
+          </a:p>
+        </p:txBody>
+      </p:sp>
+      <p:sp>
+        <p:nvSpPr>
+          <p:cNvPr id="10" name="Rectangle 9">
+            <a:extLst>
+              <a:ext uri="{FF2B5EF4-FFF2-40B4-BE49-F238E27FC236}">
+                <a16:creationId xmlns:a16="http://schemas.microsoft.com/office/drawing/2014/main" id="{7837F4A2-7D8E-4473-BF7E-62BB234F861E}"/>
+              </a:ext>
+            </a:extLst>
+          </p:cNvPr>
+          <p:cNvSpPr/>
+          <p:nvPr/>
+        </p:nvSpPr>
+        <p:spPr>
+          <a:xfrm>
+            <a:off x="7614598" y="2608458"/>
+            <a:ext cx="460800" cy="86400"/>
+          </a:xfrm>
+          <a:prstGeom prst="rect">
+            <a:avLst/>
+          </a:prstGeom>
+        </p:spPr>
+        <p:style>
+          <a:lnRef idx="2">
+            <a:schemeClr val="accent1">
+              <a:shade val="50000"/>
+            </a:schemeClr>
+          </a:lnRef>
+          <a:fillRef idx="1">
+            <a:schemeClr val="accent1"/>
+          </a:fillRef>
+          <a:effectRef idx="0">
+            <a:schemeClr val="accent1"/>
+          </a:effectRef>
+          <a:fontRef idx="minor">
+            <a:schemeClr val="lt1"/>
+          </a:fontRef>
+        </p:style>
+        <p:txBody>
+          <a:bodyPr rtlCol="0" anchor="ctr"/>
+          <a:lstStyle/>
+          <a:p>
+            <a:pPr algn="ctr"/>
+            <a:endParaRPr lang="zh-CN" altLang="en-US"/>
+          </a:p>
+        </p:txBody>
+      </p:sp>
+      <p:sp>
+        <p:nvSpPr>
+          <p:cNvPr id="11" name="Rectangle 10">
+            <a:extLst>
+              <a:ext uri="{FF2B5EF4-FFF2-40B4-BE49-F238E27FC236}">
+                <a16:creationId xmlns:a16="http://schemas.microsoft.com/office/drawing/2014/main" id="{18F6FEEC-E40A-4CF3-9D5F-1D413126E7A5}"/>
+              </a:ext>
+            </a:extLst>
+          </p:cNvPr>
+          <p:cNvSpPr/>
+          <p:nvPr/>
+        </p:nvSpPr>
+        <p:spPr>
+          <a:xfrm>
+            <a:off x="8094371" y="2036735"/>
+            <a:ext cx="569387" cy="923330"/>
+          </a:xfrm>
+          <a:prstGeom prst="rect">
+            <a:avLst/>
+          </a:prstGeom>
+          <a:noFill/>
+        </p:spPr>
+        <p:txBody>
+          <a:bodyPr wrap="none" lIns="91440" tIns="45720" rIns="91440" bIns="45720">
+            <a:spAutoFit/>
+          </a:bodyPr>
+          <a:lstStyle/>
+          <a:p>
+            <a:pPr algn="ctr"/>
+            <a:r>
+              <a:rPr lang="en-US" altLang="zh-CN" sz="5400" dirty="0">
+                <a:ln w="0"/>
+                <a:solidFill>
+                  <a:schemeClr val="accent1"/>
+                </a:solidFill>
+                <a:effectLst>
+                  <a:outerShdw blurRad="38100" dist="25400" dir="5400000" algn="ctr" rotWithShape="0">
+                    <a:srgbClr val="6E747A">
+                      <a:alpha val="43000"/>
+                    </a:srgbClr>
+                  </a:outerShdw>
+                </a:effectLst>
+              </a:rPr>
+              <a:t>?</a:t>
+            </a:r>
+          </a:p>
+        </p:txBody>
+      </p:sp>
+    </p:spTree>
+    <p:extLst>
+      <p:ext uri="{BB962C8B-B14F-4D97-AF65-F5344CB8AC3E}">
+        <p14:creationId xmlns:p14="http://schemas.microsoft.com/office/powerpoint/2010/main" val="3952200957"/>
+      </p:ext>
+    </p:extLst>
+  </p:cSld>
+  <p:clrMapOvr>
+    <a:masterClrMapping/>
+  </p:clrMapOvr>
+</p:sld>
+</file>
+
+<file path=ppt/slides/slide24.xml><?xml version="1.0" encoding="utf-8"?>
+<p:sld xmlns:a="http://schemas.openxmlformats.org/drawingml/2006/main" xmlns:r="http://schemas.openxmlformats.org/officeDocument/2006/relationships" xmlns:p="http://schemas.openxmlformats.org/presentationml/2006/main">
+  <p:cSld>
+    <p:spTree>
+      <p:nvGrpSpPr>
+        <p:cNvPr id="1" name=""/>
+        <p:cNvGrpSpPr/>
+        <p:nvPr/>
+      </p:nvGrpSpPr>
+      <p:grpSpPr>
+        <a:xfrm>
+          <a:off x="0" y="0"/>
+          <a:ext cx="0" cy="0"/>
+          <a:chOff x="0" y="0"/>
+          <a:chExt cx="0" cy="0"/>
+        </a:xfrm>
+      </p:grpSpPr>
+      <p:sp>
+        <p:nvSpPr>
+          <p:cNvPr id="2" name="Title 1">
+            <a:extLst>
+              <a:ext uri="{FF2B5EF4-FFF2-40B4-BE49-F238E27FC236}">
+                <a16:creationId xmlns:a16="http://schemas.microsoft.com/office/drawing/2014/main" id="{663B9FF9-67A6-4C69-A092-D49A7DC7527A}"/>
+              </a:ext>
+            </a:extLst>
+          </p:cNvPr>
+          <p:cNvSpPr>
+            <a:spLocks noGrp="1"/>
+          </p:cNvSpPr>
+          <p:nvPr>
+            <p:ph type="title"/>
+          </p:nvPr>
+        </p:nvSpPr>
+        <p:spPr/>
+        <p:txBody>
+          <a:bodyPr/>
+          <a:lstStyle/>
+          <a:p>
+            <a:r>
+              <a:rPr lang="en-US" altLang="zh-CN" dirty="0"/>
+              <a:t>Step 1</a:t>
+            </a:r>
+            <a:endParaRPr lang="zh-CN" altLang="en-US" dirty="0"/>
+          </a:p>
+        </p:txBody>
+      </p:sp>
+      <p:sp>
+        <p:nvSpPr>
+          <p:cNvPr id="4" name="Slide Number Placeholder 3">
+            <a:extLst>
+              <a:ext uri="{FF2B5EF4-FFF2-40B4-BE49-F238E27FC236}">
+                <a16:creationId xmlns:a16="http://schemas.microsoft.com/office/drawing/2014/main" id="{385B2524-F781-4042-BFE1-176854D5C2C7}"/>
+              </a:ext>
+            </a:extLst>
+          </p:cNvPr>
+          <p:cNvSpPr>
+            <a:spLocks noGrp="1"/>
+          </p:cNvSpPr>
+          <p:nvPr>
+            <p:ph type="sldNum" idx="12"/>
+          </p:nvPr>
+        </p:nvSpPr>
+        <p:spPr/>
+        <p:txBody>
+          <a:bodyPr/>
+          <a:lstStyle/>
+          <a:p>
+            <a:pPr marL="0" lvl="0" indent="0" algn="r" rtl="0">
+              <a:spcBef>
+                <a:spcPts val="0"/>
+              </a:spcBef>
+              <a:spcAft>
+                <a:spcPts val="0"/>
+              </a:spcAft>
+              <a:buNone/>
+            </a:pPr>
+            <a:fld id="{00000000-1234-1234-1234-123412341234}" type="slidenum">
+              <a:rPr lang="en" smtClean="0"/>
+              <a:t>24</a:t>
+            </a:fld>
+            <a:endParaRPr lang="en"/>
+          </a:p>
+        </p:txBody>
+      </p:sp>
+      <p:pic>
+        <p:nvPicPr>
+          <p:cNvPr id="8" name="Picture 7">
+            <a:extLst>
+              <a:ext uri="{FF2B5EF4-FFF2-40B4-BE49-F238E27FC236}">
+                <a16:creationId xmlns:a16="http://schemas.microsoft.com/office/drawing/2014/main" id="{ECBD2007-2503-40D7-B9A5-B289B69B4F45}"/>
+              </a:ext>
+            </a:extLst>
+          </p:cNvPr>
+          <p:cNvPicPr>
+            <a:picLocks noChangeAspect="1"/>
+          </p:cNvPicPr>
+          <p:nvPr>
+            <p:custDataLst>
+              <p:tags r:id="rId1"/>
+            </p:custDataLst>
+          </p:nvPr>
+        </p:nvPicPr>
+        <p:blipFill>
+          <a:blip r:embed="rId3"/>
+          <a:stretch>
+            <a:fillRect/>
+          </a:stretch>
+        </p:blipFill>
+        <p:spPr>
+          <a:xfrm>
+            <a:off x="652459" y="1298058"/>
+            <a:ext cx="7839082" cy="1036800"/>
+          </a:xfrm>
+          <a:prstGeom prst="rect">
+            <a:avLst/>
+          </a:prstGeom>
+        </p:spPr>
+      </p:pic>
+      <p:pic>
+        <p:nvPicPr>
+          <p:cNvPr id="9" name="Picture 8">
+            <a:extLst>
+              <a:ext uri="{FF2B5EF4-FFF2-40B4-BE49-F238E27FC236}">
+                <a16:creationId xmlns:a16="http://schemas.microsoft.com/office/drawing/2014/main" id="{DD877670-9DF9-4588-8DC2-56C9394CF1BE}"/>
+              </a:ext>
+            </a:extLst>
+          </p:cNvPr>
+          <p:cNvPicPr>
+            <a:picLocks noChangeAspect="1"/>
+          </p:cNvPicPr>
+          <p:nvPr/>
+        </p:nvPicPr>
+        <p:blipFill>
+          <a:blip r:embed="rId4"/>
+          <a:stretch>
+            <a:fillRect/>
+          </a:stretch>
+        </p:blipFill>
+        <p:spPr>
+          <a:xfrm>
+            <a:off x="652459" y="2808643"/>
+            <a:ext cx="2945216" cy="1137262"/>
+          </a:xfrm>
+          <a:prstGeom prst="rect">
+            <a:avLst/>
+          </a:prstGeom>
+        </p:spPr>
+      </p:pic>
+      <p:pic>
+        <p:nvPicPr>
+          <p:cNvPr id="1028" name="Picture 4" descr="data:image/png;base64,iVBORw0KGgoAAAANSUhEUgAAAyAAAAJYCAYAAACadoJwAAAgAElEQVR4nO3df7SkeV3Y+TcGMQHCDztIjvijbdgEo7Fnd8Ack8Yw/MjujsAQOZBm0V1ChB5EDf6gRZcwQW0hswwEWAY57KJRE0cUw4Jos3sQg7J7mHYDQVEG26MI6MDRGRJD0F13Z//4PrW3urpu973dt6pu3369zqnTfZ96nqc+VfWpp55PPd8fBQAAAAAAAAAAAAAAAAAAAAAAAAAAAAAAAAAAAAAAAAAAAAAAAAAAAAAAAAAAAAAAAAAAAAAAAAAAAAAAAAAAAAAAAAAAAAAAAAAAAAAAAAAAAAAAAAAAAAAAAAAAAAAAAAAAAAAAAAAAAAAAAAAAAAAAAAAAAAAAAAAAAAAAAAAAAAAAAAAAAAAAAAAAAAAAAAAAAAAAAAAAAAAAAAAAAAAAAAAAAAAAAAAAAAAAAAAAAAAAAAAAAAAAAAAAAAAAAAAAAAAAAAAAAAAAAAAAAAAAAAAAAAAAAAAAAAAAAAAAAAAAAAAAAAAAAAAAAAAAAAAAAAAAAAAAAAAAAAAAAAAAAAAAAAAAAAAAAAAAAAAAAAAAAAAAAAAAAAAAAAAAAAAAAAAAAAAAAAAAAAAAAAAAAAAAAAAAAAAAAAAAAAAAAAAAAAAAAAAAAAAAAAAAAAAAAAAAAAAAAAAAAAAAAAAAAAAAAAAAAAAAAAAAAAAAAAAAAAAAAAAAAAAAAAAAAAAAAAAAAAAAAAAAAAAAAAAAAAAAAAAAAAAAAAAAAAAAAAAAAAAAAAAAAAAAAAAAAAAAAAAAAAAAAAAAAAAAAAAAACtwpDq+6SAAAICD7Uh1a3VPdXrDsQAAAFeJsylAAACANTmdAgQAAFgTBQgAAFxFDlUnqpPVsZZ3CD863X9y+v+i66dtm/49Off3oiMLj6cAAQCAq8SR6q5GZ/CTjf4Y9yysc6pRIJyc/r1n+n+NYmR+2a3T37P9XL+wr+PT8lun/d413RQgAABwFZgVFTOHGsXDzPHOLw5mBceR6e9jbY1kNVt2qPNHt5qtN3+F5eiS9QAAgAPqeOMKxHyzqvmmU2fauvoxuy1eBTm28PfMYtOq2zq3uFl8DAAA4CpwqlFA3Nb5/TZmVydOLrnN9/nYSQGy3ZUOfUAAAOAqszgp4KFp+bLCYn6bUoAAAAA7tHjFY9Yn48T095lGs6lDC+sdaasvx04LkFmH80UKEAAAuEqc7Pxhd8+2VUycbBQXZ9rqJ3Kk0VxrVpRcqAA5M/f3rKnXqYX1ZkUOAABwwM0KjNva6mB+tq3mVbXVNGt2m++0fmzadrb85LTtqbn1T03LDrXVgX3Wr+RUowCZXw8AADigjrU1ceDsashic6vamojwROcWCfPbzm5Htlk2c33nXnk5nsIDAAAAAAAAAAAAAAAAAAAAAAAAAAAAAADgIHl49bzqpuqN1durX6s+2Zgo75PT32+f7r9pWv/hmwiWfUPeUPKAc8kHALZ1bePAf6a6s7qjell1Y/WU6tHVw6p7T/8+elp+47TeHdN2Z6b9XLve8Pfc4cZEgc9sPMfvrX64en31k9U7ql+pPlR9rPpM48v0M9PfH5ruf8e0/uun7b932t8zp/0fXs/TWRl5Q8kDziUfANjWA6tXVGerj1SvrB57mft87LSfj0z7fcX0OPvV/aqva/zi9rrql6u7qo9Xn65+qvqR6p9V31+9oHpW9aTqMdXXVF9ePaj6vOnfL5+WP2Za71nTdt8/7edHpv1+enqcu6bHfd0Ux9dNce1X8oaSB5xLPgBwUS+q7q7eUF2zosc4Ou3/7unxNu0R1d9v/KL2s41f2f608Svbm6sXVo+vvmjNcX3R9LgvnOI4M8V1xxTnTVPcj1hzXMtcjXnD+eQB8+QDABf0nMYvSW9pdV8Ui66ZHu/s9Pjr9HcaTZ/+XeNqwzuqU9Xx6qvWHMtufVUjzlONuD/eeB4/3Hhe63S15Q3LyQPmyQcALuhw9d7q3Y1f2zfh8dPjv7fV9X34C422xG+sPlF9sHECv+4T9lX5243n88HG83tj4/n+hV3s41/vYt3DXR15w4UdTh6w5XDyAYCLeFxjpJEX72Kba6qXtLNRS17S7n79evG0j8ftYpsL+aLqHzaaK32u8aX03dVf36P971d/vfquxvP9XPUzjdfhQk3Intp4D2/awf4Pet6wM/KAefIBgIt6bqM/wdN3sO511S2NDn8frV7dzkYtefW0/kem7a/bwWM9fYrruTt/Kue4d/Vt1XuqzzYuyf931V+5xP1d6f5K4/m/pfF6vKfx+tx7Yb0PNL707+nCvxoe1Lxhd+TBeh2bbvuVfADgol5efbiLD2F4Q/X+6vbqpTtYfzvXTtvfPu3vhh2s/+Epzp36skYTpD9unGw/qbrXriM92O7VeF3e0nidTjVet9nVj9ltu6ZYBzFv2D15sD5Hq9san8uTG45lO/IBgIt6eWMc9QdfYJ1j1Tsb/QmesceP/4xpv+/swr/oPbgR58W+NP5W9aPVn1X/vHrkHsR4NXhk4/X6s0Yxcs/C7akL6x+0vOHSyIP1O9r+LUDkAwAX9dzGL0EX+rK4pTGq0vNXHMvzp8e55QLrPLgR77LL50+tTle/25jEzxjwl+bFnV983NN4XWcOUt5w6eTB5uzHAkQ+AHBRj2u0hd3usvcDqrdVb63uu6aY7js93tumx1/m2kbcj2tM6PetjSFn//fqv11DjAfZgxqFxrIC5J7qOzsYecPlkwebtd8KEPkAwEUdbowGsl0HwWuqD1U3ryugBTdPj7/dCCdPr/5DY2bwn62esKa4Drqb2r74uKf6f6tPdWXnzSfb3FCcRxvztTT9e2LJ/Sen29EL7GO2zpEVxLgTh7vyjx+bzIPjXfx9PjS33vEl9y8WICcXbut0OPkAwA68t+2HRrymMTrSjesLZ6kbpzi2+9J4dWNIRvbOq+duL6yeXT228R4crn6zKz9vXtzI/3U6VN3aOGk83ThBvGv6e9ZO/dTcfac7/wTz0LR8cZ1lJ6erdhCOH5vKgzPTbbv3ucZ7eraRE6cauXJm2n5mcbtZx/TTrb8AkQ8AXNRzGvNBLPOAxi9Fm/6ymLmxEc92l8/fnRlu10XeXL57GieTR9v6hbvp39ML685OTmdXOW5dss5sf+skDy7dic4tOmsUGvPv65El65ycls1fMZsvQGbF6SaG5ZUPAOzI2bafkfZtbe4y+XZubsS1zOMbz4fVkzeXb/YL9aIzbf1yPbvN/zo+OyldvNpx/XRbJ3lw6Q413s/ZlYxjnV+A3LokpsXtais3jk3bHGoz5AMAF/WixpwPy9zS6LC3H7217UczeUvjebE68mZvbFeAzDedWbzNJpxb/FV8E+TB3pg1sbqt8wuQ0y3PkUWznLmnUYBsgnwA4KIeWN3d8jawxxpDFq5rdJLdum8jvmUnYNc0npdhd1dD3uydCxUg27XbP9JWAbKsv8eh1tMZXR5cvlkfkNvaes8WC47Tbf8r/HyH9VnOzPoWrbsvkHwAYEdeUb1hm/ve2erHZb9cz2/EucwbGs+PvSdv9s6FmmCd7fxmNEcaJ5azJljLtl0cSWtV5MHlu63z++wsFiCzgmLx5Hi+z1CdW7RuogiRDwDsyNmWD/l4Q2Pm2CvBBxvxLrombXdXRd7snXsaxcaik3P3zV7rI40T1llRMt/cZrbsRGOUpHWQB5dv9h7O3r8j0+POcuJQW1e77mqrCDkybXtk7u/Fq2ZnWm8RcqF8+MCaYrhcm84HgAPv2uoj29z3/uoZa4zlcjyjEe8yH2n7SbC4NPJmbxxp61fqWRGx2Gxq/v750bJmZs135tc53Xo6H8uDvTErNO9qvHezoZcXC8vjnZ8Ls8Li2Nw2d7VVhNzWufm1yv5C8gGAHbmpeuWS5ddVt685lst1eyPuRa9sPE/2jrzZG0c6v3P5sn4bs0kGT2xzf21NTrfO0a/kwd6ZvX+zAuFo4/1e1vxuWS4ca/mkg8sGL1gV+QDAjpxpTCi36JbqpesN5bK9tOUjmDy25c1buHTyhpIHnEs+AHBRD6/u3Oa+VV1mvr7xK9wq2iNf6PL/nY3ny+XbRN7U1rCze03eXJp158H81SJ5sP9sMh+W9Tm5XPIBYEWeV92xZPk11Uf3+LFmM/KebXxhnJlue91O/aMtH/7xjsbz5fKtM29qFKuzPg7bDUl7ueTN7q0zDxb7Pqyqn4s8uHTrzofZPCl3df5s8HtFPgCswE3Vy5Ysf0n16j1+rFONL4rZCcOhtibc2kuvbsS/6GVpt7tX1pk3NXLl+lZbgMib8y078Zq3rjw40ihAjy38vYp8kAfb20/5MD/B4uy7ZH4Usb0iHwBW4I3VjbtYfqlmQ0MuDgs6G/llLy+f39iIf6fL2b115c282RCkqypA5M35bmoMm7rdiee68mBZx/wLzX9yOeTB9vZLPiwbhGEV3yUlHwBW4u3VU3ax/FKdaHw5LI7Os4qTyqc04t/pcnZvXXkzb9UFiLw5301tNXda9gv2uvJgu/4eixP17QV5sL39kg/LnGo1HcPlA8AK/Fr16F0sv1SzcegXTyRmJ5V7eRLx6Eb8O13O7q0rb+atugCRN+ebP+G8p7q7evbc/ZvIg3mz/mR7SR5sb7/mw7G2n/zwcskHgBX4ZPWwXSy/VLPJsdZRgDysEf9Ol7N768qbeasuQOTN+RZPOGe3D1SH20wezBzt3D5le0UebG+/5cP8xIvzfYT2knwAWIF7qnvvYvmlWmcB8nnV9+xiObu3rryZt+oC5EJ5866Wn3i5rT8PZk63mgkX5cGVkw+ziRdnAxLc094XIb5PAFZgv1wB2cuRsPxitXqugFwdbmr5SeZ7Gh2RN3UF5ESrmUeo5MGF7Nd8qK1hmvd6VEX5ALAC62qzOxuhZPEXy1UMrarN7urpA3J1WDzhvLt6YfWg6f5N5MH1nT+a3l6SB9vbj/kw70x7PyiBfABYgXWNWrLdMLynpuXLhlW8VEYtWT2jYF0d5k8439No5z9v3XlwtNUWHyUPLmS/5cOiW9v7KyDyAWAF1jmfw60tn4jw1m23uDTGbV8984BcHW5qdDB+6jb3rzMPjrW8+DiSeYTWZb/kw9HOb4J3qPH9Yh4QgCvATa1vRutDjUvkZxonkWcbl8vNXHvlWWfe1LkdTVcx9GrJm2UOt9W8Zpl15cGsff92t73seCwPtne4/ZEPt3busWA2B8gqRsGSDwAr8LzqjiXLr6k+uqLHPN740ljFCDY14l42U+8djefL5Vt33pxccttr8mb31pUHy97/2e3EHj5OyYPLsa58ONTW98jJVlN4zMgHgBV4eHXnNvd9pLp2jbHshWsbcS9zZ+P5cvnkDSUPOJd8AGDHzlSPXbL8luql6w3lsr20EfeixzaeJ3tH3lDygHPJBwB25KbqlUuWX1fdvuZYLtftjbgXvTLtdfeavKHkAeeSDwDsyIUuM7+/esYaY7kcz2jEu8yVePl/v5M3lDzgXPIBgB072/KOdjdUH1xzLJfqg414Fx1tPL8LudDILmzvas8bBnnAPPkAwI68onrDNve9s3r+GmO5FM9vxLnMGxrPb+ZBjTa8NzUm07q77ce158Kuprxhe/KAefIBgB15YONEfNmvVseqj1f3XWtEO3ffRnzLhmK8pvps9ZbqXzYm0VqcQ+DuXAG5FA9uDIH6f7V8SOUrPW/ubnwuuLiDfPyQB7snHwDYsRc1TtSXuaV66xpj2Y23tnykkhrP56e78CRmq5g476D6iurbq3c1Co+fa7zGBzFvXrTGWA6Cg3r8kAeXRj4AsGNnq8dvc9/bqpvXGMtO3NyIa5nHt9VW96ltX4A8d8UxXun+8+qfNDpkfrp6c/WN1X3m1jmoecPuyAPmyQcAduQ51bu3ue8B1YeqG9cXzgXd2IjnAdvc/+7G85n50c4vPj7dmOn2jsavXk/M5fUHNl6HWxqvy0erV1WPu8A2Bzlv2Dl5wDz5AMCOvbd68Tb3zfpUbPpL48YpjmVtjGvE/94ly9/TuQXIbCz3/6Ix6dS/qT5X/bvqTdW3VF+zZ1HvT1/TuAr0psbz/lzjdXhp43XZqYOcN+ycPGCefABgRw5Xn6yevs391zR+KdrU5fObp8ff7svi6Y34Dy+570HV77ZVgGy3j0dVL6j+RWPM989U/2v1g9WTq4deWugb99BG/D/UeD6faTy/f9F4vo+6jH0f7uDmDTt3OHnAlsPJBwB26HHVn7b9ZEsPaLSVfWvrG83kvtPjva3tL5Nf24j7Qs2FrmkUHx/YxWM/pPqG6geq042RUH6vcUXlRxtXC765MXLKw3ax31V42BTHNzfienMjzt9rxH268Ty+ofG89tJBzht2Th4wTz4AsGPPrT7cGG51O7c0hixc9bjuz58eZ7vRSWrE+eF21qn8qW01v7pUX9H4YvpHjSsKP1m9r/qDxpfWb1W/UL2+cQn/2xttiP9B9aTquuprq69q/Lr2kLa+fO87/X14uv9rp/WfNG3/nGl/L572/wvT4/3p9Pjvm+L5oSm+x03xrsNBzht2Th4wTz4AsGMvr+7swl8axxqTNn2gesYeP/4zGjPSvrPl47LPPLgR58t3se9Vzv1x30bh8KTq2xoTV72ucTXip6ufr36pMbLUbzSahX260Q75nunfT0/Lf2Na75em7X562s/rpv1+2/Q4X9X+GVv/IOcNOycPmPfy6lPJBwB24OWNX4K2u3w+c0PjRPn2RtOfi62/nWun7W+f9nfDDtb/cOPX/59rXN04fImPvR/ca9MB7JErJW+cZKyWPGDmm6s/Tz4AsEPPbZzgb9eRcN51jUvbH2kM4frqxigjT6ke3eijcO/p30dPy2+c1vvotN0t034u5ulTXM9tNDdaHGb3X0/7vdKLkivVlZA3rJ484DsbzZ7+dvIBgF14XGM0kO2GVFzmmuol1Rurt1e/Nu3jnunfX5uWv3Fab7uRSJZ58bSPWQfBB3XhGc/vThGyCfs9b1gPeXD1+uFGk6r/bG6ZfABgxw43xkN/d9vPcLtqj58e/72dX1DMD7G7WHzs5suIvXW4/Z03rMfh5MHV5k2NIb+X9fs4nHwAYBeeU52t3tL6TuyvmR7vbNvPSLtstvO7G02w2Lz9mjeslzw4+O7TaAL7L3ewrnwAYFde1DjBf0N1dEWPcc20/7unx7uQZ3du8TEbDveLVxQbl2a/5Q2bIQ8Opi+ufrV6zS63kw8A7NgDG8PBnm10+Htl9djL3Odjp/18ZNrvK6bHuZj5fiCzKx8vqe5odV9o+82R6vimg9iB/ZQ3bI48OFiONo63L7nE7eUDALt2bWOCvzONcdTvqF7WzkYtedm0/p3T9jd1aUMvzvqBPHtu2Y3VXdUTLmF/V4oj1a2N5356w7Hs1n7IGzZPHlzZnlD9cXVij/YnHwDYtYdXz2sc+HcyaslN0/oPv8zHfXX1wiXLn9YYg/5Zl7n//e5sV14BMm9TecP+Ig+uLM9qHF+ftqL9ywcA9rULzXD+mOp3Gr+OHVSnu7ILEODK8rLGcfUxmw4EAParh1a/WP1UY6SWg0YBAqzDfRrH0V9sHFcBgIt4TfV/Vl+9x/s91GgDfbI61vIO4Uen+0+2vHP89dO2Tf+enPt70ZGFx1OAAKv21Y3j525HugKAq94Lqj+pvnGP9nek0dn91kZBcLbRPnneqUaBcHL6957p/zWKkfllt05/z/Zz/cK+jk/Lb532e9d0U4AAq/KNjePmCzYdCABcqZ7Y6MD44j3Y16yomDnUKB5mjnd+cTArOI5Mfx9raySr2bJDnT+61Wy9+SssR5esB7BXXtw4Xj5x04EAwJXuy6v3VG++zP0cb1yBmG9WNd906kxbVz9mt8WrIMcW/p5ZbFp1W+cWN4uPAbCX3tw4Tn75pgMBgIPkjY0ZfB9xGfs41Sggbuv8fhuzqxMnl9zm+3zspADZ7kqHPiDAXnpE47j4xk0HAgAH1XdXn66edBn7WJwU8NC0fFlhMb9NKUCA/eNJjePhd286EAA46J5cfaL6wV1ut3jFY9YnYzYz8JlGs6lDC+sdaasvx04LkFmH80UKEGAv/GDjOPjkTQcCAFeLh1Zvrf63dt4k62TnD7t7tq1i4mSjuDjTVj+RI43mWrOi5EIFyJm5v2dNvU4trDcrcgAuxSMax723Zn4PANiIk9V/qJ61w3Vn/T9mHczPttW8qraaZs1u853Wj03bzpafnLY9Nbf+qWnZobY6sM/6lZxqFCDz6wHs1LMax7vtmooCAGvy9dWHq9ddZL1jbU0cOLsastjcqrYmIjzRuUXC/Laz25Ftls1c37lXXo6n8AB273WN49zXbzoQAGD4gsYwlLdXj9pwLAB75VGN49qbG8c5AGCfeV71/2QWYODK94LG8ex5mw4EALiwo9X7qh+v7r/hWAB26/6N49f7OnfiVABgn3tVo5P5DZsOBGCHbmgct1616UAAgEvzlOqj1Y9U99twLADbuV/1hsbx6ikbjgUAuEz3qV5b/V71tM2GAnCepzWOT69tHK8AgAPi+uo3q/+peuCGYwF4YON49JuN4xMAcADdq9G2+hOdPys6wLocbxyHXtU4LgEAB9wTqw9VP9byyQgBVuFQ47jzoervbTYUAGATbq7urL5p04EAB943NY43N286EABgs66r/m31luqRG44FOHge2Ti+/NvG8QYAoKrvq/7v6gc2HQhwYLyscVz5vk0HAgDsT4cbMxD/dvXMzYYCXMGe2TiO/HjjuAIAcEH/dXWment1zYZjAa4c1zSOG2caxxEAgF35zuo/Vv+s+oINxwLsX1/QOE78x8ZxAwDgkv3V6k3V71fP3mwowD707Mbx4U2N4wUAwJ64rvqV6l3VYzYcC7B5j2kcD34lo1sBACv0rdXHqp+qjm44FmD9jjY+/x9rHA8AANbie6u7qzdWX7HhWIDV+4rG5/3uxucfAGDt/nJ1qvrz6n+oDm02HGAFDjU+33/e+Lz/5c2GAwBQD6teV322+ifV5282HGAPfH7j8/zZ6rWNzzkAwL7yldWPVX9Y/ePNhgJchn/c+Bz/WONzDQCwr/2t6ueqO6obNxwLsHMnGp/bn2t8jgEArihPqN7WGC3nRdVf3Gw4wBJ/sfH5/Fjj8/qEzYYDAHD5vrb6icboOT9QPWSz4QCNz+EPND6XP9H4nAIAHChfWb2+MZrOP68evtlw4Kr08OrVjc/hrenjAQBcBb6kekVjdJ3/ubpms+HAVeGaxufts43P35dsNhwAgPV7QPXfV3dWb6n+7mbDgQPp7zY+X3c2Pm8P2Gw4AACbd6/qO6rfqN7fGInHXCJw6T6/8Tl6f+Nz9R2NzxkAAAuur362+veNdup/c7PhwBXlaxqfm3/f+Bxdv9lwAACuHEeqH6o+Wf1i9YzNhgP72jMan5NPNj43RzYbDgDAle2bqndXv1u9NJ1nocbn4KWNz8W7G58TAAD20KMaw/h+rvpX1ZM3Gw5sxJMb+f+5xufh2s2GAwBw8N2vekH1b6o/aMwp8nUbjQhW6+saef4Hjbx/QeNzAADAmj2y0Qzlw9WvVy+p/tpGI4K98dca+fzrjfx+aSPfAQDYJ45Vr23Md/Ce6vnVF240ItidL2zk7XsaefzaRl4DALDP3dBoJ//n1c80RgnSZIX96H6N/PyZRr7+q0b+AgBwBbp/9Y+qn6/uqd5R3Vh96SaD4qr3pY08fEcjL3++kaf332RQAADsrftX/6D68equ6n3V91dHNxkUV42jjXx7XyP/fryRj4oOAICrxBMbIwudrX6remV13UYj4qC5rpFXv9XIs9c08g4AgKvctdVN1e3Vp6qfqL6lesQmg+KK84hG3vxEI49ub+SVuToAANjWkcZJ5E9Wn6h+u3pT9azqYRuMi/3nYY28eFMjTz7RyJtvaeQRAADs2t+svr362eqPGvMyvK56WnVog3Gxfoca7/vrGnnwR428+PZGngAAwJ57dPWi6p3VZxvNbF5TfXMmijtoHtl4X1/TeJ8/23jfX9TIAwAAWLuvr76nuq36ncYIR++qTlVPrb5kc6GxC19S/f3G+/auxvv4O4339Xsa7zMAAOw7D62eVP3TxvwOn6o+Vr21+r7qCdUXbSo4qvH6P6Hxfry18f58qvF+/dPqGxrvIwAAXJEeUR1vDMn6y9UfV3dO/39D9R3V38sEiXvtSxuv63c0Xudfbrzufzz9/5WN9+XhmwkPAADW54urx1ffVv2P1burP6g+U/0f1Zurk9WTq6/MhHXbuX/j9Xly4/V6c+P1+0zj9Xx39frG6/z4xusOAABMDlXHGkO53lL9QnVH9Z8aoy59oHp7o2j53uq/qR5THa4+b/3hrtTnNZ7XYxrP83sbz/vtjdfhjxqvyx2N1+lV1XMbr58RygAA4DI9pDGp3VMbQ7/eXP1U9avV71f3VB9vjNj0rum+11c/VH1X9Q+rGxodqr+6MY/FX1pT7H9peryvnh7/hime75rie/0U77um+D8+PZ/fr9433Xdz43k/tfE6PGRNsQMAAEvcq/qy6mur/6p6ZvWC6iWNqwM/Wv0v1Xsb81h8snEF4c+qP2n0jfjDRqfs365+s/pgoyD41eqXqtONfhSnp79/dbr/g9P6vz1t/4fT/v5k2v9/mh7v16fHf9sUzy1TfN86xftfTvF/2fR8AACAA+Y+jb4UX1j91cbJ/yOqv1Edbcx58Xeq6xoFwpOnf6+blj96Wu9vTNt92bSfL5z2e5/1PRUAAAAAAAAAAAAAAAAAAAAAAAC4iEPViU0HAQAAHHwnqrsakw0CAAD8/46taL+3pQABAADmHGoUCqtwMgUIAAAw51R1ekX7VoAAAMABcaTRz+Lkktuhbda7fmEfswLh7PT/4wvbnZxbfqjlrp/WObFkncUC5NhCnKtq+gUAAOyh440T+1sbJ/Jnp79Pd24Bcrw6My27dW6d2qssMjkAAAWGSURBVCowlhUgs/2fmm53Tbf5AuPotN18DHdNy2eWFSCzfZ1KAQIAAPveocYJ/K1zy450bnExW7ZYNMwKgvkrHYvbNW03v2xWkMwXDLOiZebYtM58f5LFAuT4FPd2V1MAAIB9Znaif3Jh+ZnOLRpOtVUkzG6LV0Fa8neNZlWz5lqHpn3NFyCzguTIwnYnWn4FZLaPxSZgAADAFeBso+CYt3hV5HTnFyDzfTpmlhUgNYqLW6d9zIbTnRUgO+1cPlvvdOc3zwIAAK4QRxqFwazPx+lGQTLftOl0249uNX/lYlkBcrxRMMwKldlVl8UCZPEKSC2/AnJ02t9ijAAAwBXg+sbVieNtP0rVrNnUsqsO8823FguQo9OyE3PLFguQWROsxWZgLWw3f6VEEQIAAFeou9oaxvZYy4uMWdFwV+f257h1Yf1ZUTDbZrbdqbl1ZoXE9dM+Zh3h5wuV2b7n+3nM+pzMXD/9rQgBAIAryJnGifzibb7ZVG1dqZi/He9cs/4dZxpFx3xxMevYfqKt4XpnBcbRufVmt/mi5dTc/be1VdzcNbevZVdQAACAfeZEo5BYnIjwtsYJ/rz5iQiXXSk5NLe/+W0WJxc80fnzdsy2XbbvxY7vswJkcTkAALCPzfp/bOe2C9wHAACwK7MheJf1obg+VxUAAIA9NBsidzZ61ex2JsUHAACwAofautqx3TC8AAAAAAAAAAAAAAAAAAAAAAAAAAAAAAAAAAAAAAAAAAAAAAAAAAAAAAAAAAAAAAAAAAAAAAAAAAAAAAAAAAAAAAAAAAAAAAAAAAAAAAAAAAAAAAAAAAAAAAAAAAAAAAAAAAAAAAAAAAAAAAAAAAAAAAAAAAAAAAAAAAAAAAAAAAAAAAAAAAAAAAAAAAAAAAAAAAAAAAAAAAAAAAAAAAAAAAAAAAAAAAAAAAAAAAAAAAAAAAAAAAAAAAAAAAAAAAAAAAAAAAAAAAAAAAAAAAAAAAAAAAAAAAAAAAAAAAAAAAAAAAAAAAAAAAAAAAAAAAAAAAAAAAAAAAAAAAAAAAAAAAAAAAAAAAAAAAAAAAAAAAAAAAAAAAAAAAAAAAAAAAAAAAAAAAAAAAAAAAAAAAAAAAAAAAAAAAAAAAAAAAAAAAAAAAAAAAAAAAAAAAAAAAAAAAAAAAAAAAAAAAAAAAAAAAAAAAAAAAAAAAAAAAAAAAAAAAAAAAAAAAAAAAAAAAAAAAAAAAAAAAAAAAAAAAAAAAAAAAAAAAAAAAAAAAAAAAAAAAAAAAAAAAAAAAAAAAAAAAAAAAAAAAAAAAAAAAAAAAAAAAAAAAAAAAAAAAAAAAAAAAAAAAAAAAAAAAAAAAAAAAAAAAAAAAAAAAAAAAAAAAAAAAAAAAAAAAAAAAAAAAAAAAAAAAAAAAAAAAAAAAAAAAAAAAAAAAAAAAAAAAAAAAAAAAAAAAAAAAAAAAAAAAAAAAAAAAAAAAAAAAAAAAAAAAAAAAAAAAAAAAAAAAAAAAAAAAAAAAAAAAAAAAAAAAAAAAAAAAAAAAAAAAAAAAAAAAAAAAAAAAAAAAAAAAAAAAAAAAAAAAAAAAAAAAAAAAAAAAAAAAAAAAAAAAAAAAAAAAAAAAAAAAAAAAAAAAAAAAAAAAAAAAAAAAAAAAAAAAAAAAAAAAAAAAAAAAAAAAAAAAAAAAAAAAAAAAAAAAAAAAAAAAAAAAAAAAAAAAAAAAAAAAAAAAAAAAAAAAAAAAAAAAAAAAAAAAAAAAAAAAAAAAAAAAAAAAAAAAAAAAAAAAAAAAAAAAAAAAAAAAAAAAAAAAAAAAAAAAAAAAAAAAAAAAAAAAAAAAAAAAAAAAAAAAAAAAAAAAAAAAAAAAAAAAAAAAAAAAAAAAAAAAAAAAAAAAAAwEX8f+wA1zCLGjWOAAAAAElFTkSuQmCC">
+            <a:extLst>
+              <a:ext uri="{FF2B5EF4-FFF2-40B4-BE49-F238E27FC236}">
+                <a16:creationId xmlns:a16="http://schemas.microsoft.com/office/drawing/2014/main" id="{0BC72BCD-CF0E-4F5B-9703-33EBB7A07484}"/>
+              </a:ext>
+            </a:extLst>
+          </p:cNvPr>
+          <p:cNvPicPr>
+            <a:picLocks noChangeAspect="1" noChangeArrowheads="1"/>
+          </p:cNvPicPr>
+          <p:nvPr/>
+        </p:nvPicPr>
+        <p:blipFill rotWithShape="1">
+          <a:blip r:embed="rId5">
+            <a:extLst>
+              <a:ext uri="{28A0092B-C50C-407E-A947-70E740481C1C}">
+                <a14:useLocalDpi xmlns:a14="http://schemas.microsoft.com/office/drawing/2010/main" val="0"/>
+              </a:ext>
+            </a:extLst>
+          </a:blip>
+          <a:srcRect l="10224" t="21664" r="28374" b="45620"/>
+          <a:stretch/>
+        </p:blipFill>
+        <p:spPr bwMode="auto">
+          <a:xfrm>
+            <a:off x="5040001" y="2768956"/>
+            <a:ext cx="2945216" cy="1176949"/>
+          </a:xfrm>
+          <a:prstGeom prst="rect">
+            <a:avLst/>
+          </a:prstGeom>
+          <a:noFill/>
+          <a:extLst>
+            <a:ext uri="{909E8E84-426E-40DD-AFC4-6F175D3DCCD1}">
+              <a14:hiddenFill xmlns:a14="http://schemas.microsoft.com/office/drawing/2010/main">
+                <a:solidFill>
+                  <a:srgbClr val="FFFFFF"/>
+                </a:solidFill>
+              </a14:hiddenFill>
+            </a:ext>
+          </a:extLst>
+        </p:spPr>
+      </p:pic>
+      <p:sp>
+        <p:nvSpPr>
+          <p:cNvPr id="10" name="Arrow: Right 9">
+            <a:extLst>
+              <a:ext uri="{FF2B5EF4-FFF2-40B4-BE49-F238E27FC236}">
+                <a16:creationId xmlns:a16="http://schemas.microsoft.com/office/drawing/2014/main" id="{C2915E4A-3F62-480C-AFE5-1B99B0A894A2}"/>
+              </a:ext>
+            </a:extLst>
+          </p:cNvPr>
+          <p:cNvSpPr/>
+          <p:nvPr/>
+        </p:nvSpPr>
+        <p:spPr>
+          <a:xfrm>
+            <a:off x="3823200" y="3160800"/>
+            <a:ext cx="1058400" cy="288000"/>
+          </a:xfrm>
+          <a:prstGeom prst="rightArrow">
+            <a:avLst/>
+          </a:prstGeom>
+        </p:spPr>
+        <p:style>
+          <a:lnRef idx="2">
+            <a:schemeClr val="accent1">
+              <a:shade val="50000"/>
+            </a:schemeClr>
+          </a:lnRef>
+          <a:fillRef idx="1">
+            <a:schemeClr val="accent1"/>
+          </a:fillRef>
+          <a:effectRef idx="0">
+            <a:schemeClr val="accent1"/>
+          </a:effectRef>
+          <a:fontRef idx="minor">
+            <a:schemeClr val="lt1"/>
+          </a:fontRef>
+        </p:style>
+        <p:txBody>
+          <a:bodyPr rtlCol="0" anchor="ctr"/>
+          <a:lstStyle/>
+          <a:p>
+            <a:pPr algn="ctr"/>
+            <a:endParaRPr lang="zh-CN" altLang="en-US"/>
+          </a:p>
+        </p:txBody>
+      </p:sp>
+    </p:spTree>
+    <p:extLst>
+      <p:ext uri="{BB962C8B-B14F-4D97-AF65-F5344CB8AC3E}">
+        <p14:creationId xmlns:p14="http://schemas.microsoft.com/office/powerpoint/2010/main" val="1831228608"/>
+      </p:ext>
+    </p:extLst>
+  </p:cSld>
+  <p:clrMapOvr>
+    <a:masterClrMapping/>
+  </p:clrMapOvr>
+</p:sld>
+</file>
+
+<file path=ppt/slides/slide25.xml><?xml version="1.0" encoding="utf-8"?>
+<p:sld xmlns:a="http://schemas.openxmlformats.org/drawingml/2006/main" xmlns:r="http://schemas.openxmlformats.org/officeDocument/2006/relationships" xmlns:p="http://schemas.openxmlformats.org/presentationml/2006/main">
+  <p:cSld>
+    <p:spTree>
+      <p:nvGrpSpPr>
+        <p:cNvPr id="1" name=""/>
+        <p:cNvGrpSpPr/>
+        <p:nvPr/>
+      </p:nvGrpSpPr>
+      <p:grpSpPr>
+        <a:xfrm>
+          <a:off x="0" y="0"/>
+          <a:ext cx="0" cy="0"/>
+          <a:chOff x="0" y="0"/>
+          <a:chExt cx="0" cy="0"/>
+        </a:xfrm>
+      </p:grpSpPr>
+      <p:sp>
+        <p:nvSpPr>
+          <p:cNvPr id="2" name="Title 1">
+            <a:extLst>
+              <a:ext uri="{FF2B5EF4-FFF2-40B4-BE49-F238E27FC236}">
+                <a16:creationId xmlns:a16="http://schemas.microsoft.com/office/drawing/2014/main" id="{13E901D7-5EC1-4987-97B5-461563099503}"/>
+              </a:ext>
+            </a:extLst>
+          </p:cNvPr>
+          <p:cNvSpPr>
+            <a:spLocks noGrp="1"/>
+          </p:cNvSpPr>
+          <p:nvPr>
+            <p:ph type="title"/>
+          </p:nvPr>
+        </p:nvSpPr>
+        <p:spPr/>
+        <p:txBody>
+          <a:bodyPr/>
+          <a:lstStyle/>
+          <a:p>
+            <a:r>
+              <a:rPr lang="en-US" altLang="zh-CN" dirty="0"/>
+              <a:t>Step 2</a:t>
+            </a:r>
+            <a:endParaRPr lang="zh-CN" altLang="en-US" dirty="0"/>
+          </a:p>
+        </p:txBody>
+      </p:sp>
+      <p:sp>
+        <p:nvSpPr>
+          <p:cNvPr id="4" name="Slide Number Placeholder 3">
+            <a:extLst>
+              <a:ext uri="{FF2B5EF4-FFF2-40B4-BE49-F238E27FC236}">
+                <a16:creationId xmlns:a16="http://schemas.microsoft.com/office/drawing/2014/main" id="{2D477406-D0F4-4A13-AC4F-5C4F2DDE7D21}"/>
+              </a:ext>
+            </a:extLst>
+          </p:cNvPr>
+          <p:cNvSpPr>
+            <a:spLocks noGrp="1"/>
+          </p:cNvSpPr>
+          <p:nvPr>
+            <p:ph type="sldNum" idx="12"/>
+          </p:nvPr>
+        </p:nvSpPr>
+        <p:spPr/>
+        <p:txBody>
+          <a:bodyPr/>
+          <a:lstStyle/>
+          <a:p>
+            <a:pPr marL="0" lvl="0" indent="0" algn="r" rtl="0">
+              <a:spcBef>
+                <a:spcPts val="0"/>
+              </a:spcBef>
+              <a:spcAft>
+                <a:spcPts val="0"/>
+              </a:spcAft>
+              <a:buNone/>
+            </a:pPr>
+            <a:fld id="{00000000-1234-1234-1234-123412341234}" type="slidenum">
+              <a:rPr lang="en" smtClean="0"/>
+              <a:t>25</a:t>
+            </a:fld>
+            <a:endParaRPr lang="en"/>
+          </a:p>
+        </p:txBody>
+      </p:sp>
+      <p:pic>
+        <p:nvPicPr>
+          <p:cNvPr id="6" name="Picture 5">
+            <a:extLst>
+              <a:ext uri="{FF2B5EF4-FFF2-40B4-BE49-F238E27FC236}">
+                <a16:creationId xmlns:a16="http://schemas.microsoft.com/office/drawing/2014/main" id="{B7BC2BEC-67BF-4CF8-A9D2-D9B9869CFE8B}"/>
+              </a:ext>
+            </a:extLst>
+          </p:cNvPr>
+          <p:cNvPicPr>
+            <a:picLocks noChangeAspect="1"/>
+          </p:cNvPicPr>
+          <p:nvPr>
+            <p:custDataLst>
+              <p:tags r:id="rId1"/>
+            </p:custDataLst>
+          </p:nvPr>
+        </p:nvPicPr>
+        <p:blipFill>
+          <a:blip r:embed="rId3"/>
+          <a:stretch>
+            <a:fillRect/>
+          </a:stretch>
+        </p:blipFill>
+        <p:spPr>
+          <a:xfrm>
+            <a:off x="651086" y="1193600"/>
+            <a:ext cx="7841828" cy="755657"/>
+          </a:xfrm>
+          <a:prstGeom prst="rect">
+            <a:avLst/>
+          </a:prstGeom>
+        </p:spPr>
+      </p:pic>
+      <p:pic>
+        <p:nvPicPr>
+          <p:cNvPr id="7" name="Picture 6">
+            <a:extLst>
+              <a:ext uri="{FF2B5EF4-FFF2-40B4-BE49-F238E27FC236}">
+                <a16:creationId xmlns:a16="http://schemas.microsoft.com/office/drawing/2014/main" id="{D7E0EEEE-0BCF-4ED2-9440-5C9F4ED0C44B}"/>
+              </a:ext>
+            </a:extLst>
+          </p:cNvPr>
+          <p:cNvPicPr>
+            <a:picLocks noChangeAspect="1"/>
+          </p:cNvPicPr>
+          <p:nvPr/>
+        </p:nvPicPr>
+        <p:blipFill>
+          <a:blip r:embed="rId4"/>
+          <a:stretch>
+            <a:fillRect/>
+          </a:stretch>
+        </p:blipFill>
+        <p:spPr>
+          <a:xfrm>
+            <a:off x="651086" y="2571750"/>
+            <a:ext cx="2920740" cy="1105144"/>
+          </a:xfrm>
+          <a:prstGeom prst="rect">
+            <a:avLst/>
+          </a:prstGeom>
+        </p:spPr>
+      </p:pic>
+      <p:sp>
+        <p:nvSpPr>
+          <p:cNvPr id="8" name="Arrow: Right 7">
+            <a:extLst>
+              <a:ext uri="{FF2B5EF4-FFF2-40B4-BE49-F238E27FC236}">
+                <a16:creationId xmlns:a16="http://schemas.microsoft.com/office/drawing/2014/main" id="{CEEAE212-8C84-490A-A1F6-CC06F07C2642}"/>
+              </a:ext>
+            </a:extLst>
+          </p:cNvPr>
+          <p:cNvSpPr/>
+          <p:nvPr/>
+        </p:nvSpPr>
+        <p:spPr>
+          <a:xfrm>
+            <a:off x="3772800" y="2836322"/>
+            <a:ext cx="1058400" cy="288000"/>
+          </a:xfrm>
+          <a:prstGeom prst="rightArrow">
+            <a:avLst/>
+          </a:prstGeom>
+        </p:spPr>
+        <p:style>
+          <a:lnRef idx="2">
+            <a:schemeClr val="accent1">
+              <a:shade val="50000"/>
+            </a:schemeClr>
+          </a:lnRef>
+          <a:fillRef idx="1">
+            <a:schemeClr val="accent1"/>
+          </a:fillRef>
+          <a:effectRef idx="0">
+            <a:schemeClr val="accent1"/>
+          </a:effectRef>
+          <a:fontRef idx="minor">
+            <a:schemeClr val="lt1"/>
+          </a:fontRef>
+        </p:style>
+        <p:txBody>
+          <a:bodyPr rtlCol="0" anchor="ctr"/>
+          <a:lstStyle/>
+          <a:p>
+            <a:pPr algn="ctr"/>
+            <a:endParaRPr lang="zh-CN" altLang="en-US"/>
+          </a:p>
+        </p:txBody>
+      </p:sp>
+      <p:pic>
+        <p:nvPicPr>
+          <p:cNvPr id="2050" name="Picture 2" descr="data:image/png;base64,iVBORw0KGgoAAAANSUhEUgAAAyAAAAJYCAYAAACadoJwAAAgAElEQVR4nOzde5xtdV34/5dKhii37+jXFNHDgJqazskjmt9GO8Ivs9EQLHDSLKTggJfECwMWecIcIYTItEHKS6HZiURIhcYSL2SZDIpZ1AEn7whanqPm/XZ+f3zWp/2ZNWvN7Jm99/qsvffr+XjsB5w96/Jea332Wp/P+txAkiRJkiRJkiRJkiRJkiRJkiRJkiRJkiRJkiRJkiRJkiRJkiRJkiRJkiRJkiRJkiRJkiRJkiRJkiRJkiRJkiRJkiRJkiRJkiRJkiRJkiRJkiRJkiRJkiRJkiRJkiRJkiRJkiRJkiRJkiRJkiRJkiRJkiRJkiRJkiRJkiRJkiRJkiRJkiRJkiRJkiRJkiRJkiRJkiRJkiRJkiRJkiRJkiRJkiRJkiRJkiRJkiRJkiRJkiRJkiRJkiRJkiRJkiRJkiRJkiRJkiRJkiRJkiRJkiRJkiRJkiRJkiRJkiRJkiRJkiRJkiRJkiRJkiRJkiRJkiRJkiRJkiRJkiRJkiRJkiRJkiRJkiRJkiRJkiRJkiRJkiRJkiRJkiRJkiRJkiRJkiRJkiRJkiRJkiRJkiRJkiRJkiRJkiRJkiRJkiRJkiRJkiRJkiRJkiRJkiRJkiRJkiRJkiRJkiRJkiRJkiRJkiRJkiRJkiRJkiRJkiRJkiRJkiRJkiRJkiRJkiRJkiRJkiRJkiRJkiRJkiRJkiRJkiRJkiRJkiRJkiRJkiRJkiRJkiRJkiRJkiRJkiRJkiRJkiRJkiRJkiRJkiRJkiTpf00AO3IHIUmSJGn07QD2APtyByJJkiSpXaYHtN1dWACRJEmSlJggFBQGYQ4LIJIkSZIS88DigLZtAUSSJEkaEZOEfhZzFZ+JmuVmStuIBYTl4v9nS+vNJd9PUG2mWGZHxTLlAsh0Kc5BNf2SJEmS1EezhIz9AiEjv1z8e5GVBZBZYKn4biFZBjoFjKoCSNz+fPHZU3zSAsZUsV4aw57i+6iqABK3NY8FEEmSJKn1JggZ+IXku0lWFi7id+VCQywQpDUd5fUo1ku/iwWStMAQCy3RdLFM2p+kXACZLeKuq02RJEmS1DIxoz9X+n6JlYWGeTqFhPgp14JQ8W8Izapic62JYltpASQWSCZL6+2gugYkbqPcBEySJEnSEFgmFDhS5VqRRVYXQNI+HVFVAQRC4WKh2EYcTjcWQLrtXB6XW2R18yxJkiRJQ2KSUDCIfT4WCQWStGnTIvWjW6U1F1UFkFlCgSEWVGKtS7kAUq4BgeoakKlie+UYJUmSJA2BGULtxCz1o1TFZlNVtQ5p861yAWSq+G5H8l25ABKbYJWbgVFaL60psRAiSZIkDak9dIaxnaa6kBELDXtY2Z9jobR8LBTEdeJ688kysSAxU2wjdoRPCypx22k/j9jnJJop/m0hRJIkSRoiS4SMfPmTNpuCTk1F+pllpdi/Y4lQ6EgLF7Fj+w46w/XGAsZUslz8pIWW+eTvu+gUbvYk26qqQZEkSZLUMjsIBYnyRIS7CBn8VDoRYVVNyUSyvXSd8uSCO1g9b0dct2rb5Y7vsQBS/l6SJElSi8X+H3V2rfE3SZIkSdqQOARvVR+KGaxVkCRJktRHcYjcOHpV/Cxh4UOSJEnSAEzQqe2oG4ZXkiRJkiRJkiRJkiRJkiRJkiRJo22/3AFIkiRJao97APcHHk6Y3O/JwDOA5wAvBS4ALgXeClwDfJAwStbHgJuBW4FPA7cBXwL2Al8HvgP8kDDC1g+Lf3+9+PuXiuU/Xax/c7G9pWL71xT7u7TY/0uLeJ4JPKWI8+FF3Pfo9wmRJEmStHEHAQ8GthMKFC8GLgL+Angv8B/AV4FvAJ8F/pVO5v8vCBMUng+cA5xRbOPJwE8DjyLMVv5Q4IHAFuC+wL2AQ4C7A3cF7lTEcqfi33cv/n6vYvktxfoPLbb3qGL7M8AvF/s9p4hjoYjrXcA/FPF+toj/q8XxvLdY5qLieJ9RHP+Di/MhSZIkqQdHAk8kZNQvAq4mZMy/BvwPoXbhA8BfAn8AnAX8CnAM8BBCYWAUHEI4nmMIx3cW4Xh3EY7/VsL5+Brh/FxFOF9nEM7fZPMhS5IkSe20hdDs6AXAHxFqKG4Bvg98CngPcBkh0/00Qk2Cb/urHUQ4P08jzHlyGeH8fYpwPm8hnN8/IpzvpxDOvyRJkjRy7gE8FjgNeC3hzf0e4HPAtcBrgDMJmeKHEJo0qX/uSjivv0A4z68hnPfPEa7DBwjX5TTCdbLviSRJkobGUYS38DuBtxGaCH0LuAF4AyEDfAyhr4TyuxfhepxJuD43EK7XrYTrt5NwPY/KFaAkSZIU3Y3QEfps4O2E0Z8+A/wN8Arg6YQ37xo+DyFcv1cQrudngC8QrvPZhOt+t1zBSZIkaTw8kNAR+jWEN+XfB/6R0Cn66cAD8oWmBmwhXOc/IFz37xPSwWsI6eKB2SKTJEnSSHgkYcjXq4DbCXNb/BXwIsKQsnfJFpna4C6EdPAiQrr4NCGdXEVIN4/MFpkkSZKGwlHAqYSJ8m4H/h34Y+AkrN1Qdx5ASC9/TEg/txPS06nYj0SSJGns3YvQpOZ1hGFaPw+8GTgFOCJjXBodRxDS05sJ6esWQnp7OvB/M8YlSZKkhjweuBBYIkxe9zeEEZCmcgalsTFFSG9/Q0h/S4T0+PicQUmSJKl/7gqcQBhi9Q7gRuA84HE5g5IK04T0eCMhfb6BkF6dC0aSJGmI3Af4DeBq4HvAu4HfBI7MGZS0jiMJ6fTdhHR7NSEd3ydnUJIkSar2E8A5wD8AXyV0/H0mcEjOoKRNOoSQft9KSM//QEjfP5EzKEmSpHF3FPBS4KPAJwnzMTwpa0TSYDyJkL4/SUjvL8VRtSRJkhpxb+B5wPuBLxKGO92eMR6padsJ6f6LhN/B8wi/C0mSJPXJ3YBfBd4JfAu4HPiFrBFJ7XAc4ffwLcLv41cJvxdJkiRtwvHAXwDfJcwu/UwcHUiqclfC7+Nqwu/lLwi/H0mSJK3jYcDvE4YkvQ44Hbhn1oik4XJPwu/mOsLv6PcJvytJkiQlngn8HfAF4ALgoXnDkUbCQwm/py8Qfl/PzBuOJElSXg8HLgK+BFwLzOYNRxpps4Tf2ZcIv7uH5w1HkiSpOb8KvAf4PPBK4MfzhiONlR8n/O4+T/gd/mrecCRJkgbjKMJb1/8G3gWclDccSYTf4bsIv8uLcG4RSZI0Ah5HGJHna8CFwIPyhiOpwoMIv8+vEX6vj8sbjiRJ0sY9HXgfcAvwQpybQBoGdyP8XncTfr9PzxuOJEnS2vYHzsTMizQK4kuE3YTf9f55w5EkSeo4gjDXwFeBtwKPzxuOpD56POF3/VXC7/yIvOFIkqRxNgX8GfAN4GLggVmjkTRIRxF+598g/O6nskYjSZLGyk8ClwP/BfwWcPe84Uhq0N0Jv/v/ItwHfjJvOJIkaZRtA94CfBE4B/jRvOFIyuhHCfeBLxLuC9vyhiNJkkbJ0YQ24LcDc8B+ecOR1CL7Ee4LtxPuE0fnDUeSJA2zxwC7gNuAlwB3zhuOpBa7M+E+cRvhvvGYvOFIkqRh8lPAFcDngBdljkXS8Hkh4f5xBeF+IkmSVGkSeAOhKcULMsciafi9gHA/eQPh/iJJkgTAgcD5wA+Al+OEY5L6Z3/CfeUHhPvMgXnDkSRJub0I+G/gdcDhmWORNLoOJ9xn/hubdkqSNJaeBfwHcCXwyMyxSBofjyTcd/6DcB+SJEkj7knA9cXnSZljkTS+vBdJkjTiHo5vHSW1T1ob+4jMsUiSpD64E/AK4JvAizPHIkl1Xky4T72CcN+SJElDaBb4BPAm4H6ZY5Gk9dyPcL/6BOH+JUmShsTDgLcDN2LbaknD50mE+9dVhPuZJElqsZcD3wHOyh2IJPXoLML97OW5A5EkSaudCNwCXA7cP3MsktQv9yfc124BTsociyRJAh5CGD3mJuDJmWORpEF5MuE+dyXhvidJkjJ4EbAPOCd3IJLUkHMI9z1nU5ckqUGPAP4e+FvsoClp/DyMcP/7e5w7RJKkgTsb+B7wgtyBSFJmLyDcD8/OHYgkSd04EjgN2AlcBryDMOzjbYTq/duKf7+j+PvOYvkjcwQLbAPeB7wTeFCmGDR86Ub947VvpwcR7ovvI9wnczBtSJJqbSPc+JeAOwijqpwHnA4cBxwNHAbsV/z36OL704vlbinWWyq209TD7rcJMwQ/p6H9aaVhTTfqndd+eDyHcJ/87Yb2Z9qQJNU6GLgAWAZ2AxcB23vc5vZiO7uL7V5Q7GejDlnn748BPkiYVHByE9vX5rU53WiwvPbDa5Jwv/wg4f7Zb6YNSdK6zgL2ApcCWwe0j6li+3vZ+OR/OwnNBqr8LvA1QjW9mtX2dKPB8dqPhtMI98/f7eM2TRuSpDWdQniTdAWDe1CUbS32t1zsvxs3EdoHn5x892DgPYSx7g/vY3xa37CkG/Wf1370HE64j76HcF/dLNOGJGlNW4DrgeuAYzPFcGyx/+uLeOpsJRQ+4mcr8GxCG+YXDzZElWxheNKN+msLXvtR92LCffXZG1xvC6YNSdI6jiGMNLKRSfm2AufS3agl57Kxt1/nFNs4pubvO1lZAPkO8FHgsRvYh3o3bOlG/eO1Hx+PJdxf/xS4axfLmzYkSes6Ffg2cGIXyz4BuJjQ4e9W4BK6G7XkkmL53cX6T+hiXycWcZ1a+v4QQhvffaVPXX+QUTIJzOYOojBs6Ub947XPY7r45PJa4GbW7jhu2pAkret8wgNlvSEMnwp8GLgBeFkXy9fZVqx/Q7G9p3ax/M1FnNHxrC58xM/Jm4yr7SaBBcIxLmaOBYYz3ag/vPbNmwJ2EX7/c5ljeSbwFeC3Kv5m2pAkret8wjjqh66xzDRwDfAx4KQ+7/+kYrvXsPZbvUMJccaHxoeoL4DE/iCjapn8BZBhTTfqndc+nynaUQABOAK4ljCB4f2L70wbkqR1nUp4E7TWw+Ji4HPAGQOO5YxiPxevscyhhHjjW8D42Qt8ijAi1lXAmwj9Q0bVInkLIMOabmx20TuvfX5tKYBE5wJfBv4E04YkaR3HENrC1lV7HwRcTRiC8YCGYjqg2N/Vxf6rbCN0Nr+YUMux3kSEoyhnAWSY0823sQNqL7z27dC2AgiEUbJ+gGlDkrSGLYTRQOo6CG4FPg5c2FRAJRcW+69rRnUiIf4tTQVUMgHsIGQCpqnuED5V/H2u+P+yGTpNBKaTbVWZLO0vVwFkC6abzZiik0ZmCdey/Pe10kp5mckBxLieLXjt+2GW9a/1RLJc1b2lXACZK32atgXThiSpC9dTPzTiVuAbhFFGcjq9iKPuoXEO4TiaNgnsIXQGnyP0x9hXWmaeUECYK/6bZhimSt8tFP+O25kpbWu2+H6h2O6e4pOjAGK62ZgJVg4aMEe4dvvoFDbXSitxG4sVyzQ9CprXvjcTwFLxqbvWEK7rMiFdxN/7UrF+VF4vNkldJE8BxLQhSVrXKYRJmaocRHhTlPthEZ1OiKeu+vw6mp/hNmYeoglChiGaZXXhIGY24pvraToZhvjdBKtHt4rLpZnNqYrlmmC62bx9hIzkFJ2329BdWlmoWCZuryle+97tYGXBE1YPJjFZscxc8V1aa5YWQGIBNdewvKYNSVJXlqmfkfZq8lWT17mQEFeVY1mZ+W/CLJ3MZJQ+/JfovImMn/Lbzmmq336Wm1btovr4lmi+AGK62by6AuN6aSVmSMu1HTOsrikbJK997yYI1zTWZEyzugCywOrYyutBJ31MF+tMkI9pQ5K0rrOAK2r+djGhw14bXUn9aCZXEI6rSfOETMAuVr95TJtClD9pn49uCiB1Gdem+4CYbnpTdx3XSysxneScdM5r31+xiVV8uZCmi25/1zHdxKaZuZg2JEnrOpgwXG1VG9hpwpCFTY1OslEHEOKryohtJRzXwY1GtHpSwPgWcq0RaspNsIahAGK66d1aBZC10kpVE7xogsF3Rvfa90/sA7KLznUr/45jX7AqaY1r2n8sR38gMG1Ikrp0AXBpzd+uYfDjsvfqDEKcVS4lHF8Tyg+t2CcjttFeImQiys0iJulkFLotgMQO52VNFkBMN71bqwnWWmklNsGqWrc8ktYgeO37Zxerf8vl33EsUJTvMWm/IVh578hVCDFtSJK6skz1sI9PJcwcOww+Roi3bCvNtd2tGhpzmU6GIHYaXaJzvicJGZC0/XddAWQp+Xds6jVfWi5mXJtguuldTA9l3aSVtKlN/G4Hq9PEIHjt+ydex3gNJ4v9x3QxQee+sIdOIWSSlYNVxEJpeu9YovlCyFpp46YG4+hFW9KGJI2sbcDumr99GDipwVh6cRIh3iq7qZ8Eq59ipnEXnU7Dy6xsDhPfSsZP2ml9ms6wmXvodDaeT5afL76LI9ykfQXm6WQ44nKDYrrpTdpMLxYiytdrrbQCnaY76TJpk79B8dr3V7xvxCG04/DL5cJlHHY7TQ9pzekiK+8d0LmfxG0Nus+QaUOS1JWdwEUV3z8BuKHhWHp1AyHusosIxzlosXNw7Cw8S3VmME4ct4OVmc503XRiuarvohlW1rzM0sxkdKab3qx3XaO6tJKKE9M1NfqV177/4jWMBYQpwjWvaoLX7b2Diu8GXQAxbUiSurIEbK/4/mLgZc2G0rOXUT2CyXaqm7lo80w348trrzqmDUnSuo4E7qj526Cqmctv7Ptprer/OwjHq97lSDfQqWHqN9NN95q+9mlNkde+3XKmjao+J70ybUjSgJwG3FLx/Vbg1j7vK/ZZiJ2yl4pPv9ur30r18I+3EI5XvWsy3UAorMa+DnVD0/bKdNOdJq99uc/DoPq4eO37o+m0EedK2cPqGeH7xbQhSQOwEziv4vtzgUv6vK95woMiZh4m6Ey61U+XEOIvOw/b7Xar6oGbajLdQEgrMwy2AGK6Cdpy7ScJhc7p0r8HkQa89t1pU9pIJ1mMz5J0JLF+MW1I0gBcBpy+ge83Kw4PWR4eNI7+0s/q89MJ8Xf7vVbbSRgusy7D0VS6SdUNT9wvppugLde+qlP+WnOf9MJr3522pI2qwRgG8SwB04YkDcQ7gOM28P1m7SA8HMqj9AwiU3kcIf5uv9dqO+k0eal6c9lUukkNugBiugnacu3r+nsMYqJNr3132pI2qsQhyPvNtCFJA3AjcPQGvt+sOBZ9OVMRM5X9zFAcTYi/2++1WprR2AfsBU5O/t5UukkNugBiugnaeO1T6cSe/eK1705b08Y09ZMf9sq0IUkDcBtw2Aa+36w4QVYTBZDDCPF3+71WK2c04ucmYAvNpZvUoAsgppugjdc+mmJlP7J+8dp3p21pI518Me0v1E+mDUkagH3Afhv4frOaLIDcGXhJzffvpvoB6mfjnybSTWrQBRDTTXuvfbTIYCZb9NoPZ9qIky/GwQn20f9CyFppo+p7SVIX2lID0s+RsHxj1budVGcu3kfogGoNyOhq47WH0I9sEHMHgde+W21NG9AZsrnfoyqaNiRpAJpqsxtHKCm/vRzE0Kq22e1dOaOxFzgTOKT4u31ARlcbr/0Mq0fQ6yevfXfamDZSS/R/gALThiQNQFOjltQNwztffF81rOJmOWpJ79KMxvsI7btTjoI1utp27acYbOEDvPbdalvaKFug/zUgpg1JGoAm53NYoHoiwoXaNTbHcdt7t5PQsfT4mr87D8joatO1n6a68DGJcwfl0Ja0McXq5ngThOeL84BI0hDYSXMzWk8QqsiXCJnIZUJ1uTPXts8WOs0qqjSZbmBlR9NBDMMKpptoC+249rFNf92nn52Nvfbd2UI70sYCK+8FcQ6QQYyCZdqQpAE4Dbil4vutwK0D2ucs4aExiNFsIMRdNVPvLYTjVe+aTjdzFZ9+M910p6lrX3XN42dHH/cDXvt+aSptTNB5jswxmIJHZNqQpAE4Erij5m+7gW0NxtIP2whxV7mDcLzqnelmfHntVce0IUnq2hKwveL7i4GXNRtKz15GiLtsO+E41T+mm/HltVcd04YkqSs7gYsqvn8CcEPDsfTqBkLcZRdhe91+M92ML6+96pg2JEldWaua+cPASQ3G0ouTCPFWGcbq/7Yz3Ywvr73qmDYkSV1bprqj3VOBjzUcy2Z9jBBv2RTh+NR/ppvx5bVXHdOGJKkrFwCX1vztGuCMBmPZjDMIcVa5lHB86j/Tzfjy2quOaUOS1JWDgb1Uv7WaBj4HHNBoRN07gBBf1VCMWwnHdXCjEY0P08348tqrjmlDktS1s4Arav52MXBlg7FsxJVUj1QC4XjOajCWcWS6GV9ee9UxbUiSurYMHFvzt6uBCxuMpRsXEuKqciy21W2K6WZ8ee1Vx7QhSerKKcB1NX87CPg4cHpz4azpdEI8B9X8/TrC8WjwTDfjy2uvOqYNSVLXrgfOqfnbVuAb5H9onF7EUdXGGEL81zcXjjDdjDOvveqYNiRJXdkC3AacWPP3rYQ3Rbmqzy8s9l/3sDiREP+WpgISYLoZZ1vw2qvaFkwbkqQuHQN8m/rJlg4itJW9kuZGMzmg2N/V1FeTbyPEfUxDMWkl08348tqrjmlDktS1U4GbgUPXWOZiwpCFgx7X/YxiP3Wjk0CI82ZC3MrHdDO+vPaqY9qQJHXtfOAO1n5oTBMmbboJOKnP+z+JMCPtNVSPyx4dSojz/D7vX5tjuhlfXnvVMW1Ikrp2PuFNUF31efRU4MPADcDLuli+zrZi/RuK7T21i+VvxodF25huxpfXXnVMG5Kkrp1KaAtb15Ew9QRC1fZu4FbgEsIoI8cBRwOHAfsV/z26+P70Yrlbi/UuLraznhOLuKwmbyfTzfjy2quOaUOS1LVjCKOB1A2pWGUrcC5wGfAO4MZiG/uK/95YfH9ZsVzdSCRVzim2YQfBdjPdjC+vveqYNiRJXdtCGA/9OupnuB20Y4v9X49DIw6LLZhuxtUWvPaqtgXThiRpA04BloEr2Nhbpl5sLfa3jDPSDivTzfjy2quOaUOStCFnAXuBS4GpAe1ja7H9vcX+NPxMN+PLa686pg1JUtcOBi4gvEnaDVwEbO9xm9uL7ewutntBsR+NDtPN+PLaq45pQ5K0YduAncASYRz1W4Dz6G7UkvMID4f/KdbfyeaHXtRwKaebr7KxdHNLsZ7pZvj0es/w2o8u04YkacOOBE4j3Pi7GbVkJ/A7wJdzBKvWOBL4DvAKuk83pxXrabh1e8/4BGFOB6/9+Ihp4+PAB/C+IEnqs7+j/zPgarh8j/BWU6rypzhXw7j6KnDf3EFIkkbPycDVuYNQNncGfpA7CLXalcAv5g5CjXsS8A+5g5AkjaYfBb5BaNOr8bM/8K3cQajV3k93M1trtLyGjU1cKEnShvwpDpE4rg4iNLOQ6nycwQ3Tqvb6FPATuYOQJI2uJwA35Q5CWdwT+K/cQajVPg8cnjsINerRwM25g5Akjb6bgf+XOwg17t6EoTOlOt8EDsgdhBp1HnBh7iAkSaPvXOC1uYNQ4w4EvpY7CLXWAYQCiMbLjcDjcwchSRp9k8Ce3EGocXcBvp87CLXW/QhNsDQ+jgRuzx2EJGl8XAv8cu4g1LhvE0ZDk8oeQeiErvHxAuD1uYOQJI2PZwHvzB2EGrcHODR3EGql7YRheDU+/g44IXcQkqTxcRfCkKwPyB2IGvV5nAdG1Z4GvD13EGrMocB3gR/JHYgkabxcCrw0dxBq1K3AA3MHoVb6DWyOM06ehQVOSVIG24DbcgehRn0QeFzuINRKF+Fs2ONkF/DruYOQJI2nvwZ+M3cQaswVwNNzB6FW+jtgJncQasThOOeLJCmjaWA5dxBqzKuBM3MHoVa6A/sHjYudOBeUJCmzdxHaf2v0nY2zHmu1+xEKIBoPnwEemTsISdJ4eyKO/z8ungW8JXcQap0Z4N25g1Ajng68J3cQkiQBXAc8M3cQGrhjgffmDkKtcw7wqtxBqBHvBp6ROwhJkgCeCnw4dxAauKOAT+UOQq3zVkLtmEbbFGEuIEmSWuNDhMnINNq+BdwjdxBqlZsJmVONtlcDL88dhCRJqVng/bmD0MB9BHh07iDUGvsD38sdhAbuR4GvAVsyxyFJ0iofA56UOwgN1FuAX8sdhFrjMYRCqUbbGYR5gCRJap1TgL/NHYQG6reAC3IHodY4FXhT7iA0cDfgyyVJUovdAvxM7iA0MCcA78gdhFrjNTg55ah7Ag61LklquecAi7mD0MA8GPhk7iDUGh8BHpc7CA3U5VjIlCQNgQ8Cv5o7CA3M7cADcgeh7I4kpAWNrkngu8BBuQORJGk9xwCfBvbLHIcG4yrCjMgab88H3pA7CA3UZcArcgchSVK3Xg+8MncQGog54A9zB6HsrgV+KXcQGpgpYA/O+yNJGiKHAd8EfiJ3IOq7x+HM9+PuHsAPgQNyB6KBeStwdu4gJEnaqJcAb88dhPpuP+D7mPkcZycC1+QOQgPzOOAzuYOQJGmzPorNNEbRB4GfzR2EsnkT8NzcQWhg3kWYfFCSpKH0C8C/5w5Cffc7wMW5g1A2XwSOyB2EBmIG+NfcQUiS1Ku3AufmDkJ9dTTwb7mDUBaPB27MHYQG5gPAr+QOQpKkXj2Q0GF1Mncg6qvPAj+eOwg17gLg5bmD0EA8Hfin3EFIktQvO4G35A5CffUnOEPyOPoX4KdyB6GBuAl4au4gJEnqp92EgohGw9OAxdxBqFEPBj6XOwgNxKnAu3MHIUlSv50AfBI4KHcg6osDCE3rDskdiBrze8CrcwehgVgGnpA7CEmSBuFi4PLcQahv3gz8Zu4g1JjbgYfnDkJ99xLgr3MHIUnSIP0zcFruINQXP4sjIo2Lk4F35g5CffdQYB/wkNyBSJI0SEcD3yU8+DT8/o0wNKtG2weB43MHob67Fnhx7iAkSWrCmcB7cwehvpgDXp87CA3U43FC0VH0fOC63EFIktSkt5w+AToAACAASURBVOF8AqPgxwg1WgfmDkQDcznwotxBqK+OBL4N/GTuQCRJatKPAXcAP5c7EPXsrcBzcwehgTgM+A5wcO5A1FdXAb+VOwhJknL4JeATwN1zB6KePAn4cO4gNBA7gT/OHYT66lRCnx5JksbWJcCbcgehnv0H8NO5g1DffQ6b6YySw4Cv4mz2kiSxBPx67iDUk5cCl+UOQn31Kzjb/aj5S+x7J0kSAI8BvgU8LHcg2rTDCNfwgNyBqG/eT2gmqdHwLMLLHkmSVHge8DHgoNyBaNOuAE7PHYT64v8Dbs0dhPrmnsAXge2Z45AkqXV+H2dbHmZPAW7KHYT64gPAr+UOQn3zJuDC3EFIktRWf4mj7gyza4AzcgehnpxMaH6l0fA8bHolSWrYFDCTO4iSWWCy5m93JgwRec4A9z9ZxDBuJoAdXSw3TUg3m/HTwOeB/Ta5vvL7T+DYHtYftnvOKDsW+DrwEw3us9v76wzjeU0kaeTN066M9iywDOwjZHLrPAD4LPDMPu9/gnBO9jF+o/vsAPYQjr0b08AuwjnbqD8HXraJ9ZTfucBbelh/WO85o+i+wGeAExva32burzuKdSRJI2IOWMgdRIVZussMTBfLPW4AMeyh3QWQQWWUdtF9AQTCtdpMGnoQ8G3gPptYV/nclzDr+YM3uf6w33NGzSL1LwImGVztw0bvrwu0q9AqSerBMiFD0DaxYNFNZuAZhJqQLX2OYZH2FkAmCAWFQZhjYwWQmWL5zdSCXAS8ZhPrKZ9LgQt6WH8U7jmj4g8J/enqzDG487HR++s89lGRpJHR1mZGG80MnA38I6FvSL+0uQAyz+Bi22gBJC6/mf4ghxJmXH74JtZV8x5NGKb1Hj1sY1TuOcNuB2FI8/1r/j5JqKVoSwFkkRCPJGkErHVTnyZkLmeL/696EM0Uy+xgdVX9JJ3OzLFj8w7q35Sn24pv1Tfy8PtjOrUCMfY51u7omu6zHFf5ATmbbHOOzTVNiOdkruIzUbNcOf6Y4Y9vkmdL680l33dzrsvLlAsg6bmseiO6yMYKLGVnM7jaHPXXO4Hn97iNUbrnVO03HkO3v+eqZXrN9E9RfY+JMT6e0Izu6cnfpkrrLxHOxwKr73fd3F8n6Nwzq5pObfT+2taCqyRpE+apzgzM08ngLhBu/mmziQnCwyA+nJaL7cSH0RydzszxYRYzquVq9Iniu7i/xWTdjT6I30GYY2JPKfbyg2uq2F85/vQhXH5A7mBlxn+jBZDYxjzdZ4wtzbDMEs5HVfyxgFFVAInbn6dzXfewMiPUzXFXFUDituapLoD0mjFYBo7pcRsarKcBH+3DdkbtnpPud4bO7zrGvtbvea1j32w/mQU6v9V4ruP2dgD3KvZ1NZ17TzxPacyLVBdA4vbXOp7YqT+NYYmV96KN3l/L6UGSNMTiA6Ks/CCOb+aiBVZnDvYQHh5RfIClb7/i6CfTpeXKD6ddFct14/8V672nFGv5DX25HXpsfpG+iS8/IOMDfDPi+UkzFZOsfnjHZg/puYgFgvQ8Vj30y506qzrVdnPc5QJI7GRe9xY5ZlZ6cQorr5na5ybghD5sZ9TuOVX7jbWP3fyeZyuWidvbaLPG+HtOjz/eB+K5eyfwdlb/ZuM+Y8Y/xpmejylWFwTK99fJivXittL750bvr+XrL0kaUlPUD6Ea35Kn4gNlgpVvxuKnPIxlVdOccjvr+EArV9H30hziRcC/AL9HeBiW44gP5PIbth1U14BMEo51s3NeQOe4yw/Q+JY2St+Exk/VW8aqAsgMnbfB6VCX8Rx2e9wxsxC30c1cDQtdLreWDxGahKh9Xgb8TR+2M6r3nLpmiN38nquOe4rNveyoKjTEczcHvAq4ks59J42rXAtStS1Yeb+our8usLJQGGMoN0vb6P011oA5J4gkDbH1hk6NTXXiwzN9cMQHejkzUG67201moO4h12uH0BlgL/CFijjKb/jrxLekVc0HNmOZ1U1ByrUii6zOsMTPejUg0HmYL7P6jW63xx2Xi81Sui14xczVZv0CsBu4Ww/bUP8dC/w3cHiP2xnle05dAaSb33M/mxbF2oe0hikWuF4P/DtwECubfpY/650niu/i/bF87N02ydzs/XURh+OVpKG21tvIKLbl3UPnpr/egzp3ZmCB8ED7eeCfgOuoLoBUvUmrqgFJ+270YpJwLtN21+u1iy6vH9W1u17rOnV73HG5KbrPHCyw+cJi6tXAG/uwHfXH/oRCYb8yfKN6z1mrALLe73mte8tmal3LhbVl4L3A7cAjkn3WFXrWaoIFnftr3YuNWOiq0sv9NQ49bg2IJI2AuvbY5YfOLjodR2OVftXIRbNsLDMQOx6WmxtsNjMQtxcfdIcAny7FUW4TXV4/SjMP/SiEzNCZTCu+AS1nxGKzqaqMRxpvuQAS33Km8ZfPYbfHnWYouimE9KMPSOpG4Df6uD1t3huAP+rzNkftnlO3X+ju9xwLW+Xf13TNeuuZpzP61xxhzpa9wGOSZWIH/PI+J+kU+qoKIOX7a7pctFCxHnRGxYo2en+1D4gkjZC6EWnKGc74gIjSEVLiw3+a1c2J6jIDsb9A7KS5h5VvtmJ77HJnyvXaRceHYdoX4sriuz8s/h07r6aZkAlW92OItRVRzEykxxiH+uym/0McOWaa+sxFPD/p6D4xtnT5WCiI68T10oxdei42ctzlTqXxWtQVQrptctGtxxBmSH9IH7epjTuFUBjst1G756T7rSpErPd7jr/TpdJxlQenmGP9Akl8ETFTbOMcwm/pZ0rLpftM+3OktVOxsBHjnqb6/hqbesZ7THrMsRAS+4qk57ub+2uqn03VJEmZxXb+ZftYPYxievOPw1juSz5pBmKOTmZ3F+FBNJuss8TqUWDSoSPjw2iZ8LCbTPaz1kNoOllusdh33NYeOs174pv9NP6YeY/9KNLv4xj96bZn6WSSunlzWj5f8ZM2NYnno7xMuQlMfOgvFfGlhYvYLjsd1jJmGNY6blg5bGe8btPJd+VRtKD3eUCqvJDQbER5/DjwLeCnBrDtUbvnpL+ZRVbfB7r5PS+U/r7MysJG/HtVTUkqFq6q7jN120zvQ+W5QOL3sXC01v11MVm/fMzpPW4j99dUudZXkjTE6m7qMXMdOybWvXmLE3mVmxNVdWycLX2XPmDSSbgmWdkUIIo1Des9hOKburh+HIHlEcD1wO8n38d9pseXTuaXdnKtij9uuzxkaJUddN6opttJm5qkMVTFFsXYy+cwxpK+xaxqClG37arrNl3xfXmdumYmvXgb8Io+b1PdeQ/w4gFte9TuOXWduFPr/Z5h5X2rXMiIo2J109dqAXgu8D3gz5K4lljdhC1OWFg1qWMaU9UkhOX7a9WkkFXb3sj9NVVXcJUkDaGqN9ptFjMfm3Ug8AHgwv6E87+qJuhLxf4fdYZ5JvDYdKXXUcLK7k0Yxezn+7xdre3lhGaLgzJu95x+WmTt39k88NuEPh9VQ1oP831mntWjCEqShtQcvY/u1JRye+/NugfwfuC1fdgWdDp8riUOwVuVeWhTBmczZhlcGjoB+CRw8IC2r5V+DrgD+LEB7mMc7zm9inPyrPWSIzYZ+wZwcsXf11u/7eIAHpKkERFHTWmz2P64X+5CeBv4TnrL3E7T3bCQsc15bH4SP0sMd+FjmvWHVe3VRcCbB7h9BQcSCsq/2MC+xvGe04s4kMRaHkSo+Yh9Lsr3mV4nCs1pB9Ujp0mShtwUw/2A2qzfBz5OZ3z8QZqgU9tR19Z7mGx2mNDN+CfgjIb2Na7eBlzc4P7G9Z4zCIcTJhk8k9X9KYb9HMcBASRJGilnAF8lzMStdvpJ4Ie05430qLmM4e4fMM4eDvwbYchdSZI0RGYIzRaelzsQ1XoG8EVChkv9Mw/8fe4gtCk/C3wZeE7uQCRJ0uY8DLgJeFXuQFTrDOBW4AG5A0kcCZwG7CTUJLyDMIHfbYT2+LcV/35H8fedxfJH5gi25EXAR4FDcweiDXsW8B3gabkDkSRJvbkHcDVwBXDXzLGo2tmEDH3OTPM2QkFiiTBq1C3AecDpwHHA0cBhwH7Ff48uvj+9WO6WYr2lYjvbmg0fgF8DPgMclWHf6s0c4do9NncgkiSpf14NfBh4YO5AVGmeMFP6XRrc58HABYSRonYTRufa3uM2txfb2V1s9wKaGXL4KcDXgcc0sC/11x8Q7k1H5A5EkiT134sIb6mHeZjcUfYaQm1VE84iDHF6KbB1QPuYKra/t9jfoDwW+BbDPzrSOHorIc3fLXcgkiRpcH4R+BLwu5njULU/By4f4PZPIdRMXMHgCh5lW4v9LRf776cHAZ8n9B/Q8Lg3ocbvdbkDkSRJzbgv8HbgOuChmWPRalfTv1ntoy3A9YRrfmyft92tY4v9X1/E06sJ4F8Ic0VoeEwB/4EvQSRJGksvBL5L+2dwHjd3IbwdfmWftncMYeSqtsyrcA4hnmO6XH57xXf/h3COfq9PMakZP0doknd67kAkSVI+jwI+BLwFOCRzLOo4lDAyVl2hodtrdSrwbeDEfgTVRycS4jp1neUOIWRYj0++ezCh5uMVgwlNA/JSwrV8au5AJElSO7yKMAyms6e3xwMIw9peUvr+EML8LlvWWf984GbyDInbjW2E+M5fY5kzCXOP7CX0JZkGvgC8YODRqV/uR5gz5loc6UqSJJUcRyiEXJg7EP2v/YErCX124khBVxEy5Wv1fTifMOJZ2yfkO5QQZ10h5H2EY91HmDX+e4QZ5DUcfokw6MXLcgciSZLa61BCc6wPEZpnqR3+gNAk65V0MuR7a5Y9lVCz0PbCR3QoId5yc6ytdI41fj7WbGjqwcXAJ4An5g5EkiQNh9MJb5vb0nFZoWbqh6zMkG8vLXMMoW9FW5td1dlGiDvtmL6T1QWQ9Wp+lN8U8I/Am4EDM8ciSZKGzEOAvwY+zspOwGpe7PdRzoy/KVlmC2F0qbZ1OO/WiYT4txT//hTVBZCqgpfaYQehkPzc3IFIkqThdgLwr4TJ5B6SOZZxdQnVGfG9dEbEup7hr7E6h3AcVc2vyse9JU+IqnAA8GfAPwOPzBuKJEkaJecQ5g35PeDOmWMZJ3EkqLrPmYQZxq/LFWCfXUfouBwLGjcROt5fQjjWkwk1IE3N5K61vQS4BfjD3IFIkqTRdH/Cm87/BH4lbyhj4yrCaFB1TZK+ByyTb4bzfjuWMBqb89K0248Bfwp8Gnh63lAkSdI4eCJhpKxrcbSsHLYQagCOBz4CXJ01mv67AjgrdxCqdSbwP8AFwF0zxyJJksbM84E9hGFiHfGmeQfTmaRvlGwlHNfBuQPRCk8k9PN4J6OX5iRJAzAFzOQOYsCmi8+4mQRmu1hupli23yaA1wL/BfwOcNAA9qFqFwCX5g5iQC4lHJ/yOwx4I6Hp5TMzxyJJGhLzdJdBHVZTwC5Ce/i5zLE0aYJwbfcBi12us6NYZxAeAbye0DRjHvi/A9qPOpYJ6X8UbSUcn/J6MfBNwiSYd8kciyRpSMwBC7mDaMAU7S+ADKp2Zg/dF0AgpIdBFkgfRKgR+R5hNuT7D3Bf42wbsDt3EAO2m+GbVHFU/DywROhf9IjMsUiShswy7c6U91ObCyDTDC62RTZWAJknZCwG7XDgIkJB5I8JBRP1z07C+R1lFxGOU815GPDnwCcY7ZpzSdIAbaR5zrBrcwFkifYUQBYJtSZNuRfwCuBrwBvwbWq/LNHsjOCzhDTcZD+r7TRTWFYYze5y4MsMttDXxv6Iswymf9ww6uZcTNK+ayipZeoymxN0bjSThIzFVMXf54r/TtRsf6ZYZscay3Qj7qscR1XMMaaycgFkrvTZjKmK7cTjrVuufB5j/5RFVmfgppP16m7o6x13uQCSnss5Vj9MchVKDwTOJUwy9xfAozPEMCqOBO5ocH9LdNLvHlan/0G6g3C8Goxp4K+B2wjXd/8B7qtt/RFnCa0E9jGeA5ikZgi/827PxSTh2TaqfdAk9Wie1QWQGTo33Vk6N52YKZ0qvptP1l9mZUZ2qvhugfDQWi6W2+jNaKLYV6whWKS6JiM+KNKYllhZ6CmvV874b9RCsZ90n/uK79MM2Hyyj3L808XyVQWQuP250jKpbo67XADZUWwrNr+rKoDkrCn6EcLsyf8J/CPwHBxudaNOI8w+3YT4+46maTbDdgvheNVfP0sYTncZ+M0G9tfW/oizWACJ4rOj23MxiQNFSKoRM65lc3Qy0xBuOLHwsMzqt/TpsnGZuYpldm0wvqob3jIrM9STFcvE+NOCQJqxnii2sdmHSjye9G1dfFDNlb4rFxpiISRm/Kcr1qvqNB8LIVG3x10ugJQLSGWx0NgGTwbeCvyA0PzjiXnDGRo7gfMa2M8EnUJyapmN/9Y36zzsB9JPvwC8B/g34NQG99vW/ohNF6jbbKPnYqJY3uZYklaIw9NWNY2KGdnyjWaGTsY4/eyjkzmOGfHym/UdbK4GZC6JcZrVBZAFVr9lKa9HEnesdeilSVjV+Yk32/QhmjZNiZ+qWpCqWof0fE0m60XdHncsgEwW66x3DWLhrE1tnicIb2E/THjj/TJsdrOWy4DTG9hP3dvhclodpNMJx6venAh8kHDPelaG/be1P6IFkI6Nnou4fJNNMiW13CxrV3fXFUDi91X9HuZKy/RTbGq0i9UFkG47WccHXLm2ZjNi7UNaexRrLdJakbRpVfkTz21dAST+bZFOQSY9r90ed1y/qnnWeuu1qT129Gjg1YTOsNfixGdV3gEc18B+1rtPNNH++zjC8WrjJoDnAzcC/wD8UsZY1hr8IvaFm6V+Qtm0v2H55ckknUzwRPH/a/VLTLcVX7ptpgCS7jcew0TF39fq45cu00shKB533TmK0v6K5WXKBZBJVj7Tys+LuvuDpDG3mRqQtQoXk6Vlqm5wm+0DsivZXjnjvUh9O9N0fzGTH5sy9Zq5TpuexXbw5YLNWv0p1mqCRbGtJTrXoHzuuz3ueL7i2+r1Cl+xY3ybakDqPAO4hpBx+SPgmLzhtMaNwNEN7CcWisv3kCYzHkcTjlfdeyrwV8D3gTcT5vTIrao/Yvw+Ns+K9+70XhlrbMv9DWOGPg6MEAvE6cuc8ghq8XkT97eYrLvRtJzuN+1XGWOP/SvX6uNXdeybeXk2VcSyi845qqrBj8+KtKY+fU5WFUBiH9EF6gsgkrTKen1A6ppgVVWppjfWuoz3Rqtid7H6oVTVp6Eq1jg6VJTG1I9CyDydN2l1b7Diw6ycQZtM9l1VAIl9X9KCRPlm3u1xp+erm0JIm/qAdGsS+B3gn4G9hMzVKcBhOYPK6DaaOfa0OWFVM8MmCiCHEY5Xa3sk8Crg88D7CfeYg3IGVFL3LCqno3i/jcr3q9gvKX05U5WZnq/YdqwtTu/XuyqW61Z5v3HEyMkixnQ/cxXLlpeJ29voi7x4DFGswS+fx3IBaB8rn7/lAsgUazfXjfuRpFXq3jrFm2E5Ux1v7rEQEm+OMSNetUz8biHZXqwOXq9zWvkNaxxVI765mqBzU9zDyjcz6Y2x6oYb39ykD6WqIYerxOZWM3SaBFTdhON5XGJlf4605iluKz58p1l9/tPheic2cNywuslafPDWFUJyj4LVq/sCJwN/STg3HwZeDvx0xpiatg/Yr4H9tKEAcmfCqGla7Z6EvlMfAj5J+O0/LGtE1daqja+qWY7pKva7i4WQ+Cm/4a/qk1SVma56KdVLE6y6vlBpzUb8lGtBqo57is31pyivV35JGJ+PVceePqPTc1YuCNaZpbpgKWnMVbW7Tcc+X2b1TSlW5+5LPlU3yvIy6U1oNvl+rRt7zIjvKWKNQ9rGfcYHVrq9uHxaw7CYfB9vmrtYGX86JG75zVNZfIO1r+KzzMoCzAKrYysXcOK2lugUauLyi0Ws88m/4/prHXfsdJ6e/9ieON12+fpWNQUYZtuB84GPAl8kNDn5FcIEiKOqqRqQmCbLhe8m+4BYA7La8cAVhCZWl9OOJlZ11uuPGId0jxn29L5cbgZb/qTNdtcrgNTV+vfSCb2uABKbz1bFHO/H/X4RFAcoiQWbdPvdHmNcrqpGab312jawiaTMqjKbs6zdsQxWTn631gR58S1JOSMSb4bdvEWJ+0nfVFV1IIy1F+UOdrFGIf1Q8V0cangHnQLJWuIy5e3EPiup2LGvrvNfjL08vHF6/uM5q+pgWbXtcgfBuO5613etzqDDbgvhPF0JfJ3Q8fZVhL4kP54vrA3bSqjlqdNUH5C6UbAWaC4N2QckpOtfJ9T6fYnQxOo0wuSew2CtGpAovhgrv1xaK+Pc5gJI3UueGPNatdQbLdjHF4JpAa6qAFL3rC/3V4yTEnYzt1d83kjSCrnHXp+nnSNkLLL2w3C9GXubmgNhEOZZ3TlzVD0ReCnhbfEy8BXgvcBFhNG1HpIvtDVtJWQEbqK6INLUKFh1TTeWaG5SuXEcBWt/whw5lwAfJ9TsvZXQ7+kBGePqRV0fkPLzIe0XGJtgVd1vZ9lYASTWDJebOA2iABJrDqsy7/F5HAtb5edQfFG2EbEDeqqqCVZVoSg9H+m5iB321yqE2AdEUq3Y9jSHtN9IW0ywfqEo3lTrzltbC1XdqhrNZFzck1AoOYdOoeSrwPuAiwlNtx4K3ClXgIVDWNn0rlwQaWoeEFhdYI2ZlKaaW6w1D8ghhPNySEOxDNKjgLOBvwd+CFwH/BZhWOpRUNcfsdwpPNa6RWmT3PRN/ULFMqn0bT50mtXuYWXajX1A0nviLN09u+pGiUv776X9/BboZObT/oPpcaWFhG77LMbtlPc/n8RW1bR5B9VNp9M+h/Gc1RWmLIBIqhVHc2pSXaft3Gbobp6M+AYr9k2Jn9iHY1iVHzgKhZKfJWT+/gr4BOHafxb4p+K7i4EXEuZR+Cngfg3EVdX/KBZEfo9mZkKHzpvQOHxn2kSmCVUzoW8h1A7sZTgzQPsTChzPJvRZuh24mTD/zXHA3fOFNjB1TT9jv7pYQ5L244NO+kt/B2mhJabJWFMyTWcI3LhseeSpPcn+4r1+mXBvn0z2s1brgRhrrFkov5Qq99+rqkks9x+s61+4Xp/FWLiIA5LMJuvFY6g6j2lLgLRvaDxn6TC88Zylz/W6Zm2S9L+mGO6Mcw7l/hTDfv7iw1XruwuhqctPE9LAS4A/JPQt+TDwBeAHwGcIs0vvIjyoX0nILL8UeBHwPEJb/V8Dfhl4GvAUQoHnZwiFmccSOhH/MuFt/znABcB3qC6E7CO8Ia+bI2ZQ4m+h6TR0C+EcQhhw4Co6BY9YKGuzo4ATCMNIXwH8O6Hz+E2EwsdpjMfvsq4J0Cwr77N1b/vj5IFxqNuoqq/fWv3g0on/Jlk5ZHoUR3Bca7COqv2WpfuqO660L2C5kNFtn8W0P2ZMSzNUvyio69tZdc7q+hmmsVc1a5MkSQOyH+FN/OMIhYeXEJrMnEcYleti4LXAnwB/RuhAfCXwLuDvCB2JP1R8/rb4++sIhY9zCBnvqsLH9YTCyx0DPr62+CLhvP0n1efjqnyhrXBPQgHp+YQmY/8E/A/waeCdhDTxDODh5G/il0Pu/ogbFQs8bbBen8VcYh+dYX85J0mSCm9idWb7Ejr9HZYIGd5Rth34F+C/qa8NupVwXs4iZPB/BnggcAChJmuzmf27EwqYjyZ0CD+52MeFhGvzLuAG4FOEEde+QqgNuxR4DvB44NBN7nsU5eyPuFHlPia5dNNnMac4b5ckSRoRl9DJZO9l9WhYOwmjeY2yi+j0/3gf1QWQBUL/nIsItUgfIGSKvgl8j9Bc7QfAd4FvA98AvkY4p18mDGt7O2Gukc/SKVB8g1B7sQRcC/x5sY85Qt+NpwCPIWTChmU43Nxy9EfcqEnak+Hvts9iDnHC3SbmApIkSQ3ZSaePw9aKv28DdjcaUfN2E44zSgtl8XN8F9u5M/AjwI8SakYOJNQk/R/ChJU/BtwXOJxQ63GPvkSvKvZHHH6TeA0lSRpJxxP6N6w1xOwy1YWTURBnyC6LBbP42dJgTJIkSdJYu4DQ52AUXUo4virbCYWPTzUWjSRJkiQOJvRlGLVakK2E4zp4nWXaMgKWJEmSNDbOIswvMUquIByXJEmSpBZaBo7NHUSfHItDe0qSJEmtdgpwXe4g+uQ6wvFIkiRJarHrCTOoD7NzCMchSZIkqeW2ECbTOzFzHJt1IiH+LZnjkCRJktSlYwizfW9bb8GW2UaI+5jcgUiSJEnamFOBm4FDcwfSpUMJ8Z6aOxBJkiRJm3M+cAftL4QcSojz/NyBSJIkSerN+YSahbY2x9pGiM/ChyRJkjQiTiX0rWhbx/QTCXHZ7EqSJEkaMccQRpdqyxC95xDiscO5JEmSNKK2EObXuI58M6YfW+z/ehxqV5IkSRoLpwDLwBXA1ob2ubXY3zLOcC5JkiSNnUOBTwBfBy4Fpga0n63F9r8DfGRA+5AkSZLUUluB1wPfA/YBTwYuINRM7AYuArb3uI/txXZ2F9u9ADgYeCNwLXBgj9uXJEmS1GKHEAoFNxEKHelnS7LcNmAnsESYl+MW4DzgdOA44GjgMGC/4r9HF9+fXix3S7HeUrGdqqF/Lyz+fkTfjk6SJElSK2whFAQ+xeqCR1UBJHUkcFqx/mXAO4AbCSNX7Sv+e2Px/WXFcqcV663nrGJdSZIkSSPmEuoLH/syxnUZ8LqM+5ckSZI0INuBb7K68LE3Y0x3InRKdxJCSZIkacQcCuwB3s/KAsinMsYEoQ/JD4FHZI5DkiRJUh+9uvgAnEmnAHJTtog6ziWMyiVJkiRpBBwNfJkwEla0lVD78b4sEa10EGEukqNyByJJkiSpd28Erqz528kNxrGWV9KpoZEkSZI0xL4CHJ47iHXch9Ak7N65A5EkSZK0eccD1+UOoktXAbO5g5AkSZK0brJzJQAACr5JREFUeZcDz80dRJdegPOCSJIkSUNtL6F50zCYAnbnDkKSJEnS5kyQd6LBzbgdOCJ3EJIkSZI27lGEmcaHyXuBY3IHIUmSJGnjTgTeljuIDboKOCF3EJIkSZI27mzgVbmD2KA3Ac/OHYQkSZKkjXshcEnuIDboEkLckiRJkobMswk1CsPkVYSaG0mSJElD5gRCn4ph8jZC3xVJkiRJQ+YYwqhSw+QjhNG7JEmSJA2ZIwjzagyTvYT5SyRJkiQNod2EGcaHwX0YvokTJUmSJCVeB7wgdxBdei5wee4gJEmSJG3eLMPTEf064PjcQUiSJEnavHsD+wjNm9rscOAruYOQJEmS1LtXA6/MHcQ6rgTemDsISZIkSb07Cvg6cFDuQGocAnwZODp3IJIkSZL64/XAubmDqPHq4iNJkiRpRDwC+CHtq2U4mlD7cWjuQCRJkiT116mEmcbvlDuQxDXA83MHIUmSJGkwXgdcljuIwhtx3g9JkiRp5N0InJU5hguBazPHIEmSJKkBRwBLhEJADmcV+z8w0/4lSZIkNexAQg1Ek3Nv3InQ/OtGQiFIkiRJ0pi5nNARfNCjYx1N6AD/ugHvR5IkSVLLPZ8wFO6rCZMC9tNBhPlHfkgYhUuSJEmSOJRQAPkycCVweI/buw/wSsIM7K8nzEMiSZIkSSscTegX8hXgOuC5hMJEN6aAFwBXAfsIBZqjBhCjJEmSpBF0PKGPyN7i8xHgbcCrgEuANxEKG+8Fbgd2E/p4zAL3zhCvJEmSpBExATwKOBE4G3gh8GzgBOAYHNVKkiRJkiRJkiRJkiRJkiRJkiRJkiRJkiRJkiRJkiRJkho2BczkDqJkFpjMHURLjOu5mC4+65klDH0sSZKkITBPyMC1xSywTJgdvJvM5yibAZYYv3MxBewiHPdcF8tP0L50LEmSpApzwELuICrMMn6Z7jo7aPe5GFRcU3RfAImWGc+aIkmSpKGxzMYyeE2Zpt2Z7ia1/VwsDnDbGy2ALBFqQiRJktRS+xhsBnKz2p7pblKbz8UMIbZB2WgBZB+h6ZYkSZJaahHYU/O3aULmb5b6zsAzxTI7WN30ZbL4HkIb/R3Fp66zcLqtmLHdTKY73W88homKv89R3/E+XaaXjH887rpzFE0Vy8xVLFMugEwmy8brsxnxfJc/5XNSd41nCGlnX7Juajb5fqomhvXOc7kAUo41NV2xvCRJklpmnuoCyDyd5lkLrM7YTRAKLwvF98vFdmLmdY5O5nSK0DRmsfj3UmlfE8V3cX+Lybobzfyn+52h05k9xj5b7Cs9rnINUNWxb6afzFQRyy4656h8TPE8LtI59n2sLFRUFUBix/QFNl4AKZ/veIzxPM0ky613jdPzO5est0TnPC9SXTDo5jyX14sd0xepL4C0saZIkiRJhXmq28yXM3LxLXW0wOoCyR5ChjKqykzPV2x7kZBZTWspdlUs163yfuMQrZNFjOl+5iqWLS8Tt1f3Fr9OPIZoktUZ6gVWF4D2sbJQWM5YTxXrbLazdTzmdP1YAJgufdftNU5VdZpfZuVxdnue0/MVC0RrpYnldf4uSZKkjOJQp1VNopZZ/TY6Zuwm6LytTpvDlN/wV2VOqzLT5UIK9NYEq2q/sPKNe/yUa0GqjnuKTpOujSivF0f2ihnqWCCpOva0GVR6zsoFwc2oOj/l893LNZ5gZbO3aVYXQLo9z/F8TRfLrzfXx1ppWpIkSRnNsnazoilCJjFm2NMMXcwQlzOn5T4M3RRA5qguaPTSnKauALLI6gJIuR9Fv/sQxMx4zHCn2+/2GONyVTVKmxELQmkhJ9ZaxGvXyzVO97NMKBCUCyDdnuf0uLttBjfJ+jUlkiRJyqCbt8UxE7mHTsZ3vYxzmwsgdSN+xZjXyuhutAlW7AOSFuCqCiBVBYrYZCxdLk5KuGcTsZTFvjKxCV56fdN9buYaxz4gu0rLlQsg3ZzneL5i4W29wtcU3dWUSJIkKZO6PiDljOcuOv0SYvOcquFOZ9lYASS+eS83vRlEAST2P6nKvMdCQSxslTOw0zXrrSV2QE9VNcGqKhSl5yM9FzFz32shZJGVo2CVt9XLNU7TSrq/chOsbs5zer66KYTYB0SSJKnl6kbBKncKj812orRZTPqmfqFimVT6Nh86HcP3sHqI13Jmc5bu+mLE/VZlbmMH73SkpwU6md5YI7NUOq408xyHwV2vAFAe8Svufz6JLT2P8bsdrCwUlmeFT89ZGkPVkMNVdtDJqMdP1TrdXOPY0T7W2Eyy+vxPFvuL5yI2S+vmPJebasXRv6oKIY6CJUmSNATq5gHZR8g0pk10yiMixcxg/KSFlnQ43F2ETOFsss4Sq0eeSpsExdqKZUJhYTLZz1p9B2KssWahnBmNmfn0U87MLpT+vszKjH78e9Ub/FTMiMf+D7PJeuUha9P9LSbbjU3g0nOWDsMbz9lkstx6E0vGwl3VJ933etcYOjVYaR+PWLjYU3w3T3VBa63zPJ2sk56vXcnyC6y8vs4DIkmSNATqMqyzdDeRXGzGE4e6jcqdlmMBpKrjN6yckC6+SS8XDOIEhWtlsKv2W5buq+64Ym1C+bigM1pTOQNclk5CGN/yz1D99j6em/IkgFXnrDwRYdx+3HZ5npWquBZYPRFhHCWsXMtUd43TGMsTTMa409HOqiahrDvP8fv0Q8V35fNf12xMkiRJLRFHhRoWMTPcBmltQVvEuTLWkjZ7KotD/Q6rJar7NEmSJKkl4ghDw6Dc/yCXCUImt219DSZZ2V+jSmwGVjfy1rDPobHM5idolCRJUkPmaf9b70nak+GfoZ2Z9G7mB4k1JGm/jfTT6/C+ucRCYa9zpEiSJKkhU6zuf6DRFftkrNfHZ1jU9U+RJEmSJEmSJEmSJEmSJEmSJEmSJEmSJEmSJEmSJEmSJEmSJEmSJEmSJEmSJEmSJEmSJEmSJEmSJEmSJEmSJEmSJEmS/v/24IAEAAAAQND/1/0IFQAAAAAAAAAAAAAAAAAAAAAAAAAAAAAAAAAAAAAAAAAAAAAAAAAAAAAAAAAAAAAAAAAAAAAAAAAAAAAAAAAAAAAAAAAAAAAAAAAAAAAAAAAAAAAAAAAAAAAAAAAAAAAAAAAAAAAAAAAAAAAAAAAAAAAAAAAAAAAAAAAAAAAAAAAAAAAAAAAAAAAAAAAAAAAAAAAAAAAAAAAAAAAAAAAAAAAAAAAAAAAAAAAAAAAAAAAAAAAAAAAAAAAAAAAAAAAAAAAAAAAAAAAAAAAAAAAAAAAAAAAAAAAAAAAAAAAAAAAAAAAAAAAAAAAAAAAAAAAAAAAAAAAAAAAAAAAAAAAAAAAAAAAAAAAAAAAAAAAAAAAAAAAAAAAAAAAAAAAAAAAAAAAAAAAAAAAAAAAAAAAAAAAAAAAAAAAAAAAAAAAAAAAAAAAAAAAAAAAAAAAAAAAAAAAAAAAAAAAAAAAAAAAAAAAAAAAAAAAAAAAAAAAAAAAAAAAAAAAAAAAAAAAAAAAAAAAAAAAAAAAAAAAAAAAAAAAAAAAAAAAAAAAAAAAAAAAAAAAAAAAAAAAAAAAAAAAAAAAAAAAAAAAAAAAAAAAAAAAAAAAAAAAAAAAAAAAAAAAAAAAAAAAAAAAAAAAAAAAAAAAAAAAAAAAAAAAAAAAAAAAAAAAAAAAAAAA4C7RiaBJmAuPhAAAAAElFTkSuQmCC">
+            <a:extLst>
+              <a:ext uri="{FF2B5EF4-FFF2-40B4-BE49-F238E27FC236}">
+                <a16:creationId xmlns:a16="http://schemas.microsoft.com/office/drawing/2014/main" id="{AA195494-D279-4CAF-9269-6A0BE0F8232C}"/>
+              </a:ext>
+            </a:extLst>
+          </p:cNvPr>
+          <p:cNvPicPr>
+            <a:picLocks noChangeAspect="1" noChangeArrowheads="1"/>
+          </p:cNvPicPr>
+          <p:nvPr/>
+        </p:nvPicPr>
+        <p:blipFill rotWithShape="1">
+          <a:blip r:embed="rId5">
+            <a:extLst>
+              <a:ext uri="{28A0092B-C50C-407E-A947-70E740481C1C}">
+                <a14:useLocalDpi xmlns:a14="http://schemas.microsoft.com/office/drawing/2010/main" val="0"/>
+              </a:ext>
+            </a:extLst>
+          </a:blip>
+          <a:srcRect l="1811" t="13999" r="24278" b="26928"/>
+          <a:stretch/>
+        </p:blipFill>
+        <p:spPr bwMode="auto">
+          <a:xfrm>
+            <a:off x="5032174" y="2125132"/>
+            <a:ext cx="3397331" cy="2036468"/>
+          </a:xfrm>
+          <a:prstGeom prst="rect">
+            <a:avLst/>
+          </a:prstGeom>
+          <a:noFill/>
+          <a:extLst>
+            <a:ext uri="{909E8E84-426E-40DD-AFC4-6F175D3DCCD1}">
+              <a14:hiddenFill xmlns:a14="http://schemas.microsoft.com/office/drawing/2010/main">
+                <a:solidFill>
+                  <a:srgbClr val="FFFFFF"/>
+                </a:solidFill>
+              </a14:hiddenFill>
+            </a:ext>
+          </a:extLst>
+        </p:spPr>
+      </p:pic>
+    </p:spTree>
+    <p:extLst>
+      <p:ext uri="{BB962C8B-B14F-4D97-AF65-F5344CB8AC3E}">
+        <p14:creationId xmlns:p14="http://schemas.microsoft.com/office/powerpoint/2010/main" val="2577351731"/>
+      </p:ext>
+    </p:extLst>
+  </p:cSld>
+  <p:clrMapOvr>
+    <a:masterClrMapping/>
+  </p:clrMapOvr>
+</p:sld>
+</file>
+
+<file path=ppt/slides/slide26.xml><?xml version="1.0" encoding="utf-8"?>
+<p:sld xmlns:a="http://schemas.openxmlformats.org/drawingml/2006/main" xmlns:r="http://schemas.openxmlformats.org/officeDocument/2006/relationships" xmlns:p="http://schemas.openxmlformats.org/presentationml/2006/main">
+  <p:cSld>
+    <p:spTree>
+      <p:nvGrpSpPr>
+        <p:cNvPr id="1" name=""/>
+        <p:cNvGrpSpPr/>
+        <p:nvPr/>
+      </p:nvGrpSpPr>
+      <p:grpSpPr>
+        <a:xfrm>
+          <a:off x="0" y="0"/>
+          <a:ext cx="0" cy="0"/>
+          <a:chOff x="0" y="0"/>
+          <a:chExt cx="0" cy="0"/>
+        </a:xfrm>
+      </p:grpSpPr>
+      <p:sp>
+        <p:nvSpPr>
+          <p:cNvPr id="2" name="Title 1">
+            <a:extLst>
+              <a:ext uri="{FF2B5EF4-FFF2-40B4-BE49-F238E27FC236}">
+                <a16:creationId xmlns:a16="http://schemas.microsoft.com/office/drawing/2014/main" id="{D7033B5F-4199-4B85-B6AC-B1A26023B703}"/>
+              </a:ext>
+            </a:extLst>
+          </p:cNvPr>
+          <p:cNvSpPr>
+            <a:spLocks noGrp="1"/>
+          </p:cNvSpPr>
+          <p:nvPr>
+            <p:ph type="title"/>
+          </p:nvPr>
+        </p:nvSpPr>
+        <p:spPr/>
+        <p:txBody>
+          <a:bodyPr/>
+          <a:lstStyle/>
+          <a:p>
+            <a:r>
+              <a:rPr lang="en-US" altLang="zh-CN" dirty="0"/>
+              <a:t>Step 3</a:t>
+            </a:r>
+            <a:endParaRPr lang="zh-CN" altLang="en-US" dirty="0"/>
+          </a:p>
+        </p:txBody>
+      </p:sp>
+      <p:sp>
+        <p:nvSpPr>
+          <p:cNvPr id="4" name="Slide Number Placeholder 3">
+            <a:extLst>
+              <a:ext uri="{FF2B5EF4-FFF2-40B4-BE49-F238E27FC236}">
+                <a16:creationId xmlns:a16="http://schemas.microsoft.com/office/drawing/2014/main" id="{1B1A47EA-1651-4A1D-BBAF-3C5A0858EEF5}"/>
+              </a:ext>
+            </a:extLst>
+          </p:cNvPr>
+          <p:cNvSpPr>
+            <a:spLocks noGrp="1"/>
+          </p:cNvSpPr>
+          <p:nvPr>
+            <p:ph type="sldNum" idx="12"/>
+          </p:nvPr>
+        </p:nvSpPr>
+        <p:spPr/>
+        <p:txBody>
+          <a:bodyPr/>
+          <a:lstStyle/>
+          <a:p>
+            <a:pPr marL="0" lvl="0" indent="0" algn="r" rtl="0">
+              <a:spcBef>
+                <a:spcPts val="0"/>
+              </a:spcBef>
+              <a:spcAft>
+                <a:spcPts val="0"/>
+              </a:spcAft>
+              <a:buNone/>
+            </a:pPr>
+            <a:fld id="{00000000-1234-1234-1234-123412341234}" type="slidenum">
+              <a:rPr lang="en" smtClean="0"/>
+              <a:t>26</a:t>
+            </a:fld>
+            <a:endParaRPr lang="en"/>
+          </a:p>
+        </p:txBody>
+      </p:sp>
+      <p:pic>
+        <p:nvPicPr>
+          <p:cNvPr id="5" name="Picture 4" descr="data:image/png;base64,iVBORw0KGgoAAAANSUhEUgAAAyAAAAJYCAYAAACadoJwAAAgAElEQVR4nO3df7SkeV3Y+TcGMQHCDztIjvijbdgEo7Fnd8Ack8Yw/MjujsAQOZBm0V1ChB5EDf6gRZcwQW0hswwEWAY57KJRE0cUw4Jos3sQg7J7mHYDQVEG26MI6MDRGRJD0F13Z//4PrW3urpu973dt6pu3369zqnTfZ96nqc+VfWpp55PPd8fBQAAAAAAAAAAAAAAAAAAAAAAAAAAAAAAAAAAAAAAAAAAAAAAAAAAAAAAAAAAAAAAAAAAAAAAAAAAAAAAAAAAAAAAAAAAAAAAAAAAAAAAAAAAAAAAAAAAAAAAAAAAAAAAAAAAAAAAAAAAAAAAAAAAAAAAAAAAAAAAAAAAAAAAAAAAAAAAAAAAAAAAAAAAAAAAAAAAAAAAAAAAAAAAAAAAAAAAAAAAAAAAAAAAAAAAAAAAAAAAAAAAAAAAAAAAAAAAAAAAAAAAAAAAAAAAAAAAAAAAAAAAAAAAAAAAAAAAAAAAAAAAAAAAAAAAAAAAAAAAAAAAAAAAAAAAAAAAAAAAAAAAAAAAAAAAAAAAAAAAAAAAAAAAAAAAAAAAAAAAAAAAAAAAAAAAAAAAAAAAAAAAAAAAAAAAAAAAAAAAAAAAAAAAAAAAAAAAAAAAAAAAAAAAAAAAAAAAAAAAAAAAAAAAAAAAAAAAAAAAAAAAAAAAAAAAAAAAAAAAAAAAAAAAAAAAAAAAAAAAAAAAAAAAAAAAAAAAAAAAAAAAAAAAAAAAAAAAAAAAAAAAAAAAAAAAAAAAAAAAAAAAAAAAAAAAAAAAAAAAACtwpDq+6SAAAICD7Uh1a3VPdXrDsQAAAFeJsylAAACANTmdAgQAAFgTBQgAAFxFDlUnqpPVsZZ3CD863X9y+v+i66dtm/49Off3oiMLj6cAAQCAq8SR6q5GZ/CTjf4Y9yysc6pRIJyc/r1n+n+NYmR+2a3T37P9XL+wr+PT8lun/d413RQgAABwFZgVFTOHGsXDzPHOLw5mBceR6e9jbY1kNVt2qPNHt5qtN3+F5eiS9QAAgAPqeOMKxHyzqvmmU2fauvoxuy1eBTm28PfMYtOq2zq3uFl8DAAA4CpwqlFA3Nb5/TZmVydOLrnN9/nYSQGy3ZUOfUAAAOAqszgp4KFp+bLCYn6bUoAAAAA7tHjFY9Yn48T095lGs6lDC+sdaasvx04LkFmH80UKEAAAuEqc7Pxhd8+2VUycbBQXZ9rqJ3Kk0VxrVpRcqAA5M/f3rKnXqYX1ZkUOAABwwM0KjNva6mB+tq3mVbXVNGt2m++0fmzadrb85LTtqbn1T03LDrXVgX3Wr+RUowCZXw8AADigjrU1ceDsashic6vamojwROcWCfPbzm5Htlk2c33nXnk5nsIDAAAAAAAAAAAAAAAAAAAAAAAAAAAAAADgIHl49bzqpuqN1durX6s+2Zgo75PT32+f7r9pWv/hmwiWfUPeUPKAc8kHALZ1bePAf6a6s7qjell1Y/WU6tHVw6p7T/8+elp+47TeHdN2Z6b9XLve8Pfc4cZEgc9sPMfvrX64en31k9U7ql+pPlR9rPpM48v0M9PfH5ruf8e0/uun7b932t8zp/0fXs/TWRl5Q8kDziUfANjWA6tXVGerj1SvrB57mft87LSfj0z7fcX0OPvV/aqva/zi9rrql6u7qo9Xn65+qvqR6p9V31+9oHpW9aTqMdXXVF9ePaj6vOnfL5+WP2Za71nTdt8/7edHpv1+enqcu6bHfd0Ux9dNce1X8oaSB5xLPgBwUS+q7q7eUF2zosc4Ou3/7unxNu0R1d9v/KL2s41f2f608Svbm6sXVo+vvmjNcX3R9LgvnOI4M8V1xxTnTVPcj1hzXMtcjXnD+eQB8+QDABf0nMYvSW9pdV8Ui66ZHu/s9Pjr9HcaTZ/+XeNqwzuqU9Xx6qvWHMtufVUjzlONuD/eeB4/3Hhe63S15Q3LyQPmyQcALuhw9d7q3Y1f2zfh8dPjv7fV9X34C422xG+sPlF9sHECv+4T9lX5243n88HG83tj4/n+hV3s41/vYt3DXR15w4UdTh6w5XDyAYCLeFxjpJEX72Kba6qXtLNRS17S7n79evG0j8ftYpsL+aLqHzaaK32u8aX03dVf36P971d/vfquxvP9XPUzjdfhQk3Intp4D2/awf4Pet6wM/KAefIBgIt6bqM/wdN3sO511S2NDn8frV7dzkYtefW0/kem7a/bwWM9fYrruTt/Kue4d/Vt1XuqzzYuyf931V+5xP1d6f5K4/m/pfF6vKfx+tx7Yb0PNL707+nCvxoe1Lxhd+TBeh2bbvuVfADgol5efbiLD2F4Q/X+6vbqpTtYfzvXTtvfPu3vhh2s/+Epzp36skYTpD9unGw/qbrXriM92O7VeF3e0nidTjVet9nVj9ltu6ZYBzFv2D15sD5Hq9san8uTG45lO/IBgIt6eWMc9QdfYJ1j1Tsb/QmesceP/4xpv+/swr/oPbgR58W+NP5W9aPVn1X/vHrkHsR4NXhk4/X6s0Yxcs/C7akL6x+0vOHSyIP1O9r+LUDkAwAX9dzGL0EX+rK4pTGq0vNXHMvzp8e55QLrPLgR77LL50+tTle/25jEzxjwl+bFnV983NN4XWcOUt5w6eTB5uzHAkQ+AHBRj2u0hd3usvcDqrdVb63uu6aY7js93tumx1/m2kbcj2tM6PetjSFn//fqv11DjAfZgxqFxrIC5J7qOzsYecPlkwebtd8KEPkAwEUdbowGsl0HwWuqD1U3ryugBTdPj7/dCCdPr/5DY2bwn62esKa4Drqb2r74uKf6f6tPdWXnzSfb3FCcRxvztTT9e2LJ/Sen29EL7GO2zpEVxLgTh7vyjx+bzIPjXfx9PjS33vEl9y8WICcXbut0OPkAwA68t+2HRrymMTrSjesLZ6kbpzi2+9J4dWNIRvbOq+duL6yeXT228R4crn6zKz9vXtzI/3U6VN3aOGk83ThBvGv6e9ZO/dTcfac7/wTz0LR8cZ1lJ6erdhCOH5vKgzPTbbv3ucZ7eraRE6cauXJm2n5mcbtZx/TTrb8AkQ8AXNRzGvNBLPOAxi9Fm/6ymLmxEc92l8/fnRlu10XeXL57GieTR9v6hbvp39ML685OTmdXOW5dss5sf+skDy7dic4tOmsUGvPv65El65ycls1fMZsvQGbF6SaG5ZUPAOzI2bafkfZtbe4y+XZubsS1zOMbz4fVkzeXb/YL9aIzbf1yPbvN/zo+OyldvNpx/XRbJ3lw6Q413s/ZlYxjnV+A3LokpsXtais3jk3bHGoz5AMAF/WixpwPy9zS6LC3H7217UczeUvjebE68mZvbFeAzDedWbzNJpxb/FV8E+TB3pg1sbqt8wuQ0y3PkUWznLmnUYBsgnwA4KIeWN3d8jawxxpDFq5rdJLdum8jvmUnYNc0npdhd1dD3uydCxUg27XbP9JWAbKsv8eh1tMZXR5cvlkfkNvaes8WC47Tbf8r/HyH9VnOzPoWrbsvkHwAYEdeUb1hm/ve2erHZb9cz2/EucwbGs+PvSdv9s6FmmCd7fxmNEcaJ5azJljLtl0cSWtV5MHlu63z++wsFiCzgmLx5Hi+z1CdW7RuogiRDwDsyNmWD/l4Q2Pm2CvBBxvxLrombXdXRd7snXsaxcaik3P3zV7rI40T1llRMt/cZrbsRGOUpHWQB5dv9h7O3r8j0+POcuJQW1e77mqrCDkybXtk7u/Fq2ZnWm8RcqF8+MCaYrhcm84HgAPv2uoj29z3/uoZa4zlcjyjEe8yH2n7SbC4NPJmbxxp61fqWRGx2Gxq/v750bJmZs135tc53Xo6H8uDvTErNO9qvHezoZcXC8vjnZ8Ls8Li2Nw2d7VVhNzWufm1yv5C8gGAHbmpeuWS5ddVt685lst1eyPuRa9sPE/2jrzZG0c6v3P5sn4bs0kGT2xzf21NTrfO0a/kwd6ZvX+zAuFo4/1e1vxuWS4ca/mkg8sGL1gV+QDAjpxpTCi36JbqpesN5bK9tOUjmDy25c1buHTyhpIHnEs+AHBRD6/u3Oa+VV1mvr7xK9wq2iNf6PL/nY3ny+XbRN7U1rCze03eXJp158H81SJ5sP9sMh+W9Tm5XPIBYEWeV92xZPk11Uf3+LFmM/KebXxhnJlue91O/aMtH/7xjsbz5fKtM29qFKuzPg7bDUl7ueTN7q0zDxb7Pqyqn4s8uHTrzofZPCl3df5s8HtFPgCswE3Vy5Ysf0n16j1+rFONL4rZCcOhtibc2kuvbsS/6GVpt7tX1pk3NXLl+lZbgMib8y078Zq3rjw40ihAjy38vYp8kAfb20/5MD/B4uy7ZH4Usb0iHwBW4I3VjbtYfqlmQ0MuDgs6G/llLy+f39iIf6fL2b115c282RCkqypA5M35bmoMm7rdiee68mBZx/wLzX9yOeTB9vZLPiwbhGEV3yUlHwBW4u3VU3ax/FKdaHw5LI7Os4qTyqc04t/pcnZvXXkzb9UFiLw5301tNXda9gv2uvJgu/4eixP17QV5sL39kg/LnGo1HcPlA8AK/Fr16F0sv1SzcegXTyRmJ5V7eRLx6Eb8O13O7q0rb+atugCRN+ebP+G8p7q7evbc/ZvIg3mz/mR7SR5sb7/mw7G2n/zwcskHgBX4ZPWwXSy/VLPJsdZRgDysEf9Ol7N768qbeasuQOTN+RZPOGe3D1SH20wezBzt3D5le0UebG+/5cP8xIvzfYT2knwAWIF7qnvvYvmlWmcB8nnV9+xiObu3rryZt+oC5EJ5866Wn3i5rT8PZk63mgkX5cGVkw+ziRdnAxLc094XIb5PAFZgv1wB2cuRsPxitXqugFwdbmr5SeZ7Gh2RN3UF5ESrmUeo5MGF7Nd8qK1hmvd6VEX5ALAC62qzOxuhZPEXy1UMrarN7urpA3J1WDzhvLt6YfWg6f5N5MH1nT+a3l6SB9vbj/kw70x7PyiBfABYgXWNWrLdMLynpuXLhlW8VEYtWT2jYF0d5k8439No5z9v3XlwtNUWHyUPLmS/5cOiW9v7KyDyAWAF1jmfw60tn4jw1m23uDTGbV8984BcHW5qdDB+6jb3rzMPjrW8+DiSeYTWZb/kw9HOb4J3qPH9Yh4QgCvATa1vRutDjUvkZxonkWcbl8vNXHvlWWfe1LkdTVcx9GrJm2UOt9W8Zpl15cGsff92t73seCwPtne4/ZEPt3busWA2B8gqRsGSDwAr8LzqjiXLr6k+uqLHPN740ljFCDY14l42U+8djefL5Vt33pxccttr8mb31pUHy97/2e3EHj5OyYPLsa58ONTW98jJVlN4zMgHgBV4eHXnNvd9pLp2jbHshWsbcS9zZ+P5cvnkDSUPOJd8AGDHzlSPXbL8luql6w3lsr20EfeixzaeJ3tH3lDygHPJBwB25KbqlUuWX1fdvuZYLtftjbgXvTLtdfeavKHkAeeSDwDsyIUuM7+/esYaY7kcz2jEu8yVePl/v5M3lDzgXPIBgB072/KOdjdUH1xzLJfqg414Fx1tPL8LudDILmzvas8bBnnAPPkAwI68onrDNve9s3r+GmO5FM9vxLnMGxrPb+ZBjTa8NzUm07q77ce158Kuprxhe/KAefIBgB15YONEfNmvVseqj1f3XWtEO3ffRnzLhmK8pvps9ZbqXzYm0VqcQ+DuXAG5FA9uDIH6f7V8SOUrPW/ubnwuuLiDfPyQB7snHwDYsRc1TtSXuaV66xpj2Y23tnykkhrP56e78CRmq5g476D6iurbq3c1Co+fa7zGBzFvXrTGWA6Cg3r8kAeXRj4AsGNnq8dvc9/bqpvXGMtO3NyIa5nHt9VW96ltX4A8d8UxXun+8+qfNDpkfrp6c/WN1X3m1jmoecPuyAPmyQcAduQ51bu3ue8B1YeqG9cXzgXd2IjnAdvc/+7G85n50c4vPj7dmOn2jsavXk/M5fUHNl6HWxqvy0erV1WPu8A2Bzlv2Dl5wDz5AMCOvbd68Tb3zfpUbPpL48YpjmVtjGvE/94ly9/TuQXIbCz3/6Ix6dS/qT5X/bvqTdW3VF+zZ1HvT1/TuAr0psbz/lzjdXhp43XZqYOcN+ycPGCefABgRw5Xn6yevs391zR+KdrU5fObp8ff7svi6Y34Dy+570HV77ZVgGy3j0dVL6j+RWPM989U/2v1g9WTq4deWugb99BG/D/UeD6faTy/f9F4vo+6jH0f7uDmDTt3OHnAlsPJBwB26HHVn7b9ZEsPaLSVfWvrG83kvtPjva3tL5Nf24j7Qs2FrmkUHx/YxWM/pPqG6geq042RUH6vcUXlRxtXC765MXLKw3ax31V42BTHNzfienMjzt9rxH268Ty+ofG89tJBzht2Th4wTz4AsGPPrT7cGG51O7c0hixc9bjuz58eZ7vRSWrE+eF21qn8qW01v7pUX9H4YvpHjSsKP1m9r/qDxpfWb1W/UL2+cQn/2xttiP9B9aTquuprq69q/Lr2kLa+fO87/X14uv9rp/WfNG3/nGl/L572/wvT4/3p9Pjvm+L5oSm+x03xrsNBzht2Th4wTz4AsGMvr+7swl8axxqTNn2gesYeP/4zGjPSvrPl47LPPLgR58t3se9Vzv1x30bh8KTq2xoTV72ucTXip6ufr36pMbLUbzSahX260Q75nunfT0/Lf2Na75em7X562s/rpv1+2/Q4X9X+GVv/IOcNOycPmPfy6lPJBwB24OWNX4K2u3w+c0PjRPn2RtOfi62/nWun7W+f9nfDDtb/cOPX/59rXN04fImPvR/ca9MB7JErJW+cZKyWPGDmm6s/Tz4AsEPPbZzgb9eRcN51jUvbH2kM4frqxigjT6ke3eijcO/p30dPy2+c1vvotN0t034u5ulTXM9tNDdaHGb3X0/7vdKLkivVlZA3rJ484DsbzZ7+dvIBgF14XGM0kO2GVFzmmuol1Rurt1e/Nu3jnunfX5uWv3Fab7uRSJZ58bSPWQfBB3XhGc/vThGyCfs9b1gPeXD1+uFGk6r/bG6ZfABgxw43xkN/d9vPcLtqj58e/72dX1DMD7G7WHzs5suIvXW4/Z03rMfh5MHV5k2NIb+X9fs4nHwAYBeeU52t3tL6TuyvmR7vbNvPSLtstvO7G02w2Lz9mjeslzw4+O7TaAL7L3ewrnwAYFde1DjBf0N1dEWPcc20/7unx7uQZ3du8TEbDveLVxQbl2a/5Q2bIQ8Opi+ufrV6zS63kw8A7NgDG8PBnm10+Htl9djL3Odjp/18ZNrvK6bHuZj5fiCzKx8vqe5odV9o+82R6vimg9iB/ZQ3bI48OFiONo63L7nE7eUDALt2bWOCvzONcdTvqF7WzkYtedm0/p3T9jd1aUMvzvqBPHtu2Y3VXdUTLmF/V4oj1a2N5356w7Hs1n7IGzZPHlzZnlD9cXVij/YnHwDYtYdXz2sc+HcyaslN0/oPv8zHfXX1wiXLn9YYg/5Zl7n//e5sV14BMm9TecP+Ig+uLM9qHF+ftqL9ywcA9rULzXD+mOp3Gr+OHVSnu7ILEODK8rLGcfUxmw4EAParh1a/WP1UY6SWg0YBAqzDfRrH0V9sHFcBgIt4TfV/Vl+9x/s91GgDfbI61vIO4Uen+0+2vHP89dO2Tf+enPt70ZGFx1OAAKv21Y3j525HugKAq94Lqj+pvnGP9nek0dn91kZBcLbRPnneqUaBcHL6957p/zWKkfllt05/z/Zz/cK+jk/Lb532e9d0U4AAq/KNjePmCzYdCABcqZ7Y6MD44j3Y16yomDnUKB5mjnd+cTArOI5Mfx9raySr2bJDnT+61Wy9+SssR5esB7BXXtw4Xj5x04EAwJXuy6v3VG++zP0cb1yBmG9WNd906kxbVz9mt8WrIMcW/p5ZbFp1W+cWN4uPAbCX3tw4Tn75pgMBgIPkjY0ZfB9xGfs41Sggbuv8fhuzqxMnl9zm+3zspADZ7kqHPiDAXnpE47j4xk0HAgAH1XdXn66edBn7WJwU8NC0fFlhMb9NKUCA/eNJjePhd286EAA46J5cfaL6wV1ut3jFY9YnYzYz8JlGs6lDC+sdaasvx04LkFmH80UKEGAv/GDjOPjkTQcCAFeLh1Zvrf63dt4k62TnD7t7tq1i4mSjuDjTVj+RI43mWrOi5EIFyJm5v2dNvU4trDcrcgAuxSMax723Zn4PANiIk9V/qJ61w3Vn/T9mHczPttW8qraaZs1u853Wj03bzpafnLY9Nbf+qWnZobY6sM/6lZxqFCDz6wHs1LMax7vtmooCAGvy9dWHq9ddZL1jbU0cOLsastjcqrYmIjzRuUXC/Laz25Ftls1c37lXXo6n8AB273WN49zXbzoQAGD4gsYwlLdXj9pwLAB75VGN49qbG8c5AGCfeV71/2QWYODK94LG8ex5mw4EALiwo9X7qh+v7r/hWAB26/6N49f7OnfiVABgn3tVo5P5DZsOBGCHbmgct1616UAAgEvzlOqj1Y9U99twLADbuV/1hsbx6ikbjgUAuEz3qV5b/V71tM2GAnCepzWOT69tHK8AgAPi+uo3q/+peuCGYwF4YON49JuN4xMAcADdq9G2+hOdPys6wLocbxyHXtU4LgEAB9wTqw9VP9byyQgBVuFQ47jzoervbTYUAGATbq7urL5p04EAB943NY43N286EABgs66r/m31luqRG44FOHge2Ti+/NvG8QYAoKrvq/7v6gc2HQhwYLyscVz5vk0HAgDsT4cbMxD/dvXMzYYCXMGe2TiO/HjjuAIAcEH/dXWment1zYZjAa4c1zSOG2caxxEAgF35zuo/Vv+s+oINxwLsX1/QOE78x8ZxAwDgkv3V6k3V71fP3mwowD707Mbx4U2N4wUAwJ64rvqV6l3VYzYcC7B5j2kcD34lo1sBACv0rdXHqp+qjm44FmD9jjY+/x9rHA8AANbie6u7qzdWX7HhWIDV+4rG5/3uxucfAGDt/nJ1qvrz6n+oDm02HGAFDjU+33/e+Lz/5c2GAwBQD6teV322+ifV5282HGAPfH7j8/zZ6rWNzzkAwL7yldWPVX9Y/ePNhgJchn/c+Bz/WONzDQCwr/2t6ueqO6obNxwLsHMnGp/bn2t8jgEArihPqN7WGC3nRdVf3Gw4wBJ/sfH5/Fjj8/qEzYYDAHD5vrb6icboOT9QPWSz4QCNz+EPND6XP9H4nAIAHChfWb2+MZrOP68evtlw4Kr08OrVjc/hrenjAQBcBb6kekVjdJ3/ubpms+HAVeGaxufts43P35dsNhwAgPV7QPXfV3dWb6n+7mbDgQPp7zY+X3c2Pm8P2Gw4AACbd6/qO6rfqN7fGInHXCJw6T6/8Tl6f+Nz9R2NzxkAAAuur362+veNdup/c7PhwBXlaxqfm3/f+Bxdv9lwAACuHEeqH6o+Wf1i9YzNhgP72jMan5NPNj43RzYbDgDAle2bqndXv1u9NJ1nocbn4KWNz8W7G58TAAD20KMaw/h+rvpX1ZM3Gw5sxJMb+f+5xufh2s2GAwBw8N2vekH1b6o/aMwp8nUbjQhW6+saef4Hjbx/QeNzAADAmj2y0Qzlw9WvVy+p/tpGI4K98dca+fzrjfx+aSPfAQDYJ45Vr23Md/Ce6vnVF240ItidL2zk7XsaefzaRl4DALDP3dBoJ//n1c80RgnSZIX96H6N/PyZRr7+q0b+AgBwBbp/9Y+qn6/uqd5R3Vh96SaD4qr3pY08fEcjL3++kaf332RQAADsrftX/6D68equ6n3V91dHNxkUV42jjXx7XyP/fryRj4oOAICrxBMbIwudrX6remV13UYj4qC5rpFXv9XIs9c08g4AgKvctdVN1e3Vp6qfqL6lesQmg+KK84hG3vxEI49ub+SVuToAANjWkcZJ5E9Wn6h+u3pT9azqYRuMi/3nYY28eFMjTz7RyJtvaeQRAADs2t+svr362eqPGvMyvK56WnVog3Gxfoca7/vrGnnwR428+PZGngAAwJ57dPWi6p3VZxvNbF5TfXMmijtoHtl4X1/TeJ8/23jfX9TIAwAAWLuvr76nuq36ncYIR++qTlVPrb5kc6GxC19S/f3G+/auxvv4O4339Xsa7zMAAOw7D62eVP3TxvwOn6o+Vr21+r7qCdUXbSo4qvH6P6Hxfry18f58qvF+/dPqGxrvIwAAXJEeUR1vDMn6y9UfV3dO/39D9R3V38sEiXvtSxuv63c0Xudfbrzufzz9/5WN9+XhmwkPAADW54urx1ffVv2P1burP6g+U/0f1Zurk9WTq6/MhHXbuX/j9Xly4/V6c+P1+0zj9Xx39frG6/z4xusOAABMDlXHGkO53lL9QnVH9Z8aoy59oHp7o2j53uq/qR5THa4+b/3hrtTnNZ7XYxrP83sbz/vtjdfhjxqvyx2N1+lV1XMbr58RygAA4DI9pDGp3VMbQ7/eXP1U9avV71f3VB9vjNj0rum+11c/VH1X9Q+rGxodqr+6MY/FX1pT7H9peryvnh7/hime75rie/0U77um+D8+PZ/fr9433Xdz43k/tfE6PGRNsQMAAEvcq/qy6mur/6p6ZvWC6iWNqwM/Wv0v1Xsb81h8snEF4c+qP2n0jfjDRqfs365+s/pgoyD41eqXqtONfhSnp79/dbr/g9P6vz1t/4fT/v5k2v9/mh7v16fHf9sUzy1TfN86xftfTvF/2fR8AACAA+Y+jb4UX1j91cbJ/yOqv1Edbcx58Xeq6xoFwpOnf6+blj96Wu9vTNt92bSfL5z2e5/1PRUAAAAAAAAAAAAAAAAAAAAAAAC4iEPViU0HAQAAHHwnqrsakw0CAAD8/46taL+3pQABAADmHGoUCqtwMgUIAAAw51R1ekX7VoAAAMABcaTRz+Lkktuhbda7fmEfswLh7PT/4wvbnZxbfqjlrp/WObFkncUC5NhCnKtq+gUAAOyh440T+1sbJ/Jnp79Pd24Bcrw6My27dW6d2qssMjkAAAWGSURBVCowlhUgs/2fmm53Tbf5AuPotN18DHdNy2eWFSCzfZ1KAQIAAPveocYJ/K1zy450bnExW7ZYNMwKgvkrHYvbNW03v2xWkMwXDLOiZebYtM58f5LFAuT4FPd2V1MAAIB9Znaif3Jh+ZnOLRpOtVUkzG6LV0Fa8neNZlWz5lqHpn3NFyCzguTIwnYnWn4FZLaPxSZgAADAFeBso+CYt3hV5HTnFyDzfTpmlhUgNYqLW6d9zIbTnRUgO+1cPlvvdOc3zwIAAK4QRxqFwazPx+lGQTLftOl0249uNX/lYlkBcrxRMMwKldlVl8UCZPEKSC2/AnJ02t9ijAAAwBXg+sbVieNtP0rVrNnUsqsO8823FguQo9OyE3PLFguQWROsxWZgLWw3f6VEEQIAAFeou9oaxvZYy4uMWdFwV+f257h1Yf1ZUTDbZrbdqbl1ZoXE9dM+Zh3h5wuV2b7n+3nM+pzMXD/9rQgBAIAryJnGifzibb7ZVG1dqZi/He9cs/4dZxpFx3xxMevYfqKt4XpnBcbRufVmt/mi5dTc/be1VdzcNbevZVdQAACAfeZEo5BYnIjwtsYJ/rz5iQiXXSk5NLe/+W0WJxc80fnzdsy2XbbvxY7vswJkcTkAALCPzfp/bOe2C9wHAACwK7MheJf1obg+VxUAAIA9NBsidzZ61ex2JsUHAACwAofautqx3TC8AAAAAAAAAAAAAAAAAAAAAAAAAAAAAAAAAAAAAAAAAAAAAAAAAAAAAAAAAAAAAAAAAAAAAAAAAAAAAAAAAAAAAAAAAAAAAAAAAAAAAAAAAAAAAAAAAAAAAAAAAAAAAAAAAAAAAAAAAAAAAAAAAAAAAAAAAAAAAAAAAAAAAAAAAAAAAAAAAAAAAAAAAAAAAAAAAAAAAAAAAAAAAAAAAAAAAAAAAAAAAAAAAAAAAAAAAAAAAAAAAAAAAAAAAAAAAAAAAAAAAAAAAAAAAAAAAAAAAAAAAAAAAAAAAAAAAAAAAAAAAAAAAAAAAAAAAAAAAAAAAAAAAAAAAAAAAAAAAAAAAAAAAAAAAAAAAAAAAAAAAAAAAAAAAAAAAAAAAAAAAAAAAAAAAAAAAAAAAAAAAAAAAAAAAAAAAAAAAAAAAAAAAAAAAAAAAAAAAAAAAAAAAAAAAAAAAAAAAAAAAAAAAAAAAAAAAAAAAAAAAAAAAAAAAAAAAAAAAAAAAAAAAAAAAAAAAAAAAAAAAAAAAAAAAAAAAAAAAAAAAAAAAAAAAAAAAAAAAAAAAAAAAAAAAAAAAAAAAAAAAAAAAAAAAAAAAAAAAAAAAAAAAAAAAAAAAAAAAAAAAAAAAAAAAAAAAAAAAAAAAAAAAAAAAAAAAAAAAAAAAAAAAAAAAAAAAAAAAAAAAAAAAAAAAAAAAAAAAAAAAAAAAAAAAAAAAAAAAAAAAAAAAAAAAAAAAAAAAAAAAAAAAAAAAAAAAAAAAAAAAAAAAAAAAAAAAAAAAAAAAAAAAAAAAAAAAAAAAAAAAAAAAAAAAAAAAAAAAAAAAAAAAAAAAAAAAAAAAAAAAAAAAAAAAAAAAAAAAAAAAAAAAAAAAAAAAAAAAAAAAAAAAAAAAAAAAAAAAAAAAAAAAAAAAAAAAAAAAAAAAAAAAAAAAAAAAAAAAAAAAAAAAAAAAAAAAAAAAAAAAAAAAAAAAAAAAAAAAAAAAAAAAAAAAAAAAAAAAAAAAAAAAAAAAAAAAAAAAAAAAAAAAAAAAAAAAAAAAAAAAAAAAAAAAAAAAAAAAAAAAAAAAAAAAAAAAAAAAAAAAAAAAAAAAAAAAAAAAAAAAAAAAAAAAAAAAAAAAAAAAAAAAAAAAAAAAAAAAAAAAAAAAAAAAAAAAAAAAAAAAAAAAAAAAAAAAAAAwEX8f+wA1zCLGjWOAAAAAElFTkSuQmCC">
+            <a:extLst>
+              <a:ext uri="{FF2B5EF4-FFF2-40B4-BE49-F238E27FC236}">
+                <a16:creationId xmlns:a16="http://schemas.microsoft.com/office/drawing/2014/main" id="{48C843A3-4C91-4740-A0EB-AB94629C0D1B}"/>
+              </a:ext>
+            </a:extLst>
+          </p:cNvPr>
+          <p:cNvPicPr>
+            <a:picLocks noChangeAspect="1" noChangeArrowheads="1"/>
+          </p:cNvPicPr>
+          <p:nvPr/>
+        </p:nvPicPr>
+        <p:blipFill rotWithShape="1">
+          <a:blip r:embed="rId2">
+            <a:extLst>
+              <a:ext uri="{28A0092B-C50C-407E-A947-70E740481C1C}">
+                <a14:useLocalDpi xmlns:a14="http://schemas.microsoft.com/office/drawing/2010/main" val="0"/>
+              </a:ext>
+            </a:extLst>
+          </a:blip>
+          <a:srcRect l="10224" t="21664" r="28374" b="45620"/>
+          <a:stretch/>
+        </p:blipFill>
+        <p:spPr bwMode="auto">
+          <a:xfrm>
+            <a:off x="311700" y="1098982"/>
+            <a:ext cx="2945216" cy="1176949"/>
+          </a:xfrm>
+          <a:prstGeom prst="rect">
+            <a:avLst/>
+          </a:prstGeom>
+          <a:noFill/>
+          <a:extLst>
+            <a:ext uri="{909E8E84-426E-40DD-AFC4-6F175D3DCCD1}">
+              <a14:hiddenFill xmlns:a14="http://schemas.microsoft.com/office/drawing/2010/main">
+                <a:solidFill>
+                  <a:srgbClr val="FFFFFF"/>
+                </a:solidFill>
+              </a14:hiddenFill>
+            </a:ext>
+          </a:extLst>
+        </p:spPr>
+      </p:pic>
+      <p:sp>
+        <p:nvSpPr>
+          <p:cNvPr id="6" name="Rectangle 5">
+            <a:extLst>
+              <a:ext uri="{FF2B5EF4-FFF2-40B4-BE49-F238E27FC236}">
+                <a16:creationId xmlns:a16="http://schemas.microsoft.com/office/drawing/2014/main" id="{B354D9EC-8076-413B-A3D4-5956D562351F}"/>
+              </a:ext>
+            </a:extLst>
+          </p:cNvPr>
+          <p:cNvSpPr/>
+          <p:nvPr/>
+        </p:nvSpPr>
+        <p:spPr>
+          <a:xfrm>
+            <a:off x="3594899" y="1332426"/>
+            <a:ext cx="64800" cy="648000"/>
+          </a:xfrm>
+          <a:prstGeom prst="rect">
+            <a:avLst/>
+          </a:prstGeom>
+        </p:spPr>
+        <p:style>
+          <a:lnRef idx="2">
+            <a:schemeClr val="accent1">
+              <a:shade val="50000"/>
+            </a:schemeClr>
+          </a:lnRef>
+          <a:fillRef idx="1">
+            <a:schemeClr val="accent1"/>
+          </a:fillRef>
+          <a:effectRef idx="0">
+            <a:schemeClr val="accent1"/>
+          </a:effectRef>
+          <a:fontRef idx="minor">
+            <a:schemeClr val="lt1"/>
+          </a:fontRef>
+        </p:style>
+        <p:txBody>
+          <a:bodyPr rtlCol="0" anchor="ctr"/>
+          <a:lstStyle/>
+          <a:p>
+            <a:pPr algn="ctr"/>
+            <a:endParaRPr lang="zh-CN" altLang="en-US"/>
+          </a:p>
+        </p:txBody>
+      </p:sp>
+      <p:sp>
+        <p:nvSpPr>
+          <p:cNvPr id="7" name="Rectangle 6">
+            <a:extLst>
+              <a:ext uri="{FF2B5EF4-FFF2-40B4-BE49-F238E27FC236}">
+                <a16:creationId xmlns:a16="http://schemas.microsoft.com/office/drawing/2014/main" id="{A73FC111-A744-4F5E-9880-FB2C4D736262}"/>
+              </a:ext>
+            </a:extLst>
+          </p:cNvPr>
+          <p:cNvSpPr/>
+          <p:nvPr/>
+        </p:nvSpPr>
+        <p:spPr>
+          <a:xfrm>
+            <a:off x="3747299" y="1332426"/>
+            <a:ext cx="64800" cy="648000"/>
+          </a:xfrm>
+          <a:prstGeom prst="rect">
+            <a:avLst/>
+          </a:prstGeom>
+        </p:spPr>
+        <p:style>
+          <a:lnRef idx="2">
+            <a:schemeClr val="accent1">
+              <a:shade val="50000"/>
+            </a:schemeClr>
+          </a:lnRef>
+          <a:fillRef idx="1">
+            <a:schemeClr val="accent1"/>
+          </a:fillRef>
+          <a:effectRef idx="0">
+            <a:schemeClr val="accent1"/>
+          </a:effectRef>
+          <a:fontRef idx="minor">
+            <a:schemeClr val="lt1"/>
+          </a:fontRef>
+        </p:style>
+        <p:txBody>
+          <a:bodyPr rtlCol="0" anchor="ctr"/>
+          <a:lstStyle/>
+          <a:p>
+            <a:pPr algn="ctr"/>
+            <a:endParaRPr lang="zh-CN" altLang="en-US"/>
+          </a:p>
+        </p:txBody>
+      </p:sp>
+      <p:pic>
+        <p:nvPicPr>
+          <p:cNvPr id="3074" name="Picture 2">
+            <a:extLst>
+              <a:ext uri="{FF2B5EF4-FFF2-40B4-BE49-F238E27FC236}">
+                <a16:creationId xmlns:a16="http://schemas.microsoft.com/office/drawing/2014/main" id="{271A3C0A-4D7E-4F1C-944B-5BD610B09C2A}"/>
+              </a:ext>
+            </a:extLst>
+          </p:cNvPr>
+          <p:cNvPicPr>
+            <a:picLocks noChangeAspect="1" noChangeArrowheads="1"/>
+          </p:cNvPicPr>
+          <p:nvPr/>
+        </p:nvPicPr>
+        <p:blipFill rotWithShape="1">
+          <a:blip r:embed="rId3">
+            <a:extLst>
+              <a:ext uri="{28A0092B-C50C-407E-A947-70E740481C1C}">
+                <a14:useLocalDpi xmlns:a14="http://schemas.microsoft.com/office/drawing/2010/main" val="0"/>
+              </a:ext>
+            </a:extLst>
+          </a:blip>
+          <a:srcRect l="5238" t="13995" r="24309" b="27895"/>
+          <a:stretch/>
+        </p:blipFill>
+        <p:spPr bwMode="auto">
+          <a:xfrm>
+            <a:off x="4149714" y="688025"/>
+            <a:ext cx="3231199" cy="1998863"/>
+          </a:xfrm>
+          <a:prstGeom prst="rect">
+            <a:avLst/>
+          </a:prstGeom>
+          <a:noFill/>
+          <a:extLst>
+            <a:ext uri="{909E8E84-426E-40DD-AFC4-6F175D3DCCD1}">
+              <a14:hiddenFill xmlns:a14="http://schemas.microsoft.com/office/drawing/2010/main">
+                <a:solidFill>
+                  <a:srgbClr val="FFFFFF"/>
+                </a:solidFill>
+              </a14:hiddenFill>
+            </a:ext>
+          </a:extLst>
+        </p:spPr>
+      </p:pic>
+      <p:pic>
+        <p:nvPicPr>
+          <p:cNvPr id="3076" name="Picture 4" descr="data:image/png;base64,iVBORw0KGgoAAAANSUhEUgAAAyAAAAJYCAYAAACadoJwAAAgAElEQVR4nO3de7RkZ10n/C8XlXsgxxcEhBwPs5DrdDSgS20wEG80kUQgoUV4RZR0GPCFV6VFQWKQThAS4zjQGUReFFEzaAADDI0aowgINJiAMobYjFxEMjA2IzdR1H7/+O29qrq66vS5VNXederzWatWd9XZteup/d2XevZ+nmcnAAAAAAAAAAAAAAAAAAAAAAAAAAAAAAAAAAAAAAAAAAAAAAAAAAAAAAAAAAAAAAAAAAAAAAAAAAAAAAAAAAAAAAAAAAAAAAAAAAAAAAAAAAAAAAAAAAAAAAAAAAAAAAAAAAAAAAAAAAAAAAAAAAAAAAAAAAAAAAAAAAAAAAAAAAAAAAAAAAAAAAAAAAAAAAAAAAAAAAAAAAAAAAAAAAAAAAAAAAAAAAAAAAAAAAAAAAAAAAAAAAAAAAAAAAAAAAAAAAAAAAAAAAAAAAAAAAAAAAAAAAAAAAAAAAAAAAAAAAAAAAAAAAAAAAAAAAAAAAAAAAAAAAAAAAAAAAAAAAAAAAAAAAAAAAAAAAAAAAAAAAAAAAAAAAAAAAAAAAAAAAAAAAAAAAAAAAAAAAAAAAAAAAAAAAAAAAAAAAAAAAAAAAAAAAAAAAAAAAAAAAAAnVpLsrfrQgAAADvbWpKDSY4lOdRxWQAAgCVxJCogAADAnByKCggAADAnKiAAALBEVpLsS7I/ye6M7xC+q/n7/ub/o/Y0703z7/6h56PWRj5PBQQAAJbEWpKjqc7g+1P9MY6NTHMgVUHY3/x7rPl/UpWR4dcONs/b+ewZmdfe5vWDzXyPNg8VEAAAWAJtpaK1kqo8tPbmxMpBW+FYa57vzmAkq/a1lZw4ulU73fAVll1jpgMAAHaovakrEMPNqoabTh3O4OpH+xi9CrJ75HlrtGnVVTm+cjP6GQAAwBI4kKpAXJUT+220Vyf2j3kM9/nYSAVk0pUOfUAAAGDJjN4UcKV5fVzFYvg9iQoIAACwQaNXPNo+Gfua54dTzaZWRqZby6Avx0YrIG2H81EqIAAAsCT258Rhd49kUJnYn6pcHM6gn8haqrlWWylZrwJyeOh529TrwMh0bSUHAADY4doKxlUZdDA/kkHzqmTQNKt9DHda3928t319f/PeA0PTH2heW8mgA3vbr+RAqgIyPB0AALBD7c7gxoHt1ZDR5lbJ4EaE+3J8JWH4ve1jbcJrrT05/srL3qh4AAAAAAAAAAAAAAAAAAAAAAAAAAAAAAAAAAAAwLpOSfKAJA9J8vAk35fksUmelOSCJM9K8jNJfiHJ5UmuTPIbSX43yVuSXJfk3Uk+mLpz+geb59c1f//dZvorm/f/QjO/Zzfzf1Lzed/XfP5DmvKcMssvDQAATN8tk6wmeViSH0ry3CQHk7wpyQ1Jjib5XJIPJTmc5E+TvDXJ65O8NsmvJvnlJJckeX6Sn0hyYZIfTnJekkcneUSSb03y4Ob/D26eP6L5+3nN9E9P8pNJfq6Z3y83839t83mHms8/3JTnc035bmjK+/Km/E9svs9q8/0AAIA5WUlyepLHJHlGkl9M8ttJ3pHkY0mOJfl48/x3mr8/o5n+9CSnzr/Im3JqJn+/j6e+38ea57+dE7/fyvyLDAAAO8Pdk+xJ8rwkv5fkI0n+T5IPpK4QHExdIfih1BWC07LzrxDcMvU9x13h+UBq+Xwktbyel1p+d++kpAAA0GP3Sp3FvyjJG1Nn+T+T5A9SZ/n3JvnGzkq3WL4xtbx+MbX8PpO6evL7SX4+tZzv1VXhAABg3r4h1Qn7RalO23+f5FNJ/nvz2uOSrHVWup1pLcnjkxxILedPpZb7WzJY5t/QWekAAGCKzkz98H1bkk/n+LPx5yS5d1cFW3L3Ti3/n0/l8fHU1ZK3pfI6s6uCAQDAZvyH1MhRVyf5x9QQtS9KjRB1jw7LxcndI5XTi1K5/WMqxwtTuQIAQOe+JsnZqWFm/yrJJ1P3wXhSkq/rsFxs39elcvyNVK5/lcr57FTuAAAwF7tS97g4lORfk1ybutneQ7osFDP3kFTO16ZyP5RaD3Z1WSgAAHaeU5M8Ickrk3w0yU2pG+X9QJI7dFcsOnSHVP4vT60PH02tH09I/++3AgBAD90jdSfwP0vypSTXJPnxJPfvslD01v1T68c1qfXlz1Lrzz27LBQAAP12qyRPTP2I/GKSV6VudneLLgvFwrlFar15VWo9uiZ148RbdVkoAAD646xU85nPJXlzkicn+apOS8RO8VWp9enNqfXrlan1DQCAJfOgJL+Q5G+SvC/JTyX5+k5LxE739an17H2p9e5FqfUQAIAd6muTPDPJO5J8IslLY+QquvGQ1Pr3idT6+MzU+gkAwA5wXpLfS/KVJL+Zutkc9MWjU+vlV1Lr6XndFgcAgK34ltQQqf+Q5A+S/GiS23daIljf7VPr6R+k1tuXp9Zj2Ii1JHu7LgQALKNHpTr8fizJz6YOyrBo1lLr78dS6/Ojui0OPbaW5GCSY6mbYwIAc/LkJH+e5P2ps8iwU/xoar3+8yRP6rgs9NeRqIAAwMx9VZJnp+5E/QdJzu22ODBT56bW85uSPCuGiuZ4h6ICAgAzc/fUELr/kOR3kjys2+LAXD0std7/Q2o7+Lpui0NPqIAAwAw8KNXW+d+TvCzJA7otDnTqAant4N9T24V7inRrJcm+JPuT7M74DuG7mr/vb/4/ak/z3jT/7h96Pmpt5PNUQABgir4zyX9L8pkkFye5W7fFgV65W2q7+ExqO/nObouzlNaSHE1VBPen+mMcG5nmQKqCsL/591jz/6QqI8OvHWyet/PZMzKvvc3rB5v5Hm0eKiAAsE2PTfJHSW5M8v8kuVW3xYFeu1VqO7kxtd08ttviLJW2UtFaSVUeWntzYuWgrXC0I/XtzmAkq/a1lZw4ulU73fAVll1jpgMANmFvkuuTvDPJEzsuCyyiJ6a2n+vj3hDzsDd1BWK4WdVw06nDGVz9aB+jV0F2jzxvjTatuirHV25GPwMA2ISHpUb5eXeSszsuC+wEZ6e2pz9I8vCOy7LTHUhVIK7Kif022qsT+8c8hvt8bKQCMulKhz4gALAJ90ny6iSfSHJBx2WBneiCJB9PbWf36bgsO9noTQFXmtfHVSyG35OogADAXNw2ddbw31KdaG/dbXFgR7t1kp9PbW8HUtsf0zF6xaPtk7GveX441WxqZWS6tQyayG20AtJ2OB+lAgIAJ/GMJJ9K8sokp3VcFlgmp6W2u0+ltkO2b39O7GtzJIPKxP5U5eJwBv1E1lLNtdpKyXoVkMNDz9umXgdGpmsrOQDAiHOTvD/JW5J8W8dlgWX2bant8P1JfqDjsiy6toJxVQYdzI9k0LwqGTTNah/DndZ3N+9tX9/fvPfA0PQHmtdWMujA3vYrOZCqgAxPBwBL71uSvCnJDUke13FZgIHHpbbLN6W2UzZvdwY3Dmyvhow2t0oGNyLcl+MrCcPvbR9rE15r7cnxV172RsUDAJIkX5/kvyb5dOoeBUA//XhqO/2vqe0WAGCh3CLJC5J8JcmLk9y+2+IAG3D71Pb6ldT2e4tuiwPATnaf1DCNFyV5RZJrkrwvySdTbUo/2Ty/pvn7Rc30hnOcvUXM5klJPprkNUnu22E55mURM0Ju67lvavv9aGp77oqM+k0+3bL8+0MWm3BGagEcTnJzkg+nhkK9MMljkjw0yT1TQzfes3n+mObvFzfT39y8/6JmfkzHomazkvrRcn2SR8zpM7uyqBktO7ltziNS2/NrMr5PwyzIqN/k0y3Lvz9ksQmnpC6vH0lyY5LLkpy5zXme2cznxma+L24+h81Z9GyemNqQfnFG8++DRc9oWclt+34xtX3/4Emmu/MW5y+jfpNPtyz//pDFFjwnyWeTXJnk9Bl9xq5m/p9tPo+NWeRs7pLk15N8IMlZU5xv3yxyRstMbtNzVmo7f3Vqux/nDUmessn5yqjf5NMty78/ZLFJT03VqF6X2S2wUac3n3ek+XzGW/RsnpDk75O8dLuF6rFFz2hZyW12Xpra7p8w8vqzU22dr9/gfGTUb/LpluXfH7LYpNUkb09ybbo7M31W8/lvb8pDWc1iZ3NKkv8vyV8m+e7pFqs3VrPYGS2r1chtHr47tf2/KtXs6vTUGbv2pnmr67x3NTIa55YznPcbsvHvuRr5dGk1ln9frEYWm/bIVI/753ZdkMZzU+V5ZNcF6YFFz+a8JH+X5PKZlah7i57RspLb/F2euhrytzn+Lt+vnjD9VjI6Pcnzs7GRZZ6fzZ2hnHVGt03yTak+ci9M8ptJfj/JH6fK/eEkn0ryhdT3+ULz/MPN3/+4mf43m/c/sZnfbTdRhnObeV+3gWmXLZ++sfz7QxZb8LQkX079UOyT81LlelrXBdmGtQzuOrsVi5zNHZO8MsmHknzvPArVkUXOqC/au0LPk9y68/ocX/k4lroaMmozGT0iVbm5MclNSa7IxkaWuaKZ/sbm/RsZjW9aGa0087osyZtTTSf+JckHk/y31Kg3T05yTupHxEOSfGOSeyS5QzOPOyS5e/P6Q5ryn9O87+JmPh9s5nuk+ZzLms+dNErZGzLI5dx1yr/T8+k7y39zZnmckcUWXJr6gdjXobzOSJXv0q4LsklrSQ6mduCHtjiPRc7mcUk+ltpgdvKNyRY5oz7YleSq1Hayf46fK7fuPCUnVj7ax1OGpttoRuckeU+S96ZuhLjVTM9o3v/eZn7nbGD6rWR0ZpJfSPKuJF9K8qYkP9183qzvgXTf5nN+uvncLzXl+IUMRuU5PSdWDFfHzGun5rMoLP+Nm/VxRhZbcGlqmMRJo5P0xV1S5ezVwtugI9laBWRRs7l96lLhXyd5VFeFmpNFzahvdmW+FRC5dWc1x/f7GH18oJluIxntTvKWJDckOX/K5Ty/me9bsv4Z041k9FVJfiTJG5N8Psm7kxxIf0YAPCtVnnenyvexnJjLG0bes5PyWUSW/+bN6jgjiy14WqpG1PeDcOsuqfL28jLSOg5l8xWQRc3mYKpd939OcqtOSzR7i5pRX7efeVVA5NatZ6f6FVyfE/uAtI9X5eQZXZ7kE0mePsvCNvP/RNbvvzYpo29L8vIkn0tVPvYm+b9mUMZp+uYkX8z4XNqmWBvZhhYhn0Vl+W/dtI8zstiCR6bahPW1+cEkZ6TK3esONSM2WwFZ5Gz+LcnPdl2QOVjkjPq6/cyjAiK3/lpNNf15bZKvZHJGd0r9mL86ye3mUrL6nKubz73ThGnajB6T5MdTTSNuTHUaPW0OZZyWizL56tSXkvxY1t+G+p7Pom9DJ9uHWf7rm+ZxRhZbsJrqFd+3jpcbdV6q/KsbnH4lyb7USrc74zuE72r+vr/5/6g9GVza2j00r3HWRj5vMxWQ1SxXNuvZlUFWe1PLdPTv62U2Os3aFMqUyGicvTl5FitD043bBkcPDPtHHtu1Grn13WrWz+j0VGfql8yrQCNe0nz+pFFozsugudL3zatQU3TnTG4e94Uk/ydVOVzkfLa6DfXheLSaxd8+trMP69NxZjXLncWWvT39GXJyq56b+h4ns5bkaKpp0P5Uf4xjI9McSFUQ9jf/Dq+gu0ZeO9g8b+ezZ2Ree5vXDzbzPdo8NloBWaZsJlnJ8Z3396eW4bEMKn3rZdbO49CYabYzGllLRgMrSQ43j0lZJLXcj6Rya7eLwzl+BJ7R97UdBg9lOhUQufXfehmdnmoadOH8ijPWhU05Jh3YFzmjc1OVpytSTeXOTH3POzd/X8Z8+nQ8Wsbln/TzOLOsWWzLU1M3J9kJrs3J7/TYrqytldQK2tqbEysH7crdnqHYncEK2r62MvRaRqYb3qnsGjPdJMuWzckcS+1AdmVwViPZWGYHx0zTzm87ZHS8fTn+QJycOOjC2php9jevDZ9FHD4wtAfsaQ2XKLf+Wy+jO6XO5nV9QG9dmCrPpCYOOzGjZc+n6+PRMi//vh1nljmLbTmS/oy8sV1n5fjKxDh7M9hptIZXtsMZ1Hzbx2jtenfG17ZHm1ZdNaE8h7OxCsiyZXMykypuJ8us3RGNnl3akxOvWG2WjI63klrm7Rmm3TnxwHBwzOeMvi8Z5Le7ec+k+xNshdz6b72M3pjumjJM8pJUucbZiRktez5dH4+Wefn37TizzFls2XOSvG4eHzRHr0t9r/UcSK10V+XEmu7wpbfRx3Cfj41UQCbtoDbSB2RZs1nPpOV5sszavKZ9syEZTdZe+m4r4cO5bbQPVJtr24RxWuTWf+tldHmqU2UfXZ3JI87spIzk0+3xyPIvfTjOyGILTkl1LtvMLdwXwemp73XKSaYbvSlgW+tdb0SE0SZYs6qALHs2k6y3w18vs3FN4Vor2VrnPxmN17bNvSqD5Tq6vrd9psYZvjI53M9qWv115NZ/62W0OzWs5LxGkNms26XKN+7H5U7JSD6lq+OR5d+f44wstujFSa6c1cw7dmXq+40zurDbPhltm8DDqZV29DLcWgYr5kYrIG2H81Enq4AsazYns94l7/Uyay95j3vv6MglGyWj8a7Kiev86Pre7uhHt8XhdtTJ8dvYtCohcuu/9TJ6S2Y/dv52PT1VznF2QkbyKV0djyz//hxnZLFFRzJ52LJFd3om13zHDcV2JIMVsO2kdDiD5bOWWuGH2xtOqoAcHnreNvU6MDJdu4OaZFmzOZk2l1EbyWz4Emv72r6cmM1GyWi8djm3y3itmVeb20oG28/RDA4Oazl+UIf2ID28jR3O9ishcuu/SRmdk7q77yK4IVXeUTshI/mUro5Hln9/jjOy2IIzUjdE2sluzPibwbQ7h6sy6Bx2JMdf9mxrwe1juNP67gyGaTuaQaeyA0PTH2hea0dUGG4TeiCDFbydbtgyZzPJcHO5dqc9utzWyywZXLIdnma46d1myGiydvtqh5puh6McPdjuzYl5DV9hPJTjt7FksN2189psG2q59d96Gb0nyflzLMt2nJ8q7ziLnJF8uj0eWf6lD8cZWWzRRUkum/ZMe+ay1Pcc1XYCazuF7c34jb69QdC+HL9zGX5v+1ib8FprT46/8rI3k9t5LnM2k5xs+bYmZTZsbzPNdka/ktH62mXc7rh3pTIZ1yRho9tYxry22QqI3PpvUkaPSN1JfJG8N1XuUYuckXy6PR5Z/gNdH2dksUWHUzcU2snOzPjLo30nm/6T0WKSW/9NyujyJC+Yb1G27QUZP8rMmVncjOTTLcu/P2SxBfdJcvM0Z7gBo1cA5uXm1PddFF1kkwyuCs3TomXTmndGw2fbZLR1XeY27z4ni5rbehnNutlSm9c0rddEYxEz6iKf9iz38GNa9wNatHy63D5WMvgdN63j0KIt/2HzzKJd7uvdGmK75pbFBUk+PK2ZnUTbB6Lt5H24eUzzhmLr+XDq+y6KeWaT1M69bYc67YPvySxaNq15ZjTafnU7/Va2YlEzGmfeubVj0h/NiXfenbVFzW1SRqcnuWnGn93uB6ftpowfonMRM5p3Pm0H4dH93zQtUj5dbB8rGfRvPZKt9b1bzyIt/2HzzOJITtwO2sc0T+rPJYuLklw8rZmdxIHUAbj9wbSSwU1j5uHi9Kut7cnuPTDPbJLBWY0uKiB9y6bVl4zWUj+Kdo88n2dWfc1onD7lNnwzq3afNzxiy6wtUm7DJmX0/CRXzPBzhwcGmbYrUuUftYgZzTufg6kfWLuHHlu5Z9N6+pTPVvdhs1r+bUf54Y7b09an5T+sL1nszeR+LdM+pswli1ckuXBaM1tHu4BGh5VrRy+YR7OEC1Pfty8uSnJ9Jq/c88pm2KQhhWetb9m0+pLRuI6N640fPwt9zWicvuQ27gfSPPd5yWLlNmxSRrPMbk/qh26b0bRNymIRM5pnPu2wqnsy24p7n/LZ6j5sFst/uPIxy/1Wn5b/sL5kMWnZ78v0T+TPJYtrkjxmWjNbx77UDn10dId5/uB9TOr79sVFGVw6G1dLnlc2w7qqgPQtm1ZfMpp0mftkN7Gcpr5mNE5fchunPcM+L4uU27BJGc0qu/aeACuZXQVkUhaLmNE882mHRx0dInXa+pTPVvdhs1j+bbOrWffb7dPyH9anLMY5nOlnM5cs3pfkodOa2TrasZRHf0i1P3jn8SPqoanv2xfDK/Wx1K3unzL093llM6yrCkjfsmn1MaNhwzfNnLW+ZjROX3Pbnfnf/HCRchs2KaNZZXcog1xmVQGZlMUiZjTPfHanTmIO309jFk23+5TPVvdh017+Kxn0+VhJ5bDdoesn6dPyH9aXLMZZy4l3gZ+GuWTxyST3nNbM1tGeweiyAnLP1Pfti9GVun1cn2Q188tmWFcVkL5l0+pjRq1dOb5P1az1NaNx+pbb8E2uhvvyzMMi5TZsUkazyO5Ajv9BNasKyKQsFjGjeeYzbJb93/qUz1b3YdNe/m3rlba/bnvD5mM5vn/bNPRp+Q/rSxbjtBXzaZtLFseS3HpaM1tHHyogt0zytkweQaCPj3lkM6yrCsgiZtNVRq1Dmc1ZqEkWOaOuc2tvcjV8t+N5VUJumeSn5vRZ0zQpo2lntyeT+yZO26QsFjGjeeUzzkrq5MuRKc93vXz6uO+bx/Jvm1+NHmvaVi3TbPqzaMt/3lmMcziz+R0wl31VX66AzGMkrK5r0aMuyvgV+bpUZydXQLrXx4ySOusx7/vo9DWjcfqaWzIYTnleo/8tUm7D5nFWse3cPDqefnu8mvb9qvp6hncrujzrmwzOzE9Tn/LZ6j5s2st/UvP5XZn+fqxPy39YX7IY1baCmIW5ZDGvttDtGaXRmto8h33tuh3hqNGV+rNJnp3kzs3f9QHpXh8zGnfGdh76mtE4fcxt2OHMb/CARcpt2DzaVbf7u/Ue08ypr23ct6LLdu/JoD/VNPUpn63uw6a9/NvfbuOu2C7L9tGXLEYdyGyaXyVzymJevfQnDcPbXt6b9nje43Q9ksKo4ZX6ulRbwmFGwepe3zLalW4qH0l/Mxqnb7mNOpj5XQFZpNyGdTmyjFGwTq7rkX/aztDT1Kd8troPm/byb38TjB53Via8vh19Wv7D+pLFqCOZXVPeuWQxz3tNHMz4GxHOqgY3quuxpEddlOrEdO6Ev7sPSPf6lNHujN/Zr2U576Oznr7ktisnNuFp26+7D8j6urgPSMt9QE5unvc+GL352q4Mhkyepj7ls9V92Cy2j0M5ccCTfWNe264+Lf9hfcqitSvTvwI4bC5ZXJT53W27vZnN4dQO/khmsxOZpOu7aY5azeAS3jjzzCY5vpPsPId3TfqXTWs1/cio7Tcw6TGPDs19zWic1fQjt3bY0HZ7au8BMs9RsBYpt2GTMpr1ndCT2VVA+nqn562YVz7DozC129BVmc3vhj7ls5qt7cNmsX20v93aDNqTydM+idKn5T9sNf3JonUgs20NMZcsLkjy4WnNbIP2ZnbjSK/nw6nvuyjmnc1oR8x5VkAWLZvWvDIal0372DeHz08WN6Nx5pXbSgb7u/2Zb8Wjtai5Tcro9CQ3zfiz21HLpu2mjL+b8iJmNM982m1oX2Z75XCR8uli+2hz2JvZVAAXafkP6yqLWXZdmEsW90ly87Rm1nM3p77vopBN/8loMcmt/9bL6MYkZ8yxLNNwRqrc4yxiRvLpluXfH7LYhsNJzpzmDHvozNT3XDSy6T8ZLSa59d+kjC5P8oL5FmXbXpAq96gzs7gZyadbln9/yGKLLkpy2bRn2jOXZfHa2CayWQQyWkxy679JGT0iyXvnXJbtem+q3KMWOSP5dMvy7w9ZbNF6l1t2ikW8DJbIZhHIaDHJrf/Wy+g9Sc6fY1m24/xUecdZ5Izk0y3Lvz9ksQ1HMr7DyU4w6+HKZk02/SejxSS3/puU0TlJbphzWbbqhlR5R+2EjOTTLcu/P2SxRS9OcuWsZt6xK1Pfb1HJpv9ktJjk1n/rZfSWJE+fY1m24umpco6zEzKST7cs//6QxRadkrq9/E47G3h66nud0nVBtkE2/SejxSS3/lsvo91JPpHkdnMt0cbdLlW+ccMv75SM5NMty78/ZLENz0nyull+QAdel/pei042/SejxSS3/lsvo8uTXD3HsmzG1Rk/mkxyYkZ3To0yc1GS61IH/NUZlm2aliGfPrP8+0MW23AkyVnz+KA5OCuL1X7wZGTTfzJaTHLrv/UyemOSl8yxLBvxklS5xjkryf9O8stJXp3k+lSF49jQ4w1zKOO0fFvqztjPnPD3Rcxn0bahnbZ9LNryHyaLLXpqkmvn9WEzdm3q++wUsuk/GS0mufXfehndKckHk1w4v+Ks68JUee404e/XJvlAjq9wjD7OnX0xt+V7k/yXJB9Nfde3ZGfls2jb0E7bPhZt+Q+TxTa8Pclz5/mBM/Dc1PfYaWTTfzJaTHLrv/UyOj3JF9P9gf3CphyT+hUNZ/SGjK98fCnJw2dbzE37ptR3e03qasc7Ut/lgUPT7LR8Fo3l3x+y2KLVJJ9Mct68P3hKzkuVf7XjcszCamTTd6uR0SJajdz6bjXrZ3R66mxeV00cXtJ8/qQD+mhGd041vxqtgHw0yV8l+XySP0pySWpozHvNptgnuFfzeZekzoB+vinPq5JcsE45VrOz8lk0q7H8+2I1stiyRyb5chbjBjDDzkiV+5FdF2SGZNN/MlpMcuu/k2V0p1R75qszvxFnbtd83hszuSnDpIxWM7n51alJHpXk55O8NfWD4J9TNwR7a5KDqc6hj0t1YH9okgckOS3J1ya5bTOf2zbPV1NXLL6lmf5xSX6qmc9bm/n+c/M5b20+91FNOTZqp+WzaCz//pDFNjwtyYeS3KXLQmzCXVLlfVrXBZkD2fSfjBaT3PpvIxldnhpWctZj7z+9+ZxJI8gkJ8/ozAwqH59NXRmZ5LapSsajU52+L0/y+tTIWe9tPuejST6TasrVNun6TPP6h5rprmved3kzn0c3820rLXkiciEAABaISURBVNux0/JZNJZ/f8hiGy5NcnP6fzC+S6qcH0ntzJfBomVzadcF6YCMFtP7U81O5NZfG9m2dqc6R1+f5Pwpf/75qbsGvyXjx85vbTSjK1KVhSumUrqBW055fhu10/JZNJZ/f8hiGy5N1Yj62izhjFT5Lk3yhZw4lOGrU2Orn5udd8OxRcpmWclocXxdkrcleW3qrq9y67eNblvnJHlP6sz/CzYw/SRnNO9/bzO/czYw/WYyui476wTaTstn0Vj+/XFpkr+NLLbkaak2YX3roHleqlzt5aL2LNKkxxuy/uXtRbQo2SwzGfXfw5L8z1S795bc+m8zGT0i1fzgxiQ3pY4XFyZ5TKr/xD2T3Lr596HN6xc2093UvO/yZj4n02Z0TerAflF2VuVio/qez07fhiz/fnhukv8VWWzZI1Od0/oyVOVzU+UZ7ihz50yufFyfnVf5aC1CNstORv31I0n+NckPjfmb3PpvKxmdnuT5SV6RqiS8r5nHsebf9zWvv6KZbjNXz4cz+smMPxF2Reqq/Oom5ruo+pzPMrD8u3VJanmdFllsy2pqXOBr092dg89qPv/tGb/z/tucuMP/7IRpd5LV9D+bZbcaGfXNgSR/neRb15lmNXLru9X0M6P1Toq1x6ad1jR4nNX0M59lsRrLvwsvS/LHOb7/x2pksS1PTd2e/XWZ387z9ObzjmT9OzOONsP6lyTvzHRG91gEfc6GIqPu3Ta1PN6UjQ8zKrf+62NG406KLVPlY1gf81kmlv/8/EZquNtbTfi7LLbpOamd6JVJds3oM05v5v/Z5vNO5swcv5N/SpJfSjXBWu8s507Tx2w4noy68a2p/cEvbfH9cuu/PmX06oyvfJw5o3JN01qSvTOYb5/yWUaW/+zcMtXM8jUbnF4W23BKasSYI6mOL5dl+zvWM5v53NjM98XN52xUe8ZpeEjDH03ylSTP2GbZFkkfs+F4MpqvZ6T2Az+6zfnIrf/6ktFTcnzl48upuxD3uU/iWuoGhceSHJrRZ/Qln2Vl+U/fnVNNm162yffJYgrOSI32cTg1nvCHk1ycjfXev7iZ/ubm/Rdl60OQXZHx46nvSvKuJL+e5DZbnPei6ks2TCaj2blNart/V6Z/lklu/ddlRsP9QD6b6nx+Seoq3IO297Vm7khmVwEZZhvqluW/fQ9KbdOXbHM+spiC+yS5ILUANtJ7/6Jm+vtM4bNXs/7ZpV9JDY34sCl81iLqMhs2RkbT87DU9v4rc/gsufVfFxl9NoPKR+sZzWtnb2O+s3Yo86mADLMNdcvy37yzU9vytFvYyGKHenKSLyb5ia4LAszMT6S28yd3XRCWWjvs7qhHp364PHO+xdmwLiogsEiemdqGH911QVgs90vyJ0l+Ozu8bRwsmVNS2/WfpLZz6NJ6V+QfmGq6cdmYv60k2Zdkf5LdGd8hfFfz9/0Z37xwT/PeNP/uH3o+am3k81RAYLKXprbdB3ZdEBbXS1Md18edoQIWy7mp7fmlXRcENuj2qZFzfi+D/olrSY6mOoPvT/XHODbyvgOpCsL+5t9jzf+TqowMv3awed7OZ8/IvPY2rx9s5nu0eaiAwPFuk+R3U9vs7TsuCzvA2alb2L88yVd3XBZg8746tf3elH63q4dJrkh1Hr1fBpWK1kqq8tDamxMrB22FY615vjuDkaza11Zy4uhW7XTDV1h2jZkOlt39UtvouIGOYMu+JnX256ZozweL5NGp7fZgajuGRfWs1JWHK5p/h5tVDTedOpzB1Y/2MXoVZPfI89Zo06qrcnzlZvQzgOTxqW3yWV0XhJ3rB1JNOH45yS06Lgsw2S1S2+nfprZb2Am+K8n/TPLOVAXiqpzYb6O9OrF/zGO4z8dGKiCTrnToAwLlktQ2+d1dF4Sd7w5JXpkavvN7Oi4LcKLvSW2fr0xtr7CTrCS5Osmfpu6q3FYSVpq/j6tYtEabYKmAwNbcO7UNXJ3BtgdzcX5qrOVfyvLdvBD66Dap7fGTqe0TdqL2Ksbzknw6ybNTFYV9zeuHU82mRn8UrWXQl2OjFZC2w/koFRCW2bmpbe95XReE5XWXJFcm+XjcTwC69OQkn0htj3fpuCwwS/szqEg8KrXeH82gMrE/Vbk4nEE/kbVUc622UrJeBeTw0PMDzXQHRqZrKzmwbC5O8nc5cbQ46MRZSf48ddfJB3dcFlgmD05td3+e5JEdlwXmoa1gXNX8/7okX0hybZLTmmkONtO0j+FO67ub97av709VUA4MTX+geW0lgw7sbb+SA6kKyPB0sNOdluRNqePN13VcFjjBTyb5cpIXdl0QWAIvTG1vP9l1QWCOdmdw48D2ashKkp9L8rkkT22ma29EuC/HVxKG39s+1ia81tqT46+87I2KB8vjqalt6+e6Lgis595JfjPJ/0jy2I7LAjvRY5P8dWo7u3fHZYE++fYk703yW0nu2nFZYNHdNclvp7apb++4LLBhj0nyl6lL3ZplwfY9OLU9/WVq+wLGuzTJzUl+sOuCwIL6wdQ2dEnXBYGt+unUpbv/HGekYCvumtp+PpfanoCT+65UZf3Xktyx47LAorhjapv5y1T/XlhoK6nhQb8Uw7bBZjwvtd38Uoy1DlvR3pDz3K4LAj13bgY3m4Yd5f5JXptawX+s47JAn/1Yajt5bWq7Abbu+1P9En8zg5GygHJaBn13v7/jssBMnZnkD5O8J9qyw7DHpLaLP0xtJ8D0XBwjx8GwdvTSi7suCMzTE5LckBq//eyOywJd+v7UdnBDarsAZuNBqXsZvDvauLO8zkptA9ektglYSk9K8hdJ/iTJOd0WBebqnNR6//7UdgDMx5OTfDzJlUlO7bgsMC+nptb5j6e2ASDJE1N3mP2zuIcIO9tjU+v5e2OoUOjKbVIDPPzvJM/ouCwwa89Ireu/lFr3gRFPSF0afFeS8zouC0zTean1+s+jqRX0xbcleXOSDyQ5v+OywLSdn1q335xa14GTeHySdya5PsmFSW7RbXFgS26RWn+vT63Pj++2OMAEj0md/PqjJI/suCywXY9MrcvvjgF/YEu+J8nVST6T5EVJ7t1tcWBD7p1aXz+TWn+/p9viABv0o0k+kuR3kjy447LAZj04te5+JLUuA9v0gNQNcv4pyW8k+fZuiwNjfXtq/fyn1B3MH9BtcYAt+ukk/5jkvyT5+o7LAifz9al19R9T6y4wZXdK8lNJ/iY1dKk2u/TB+an18W9S6+edui0OMAWnJrksyb8l+ZUk9+m2OHCC+6TWzX9LratGdYM52Jv60ffJJL8Yl8uZrwen1rtPptbDvd0WB5iRuyW5JMkXk/xqXNmkew9IrYtfTK2bd+u2OLCcHpTkxUn+LskfJ3lqkq/utETsVF+dWr/+OLW+vTjJAzstETAvd05yUZKjqaaW39RtcVhC35Ra946m1sU7d1scoPW4JG9I8oXUDXe+o9visEN8R2p9+kKS18e9amCZ3TbJc5N8KslVSXZ3WxyWwO7Uuvap1Lp3226LA0xyryQ/k+RDSW5I8oJoosXmPDi13tyQWo9+JrVeASTJLZP8v0n+OnVz0R/utjjsQD+cWrf+OrWu3bLb4gCb8bDU3T8/muT9SZ6X5P5dFojeun9q/Xhfan25IrX+AKzn3NTN3v4+yQtjyHi27t6pdejvU+vUD3RbHGAazkyNGPF3Sd6TupR53y4LROfumxq28D2p9eJXUusJwGb9x9Q+5EtJXpvkEd0WhwXyiCS/lVp3fiW1LgE70FlJXp5qU3k4deO4h3daIubl4UkOpHL/VGo9+K5OSwTsJLdP8qwkf5naz/xkknt0WiL66B6pdeNwal15VmrdAZbEd6Z+kL4vdffq1yb5v2Nou53ibqk8fyuV7/tSeX9nl4UClsJ3Jfm11JCpvx9DdlPrwO+n1olfixNgQKr95dOS/F6Szyd5R6ozspFOFsvuVG7vSOX4e6lctc0GuvDVqRMhb03y2dTIeq66L4+HJzmYyv6tqXXBLQOAib47dYfRw0n+KckfpsbfPivJ13RYLga+JpXHRal8/imV12Wp/AD65BtSI+t9MMmXU/cUMmz8zvMdqWy/nMr6Z1LZA2zKKUkendqhvCPJvyd5e+pOpHuSnNpd0ZbKqanlfUlq+f97Ko8XJzk7lRPAIvjWVB/EDyT5WJKXJfneTkvEdnxvKsOPpTJ9USpjgKm5Tart5sVJrk3yuSRHkrwudabje5PctbPS7Qx3TS3Hn0kt1yOp5Xxtarl/VyoHgEX3wNTojO9M8g9Jfj11g93bdVgm1ne7VEa/nsrsnakMH9hhmYAldP8kP5Rq/nNtkqNJ/jbJ1Umenxov/gFJbtVVAXvqVqnlcm5qOb0+tdyOppbjZUmeGPdwAZbDaUmemeRtqau810V/xL5o+xhel8rmbamsTuuyUACj7pvkCakmQtckuTHJsSQfTvKm1I/rC1KjMt29ozLOy91T3/OC1Pd+U2o5HEstl2tSy+kJcY8WgKSu8j4qyUtSo/h9LskbU8O2ul/E7P3H1LJ+Y2rZvy+VxaPiCjywYIbP+O9P8qokf5bk00m+kPpRfm2S30j1dXhGknOSPCT9raTcPVW+c1PlvSTJa1Lf48Op7/Xp1Pd8VeoGgK4IAWzO3VJDub4iyU1JPpG6avzc1IAcd+yuaAvvjkkemVqWr08t25tSy3pvDM8P7GB3THK/VP+GH07yvNSQjdck+Ysk/yt12fdoko8keX+SP0oNNfvKJC9N8rOpS8IXJPmRVLOw81I/+PekRof6ziT7mn+/u3n93Ga6H2red0Ezn59t5vvK5nP+qPncjzTl+PemXH/RlPPKptw/3HyP+8VBEWAWviF11fjy1AmeL6c6QL8yNfz46d0VrfdOTy2jVya5IbXs3p5alk+IUasAjnPL1GhQ90lyRupH/uNTO9LnpK4+vCzJryZ5deomfK9LXUJ+S2q42j9J8q4kf9o8/+/N33+3mf7Vzftf1szvOc38H9983hnN55/alAeAfnhokv+U6hz9oST/nOT6JL+d6mf32CxXn7r7p77z81PL4PrUMvlQ6lj3n1JX8AEAgCm4XeoH9pOTXJq6E/dNSf4ldeb/d1Inmi5MXQ1/UJI7dVLSrblTqsx7Ut/hQOo73ZD6jjelvvOlqWXwkBhdDAAA5u62Sb45yZNSzWZfkbpT94eSfD7VxPaGVNPaDyZ5YZJnp+7kfXaSb081sb1rkltPsVy3buZ5v+Yzzm4+89lNGT7YlOmG1PC3n2/K/NbmOzyv+U7f3HxHAABgAXxt6kf8uan+gC9I8supAUbenGrGe2NqgJF/TQ02cjTJzUk+nrp30/9IVRTem7pp7Dua/9/Q/O1IM+3NzXu/0Mzr082839V81muaz35BU5Zzm7J97cy+PQAA0Gt3SPULvFuSe6X6Cd4/ya5Uv5TvaB4PbV67fzPNvZr3nNrMAwAAAAAAAACW0ErqniIAAAAztS/VcfBY1wUBAAD6ZfeM5ntVVEAAAIAhK6mKwizsjwoIAPOh2S/AgjiQ5NCM5q0CAsA8aPYLMAdrqR3u/jGPlQnT7RmZR1tBONL8f+/I+/YPvb6S8fY00+wbM81oBWT3SDln1fQLgP7S7BdgAe1N7WQPpn7IH2meH8rxFZC9SQ43rx0cmiYZVDDGVUDa+R9oHkebx3AFY1fzvuEyHG1eb42rgLTzOhAVEIBlo9kvwAJaSf2APzj02lqOr1y0r41WGtqd8/CVjtH3pXnf8GtthWS4wtBWWlq7m2mGDyyjB4O9TbknXU0BYGfT7BdgAbU/9PePvH44x+/UD2RQSWgfo1dBMuZ5Us2q2uZaK828hisgbYVkbeR9+zL+Ckg7j9EmYAAsBs1+AZbckVSFY9joVZFDObECMrxzb42rgCR1MDjYzKNtV9vuvDd6lqmd7lBObJ4FwGLQ7BeArKV2vu3O/1Bqpz+8sz6UyZe5h69cjKuA7E3tsNuDQ3vVZbQCMnoFJBl/MNjVzG+0jAD0m2a/ACSpS9AHUzvXSZer22ZT4646DO/ERw8Gu5rXhsdSH62AtAeH0WZgGXnf8MFAJQRg8Wj2C0CS+iHftmfdnfGVjPagcTTH79gPjkzfVgra97TvOzA0TbtT39PMoz0jNlxRaec9vMNvDz6tPc1zlRCAxaHZLwA5nNrJjj6Gm00lg7NGw4+9OV67oz+cqnQMVy7aM1z7Mmi321Ywdg1N1z6GKy0Hhv5+VQaVm6ND8xp3BQWAftHsF4DsS+2oR0ckuSq10x02PCLJuLNBK0PzG37P6Cgj+3JiB772vePmPXoGrK2AjL4OQL9p9guw5NoDwSSzusETAMtJs1+AJde2xR23M23HRweAadHsF2DJtW1l28vY7aMdex0ApkmzXwCyksHVjpPdNRYAtkqzXwAAYG40+wUAAOZGs18AAGCuNPsFAAAAAAAAAAAAAAAAAAAAAAAAAAAAAAAAAAAAAAAAAAAAAAAAAAAAAAAAAAAAAAAAAAAAAAAAAAAAAAAAAAAAAAAAAAAAAAAAAAAAAAAAAAAAAAAAAAAAAAAAAAAAAAAAAAAAAAAAAAAAAAAAAAAAAAAAAAAAAAAAAAAAAAAAAAAAAAAAAAAAAAAAAAAAAAAAAAAAAAAAAAAAAAAAAAAAAAAAAAAAAAAAAAAAAAAAAAAAAAAAAAAAAAAAAAAAAAAAAAAAAAAAAAAAAAAAAAAAAAAAAAAAAAAAAAAAAAAAAAAAAAAAAAAAAAAAAAAAAAAAAAAAAAAAAAAAAAAAAAAAAAAAAAAAAAAAAAAAAAAAAAAAAAAAAAAAAAAAAAAAAAAAAAAAAAAAAAAAAAAAAAAAAAAAAAAAAAAAAAAAAAAAAAAAAAAAAAAAAAAAAAAAAAAAAAAAAAAAAAAAAAAAAAAAAAAAAAAAAAAAAAAAAAAAAAAAAAAAAAAAAAAAAAAAAAAAAAAAAAAAAAAAAAAAAAAAAAAAAAAAAAAAAAAAAAAAAAAAAAAAAAAAAAAAAAAAAAAAAAAAAAAAAAAAAAAAAAAAAAAAAAAAAAAAAAAAAAAAAAAAAAAAAAAAAAAAAAAAAAAAAAAAAAAAAAAAAAAAAAAAAAAAAAAAAAAAAAAAAAAAAAAAAAAAAAAAAAAAAAAAAAAAAAAAAAAAAAAAAAAAAAAAAAAAAAAAAAAAAAAAAAAAAAAAAAAAAAAAAAAAAAAAAAAAAAAAAAAAAAAAAAAAAAAAAAAAAAAAAAAAAAAAAAAAAAAAAAAAAAAAAAAAAAAAAAAAAAAAAAAAAAAAAAAAAAAAAAAAAAAAAAAAAAAAAAAAAAAAAAAAAAAAAAAAAAAAAAAAAAAAAAAAAAAAAAAAAAAAAAAAAAAAAAAAAAAAAAAAAAAAAAAAAAAAAAAAAAAAAAAAAAAAAAAAAAAAAAAAAAAAAAAAAAAAAAAAAAAAAAAAAAAAAAAAAAAAAAAAAAAAAAAAAAAAAAAAAAAAAAAAAAAAAAAAAAAAAAAAAAAAAAAAAAAAAAAAAAAAAAAAAAAAAAAAAAAAAAAAAAAAAAAAAAAAAAAAAAAAAAAAAAAAAAAAAAAAAAAAAAAAAAAAAAAAAAAAAAAAAAAAAAAAAAAAAAAAAAAAAAAAAAAAAAAAAAAAAAAAAAAAAAAAAAAAAAAAAAAAAAAAAAAAAAAAAAAAAAAAAAAAAAAAAAAAAAAAAAAAAAAAgHn6/wF/SVx0ksAxwwAAAABJRU5ErkJggg==">
+            <a:extLst>
+              <a:ext uri="{FF2B5EF4-FFF2-40B4-BE49-F238E27FC236}">
+                <a16:creationId xmlns:a16="http://schemas.microsoft.com/office/drawing/2014/main" id="{06FC70FA-6A9A-4878-98CE-BF022EC59C57}"/>
+              </a:ext>
+            </a:extLst>
+          </p:cNvPr>
+          <p:cNvPicPr>
+            <a:picLocks noChangeAspect="1" noChangeArrowheads="1"/>
+          </p:cNvPicPr>
+          <p:nvPr/>
+        </p:nvPicPr>
+        <p:blipFill rotWithShape="1">
+          <a:blip r:embed="rId4">
+            <a:extLst>
+              <a:ext uri="{28A0092B-C50C-407E-A947-70E740481C1C}">
+                <a14:useLocalDpi xmlns:a14="http://schemas.microsoft.com/office/drawing/2010/main" val="0"/>
+              </a:ext>
+            </a:extLst>
+          </a:blip>
+          <a:srcRect t="16773" b="48791"/>
+          <a:stretch/>
+        </p:blipFill>
+        <p:spPr bwMode="auto">
+          <a:xfrm>
+            <a:off x="1650299" y="2929888"/>
+            <a:ext cx="5571301" cy="1438887"/>
+          </a:xfrm>
+          <a:prstGeom prst="rect">
+            <a:avLst/>
+          </a:prstGeom>
+          <a:noFill/>
+          <a:extLst>
+            <a:ext uri="{909E8E84-426E-40DD-AFC4-6F175D3DCCD1}">
+              <a14:hiddenFill xmlns:a14="http://schemas.microsoft.com/office/drawing/2010/main">
+                <a:solidFill>
+                  <a:srgbClr val="FFFFFF"/>
+                </a:solidFill>
+              </a14:hiddenFill>
+            </a:ext>
+          </a:extLst>
+        </p:spPr>
+      </p:pic>
+      <p:sp>
+        <p:nvSpPr>
+          <p:cNvPr id="10" name="Rectangle 9">
+            <a:extLst>
+              <a:ext uri="{FF2B5EF4-FFF2-40B4-BE49-F238E27FC236}">
+                <a16:creationId xmlns:a16="http://schemas.microsoft.com/office/drawing/2014/main" id="{BEC9264D-3B56-49B4-9D88-4F59B90BE783}"/>
+              </a:ext>
+            </a:extLst>
+          </p:cNvPr>
+          <p:cNvSpPr/>
+          <p:nvPr/>
+        </p:nvSpPr>
+        <p:spPr>
+          <a:xfrm>
+            <a:off x="964800" y="3265575"/>
+            <a:ext cx="460800" cy="86400"/>
+          </a:xfrm>
+          <a:prstGeom prst="rect">
+            <a:avLst/>
+          </a:prstGeom>
+        </p:spPr>
+        <p:style>
+          <a:lnRef idx="2">
+            <a:schemeClr val="accent1">
+              <a:shade val="50000"/>
+            </a:schemeClr>
+          </a:lnRef>
+          <a:fillRef idx="1">
+            <a:schemeClr val="accent1"/>
+          </a:fillRef>
+          <a:effectRef idx="0">
+            <a:schemeClr val="accent1"/>
+          </a:effectRef>
+          <a:fontRef idx="minor">
+            <a:schemeClr val="lt1"/>
+          </a:fontRef>
+        </p:style>
+        <p:txBody>
+          <a:bodyPr rtlCol="0" anchor="ctr"/>
+          <a:lstStyle/>
+          <a:p>
+            <a:pPr algn="ctr"/>
+            <a:endParaRPr lang="zh-CN" altLang="en-US"/>
+          </a:p>
+        </p:txBody>
+      </p:sp>
+      <p:sp>
+        <p:nvSpPr>
+          <p:cNvPr id="11" name="Rectangle 10">
+            <a:extLst>
+              <a:ext uri="{FF2B5EF4-FFF2-40B4-BE49-F238E27FC236}">
+                <a16:creationId xmlns:a16="http://schemas.microsoft.com/office/drawing/2014/main" id="{AE5EDFA5-EAB8-44DE-8416-F6EEF41DB106}"/>
+              </a:ext>
+            </a:extLst>
+          </p:cNvPr>
+          <p:cNvSpPr/>
+          <p:nvPr/>
+        </p:nvSpPr>
+        <p:spPr>
+          <a:xfrm>
+            <a:off x="964800" y="3472458"/>
+            <a:ext cx="460800" cy="86400"/>
+          </a:xfrm>
+          <a:prstGeom prst="rect">
+            <a:avLst/>
+          </a:prstGeom>
+        </p:spPr>
+        <p:style>
+          <a:lnRef idx="2">
+            <a:schemeClr val="accent1">
+              <a:shade val="50000"/>
+            </a:schemeClr>
+          </a:lnRef>
+          <a:fillRef idx="1">
+            <a:schemeClr val="accent1"/>
+          </a:fillRef>
+          <a:effectRef idx="0">
+            <a:schemeClr val="accent1"/>
+          </a:effectRef>
+          <a:fontRef idx="minor">
+            <a:schemeClr val="lt1"/>
+          </a:fontRef>
+        </p:style>
+        <p:txBody>
+          <a:bodyPr rtlCol="0" anchor="ctr"/>
+          <a:lstStyle/>
+          <a:p>
+            <a:pPr algn="ctr"/>
+            <a:endParaRPr lang="zh-CN" altLang="en-US"/>
+          </a:p>
+        </p:txBody>
+      </p:sp>
+    </p:spTree>
+    <p:extLst>
+      <p:ext uri="{BB962C8B-B14F-4D97-AF65-F5344CB8AC3E}">
+        <p14:creationId xmlns:p14="http://schemas.microsoft.com/office/powerpoint/2010/main" val="1535316495"/>
+      </p:ext>
+    </p:extLst>
+  </p:cSld>
+  <p:clrMapOvr>
+    <a:masterClrMapping/>
+  </p:clrMapOvr>
+</p:sld>
+</file>
+
+<file path=ppt/slides/slide27.xml><?xml version="1.0" encoding="utf-8"?>
+<p:sld xmlns:a="http://schemas.openxmlformats.org/drawingml/2006/main" xmlns:r="http://schemas.openxmlformats.org/officeDocument/2006/relationships" xmlns:p="http://schemas.openxmlformats.org/presentationml/2006/main">
+  <p:cSld>
+    <p:spTree>
+      <p:nvGrpSpPr>
+        <p:cNvPr id="1" name=""/>
+        <p:cNvGrpSpPr/>
+        <p:nvPr/>
+      </p:nvGrpSpPr>
+      <p:grpSpPr>
+        <a:xfrm>
+          <a:off x="0" y="0"/>
+          <a:ext cx="0" cy="0"/>
+          <a:chOff x="0" y="0"/>
+          <a:chExt cx="0" cy="0"/>
+        </a:xfrm>
+      </p:grpSpPr>
+      <p:sp>
+        <p:nvSpPr>
+          <p:cNvPr id="2" name="Title 1">
+            <a:extLst>
+              <a:ext uri="{FF2B5EF4-FFF2-40B4-BE49-F238E27FC236}">
+                <a16:creationId xmlns:a16="http://schemas.microsoft.com/office/drawing/2014/main" id="{0C1251DE-0BF7-4033-9198-6ED4705BD90C}"/>
+              </a:ext>
+            </a:extLst>
+          </p:cNvPr>
+          <p:cNvSpPr>
+            <a:spLocks noGrp="1"/>
+          </p:cNvSpPr>
+          <p:nvPr>
+            <p:ph type="title"/>
+          </p:nvPr>
+        </p:nvSpPr>
+        <p:spPr/>
+        <p:txBody>
+          <a:bodyPr/>
+          <a:lstStyle/>
+          <a:p>
+            <a:r>
+              <a:rPr lang="en-US" altLang="zh-CN" dirty="0"/>
+              <a:t>Discussion</a:t>
+            </a:r>
+            <a:endParaRPr lang="zh-CN" altLang="en-US" dirty="0"/>
+          </a:p>
+        </p:txBody>
+      </p:sp>
+      <p:sp>
+        <p:nvSpPr>
+          <p:cNvPr id="3" name="Slide Number Placeholder 2">
+            <a:extLst>
+              <a:ext uri="{FF2B5EF4-FFF2-40B4-BE49-F238E27FC236}">
+                <a16:creationId xmlns:a16="http://schemas.microsoft.com/office/drawing/2014/main" id="{11F380A3-F33C-4B55-A39E-3219570B6678}"/>
+              </a:ext>
+            </a:extLst>
+          </p:cNvPr>
+          <p:cNvSpPr>
+            <a:spLocks noGrp="1"/>
+          </p:cNvSpPr>
+          <p:nvPr>
+            <p:ph type="sldNum" idx="12"/>
+          </p:nvPr>
+        </p:nvSpPr>
+        <p:spPr/>
+        <p:txBody>
+          <a:bodyPr/>
+          <a:lstStyle/>
+          <a:p>
+            <a:pPr marL="0" lvl="0" indent="0" algn="r" rtl="0">
+              <a:spcBef>
+                <a:spcPts val="0"/>
+              </a:spcBef>
+              <a:spcAft>
+                <a:spcPts val="0"/>
+              </a:spcAft>
+              <a:buNone/>
+            </a:pPr>
+            <a:fld id="{00000000-1234-1234-1234-123412341234}" type="slidenum">
+              <a:rPr lang="en" smtClean="0"/>
+              <a:t>27</a:t>
+            </a:fld>
+            <a:endParaRPr lang="en"/>
+          </a:p>
+        </p:txBody>
+      </p:sp>
+    </p:spTree>
+    <p:extLst>
+      <p:ext uri="{BB962C8B-B14F-4D97-AF65-F5344CB8AC3E}">
+        <p14:creationId xmlns:p14="http://schemas.microsoft.com/office/powerpoint/2010/main" val="3534267248"/>
+      </p:ext>
+    </p:extLst>
+  </p:cSld>
+  <p:clrMapOvr>
+    <a:masterClrMapping/>
+  </p:clrMapOvr>
+</p:sld>
+</file>
+
+<file path=ppt/slides/slide28.xml><?xml version="1.0" encoding="utf-8"?>
+<p:sld xmlns:a="http://schemas.openxmlformats.org/drawingml/2006/main" xmlns:r="http://schemas.openxmlformats.org/officeDocument/2006/relationships" xmlns:p="http://schemas.openxmlformats.org/presentationml/2006/main">
+  <p:cSld>
+    <p:spTree>
+      <p:nvGrpSpPr>
+        <p:cNvPr id="1" name=""/>
+        <p:cNvGrpSpPr/>
+        <p:nvPr/>
+      </p:nvGrpSpPr>
+      <p:grpSpPr>
+        <a:xfrm>
+          <a:off x="0" y="0"/>
+          <a:ext cx="0" cy="0"/>
+          <a:chOff x="0" y="0"/>
+          <a:chExt cx="0" cy="0"/>
+        </a:xfrm>
+      </p:grpSpPr>
+      <p:sp>
+        <p:nvSpPr>
           <p:cNvPr id="2" name="Title 1"/>
           <p:cNvSpPr>
             <a:spLocks noGrp="1"/>
@@ -10316,7 +11868,7 @@
           <a:p>
             <a:r>
               <a:rPr lang="en-US" dirty="0"/>
-              <a:t>Application</a:t>
+              <a:t>Potential Applications - 1</a:t>
             </a:r>
           </a:p>
         </p:txBody>
@@ -10338,19 +11890,40 @@
           <a:p>
             <a:r>
               <a:rPr lang="en-US" dirty="0"/>
-              <a:t>Security protocol and attacker model</a:t>
+              <a:t>Robustness of a Security Protocol against Attacker Models</a:t>
             </a:r>
           </a:p>
           <a:p>
             <a:r>
               <a:rPr lang="en-US" dirty="0"/>
-              <a:t>Human machine interface model and human behavior model</a:t>
+              <a:t>Robustness of a Human Computer Interface Model against Human Behavior Models</a:t>
             </a:r>
           </a:p>
           <a:p>
             <a:r>
               <a:rPr lang="en-US" dirty="0"/>
-              <a:t>Distributed protocol and fault model</a:t>
+              <a:t>Robustness of a Distributed Protocol against Fault Models</a:t>
+            </a:r>
+          </a:p>
+          <a:p>
+            <a:r>
+              <a:rPr lang="en-US" dirty="0"/>
+              <a:t>…</a:t>
+            </a:r>
+          </a:p>
+          <a:p>
+            <a:pPr marL="114300" indent="0">
+              <a:buNone/>
+            </a:pPr>
+            <a:endParaRPr lang="en-US" dirty="0"/>
+          </a:p>
+          <a:p>
+            <a:pPr marL="114300" indent="0">
+              <a:buNone/>
+            </a:pPr>
+            <a:r>
+              <a:rPr lang="en-US" dirty="0"/>
+              <a:t>Key Insights: How robust is a system when we only have limited information about the environment?</a:t>
             </a:r>
           </a:p>
           <a:p>
@@ -10384,7 +11957,7 @@
             </a:pPr>
             <a:fld id="{00000000-1234-1234-1234-123412341234}" type="slidenum">
               <a:rPr lang="en" smtClean="0"/>
-              <a:t>22</a:t>
+              <a:t>28</a:t>
             </a:fld>
             <a:endParaRPr lang="en"/>
           </a:p>
@@ -10400,14 +11973,728 @@
   <p:clrMapOvr>
     <a:masterClrMapping/>
   </p:clrMapOvr>
-  <mc:AlternateContent xmlns:mc="http://schemas.openxmlformats.org/markup-compatibility/2006">
-    <mc:Choice xmlns:p14="http://schemas.microsoft.com/office/powerpoint/2010/main" Requires="p14">
-      <p:transition spd="slow" p14:dur="2000"/>
-    </mc:Choice>
-    <mc:Fallback>
-      <p:transition spd="slow"/>
-    </mc:Fallback>
-  </mc:AlternateContent>
+</p:sld>
+</file>
+
+<file path=ppt/slides/slide29.xml><?xml version="1.0" encoding="utf-8"?>
+<p:sld xmlns:a="http://schemas.openxmlformats.org/drawingml/2006/main" xmlns:r="http://schemas.openxmlformats.org/officeDocument/2006/relationships" xmlns:p="http://schemas.openxmlformats.org/presentationml/2006/main">
+  <p:cSld>
+    <p:spTree>
+      <p:nvGrpSpPr>
+        <p:cNvPr id="1" name=""/>
+        <p:cNvGrpSpPr/>
+        <p:nvPr/>
+      </p:nvGrpSpPr>
+      <p:grpSpPr>
+        <a:xfrm>
+          <a:off x="0" y="0"/>
+          <a:ext cx="0" cy="0"/>
+          <a:chOff x="0" y="0"/>
+          <a:chExt cx="0" cy="0"/>
+        </a:xfrm>
+      </p:grpSpPr>
+      <p:sp>
+        <p:nvSpPr>
+          <p:cNvPr id="2" name="Title 1">
+            <a:extLst>
+              <a:ext uri="{FF2B5EF4-FFF2-40B4-BE49-F238E27FC236}">
+                <a16:creationId xmlns:a16="http://schemas.microsoft.com/office/drawing/2014/main" id="{C9D6ED1D-F6AC-48F6-85EC-A96CB66A9160}"/>
+              </a:ext>
+            </a:extLst>
+          </p:cNvPr>
+          <p:cNvSpPr>
+            <a:spLocks noGrp="1"/>
+          </p:cNvSpPr>
+          <p:nvPr>
+            <p:ph type="title"/>
+          </p:nvPr>
+        </p:nvSpPr>
+        <p:spPr/>
+        <p:txBody>
+          <a:bodyPr/>
+          <a:lstStyle/>
+          <a:p>
+            <a:r>
+              <a:rPr lang="en-US" altLang="zh-CN" dirty="0"/>
+              <a:t>Potential Applications - 2</a:t>
+            </a:r>
+            <a:endParaRPr lang="zh-CN" altLang="en-US" dirty="0"/>
+          </a:p>
+        </p:txBody>
+      </p:sp>
+      <p:sp>
+        <p:nvSpPr>
+          <p:cNvPr id="3" name="Text Placeholder 2">
+            <a:extLst>
+              <a:ext uri="{FF2B5EF4-FFF2-40B4-BE49-F238E27FC236}">
+                <a16:creationId xmlns:a16="http://schemas.microsoft.com/office/drawing/2014/main" id="{3180F698-32B7-4A2E-ACF0-DC22C4CF0872}"/>
+              </a:ext>
+            </a:extLst>
+          </p:cNvPr>
+          <p:cNvSpPr>
+            <a:spLocks noGrp="1"/>
+          </p:cNvSpPr>
+          <p:nvPr>
+            <p:ph type="body" idx="1"/>
+          </p:nvPr>
+        </p:nvSpPr>
+        <p:spPr>
+          <a:xfrm>
+            <a:off x="311700" y="1152475"/>
+            <a:ext cx="6362700" cy="1464500"/>
+          </a:xfrm>
+        </p:spPr>
+        <p:txBody>
+          <a:bodyPr/>
+          <a:lstStyle/>
+          <a:p>
+            <a:pPr marL="114300" indent="0">
+              <a:buNone/>
+            </a:pPr>
+            <a:r>
+              <a:rPr lang="en-US" altLang="zh-CN" dirty="0"/>
+              <a:t>Compare the robustness of two systems, i.e.,</a:t>
+            </a:r>
+          </a:p>
+          <a:p>
+            <a:r>
+              <a:rPr lang="en-US" altLang="zh-CN" dirty="0"/>
+              <a:t>If the result </a:t>
+            </a:r>
+            <a:r>
+              <a:rPr lang="en-US" altLang="zh-CN" dirty="0" err="1"/>
+              <a:t>Büchi</a:t>
+            </a:r>
+            <a:r>
+              <a:rPr lang="en-US" altLang="zh-CN" dirty="0"/>
+              <a:t> automata contains final states, i.e., then </a:t>
+            </a:r>
+            <a:r>
+              <a:rPr lang="en-US" altLang="zh-CN" i="1" dirty="0"/>
+              <a:t>S</a:t>
+            </a:r>
+            <a:r>
+              <a:rPr lang="en-US" altLang="zh-CN" i="1" baseline="-25000" dirty="0"/>
+              <a:t>1</a:t>
+            </a:r>
+            <a:r>
+              <a:rPr lang="en-US" altLang="zh-CN" dirty="0"/>
+              <a:t> contains additional behavior than </a:t>
+            </a:r>
+            <a:r>
+              <a:rPr lang="en-US" altLang="zh-CN" i="1" dirty="0"/>
+              <a:t>S</a:t>
+            </a:r>
+            <a:r>
+              <a:rPr lang="en-US" altLang="zh-CN" i="1" baseline="-25000" dirty="0"/>
+              <a:t>2</a:t>
+            </a:r>
+            <a:r>
+              <a:rPr lang="en-US" altLang="zh-CN" dirty="0"/>
+              <a:t>.</a:t>
+            </a:r>
+          </a:p>
+          <a:p>
+            <a:r>
+              <a:rPr lang="en-US" altLang="zh-CN" dirty="0"/>
+              <a:t>But, it doesn’t imply </a:t>
+            </a:r>
+            <a:r>
+              <a:rPr lang="en-US" altLang="zh-CN" i="1" dirty="0"/>
+              <a:t>S</a:t>
+            </a:r>
+            <a:r>
+              <a:rPr lang="en-US" altLang="zh-CN" i="1" baseline="-25000" dirty="0"/>
+              <a:t>1</a:t>
+            </a:r>
+            <a:r>
+              <a:rPr lang="en-US" altLang="zh-CN" dirty="0"/>
+              <a:t> is more robust than </a:t>
+            </a:r>
+            <a:r>
+              <a:rPr lang="en-US" altLang="zh-CN" i="1" dirty="0"/>
+              <a:t>S</a:t>
+            </a:r>
+            <a:r>
+              <a:rPr lang="en-US" altLang="zh-CN" i="1" baseline="-25000" dirty="0"/>
+              <a:t>2</a:t>
+            </a:r>
+            <a:r>
+              <a:rPr lang="en-US" altLang="zh-CN" dirty="0"/>
+              <a:t>!</a:t>
+            </a:r>
+          </a:p>
+        </p:txBody>
+      </p:sp>
+      <p:sp>
+        <p:nvSpPr>
+          <p:cNvPr id="4" name="Slide Number Placeholder 3">
+            <a:extLst>
+              <a:ext uri="{FF2B5EF4-FFF2-40B4-BE49-F238E27FC236}">
+                <a16:creationId xmlns:a16="http://schemas.microsoft.com/office/drawing/2014/main" id="{028D2B10-8963-4E02-B126-0AD449FF3A42}"/>
+              </a:ext>
+            </a:extLst>
+          </p:cNvPr>
+          <p:cNvSpPr>
+            <a:spLocks noGrp="1"/>
+          </p:cNvSpPr>
+          <p:nvPr>
+            <p:ph type="sldNum" idx="12"/>
+          </p:nvPr>
+        </p:nvSpPr>
+        <p:spPr/>
+        <p:txBody>
+          <a:bodyPr/>
+          <a:lstStyle/>
+          <a:p>
+            <a:pPr marL="0" lvl="0" indent="0" algn="r" rtl="0">
+              <a:spcBef>
+                <a:spcPts val="0"/>
+              </a:spcBef>
+              <a:spcAft>
+                <a:spcPts val="0"/>
+              </a:spcAft>
+              <a:buNone/>
+            </a:pPr>
+            <a:fld id="{00000000-1234-1234-1234-123412341234}" type="slidenum">
+              <a:rPr lang="en" smtClean="0"/>
+              <a:t>29</a:t>
+            </a:fld>
+            <a:endParaRPr lang="en"/>
+          </a:p>
+        </p:txBody>
+      </p:sp>
+      <p:pic>
+        <p:nvPicPr>
+          <p:cNvPr id="6" name="Picture 5">
+            <a:extLst>
+              <a:ext uri="{FF2B5EF4-FFF2-40B4-BE49-F238E27FC236}">
+                <a16:creationId xmlns:a16="http://schemas.microsoft.com/office/drawing/2014/main" id="{3EF9028D-0D54-47CD-8A8B-09ADBA464BA7}"/>
+              </a:ext>
+            </a:extLst>
+          </p:cNvPr>
+          <p:cNvPicPr>
+            <a:picLocks noChangeAspect="1"/>
+          </p:cNvPicPr>
+          <p:nvPr>
+            <p:custDataLst>
+              <p:tags r:id="rId1"/>
+            </p:custDataLst>
+          </p:nvPr>
+        </p:nvPicPr>
+        <p:blipFill>
+          <a:blip r:embed="rId4"/>
+          <a:stretch>
+            <a:fillRect/>
+          </a:stretch>
+        </p:blipFill>
+        <p:spPr>
+          <a:xfrm>
+            <a:off x="5398400" y="1294399"/>
+            <a:ext cx="2403047" cy="243810"/>
+          </a:xfrm>
+          <a:prstGeom prst="rect">
+            <a:avLst/>
+          </a:prstGeom>
+        </p:spPr>
+      </p:pic>
+      <p:pic>
+        <p:nvPicPr>
+          <p:cNvPr id="8" name="Picture 7">
+            <a:extLst>
+              <a:ext uri="{FF2B5EF4-FFF2-40B4-BE49-F238E27FC236}">
+                <a16:creationId xmlns:a16="http://schemas.microsoft.com/office/drawing/2014/main" id="{94618C34-813F-40D5-8817-737DF98D0049}"/>
+              </a:ext>
+            </a:extLst>
+          </p:cNvPr>
+          <p:cNvPicPr>
+            <a:picLocks noChangeAspect="1"/>
+          </p:cNvPicPr>
+          <p:nvPr>
+            <p:custDataLst>
+              <p:tags r:id="rId2"/>
+            </p:custDataLst>
+          </p:nvPr>
+        </p:nvPicPr>
+        <p:blipFill>
+          <a:blip r:embed="rId5"/>
+          <a:stretch>
+            <a:fillRect/>
+          </a:stretch>
+        </p:blipFill>
+        <p:spPr>
+          <a:xfrm>
+            <a:off x="6536000" y="1618769"/>
+            <a:ext cx="576000" cy="224914"/>
+          </a:xfrm>
+          <a:prstGeom prst="rect">
+            <a:avLst/>
+          </a:prstGeom>
+        </p:spPr>
+      </p:pic>
+      <p:grpSp>
+        <p:nvGrpSpPr>
+          <p:cNvPr id="20" name="Group 19">
+            <a:extLst>
+              <a:ext uri="{FF2B5EF4-FFF2-40B4-BE49-F238E27FC236}">
+                <a16:creationId xmlns:a16="http://schemas.microsoft.com/office/drawing/2014/main" id="{B77149C6-3613-442A-B7FB-F00528893FAD}"/>
+              </a:ext>
+            </a:extLst>
+          </p:cNvPr>
+          <p:cNvGrpSpPr/>
+          <p:nvPr/>
+        </p:nvGrpSpPr>
+        <p:grpSpPr>
+          <a:xfrm>
+            <a:off x="5838153" y="2243728"/>
+            <a:ext cx="2110094" cy="1463194"/>
+            <a:chOff x="5838153" y="2243728"/>
+            <a:chExt cx="2110094" cy="1463194"/>
+          </a:xfrm>
+        </p:grpSpPr>
+        <p:sp>
+          <p:nvSpPr>
+            <p:cNvPr id="16" name="Freeform: Shape 15">
+              <a:extLst>
+                <a:ext uri="{FF2B5EF4-FFF2-40B4-BE49-F238E27FC236}">
+                  <a16:creationId xmlns:a16="http://schemas.microsoft.com/office/drawing/2014/main" id="{9F2E27F7-7E61-4C8C-8DD7-5291F2BC1FF8}"/>
+                </a:ext>
+              </a:extLst>
+            </p:cNvPr>
+            <p:cNvSpPr/>
+            <p:nvPr/>
+          </p:nvSpPr>
+          <p:spPr>
+            <a:xfrm rot="1212829">
+              <a:off x="5838153" y="2243728"/>
+              <a:ext cx="2110094" cy="1463194"/>
+            </a:xfrm>
+            <a:custGeom>
+              <a:avLst/>
+              <a:gdLst>
+                <a:gd name="connsiteX0" fmla="*/ 1037654 w 2110094"/>
+                <a:gd name="connsiteY0" fmla="*/ 583411 h 1463194"/>
+                <a:gd name="connsiteX1" fmla="*/ 1517962 w 2110094"/>
+                <a:gd name="connsiteY1" fmla="*/ 794025 h 1463194"/>
+                <a:gd name="connsiteX2" fmla="*/ 1288919 w 2110094"/>
+                <a:gd name="connsiteY2" fmla="*/ 1265822 h 1463194"/>
+                <a:gd name="connsiteX3" fmla="*/ 808612 w 2110094"/>
+                <a:gd name="connsiteY3" fmla="*/ 1055209 h 1463194"/>
+                <a:gd name="connsiteX4" fmla="*/ 1037654 w 2110094"/>
+                <a:gd name="connsiteY4" fmla="*/ 583411 h 1463194"/>
+                <a:gd name="connsiteX5" fmla="*/ 468854 w 2110094"/>
+                <a:gd name="connsiteY5" fmla="*/ 429401 h 1463194"/>
+                <a:gd name="connsiteX6" fmla="*/ 827693 w 2110094"/>
+                <a:gd name="connsiteY6" fmla="*/ 375786 h 1463194"/>
+                <a:gd name="connsiteX7" fmla="*/ 938305 w 2110094"/>
+                <a:gd name="connsiteY7" fmla="*/ 383111 h 1463194"/>
+                <a:gd name="connsiteX8" fmla="*/ 914888 w 2110094"/>
+                <a:gd name="connsiteY8" fmla="*/ 407574 h 1463194"/>
+                <a:gd name="connsiteX9" fmla="*/ 786970 w 2110094"/>
+                <a:gd name="connsiteY9" fmla="*/ 1246699 h 1463194"/>
+                <a:gd name="connsiteX10" fmla="*/ 1225366 w 2110094"/>
+                <a:gd name="connsiteY10" fmla="*/ 1366642 h 1463194"/>
+                <a:gd name="connsiteX11" fmla="*/ 1358615 w 2110094"/>
+                <a:gd name="connsiteY11" fmla="*/ 1333401 h 1463194"/>
+                <a:gd name="connsiteX12" fmla="*/ 1290464 w 2110094"/>
+                <a:gd name="connsiteY12" fmla="*/ 1370337 h 1463194"/>
+                <a:gd name="connsiteX13" fmla="*/ 827693 w 2110094"/>
+                <a:gd name="connsiteY13" fmla="*/ 1463194 h 1463194"/>
+                <a:gd name="connsiteX14" fmla="*/ 0 w 2110094"/>
+                <a:gd name="connsiteY14" fmla="*/ 919490 h 1463194"/>
+                <a:gd name="connsiteX15" fmla="*/ 364922 w 2110094"/>
+                <a:gd name="connsiteY15" fmla="*/ 468642 h 1463194"/>
+                <a:gd name="connsiteX16" fmla="*/ 468854 w 2110094"/>
+                <a:gd name="connsiteY16" fmla="*/ 429401 h 1463194"/>
+                <a:gd name="connsiteX17" fmla="*/ 1434560 w 2110094"/>
+                <a:gd name="connsiteY17" fmla="*/ 42876 h 1463194"/>
+                <a:gd name="connsiteX18" fmla="*/ 2008144 w 2110094"/>
+                <a:gd name="connsiteY18" fmla="*/ 129095 h 1463194"/>
+                <a:gd name="connsiteX19" fmla="*/ 1764629 w 2110094"/>
+                <a:gd name="connsiteY19" fmla="*/ 1088986 h 1463194"/>
+                <a:gd name="connsiteX20" fmla="*/ 1360554 w 2110094"/>
+                <a:gd name="connsiteY20" fmla="*/ 1332918 h 1463194"/>
+                <a:gd name="connsiteX21" fmla="*/ 1358615 w 2110094"/>
+                <a:gd name="connsiteY21" fmla="*/ 1333401 h 1463194"/>
+                <a:gd name="connsiteX22" fmla="*/ 1412960 w 2110094"/>
+                <a:gd name="connsiteY22" fmla="*/ 1303946 h 1463194"/>
+                <a:gd name="connsiteX23" fmla="*/ 1655386 w 2110094"/>
+                <a:gd name="connsiteY23" fmla="*/ 919490 h 1463194"/>
+                <a:gd name="connsiteX24" fmla="*/ 994502 w 2110094"/>
+                <a:gd name="connsiteY24" fmla="*/ 386832 h 1463194"/>
+                <a:gd name="connsiteX25" fmla="*/ 938305 w 2110094"/>
+                <a:gd name="connsiteY25" fmla="*/ 383111 h 1463194"/>
+                <a:gd name="connsiteX26" fmla="*/ 1030485 w 2110094"/>
+                <a:gd name="connsiteY26" fmla="*/ 286808 h 1463194"/>
+                <a:gd name="connsiteX27" fmla="*/ 1434560 w 2110094"/>
+                <a:gd name="connsiteY27" fmla="*/ 42876 h 1463194"/>
+              </a:gdLst>
+              <a:ahLst/>
+              <a:cxnLst>
+                <a:cxn ang="0">
+                  <a:pos x="connsiteX0" y="connsiteY0"/>
+                </a:cxn>
+                <a:cxn ang="0">
+                  <a:pos x="connsiteX1" y="connsiteY1"/>
+                </a:cxn>
+                <a:cxn ang="0">
+                  <a:pos x="connsiteX2" y="connsiteY2"/>
+                </a:cxn>
+                <a:cxn ang="0">
+                  <a:pos x="connsiteX3" y="connsiteY3"/>
+                </a:cxn>
+                <a:cxn ang="0">
+                  <a:pos x="connsiteX4" y="connsiteY4"/>
+                </a:cxn>
+                <a:cxn ang="0">
+                  <a:pos x="connsiteX5" y="connsiteY5"/>
+                </a:cxn>
+                <a:cxn ang="0">
+                  <a:pos x="connsiteX6" y="connsiteY6"/>
+                </a:cxn>
+                <a:cxn ang="0">
+                  <a:pos x="connsiteX7" y="connsiteY7"/>
+                </a:cxn>
+                <a:cxn ang="0">
+                  <a:pos x="connsiteX8" y="connsiteY8"/>
+                </a:cxn>
+                <a:cxn ang="0">
+                  <a:pos x="connsiteX9" y="connsiteY9"/>
+                </a:cxn>
+                <a:cxn ang="0">
+                  <a:pos x="connsiteX10" y="connsiteY10"/>
+                </a:cxn>
+                <a:cxn ang="0">
+                  <a:pos x="connsiteX11" y="connsiteY11"/>
+                </a:cxn>
+                <a:cxn ang="0">
+                  <a:pos x="connsiteX12" y="connsiteY12"/>
+                </a:cxn>
+                <a:cxn ang="0">
+                  <a:pos x="connsiteX13" y="connsiteY13"/>
+                </a:cxn>
+                <a:cxn ang="0">
+                  <a:pos x="connsiteX14" y="connsiteY14"/>
+                </a:cxn>
+                <a:cxn ang="0">
+                  <a:pos x="connsiteX15" y="connsiteY15"/>
+                </a:cxn>
+                <a:cxn ang="0">
+                  <a:pos x="connsiteX16" y="connsiteY16"/>
+                </a:cxn>
+                <a:cxn ang="0">
+                  <a:pos x="connsiteX17" y="connsiteY17"/>
+                </a:cxn>
+                <a:cxn ang="0">
+                  <a:pos x="connsiteX18" y="connsiteY18"/>
+                </a:cxn>
+                <a:cxn ang="0">
+                  <a:pos x="connsiteX19" y="connsiteY19"/>
+                </a:cxn>
+                <a:cxn ang="0">
+                  <a:pos x="connsiteX20" y="connsiteY20"/>
+                </a:cxn>
+                <a:cxn ang="0">
+                  <a:pos x="connsiteX21" y="connsiteY21"/>
+                </a:cxn>
+                <a:cxn ang="0">
+                  <a:pos x="connsiteX22" y="connsiteY22"/>
+                </a:cxn>
+                <a:cxn ang="0">
+                  <a:pos x="connsiteX23" y="connsiteY23"/>
+                </a:cxn>
+                <a:cxn ang="0">
+                  <a:pos x="connsiteX24" y="connsiteY24"/>
+                </a:cxn>
+                <a:cxn ang="0">
+                  <a:pos x="connsiteX25" y="connsiteY25"/>
+                </a:cxn>
+                <a:cxn ang="0">
+                  <a:pos x="connsiteX26" y="connsiteY26"/>
+                </a:cxn>
+                <a:cxn ang="0">
+                  <a:pos x="connsiteX27" y="connsiteY27"/>
+                </a:cxn>
+              </a:cxnLst>
+              <a:rect l="l" t="t" r="r" b="b"/>
+              <a:pathLst>
+                <a:path w="2110094" h="1463194">
+                  <a:moveTo>
+                    <a:pt x="1037654" y="583411"/>
+                  </a:moveTo>
+                  <a:cubicBezTo>
+                    <a:pt x="1233536" y="511287"/>
+                    <a:pt x="1448576" y="605582"/>
+                    <a:pt x="1517962" y="794025"/>
+                  </a:cubicBezTo>
+                  <a:cubicBezTo>
+                    <a:pt x="1587347" y="982468"/>
+                    <a:pt x="1484801" y="1193698"/>
+                    <a:pt x="1288919" y="1265822"/>
+                  </a:cubicBezTo>
+                  <a:cubicBezTo>
+                    <a:pt x="1093038" y="1337947"/>
+                    <a:pt x="877997" y="1243652"/>
+                    <a:pt x="808612" y="1055209"/>
+                  </a:cubicBezTo>
+                  <a:cubicBezTo>
+                    <a:pt x="739227" y="866766"/>
+                    <a:pt x="841772" y="655535"/>
+                    <a:pt x="1037654" y="583411"/>
+                  </a:cubicBezTo>
+                  <a:close/>
+                  <a:moveTo>
+                    <a:pt x="468854" y="429401"/>
+                  </a:moveTo>
+                  <a:cubicBezTo>
+                    <a:pt x="577408" y="395041"/>
+                    <a:pt x="699127" y="375786"/>
+                    <a:pt x="827693" y="375786"/>
+                  </a:cubicBezTo>
+                  <a:lnTo>
+                    <a:pt x="938305" y="383111"/>
+                  </a:lnTo>
+                  <a:lnTo>
+                    <a:pt x="914888" y="407574"/>
+                  </a:lnTo>
+                  <a:cubicBezTo>
+                    <a:pt x="670882" y="699611"/>
+                    <a:pt x="609583" y="1052873"/>
+                    <a:pt x="786970" y="1246699"/>
+                  </a:cubicBezTo>
+                  <a:cubicBezTo>
+                    <a:pt x="888334" y="1357456"/>
+                    <a:pt x="1048444" y="1395182"/>
+                    <a:pt x="1225366" y="1366642"/>
+                  </a:cubicBezTo>
+                  <a:lnTo>
+                    <a:pt x="1358615" y="1333401"/>
+                  </a:lnTo>
+                  <a:lnTo>
+                    <a:pt x="1290464" y="1370337"/>
+                  </a:lnTo>
+                  <a:cubicBezTo>
+                    <a:pt x="1158363" y="1428962"/>
+                    <a:pt x="999114" y="1463194"/>
+                    <a:pt x="827693" y="1463194"/>
+                  </a:cubicBezTo>
+                  <a:cubicBezTo>
+                    <a:pt x="370571" y="1463194"/>
+                    <a:pt x="0" y="1219769"/>
+                    <a:pt x="0" y="919490"/>
+                  </a:cubicBezTo>
+                  <a:cubicBezTo>
+                    <a:pt x="0" y="731816"/>
+                    <a:pt x="144754" y="566350"/>
+                    <a:pt x="364922" y="468642"/>
+                  </a:cubicBezTo>
+                  <a:cubicBezTo>
+                    <a:pt x="397947" y="453986"/>
+                    <a:pt x="432669" y="440854"/>
+                    <a:pt x="468854" y="429401"/>
+                  </a:cubicBezTo>
+                  <a:close/>
+                  <a:moveTo>
+                    <a:pt x="1434560" y="42876"/>
+                  </a:moveTo>
+                  <a:cubicBezTo>
+                    <a:pt x="1662943" y="-33687"/>
+                    <a:pt x="1881439" y="-9352"/>
+                    <a:pt x="2008144" y="129095"/>
+                  </a:cubicBezTo>
+                  <a:cubicBezTo>
+                    <a:pt x="2210871" y="350610"/>
+                    <a:pt x="2101847" y="780368"/>
+                    <a:pt x="1764629" y="1088986"/>
+                  </a:cubicBezTo>
+                  <a:cubicBezTo>
+                    <a:pt x="1638172" y="1204717"/>
+                    <a:pt x="1497583" y="1286979"/>
+                    <a:pt x="1360554" y="1332918"/>
+                  </a:cubicBezTo>
+                  <a:lnTo>
+                    <a:pt x="1358615" y="1333401"/>
+                  </a:lnTo>
+                  <a:lnTo>
+                    <a:pt x="1412960" y="1303946"/>
+                  </a:lnTo>
+                  <a:cubicBezTo>
+                    <a:pt x="1562743" y="1205555"/>
+                    <a:pt x="1655386" y="1069629"/>
+                    <a:pt x="1655386" y="919490"/>
+                  </a:cubicBezTo>
+                  <a:cubicBezTo>
+                    <a:pt x="1655386" y="656746"/>
+                    <a:pt x="1371668" y="437531"/>
+                    <a:pt x="994502" y="386832"/>
+                  </a:cubicBezTo>
+                  <a:lnTo>
+                    <a:pt x="938305" y="383111"/>
+                  </a:lnTo>
+                  <a:lnTo>
+                    <a:pt x="1030485" y="286808"/>
+                  </a:lnTo>
+                  <a:cubicBezTo>
+                    <a:pt x="1156942" y="171076"/>
+                    <a:pt x="1297531" y="88814"/>
+                    <a:pt x="1434560" y="42876"/>
+                  </a:cubicBezTo>
+                  <a:close/>
+                </a:path>
+              </a:pathLst>
+            </a:custGeom>
+            <a:ln/>
+          </p:spPr>
+          <p:style>
+            <a:lnRef idx="2">
+              <a:schemeClr val="dk1"/>
+            </a:lnRef>
+            <a:fillRef idx="1">
+              <a:schemeClr val="lt1"/>
+            </a:fillRef>
+            <a:effectRef idx="0">
+              <a:schemeClr val="dk1"/>
+            </a:effectRef>
+            <a:fontRef idx="minor">
+              <a:schemeClr val="dk1"/>
+            </a:fontRef>
+          </p:style>
+          <p:txBody>
+            <a:bodyPr rIns="828000" rtlCol="0" anchor="ctr"/>
+            <a:lstStyle/>
+            <a:p>
+              <a:pPr algn="ctr"/>
+              <a:endParaRPr lang="zh-CN" altLang="en-US" dirty="0"/>
+            </a:p>
+          </p:txBody>
+        </p:sp>
+        <p:sp>
+          <p:nvSpPr>
+            <p:cNvPr id="17" name="TextBox 16">
+              <a:extLst>
+                <a:ext uri="{FF2B5EF4-FFF2-40B4-BE49-F238E27FC236}">
+                  <a16:creationId xmlns:a16="http://schemas.microsoft.com/office/drawing/2014/main" id="{055B7892-B37E-4E18-B78F-4164D54DDFF4}"/>
+                </a:ext>
+              </a:extLst>
+            </p:cNvPr>
+            <p:cNvSpPr txBox="1"/>
+            <p:nvPr/>
+          </p:nvSpPr>
+          <p:spPr>
+            <a:xfrm>
+              <a:off x="6674400" y="3044692"/>
+              <a:ext cx="540000" cy="276999"/>
+            </a:xfrm>
+            <a:prstGeom prst="rect">
+              <a:avLst/>
+            </a:prstGeom>
+            <a:noFill/>
+          </p:spPr>
+          <p:txBody>
+            <a:bodyPr wrap="square" rtlCol="0">
+              <a:spAutoFit/>
+            </a:bodyPr>
+            <a:lstStyle/>
+            <a:p>
+              <a:r>
+                <a:rPr lang="en-US" altLang="zh-CN" sz="1200" dirty="0"/>
+                <a:t>base</a:t>
+              </a:r>
+              <a:endParaRPr lang="zh-CN" altLang="en-US" dirty="0"/>
+            </a:p>
+          </p:txBody>
+        </p:sp>
+        <p:sp>
+          <p:nvSpPr>
+            <p:cNvPr id="18" name="TextBox 17">
+              <a:extLst>
+                <a:ext uri="{FF2B5EF4-FFF2-40B4-BE49-F238E27FC236}">
+                  <a16:creationId xmlns:a16="http://schemas.microsoft.com/office/drawing/2014/main" id="{5CBEFFA1-161A-40E5-85AC-5BC05DBE7A07}"/>
+                </a:ext>
+              </a:extLst>
+            </p:cNvPr>
+            <p:cNvSpPr txBox="1"/>
+            <p:nvPr/>
+          </p:nvSpPr>
+          <p:spPr>
+            <a:xfrm>
+              <a:off x="7445073" y="2698326"/>
+              <a:ext cx="356374" cy="276999"/>
+            </a:xfrm>
+            <a:prstGeom prst="rect">
+              <a:avLst/>
+            </a:prstGeom>
+            <a:noFill/>
+          </p:spPr>
+          <p:txBody>
+            <a:bodyPr wrap="square" rtlCol="0">
+              <a:spAutoFit/>
+            </a:bodyPr>
+            <a:lstStyle/>
+            <a:p>
+              <a:r>
+                <a:rPr lang="en-US" altLang="zh-CN" sz="1200" dirty="0"/>
+                <a:t>S</a:t>
+              </a:r>
+              <a:r>
+                <a:rPr lang="en-US" altLang="zh-CN" sz="1200" baseline="-25000" dirty="0"/>
+                <a:t>2</a:t>
+              </a:r>
+              <a:endParaRPr lang="zh-CN" altLang="en-US" baseline="-25000" dirty="0"/>
+            </a:p>
+          </p:txBody>
+        </p:sp>
+        <p:sp>
+          <p:nvSpPr>
+            <p:cNvPr id="19" name="TextBox 18">
+              <a:extLst>
+                <a:ext uri="{FF2B5EF4-FFF2-40B4-BE49-F238E27FC236}">
+                  <a16:creationId xmlns:a16="http://schemas.microsoft.com/office/drawing/2014/main" id="{3666036A-FB7C-4CB6-8150-0AAC9418166E}"/>
+                </a:ext>
+              </a:extLst>
+            </p:cNvPr>
+            <p:cNvSpPr txBox="1"/>
+            <p:nvPr/>
+          </p:nvSpPr>
+          <p:spPr>
+            <a:xfrm>
+              <a:off x="6013150" y="2692334"/>
+              <a:ext cx="356374" cy="276999"/>
+            </a:xfrm>
+            <a:prstGeom prst="rect">
+              <a:avLst/>
+            </a:prstGeom>
+            <a:noFill/>
+          </p:spPr>
+          <p:txBody>
+            <a:bodyPr wrap="square" rtlCol="0">
+              <a:spAutoFit/>
+            </a:bodyPr>
+            <a:lstStyle/>
+            <a:p>
+              <a:r>
+                <a:rPr lang="en-US" altLang="zh-CN" sz="1200" dirty="0"/>
+                <a:t>S</a:t>
+              </a:r>
+              <a:r>
+                <a:rPr lang="en-US" altLang="zh-CN" sz="1200" baseline="-25000" dirty="0"/>
+                <a:t>1</a:t>
+              </a:r>
+              <a:endParaRPr lang="zh-CN" altLang="en-US" baseline="-25000" dirty="0"/>
+            </a:p>
+          </p:txBody>
+        </p:sp>
+      </p:grpSp>
+    </p:spTree>
+    <p:extLst>
+      <p:ext uri="{BB962C8B-B14F-4D97-AF65-F5344CB8AC3E}">
+        <p14:creationId xmlns:p14="http://schemas.microsoft.com/office/powerpoint/2010/main" val="178256150"/>
+      </p:ext>
+    </p:extLst>
+  </p:cSld>
+  <p:clrMapOvr>
+    <a:masterClrMapping/>
+  </p:clrMapOvr>
 </p:sld>
 </file>
 
@@ -10444,10 +12731,9 @@
           <a:lstStyle/>
           <a:p>
             <a:r>
-              <a:rPr lang="en-US" dirty="0" smtClean="0"/>
+              <a:rPr lang="en-US" dirty="0"/>
               <a:t>Research Problem</a:t>
             </a:r>
-            <a:endParaRPr lang="en-US" dirty="0"/>
           </a:p>
         </p:txBody>
       </p:sp>
@@ -10487,6 +12773,128 @@
     <p:extLst>
       <p:ext uri="{BB962C8B-B14F-4D97-AF65-F5344CB8AC3E}">
         <p14:creationId xmlns:p14="http://schemas.microsoft.com/office/powerpoint/2010/main" val="4062075277"/>
+      </p:ext>
+    </p:extLst>
+  </p:cSld>
+  <p:clrMapOvr>
+    <a:masterClrMapping/>
+  </p:clrMapOvr>
+</p:sld>
+</file>
+
+<file path=ppt/slides/slide30.xml><?xml version="1.0" encoding="utf-8"?>
+<p:sld xmlns:a="http://schemas.openxmlformats.org/drawingml/2006/main" xmlns:r="http://schemas.openxmlformats.org/officeDocument/2006/relationships" xmlns:p="http://schemas.openxmlformats.org/presentationml/2006/main">
+  <p:cSld>
+    <p:spTree>
+      <p:nvGrpSpPr>
+        <p:cNvPr id="1" name=""/>
+        <p:cNvGrpSpPr/>
+        <p:nvPr/>
+      </p:nvGrpSpPr>
+      <p:grpSpPr>
+        <a:xfrm>
+          <a:off x="0" y="0"/>
+          <a:ext cx="0" cy="0"/>
+          <a:chOff x="0" y="0"/>
+          <a:chExt cx="0" cy="0"/>
+        </a:xfrm>
+      </p:grpSpPr>
+      <p:sp>
+        <p:nvSpPr>
+          <p:cNvPr id="2" name="Title 1">
+            <a:extLst>
+              <a:ext uri="{FF2B5EF4-FFF2-40B4-BE49-F238E27FC236}">
+                <a16:creationId xmlns:a16="http://schemas.microsoft.com/office/drawing/2014/main" id="{C8BC0AAE-31B5-4879-892F-B96F8DAB6051}"/>
+              </a:ext>
+            </a:extLst>
+          </p:cNvPr>
+          <p:cNvSpPr>
+            <a:spLocks noGrp="1"/>
+          </p:cNvSpPr>
+          <p:nvPr>
+            <p:ph type="title"/>
+          </p:nvPr>
+        </p:nvSpPr>
+        <p:spPr/>
+        <p:txBody>
+          <a:bodyPr/>
+          <a:lstStyle/>
+          <a:p>
+            <a:r>
+              <a:rPr lang="en-US" altLang="zh-CN" dirty="0"/>
+              <a:t>Limitations</a:t>
+            </a:r>
+            <a:endParaRPr lang="zh-CN" altLang="en-US" dirty="0"/>
+          </a:p>
+        </p:txBody>
+      </p:sp>
+      <p:sp>
+        <p:nvSpPr>
+          <p:cNvPr id="3" name="Text Placeholder 2">
+            <a:extLst>
+              <a:ext uri="{FF2B5EF4-FFF2-40B4-BE49-F238E27FC236}">
+                <a16:creationId xmlns:a16="http://schemas.microsoft.com/office/drawing/2014/main" id="{CCBCE4AF-25F7-4E77-B6AA-1E5DDAD1868B}"/>
+              </a:ext>
+            </a:extLst>
+          </p:cNvPr>
+          <p:cNvSpPr>
+            <a:spLocks noGrp="1"/>
+          </p:cNvSpPr>
+          <p:nvPr>
+            <p:ph type="body" idx="1"/>
+          </p:nvPr>
+        </p:nvSpPr>
+        <p:spPr/>
+        <p:txBody>
+          <a:bodyPr/>
+          <a:lstStyle/>
+          <a:p>
+            <a:endParaRPr lang="zh-CN" altLang="en-US"/>
+          </a:p>
+        </p:txBody>
+      </p:sp>
+      <p:sp>
+        <p:nvSpPr>
+          <p:cNvPr id="4" name="Slide Number Placeholder 3">
+            <a:extLst>
+              <a:ext uri="{FF2B5EF4-FFF2-40B4-BE49-F238E27FC236}">
+                <a16:creationId xmlns:a16="http://schemas.microsoft.com/office/drawing/2014/main" id="{2D017A7C-F965-468C-AE7C-3859A7275A70}"/>
+              </a:ext>
+            </a:extLst>
+          </p:cNvPr>
+          <p:cNvSpPr>
+            <a:spLocks noGrp="1"/>
+          </p:cNvSpPr>
+          <p:nvPr>
+            <p:ph type="sldNum" idx="12"/>
+          </p:nvPr>
+        </p:nvSpPr>
+        <p:spPr/>
+        <p:txBody>
+          <a:bodyPr/>
+          <a:lstStyle/>
+          <a:p>
+            <a:pPr marL="0" lvl="0" indent="0" algn="r" rtl="0">
+              <a:spcBef>
+                <a:spcPts val="0"/>
+              </a:spcBef>
+              <a:spcAft>
+                <a:spcPts val="0"/>
+              </a:spcAft>
+              <a:buNone/>
+            </a:pPr>
+            <a:fld id="{00000000-1234-1234-1234-123412341234}" type="slidenum">
+              <a:rPr lang="en" smtClean="0"/>
+              <a:t>30</a:t>
+            </a:fld>
+            <a:endParaRPr lang="en"/>
+          </a:p>
+        </p:txBody>
+      </p:sp>
+    </p:spTree>
+    <p:extLst>
+      <p:ext uri="{BB962C8B-B14F-4D97-AF65-F5344CB8AC3E}">
+        <p14:creationId xmlns:p14="http://schemas.microsoft.com/office/powerpoint/2010/main" val="3868490680"/>
       </p:ext>
     </p:extLst>
   </p:cSld>
@@ -10659,10 +13067,6 @@
             <a:br>
               <a:rPr lang="en-US" dirty="0"/>
             </a:br>
-            <a:r>
-              <a:rPr lang="en-US" dirty="0"/>
-              <a:t/>
-            </a:r>
             <a:br>
               <a:rPr lang="en-US" dirty="0"/>
             </a:br>
@@ -11435,11 +13839,7 @@
           <a:p>
             <a:r>
               <a:rPr lang="en-US" altLang="zh-CN" dirty="0"/>
-              <a:t>Motivation Example &amp; </a:t>
-            </a:r>
-            <a:r>
-              <a:rPr lang="en-US" altLang="zh-CN" dirty="0" smtClean="0"/>
-              <a:t>Overview</a:t>
+              <a:t>Motivation Example &amp; Overview</a:t>
             </a:r>
             <a:endParaRPr lang="en-US" dirty="0"/>
           </a:p>
@@ -11677,9 +14077,9 @@
   <p:tag name="OUTPUTDPI" val="1200"/>
   <p:tag name="ORIGINALHEIGHT" val="1513.311"/>
   <p:tag name="ORIGINALWIDTH" val="4097.488"/>
-  <p:tag name="LATEXADDIN" val="\documentclass{article}&#10;\usepackage{amsmath}&#10;\usepackage{amssymb}&#10;\pagestyle{empty}&#10;\begin{document}&#10;&#10;A Büchi automata is $B$ is a four tuple $\langle Q, \Sigma, \delta, q_0, F \rangle$ where&#10;\begin{itemize}&#10;\item $Q$ is a finite set of states,&#10;\item $\Sigma$ is a set of actions called the \textit{alphabet} of $B$,&#10;\item $\delta \subseteq Q \times \Sigma \rightarrow Q$ is a function called the \textit{transition function} of $B$,&#10;\item $q_0 \in Q$ is the initial state,&#10;\item $F \subseteq Q$ is the \textit{acceptance condition} that $B$ only accepts traces that at least one of the states in $F$ occurs infinitely often.&#10;\end{itemize}&#10;&#10;&#10;\end{document}"/>
+  <p:tag name="LATEXADDIN" val="\documentclass{article}&#10;\usepackage{amsmath}&#10;\usepackage{amssymb}&#10;\pagestyle{empty}&#10;\begin{document}&#10;&#10;A Büchi automata is $B$ is a five tuple $\langle Q, \Sigma, \delta, q_0, F \rangle$ where&#10;\begin{itemize}&#10;\item $Q$ is a finite set of states,&#10;\item $\Sigma$ is a set of actions called the \textit{alphabet} of $B$,&#10;\item $\delta \subseteq Q \times \Sigma \rightarrow Q$ is a function called the \textit{transition function} of $B$,&#10;\item $q_0 \in Q$ is the initial state,&#10;\item $F \subseteq Q$ is the \textit{acceptance condition} that $B$ only accepts traces that at least one of the states in $F$ occurs infinitely often.&#10;\end{itemize}&#10;&#10;&#10;\end{document}"/>
   <p:tag name="IGUANATEXSIZE" val="20"/>
-  <p:tag name="IGUANATEXCURSOR" val="538"/>
+  <p:tag name="IGUANATEXCURSOR" val="135"/>
   <p:tag name="TRANSPARENCY" val="True"/>
   <p:tag name="FILENAME" val=""/>
   <p:tag name="LATEXENGINEID" val="0"/>
@@ -11696,9 +14096,123 @@
   <p:tag name="OUTPUTDPI" val="1200"/>
   <p:tag name="ORIGINALHEIGHT" val="908.1365"/>
   <p:tag name="ORIGINALWIDTH" val="4285.714"/>
-  <p:tag name="LATEXADDIN" val="\documentclass{article}&#10;\usepackage{amsmath}&#10;\pagestyle{empty}&#10;\begin{document}&#10;&#10;\noindent Let $B_1 = \langle Q^1, \Sigma^1, \delta^1, q^1_0, F^1 \rangle$ and $B_2 = \langle Q^2, \Sigma^2, \delta^2, q^2_0, F^2 \rangle$, $B_1 || B_2$ is an automata $B = \langle Q, \Sigma, \delta, q_0, F \rangle$, where $Q = Q^1 \times Q^2$, $\Sigma = \Sigma^1 \cup \Sigma^2$, $q_0 = (q^1_0, q^2_0)$, $F = \{(q^1, q^2) | q^1 \in F^1 \land q^2 \in F^2 \}$, and $\delta$ is defined as:&#10;&#10;$$\frac{B_1 \xrightarrow{a} B_1', a \notin \Sigma^2}{B_1 || B_2 \xrightarrow{a} B_1' || B_2} \quad \quad \frac{B_1 \xrightarrow{a} B_1', B_2 \xrightarrow{a} B_2'}{B_1 || B_2 \xrightarrow{a} B_1' || B_2'}$$&#10;&#10;&#10;\end{document}"/>
+  <p:tag name="LATEXADDIN" val="\documentclass{article}&#10;\usepackage{amsmath}&#10;\pagestyle{empty}&#10;\begin{document}&#10;&#10;\noindent Let $B_1 = \langle Q_1, \Sigma_1, \delta_1, q^1_0, F_1 \rangle$ and $B_2 = \langle Q_2, \Sigma_2, \delta_2, q^2_0, F_2 \rangle$, $B_1 || B_2$ is an automata $B = \langle Q, \Sigma, \delta, q_0, F \rangle$, where $Q = Q_1 \times Q_2$, $\Sigma = \Sigma_1 \cup \Sigma_2$, $q_0 = (q^1_0, q^2_0)$, $F = \{(q_1, q_2) | q_1 \in F_1 \land q_2 \in F_2 \}$, and $\delta$ is defined as:&#10;&#10;$$\frac{B_1 \xrightarrow{a} B_1', a \notin \Sigma^2}{B_1 || B_2 \xrightarrow{a} B_1' || B_2} \quad \quad \frac{B_1 \xrightarrow{a} B_1', B_2 \xrightarrow{a} B_2'}{B_1 || B_2 \xrightarrow{a} B_1' || B_2'}$$&#10;&#10;&#10;\end{document}"/>
   <p:tag name="IGUANATEXSIZE" val="20"/>
-  <p:tag name="IGUANATEXCURSOR" val="341"/>
+  <p:tag name="IGUANATEXCURSOR" val="627"/>
+  <p:tag name="TRANSPARENCY" val="True"/>
+  <p:tag name="FILENAME" val=""/>
+  <p:tag name="LATEXENGINEID" val="0"/>
+  <p:tag name="TEMPFOLDER" val=".\tmp\"/>
+  <p:tag name="LATEXFORMHEIGHT" val="312"/>
+  <p:tag name="LATEXFORMWIDTH" val="384"/>
+  <p:tag name="LATEXFORMWRAP" val="True"/>
+  <p:tag name="BITMAPVECTOR" val="0"/>
+</p:tagLst>
+</file>
+
+<file path=ppt/tags/tag4.xml><?xml version="1.0" encoding="utf-8"?>
+<p:tagLst xmlns:a="http://schemas.openxmlformats.org/drawingml/2006/main" xmlns:r="http://schemas.openxmlformats.org/officeDocument/2006/relationships" xmlns:p="http://schemas.openxmlformats.org/presentationml/2006/main">
+  <p:tag name="OUTPUTDPI" val="1200"/>
+  <p:tag name="ORIGINALHEIGHT" val="286.4642"/>
+  <p:tag name="ORIGINALWIDTH" val="4284.214"/>
+  <p:tag name="LATEXADDIN" val="\documentclass{article}&#10;\usepackage{amsmath}&#10;\pagestyle{empty}&#10;\begin{document}&#10;&#10;\noindent Let $B = \langle Q, \Sigma, \delta, q_0, F \rangle$, the negation of $B$ is $\overline{B} = \langle Q, \Sigma, \delta, q_0, \overline{F} \rangle$ where $\overline{F} = Q \setminus F$.&#10;&#10;&#10;\end{document}"/>
+  <p:tag name="IGUANATEXSIZE" val="16"/>
+  <p:tag name="IGUANATEXCURSOR" val="243"/>
+  <p:tag name="TRANSPARENCY" val="True"/>
+  <p:tag name="FILENAME" val=""/>
+  <p:tag name="LATEXENGINEID" val="0"/>
+  <p:tag name="TEMPFOLDER" val=".\tmp\"/>
+  <p:tag name="LATEXFORMHEIGHT" val="312"/>
+  <p:tag name="LATEXFORMWIDTH" val="384"/>
+  <p:tag name="LATEXFORMWRAP" val="True"/>
+  <p:tag name="BITMAPVECTOR" val="0"/>
+</p:tagLst>
+</file>
+
+<file path=ppt/tags/tag5.xml><?xml version="1.0" encoding="utf-8"?>
+<p:tagLst xmlns:a="http://schemas.openxmlformats.org/drawingml/2006/main" xmlns:r="http://schemas.openxmlformats.org/officeDocument/2006/relationships" xmlns:p="http://schemas.openxmlformats.org/presentationml/2006/main">
+  <p:tag name="OUTPUTDPI" val="1200"/>
+  <p:tag name="ORIGINALHEIGHT" val="1164.604"/>
+  <p:tag name="ORIGINALWIDTH" val="4289.464"/>
+  <p:tag name="LATEXADDIN" val="\documentclass{article}&#10;\usepackage{amsmath}&#10;\pagestyle{empty}&#10;\begin{document}&#10;&#10;Let $B = T_1 - T_2$ where $T_1$ and $T_2$ are LTSs, and the result is a Büchi automata. The process is as follows:&#10;\begin{enumerate}&#10;\item Transform $T_1$ to a Büchi automata,&#10;\item Add a ``sink'' state to $T_2$ and make it complete, then transform it to a Büchi automata,&#10;\item $B = B_{T_1} || \overline{B_{T_2}}$.&#10;\end{enumerate}&#10;&#10;&#10;\end{document}"/>
+  <p:tag name="IGUANATEXSIZE" val="18"/>
+  <p:tag name="IGUANATEXCURSOR" val="353"/>
+  <p:tag name="TRANSPARENCY" val="True"/>
+  <p:tag name="FILENAME" val=""/>
+  <p:tag name="LATEXENGINEID" val="0"/>
+  <p:tag name="TEMPFOLDER" val=".\tmp\"/>
+  <p:tag name="LATEXFORMHEIGHT" val="312"/>
+  <p:tag name="LATEXFORMWIDTH" val="384"/>
+  <p:tag name="LATEXFORMWRAP" val="True"/>
+  <p:tag name="BITMAPVECTOR" val="0"/>
+</p:tagLst>
+</file>
+
+<file path=ppt/tags/tag6.xml><?xml version="1.0" encoding="utf-8"?>
+<p:tagLst xmlns:a="http://schemas.openxmlformats.org/drawingml/2006/main" xmlns:r="http://schemas.openxmlformats.org/officeDocument/2006/relationships" xmlns:p="http://schemas.openxmlformats.org/presentationml/2006/main">
+  <p:tag name="OUTPUTDPI" val="1200"/>
+  <p:tag name="ORIGINALHEIGHT" val="566.9291"/>
+  <p:tag name="ORIGINALWIDTH" val="4286.464"/>
+  <p:tag name="LATEXADDIN" val="\documentclass{article}&#10;\usepackage{amsmath}&#10;\pagestyle{empty}&#10;\begin{document}&#10;&#10;The minuend LTS is transformed to a Büchi automata by letting all its states as final states. Formally, we have:&#10;&#10;Let $T_1 = \langle Q_{T_1}, \Sigma_{T_1}, \delta_{T_1}, q^{T_1}_0 \rangle$, then $B_{T_1} = \langle Q_{T_1}, \Sigma_{T_1}, \delta_{T_1}, q^{T_1}_0, F_{T_1} \rangle$ where $F_{T_1} = Q_{T_1}$.&#10;&#10;&#10;\end{document}"/>
+  <p:tag name="IGUANATEXSIZE" val="18"/>
+  <p:tag name="IGUANATEXCURSOR" val="386"/>
+  <p:tag name="TRANSPARENCY" val="True"/>
+  <p:tag name="FILENAME" val=""/>
+  <p:tag name="LATEXENGINEID" val="0"/>
+  <p:tag name="TEMPFOLDER" val=".\tmp\"/>
+  <p:tag name="LATEXFORMHEIGHT" val="312"/>
+  <p:tag name="LATEXFORMWIDTH" val="384"/>
+  <p:tag name="LATEXFORMWRAP" val="True"/>
+  <p:tag name="BITMAPVECTOR" val="0"/>
+</p:tagLst>
+</file>
+
+<file path=ppt/tags/tag7.xml><?xml version="1.0" encoding="utf-8"?>
+<p:tagLst xmlns:a="http://schemas.openxmlformats.org/drawingml/2006/main" xmlns:r="http://schemas.openxmlformats.org/officeDocument/2006/relationships" xmlns:p="http://schemas.openxmlformats.org/presentationml/2006/main">
+  <p:tag name="OUTPUTDPI" val="1200"/>
+  <p:tag name="ORIGINALHEIGHT" val="413.1983"/>
+  <p:tag name="ORIGINALWIDTH" val="4287.964"/>
+  <p:tag name="LATEXADDIN" val="\documentclass{article}&#10;\usepackage{amsmath}&#10;\pagestyle{empty}&#10;\begin{document}&#10;&#10;A sink state is added to the subtrahend LTS, that any unspecified actions at each state will lead to the sink state. Then, the LTS is transformed to a Büchi automata by letting all the states as final states except the sink state.&#10;&#10;\end{document}"/>
+  <p:tag name="IGUANATEXSIZE" val="18"/>
+  <p:tag name="IGUANATEXCURSOR" val="311"/>
+  <p:tag name="TRANSPARENCY" val="True"/>
+  <p:tag name="FILENAME" val=""/>
+  <p:tag name="LATEXENGINEID" val="0"/>
+  <p:tag name="TEMPFOLDER" val=".\tmp\"/>
+  <p:tag name="LATEXFORMHEIGHT" val="312"/>
+  <p:tag name="LATEXFORMWIDTH" val="384"/>
+  <p:tag name="LATEXFORMWRAP" val="True"/>
+  <p:tag name="BITMAPVECTOR" val="0"/>
+</p:tagLst>
+</file>
+
+<file path=ppt/tags/tag8.xml><?xml version="1.0" encoding="utf-8"?>
+<p:tagLst xmlns:a="http://schemas.openxmlformats.org/drawingml/2006/main" xmlns:r="http://schemas.openxmlformats.org/officeDocument/2006/relationships" xmlns:p="http://schemas.openxmlformats.org/presentationml/2006/main">
+  <p:tag name="OUTPUTDPI" val="1200"/>
+  <p:tag name="ORIGINALHEIGHT" val="119.985"/>
+  <p:tag name="ORIGINALWIDTH" val="1182.602"/>
+  <p:tag name="LATEXADDIN" val="\documentclass{article}&#10;\usepackage{amsmath}&#10;\pagestyle{empty}&#10;\begin{document}&#10;&#10;$\Delta R = WA_{S_1} - WA_{S_2}$&#10;&#10;&#10;\end{document}"/>
+  <p:tag name="IGUANATEXSIZE" val="20"/>
+  <p:tag name="IGUANATEXCURSOR" val="101"/>
+  <p:tag name="TRANSPARENCY" val="True"/>
+  <p:tag name="FILENAME" val=""/>
+  <p:tag name="LATEXENGINEID" val="0"/>
+  <p:tag name="TEMPFOLDER" val=".\tmp\"/>
+  <p:tag name="LATEXFORMHEIGHT" val="312"/>
+  <p:tag name="LATEXFORMWIDTH" val="384"/>
+  <p:tag name="LATEXFORMWRAP" val="True"/>
+  <p:tag name="BITMAPVECTOR" val="0"/>
+</p:tagLst>
+</file>
+
+<file path=ppt/tags/tag9.xml><?xml version="1.0" encoding="utf-8"?>
+<p:tagLst xmlns:a="http://schemas.openxmlformats.org/drawingml/2006/main" xmlns:r="http://schemas.openxmlformats.org/officeDocument/2006/relationships" xmlns:p="http://schemas.openxmlformats.org/presentationml/2006/main">
+  <p:tag name="OUTPUTDPI" val="1200"/>
+  <p:tag name="ORIGINALHEIGHT" val="122.9846"/>
+  <p:tag name="ORIGINALWIDTH" val="314.9606"/>
+  <p:tag name="LATEXADDIN" val="\documentclass{article}&#10;\usepackage{amsmath}&#10;\usepackage{amssymb}&#10;\pagestyle{empty}&#10;\begin{document}&#10;&#10;$F \neq \emptyset$&#10;&#10;&#10;\end{document}"/>
+  <p:tag name="IGUANATEXSIZE" val="18"/>
+  <p:tag name="IGUANATEXCURSOR" val="107"/>
   <p:tag name="TRANSPARENCY" val="True"/>
   <p:tag name="FILENAME" val=""/>
   <p:tag name="LATEXENGINEID" val="0"/>

--- a/Robustness.pptx
+++ b/Robustness.pptx
@@ -43,25 +43,29 @@
   <p:notesSz cx="6858000" cy="9144000"/>
   <p:embeddedFontLst>
     <p:embeddedFont>
-      <p:font typeface="Open Sans" panose="02010600030101010101" charset="0"/>
+      <p:font typeface="宋体" panose="02010600030101010101" pitchFamily="2" charset="-122"/>
       <p:regular r:id="rId33"/>
-      <p:bold r:id="rId34"/>
-      <p:italic r:id="rId35"/>
-      <p:boldItalic r:id="rId36"/>
     </p:embeddedFont>
     <p:embeddedFont>
-      <p:font typeface="Open Sans Light" panose="02010600030101010101" charset="0"/>
-      <p:regular r:id="rId37"/>
-      <p:bold r:id="rId38"/>
-      <p:italic r:id="rId39"/>
-      <p:boldItalic r:id="rId40"/>
+      <p:font typeface="Open Sans Light" panose="020B0604020202020204" charset="0"/>
+      <p:regular r:id="rId34"/>
+      <p:bold r:id="rId35"/>
+      <p:italic r:id="rId36"/>
+      <p:boldItalic r:id="rId37"/>
     </p:embeddedFont>
     <p:embeddedFont>
-      <p:font typeface="Open Sans SemiBold" panose="02010600030101010101" charset="0"/>
-      <p:regular r:id="rId41"/>
-      <p:bold r:id="rId42"/>
-      <p:italic r:id="rId43"/>
-      <p:boldItalic r:id="rId44"/>
+      <p:font typeface="Open Sans SemiBold" panose="020B0604020202020204" charset="0"/>
+      <p:regular r:id="rId38"/>
+      <p:bold r:id="rId39"/>
+      <p:italic r:id="rId40"/>
+      <p:boldItalic r:id="rId41"/>
+    </p:embeddedFont>
+    <p:embeddedFont>
+      <p:font typeface="Open Sans" panose="020B0604020202020204" charset="0"/>
+      <p:regular r:id="rId42"/>
+      <p:bold r:id="rId43"/>
+      <p:italic r:id="rId44"/>
+      <p:boldItalic r:id="rId45"/>
     </p:embeddedFont>
   </p:embeddedFontLst>
   <p:defaultTextStyle>
@@ -834,7 +838,7 @@
               </a:spcAft>
               <a:buNone/>
             </a:pPr>
-            <a:endParaRPr/>
+            <a:endParaRPr dirty="0"/>
           </a:p>
         </p:txBody>
       </p:sp>
@@ -1415,6 +1419,67 @@
     <p:extLst>
       <p:ext uri="{BB962C8B-B14F-4D97-AF65-F5344CB8AC3E}">
         <p14:creationId xmlns:p14="http://schemas.microsoft.com/office/powerpoint/2010/main" val="2159525119"/>
+      </p:ext>
+    </p:extLst>
+  </p:cSld>
+  <p:clrMapOvr>
+    <a:masterClrMapping/>
+  </p:clrMapOvr>
+</p:notes>
+</file>
+
+<file path=ppt/notesSlides/notesSlide9.xml><?xml version="1.0" encoding="utf-8"?>
+<p:notes xmlns:a="http://schemas.openxmlformats.org/drawingml/2006/main" xmlns:r="http://schemas.openxmlformats.org/officeDocument/2006/relationships" xmlns:p="http://schemas.openxmlformats.org/presentationml/2006/main">
+  <p:cSld>
+    <p:spTree>
+      <p:nvGrpSpPr>
+        <p:cNvPr id="1" name=""/>
+        <p:cNvGrpSpPr/>
+        <p:nvPr/>
+      </p:nvGrpSpPr>
+      <p:grpSpPr>
+        <a:xfrm>
+          <a:off x="0" y="0"/>
+          <a:ext cx="0" cy="0"/>
+          <a:chOff x="0" y="0"/>
+          <a:chExt cx="0" cy="0"/>
+        </a:xfrm>
+      </p:grpSpPr>
+      <p:sp>
+        <p:nvSpPr>
+          <p:cNvPr id="2" name="Slide Image Placeholder 1"/>
+          <p:cNvSpPr>
+            <a:spLocks noGrp="1" noRot="1" noChangeAspect="1"/>
+          </p:cNvSpPr>
+          <p:nvPr>
+            <p:ph type="sldImg"/>
+          </p:nvPr>
+        </p:nvSpPr>
+        <p:spPr/>
+      </p:sp>
+      <p:sp>
+        <p:nvSpPr>
+          <p:cNvPr id="3" name="Notes Placeholder 2"/>
+          <p:cNvSpPr>
+            <a:spLocks noGrp="1"/>
+          </p:cNvSpPr>
+          <p:nvPr>
+            <p:ph type="body" idx="1"/>
+          </p:nvPr>
+        </p:nvSpPr>
+        <p:spPr/>
+        <p:txBody>
+          <a:bodyPr/>
+          <a:lstStyle/>
+          <a:p>
+            <a:endParaRPr lang="en-US"/>
+          </a:p>
+        </p:txBody>
+      </p:sp>
+    </p:spTree>
+    <p:extLst>
+      <p:ext uri="{BB962C8B-B14F-4D97-AF65-F5344CB8AC3E}">
+        <p14:creationId xmlns:p14="http://schemas.microsoft.com/office/powerpoint/2010/main" val="2215961242"/>
       </p:ext>
     </p:extLst>
   </p:cSld>
@@ -7448,6 +7513,13 @@
   <p:clrMapOvr>
     <a:masterClrMapping/>
   </p:clrMapOvr>
+  <p:timing>
+    <p:tnLst>
+      <p:par>
+        <p:cTn id="1" dur="indefinite" restart="never" nodeType="tmRoot"/>
+      </p:par>
+    </p:tnLst>
+  </p:timing>
 </p:sld>
 </file>
 
@@ -7664,6 +7736,13 @@
   <p:clrMapOvr>
     <a:masterClrMapping/>
   </p:clrMapOvr>
+  <p:timing>
+    <p:tnLst>
+      <p:par>
+        <p:cTn id="1" dur="indefinite" restart="never" nodeType="tmRoot"/>
+      </p:par>
+    </p:tnLst>
+  </p:timing>
 </p:sld>
 </file>
 
@@ -7855,6 +7934,13 @@
   <p:clrMapOvr>
     <a:masterClrMapping/>
   </p:clrMapOvr>
+  <p:timing>
+    <p:tnLst>
+      <p:par>
+        <p:cTn id="1" dur="indefinite" restart="never" nodeType="tmRoot"/>
+      </p:par>
+    </p:tnLst>
+  </p:timing>
 </p:sld>
 </file>
 
@@ -8138,7 +8224,15 @@
             <a:pPr lvl="1"/>
             <a:r>
               <a:rPr lang="en-US" altLang="zh-CN" dirty="0"/>
-              <a:t>By model checking, a trace to deadlock: &lt;input, send, lose, </a:t>
+              <a:t>By model checking, </a:t>
+            </a:r>
+            <a:r>
+              <a:rPr lang="en-US" altLang="zh-CN" dirty="0" smtClean="0"/>
+              <a:t>find a </a:t>
+            </a:r>
+            <a:r>
+              <a:rPr lang="en-US" altLang="zh-CN" dirty="0"/>
+              <a:t>trace to deadlock: &lt;input, send, lose, </a:t>
             </a:r>
             <a:r>
               <a:rPr lang="en-US" altLang="zh-CN" dirty="0">
@@ -8169,6 +8263,13 @@
   <p:clrMapOvr>
     <a:masterClrMapping/>
   </p:clrMapOvr>
+  <p:timing>
+    <p:tnLst>
+      <p:par>
+        <p:cTn id="1" dur="indefinite" restart="never" nodeType="tmRoot"/>
+      </p:par>
+    </p:tnLst>
+  </p:timing>
 </p:sld>
 </file>
 
@@ -8506,6 +8607,13 @@
   <p:clrMapOvr>
     <a:masterClrMapping/>
   </p:clrMapOvr>
+  <p:timing>
+    <p:tnLst>
+      <p:par>
+        <p:cTn id="1" dur="indefinite" restart="never" nodeType="tmRoot"/>
+      </p:par>
+    </p:tnLst>
+  </p:timing>
 </p:sld>
 </file>
 
@@ -8797,6 +8905,13 @@
   <p:clrMapOvr>
     <a:masterClrMapping/>
   </p:clrMapOvr>
+  <p:timing>
+    <p:tnLst>
+      <p:par>
+        <p:cTn id="1" dur="indefinite" restart="never" nodeType="tmRoot"/>
+      </p:par>
+    </p:tnLst>
+  </p:timing>
 </p:sld>
 </file>
 
@@ -8881,6 +8996,13 @@
   <p:clrMapOvr>
     <a:masterClrMapping/>
   </p:clrMapOvr>
+  <p:timing>
+    <p:tnLst>
+      <p:par>
+        <p:cTn id="1" dur="indefinite" restart="never" nodeType="tmRoot"/>
+      </p:par>
+    </p:tnLst>
+  </p:timing>
 </p:sld>
 </file>
 
@@ -9069,6 +9191,13 @@
   <p:clrMapOvr>
     <a:masterClrMapping/>
   </p:clrMapOvr>
+  <p:timing>
+    <p:tnLst>
+      <p:par>
+        <p:cTn id="1" dur="indefinite" restart="never" nodeType="tmRoot"/>
+      </p:par>
+    </p:tnLst>
+  </p:timing>
 </p:sld>
 </file>
 
@@ -9250,6 +9379,13 @@
   <p:clrMapOvr>
     <a:masterClrMapping/>
   </p:clrMapOvr>
+  <p:timing>
+    <p:tnLst>
+      <p:par>
+        <p:cTn id="1" dur="indefinite" restart="never" nodeType="tmRoot"/>
+      </p:par>
+    </p:tnLst>
+  </p:timing>
 </p:sld>
 </file>
 
@@ -9604,6 +9740,13 @@
   <p:clrMapOvr>
     <a:masterClrMapping/>
   </p:clrMapOvr>
+  <p:timing>
+    <p:tnLst>
+      <p:par>
+        <p:cTn id="1" dur="indefinite" restart="never" nodeType="tmRoot"/>
+      </p:par>
+    </p:tnLst>
+  </p:timing>
 </p:sld>
 </file>
 
@@ -9803,6 +9946,13 @@
   <p:clrMapOvr>
     <a:masterClrMapping/>
   </p:clrMapOvr>
+  <p:timing>
+    <p:tnLst>
+      <p:par>
+        <p:cTn id="1" dur="indefinite" restart="never" nodeType="tmRoot"/>
+      </p:par>
+    </p:tnLst>
+  </p:timing>
 </p:sld>
 </file>
 
@@ -9949,6 +10099,13 @@
   <p:clrMapOvr>
     <a:masterClrMapping/>
   </p:clrMapOvr>
+  <p:timing>
+    <p:tnLst>
+      <p:par>
+        <p:cTn id="1" dur="indefinite" restart="never" nodeType="tmRoot"/>
+      </p:par>
+    </p:tnLst>
+  </p:timing>
 </p:sld>
 </file>
 
@@ -10096,6 +10253,13 @@
   <p:clrMapOvr>
     <a:masterClrMapping/>
   </p:clrMapOvr>
+  <p:timing>
+    <p:tnLst>
+      <p:par>
+        <p:cTn id="1" dur="indefinite" restart="never" nodeType="tmRoot"/>
+      </p:par>
+    </p:tnLst>
+  </p:timing>
 </p:sld>
 </file>
 
@@ -10267,6 +10431,13 @@
   <p:clrMapOvr>
     <a:masterClrMapping/>
   </p:clrMapOvr>
+  <p:timing>
+    <p:tnLst>
+      <p:par>
+        <p:cTn id="1" dur="indefinite" restart="never" nodeType="tmRoot"/>
+      </p:par>
+    </p:tnLst>
+  </p:timing>
 </p:sld>
 </file>
 
@@ -10398,6 +10569,13 @@
   <p:clrMapOvr>
     <a:masterClrMapping/>
   </p:clrMapOvr>
+  <p:timing>
+    <p:tnLst>
+      <p:par>
+        <p:cTn id="1" dur="indefinite" restart="never" nodeType="tmRoot"/>
+      </p:par>
+    </p:tnLst>
+  </p:timing>
 </p:sld>
 </file>
 
@@ -10814,6 +10992,13 @@
   <p:clrMapOvr>
     <a:masterClrMapping/>
   </p:clrMapOvr>
+  <p:timing>
+    <p:tnLst>
+      <p:par>
+        <p:cTn id="1" dur="indefinite" restart="never" nodeType="tmRoot"/>
+      </p:par>
+    </p:tnLst>
+  </p:timing>
 </p:sld>
 </file>
 
@@ -11066,6 +11251,13 @@
   <p:clrMapOvr>
     <a:masterClrMapping/>
   </p:clrMapOvr>
+  <p:timing>
+    <p:tnLst>
+      <p:par>
+        <p:cTn id="1" dur="indefinite" restart="never" nodeType="tmRoot"/>
+      </p:par>
+    </p:tnLst>
+  </p:timing>
 </p:sld>
 </file>
 
@@ -11318,6 +11510,13 @@
   <p:clrMapOvr>
     <a:masterClrMapping/>
   </p:clrMapOvr>
+  <p:timing>
+    <p:tnLst>
+      <p:par>
+        <p:cTn id="1" dur="indefinite" restart="never" nodeType="tmRoot"/>
+      </p:par>
+    </p:tnLst>
+  </p:timing>
 </p:sld>
 </file>
 
@@ -11734,6 +11933,13 @@
   <p:clrMapOvr>
     <a:masterClrMapping/>
   </p:clrMapOvr>
+  <p:timing>
+    <p:tnLst>
+      <p:par>
+        <p:cTn id="1" dur="indefinite" restart="never" nodeType="tmRoot"/>
+      </p:par>
+    </p:tnLst>
+  </p:timing>
 </p:sld>
 </file>
 
@@ -11831,6 +12037,13 @@
   <p:clrMapOvr>
     <a:masterClrMapping/>
   </p:clrMapOvr>
+  <p:timing>
+    <p:tnLst>
+      <p:par>
+        <p:cTn id="1" dur="indefinite" restart="never" nodeType="tmRoot"/>
+      </p:par>
+    </p:tnLst>
+  </p:timing>
 </p:sld>
 </file>
 
@@ -11973,6 +12186,13 @@
   <p:clrMapOvr>
     <a:masterClrMapping/>
   </p:clrMapOvr>
+  <p:timing>
+    <p:tnLst>
+      <p:par>
+        <p:cTn id="1" dur="indefinite" restart="never" nodeType="tmRoot"/>
+      </p:par>
+    </p:tnLst>
+  </p:timing>
 </p:sld>
 </file>
 
@@ -12695,6 +12915,13 @@
   <p:clrMapOvr>
     <a:masterClrMapping/>
   </p:clrMapOvr>
+  <p:timing>
+    <p:tnLst>
+      <p:par>
+        <p:cTn id="1" dur="indefinite" restart="never" nodeType="tmRoot"/>
+      </p:par>
+    </p:tnLst>
+  </p:timing>
 </p:sld>
 </file>
 
@@ -12779,6 +13006,13 @@
   <p:clrMapOvr>
     <a:masterClrMapping/>
   </p:clrMapOvr>
+  <p:timing>
+    <p:tnLst>
+      <p:par>
+        <p:cTn id="1" dur="indefinite" restart="never" nodeType="tmRoot"/>
+      </p:par>
+    </p:tnLst>
+  </p:timing>
 </p:sld>
 </file>
 
@@ -12849,7 +13083,39 @@
           <a:bodyPr/>
           <a:lstStyle/>
           <a:p>
-            <a:endParaRPr lang="zh-CN" altLang="en-US"/>
+            <a:r>
+              <a:rPr lang="en-US" altLang="zh-CN" sz="1600" dirty="0" smtClean="0"/>
+              <a:t>Our approach is based on LTSA, thus the form of safety property is limited to it.</a:t>
+            </a:r>
+          </a:p>
+          <a:p>
+            <a:r>
+              <a:rPr lang="en-US" altLang="zh-CN" sz="1600" dirty="0" smtClean="0"/>
+              <a:t>We only consider deadlock-free as the only liveness property.</a:t>
+            </a:r>
+          </a:p>
+          <a:p>
+            <a:r>
+              <a:rPr lang="en-US" altLang="zh-CN" sz="1600" dirty="0" smtClean="0"/>
+              <a:t>The </a:t>
+            </a:r>
+            <a:r>
+              <a:rPr lang="en-US" altLang="zh-CN" sz="1600" dirty="0" err="1" smtClean="0"/>
+              <a:t>Büchi</a:t>
+            </a:r>
+            <a:r>
+              <a:rPr lang="en-US" altLang="zh-CN" sz="1600" dirty="0" smtClean="0"/>
+              <a:t> automata can capture the capability to deal with </a:t>
+            </a:r>
+            <a:r>
+              <a:rPr lang="en-US" altLang="zh-CN" sz="1600" dirty="0" err="1" smtClean="0"/>
+              <a:t>unceratinty</a:t>
+            </a:r>
+            <a:r>
+              <a:rPr lang="en-US" altLang="zh-CN" sz="1600" dirty="0" smtClean="0"/>
+              <a:t>, but it is not a good representation as a metric.</a:t>
+            </a:r>
+            <a:endParaRPr lang="zh-CN" altLang="en-US" sz="1600" dirty="0"/>
           </a:p>
         </p:txBody>
       </p:sp>
@@ -12901,6 +13167,13 @@
   <p:clrMapOvr>
     <a:masterClrMapping/>
   </p:clrMapOvr>
+  <p:timing>
+    <p:tnLst>
+      <p:par>
+        <p:cTn id="1" dur="indefinite" restart="never" nodeType="tmRoot"/>
+      </p:par>
+    </p:tnLst>
+  </p:timing>
 </p:sld>
 </file>
 
@@ -13067,6 +13340,10 @@
             <a:br>
               <a:rPr lang="en-US" dirty="0"/>
             </a:br>
+            <a:r>
+              <a:rPr lang="en-US" dirty="0"/>
+              <a:t/>
+            </a:r>
             <a:br>
               <a:rPr lang="en-US" dirty="0"/>
             </a:br>
@@ -13121,6 +13398,13 @@
   <p:clrMapOvr>
     <a:masterClrMapping/>
   </p:clrMapOvr>
+  <p:timing>
+    <p:tnLst>
+      <p:par>
+        <p:cTn id="1" dur="indefinite" restart="never" nodeType="tmRoot"/>
+      </p:par>
+    </p:tnLst>
+  </p:timing>
 </p:sld>
 </file>
 
@@ -13330,6 +13614,13 @@
   <p:clrMapOvr>
     <a:masterClrMapping/>
   </p:clrMapOvr>
+  <p:timing>
+    <p:tnLst>
+      <p:par>
+        <p:cTn id="1" dur="indefinite" restart="never" nodeType="tmRoot"/>
+      </p:par>
+    </p:tnLst>
+  </p:timing>
 </p:sld>
 </file>
 
@@ -13582,6 +13873,13 @@
   <p:clrMapOvr>
     <a:masterClrMapping/>
   </p:clrMapOvr>
+  <p:timing>
+    <p:tnLst>
+      <p:par>
+        <p:cTn id="1" dur="indefinite" restart="never" nodeType="tmRoot"/>
+      </p:par>
+    </p:tnLst>
+  </p:timing>
 </p:sld>
 </file>
 
@@ -13802,6 +14100,13 @@
   <p:clrMapOvr>
     <a:masterClrMapping/>
   </p:clrMapOvr>
+  <p:timing>
+    <p:tnLst>
+      <p:par>
+        <p:cTn id="1" dur="indefinite" restart="never" nodeType="tmRoot"/>
+      </p:par>
+    </p:tnLst>
+  </p:timing>
 </p:sld>
 </file>
 
@@ -13887,6 +14192,13 @@
   <p:clrMapOvr>
     <a:masterClrMapping/>
   </p:clrMapOvr>
+  <p:timing>
+    <p:tnLst>
+      <p:par>
+        <p:cTn id="1" dur="indefinite" restart="never" nodeType="tmRoot"/>
+      </p:par>
+    </p:tnLst>
+  </p:timing>
 </p:sld>
 </file>
 
@@ -14050,6 +14362,13 @@
   <p:clrMapOvr>
     <a:masterClrMapping/>
   </p:clrMapOvr>
+  <p:timing>
+    <p:tnLst>
+      <p:par>
+        <p:cTn id="1" dur="indefinite" restart="never" nodeType="tmRoot"/>
+      </p:par>
+    </p:tnLst>
+  </p:timing>
 </p:sld>
 </file>
 

--- a/Robustness.pptx
+++ b/Robustness.pptx
@@ -5,67 +5,79 @@
     <p:sldMasterId id="2147483659" r:id="rId1"/>
   </p:sldMasterIdLst>
   <p:notesMasterIdLst>
-    <p:notesMasterId r:id="rId32"/>
+    <p:notesMasterId r:id="rId44"/>
   </p:notesMasterIdLst>
   <p:sldIdLst>
     <p:sldId id="256" r:id="rId2"/>
     <p:sldId id="264" r:id="rId3"/>
     <p:sldId id="284" r:id="rId4"/>
-    <p:sldId id="257" r:id="rId5"/>
-    <p:sldId id="278" r:id="rId6"/>
-    <p:sldId id="258" r:id="rId7"/>
-    <p:sldId id="259" r:id="rId8"/>
-    <p:sldId id="285" r:id="rId9"/>
-    <p:sldId id="270" r:id="rId10"/>
-    <p:sldId id="260" r:id="rId11"/>
-    <p:sldId id="261" r:id="rId12"/>
-    <p:sldId id="262" r:id="rId13"/>
-    <p:sldId id="279" r:id="rId14"/>
-    <p:sldId id="280" r:id="rId15"/>
-    <p:sldId id="286" r:id="rId16"/>
-    <p:sldId id="281" r:id="rId17"/>
-    <p:sldId id="268" r:id="rId18"/>
-    <p:sldId id="282" r:id="rId19"/>
-    <p:sldId id="283" r:id="rId20"/>
-    <p:sldId id="288" r:id="rId21"/>
-    <p:sldId id="289" r:id="rId22"/>
-    <p:sldId id="290" r:id="rId23"/>
-    <p:sldId id="292" r:id="rId24"/>
-    <p:sldId id="293" r:id="rId25"/>
-    <p:sldId id="294" r:id="rId26"/>
-    <p:sldId id="295" r:id="rId27"/>
-    <p:sldId id="296" r:id="rId28"/>
-    <p:sldId id="277" r:id="rId29"/>
-    <p:sldId id="297" r:id="rId30"/>
-    <p:sldId id="298" r:id="rId31"/>
+    <p:sldId id="299" r:id="rId5"/>
+    <p:sldId id="257" r:id="rId6"/>
+    <p:sldId id="278" r:id="rId7"/>
+    <p:sldId id="258" r:id="rId8"/>
+    <p:sldId id="259" r:id="rId9"/>
+    <p:sldId id="285" r:id="rId10"/>
+    <p:sldId id="270" r:id="rId11"/>
+    <p:sldId id="302" r:id="rId12"/>
+    <p:sldId id="260" r:id="rId13"/>
+    <p:sldId id="261" r:id="rId14"/>
+    <p:sldId id="300" r:id="rId15"/>
+    <p:sldId id="301" r:id="rId16"/>
+    <p:sldId id="262" r:id="rId17"/>
+    <p:sldId id="303" r:id="rId18"/>
+    <p:sldId id="304" r:id="rId19"/>
+    <p:sldId id="305" r:id="rId20"/>
+    <p:sldId id="307" r:id="rId21"/>
+    <p:sldId id="306" r:id="rId22"/>
+    <p:sldId id="308" r:id="rId23"/>
+    <p:sldId id="309" r:id="rId24"/>
+    <p:sldId id="310" r:id="rId25"/>
+    <p:sldId id="279" r:id="rId26"/>
+    <p:sldId id="280" r:id="rId27"/>
+    <p:sldId id="286" r:id="rId28"/>
+    <p:sldId id="281" r:id="rId29"/>
+    <p:sldId id="268" r:id="rId30"/>
+    <p:sldId id="282" r:id="rId31"/>
+    <p:sldId id="283" r:id="rId32"/>
+    <p:sldId id="288" r:id="rId33"/>
+    <p:sldId id="289" r:id="rId34"/>
+    <p:sldId id="290" r:id="rId35"/>
+    <p:sldId id="292" r:id="rId36"/>
+    <p:sldId id="293" r:id="rId37"/>
+    <p:sldId id="294" r:id="rId38"/>
+    <p:sldId id="295" r:id="rId39"/>
+    <p:sldId id="296" r:id="rId40"/>
+    <p:sldId id="277" r:id="rId41"/>
+    <p:sldId id="297" r:id="rId42"/>
+    <p:sldId id="298" r:id="rId43"/>
   </p:sldIdLst>
   <p:sldSz cx="9144000" cy="5143500" type="screen16x9"/>
   <p:notesSz cx="6858000" cy="9144000"/>
   <p:embeddedFontLst>
     <p:embeddedFont>
-      <p:font typeface="宋体" panose="02010600030101010101" pitchFamily="2" charset="-122"/>
-      <p:regular r:id="rId33"/>
-    </p:embeddedFont>
-    <p:embeddedFont>
       <p:font typeface="Open Sans Light" panose="020B0604020202020204" charset="0"/>
-      <p:regular r:id="rId34"/>
-      <p:bold r:id="rId35"/>
-      <p:italic r:id="rId36"/>
-      <p:boldItalic r:id="rId37"/>
+      <p:regular r:id="rId45"/>
+      <p:bold r:id="rId46"/>
+      <p:italic r:id="rId47"/>
+      <p:boldItalic r:id="rId48"/>
     </p:embeddedFont>
     <p:embeddedFont>
       <p:font typeface="Open Sans SemiBold" panose="020B0604020202020204" charset="0"/>
-      <p:regular r:id="rId38"/>
-      <p:bold r:id="rId39"/>
-      <p:italic r:id="rId40"/>
-      <p:boldItalic r:id="rId41"/>
+      <p:regular r:id="rId49"/>
+      <p:bold r:id="rId50"/>
+      <p:italic r:id="rId51"/>
+      <p:boldItalic r:id="rId52"/>
     </p:embeddedFont>
     <p:embeddedFont>
       <p:font typeface="Open Sans" panose="020B0604020202020204" charset="0"/>
-      <p:regular r:id="rId42"/>
-      <p:bold r:id="rId43"/>
-      <p:italic r:id="rId44"/>
-      <p:boldItalic r:id="rId45"/>
+      <p:regular r:id="rId53"/>
+      <p:bold r:id="rId54"/>
+      <p:italic r:id="rId55"/>
+      <p:boldItalic r:id="rId56"/>
+    </p:embeddedFont>
+    <p:embeddedFont>
+      <p:font typeface="宋体" panose="02010600030101010101" pitchFamily="2" charset="-122"/>
+      <p:regular r:id="rId57"/>
     </p:embeddedFont>
   </p:embeddedFontLst>
   <p:defaultTextStyle>
@@ -850,7 +862,269 @@
 </p:notes>
 </file>
 
+<file path=ppt/notesSlides/notesSlide10.xml><?xml version="1.0" encoding="utf-8"?>
+<p:notes xmlns:a="http://schemas.openxmlformats.org/drawingml/2006/main" xmlns:r="http://schemas.openxmlformats.org/officeDocument/2006/relationships" xmlns:p="http://schemas.openxmlformats.org/presentationml/2006/main">
+  <p:cSld>
+    <p:spTree>
+      <p:nvGrpSpPr>
+        <p:cNvPr id="1" name=""/>
+        <p:cNvGrpSpPr/>
+        <p:nvPr/>
+      </p:nvGrpSpPr>
+      <p:grpSpPr>
+        <a:xfrm>
+          <a:off x="0" y="0"/>
+          <a:ext cx="0" cy="0"/>
+          <a:chOff x="0" y="0"/>
+          <a:chExt cx="0" cy="0"/>
+        </a:xfrm>
+      </p:grpSpPr>
+      <p:sp>
+        <p:nvSpPr>
+          <p:cNvPr id="2" name="Slide Image Placeholder 1"/>
+          <p:cNvSpPr>
+            <a:spLocks noGrp="1" noRot="1" noChangeAspect="1"/>
+          </p:cNvSpPr>
+          <p:nvPr>
+            <p:ph type="sldImg"/>
+          </p:nvPr>
+        </p:nvSpPr>
+        <p:spPr>
+          <a:xfrm>
+            <a:off x="381000" y="685800"/>
+            <a:ext cx="6096000" cy="3429000"/>
+          </a:xfrm>
+        </p:spPr>
+      </p:sp>
+      <p:sp>
+        <p:nvSpPr>
+          <p:cNvPr id="3" name="Notes Placeholder 2"/>
+          <p:cNvSpPr>
+            <a:spLocks noGrp="1"/>
+          </p:cNvSpPr>
+          <p:nvPr>
+            <p:ph type="body" idx="1"/>
+          </p:nvPr>
+        </p:nvSpPr>
+        <p:spPr/>
+        <p:txBody>
+          <a:bodyPr/>
+          <a:lstStyle/>
+          <a:p>
+            <a:pPr marL="158750" indent="0">
+              <a:buNone/>
+            </a:pPr>
+            <a:endParaRPr lang="en-US" baseline="0" dirty="0"/>
+          </a:p>
+        </p:txBody>
+      </p:sp>
+    </p:spTree>
+    <p:extLst>
+      <p:ext uri="{BB962C8B-B14F-4D97-AF65-F5344CB8AC3E}">
+        <p14:creationId xmlns:p14="http://schemas.microsoft.com/office/powerpoint/2010/main" val="4133652077"/>
+      </p:ext>
+    </p:extLst>
+  </p:cSld>
+  <p:clrMapOvr>
+    <a:masterClrMapping/>
+  </p:clrMapOvr>
+</p:notes>
+</file>
+
+<file path=ppt/notesSlides/notesSlide11.xml><?xml version="1.0" encoding="utf-8"?>
+<p:notes xmlns:a="http://schemas.openxmlformats.org/drawingml/2006/main" xmlns:r="http://schemas.openxmlformats.org/officeDocument/2006/relationships" xmlns:p="http://schemas.openxmlformats.org/presentationml/2006/main">
+  <p:cSld>
+    <p:spTree>
+      <p:nvGrpSpPr>
+        <p:cNvPr id="1" name=""/>
+        <p:cNvGrpSpPr/>
+        <p:nvPr/>
+      </p:nvGrpSpPr>
+      <p:grpSpPr>
+        <a:xfrm>
+          <a:off x="0" y="0"/>
+          <a:ext cx="0" cy="0"/>
+          <a:chOff x="0" y="0"/>
+          <a:chExt cx="0" cy="0"/>
+        </a:xfrm>
+      </p:grpSpPr>
+      <p:sp>
+        <p:nvSpPr>
+          <p:cNvPr id="2" name="Slide Image Placeholder 1"/>
+          <p:cNvSpPr>
+            <a:spLocks noGrp="1" noRot="1" noChangeAspect="1"/>
+          </p:cNvSpPr>
+          <p:nvPr>
+            <p:ph type="sldImg"/>
+          </p:nvPr>
+        </p:nvSpPr>
+        <p:spPr>
+          <a:xfrm>
+            <a:off x="381000" y="685800"/>
+            <a:ext cx="6096000" cy="3429000"/>
+          </a:xfrm>
+        </p:spPr>
+      </p:sp>
+      <p:sp>
+        <p:nvSpPr>
+          <p:cNvPr id="3" name="Notes Placeholder 2"/>
+          <p:cNvSpPr>
+            <a:spLocks noGrp="1"/>
+          </p:cNvSpPr>
+          <p:nvPr>
+            <p:ph type="body" idx="1"/>
+          </p:nvPr>
+        </p:nvSpPr>
+        <p:spPr/>
+        <p:txBody>
+          <a:bodyPr/>
+          <a:lstStyle/>
+          <a:p>
+            <a:endParaRPr lang="zh-CN" altLang="en-US" dirty="0"/>
+          </a:p>
+        </p:txBody>
+      </p:sp>
+    </p:spTree>
+    <p:extLst>
+      <p:ext uri="{BB962C8B-B14F-4D97-AF65-F5344CB8AC3E}">
+        <p14:creationId xmlns:p14="http://schemas.microsoft.com/office/powerpoint/2010/main" val="2159525119"/>
+      </p:ext>
+    </p:extLst>
+  </p:cSld>
+  <p:clrMapOvr>
+    <a:masterClrMapping/>
+  </p:clrMapOvr>
+</p:notes>
+</file>
+
+<file path=ppt/notesSlides/notesSlide12.xml><?xml version="1.0" encoding="utf-8"?>
+<p:notes xmlns:a="http://schemas.openxmlformats.org/drawingml/2006/main" xmlns:r="http://schemas.openxmlformats.org/officeDocument/2006/relationships" xmlns:p="http://schemas.openxmlformats.org/presentationml/2006/main">
+  <p:cSld>
+    <p:spTree>
+      <p:nvGrpSpPr>
+        <p:cNvPr id="1" name=""/>
+        <p:cNvGrpSpPr/>
+        <p:nvPr/>
+      </p:nvGrpSpPr>
+      <p:grpSpPr>
+        <a:xfrm>
+          <a:off x="0" y="0"/>
+          <a:ext cx="0" cy="0"/>
+          <a:chOff x="0" y="0"/>
+          <a:chExt cx="0" cy="0"/>
+        </a:xfrm>
+      </p:grpSpPr>
+      <p:sp>
+        <p:nvSpPr>
+          <p:cNvPr id="2" name="Slide Image Placeholder 1"/>
+          <p:cNvSpPr>
+            <a:spLocks noGrp="1" noRot="1" noChangeAspect="1"/>
+          </p:cNvSpPr>
+          <p:nvPr>
+            <p:ph type="sldImg"/>
+          </p:nvPr>
+        </p:nvSpPr>
+        <p:spPr>
+          <a:xfrm>
+            <a:off x="381000" y="685800"/>
+            <a:ext cx="6096000" cy="3429000"/>
+          </a:xfrm>
+        </p:spPr>
+      </p:sp>
+      <p:sp>
+        <p:nvSpPr>
+          <p:cNvPr id="3" name="Notes Placeholder 2"/>
+          <p:cNvSpPr>
+            <a:spLocks noGrp="1"/>
+          </p:cNvSpPr>
+          <p:nvPr>
+            <p:ph type="body" idx="1"/>
+          </p:nvPr>
+        </p:nvSpPr>
+        <p:spPr/>
+        <p:txBody>
+          <a:bodyPr/>
+          <a:lstStyle/>
+          <a:p>
+            <a:endParaRPr lang="en-US"/>
+          </a:p>
+        </p:txBody>
+      </p:sp>
+    </p:spTree>
+    <p:extLst>
+      <p:ext uri="{BB962C8B-B14F-4D97-AF65-F5344CB8AC3E}">
+        <p14:creationId xmlns:p14="http://schemas.microsoft.com/office/powerpoint/2010/main" val="2215961242"/>
+      </p:ext>
+    </p:extLst>
+  </p:cSld>
+  <p:clrMapOvr>
+    <a:masterClrMapping/>
+  </p:clrMapOvr>
+</p:notes>
+</file>
+
 <file path=ppt/notesSlides/notesSlide2.xml><?xml version="1.0" encoding="utf-8"?>
+<p:notes xmlns:a="http://schemas.openxmlformats.org/drawingml/2006/main" xmlns:r="http://schemas.openxmlformats.org/officeDocument/2006/relationships" xmlns:p="http://schemas.openxmlformats.org/presentationml/2006/main">
+  <p:cSld>
+    <p:spTree>
+      <p:nvGrpSpPr>
+        <p:cNvPr id="1" name=""/>
+        <p:cNvGrpSpPr/>
+        <p:nvPr/>
+      </p:nvGrpSpPr>
+      <p:grpSpPr>
+        <a:xfrm>
+          <a:off x="0" y="0"/>
+          <a:ext cx="0" cy="0"/>
+          <a:chOff x="0" y="0"/>
+          <a:chExt cx="0" cy="0"/>
+        </a:xfrm>
+      </p:grpSpPr>
+      <p:sp>
+        <p:nvSpPr>
+          <p:cNvPr id="2" name="Slide Image Placeholder 1"/>
+          <p:cNvSpPr>
+            <a:spLocks noGrp="1" noRot="1" noChangeAspect="1"/>
+          </p:cNvSpPr>
+          <p:nvPr>
+            <p:ph type="sldImg"/>
+          </p:nvPr>
+        </p:nvSpPr>
+        <p:spPr/>
+      </p:sp>
+      <p:sp>
+        <p:nvSpPr>
+          <p:cNvPr id="3" name="Notes Placeholder 2"/>
+          <p:cNvSpPr>
+            <a:spLocks noGrp="1"/>
+          </p:cNvSpPr>
+          <p:nvPr>
+            <p:ph type="body" idx="1"/>
+          </p:nvPr>
+        </p:nvSpPr>
+        <p:spPr/>
+        <p:txBody>
+          <a:bodyPr/>
+          <a:lstStyle/>
+          <a:p>
+            <a:endParaRPr lang="en-US" dirty="0"/>
+          </a:p>
+        </p:txBody>
+      </p:sp>
+    </p:spTree>
+    <p:extLst>
+      <p:ext uri="{BB962C8B-B14F-4D97-AF65-F5344CB8AC3E}">
+        <p14:creationId xmlns:p14="http://schemas.microsoft.com/office/powerpoint/2010/main" val="2404245219"/>
+      </p:ext>
+    </p:extLst>
+  </p:cSld>
+  <p:clrMapOvr>
+    <a:masterClrMapping/>
+  </p:clrMapOvr>
+</p:notes>
+</file>
+
+<file path=ppt/notesSlides/notesSlide3.xml><?xml version="1.0" encoding="utf-8"?>
 <p:notes xmlns:a="http://schemas.openxmlformats.org/drawingml/2006/main" xmlns:r="http://schemas.openxmlformats.org/officeDocument/2006/relationships" xmlns:p="http://schemas.openxmlformats.org/presentationml/2006/main" showMasterSp="0" showMasterPhAnim="0">
   <p:cSld>
     <p:spTree>
@@ -954,76 +1228,6 @@
 </p:notes>
 </file>
 
-<file path=ppt/notesSlides/notesSlide3.xml><?xml version="1.0" encoding="utf-8"?>
-<p:notes xmlns:a="http://schemas.openxmlformats.org/drawingml/2006/main" xmlns:r="http://schemas.openxmlformats.org/officeDocument/2006/relationships" xmlns:p="http://schemas.openxmlformats.org/presentationml/2006/main">
-  <p:cSld>
-    <p:spTree>
-      <p:nvGrpSpPr>
-        <p:cNvPr id="1" name=""/>
-        <p:cNvGrpSpPr/>
-        <p:nvPr/>
-      </p:nvGrpSpPr>
-      <p:grpSpPr>
-        <a:xfrm>
-          <a:off x="0" y="0"/>
-          <a:ext cx="0" cy="0"/>
-          <a:chOff x="0" y="0"/>
-          <a:chExt cx="0" cy="0"/>
-        </a:xfrm>
-      </p:grpSpPr>
-      <p:sp>
-        <p:nvSpPr>
-          <p:cNvPr id="2" name="Slide Image Placeholder 1"/>
-          <p:cNvSpPr>
-            <a:spLocks noGrp="1" noRot="1" noChangeAspect="1"/>
-          </p:cNvSpPr>
-          <p:nvPr>
-            <p:ph type="sldImg"/>
-          </p:nvPr>
-        </p:nvSpPr>
-        <p:spPr>
-          <a:xfrm>
-            <a:off x="381000" y="685800"/>
-            <a:ext cx="6096000" cy="3429000"/>
-          </a:xfrm>
-        </p:spPr>
-      </p:sp>
-      <p:sp>
-        <p:nvSpPr>
-          <p:cNvPr id="3" name="Notes Placeholder 2"/>
-          <p:cNvSpPr>
-            <a:spLocks noGrp="1"/>
-          </p:cNvSpPr>
-          <p:nvPr>
-            <p:ph type="body" idx="1"/>
-          </p:nvPr>
-        </p:nvSpPr>
-        <p:spPr/>
-        <p:txBody>
-          <a:bodyPr/>
-          <a:lstStyle/>
-          <a:p>
-            <a:r>
-              <a:rPr lang="en-US" altLang="zh-CN" dirty="0"/>
-              <a:t>The source and goal concepts are similar to the six dimensions of quality attributes proposed by SEI. Here, we simplify it and only focus on the stimulus (source) and the expected reaction of the system.</a:t>
-            </a:r>
-            <a:endParaRPr lang="zh-CN" altLang="en-US" dirty="0"/>
-          </a:p>
-        </p:txBody>
-      </p:sp>
-    </p:spTree>
-    <p:extLst>
-      <p:ext uri="{BB962C8B-B14F-4D97-AF65-F5344CB8AC3E}">
-        <p14:creationId xmlns:p14="http://schemas.microsoft.com/office/powerpoint/2010/main" val="2176454430"/>
-      </p:ext>
-    </p:extLst>
-  </p:cSld>
-  <p:clrMapOvr>
-    <a:masterClrMapping/>
-  </p:clrMapOvr>
-</p:notes>
-</file>
-
 <file path=ppt/notesSlides/notesSlide4.xml><?xml version="1.0" encoding="utf-8"?>
 <p:notes xmlns:a="http://schemas.openxmlformats.org/drawingml/2006/main" xmlns:r="http://schemas.openxmlformats.org/officeDocument/2006/relationships" xmlns:p="http://schemas.openxmlformats.org/presentationml/2006/main">
   <p:cSld>
@@ -1074,21 +1278,17 @@
           <a:lstStyle/>
           <a:p>
             <a:r>
-              <a:rPr lang="en-US" dirty="0"/>
-              <a:t>In</a:t>
-            </a:r>
-            <a:r>
-              <a:rPr lang="en-US" baseline="0" dirty="0"/>
-              <a:t> other domain, there are formal definitions of robustness</a:t>
-            </a:r>
-            <a:endParaRPr lang="en-US" dirty="0"/>
+              <a:rPr lang="en-US" altLang="zh-CN" dirty="0"/>
+              <a:t>The source and goal concepts are similar to the six dimensions of quality attributes proposed by SEI. Here, we simplify it and only focus on the stimulus (source) and the expected reaction of the system.</a:t>
+            </a:r>
+            <a:endParaRPr lang="zh-CN" altLang="en-US" dirty="0"/>
           </a:p>
         </p:txBody>
       </p:sp>
     </p:spTree>
     <p:extLst>
       <p:ext uri="{BB962C8B-B14F-4D97-AF65-F5344CB8AC3E}">
-        <p14:creationId xmlns:p14="http://schemas.microsoft.com/office/powerpoint/2010/main" val="1876292659"/>
+        <p14:creationId xmlns:p14="http://schemas.microsoft.com/office/powerpoint/2010/main" val="2176454430"/>
       </p:ext>
     </p:extLst>
   </p:cSld>
@@ -1148,17 +1348,21 @@
           <a:lstStyle/>
           <a:p>
             <a:r>
-              <a:rPr lang="en-US" altLang="zh-CN" dirty="0"/>
-              <a:t>In the diagrams above, state 0 is always the initial state</a:t>
-            </a:r>
-            <a:endParaRPr lang="zh-CN" altLang="en-US" dirty="0"/>
+              <a:rPr lang="en-US" dirty="0"/>
+              <a:t>In</a:t>
+            </a:r>
+            <a:r>
+              <a:rPr lang="en-US" baseline="0" dirty="0"/>
+              <a:t> other domain, there are formal definitions of robustness</a:t>
+            </a:r>
+            <a:endParaRPr lang="en-US" dirty="0"/>
           </a:p>
         </p:txBody>
       </p:sp>
     </p:spTree>
     <p:extLst>
       <p:ext uri="{BB962C8B-B14F-4D97-AF65-F5344CB8AC3E}">
-        <p14:creationId xmlns:p14="http://schemas.microsoft.com/office/powerpoint/2010/main" val="2651326126"/>
+        <p14:creationId xmlns:p14="http://schemas.microsoft.com/office/powerpoint/2010/main" val="1876292659"/>
       </p:ext>
     </p:extLst>
   </p:cSld>
@@ -1217,69 +1421,18 @@
           <a:bodyPr/>
           <a:lstStyle/>
           <a:p>
-            <a:pPr marL="158750" indent="0">
-              <a:buNone/>
-            </a:pPr>
-            <a:r>
-              <a:rPr lang="en-US" altLang="zh-CN" b="1" dirty="0"/>
-              <a:t>State -1 refers to the error state. A trace to the error state means the safety property P is violated.</a:t>
-            </a:r>
-          </a:p>
-          <a:p>
-            <a:pPr marL="158750" indent="0">
-              <a:buNone/>
-            </a:pPr>
-            <a:endParaRPr lang="en-US" altLang="zh-CN" b="1" dirty="0"/>
-          </a:p>
-          <a:p>
-            <a:pPr marL="158750" indent="0">
-              <a:buNone/>
-            </a:pPr>
-            <a:r>
-              <a:rPr lang="en-US" altLang="zh-CN" b="1" dirty="0"/>
-              <a:t>Limitations:</a:t>
-            </a:r>
-          </a:p>
-          <a:p>
-            <a:pPr marL="457200" indent="-298450"/>
             <a:r>
               <a:rPr lang="en-US" altLang="zh-CN" dirty="0"/>
-              <a:t>A safety property is restricted to the form of LTSA property.</a:t>
-            </a:r>
-          </a:p>
-          <a:p>
-            <a:pPr marL="457200" indent="-298450"/>
-            <a:r>
-              <a:rPr lang="en-US" altLang="zh-CN" dirty="0"/>
-              <a:t>We consider deadlock-free to be the weakest form of liveness, i.e., the system should not be stuck at some step.</a:t>
-            </a:r>
-          </a:p>
-          <a:p>
-            <a:pPr marL="158750" indent="0">
-              <a:buNone/>
-            </a:pPr>
-            <a:endParaRPr lang="en-US" altLang="zh-CN" dirty="0"/>
-          </a:p>
-          <a:p>
-            <a:pPr marL="158750" indent="0">
-              <a:buNone/>
-            </a:pPr>
-            <a:r>
-              <a:rPr lang="en-US" altLang="zh-CN" b="1" dirty="0"/>
-              <a:t>I will use “correct” in this presentation</a:t>
-            </a:r>
-            <a:r>
-              <a:rPr lang="en-US" altLang="zh-CN" b="1" baseline="0" dirty="0"/>
-              <a:t> for simplicity, but it means the system should satisfy the given safety properties and be deadlock-free.</a:t>
-            </a:r>
-            <a:endParaRPr lang="en-US" altLang="zh-CN" b="1" dirty="0"/>
+              <a:t>In the diagrams above, state 0 is always the initial state</a:t>
+            </a:r>
+            <a:endParaRPr lang="zh-CN" altLang="en-US" dirty="0"/>
           </a:p>
         </p:txBody>
       </p:sp>
     </p:spTree>
     <p:extLst>
       <p:ext uri="{BB962C8B-B14F-4D97-AF65-F5344CB8AC3E}">
-        <p14:creationId xmlns:p14="http://schemas.microsoft.com/office/powerpoint/2010/main" val="988333764"/>
+        <p14:creationId xmlns:p14="http://schemas.microsoft.com/office/powerpoint/2010/main" val="2651326126"/>
       </p:ext>
     </p:extLst>
   </p:cSld>
@@ -1338,21 +1491,60 @@
           <a:bodyPr/>
           <a:lstStyle/>
           <a:p>
-            <a:r>
-              <a:rPr lang="en-US" dirty="0"/>
-              <a:t>The last send will</a:t>
-            </a:r>
-            <a:r>
-              <a:rPr lang="en-US" baseline="0" dirty="0"/>
-              <a:t> cause deadlock, i.e., the system is waiting for a rec event, but the environment is waiting for a send event.</a:t>
-            </a:r>
+            <a:pPr marL="158750" indent="0">
+              <a:buNone/>
+            </a:pPr>
+            <a:endParaRPr lang="en-US" altLang="zh-CN" b="1" dirty="0"/>
+          </a:p>
+          <a:p>
+            <a:pPr marL="158750" indent="0">
+              <a:buNone/>
+            </a:pPr>
+            <a:r>
+              <a:rPr lang="en-US" altLang="zh-CN" b="1" dirty="0"/>
+              <a:t>Limitations:</a:t>
+            </a:r>
+          </a:p>
+          <a:p>
+            <a:pPr marL="457200" indent="-298450"/>
+            <a:r>
+              <a:rPr lang="en-US" altLang="zh-CN" dirty="0"/>
+              <a:t>A safety property is restricted to the form of LTSA property.</a:t>
+            </a:r>
+          </a:p>
+          <a:p>
+            <a:pPr marL="457200" indent="-298450"/>
+            <a:r>
+              <a:rPr lang="en-US" altLang="zh-CN" dirty="0"/>
+              <a:t>We consider deadlock-free to be the weakest form of liveness, i.e., the system should not be stuck at some step.</a:t>
+            </a:r>
+          </a:p>
+          <a:p>
+            <a:pPr marL="158750" indent="0">
+              <a:buNone/>
+            </a:pPr>
+            <a:endParaRPr lang="en-US" altLang="zh-CN" dirty="0"/>
+          </a:p>
+          <a:p>
+            <a:pPr marL="158750" indent="0">
+              <a:buNone/>
+            </a:pPr>
+            <a:r>
+              <a:rPr lang="en-US" altLang="zh-CN" b="1" dirty="0"/>
+              <a:t>I will use “correct” in this presentation</a:t>
+            </a:r>
+            <a:r>
+              <a:rPr lang="en-US" altLang="zh-CN" b="1" baseline="0" dirty="0"/>
+              <a:t> for simplicity, but it means the system should satisfy the given safety properties and be deadlock-free.</a:t>
+            </a:r>
+            <a:endParaRPr lang="en-US" altLang="zh-CN" b="1" dirty="0"/>
           </a:p>
         </p:txBody>
       </p:sp>
     </p:spTree>
     <p:extLst>
       <p:ext uri="{BB962C8B-B14F-4D97-AF65-F5344CB8AC3E}">
-        <p14:creationId xmlns:p14="http://schemas.microsoft.com/office/powerpoint/2010/main" val="3152369955"/>
+        <p14:creationId xmlns:p14="http://schemas.microsoft.com/office/powerpoint/2010/main" val="988333764"/>
       </p:ext>
     </p:extLst>
   </p:cSld>
@@ -1411,14 +1603,17 @@
           <a:bodyPr/>
           <a:lstStyle/>
           <a:p>
-            <a:endParaRPr lang="zh-CN" altLang="en-US" dirty="0"/>
+            <a:pPr marL="158750" indent="0">
+              <a:buNone/>
+            </a:pPr>
+            <a:endParaRPr lang="en-US" dirty="0"/>
           </a:p>
         </p:txBody>
       </p:sp>
     </p:spTree>
     <p:extLst>
       <p:ext uri="{BB962C8B-B14F-4D97-AF65-F5344CB8AC3E}">
-        <p14:creationId xmlns:p14="http://schemas.microsoft.com/office/powerpoint/2010/main" val="2159525119"/>
+        <p14:creationId xmlns:p14="http://schemas.microsoft.com/office/powerpoint/2010/main" val="564671888"/>
       </p:ext>
     </p:extLst>
   </p:cSld>
@@ -1455,7 +1650,12 @@
             <p:ph type="sldImg"/>
           </p:nvPr>
         </p:nvSpPr>
-        <p:spPr/>
+        <p:spPr>
+          <a:xfrm>
+            <a:off x="381000" y="685800"/>
+            <a:ext cx="6096000" cy="3429000"/>
+          </a:xfrm>
+        </p:spPr>
       </p:sp>
       <p:sp>
         <p:nvSpPr>
@@ -1472,14 +1672,17 @@
           <a:bodyPr/>
           <a:lstStyle/>
           <a:p>
-            <a:endParaRPr lang="en-US"/>
+            <a:pPr marL="158750" indent="0">
+              <a:buNone/>
+            </a:pPr>
+            <a:endParaRPr lang="en-US" baseline="0" dirty="0"/>
           </a:p>
         </p:txBody>
       </p:sp>
     </p:spTree>
     <p:extLst>
       <p:ext uri="{BB962C8B-B14F-4D97-AF65-F5344CB8AC3E}">
-        <p14:creationId xmlns:p14="http://schemas.microsoft.com/office/powerpoint/2010/main" val="2215961242"/>
+        <p14:creationId xmlns:p14="http://schemas.microsoft.com/office/powerpoint/2010/main" val="3152369955"/>
       </p:ext>
     </p:extLst>
   </p:cSld>
@@ -7545,7 +7748,7 @@
           <p:cNvPr id="2" name="Title 1">
             <a:extLst>
               <a:ext uri="{FF2B5EF4-FFF2-40B4-BE49-F238E27FC236}">
-                <a16:creationId xmlns:a16="http://schemas.microsoft.com/office/drawing/2014/main" id="{9B0F71D3-E7C9-45D6-B944-0457099404B2}"/>
+                <a16:creationId xmlns:a16="http://schemas.microsoft.com/office/drawing/2014/main" id="{7D605995-26D7-480D-A8E6-4CA4D75F6B77}"/>
               </a:ext>
             </a:extLst>
           </p:cNvPr>
@@ -7563,7 +7766,7 @@
           <a:p>
             <a:r>
               <a:rPr lang="en-US" altLang="zh-CN" dirty="0"/>
-              <a:t>Motivation Example</a:t>
+              <a:t>Background</a:t>
             </a:r>
             <a:endParaRPr lang="zh-CN" altLang="en-US" dirty="0"/>
           </a:p>
@@ -7571,10 +7774,10 @@
       </p:sp>
       <p:sp>
         <p:nvSpPr>
-          <p:cNvPr id="4" name="Slide Number Placeholder 3">
+          <p:cNvPr id="3" name="Text Placeholder 2">
             <a:extLst>
               <a:ext uri="{FF2B5EF4-FFF2-40B4-BE49-F238E27FC236}">
-                <a16:creationId xmlns:a16="http://schemas.microsoft.com/office/drawing/2014/main" id="{EC9AACC4-0395-47BE-B3CA-C53C4AFC802F}"/>
+                <a16:creationId xmlns:a16="http://schemas.microsoft.com/office/drawing/2014/main" id="{1843D3EB-6AE8-431A-A06F-71485AF82E70}"/>
               </a:ext>
             </a:extLst>
           </p:cNvPr>
@@ -7582,6 +7785,38 @@
             <a:spLocks noGrp="1"/>
           </p:cNvSpPr>
           <p:nvPr>
+            <p:ph type="body" idx="1"/>
+          </p:nvPr>
+        </p:nvSpPr>
+        <p:spPr/>
+        <p:txBody>
+          <a:bodyPr/>
+          <a:lstStyle/>
+          <a:p>
+            <a:pPr marL="114300" indent="0">
+              <a:buNone/>
+            </a:pPr>
+            <a:r>
+              <a:rPr lang="en-US" altLang="zh-CN" sz="1600" dirty="0"/>
+              <a:t>We use labelled transition systems to model the behavior of systems and environments.</a:t>
+            </a:r>
+            <a:endParaRPr lang="zh-CN" altLang="en-US" sz="1600" dirty="0"/>
+          </a:p>
+        </p:txBody>
+      </p:sp>
+      <p:sp>
+        <p:nvSpPr>
+          <p:cNvPr id="4" name="Slide Number Placeholder 3">
+            <a:extLst>
+              <a:ext uri="{FF2B5EF4-FFF2-40B4-BE49-F238E27FC236}">
+                <a16:creationId xmlns:a16="http://schemas.microsoft.com/office/drawing/2014/main" id="{DD769FA6-C05F-4802-8572-EDA4F133331D}"/>
+              </a:ext>
+            </a:extLst>
+          </p:cNvPr>
+          <p:cNvSpPr>
+            <a:spLocks noGrp="1"/>
+          </p:cNvSpPr>
+          <p:nvPr>
             <p:ph type="sldNum" idx="12"/>
           </p:nvPr>
         </p:nvSpPr>
@@ -7609,117 +7844,32 @@
       </p:sp>
       <p:pic>
         <p:nvPicPr>
-          <p:cNvPr id="1028" name="Picture 4">
+          <p:cNvPr id="10" name="Picture 9">
             <a:extLst>
               <a:ext uri="{FF2B5EF4-FFF2-40B4-BE49-F238E27FC236}">
-                <a16:creationId xmlns:a16="http://schemas.microsoft.com/office/drawing/2014/main" id="{1C69F5EC-0D66-4C81-BC05-A77A667529ED}"/>
+                <a16:creationId xmlns:a16="http://schemas.microsoft.com/office/drawing/2014/main" id="{FE22408C-4A77-4163-AFBB-C9F8F850FDA4}"/>
               </a:ext>
             </a:extLst>
           </p:cNvPr>
           <p:cNvPicPr>
-            <a:picLocks noChangeAspect="1" noChangeArrowheads="1"/>
+            <a:picLocks noChangeAspect="1"/>
           </p:cNvPicPr>
-          <p:nvPr/>
+          <p:nvPr>
+            <p:custDataLst>
+              <p:tags r:id="rId1"/>
+            </p:custDataLst>
+          </p:nvPr>
         </p:nvPicPr>
         <p:blipFill>
-          <a:blip r:embed="rId3">
-            <a:extLst>
-              <a:ext uri="{28A0092B-C50C-407E-A947-70E740481C1C}">
-                <a14:useLocalDpi xmlns:a14="http://schemas.microsoft.com/office/drawing/2010/main" val="0"/>
-              </a:ext>
-            </a:extLst>
-          </a:blip>
-          <a:srcRect/>
-          <a:stretch>
-            <a:fillRect/>
-          </a:stretch>
-        </p:blipFill>
-        <p:spPr bwMode="auto">
-          <a:xfrm>
-            <a:off x="2905137" y="1667287"/>
-            <a:ext cx="2888444" cy="1808925"/>
-          </a:xfrm>
-          <a:prstGeom prst="rect">
-            <a:avLst/>
-          </a:prstGeom>
-          <a:noFill/>
-          <a:extLst>
-            <a:ext uri="{909E8E84-426E-40DD-AFC4-6F175D3DCCD1}">
-              <a14:hiddenFill xmlns:a14="http://schemas.microsoft.com/office/drawing/2010/main">
-                <a:solidFill>
-                  <a:srgbClr val="FFFFFF"/>
-                </a:solidFill>
-              </a14:hiddenFill>
-            </a:ext>
-          </a:extLst>
-        </p:spPr>
-      </p:pic>
-      <p:pic>
-        <p:nvPicPr>
-          <p:cNvPr id="8" name="Picture 7"/>
-          <p:cNvPicPr>
-            <a:picLocks noChangeAspect="1"/>
-          </p:cNvPicPr>
-          <p:nvPr/>
-        </p:nvPicPr>
-        <p:blipFill>
-          <a:blip r:embed="rId4"/>
+          <a:blip r:embed="rId3"/>
           <a:stretch>
             <a:fillRect/>
           </a:stretch>
         </p:blipFill>
         <p:spPr>
           <a:xfrm>
-            <a:off x="481745" y="1532061"/>
-            <a:ext cx="2423392" cy="1039689"/>
-          </a:xfrm>
-          <a:prstGeom prst="rect">
-            <a:avLst/>
-          </a:prstGeom>
-        </p:spPr>
-      </p:pic>
-      <p:pic>
-        <p:nvPicPr>
-          <p:cNvPr id="9" name="Picture 8"/>
-          <p:cNvPicPr>
-            <a:picLocks noChangeAspect="1"/>
-          </p:cNvPicPr>
-          <p:nvPr/>
-        </p:nvPicPr>
-        <p:blipFill>
-          <a:blip r:embed="rId5"/>
-          <a:stretch>
-            <a:fillRect/>
-          </a:stretch>
-        </p:blipFill>
-        <p:spPr>
-          <a:xfrm>
-            <a:off x="397192" y="2875745"/>
-            <a:ext cx="2599223" cy="1039689"/>
-          </a:xfrm>
-          <a:prstGeom prst="rect">
-            <a:avLst/>
-          </a:prstGeom>
-        </p:spPr>
-      </p:pic>
-      <p:pic>
-        <p:nvPicPr>
-          <p:cNvPr id="10" name="Picture 9"/>
-          <p:cNvPicPr>
-            <a:picLocks noChangeAspect="1"/>
-          </p:cNvPicPr>
-          <p:nvPr/>
-        </p:nvPicPr>
-        <p:blipFill>
-          <a:blip r:embed="rId6"/>
-          <a:stretch>
-            <a:fillRect/>
-          </a:stretch>
-        </p:blipFill>
-        <p:spPr>
-          <a:xfrm>
-            <a:off x="5652596" y="2002354"/>
-            <a:ext cx="3009659" cy="1138789"/>
+            <a:off x="888190" y="1939978"/>
+            <a:ext cx="7367619" cy="2262857"/>
           </a:xfrm>
           <a:prstGeom prst="rect">
             <a:avLst/>
@@ -7729,7 +7879,7 @@
     </p:spTree>
     <p:extLst>
       <p:ext uri="{BB962C8B-B14F-4D97-AF65-F5344CB8AC3E}">
-        <p14:creationId xmlns:p14="http://schemas.microsoft.com/office/powerpoint/2010/main" val="3537159091"/>
+        <p14:creationId xmlns:p14="http://schemas.microsoft.com/office/powerpoint/2010/main" val="3205186143"/>
       </p:ext>
     </p:extLst>
   </p:cSld>
@@ -7765,13 +7915,7 @@
       </p:grpSpPr>
       <p:sp>
         <p:nvSpPr>
-          <p:cNvPr id="2" name="Title 1">
-            <a:extLst>
-              <a:ext uri="{FF2B5EF4-FFF2-40B4-BE49-F238E27FC236}">
-                <a16:creationId xmlns:a16="http://schemas.microsoft.com/office/drawing/2014/main" id="{D8EDB796-F80C-47DA-AC70-977473F07FE9}"/>
-              </a:ext>
-            </a:extLst>
-          </p:cNvPr>
+          <p:cNvPr id="2" name="Title 1"/>
           <p:cNvSpPr>
             <a:spLocks noGrp="1"/>
           </p:cNvSpPr>
@@ -7785,22 +7929,16 @@
           <a:lstStyle/>
           <a:p>
             <a:r>
-              <a:rPr lang="en-US" altLang="zh-CN" dirty="0"/>
-              <a:t>The “correct” function</a:t>
-            </a:r>
-            <a:endParaRPr lang="zh-CN" altLang="en-US" dirty="0"/>
-          </a:p>
-        </p:txBody>
-      </p:sp>
-      <p:sp>
-        <p:nvSpPr>
-          <p:cNvPr id="3" name="Text Placeholder 2">
-            <a:extLst>
-              <a:ext uri="{FF2B5EF4-FFF2-40B4-BE49-F238E27FC236}">
-                <a16:creationId xmlns:a16="http://schemas.microsoft.com/office/drawing/2014/main" id="{DD7B06E2-7AAE-43A7-948E-4A4B27B207EC}"/>
-              </a:ext>
-            </a:extLst>
-          </p:cNvPr>
+              <a:rPr lang="en-US" dirty="0" smtClean="0"/>
+              <a:t>Background</a:t>
+            </a:r>
+            <a:endParaRPr lang="en-US" dirty="0"/>
+          </a:p>
+        </p:txBody>
+      </p:sp>
+      <p:sp>
+        <p:nvSpPr>
+          <p:cNvPr id="3" name="Text Placeholder 2"/>
           <p:cNvSpPr>
             <a:spLocks noGrp="1"/>
           </p:cNvSpPr>
@@ -7814,63 +7952,44 @@
           <a:lstStyle/>
           <a:p>
             <a:r>
-              <a:rPr lang="en-US" altLang="zh-CN" dirty="0"/>
-              <a:t>Informally, (1) bad things should not happen, and (2) good things should happen.</a:t>
-            </a:r>
-          </a:p>
-          <a:p>
-            <a:r>
-              <a:rPr lang="en-US" altLang="zh-CN" dirty="0"/>
-              <a:t>Formally, the correct function is a combination of </a:t>
-            </a:r>
-            <a:r>
-              <a:rPr lang="en-US" altLang="zh-CN" b="1" dirty="0"/>
-              <a:t>safety</a:t>
-            </a:r>
-            <a:r>
-              <a:rPr lang="en-US" altLang="zh-CN" dirty="0"/>
-              <a:t> and </a:t>
-            </a:r>
-            <a:r>
-              <a:rPr lang="en-US" altLang="zh-CN" b="1" dirty="0"/>
-              <a:t>liveness</a:t>
-            </a:r>
-            <a:r>
-              <a:rPr lang="en-US" altLang="zh-CN" dirty="0"/>
-              <a:t> properties.</a:t>
-            </a:r>
-          </a:p>
-          <a:p>
-            <a:r>
-              <a:rPr lang="en-US" altLang="zh-CN" dirty="0"/>
-              <a:t>In the example, we consider:</a:t>
-            </a:r>
-          </a:p>
-          <a:p>
-            <a:pPr lvl="1"/>
-            <a:r>
-              <a:rPr lang="en-US" altLang="zh-CN" dirty="0"/>
-              <a:t>Safety Property P: input and output should alternate, i.e.,</a:t>
-            </a:r>
-          </a:p>
-          <a:p>
-            <a:pPr lvl="1"/>
-            <a:r>
-              <a:rPr lang="en-US" altLang="zh-CN" dirty="0"/>
-              <a:t>Liveness Property: the system should be deadlock-free.</a:t>
-            </a:r>
-          </a:p>
-        </p:txBody>
-      </p:sp>
-      <p:sp>
-        <p:nvSpPr>
-          <p:cNvPr id="4" name="Slide Number Placeholder 3">
-            <a:extLst>
-              <a:ext uri="{FF2B5EF4-FFF2-40B4-BE49-F238E27FC236}">
-                <a16:creationId xmlns:a16="http://schemas.microsoft.com/office/drawing/2014/main" id="{73F2EA82-C591-4284-8C67-A86BB9EFF70C}"/>
-              </a:ext>
-            </a:extLst>
-          </p:cNvPr>
+              <a:rPr lang="en-US" sz="1600" dirty="0" smtClean="0"/>
+              <a:t>We use </a:t>
+            </a:r>
+            <a:r>
+              <a:rPr lang="en-US" sz="1600" i="1" dirty="0" smtClean="0"/>
+              <a:t>parallel composition </a:t>
+            </a:r>
+            <a:r>
+              <a:rPr lang="en-US" sz="1600" dirty="0" smtClean="0"/>
+              <a:t>to model multiple concurrent LTSs.</a:t>
+            </a:r>
+          </a:p>
+          <a:p>
+            <a:r>
+              <a:rPr lang="en-US" sz="1600" i="1" dirty="0"/>
+              <a:t>Parallel composition “</a:t>
+            </a:r>
+            <a:r>
+              <a:rPr lang="en-US" sz="1600" dirty="0"/>
+              <a:t>||”  is an operator that combines behavior of two </a:t>
+            </a:r>
+            <a:r>
+              <a:rPr lang="en-US" sz="1600" dirty="0" smtClean="0"/>
+              <a:t>LTSs </a:t>
+            </a:r>
+            <a:r>
+              <a:rPr lang="en-US" sz="1600" dirty="0"/>
+              <a:t>by synchronizing common actions and interleaving the remaining actions.</a:t>
+            </a:r>
+          </a:p>
+          <a:p>
+            <a:endParaRPr lang="en-US" sz="1600" dirty="0"/>
+          </a:p>
+        </p:txBody>
+      </p:sp>
+      <p:sp>
+        <p:nvSpPr>
+          <p:cNvPr id="4" name="Slide Number Placeholder 3"/>
           <p:cNvSpPr>
             <a:spLocks noGrp="1"/>
           </p:cNvSpPr>
@@ -7906,18 +8025,28 @@
           <p:cNvPicPr>
             <a:picLocks noChangeAspect="1"/>
           </p:cNvPicPr>
-          <p:nvPr/>
+          <p:nvPr>
+            <p:custDataLst>
+              <p:tags r:id="rId1"/>
+            </p:custDataLst>
+          </p:nvPr>
         </p:nvPicPr>
         <p:blipFill>
-          <a:blip r:embed="rId3"/>
+          <a:blip r:embed="rId3">
+            <a:extLst>
+              <a:ext uri="{28A0092B-C50C-407E-A947-70E740481C1C}">
+                <a14:useLocalDpi xmlns:a14="http://schemas.microsoft.com/office/drawing/2010/main" val="0"/>
+              </a:ext>
+            </a:extLst>
+          </a:blip>
           <a:stretch>
             <a:fillRect/>
           </a:stretch>
         </p:blipFill>
         <p:spPr>
           <a:xfrm>
-            <a:off x="6284612" y="2583969"/>
-            <a:ext cx="1815835" cy="1125517"/>
+            <a:off x="337335" y="2317659"/>
+            <a:ext cx="8469329" cy="1459383"/>
           </a:xfrm>
           <a:prstGeom prst="rect">
             <a:avLst/>
@@ -7927,7 +8056,7 @@
     </p:spTree>
     <p:extLst>
       <p:ext uri="{BB962C8B-B14F-4D97-AF65-F5344CB8AC3E}">
-        <p14:creationId xmlns:p14="http://schemas.microsoft.com/office/powerpoint/2010/main" val="3019702908"/>
+        <p14:creationId xmlns:p14="http://schemas.microsoft.com/office/powerpoint/2010/main" val="1405518867"/>
       </p:ext>
     </p:extLst>
   </p:cSld>
@@ -7961,82 +8090,9 @@
           <a:chExt cx="0" cy="0"/>
         </a:xfrm>
       </p:grpSpPr>
-      <p:sp>
-        <p:nvSpPr>
-          <p:cNvPr id="2" name="Title 1">
-            <a:extLst>
-              <a:ext uri="{FF2B5EF4-FFF2-40B4-BE49-F238E27FC236}">
-                <a16:creationId xmlns:a16="http://schemas.microsoft.com/office/drawing/2014/main" id="{FED4BC74-3FEC-4F8C-90AF-A6224B4E4C56}"/>
-              </a:ext>
-            </a:extLst>
-          </p:cNvPr>
-          <p:cNvSpPr>
-            <a:spLocks noGrp="1"/>
-          </p:cNvSpPr>
-          <p:nvPr>
-            <p:ph type="title"/>
-          </p:nvPr>
-        </p:nvSpPr>
-        <p:spPr/>
-        <p:txBody>
-          <a:bodyPr/>
-          <a:lstStyle/>
-          <a:p>
-            <a:r>
-              <a:rPr lang="en-US" altLang="zh-CN" dirty="0"/>
-              <a:t>Uncertainty in environment</a:t>
-            </a:r>
-            <a:endParaRPr lang="zh-CN" altLang="en-US" dirty="0"/>
-          </a:p>
-        </p:txBody>
-      </p:sp>
-      <p:sp>
-        <p:nvSpPr>
-          <p:cNvPr id="4" name="Slide Number Placeholder 3">
-            <a:extLst>
-              <a:ext uri="{FF2B5EF4-FFF2-40B4-BE49-F238E27FC236}">
-                <a16:creationId xmlns:a16="http://schemas.microsoft.com/office/drawing/2014/main" id="{94D65B1B-1BB7-4D03-95BE-AD13320F1005}"/>
-              </a:ext>
-            </a:extLst>
-          </p:cNvPr>
-          <p:cNvSpPr>
-            <a:spLocks noGrp="1"/>
-          </p:cNvSpPr>
-          <p:nvPr>
-            <p:ph type="sldNum" idx="12"/>
-          </p:nvPr>
-        </p:nvSpPr>
-        <p:spPr/>
-        <p:txBody>
-          <a:bodyPr/>
-          <a:lstStyle/>
-          <a:p>
-            <a:pPr marL="0" lvl="0" indent="0" algn="r" rtl="0">
-              <a:spcBef>
-                <a:spcPts val="0"/>
-              </a:spcBef>
-              <a:spcAft>
-                <a:spcPts val="0"/>
-              </a:spcAft>
-              <a:buNone/>
-            </a:pPr>
-            <a:fld id="{00000000-1234-1234-1234-123412341234}" type="slidenum">
-              <a:rPr lang="en" smtClean="0"/>
-              <a:t>12</a:t>
-            </a:fld>
-            <a:endParaRPr lang="en"/>
-          </a:p>
-        </p:txBody>
-      </p:sp>
       <p:pic>
         <p:nvPicPr>
-          <p:cNvPr id="9" name="Picture 4">
-            <a:extLst>
-              <a:ext uri="{FF2B5EF4-FFF2-40B4-BE49-F238E27FC236}">
-                <a16:creationId xmlns:a16="http://schemas.microsoft.com/office/drawing/2014/main" id="{4435E0DE-AD05-417E-A144-694148EC95FB}"/>
-              </a:ext>
-            </a:extLst>
-          </p:cNvPr>
+          <p:cNvPr id="1026" name="Picture 2" descr="https://documents.lucidchart.com/documents/1462bec2-3f08-4690-87bd-1f5a008ab79f/pages/0_0?a=411&amp;x=196&amp;y=385&amp;w=531&amp;h=330&amp;store=1&amp;accept=image%2F*&amp;auth=LCA%20f206f8790499ef2426edf17e954c542bca3fe800-ts%3D1572456013"/>
           <p:cNvPicPr>
             <a:picLocks noChangeAspect="1" noChangeArrowheads="1"/>
           </p:cNvPicPr>
@@ -8057,8 +8113,8 @@
         </p:blipFill>
         <p:spPr bwMode="auto">
           <a:xfrm>
-            <a:off x="2708969" y="1369067"/>
-            <a:ext cx="2888444" cy="1808925"/>
+            <a:off x="2817222" y="1646335"/>
+            <a:ext cx="3129319" cy="1949927"/>
           </a:xfrm>
           <a:prstGeom prst="rect">
             <a:avLst/>
@@ -8075,15 +8131,76 @@
           </a:extLst>
         </p:spPr>
       </p:pic>
-      <p:pic>
-        <p:nvPicPr>
-          <p:cNvPr id="14" name="Picture 13">
+      <p:sp>
+        <p:nvSpPr>
+          <p:cNvPr id="2" name="Title 1">
             <a:extLst>
               <a:ext uri="{FF2B5EF4-FFF2-40B4-BE49-F238E27FC236}">
-                <a16:creationId xmlns:a16="http://schemas.microsoft.com/office/drawing/2014/main" id="{6E7B91F0-A5FE-4332-BDFD-F88D6ADF26D2}"/>
+                <a16:creationId xmlns:a16="http://schemas.microsoft.com/office/drawing/2014/main" id="{9B0F71D3-E7C9-45D6-B944-0457099404B2}"/>
               </a:ext>
             </a:extLst>
           </p:cNvPr>
+          <p:cNvSpPr>
+            <a:spLocks noGrp="1"/>
+          </p:cNvSpPr>
+          <p:nvPr>
+            <p:ph type="title"/>
+          </p:nvPr>
+        </p:nvSpPr>
+        <p:spPr/>
+        <p:txBody>
+          <a:bodyPr/>
+          <a:lstStyle/>
+          <a:p>
+            <a:r>
+              <a:rPr lang="en-US" altLang="zh-CN" dirty="0"/>
+              <a:t>Motivation Example</a:t>
+            </a:r>
+            <a:endParaRPr lang="zh-CN" altLang="en-US" dirty="0"/>
+          </a:p>
+        </p:txBody>
+      </p:sp>
+      <p:sp>
+        <p:nvSpPr>
+          <p:cNvPr id="4" name="Slide Number Placeholder 3">
+            <a:extLst>
+              <a:ext uri="{FF2B5EF4-FFF2-40B4-BE49-F238E27FC236}">
+                <a16:creationId xmlns:a16="http://schemas.microsoft.com/office/drawing/2014/main" id="{EC9AACC4-0395-47BE-B3CA-C53C4AFC802F}"/>
+              </a:ext>
+            </a:extLst>
+          </p:cNvPr>
+          <p:cNvSpPr>
+            <a:spLocks noGrp="1"/>
+          </p:cNvSpPr>
+          <p:nvPr>
+            <p:ph type="sldNum" idx="12"/>
+          </p:nvPr>
+        </p:nvSpPr>
+        <p:spPr/>
+        <p:txBody>
+          <a:bodyPr/>
+          <a:lstStyle/>
+          <a:p>
+            <a:pPr marL="0" lvl="0" indent="0" algn="r" rtl="0">
+              <a:spcBef>
+                <a:spcPts val="0"/>
+              </a:spcBef>
+              <a:spcAft>
+                <a:spcPts val="0"/>
+              </a:spcAft>
+              <a:buNone/>
+            </a:pPr>
+            <a:fld id="{00000000-1234-1234-1234-123412341234}" type="slidenum">
+              <a:rPr lang="en" smtClean="0"/>
+              <a:t>12</a:t>
+            </a:fld>
+            <a:endParaRPr lang="en"/>
+          </a:p>
+        </p:txBody>
+      </p:sp>
+      <p:pic>
+        <p:nvPicPr>
+          <p:cNvPr id="8" name="Picture 7"/>
           <p:cNvPicPr>
             <a:picLocks noChangeAspect="1"/>
           </p:cNvPicPr>
@@ -8097,8 +8214,8 @@
         </p:blipFill>
         <p:spPr>
           <a:xfrm>
-            <a:off x="677914" y="1387134"/>
-            <a:ext cx="2031055" cy="871368"/>
+            <a:off x="393830" y="1532060"/>
+            <a:ext cx="2423392" cy="1039689"/>
           </a:xfrm>
           <a:prstGeom prst="rect">
             <a:avLst/>
@@ -8107,13 +8224,7 @@
       </p:pic>
       <p:pic>
         <p:nvPicPr>
-          <p:cNvPr id="15" name="Picture 14">
-            <a:extLst>
-              <a:ext uri="{FF2B5EF4-FFF2-40B4-BE49-F238E27FC236}">
-                <a16:creationId xmlns:a16="http://schemas.microsoft.com/office/drawing/2014/main" id="{DD96F5EF-C619-4AC6-96A6-F1BF76B91667}"/>
-              </a:ext>
-            </a:extLst>
-          </p:cNvPr>
+          <p:cNvPr id="9" name="Picture 8"/>
           <p:cNvPicPr>
             <a:picLocks noChangeAspect="1"/>
           </p:cNvPicPr>
@@ -8127,8 +8238,8 @@
         </p:blipFill>
         <p:spPr>
           <a:xfrm>
-            <a:off x="677914" y="2477533"/>
-            <a:ext cx="2031056" cy="812422"/>
+            <a:off x="305914" y="2860247"/>
+            <a:ext cx="2599223" cy="1039689"/>
           </a:xfrm>
           <a:prstGeom prst="rect">
             <a:avLst/>
@@ -8137,13 +8248,7 @@
       </p:pic>
       <p:pic>
         <p:nvPicPr>
-          <p:cNvPr id="16" name="Picture 15">
-            <a:extLst>
-              <a:ext uri="{FF2B5EF4-FFF2-40B4-BE49-F238E27FC236}">
-                <a16:creationId xmlns:a16="http://schemas.microsoft.com/office/drawing/2014/main" id="{BC29A51F-7FCC-479B-8E12-B1D45D05D6FF}"/>
-              </a:ext>
-            </a:extLst>
-          </p:cNvPr>
+          <p:cNvPr id="10" name="Picture 9"/>
           <p:cNvPicPr>
             <a:picLocks noChangeAspect="1"/>
           </p:cNvPicPr>
@@ -8157,7 +8262,7 @@
         </p:blipFill>
         <p:spPr>
           <a:xfrm>
-            <a:off x="5462799" y="1119713"/>
+            <a:off x="5822641" y="2181057"/>
             <a:ext cx="3009659" cy="1138789"/>
           </a:xfrm>
           <a:prstGeom prst="rect">
@@ -8165,98 +8270,10 @@
           </a:prstGeom>
         </p:spPr>
       </p:pic>
-      <p:pic>
-        <p:nvPicPr>
-          <p:cNvPr id="3" name="Picture 2"/>
-          <p:cNvPicPr>
-            <a:picLocks noChangeAspect="1"/>
-          </p:cNvPicPr>
-          <p:nvPr/>
-        </p:nvPicPr>
-        <p:blipFill>
-          <a:blip r:embed="rId7"/>
-          <a:stretch>
-            <a:fillRect/>
-          </a:stretch>
-        </p:blipFill>
-        <p:spPr>
-          <a:xfrm>
-            <a:off x="5457564" y="2797959"/>
-            <a:ext cx="3374736" cy="1548580"/>
-          </a:xfrm>
-          <a:prstGeom prst="rect">
-            <a:avLst/>
-          </a:prstGeom>
-        </p:spPr>
-      </p:pic>
-      <p:sp>
-        <p:nvSpPr>
-          <p:cNvPr id="11" name="Text Placeholder 2">
-            <a:extLst>
-              <a:ext uri="{FF2B5EF4-FFF2-40B4-BE49-F238E27FC236}">
-                <a16:creationId xmlns:a16="http://schemas.microsoft.com/office/drawing/2014/main" id="{55A69C89-DE76-4A70-A9B3-14818AF1592C}"/>
-              </a:ext>
-            </a:extLst>
-          </p:cNvPr>
-          <p:cNvSpPr>
-            <a:spLocks noGrp="1"/>
-          </p:cNvSpPr>
-          <p:nvPr>
-            <p:ph type="body" idx="1"/>
-          </p:nvPr>
-        </p:nvSpPr>
-        <p:spPr>
-          <a:xfrm>
-            <a:off x="311700" y="3427346"/>
-            <a:ext cx="5649900" cy="1179538"/>
-          </a:xfrm>
-        </p:spPr>
-        <p:txBody>
-          <a:bodyPr/>
-          <a:lstStyle/>
-          <a:p>
-            <a:r>
-              <a:rPr lang="en-US" altLang="zh-CN" sz="1600" dirty="0"/>
-              <a:t>Is the system capable to deal with such uncertainty?</a:t>
-            </a:r>
-          </a:p>
-          <a:p>
-            <a:pPr lvl="1"/>
-            <a:r>
-              <a:rPr lang="en-US" altLang="zh-CN" dirty="0"/>
-              <a:t>By model checking, </a:t>
-            </a:r>
-            <a:r>
-              <a:rPr lang="en-US" altLang="zh-CN" dirty="0" smtClean="0"/>
-              <a:t>find a </a:t>
-            </a:r>
-            <a:r>
-              <a:rPr lang="en-US" altLang="zh-CN" dirty="0"/>
-              <a:t>trace to deadlock: &lt;input, send, lose, </a:t>
-            </a:r>
-            <a:r>
-              <a:rPr lang="en-US" altLang="zh-CN" dirty="0">
-                <a:solidFill>
-                  <a:srgbClr val="FF0000"/>
-                </a:solidFill>
-              </a:rPr>
-              <a:t>send</a:t>
-            </a:r>
-            <a:r>
-              <a:rPr lang="en-US" altLang="zh-CN" dirty="0"/>
-              <a:t>&gt;.</a:t>
-            </a:r>
-          </a:p>
-          <a:p>
-            <a:pPr lvl="1"/>
-            <a:endParaRPr lang="en-US" altLang="zh-CN" sz="1200" dirty="0"/>
-          </a:p>
-        </p:txBody>
-      </p:sp>
     </p:spTree>
     <p:extLst>
       <p:ext uri="{BB962C8B-B14F-4D97-AF65-F5344CB8AC3E}">
-        <p14:creationId xmlns:p14="http://schemas.microsoft.com/office/powerpoint/2010/main" val="3776908126"/>
+        <p14:creationId xmlns:p14="http://schemas.microsoft.com/office/powerpoint/2010/main" val="3537159091"/>
       </p:ext>
     </p:extLst>
   </p:cSld>
@@ -8295,7 +8312,7 @@
           <p:cNvPr id="2" name="Title 1">
             <a:extLst>
               <a:ext uri="{FF2B5EF4-FFF2-40B4-BE49-F238E27FC236}">
-                <a16:creationId xmlns:a16="http://schemas.microsoft.com/office/drawing/2014/main" id="{B795B8F2-CF3C-426B-AD77-C6898C5BF127}"/>
+                <a16:creationId xmlns:a16="http://schemas.microsoft.com/office/drawing/2014/main" id="{D8EDB796-F80C-47DA-AC70-977473F07FE9}"/>
               </a:ext>
             </a:extLst>
           </p:cNvPr>
@@ -8313,7 +8330,7 @@
           <a:p>
             <a:r>
               <a:rPr lang="en-US" altLang="zh-CN" dirty="0"/>
-              <a:t>Representation of Uncertainty</a:t>
+              <a:t>The “correct” function</a:t>
             </a:r>
             <a:endParaRPr lang="zh-CN" altLang="en-US" dirty="0"/>
           </a:p>
@@ -8324,7 +8341,7 @@
           <p:cNvPr id="3" name="Text Placeholder 2">
             <a:extLst>
               <a:ext uri="{FF2B5EF4-FFF2-40B4-BE49-F238E27FC236}">
-                <a16:creationId xmlns:a16="http://schemas.microsoft.com/office/drawing/2014/main" id="{C0710122-E6DE-435F-AD45-4E3E886DE737}"/>
+                <a16:creationId xmlns:a16="http://schemas.microsoft.com/office/drawing/2014/main" id="{DD7B06E2-7AAE-43A7-948E-4A4B27B207EC}"/>
               </a:ext>
             </a:extLst>
           </p:cNvPr>
@@ -8335,92 +8352,102 @@
             <p:ph type="body" idx="1"/>
           </p:nvPr>
         </p:nvSpPr>
-        <p:spPr>
-          <a:xfrm>
-            <a:off x="311700" y="1152474"/>
-            <a:ext cx="5961428" cy="3419525"/>
-          </a:xfrm>
-        </p:spPr>
+        <p:spPr/>
         <p:txBody>
           <a:bodyPr/>
           <a:lstStyle/>
           <a:p>
-            <a:pPr>
-              <a:spcAft>
+            <a:r>
+              <a:rPr lang="en-US" altLang="zh-CN" dirty="0"/>
+              <a:t>Informally, </a:t>
+            </a:r>
+            <a:r>
+              <a:rPr lang="en-US" altLang="zh-CN" dirty="0" smtClean="0"/>
+              <a:t>in a system</a:t>
+            </a:r>
+          </a:p>
+          <a:p>
+            <a:pPr marL="939800" lvl="1" indent="-342900">
+              <a:spcBef>
                 <a:spcPts val="800"/>
-              </a:spcAft>
+              </a:spcBef>
+              <a:spcAft>
+                <a:spcPts val="800"/>
+              </a:spcAft>
+              <a:buFont typeface="+mj-lt"/>
+              <a:buAutoNum type="arabicParenR"/>
             </a:pPr>
             <a:r>
+              <a:rPr lang="en-US" altLang="zh-CN" dirty="0" smtClean="0"/>
+              <a:t>bad </a:t>
+            </a:r>
+            <a:r>
               <a:rPr lang="en-US" altLang="zh-CN" dirty="0"/>
-              <a:t>The</a:t>
+              <a:t>things should not happen, </a:t>
+            </a:r>
+            <a:r>
+              <a:rPr lang="en-US" altLang="zh-CN" dirty="0" smtClean="0"/>
+              <a:t>and</a:t>
+            </a:r>
+          </a:p>
+          <a:p>
+            <a:pPr marL="939800" lvl="1" indent="-342900">
+              <a:spcBef>
+                <a:spcPts val="800"/>
+              </a:spcBef>
+              <a:spcAft>
+                <a:spcPts val="800"/>
+              </a:spcAft>
+              <a:buFont typeface="+mj-lt"/>
+              <a:buAutoNum type="arabicParenR"/>
+            </a:pPr>
+            <a:r>
+              <a:rPr lang="en-US" altLang="zh-CN" dirty="0" smtClean="0"/>
+              <a:t>good </a:t>
+            </a:r>
+            <a:r>
+              <a:rPr lang="en-US" altLang="zh-CN" dirty="0"/>
+              <a:t>things should </a:t>
+            </a:r>
+            <a:r>
+              <a:rPr lang="en-US" altLang="zh-CN" dirty="0" smtClean="0"/>
+              <a:t>eventually happen</a:t>
+            </a:r>
+            <a:r>
+              <a:rPr lang="en-US" altLang="zh-CN" dirty="0"/>
+              <a:t>.</a:t>
+            </a:r>
+          </a:p>
+          <a:p>
+            <a:r>
+              <a:rPr lang="en-US" altLang="zh-CN" dirty="0" smtClean="0"/>
+              <a:t>Formally, the </a:t>
+            </a:r>
+            <a:r>
+              <a:rPr lang="en-US" altLang="zh-CN" dirty="0"/>
+              <a:t>correct function is a combination of </a:t>
             </a:r>
             <a:r>
               <a:rPr lang="en-US" altLang="zh-CN" b="1" dirty="0"/>
-              <a:t> </a:t>
-            </a:r>
-            <a:r>
-              <a:rPr lang="en-US" altLang="zh-CN" b="1" i="1" dirty="0"/>
-              <a:t>baseline environment</a:t>
+              <a:t>safety</a:t>
+            </a:r>
+            <a:r>
+              <a:rPr lang="en-US" altLang="zh-CN" dirty="0"/>
+              <a:t> and </a:t>
             </a:r>
             <a:r>
               <a:rPr lang="en-US" altLang="zh-CN" b="1" dirty="0"/>
-              <a:t> </a:t>
+              <a:t>liveness</a:t>
             </a:r>
             <a:r>
               <a:rPr lang="en-US" altLang="zh-CN" dirty="0"/>
-              <a:t>is a pre-defined environment in which the system can ensure “correct” function.</a:t>
-            </a:r>
-          </a:p>
-          <a:p>
-            <a:pPr>
-              <a:spcAft>
-                <a:spcPts val="800"/>
-              </a:spcAft>
-            </a:pPr>
-            <a:r>
-              <a:rPr lang="en-US" altLang="zh-CN" dirty="0"/>
-              <a:t>Then, </a:t>
-            </a:r>
-            <a:r>
-              <a:rPr lang="en-US" altLang="zh-CN" b="1" i="1" dirty="0"/>
-              <a:t>uncertainty</a:t>
-            </a:r>
-            <a:r>
-              <a:rPr lang="en-US" altLang="zh-CN" dirty="0"/>
-              <a:t> is the additional behavior that is not in the </a:t>
-            </a:r>
-            <a:r>
-              <a:rPr lang="en-US" altLang="zh-CN" i="1" dirty="0"/>
-              <a:t>baseline environment </a:t>
-            </a:r>
-            <a:r>
-              <a:rPr lang="en-US" altLang="zh-CN" dirty="0"/>
-              <a:t>which may cause property violations.</a:t>
-            </a:r>
-          </a:p>
-          <a:p>
-            <a:pPr>
-              <a:spcAft>
-                <a:spcPts val="800"/>
-              </a:spcAft>
-            </a:pPr>
-            <a:r>
-              <a:rPr lang="en-US" altLang="zh-CN" dirty="0"/>
-              <a:t>Intuitively, </a:t>
-            </a:r>
-            <a:r>
-              <a:rPr lang="en-US" altLang="zh-CN" i="1" dirty="0"/>
-              <a:t>Uncertainty(Env) = Beh(Env) – Beh(Env</a:t>
-            </a:r>
-            <a:r>
-              <a:rPr lang="en-US" altLang="zh-CN" i="1" baseline="-25000" dirty="0"/>
-              <a:t>base</a:t>
-            </a:r>
-            <a:r>
-              <a:rPr lang="en-US" altLang="zh-CN" i="1" dirty="0"/>
-              <a:t>).</a:t>
-            </a:r>
-            <a:endParaRPr lang="zh-CN" altLang="en-US" i="1" dirty="0"/>
+              <a:t> properties</a:t>
+            </a:r>
+            <a:r>
+              <a:rPr lang="en-US" altLang="zh-CN" dirty="0" smtClean="0"/>
+              <a:t>.</a:t>
+            </a:r>
+            <a:endParaRPr lang="en-US" altLang="zh-CN" dirty="0"/>
           </a:p>
         </p:txBody>
       </p:sp>
@@ -8429,7 +8456,7 @@
           <p:cNvPr id="4" name="Slide Number Placeholder 3">
             <a:extLst>
               <a:ext uri="{FF2B5EF4-FFF2-40B4-BE49-F238E27FC236}">
-                <a16:creationId xmlns:a16="http://schemas.microsoft.com/office/drawing/2014/main" id="{A5CAA7FB-4A3B-4694-85E1-3D6C964AC031}"/>
+                <a16:creationId xmlns:a16="http://schemas.microsoft.com/office/drawing/2014/main" id="{73F2EA82-C591-4284-8C67-A86BB9EFF70C}"/>
               </a:ext>
             </a:extLst>
           </p:cNvPr>
@@ -8462,145 +8489,10 @@
           </a:p>
         </p:txBody>
       </p:sp>
-      <p:pic>
-        <p:nvPicPr>
-          <p:cNvPr id="5" name="Picture 4">
-            <a:extLst>
-              <a:ext uri="{FF2B5EF4-FFF2-40B4-BE49-F238E27FC236}">
-                <a16:creationId xmlns:a16="http://schemas.microsoft.com/office/drawing/2014/main" id="{102BBE3F-5DB3-4E66-97F1-7DA5348D0D0B}"/>
-              </a:ext>
-            </a:extLst>
-          </p:cNvPr>
-          <p:cNvPicPr>
-            <a:picLocks noChangeAspect="1"/>
-          </p:cNvPicPr>
-          <p:nvPr/>
-        </p:nvPicPr>
-        <p:blipFill>
-          <a:blip r:embed="rId3"/>
-          <a:stretch>
-            <a:fillRect/>
-          </a:stretch>
-        </p:blipFill>
-        <p:spPr>
-          <a:xfrm>
-            <a:off x="6273128" y="1200758"/>
-            <a:ext cx="2467672" cy="933713"/>
-          </a:xfrm>
-          <a:prstGeom prst="rect">
-            <a:avLst/>
-          </a:prstGeom>
-        </p:spPr>
-      </p:pic>
-      <p:grpSp>
-        <p:nvGrpSpPr>
-          <p:cNvPr id="9" name="Group 8">
-            <a:extLst>
-              <a:ext uri="{FF2B5EF4-FFF2-40B4-BE49-F238E27FC236}">
-                <a16:creationId xmlns:a16="http://schemas.microsoft.com/office/drawing/2014/main" id="{E90C34CE-C694-4608-BAE2-1632F037BC55}"/>
-              </a:ext>
-            </a:extLst>
-          </p:cNvPr>
-          <p:cNvGrpSpPr/>
-          <p:nvPr/>
-        </p:nvGrpSpPr>
-        <p:grpSpPr>
-          <a:xfrm>
-            <a:off x="6273128" y="2182755"/>
-            <a:ext cx="2559172" cy="1174339"/>
-            <a:chOff x="6273128" y="1152474"/>
-            <a:chExt cx="2559172" cy="1174339"/>
-          </a:xfrm>
-        </p:grpSpPr>
-        <p:pic>
-          <p:nvPicPr>
-            <p:cNvPr id="6" name="Picture 5">
-              <a:extLst>
-                <a:ext uri="{FF2B5EF4-FFF2-40B4-BE49-F238E27FC236}">
-                  <a16:creationId xmlns:a16="http://schemas.microsoft.com/office/drawing/2014/main" id="{EE9438A3-52F7-40F1-B69F-686E5B510DBB}"/>
-                </a:ext>
-              </a:extLst>
-            </p:cNvPr>
-            <p:cNvPicPr>
-              <a:picLocks noChangeAspect="1"/>
-            </p:cNvPicPr>
-            <p:nvPr/>
-          </p:nvPicPr>
-          <p:blipFill>
-            <a:blip r:embed="rId4"/>
-            <a:stretch>
-              <a:fillRect/>
-            </a:stretch>
-          </p:blipFill>
-          <p:spPr>
-            <a:xfrm>
-              <a:off x="6273128" y="1152474"/>
-              <a:ext cx="2559172" cy="1174339"/>
-            </a:xfrm>
-            <a:prstGeom prst="rect">
-              <a:avLst/>
-            </a:prstGeom>
-          </p:spPr>
-        </p:pic>
-        <p:sp>
-          <p:nvSpPr>
-            <p:cNvPr id="8" name="Oval 7">
-              <a:extLst>
-                <a:ext uri="{FF2B5EF4-FFF2-40B4-BE49-F238E27FC236}">
-                  <a16:creationId xmlns:a16="http://schemas.microsoft.com/office/drawing/2014/main" id="{3C2B5564-C337-4FF1-BFE8-79184E3D1AB1}"/>
-                </a:ext>
-              </a:extLst>
-            </p:cNvPr>
-            <p:cNvSpPr/>
-            <p:nvPr/>
-          </p:nvSpPr>
-          <p:spPr>
-            <a:xfrm>
-              <a:off x="6804000" y="1262662"/>
-              <a:ext cx="784800" cy="666938"/>
-            </a:xfrm>
-            <a:prstGeom prst="ellipse">
-              <a:avLst/>
-            </a:prstGeom>
-            <a:noFill/>
-            <a:ln w="28575" cap="flat" cmpd="sng" algn="ctr">
-              <a:solidFill>
-                <a:schemeClr val="accent1"/>
-              </a:solidFill>
-              <a:prstDash val="solid"/>
-              <a:round/>
-              <a:headEnd type="none" w="med" len="med"/>
-              <a:tailEnd type="none" w="med" len="med"/>
-            </a:ln>
-          </p:spPr>
-          <p:style>
-            <a:lnRef idx="0">
-              <a:scrgbClr r="0" g="0" b="0"/>
-            </a:lnRef>
-            <a:fillRef idx="0">
-              <a:scrgbClr r="0" g="0" b="0"/>
-            </a:fillRef>
-            <a:effectRef idx="0">
-              <a:scrgbClr r="0" g="0" b="0"/>
-            </a:effectRef>
-            <a:fontRef idx="minor">
-              <a:schemeClr val="accent1"/>
-            </a:fontRef>
-          </p:style>
-          <p:txBody>
-            <a:bodyPr rtlCol="0" anchor="ctr"/>
-            <a:lstStyle/>
-            <a:p>
-              <a:pPr algn="ctr"/>
-              <a:endParaRPr lang="zh-CN" altLang="en-US"/>
-            </a:p>
-          </p:txBody>
-        </p:sp>
-      </p:grpSp>
     </p:spTree>
     <p:extLst>
       <p:ext uri="{BB962C8B-B14F-4D97-AF65-F5344CB8AC3E}">
-        <p14:creationId xmlns:p14="http://schemas.microsoft.com/office/powerpoint/2010/main" val="3579262732"/>
+        <p14:creationId xmlns:p14="http://schemas.microsoft.com/office/powerpoint/2010/main" val="3019702908"/>
       </p:ext>
     </p:extLst>
   </p:cSld>
@@ -8636,6 +8528,2816 @@
       </p:grpSpPr>
       <p:sp>
         <p:nvSpPr>
+          <p:cNvPr id="2" name="Title 1"/>
+          <p:cNvSpPr>
+            <a:spLocks noGrp="1"/>
+          </p:cNvSpPr>
+          <p:nvPr>
+            <p:ph type="title"/>
+          </p:nvPr>
+        </p:nvSpPr>
+        <p:spPr/>
+        <p:txBody>
+          <a:bodyPr/>
+          <a:lstStyle/>
+          <a:p>
+            <a:r>
+              <a:rPr lang="en-US" dirty="0" smtClean="0"/>
+              <a:t>Safety Property</a:t>
+            </a:r>
+            <a:endParaRPr lang="en-US" dirty="0"/>
+          </a:p>
+        </p:txBody>
+      </p:sp>
+      <p:sp>
+        <p:nvSpPr>
+          <p:cNvPr id="3" name="Text Placeholder 2"/>
+          <p:cNvSpPr>
+            <a:spLocks noGrp="1"/>
+          </p:cNvSpPr>
+          <p:nvPr>
+            <p:ph type="body" idx="1"/>
+          </p:nvPr>
+        </p:nvSpPr>
+        <p:spPr/>
+        <p:txBody>
+          <a:bodyPr/>
+          <a:lstStyle/>
+          <a:p>
+            <a:r>
+              <a:rPr lang="en-US" dirty="0" smtClean="0"/>
+              <a:t>A safety property </a:t>
+            </a:r>
+            <a:r>
+              <a:rPr lang="en-US" i="1" dirty="0" smtClean="0"/>
+              <a:t>P</a:t>
+            </a:r>
+            <a:r>
+              <a:rPr lang="en-US" dirty="0" smtClean="0"/>
+              <a:t> is a deterministic LTS which defines the acceptable behavior over the alphabet of </a:t>
+            </a:r>
+            <a:r>
+              <a:rPr lang="en-US" i="1" dirty="0" smtClean="0"/>
+              <a:t>P</a:t>
+            </a:r>
+            <a:r>
+              <a:rPr lang="en-US" dirty="0" smtClean="0"/>
+              <a:t>.</a:t>
+            </a:r>
+          </a:p>
+          <a:p>
+            <a:r>
+              <a:rPr lang="en-US" dirty="0" smtClean="0"/>
+              <a:t>E.g., assert that the input and output events should alternate, we have:</a:t>
+            </a:r>
+            <a:endParaRPr lang="en-US" dirty="0"/>
+          </a:p>
+        </p:txBody>
+      </p:sp>
+      <p:sp>
+        <p:nvSpPr>
+          <p:cNvPr id="4" name="Slide Number Placeholder 3"/>
+          <p:cNvSpPr>
+            <a:spLocks noGrp="1"/>
+          </p:cNvSpPr>
+          <p:nvPr>
+            <p:ph type="sldNum" idx="12"/>
+          </p:nvPr>
+        </p:nvSpPr>
+        <p:spPr/>
+        <p:txBody>
+          <a:bodyPr/>
+          <a:lstStyle/>
+          <a:p>
+            <a:pPr marL="0" lvl="0" indent="0" algn="r" rtl="0">
+              <a:spcBef>
+                <a:spcPts val="0"/>
+              </a:spcBef>
+              <a:spcAft>
+                <a:spcPts val="0"/>
+              </a:spcAft>
+              <a:buNone/>
+            </a:pPr>
+            <a:fld id="{00000000-1234-1234-1234-123412341234}" type="slidenum">
+              <a:rPr lang="en" smtClean="0"/>
+              <a:t>14</a:t>
+            </a:fld>
+            <a:endParaRPr lang="en"/>
+          </a:p>
+        </p:txBody>
+      </p:sp>
+      <p:pic>
+        <p:nvPicPr>
+          <p:cNvPr id="5" name="Picture 4"/>
+          <p:cNvPicPr>
+            <a:picLocks noChangeAspect="1"/>
+          </p:cNvPicPr>
+          <p:nvPr/>
+        </p:nvPicPr>
+        <p:blipFill>
+          <a:blip r:embed="rId3"/>
+          <a:stretch>
+            <a:fillRect/>
+          </a:stretch>
+        </p:blipFill>
+        <p:spPr>
+          <a:xfrm>
+            <a:off x="868312" y="2552887"/>
+            <a:ext cx="1613378" cy="1059532"/>
+          </a:xfrm>
+          <a:prstGeom prst="rect">
+            <a:avLst/>
+          </a:prstGeom>
+        </p:spPr>
+      </p:pic>
+      <p:sp>
+        <p:nvSpPr>
+          <p:cNvPr id="6" name="Right Arrow 5"/>
+          <p:cNvSpPr/>
+          <p:nvPr/>
+        </p:nvSpPr>
+        <p:spPr>
+          <a:xfrm>
+            <a:off x="2624379" y="2934345"/>
+            <a:ext cx="904068" cy="278969"/>
+          </a:xfrm>
+          <a:prstGeom prst="rightArrow">
+            <a:avLst/>
+          </a:prstGeom>
+        </p:spPr>
+        <p:style>
+          <a:lnRef idx="2">
+            <a:schemeClr val="accent1">
+              <a:shade val="50000"/>
+            </a:schemeClr>
+          </a:lnRef>
+          <a:fillRef idx="1">
+            <a:schemeClr val="accent1"/>
+          </a:fillRef>
+          <a:effectRef idx="0">
+            <a:schemeClr val="accent1"/>
+          </a:effectRef>
+          <a:fontRef idx="minor">
+            <a:schemeClr val="lt1"/>
+          </a:fontRef>
+        </p:style>
+        <p:txBody>
+          <a:bodyPr rtlCol="0" anchor="ctr"/>
+          <a:lstStyle/>
+          <a:p>
+            <a:pPr algn="ctr"/>
+            <a:endParaRPr lang="en-US"/>
+          </a:p>
+        </p:txBody>
+      </p:sp>
+      <p:pic>
+        <p:nvPicPr>
+          <p:cNvPr id="7" name="Picture 6"/>
+          <p:cNvPicPr>
+            <a:picLocks noChangeAspect="1"/>
+          </p:cNvPicPr>
+          <p:nvPr/>
+        </p:nvPicPr>
+        <p:blipFill>
+          <a:blip r:embed="rId4"/>
+          <a:stretch>
+            <a:fillRect/>
+          </a:stretch>
+        </p:blipFill>
+        <p:spPr>
+          <a:xfrm>
+            <a:off x="3671136" y="2447020"/>
+            <a:ext cx="2053468" cy="1532588"/>
+          </a:xfrm>
+          <a:prstGeom prst="rect">
+            <a:avLst/>
+          </a:prstGeom>
+        </p:spPr>
+      </p:pic>
+      <p:sp>
+        <p:nvSpPr>
+          <p:cNvPr id="8" name="Oval Callout 7"/>
+          <p:cNvSpPr/>
+          <p:nvPr/>
+        </p:nvSpPr>
+        <p:spPr>
+          <a:xfrm>
+            <a:off x="5590285" y="2937896"/>
+            <a:ext cx="3107696" cy="1390330"/>
+          </a:xfrm>
+          <a:prstGeom prst="wedgeEllipseCallout">
+            <a:avLst>
+              <a:gd name="adj1" fmla="val -98964"/>
+              <a:gd name="adj2" fmla="val -36538"/>
+            </a:avLst>
+          </a:prstGeom>
+          <a:ln>
+            <a:headEnd type="none" w="med" len="med"/>
+            <a:tailEnd type="none" w="med" len="med"/>
+          </a:ln>
+        </p:spPr>
+        <p:style>
+          <a:lnRef idx="2">
+            <a:schemeClr val="accent1">
+              <a:shade val="50000"/>
+            </a:schemeClr>
+          </a:lnRef>
+          <a:fillRef idx="1">
+            <a:schemeClr val="accent1"/>
+          </a:fillRef>
+          <a:effectRef idx="0">
+            <a:schemeClr val="accent1"/>
+          </a:effectRef>
+          <a:fontRef idx="minor">
+            <a:schemeClr val="lt1"/>
+          </a:fontRef>
+        </p:style>
+        <p:txBody>
+          <a:bodyPr rtlCol="0" anchor="ctr"/>
+          <a:lstStyle/>
+          <a:p>
+            <a:pPr algn="ctr"/>
+            <a:r>
+              <a:rPr lang="en-US" dirty="0" smtClean="0"/>
+              <a:t>-1 is the </a:t>
+            </a:r>
+            <a:r>
+              <a:rPr lang="en-US" i="1" dirty="0" smtClean="0"/>
+              <a:t>error </a:t>
+            </a:r>
+            <a:r>
+              <a:rPr lang="en-US" dirty="0" smtClean="0"/>
+              <a:t>state. When the system reaches this state, the safety property is violated</a:t>
+            </a:r>
+            <a:endParaRPr lang="en-US" dirty="0"/>
+          </a:p>
+        </p:txBody>
+      </p:sp>
+    </p:spTree>
+    <p:extLst>
+      <p:ext uri="{BB962C8B-B14F-4D97-AF65-F5344CB8AC3E}">
+        <p14:creationId xmlns:p14="http://schemas.microsoft.com/office/powerpoint/2010/main" val="4293097474"/>
+      </p:ext>
+    </p:extLst>
+  </p:cSld>
+  <p:clrMapOvr>
+    <a:masterClrMapping/>
+  </p:clrMapOvr>
+</p:sld>
+</file>
+
+<file path=ppt/slides/slide15.xml><?xml version="1.0" encoding="utf-8"?>
+<p:sld xmlns:a="http://schemas.openxmlformats.org/drawingml/2006/main" xmlns:r="http://schemas.openxmlformats.org/officeDocument/2006/relationships" xmlns:p="http://schemas.openxmlformats.org/presentationml/2006/main">
+  <p:cSld>
+    <p:spTree>
+      <p:nvGrpSpPr>
+        <p:cNvPr id="1" name=""/>
+        <p:cNvGrpSpPr/>
+        <p:nvPr/>
+      </p:nvGrpSpPr>
+      <p:grpSpPr>
+        <a:xfrm>
+          <a:off x="0" y="0"/>
+          <a:ext cx="0" cy="0"/>
+          <a:chOff x="0" y="0"/>
+          <a:chExt cx="0" cy="0"/>
+        </a:xfrm>
+      </p:grpSpPr>
+      <p:sp>
+        <p:nvSpPr>
+          <p:cNvPr id="2" name="Title 1"/>
+          <p:cNvSpPr>
+            <a:spLocks noGrp="1"/>
+          </p:cNvSpPr>
+          <p:nvPr>
+            <p:ph type="title"/>
+          </p:nvPr>
+        </p:nvSpPr>
+        <p:spPr/>
+        <p:txBody>
+          <a:bodyPr/>
+          <a:lstStyle/>
+          <a:p>
+            <a:r>
+              <a:rPr lang="en-US" dirty="0" smtClean="0"/>
+              <a:t>Liveness Property - Deadlock</a:t>
+            </a:r>
+            <a:endParaRPr lang="en-US" dirty="0"/>
+          </a:p>
+        </p:txBody>
+      </p:sp>
+      <p:sp>
+        <p:nvSpPr>
+          <p:cNvPr id="3" name="Text Placeholder 2"/>
+          <p:cNvSpPr>
+            <a:spLocks noGrp="1"/>
+          </p:cNvSpPr>
+          <p:nvPr>
+            <p:ph type="body" idx="1"/>
+          </p:nvPr>
+        </p:nvSpPr>
+        <p:spPr/>
+        <p:txBody>
+          <a:bodyPr/>
+          <a:lstStyle/>
+          <a:p>
+            <a:r>
+              <a:rPr lang="en-US" dirty="0" smtClean="0"/>
+              <a:t>In LTS, a system is deadlock when it reaches a state where no outgoing transitions can occur.</a:t>
+            </a:r>
+            <a:endParaRPr lang="en-US" dirty="0"/>
+          </a:p>
+        </p:txBody>
+      </p:sp>
+      <p:sp>
+        <p:nvSpPr>
+          <p:cNvPr id="4" name="Slide Number Placeholder 3"/>
+          <p:cNvSpPr>
+            <a:spLocks noGrp="1"/>
+          </p:cNvSpPr>
+          <p:nvPr>
+            <p:ph type="sldNum" idx="12"/>
+          </p:nvPr>
+        </p:nvSpPr>
+        <p:spPr/>
+        <p:txBody>
+          <a:bodyPr/>
+          <a:lstStyle/>
+          <a:p>
+            <a:pPr marL="0" lvl="0" indent="0" algn="r" rtl="0">
+              <a:spcBef>
+                <a:spcPts val="0"/>
+              </a:spcBef>
+              <a:spcAft>
+                <a:spcPts val="0"/>
+              </a:spcAft>
+              <a:buNone/>
+            </a:pPr>
+            <a:fld id="{00000000-1234-1234-1234-123412341234}" type="slidenum">
+              <a:rPr lang="en" smtClean="0"/>
+              <a:t>15</a:t>
+            </a:fld>
+            <a:endParaRPr lang="en"/>
+          </a:p>
+        </p:txBody>
+      </p:sp>
+      <p:pic>
+        <p:nvPicPr>
+          <p:cNvPr id="5" name="Picture 4"/>
+          <p:cNvPicPr>
+            <a:picLocks noChangeAspect="1"/>
+          </p:cNvPicPr>
+          <p:nvPr/>
+        </p:nvPicPr>
+        <p:blipFill>
+          <a:blip r:embed="rId2"/>
+          <a:stretch>
+            <a:fillRect/>
+          </a:stretch>
+        </p:blipFill>
+        <p:spPr>
+          <a:xfrm>
+            <a:off x="910448" y="1989894"/>
+            <a:ext cx="2287888" cy="593156"/>
+          </a:xfrm>
+          <a:prstGeom prst="rect">
+            <a:avLst/>
+          </a:prstGeom>
+        </p:spPr>
+      </p:pic>
+      <p:sp>
+        <p:nvSpPr>
+          <p:cNvPr id="6" name="Rectangular Callout 5"/>
+          <p:cNvSpPr/>
+          <p:nvPr/>
+        </p:nvSpPr>
+        <p:spPr>
+          <a:xfrm>
+            <a:off x="3797084" y="1839133"/>
+            <a:ext cx="3404462" cy="619932"/>
+          </a:xfrm>
+          <a:prstGeom prst="wedgeRectCallout">
+            <a:avLst>
+              <a:gd name="adj1" fmla="val -68808"/>
+              <a:gd name="adj2" fmla="val 23679"/>
+            </a:avLst>
+          </a:prstGeom>
+          <a:ln>
+            <a:headEnd type="none" w="med" len="med"/>
+            <a:tailEnd type="none" w="med" len="med"/>
+          </a:ln>
+        </p:spPr>
+        <p:style>
+          <a:lnRef idx="2">
+            <a:schemeClr val="accent1">
+              <a:shade val="50000"/>
+            </a:schemeClr>
+          </a:lnRef>
+          <a:fillRef idx="1">
+            <a:schemeClr val="accent1"/>
+          </a:fillRef>
+          <a:effectRef idx="0">
+            <a:schemeClr val="accent1"/>
+          </a:effectRef>
+          <a:fontRef idx="minor">
+            <a:schemeClr val="lt1"/>
+          </a:fontRef>
+        </p:style>
+        <p:txBody>
+          <a:bodyPr rtlCol="0" anchor="ctr"/>
+          <a:lstStyle/>
+          <a:p>
+            <a:pPr algn="ctr"/>
+            <a:r>
+              <a:rPr lang="en-US" dirty="0" smtClean="0"/>
+              <a:t>The system is deadlock since no outgoing transitions can take</a:t>
+            </a:r>
+            <a:endParaRPr lang="en-US" dirty="0"/>
+          </a:p>
+        </p:txBody>
+      </p:sp>
+      <p:sp>
+        <p:nvSpPr>
+          <p:cNvPr id="7" name="Rectangular Callout 6"/>
+          <p:cNvSpPr/>
+          <p:nvPr/>
+        </p:nvSpPr>
+        <p:spPr>
+          <a:xfrm>
+            <a:off x="3797084" y="2919800"/>
+            <a:ext cx="3683431" cy="1057956"/>
+          </a:xfrm>
+          <a:prstGeom prst="wedgeRectCallout">
+            <a:avLst>
+              <a:gd name="adj1" fmla="val -63364"/>
+              <a:gd name="adj2" fmla="val -12804"/>
+            </a:avLst>
+          </a:prstGeom>
+          <a:ln>
+            <a:headEnd type="none" w="med" len="med"/>
+            <a:tailEnd type="none" w="med" len="med"/>
+          </a:ln>
+        </p:spPr>
+        <p:style>
+          <a:lnRef idx="2">
+            <a:schemeClr val="accent1">
+              <a:shade val="50000"/>
+            </a:schemeClr>
+          </a:lnRef>
+          <a:fillRef idx="1">
+            <a:schemeClr val="accent1"/>
+          </a:fillRef>
+          <a:effectRef idx="0">
+            <a:schemeClr val="accent1"/>
+          </a:effectRef>
+          <a:fontRef idx="minor">
+            <a:schemeClr val="lt1"/>
+          </a:fontRef>
+        </p:style>
+        <p:txBody>
+          <a:bodyPr rtlCol="0" anchor="ctr"/>
+          <a:lstStyle/>
+          <a:p>
+            <a:pPr algn="ctr"/>
+            <a:r>
+              <a:rPr lang="en-US" dirty="0" smtClean="0"/>
+              <a:t>A wait-for cycle exists. Because A is waiting to do a; but to do a, B has to do b first.</a:t>
+            </a:r>
+            <a:endParaRPr lang="en-US" dirty="0"/>
+          </a:p>
+        </p:txBody>
+      </p:sp>
+      <p:pic>
+        <p:nvPicPr>
+          <p:cNvPr id="8" name="Picture 7"/>
+          <p:cNvPicPr>
+            <a:picLocks noChangeAspect="1"/>
+          </p:cNvPicPr>
+          <p:nvPr/>
+        </p:nvPicPr>
+        <p:blipFill>
+          <a:blip r:embed="rId3"/>
+          <a:stretch>
+            <a:fillRect/>
+          </a:stretch>
+        </p:blipFill>
+        <p:spPr>
+          <a:xfrm>
+            <a:off x="910448" y="2877948"/>
+            <a:ext cx="2370025" cy="655377"/>
+          </a:xfrm>
+          <a:prstGeom prst="rect">
+            <a:avLst/>
+          </a:prstGeom>
+        </p:spPr>
+      </p:pic>
+      <p:pic>
+        <p:nvPicPr>
+          <p:cNvPr id="9" name="Picture 8"/>
+          <p:cNvPicPr>
+            <a:picLocks noChangeAspect="1"/>
+          </p:cNvPicPr>
+          <p:nvPr/>
+        </p:nvPicPr>
+        <p:blipFill>
+          <a:blip r:embed="rId4"/>
+          <a:stretch>
+            <a:fillRect/>
+          </a:stretch>
+        </p:blipFill>
+        <p:spPr>
+          <a:xfrm>
+            <a:off x="897661" y="3585784"/>
+            <a:ext cx="2377646" cy="655377"/>
+          </a:xfrm>
+          <a:prstGeom prst="rect">
+            <a:avLst/>
+          </a:prstGeom>
+        </p:spPr>
+      </p:pic>
+    </p:spTree>
+    <p:extLst>
+      <p:ext uri="{BB962C8B-B14F-4D97-AF65-F5344CB8AC3E}">
+        <p14:creationId xmlns:p14="http://schemas.microsoft.com/office/powerpoint/2010/main" val="3050328289"/>
+      </p:ext>
+    </p:extLst>
+  </p:cSld>
+  <p:clrMapOvr>
+    <a:masterClrMapping/>
+  </p:clrMapOvr>
+</p:sld>
+</file>
+
+<file path=ppt/slides/slide16.xml><?xml version="1.0" encoding="utf-8"?>
+<p:sld xmlns:a="http://schemas.openxmlformats.org/drawingml/2006/main" xmlns:r="http://schemas.openxmlformats.org/officeDocument/2006/relationships" xmlns:p="http://schemas.openxmlformats.org/presentationml/2006/main">
+  <p:cSld>
+    <p:spTree>
+      <p:nvGrpSpPr>
+        <p:cNvPr id="1" name=""/>
+        <p:cNvGrpSpPr/>
+        <p:nvPr/>
+      </p:nvGrpSpPr>
+      <p:grpSpPr>
+        <a:xfrm>
+          <a:off x="0" y="0"/>
+          <a:ext cx="0" cy="0"/>
+          <a:chOff x="0" y="0"/>
+          <a:chExt cx="0" cy="0"/>
+        </a:xfrm>
+      </p:grpSpPr>
+      <p:sp>
+        <p:nvSpPr>
+          <p:cNvPr id="2" name="Title 1">
+            <a:extLst>
+              <a:ext uri="{FF2B5EF4-FFF2-40B4-BE49-F238E27FC236}">
+                <a16:creationId xmlns:a16="http://schemas.microsoft.com/office/drawing/2014/main" id="{FED4BC74-3FEC-4F8C-90AF-A6224B4E4C56}"/>
+              </a:ext>
+            </a:extLst>
+          </p:cNvPr>
+          <p:cNvSpPr>
+            <a:spLocks noGrp="1"/>
+          </p:cNvSpPr>
+          <p:nvPr>
+            <p:ph type="title"/>
+          </p:nvPr>
+        </p:nvSpPr>
+        <p:spPr/>
+        <p:txBody>
+          <a:bodyPr/>
+          <a:lstStyle/>
+          <a:p>
+            <a:r>
+              <a:rPr lang="en-US" altLang="zh-CN" dirty="0"/>
+              <a:t>Uncertainty in </a:t>
+            </a:r>
+            <a:r>
+              <a:rPr lang="en-US" altLang="zh-CN" dirty="0" smtClean="0"/>
+              <a:t>environment - 1</a:t>
+            </a:r>
+            <a:endParaRPr lang="zh-CN" altLang="en-US" dirty="0"/>
+          </a:p>
+        </p:txBody>
+      </p:sp>
+      <p:sp>
+        <p:nvSpPr>
+          <p:cNvPr id="4" name="Slide Number Placeholder 3">
+            <a:extLst>
+              <a:ext uri="{FF2B5EF4-FFF2-40B4-BE49-F238E27FC236}">
+                <a16:creationId xmlns:a16="http://schemas.microsoft.com/office/drawing/2014/main" id="{94D65B1B-1BB7-4D03-95BE-AD13320F1005}"/>
+              </a:ext>
+            </a:extLst>
+          </p:cNvPr>
+          <p:cNvSpPr>
+            <a:spLocks noGrp="1"/>
+          </p:cNvSpPr>
+          <p:nvPr>
+            <p:ph type="sldNum" idx="12"/>
+          </p:nvPr>
+        </p:nvSpPr>
+        <p:spPr/>
+        <p:txBody>
+          <a:bodyPr/>
+          <a:lstStyle/>
+          <a:p>
+            <a:pPr marL="0" lvl="0" indent="0" algn="r" rtl="0">
+              <a:spcBef>
+                <a:spcPts val="0"/>
+              </a:spcBef>
+              <a:spcAft>
+                <a:spcPts val="0"/>
+              </a:spcAft>
+              <a:buNone/>
+            </a:pPr>
+            <a:fld id="{00000000-1234-1234-1234-123412341234}" type="slidenum">
+              <a:rPr lang="en" smtClean="0"/>
+              <a:t>16</a:t>
+            </a:fld>
+            <a:endParaRPr lang="en"/>
+          </a:p>
+        </p:txBody>
+      </p:sp>
+      <p:pic>
+        <p:nvPicPr>
+          <p:cNvPr id="13" name="Picture 12"/>
+          <p:cNvPicPr>
+            <a:picLocks noChangeAspect="1"/>
+          </p:cNvPicPr>
+          <p:nvPr/>
+        </p:nvPicPr>
+        <p:blipFill>
+          <a:blip r:embed="rId3"/>
+          <a:stretch>
+            <a:fillRect/>
+          </a:stretch>
+        </p:blipFill>
+        <p:spPr>
+          <a:xfrm>
+            <a:off x="1067426" y="1568222"/>
+            <a:ext cx="2423392" cy="1039689"/>
+          </a:xfrm>
+          <a:prstGeom prst="rect">
+            <a:avLst/>
+          </a:prstGeom>
+        </p:spPr>
+      </p:pic>
+      <p:pic>
+        <p:nvPicPr>
+          <p:cNvPr id="17" name="Picture 16"/>
+          <p:cNvPicPr>
+            <a:picLocks noChangeAspect="1"/>
+          </p:cNvPicPr>
+          <p:nvPr/>
+        </p:nvPicPr>
+        <p:blipFill>
+          <a:blip r:embed="rId4"/>
+          <a:stretch>
+            <a:fillRect/>
+          </a:stretch>
+        </p:blipFill>
+        <p:spPr>
+          <a:xfrm>
+            <a:off x="979510" y="2860246"/>
+            <a:ext cx="2599223" cy="1039689"/>
+          </a:xfrm>
+          <a:prstGeom prst="rect">
+            <a:avLst/>
+          </a:prstGeom>
+        </p:spPr>
+      </p:pic>
+      <p:pic>
+        <p:nvPicPr>
+          <p:cNvPr id="7" name="Picture 6"/>
+          <p:cNvPicPr>
+            <a:picLocks noChangeAspect="1"/>
+          </p:cNvPicPr>
+          <p:nvPr/>
+        </p:nvPicPr>
+        <p:blipFill>
+          <a:blip r:embed="rId5"/>
+          <a:stretch>
+            <a:fillRect/>
+          </a:stretch>
+        </p:blipFill>
+        <p:spPr>
+          <a:xfrm>
+            <a:off x="4055834" y="2088066"/>
+            <a:ext cx="3068315" cy="1439748"/>
+          </a:xfrm>
+          <a:prstGeom prst="rect">
+            <a:avLst/>
+          </a:prstGeom>
+        </p:spPr>
+      </p:pic>
+      <p:sp>
+        <p:nvSpPr>
+          <p:cNvPr id="8" name="Oval Callout 7"/>
+          <p:cNvSpPr/>
+          <p:nvPr/>
+        </p:nvSpPr>
+        <p:spPr>
+          <a:xfrm>
+            <a:off x="3578732" y="3345606"/>
+            <a:ext cx="2527599" cy="1086909"/>
+          </a:xfrm>
+          <a:prstGeom prst="wedgeEllipseCallout">
+            <a:avLst>
+              <a:gd name="adj1" fmla="val 14952"/>
+              <a:gd name="adj2" fmla="val -79160"/>
+            </a:avLst>
+          </a:prstGeom>
+        </p:spPr>
+        <p:style>
+          <a:lnRef idx="2">
+            <a:schemeClr val="accent1">
+              <a:shade val="50000"/>
+            </a:schemeClr>
+          </a:lnRef>
+          <a:fillRef idx="1">
+            <a:schemeClr val="accent1"/>
+          </a:fillRef>
+          <a:effectRef idx="0">
+            <a:schemeClr val="accent1"/>
+          </a:effectRef>
+          <a:fontRef idx="minor">
+            <a:schemeClr val="lt1"/>
+          </a:fontRef>
+        </p:style>
+        <p:txBody>
+          <a:bodyPr rtlCol="0" anchor="ctr"/>
+          <a:lstStyle/>
+          <a:p>
+            <a:pPr algn="ctr"/>
+            <a:r>
+              <a:rPr lang="en-US" dirty="0" smtClean="0"/>
+              <a:t>Messages may be lost in the actual channel.</a:t>
+            </a:r>
+            <a:endParaRPr lang="en-US" dirty="0"/>
+          </a:p>
+        </p:txBody>
+      </p:sp>
+    </p:spTree>
+    <p:extLst>
+      <p:ext uri="{BB962C8B-B14F-4D97-AF65-F5344CB8AC3E}">
+        <p14:creationId xmlns:p14="http://schemas.microsoft.com/office/powerpoint/2010/main" val="3776908126"/>
+      </p:ext>
+    </p:extLst>
+  </p:cSld>
+  <p:clrMapOvr>
+    <a:masterClrMapping/>
+  </p:clrMapOvr>
+  <p:timing>
+    <p:tnLst>
+      <p:par>
+        <p:cTn id="1" dur="indefinite" restart="never" nodeType="tmRoot"/>
+      </p:par>
+    </p:tnLst>
+  </p:timing>
+</p:sld>
+</file>
+
+<file path=ppt/slides/slide17.xml><?xml version="1.0" encoding="utf-8"?>
+<p:sld xmlns:a="http://schemas.openxmlformats.org/drawingml/2006/main" xmlns:r="http://schemas.openxmlformats.org/officeDocument/2006/relationships" xmlns:p="http://schemas.openxmlformats.org/presentationml/2006/main">
+  <p:cSld>
+    <p:spTree>
+      <p:nvGrpSpPr>
+        <p:cNvPr id="1" name=""/>
+        <p:cNvGrpSpPr/>
+        <p:nvPr/>
+      </p:nvGrpSpPr>
+      <p:grpSpPr>
+        <a:xfrm>
+          <a:off x="0" y="0"/>
+          <a:ext cx="0" cy="0"/>
+          <a:chOff x="0" y="0"/>
+          <a:chExt cx="0" cy="0"/>
+        </a:xfrm>
+      </p:grpSpPr>
+      <p:sp>
+        <p:nvSpPr>
+          <p:cNvPr id="2" name="Title 1"/>
+          <p:cNvSpPr>
+            <a:spLocks noGrp="1"/>
+          </p:cNvSpPr>
+          <p:nvPr>
+            <p:ph type="title"/>
+          </p:nvPr>
+        </p:nvSpPr>
+        <p:spPr/>
+        <p:txBody>
+          <a:bodyPr/>
+          <a:lstStyle/>
+          <a:p>
+            <a:r>
+              <a:rPr lang="en-US" dirty="0" smtClean="0"/>
+              <a:t>Trace to deadlock</a:t>
+            </a:r>
+            <a:endParaRPr lang="en-US" dirty="0"/>
+          </a:p>
+        </p:txBody>
+      </p:sp>
+      <p:sp>
+        <p:nvSpPr>
+          <p:cNvPr id="3" name="Text Placeholder 2"/>
+          <p:cNvSpPr>
+            <a:spLocks noGrp="1"/>
+          </p:cNvSpPr>
+          <p:nvPr>
+            <p:ph type="body" idx="1"/>
+          </p:nvPr>
+        </p:nvSpPr>
+        <p:spPr/>
+        <p:txBody>
+          <a:bodyPr/>
+          <a:lstStyle/>
+          <a:p>
+            <a:r>
+              <a:rPr lang="en-US" dirty="0" smtClean="0"/>
+              <a:t>&lt;input&gt;</a:t>
+            </a:r>
+            <a:endParaRPr lang="en-US" dirty="0"/>
+          </a:p>
+        </p:txBody>
+      </p:sp>
+      <p:sp>
+        <p:nvSpPr>
+          <p:cNvPr id="4" name="Slide Number Placeholder 3"/>
+          <p:cNvSpPr>
+            <a:spLocks noGrp="1"/>
+          </p:cNvSpPr>
+          <p:nvPr>
+            <p:ph type="sldNum" idx="12"/>
+          </p:nvPr>
+        </p:nvSpPr>
+        <p:spPr/>
+        <p:txBody>
+          <a:bodyPr/>
+          <a:lstStyle/>
+          <a:p>
+            <a:pPr marL="0" lvl="0" indent="0" algn="r" rtl="0">
+              <a:spcBef>
+                <a:spcPts val="0"/>
+              </a:spcBef>
+              <a:spcAft>
+                <a:spcPts val="0"/>
+              </a:spcAft>
+              <a:buNone/>
+            </a:pPr>
+            <a:fld id="{00000000-1234-1234-1234-123412341234}" type="slidenum">
+              <a:rPr lang="en" smtClean="0"/>
+              <a:t>17</a:t>
+            </a:fld>
+            <a:endParaRPr lang="en"/>
+          </a:p>
+        </p:txBody>
+      </p:sp>
+      <p:pic>
+        <p:nvPicPr>
+          <p:cNvPr id="5" name="Picture 4"/>
+          <p:cNvPicPr>
+            <a:picLocks noChangeAspect="1"/>
+          </p:cNvPicPr>
+          <p:nvPr/>
+        </p:nvPicPr>
+        <p:blipFill>
+          <a:blip r:embed="rId2"/>
+          <a:stretch>
+            <a:fillRect/>
+          </a:stretch>
+        </p:blipFill>
+        <p:spPr>
+          <a:xfrm>
+            <a:off x="951677" y="1938406"/>
+            <a:ext cx="2080440" cy="800169"/>
+          </a:xfrm>
+          <a:prstGeom prst="rect">
+            <a:avLst/>
+          </a:prstGeom>
+        </p:spPr>
+      </p:pic>
+      <p:pic>
+        <p:nvPicPr>
+          <p:cNvPr id="8" name="Picture 7"/>
+          <p:cNvPicPr>
+            <a:picLocks noChangeAspect="1"/>
+          </p:cNvPicPr>
+          <p:nvPr/>
+        </p:nvPicPr>
+        <p:blipFill>
+          <a:blip r:embed="rId3"/>
+          <a:stretch>
+            <a:fillRect/>
+          </a:stretch>
+        </p:blipFill>
+        <p:spPr>
+          <a:xfrm>
+            <a:off x="875470" y="2873325"/>
+            <a:ext cx="2232853" cy="800169"/>
+          </a:xfrm>
+          <a:prstGeom prst="rect">
+            <a:avLst/>
+          </a:prstGeom>
+        </p:spPr>
+      </p:pic>
+      <p:pic>
+        <p:nvPicPr>
+          <p:cNvPr id="9" name="Picture 8"/>
+          <p:cNvPicPr>
+            <a:picLocks noChangeAspect="1"/>
+          </p:cNvPicPr>
+          <p:nvPr/>
+        </p:nvPicPr>
+        <p:blipFill>
+          <a:blip r:embed="rId4"/>
+          <a:stretch>
+            <a:fillRect/>
+          </a:stretch>
+        </p:blipFill>
+        <p:spPr>
+          <a:xfrm>
+            <a:off x="3836385" y="2174646"/>
+            <a:ext cx="3589331" cy="1127858"/>
+          </a:xfrm>
+          <a:prstGeom prst="rect">
+            <a:avLst/>
+          </a:prstGeom>
+        </p:spPr>
+      </p:pic>
+    </p:spTree>
+    <p:extLst>
+      <p:ext uri="{BB962C8B-B14F-4D97-AF65-F5344CB8AC3E}">
+        <p14:creationId xmlns:p14="http://schemas.microsoft.com/office/powerpoint/2010/main" val="3017829828"/>
+      </p:ext>
+    </p:extLst>
+  </p:cSld>
+  <p:clrMapOvr>
+    <a:masterClrMapping/>
+  </p:clrMapOvr>
+</p:sld>
+</file>
+
+<file path=ppt/slides/slide18.xml><?xml version="1.0" encoding="utf-8"?>
+<p:sld xmlns:a="http://schemas.openxmlformats.org/drawingml/2006/main" xmlns:r="http://schemas.openxmlformats.org/officeDocument/2006/relationships" xmlns:p="http://schemas.openxmlformats.org/presentationml/2006/main">
+  <p:cSld>
+    <p:spTree>
+      <p:nvGrpSpPr>
+        <p:cNvPr id="1" name=""/>
+        <p:cNvGrpSpPr/>
+        <p:nvPr/>
+      </p:nvGrpSpPr>
+      <p:grpSpPr>
+        <a:xfrm>
+          <a:off x="0" y="0"/>
+          <a:ext cx="0" cy="0"/>
+          <a:chOff x="0" y="0"/>
+          <a:chExt cx="0" cy="0"/>
+        </a:xfrm>
+      </p:grpSpPr>
+      <p:sp>
+        <p:nvSpPr>
+          <p:cNvPr id="2" name="Title 1"/>
+          <p:cNvSpPr>
+            <a:spLocks noGrp="1"/>
+          </p:cNvSpPr>
+          <p:nvPr>
+            <p:ph type="title"/>
+          </p:nvPr>
+        </p:nvSpPr>
+        <p:spPr/>
+        <p:txBody>
+          <a:bodyPr/>
+          <a:lstStyle/>
+          <a:p>
+            <a:r>
+              <a:rPr lang="en-US" dirty="0" smtClean="0"/>
+              <a:t>Trace to deadlock</a:t>
+            </a:r>
+            <a:endParaRPr lang="en-US" dirty="0"/>
+          </a:p>
+        </p:txBody>
+      </p:sp>
+      <p:sp>
+        <p:nvSpPr>
+          <p:cNvPr id="3" name="Text Placeholder 2"/>
+          <p:cNvSpPr>
+            <a:spLocks noGrp="1"/>
+          </p:cNvSpPr>
+          <p:nvPr>
+            <p:ph type="body" idx="1"/>
+          </p:nvPr>
+        </p:nvSpPr>
+        <p:spPr/>
+        <p:txBody>
+          <a:bodyPr/>
+          <a:lstStyle/>
+          <a:p>
+            <a:r>
+              <a:rPr lang="en-US" dirty="0" smtClean="0"/>
+              <a:t>&lt;input, send&gt;</a:t>
+            </a:r>
+            <a:endParaRPr lang="en-US" dirty="0"/>
+          </a:p>
+        </p:txBody>
+      </p:sp>
+      <p:sp>
+        <p:nvSpPr>
+          <p:cNvPr id="4" name="Slide Number Placeholder 3"/>
+          <p:cNvSpPr>
+            <a:spLocks noGrp="1"/>
+          </p:cNvSpPr>
+          <p:nvPr>
+            <p:ph type="sldNum" idx="12"/>
+          </p:nvPr>
+        </p:nvSpPr>
+        <p:spPr/>
+        <p:txBody>
+          <a:bodyPr/>
+          <a:lstStyle/>
+          <a:p>
+            <a:pPr marL="0" lvl="0" indent="0" algn="r" rtl="0">
+              <a:spcBef>
+                <a:spcPts val="0"/>
+              </a:spcBef>
+              <a:spcAft>
+                <a:spcPts val="0"/>
+              </a:spcAft>
+              <a:buNone/>
+            </a:pPr>
+            <a:fld id="{00000000-1234-1234-1234-123412341234}" type="slidenum">
+              <a:rPr lang="en" smtClean="0"/>
+              <a:t>18</a:t>
+            </a:fld>
+            <a:endParaRPr lang="en"/>
+          </a:p>
+        </p:txBody>
+      </p:sp>
+      <p:pic>
+        <p:nvPicPr>
+          <p:cNvPr id="8" name="Picture 7"/>
+          <p:cNvPicPr>
+            <a:picLocks noChangeAspect="1"/>
+          </p:cNvPicPr>
+          <p:nvPr/>
+        </p:nvPicPr>
+        <p:blipFill>
+          <a:blip r:embed="rId2"/>
+          <a:stretch>
+            <a:fillRect/>
+          </a:stretch>
+        </p:blipFill>
+        <p:spPr>
+          <a:xfrm>
+            <a:off x="875470" y="2873325"/>
+            <a:ext cx="2232853" cy="800169"/>
+          </a:xfrm>
+          <a:prstGeom prst="rect">
+            <a:avLst/>
+          </a:prstGeom>
+        </p:spPr>
+      </p:pic>
+      <p:pic>
+        <p:nvPicPr>
+          <p:cNvPr id="6" name="Picture 5"/>
+          <p:cNvPicPr>
+            <a:picLocks noChangeAspect="1"/>
+          </p:cNvPicPr>
+          <p:nvPr/>
+        </p:nvPicPr>
+        <p:blipFill>
+          <a:blip r:embed="rId3"/>
+          <a:stretch>
+            <a:fillRect/>
+          </a:stretch>
+        </p:blipFill>
+        <p:spPr>
+          <a:xfrm>
+            <a:off x="963363" y="1928074"/>
+            <a:ext cx="2088061" cy="800169"/>
+          </a:xfrm>
+          <a:prstGeom prst="rect">
+            <a:avLst/>
+          </a:prstGeom>
+        </p:spPr>
+      </p:pic>
+      <p:pic>
+        <p:nvPicPr>
+          <p:cNvPr id="7" name="Picture 6"/>
+          <p:cNvPicPr>
+            <a:picLocks noChangeAspect="1"/>
+          </p:cNvPicPr>
+          <p:nvPr/>
+        </p:nvPicPr>
+        <p:blipFill>
+          <a:blip r:embed="rId4"/>
+          <a:stretch>
+            <a:fillRect/>
+          </a:stretch>
+        </p:blipFill>
+        <p:spPr>
+          <a:xfrm>
+            <a:off x="3842645" y="2165005"/>
+            <a:ext cx="3574090" cy="1158340"/>
+          </a:xfrm>
+          <a:prstGeom prst="rect">
+            <a:avLst/>
+          </a:prstGeom>
+        </p:spPr>
+      </p:pic>
+    </p:spTree>
+    <p:extLst>
+      <p:ext uri="{BB962C8B-B14F-4D97-AF65-F5344CB8AC3E}">
+        <p14:creationId xmlns:p14="http://schemas.microsoft.com/office/powerpoint/2010/main" val="2640094387"/>
+      </p:ext>
+    </p:extLst>
+  </p:cSld>
+  <p:clrMapOvr>
+    <a:masterClrMapping/>
+  </p:clrMapOvr>
+</p:sld>
+</file>
+
+<file path=ppt/slides/slide19.xml><?xml version="1.0" encoding="utf-8"?>
+<p:sld xmlns:a="http://schemas.openxmlformats.org/drawingml/2006/main" xmlns:r="http://schemas.openxmlformats.org/officeDocument/2006/relationships" xmlns:p="http://schemas.openxmlformats.org/presentationml/2006/main">
+  <p:cSld>
+    <p:spTree>
+      <p:nvGrpSpPr>
+        <p:cNvPr id="1" name=""/>
+        <p:cNvGrpSpPr/>
+        <p:nvPr/>
+      </p:nvGrpSpPr>
+      <p:grpSpPr>
+        <a:xfrm>
+          <a:off x="0" y="0"/>
+          <a:ext cx="0" cy="0"/>
+          <a:chOff x="0" y="0"/>
+          <a:chExt cx="0" cy="0"/>
+        </a:xfrm>
+      </p:grpSpPr>
+      <p:sp>
+        <p:nvSpPr>
+          <p:cNvPr id="2" name="Title 1"/>
+          <p:cNvSpPr>
+            <a:spLocks noGrp="1"/>
+          </p:cNvSpPr>
+          <p:nvPr>
+            <p:ph type="title"/>
+          </p:nvPr>
+        </p:nvSpPr>
+        <p:spPr/>
+        <p:txBody>
+          <a:bodyPr/>
+          <a:lstStyle/>
+          <a:p>
+            <a:r>
+              <a:rPr lang="en-US" dirty="0" smtClean="0"/>
+              <a:t>Trace to deadlock</a:t>
+            </a:r>
+            <a:endParaRPr lang="en-US" dirty="0"/>
+          </a:p>
+        </p:txBody>
+      </p:sp>
+      <p:sp>
+        <p:nvSpPr>
+          <p:cNvPr id="3" name="Text Placeholder 2"/>
+          <p:cNvSpPr>
+            <a:spLocks noGrp="1"/>
+          </p:cNvSpPr>
+          <p:nvPr>
+            <p:ph type="body" idx="1"/>
+          </p:nvPr>
+        </p:nvSpPr>
+        <p:spPr/>
+        <p:txBody>
+          <a:bodyPr/>
+          <a:lstStyle/>
+          <a:p>
+            <a:r>
+              <a:rPr lang="en-US" dirty="0" smtClean="0"/>
+              <a:t>&lt;input, send, lose&gt; </a:t>
+            </a:r>
+            <a:r>
+              <a:rPr lang="en-US" b="1" dirty="0" smtClean="0">
+                <a:solidFill>
+                  <a:srgbClr val="FF0000"/>
+                </a:solidFill>
+              </a:rPr>
+              <a:t>DEADLOCK!</a:t>
+            </a:r>
+            <a:endParaRPr lang="en-US" dirty="0">
+              <a:solidFill>
+                <a:srgbClr val="FF0000"/>
+              </a:solidFill>
+            </a:endParaRPr>
+          </a:p>
+        </p:txBody>
+      </p:sp>
+      <p:sp>
+        <p:nvSpPr>
+          <p:cNvPr id="4" name="Slide Number Placeholder 3"/>
+          <p:cNvSpPr>
+            <a:spLocks noGrp="1"/>
+          </p:cNvSpPr>
+          <p:nvPr>
+            <p:ph type="sldNum" idx="12"/>
+          </p:nvPr>
+        </p:nvSpPr>
+        <p:spPr/>
+        <p:txBody>
+          <a:bodyPr/>
+          <a:lstStyle/>
+          <a:p>
+            <a:pPr marL="0" lvl="0" indent="0" algn="r" rtl="0">
+              <a:spcBef>
+                <a:spcPts val="0"/>
+              </a:spcBef>
+              <a:spcAft>
+                <a:spcPts val="0"/>
+              </a:spcAft>
+              <a:buNone/>
+            </a:pPr>
+            <a:fld id="{00000000-1234-1234-1234-123412341234}" type="slidenum">
+              <a:rPr lang="en" smtClean="0"/>
+              <a:t>19</a:t>
+            </a:fld>
+            <a:endParaRPr lang="en"/>
+          </a:p>
+        </p:txBody>
+      </p:sp>
+      <p:pic>
+        <p:nvPicPr>
+          <p:cNvPr id="8" name="Picture 7"/>
+          <p:cNvPicPr>
+            <a:picLocks noChangeAspect="1"/>
+          </p:cNvPicPr>
+          <p:nvPr/>
+        </p:nvPicPr>
+        <p:blipFill>
+          <a:blip r:embed="rId2"/>
+          <a:stretch>
+            <a:fillRect/>
+          </a:stretch>
+        </p:blipFill>
+        <p:spPr>
+          <a:xfrm>
+            <a:off x="875470" y="2873325"/>
+            <a:ext cx="2232853" cy="800169"/>
+          </a:xfrm>
+          <a:prstGeom prst="rect">
+            <a:avLst/>
+          </a:prstGeom>
+        </p:spPr>
+      </p:pic>
+      <p:pic>
+        <p:nvPicPr>
+          <p:cNvPr id="5" name="Picture 4"/>
+          <p:cNvPicPr>
+            <a:picLocks noChangeAspect="1"/>
+          </p:cNvPicPr>
+          <p:nvPr/>
+        </p:nvPicPr>
+        <p:blipFill>
+          <a:blip r:embed="rId3"/>
+          <a:stretch>
+            <a:fillRect/>
+          </a:stretch>
+        </p:blipFill>
+        <p:spPr>
+          <a:xfrm>
+            <a:off x="3837479" y="2181238"/>
+            <a:ext cx="3566469" cy="1127858"/>
+          </a:xfrm>
+          <a:prstGeom prst="rect">
+            <a:avLst/>
+          </a:prstGeom>
+        </p:spPr>
+      </p:pic>
+      <p:pic>
+        <p:nvPicPr>
+          <p:cNvPr id="9" name="Picture 8"/>
+          <p:cNvPicPr>
+            <a:picLocks noChangeAspect="1"/>
+          </p:cNvPicPr>
+          <p:nvPr/>
+        </p:nvPicPr>
+        <p:blipFill>
+          <a:blip r:embed="rId4"/>
+          <a:stretch>
+            <a:fillRect/>
+          </a:stretch>
+        </p:blipFill>
+        <p:spPr>
+          <a:xfrm>
+            <a:off x="944055" y="1938406"/>
+            <a:ext cx="2095682" cy="800169"/>
+          </a:xfrm>
+          <a:prstGeom prst="rect">
+            <a:avLst/>
+          </a:prstGeom>
+        </p:spPr>
+      </p:pic>
+    </p:spTree>
+    <p:extLst>
+      <p:ext uri="{BB962C8B-B14F-4D97-AF65-F5344CB8AC3E}">
+        <p14:creationId xmlns:p14="http://schemas.microsoft.com/office/powerpoint/2010/main" val="3848636608"/>
+      </p:ext>
+    </p:extLst>
+  </p:cSld>
+  <p:clrMapOvr>
+    <a:masterClrMapping/>
+  </p:clrMapOvr>
+</p:sld>
+</file>
+
+<file path=ppt/slides/slide2.xml><?xml version="1.0" encoding="utf-8"?>
+<p:sld xmlns:a="http://schemas.openxmlformats.org/drawingml/2006/main" xmlns:r="http://schemas.openxmlformats.org/officeDocument/2006/relationships" xmlns:p="http://schemas.openxmlformats.org/presentationml/2006/main">
+  <p:cSld>
+    <p:spTree>
+      <p:nvGrpSpPr>
+        <p:cNvPr id="1" name=""/>
+        <p:cNvGrpSpPr/>
+        <p:nvPr/>
+      </p:nvGrpSpPr>
+      <p:grpSpPr>
+        <a:xfrm>
+          <a:off x="0" y="0"/>
+          <a:ext cx="0" cy="0"/>
+          <a:chOff x="0" y="0"/>
+          <a:chExt cx="0" cy="0"/>
+        </a:xfrm>
+      </p:grpSpPr>
+      <p:sp>
+        <p:nvSpPr>
+          <p:cNvPr id="2" name="Title 1">
+            <a:extLst>
+              <a:ext uri="{FF2B5EF4-FFF2-40B4-BE49-F238E27FC236}">
+                <a16:creationId xmlns:a16="http://schemas.microsoft.com/office/drawing/2014/main" id="{002A871F-18A2-4401-B6B9-077086628C4E}"/>
+              </a:ext>
+            </a:extLst>
+          </p:cNvPr>
+          <p:cNvSpPr>
+            <a:spLocks noGrp="1"/>
+          </p:cNvSpPr>
+          <p:nvPr>
+            <p:ph type="title"/>
+          </p:nvPr>
+        </p:nvSpPr>
+        <p:spPr/>
+        <p:txBody>
+          <a:bodyPr/>
+          <a:lstStyle/>
+          <a:p>
+            <a:r>
+              <a:rPr lang="en-US" altLang="zh-CN" dirty="0"/>
+              <a:t>Agenda</a:t>
+            </a:r>
+            <a:endParaRPr lang="zh-CN" altLang="en-US" dirty="0"/>
+          </a:p>
+        </p:txBody>
+      </p:sp>
+      <p:sp>
+        <p:nvSpPr>
+          <p:cNvPr id="3" name="Text Placeholder 2">
+            <a:extLst>
+              <a:ext uri="{FF2B5EF4-FFF2-40B4-BE49-F238E27FC236}">
+                <a16:creationId xmlns:a16="http://schemas.microsoft.com/office/drawing/2014/main" id="{8D97EDBA-6795-4FFA-BF7E-762491D0EB39}"/>
+              </a:ext>
+            </a:extLst>
+          </p:cNvPr>
+          <p:cNvSpPr>
+            <a:spLocks noGrp="1"/>
+          </p:cNvSpPr>
+          <p:nvPr>
+            <p:ph type="body" idx="1"/>
+          </p:nvPr>
+        </p:nvSpPr>
+        <p:spPr/>
+        <p:txBody>
+          <a:bodyPr/>
+          <a:lstStyle/>
+          <a:p>
+            <a:r>
+              <a:rPr lang="en-US" altLang="zh-CN" dirty="0"/>
+              <a:t>Research Problem</a:t>
+            </a:r>
+          </a:p>
+          <a:p>
+            <a:r>
+              <a:rPr lang="en-US" altLang="zh-CN" dirty="0"/>
+              <a:t>Motivation Example &amp; Overview</a:t>
+            </a:r>
+          </a:p>
+          <a:p>
+            <a:r>
+              <a:rPr lang="en-US" altLang="zh-CN" dirty="0"/>
+              <a:t>Approach In Details</a:t>
+            </a:r>
+          </a:p>
+          <a:p>
+            <a:r>
+              <a:rPr lang="en-US" altLang="zh-CN" dirty="0"/>
+              <a:t>Discussion</a:t>
+            </a:r>
+          </a:p>
+          <a:p>
+            <a:endParaRPr lang="zh-CN" altLang="en-US" dirty="0"/>
+          </a:p>
+        </p:txBody>
+      </p:sp>
+      <p:sp>
+        <p:nvSpPr>
+          <p:cNvPr id="4" name="Slide Number Placeholder 3">
+            <a:extLst>
+              <a:ext uri="{FF2B5EF4-FFF2-40B4-BE49-F238E27FC236}">
+                <a16:creationId xmlns:a16="http://schemas.microsoft.com/office/drawing/2014/main" id="{6B4CE1E3-8D12-4A2F-87D4-6395F5C91DDC}"/>
+              </a:ext>
+            </a:extLst>
+          </p:cNvPr>
+          <p:cNvSpPr>
+            <a:spLocks noGrp="1"/>
+          </p:cNvSpPr>
+          <p:nvPr>
+            <p:ph type="sldNum" idx="12"/>
+          </p:nvPr>
+        </p:nvSpPr>
+        <p:spPr/>
+        <p:txBody>
+          <a:bodyPr/>
+          <a:lstStyle/>
+          <a:p>
+            <a:pPr marL="0" lvl="0" indent="0" algn="r" rtl="0">
+              <a:spcBef>
+                <a:spcPts val="0"/>
+              </a:spcBef>
+              <a:spcAft>
+                <a:spcPts val="0"/>
+              </a:spcAft>
+              <a:buNone/>
+            </a:pPr>
+            <a:fld id="{00000000-1234-1234-1234-123412341234}" type="slidenum">
+              <a:rPr lang="en" smtClean="0"/>
+              <a:t>2</a:t>
+            </a:fld>
+            <a:endParaRPr lang="en"/>
+          </a:p>
+        </p:txBody>
+      </p:sp>
+    </p:spTree>
+    <p:extLst>
+      <p:ext uri="{BB962C8B-B14F-4D97-AF65-F5344CB8AC3E}">
+        <p14:creationId xmlns:p14="http://schemas.microsoft.com/office/powerpoint/2010/main" val="3292415568"/>
+      </p:ext>
+    </p:extLst>
+  </p:cSld>
+  <p:clrMapOvr>
+    <a:masterClrMapping/>
+  </p:clrMapOvr>
+  <p:timing>
+    <p:tnLst>
+      <p:par>
+        <p:cTn id="1" dur="indefinite" restart="never" nodeType="tmRoot"/>
+      </p:par>
+    </p:tnLst>
+  </p:timing>
+</p:sld>
+</file>
+
+<file path=ppt/slides/slide20.xml><?xml version="1.0" encoding="utf-8"?>
+<p:sld xmlns:a="http://schemas.openxmlformats.org/drawingml/2006/main" xmlns:r="http://schemas.openxmlformats.org/officeDocument/2006/relationships" xmlns:p="http://schemas.openxmlformats.org/presentationml/2006/main">
+  <p:cSld>
+    <p:spTree>
+      <p:nvGrpSpPr>
+        <p:cNvPr id="1" name=""/>
+        <p:cNvGrpSpPr/>
+        <p:nvPr/>
+      </p:nvGrpSpPr>
+      <p:grpSpPr>
+        <a:xfrm>
+          <a:off x="0" y="0"/>
+          <a:ext cx="0" cy="0"/>
+          <a:chOff x="0" y="0"/>
+          <a:chExt cx="0" cy="0"/>
+        </a:xfrm>
+      </p:grpSpPr>
+      <p:sp>
+        <p:nvSpPr>
+          <p:cNvPr id="2" name="Title 1">
+            <a:extLst>
+              <a:ext uri="{FF2B5EF4-FFF2-40B4-BE49-F238E27FC236}">
+                <a16:creationId xmlns:a16="http://schemas.microsoft.com/office/drawing/2014/main" id="{FED4BC74-3FEC-4F8C-90AF-A6224B4E4C56}"/>
+              </a:ext>
+            </a:extLst>
+          </p:cNvPr>
+          <p:cNvSpPr>
+            <a:spLocks noGrp="1"/>
+          </p:cNvSpPr>
+          <p:nvPr>
+            <p:ph type="title"/>
+          </p:nvPr>
+        </p:nvSpPr>
+        <p:spPr/>
+        <p:txBody>
+          <a:bodyPr/>
+          <a:lstStyle/>
+          <a:p>
+            <a:r>
+              <a:rPr lang="en-US" altLang="zh-CN" dirty="0"/>
+              <a:t>Uncertainty in </a:t>
+            </a:r>
+            <a:r>
+              <a:rPr lang="en-US" altLang="zh-CN" dirty="0" smtClean="0"/>
+              <a:t>environment - 2</a:t>
+            </a:r>
+            <a:endParaRPr lang="zh-CN" altLang="en-US" dirty="0"/>
+          </a:p>
+        </p:txBody>
+      </p:sp>
+      <p:sp>
+        <p:nvSpPr>
+          <p:cNvPr id="4" name="Slide Number Placeholder 3">
+            <a:extLst>
+              <a:ext uri="{FF2B5EF4-FFF2-40B4-BE49-F238E27FC236}">
+                <a16:creationId xmlns:a16="http://schemas.microsoft.com/office/drawing/2014/main" id="{94D65B1B-1BB7-4D03-95BE-AD13320F1005}"/>
+              </a:ext>
+            </a:extLst>
+          </p:cNvPr>
+          <p:cNvSpPr>
+            <a:spLocks noGrp="1"/>
+          </p:cNvSpPr>
+          <p:nvPr>
+            <p:ph type="sldNum" idx="12"/>
+          </p:nvPr>
+        </p:nvSpPr>
+        <p:spPr/>
+        <p:txBody>
+          <a:bodyPr/>
+          <a:lstStyle/>
+          <a:p>
+            <a:pPr marL="0" lvl="0" indent="0" algn="r" rtl="0">
+              <a:spcBef>
+                <a:spcPts val="0"/>
+              </a:spcBef>
+              <a:spcAft>
+                <a:spcPts val="0"/>
+              </a:spcAft>
+              <a:buNone/>
+            </a:pPr>
+            <a:fld id="{00000000-1234-1234-1234-123412341234}" type="slidenum">
+              <a:rPr lang="en" smtClean="0"/>
+              <a:t>20</a:t>
+            </a:fld>
+            <a:endParaRPr lang="en"/>
+          </a:p>
+        </p:txBody>
+      </p:sp>
+      <p:pic>
+        <p:nvPicPr>
+          <p:cNvPr id="13" name="Picture 12"/>
+          <p:cNvPicPr>
+            <a:picLocks noChangeAspect="1"/>
+          </p:cNvPicPr>
+          <p:nvPr/>
+        </p:nvPicPr>
+        <p:blipFill>
+          <a:blip r:embed="rId3"/>
+          <a:stretch>
+            <a:fillRect/>
+          </a:stretch>
+        </p:blipFill>
+        <p:spPr>
+          <a:xfrm>
+            <a:off x="1067426" y="1568222"/>
+            <a:ext cx="2423392" cy="1039689"/>
+          </a:xfrm>
+          <a:prstGeom prst="rect">
+            <a:avLst/>
+          </a:prstGeom>
+        </p:spPr>
+      </p:pic>
+      <p:pic>
+        <p:nvPicPr>
+          <p:cNvPr id="17" name="Picture 16"/>
+          <p:cNvPicPr>
+            <a:picLocks noChangeAspect="1"/>
+          </p:cNvPicPr>
+          <p:nvPr/>
+        </p:nvPicPr>
+        <p:blipFill>
+          <a:blip r:embed="rId4"/>
+          <a:stretch>
+            <a:fillRect/>
+          </a:stretch>
+        </p:blipFill>
+        <p:spPr>
+          <a:xfrm>
+            <a:off x="979510" y="2860246"/>
+            <a:ext cx="2599223" cy="1039689"/>
+          </a:xfrm>
+          <a:prstGeom prst="rect">
+            <a:avLst/>
+          </a:prstGeom>
+        </p:spPr>
+      </p:pic>
+      <p:pic>
+        <p:nvPicPr>
+          <p:cNvPr id="9" name="Picture 8"/>
+          <p:cNvPicPr>
+            <a:picLocks noChangeAspect="1"/>
+          </p:cNvPicPr>
+          <p:nvPr/>
+        </p:nvPicPr>
+        <p:blipFill>
+          <a:blip r:embed="rId5"/>
+          <a:stretch>
+            <a:fillRect/>
+          </a:stretch>
+        </p:blipFill>
+        <p:spPr>
+          <a:xfrm>
+            <a:off x="3929114" y="2051012"/>
+            <a:ext cx="3589331" cy="1150720"/>
+          </a:xfrm>
+          <a:prstGeom prst="rect">
+            <a:avLst/>
+          </a:prstGeom>
+        </p:spPr>
+      </p:pic>
+      <p:sp>
+        <p:nvSpPr>
+          <p:cNvPr id="10" name="Oval Callout 9"/>
+          <p:cNvSpPr/>
+          <p:nvPr/>
+        </p:nvSpPr>
+        <p:spPr>
+          <a:xfrm>
+            <a:off x="4089998" y="3201732"/>
+            <a:ext cx="3323358" cy="1230783"/>
+          </a:xfrm>
+          <a:prstGeom prst="wedgeEllipseCallout">
+            <a:avLst>
+              <a:gd name="adj1" fmla="val -16764"/>
+              <a:gd name="adj2" fmla="val -73972"/>
+            </a:avLst>
+          </a:prstGeom>
+        </p:spPr>
+        <p:style>
+          <a:lnRef idx="2">
+            <a:schemeClr val="accent1">
+              <a:shade val="50000"/>
+            </a:schemeClr>
+          </a:lnRef>
+          <a:fillRef idx="1">
+            <a:schemeClr val="accent1"/>
+          </a:fillRef>
+          <a:effectRef idx="0">
+            <a:schemeClr val="accent1"/>
+          </a:effectRef>
+          <a:fontRef idx="minor">
+            <a:schemeClr val="lt1"/>
+          </a:fontRef>
+        </p:style>
+        <p:txBody>
+          <a:bodyPr rtlCol="0" anchor="ctr"/>
+          <a:lstStyle/>
+          <a:p>
+            <a:pPr algn="ctr"/>
+            <a:r>
+              <a:rPr lang="en-US" dirty="0" smtClean="0"/>
+              <a:t>Instead of lose, the channel acknowledges to the sender immediately after the send.</a:t>
+            </a:r>
+            <a:endParaRPr lang="en-US" dirty="0"/>
+          </a:p>
+        </p:txBody>
+      </p:sp>
+    </p:spTree>
+    <p:extLst>
+      <p:ext uri="{BB962C8B-B14F-4D97-AF65-F5344CB8AC3E}">
+        <p14:creationId xmlns:p14="http://schemas.microsoft.com/office/powerpoint/2010/main" val="993041637"/>
+      </p:ext>
+    </p:extLst>
+  </p:cSld>
+  <p:clrMapOvr>
+    <a:masterClrMapping/>
+  </p:clrMapOvr>
+  <p:timing>
+    <p:tnLst>
+      <p:par>
+        <p:cTn id="1" dur="indefinite" restart="never" nodeType="tmRoot"/>
+      </p:par>
+    </p:tnLst>
+  </p:timing>
+</p:sld>
+</file>
+
+<file path=ppt/slides/slide21.xml><?xml version="1.0" encoding="utf-8"?>
+<p:sld xmlns:a="http://schemas.openxmlformats.org/drawingml/2006/main" xmlns:r="http://schemas.openxmlformats.org/officeDocument/2006/relationships" xmlns:p="http://schemas.openxmlformats.org/presentationml/2006/main">
+  <p:cSld>
+    <p:spTree>
+      <p:nvGrpSpPr>
+        <p:cNvPr id="1" name=""/>
+        <p:cNvGrpSpPr/>
+        <p:nvPr/>
+      </p:nvGrpSpPr>
+      <p:grpSpPr>
+        <a:xfrm>
+          <a:off x="0" y="0"/>
+          <a:ext cx="0" cy="0"/>
+          <a:chOff x="0" y="0"/>
+          <a:chExt cx="0" cy="0"/>
+        </a:xfrm>
+      </p:grpSpPr>
+      <p:sp>
+        <p:nvSpPr>
+          <p:cNvPr id="2" name="Title 1"/>
+          <p:cNvSpPr>
+            <a:spLocks noGrp="1"/>
+          </p:cNvSpPr>
+          <p:nvPr>
+            <p:ph type="title"/>
+          </p:nvPr>
+        </p:nvSpPr>
+        <p:spPr/>
+        <p:txBody>
+          <a:bodyPr/>
+          <a:lstStyle/>
+          <a:p>
+            <a:r>
+              <a:rPr lang="en-US" dirty="0" smtClean="0"/>
+              <a:t>Trace to error state</a:t>
+            </a:r>
+            <a:endParaRPr lang="en-US" dirty="0"/>
+          </a:p>
+        </p:txBody>
+      </p:sp>
+      <p:sp>
+        <p:nvSpPr>
+          <p:cNvPr id="3" name="Text Placeholder 2"/>
+          <p:cNvSpPr>
+            <a:spLocks noGrp="1"/>
+          </p:cNvSpPr>
+          <p:nvPr>
+            <p:ph type="body" idx="1"/>
+          </p:nvPr>
+        </p:nvSpPr>
+        <p:spPr/>
+        <p:txBody>
+          <a:bodyPr/>
+          <a:lstStyle/>
+          <a:p>
+            <a:r>
+              <a:rPr lang="en-US" dirty="0" smtClean="0"/>
+              <a:t>&lt;input&gt;</a:t>
+            </a:r>
+            <a:endParaRPr lang="en-US" dirty="0"/>
+          </a:p>
+        </p:txBody>
+      </p:sp>
+      <p:sp>
+        <p:nvSpPr>
+          <p:cNvPr id="4" name="Slide Number Placeholder 3"/>
+          <p:cNvSpPr>
+            <a:spLocks noGrp="1"/>
+          </p:cNvSpPr>
+          <p:nvPr>
+            <p:ph type="sldNum" idx="12"/>
+          </p:nvPr>
+        </p:nvSpPr>
+        <p:spPr/>
+        <p:txBody>
+          <a:bodyPr/>
+          <a:lstStyle/>
+          <a:p>
+            <a:pPr marL="0" lvl="0" indent="0" algn="r" rtl="0">
+              <a:spcBef>
+                <a:spcPts val="0"/>
+              </a:spcBef>
+              <a:spcAft>
+                <a:spcPts val="0"/>
+              </a:spcAft>
+              <a:buNone/>
+            </a:pPr>
+            <a:fld id="{00000000-1234-1234-1234-123412341234}" type="slidenum">
+              <a:rPr lang="en" smtClean="0"/>
+              <a:t>21</a:t>
+            </a:fld>
+            <a:endParaRPr lang="en"/>
+          </a:p>
+        </p:txBody>
+      </p:sp>
+      <p:pic>
+        <p:nvPicPr>
+          <p:cNvPr id="5" name="Picture 4"/>
+          <p:cNvPicPr>
+            <a:picLocks noChangeAspect="1"/>
+          </p:cNvPicPr>
+          <p:nvPr/>
+        </p:nvPicPr>
+        <p:blipFill>
+          <a:blip r:embed="rId2"/>
+          <a:stretch>
+            <a:fillRect/>
+          </a:stretch>
+        </p:blipFill>
+        <p:spPr>
+          <a:xfrm>
+            <a:off x="951677" y="1938406"/>
+            <a:ext cx="2080440" cy="800169"/>
+          </a:xfrm>
+          <a:prstGeom prst="rect">
+            <a:avLst/>
+          </a:prstGeom>
+        </p:spPr>
+      </p:pic>
+      <p:pic>
+        <p:nvPicPr>
+          <p:cNvPr id="8" name="Picture 7"/>
+          <p:cNvPicPr>
+            <a:picLocks noChangeAspect="1"/>
+          </p:cNvPicPr>
+          <p:nvPr/>
+        </p:nvPicPr>
+        <p:blipFill>
+          <a:blip r:embed="rId3"/>
+          <a:stretch>
+            <a:fillRect/>
+          </a:stretch>
+        </p:blipFill>
+        <p:spPr>
+          <a:xfrm>
+            <a:off x="875470" y="2873325"/>
+            <a:ext cx="2232853" cy="800169"/>
+          </a:xfrm>
+          <a:prstGeom prst="rect">
+            <a:avLst/>
+          </a:prstGeom>
+        </p:spPr>
+      </p:pic>
+      <p:pic>
+        <p:nvPicPr>
+          <p:cNvPr id="6" name="Picture 5"/>
+          <p:cNvPicPr>
+            <a:picLocks noChangeAspect="1"/>
+          </p:cNvPicPr>
+          <p:nvPr/>
+        </p:nvPicPr>
+        <p:blipFill>
+          <a:blip r:embed="rId4"/>
+          <a:stretch>
+            <a:fillRect/>
+          </a:stretch>
+        </p:blipFill>
+        <p:spPr>
+          <a:xfrm>
+            <a:off x="3748300" y="2873325"/>
+            <a:ext cx="3589331" cy="1150720"/>
+          </a:xfrm>
+          <a:prstGeom prst="rect">
+            <a:avLst/>
+          </a:prstGeom>
+        </p:spPr>
+      </p:pic>
+      <p:pic>
+        <p:nvPicPr>
+          <p:cNvPr id="7" name="Picture 6"/>
+          <p:cNvPicPr>
+            <a:picLocks noChangeAspect="1"/>
+          </p:cNvPicPr>
+          <p:nvPr/>
+        </p:nvPicPr>
+        <p:blipFill>
+          <a:blip r:embed="rId5"/>
+          <a:stretch>
+            <a:fillRect/>
+          </a:stretch>
+        </p:blipFill>
+        <p:spPr>
+          <a:xfrm>
+            <a:off x="3748300" y="1953647"/>
+            <a:ext cx="1554615" cy="784928"/>
+          </a:xfrm>
+          <a:prstGeom prst="rect">
+            <a:avLst/>
+          </a:prstGeom>
+        </p:spPr>
+      </p:pic>
+    </p:spTree>
+    <p:extLst>
+      <p:ext uri="{BB962C8B-B14F-4D97-AF65-F5344CB8AC3E}">
+        <p14:creationId xmlns:p14="http://schemas.microsoft.com/office/powerpoint/2010/main" val="2188761075"/>
+      </p:ext>
+    </p:extLst>
+  </p:cSld>
+  <p:clrMapOvr>
+    <a:masterClrMapping/>
+  </p:clrMapOvr>
+</p:sld>
+</file>
+
+<file path=ppt/slides/slide22.xml><?xml version="1.0" encoding="utf-8"?>
+<p:sld xmlns:a="http://schemas.openxmlformats.org/drawingml/2006/main" xmlns:r="http://schemas.openxmlformats.org/officeDocument/2006/relationships" xmlns:p="http://schemas.openxmlformats.org/presentationml/2006/main">
+  <p:cSld>
+    <p:spTree>
+      <p:nvGrpSpPr>
+        <p:cNvPr id="1" name=""/>
+        <p:cNvGrpSpPr/>
+        <p:nvPr/>
+      </p:nvGrpSpPr>
+      <p:grpSpPr>
+        <a:xfrm>
+          <a:off x="0" y="0"/>
+          <a:ext cx="0" cy="0"/>
+          <a:chOff x="0" y="0"/>
+          <a:chExt cx="0" cy="0"/>
+        </a:xfrm>
+      </p:grpSpPr>
+      <p:sp>
+        <p:nvSpPr>
+          <p:cNvPr id="2" name="Title 1"/>
+          <p:cNvSpPr>
+            <a:spLocks noGrp="1"/>
+          </p:cNvSpPr>
+          <p:nvPr>
+            <p:ph type="title"/>
+          </p:nvPr>
+        </p:nvSpPr>
+        <p:spPr/>
+        <p:txBody>
+          <a:bodyPr/>
+          <a:lstStyle/>
+          <a:p>
+            <a:r>
+              <a:rPr lang="en-US" dirty="0" smtClean="0"/>
+              <a:t>Trace to error state</a:t>
+            </a:r>
+            <a:endParaRPr lang="en-US" dirty="0"/>
+          </a:p>
+        </p:txBody>
+      </p:sp>
+      <p:sp>
+        <p:nvSpPr>
+          <p:cNvPr id="3" name="Text Placeholder 2"/>
+          <p:cNvSpPr>
+            <a:spLocks noGrp="1"/>
+          </p:cNvSpPr>
+          <p:nvPr>
+            <p:ph type="body" idx="1"/>
+          </p:nvPr>
+        </p:nvSpPr>
+        <p:spPr/>
+        <p:txBody>
+          <a:bodyPr/>
+          <a:lstStyle/>
+          <a:p>
+            <a:r>
+              <a:rPr lang="en-US" dirty="0" smtClean="0"/>
+              <a:t>&lt;input, send&gt;</a:t>
+            </a:r>
+            <a:endParaRPr lang="en-US" dirty="0"/>
+          </a:p>
+        </p:txBody>
+      </p:sp>
+      <p:sp>
+        <p:nvSpPr>
+          <p:cNvPr id="4" name="Slide Number Placeholder 3"/>
+          <p:cNvSpPr>
+            <a:spLocks noGrp="1"/>
+          </p:cNvSpPr>
+          <p:nvPr>
+            <p:ph type="sldNum" idx="12"/>
+          </p:nvPr>
+        </p:nvSpPr>
+        <p:spPr/>
+        <p:txBody>
+          <a:bodyPr/>
+          <a:lstStyle/>
+          <a:p>
+            <a:pPr marL="0" lvl="0" indent="0" algn="r" rtl="0">
+              <a:spcBef>
+                <a:spcPts val="0"/>
+              </a:spcBef>
+              <a:spcAft>
+                <a:spcPts val="0"/>
+              </a:spcAft>
+              <a:buNone/>
+            </a:pPr>
+            <a:fld id="{00000000-1234-1234-1234-123412341234}" type="slidenum">
+              <a:rPr lang="en" smtClean="0"/>
+              <a:t>22</a:t>
+            </a:fld>
+            <a:endParaRPr lang="en"/>
+          </a:p>
+        </p:txBody>
+      </p:sp>
+      <p:pic>
+        <p:nvPicPr>
+          <p:cNvPr id="8" name="Picture 7"/>
+          <p:cNvPicPr>
+            <a:picLocks noChangeAspect="1"/>
+          </p:cNvPicPr>
+          <p:nvPr/>
+        </p:nvPicPr>
+        <p:blipFill>
+          <a:blip r:embed="rId2"/>
+          <a:stretch>
+            <a:fillRect/>
+          </a:stretch>
+        </p:blipFill>
+        <p:spPr>
+          <a:xfrm>
+            <a:off x="875470" y="2873325"/>
+            <a:ext cx="2232853" cy="800169"/>
+          </a:xfrm>
+          <a:prstGeom prst="rect">
+            <a:avLst/>
+          </a:prstGeom>
+        </p:spPr>
+      </p:pic>
+      <p:pic>
+        <p:nvPicPr>
+          <p:cNvPr id="9" name="Picture 8"/>
+          <p:cNvPicPr>
+            <a:picLocks noChangeAspect="1"/>
+          </p:cNvPicPr>
+          <p:nvPr/>
+        </p:nvPicPr>
+        <p:blipFill>
+          <a:blip r:embed="rId3"/>
+          <a:stretch>
+            <a:fillRect/>
+          </a:stretch>
+        </p:blipFill>
+        <p:spPr>
+          <a:xfrm>
+            <a:off x="958197" y="1928074"/>
+            <a:ext cx="2088061" cy="800169"/>
+          </a:xfrm>
+          <a:prstGeom prst="rect">
+            <a:avLst/>
+          </a:prstGeom>
+        </p:spPr>
+      </p:pic>
+      <p:pic>
+        <p:nvPicPr>
+          <p:cNvPr id="10" name="Picture 9"/>
+          <p:cNvPicPr>
+            <a:picLocks noChangeAspect="1"/>
+          </p:cNvPicPr>
+          <p:nvPr/>
+        </p:nvPicPr>
+        <p:blipFill>
+          <a:blip r:embed="rId4"/>
+          <a:stretch>
+            <a:fillRect/>
+          </a:stretch>
+        </p:blipFill>
+        <p:spPr>
+          <a:xfrm>
+            <a:off x="3748300" y="2873325"/>
+            <a:ext cx="3566469" cy="1135478"/>
+          </a:xfrm>
+          <a:prstGeom prst="rect">
+            <a:avLst/>
+          </a:prstGeom>
+        </p:spPr>
+      </p:pic>
+      <p:pic>
+        <p:nvPicPr>
+          <p:cNvPr id="11" name="Picture 10"/>
+          <p:cNvPicPr>
+            <a:picLocks noChangeAspect="1"/>
+          </p:cNvPicPr>
+          <p:nvPr/>
+        </p:nvPicPr>
+        <p:blipFill>
+          <a:blip r:embed="rId5"/>
+          <a:stretch>
+            <a:fillRect/>
+          </a:stretch>
+        </p:blipFill>
+        <p:spPr>
+          <a:xfrm>
+            <a:off x="3748300" y="1946026"/>
+            <a:ext cx="1539373" cy="792549"/>
+          </a:xfrm>
+          <a:prstGeom prst="rect">
+            <a:avLst/>
+          </a:prstGeom>
+        </p:spPr>
+      </p:pic>
+    </p:spTree>
+    <p:extLst>
+      <p:ext uri="{BB962C8B-B14F-4D97-AF65-F5344CB8AC3E}">
+        <p14:creationId xmlns:p14="http://schemas.microsoft.com/office/powerpoint/2010/main" val="2846292250"/>
+      </p:ext>
+    </p:extLst>
+  </p:cSld>
+  <p:clrMapOvr>
+    <a:masterClrMapping/>
+  </p:clrMapOvr>
+</p:sld>
+</file>
+
+<file path=ppt/slides/slide23.xml><?xml version="1.0" encoding="utf-8"?>
+<p:sld xmlns:a="http://schemas.openxmlformats.org/drawingml/2006/main" xmlns:r="http://schemas.openxmlformats.org/officeDocument/2006/relationships" xmlns:p="http://schemas.openxmlformats.org/presentationml/2006/main">
+  <p:cSld>
+    <p:spTree>
+      <p:nvGrpSpPr>
+        <p:cNvPr id="1" name=""/>
+        <p:cNvGrpSpPr/>
+        <p:nvPr/>
+      </p:nvGrpSpPr>
+      <p:grpSpPr>
+        <a:xfrm>
+          <a:off x="0" y="0"/>
+          <a:ext cx="0" cy="0"/>
+          <a:chOff x="0" y="0"/>
+          <a:chExt cx="0" cy="0"/>
+        </a:xfrm>
+      </p:grpSpPr>
+      <p:sp>
+        <p:nvSpPr>
+          <p:cNvPr id="2" name="Title 1"/>
+          <p:cNvSpPr>
+            <a:spLocks noGrp="1"/>
+          </p:cNvSpPr>
+          <p:nvPr>
+            <p:ph type="title"/>
+          </p:nvPr>
+        </p:nvSpPr>
+        <p:spPr/>
+        <p:txBody>
+          <a:bodyPr/>
+          <a:lstStyle/>
+          <a:p>
+            <a:r>
+              <a:rPr lang="en-US" dirty="0" smtClean="0"/>
+              <a:t>Trace to error state</a:t>
+            </a:r>
+            <a:endParaRPr lang="en-US" dirty="0"/>
+          </a:p>
+        </p:txBody>
+      </p:sp>
+      <p:sp>
+        <p:nvSpPr>
+          <p:cNvPr id="3" name="Text Placeholder 2"/>
+          <p:cNvSpPr>
+            <a:spLocks noGrp="1"/>
+          </p:cNvSpPr>
+          <p:nvPr>
+            <p:ph type="body" idx="1"/>
+          </p:nvPr>
+        </p:nvSpPr>
+        <p:spPr/>
+        <p:txBody>
+          <a:bodyPr/>
+          <a:lstStyle/>
+          <a:p>
+            <a:r>
+              <a:rPr lang="en-US" dirty="0" smtClean="0"/>
+              <a:t>&lt;input, send, </a:t>
+            </a:r>
+            <a:r>
+              <a:rPr lang="en-US" dirty="0" err="1" smtClean="0"/>
+              <a:t>getack</a:t>
+            </a:r>
+            <a:r>
+              <a:rPr lang="en-US" dirty="0" smtClean="0"/>
+              <a:t>&gt;</a:t>
+            </a:r>
+            <a:endParaRPr lang="en-US" dirty="0"/>
+          </a:p>
+        </p:txBody>
+      </p:sp>
+      <p:sp>
+        <p:nvSpPr>
+          <p:cNvPr id="4" name="Slide Number Placeholder 3"/>
+          <p:cNvSpPr>
+            <a:spLocks noGrp="1"/>
+          </p:cNvSpPr>
+          <p:nvPr>
+            <p:ph type="sldNum" idx="12"/>
+          </p:nvPr>
+        </p:nvSpPr>
+        <p:spPr/>
+        <p:txBody>
+          <a:bodyPr/>
+          <a:lstStyle/>
+          <a:p>
+            <a:pPr marL="0" lvl="0" indent="0" algn="r" rtl="0">
+              <a:spcBef>
+                <a:spcPts val="0"/>
+              </a:spcBef>
+              <a:spcAft>
+                <a:spcPts val="0"/>
+              </a:spcAft>
+              <a:buNone/>
+            </a:pPr>
+            <a:fld id="{00000000-1234-1234-1234-123412341234}" type="slidenum">
+              <a:rPr lang="en" smtClean="0"/>
+              <a:t>23</a:t>
+            </a:fld>
+            <a:endParaRPr lang="en"/>
+          </a:p>
+        </p:txBody>
+      </p:sp>
+      <p:pic>
+        <p:nvPicPr>
+          <p:cNvPr id="8" name="Picture 7"/>
+          <p:cNvPicPr>
+            <a:picLocks noChangeAspect="1"/>
+          </p:cNvPicPr>
+          <p:nvPr/>
+        </p:nvPicPr>
+        <p:blipFill>
+          <a:blip r:embed="rId2"/>
+          <a:stretch>
+            <a:fillRect/>
+          </a:stretch>
+        </p:blipFill>
+        <p:spPr>
+          <a:xfrm>
+            <a:off x="875470" y="2873325"/>
+            <a:ext cx="2232853" cy="800169"/>
+          </a:xfrm>
+          <a:prstGeom prst="rect">
+            <a:avLst/>
+          </a:prstGeom>
+        </p:spPr>
+      </p:pic>
+      <p:pic>
+        <p:nvPicPr>
+          <p:cNvPr id="5" name="Picture 4"/>
+          <p:cNvPicPr>
+            <a:picLocks noChangeAspect="1"/>
+          </p:cNvPicPr>
+          <p:nvPr/>
+        </p:nvPicPr>
+        <p:blipFill>
+          <a:blip r:embed="rId3"/>
+          <a:stretch>
+            <a:fillRect/>
+          </a:stretch>
+        </p:blipFill>
+        <p:spPr>
+          <a:xfrm>
+            <a:off x="951676" y="1925362"/>
+            <a:ext cx="2080440" cy="792549"/>
+          </a:xfrm>
+          <a:prstGeom prst="rect">
+            <a:avLst/>
+          </a:prstGeom>
+        </p:spPr>
+      </p:pic>
+      <p:pic>
+        <p:nvPicPr>
+          <p:cNvPr id="6" name="Picture 5"/>
+          <p:cNvPicPr>
+            <a:picLocks noChangeAspect="1"/>
+          </p:cNvPicPr>
+          <p:nvPr/>
+        </p:nvPicPr>
+        <p:blipFill>
+          <a:blip r:embed="rId4"/>
+          <a:stretch>
+            <a:fillRect/>
+          </a:stretch>
+        </p:blipFill>
+        <p:spPr>
+          <a:xfrm>
+            <a:off x="3748300" y="2873325"/>
+            <a:ext cx="3581710" cy="1143099"/>
+          </a:xfrm>
+          <a:prstGeom prst="rect">
+            <a:avLst/>
+          </a:prstGeom>
+        </p:spPr>
+      </p:pic>
+      <p:pic>
+        <p:nvPicPr>
+          <p:cNvPr id="12" name="Picture 11"/>
+          <p:cNvPicPr>
+            <a:picLocks noChangeAspect="1"/>
+          </p:cNvPicPr>
+          <p:nvPr/>
+        </p:nvPicPr>
+        <p:blipFill>
+          <a:blip r:embed="rId5"/>
+          <a:stretch>
+            <a:fillRect/>
+          </a:stretch>
+        </p:blipFill>
+        <p:spPr>
+          <a:xfrm>
+            <a:off x="3748300" y="1946026"/>
+            <a:ext cx="1539373" cy="792549"/>
+          </a:xfrm>
+          <a:prstGeom prst="rect">
+            <a:avLst/>
+          </a:prstGeom>
+        </p:spPr>
+      </p:pic>
+    </p:spTree>
+    <p:extLst>
+      <p:ext uri="{BB962C8B-B14F-4D97-AF65-F5344CB8AC3E}">
+        <p14:creationId xmlns:p14="http://schemas.microsoft.com/office/powerpoint/2010/main" val="2635338254"/>
+      </p:ext>
+    </p:extLst>
+  </p:cSld>
+  <p:clrMapOvr>
+    <a:masterClrMapping/>
+  </p:clrMapOvr>
+</p:sld>
+</file>
+
+<file path=ppt/slides/slide24.xml><?xml version="1.0" encoding="utf-8"?>
+<p:sld xmlns:a="http://schemas.openxmlformats.org/drawingml/2006/main" xmlns:r="http://schemas.openxmlformats.org/officeDocument/2006/relationships" xmlns:p="http://schemas.openxmlformats.org/presentationml/2006/main">
+  <p:cSld>
+    <p:spTree>
+      <p:nvGrpSpPr>
+        <p:cNvPr id="1" name=""/>
+        <p:cNvGrpSpPr/>
+        <p:nvPr/>
+      </p:nvGrpSpPr>
+      <p:grpSpPr>
+        <a:xfrm>
+          <a:off x="0" y="0"/>
+          <a:ext cx="0" cy="0"/>
+          <a:chOff x="0" y="0"/>
+          <a:chExt cx="0" cy="0"/>
+        </a:xfrm>
+      </p:grpSpPr>
+      <p:sp>
+        <p:nvSpPr>
+          <p:cNvPr id="2" name="Title 1"/>
+          <p:cNvSpPr>
+            <a:spLocks noGrp="1"/>
+          </p:cNvSpPr>
+          <p:nvPr>
+            <p:ph type="title"/>
+          </p:nvPr>
+        </p:nvSpPr>
+        <p:spPr/>
+        <p:txBody>
+          <a:bodyPr/>
+          <a:lstStyle/>
+          <a:p>
+            <a:r>
+              <a:rPr lang="en-US" dirty="0" smtClean="0"/>
+              <a:t>Trace to error state</a:t>
+            </a:r>
+            <a:endParaRPr lang="en-US" dirty="0"/>
+          </a:p>
+        </p:txBody>
+      </p:sp>
+      <p:sp>
+        <p:nvSpPr>
+          <p:cNvPr id="3" name="Text Placeholder 2"/>
+          <p:cNvSpPr>
+            <a:spLocks noGrp="1"/>
+          </p:cNvSpPr>
+          <p:nvPr>
+            <p:ph type="body" idx="1"/>
+          </p:nvPr>
+        </p:nvSpPr>
+        <p:spPr/>
+        <p:txBody>
+          <a:bodyPr/>
+          <a:lstStyle/>
+          <a:p>
+            <a:r>
+              <a:rPr lang="en-US" dirty="0" smtClean="0"/>
+              <a:t>&lt;input, send, </a:t>
+            </a:r>
+            <a:r>
+              <a:rPr lang="en-US" dirty="0" err="1" smtClean="0"/>
+              <a:t>getack</a:t>
+            </a:r>
+            <a:r>
+              <a:rPr lang="en-US" dirty="0" smtClean="0"/>
+              <a:t>, input&gt; </a:t>
+            </a:r>
+            <a:r>
+              <a:rPr lang="en-US" b="1" dirty="0" smtClean="0">
+                <a:solidFill>
+                  <a:srgbClr val="FF0000"/>
+                </a:solidFill>
+              </a:rPr>
+              <a:t>ERROR STATE!</a:t>
+            </a:r>
+            <a:endParaRPr lang="en-US" dirty="0">
+              <a:solidFill>
+                <a:srgbClr val="FF0000"/>
+              </a:solidFill>
+            </a:endParaRPr>
+          </a:p>
+        </p:txBody>
+      </p:sp>
+      <p:sp>
+        <p:nvSpPr>
+          <p:cNvPr id="4" name="Slide Number Placeholder 3"/>
+          <p:cNvSpPr>
+            <a:spLocks noGrp="1"/>
+          </p:cNvSpPr>
+          <p:nvPr>
+            <p:ph type="sldNum" idx="12"/>
+          </p:nvPr>
+        </p:nvSpPr>
+        <p:spPr/>
+        <p:txBody>
+          <a:bodyPr/>
+          <a:lstStyle/>
+          <a:p>
+            <a:pPr marL="0" lvl="0" indent="0" algn="r" rtl="0">
+              <a:spcBef>
+                <a:spcPts val="0"/>
+              </a:spcBef>
+              <a:spcAft>
+                <a:spcPts val="0"/>
+              </a:spcAft>
+              <a:buNone/>
+            </a:pPr>
+            <a:fld id="{00000000-1234-1234-1234-123412341234}" type="slidenum">
+              <a:rPr lang="en" smtClean="0"/>
+              <a:t>24</a:t>
+            </a:fld>
+            <a:endParaRPr lang="en"/>
+          </a:p>
+        </p:txBody>
+      </p:sp>
+      <p:pic>
+        <p:nvPicPr>
+          <p:cNvPr id="8" name="Picture 7"/>
+          <p:cNvPicPr>
+            <a:picLocks noChangeAspect="1"/>
+          </p:cNvPicPr>
+          <p:nvPr/>
+        </p:nvPicPr>
+        <p:blipFill>
+          <a:blip r:embed="rId2"/>
+          <a:stretch>
+            <a:fillRect/>
+          </a:stretch>
+        </p:blipFill>
+        <p:spPr>
+          <a:xfrm>
+            <a:off x="875470" y="2873325"/>
+            <a:ext cx="2232853" cy="800169"/>
+          </a:xfrm>
+          <a:prstGeom prst="rect">
+            <a:avLst/>
+          </a:prstGeom>
+        </p:spPr>
+      </p:pic>
+      <p:pic>
+        <p:nvPicPr>
+          <p:cNvPr id="9" name="Picture 8"/>
+          <p:cNvPicPr>
+            <a:picLocks noChangeAspect="1"/>
+          </p:cNvPicPr>
+          <p:nvPr/>
+        </p:nvPicPr>
+        <p:blipFill>
+          <a:blip r:embed="rId3"/>
+          <a:stretch>
+            <a:fillRect/>
+          </a:stretch>
+        </p:blipFill>
+        <p:spPr>
+          <a:xfrm>
+            <a:off x="3748300" y="1940604"/>
+            <a:ext cx="1539373" cy="777307"/>
+          </a:xfrm>
+          <a:prstGeom prst="rect">
+            <a:avLst/>
+          </a:prstGeom>
+        </p:spPr>
+      </p:pic>
+      <p:pic>
+        <p:nvPicPr>
+          <p:cNvPr id="10" name="Picture 9"/>
+          <p:cNvPicPr>
+            <a:picLocks noChangeAspect="1"/>
+          </p:cNvPicPr>
+          <p:nvPr/>
+        </p:nvPicPr>
+        <p:blipFill>
+          <a:blip r:embed="rId4"/>
+          <a:stretch>
+            <a:fillRect/>
+          </a:stretch>
+        </p:blipFill>
+        <p:spPr>
+          <a:xfrm>
+            <a:off x="3748300" y="2873325"/>
+            <a:ext cx="3589331" cy="1150720"/>
+          </a:xfrm>
+          <a:prstGeom prst="rect">
+            <a:avLst/>
+          </a:prstGeom>
+        </p:spPr>
+      </p:pic>
+      <p:pic>
+        <p:nvPicPr>
+          <p:cNvPr id="11" name="Picture 10"/>
+          <p:cNvPicPr>
+            <a:picLocks noChangeAspect="1"/>
+          </p:cNvPicPr>
+          <p:nvPr/>
+        </p:nvPicPr>
+        <p:blipFill>
+          <a:blip r:embed="rId5"/>
+          <a:stretch>
+            <a:fillRect/>
+          </a:stretch>
+        </p:blipFill>
+        <p:spPr>
+          <a:xfrm>
+            <a:off x="951677" y="1938406"/>
+            <a:ext cx="2080440" cy="800169"/>
+          </a:xfrm>
+          <a:prstGeom prst="rect">
+            <a:avLst/>
+          </a:prstGeom>
+        </p:spPr>
+      </p:pic>
+    </p:spTree>
+    <p:extLst>
+      <p:ext uri="{BB962C8B-B14F-4D97-AF65-F5344CB8AC3E}">
+        <p14:creationId xmlns:p14="http://schemas.microsoft.com/office/powerpoint/2010/main" val="2792576051"/>
+      </p:ext>
+    </p:extLst>
+  </p:cSld>
+  <p:clrMapOvr>
+    <a:masterClrMapping/>
+  </p:clrMapOvr>
+</p:sld>
+</file>
+
+<file path=ppt/slides/slide25.xml><?xml version="1.0" encoding="utf-8"?>
+<p:sld xmlns:a="http://schemas.openxmlformats.org/drawingml/2006/main" xmlns:r="http://schemas.openxmlformats.org/officeDocument/2006/relationships" xmlns:p="http://schemas.openxmlformats.org/presentationml/2006/main">
+  <p:cSld>
+    <p:spTree>
+      <p:nvGrpSpPr>
+        <p:cNvPr id="1" name=""/>
+        <p:cNvGrpSpPr/>
+        <p:nvPr/>
+      </p:nvGrpSpPr>
+      <p:grpSpPr>
+        <a:xfrm>
+          <a:off x="0" y="0"/>
+          <a:ext cx="0" cy="0"/>
+          <a:chOff x="0" y="0"/>
+          <a:chExt cx="0" cy="0"/>
+        </a:xfrm>
+      </p:grpSpPr>
+      <p:sp>
+        <p:nvSpPr>
+          <p:cNvPr id="2" name="Title 1">
+            <a:extLst>
+              <a:ext uri="{FF2B5EF4-FFF2-40B4-BE49-F238E27FC236}">
+                <a16:creationId xmlns:a16="http://schemas.microsoft.com/office/drawing/2014/main" id="{B795B8F2-CF3C-426B-AD77-C6898C5BF127}"/>
+              </a:ext>
+            </a:extLst>
+          </p:cNvPr>
+          <p:cNvSpPr>
+            <a:spLocks noGrp="1"/>
+          </p:cNvSpPr>
+          <p:nvPr>
+            <p:ph type="title"/>
+          </p:nvPr>
+        </p:nvSpPr>
+        <p:spPr/>
+        <p:txBody>
+          <a:bodyPr/>
+          <a:lstStyle/>
+          <a:p>
+            <a:r>
+              <a:rPr lang="en-US" altLang="zh-CN" dirty="0"/>
+              <a:t>Representation of Uncertainty</a:t>
+            </a:r>
+            <a:endParaRPr lang="zh-CN" altLang="en-US" dirty="0"/>
+          </a:p>
+        </p:txBody>
+      </p:sp>
+      <p:sp>
+        <p:nvSpPr>
+          <p:cNvPr id="3" name="Text Placeholder 2">
+            <a:extLst>
+              <a:ext uri="{FF2B5EF4-FFF2-40B4-BE49-F238E27FC236}">
+                <a16:creationId xmlns:a16="http://schemas.microsoft.com/office/drawing/2014/main" id="{C0710122-E6DE-435F-AD45-4E3E886DE737}"/>
+              </a:ext>
+            </a:extLst>
+          </p:cNvPr>
+          <p:cNvSpPr>
+            <a:spLocks noGrp="1"/>
+          </p:cNvSpPr>
+          <p:nvPr>
+            <p:ph type="body" idx="1"/>
+          </p:nvPr>
+        </p:nvSpPr>
+        <p:spPr>
+          <a:xfrm>
+            <a:off x="311700" y="1152474"/>
+            <a:ext cx="5961428" cy="3419525"/>
+          </a:xfrm>
+        </p:spPr>
+        <p:txBody>
+          <a:bodyPr/>
+          <a:lstStyle/>
+          <a:p>
+            <a:pPr>
+              <a:spcAft>
+                <a:spcPts val="800"/>
+              </a:spcAft>
+            </a:pPr>
+            <a:r>
+              <a:rPr lang="en-US" altLang="zh-CN" dirty="0" smtClean="0"/>
+              <a:t>A system makes </a:t>
+            </a:r>
+            <a:r>
+              <a:rPr lang="en-US" altLang="zh-CN" i="1" dirty="0" smtClean="0"/>
+              <a:t>assumptions</a:t>
+            </a:r>
+            <a:r>
+              <a:rPr lang="en-US" altLang="zh-CN" dirty="0" smtClean="0"/>
+              <a:t> about the environment to ensure “correct” function.</a:t>
+            </a:r>
+          </a:p>
+          <a:p>
+            <a:pPr>
+              <a:spcAft>
+                <a:spcPts val="800"/>
+              </a:spcAft>
+            </a:pPr>
+            <a:r>
+              <a:rPr lang="en-US" altLang="zh-CN" i="1" dirty="0" smtClean="0"/>
+              <a:t>Uncertainty</a:t>
+            </a:r>
+            <a:r>
+              <a:rPr lang="en-US" altLang="zh-CN" dirty="0" smtClean="0"/>
+              <a:t> </a:t>
+            </a:r>
+            <a:r>
+              <a:rPr lang="en-US" altLang="zh-CN" dirty="0" smtClean="0"/>
+              <a:t>is the additional unexpected behavior in the actual environment in the form of nondeterminism.</a:t>
+            </a:r>
+            <a:endParaRPr lang="zh-CN" altLang="en-US" dirty="0"/>
+          </a:p>
+        </p:txBody>
+      </p:sp>
+      <p:sp>
+        <p:nvSpPr>
+          <p:cNvPr id="4" name="Slide Number Placeholder 3">
+            <a:extLst>
+              <a:ext uri="{FF2B5EF4-FFF2-40B4-BE49-F238E27FC236}">
+                <a16:creationId xmlns:a16="http://schemas.microsoft.com/office/drawing/2014/main" id="{A5CAA7FB-4A3B-4694-85E1-3D6C964AC031}"/>
+              </a:ext>
+            </a:extLst>
+          </p:cNvPr>
+          <p:cNvSpPr>
+            <a:spLocks noGrp="1"/>
+          </p:cNvSpPr>
+          <p:nvPr>
+            <p:ph type="sldNum" idx="12"/>
+          </p:nvPr>
+        </p:nvSpPr>
+        <p:spPr/>
+        <p:txBody>
+          <a:bodyPr/>
+          <a:lstStyle/>
+          <a:p>
+            <a:pPr marL="0" lvl="0" indent="0" algn="r" rtl="0">
+              <a:spcBef>
+                <a:spcPts val="0"/>
+              </a:spcBef>
+              <a:spcAft>
+                <a:spcPts val="0"/>
+              </a:spcAft>
+              <a:buNone/>
+            </a:pPr>
+            <a:fld id="{00000000-1234-1234-1234-123412341234}" type="slidenum">
+              <a:rPr lang="en" smtClean="0"/>
+              <a:t>25</a:t>
+            </a:fld>
+            <a:endParaRPr lang="en"/>
+          </a:p>
+        </p:txBody>
+      </p:sp>
+      <p:pic>
+        <p:nvPicPr>
+          <p:cNvPr id="5" name="Picture 4">
+            <a:extLst>
+              <a:ext uri="{FF2B5EF4-FFF2-40B4-BE49-F238E27FC236}">
+                <a16:creationId xmlns:a16="http://schemas.microsoft.com/office/drawing/2014/main" id="{102BBE3F-5DB3-4E66-97F1-7DA5348D0D0B}"/>
+              </a:ext>
+            </a:extLst>
+          </p:cNvPr>
+          <p:cNvPicPr>
+            <a:picLocks noChangeAspect="1"/>
+          </p:cNvPicPr>
+          <p:nvPr/>
+        </p:nvPicPr>
+        <p:blipFill>
+          <a:blip r:embed="rId3"/>
+          <a:stretch>
+            <a:fillRect/>
+          </a:stretch>
+        </p:blipFill>
+        <p:spPr>
+          <a:xfrm>
+            <a:off x="6273128" y="1201494"/>
+            <a:ext cx="2467672" cy="933713"/>
+          </a:xfrm>
+          <a:prstGeom prst="rect">
+            <a:avLst/>
+          </a:prstGeom>
+        </p:spPr>
+      </p:pic>
+      <p:pic>
+        <p:nvPicPr>
+          <p:cNvPr id="10" name="Picture 9"/>
+          <p:cNvPicPr>
+            <a:picLocks noChangeAspect="1"/>
+          </p:cNvPicPr>
+          <p:nvPr/>
+        </p:nvPicPr>
+        <p:blipFill>
+          <a:blip r:embed="rId4"/>
+          <a:stretch>
+            <a:fillRect/>
+          </a:stretch>
+        </p:blipFill>
+        <p:spPr>
+          <a:xfrm>
+            <a:off x="6273128" y="2287495"/>
+            <a:ext cx="2748030" cy="863501"/>
+          </a:xfrm>
+          <a:prstGeom prst="rect">
+            <a:avLst/>
+          </a:prstGeom>
+        </p:spPr>
+      </p:pic>
+      <p:pic>
+        <p:nvPicPr>
+          <p:cNvPr id="11" name="Picture 10"/>
+          <p:cNvPicPr>
+            <a:picLocks noChangeAspect="1"/>
+          </p:cNvPicPr>
+          <p:nvPr/>
+        </p:nvPicPr>
+        <p:blipFill>
+          <a:blip r:embed="rId5"/>
+          <a:stretch>
+            <a:fillRect/>
+          </a:stretch>
+        </p:blipFill>
+        <p:spPr>
+          <a:xfrm>
+            <a:off x="6273128" y="3303284"/>
+            <a:ext cx="2748030" cy="881003"/>
+          </a:xfrm>
+          <a:prstGeom prst="rect">
+            <a:avLst/>
+          </a:prstGeom>
+        </p:spPr>
+      </p:pic>
+    </p:spTree>
+    <p:extLst>
+      <p:ext uri="{BB962C8B-B14F-4D97-AF65-F5344CB8AC3E}">
+        <p14:creationId xmlns:p14="http://schemas.microsoft.com/office/powerpoint/2010/main" val="3579262732"/>
+      </p:ext>
+    </p:extLst>
+  </p:cSld>
+  <p:clrMapOvr>
+    <a:masterClrMapping/>
+  </p:clrMapOvr>
+  <p:timing>
+    <p:tnLst>
+      <p:par>
+        <p:cTn id="1" dur="indefinite" restart="never" nodeType="tmRoot"/>
+      </p:par>
+    </p:tnLst>
+  </p:timing>
+</p:sld>
+</file>
+
+<file path=ppt/slides/slide26.xml><?xml version="1.0" encoding="utf-8"?>
+<p:sld xmlns:a="http://schemas.openxmlformats.org/drawingml/2006/main" xmlns:r="http://schemas.openxmlformats.org/officeDocument/2006/relationships" xmlns:p="http://schemas.openxmlformats.org/presentationml/2006/main" show="0">
+  <p:cSld>
+    <p:spTree>
+      <p:nvGrpSpPr>
+        <p:cNvPr id="1" name=""/>
+        <p:cNvGrpSpPr/>
+        <p:nvPr/>
+      </p:nvGrpSpPr>
+      <p:grpSpPr>
+        <a:xfrm>
+          <a:off x="0" y="0"/>
+          <a:ext cx="0" cy="0"/>
+          <a:chOff x="0" y="0"/>
+          <a:chExt cx="0" cy="0"/>
+        </a:xfrm>
+      </p:grpSpPr>
+      <p:sp>
+        <p:nvSpPr>
           <p:cNvPr id="2" name="Title 1">
             <a:extLst>
               <a:ext uri="{FF2B5EF4-FFF2-40B4-BE49-F238E27FC236}">
@@ -8783,7 +11485,7 @@
             </a:pPr>
             <a:fld id="{00000000-1234-1234-1234-123412341234}" type="slidenum">
               <a:rPr lang="en" smtClean="0"/>
-              <a:t>14</a:t>
+              <a:t>26</a:t>
             </a:fld>
             <a:endParaRPr lang="en"/>
           </a:p>
@@ -8905,6 +11607,14 @@
   <p:clrMapOvr>
     <a:masterClrMapping/>
   </p:clrMapOvr>
+  <mc:AlternateContent xmlns:mc="http://schemas.openxmlformats.org/markup-compatibility/2006">
+    <mc:Choice xmlns:p14="http://schemas.microsoft.com/office/powerpoint/2010/main" Requires="p14">
+      <p:transition spd="slow" p14:dur="2000"/>
+    </mc:Choice>
+    <mc:Fallback>
+      <p:transition spd="slow"/>
+    </mc:Fallback>
+  </mc:AlternateContent>
   <p:timing>
     <p:tnLst>
       <p:par>
@@ -8915,7 +11625,7 @@
 </p:sld>
 </file>
 
-<file path=ppt/slides/slide15.xml><?xml version="1.0" encoding="utf-8"?>
+<file path=ppt/slides/slide27.xml><?xml version="1.0" encoding="utf-8"?>
 <p:sld xmlns:a="http://schemas.openxmlformats.org/drawingml/2006/main" xmlns:r="http://schemas.openxmlformats.org/officeDocument/2006/relationships" xmlns:p="http://schemas.openxmlformats.org/presentationml/2006/main">
   <p:cSld>
     <p:spTree>
@@ -8980,7 +11690,7 @@
             </a:pPr>
             <a:fld id="{00000000-1234-1234-1234-123412341234}" type="slidenum">
               <a:rPr lang="en" smtClean="0"/>
-              <a:t>15</a:t>
+              <a:t>27</a:t>
             </a:fld>
             <a:endParaRPr lang="en"/>
           </a:p>
@@ -9006,7 +11716,7 @@
 </p:sld>
 </file>
 
-<file path=ppt/slides/slide16.xml><?xml version="1.0" encoding="utf-8"?>
+<file path=ppt/slides/slide28.xml><?xml version="1.0" encoding="utf-8"?>
 <p:sld xmlns:a="http://schemas.openxmlformats.org/drawingml/2006/main" xmlns:r="http://schemas.openxmlformats.org/officeDocument/2006/relationships" xmlns:p="http://schemas.openxmlformats.org/presentationml/2006/main">
   <p:cSld>
     <p:spTree>
@@ -9145,7 +11855,7 @@
             </a:pPr>
             <a:fld id="{00000000-1234-1234-1234-123412341234}" type="slidenum">
               <a:rPr lang="en" smtClean="0"/>
-              <a:t>16</a:t>
+              <a:t>28</a:t>
             </a:fld>
             <a:endParaRPr lang="en"/>
           </a:p>
@@ -9201,7 +11911,7 @@
 </p:sld>
 </file>
 
-<file path=ppt/slides/slide17.xml><?xml version="1.0" encoding="utf-8"?>
+<file path=ppt/slides/slide29.xml><?xml version="1.0" encoding="utf-8"?>
 <p:sld xmlns:a="http://schemas.openxmlformats.org/drawingml/2006/main" xmlns:r="http://schemas.openxmlformats.org/officeDocument/2006/relationships" xmlns:p="http://schemas.openxmlformats.org/presentationml/2006/main">
   <p:cSld>
     <p:spTree>
@@ -9309,7 +12019,7 @@
             </a:pPr>
             <a:fld id="{00000000-1234-1234-1234-123412341234}" type="slidenum">
               <a:rPr lang="en" smtClean="0"/>
-              <a:t>17</a:t>
+              <a:t>29</a:t>
             </a:fld>
             <a:endParaRPr lang="en"/>
           </a:p>
@@ -9389,7 +12099,7 @@
 </p:sld>
 </file>
 
-<file path=ppt/slides/slide18.xml><?xml version="1.0" encoding="utf-8"?>
+<file path=ppt/slides/slide3.xml><?xml version="1.0" encoding="utf-8"?>
 <p:sld xmlns:a="http://schemas.openxmlformats.org/drawingml/2006/main" xmlns:r="http://schemas.openxmlformats.org/officeDocument/2006/relationships" xmlns:p="http://schemas.openxmlformats.org/presentationml/2006/main">
   <p:cSld>
     <p:spTree>
@@ -9423,6 +12133,97 @@
           <a:p>
             <a:r>
               <a:rPr lang="en-US" dirty="0"/>
+              <a:t>Research Problem</a:t>
+            </a:r>
+          </a:p>
+        </p:txBody>
+      </p:sp>
+      <p:sp>
+        <p:nvSpPr>
+          <p:cNvPr id="3" name="Slide Number Placeholder 2"/>
+          <p:cNvSpPr>
+            <a:spLocks noGrp="1"/>
+          </p:cNvSpPr>
+          <p:nvPr>
+            <p:ph type="sldNum" idx="12"/>
+          </p:nvPr>
+        </p:nvSpPr>
+        <p:spPr/>
+        <p:txBody>
+          <a:bodyPr/>
+          <a:lstStyle/>
+          <a:p>
+            <a:pPr marL="0" lvl="0" indent="0" algn="r" rtl="0">
+              <a:spcBef>
+                <a:spcPts val="0"/>
+              </a:spcBef>
+              <a:spcAft>
+                <a:spcPts val="0"/>
+              </a:spcAft>
+              <a:buNone/>
+            </a:pPr>
+            <a:fld id="{00000000-1234-1234-1234-123412341234}" type="slidenum">
+              <a:rPr lang="en" smtClean="0"/>
+              <a:t>3</a:t>
+            </a:fld>
+            <a:endParaRPr lang="en"/>
+          </a:p>
+        </p:txBody>
+      </p:sp>
+    </p:spTree>
+    <p:extLst>
+      <p:ext uri="{BB962C8B-B14F-4D97-AF65-F5344CB8AC3E}">
+        <p14:creationId xmlns:p14="http://schemas.microsoft.com/office/powerpoint/2010/main" val="4062075277"/>
+      </p:ext>
+    </p:extLst>
+  </p:cSld>
+  <p:clrMapOvr>
+    <a:masterClrMapping/>
+  </p:clrMapOvr>
+  <p:timing>
+    <p:tnLst>
+      <p:par>
+        <p:cTn id="1" dur="indefinite" restart="never" nodeType="tmRoot"/>
+      </p:par>
+    </p:tnLst>
+  </p:timing>
+</p:sld>
+</file>
+
+<file path=ppt/slides/slide30.xml><?xml version="1.0" encoding="utf-8"?>
+<p:sld xmlns:a="http://schemas.openxmlformats.org/drawingml/2006/main" xmlns:r="http://schemas.openxmlformats.org/officeDocument/2006/relationships" xmlns:p="http://schemas.openxmlformats.org/presentationml/2006/main">
+  <p:cSld>
+    <p:spTree>
+      <p:nvGrpSpPr>
+        <p:cNvPr id="1" name=""/>
+        <p:cNvGrpSpPr/>
+        <p:nvPr/>
+      </p:nvGrpSpPr>
+      <p:grpSpPr>
+        <a:xfrm>
+          <a:off x="0" y="0"/>
+          <a:ext cx="0" cy="0"/>
+          <a:chOff x="0" y="0"/>
+          <a:chExt cx="0" cy="0"/>
+        </a:xfrm>
+      </p:grpSpPr>
+      <p:sp>
+        <p:nvSpPr>
+          <p:cNvPr id="2" name="Title 1"/>
+          <p:cNvSpPr>
+            <a:spLocks noGrp="1"/>
+          </p:cNvSpPr>
+          <p:nvPr>
+            <p:ph type="title"/>
+          </p:nvPr>
+        </p:nvSpPr>
+        <p:spPr/>
+        <p:txBody>
+          <a:bodyPr/>
+          <a:lstStyle/>
+          <a:p>
+            <a:r>
+              <a:rPr lang="en-US" dirty="0"/>
               <a:t>Generating the weakest assumption</a:t>
             </a:r>
           </a:p>
@@ -9495,7 +12296,7 @@
             </a:pPr>
             <a:fld id="{00000000-1234-1234-1234-123412341234}" type="slidenum">
               <a:rPr lang="en" smtClean="0"/>
-              <a:t>18</a:t>
+              <a:t>30</a:t>
             </a:fld>
             <a:endParaRPr lang="en"/>
           </a:p>
@@ -9750,7 +12551,7 @@
 </p:sld>
 </file>
 
-<file path=ppt/slides/slide19.xml><?xml version="1.0" encoding="utf-8"?>
+<file path=ppt/slides/slide31.xml><?xml version="1.0" encoding="utf-8"?>
 <p:sld xmlns:a="http://schemas.openxmlformats.org/drawingml/2006/main" xmlns:r="http://schemas.openxmlformats.org/officeDocument/2006/relationships" xmlns:p="http://schemas.openxmlformats.org/presentationml/2006/main">
   <p:cSld>
     <p:spTree>
@@ -9896,7 +12697,7 @@
             </a:pPr>
             <a:fld id="{00000000-1234-1234-1234-123412341234}" type="slidenum">
               <a:rPr lang="en" smtClean="0"/>
-              <a:t>19</a:t>
+              <a:t>31</a:t>
             </a:fld>
             <a:endParaRPr lang="en"/>
           </a:p>
@@ -9956,7 +12757,7 @@
 </p:sld>
 </file>
 
-<file path=ppt/slides/slide2.xml><?xml version="1.0" encoding="utf-8"?>
+<file path=ppt/slides/slide32.xml><?xml version="1.0" encoding="utf-8"?>
 <p:sld xmlns:a="http://schemas.openxmlformats.org/drawingml/2006/main" xmlns:r="http://schemas.openxmlformats.org/officeDocument/2006/relationships" xmlns:p="http://schemas.openxmlformats.org/presentationml/2006/main">
   <p:cSld>
     <p:spTree>
@@ -9975,159 +12776,6 @@
       </p:grpSpPr>
       <p:sp>
         <p:nvSpPr>
-          <p:cNvPr id="2" name="Title 1">
-            <a:extLst>
-              <a:ext uri="{FF2B5EF4-FFF2-40B4-BE49-F238E27FC236}">
-                <a16:creationId xmlns:a16="http://schemas.microsoft.com/office/drawing/2014/main" id="{002A871F-18A2-4401-B6B9-077086628C4E}"/>
-              </a:ext>
-            </a:extLst>
-          </p:cNvPr>
-          <p:cNvSpPr>
-            <a:spLocks noGrp="1"/>
-          </p:cNvSpPr>
-          <p:nvPr>
-            <p:ph type="title"/>
-          </p:nvPr>
-        </p:nvSpPr>
-        <p:spPr/>
-        <p:txBody>
-          <a:bodyPr/>
-          <a:lstStyle/>
-          <a:p>
-            <a:r>
-              <a:rPr lang="en-US" altLang="zh-CN" dirty="0"/>
-              <a:t>Agenda</a:t>
-            </a:r>
-            <a:endParaRPr lang="zh-CN" altLang="en-US" dirty="0"/>
-          </a:p>
-        </p:txBody>
-      </p:sp>
-      <p:sp>
-        <p:nvSpPr>
-          <p:cNvPr id="3" name="Text Placeholder 2">
-            <a:extLst>
-              <a:ext uri="{FF2B5EF4-FFF2-40B4-BE49-F238E27FC236}">
-                <a16:creationId xmlns:a16="http://schemas.microsoft.com/office/drawing/2014/main" id="{8D97EDBA-6795-4FFA-BF7E-762491D0EB39}"/>
-              </a:ext>
-            </a:extLst>
-          </p:cNvPr>
-          <p:cNvSpPr>
-            <a:spLocks noGrp="1"/>
-          </p:cNvSpPr>
-          <p:nvPr>
-            <p:ph type="body" idx="1"/>
-          </p:nvPr>
-        </p:nvSpPr>
-        <p:spPr/>
-        <p:txBody>
-          <a:bodyPr/>
-          <a:lstStyle/>
-          <a:p>
-            <a:r>
-              <a:rPr lang="en-US" altLang="zh-CN" dirty="0"/>
-              <a:t>Research Problem</a:t>
-            </a:r>
-          </a:p>
-          <a:p>
-            <a:r>
-              <a:rPr lang="en-US" altLang="zh-CN" dirty="0"/>
-              <a:t>Motivation Example &amp; Overview</a:t>
-            </a:r>
-          </a:p>
-          <a:p>
-            <a:r>
-              <a:rPr lang="en-US" altLang="zh-CN" dirty="0"/>
-              <a:t>Approach In Details</a:t>
-            </a:r>
-          </a:p>
-          <a:p>
-            <a:r>
-              <a:rPr lang="en-US" altLang="zh-CN" dirty="0"/>
-              <a:t>Discussion</a:t>
-            </a:r>
-          </a:p>
-          <a:p>
-            <a:endParaRPr lang="zh-CN" altLang="en-US" dirty="0"/>
-          </a:p>
-        </p:txBody>
-      </p:sp>
-      <p:sp>
-        <p:nvSpPr>
-          <p:cNvPr id="4" name="Slide Number Placeholder 3">
-            <a:extLst>
-              <a:ext uri="{FF2B5EF4-FFF2-40B4-BE49-F238E27FC236}">
-                <a16:creationId xmlns:a16="http://schemas.microsoft.com/office/drawing/2014/main" id="{6B4CE1E3-8D12-4A2F-87D4-6395F5C91DDC}"/>
-              </a:ext>
-            </a:extLst>
-          </p:cNvPr>
-          <p:cNvSpPr>
-            <a:spLocks noGrp="1"/>
-          </p:cNvSpPr>
-          <p:nvPr>
-            <p:ph type="sldNum" idx="12"/>
-          </p:nvPr>
-        </p:nvSpPr>
-        <p:spPr/>
-        <p:txBody>
-          <a:bodyPr/>
-          <a:lstStyle/>
-          <a:p>
-            <a:pPr marL="0" lvl="0" indent="0" algn="r" rtl="0">
-              <a:spcBef>
-                <a:spcPts val="0"/>
-              </a:spcBef>
-              <a:spcAft>
-                <a:spcPts val="0"/>
-              </a:spcAft>
-              <a:buNone/>
-            </a:pPr>
-            <a:fld id="{00000000-1234-1234-1234-123412341234}" type="slidenum">
-              <a:rPr lang="en" smtClean="0"/>
-              <a:t>2</a:t>
-            </a:fld>
-            <a:endParaRPr lang="en"/>
-          </a:p>
-        </p:txBody>
-      </p:sp>
-    </p:spTree>
-    <p:extLst>
-      <p:ext uri="{BB962C8B-B14F-4D97-AF65-F5344CB8AC3E}">
-        <p14:creationId xmlns:p14="http://schemas.microsoft.com/office/powerpoint/2010/main" val="3292415568"/>
-      </p:ext>
-    </p:extLst>
-  </p:cSld>
-  <p:clrMapOvr>
-    <a:masterClrMapping/>
-  </p:clrMapOvr>
-  <p:timing>
-    <p:tnLst>
-      <p:par>
-        <p:cTn id="1" dur="indefinite" restart="never" nodeType="tmRoot"/>
-      </p:par>
-    </p:tnLst>
-  </p:timing>
-</p:sld>
-</file>
-
-<file path=ppt/slides/slide20.xml><?xml version="1.0" encoding="utf-8"?>
-<p:sld xmlns:a="http://schemas.openxmlformats.org/drawingml/2006/main" xmlns:r="http://schemas.openxmlformats.org/officeDocument/2006/relationships" xmlns:p="http://schemas.openxmlformats.org/presentationml/2006/main">
-  <p:cSld>
-    <p:spTree>
-      <p:nvGrpSpPr>
-        <p:cNvPr id="1" name=""/>
-        <p:cNvGrpSpPr/>
-        <p:nvPr/>
-      </p:nvGrpSpPr>
-      <p:grpSpPr>
-        <a:xfrm>
-          <a:off x="0" y="0"/>
-          <a:ext cx="0" cy="0"/>
-          <a:chOff x="0" y="0"/>
-          <a:chExt cx="0" cy="0"/>
-        </a:xfrm>
-      </p:grpSpPr>
-      <p:sp>
-        <p:nvSpPr>
           <p:cNvPr id="2" name="Title 1"/>
           <p:cNvSpPr>
             <a:spLocks noGrp="1"/>
@@ -10203,7 +12851,7 @@
             </a:pPr>
             <a:fld id="{00000000-1234-1234-1234-123412341234}" type="slidenum">
               <a:rPr lang="en" smtClean="0"/>
-              <a:t>20</a:t>
+              <a:t>32</a:t>
             </a:fld>
             <a:endParaRPr lang="en"/>
           </a:p>
@@ -10263,7 +12911,7 @@
 </p:sld>
 </file>
 
-<file path=ppt/slides/slide21.xml><?xml version="1.0" encoding="utf-8"?>
+<file path=ppt/slides/slide33.xml><?xml version="1.0" encoding="utf-8"?>
 <p:sld xmlns:a="http://schemas.openxmlformats.org/drawingml/2006/main" xmlns:r="http://schemas.openxmlformats.org/officeDocument/2006/relationships" xmlns:p="http://schemas.openxmlformats.org/presentationml/2006/main">
   <p:cSld>
     <p:spTree>
@@ -10381,7 +13029,7 @@
             </a:pPr>
             <a:fld id="{00000000-1234-1234-1234-123412341234}" type="slidenum">
               <a:rPr lang="en" smtClean="0"/>
-              <a:t>21</a:t>
+              <a:t>33</a:t>
             </a:fld>
             <a:endParaRPr lang="en"/>
           </a:p>
@@ -10441,7 +13089,7 @@
 </p:sld>
 </file>
 
-<file path=ppt/slides/slide22.xml><?xml version="1.0" encoding="utf-8"?>
+<file path=ppt/slides/slide34.xml><?xml version="1.0" encoding="utf-8"?>
 <p:sld xmlns:a="http://schemas.openxmlformats.org/drawingml/2006/main" xmlns:r="http://schemas.openxmlformats.org/officeDocument/2006/relationships" xmlns:p="http://schemas.openxmlformats.org/presentationml/2006/main">
   <p:cSld>
     <p:spTree>
@@ -10519,7 +13167,7 @@
             </a:pPr>
             <a:fld id="{00000000-1234-1234-1234-123412341234}" type="slidenum">
               <a:rPr lang="en" smtClean="0"/>
-              <a:t>22</a:t>
+              <a:t>34</a:t>
             </a:fld>
             <a:endParaRPr lang="en"/>
           </a:p>
@@ -10579,7 +13227,7 @@
 </p:sld>
 </file>
 
-<file path=ppt/slides/slide23.xml><?xml version="1.0" encoding="utf-8"?>
+<file path=ppt/slides/slide35.xml><?xml version="1.0" encoding="utf-8"?>
 <p:sld xmlns:a="http://schemas.openxmlformats.org/drawingml/2006/main" xmlns:r="http://schemas.openxmlformats.org/officeDocument/2006/relationships" xmlns:p="http://schemas.openxmlformats.org/presentationml/2006/main">
   <p:cSld>
     <p:spTree>
@@ -10730,7 +13378,7 @@
             </a:pPr>
             <a:fld id="{00000000-1234-1234-1234-123412341234}" type="slidenum">
               <a:rPr lang="en" smtClean="0"/>
-              <a:t>23</a:t>
+              <a:t>35</a:t>
             </a:fld>
             <a:endParaRPr lang="en"/>
           </a:p>
@@ -11002,7 +13650,7 @@
 </p:sld>
 </file>
 
-<file path=ppt/slides/slide24.xml><?xml version="1.0" encoding="utf-8"?>
+<file path=ppt/slides/slide36.xml><?xml version="1.0" encoding="utf-8"?>
 <p:sld xmlns:a="http://schemas.openxmlformats.org/drawingml/2006/main" xmlns:r="http://schemas.openxmlformats.org/officeDocument/2006/relationships" xmlns:p="http://schemas.openxmlformats.org/presentationml/2006/main">
   <p:cSld>
     <p:spTree>
@@ -11080,7 +13728,7 @@
             </a:pPr>
             <a:fld id="{00000000-1234-1234-1234-123412341234}" type="slidenum">
               <a:rPr lang="en" smtClean="0"/>
-              <a:t>24</a:t>
+              <a:t>36</a:t>
             </a:fld>
             <a:endParaRPr lang="en"/>
           </a:p>
@@ -11261,7 +13909,7 @@
 </p:sld>
 </file>
 
-<file path=ppt/slides/slide25.xml><?xml version="1.0" encoding="utf-8"?>
+<file path=ppt/slides/slide37.xml><?xml version="1.0" encoding="utf-8"?>
 <p:sld xmlns:a="http://schemas.openxmlformats.org/drawingml/2006/main" xmlns:r="http://schemas.openxmlformats.org/officeDocument/2006/relationships" xmlns:p="http://schemas.openxmlformats.org/presentationml/2006/main">
   <p:cSld>
     <p:spTree>
@@ -11339,7 +13987,7 @@
             </a:pPr>
             <a:fld id="{00000000-1234-1234-1234-123412341234}" type="slidenum">
               <a:rPr lang="en" smtClean="0"/>
-              <a:t>25</a:t>
+              <a:t>37</a:t>
             </a:fld>
             <a:endParaRPr lang="en"/>
           </a:p>
@@ -11520,7 +14168,7 @@
 </p:sld>
 </file>
 
-<file path=ppt/slides/slide26.xml><?xml version="1.0" encoding="utf-8"?>
+<file path=ppt/slides/slide38.xml><?xml version="1.0" encoding="utf-8"?>
 <p:sld xmlns:a="http://schemas.openxmlformats.org/drawingml/2006/main" xmlns:r="http://schemas.openxmlformats.org/officeDocument/2006/relationships" xmlns:p="http://schemas.openxmlformats.org/presentationml/2006/main">
   <p:cSld>
     <p:spTree>
@@ -11598,7 +14246,7 @@
             </a:pPr>
             <a:fld id="{00000000-1234-1234-1234-123412341234}" type="slidenum">
               <a:rPr lang="en" smtClean="0"/>
-              <a:t>26</a:t>
+              <a:t>38</a:t>
             </a:fld>
             <a:endParaRPr lang="en"/>
           </a:p>
@@ -11943,7 +14591,7 @@
 </p:sld>
 </file>
 
-<file path=ppt/slides/slide27.xml><?xml version="1.0" encoding="utf-8"?>
+<file path=ppt/slides/slide39.xml><?xml version="1.0" encoding="utf-8"?>
 <p:sld xmlns:a="http://schemas.openxmlformats.org/drawingml/2006/main" xmlns:r="http://schemas.openxmlformats.org/officeDocument/2006/relationships" xmlns:p="http://schemas.openxmlformats.org/presentationml/2006/main">
   <p:cSld>
     <p:spTree>
@@ -12021,7 +14669,7 @@
             </a:pPr>
             <a:fld id="{00000000-1234-1234-1234-123412341234}" type="slidenum">
               <a:rPr lang="en" smtClean="0"/>
-              <a:t>27</a:t>
+              <a:t>39</a:t>
             </a:fld>
             <a:endParaRPr lang="en"/>
           </a:p>
@@ -12047,7 +14695,7 @@
 </p:sld>
 </file>
 
-<file path=ppt/slides/slide28.xml><?xml version="1.0" encoding="utf-8"?>
+<file path=ppt/slides/slide4.xml><?xml version="1.0" encoding="utf-8"?>
 <p:sld xmlns:a="http://schemas.openxmlformats.org/drawingml/2006/main" xmlns:r="http://schemas.openxmlformats.org/officeDocument/2006/relationships" xmlns:p="http://schemas.openxmlformats.org/presentationml/2006/main">
   <p:cSld>
     <p:spTree>
@@ -12080,9 +14728,10 @@
           <a:lstStyle/>
           <a:p>
             <a:r>
-              <a:rPr lang="en-US" dirty="0"/>
-              <a:t>Potential Applications - 1</a:t>
-            </a:r>
+              <a:rPr lang="en-US" dirty="0" smtClean="0"/>
+              <a:t>What is Robustness?</a:t>
+            </a:r>
+            <a:endParaRPr lang="en-US" dirty="0"/>
           </a:p>
         </p:txBody>
       </p:sp>
@@ -12101,45 +14750,6 @@
           <a:bodyPr/>
           <a:lstStyle/>
           <a:p>
-            <a:r>
-              <a:rPr lang="en-US" dirty="0"/>
-              <a:t>Robustness of a Security Protocol against Attacker Models</a:t>
-            </a:r>
-          </a:p>
-          <a:p>
-            <a:r>
-              <a:rPr lang="en-US" dirty="0"/>
-              <a:t>Robustness of a Human Computer Interface Model against Human Behavior Models</a:t>
-            </a:r>
-          </a:p>
-          <a:p>
-            <a:r>
-              <a:rPr lang="en-US" dirty="0"/>
-              <a:t>Robustness of a Distributed Protocol against Fault Models</a:t>
-            </a:r>
-          </a:p>
-          <a:p>
-            <a:r>
-              <a:rPr lang="en-US" dirty="0"/>
-              <a:t>…</a:t>
-            </a:r>
-          </a:p>
-          <a:p>
-            <a:pPr marL="114300" indent="0">
-              <a:buNone/>
-            </a:pPr>
-            <a:endParaRPr lang="en-US" dirty="0"/>
-          </a:p>
-          <a:p>
-            <a:pPr marL="114300" indent="0">
-              <a:buNone/>
-            </a:pPr>
-            <a:r>
-              <a:rPr lang="en-US" dirty="0"/>
-              <a:t>Key Insights: How robust is a system when we only have limited information about the environment?</a:t>
-            </a:r>
-          </a:p>
-          <a:p>
             <a:endParaRPr lang="en-US" dirty="0"/>
           </a:p>
         </p:txBody>
@@ -12170,7 +14780,149 @@
             </a:pPr>
             <a:fld id="{00000000-1234-1234-1234-123412341234}" type="slidenum">
               <a:rPr lang="en" smtClean="0"/>
-              <a:t>28</a:t>
+              <a:t>4</a:t>
+            </a:fld>
+            <a:endParaRPr lang="en"/>
+          </a:p>
+        </p:txBody>
+      </p:sp>
+    </p:spTree>
+    <p:extLst>
+      <p:ext uri="{BB962C8B-B14F-4D97-AF65-F5344CB8AC3E}">
+        <p14:creationId xmlns:p14="http://schemas.microsoft.com/office/powerpoint/2010/main" val="695925126"/>
+      </p:ext>
+    </p:extLst>
+  </p:cSld>
+  <p:clrMapOvr>
+    <a:masterClrMapping/>
+  </p:clrMapOvr>
+</p:sld>
+</file>
+
+<file path=ppt/slides/slide40.xml><?xml version="1.0" encoding="utf-8"?>
+<p:sld xmlns:a="http://schemas.openxmlformats.org/drawingml/2006/main" xmlns:r="http://schemas.openxmlformats.org/officeDocument/2006/relationships" xmlns:p="http://schemas.openxmlformats.org/presentationml/2006/main">
+  <p:cSld>
+    <p:spTree>
+      <p:nvGrpSpPr>
+        <p:cNvPr id="1" name=""/>
+        <p:cNvGrpSpPr/>
+        <p:nvPr/>
+      </p:nvGrpSpPr>
+      <p:grpSpPr>
+        <a:xfrm>
+          <a:off x="0" y="0"/>
+          <a:ext cx="0" cy="0"/>
+          <a:chOff x="0" y="0"/>
+          <a:chExt cx="0" cy="0"/>
+        </a:xfrm>
+      </p:grpSpPr>
+      <p:sp>
+        <p:nvSpPr>
+          <p:cNvPr id="2" name="Title 1"/>
+          <p:cNvSpPr>
+            <a:spLocks noGrp="1"/>
+          </p:cNvSpPr>
+          <p:nvPr>
+            <p:ph type="title"/>
+          </p:nvPr>
+        </p:nvSpPr>
+        <p:spPr/>
+        <p:txBody>
+          <a:bodyPr/>
+          <a:lstStyle/>
+          <a:p>
+            <a:r>
+              <a:rPr lang="en-US" dirty="0"/>
+              <a:t>Potential Applications - 1</a:t>
+            </a:r>
+          </a:p>
+        </p:txBody>
+      </p:sp>
+      <p:sp>
+        <p:nvSpPr>
+          <p:cNvPr id="3" name="Text Placeholder 2"/>
+          <p:cNvSpPr>
+            <a:spLocks noGrp="1"/>
+          </p:cNvSpPr>
+          <p:nvPr>
+            <p:ph type="body" idx="1"/>
+          </p:nvPr>
+        </p:nvSpPr>
+        <p:spPr/>
+        <p:txBody>
+          <a:bodyPr/>
+          <a:lstStyle/>
+          <a:p>
+            <a:r>
+              <a:rPr lang="en-US" dirty="0"/>
+              <a:t>Robustness of a Security Protocol against Attacker Models</a:t>
+            </a:r>
+          </a:p>
+          <a:p>
+            <a:r>
+              <a:rPr lang="en-US" dirty="0"/>
+              <a:t>Robustness of a Human Computer Interface Model against Human Behavior Models</a:t>
+            </a:r>
+          </a:p>
+          <a:p>
+            <a:r>
+              <a:rPr lang="en-US" dirty="0"/>
+              <a:t>Robustness of a Distributed Protocol against Fault Models</a:t>
+            </a:r>
+          </a:p>
+          <a:p>
+            <a:r>
+              <a:rPr lang="en-US" dirty="0"/>
+              <a:t>…</a:t>
+            </a:r>
+          </a:p>
+          <a:p>
+            <a:pPr marL="114300" indent="0">
+              <a:buNone/>
+            </a:pPr>
+            <a:endParaRPr lang="en-US" dirty="0"/>
+          </a:p>
+          <a:p>
+            <a:pPr marL="114300" indent="0">
+              <a:buNone/>
+            </a:pPr>
+            <a:r>
+              <a:rPr lang="en-US" dirty="0"/>
+              <a:t>Key Insights: How robust is a system when we only have limited information about the environment?</a:t>
+            </a:r>
+          </a:p>
+          <a:p>
+            <a:endParaRPr lang="en-US" dirty="0"/>
+          </a:p>
+        </p:txBody>
+      </p:sp>
+      <p:sp>
+        <p:nvSpPr>
+          <p:cNvPr id="4" name="Slide Number Placeholder 3"/>
+          <p:cNvSpPr>
+            <a:spLocks noGrp="1"/>
+          </p:cNvSpPr>
+          <p:nvPr>
+            <p:ph type="sldNum" idx="12"/>
+          </p:nvPr>
+        </p:nvSpPr>
+        <p:spPr/>
+        <p:txBody>
+          <a:bodyPr/>
+          <a:lstStyle/>
+          <a:p>
+            <a:pPr marL="0" lvl="0" indent="0" algn="r" rtl="0">
+              <a:spcBef>
+                <a:spcPts val="0"/>
+              </a:spcBef>
+              <a:spcAft>
+                <a:spcPts val="0"/>
+              </a:spcAft>
+              <a:buNone/>
+            </a:pPr>
+            <a:fld id="{00000000-1234-1234-1234-123412341234}" type="slidenum">
+              <a:rPr lang="en" smtClean="0"/>
+              <a:t>40</a:t>
             </a:fld>
             <a:endParaRPr lang="en"/>
           </a:p>
@@ -12196,7 +14948,7 @@
 </p:sld>
 </file>
 
-<file path=ppt/slides/slide29.xml><?xml version="1.0" encoding="utf-8"?>
+<file path=ppt/slides/slide41.xml><?xml version="1.0" encoding="utf-8"?>
 <p:sld xmlns:a="http://schemas.openxmlformats.org/drawingml/2006/main" xmlns:r="http://schemas.openxmlformats.org/officeDocument/2006/relationships" xmlns:p="http://schemas.openxmlformats.org/presentationml/2006/main">
   <p:cSld>
     <p:spTree>
@@ -12378,7 +15130,7 @@
             </a:pPr>
             <a:fld id="{00000000-1234-1234-1234-123412341234}" type="slidenum">
               <a:rPr lang="en" smtClean="0"/>
-              <a:t>29</a:t>
+              <a:t>41</a:t>
             </a:fld>
             <a:endParaRPr lang="en"/>
           </a:p>
@@ -12925,7 +15677,7 @@
 </p:sld>
 </file>
 
-<file path=ppt/slides/slide3.xml><?xml version="1.0" encoding="utf-8"?>
+<file path=ppt/slides/slide42.xml><?xml version="1.0" encoding="utf-8"?>
 <p:sld xmlns:a="http://schemas.openxmlformats.org/drawingml/2006/main" xmlns:r="http://schemas.openxmlformats.org/officeDocument/2006/relationships" xmlns:p="http://schemas.openxmlformats.org/presentationml/2006/main">
   <p:cSld>
     <p:spTree>
@@ -12944,97 +15696,6 @@
       </p:grpSpPr>
       <p:sp>
         <p:nvSpPr>
-          <p:cNvPr id="2" name="Title 1"/>
-          <p:cNvSpPr>
-            <a:spLocks noGrp="1"/>
-          </p:cNvSpPr>
-          <p:nvPr>
-            <p:ph type="title"/>
-          </p:nvPr>
-        </p:nvSpPr>
-        <p:spPr/>
-        <p:txBody>
-          <a:bodyPr/>
-          <a:lstStyle/>
-          <a:p>
-            <a:r>
-              <a:rPr lang="en-US" dirty="0"/>
-              <a:t>Research Problem</a:t>
-            </a:r>
-          </a:p>
-        </p:txBody>
-      </p:sp>
-      <p:sp>
-        <p:nvSpPr>
-          <p:cNvPr id="3" name="Slide Number Placeholder 2"/>
-          <p:cNvSpPr>
-            <a:spLocks noGrp="1"/>
-          </p:cNvSpPr>
-          <p:nvPr>
-            <p:ph type="sldNum" idx="12"/>
-          </p:nvPr>
-        </p:nvSpPr>
-        <p:spPr/>
-        <p:txBody>
-          <a:bodyPr/>
-          <a:lstStyle/>
-          <a:p>
-            <a:pPr marL="0" lvl="0" indent="0" algn="r" rtl="0">
-              <a:spcBef>
-                <a:spcPts val="0"/>
-              </a:spcBef>
-              <a:spcAft>
-                <a:spcPts val="0"/>
-              </a:spcAft>
-              <a:buNone/>
-            </a:pPr>
-            <a:fld id="{00000000-1234-1234-1234-123412341234}" type="slidenum">
-              <a:rPr lang="en" smtClean="0"/>
-              <a:t>3</a:t>
-            </a:fld>
-            <a:endParaRPr lang="en"/>
-          </a:p>
-        </p:txBody>
-      </p:sp>
-    </p:spTree>
-    <p:extLst>
-      <p:ext uri="{BB962C8B-B14F-4D97-AF65-F5344CB8AC3E}">
-        <p14:creationId xmlns:p14="http://schemas.microsoft.com/office/powerpoint/2010/main" val="4062075277"/>
-      </p:ext>
-    </p:extLst>
-  </p:cSld>
-  <p:clrMapOvr>
-    <a:masterClrMapping/>
-  </p:clrMapOvr>
-  <p:timing>
-    <p:tnLst>
-      <p:par>
-        <p:cTn id="1" dur="indefinite" restart="never" nodeType="tmRoot"/>
-      </p:par>
-    </p:tnLst>
-  </p:timing>
-</p:sld>
-</file>
-
-<file path=ppt/slides/slide30.xml><?xml version="1.0" encoding="utf-8"?>
-<p:sld xmlns:a="http://schemas.openxmlformats.org/drawingml/2006/main" xmlns:r="http://schemas.openxmlformats.org/officeDocument/2006/relationships" xmlns:p="http://schemas.openxmlformats.org/presentationml/2006/main">
-  <p:cSld>
-    <p:spTree>
-      <p:nvGrpSpPr>
-        <p:cNvPr id="1" name=""/>
-        <p:cNvGrpSpPr/>
-        <p:nvPr/>
-      </p:nvGrpSpPr>
-      <p:grpSpPr>
-        <a:xfrm>
-          <a:off x="0" y="0"/>
-          <a:ext cx="0" cy="0"/>
-          <a:chOff x="0" y="0"/>
-          <a:chExt cx="0" cy="0"/>
-        </a:xfrm>
-      </p:grpSpPr>
-      <p:sp>
-        <p:nvSpPr>
           <p:cNvPr id="2" name="Title 1">
             <a:extLst>
               <a:ext uri="{FF2B5EF4-FFF2-40B4-BE49-F238E27FC236}">
@@ -13151,7 +15812,7 @@
             </a:pPr>
             <a:fld id="{00000000-1234-1234-1234-123412341234}" type="slidenum">
               <a:rPr lang="en" smtClean="0"/>
-              <a:t>30</a:t>
+              <a:t>42</a:t>
             </a:fld>
             <a:endParaRPr lang="en"/>
           </a:p>
@@ -13177,8 +15838,8 @@
 </p:sld>
 </file>
 
-<file path=ppt/slides/slide4.xml><?xml version="1.0" encoding="utf-8"?>
-<p:sld xmlns:a="http://schemas.openxmlformats.org/drawingml/2006/main" xmlns:r="http://schemas.openxmlformats.org/officeDocument/2006/relationships" xmlns:p="http://schemas.openxmlformats.org/presentationml/2006/main">
+<file path=ppt/slides/slide5.xml><?xml version="1.0" encoding="utf-8"?>
+<p:sld xmlns:a="http://schemas.openxmlformats.org/drawingml/2006/main" xmlns:r="http://schemas.openxmlformats.org/officeDocument/2006/relationships" xmlns:p="http://schemas.openxmlformats.org/presentationml/2006/main" show="0">
   <p:cSld>
     <p:spTree>
       <p:nvGrpSpPr>
@@ -13387,7 +16048,7 @@
             </a:pPr>
             <a:fld id="{00000000-1234-1234-1234-123412341234}" type="slidenum">
               <a:rPr lang="en"/>
-              <a:t>4</a:t>
+              <a:t>5</a:t>
             </a:fld>
             <a:endParaRPr/>
           </a:p>
@@ -13398,6 +16059,14 @@
   <p:clrMapOvr>
     <a:masterClrMapping/>
   </p:clrMapOvr>
+  <mc:AlternateContent xmlns:mc="http://schemas.openxmlformats.org/markup-compatibility/2006">
+    <mc:Choice xmlns:p14="http://schemas.microsoft.com/office/powerpoint/2010/main" Requires="p14">
+      <p:transition spd="slow" p14:dur="2000"/>
+    </mc:Choice>
+    <mc:Fallback>
+      <p:transition spd="slow"/>
+    </mc:Fallback>
+  </mc:AlternateContent>
   <p:timing>
     <p:tnLst>
       <p:par>
@@ -13408,8 +16077,8 @@
 </p:sld>
 </file>
 
-<file path=ppt/slides/slide5.xml><?xml version="1.0" encoding="utf-8"?>
-<p:sld xmlns:a="http://schemas.openxmlformats.org/drawingml/2006/main" xmlns:r="http://schemas.openxmlformats.org/officeDocument/2006/relationships" xmlns:p="http://schemas.openxmlformats.org/presentationml/2006/main">
+<file path=ppt/slides/slide6.xml><?xml version="1.0" encoding="utf-8"?>
+<p:sld xmlns:a="http://schemas.openxmlformats.org/drawingml/2006/main" xmlns:r="http://schemas.openxmlformats.org/officeDocument/2006/relationships" xmlns:p="http://schemas.openxmlformats.org/presentationml/2006/main" show="0">
   <p:cSld>
     <p:spTree>
       <p:nvGrpSpPr>
@@ -13598,7 +16267,7 @@
             </a:pPr>
             <a:fld id="{00000000-1234-1234-1234-123412341234}" type="slidenum">
               <a:rPr lang="en" smtClean="0"/>
-              <a:t>5</a:t>
+              <a:t>6</a:t>
             </a:fld>
             <a:endParaRPr lang="en"/>
           </a:p>
@@ -13614,6 +16283,14 @@
   <p:clrMapOvr>
     <a:masterClrMapping/>
   </p:clrMapOvr>
+  <mc:AlternateContent xmlns:mc="http://schemas.openxmlformats.org/markup-compatibility/2006">
+    <mc:Choice xmlns:p14="http://schemas.microsoft.com/office/powerpoint/2010/main" Requires="p14">
+      <p:transition spd="slow" p14:dur="2000"/>
+    </mc:Choice>
+    <mc:Fallback>
+      <p:transition spd="slow"/>
+    </mc:Fallback>
+  </mc:AlternateContent>
   <p:timing>
     <p:tnLst>
       <p:par>
@@ -13624,8 +16301,8 @@
 </p:sld>
 </file>
 
-<file path=ppt/slides/slide6.xml><?xml version="1.0" encoding="utf-8"?>
-<p:sld xmlns:a="http://schemas.openxmlformats.org/drawingml/2006/main" xmlns:r="http://schemas.openxmlformats.org/officeDocument/2006/relationships" xmlns:p="http://schemas.openxmlformats.org/presentationml/2006/main">
+<file path=ppt/slides/slide7.xml><?xml version="1.0" encoding="utf-8"?>
+<p:sld xmlns:a="http://schemas.openxmlformats.org/drawingml/2006/main" xmlns:r="http://schemas.openxmlformats.org/officeDocument/2006/relationships" xmlns:p="http://schemas.openxmlformats.org/presentationml/2006/main" show="0">
   <p:cSld>
     <p:spTree>
       <p:nvGrpSpPr>
@@ -13857,7 +16534,7 @@
             </a:pPr>
             <a:fld id="{00000000-1234-1234-1234-123412341234}" type="slidenum">
               <a:rPr lang="en" smtClean="0"/>
-              <a:t>6</a:t>
+              <a:t>7</a:t>
             </a:fld>
             <a:endParaRPr lang="en"/>
           </a:p>
@@ -13873,6 +16550,14 @@
   <p:clrMapOvr>
     <a:masterClrMapping/>
   </p:clrMapOvr>
+  <mc:AlternateContent xmlns:mc="http://schemas.openxmlformats.org/markup-compatibility/2006">
+    <mc:Choice xmlns:p14="http://schemas.microsoft.com/office/powerpoint/2010/main" Requires="p14">
+      <p:transition spd="slow" p14:dur="2000"/>
+    </mc:Choice>
+    <mc:Fallback>
+      <p:transition spd="slow"/>
+    </mc:Fallback>
+  </mc:AlternateContent>
   <p:timing>
     <p:tnLst>
       <p:par>
@@ -13883,8 +16568,8 @@
 </p:sld>
 </file>
 
-<file path=ppt/slides/slide7.xml><?xml version="1.0" encoding="utf-8"?>
-<p:sld xmlns:a="http://schemas.openxmlformats.org/drawingml/2006/main" xmlns:r="http://schemas.openxmlformats.org/officeDocument/2006/relationships" xmlns:p="http://schemas.openxmlformats.org/presentationml/2006/main">
+<file path=ppt/slides/slide8.xml><?xml version="1.0" encoding="utf-8"?>
+<p:sld xmlns:a="http://schemas.openxmlformats.org/drawingml/2006/main" xmlns:r="http://schemas.openxmlformats.org/officeDocument/2006/relationships" xmlns:p="http://schemas.openxmlformats.org/presentationml/2006/main" show="0">
   <p:cSld>
     <p:spTree>
       <p:nvGrpSpPr>
@@ -14084,7 +16769,7 @@
             </a:pPr>
             <a:fld id="{00000000-1234-1234-1234-123412341234}" type="slidenum">
               <a:rPr lang="en" smtClean="0"/>
-              <a:t>7</a:t>
+              <a:t>8</a:t>
             </a:fld>
             <a:endParaRPr lang="en"/>
           </a:p>
@@ -14100,98 +16785,14 @@
   <p:clrMapOvr>
     <a:masterClrMapping/>
   </p:clrMapOvr>
-  <p:timing>
-    <p:tnLst>
-      <p:par>
-        <p:cTn id="1" dur="indefinite" restart="never" nodeType="tmRoot"/>
-      </p:par>
-    </p:tnLst>
-  </p:timing>
-</p:sld>
-</file>
-
-<file path=ppt/slides/slide8.xml><?xml version="1.0" encoding="utf-8"?>
-<p:sld xmlns:a="http://schemas.openxmlformats.org/drawingml/2006/main" xmlns:r="http://schemas.openxmlformats.org/officeDocument/2006/relationships" xmlns:p="http://schemas.openxmlformats.org/presentationml/2006/main">
-  <p:cSld>
-    <p:spTree>
-      <p:nvGrpSpPr>
-        <p:cNvPr id="1" name=""/>
-        <p:cNvGrpSpPr/>
-        <p:nvPr/>
-      </p:nvGrpSpPr>
-      <p:grpSpPr>
-        <a:xfrm>
-          <a:off x="0" y="0"/>
-          <a:ext cx="0" cy="0"/>
-          <a:chOff x="0" y="0"/>
-          <a:chExt cx="0" cy="0"/>
-        </a:xfrm>
-      </p:grpSpPr>
-      <p:sp>
-        <p:nvSpPr>
-          <p:cNvPr id="2" name="Title 1"/>
-          <p:cNvSpPr>
-            <a:spLocks noGrp="1"/>
-          </p:cNvSpPr>
-          <p:nvPr>
-            <p:ph type="title"/>
-          </p:nvPr>
-        </p:nvSpPr>
-        <p:spPr/>
-        <p:txBody>
-          <a:bodyPr/>
-          <a:lstStyle/>
-          <a:p>
-            <a:r>
-              <a:rPr lang="en-US" altLang="zh-CN" dirty="0"/>
-              <a:t>Motivation Example &amp; Overview</a:t>
-            </a:r>
-            <a:endParaRPr lang="en-US" dirty="0"/>
-          </a:p>
-        </p:txBody>
-      </p:sp>
-      <p:sp>
-        <p:nvSpPr>
-          <p:cNvPr id="3" name="Slide Number Placeholder 2"/>
-          <p:cNvSpPr>
-            <a:spLocks noGrp="1"/>
-          </p:cNvSpPr>
-          <p:nvPr>
-            <p:ph type="sldNum" idx="12"/>
-          </p:nvPr>
-        </p:nvSpPr>
-        <p:spPr/>
-        <p:txBody>
-          <a:bodyPr/>
-          <a:lstStyle/>
-          <a:p>
-            <a:pPr marL="0" lvl="0" indent="0" algn="r" rtl="0">
-              <a:spcBef>
-                <a:spcPts val="0"/>
-              </a:spcBef>
-              <a:spcAft>
-                <a:spcPts val="0"/>
-              </a:spcAft>
-              <a:buNone/>
-            </a:pPr>
-            <a:fld id="{00000000-1234-1234-1234-123412341234}" type="slidenum">
-              <a:rPr lang="en" smtClean="0"/>
-              <a:t>8</a:t>
-            </a:fld>
-            <a:endParaRPr lang="en"/>
-          </a:p>
-        </p:txBody>
-      </p:sp>
-    </p:spTree>
-    <p:extLst>
-      <p:ext uri="{BB962C8B-B14F-4D97-AF65-F5344CB8AC3E}">
-        <p14:creationId xmlns:p14="http://schemas.microsoft.com/office/powerpoint/2010/main" val="409779367"/>
-      </p:ext>
-    </p:extLst>
-  </p:cSld>
-  <p:clrMapOvr>
-    <a:masterClrMapping/>
-  </p:clrMapOvr>
+  <mc:AlternateContent xmlns:mc="http://schemas.openxmlformats.org/markup-compatibility/2006">
+    <mc:Choice xmlns:p14="http://schemas.microsoft.com/office/powerpoint/2010/main" Requires="p14">
+      <p:transition spd="slow" p14:dur="2000"/>
+    </mc:Choice>
+    <mc:Fallback>
+      <p:transition spd="slow"/>
+    </mc:Fallback>
+  </mc:AlternateContent>
   <p:timing>
     <p:tnLst>
       <p:par>
@@ -14221,13 +16822,7 @@
       </p:grpSpPr>
       <p:sp>
         <p:nvSpPr>
-          <p:cNvPr id="2" name="Title 1">
-            <a:extLst>
-              <a:ext uri="{FF2B5EF4-FFF2-40B4-BE49-F238E27FC236}">
-                <a16:creationId xmlns:a16="http://schemas.microsoft.com/office/drawing/2014/main" id="{7D605995-26D7-480D-A8E6-4CA4D75F6B77}"/>
-              </a:ext>
-            </a:extLst>
-          </p:cNvPr>
+          <p:cNvPr id="2" name="Title 1"/>
           <p:cNvSpPr>
             <a:spLocks noGrp="1"/>
           </p:cNvSpPr>
@@ -14242,53 +16837,15 @@
           <a:p>
             <a:r>
               <a:rPr lang="en-US" altLang="zh-CN" dirty="0"/>
-              <a:t>Background</a:t>
-            </a:r>
-            <a:endParaRPr lang="zh-CN" altLang="en-US" dirty="0"/>
-          </a:p>
-        </p:txBody>
-      </p:sp>
-      <p:sp>
-        <p:nvSpPr>
-          <p:cNvPr id="3" name="Text Placeholder 2">
-            <a:extLst>
-              <a:ext uri="{FF2B5EF4-FFF2-40B4-BE49-F238E27FC236}">
-                <a16:creationId xmlns:a16="http://schemas.microsoft.com/office/drawing/2014/main" id="{1843D3EB-6AE8-431A-A06F-71485AF82E70}"/>
-              </a:ext>
-            </a:extLst>
-          </p:cNvPr>
-          <p:cNvSpPr>
-            <a:spLocks noGrp="1"/>
-          </p:cNvSpPr>
-          <p:nvPr>
-            <p:ph type="body" idx="1"/>
-          </p:nvPr>
-        </p:nvSpPr>
-        <p:spPr/>
-        <p:txBody>
-          <a:bodyPr/>
-          <a:lstStyle/>
-          <a:p>
-            <a:pPr marL="114300" indent="0">
-              <a:buNone/>
-            </a:pPr>
-            <a:r>
-              <a:rPr lang="en-US" altLang="zh-CN" sz="1400" dirty="0"/>
-              <a:t>We use labelled transition systems to model the behavior of systems and environments.</a:t>
-            </a:r>
-            <a:endParaRPr lang="zh-CN" altLang="en-US" sz="1400" dirty="0"/>
-          </a:p>
-        </p:txBody>
-      </p:sp>
-      <p:sp>
-        <p:nvSpPr>
-          <p:cNvPr id="4" name="Slide Number Placeholder 3">
-            <a:extLst>
-              <a:ext uri="{FF2B5EF4-FFF2-40B4-BE49-F238E27FC236}">
-                <a16:creationId xmlns:a16="http://schemas.microsoft.com/office/drawing/2014/main" id="{DD769FA6-C05F-4802-8572-EDA4F133331D}"/>
-              </a:ext>
-            </a:extLst>
-          </p:cNvPr>
+              <a:t>Motivation Example &amp; Overview</a:t>
+            </a:r>
+            <a:endParaRPr lang="en-US" dirty="0"/>
+          </a:p>
+        </p:txBody>
+      </p:sp>
+      <p:sp>
+        <p:nvSpPr>
+          <p:cNvPr id="3" name="Slide Number Placeholder 2"/>
           <p:cNvSpPr>
             <a:spLocks noGrp="1"/>
           </p:cNvSpPr>
@@ -14318,44 +16875,10 @@
           </a:p>
         </p:txBody>
       </p:sp>
-      <p:pic>
-        <p:nvPicPr>
-          <p:cNvPr id="10" name="Picture 9">
-            <a:extLst>
-              <a:ext uri="{FF2B5EF4-FFF2-40B4-BE49-F238E27FC236}">
-                <a16:creationId xmlns:a16="http://schemas.microsoft.com/office/drawing/2014/main" id="{FE22408C-4A77-4163-AFBB-C9F8F850FDA4}"/>
-              </a:ext>
-            </a:extLst>
-          </p:cNvPr>
-          <p:cNvPicPr>
-            <a:picLocks noChangeAspect="1"/>
-          </p:cNvPicPr>
-          <p:nvPr>
-            <p:custDataLst>
-              <p:tags r:id="rId1"/>
-            </p:custDataLst>
-          </p:nvPr>
-        </p:nvPicPr>
-        <p:blipFill>
-          <a:blip r:embed="rId3"/>
-          <a:stretch>
-            <a:fillRect/>
-          </a:stretch>
-        </p:blipFill>
-        <p:spPr>
-          <a:xfrm>
-            <a:off x="729790" y="1728168"/>
-            <a:ext cx="7367619" cy="2262857"/>
-          </a:xfrm>
-          <a:prstGeom prst="rect">
-            <a:avLst/>
-          </a:prstGeom>
-        </p:spPr>
-      </p:pic>
     </p:spTree>
     <p:extLst>
       <p:ext uri="{BB962C8B-B14F-4D97-AF65-F5344CB8AC3E}">
-        <p14:creationId xmlns:p14="http://schemas.microsoft.com/office/powerpoint/2010/main" val="3205186143"/>
+        <p14:creationId xmlns:p14="http://schemas.microsoft.com/office/powerpoint/2010/main" val="409779367"/>
       </p:ext>
     </p:extLst>
   </p:cSld>
@@ -14391,7 +16914,45 @@
 </p:tagLst>
 </file>
 
+<file path=ppt/tags/tag10.xml><?xml version="1.0" encoding="utf-8"?>
+<p:tagLst xmlns:a="http://schemas.openxmlformats.org/drawingml/2006/main" xmlns:r="http://schemas.openxmlformats.org/officeDocument/2006/relationships" xmlns:p="http://schemas.openxmlformats.org/presentationml/2006/main">
+  <p:tag name="OUTPUTDPI" val="1200"/>
+  <p:tag name="ORIGINALHEIGHT" val="122.9846"/>
+  <p:tag name="ORIGINALWIDTH" val="314.9606"/>
+  <p:tag name="LATEXADDIN" val="\documentclass{article}&#10;\usepackage{amsmath}&#10;\usepackage{amssymb}&#10;\pagestyle{empty}&#10;\begin{document}&#10;&#10;$F \neq \emptyset$&#10;&#10;&#10;\end{document}"/>
+  <p:tag name="IGUANATEXSIZE" val="18"/>
+  <p:tag name="IGUANATEXCURSOR" val="107"/>
+  <p:tag name="TRANSPARENCY" val="True"/>
+  <p:tag name="FILENAME" val=""/>
+  <p:tag name="LATEXENGINEID" val="0"/>
+  <p:tag name="TEMPFOLDER" val=".\tmp\"/>
+  <p:tag name="LATEXFORMHEIGHT" val="312"/>
+  <p:tag name="LATEXFORMWIDTH" val="384"/>
+  <p:tag name="LATEXFORMWRAP" val="True"/>
+  <p:tag name="BITMAPVECTOR" val="0"/>
+</p:tagLst>
+</file>
+
 <file path=ppt/tags/tag2.xml><?xml version="1.0" encoding="utf-8"?>
+<p:tagLst xmlns:a="http://schemas.openxmlformats.org/drawingml/2006/main" xmlns:r="http://schemas.openxmlformats.org/officeDocument/2006/relationships" xmlns:p="http://schemas.openxmlformats.org/presentationml/2006/main">
+  <p:tag name="OUTPUTDPI" val="1200"/>
+  <p:tag name="ORIGINALHEIGHT" val="758.9051"/>
+  <p:tag name="ORIGINALWIDTH" val="4404.199"/>
+  <p:tag name="LATEXADDIN" val="\documentclass{article}&#10;\usepackage{amsmath}&#10;\pagestyle{empty}&#10;\begin{document}&#10;&#10;\noindent Let $T_1 = \langle Q_1, \Sigma_1, \delta_1, q^1_0 \rangle$ and $T_2 = \langle Q_2, \Sigma_2, \delta_2, q^2_0 \rangle$, $T_1 || T_2$ is a LTS $T = \langle Q, \Sigma, \delta, q_0 \rangle$, where $Q = Q_1 \times Q_2$, $\Sigma = \Sigma_1 \cup \Sigma_2$, $q_0 = (q^1_0, q^2_0)$, and $\delta$ is defined as:&#10;&#10;$$\frac{T_1 \xrightarrow{a} T_1', a \notin \Sigma^2}{T_1 || T_2 \xrightarrow{a} T_1' || T_2} \quad \quad \frac{T_1 \xrightarrow{a} T_1', T_2 \xrightarrow{a} T_2'}{T_1 || T_2 \xrightarrow{a} T_1' || T_2'}$$&#10;&#10;&#10;\end{document}"/>
+  <p:tag name="IGUANATEXSIZE" val="20"/>
+  <p:tag name="IGUANATEXCURSOR" val="593"/>
+  <p:tag name="TRANSPARENCY" val="True"/>
+  <p:tag name="FILENAME" val=""/>
+  <p:tag name="LATEXENGINEID" val="0"/>
+  <p:tag name="TEMPFOLDER" val=".\tmp\"/>
+  <p:tag name="LATEXFORMHEIGHT" val="312"/>
+  <p:tag name="LATEXFORMWIDTH" val="384"/>
+  <p:tag name="LATEXFORMWRAP" val="True"/>
+  <p:tag name="BITMAPVECTOR" val="0"/>
+</p:tagLst>
+</file>
+
+<file path=ppt/tags/tag3.xml><?xml version="1.0" encoding="utf-8"?>
 <p:tagLst xmlns:a="http://schemas.openxmlformats.org/drawingml/2006/main" xmlns:r="http://schemas.openxmlformats.org/officeDocument/2006/relationships" xmlns:p="http://schemas.openxmlformats.org/presentationml/2006/main">
   <p:tag name="OUTPUTDPI" val="1200"/>
   <p:tag name="ORIGINALHEIGHT" val="1513.311"/>
@@ -14410,7 +16971,7 @@
 </p:tagLst>
 </file>
 
-<file path=ppt/tags/tag3.xml><?xml version="1.0" encoding="utf-8"?>
+<file path=ppt/tags/tag4.xml><?xml version="1.0" encoding="utf-8"?>
 <p:tagLst xmlns:a="http://schemas.openxmlformats.org/drawingml/2006/main" xmlns:r="http://schemas.openxmlformats.org/officeDocument/2006/relationships" xmlns:p="http://schemas.openxmlformats.org/presentationml/2006/main">
   <p:tag name="OUTPUTDPI" val="1200"/>
   <p:tag name="ORIGINALHEIGHT" val="908.1365"/>
@@ -14429,7 +16990,7 @@
 </p:tagLst>
 </file>
 
-<file path=ppt/tags/tag4.xml><?xml version="1.0" encoding="utf-8"?>
+<file path=ppt/tags/tag5.xml><?xml version="1.0" encoding="utf-8"?>
 <p:tagLst xmlns:a="http://schemas.openxmlformats.org/drawingml/2006/main" xmlns:r="http://schemas.openxmlformats.org/officeDocument/2006/relationships" xmlns:p="http://schemas.openxmlformats.org/presentationml/2006/main">
   <p:tag name="OUTPUTDPI" val="1200"/>
   <p:tag name="ORIGINALHEIGHT" val="286.4642"/>
@@ -14448,7 +17009,7 @@
 </p:tagLst>
 </file>
 
-<file path=ppt/tags/tag5.xml><?xml version="1.0" encoding="utf-8"?>
+<file path=ppt/tags/tag6.xml><?xml version="1.0" encoding="utf-8"?>
 <p:tagLst xmlns:a="http://schemas.openxmlformats.org/drawingml/2006/main" xmlns:r="http://schemas.openxmlformats.org/officeDocument/2006/relationships" xmlns:p="http://schemas.openxmlformats.org/presentationml/2006/main">
   <p:tag name="OUTPUTDPI" val="1200"/>
   <p:tag name="ORIGINALHEIGHT" val="1164.604"/>
@@ -14467,7 +17028,7 @@
 </p:tagLst>
 </file>
 
-<file path=ppt/tags/tag6.xml><?xml version="1.0" encoding="utf-8"?>
+<file path=ppt/tags/tag7.xml><?xml version="1.0" encoding="utf-8"?>
 <p:tagLst xmlns:a="http://schemas.openxmlformats.org/drawingml/2006/main" xmlns:r="http://schemas.openxmlformats.org/officeDocument/2006/relationships" xmlns:p="http://schemas.openxmlformats.org/presentationml/2006/main">
   <p:tag name="OUTPUTDPI" val="1200"/>
   <p:tag name="ORIGINALHEIGHT" val="566.9291"/>
@@ -14486,7 +17047,7 @@
 </p:tagLst>
 </file>
 
-<file path=ppt/tags/tag7.xml><?xml version="1.0" encoding="utf-8"?>
+<file path=ppt/tags/tag8.xml><?xml version="1.0" encoding="utf-8"?>
 <p:tagLst xmlns:a="http://schemas.openxmlformats.org/drawingml/2006/main" xmlns:r="http://schemas.openxmlformats.org/officeDocument/2006/relationships" xmlns:p="http://schemas.openxmlformats.org/presentationml/2006/main">
   <p:tag name="OUTPUTDPI" val="1200"/>
   <p:tag name="ORIGINALHEIGHT" val="413.1983"/>
@@ -14505,7 +17066,7 @@
 </p:tagLst>
 </file>
 
-<file path=ppt/tags/tag8.xml><?xml version="1.0" encoding="utf-8"?>
+<file path=ppt/tags/tag9.xml><?xml version="1.0" encoding="utf-8"?>
 <p:tagLst xmlns:a="http://schemas.openxmlformats.org/drawingml/2006/main" xmlns:r="http://schemas.openxmlformats.org/officeDocument/2006/relationships" xmlns:p="http://schemas.openxmlformats.org/presentationml/2006/main">
   <p:tag name="OUTPUTDPI" val="1200"/>
   <p:tag name="ORIGINALHEIGHT" val="119.985"/>
@@ -14513,25 +17074,6 @@
   <p:tag name="LATEXADDIN" val="\documentclass{article}&#10;\usepackage{amsmath}&#10;\pagestyle{empty}&#10;\begin{document}&#10;&#10;$\Delta R = WA_{S_1} - WA_{S_2}$&#10;&#10;&#10;\end{document}"/>
   <p:tag name="IGUANATEXSIZE" val="20"/>
   <p:tag name="IGUANATEXCURSOR" val="101"/>
-  <p:tag name="TRANSPARENCY" val="True"/>
-  <p:tag name="FILENAME" val=""/>
-  <p:tag name="LATEXENGINEID" val="0"/>
-  <p:tag name="TEMPFOLDER" val=".\tmp\"/>
-  <p:tag name="LATEXFORMHEIGHT" val="312"/>
-  <p:tag name="LATEXFORMWIDTH" val="384"/>
-  <p:tag name="LATEXFORMWRAP" val="True"/>
-  <p:tag name="BITMAPVECTOR" val="0"/>
-</p:tagLst>
-</file>
-
-<file path=ppt/tags/tag9.xml><?xml version="1.0" encoding="utf-8"?>
-<p:tagLst xmlns:a="http://schemas.openxmlformats.org/drawingml/2006/main" xmlns:r="http://schemas.openxmlformats.org/officeDocument/2006/relationships" xmlns:p="http://schemas.openxmlformats.org/presentationml/2006/main">
-  <p:tag name="OUTPUTDPI" val="1200"/>
-  <p:tag name="ORIGINALHEIGHT" val="122.9846"/>
-  <p:tag name="ORIGINALWIDTH" val="314.9606"/>
-  <p:tag name="LATEXADDIN" val="\documentclass{article}&#10;\usepackage{amsmath}&#10;\usepackage{amssymb}&#10;\pagestyle{empty}&#10;\begin{document}&#10;&#10;$F \neq \emptyset$&#10;&#10;&#10;\end{document}"/>
-  <p:tag name="IGUANATEXSIZE" val="18"/>
-  <p:tag name="IGUANATEXCURSOR" val="107"/>
   <p:tag name="TRANSPARENCY" val="True"/>
   <p:tag name="FILENAME" val=""/>
   <p:tag name="LATEXENGINEID" val="0"/>

--- a/Robustness.pptx
+++ b/Robustness.pptx
@@ -11,32 +11,32 @@
     <p:sldId id="256" r:id="rId2"/>
     <p:sldId id="264" r:id="rId3"/>
     <p:sldId id="284" r:id="rId4"/>
-    <p:sldId id="299" r:id="rId5"/>
-    <p:sldId id="257" r:id="rId6"/>
-    <p:sldId id="278" r:id="rId7"/>
-    <p:sldId id="258" r:id="rId8"/>
-    <p:sldId id="259" r:id="rId9"/>
-    <p:sldId id="285" r:id="rId10"/>
-    <p:sldId id="270" r:id="rId11"/>
-    <p:sldId id="302" r:id="rId12"/>
-    <p:sldId id="260" r:id="rId13"/>
-    <p:sldId id="261" r:id="rId14"/>
-    <p:sldId id="300" r:id="rId15"/>
-    <p:sldId id="301" r:id="rId16"/>
-    <p:sldId id="262" r:id="rId17"/>
-    <p:sldId id="303" r:id="rId18"/>
-    <p:sldId id="304" r:id="rId19"/>
-    <p:sldId id="305" r:id="rId20"/>
-    <p:sldId id="307" r:id="rId21"/>
-    <p:sldId id="306" r:id="rId22"/>
-    <p:sldId id="308" r:id="rId23"/>
-    <p:sldId id="309" r:id="rId24"/>
-    <p:sldId id="310" r:id="rId25"/>
-    <p:sldId id="279" r:id="rId26"/>
-    <p:sldId id="280" r:id="rId27"/>
-    <p:sldId id="286" r:id="rId28"/>
-    <p:sldId id="281" r:id="rId29"/>
-    <p:sldId id="268" r:id="rId30"/>
+    <p:sldId id="257" r:id="rId5"/>
+    <p:sldId id="278" r:id="rId6"/>
+    <p:sldId id="258" r:id="rId7"/>
+    <p:sldId id="259" r:id="rId8"/>
+    <p:sldId id="285" r:id="rId9"/>
+    <p:sldId id="270" r:id="rId10"/>
+    <p:sldId id="302" r:id="rId11"/>
+    <p:sldId id="260" r:id="rId12"/>
+    <p:sldId id="261" r:id="rId13"/>
+    <p:sldId id="300" r:id="rId14"/>
+    <p:sldId id="301" r:id="rId15"/>
+    <p:sldId id="262" r:id="rId16"/>
+    <p:sldId id="303" r:id="rId17"/>
+    <p:sldId id="304" r:id="rId18"/>
+    <p:sldId id="305" r:id="rId19"/>
+    <p:sldId id="307" r:id="rId20"/>
+    <p:sldId id="306" r:id="rId21"/>
+    <p:sldId id="308" r:id="rId22"/>
+    <p:sldId id="309" r:id="rId23"/>
+    <p:sldId id="310" r:id="rId24"/>
+    <p:sldId id="279" r:id="rId25"/>
+    <p:sldId id="281" r:id="rId26"/>
+    <p:sldId id="268" r:id="rId27"/>
+    <p:sldId id="311" r:id="rId28"/>
+    <p:sldId id="312" r:id="rId29"/>
+    <p:sldId id="286" r:id="rId30"/>
     <p:sldId id="282" r:id="rId31"/>
     <p:sldId id="283" r:id="rId32"/>
     <p:sldId id="288" r:id="rId33"/>
@@ -55,29 +55,29 @@
   <p:notesSz cx="6858000" cy="9144000"/>
   <p:embeddedFontLst>
     <p:embeddedFont>
-      <p:font typeface="Open Sans Light" panose="020B0604020202020204" charset="0"/>
+      <p:font typeface="Cambria Math" panose="02040503050406030204" pitchFamily="18" charset="0"/>
       <p:regular r:id="rId45"/>
-      <p:bold r:id="rId46"/>
-      <p:italic r:id="rId47"/>
-      <p:boldItalic r:id="rId48"/>
     </p:embeddedFont>
     <p:embeddedFont>
-      <p:font typeface="Open Sans SemiBold" panose="020B0604020202020204" charset="0"/>
-      <p:regular r:id="rId49"/>
-      <p:bold r:id="rId50"/>
-      <p:italic r:id="rId51"/>
-      <p:boldItalic r:id="rId52"/>
+      <p:font typeface="Open Sans" panose="02010600030101010101" charset="0"/>
+      <p:regular r:id="rId46"/>
+      <p:bold r:id="rId47"/>
+      <p:italic r:id="rId48"/>
+      <p:boldItalic r:id="rId49"/>
     </p:embeddedFont>
     <p:embeddedFont>
-      <p:font typeface="Open Sans" panose="020B0604020202020204" charset="0"/>
-      <p:regular r:id="rId53"/>
-      <p:bold r:id="rId54"/>
-      <p:italic r:id="rId55"/>
-      <p:boldItalic r:id="rId56"/>
+      <p:font typeface="Open Sans Light" panose="02010600030101010101" charset="0"/>
+      <p:regular r:id="rId50"/>
+      <p:bold r:id="rId51"/>
+      <p:italic r:id="rId52"/>
+      <p:boldItalic r:id="rId53"/>
     </p:embeddedFont>
     <p:embeddedFont>
-      <p:font typeface="宋体" panose="02010600030101010101" pitchFamily="2" charset="-122"/>
-      <p:regular r:id="rId57"/>
+      <p:font typeface="Open Sans SemiBold" panose="02010600030101010101" charset="0"/>
+      <p:regular r:id="rId54"/>
+      <p:bold r:id="rId55"/>
+      <p:italic r:id="rId56"/>
+      <p:boldItalic r:id="rId57"/>
     </p:embeddedFont>
   </p:embeddedFontLst>
   <p:defaultTextStyle>
@@ -911,17 +911,14 @@
           <a:bodyPr/>
           <a:lstStyle/>
           <a:p>
-            <a:pPr marL="158750" indent="0">
-              <a:buNone/>
-            </a:pPr>
-            <a:endParaRPr lang="en-US" baseline="0" dirty="0"/>
+            <a:endParaRPr lang="zh-CN" altLang="en-US" dirty="0"/>
           </a:p>
         </p:txBody>
       </p:sp>
     </p:spTree>
     <p:extLst>
       <p:ext uri="{BB962C8B-B14F-4D97-AF65-F5344CB8AC3E}">
-        <p14:creationId xmlns:p14="http://schemas.microsoft.com/office/powerpoint/2010/main" val="4133652077"/>
+        <p14:creationId xmlns:p14="http://schemas.microsoft.com/office/powerpoint/2010/main" val="2159525119"/>
       </p:ext>
     </p:extLst>
   </p:cSld>
@@ -980,6 +977,10 @@
           <a:bodyPr/>
           <a:lstStyle/>
           <a:p>
+            <a:r>
+              <a:rPr lang="en-US" altLang="zh-CN" dirty="0"/>
+              <a:t>Although the behavior of the actual environment is often unknown, we can generate the weakest assumption of a system.</a:t>
+            </a:r>
             <a:endParaRPr lang="zh-CN" altLang="en-US" dirty="0"/>
           </a:p>
         </p:txBody>
@@ -987,7 +988,7 @@
     </p:spTree>
     <p:extLst>
       <p:ext uri="{BB962C8B-B14F-4D97-AF65-F5344CB8AC3E}">
-        <p14:creationId xmlns:p14="http://schemas.microsoft.com/office/powerpoint/2010/main" val="2159525119"/>
+        <p14:creationId xmlns:p14="http://schemas.microsoft.com/office/powerpoint/2010/main" val="3103803863"/>
       </p:ext>
     </p:extLst>
   </p:cSld>
@@ -1064,67 +1065,6 @@
 </file>
 
 <file path=ppt/notesSlides/notesSlide2.xml><?xml version="1.0" encoding="utf-8"?>
-<p:notes xmlns:a="http://schemas.openxmlformats.org/drawingml/2006/main" xmlns:r="http://schemas.openxmlformats.org/officeDocument/2006/relationships" xmlns:p="http://schemas.openxmlformats.org/presentationml/2006/main">
-  <p:cSld>
-    <p:spTree>
-      <p:nvGrpSpPr>
-        <p:cNvPr id="1" name=""/>
-        <p:cNvGrpSpPr/>
-        <p:nvPr/>
-      </p:nvGrpSpPr>
-      <p:grpSpPr>
-        <a:xfrm>
-          <a:off x="0" y="0"/>
-          <a:ext cx="0" cy="0"/>
-          <a:chOff x="0" y="0"/>
-          <a:chExt cx="0" cy="0"/>
-        </a:xfrm>
-      </p:grpSpPr>
-      <p:sp>
-        <p:nvSpPr>
-          <p:cNvPr id="2" name="Slide Image Placeholder 1"/>
-          <p:cNvSpPr>
-            <a:spLocks noGrp="1" noRot="1" noChangeAspect="1"/>
-          </p:cNvSpPr>
-          <p:nvPr>
-            <p:ph type="sldImg"/>
-          </p:nvPr>
-        </p:nvSpPr>
-        <p:spPr/>
-      </p:sp>
-      <p:sp>
-        <p:nvSpPr>
-          <p:cNvPr id="3" name="Notes Placeholder 2"/>
-          <p:cNvSpPr>
-            <a:spLocks noGrp="1"/>
-          </p:cNvSpPr>
-          <p:nvPr>
-            <p:ph type="body" idx="1"/>
-          </p:nvPr>
-        </p:nvSpPr>
-        <p:spPr/>
-        <p:txBody>
-          <a:bodyPr/>
-          <a:lstStyle/>
-          <a:p>
-            <a:endParaRPr lang="en-US" dirty="0"/>
-          </a:p>
-        </p:txBody>
-      </p:sp>
-    </p:spTree>
-    <p:extLst>
-      <p:ext uri="{BB962C8B-B14F-4D97-AF65-F5344CB8AC3E}">
-        <p14:creationId xmlns:p14="http://schemas.microsoft.com/office/powerpoint/2010/main" val="2404245219"/>
-      </p:ext>
-    </p:extLst>
-  </p:cSld>
-  <p:clrMapOvr>
-    <a:masterClrMapping/>
-  </p:clrMapOvr>
-</p:notes>
-</file>
-
-<file path=ppt/notesSlides/notesSlide3.xml><?xml version="1.0" encoding="utf-8"?>
 <p:notes xmlns:a="http://schemas.openxmlformats.org/drawingml/2006/main" xmlns:r="http://schemas.openxmlformats.org/officeDocument/2006/relationships" xmlns:p="http://schemas.openxmlformats.org/presentationml/2006/main" showMasterSp="0" showMasterPhAnim="0">
   <p:cSld>
     <p:spTree>
@@ -1216,11 +1156,85 @@
               </a:spcAft>
               <a:buNone/>
             </a:pPr>
+            <a:r>
+              <a:rPr lang="en-US" dirty="0"/>
+              <a:t>In different domains, the definition of robustness is different and thus the measure is different</a:t>
+            </a:r>
             <a:endParaRPr dirty="0"/>
           </a:p>
         </p:txBody>
       </p:sp>
     </p:spTree>
+  </p:cSld>
+  <p:clrMapOvr>
+    <a:masterClrMapping/>
+  </p:clrMapOvr>
+</p:notes>
+</file>
+
+<file path=ppt/notesSlides/notesSlide3.xml><?xml version="1.0" encoding="utf-8"?>
+<p:notes xmlns:a="http://schemas.openxmlformats.org/drawingml/2006/main" xmlns:r="http://schemas.openxmlformats.org/officeDocument/2006/relationships" xmlns:p="http://schemas.openxmlformats.org/presentationml/2006/main">
+  <p:cSld>
+    <p:spTree>
+      <p:nvGrpSpPr>
+        <p:cNvPr id="1" name=""/>
+        <p:cNvGrpSpPr/>
+        <p:nvPr/>
+      </p:nvGrpSpPr>
+      <p:grpSpPr>
+        <a:xfrm>
+          <a:off x="0" y="0"/>
+          <a:ext cx="0" cy="0"/>
+          <a:chOff x="0" y="0"/>
+          <a:chExt cx="0" cy="0"/>
+        </a:xfrm>
+      </p:grpSpPr>
+      <p:sp>
+        <p:nvSpPr>
+          <p:cNvPr id="2" name="Slide Image Placeholder 1"/>
+          <p:cNvSpPr>
+            <a:spLocks noGrp="1" noRot="1" noChangeAspect="1"/>
+          </p:cNvSpPr>
+          <p:nvPr>
+            <p:ph type="sldImg"/>
+          </p:nvPr>
+        </p:nvSpPr>
+        <p:spPr>
+          <a:xfrm>
+            <a:off x="381000" y="685800"/>
+            <a:ext cx="6096000" cy="3429000"/>
+          </a:xfrm>
+        </p:spPr>
+      </p:sp>
+      <p:sp>
+        <p:nvSpPr>
+          <p:cNvPr id="3" name="Notes Placeholder 2"/>
+          <p:cNvSpPr>
+            <a:spLocks noGrp="1"/>
+          </p:cNvSpPr>
+          <p:nvPr>
+            <p:ph type="body" idx="1"/>
+          </p:nvPr>
+        </p:nvSpPr>
+        <p:spPr/>
+        <p:txBody>
+          <a:bodyPr/>
+          <a:lstStyle/>
+          <a:p>
+            <a:r>
+              <a:rPr lang="en-US" altLang="zh-CN" dirty="0"/>
+              <a:t>The source and goal concepts are similar to the six dimensions of quality attributes proposed by SEI. Here, we simplify it and only focus on the stimulus (source) and the expected reaction of the system.</a:t>
+            </a:r>
+            <a:endParaRPr lang="zh-CN" altLang="en-US" dirty="0"/>
+          </a:p>
+        </p:txBody>
+      </p:sp>
+    </p:spTree>
+    <p:extLst>
+      <p:ext uri="{BB962C8B-B14F-4D97-AF65-F5344CB8AC3E}">
+        <p14:creationId xmlns:p14="http://schemas.microsoft.com/office/powerpoint/2010/main" val="2176454430"/>
+      </p:ext>
+    </p:extLst>
   </p:cSld>
   <p:clrMapOvr>
     <a:masterClrMapping/>
@@ -1278,17 +1292,21 @@
           <a:lstStyle/>
           <a:p>
             <a:r>
-              <a:rPr lang="en-US" altLang="zh-CN" dirty="0"/>
-              <a:t>The source and goal concepts are similar to the six dimensions of quality attributes proposed by SEI. Here, we simplify it and only focus on the stimulus (source) and the expected reaction of the system.</a:t>
-            </a:r>
-            <a:endParaRPr lang="zh-CN" altLang="en-US" dirty="0"/>
+              <a:rPr lang="en-US" dirty="0"/>
+              <a:t>In</a:t>
+            </a:r>
+            <a:r>
+              <a:rPr lang="en-US" baseline="0" dirty="0"/>
+              <a:t> other domain, there are formal definitions of robustness</a:t>
+            </a:r>
+            <a:endParaRPr lang="en-US" dirty="0"/>
           </a:p>
         </p:txBody>
       </p:sp>
     </p:spTree>
     <p:extLst>
       <p:ext uri="{BB962C8B-B14F-4D97-AF65-F5344CB8AC3E}">
-        <p14:creationId xmlns:p14="http://schemas.microsoft.com/office/powerpoint/2010/main" val="2176454430"/>
+        <p14:creationId xmlns:p14="http://schemas.microsoft.com/office/powerpoint/2010/main" val="1876292659"/>
       </p:ext>
     </p:extLst>
   </p:cSld>
@@ -1348,21 +1366,17 @@
           <a:lstStyle/>
           <a:p>
             <a:r>
-              <a:rPr lang="en-US" dirty="0"/>
-              <a:t>In</a:t>
-            </a:r>
-            <a:r>
-              <a:rPr lang="en-US" baseline="0" dirty="0"/>
-              <a:t> other domain, there are formal definitions of robustness</a:t>
-            </a:r>
-            <a:endParaRPr lang="en-US" dirty="0"/>
+              <a:rPr lang="en-US" altLang="zh-CN" dirty="0"/>
+              <a:t>In the diagrams above, state 0 is always the initial state</a:t>
+            </a:r>
+            <a:endParaRPr lang="zh-CN" altLang="en-US" dirty="0"/>
           </a:p>
         </p:txBody>
       </p:sp>
     </p:spTree>
     <p:extLst>
       <p:ext uri="{BB962C8B-B14F-4D97-AF65-F5344CB8AC3E}">
-        <p14:creationId xmlns:p14="http://schemas.microsoft.com/office/powerpoint/2010/main" val="1876292659"/>
+        <p14:creationId xmlns:p14="http://schemas.microsoft.com/office/powerpoint/2010/main" val="2651326126"/>
       </p:ext>
     </p:extLst>
   </p:cSld>
@@ -1421,18 +1435,60 @@
           <a:bodyPr/>
           <a:lstStyle/>
           <a:p>
+            <a:pPr marL="158750" indent="0">
+              <a:buNone/>
+            </a:pPr>
+            <a:endParaRPr lang="en-US" altLang="zh-CN" b="1" dirty="0"/>
+          </a:p>
+          <a:p>
+            <a:pPr marL="158750" indent="0">
+              <a:buNone/>
+            </a:pPr>
+            <a:r>
+              <a:rPr lang="en-US" altLang="zh-CN" b="1" dirty="0"/>
+              <a:t>Limitations:</a:t>
+            </a:r>
+          </a:p>
+          <a:p>
+            <a:pPr marL="457200" indent="-298450"/>
             <a:r>
               <a:rPr lang="en-US" altLang="zh-CN" dirty="0"/>
-              <a:t>In the diagrams above, state 0 is always the initial state</a:t>
-            </a:r>
-            <a:endParaRPr lang="zh-CN" altLang="en-US" dirty="0"/>
+              <a:t>A safety property is restricted to the form of LTSA property.</a:t>
+            </a:r>
+          </a:p>
+          <a:p>
+            <a:pPr marL="457200" indent="-298450"/>
+            <a:r>
+              <a:rPr lang="en-US" altLang="zh-CN" dirty="0"/>
+              <a:t>We consider deadlock-free to be the weakest form of liveness, i.e., the system should not be stuck at some step.</a:t>
+            </a:r>
+          </a:p>
+          <a:p>
+            <a:pPr marL="158750" indent="0">
+              <a:buNone/>
+            </a:pPr>
+            <a:endParaRPr lang="en-US" altLang="zh-CN" dirty="0"/>
+          </a:p>
+          <a:p>
+            <a:pPr marL="158750" indent="0">
+              <a:buNone/>
+            </a:pPr>
+            <a:r>
+              <a:rPr lang="en-US" altLang="zh-CN" b="1" dirty="0"/>
+              <a:t>I will use “correct” in this presentation</a:t>
+            </a:r>
+            <a:r>
+              <a:rPr lang="en-US" altLang="zh-CN" b="1" baseline="0" dirty="0"/>
+              <a:t> for simplicity, but it means the system should satisfy the given safety properties and be deadlock-free.</a:t>
+            </a:r>
+            <a:endParaRPr lang="en-US" altLang="zh-CN" b="1" dirty="0"/>
           </a:p>
         </p:txBody>
       </p:sp>
     </p:spTree>
     <p:extLst>
       <p:ext uri="{BB962C8B-B14F-4D97-AF65-F5344CB8AC3E}">
-        <p14:creationId xmlns:p14="http://schemas.microsoft.com/office/powerpoint/2010/main" val="2651326126"/>
+        <p14:creationId xmlns:p14="http://schemas.microsoft.com/office/powerpoint/2010/main" val="988333764"/>
       </p:ext>
     </p:extLst>
   </p:cSld>
@@ -1494,57 +1550,14 @@
             <a:pPr marL="158750" indent="0">
               <a:buNone/>
             </a:pPr>
-            <a:endParaRPr lang="en-US" altLang="zh-CN" b="1" dirty="0"/>
-          </a:p>
-          <a:p>
-            <a:pPr marL="158750" indent="0">
-              <a:buNone/>
-            </a:pPr>
-            <a:r>
-              <a:rPr lang="en-US" altLang="zh-CN" b="1" dirty="0"/>
-              <a:t>Limitations:</a:t>
-            </a:r>
-          </a:p>
-          <a:p>
-            <a:pPr marL="457200" indent="-298450"/>
-            <a:r>
-              <a:rPr lang="en-US" altLang="zh-CN" dirty="0"/>
-              <a:t>A safety property is restricted to the form of LTSA property.</a:t>
-            </a:r>
-          </a:p>
-          <a:p>
-            <a:pPr marL="457200" indent="-298450"/>
-            <a:r>
-              <a:rPr lang="en-US" altLang="zh-CN" dirty="0"/>
-              <a:t>We consider deadlock-free to be the weakest form of liveness, i.e., the system should not be stuck at some step.</a:t>
-            </a:r>
-          </a:p>
-          <a:p>
-            <a:pPr marL="158750" indent="0">
-              <a:buNone/>
-            </a:pPr>
-            <a:endParaRPr lang="en-US" altLang="zh-CN" dirty="0"/>
-          </a:p>
-          <a:p>
-            <a:pPr marL="158750" indent="0">
-              <a:buNone/>
-            </a:pPr>
-            <a:r>
-              <a:rPr lang="en-US" altLang="zh-CN" b="1" dirty="0"/>
-              <a:t>I will use “correct” in this presentation</a:t>
-            </a:r>
-            <a:r>
-              <a:rPr lang="en-US" altLang="zh-CN" b="1" baseline="0" dirty="0"/>
-              <a:t> for simplicity, but it means the system should satisfy the given safety properties and be deadlock-free.</a:t>
-            </a:r>
-            <a:endParaRPr lang="en-US" altLang="zh-CN" b="1" dirty="0"/>
+            <a:endParaRPr lang="en-US" dirty="0"/>
           </a:p>
         </p:txBody>
       </p:sp>
     </p:spTree>
     <p:extLst>
       <p:ext uri="{BB962C8B-B14F-4D97-AF65-F5344CB8AC3E}">
-        <p14:creationId xmlns:p14="http://schemas.microsoft.com/office/powerpoint/2010/main" val="988333764"/>
+        <p14:creationId xmlns:p14="http://schemas.microsoft.com/office/powerpoint/2010/main" val="564671888"/>
       </p:ext>
     </p:extLst>
   </p:cSld>
@@ -1606,14 +1619,14 @@
             <a:pPr marL="158750" indent="0">
               <a:buNone/>
             </a:pPr>
-            <a:endParaRPr lang="en-US" dirty="0"/>
+            <a:endParaRPr lang="en-US" baseline="0" dirty="0"/>
           </a:p>
         </p:txBody>
       </p:sp>
     </p:spTree>
     <p:extLst>
       <p:ext uri="{BB962C8B-B14F-4D97-AF65-F5344CB8AC3E}">
-        <p14:creationId xmlns:p14="http://schemas.microsoft.com/office/powerpoint/2010/main" val="564671888"/>
+        <p14:creationId xmlns:p14="http://schemas.microsoft.com/office/powerpoint/2010/main" val="3152369955"/>
       </p:ext>
     </p:extLst>
   </p:cSld>
@@ -1682,7 +1695,7 @@
     </p:spTree>
     <p:extLst>
       <p:ext uri="{BB962C8B-B14F-4D97-AF65-F5344CB8AC3E}">
-        <p14:creationId xmlns:p14="http://schemas.microsoft.com/office/powerpoint/2010/main" val="3152369955"/>
+        <p14:creationId xmlns:p14="http://schemas.microsoft.com/office/powerpoint/2010/main" val="4133652077"/>
       </p:ext>
     </p:extLst>
   </p:cSld>
@@ -7470,10 +7483,10 @@
               <a:buNone/>
             </a:pPr>
             <a:r>
-              <a:rPr lang="en-US" sz="4800" dirty="0"/>
-              <a:t>How to Measure Robustness</a:t>
-            </a:r>
-            <a:endParaRPr sz="4800" dirty="0"/>
+              <a:rPr lang="en-US" sz="4000" dirty="0"/>
+              <a:t>How to “Measure” Software Robustness</a:t>
+            </a:r>
+            <a:endParaRPr sz="4000" dirty="0"/>
           </a:p>
           <a:p>
             <a:pPr marL="0" lvl="0" indent="0" algn="ctr" rtl="0">
@@ -7716,187 +7729,10 @@
   <p:clrMapOvr>
     <a:masterClrMapping/>
   </p:clrMapOvr>
-  <p:timing>
-    <p:tnLst>
-      <p:par>
-        <p:cTn id="1" dur="indefinite" restart="never" nodeType="tmRoot"/>
-      </p:par>
-    </p:tnLst>
-  </p:timing>
 </p:sld>
 </file>
 
 <file path=ppt/slides/slide10.xml><?xml version="1.0" encoding="utf-8"?>
-<p:sld xmlns:a="http://schemas.openxmlformats.org/drawingml/2006/main" xmlns:r="http://schemas.openxmlformats.org/officeDocument/2006/relationships" xmlns:p="http://schemas.openxmlformats.org/presentationml/2006/main">
-  <p:cSld>
-    <p:spTree>
-      <p:nvGrpSpPr>
-        <p:cNvPr id="1" name=""/>
-        <p:cNvGrpSpPr/>
-        <p:nvPr/>
-      </p:nvGrpSpPr>
-      <p:grpSpPr>
-        <a:xfrm>
-          <a:off x="0" y="0"/>
-          <a:ext cx="0" cy="0"/>
-          <a:chOff x="0" y="0"/>
-          <a:chExt cx="0" cy="0"/>
-        </a:xfrm>
-      </p:grpSpPr>
-      <p:sp>
-        <p:nvSpPr>
-          <p:cNvPr id="2" name="Title 1">
-            <a:extLst>
-              <a:ext uri="{FF2B5EF4-FFF2-40B4-BE49-F238E27FC236}">
-                <a16:creationId xmlns:a16="http://schemas.microsoft.com/office/drawing/2014/main" id="{7D605995-26D7-480D-A8E6-4CA4D75F6B77}"/>
-              </a:ext>
-            </a:extLst>
-          </p:cNvPr>
-          <p:cNvSpPr>
-            <a:spLocks noGrp="1"/>
-          </p:cNvSpPr>
-          <p:nvPr>
-            <p:ph type="title"/>
-          </p:nvPr>
-        </p:nvSpPr>
-        <p:spPr/>
-        <p:txBody>
-          <a:bodyPr/>
-          <a:lstStyle/>
-          <a:p>
-            <a:r>
-              <a:rPr lang="en-US" altLang="zh-CN" dirty="0"/>
-              <a:t>Background</a:t>
-            </a:r>
-            <a:endParaRPr lang="zh-CN" altLang="en-US" dirty="0"/>
-          </a:p>
-        </p:txBody>
-      </p:sp>
-      <p:sp>
-        <p:nvSpPr>
-          <p:cNvPr id="3" name="Text Placeholder 2">
-            <a:extLst>
-              <a:ext uri="{FF2B5EF4-FFF2-40B4-BE49-F238E27FC236}">
-                <a16:creationId xmlns:a16="http://schemas.microsoft.com/office/drawing/2014/main" id="{1843D3EB-6AE8-431A-A06F-71485AF82E70}"/>
-              </a:ext>
-            </a:extLst>
-          </p:cNvPr>
-          <p:cNvSpPr>
-            <a:spLocks noGrp="1"/>
-          </p:cNvSpPr>
-          <p:nvPr>
-            <p:ph type="body" idx="1"/>
-          </p:nvPr>
-        </p:nvSpPr>
-        <p:spPr/>
-        <p:txBody>
-          <a:bodyPr/>
-          <a:lstStyle/>
-          <a:p>
-            <a:pPr marL="114300" indent="0">
-              <a:buNone/>
-            </a:pPr>
-            <a:r>
-              <a:rPr lang="en-US" altLang="zh-CN" sz="1600" dirty="0"/>
-              <a:t>We use labelled transition systems to model the behavior of systems and environments.</a:t>
-            </a:r>
-            <a:endParaRPr lang="zh-CN" altLang="en-US" sz="1600" dirty="0"/>
-          </a:p>
-        </p:txBody>
-      </p:sp>
-      <p:sp>
-        <p:nvSpPr>
-          <p:cNvPr id="4" name="Slide Number Placeholder 3">
-            <a:extLst>
-              <a:ext uri="{FF2B5EF4-FFF2-40B4-BE49-F238E27FC236}">
-                <a16:creationId xmlns:a16="http://schemas.microsoft.com/office/drawing/2014/main" id="{DD769FA6-C05F-4802-8572-EDA4F133331D}"/>
-              </a:ext>
-            </a:extLst>
-          </p:cNvPr>
-          <p:cNvSpPr>
-            <a:spLocks noGrp="1"/>
-          </p:cNvSpPr>
-          <p:nvPr>
-            <p:ph type="sldNum" idx="12"/>
-          </p:nvPr>
-        </p:nvSpPr>
-        <p:spPr/>
-        <p:txBody>
-          <a:bodyPr/>
-          <a:lstStyle/>
-          <a:p>
-            <a:pPr marL="0" lvl="0" indent="0" algn="r" rtl="0">
-              <a:spcBef>
-                <a:spcPts val="0"/>
-              </a:spcBef>
-              <a:spcAft>
-                <a:spcPts val="0"/>
-              </a:spcAft>
-              <a:buNone/>
-            </a:pPr>
-            <a:fld id="{00000000-1234-1234-1234-123412341234}" type="slidenum">
-              <a:rPr lang="en" smtClean="0"/>
-              <a:t>10</a:t>
-            </a:fld>
-            <a:endParaRPr lang="en"/>
-          </a:p>
-        </p:txBody>
-      </p:sp>
-      <p:pic>
-        <p:nvPicPr>
-          <p:cNvPr id="10" name="Picture 9">
-            <a:extLst>
-              <a:ext uri="{FF2B5EF4-FFF2-40B4-BE49-F238E27FC236}">
-                <a16:creationId xmlns:a16="http://schemas.microsoft.com/office/drawing/2014/main" id="{FE22408C-4A77-4163-AFBB-C9F8F850FDA4}"/>
-              </a:ext>
-            </a:extLst>
-          </p:cNvPr>
-          <p:cNvPicPr>
-            <a:picLocks noChangeAspect="1"/>
-          </p:cNvPicPr>
-          <p:nvPr>
-            <p:custDataLst>
-              <p:tags r:id="rId1"/>
-            </p:custDataLst>
-          </p:nvPr>
-        </p:nvPicPr>
-        <p:blipFill>
-          <a:blip r:embed="rId3"/>
-          <a:stretch>
-            <a:fillRect/>
-          </a:stretch>
-        </p:blipFill>
-        <p:spPr>
-          <a:xfrm>
-            <a:off x="888190" y="1939978"/>
-            <a:ext cx="7367619" cy="2262857"/>
-          </a:xfrm>
-          <a:prstGeom prst="rect">
-            <a:avLst/>
-          </a:prstGeom>
-        </p:spPr>
-      </p:pic>
-    </p:spTree>
-    <p:extLst>
-      <p:ext uri="{BB962C8B-B14F-4D97-AF65-F5344CB8AC3E}">
-        <p14:creationId xmlns:p14="http://schemas.microsoft.com/office/powerpoint/2010/main" val="3205186143"/>
-      </p:ext>
-    </p:extLst>
-  </p:cSld>
-  <p:clrMapOvr>
-    <a:masterClrMapping/>
-  </p:clrMapOvr>
-  <p:timing>
-    <p:tnLst>
-      <p:par>
-        <p:cTn id="1" dur="indefinite" restart="never" nodeType="tmRoot"/>
-      </p:par>
-    </p:tnLst>
-  </p:timing>
-</p:sld>
-</file>
-
-<file path=ppt/slides/slide11.xml><?xml version="1.0" encoding="utf-8"?>
 <p:sld xmlns:a="http://schemas.openxmlformats.org/drawingml/2006/main" xmlns:r="http://schemas.openxmlformats.org/officeDocument/2006/relationships" xmlns:p="http://schemas.openxmlformats.org/presentationml/2006/main">
   <p:cSld>
     <p:spTree>
@@ -7929,10 +7765,9 @@
           <a:lstStyle/>
           <a:p>
             <a:r>
-              <a:rPr lang="en-US" dirty="0" smtClean="0"/>
+              <a:rPr lang="en-US" dirty="0"/>
               <a:t>Background</a:t>
             </a:r>
-            <a:endParaRPr lang="en-US" dirty="0"/>
           </a:p>
         </p:txBody>
       </p:sp>
@@ -7952,16 +7787,16 @@
           <a:lstStyle/>
           <a:p>
             <a:r>
-              <a:rPr lang="en-US" sz="1600" dirty="0" smtClean="0"/>
+              <a:rPr lang="en-US" sz="1600" dirty="0"/>
               <a:t>We use </a:t>
             </a:r>
             <a:r>
-              <a:rPr lang="en-US" sz="1600" i="1" dirty="0" smtClean="0"/>
+              <a:rPr lang="en-US" sz="1600" i="1" dirty="0"/>
               <a:t>parallel composition </a:t>
             </a:r>
             <a:r>
-              <a:rPr lang="en-US" sz="1600" dirty="0" smtClean="0"/>
-              <a:t>to model multiple concurrent LTSs.</a:t>
+              <a:rPr lang="en-US" sz="1600" dirty="0"/>
+              <a:t>to compose multiple concurrent LTSs as one system.</a:t>
             </a:r>
           </a:p>
           <a:p>
@@ -7971,15 +7806,7 @@
             </a:r>
             <a:r>
               <a:rPr lang="en-US" sz="1600" dirty="0"/>
-              <a:t>||”  is an operator that combines behavior of two </a:t>
-            </a:r>
-            <a:r>
-              <a:rPr lang="en-US" sz="1600" dirty="0" smtClean="0"/>
-              <a:t>LTSs </a:t>
-            </a:r>
-            <a:r>
-              <a:rPr lang="en-US" sz="1600" dirty="0"/>
-              <a:t>by synchronizing common actions and interleaving the remaining actions.</a:t>
+              <a:t>||”  is an operator that combines behavior of two LTSs by synchronizing common actions and interleaving the remaining actions.</a:t>
             </a:r>
           </a:p>
           <a:p>
@@ -8013,7 +7840,7 @@
             </a:pPr>
             <a:fld id="{00000000-1234-1234-1234-123412341234}" type="slidenum">
               <a:rPr lang="en" smtClean="0"/>
-              <a:t>11</a:t>
+              <a:t>10</a:t>
             </a:fld>
             <a:endParaRPr lang="en"/>
           </a:p>
@@ -8063,17 +7890,10 @@
   <p:clrMapOvr>
     <a:masterClrMapping/>
   </p:clrMapOvr>
-  <p:timing>
-    <p:tnLst>
-      <p:par>
-        <p:cTn id="1" dur="indefinite" restart="never" nodeType="tmRoot"/>
-      </p:par>
-    </p:tnLst>
-  </p:timing>
 </p:sld>
 </file>
 
-<file path=ppt/slides/slide12.xml><?xml version="1.0" encoding="utf-8"?>
+<file path=ppt/slides/slide11.xml><?xml version="1.0" encoding="utf-8"?>
 <p:sld xmlns:a="http://schemas.openxmlformats.org/drawingml/2006/main" xmlns:r="http://schemas.openxmlformats.org/officeDocument/2006/relationships" xmlns:p="http://schemas.openxmlformats.org/presentationml/2006/main">
   <p:cSld>
     <p:spTree>
@@ -8192,7 +8012,7 @@
             </a:pPr>
             <a:fld id="{00000000-1234-1234-1234-123412341234}" type="slidenum">
               <a:rPr lang="en" smtClean="0"/>
-              <a:t>12</a:t>
+              <a:t>11</a:t>
             </a:fld>
             <a:endParaRPr lang="en"/>
           </a:p>
@@ -8280,17 +8100,10 @@
   <p:clrMapOvr>
     <a:masterClrMapping/>
   </p:clrMapOvr>
-  <p:timing>
-    <p:tnLst>
-      <p:par>
-        <p:cTn id="1" dur="indefinite" restart="never" nodeType="tmRoot"/>
-      </p:par>
-    </p:tnLst>
-  </p:timing>
 </p:sld>
 </file>
 
-<file path=ppt/slides/slide13.xml><?xml version="1.0" encoding="utf-8"?>
+<file path=ppt/slides/slide12.xml><?xml version="1.0" encoding="utf-8"?>
 <p:sld xmlns:a="http://schemas.openxmlformats.org/drawingml/2006/main" xmlns:r="http://schemas.openxmlformats.org/officeDocument/2006/relationships" xmlns:p="http://schemas.openxmlformats.org/presentationml/2006/main">
   <p:cSld>
     <p:spTree>
@@ -8359,11 +8172,7 @@
           <a:p>
             <a:r>
               <a:rPr lang="en-US" altLang="zh-CN" dirty="0"/>
-              <a:t>Informally, </a:t>
-            </a:r>
-            <a:r>
-              <a:rPr lang="en-US" altLang="zh-CN" dirty="0" smtClean="0"/>
-              <a:t>in a system</a:t>
+              <a:t>Informally, in a system</a:t>
             </a:r>
           </a:p>
           <a:p>
@@ -8378,16 +8187,8 @@
               <a:buAutoNum type="arabicParenR"/>
             </a:pPr>
             <a:r>
-              <a:rPr lang="en-US" altLang="zh-CN" dirty="0" smtClean="0"/>
-              <a:t>bad </a:t>
-            </a:r>
-            <a:r>
               <a:rPr lang="en-US" altLang="zh-CN" dirty="0"/>
-              <a:t>things should not happen, </a:t>
-            </a:r>
-            <a:r>
-              <a:rPr lang="en-US" altLang="zh-CN" dirty="0" smtClean="0"/>
-              <a:t>and</a:t>
+              <a:t>bad things should not happen, and</a:t>
             </a:r>
           </a:p>
           <a:p>
@@ -8402,30 +8203,14 @@
               <a:buAutoNum type="arabicParenR"/>
             </a:pPr>
             <a:r>
-              <a:rPr lang="en-US" altLang="zh-CN" dirty="0" smtClean="0"/>
-              <a:t>good </a:t>
-            </a:r>
-            <a:r>
               <a:rPr lang="en-US" altLang="zh-CN" dirty="0"/>
-              <a:t>things should </a:t>
-            </a:r>
-            <a:r>
-              <a:rPr lang="en-US" altLang="zh-CN" dirty="0" smtClean="0"/>
-              <a:t>eventually happen</a:t>
-            </a:r>
+              <a:t>good things should eventually happen.</a:t>
+            </a:r>
+          </a:p>
+          <a:p>
             <a:r>
               <a:rPr lang="en-US" altLang="zh-CN" dirty="0"/>
-              <a:t>.</a:t>
-            </a:r>
-          </a:p>
-          <a:p>
-            <a:r>
-              <a:rPr lang="en-US" altLang="zh-CN" dirty="0" smtClean="0"/>
-              <a:t>Formally, the </a:t>
-            </a:r>
-            <a:r>
-              <a:rPr lang="en-US" altLang="zh-CN" dirty="0"/>
-              <a:t>correct function is a combination of </a:t>
+              <a:t>Formally, the correct function is a combination of </a:t>
             </a:r>
             <a:r>
               <a:rPr lang="en-US" altLang="zh-CN" b="1" dirty="0"/>
@@ -8441,13 +8226,8 @@
             </a:r>
             <a:r>
               <a:rPr lang="en-US" altLang="zh-CN" dirty="0"/>
-              <a:t> properties</a:t>
-            </a:r>
-            <a:r>
-              <a:rPr lang="en-US" altLang="zh-CN" dirty="0" smtClean="0"/>
-              <a:t>.</a:t>
-            </a:r>
-            <a:endParaRPr lang="en-US" altLang="zh-CN" dirty="0"/>
+              <a:t> properties.</a:t>
+            </a:r>
           </a:p>
         </p:txBody>
       </p:sp>
@@ -8483,7 +8263,7 @@
             </a:pPr>
             <a:fld id="{00000000-1234-1234-1234-123412341234}" type="slidenum">
               <a:rPr lang="en" smtClean="0"/>
-              <a:t>13</a:t>
+              <a:t>12</a:t>
             </a:fld>
             <a:endParaRPr lang="en"/>
           </a:p>
@@ -8499,17 +8279,10 @@
   <p:clrMapOvr>
     <a:masterClrMapping/>
   </p:clrMapOvr>
-  <p:timing>
-    <p:tnLst>
-      <p:par>
-        <p:cTn id="1" dur="indefinite" restart="never" nodeType="tmRoot"/>
-      </p:par>
-    </p:tnLst>
-  </p:timing>
 </p:sld>
 </file>
 
-<file path=ppt/slides/slide14.xml><?xml version="1.0" encoding="utf-8"?>
+<file path=ppt/slides/slide13.xml><?xml version="1.0" encoding="utf-8"?>
 <p:sld xmlns:a="http://schemas.openxmlformats.org/drawingml/2006/main" xmlns:r="http://schemas.openxmlformats.org/officeDocument/2006/relationships" xmlns:p="http://schemas.openxmlformats.org/presentationml/2006/main">
   <p:cSld>
     <p:spTree>
@@ -8542,58 +8315,105 @@
           <a:lstStyle/>
           <a:p>
             <a:r>
-              <a:rPr lang="en-US" dirty="0" smtClean="0"/>
+              <a:rPr lang="en-US" dirty="0"/>
               <a:t>Safety Property</a:t>
             </a:r>
-            <a:endParaRPr lang="en-US" dirty="0"/>
           </a:p>
         </p:txBody>
       </p:sp>
-      <p:sp>
-        <p:nvSpPr>
-          <p:cNvPr id="3" name="Text Placeholder 2"/>
-          <p:cNvSpPr>
-            <a:spLocks noGrp="1"/>
-          </p:cNvSpPr>
-          <p:nvPr>
-            <p:ph type="body" idx="1"/>
-          </p:nvPr>
-        </p:nvSpPr>
-        <p:spPr/>
-        <p:txBody>
-          <a:bodyPr/>
-          <a:lstStyle/>
-          <a:p>
-            <a:r>
-              <a:rPr lang="en-US" dirty="0" smtClean="0"/>
-              <a:t>A safety property </a:t>
-            </a:r>
-            <a:r>
-              <a:rPr lang="en-US" i="1" dirty="0" smtClean="0"/>
-              <a:t>P</a:t>
-            </a:r>
-            <a:r>
-              <a:rPr lang="en-US" dirty="0" smtClean="0"/>
-              <a:t> is a deterministic LTS which defines the acceptable behavior over the alphabet of </a:t>
-            </a:r>
-            <a:r>
-              <a:rPr lang="en-US" i="1" dirty="0" smtClean="0"/>
-              <a:t>P</a:t>
-            </a:r>
-            <a:r>
-              <a:rPr lang="en-US" dirty="0" smtClean="0"/>
-              <a:t>.</a:t>
-            </a:r>
-          </a:p>
-          <a:p>
-            <a:r>
-              <a:rPr lang="en-US" dirty="0" smtClean="0"/>
-              <a:t>E.g., assert that the input and output events should alternate, we have:</a:t>
-            </a:r>
-            <a:endParaRPr lang="en-US" dirty="0"/>
-          </a:p>
-        </p:txBody>
-      </p:sp>
+      <mc:AlternateContent xmlns:mc="http://schemas.openxmlformats.org/markup-compatibility/2006">
+        <mc:Choice xmlns:a14="http://schemas.microsoft.com/office/drawing/2010/main" Requires="a14">
+          <p:sp>
+            <p:nvSpPr>
+              <p:cNvPr id="3" name="Text Placeholder 2"/>
+              <p:cNvSpPr>
+                <a:spLocks noGrp="1"/>
+              </p:cNvSpPr>
+              <p:nvPr>
+                <p:ph type="body" idx="1"/>
+              </p:nvPr>
+            </p:nvSpPr>
+            <p:spPr/>
+            <p:txBody>
+              <a:bodyPr/>
+              <a:lstStyle/>
+              <a:p>
+                <a:r>
+                  <a:rPr lang="en-US" dirty="0"/>
+                  <a:t>A safety property </a:t>
+                </a:r>
+                <a14:m>
+                  <m:oMath xmlns:m="http://schemas.openxmlformats.org/officeDocument/2006/math">
+                    <m:r>
+                      <a:rPr lang="en-US" i="1" dirty="0" smtClean="0">
+                        <a:latin typeface="Cambria Math" panose="02040503050406030204" pitchFamily="18" charset="0"/>
+                      </a:rPr>
+                      <m:t>𝑃</m:t>
+                    </m:r>
+                  </m:oMath>
+                </a14:m>
+                <a:r>
+                  <a:rPr lang="en-US" dirty="0"/>
+                  <a:t> is a deterministic LTS which defines the acceptable behavior over the alphabet of </a:t>
+                </a:r>
+                <a14:m>
+                  <m:oMath xmlns:m="http://schemas.openxmlformats.org/officeDocument/2006/math">
+                    <m:r>
+                      <a:rPr lang="en-US" i="1" dirty="0" smtClean="0">
+                        <a:latin typeface="Cambria Math" panose="02040503050406030204" pitchFamily="18" charset="0"/>
+                      </a:rPr>
+                      <m:t>𝑃</m:t>
+                    </m:r>
+                  </m:oMath>
+                </a14:m>
+                <a:r>
+                  <a:rPr lang="en-US" dirty="0"/>
+                  <a:t>.</a:t>
+                </a:r>
+              </a:p>
+              <a:p>
+                <a:r>
+                  <a:rPr lang="en-US" dirty="0"/>
+                  <a:t>E.g., assert that the input and output events should alternate, we have:</a:t>
+                </a:r>
+              </a:p>
+            </p:txBody>
+          </p:sp>
+        </mc:Choice>
+        <mc:Fallback>
+          <p:sp>
+            <p:nvSpPr>
+              <p:cNvPr id="3" name="Text Placeholder 2"/>
+              <p:cNvSpPr>
+                <a:spLocks noGrp="1" noRot="1" noChangeAspect="1" noMove="1" noResize="1" noEditPoints="1" noAdjustHandles="1" noChangeArrowheads="1" noChangeShapeType="1" noTextEdit="1"/>
+              </p:cNvSpPr>
+              <p:nvPr>
+                <p:ph type="body" idx="1"/>
+              </p:nvPr>
+            </p:nvSpPr>
+            <p:spPr>
+              <a:blipFill>
+                <a:blip r:embed="rId3"/>
+                <a:stretch>
+                  <a:fillRect/>
+                </a:stretch>
+              </a:blipFill>
+            </p:spPr>
+            <p:txBody>
+              <a:bodyPr/>
+              <a:lstStyle/>
+              <a:p>
+                <a:r>
+                  <a:rPr lang="zh-CN" altLang="en-US">
+                    <a:noFill/>
+                  </a:rPr>
+                  <a:t> </a:t>
+                </a:r>
+              </a:p>
+            </p:txBody>
+          </p:sp>
+        </mc:Fallback>
+      </mc:AlternateContent>
       <p:sp>
         <p:nvSpPr>
           <p:cNvPr id="4" name="Slide Number Placeholder 3"/>
@@ -8620,7 +8440,7 @@
             </a:pPr>
             <a:fld id="{00000000-1234-1234-1234-123412341234}" type="slidenum">
               <a:rPr lang="en" smtClean="0"/>
-              <a:t>14</a:t>
+              <a:t>13</a:t>
             </a:fld>
             <a:endParaRPr lang="en"/>
           </a:p>
@@ -8635,7 +8455,7 @@
           <p:nvPr/>
         </p:nvPicPr>
         <p:blipFill>
-          <a:blip r:embed="rId3"/>
+          <a:blip r:embed="rId4"/>
           <a:stretch>
             <a:fillRect/>
           </a:stretch>
@@ -8699,7 +8519,7 @@
           <p:nvPr/>
         </p:nvPicPr>
         <p:blipFill>
-          <a:blip r:embed="rId4"/>
+          <a:blip r:embed="rId5"/>
           <a:stretch>
             <a:fillRect/>
           </a:stretch>
@@ -8758,18 +8578,17 @@
           <a:p>
             <a:pPr algn="ctr"/>
             <a:r>
-              <a:rPr lang="en-US" dirty="0" smtClean="0"/>
+              <a:rPr lang="en-US" dirty="0"/>
               <a:t>-1 is the </a:t>
             </a:r>
             <a:r>
-              <a:rPr lang="en-US" i="1" dirty="0" smtClean="0"/>
+              <a:rPr lang="en-US" i="1" dirty="0"/>
               <a:t>error </a:t>
             </a:r>
             <a:r>
-              <a:rPr lang="en-US" dirty="0" smtClean="0"/>
+              <a:rPr lang="en-US" dirty="0"/>
               <a:t>state. When the system reaches this state, the safety property is violated</a:t>
             </a:r>
-            <a:endParaRPr lang="en-US" dirty="0"/>
           </a:p>
         </p:txBody>
       </p:sp>
@@ -8786,7 +8605,7 @@
 </p:sld>
 </file>
 
-<file path=ppt/slides/slide15.xml><?xml version="1.0" encoding="utf-8"?>
+<file path=ppt/slides/slide14.xml><?xml version="1.0" encoding="utf-8"?>
 <p:sld xmlns:a="http://schemas.openxmlformats.org/drawingml/2006/main" xmlns:r="http://schemas.openxmlformats.org/officeDocument/2006/relationships" xmlns:p="http://schemas.openxmlformats.org/presentationml/2006/main">
   <p:cSld>
     <p:spTree>
@@ -8819,10 +8638,9 @@
           <a:lstStyle/>
           <a:p>
             <a:r>
-              <a:rPr lang="en-US" dirty="0" smtClean="0"/>
+              <a:rPr lang="en-US" dirty="0"/>
               <a:t>Liveness Property - Deadlock</a:t>
             </a:r>
-            <a:endParaRPr lang="en-US" dirty="0"/>
           </a:p>
         </p:txBody>
       </p:sp>
@@ -8842,10 +8660,9 @@
           <a:lstStyle/>
           <a:p>
             <a:r>
-              <a:rPr lang="en-US" dirty="0" smtClean="0"/>
+              <a:rPr lang="en-US" dirty="0"/>
               <a:t>In LTS, a system is deadlock when it reaches a state where no outgoing transitions can occur.</a:t>
             </a:r>
-            <a:endParaRPr lang="en-US" dirty="0"/>
           </a:p>
         </p:txBody>
       </p:sp>
@@ -8875,7 +8692,7 @@
             </a:pPr>
             <a:fld id="{00000000-1234-1234-1234-123412341234}" type="slidenum">
               <a:rPr lang="en" smtClean="0"/>
-              <a:t>15</a:t>
+              <a:t>14</a:t>
             </a:fld>
             <a:endParaRPr lang="en"/>
           </a:p>
@@ -8949,10 +8766,9 @@
           <a:p>
             <a:pPr algn="ctr"/>
             <a:r>
-              <a:rPr lang="en-US" dirty="0" smtClean="0"/>
+              <a:rPr lang="en-US" dirty="0"/>
               <a:t>The system is deadlock since no outgoing transitions can take</a:t>
             </a:r>
-            <a:endParaRPr lang="en-US" dirty="0"/>
           </a:p>
         </p:txBody>
       </p:sp>
@@ -9000,10 +8816,9 @@
           <a:p>
             <a:pPr algn="ctr"/>
             <a:r>
-              <a:rPr lang="en-US" dirty="0" smtClean="0"/>
+              <a:rPr lang="en-US" dirty="0"/>
               <a:t>A wait-for cycle exists. Because A is waiting to do a; but to do a, B has to do b first.</a:t>
             </a:r>
-            <a:endParaRPr lang="en-US" dirty="0"/>
           </a:p>
         </p:txBody>
       </p:sp>
@@ -9068,7 +8883,7 @@
 </p:sld>
 </file>
 
-<file path=ppt/slides/slide16.xml><?xml version="1.0" encoding="utf-8"?>
+<file path=ppt/slides/slide15.xml><?xml version="1.0" encoding="utf-8"?>
 <p:sld xmlns:a="http://schemas.openxmlformats.org/drawingml/2006/main" xmlns:r="http://schemas.openxmlformats.org/officeDocument/2006/relationships" xmlns:p="http://schemas.openxmlformats.org/presentationml/2006/main">
   <p:cSld>
     <p:spTree>
@@ -9108,11 +8923,7 @@
           <a:p>
             <a:r>
               <a:rPr lang="en-US" altLang="zh-CN" dirty="0"/>
-              <a:t>Uncertainty in </a:t>
-            </a:r>
-            <a:r>
-              <a:rPr lang="en-US" altLang="zh-CN" dirty="0" smtClean="0"/>
-              <a:t>environment - 1</a:t>
+              <a:t>Uncertainty in environment - 1</a:t>
             </a:r>
             <a:endParaRPr lang="zh-CN" altLang="en-US" dirty="0"/>
           </a:p>
@@ -9150,7 +8961,7 @@
             </a:pPr>
             <a:fld id="{00000000-1234-1234-1234-123412341234}" type="slidenum">
               <a:rPr lang="en" smtClean="0"/>
-              <a:t>16</a:t>
+              <a:t>15</a:t>
             </a:fld>
             <a:endParaRPr lang="en"/>
           </a:p>
@@ -9268,10 +9079,9 @@
           <a:p>
             <a:pPr algn="ctr"/>
             <a:r>
-              <a:rPr lang="en-US" dirty="0" smtClean="0"/>
+              <a:rPr lang="en-US" dirty="0"/>
               <a:t>Messages may be lost in the actual channel.</a:t>
             </a:r>
-            <a:endParaRPr lang="en-US" dirty="0"/>
           </a:p>
         </p:txBody>
       </p:sp>
@@ -9285,13 +9095,240 @@
   <p:clrMapOvr>
     <a:masterClrMapping/>
   </p:clrMapOvr>
-  <p:timing>
-    <p:tnLst>
-      <p:par>
-        <p:cTn id="1" dur="indefinite" restart="never" nodeType="tmRoot"/>
-      </p:par>
-    </p:tnLst>
-  </p:timing>
+</p:sld>
+</file>
+
+<file path=ppt/slides/slide16.xml><?xml version="1.0" encoding="utf-8"?>
+<p:sld xmlns:a="http://schemas.openxmlformats.org/drawingml/2006/main" xmlns:r="http://schemas.openxmlformats.org/officeDocument/2006/relationships" xmlns:p="http://schemas.openxmlformats.org/presentationml/2006/main">
+  <p:cSld>
+    <p:spTree>
+      <p:nvGrpSpPr>
+        <p:cNvPr id="1" name=""/>
+        <p:cNvGrpSpPr/>
+        <p:nvPr/>
+      </p:nvGrpSpPr>
+      <p:grpSpPr>
+        <a:xfrm>
+          <a:off x="0" y="0"/>
+          <a:ext cx="0" cy="0"/>
+          <a:chOff x="0" y="0"/>
+          <a:chExt cx="0" cy="0"/>
+        </a:xfrm>
+      </p:grpSpPr>
+      <p:sp>
+        <p:nvSpPr>
+          <p:cNvPr id="2" name="Title 1"/>
+          <p:cNvSpPr>
+            <a:spLocks noGrp="1"/>
+          </p:cNvSpPr>
+          <p:nvPr>
+            <p:ph type="title"/>
+          </p:nvPr>
+        </p:nvSpPr>
+        <p:spPr/>
+        <p:txBody>
+          <a:bodyPr/>
+          <a:lstStyle/>
+          <a:p>
+            <a:r>
+              <a:rPr lang="en-US" dirty="0"/>
+              <a:t>Trace to deadlock</a:t>
+            </a:r>
+          </a:p>
+        </p:txBody>
+      </p:sp>
+      <mc:AlternateContent xmlns:mc="http://schemas.openxmlformats.org/markup-compatibility/2006">
+        <mc:Choice xmlns:a14="http://schemas.microsoft.com/office/drawing/2010/main" Requires="a14">
+          <p:sp>
+            <p:nvSpPr>
+              <p:cNvPr id="3" name="Text Placeholder 2"/>
+              <p:cNvSpPr>
+                <a:spLocks noGrp="1"/>
+              </p:cNvSpPr>
+              <p:nvPr>
+                <p:ph type="body" idx="1"/>
+              </p:nvPr>
+            </p:nvSpPr>
+            <p:spPr/>
+            <p:txBody>
+              <a:bodyPr/>
+              <a:lstStyle/>
+              <a:p>
+                <a14:m>
+                  <m:oMath xmlns:m="http://schemas.openxmlformats.org/officeDocument/2006/math">
+                    <m:r>
+                      <a:rPr lang="en-US" i="1" dirty="0" smtClean="0">
+                        <a:latin typeface="Cambria Math" panose="02040503050406030204" pitchFamily="18" charset="0"/>
+                      </a:rPr>
+                      <m:t>&lt;</m:t>
+                    </m:r>
+                    <m:r>
+                      <a:rPr lang="en-US" i="1" dirty="0" smtClean="0">
+                        <a:latin typeface="Cambria Math" panose="02040503050406030204" pitchFamily="18" charset="0"/>
+                      </a:rPr>
+                      <m:t>𝑖𝑛𝑝𝑢𝑡</m:t>
+                    </m:r>
+                    <m:r>
+                      <a:rPr lang="en-US" i="1" dirty="0" smtClean="0">
+                        <a:latin typeface="Cambria Math" panose="02040503050406030204" pitchFamily="18" charset="0"/>
+                      </a:rPr>
+                      <m:t>&gt;</m:t>
+                    </m:r>
+                  </m:oMath>
+                </a14:m>
+                <a:endParaRPr lang="en-US" dirty="0"/>
+              </a:p>
+            </p:txBody>
+          </p:sp>
+        </mc:Choice>
+        <mc:Fallback>
+          <p:sp>
+            <p:nvSpPr>
+              <p:cNvPr id="3" name="Text Placeholder 2"/>
+              <p:cNvSpPr>
+                <a:spLocks noGrp="1" noRot="1" noChangeAspect="1" noMove="1" noResize="1" noEditPoints="1" noAdjustHandles="1" noChangeArrowheads="1" noChangeShapeType="1" noTextEdit="1"/>
+              </p:cNvSpPr>
+              <p:nvPr>
+                <p:ph type="body" idx="1"/>
+              </p:nvPr>
+            </p:nvSpPr>
+            <p:spPr>
+              <a:blipFill>
+                <a:blip r:embed="rId2"/>
+                <a:stretch>
+                  <a:fillRect/>
+                </a:stretch>
+              </a:blipFill>
+            </p:spPr>
+            <p:txBody>
+              <a:bodyPr/>
+              <a:lstStyle/>
+              <a:p>
+                <a:r>
+                  <a:rPr lang="zh-CN" altLang="en-US">
+                    <a:noFill/>
+                  </a:rPr>
+                  <a:t> </a:t>
+                </a:r>
+              </a:p>
+            </p:txBody>
+          </p:sp>
+        </mc:Fallback>
+      </mc:AlternateContent>
+      <p:sp>
+        <p:nvSpPr>
+          <p:cNvPr id="4" name="Slide Number Placeholder 3"/>
+          <p:cNvSpPr>
+            <a:spLocks noGrp="1"/>
+          </p:cNvSpPr>
+          <p:nvPr>
+            <p:ph type="sldNum" idx="12"/>
+          </p:nvPr>
+        </p:nvSpPr>
+        <p:spPr/>
+        <p:txBody>
+          <a:bodyPr/>
+          <a:lstStyle/>
+          <a:p>
+            <a:pPr marL="0" lvl="0" indent="0" algn="r" rtl="0">
+              <a:spcBef>
+                <a:spcPts val="0"/>
+              </a:spcBef>
+              <a:spcAft>
+                <a:spcPts val="0"/>
+              </a:spcAft>
+              <a:buNone/>
+            </a:pPr>
+            <a:fld id="{00000000-1234-1234-1234-123412341234}" type="slidenum">
+              <a:rPr lang="en" smtClean="0"/>
+              <a:t>16</a:t>
+            </a:fld>
+            <a:endParaRPr lang="en"/>
+          </a:p>
+        </p:txBody>
+      </p:sp>
+      <p:pic>
+        <p:nvPicPr>
+          <p:cNvPr id="5" name="Picture 4"/>
+          <p:cNvPicPr>
+            <a:picLocks noChangeAspect="1"/>
+          </p:cNvPicPr>
+          <p:nvPr/>
+        </p:nvPicPr>
+        <p:blipFill>
+          <a:blip r:embed="rId3"/>
+          <a:stretch>
+            <a:fillRect/>
+          </a:stretch>
+        </p:blipFill>
+        <p:spPr>
+          <a:xfrm>
+            <a:off x="951677" y="1938406"/>
+            <a:ext cx="2080440" cy="800169"/>
+          </a:xfrm>
+          <a:prstGeom prst="rect">
+            <a:avLst/>
+          </a:prstGeom>
+        </p:spPr>
+      </p:pic>
+      <p:pic>
+        <p:nvPicPr>
+          <p:cNvPr id="8" name="Picture 7"/>
+          <p:cNvPicPr>
+            <a:picLocks noChangeAspect="1"/>
+          </p:cNvPicPr>
+          <p:nvPr/>
+        </p:nvPicPr>
+        <p:blipFill>
+          <a:blip r:embed="rId4"/>
+          <a:stretch>
+            <a:fillRect/>
+          </a:stretch>
+        </p:blipFill>
+        <p:spPr>
+          <a:xfrm>
+            <a:off x="875470" y="2873325"/>
+            <a:ext cx="2232853" cy="800169"/>
+          </a:xfrm>
+          <a:prstGeom prst="rect">
+            <a:avLst/>
+          </a:prstGeom>
+        </p:spPr>
+      </p:pic>
+      <p:pic>
+        <p:nvPicPr>
+          <p:cNvPr id="9" name="Picture 8"/>
+          <p:cNvPicPr>
+            <a:picLocks noChangeAspect="1"/>
+          </p:cNvPicPr>
+          <p:nvPr/>
+        </p:nvPicPr>
+        <p:blipFill>
+          <a:blip r:embed="rId5"/>
+          <a:stretch>
+            <a:fillRect/>
+          </a:stretch>
+        </p:blipFill>
+        <p:spPr>
+          <a:xfrm>
+            <a:off x="3836385" y="2174646"/>
+            <a:ext cx="3589331" cy="1127858"/>
+          </a:xfrm>
+          <a:prstGeom prst="rect">
+            <a:avLst/>
+          </a:prstGeom>
+        </p:spPr>
+      </p:pic>
+    </p:spTree>
+    <p:extLst>
+      <p:ext uri="{BB962C8B-B14F-4D97-AF65-F5344CB8AC3E}">
+        <p14:creationId xmlns:p14="http://schemas.microsoft.com/office/powerpoint/2010/main" val="3017829828"/>
+      </p:ext>
+    </p:extLst>
+  </p:cSld>
+  <p:clrMapOvr>
+    <a:masterClrMapping/>
+  </p:clrMapOvr>
 </p:sld>
 </file>
 
@@ -9328,36 +9365,102 @@
           <a:lstStyle/>
           <a:p>
             <a:r>
-              <a:rPr lang="en-US" dirty="0" smtClean="0"/>
+              <a:rPr lang="en-US" dirty="0"/>
               <a:t>Trace to deadlock</a:t>
             </a:r>
-            <a:endParaRPr lang="en-US" dirty="0"/>
           </a:p>
         </p:txBody>
       </p:sp>
-      <p:sp>
-        <p:nvSpPr>
-          <p:cNvPr id="3" name="Text Placeholder 2"/>
-          <p:cNvSpPr>
-            <a:spLocks noGrp="1"/>
-          </p:cNvSpPr>
-          <p:nvPr>
-            <p:ph type="body" idx="1"/>
-          </p:nvPr>
-        </p:nvSpPr>
-        <p:spPr/>
-        <p:txBody>
-          <a:bodyPr/>
-          <a:lstStyle/>
-          <a:p>
-            <a:r>
-              <a:rPr lang="en-US" dirty="0" smtClean="0"/>
-              <a:t>&lt;input&gt;</a:t>
-            </a:r>
-            <a:endParaRPr lang="en-US" dirty="0"/>
-          </a:p>
-        </p:txBody>
-      </p:sp>
+      <mc:AlternateContent xmlns:mc="http://schemas.openxmlformats.org/markup-compatibility/2006">
+        <mc:Choice xmlns:a14="http://schemas.microsoft.com/office/drawing/2010/main" Requires="a14">
+          <p:sp>
+            <p:nvSpPr>
+              <p:cNvPr id="3" name="Text Placeholder 2"/>
+              <p:cNvSpPr>
+                <a:spLocks noGrp="1"/>
+              </p:cNvSpPr>
+              <p:nvPr>
+                <p:ph type="body" idx="1"/>
+              </p:nvPr>
+            </p:nvSpPr>
+            <p:spPr/>
+            <p:txBody>
+              <a:bodyPr/>
+              <a:lstStyle/>
+              <a:p>
+                <a14:m>
+                  <m:oMath xmlns:m="http://schemas.openxmlformats.org/officeDocument/2006/math">
+                    <m:r>
+                      <a:rPr lang="en-US" i="1" dirty="0" smtClean="0">
+                        <a:latin typeface="Cambria Math" panose="02040503050406030204" pitchFamily="18" charset="0"/>
+                      </a:rPr>
+                      <m:t>&lt;</m:t>
+                    </m:r>
+                    <m:r>
+                      <a:rPr lang="en-US" i="1" dirty="0" smtClean="0">
+                        <a:latin typeface="Cambria Math" panose="02040503050406030204" pitchFamily="18" charset="0"/>
+                      </a:rPr>
+                      <m:t>𝑖𝑛𝑝𝑢𝑡</m:t>
+                    </m:r>
+                    <m:r>
+                      <a:rPr lang="en-US" i="1" dirty="0" smtClean="0">
+                        <a:latin typeface="Cambria Math" panose="02040503050406030204" pitchFamily="18" charset="0"/>
+                      </a:rPr>
+                      <m:t>, </m:t>
+                    </m:r>
+                    <m:r>
+                      <a:rPr lang="en-US" i="1" dirty="0" smtClean="0">
+                        <a:latin typeface="Cambria Math" panose="02040503050406030204" pitchFamily="18" charset="0"/>
+                      </a:rPr>
+                      <m:t>𝑠𝑒𝑛𝑑</m:t>
+                    </m:r>
+                    <m:r>
+                      <a:rPr lang="en-US" i="1" dirty="0" smtClean="0">
+                        <a:latin typeface="Cambria Math" panose="02040503050406030204" pitchFamily="18" charset="0"/>
+                      </a:rPr>
+                      <m:t>&gt;</m:t>
+                    </m:r>
+                  </m:oMath>
+                </a14:m>
+                <a:endParaRPr lang="en-US" dirty="0"/>
+              </a:p>
+            </p:txBody>
+          </p:sp>
+        </mc:Choice>
+        <mc:Fallback>
+          <p:sp>
+            <p:nvSpPr>
+              <p:cNvPr id="3" name="Text Placeholder 2"/>
+              <p:cNvSpPr>
+                <a:spLocks noGrp="1" noRot="1" noChangeAspect="1" noMove="1" noResize="1" noEditPoints="1" noAdjustHandles="1" noChangeArrowheads="1" noChangeShapeType="1" noTextEdit="1"/>
+              </p:cNvSpPr>
+              <p:nvPr>
+                <p:ph type="body" idx="1"/>
+              </p:nvPr>
+            </p:nvSpPr>
+            <p:spPr>
+              <a:blipFill>
+                <a:blip r:embed="rId2"/>
+                <a:stretch>
+                  <a:fillRect/>
+                </a:stretch>
+              </a:blipFill>
+            </p:spPr>
+            <p:txBody>
+              <a:bodyPr/>
+              <a:lstStyle/>
+              <a:p>
+                <a:r>
+                  <a:rPr lang="zh-CN" altLang="en-US">
+                    <a:noFill/>
+                  </a:rPr>
+                  <a:t> </a:t>
+                </a:r>
+              </a:p>
+            </p:txBody>
+          </p:sp>
+        </mc:Fallback>
+      </mc:AlternateContent>
       <p:sp>
         <p:nvSpPr>
           <p:cNvPr id="4" name="Slide Number Placeholder 3"/>
@@ -9390,30 +9493,6 @@
           </a:p>
         </p:txBody>
       </p:sp>
-      <p:pic>
-        <p:nvPicPr>
-          <p:cNvPr id="5" name="Picture 4"/>
-          <p:cNvPicPr>
-            <a:picLocks noChangeAspect="1"/>
-          </p:cNvPicPr>
-          <p:nvPr/>
-        </p:nvPicPr>
-        <p:blipFill>
-          <a:blip r:embed="rId2"/>
-          <a:stretch>
-            <a:fillRect/>
-          </a:stretch>
-        </p:blipFill>
-        <p:spPr>
-          <a:xfrm>
-            <a:off x="951677" y="1938406"/>
-            <a:ext cx="2080440" cy="800169"/>
-          </a:xfrm>
-          <a:prstGeom prst="rect">
-            <a:avLst/>
-          </a:prstGeom>
-        </p:spPr>
-      </p:pic>
       <p:pic>
         <p:nvPicPr>
           <p:cNvPr id="8" name="Picture 7"/>
@@ -9440,7 +9519,7 @@
       </p:pic>
       <p:pic>
         <p:nvPicPr>
-          <p:cNvPr id="9" name="Picture 8"/>
+          <p:cNvPr id="6" name="Picture 5"/>
           <p:cNvPicPr>
             <a:picLocks noChangeAspect="1"/>
           </p:cNvPicPr>
@@ -9454,8 +9533,32 @@
         </p:blipFill>
         <p:spPr>
           <a:xfrm>
-            <a:off x="3836385" y="2174646"/>
-            <a:ext cx="3589331" cy="1127858"/>
+            <a:off x="963363" y="1928074"/>
+            <a:ext cx="2088061" cy="800169"/>
+          </a:xfrm>
+          <a:prstGeom prst="rect">
+            <a:avLst/>
+          </a:prstGeom>
+        </p:spPr>
+      </p:pic>
+      <p:pic>
+        <p:nvPicPr>
+          <p:cNvPr id="7" name="Picture 6"/>
+          <p:cNvPicPr>
+            <a:picLocks noChangeAspect="1"/>
+          </p:cNvPicPr>
+          <p:nvPr/>
+        </p:nvPicPr>
+        <p:blipFill>
+          <a:blip r:embed="rId5"/>
+          <a:stretch>
+            <a:fillRect/>
+          </a:stretch>
+        </p:blipFill>
+        <p:spPr>
+          <a:xfrm>
+            <a:off x="3842645" y="2165005"/>
+            <a:ext cx="3574090" cy="1158340"/>
           </a:xfrm>
           <a:prstGeom prst="rect">
             <a:avLst/>
@@ -9465,7 +9568,7 @@
     </p:spTree>
     <p:extLst>
       <p:ext uri="{BB962C8B-B14F-4D97-AF65-F5344CB8AC3E}">
-        <p14:creationId xmlns:p14="http://schemas.microsoft.com/office/powerpoint/2010/main" val="3017829828"/>
+        <p14:creationId xmlns:p14="http://schemas.microsoft.com/office/powerpoint/2010/main" val="2640094387"/>
       </p:ext>
     </p:extLst>
   </p:cSld>
@@ -9508,36 +9611,130 @@
           <a:lstStyle/>
           <a:p>
             <a:r>
-              <a:rPr lang="en-US" dirty="0" smtClean="0"/>
+              <a:rPr lang="en-US" dirty="0"/>
               <a:t>Trace to deadlock</a:t>
             </a:r>
-            <a:endParaRPr lang="en-US" dirty="0"/>
           </a:p>
         </p:txBody>
       </p:sp>
-      <p:sp>
-        <p:nvSpPr>
-          <p:cNvPr id="3" name="Text Placeholder 2"/>
-          <p:cNvSpPr>
-            <a:spLocks noGrp="1"/>
-          </p:cNvSpPr>
-          <p:nvPr>
-            <p:ph type="body" idx="1"/>
-          </p:nvPr>
-        </p:nvSpPr>
-        <p:spPr/>
-        <p:txBody>
-          <a:bodyPr/>
-          <a:lstStyle/>
-          <a:p>
-            <a:r>
-              <a:rPr lang="en-US" dirty="0" smtClean="0"/>
-              <a:t>&lt;input, send&gt;</a:t>
-            </a:r>
-            <a:endParaRPr lang="en-US" dirty="0"/>
-          </a:p>
-        </p:txBody>
-      </p:sp>
+      <mc:AlternateContent xmlns:mc="http://schemas.openxmlformats.org/markup-compatibility/2006">
+        <mc:Choice xmlns:a14="http://schemas.microsoft.com/office/drawing/2010/main" Requires="a14">
+          <p:sp>
+            <p:nvSpPr>
+              <p:cNvPr id="3" name="Text Placeholder 2"/>
+              <p:cNvSpPr>
+                <a:spLocks noGrp="1"/>
+              </p:cNvSpPr>
+              <p:nvPr>
+                <p:ph type="body" idx="1"/>
+              </p:nvPr>
+            </p:nvSpPr>
+            <p:spPr/>
+            <p:txBody>
+              <a:bodyPr/>
+              <a:lstStyle/>
+              <a:p>
+                <a14:m>
+                  <m:oMath xmlns:m="http://schemas.openxmlformats.org/officeDocument/2006/math">
+                    <m:r>
+                      <a:rPr lang="en-US" i="1" dirty="0" smtClean="0">
+                        <a:latin typeface="Cambria Math" panose="02040503050406030204" pitchFamily="18" charset="0"/>
+                      </a:rPr>
+                      <m:t>&lt;</m:t>
+                    </m:r>
+                    <m:r>
+                      <a:rPr lang="en-US" i="1" dirty="0" smtClean="0">
+                        <a:latin typeface="Cambria Math" panose="02040503050406030204" pitchFamily="18" charset="0"/>
+                      </a:rPr>
+                      <m:t>𝑖𝑛𝑝𝑢𝑡</m:t>
+                    </m:r>
+                    <m:r>
+                      <a:rPr lang="en-US" i="1" dirty="0" smtClean="0">
+                        <a:latin typeface="Cambria Math" panose="02040503050406030204" pitchFamily="18" charset="0"/>
+                      </a:rPr>
+                      <m:t>, </m:t>
+                    </m:r>
+                    <m:r>
+                      <a:rPr lang="en-US" i="1" dirty="0" smtClean="0">
+                        <a:latin typeface="Cambria Math" panose="02040503050406030204" pitchFamily="18" charset="0"/>
+                      </a:rPr>
+                      <m:t>𝑠𝑒𝑛𝑑</m:t>
+                    </m:r>
+                    <m:r>
+                      <a:rPr lang="en-US" i="1" dirty="0" smtClean="0">
+                        <a:latin typeface="Cambria Math" panose="02040503050406030204" pitchFamily="18" charset="0"/>
+                      </a:rPr>
+                      <m:t>, </m:t>
+                    </m:r>
+                    <m:r>
+                      <a:rPr lang="en-US" i="1" dirty="0" smtClean="0">
+                        <a:latin typeface="Cambria Math" panose="02040503050406030204" pitchFamily="18" charset="0"/>
+                      </a:rPr>
+                      <m:t>𝑙𝑜𝑠𝑒</m:t>
+                    </m:r>
+                    <m:r>
+                      <a:rPr lang="en-US" i="1" dirty="0" smtClean="0">
+                        <a:latin typeface="Cambria Math" panose="02040503050406030204" pitchFamily="18" charset="0"/>
+                      </a:rPr>
+                      <m:t>&gt;</m:t>
+                    </m:r>
+                  </m:oMath>
+                </a14:m>
+                <a:r>
+                  <a:rPr lang="en-US" dirty="0"/>
+                  <a:t>	</a:t>
+                </a:r>
+                <a:r>
+                  <a:rPr lang="en-US" b="1" dirty="0">
+                    <a:solidFill>
+                      <a:srgbClr val="FF0000"/>
+                    </a:solidFill>
+                  </a:rPr>
+                  <a:t>DEADLOCK!</a:t>
+                </a:r>
+                <a:endParaRPr lang="en-US" dirty="0">
+                  <a:solidFill>
+                    <a:srgbClr val="FF0000"/>
+                  </a:solidFill>
+                </a:endParaRPr>
+              </a:p>
+            </p:txBody>
+          </p:sp>
+        </mc:Choice>
+        <mc:Fallback>
+          <p:sp>
+            <p:nvSpPr>
+              <p:cNvPr id="3" name="Text Placeholder 2"/>
+              <p:cNvSpPr>
+                <a:spLocks noGrp="1" noRot="1" noChangeAspect="1" noMove="1" noResize="1" noEditPoints="1" noAdjustHandles="1" noChangeArrowheads="1" noChangeShapeType="1" noTextEdit="1"/>
+              </p:cNvSpPr>
+              <p:nvPr>
+                <p:ph type="body" idx="1"/>
+              </p:nvPr>
+            </p:nvSpPr>
+            <p:spPr>
+              <a:blipFill>
+                <a:blip r:embed="rId2"/>
+                <a:stretch>
+                  <a:fillRect/>
+                </a:stretch>
+              </a:blipFill>
+            </p:spPr>
+            <p:txBody>
+              <a:bodyPr/>
+              <a:lstStyle/>
+              <a:p>
+                <a:r>
+                  <a:rPr lang="zh-CN" altLang="en-US">
+                    <a:noFill/>
+                  </a:rPr>
+                  <a:t> </a:t>
+                </a:r>
+              </a:p>
+            </p:txBody>
+          </p:sp>
+        </mc:Fallback>
+      </mc:AlternateContent>
       <p:sp>
         <p:nvSpPr>
           <p:cNvPr id="4" name="Slide Number Placeholder 3"/>
@@ -9579,199 +9776,7 @@
           <p:nvPr/>
         </p:nvPicPr>
         <p:blipFill>
-          <a:blip r:embed="rId2"/>
-          <a:stretch>
-            <a:fillRect/>
-          </a:stretch>
-        </p:blipFill>
-        <p:spPr>
-          <a:xfrm>
-            <a:off x="875470" y="2873325"/>
-            <a:ext cx="2232853" cy="800169"/>
-          </a:xfrm>
-          <a:prstGeom prst="rect">
-            <a:avLst/>
-          </a:prstGeom>
-        </p:spPr>
-      </p:pic>
-      <p:pic>
-        <p:nvPicPr>
-          <p:cNvPr id="6" name="Picture 5"/>
-          <p:cNvPicPr>
-            <a:picLocks noChangeAspect="1"/>
-          </p:cNvPicPr>
-          <p:nvPr/>
-        </p:nvPicPr>
-        <p:blipFill>
           <a:blip r:embed="rId3"/>
-          <a:stretch>
-            <a:fillRect/>
-          </a:stretch>
-        </p:blipFill>
-        <p:spPr>
-          <a:xfrm>
-            <a:off x="963363" y="1928074"/>
-            <a:ext cx="2088061" cy="800169"/>
-          </a:xfrm>
-          <a:prstGeom prst="rect">
-            <a:avLst/>
-          </a:prstGeom>
-        </p:spPr>
-      </p:pic>
-      <p:pic>
-        <p:nvPicPr>
-          <p:cNvPr id="7" name="Picture 6"/>
-          <p:cNvPicPr>
-            <a:picLocks noChangeAspect="1"/>
-          </p:cNvPicPr>
-          <p:nvPr/>
-        </p:nvPicPr>
-        <p:blipFill>
-          <a:blip r:embed="rId4"/>
-          <a:stretch>
-            <a:fillRect/>
-          </a:stretch>
-        </p:blipFill>
-        <p:spPr>
-          <a:xfrm>
-            <a:off x="3842645" y="2165005"/>
-            <a:ext cx="3574090" cy="1158340"/>
-          </a:xfrm>
-          <a:prstGeom prst="rect">
-            <a:avLst/>
-          </a:prstGeom>
-        </p:spPr>
-      </p:pic>
-    </p:spTree>
-    <p:extLst>
-      <p:ext uri="{BB962C8B-B14F-4D97-AF65-F5344CB8AC3E}">
-        <p14:creationId xmlns:p14="http://schemas.microsoft.com/office/powerpoint/2010/main" val="2640094387"/>
-      </p:ext>
-    </p:extLst>
-  </p:cSld>
-  <p:clrMapOvr>
-    <a:masterClrMapping/>
-  </p:clrMapOvr>
-</p:sld>
-</file>
-
-<file path=ppt/slides/slide19.xml><?xml version="1.0" encoding="utf-8"?>
-<p:sld xmlns:a="http://schemas.openxmlformats.org/drawingml/2006/main" xmlns:r="http://schemas.openxmlformats.org/officeDocument/2006/relationships" xmlns:p="http://schemas.openxmlformats.org/presentationml/2006/main">
-  <p:cSld>
-    <p:spTree>
-      <p:nvGrpSpPr>
-        <p:cNvPr id="1" name=""/>
-        <p:cNvGrpSpPr/>
-        <p:nvPr/>
-      </p:nvGrpSpPr>
-      <p:grpSpPr>
-        <a:xfrm>
-          <a:off x="0" y="0"/>
-          <a:ext cx="0" cy="0"/>
-          <a:chOff x="0" y="0"/>
-          <a:chExt cx="0" cy="0"/>
-        </a:xfrm>
-      </p:grpSpPr>
-      <p:sp>
-        <p:nvSpPr>
-          <p:cNvPr id="2" name="Title 1"/>
-          <p:cNvSpPr>
-            <a:spLocks noGrp="1"/>
-          </p:cNvSpPr>
-          <p:nvPr>
-            <p:ph type="title"/>
-          </p:nvPr>
-        </p:nvSpPr>
-        <p:spPr/>
-        <p:txBody>
-          <a:bodyPr/>
-          <a:lstStyle/>
-          <a:p>
-            <a:r>
-              <a:rPr lang="en-US" dirty="0" smtClean="0"/>
-              <a:t>Trace to deadlock</a:t>
-            </a:r>
-            <a:endParaRPr lang="en-US" dirty="0"/>
-          </a:p>
-        </p:txBody>
-      </p:sp>
-      <p:sp>
-        <p:nvSpPr>
-          <p:cNvPr id="3" name="Text Placeholder 2"/>
-          <p:cNvSpPr>
-            <a:spLocks noGrp="1"/>
-          </p:cNvSpPr>
-          <p:nvPr>
-            <p:ph type="body" idx="1"/>
-          </p:nvPr>
-        </p:nvSpPr>
-        <p:spPr/>
-        <p:txBody>
-          <a:bodyPr/>
-          <a:lstStyle/>
-          <a:p>
-            <a:r>
-              <a:rPr lang="en-US" dirty="0" smtClean="0"/>
-              <a:t>&lt;input, send, lose&gt; </a:t>
-            </a:r>
-            <a:r>
-              <a:rPr lang="en-US" b="1" dirty="0" smtClean="0">
-                <a:solidFill>
-                  <a:srgbClr val="FF0000"/>
-                </a:solidFill>
-              </a:rPr>
-              <a:t>DEADLOCK!</a:t>
-            </a:r>
-            <a:endParaRPr lang="en-US" dirty="0">
-              <a:solidFill>
-                <a:srgbClr val="FF0000"/>
-              </a:solidFill>
-            </a:endParaRPr>
-          </a:p>
-        </p:txBody>
-      </p:sp>
-      <p:sp>
-        <p:nvSpPr>
-          <p:cNvPr id="4" name="Slide Number Placeholder 3"/>
-          <p:cNvSpPr>
-            <a:spLocks noGrp="1"/>
-          </p:cNvSpPr>
-          <p:nvPr>
-            <p:ph type="sldNum" idx="12"/>
-          </p:nvPr>
-        </p:nvSpPr>
-        <p:spPr/>
-        <p:txBody>
-          <a:bodyPr/>
-          <a:lstStyle/>
-          <a:p>
-            <a:pPr marL="0" lvl="0" indent="0" algn="r" rtl="0">
-              <a:spcBef>
-                <a:spcPts val="0"/>
-              </a:spcBef>
-              <a:spcAft>
-                <a:spcPts val="0"/>
-              </a:spcAft>
-              <a:buNone/>
-            </a:pPr>
-            <a:fld id="{00000000-1234-1234-1234-123412341234}" type="slidenum">
-              <a:rPr lang="en" smtClean="0"/>
-              <a:t>19</a:t>
-            </a:fld>
-            <a:endParaRPr lang="en"/>
-          </a:p>
-        </p:txBody>
-      </p:sp>
-      <p:pic>
-        <p:nvPicPr>
-          <p:cNvPr id="8" name="Picture 7"/>
-          <p:cNvPicPr>
-            <a:picLocks noChangeAspect="1"/>
-          </p:cNvPicPr>
-          <p:nvPr/>
-        </p:nvPicPr>
-        <p:blipFill>
-          <a:blip r:embed="rId2"/>
           <a:stretch>
             <a:fillRect/>
           </a:stretch>
@@ -9795,7 +9800,7 @@
           <p:nvPr/>
         </p:nvPicPr>
         <p:blipFill>
-          <a:blip r:embed="rId3"/>
+          <a:blip r:embed="rId4"/>
           <a:stretch>
             <a:fillRect/>
           </a:stretch>
@@ -9819,7 +9824,7 @@
           <p:nvPr/>
         </p:nvPicPr>
         <p:blipFill>
-          <a:blip r:embed="rId4"/>
+          <a:blip r:embed="rId5"/>
           <a:stretch>
             <a:fillRect/>
           </a:stretch>
@@ -9847,160 +9852,7 @@
 </p:sld>
 </file>
 
-<file path=ppt/slides/slide2.xml><?xml version="1.0" encoding="utf-8"?>
-<p:sld xmlns:a="http://schemas.openxmlformats.org/drawingml/2006/main" xmlns:r="http://schemas.openxmlformats.org/officeDocument/2006/relationships" xmlns:p="http://schemas.openxmlformats.org/presentationml/2006/main">
-  <p:cSld>
-    <p:spTree>
-      <p:nvGrpSpPr>
-        <p:cNvPr id="1" name=""/>
-        <p:cNvGrpSpPr/>
-        <p:nvPr/>
-      </p:nvGrpSpPr>
-      <p:grpSpPr>
-        <a:xfrm>
-          <a:off x="0" y="0"/>
-          <a:ext cx="0" cy="0"/>
-          <a:chOff x="0" y="0"/>
-          <a:chExt cx="0" cy="0"/>
-        </a:xfrm>
-      </p:grpSpPr>
-      <p:sp>
-        <p:nvSpPr>
-          <p:cNvPr id="2" name="Title 1">
-            <a:extLst>
-              <a:ext uri="{FF2B5EF4-FFF2-40B4-BE49-F238E27FC236}">
-                <a16:creationId xmlns:a16="http://schemas.microsoft.com/office/drawing/2014/main" id="{002A871F-18A2-4401-B6B9-077086628C4E}"/>
-              </a:ext>
-            </a:extLst>
-          </p:cNvPr>
-          <p:cNvSpPr>
-            <a:spLocks noGrp="1"/>
-          </p:cNvSpPr>
-          <p:nvPr>
-            <p:ph type="title"/>
-          </p:nvPr>
-        </p:nvSpPr>
-        <p:spPr/>
-        <p:txBody>
-          <a:bodyPr/>
-          <a:lstStyle/>
-          <a:p>
-            <a:r>
-              <a:rPr lang="en-US" altLang="zh-CN" dirty="0"/>
-              <a:t>Agenda</a:t>
-            </a:r>
-            <a:endParaRPr lang="zh-CN" altLang="en-US" dirty="0"/>
-          </a:p>
-        </p:txBody>
-      </p:sp>
-      <p:sp>
-        <p:nvSpPr>
-          <p:cNvPr id="3" name="Text Placeholder 2">
-            <a:extLst>
-              <a:ext uri="{FF2B5EF4-FFF2-40B4-BE49-F238E27FC236}">
-                <a16:creationId xmlns:a16="http://schemas.microsoft.com/office/drawing/2014/main" id="{8D97EDBA-6795-4FFA-BF7E-762491D0EB39}"/>
-              </a:ext>
-            </a:extLst>
-          </p:cNvPr>
-          <p:cNvSpPr>
-            <a:spLocks noGrp="1"/>
-          </p:cNvSpPr>
-          <p:nvPr>
-            <p:ph type="body" idx="1"/>
-          </p:nvPr>
-        </p:nvSpPr>
-        <p:spPr/>
-        <p:txBody>
-          <a:bodyPr/>
-          <a:lstStyle/>
-          <a:p>
-            <a:r>
-              <a:rPr lang="en-US" altLang="zh-CN" dirty="0"/>
-              <a:t>Research Problem</a:t>
-            </a:r>
-          </a:p>
-          <a:p>
-            <a:r>
-              <a:rPr lang="en-US" altLang="zh-CN" dirty="0"/>
-              <a:t>Motivation Example &amp; Overview</a:t>
-            </a:r>
-          </a:p>
-          <a:p>
-            <a:r>
-              <a:rPr lang="en-US" altLang="zh-CN" dirty="0"/>
-              <a:t>Approach In Details</a:t>
-            </a:r>
-          </a:p>
-          <a:p>
-            <a:r>
-              <a:rPr lang="en-US" altLang="zh-CN" dirty="0"/>
-              <a:t>Discussion</a:t>
-            </a:r>
-          </a:p>
-          <a:p>
-            <a:endParaRPr lang="zh-CN" altLang="en-US" dirty="0"/>
-          </a:p>
-        </p:txBody>
-      </p:sp>
-      <p:sp>
-        <p:nvSpPr>
-          <p:cNvPr id="4" name="Slide Number Placeholder 3">
-            <a:extLst>
-              <a:ext uri="{FF2B5EF4-FFF2-40B4-BE49-F238E27FC236}">
-                <a16:creationId xmlns:a16="http://schemas.microsoft.com/office/drawing/2014/main" id="{6B4CE1E3-8D12-4A2F-87D4-6395F5C91DDC}"/>
-              </a:ext>
-            </a:extLst>
-          </p:cNvPr>
-          <p:cNvSpPr>
-            <a:spLocks noGrp="1"/>
-          </p:cNvSpPr>
-          <p:nvPr>
-            <p:ph type="sldNum" idx="12"/>
-          </p:nvPr>
-        </p:nvSpPr>
-        <p:spPr/>
-        <p:txBody>
-          <a:bodyPr/>
-          <a:lstStyle/>
-          <a:p>
-            <a:pPr marL="0" lvl="0" indent="0" algn="r" rtl="0">
-              <a:spcBef>
-                <a:spcPts val="0"/>
-              </a:spcBef>
-              <a:spcAft>
-                <a:spcPts val="0"/>
-              </a:spcAft>
-              <a:buNone/>
-            </a:pPr>
-            <a:fld id="{00000000-1234-1234-1234-123412341234}" type="slidenum">
-              <a:rPr lang="en" smtClean="0"/>
-              <a:t>2</a:t>
-            </a:fld>
-            <a:endParaRPr lang="en"/>
-          </a:p>
-        </p:txBody>
-      </p:sp>
-    </p:spTree>
-    <p:extLst>
-      <p:ext uri="{BB962C8B-B14F-4D97-AF65-F5344CB8AC3E}">
-        <p14:creationId xmlns:p14="http://schemas.microsoft.com/office/powerpoint/2010/main" val="3292415568"/>
-      </p:ext>
-    </p:extLst>
-  </p:cSld>
-  <p:clrMapOvr>
-    <a:masterClrMapping/>
-  </p:clrMapOvr>
-  <p:timing>
-    <p:tnLst>
-      <p:par>
-        <p:cTn id="1" dur="indefinite" restart="never" nodeType="tmRoot"/>
-      </p:par>
-    </p:tnLst>
-  </p:timing>
-</p:sld>
-</file>
-
-<file path=ppt/slides/slide20.xml><?xml version="1.0" encoding="utf-8"?>
+<file path=ppt/slides/slide19.xml><?xml version="1.0" encoding="utf-8"?>
 <p:sld xmlns:a="http://schemas.openxmlformats.org/drawingml/2006/main" xmlns:r="http://schemas.openxmlformats.org/officeDocument/2006/relationships" xmlns:p="http://schemas.openxmlformats.org/presentationml/2006/main">
   <p:cSld>
     <p:spTree>
@@ -10040,11 +9892,7 @@
           <a:p>
             <a:r>
               <a:rPr lang="en-US" altLang="zh-CN" dirty="0"/>
-              <a:t>Uncertainty in </a:t>
-            </a:r>
-            <a:r>
-              <a:rPr lang="en-US" altLang="zh-CN" dirty="0" smtClean="0"/>
-              <a:t>environment - 2</a:t>
+              <a:t>Uncertainty in environment - 2</a:t>
             </a:r>
             <a:endParaRPr lang="zh-CN" altLang="en-US" dirty="0"/>
           </a:p>
@@ -10082,7 +9930,7 @@
             </a:pPr>
             <a:fld id="{00000000-1234-1234-1234-123412341234}" type="slidenum">
               <a:rPr lang="en" smtClean="0"/>
-              <a:t>20</a:t>
+              <a:t>19</a:t>
             </a:fld>
             <a:endParaRPr lang="en"/>
           </a:p>
@@ -10200,10 +10048,9 @@
           <a:p>
             <a:pPr algn="ctr"/>
             <a:r>
-              <a:rPr lang="en-US" dirty="0" smtClean="0"/>
+              <a:rPr lang="en-US" dirty="0"/>
               <a:t>Instead of lose, the channel acknowledges to the sender immediately after the send.</a:t>
             </a:r>
-            <a:endParaRPr lang="en-US" dirty="0"/>
           </a:p>
         </p:txBody>
       </p:sp>
@@ -10217,13 +10064,410 @@
   <p:clrMapOvr>
     <a:masterClrMapping/>
   </p:clrMapOvr>
-  <p:timing>
-    <p:tnLst>
-      <p:par>
-        <p:cTn id="1" dur="indefinite" restart="never" nodeType="tmRoot"/>
-      </p:par>
-    </p:tnLst>
-  </p:timing>
+</p:sld>
+</file>
+
+<file path=ppt/slides/slide2.xml><?xml version="1.0" encoding="utf-8"?>
+<p:sld xmlns:a="http://schemas.openxmlformats.org/drawingml/2006/main" xmlns:r="http://schemas.openxmlformats.org/officeDocument/2006/relationships" xmlns:p="http://schemas.openxmlformats.org/presentationml/2006/main">
+  <p:cSld>
+    <p:spTree>
+      <p:nvGrpSpPr>
+        <p:cNvPr id="1" name=""/>
+        <p:cNvGrpSpPr/>
+        <p:nvPr/>
+      </p:nvGrpSpPr>
+      <p:grpSpPr>
+        <a:xfrm>
+          <a:off x="0" y="0"/>
+          <a:ext cx="0" cy="0"/>
+          <a:chOff x="0" y="0"/>
+          <a:chExt cx="0" cy="0"/>
+        </a:xfrm>
+      </p:grpSpPr>
+      <p:sp>
+        <p:nvSpPr>
+          <p:cNvPr id="2" name="Title 1">
+            <a:extLst>
+              <a:ext uri="{FF2B5EF4-FFF2-40B4-BE49-F238E27FC236}">
+                <a16:creationId xmlns:a16="http://schemas.microsoft.com/office/drawing/2014/main" id="{002A871F-18A2-4401-B6B9-077086628C4E}"/>
+              </a:ext>
+            </a:extLst>
+          </p:cNvPr>
+          <p:cNvSpPr>
+            <a:spLocks noGrp="1"/>
+          </p:cNvSpPr>
+          <p:nvPr>
+            <p:ph type="title"/>
+          </p:nvPr>
+        </p:nvSpPr>
+        <p:spPr/>
+        <p:txBody>
+          <a:bodyPr/>
+          <a:lstStyle/>
+          <a:p>
+            <a:r>
+              <a:rPr lang="en-US" altLang="zh-CN" dirty="0"/>
+              <a:t>Agenda</a:t>
+            </a:r>
+            <a:endParaRPr lang="zh-CN" altLang="en-US" dirty="0"/>
+          </a:p>
+        </p:txBody>
+      </p:sp>
+      <p:sp>
+        <p:nvSpPr>
+          <p:cNvPr id="3" name="Text Placeholder 2">
+            <a:extLst>
+              <a:ext uri="{FF2B5EF4-FFF2-40B4-BE49-F238E27FC236}">
+                <a16:creationId xmlns:a16="http://schemas.microsoft.com/office/drawing/2014/main" id="{8D97EDBA-6795-4FFA-BF7E-762491D0EB39}"/>
+              </a:ext>
+            </a:extLst>
+          </p:cNvPr>
+          <p:cNvSpPr>
+            <a:spLocks noGrp="1"/>
+          </p:cNvSpPr>
+          <p:nvPr>
+            <p:ph type="body" idx="1"/>
+          </p:nvPr>
+        </p:nvSpPr>
+        <p:spPr/>
+        <p:txBody>
+          <a:bodyPr/>
+          <a:lstStyle/>
+          <a:p>
+            <a:r>
+              <a:rPr lang="en-US" altLang="zh-CN" dirty="0"/>
+              <a:t>Research Problem</a:t>
+            </a:r>
+          </a:p>
+          <a:p>
+            <a:r>
+              <a:rPr lang="en-US" altLang="zh-CN" dirty="0"/>
+              <a:t>Motivation Example &amp; Overview</a:t>
+            </a:r>
+          </a:p>
+          <a:p>
+            <a:r>
+              <a:rPr lang="en-US" altLang="zh-CN" dirty="0"/>
+              <a:t>Approach In Details</a:t>
+            </a:r>
+          </a:p>
+          <a:p>
+            <a:r>
+              <a:rPr lang="en-US" altLang="zh-CN" dirty="0"/>
+              <a:t>Discussion</a:t>
+            </a:r>
+          </a:p>
+          <a:p>
+            <a:endParaRPr lang="zh-CN" altLang="en-US" dirty="0"/>
+          </a:p>
+        </p:txBody>
+      </p:sp>
+      <p:sp>
+        <p:nvSpPr>
+          <p:cNvPr id="4" name="Slide Number Placeholder 3">
+            <a:extLst>
+              <a:ext uri="{FF2B5EF4-FFF2-40B4-BE49-F238E27FC236}">
+                <a16:creationId xmlns:a16="http://schemas.microsoft.com/office/drawing/2014/main" id="{6B4CE1E3-8D12-4A2F-87D4-6395F5C91DDC}"/>
+              </a:ext>
+            </a:extLst>
+          </p:cNvPr>
+          <p:cNvSpPr>
+            <a:spLocks noGrp="1"/>
+          </p:cNvSpPr>
+          <p:nvPr>
+            <p:ph type="sldNum" idx="12"/>
+          </p:nvPr>
+        </p:nvSpPr>
+        <p:spPr/>
+        <p:txBody>
+          <a:bodyPr/>
+          <a:lstStyle/>
+          <a:p>
+            <a:pPr marL="0" lvl="0" indent="0" algn="r" rtl="0">
+              <a:spcBef>
+                <a:spcPts val="0"/>
+              </a:spcBef>
+              <a:spcAft>
+                <a:spcPts val="0"/>
+              </a:spcAft>
+              <a:buNone/>
+            </a:pPr>
+            <a:fld id="{00000000-1234-1234-1234-123412341234}" type="slidenum">
+              <a:rPr lang="en" smtClean="0"/>
+              <a:t>2</a:t>
+            </a:fld>
+            <a:endParaRPr lang="en"/>
+          </a:p>
+        </p:txBody>
+      </p:sp>
+    </p:spTree>
+    <p:extLst>
+      <p:ext uri="{BB962C8B-B14F-4D97-AF65-F5344CB8AC3E}">
+        <p14:creationId xmlns:p14="http://schemas.microsoft.com/office/powerpoint/2010/main" val="3292415568"/>
+      </p:ext>
+    </p:extLst>
+  </p:cSld>
+  <p:clrMapOvr>
+    <a:masterClrMapping/>
+  </p:clrMapOvr>
+</p:sld>
+</file>
+
+<file path=ppt/slides/slide20.xml><?xml version="1.0" encoding="utf-8"?>
+<p:sld xmlns:a="http://schemas.openxmlformats.org/drawingml/2006/main" xmlns:r="http://schemas.openxmlformats.org/officeDocument/2006/relationships" xmlns:p="http://schemas.openxmlformats.org/presentationml/2006/main">
+  <p:cSld>
+    <p:spTree>
+      <p:nvGrpSpPr>
+        <p:cNvPr id="1" name=""/>
+        <p:cNvGrpSpPr/>
+        <p:nvPr/>
+      </p:nvGrpSpPr>
+      <p:grpSpPr>
+        <a:xfrm>
+          <a:off x="0" y="0"/>
+          <a:ext cx="0" cy="0"/>
+          <a:chOff x="0" y="0"/>
+          <a:chExt cx="0" cy="0"/>
+        </a:xfrm>
+      </p:grpSpPr>
+      <p:sp>
+        <p:nvSpPr>
+          <p:cNvPr id="2" name="Title 1"/>
+          <p:cNvSpPr>
+            <a:spLocks noGrp="1"/>
+          </p:cNvSpPr>
+          <p:nvPr>
+            <p:ph type="title"/>
+          </p:nvPr>
+        </p:nvSpPr>
+        <p:spPr/>
+        <p:txBody>
+          <a:bodyPr/>
+          <a:lstStyle/>
+          <a:p>
+            <a:r>
+              <a:rPr lang="en-US" dirty="0"/>
+              <a:t>Trace to error state</a:t>
+            </a:r>
+          </a:p>
+        </p:txBody>
+      </p:sp>
+      <mc:AlternateContent xmlns:mc="http://schemas.openxmlformats.org/markup-compatibility/2006">
+        <mc:Choice xmlns:a14="http://schemas.microsoft.com/office/drawing/2010/main" Requires="a14">
+          <p:sp>
+            <p:nvSpPr>
+              <p:cNvPr id="3" name="Text Placeholder 2"/>
+              <p:cNvSpPr>
+                <a:spLocks noGrp="1"/>
+              </p:cNvSpPr>
+              <p:nvPr>
+                <p:ph type="body" idx="1"/>
+              </p:nvPr>
+            </p:nvSpPr>
+            <p:spPr/>
+            <p:txBody>
+              <a:bodyPr/>
+              <a:lstStyle/>
+              <a:p>
+                <a14:m>
+                  <m:oMath xmlns:m="http://schemas.openxmlformats.org/officeDocument/2006/math">
+                    <m:r>
+                      <a:rPr lang="en-US" i="1" dirty="0" smtClean="0">
+                        <a:latin typeface="Cambria Math" panose="02040503050406030204" pitchFamily="18" charset="0"/>
+                      </a:rPr>
+                      <m:t>&lt;</m:t>
+                    </m:r>
+                    <m:r>
+                      <a:rPr lang="en-US" i="1" dirty="0" smtClean="0">
+                        <a:latin typeface="Cambria Math" panose="02040503050406030204" pitchFamily="18" charset="0"/>
+                      </a:rPr>
+                      <m:t>𝑖𝑛𝑝𝑢𝑡</m:t>
+                    </m:r>
+                    <m:r>
+                      <a:rPr lang="en-US" i="1" dirty="0" smtClean="0">
+                        <a:latin typeface="Cambria Math" panose="02040503050406030204" pitchFamily="18" charset="0"/>
+                      </a:rPr>
+                      <m:t>&gt;</m:t>
+                    </m:r>
+                  </m:oMath>
+                </a14:m>
+                <a:endParaRPr lang="en-US" dirty="0"/>
+              </a:p>
+            </p:txBody>
+          </p:sp>
+        </mc:Choice>
+        <mc:Fallback>
+          <p:sp>
+            <p:nvSpPr>
+              <p:cNvPr id="3" name="Text Placeholder 2"/>
+              <p:cNvSpPr>
+                <a:spLocks noGrp="1" noRot="1" noChangeAspect="1" noMove="1" noResize="1" noEditPoints="1" noAdjustHandles="1" noChangeArrowheads="1" noChangeShapeType="1" noTextEdit="1"/>
+              </p:cNvSpPr>
+              <p:nvPr>
+                <p:ph type="body" idx="1"/>
+              </p:nvPr>
+            </p:nvSpPr>
+            <p:spPr>
+              <a:blipFill>
+                <a:blip r:embed="rId2"/>
+                <a:stretch>
+                  <a:fillRect/>
+                </a:stretch>
+              </a:blipFill>
+            </p:spPr>
+            <p:txBody>
+              <a:bodyPr/>
+              <a:lstStyle/>
+              <a:p>
+                <a:r>
+                  <a:rPr lang="zh-CN" altLang="en-US">
+                    <a:noFill/>
+                  </a:rPr>
+                  <a:t> </a:t>
+                </a:r>
+              </a:p>
+            </p:txBody>
+          </p:sp>
+        </mc:Fallback>
+      </mc:AlternateContent>
+      <p:sp>
+        <p:nvSpPr>
+          <p:cNvPr id="4" name="Slide Number Placeholder 3"/>
+          <p:cNvSpPr>
+            <a:spLocks noGrp="1"/>
+          </p:cNvSpPr>
+          <p:nvPr>
+            <p:ph type="sldNum" idx="12"/>
+          </p:nvPr>
+        </p:nvSpPr>
+        <p:spPr/>
+        <p:txBody>
+          <a:bodyPr/>
+          <a:lstStyle/>
+          <a:p>
+            <a:pPr marL="0" lvl="0" indent="0" algn="r" rtl="0">
+              <a:spcBef>
+                <a:spcPts val="0"/>
+              </a:spcBef>
+              <a:spcAft>
+                <a:spcPts val="0"/>
+              </a:spcAft>
+              <a:buNone/>
+            </a:pPr>
+            <a:fld id="{00000000-1234-1234-1234-123412341234}" type="slidenum">
+              <a:rPr lang="en" smtClean="0"/>
+              <a:t>20</a:t>
+            </a:fld>
+            <a:endParaRPr lang="en"/>
+          </a:p>
+        </p:txBody>
+      </p:sp>
+      <p:pic>
+        <p:nvPicPr>
+          <p:cNvPr id="5" name="Picture 4"/>
+          <p:cNvPicPr>
+            <a:picLocks noChangeAspect="1"/>
+          </p:cNvPicPr>
+          <p:nvPr/>
+        </p:nvPicPr>
+        <p:blipFill>
+          <a:blip r:embed="rId3"/>
+          <a:stretch>
+            <a:fillRect/>
+          </a:stretch>
+        </p:blipFill>
+        <p:spPr>
+          <a:xfrm>
+            <a:off x="951677" y="1938406"/>
+            <a:ext cx="2080440" cy="800169"/>
+          </a:xfrm>
+          <a:prstGeom prst="rect">
+            <a:avLst/>
+          </a:prstGeom>
+        </p:spPr>
+      </p:pic>
+      <p:pic>
+        <p:nvPicPr>
+          <p:cNvPr id="8" name="Picture 7"/>
+          <p:cNvPicPr>
+            <a:picLocks noChangeAspect="1"/>
+          </p:cNvPicPr>
+          <p:nvPr/>
+        </p:nvPicPr>
+        <p:blipFill>
+          <a:blip r:embed="rId4"/>
+          <a:stretch>
+            <a:fillRect/>
+          </a:stretch>
+        </p:blipFill>
+        <p:spPr>
+          <a:xfrm>
+            <a:off x="875470" y="2873325"/>
+            <a:ext cx="2232853" cy="800169"/>
+          </a:xfrm>
+          <a:prstGeom prst="rect">
+            <a:avLst/>
+          </a:prstGeom>
+        </p:spPr>
+      </p:pic>
+      <p:pic>
+        <p:nvPicPr>
+          <p:cNvPr id="6" name="Picture 5"/>
+          <p:cNvPicPr>
+            <a:picLocks noChangeAspect="1"/>
+          </p:cNvPicPr>
+          <p:nvPr/>
+        </p:nvPicPr>
+        <p:blipFill>
+          <a:blip r:embed="rId5"/>
+          <a:stretch>
+            <a:fillRect/>
+          </a:stretch>
+        </p:blipFill>
+        <p:spPr>
+          <a:xfrm>
+            <a:off x="3748300" y="2873325"/>
+            <a:ext cx="3589331" cy="1150720"/>
+          </a:xfrm>
+          <a:prstGeom prst="rect">
+            <a:avLst/>
+          </a:prstGeom>
+        </p:spPr>
+      </p:pic>
+      <p:pic>
+        <p:nvPicPr>
+          <p:cNvPr id="7" name="Picture 6"/>
+          <p:cNvPicPr>
+            <a:picLocks noChangeAspect="1"/>
+          </p:cNvPicPr>
+          <p:nvPr/>
+        </p:nvPicPr>
+        <p:blipFill>
+          <a:blip r:embed="rId6"/>
+          <a:stretch>
+            <a:fillRect/>
+          </a:stretch>
+        </p:blipFill>
+        <p:spPr>
+          <a:xfrm>
+            <a:off x="3748300" y="1953647"/>
+            <a:ext cx="1554615" cy="784928"/>
+          </a:xfrm>
+          <a:prstGeom prst="rect">
+            <a:avLst/>
+          </a:prstGeom>
+        </p:spPr>
+      </p:pic>
+    </p:spTree>
+    <p:extLst>
+      <p:ext uri="{BB962C8B-B14F-4D97-AF65-F5344CB8AC3E}">
+        <p14:creationId xmlns:p14="http://schemas.microsoft.com/office/powerpoint/2010/main" val="2188761075"/>
+      </p:ext>
+    </p:extLst>
+  </p:cSld>
+  <p:clrMapOvr>
+    <a:masterClrMapping/>
+  </p:clrMapOvr>
 </p:sld>
 </file>
 
@@ -10260,36 +10504,102 @@
           <a:lstStyle/>
           <a:p>
             <a:r>
-              <a:rPr lang="en-US" dirty="0" smtClean="0"/>
+              <a:rPr lang="en-US" dirty="0"/>
               <a:t>Trace to error state</a:t>
             </a:r>
-            <a:endParaRPr lang="en-US" dirty="0"/>
           </a:p>
         </p:txBody>
       </p:sp>
-      <p:sp>
-        <p:nvSpPr>
-          <p:cNvPr id="3" name="Text Placeholder 2"/>
-          <p:cNvSpPr>
-            <a:spLocks noGrp="1"/>
-          </p:cNvSpPr>
-          <p:nvPr>
-            <p:ph type="body" idx="1"/>
-          </p:nvPr>
-        </p:nvSpPr>
-        <p:spPr/>
-        <p:txBody>
-          <a:bodyPr/>
-          <a:lstStyle/>
-          <a:p>
-            <a:r>
-              <a:rPr lang="en-US" dirty="0" smtClean="0"/>
-              <a:t>&lt;input&gt;</a:t>
-            </a:r>
-            <a:endParaRPr lang="en-US" dirty="0"/>
-          </a:p>
-        </p:txBody>
-      </p:sp>
+      <mc:AlternateContent xmlns:mc="http://schemas.openxmlformats.org/markup-compatibility/2006">
+        <mc:Choice xmlns:a14="http://schemas.microsoft.com/office/drawing/2010/main" Requires="a14">
+          <p:sp>
+            <p:nvSpPr>
+              <p:cNvPr id="3" name="Text Placeholder 2"/>
+              <p:cNvSpPr>
+                <a:spLocks noGrp="1"/>
+              </p:cNvSpPr>
+              <p:nvPr>
+                <p:ph type="body" idx="1"/>
+              </p:nvPr>
+            </p:nvSpPr>
+            <p:spPr/>
+            <p:txBody>
+              <a:bodyPr/>
+              <a:lstStyle/>
+              <a:p>
+                <a14:m>
+                  <m:oMath xmlns:m="http://schemas.openxmlformats.org/officeDocument/2006/math">
+                    <m:r>
+                      <a:rPr lang="en-US" i="1" dirty="0" smtClean="0">
+                        <a:latin typeface="Cambria Math" panose="02040503050406030204" pitchFamily="18" charset="0"/>
+                      </a:rPr>
+                      <m:t>&lt;</m:t>
+                    </m:r>
+                    <m:r>
+                      <a:rPr lang="en-US" i="1" dirty="0" smtClean="0">
+                        <a:latin typeface="Cambria Math" panose="02040503050406030204" pitchFamily="18" charset="0"/>
+                      </a:rPr>
+                      <m:t>𝑖𝑛𝑝𝑢𝑡</m:t>
+                    </m:r>
+                    <m:r>
+                      <a:rPr lang="en-US" i="1" dirty="0" smtClean="0">
+                        <a:latin typeface="Cambria Math" panose="02040503050406030204" pitchFamily="18" charset="0"/>
+                      </a:rPr>
+                      <m:t>, </m:t>
+                    </m:r>
+                    <m:r>
+                      <a:rPr lang="en-US" i="1" dirty="0" smtClean="0">
+                        <a:latin typeface="Cambria Math" panose="02040503050406030204" pitchFamily="18" charset="0"/>
+                      </a:rPr>
+                      <m:t>𝑠𝑒𝑛𝑑</m:t>
+                    </m:r>
+                    <m:r>
+                      <a:rPr lang="en-US" i="1" dirty="0" smtClean="0">
+                        <a:latin typeface="Cambria Math" panose="02040503050406030204" pitchFamily="18" charset="0"/>
+                      </a:rPr>
+                      <m:t>&gt;</m:t>
+                    </m:r>
+                  </m:oMath>
+                </a14:m>
+                <a:endParaRPr lang="en-US" dirty="0"/>
+              </a:p>
+            </p:txBody>
+          </p:sp>
+        </mc:Choice>
+        <mc:Fallback>
+          <p:sp>
+            <p:nvSpPr>
+              <p:cNvPr id="3" name="Text Placeholder 2"/>
+              <p:cNvSpPr>
+                <a:spLocks noGrp="1" noRot="1" noChangeAspect="1" noMove="1" noResize="1" noEditPoints="1" noAdjustHandles="1" noChangeArrowheads="1" noChangeShapeType="1" noTextEdit="1"/>
+              </p:cNvSpPr>
+              <p:nvPr>
+                <p:ph type="body" idx="1"/>
+              </p:nvPr>
+            </p:nvSpPr>
+            <p:spPr>
+              <a:blipFill>
+                <a:blip r:embed="rId2"/>
+                <a:stretch>
+                  <a:fillRect/>
+                </a:stretch>
+              </a:blipFill>
+            </p:spPr>
+            <p:txBody>
+              <a:bodyPr/>
+              <a:lstStyle/>
+              <a:p>
+                <a:r>
+                  <a:rPr lang="zh-CN" altLang="en-US">
+                    <a:noFill/>
+                  </a:rPr>
+                  <a:t> </a:t>
+                </a:r>
+              </a:p>
+            </p:txBody>
+          </p:sp>
+        </mc:Fallback>
+      </mc:AlternateContent>
       <p:sp>
         <p:nvSpPr>
           <p:cNvPr id="4" name="Slide Number Placeholder 3"/>
@@ -10322,30 +10632,6 @@
           </a:p>
         </p:txBody>
       </p:sp>
-      <p:pic>
-        <p:nvPicPr>
-          <p:cNvPr id="5" name="Picture 4"/>
-          <p:cNvPicPr>
-            <a:picLocks noChangeAspect="1"/>
-          </p:cNvPicPr>
-          <p:nvPr/>
-        </p:nvPicPr>
-        <p:blipFill>
-          <a:blip r:embed="rId2"/>
-          <a:stretch>
-            <a:fillRect/>
-          </a:stretch>
-        </p:blipFill>
-        <p:spPr>
-          <a:xfrm>
-            <a:off x="951677" y="1938406"/>
-            <a:ext cx="2080440" cy="800169"/>
-          </a:xfrm>
-          <a:prstGeom prst="rect">
-            <a:avLst/>
-          </a:prstGeom>
-        </p:spPr>
-      </p:pic>
       <p:pic>
         <p:nvPicPr>
           <p:cNvPr id="8" name="Picture 7"/>
@@ -10372,7 +10658,7 @@
       </p:pic>
       <p:pic>
         <p:nvPicPr>
-          <p:cNvPr id="6" name="Picture 5"/>
+          <p:cNvPr id="9" name="Picture 8"/>
           <p:cNvPicPr>
             <a:picLocks noChangeAspect="1"/>
           </p:cNvPicPr>
@@ -10386,8 +10672,8 @@
         </p:blipFill>
         <p:spPr>
           <a:xfrm>
-            <a:off x="3748300" y="2873325"/>
-            <a:ext cx="3589331" cy="1150720"/>
+            <a:off x="958197" y="1928074"/>
+            <a:ext cx="2088061" cy="800169"/>
           </a:xfrm>
           <a:prstGeom prst="rect">
             <a:avLst/>
@@ -10396,7 +10682,7 @@
       </p:pic>
       <p:pic>
         <p:nvPicPr>
-          <p:cNvPr id="7" name="Picture 6"/>
+          <p:cNvPr id="10" name="Picture 9"/>
           <p:cNvPicPr>
             <a:picLocks noChangeAspect="1"/>
           </p:cNvPicPr>
@@ -10410,8 +10696,32 @@
         </p:blipFill>
         <p:spPr>
           <a:xfrm>
-            <a:off x="3748300" y="1953647"/>
-            <a:ext cx="1554615" cy="784928"/>
+            <a:off x="3748300" y="2873325"/>
+            <a:ext cx="3566469" cy="1135478"/>
+          </a:xfrm>
+          <a:prstGeom prst="rect">
+            <a:avLst/>
+          </a:prstGeom>
+        </p:spPr>
+      </p:pic>
+      <p:pic>
+        <p:nvPicPr>
+          <p:cNvPr id="11" name="Picture 10"/>
+          <p:cNvPicPr>
+            <a:picLocks noChangeAspect="1"/>
+          </p:cNvPicPr>
+          <p:nvPr/>
+        </p:nvPicPr>
+        <p:blipFill>
+          <a:blip r:embed="rId6"/>
+          <a:stretch>
+            <a:fillRect/>
+          </a:stretch>
+        </p:blipFill>
+        <p:spPr>
+          <a:xfrm>
+            <a:off x="3748300" y="1946026"/>
+            <a:ext cx="1539373" cy="792549"/>
           </a:xfrm>
           <a:prstGeom prst="rect">
             <a:avLst/>
@@ -10421,7 +10731,7 @@
     </p:spTree>
     <p:extLst>
       <p:ext uri="{BB962C8B-B14F-4D97-AF65-F5344CB8AC3E}">
-        <p14:creationId xmlns:p14="http://schemas.microsoft.com/office/powerpoint/2010/main" val="2188761075"/>
+        <p14:creationId xmlns:p14="http://schemas.microsoft.com/office/powerpoint/2010/main" val="2846292250"/>
       </p:ext>
     </p:extLst>
   </p:cSld>
@@ -10464,36 +10774,114 @@
           <a:lstStyle/>
           <a:p>
             <a:r>
-              <a:rPr lang="en-US" dirty="0" smtClean="0"/>
+              <a:rPr lang="en-US" dirty="0"/>
               <a:t>Trace to error state</a:t>
             </a:r>
-            <a:endParaRPr lang="en-US" dirty="0"/>
           </a:p>
         </p:txBody>
       </p:sp>
-      <p:sp>
-        <p:nvSpPr>
-          <p:cNvPr id="3" name="Text Placeholder 2"/>
-          <p:cNvSpPr>
-            <a:spLocks noGrp="1"/>
-          </p:cNvSpPr>
-          <p:nvPr>
-            <p:ph type="body" idx="1"/>
-          </p:nvPr>
-        </p:nvSpPr>
-        <p:spPr/>
-        <p:txBody>
-          <a:bodyPr/>
-          <a:lstStyle/>
-          <a:p>
-            <a:r>
-              <a:rPr lang="en-US" dirty="0" smtClean="0"/>
-              <a:t>&lt;input, send&gt;</a:t>
-            </a:r>
-            <a:endParaRPr lang="en-US" dirty="0"/>
-          </a:p>
-        </p:txBody>
-      </p:sp>
+      <mc:AlternateContent xmlns:mc="http://schemas.openxmlformats.org/markup-compatibility/2006">
+        <mc:Choice xmlns:a14="http://schemas.microsoft.com/office/drawing/2010/main" Requires="a14">
+          <p:sp>
+            <p:nvSpPr>
+              <p:cNvPr id="3" name="Text Placeholder 2"/>
+              <p:cNvSpPr>
+                <a:spLocks noGrp="1"/>
+              </p:cNvSpPr>
+              <p:nvPr>
+                <p:ph type="body" idx="1"/>
+              </p:nvPr>
+            </p:nvSpPr>
+            <p:spPr/>
+            <p:txBody>
+              <a:bodyPr/>
+              <a:lstStyle/>
+              <a:p>
+                <a14:m>
+                  <m:oMath xmlns:m="http://schemas.openxmlformats.org/officeDocument/2006/math">
+                    <m:r>
+                      <a:rPr lang="en-US" i="1" dirty="0" smtClean="0">
+                        <a:latin typeface="Cambria Math" panose="02040503050406030204" pitchFamily="18" charset="0"/>
+                      </a:rPr>
+                      <m:t>&lt;</m:t>
+                    </m:r>
+                    <m:r>
+                      <a:rPr lang="en-US" i="1" dirty="0" smtClean="0">
+                        <a:latin typeface="Cambria Math" panose="02040503050406030204" pitchFamily="18" charset="0"/>
+                      </a:rPr>
+                      <m:t>𝑖𝑛𝑝𝑢𝑡</m:t>
+                    </m:r>
+                    <m:r>
+                      <a:rPr lang="en-US" i="1" dirty="0" smtClean="0">
+                        <a:latin typeface="Cambria Math" panose="02040503050406030204" pitchFamily="18" charset="0"/>
+                      </a:rPr>
+                      <m:t>, </m:t>
+                    </m:r>
+                    <m:r>
+                      <a:rPr lang="en-US" i="1" dirty="0" smtClean="0">
+                        <a:latin typeface="Cambria Math" panose="02040503050406030204" pitchFamily="18" charset="0"/>
+                      </a:rPr>
+                      <m:t>𝑠𝑒𝑛𝑑</m:t>
+                    </m:r>
+                    <m:r>
+                      <a:rPr lang="en-US" i="1" dirty="0" smtClean="0">
+                        <a:latin typeface="Cambria Math" panose="02040503050406030204" pitchFamily="18" charset="0"/>
+                      </a:rPr>
+                      <m:t>, </m:t>
+                    </m:r>
+                    <m:r>
+                      <a:rPr lang="en-US" i="1" dirty="0" err="1" smtClean="0">
+                        <a:latin typeface="Cambria Math" panose="02040503050406030204" pitchFamily="18" charset="0"/>
+                      </a:rPr>
+                      <m:t>𝑔𝑒𝑡𝑎𝑐𝑘</m:t>
+                    </m:r>
+                    <m:r>
+                      <a:rPr lang="en-US" i="1" dirty="0" smtClean="0">
+                        <a:latin typeface="Cambria Math" panose="02040503050406030204" pitchFamily="18" charset="0"/>
+                      </a:rPr>
+                      <m:t>&gt;</m:t>
+                    </m:r>
+                  </m:oMath>
+                </a14:m>
+                <a:endParaRPr lang="en-US" dirty="0"/>
+              </a:p>
+            </p:txBody>
+          </p:sp>
+        </mc:Choice>
+        <mc:Fallback>
+          <p:sp>
+            <p:nvSpPr>
+              <p:cNvPr id="3" name="Text Placeholder 2"/>
+              <p:cNvSpPr>
+                <a:spLocks noGrp="1" noRot="1" noChangeAspect="1" noMove="1" noResize="1" noEditPoints="1" noAdjustHandles="1" noChangeArrowheads="1" noChangeShapeType="1" noTextEdit="1"/>
+              </p:cNvSpPr>
+              <p:nvPr>
+                <p:ph type="body" idx="1"/>
+              </p:nvPr>
+            </p:nvSpPr>
+            <p:spPr>
+              <a:blipFill>
+                <a:blip r:embed="rId2"/>
+                <a:stretch>
+                  <a:fillRect/>
+                </a:stretch>
+              </a:blipFill>
+            </p:spPr>
+            <p:txBody>
+              <a:bodyPr/>
+              <a:lstStyle/>
+              <a:p>
+                <a:r>
+                  <a:rPr lang="zh-CN" altLang="en-US">
+                    <a:noFill/>
+                  </a:rPr>
+                  <a:t> </a:t>
+                </a:r>
+              </a:p>
+            </p:txBody>
+          </p:sp>
+        </mc:Fallback>
+      </mc:AlternateContent>
       <p:sp>
         <p:nvSpPr>
           <p:cNvPr id="4" name="Slide Number Placeholder 3"/>
@@ -10535,7 +10923,7 @@
           <p:nvPr/>
         </p:nvPicPr>
         <p:blipFill>
-          <a:blip r:embed="rId2"/>
+          <a:blip r:embed="rId3"/>
           <a:stretch>
             <a:fillRect/>
           </a:stretch>
@@ -10552,31 +10940,7 @@
       </p:pic>
       <p:pic>
         <p:nvPicPr>
-          <p:cNvPr id="9" name="Picture 8"/>
-          <p:cNvPicPr>
-            <a:picLocks noChangeAspect="1"/>
-          </p:cNvPicPr>
-          <p:nvPr/>
-        </p:nvPicPr>
-        <p:blipFill>
-          <a:blip r:embed="rId3"/>
-          <a:stretch>
-            <a:fillRect/>
-          </a:stretch>
-        </p:blipFill>
-        <p:spPr>
-          <a:xfrm>
-            <a:off x="958197" y="1928074"/>
-            <a:ext cx="2088061" cy="800169"/>
-          </a:xfrm>
-          <a:prstGeom prst="rect">
-            <a:avLst/>
-          </a:prstGeom>
-        </p:spPr>
-      </p:pic>
-      <p:pic>
-        <p:nvPicPr>
-          <p:cNvPr id="10" name="Picture 9"/>
+          <p:cNvPr id="5" name="Picture 4"/>
           <p:cNvPicPr>
             <a:picLocks noChangeAspect="1"/>
           </p:cNvPicPr>
@@ -10590,8 +10954,8 @@
         </p:blipFill>
         <p:spPr>
           <a:xfrm>
-            <a:off x="3748300" y="2873325"/>
-            <a:ext cx="3566469" cy="1135478"/>
+            <a:off x="951676" y="1925362"/>
+            <a:ext cx="2080440" cy="792549"/>
           </a:xfrm>
           <a:prstGeom prst="rect">
             <a:avLst/>
@@ -10600,7 +10964,7 @@
       </p:pic>
       <p:pic>
         <p:nvPicPr>
-          <p:cNvPr id="11" name="Picture 10"/>
+          <p:cNvPr id="6" name="Picture 5"/>
           <p:cNvPicPr>
             <a:picLocks noChangeAspect="1"/>
           </p:cNvPicPr>
@@ -10608,6 +10972,30 @@
         </p:nvPicPr>
         <p:blipFill>
           <a:blip r:embed="rId5"/>
+          <a:stretch>
+            <a:fillRect/>
+          </a:stretch>
+        </p:blipFill>
+        <p:spPr>
+          <a:xfrm>
+            <a:off x="3748300" y="2873325"/>
+            <a:ext cx="3581710" cy="1143099"/>
+          </a:xfrm>
+          <a:prstGeom prst="rect">
+            <a:avLst/>
+          </a:prstGeom>
+        </p:spPr>
+      </p:pic>
+      <p:pic>
+        <p:nvPicPr>
+          <p:cNvPr id="12" name="Picture 11"/>
+          <p:cNvPicPr>
+            <a:picLocks noChangeAspect="1"/>
+          </p:cNvPicPr>
+          <p:nvPr/>
+        </p:nvPicPr>
+        <p:blipFill>
+          <a:blip r:embed="rId6"/>
           <a:stretch>
             <a:fillRect/>
           </a:stretch>
@@ -10625,7 +11013,7 @@
     </p:spTree>
     <p:extLst>
       <p:ext uri="{BB962C8B-B14F-4D97-AF65-F5344CB8AC3E}">
-        <p14:creationId xmlns:p14="http://schemas.microsoft.com/office/powerpoint/2010/main" val="2846292250"/>
+        <p14:creationId xmlns:p14="http://schemas.microsoft.com/office/powerpoint/2010/main" val="2635338254"/>
       </p:ext>
     </p:extLst>
   </p:cSld>
@@ -10668,44 +11056,142 @@
           <a:lstStyle/>
           <a:p>
             <a:r>
-              <a:rPr lang="en-US" dirty="0" smtClean="0"/>
+              <a:rPr lang="en-US" dirty="0"/>
               <a:t>Trace to error state</a:t>
             </a:r>
-            <a:endParaRPr lang="en-US" dirty="0"/>
           </a:p>
         </p:txBody>
       </p:sp>
-      <p:sp>
-        <p:nvSpPr>
-          <p:cNvPr id="3" name="Text Placeholder 2"/>
-          <p:cNvSpPr>
-            <a:spLocks noGrp="1"/>
-          </p:cNvSpPr>
-          <p:nvPr>
-            <p:ph type="body" idx="1"/>
-          </p:nvPr>
-        </p:nvSpPr>
-        <p:spPr/>
-        <p:txBody>
-          <a:bodyPr/>
-          <a:lstStyle/>
-          <a:p>
-            <a:r>
-              <a:rPr lang="en-US" dirty="0" smtClean="0"/>
-              <a:t>&lt;input, send, </a:t>
-            </a:r>
-            <a:r>
-              <a:rPr lang="en-US" dirty="0" err="1" smtClean="0"/>
-              <a:t>getack</a:t>
-            </a:r>
-            <a:r>
-              <a:rPr lang="en-US" dirty="0" smtClean="0"/>
-              <a:t>&gt;</a:t>
-            </a:r>
-            <a:endParaRPr lang="en-US" dirty="0"/>
-          </a:p>
-        </p:txBody>
-      </p:sp>
+      <mc:AlternateContent xmlns:mc="http://schemas.openxmlformats.org/markup-compatibility/2006">
+        <mc:Choice xmlns:a14="http://schemas.microsoft.com/office/drawing/2010/main" Requires="a14">
+          <p:sp>
+            <p:nvSpPr>
+              <p:cNvPr id="3" name="Text Placeholder 2"/>
+              <p:cNvSpPr>
+                <a:spLocks noGrp="1"/>
+              </p:cNvSpPr>
+              <p:nvPr>
+                <p:ph type="body" idx="1"/>
+              </p:nvPr>
+            </p:nvSpPr>
+            <p:spPr/>
+            <p:txBody>
+              <a:bodyPr/>
+              <a:lstStyle/>
+              <a:p>
+                <a14:m>
+                  <m:oMath xmlns:m="http://schemas.openxmlformats.org/officeDocument/2006/math">
+                    <m:r>
+                      <a:rPr lang="en-US" i="1" dirty="0" smtClean="0">
+                        <a:latin typeface="Cambria Math" panose="02040503050406030204" pitchFamily="18" charset="0"/>
+                      </a:rPr>
+                      <m:t>&lt;</m:t>
+                    </m:r>
+                    <m:r>
+                      <a:rPr lang="en-US" i="1" dirty="0" smtClean="0">
+                        <a:latin typeface="Cambria Math" panose="02040503050406030204" pitchFamily="18" charset="0"/>
+                      </a:rPr>
+                      <m:t>𝑖𝑛𝑝𝑢𝑡</m:t>
+                    </m:r>
+                    <m:r>
+                      <a:rPr lang="en-US" i="1" dirty="0" smtClean="0">
+                        <a:latin typeface="Cambria Math" panose="02040503050406030204" pitchFamily="18" charset="0"/>
+                      </a:rPr>
+                      <m:t>, </m:t>
+                    </m:r>
+                    <m:r>
+                      <a:rPr lang="en-US" i="1" dirty="0" smtClean="0">
+                        <a:latin typeface="Cambria Math" panose="02040503050406030204" pitchFamily="18" charset="0"/>
+                      </a:rPr>
+                      <m:t>𝑠𝑒𝑛𝑑</m:t>
+                    </m:r>
+                    <m:r>
+                      <a:rPr lang="en-US" i="1" dirty="0" smtClean="0">
+                        <a:latin typeface="Cambria Math" panose="02040503050406030204" pitchFamily="18" charset="0"/>
+                      </a:rPr>
+                      <m:t>, </m:t>
+                    </m:r>
+                    <m:r>
+                      <a:rPr lang="en-US" i="1" dirty="0" err="1" smtClean="0">
+                        <a:latin typeface="Cambria Math" panose="02040503050406030204" pitchFamily="18" charset="0"/>
+                      </a:rPr>
+                      <m:t>𝑔𝑒𝑡𝑎𝑐𝑘</m:t>
+                    </m:r>
+                    <m:r>
+                      <a:rPr lang="en-US" i="1" dirty="0" smtClean="0">
+                        <a:latin typeface="Cambria Math" panose="02040503050406030204" pitchFamily="18" charset="0"/>
+                      </a:rPr>
+                      <m:t>, </m:t>
+                    </m:r>
+                    <m:r>
+                      <a:rPr lang="en-US" i="1" dirty="0" smtClean="0">
+                        <a:latin typeface="Cambria Math" panose="02040503050406030204" pitchFamily="18" charset="0"/>
+                      </a:rPr>
+                      <m:t>𝑖𝑛𝑝𝑢𝑡</m:t>
+                    </m:r>
+                    <m:r>
+                      <a:rPr lang="en-US" i="1" dirty="0" smtClean="0">
+                        <a:latin typeface="Cambria Math" panose="02040503050406030204" pitchFamily="18" charset="0"/>
+                      </a:rPr>
+                      <m:t>&gt;</m:t>
+                    </m:r>
+                  </m:oMath>
+                </a14:m>
+                <a:r>
+                  <a:rPr lang="en-US" dirty="0"/>
+                  <a:t>	</a:t>
+                </a:r>
+                <a:r>
+                  <a:rPr lang="en-US" b="1" dirty="0">
+                    <a:solidFill>
+                      <a:srgbClr val="FF0000"/>
+                    </a:solidFill>
+                  </a:rPr>
+                  <a:t>ERROR STATE!</a:t>
+                </a:r>
+                <a:endParaRPr lang="en-US" dirty="0">
+                  <a:solidFill>
+                    <a:srgbClr val="FF0000"/>
+                  </a:solidFill>
+                </a:endParaRPr>
+              </a:p>
+            </p:txBody>
+          </p:sp>
+        </mc:Choice>
+        <mc:Fallback>
+          <p:sp>
+            <p:nvSpPr>
+              <p:cNvPr id="3" name="Text Placeholder 2"/>
+              <p:cNvSpPr>
+                <a:spLocks noGrp="1" noRot="1" noChangeAspect="1" noMove="1" noResize="1" noEditPoints="1" noAdjustHandles="1" noChangeArrowheads="1" noChangeShapeType="1" noTextEdit="1"/>
+              </p:cNvSpPr>
+              <p:nvPr>
+                <p:ph type="body" idx="1"/>
+              </p:nvPr>
+            </p:nvSpPr>
+            <p:spPr>
+              <a:blipFill>
+                <a:blip r:embed="rId2"/>
+                <a:stretch>
+                  <a:fillRect/>
+                </a:stretch>
+              </a:blipFill>
+            </p:spPr>
+            <p:txBody>
+              <a:bodyPr/>
+              <a:lstStyle/>
+              <a:p>
+                <a:r>
+                  <a:rPr lang="zh-CN" altLang="en-US">
+                    <a:noFill/>
+                  </a:rPr>
+                  <a:t> </a:t>
+                </a:r>
+              </a:p>
+            </p:txBody>
+          </p:sp>
+        </mc:Fallback>
+      </mc:AlternateContent>
       <p:sp>
         <p:nvSpPr>
           <p:cNvPr id="4" name="Slide Number Placeholder 3"/>
@@ -10747,231 +11233,7 @@
           <p:nvPr/>
         </p:nvPicPr>
         <p:blipFill>
-          <a:blip r:embed="rId2"/>
-          <a:stretch>
-            <a:fillRect/>
-          </a:stretch>
-        </p:blipFill>
-        <p:spPr>
-          <a:xfrm>
-            <a:off x="875470" y="2873325"/>
-            <a:ext cx="2232853" cy="800169"/>
-          </a:xfrm>
-          <a:prstGeom prst="rect">
-            <a:avLst/>
-          </a:prstGeom>
-        </p:spPr>
-      </p:pic>
-      <p:pic>
-        <p:nvPicPr>
-          <p:cNvPr id="5" name="Picture 4"/>
-          <p:cNvPicPr>
-            <a:picLocks noChangeAspect="1"/>
-          </p:cNvPicPr>
-          <p:nvPr/>
-        </p:nvPicPr>
-        <p:blipFill>
           <a:blip r:embed="rId3"/>
-          <a:stretch>
-            <a:fillRect/>
-          </a:stretch>
-        </p:blipFill>
-        <p:spPr>
-          <a:xfrm>
-            <a:off x="951676" y="1925362"/>
-            <a:ext cx="2080440" cy="792549"/>
-          </a:xfrm>
-          <a:prstGeom prst="rect">
-            <a:avLst/>
-          </a:prstGeom>
-        </p:spPr>
-      </p:pic>
-      <p:pic>
-        <p:nvPicPr>
-          <p:cNvPr id="6" name="Picture 5"/>
-          <p:cNvPicPr>
-            <a:picLocks noChangeAspect="1"/>
-          </p:cNvPicPr>
-          <p:nvPr/>
-        </p:nvPicPr>
-        <p:blipFill>
-          <a:blip r:embed="rId4"/>
-          <a:stretch>
-            <a:fillRect/>
-          </a:stretch>
-        </p:blipFill>
-        <p:spPr>
-          <a:xfrm>
-            <a:off x="3748300" y="2873325"/>
-            <a:ext cx="3581710" cy="1143099"/>
-          </a:xfrm>
-          <a:prstGeom prst="rect">
-            <a:avLst/>
-          </a:prstGeom>
-        </p:spPr>
-      </p:pic>
-      <p:pic>
-        <p:nvPicPr>
-          <p:cNvPr id="12" name="Picture 11"/>
-          <p:cNvPicPr>
-            <a:picLocks noChangeAspect="1"/>
-          </p:cNvPicPr>
-          <p:nvPr/>
-        </p:nvPicPr>
-        <p:blipFill>
-          <a:blip r:embed="rId5"/>
-          <a:stretch>
-            <a:fillRect/>
-          </a:stretch>
-        </p:blipFill>
-        <p:spPr>
-          <a:xfrm>
-            <a:off x="3748300" y="1946026"/>
-            <a:ext cx="1539373" cy="792549"/>
-          </a:xfrm>
-          <a:prstGeom prst="rect">
-            <a:avLst/>
-          </a:prstGeom>
-        </p:spPr>
-      </p:pic>
-    </p:spTree>
-    <p:extLst>
-      <p:ext uri="{BB962C8B-B14F-4D97-AF65-F5344CB8AC3E}">
-        <p14:creationId xmlns:p14="http://schemas.microsoft.com/office/powerpoint/2010/main" val="2635338254"/>
-      </p:ext>
-    </p:extLst>
-  </p:cSld>
-  <p:clrMapOvr>
-    <a:masterClrMapping/>
-  </p:clrMapOvr>
-</p:sld>
-</file>
-
-<file path=ppt/slides/slide24.xml><?xml version="1.0" encoding="utf-8"?>
-<p:sld xmlns:a="http://schemas.openxmlformats.org/drawingml/2006/main" xmlns:r="http://schemas.openxmlformats.org/officeDocument/2006/relationships" xmlns:p="http://schemas.openxmlformats.org/presentationml/2006/main">
-  <p:cSld>
-    <p:spTree>
-      <p:nvGrpSpPr>
-        <p:cNvPr id="1" name=""/>
-        <p:cNvGrpSpPr/>
-        <p:nvPr/>
-      </p:nvGrpSpPr>
-      <p:grpSpPr>
-        <a:xfrm>
-          <a:off x="0" y="0"/>
-          <a:ext cx="0" cy="0"/>
-          <a:chOff x="0" y="0"/>
-          <a:chExt cx="0" cy="0"/>
-        </a:xfrm>
-      </p:grpSpPr>
-      <p:sp>
-        <p:nvSpPr>
-          <p:cNvPr id="2" name="Title 1"/>
-          <p:cNvSpPr>
-            <a:spLocks noGrp="1"/>
-          </p:cNvSpPr>
-          <p:nvPr>
-            <p:ph type="title"/>
-          </p:nvPr>
-        </p:nvSpPr>
-        <p:spPr/>
-        <p:txBody>
-          <a:bodyPr/>
-          <a:lstStyle/>
-          <a:p>
-            <a:r>
-              <a:rPr lang="en-US" dirty="0" smtClean="0"/>
-              <a:t>Trace to error state</a:t>
-            </a:r>
-            <a:endParaRPr lang="en-US" dirty="0"/>
-          </a:p>
-        </p:txBody>
-      </p:sp>
-      <p:sp>
-        <p:nvSpPr>
-          <p:cNvPr id="3" name="Text Placeholder 2"/>
-          <p:cNvSpPr>
-            <a:spLocks noGrp="1"/>
-          </p:cNvSpPr>
-          <p:nvPr>
-            <p:ph type="body" idx="1"/>
-          </p:nvPr>
-        </p:nvSpPr>
-        <p:spPr/>
-        <p:txBody>
-          <a:bodyPr/>
-          <a:lstStyle/>
-          <a:p>
-            <a:r>
-              <a:rPr lang="en-US" dirty="0" smtClean="0"/>
-              <a:t>&lt;input, send, </a:t>
-            </a:r>
-            <a:r>
-              <a:rPr lang="en-US" dirty="0" err="1" smtClean="0"/>
-              <a:t>getack</a:t>
-            </a:r>
-            <a:r>
-              <a:rPr lang="en-US" dirty="0" smtClean="0"/>
-              <a:t>, input&gt; </a:t>
-            </a:r>
-            <a:r>
-              <a:rPr lang="en-US" b="1" dirty="0" smtClean="0">
-                <a:solidFill>
-                  <a:srgbClr val="FF0000"/>
-                </a:solidFill>
-              </a:rPr>
-              <a:t>ERROR STATE!</a:t>
-            </a:r>
-            <a:endParaRPr lang="en-US" dirty="0">
-              <a:solidFill>
-                <a:srgbClr val="FF0000"/>
-              </a:solidFill>
-            </a:endParaRPr>
-          </a:p>
-        </p:txBody>
-      </p:sp>
-      <p:sp>
-        <p:nvSpPr>
-          <p:cNvPr id="4" name="Slide Number Placeholder 3"/>
-          <p:cNvSpPr>
-            <a:spLocks noGrp="1"/>
-          </p:cNvSpPr>
-          <p:nvPr>
-            <p:ph type="sldNum" idx="12"/>
-          </p:nvPr>
-        </p:nvSpPr>
-        <p:spPr/>
-        <p:txBody>
-          <a:bodyPr/>
-          <a:lstStyle/>
-          <a:p>
-            <a:pPr marL="0" lvl="0" indent="0" algn="r" rtl="0">
-              <a:spcBef>
-                <a:spcPts val="0"/>
-              </a:spcBef>
-              <a:spcAft>
-                <a:spcPts val="0"/>
-              </a:spcAft>
-              <a:buNone/>
-            </a:pPr>
-            <a:fld id="{00000000-1234-1234-1234-123412341234}" type="slidenum">
-              <a:rPr lang="en" smtClean="0"/>
-              <a:t>24</a:t>
-            </a:fld>
-            <a:endParaRPr lang="en"/>
-          </a:p>
-        </p:txBody>
-      </p:sp>
-      <p:pic>
-        <p:nvPicPr>
-          <p:cNvPr id="8" name="Picture 7"/>
-          <p:cNvPicPr>
-            <a:picLocks noChangeAspect="1"/>
-          </p:cNvPicPr>
-          <p:nvPr/>
-        </p:nvPicPr>
-        <p:blipFill>
-          <a:blip r:embed="rId2"/>
           <a:stretch>
             <a:fillRect/>
           </a:stretch>
@@ -10995,7 +11257,7 @@
           <p:nvPr/>
         </p:nvPicPr>
         <p:blipFill>
-          <a:blip r:embed="rId3"/>
+          <a:blip r:embed="rId4"/>
           <a:stretch>
             <a:fillRect/>
           </a:stretch>
@@ -11019,7 +11281,7 @@
           <p:nvPr/>
         </p:nvPicPr>
         <p:blipFill>
-          <a:blip r:embed="rId4"/>
+          <a:blip r:embed="rId5"/>
           <a:stretch>
             <a:fillRect/>
           </a:stretch>
@@ -11043,7 +11305,7 @@
           <p:nvPr/>
         </p:nvPicPr>
         <p:blipFill>
-          <a:blip r:embed="rId5"/>
+          <a:blip r:embed="rId6"/>
           <a:stretch>
             <a:fillRect/>
           </a:stretch>
@@ -11071,7 +11333,7 @@
 </p:sld>
 </file>
 
-<file path=ppt/slides/slide25.xml><?xml version="1.0" encoding="utf-8"?>
+<file path=ppt/slides/slide24.xml><?xml version="1.0" encoding="utf-8"?>
 <p:sld xmlns:a="http://schemas.openxmlformats.org/drawingml/2006/main" xmlns:r="http://schemas.openxmlformats.org/officeDocument/2006/relationships" xmlns:p="http://schemas.openxmlformats.org/presentationml/2006/main">
   <p:cSld>
     <p:spTree>
@@ -11117,72 +11379,245 @@
           </a:p>
         </p:txBody>
       </p:sp>
-      <p:sp>
-        <p:nvSpPr>
-          <p:cNvPr id="3" name="Text Placeholder 2">
-            <a:extLst>
-              <a:ext uri="{FF2B5EF4-FFF2-40B4-BE49-F238E27FC236}">
-                <a16:creationId xmlns:a16="http://schemas.microsoft.com/office/drawing/2014/main" id="{C0710122-E6DE-435F-AD45-4E3E886DE737}"/>
-              </a:ext>
-            </a:extLst>
-          </p:cNvPr>
-          <p:cNvSpPr>
-            <a:spLocks noGrp="1"/>
-          </p:cNvSpPr>
-          <p:nvPr>
-            <p:ph type="body" idx="1"/>
-          </p:nvPr>
-        </p:nvSpPr>
-        <p:spPr>
-          <a:xfrm>
-            <a:off x="311700" y="1152474"/>
-            <a:ext cx="5961428" cy="3419525"/>
-          </a:xfrm>
-        </p:spPr>
-        <p:txBody>
-          <a:bodyPr/>
-          <a:lstStyle/>
-          <a:p>
-            <a:pPr>
-              <a:spcAft>
-                <a:spcPts val="800"/>
-              </a:spcAft>
-            </a:pPr>
-            <a:r>
-              <a:rPr lang="en-US" altLang="zh-CN" dirty="0" smtClean="0"/>
-              <a:t>A system makes </a:t>
-            </a:r>
-            <a:r>
-              <a:rPr lang="en-US" altLang="zh-CN" i="1" dirty="0" smtClean="0"/>
-              <a:t>assumptions</a:t>
-            </a:r>
-            <a:r>
-              <a:rPr lang="en-US" altLang="zh-CN" dirty="0" smtClean="0"/>
-              <a:t> about the environment to ensure “correct” function.</a:t>
-            </a:r>
-          </a:p>
-          <a:p>
-            <a:pPr>
-              <a:spcAft>
-                <a:spcPts val="800"/>
-              </a:spcAft>
-            </a:pPr>
-            <a:r>
-              <a:rPr lang="en-US" altLang="zh-CN" i="1" dirty="0" smtClean="0"/>
-              <a:t>Uncertainty</a:t>
-            </a:r>
-            <a:r>
-              <a:rPr lang="en-US" altLang="zh-CN" dirty="0" smtClean="0"/>
-              <a:t> </a:t>
-            </a:r>
-            <a:r>
-              <a:rPr lang="en-US" altLang="zh-CN" dirty="0" smtClean="0"/>
-              <a:t>is the additional unexpected behavior in the actual environment in the form of nondeterminism.</a:t>
-            </a:r>
-            <a:endParaRPr lang="zh-CN" altLang="en-US" dirty="0"/>
-          </a:p>
-        </p:txBody>
-      </p:sp>
+      <mc:AlternateContent xmlns:mc="http://schemas.openxmlformats.org/markup-compatibility/2006">
+        <mc:Choice xmlns:a14="http://schemas.microsoft.com/office/drawing/2010/main" Requires="a14">
+          <p:sp>
+            <p:nvSpPr>
+              <p:cNvPr id="3" name="Text Placeholder 2">
+                <a:extLst>
+                  <a:ext uri="{FF2B5EF4-FFF2-40B4-BE49-F238E27FC236}">
+                    <a16:creationId xmlns:a16="http://schemas.microsoft.com/office/drawing/2014/main" id="{C0710122-E6DE-435F-AD45-4E3E886DE737}"/>
+                  </a:ext>
+                </a:extLst>
+              </p:cNvPr>
+              <p:cNvSpPr>
+                <a:spLocks noGrp="1"/>
+              </p:cNvSpPr>
+              <p:nvPr>
+                <p:ph type="body" idx="1"/>
+              </p:nvPr>
+            </p:nvSpPr>
+            <p:spPr>
+              <a:xfrm>
+                <a:off x="311700" y="1152474"/>
+                <a:ext cx="5961428" cy="3419525"/>
+              </a:xfrm>
+            </p:spPr>
+            <p:txBody>
+              <a:bodyPr/>
+              <a:lstStyle/>
+              <a:p>
+                <a:pPr>
+                  <a:spcAft>
+                    <a:spcPts val="800"/>
+                  </a:spcAft>
+                </a:pPr>
+                <a:r>
+                  <a:rPr lang="en-US" altLang="zh-CN" sz="1600" dirty="0"/>
+                  <a:t>A system makes </a:t>
+                </a:r>
+                <a:r>
+                  <a:rPr lang="en-US" altLang="zh-CN" sz="1600" i="1" dirty="0"/>
+                  <a:t>assumptions</a:t>
+                </a:r>
+                <a:r>
+                  <a:rPr lang="en-US" altLang="zh-CN" sz="1600" dirty="0"/>
+                  <a:t> about the environment to ensure “correct” function.</a:t>
+                </a:r>
+              </a:p>
+              <a:p>
+                <a:pPr>
+                  <a:spcAft>
+                    <a:spcPts val="800"/>
+                  </a:spcAft>
+                </a:pPr>
+                <a:r>
+                  <a:rPr lang="en-US" altLang="zh-CN" sz="1600" b="1" i="1" dirty="0"/>
+                  <a:t>Uncertainty</a:t>
+                </a:r>
+                <a:r>
+                  <a:rPr lang="en-US" altLang="zh-CN" sz="1600" dirty="0"/>
+                  <a:t> is the additional unexpected behavior in the actual environment (not in the assumed environment) in the form of nondeterminism.</a:t>
+                </a:r>
+              </a:p>
+              <a:p>
+                <a:pPr>
+                  <a:spcAft>
+                    <a:spcPts val="800"/>
+                  </a:spcAft>
+                </a:pPr>
+                <a:r>
+                  <a:rPr lang="en-US" altLang="zh-CN" sz="1600" dirty="0"/>
+                  <a:t>Intuitively, </a:t>
+                </a:r>
+                <a14:m>
+                  <m:oMath xmlns:m="http://schemas.openxmlformats.org/officeDocument/2006/math">
+                    <m:r>
+                      <a:rPr lang="en-US" altLang="zh-CN" sz="1400" b="0" i="1" smtClean="0">
+                        <a:latin typeface="Cambria Math" panose="02040503050406030204" pitchFamily="18" charset="0"/>
+                      </a:rPr>
+                      <m:t>𝑈𝑛𝑐𝑒𝑟𝑡𝑎𝑖𝑛𝑡𝑦</m:t>
+                    </m:r>
+                    <m:r>
+                      <a:rPr lang="en-US" altLang="zh-CN" sz="1400" b="0" i="1" smtClean="0">
+                        <a:latin typeface="Cambria Math" panose="02040503050406030204" pitchFamily="18" charset="0"/>
+                      </a:rPr>
+                      <m:t>=</m:t>
+                    </m:r>
+                    <m:r>
+                      <a:rPr lang="en-US" altLang="zh-CN" sz="1400" b="0" i="1" smtClean="0">
+                        <a:latin typeface="Cambria Math" panose="02040503050406030204" pitchFamily="18" charset="0"/>
+                      </a:rPr>
+                      <m:t>𝐵𝑒h</m:t>
+                    </m:r>
+                    <m:d>
+                      <m:dPr>
+                        <m:ctrlPr>
+                          <a:rPr lang="en-US" altLang="zh-CN" sz="1400" b="0" i="1" smtClean="0">
+                            <a:latin typeface="Cambria Math" panose="02040503050406030204" pitchFamily="18" charset="0"/>
+                          </a:rPr>
+                        </m:ctrlPr>
+                      </m:dPr>
+                      <m:e>
+                        <m:r>
+                          <a:rPr lang="en-US" altLang="zh-CN" sz="1400" b="0" i="1" smtClean="0">
+                            <a:latin typeface="Cambria Math" panose="02040503050406030204" pitchFamily="18" charset="0"/>
+                          </a:rPr>
+                          <m:t>𝐸𝑛</m:t>
+                        </m:r>
+                        <m:sSub>
+                          <m:sSubPr>
+                            <m:ctrlPr>
+                              <a:rPr lang="en-US" altLang="zh-CN" sz="1400" b="0" i="1" smtClean="0">
+                                <a:latin typeface="Cambria Math" panose="02040503050406030204" pitchFamily="18" charset="0"/>
+                              </a:rPr>
+                            </m:ctrlPr>
+                          </m:sSubPr>
+                          <m:e>
+                            <m:r>
+                              <a:rPr lang="en-US" altLang="zh-CN" sz="1400" b="0" i="1" smtClean="0">
+                                <a:latin typeface="Cambria Math" panose="02040503050406030204" pitchFamily="18" charset="0"/>
+                              </a:rPr>
+                              <m:t>𝑣</m:t>
+                            </m:r>
+                          </m:e>
+                          <m:sub>
+                            <m:r>
+                              <a:rPr lang="en-US" altLang="zh-CN" sz="1400" b="0" i="1" smtClean="0">
+                                <a:latin typeface="Cambria Math" panose="02040503050406030204" pitchFamily="18" charset="0"/>
+                              </a:rPr>
+                              <m:t>𝑎𝑐𝑡𝑢𝑎𝑙</m:t>
+                            </m:r>
+                          </m:sub>
+                        </m:sSub>
+                      </m:e>
+                    </m:d>
+                    <m:r>
+                      <a:rPr lang="en-US" altLang="zh-CN" sz="1400" b="0" i="1" smtClean="0">
+                        <a:latin typeface="Cambria Math" panose="02040503050406030204" pitchFamily="18" charset="0"/>
+                      </a:rPr>
+                      <m:t>−</m:t>
+                    </m:r>
+                    <m:r>
+                      <a:rPr lang="en-US" altLang="zh-CN" sz="1400" b="0" i="1" smtClean="0">
+                        <a:latin typeface="Cambria Math" panose="02040503050406030204" pitchFamily="18" charset="0"/>
+                      </a:rPr>
+                      <m:t>𝐵𝑒h</m:t>
+                    </m:r>
+                    <m:r>
+                      <a:rPr lang="en-US" altLang="zh-CN" sz="1400" b="0" i="1" smtClean="0">
+                        <a:latin typeface="Cambria Math" panose="02040503050406030204" pitchFamily="18" charset="0"/>
+                      </a:rPr>
+                      <m:t>(</m:t>
+                    </m:r>
+                    <m:r>
+                      <a:rPr lang="en-US" altLang="zh-CN" sz="1400" b="0" i="1" smtClean="0">
+                        <a:latin typeface="Cambria Math" panose="02040503050406030204" pitchFamily="18" charset="0"/>
+                      </a:rPr>
+                      <m:t>𝐸𝑛</m:t>
+                    </m:r>
+                    <m:sSub>
+                      <m:sSubPr>
+                        <m:ctrlPr>
+                          <a:rPr lang="en-US" altLang="zh-CN" sz="1400" b="0" i="1" smtClean="0">
+                            <a:latin typeface="Cambria Math" panose="02040503050406030204" pitchFamily="18" charset="0"/>
+                          </a:rPr>
+                        </m:ctrlPr>
+                      </m:sSubPr>
+                      <m:e>
+                        <m:r>
+                          <a:rPr lang="en-US" altLang="zh-CN" sz="1400" b="0" i="1" smtClean="0">
+                            <a:latin typeface="Cambria Math" panose="02040503050406030204" pitchFamily="18" charset="0"/>
+                          </a:rPr>
+                          <m:t>𝑣</m:t>
+                        </m:r>
+                      </m:e>
+                      <m:sub>
+                        <m:r>
+                          <a:rPr lang="en-US" altLang="zh-CN" sz="1400" b="0" i="1" smtClean="0">
+                            <a:latin typeface="Cambria Math" panose="02040503050406030204" pitchFamily="18" charset="0"/>
+                          </a:rPr>
+                          <m:t>𝑎𝑠𝑠𝑢𝑚𝑒𝑑</m:t>
+                        </m:r>
+                      </m:sub>
+                    </m:sSub>
+                    <m:r>
+                      <a:rPr lang="en-US" altLang="zh-CN" sz="1400" b="0" i="1" smtClean="0">
+                        <a:latin typeface="Cambria Math" panose="02040503050406030204" pitchFamily="18" charset="0"/>
+                      </a:rPr>
+                      <m:t>)</m:t>
+                    </m:r>
+                  </m:oMath>
+                </a14:m>
+                <a:endParaRPr lang="en-US" altLang="zh-CN" sz="1600" dirty="0"/>
+              </a:p>
+            </p:txBody>
+          </p:sp>
+        </mc:Choice>
+        <mc:Fallback>
+          <p:sp>
+            <p:nvSpPr>
+              <p:cNvPr id="3" name="Text Placeholder 2">
+                <a:extLst>
+                  <a:ext uri="{FF2B5EF4-FFF2-40B4-BE49-F238E27FC236}">
+                    <a16:creationId xmlns:a16="http://schemas.microsoft.com/office/drawing/2014/main" id="{C0710122-E6DE-435F-AD45-4E3E886DE737}"/>
+                  </a:ext>
+                </a:extLst>
+              </p:cNvPr>
+              <p:cNvSpPr>
+                <a:spLocks noGrp="1" noRot="1" noChangeAspect="1" noMove="1" noResize="1" noEditPoints="1" noAdjustHandles="1" noChangeArrowheads="1" noChangeShapeType="1" noTextEdit="1"/>
+              </p:cNvSpPr>
+              <p:nvPr>
+                <p:ph type="body" idx="1"/>
+              </p:nvPr>
+            </p:nvSpPr>
+            <p:spPr>
+              <a:xfrm>
+                <a:off x="311700" y="1152474"/>
+                <a:ext cx="5961428" cy="3419525"/>
+              </a:xfrm>
+              <a:blipFill>
+                <a:blip r:embed="rId3"/>
+                <a:stretch>
+                  <a:fillRect/>
+                </a:stretch>
+              </a:blipFill>
+            </p:spPr>
+            <p:txBody>
+              <a:bodyPr/>
+              <a:lstStyle/>
+              <a:p>
+                <a:r>
+                  <a:rPr lang="zh-CN" altLang="en-US">
+                    <a:noFill/>
+                  </a:rPr>
+                  <a:t> </a:t>
+                </a:r>
+              </a:p>
+            </p:txBody>
+          </p:sp>
+        </mc:Fallback>
+      </mc:AlternateContent>
       <p:sp>
         <p:nvSpPr>
           <p:cNvPr id="4" name="Slide Number Placeholder 3">
@@ -11215,7 +11650,7 @@
             </a:pPr>
             <a:fld id="{00000000-1234-1234-1234-123412341234}" type="slidenum">
               <a:rPr lang="en" smtClean="0"/>
-              <a:t>25</a:t>
+              <a:t>24</a:t>
             </a:fld>
             <a:endParaRPr lang="en"/>
           </a:p>
@@ -11236,7 +11671,7 @@
           <p:nvPr/>
         </p:nvPicPr>
         <p:blipFill>
-          <a:blip r:embed="rId3"/>
+          <a:blip r:embed="rId4"/>
           <a:stretch>
             <a:fillRect/>
           </a:stretch>
@@ -11260,7 +11695,7 @@
           <p:nvPr/>
         </p:nvPicPr>
         <p:blipFill>
-          <a:blip r:embed="rId4"/>
+          <a:blip r:embed="rId5"/>
           <a:stretch>
             <a:fillRect/>
           </a:stretch>
@@ -11284,7 +11719,7 @@
           <p:nvPr/>
         </p:nvPicPr>
         <p:blipFill>
-          <a:blip r:embed="rId5"/>
+          <a:blip r:embed="rId6"/>
           <a:stretch>
             <a:fillRect/>
           </a:stretch>
@@ -11299,204 +11734,12 @@
           </a:prstGeom>
         </p:spPr>
       </p:pic>
-    </p:spTree>
-    <p:extLst>
-      <p:ext uri="{BB962C8B-B14F-4D97-AF65-F5344CB8AC3E}">
-        <p14:creationId xmlns:p14="http://schemas.microsoft.com/office/powerpoint/2010/main" val="3579262732"/>
-      </p:ext>
-    </p:extLst>
-  </p:cSld>
-  <p:clrMapOvr>
-    <a:masterClrMapping/>
-  </p:clrMapOvr>
-  <p:timing>
-    <p:tnLst>
-      <p:par>
-        <p:cTn id="1" dur="indefinite" restart="never" nodeType="tmRoot"/>
-      </p:par>
-    </p:tnLst>
-  </p:timing>
-</p:sld>
-</file>
-
-<file path=ppt/slides/slide26.xml><?xml version="1.0" encoding="utf-8"?>
-<p:sld xmlns:a="http://schemas.openxmlformats.org/drawingml/2006/main" xmlns:r="http://schemas.openxmlformats.org/officeDocument/2006/relationships" xmlns:p="http://schemas.openxmlformats.org/presentationml/2006/main" show="0">
-  <p:cSld>
-    <p:spTree>
-      <p:nvGrpSpPr>
-        <p:cNvPr id="1" name=""/>
-        <p:cNvGrpSpPr/>
-        <p:nvPr/>
-      </p:nvGrpSpPr>
-      <p:grpSpPr>
-        <a:xfrm>
-          <a:off x="0" y="0"/>
-          <a:ext cx="0" cy="0"/>
-          <a:chOff x="0" y="0"/>
-          <a:chExt cx="0" cy="0"/>
-        </a:xfrm>
-      </p:grpSpPr>
       <p:sp>
         <p:nvSpPr>
-          <p:cNvPr id="2" name="Title 1">
+          <p:cNvPr id="6" name="Speech Bubble: Oval 5">
             <a:extLst>
               <a:ext uri="{FF2B5EF4-FFF2-40B4-BE49-F238E27FC236}">
-                <a16:creationId xmlns:a16="http://schemas.microsoft.com/office/drawing/2014/main" id="{BE39D0B7-AB27-469A-B392-3855DFCE2301}"/>
-              </a:ext>
-            </a:extLst>
-          </p:cNvPr>
-          <p:cNvSpPr>
-            <a:spLocks noGrp="1"/>
-          </p:cNvSpPr>
-          <p:nvPr>
-            <p:ph type="title"/>
-          </p:nvPr>
-        </p:nvSpPr>
-        <p:spPr/>
-        <p:txBody>
-          <a:bodyPr/>
-          <a:lstStyle/>
-          <a:p>
-            <a:r>
-              <a:rPr lang="en-US" altLang="zh-CN" dirty="0"/>
-              <a:t>Capability to deal with Uncertainty</a:t>
-            </a:r>
-            <a:endParaRPr lang="zh-CN" altLang="en-US" dirty="0"/>
-          </a:p>
-        </p:txBody>
-      </p:sp>
-      <p:sp>
-        <p:nvSpPr>
-          <p:cNvPr id="3" name="Text Placeholder 2">
-            <a:extLst>
-              <a:ext uri="{FF2B5EF4-FFF2-40B4-BE49-F238E27FC236}">
-                <a16:creationId xmlns:a16="http://schemas.microsoft.com/office/drawing/2014/main" id="{59B091C9-EBDA-455A-AE75-0D847B9A783B}"/>
-              </a:ext>
-            </a:extLst>
-          </p:cNvPr>
-          <p:cNvSpPr>
-            <a:spLocks noGrp="1"/>
-          </p:cNvSpPr>
-          <p:nvPr>
-            <p:ph type="body" idx="1"/>
-          </p:nvPr>
-        </p:nvSpPr>
-        <p:spPr/>
-        <p:txBody>
-          <a:bodyPr/>
-          <a:lstStyle/>
-          <a:p>
-            <a:pPr>
-              <a:spcAft>
-                <a:spcPts val="800"/>
-              </a:spcAft>
-            </a:pPr>
-            <a:r>
-              <a:rPr lang="en-US" altLang="zh-CN" dirty="0"/>
-              <a:t>If the additional behavior of the environment would not cause property violation, we say the system can deal with the uncertainty.</a:t>
-            </a:r>
-          </a:p>
-          <a:p>
-            <a:pPr>
-              <a:spcAft>
-                <a:spcPts val="800"/>
-              </a:spcAft>
-            </a:pPr>
-            <a:r>
-              <a:rPr lang="en-US" altLang="zh-CN" b="1" i="1" dirty="0"/>
-              <a:t>Capability</a:t>
-            </a:r>
-            <a:r>
-              <a:rPr lang="en-US" altLang="zh-CN" dirty="0"/>
-              <a:t> of a system to deal with uncertainty is the additional behavior allowed by the system, that is not in the </a:t>
-            </a:r>
-            <a:r>
-              <a:rPr lang="en-US" altLang="zh-CN" i="1" dirty="0"/>
-              <a:t>base environment</a:t>
-            </a:r>
-            <a:r>
-              <a:rPr lang="en-US" altLang="zh-CN" dirty="0"/>
-              <a:t>.</a:t>
-            </a:r>
-          </a:p>
-          <a:p>
-            <a:pPr>
-              <a:spcAft>
-                <a:spcPts val="800"/>
-              </a:spcAft>
-            </a:pPr>
-            <a:r>
-              <a:rPr lang="en-US" altLang="zh-CN" dirty="0"/>
-              <a:t>Intuitively, </a:t>
-            </a:r>
-            <a:r>
-              <a:rPr lang="en-US" altLang="zh-CN" i="1" dirty="0"/>
-              <a:t>Capability(S) = </a:t>
-            </a:r>
-            <a:r>
-              <a:rPr lang="en-US" altLang="zh-CN" i="1" dirty="0" err="1"/>
-              <a:t>AllowedEnv</a:t>
-            </a:r>
-            <a:r>
-              <a:rPr lang="en-US" altLang="zh-CN" i="1" dirty="0"/>
-              <a:t>(S) – Beh(Env</a:t>
-            </a:r>
-            <a:r>
-              <a:rPr lang="en-US" altLang="zh-CN" i="1" baseline="-25000" dirty="0"/>
-              <a:t>base</a:t>
-            </a:r>
-            <a:r>
-              <a:rPr lang="en-US" altLang="zh-CN" i="1" dirty="0"/>
-              <a:t>).</a:t>
-            </a:r>
-            <a:endParaRPr lang="zh-CN" altLang="en-US" i="1" dirty="0"/>
-          </a:p>
-        </p:txBody>
-      </p:sp>
-      <p:sp>
-        <p:nvSpPr>
-          <p:cNvPr id="4" name="Slide Number Placeholder 3">
-            <a:extLst>
-              <a:ext uri="{FF2B5EF4-FFF2-40B4-BE49-F238E27FC236}">
-                <a16:creationId xmlns:a16="http://schemas.microsoft.com/office/drawing/2014/main" id="{A8BD16C6-D6E3-42FD-A356-EE2CDE05A150}"/>
-              </a:ext>
-            </a:extLst>
-          </p:cNvPr>
-          <p:cNvSpPr>
-            <a:spLocks noGrp="1"/>
-          </p:cNvSpPr>
-          <p:nvPr>
-            <p:ph type="sldNum" idx="12"/>
-          </p:nvPr>
-        </p:nvSpPr>
-        <p:spPr/>
-        <p:txBody>
-          <a:bodyPr/>
-          <a:lstStyle/>
-          <a:p>
-            <a:pPr marL="0" lvl="0" indent="0" algn="r" rtl="0">
-              <a:spcBef>
-                <a:spcPts val="0"/>
-              </a:spcBef>
-              <a:spcAft>
-                <a:spcPts val="0"/>
-              </a:spcAft>
-              <a:buNone/>
-            </a:pPr>
-            <a:fld id="{00000000-1234-1234-1234-123412341234}" type="slidenum">
-              <a:rPr lang="en" smtClean="0"/>
-              <a:t>26</a:t>
-            </a:fld>
-            <a:endParaRPr lang="en"/>
-          </a:p>
-        </p:txBody>
-      </p:sp>
-      <p:sp>
-        <p:nvSpPr>
-          <p:cNvPr id="6" name="Thought Bubble: Cloud 5">
-            <a:extLst>
-              <a:ext uri="{FF2B5EF4-FFF2-40B4-BE49-F238E27FC236}">
-                <a16:creationId xmlns:a16="http://schemas.microsoft.com/office/drawing/2014/main" id="{DE34CD99-9C07-45A2-B4B5-ACC1A7F72A8A}"/>
+                <a16:creationId xmlns:a16="http://schemas.microsoft.com/office/drawing/2014/main" id="{A5F5EBDC-0E56-4E5F-AC35-22E1C97F4298}"/>
               </a:ext>
             </a:extLst>
           </p:cNvPr>
@@ -11505,13 +11748,13 @@
         </p:nvSpPr>
         <p:spPr>
           <a:xfrm>
-            <a:off x="1260000" y="3230274"/>
-            <a:ext cx="3110522" cy="1094401"/>
+            <a:off x="1778400" y="3334297"/>
+            <a:ext cx="3513600" cy="1313458"/>
           </a:xfrm>
-          <a:prstGeom prst="cloudCallout">
+          <a:prstGeom prst="wedgeEllipseCallout">
             <a:avLst>
-              <a:gd name="adj1" fmla="val 41971"/>
-              <a:gd name="adj2" fmla="val -69826"/>
+              <a:gd name="adj1" fmla="val 3517"/>
+              <a:gd name="adj2" fmla="val -64271"/>
             </a:avLst>
           </a:prstGeom>
         </p:spPr>
@@ -11538,60 +11781,7 @@
             <a:pPr algn="ctr"/>
             <a:r>
               <a:rPr lang="en-US" altLang="zh-CN" dirty="0"/>
-              <a:t>How to generate the maximum allowed behavior of the environment?</a:t>
-            </a:r>
-            <a:endParaRPr lang="zh-CN" altLang="en-US" dirty="0"/>
-          </a:p>
-        </p:txBody>
-      </p:sp>
-      <p:sp>
-        <p:nvSpPr>
-          <p:cNvPr id="7" name="Thought Bubble: Cloud 6">
-            <a:extLst>
-              <a:ext uri="{FF2B5EF4-FFF2-40B4-BE49-F238E27FC236}">
-                <a16:creationId xmlns:a16="http://schemas.microsoft.com/office/drawing/2014/main" id="{C2331446-CF29-428A-8F5D-8D5A703B8D61}"/>
-              </a:ext>
-            </a:extLst>
-          </p:cNvPr>
-          <p:cNvSpPr/>
-          <p:nvPr/>
-        </p:nvSpPr>
-        <p:spPr>
-          <a:xfrm>
-            <a:off x="5083202" y="3230275"/>
-            <a:ext cx="2498398" cy="945726"/>
-          </a:xfrm>
-          <a:prstGeom prst="cloudCallout">
-            <a:avLst>
-              <a:gd name="adj1" fmla="val -50811"/>
-              <a:gd name="adj2" fmla="val -78151"/>
-            </a:avLst>
-          </a:prstGeom>
-        </p:spPr>
-        <p:style>
-          <a:lnRef idx="2">
-            <a:schemeClr val="accent1">
-              <a:shade val="50000"/>
-            </a:schemeClr>
-          </a:lnRef>
-          <a:fillRef idx="1">
-            <a:schemeClr val="accent1"/>
-          </a:fillRef>
-          <a:effectRef idx="0">
-            <a:schemeClr val="accent1"/>
-          </a:effectRef>
-          <a:fontRef idx="minor">
-            <a:schemeClr val="lt1"/>
-          </a:fontRef>
-        </p:style>
-        <p:txBody>
-          <a:bodyPr rtlCol="0" anchor="ctr"/>
-          <a:lstStyle/>
-          <a:p>
-            <a:pPr algn="ctr"/>
-            <a:r>
-              <a:rPr lang="en-US" altLang="zh-CN" dirty="0"/>
-              <a:t>How to define the LTS minus operator?</a:t>
+              <a:t>CANNOT directly measure uncertainty, because the actual env is often UNKNOWN!</a:t>
             </a:r>
             <a:endParaRPr lang="zh-CN" altLang="en-US" dirty="0"/>
           </a:p>
@@ -11600,123 +11790,17 @@
     </p:spTree>
     <p:extLst>
       <p:ext uri="{BB962C8B-B14F-4D97-AF65-F5344CB8AC3E}">
-        <p14:creationId xmlns:p14="http://schemas.microsoft.com/office/powerpoint/2010/main" val="1543839397"/>
+        <p14:creationId xmlns:p14="http://schemas.microsoft.com/office/powerpoint/2010/main" val="3579262732"/>
       </p:ext>
     </p:extLst>
   </p:cSld>
   <p:clrMapOvr>
     <a:masterClrMapping/>
   </p:clrMapOvr>
-  <mc:AlternateContent xmlns:mc="http://schemas.openxmlformats.org/markup-compatibility/2006">
-    <mc:Choice xmlns:p14="http://schemas.microsoft.com/office/powerpoint/2010/main" Requires="p14">
-      <p:transition spd="slow" p14:dur="2000"/>
-    </mc:Choice>
-    <mc:Fallback>
-      <p:transition spd="slow"/>
-    </mc:Fallback>
-  </mc:AlternateContent>
-  <p:timing>
-    <p:tnLst>
-      <p:par>
-        <p:cTn id="1" dur="indefinite" restart="never" nodeType="tmRoot"/>
-      </p:par>
-    </p:tnLst>
-  </p:timing>
 </p:sld>
 </file>
 
-<file path=ppt/slides/slide27.xml><?xml version="1.0" encoding="utf-8"?>
-<p:sld xmlns:a="http://schemas.openxmlformats.org/drawingml/2006/main" xmlns:r="http://schemas.openxmlformats.org/officeDocument/2006/relationships" xmlns:p="http://schemas.openxmlformats.org/presentationml/2006/main">
-  <p:cSld>
-    <p:spTree>
-      <p:nvGrpSpPr>
-        <p:cNvPr id="1" name=""/>
-        <p:cNvGrpSpPr/>
-        <p:nvPr/>
-      </p:nvGrpSpPr>
-      <p:grpSpPr>
-        <a:xfrm>
-          <a:off x="0" y="0"/>
-          <a:ext cx="0" cy="0"/>
-          <a:chOff x="0" y="0"/>
-          <a:chExt cx="0" cy="0"/>
-        </a:xfrm>
-      </p:grpSpPr>
-      <p:sp>
-        <p:nvSpPr>
-          <p:cNvPr id="2" name="Title 1"/>
-          <p:cNvSpPr>
-            <a:spLocks noGrp="1"/>
-          </p:cNvSpPr>
-          <p:nvPr>
-            <p:ph type="title"/>
-          </p:nvPr>
-        </p:nvSpPr>
-        <p:spPr/>
-        <p:txBody>
-          <a:bodyPr/>
-          <a:lstStyle/>
-          <a:p>
-            <a:r>
-              <a:rPr lang="en-US" altLang="zh-CN" dirty="0"/>
-              <a:t>Approach In Details</a:t>
-            </a:r>
-          </a:p>
-        </p:txBody>
-      </p:sp>
-      <p:sp>
-        <p:nvSpPr>
-          <p:cNvPr id="3" name="Slide Number Placeholder 2"/>
-          <p:cNvSpPr>
-            <a:spLocks noGrp="1"/>
-          </p:cNvSpPr>
-          <p:nvPr>
-            <p:ph type="sldNum" idx="12"/>
-          </p:nvPr>
-        </p:nvSpPr>
-        <p:spPr/>
-        <p:txBody>
-          <a:bodyPr/>
-          <a:lstStyle/>
-          <a:p>
-            <a:pPr marL="0" lvl="0" indent="0" algn="r" rtl="0">
-              <a:spcBef>
-                <a:spcPts val="0"/>
-              </a:spcBef>
-              <a:spcAft>
-                <a:spcPts val="0"/>
-              </a:spcAft>
-              <a:buNone/>
-            </a:pPr>
-            <a:fld id="{00000000-1234-1234-1234-123412341234}" type="slidenum">
-              <a:rPr lang="en" smtClean="0"/>
-              <a:t>27</a:t>
-            </a:fld>
-            <a:endParaRPr lang="en"/>
-          </a:p>
-        </p:txBody>
-      </p:sp>
-    </p:spTree>
-    <p:extLst>
-      <p:ext uri="{BB962C8B-B14F-4D97-AF65-F5344CB8AC3E}">
-        <p14:creationId xmlns:p14="http://schemas.microsoft.com/office/powerpoint/2010/main" val="4204826713"/>
-      </p:ext>
-    </p:extLst>
-  </p:cSld>
-  <p:clrMapOvr>
-    <a:masterClrMapping/>
-  </p:clrMapOvr>
-  <p:timing>
-    <p:tnLst>
-      <p:par>
-        <p:cTn id="1" dur="indefinite" restart="never" nodeType="tmRoot"/>
-      </p:par>
-    </p:tnLst>
-  </p:timing>
-</p:sld>
-</file>
-
-<file path=ppt/slides/slide28.xml><?xml version="1.0" encoding="utf-8"?>
+<file path=ppt/slides/slide25.xml><?xml version="1.0" encoding="utf-8"?>
 <p:sld xmlns:a="http://schemas.openxmlformats.org/drawingml/2006/main" xmlns:r="http://schemas.openxmlformats.org/officeDocument/2006/relationships" xmlns:p="http://schemas.openxmlformats.org/presentationml/2006/main">
   <p:cSld>
     <p:spTree>
@@ -11814,13 +11898,6 @@
             </a:pPr>
             <a:endParaRPr lang="en-US" altLang="zh-CN" dirty="0"/>
           </a:p>
-          <a:p>
-            <a:r>
-              <a:rPr lang="en-US" altLang="zh-CN" dirty="0"/>
-              <a:t>Other environments would either cause safety property violations or deadlock.</a:t>
-            </a:r>
-            <a:endParaRPr lang="zh-CN" altLang="en-US" dirty="0"/>
-          </a:p>
         </p:txBody>
       </p:sp>
       <p:sp>
@@ -11855,7 +11932,7 @@
             </a:pPr>
             <a:fld id="{00000000-1234-1234-1234-123412341234}" type="slidenum">
               <a:rPr lang="en" smtClean="0"/>
-              <a:t>28</a:t>
+              <a:t>25</a:t>
             </a:fld>
             <a:endParaRPr lang="en"/>
           </a:p>
@@ -11884,7 +11961,7 @@
         <p:spPr>
           <a:xfrm>
             <a:off x="3104495" y="2289124"/>
-            <a:ext cx="2743583" cy="1124107"/>
+            <a:ext cx="2970979" cy="1217276"/>
           </a:xfrm>
           <a:prstGeom prst="rect">
             <a:avLst/>
@@ -11901,13 +11978,2189 @@
   <p:clrMapOvr>
     <a:masterClrMapping/>
   </p:clrMapOvr>
-  <p:timing>
-    <p:tnLst>
-      <p:par>
-        <p:cTn id="1" dur="indefinite" restart="never" nodeType="tmRoot"/>
-      </p:par>
-    </p:tnLst>
-  </p:timing>
+</p:sld>
+</file>
+
+<file path=ppt/slides/slide26.xml><?xml version="1.0" encoding="utf-8"?>
+<p:sld xmlns:a="http://schemas.openxmlformats.org/drawingml/2006/main" xmlns:r="http://schemas.openxmlformats.org/officeDocument/2006/relationships" xmlns:p="http://schemas.openxmlformats.org/presentationml/2006/main">
+  <p:cSld>
+    <p:spTree>
+      <p:nvGrpSpPr>
+        <p:cNvPr id="1" name=""/>
+        <p:cNvGrpSpPr/>
+        <p:nvPr/>
+      </p:nvGrpSpPr>
+      <p:grpSpPr>
+        <a:xfrm>
+          <a:off x="0" y="0"/>
+          <a:ext cx="0" cy="0"/>
+          <a:chOff x="0" y="0"/>
+          <a:chExt cx="0" cy="0"/>
+        </a:xfrm>
+      </p:grpSpPr>
+      <p:sp>
+        <p:nvSpPr>
+          <p:cNvPr id="2" name="Title 1"/>
+          <p:cNvSpPr>
+            <a:spLocks noGrp="1"/>
+          </p:cNvSpPr>
+          <p:nvPr>
+            <p:ph type="title"/>
+          </p:nvPr>
+        </p:nvSpPr>
+        <p:spPr/>
+        <p:txBody>
+          <a:bodyPr/>
+          <a:lstStyle/>
+          <a:p>
+            <a:r>
+              <a:rPr lang="en-US" dirty="0"/>
+              <a:t>Stronger and Weaker Assumption</a:t>
+            </a:r>
+          </a:p>
+        </p:txBody>
+      </p:sp>
+      <mc:AlternateContent xmlns:mc="http://schemas.openxmlformats.org/markup-compatibility/2006">
+        <mc:Choice xmlns:a14="http://schemas.microsoft.com/office/drawing/2010/main" Requires="a14">
+          <p:sp>
+            <p:nvSpPr>
+              <p:cNvPr id="3" name="Text Placeholder 2"/>
+              <p:cNvSpPr>
+                <a:spLocks noGrp="1"/>
+              </p:cNvSpPr>
+              <p:nvPr>
+                <p:ph type="body" idx="1"/>
+              </p:nvPr>
+            </p:nvSpPr>
+            <p:spPr>
+              <a:xfrm>
+                <a:off x="311700" y="1152475"/>
+                <a:ext cx="8520600" cy="3172200"/>
+              </a:xfrm>
+            </p:spPr>
+            <p:txBody>
+              <a:bodyPr/>
+              <a:lstStyle/>
+              <a:p>
+                <a:pPr marL="114300" indent="0">
+                  <a:buNone/>
+                </a:pPr>
+                <a:r>
+                  <a:rPr lang="en-US" altLang="zh-CN" sz="1600" dirty="0"/>
+                  <a:t>With</a:t>
+                </a:r>
+                <a:r>
+                  <a:rPr lang="en-US" altLang="zh-CN" sz="1600" i="1" dirty="0"/>
+                  <a:t> </a:t>
+                </a:r>
+                <a14:m>
+                  <m:oMath xmlns:m="http://schemas.openxmlformats.org/officeDocument/2006/math">
+                    <m:r>
+                      <a:rPr lang="en-US" altLang="zh-CN" sz="1600" i="1">
+                        <a:latin typeface="Cambria Math" panose="02040503050406030204" pitchFamily="18" charset="0"/>
+                      </a:rPr>
+                      <m:t>𝑈𝑛𝑐𝑒𝑟𝑡𝑎𝑖𝑛𝑡𝑦</m:t>
+                    </m:r>
+                    <m:r>
+                      <a:rPr lang="en-US" altLang="zh-CN" sz="1600" i="1">
+                        <a:latin typeface="Cambria Math" panose="02040503050406030204" pitchFamily="18" charset="0"/>
+                      </a:rPr>
+                      <m:t>=</m:t>
+                    </m:r>
+                    <m:r>
+                      <a:rPr lang="en-US" altLang="zh-CN" sz="1600" i="1">
+                        <a:latin typeface="Cambria Math" panose="02040503050406030204" pitchFamily="18" charset="0"/>
+                      </a:rPr>
+                      <m:t>𝐵𝑒h</m:t>
+                    </m:r>
+                    <m:d>
+                      <m:dPr>
+                        <m:ctrlPr>
+                          <a:rPr lang="en-US" altLang="zh-CN" sz="1600" i="1">
+                            <a:latin typeface="Cambria Math" panose="02040503050406030204" pitchFamily="18" charset="0"/>
+                          </a:rPr>
+                        </m:ctrlPr>
+                      </m:dPr>
+                      <m:e>
+                        <m:r>
+                          <a:rPr lang="en-US" altLang="zh-CN" sz="1600" i="1">
+                            <a:latin typeface="Cambria Math" panose="02040503050406030204" pitchFamily="18" charset="0"/>
+                          </a:rPr>
+                          <m:t>𝐸𝑛</m:t>
+                        </m:r>
+                        <m:sSub>
+                          <m:sSubPr>
+                            <m:ctrlPr>
+                              <a:rPr lang="en-US" altLang="zh-CN" sz="1600" i="1">
+                                <a:latin typeface="Cambria Math" panose="02040503050406030204" pitchFamily="18" charset="0"/>
+                              </a:rPr>
+                            </m:ctrlPr>
+                          </m:sSubPr>
+                          <m:e>
+                            <m:r>
+                              <a:rPr lang="en-US" altLang="zh-CN" sz="1600" i="1">
+                                <a:latin typeface="Cambria Math" panose="02040503050406030204" pitchFamily="18" charset="0"/>
+                              </a:rPr>
+                              <m:t>𝑣</m:t>
+                            </m:r>
+                          </m:e>
+                          <m:sub>
+                            <m:r>
+                              <a:rPr lang="en-US" altLang="zh-CN" sz="1600" i="1">
+                                <a:latin typeface="Cambria Math" panose="02040503050406030204" pitchFamily="18" charset="0"/>
+                              </a:rPr>
+                              <m:t>𝑎𝑐𝑡𝑢𝑎𝑙</m:t>
+                            </m:r>
+                          </m:sub>
+                        </m:sSub>
+                      </m:e>
+                    </m:d>
+                    <m:r>
+                      <a:rPr lang="en-US" altLang="zh-CN" sz="1600" i="1">
+                        <a:latin typeface="Cambria Math" panose="02040503050406030204" pitchFamily="18" charset="0"/>
+                      </a:rPr>
+                      <m:t>−</m:t>
+                    </m:r>
+                    <m:r>
+                      <a:rPr lang="en-US" altLang="zh-CN" sz="1600" i="1">
+                        <a:latin typeface="Cambria Math" panose="02040503050406030204" pitchFamily="18" charset="0"/>
+                      </a:rPr>
+                      <m:t>𝐵𝑒h</m:t>
+                    </m:r>
+                    <m:r>
+                      <a:rPr lang="en-US" altLang="zh-CN" sz="1600" i="1">
+                        <a:latin typeface="Cambria Math" panose="02040503050406030204" pitchFamily="18" charset="0"/>
+                      </a:rPr>
+                      <m:t>(</m:t>
+                    </m:r>
+                    <m:r>
+                      <a:rPr lang="en-US" altLang="zh-CN" sz="1600" i="1">
+                        <a:latin typeface="Cambria Math" panose="02040503050406030204" pitchFamily="18" charset="0"/>
+                      </a:rPr>
+                      <m:t>𝐸𝑛</m:t>
+                    </m:r>
+                    <m:sSub>
+                      <m:sSubPr>
+                        <m:ctrlPr>
+                          <a:rPr lang="en-US" altLang="zh-CN" sz="1600" i="1">
+                            <a:latin typeface="Cambria Math" panose="02040503050406030204" pitchFamily="18" charset="0"/>
+                          </a:rPr>
+                        </m:ctrlPr>
+                      </m:sSubPr>
+                      <m:e>
+                        <m:r>
+                          <a:rPr lang="en-US" altLang="zh-CN" sz="1600" i="1">
+                            <a:latin typeface="Cambria Math" panose="02040503050406030204" pitchFamily="18" charset="0"/>
+                          </a:rPr>
+                          <m:t>𝑣</m:t>
+                        </m:r>
+                      </m:e>
+                      <m:sub>
+                        <m:r>
+                          <a:rPr lang="en-US" altLang="zh-CN" sz="1600" i="1">
+                            <a:latin typeface="Cambria Math" panose="02040503050406030204" pitchFamily="18" charset="0"/>
+                          </a:rPr>
+                          <m:t>𝑎𝑠𝑠𝑢𝑚𝑒𝑑</m:t>
+                        </m:r>
+                      </m:sub>
+                    </m:sSub>
+                    <m:r>
+                      <a:rPr lang="en-US" altLang="zh-CN" sz="1600" i="1">
+                        <a:latin typeface="Cambria Math" panose="02040503050406030204" pitchFamily="18" charset="0"/>
+                      </a:rPr>
+                      <m:t>)</m:t>
+                    </m:r>
+                  </m:oMath>
+                </a14:m>
+                <a:r>
+                  <a:rPr lang="en-US" altLang="zh-CN" sz="1600" i="1" dirty="0"/>
+                  <a:t>, </a:t>
+                </a:r>
+                <a:r>
+                  <a:rPr lang="en-US" altLang="zh-CN" sz="1600" dirty="0"/>
+                  <a:t>u</a:t>
+                </a:r>
+                <a:r>
+                  <a:rPr lang="en-US" sz="1600" dirty="0"/>
+                  <a:t>nder the same </a:t>
+                </a:r>
+                <a14:m>
+                  <m:oMath xmlns:m="http://schemas.openxmlformats.org/officeDocument/2006/math">
+                    <m:r>
+                      <a:rPr lang="en-US" sz="1600" b="0" i="1" smtClean="0">
+                        <a:latin typeface="Cambria Math" panose="02040503050406030204" pitchFamily="18" charset="0"/>
+                      </a:rPr>
+                      <m:t>𝐸𝑛</m:t>
+                    </m:r>
+                    <m:sSub>
+                      <m:sSubPr>
+                        <m:ctrlPr>
+                          <a:rPr lang="en-US" sz="1600" b="0" i="1" smtClean="0">
+                            <a:latin typeface="Cambria Math" panose="02040503050406030204" pitchFamily="18" charset="0"/>
+                          </a:rPr>
+                        </m:ctrlPr>
+                      </m:sSubPr>
+                      <m:e>
+                        <m:r>
+                          <a:rPr lang="en-US" sz="1600" b="0" i="1" smtClean="0">
+                            <a:latin typeface="Cambria Math" panose="02040503050406030204" pitchFamily="18" charset="0"/>
+                          </a:rPr>
+                          <m:t>𝑣</m:t>
+                        </m:r>
+                      </m:e>
+                      <m:sub>
+                        <m:r>
+                          <a:rPr lang="en-US" sz="1600" b="0" i="1" smtClean="0">
+                            <a:latin typeface="Cambria Math" panose="02040503050406030204" pitchFamily="18" charset="0"/>
+                          </a:rPr>
+                          <m:t>𝑎𝑐𝑡𝑢𝑎𝑙</m:t>
+                        </m:r>
+                      </m:sub>
+                    </m:sSub>
+                  </m:oMath>
+                </a14:m>
+                <a:r>
+                  <a:rPr lang="en-US" sz="1600" dirty="0"/>
+                  <a:t>:</a:t>
+                </a:r>
+              </a:p>
+              <a:p>
+                <a:r>
+                  <a:rPr lang="en-US" sz="1400" b="1" dirty="0"/>
+                  <a:t>Stronger</a:t>
+                </a:r>
+                <a:r>
+                  <a:rPr lang="en-US" sz="1400" dirty="0"/>
+                  <a:t> assumption </a:t>
+                </a:r>
+                <a14:m>
+                  <m:oMath xmlns:m="http://schemas.openxmlformats.org/officeDocument/2006/math">
+                    <m:r>
+                      <a:rPr lang="en-US" altLang="zh-CN" sz="1400" i="1" dirty="0" smtClean="0">
+                        <a:latin typeface="Cambria Math" panose="02040503050406030204" pitchFamily="18" charset="0"/>
+                      </a:rPr>
+                      <m:t>⇒</m:t>
+                    </m:r>
+                  </m:oMath>
+                </a14:m>
+                <a:r>
+                  <a:rPr lang="en-US" sz="1400" dirty="0"/>
+                  <a:t> </a:t>
+                </a:r>
+                <a:r>
+                  <a:rPr lang="en-US" sz="1400" b="1" dirty="0"/>
+                  <a:t>less</a:t>
+                </a:r>
+                <a:r>
+                  <a:rPr lang="en-US" sz="1400" dirty="0"/>
+                  <a:t> allowed behavior of the environment, and </a:t>
+                </a:r>
+                <a:r>
+                  <a:rPr lang="en-US" sz="1400" b="1" dirty="0"/>
+                  <a:t>more</a:t>
+                </a:r>
+                <a:r>
+                  <a:rPr lang="en-US" sz="1400" dirty="0"/>
+                  <a:t> uncertainty</a:t>
+                </a:r>
+              </a:p>
+              <a:p>
+                <a:endParaRPr lang="en-US" dirty="0"/>
+              </a:p>
+              <a:p>
+                <a:pPr marL="114300" indent="0">
+                  <a:buNone/>
+                </a:pPr>
+                <a:endParaRPr lang="en-US" dirty="0"/>
+              </a:p>
+              <a:p>
+                <a:endParaRPr lang="en-US" dirty="0"/>
+              </a:p>
+              <a:p>
+                <a:pPr marL="114300" indent="0">
+                  <a:buNone/>
+                </a:pPr>
+                <a:endParaRPr lang="en-US" dirty="0"/>
+              </a:p>
+              <a:p>
+                <a:r>
+                  <a:rPr lang="en-US" sz="1400" b="1" dirty="0"/>
+                  <a:t>Weaker</a:t>
+                </a:r>
+                <a:r>
+                  <a:rPr lang="en-US" sz="1400" dirty="0"/>
+                  <a:t> assumption </a:t>
+                </a:r>
+                <a14:m>
+                  <m:oMath xmlns:m="http://schemas.openxmlformats.org/officeDocument/2006/math">
+                    <m:r>
+                      <a:rPr lang="en-US" altLang="zh-CN" sz="1400" i="1" dirty="0">
+                        <a:latin typeface="Cambria Math" panose="02040503050406030204" pitchFamily="18" charset="0"/>
+                      </a:rPr>
+                      <m:t>⇒</m:t>
+                    </m:r>
+                  </m:oMath>
+                </a14:m>
+                <a:r>
+                  <a:rPr lang="en-US" sz="1400" dirty="0"/>
+                  <a:t> </a:t>
+                </a:r>
+                <a:r>
+                  <a:rPr lang="en-US" sz="1400" b="1" dirty="0"/>
+                  <a:t>more</a:t>
+                </a:r>
+                <a:r>
+                  <a:rPr lang="en-US" sz="1400" dirty="0"/>
+                  <a:t> allowed behavior of the environment, and </a:t>
+                </a:r>
+                <a:r>
+                  <a:rPr lang="en-US" sz="1400" b="1" dirty="0"/>
+                  <a:t>less</a:t>
+                </a:r>
+                <a:r>
+                  <a:rPr lang="en-US" sz="1400" dirty="0"/>
+                  <a:t> uncertainty</a:t>
+                </a:r>
+              </a:p>
+            </p:txBody>
+          </p:sp>
+        </mc:Choice>
+        <mc:Fallback>
+          <p:sp>
+            <p:nvSpPr>
+              <p:cNvPr id="3" name="Text Placeholder 2"/>
+              <p:cNvSpPr>
+                <a:spLocks noGrp="1" noRot="1" noChangeAspect="1" noMove="1" noResize="1" noEditPoints="1" noAdjustHandles="1" noChangeArrowheads="1" noChangeShapeType="1" noTextEdit="1"/>
+              </p:cNvSpPr>
+              <p:nvPr>
+                <p:ph type="body" idx="1"/>
+              </p:nvPr>
+            </p:nvSpPr>
+            <p:spPr>
+              <a:xfrm>
+                <a:off x="311700" y="1152475"/>
+                <a:ext cx="8520600" cy="3172200"/>
+              </a:xfrm>
+              <a:blipFill>
+                <a:blip r:embed="rId2"/>
+                <a:stretch>
+                  <a:fillRect/>
+                </a:stretch>
+              </a:blipFill>
+            </p:spPr>
+            <p:txBody>
+              <a:bodyPr/>
+              <a:lstStyle/>
+              <a:p>
+                <a:r>
+                  <a:rPr lang="zh-CN" altLang="en-US">
+                    <a:noFill/>
+                  </a:rPr>
+                  <a:t> </a:t>
+                </a:r>
+              </a:p>
+            </p:txBody>
+          </p:sp>
+        </mc:Fallback>
+      </mc:AlternateContent>
+      <p:sp>
+        <p:nvSpPr>
+          <p:cNvPr id="4" name="Slide Number Placeholder 3"/>
+          <p:cNvSpPr>
+            <a:spLocks noGrp="1"/>
+          </p:cNvSpPr>
+          <p:nvPr>
+            <p:ph type="sldNum" idx="12"/>
+          </p:nvPr>
+        </p:nvSpPr>
+        <p:spPr/>
+        <p:txBody>
+          <a:bodyPr/>
+          <a:lstStyle/>
+          <a:p>
+            <a:pPr marL="0" lvl="0" indent="0" algn="r" rtl="0">
+              <a:spcBef>
+                <a:spcPts val="0"/>
+              </a:spcBef>
+              <a:spcAft>
+                <a:spcPts val="0"/>
+              </a:spcAft>
+              <a:buNone/>
+            </a:pPr>
+            <a:fld id="{00000000-1234-1234-1234-123412341234}" type="slidenum">
+              <a:rPr lang="en" smtClean="0"/>
+              <a:t>26</a:t>
+            </a:fld>
+            <a:endParaRPr lang="en"/>
+          </a:p>
+        </p:txBody>
+      </p:sp>
+      <p:pic>
+        <p:nvPicPr>
+          <p:cNvPr id="6" name="Picture 5">
+            <a:extLst>
+              <a:ext uri="{FF2B5EF4-FFF2-40B4-BE49-F238E27FC236}">
+                <a16:creationId xmlns:a16="http://schemas.microsoft.com/office/drawing/2014/main" id="{E0E6B421-AF24-4D85-B3CF-F72C662E30EB}"/>
+              </a:ext>
+            </a:extLst>
+          </p:cNvPr>
+          <p:cNvPicPr>
+            <a:picLocks noChangeAspect="1"/>
+          </p:cNvPicPr>
+          <p:nvPr/>
+        </p:nvPicPr>
+        <p:blipFill>
+          <a:blip r:embed="rId3"/>
+          <a:stretch>
+            <a:fillRect/>
+          </a:stretch>
+        </p:blipFill>
+        <p:spPr>
+          <a:xfrm>
+            <a:off x="898977" y="1883698"/>
+            <a:ext cx="2838846" cy="1105054"/>
+          </a:xfrm>
+          <a:prstGeom prst="rect">
+            <a:avLst/>
+          </a:prstGeom>
+        </p:spPr>
+      </p:pic>
+      <p:pic>
+        <p:nvPicPr>
+          <p:cNvPr id="7" name="Picture 6"/>
+          <p:cNvPicPr>
+            <a:picLocks noChangeAspect="1"/>
+          </p:cNvPicPr>
+          <p:nvPr/>
+        </p:nvPicPr>
+        <p:blipFill>
+          <a:blip r:embed="rId4"/>
+          <a:stretch>
+            <a:fillRect/>
+          </a:stretch>
+        </p:blipFill>
+        <p:spPr>
+          <a:xfrm>
+            <a:off x="898977" y="3448830"/>
+            <a:ext cx="2741831" cy="1084389"/>
+          </a:xfrm>
+          <a:prstGeom prst="rect">
+            <a:avLst/>
+          </a:prstGeom>
+        </p:spPr>
+      </p:pic>
+    </p:spTree>
+    <p:extLst>
+      <p:ext uri="{BB962C8B-B14F-4D97-AF65-F5344CB8AC3E}">
+        <p14:creationId xmlns:p14="http://schemas.microsoft.com/office/powerpoint/2010/main" val="1948873531"/>
+      </p:ext>
+    </p:extLst>
+  </p:cSld>
+  <p:clrMapOvr>
+    <a:masterClrMapping/>
+  </p:clrMapOvr>
+</p:sld>
+</file>
+
+<file path=ppt/slides/slide27.xml><?xml version="1.0" encoding="utf-8"?>
+<p:sld xmlns:a="http://schemas.openxmlformats.org/drawingml/2006/main" xmlns:r="http://schemas.openxmlformats.org/officeDocument/2006/relationships" xmlns:p="http://schemas.openxmlformats.org/presentationml/2006/main">
+  <p:cSld>
+    <p:spTree>
+      <p:nvGrpSpPr>
+        <p:cNvPr id="1" name=""/>
+        <p:cNvGrpSpPr/>
+        <p:nvPr/>
+      </p:nvGrpSpPr>
+      <p:grpSpPr>
+        <a:xfrm>
+          <a:off x="0" y="0"/>
+          <a:ext cx="0" cy="0"/>
+          <a:chOff x="0" y="0"/>
+          <a:chExt cx="0" cy="0"/>
+        </a:xfrm>
+      </p:grpSpPr>
+      <p:sp>
+        <p:nvSpPr>
+          <p:cNvPr id="2" name="Title 1">
+            <a:extLst>
+              <a:ext uri="{FF2B5EF4-FFF2-40B4-BE49-F238E27FC236}">
+                <a16:creationId xmlns:a16="http://schemas.microsoft.com/office/drawing/2014/main" id="{52D06EB6-C3EB-4566-BF41-EF49949361BF}"/>
+              </a:ext>
+            </a:extLst>
+          </p:cNvPr>
+          <p:cNvSpPr>
+            <a:spLocks noGrp="1"/>
+          </p:cNvSpPr>
+          <p:nvPr>
+            <p:ph type="title"/>
+          </p:nvPr>
+        </p:nvSpPr>
+        <p:spPr/>
+        <p:txBody>
+          <a:bodyPr/>
+          <a:lstStyle/>
+          <a:p>
+            <a:r>
+              <a:rPr lang="en-US" altLang="zh-CN" dirty="0"/>
+              <a:t>Representation of Capability</a:t>
+            </a:r>
+            <a:endParaRPr lang="zh-CN" altLang="en-US" dirty="0"/>
+          </a:p>
+        </p:txBody>
+      </p:sp>
+      <mc:AlternateContent xmlns:mc="http://schemas.openxmlformats.org/markup-compatibility/2006">
+        <mc:Choice xmlns:a14="http://schemas.microsoft.com/office/drawing/2010/main" Requires="a14">
+          <p:sp>
+            <p:nvSpPr>
+              <p:cNvPr id="3" name="Text Placeholder 2">
+                <a:extLst>
+                  <a:ext uri="{FF2B5EF4-FFF2-40B4-BE49-F238E27FC236}">
+                    <a16:creationId xmlns:a16="http://schemas.microsoft.com/office/drawing/2014/main" id="{FF7AC89D-208F-4F65-84DB-EFFC59D974C8}"/>
+                  </a:ext>
+                </a:extLst>
+              </p:cNvPr>
+              <p:cNvSpPr>
+                <a:spLocks noGrp="1"/>
+              </p:cNvSpPr>
+              <p:nvPr>
+                <p:ph type="body" idx="1"/>
+              </p:nvPr>
+            </p:nvSpPr>
+            <p:spPr>
+              <a:xfrm>
+                <a:off x="311700" y="1152475"/>
+                <a:ext cx="8520600" cy="3172200"/>
+              </a:xfrm>
+            </p:spPr>
+            <p:txBody>
+              <a:bodyPr/>
+              <a:lstStyle/>
+              <a:p>
+                <a:r>
+                  <a:rPr lang="en-US" altLang="zh-CN" b="1" dirty="0"/>
+                  <a:t>Definition</a:t>
+                </a:r>
+                <a:r>
+                  <a:rPr lang="en-US" altLang="zh-CN" dirty="0"/>
+                  <a:t>: the capability of a system to deal with uncertainty can be represented as the behavior of its </a:t>
+                </a:r>
+                <a:r>
+                  <a:rPr lang="en-US" altLang="zh-CN" i="1" dirty="0"/>
+                  <a:t>weakest assumption, </a:t>
+                </a:r>
+                <a14:m>
+                  <m:oMath xmlns:m="http://schemas.openxmlformats.org/officeDocument/2006/math">
+                    <m:r>
+                      <a:rPr lang="en-US" altLang="zh-CN" b="0" i="1" smtClean="0">
+                        <a:latin typeface="Cambria Math" panose="02040503050406030204" pitchFamily="18" charset="0"/>
+                      </a:rPr>
+                      <m:t>𝐵𝑒h</m:t>
+                    </m:r>
+                    <m:r>
+                      <a:rPr lang="en-US" altLang="zh-CN" b="0" i="1" smtClean="0">
+                        <a:latin typeface="Cambria Math" panose="02040503050406030204" pitchFamily="18" charset="0"/>
+                      </a:rPr>
+                      <m:t>(</m:t>
+                    </m:r>
+                    <m:r>
+                      <a:rPr lang="en-US" altLang="zh-CN" b="0" i="1" smtClean="0">
+                        <a:latin typeface="Cambria Math" panose="02040503050406030204" pitchFamily="18" charset="0"/>
+                      </a:rPr>
+                      <m:t>𝑊</m:t>
+                    </m:r>
+                    <m:sSub>
+                      <m:sSubPr>
+                        <m:ctrlPr>
+                          <a:rPr lang="en-US" altLang="zh-CN" b="0" i="1" smtClean="0">
+                            <a:latin typeface="Cambria Math" panose="02040503050406030204" pitchFamily="18" charset="0"/>
+                          </a:rPr>
+                        </m:ctrlPr>
+                      </m:sSubPr>
+                      <m:e>
+                        <m:r>
+                          <a:rPr lang="en-US" altLang="zh-CN" b="0" i="1" smtClean="0">
+                            <a:latin typeface="Cambria Math" panose="02040503050406030204" pitchFamily="18" charset="0"/>
+                          </a:rPr>
+                          <m:t>𝐴</m:t>
+                        </m:r>
+                      </m:e>
+                      <m:sub>
+                        <m:r>
+                          <a:rPr lang="en-US" altLang="zh-CN" b="0" i="1" smtClean="0">
+                            <a:latin typeface="Cambria Math" panose="02040503050406030204" pitchFamily="18" charset="0"/>
+                          </a:rPr>
+                          <m:t>𝑆</m:t>
+                        </m:r>
+                      </m:sub>
+                    </m:sSub>
+                    <m:r>
+                      <a:rPr lang="en-US" altLang="zh-CN" b="0" i="1" smtClean="0">
+                        <a:latin typeface="Cambria Math" panose="02040503050406030204" pitchFamily="18" charset="0"/>
+                      </a:rPr>
+                      <m:t>)</m:t>
+                    </m:r>
+                  </m:oMath>
+                </a14:m>
+                <a:r>
+                  <a:rPr lang="en-US" altLang="zh-CN" dirty="0"/>
+                  <a:t>.</a:t>
+                </a:r>
+              </a:p>
+              <a:p>
+                <a14:m>
+                  <m:oMath xmlns:m="http://schemas.openxmlformats.org/officeDocument/2006/math">
+                    <m:r>
+                      <a:rPr lang="zh-CN" altLang="en-US" i="1" smtClean="0">
+                        <a:latin typeface="Cambria Math" panose="02040503050406030204" pitchFamily="18" charset="0"/>
+                      </a:rPr>
+                      <m:t>∆</m:t>
+                    </m:r>
+                    <m:r>
+                      <a:rPr lang="en-US" altLang="zh-CN" b="0" i="1" smtClean="0">
+                        <a:latin typeface="Cambria Math" panose="02040503050406030204" pitchFamily="18" charset="0"/>
+                      </a:rPr>
+                      <m:t>𝑅</m:t>
+                    </m:r>
+                    <m:r>
+                      <a:rPr lang="en-US" altLang="zh-CN" b="0" i="1" smtClean="0">
+                        <a:latin typeface="Cambria Math" panose="02040503050406030204" pitchFamily="18" charset="0"/>
+                      </a:rPr>
+                      <m:t>=</m:t>
+                    </m:r>
+                    <m:r>
+                      <a:rPr lang="en-US" altLang="zh-CN" b="0" i="1" smtClean="0">
+                        <a:latin typeface="Cambria Math" panose="02040503050406030204" pitchFamily="18" charset="0"/>
+                      </a:rPr>
+                      <m:t>𝐵𝑒h</m:t>
+                    </m:r>
+                    <m:d>
+                      <m:dPr>
+                        <m:ctrlPr>
+                          <a:rPr lang="en-US" altLang="zh-CN" b="0" i="1" smtClean="0">
+                            <a:latin typeface="Cambria Math" panose="02040503050406030204" pitchFamily="18" charset="0"/>
+                          </a:rPr>
+                        </m:ctrlPr>
+                      </m:dPr>
+                      <m:e>
+                        <m:r>
+                          <a:rPr lang="en-US" altLang="zh-CN" b="0" i="1" smtClean="0">
+                            <a:latin typeface="Cambria Math" panose="02040503050406030204" pitchFamily="18" charset="0"/>
+                          </a:rPr>
+                          <m:t>𝑊</m:t>
+                        </m:r>
+                        <m:sSub>
+                          <m:sSubPr>
+                            <m:ctrlPr>
+                              <a:rPr lang="en-US" altLang="zh-CN" b="0" i="1" smtClean="0">
+                                <a:latin typeface="Cambria Math" panose="02040503050406030204" pitchFamily="18" charset="0"/>
+                              </a:rPr>
+                            </m:ctrlPr>
+                          </m:sSubPr>
+                          <m:e>
+                            <m:r>
+                              <a:rPr lang="en-US" altLang="zh-CN" b="0" i="1" smtClean="0">
+                                <a:latin typeface="Cambria Math" panose="02040503050406030204" pitchFamily="18" charset="0"/>
+                              </a:rPr>
+                              <m:t>𝐴</m:t>
+                            </m:r>
+                          </m:e>
+                          <m:sub>
+                            <m:r>
+                              <a:rPr lang="en-US" altLang="zh-CN" b="0" i="1" smtClean="0">
+                                <a:latin typeface="Cambria Math" panose="02040503050406030204" pitchFamily="18" charset="0"/>
+                              </a:rPr>
+                              <m:t>𝑆</m:t>
+                            </m:r>
+                          </m:sub>
+                        </m:sSub>
+                      </m:e>
+                    </m:d>
+                    <m:r>
+                      <a:rPr lang="en-US" altLang="zh-CN" b="0" i="1" smtClean="0">
+                        <a:latin typeface="Cambria Math" panose="02040503050406030204" pitchFamily="18" charset="0"/>
+                      </a:rPr>
+                      <m:t>−</m:t>
+                    </m:r>
+                    <m:r>
+                      <a:rPr lang="en-US" altLang="zh-CN" b="0" i="1" smtClean="0">
+                        <a:latin typeface="Cambria Math" panose="02040503050406030204" pitchFamily="18" charset="0"/>
+                      </a:rPr>
+                      <m:t>𝐵𝑒h</m:t>
+                    </m:r>
+                    <m:d>
+                      <m:dPr>
+                        <m:ctrlPr>
+                          <a:rPr lang="en-US" altLang="zh-CN" b="0" i="1" smtClean="0">
+                            <a:latin typeface="Cambria Math" panose="02040503050406030204" pitchFamily="18" charset="0"/>
+                          </a:rPr>
+                        </m:ctrlPr>
+                      </m:dPr>
+                      <m:e>
+                        <m:r>
+                          <a:rPr lang="en-US" altLang="zh-CN" b="0" i="1" smtClean="0">
+                            <a:latin typeface="Cambria Math" panose="02040503050406030204" pitchFamily="18" charset="0"/>
+                          </a:rPr>
+                          <m:t>𝐸𝑛</m:t>
+                        </m:r>
+                        <m:sSub>
+                          <m:sSubPr>
+                            <m:ctrlPr>
+                              <a:rPr lang="en-US" altLang="zh-CN" b="0" i="1" smtClean="0">
+                                <a:latin typeface="Cambria Math" panose="02040503050406030204" pitchFamily="18" charset="0"/>
+                              </a:rPr>
+                            </m:ctrlPr>
+                          </m:sSubPr>
+                          <m:e>
+                            <m:r>
+                              <a:rPr lang="en-US" altLang="zh-CN" b="0" i="1" smtClean="0">
+                                <a:latin typeface="Cambria Math" panose="02040503050406030204" pitchFamily="18" charset="0"/>
+                              </a:rPr>
+                              <m:t>𝑣</m:t>
+                            </m:r>
+                          </m:e>
+                          <m:sub>
+                            <m:r>
+                              <a:rPr lang="en-US" altLang="zh-CN" b="0" i="1" smtClean="0">
+                                <a:latin typeface="Cambria Math" panose="02040503050406030204" pitchFamily="18" charset="0"/>
+                              </a:rPr>
+                              <m:t>𝑏𝑎𝑠𝑒</m:t>
+                            </m:r>
+                          </m:sub>
+                        </m:sSub>
+                      </m:e>
+                    </m:d>
+                  </m:oMath>
+                </a14:m>
+                <a:r>
+                  <a:rPr lang="en-US" altLang="zh-CN" dirty="0"/>
+                  <a:t>, given a baseline environment, </a:t>
+                </a:r>
+                <a14:m>
+                  <m:oMath xmlns:m="http://schemas.openxmlformats.org/officeDocument/2006/math">
+                    <m:r>
+                      <a:rPr lang="zh-CN" altLang="en-US" i="1">
+                        <a:latin typeface="Cambria Math" panose="02040503050406030204" pitchFamily="18" charset="0"/>
+                      </a:rPr>
+                      <m:t>∆</m:t>
+                    </m:r>
+                    <m:r>
+                      <a:rPr lang="en-US" altLang="zh-CN" i="1">
+                        <a:latin typeface="Cambria Math" panose="02040503050406030204" pitchFamily="18" charset="0"/>
+                      </a:rPr>
+                      <m:t>𝑅</m:t>
+                    </m:r>
+                  </m:oMath>
+                </a14:m>
+                <a:r>
+                  <a:rPr lang="zh-CN" altLang="en-US" dirty="0"/>
+                  <a:t> </a:t>
+                </a:r>
+                <a:r>
+                  <a:rPr lang="en-US" altLang="zh-CN" dirty="0"/>
+                  <a:t>is how robust the system can perform over this baseline.</a:t>
+                </a:r>
+              </a:p>
+              <a:p>
+                <a14:m>
+                  <m:oMath xmlns:m="http://schemas.openxmlformats.org/officeDocument/2006/math">
+                    <m:r>
+                      <a:rPr lang="zh-CN" altLang="en-US" i="1">
+                        <a:latin typeface="Cambria Math" panose="02040503050406030204" pitchFamily="18" charset="0"/>
+                      </a:rPr>
+                      <m:t>∆</m:t>
+                    </m:r>
+                    <m:r>
+                      <a:rPr lang="en-US" altLang="zh-CN" i="1">
+                        <a:latin typeface="Cambria Math" panose="02040503050406030204" pitchFamily="18" charset="0"/>
+                      </a:rPr>
+                      <m:t>𝑅</m:t>
+                    </m:r>
+                    <m:r>
+                      <a:rPr lang="en-US" altLang="zh-CN" i="1">
+                        <a:latin typeface="Cambria Math" panose="02040503050406030204" pitchFamily="18" charset="0"/>
+                      </a:rPr>
+                      <m:t>=</m:t>
+                    </m:r>
+                    <m:r>
+                      <a:rPr lang="en-US" altLang="zh-CN" i="1">
+                        <a:latin typeface="Cambria Math" panose="02040503050406030204" pitchFamily="18" charset="0"/>
+                      </a:rPr>
+                      <m:t>𝐵𝑒h</m:t>
+                    </m:r>
+                    <m:d>
+                      <m:dPr>
+                        <m:ctrlPr>
+                          <a:rPr lang="en-US" altLang="zh-CN" i="1">
+                            <a:latin typeface="Cambria Math" panose="02040503050406030204" pitchFamily="18" charset="0"/>
+                          </a:rPr>
+                        </m:ctrlPr>
+                      </m:dPr>
+                      <m:e>
+                        <m:r>
+                          <a:rPr lang="en-US" altLang="zh-CN" b="0" i="1" smtClean="0">
+                            <a:latin typeface="Cambria Math" panose="02040503050406030204" pitchFamily="18" charset="0"/>
+                          </a:rPr>
+                          <m:t>𝑊</m:t>
+                        </m:r>
+                        <m:sSub>
+                          <m:sSubPr>
+                            <m:ctrlPr>
+                              <a:rPr lang="en-US" altLang="zh-CN" b="0" i="1" smtClean="0">
+                                <a:latin typeface="Cambria Math" panose="02040503050406030204" pitchFamily="18" charset="0"/>
+                              </a:rPr>
+                            </m:ctrlPr>
+                          </m:sSubPr>
+                          <m:e>
+                            <m:r>
+                              <a:rPr lang="en-US" altLang="zh-CN" b="0" i="1" smtClean="0">
+                                <a:latin typeface="Cambria Math" panose="02040503050406030204" pitchFamily="18" charset="0"/>
+                              </a:rPr>
+                              <m:t>𝐴</m:t>
+                            </m:r>
+                          </m:e>
+                          <m:sub>
+                            <m:sSub>
+                              <m:sSubPr>
+                                <m:ctrlPr>
+                                  <a:rPr lang="en-US" altLang="zh-CN" b="0" i="1" smtClean="0">
+                                    <a:latin typeface="Cambria Math" panose="02040503050406030204" pitchFamily="18" charset="0"/>
+                                  </a:rPr>
+                                </m:ctrlPr>
+                              </m:sSubPr>
+                              <m:e>
+                                <m:r>
+                                  <a:rPr lang="en-US" altLang="zh-CN" b="0" i="1" smtClean="0">
+                                    <a:latin typeface="Cambria Math" panose="02040503050406030204" pitchFamily="18" charset="0"/>
+                                  </a:rPr>
+                                  <m:t>𝑆</m:t>
+                                </m:r>
+                              </m:e>
+                              <m:sub>
+                                <m:r>
+                                  <a:rPr lang="en-US" altLang="zh-CN" b="0" i="1" smtClean="0">
+                                    <a:latin typeface="Cambria Math" panose="02040503050406030204" pitchFamily="18" charset="0"/>
+                                  </a:rPr>
+                                  <m:t>1</m:t>
+                                </m:r>
+                              </m:sub>
+                            </m:sSub>
+                          </m:sub>
+                        </m:sSub>
+                      </m:e>
+                    </m:d>
+                    <m:r>
+                      <a:rPr lang="en-US" altLang="zh-CN" i="1">
+                        <a:latin typeface="Cambria Math" panose="02040503050406030204" pitchFamily="18" charset="0"/>
+                      </a:rPr>
+                      <m:t>−</m:t>
+                    </m:r>
+                    <m:r>
+                      <a:rPr lang="en-US" altLang="zh-CN" i="1">
+                        <a:latin typeface="Cambria Math" panose="02040503050406030204" pitchFamily="18" charset="0"/>
+                      </a:rPr>
+                      <m:t>𝐵𝑒h</m:t>
+                    </m:r>
+                    <m:r>
+                      <a:rPr lang="en-US" altLang="zh-CN" i="1">
+                        <a:latin typeface="Cambria Math" panose="02040503050406030204" pitchFamily="18" charset="0"/>
+                      </a:rPr>
+                      <m:t>(</m:t>
+                    </m:r>
+                    <m:r>
+                      <a:rPr lang="en-US" altLang="zh-CN" b="0" i="1" smtClean="0">
+                        <a:latin typeface="Cambria Math" panose="02040503050406030204" pitchFamily="18" charset="0"/>
+                      </a:rPr>
+                      <m:t>𝑊</m:t>
+                    </m:r>
+                    <m:sSub>
+                      <m:sSubPr>
+                        <m:ctrlPr>
+                          <a:rPr lang="en-US" altLang="zh-CN" b="0" i="1" smtClean="0">
+                            <a:latin typeface="Cambria Math" panose="02040503050406030204" pitchFamily="18" charset="0"/>
+                          </a:rPr>
+                        </m:ctrlPr>
+                      </m:sSubPr>
+                      <m:e>
+                        <m:r>
+                          <a:rPr lang="en-US" altLang="zh-CN" b="0" i="1" smtClean="0">
+                            <a:latin typeface="Cambria Math" panose="02040503050406030204" pitchFamily="18" charset="0"/>
+                          </a:rPr>
+                          <m:t>𝐴</m:t>
+                        </m:r>
+                      </m:e>
+                      <m:sub>
+                        <m:sSub>
+                          <m:sSubPr>
+                            <m:ctrlPr>
+                              <a:rPr lang="en-US" altLang="zh-CN" b="0" i="1" smtClean="0">
+                                <a:latin typeface="Cambria Math" panose="02040503050406030204" pitchFamily="18" charset="0"/>
+                              </a:rPr>
+                            </m:ctrlPr>
+                          </m:sSubPr>
+                          <m:e>
+                            <m:r>
+                              <a:rPr lang="en-US" altLang="zh-CN" b="0" i="1" smtClean="0">
+                                <a:latin typeface="Cambria Math" panose="02040503050406030204" pitchFamily="18" charset="0"/>
+                              </a:rPr>
+                              <m:t>𝑆</m:t>
+                            </m:r>
+                          </m:e>
+                          <m:sub>
+                            <m:r>
+                              <a:rPr lang="en-US" altLang="zh-CN" b="0" i="1" smtClean="0">
+                                <a:latin typeface="Cambria Math" panose="02040503050406030204" pitchFamily="18" charset="0"/>
+                              </a:rPr>
+                              <m:t>2</m:t>
+                            </m:r>
+                          </m:sub>
+                        </m:sSub>
+                      </m:sub>
+                    </m:sSub>
+                    <m:r>
+                      <a:rPr lang="en-US" altLang="zh-CN" i="1">
+                        <a:latin typeface="Cambria Math" panose="02040503050406030204" pitchFamily="18" charset="0"/>
+                      </a:rPr>
+                      <m:t>)</m:t>
+                    </m:r>
+                  </m:oMath>
+                </a14:m>
+                <a:r>
+                  <a:rPr lang="en-US" altLang="zh-CN" dirty="0"/>
+                  <a:t>, given two systems </a:t>
+                </a:r>
+                <a14:m>
+                  <m:oMath xmlns:m="http://schemas.openxmlformats.org/officeDocument/2006/math">
+                    <m:sSub>
+                      <m:sSubPr>
+                        <m:ctrlPr>
+                          <a:rPr lang="en-US" altLang="zh-CN" b="0" i="1" smtClean="0">
+                            <a:latin typeface="Cambria Math" panose="02040503050406030204" pitchFamily="18" charset="0"/>
+                          </a:rPr>
+                        </m:ctrlPr>
+                      </m:sSubPr>
+                      <m:e>
+                        <m:r>
+                          <a:rPr lang="en-US" altLang="zh-CN" b="0" i="1" smtClean="0">
+                            <a:latin typeface="Cambria Math" panose="02040503050406030204" pitchFamily="18" charset="0"/>
+                          </a:rPr>
+                          <m:t>𝑆</m:t>
+                        </m:r>
+                      </m:e>
+                      <m:sub>
+                        <m:r>
+                          <a:rPr lang="en-US" altLang="zh-CN" b="0" i="1" smtClean="0">
+                            <a:latin typeface="Cambria Math" panose="02040503050406030204" pitchFamily="18" charset="0"/>
+                          </a:rPr>
+                          <m:t>1</m:t>
+                        </m:r>
+                      </m:sub>
+                    </m:sSub>
+                  </m:oMath>
+                </a14:m>
+                <a:r>
+                  <a:rPr lang="zh-CN" altLang="en-US" dirty="0"/>
+                  <a:t> </a:t>
+                </a:r>
+                <a:r>
+                  <a:rPr lang="en-US" altLang="zh-CN" dirty="0"/>
+                  <a:t>and </a:t>
+                </a:r>
+                <a14:m>
+                  <m:oMath xmlns:m="http://schemas.openxmlformats.org/officeDocument/2006/math">
+                    <m:sSub>
+                      <m:sSubPr>
+                        <m:ctrlPr>
+                          <a:rPr lang="en-US" altLang="zh-CN" b="0" i="1" smtClean="0">
+                            <a:latin typeface="Cambria Math" panose="02040503050406030204" pitchFamily="18" charset="0"/>
+                          </a:rPr>
+                        </m:ctrlPr>
+                      </m:sSubPr>
+                      <m:e>
+                        <m:r>
+                          <a:rPr lang="en-US" altLang="zh-CN" b="0" i="1" smtClean="0">
+                            <a:latin typeface="Cambria Math" panose="02040503050406030204" pitchFamily="18" charset="0"/>
+                          </a:rPr>
+                          <m:t>𝑆</m:t>
+                        </m:r>
+                      </m:e>
+                      <m:sub>
+                        <m:r>
+                          <a:rPr lang="en-US" altLang="zh-CN" b="0" i="1" smtClean="0">
+                            <a:latin typeface="Cambria Math" panose="02040503050406030204" pitchFamily="18" charset="0"/>
+                          </a:rPr>
+                          <m:t>2</m:t>
+                        </m:r>
+                      </m:sub>
+                    </m:sSub>
+                  </m:oMath>
+                </a14:m>
+                <a:r>
+                  <a:rPr lang="en-US" altLang="zh-CN" dirty="0"/>
+                  <a:t>, </a:t>
+                </a:r>
+                <a14:m>
+                  <m:oMath xmlns:m="http://schemas.openxmlformats.org/officeDocument/2006/math">
+                    <m:r>
+                      <a:rPr lang="zh-CN" altLang="en-US" i="1">
+                        <a:latin typeface="Cambria Math" panose="02040503050406030204" pitchFamily="18" charset="0"/>
+                      </a:rPr>
+                      <m:t>∆</m:t>
+                    </m:r>
+                    <m:r>
+                      <a:rPr lang="en-US" altLang="zh-CN" i="1">
+                        <a:latin typeface="Cambria Math" panose="02040503050406030204" pitchFamily="18" charset="0"/>
+                      </a:rPr>
+                      <m:t>𝑅</m:t>
+                    </m:r>
+                  </m:oMath>
+                </a14:m>
+                <a:r>
+                  <a:rPr lang="zh-CN" altLang="en-US" dirty="0"/>
+                  <a:t> </a:t>
+                </a:r>
+                <a:r>
+                  <a:rPr lang="en-US" altLang="zh-CN" dirty="0"/>
+                  <a:t>is how robust </a:t>
+                </a:r>
+                <a14:m>
+                  <m:oMath xmlns:m="http://schemas.openxmlformats.org/officeDocument/2006/math">
+                    <m:sSub>
+                      <m:sSubPr>
+                        <m:ctrlPr>
+                          <a:rPr lang="en-US" altLang="zh-CN" i="1">
+                            <a:latin typeface="Cambria Math" panose="02040503050406030204" pitchFamily="18" charset="0"/>
+                          </a:rPr>
+                        </m:ctrlPr>
+                      </m:sSubPr>
+                      <m:e>
+                        <m:r>
+                          <a:rPr lang="en-US" altLang="zh-CN" i="1">
+                            <a:latin typeface="Cambria Math" panose="02040503050406030204" pitchFamily="18" charset="0"/>
+                          </a:rPr>
+                          <m:t>𝑆</m:t>
+                        </m:r>
+                      </m:e>
+                      <m:sub>
+                        <m:r>
+                          <a:rPr lang="en-US" altLang="zh-CN" i="1">
+                            <a:latin typeface="Cambria Math" panose="02040503050406030204" pitchFamily="18" charset="0"/>
+                          </a:rPr>
+                          <m:t>1</m:t>
+                        </m:r>
+                      </m:sub>
+                    </m:sSub>
+                  </m:oMath>
+                </a14:m>
+                <a:r>
+                  <a:rPr lang="zh-CN" altLang="en-US" dirty="0"/>
+                  <a:t> </a:t>
+                </a:r>
+                <a:r>
+                  <a:rPr lang="en-US" altLang="zh-CN" dirty="0"/>
+                  <a:t>can be over </a:t>
+                </a:r>
+                <a14:m>
+                  <m:oMath xmlns:m="http://schemas.openxmlformats.org/officeDocument/2006/math">
+                    <m:sSub>
+                      <m:sSubPr>
+                        <m:ctrlPr>
+                          <a:rPr lang="en-US" altLang="zh-CN" i="1">
+                            <a:latin typeface="Cambria Math" panose="02040503050406030204" pitchFamily="18" charset="0"/>
+                          </a:rPr>
+                        </m:ctrlPr>
+                      </m:sSubPr>
+                      <m:e>
+                        <m:r>
+                          <a:rPr lang="en-US" altLang="zh-CN" i="1">
+                            <a:latin typeface="Cambria Math" panose="02040503050406030204" pitchFamily="18" charset="0"/>
+                          </a:rPr>
+                          <m:t>𝑆</m:t>
+                        </m:r>
+                      </m:e>
+                      <m:sub>
+                        <m:r>
+                          <a:rPr lang="en-US" altLang="zh-CN" i="1">
+                            <a:latin typeface="Cambria Math" panose="02040503050406030204" pitchFamily="18" charset="0"/>
+                          </a:rPr>
+                          <m:t>2</m:t>
+                        </m:r>
+                      </m:sub>
+                    </m:sSub>
+                  </m:oMath>
+                </a14:m>
+                <a:r>
+                  <a:rPr lang="en-US" altLang="zh-CN" dirty="0"/>
+                  <a:t>.</a:t>
+                </a:r>
+              </a:p>
+              <a:p>
+                <a:pPr lvl="1"/>
+                <a:r>
+                  <a:rPr lang="en-US" altLang="zh-CN" dirty="0"/>
+                  <a:t>It doesn’t imply </a:t>
+                </a:r>
+                <a14:m>
+                  <m:oMath xmlns:m="http://schemas.openxmlformats.org/officeDocument/2006/math">
+                    <m:sSub>
+                      <m:sSubPr>
+                        <m:ctrlPr>
+                          <a:rPr lang="en-US" altLang="zh-CN" i="1">
+                            <a:latin typeface="Cambria Math" panose="02040503050406030204" pitchFamily="18" charset="0"/>
+                          </a:rPr>
+                        </m:ctrlPr>
+                      </m:sSubPr>
+                      <m:e>
+                        <m:r>
+                          <a:rPr lang="en-US" altLang="zh-CN" i="1">
+                            <a:latin typeface="Cambria Math" panose="02040503050406030204" pitchFamily="18" charset="0"/>
+                          </a:rPr>
+                          <m:t>𝑆</m:t>
+                        </m:r>
+                      </m:e>
+                      <m:sub>
+                        <m:r>
+                          <a:rPr lang="en-US" altLang="zh-CN" i="1">
+                            <a:latin typeface="Cambria Math" panose="02040503050406030204" pitchFamily="18" charset="0"/>
+                          </a:rPr>
+                          <m:t>1</m:t>
+                        </m:r>
+                      </m:sub>
+                    </m:sSub>
+                  </m:oMath>
+                </a14:m>
+                <a:r>
+                  <a:rPr lang="zh-CN" altLang="en-US" dirty="0"/>
+                  <a:t> </a:t>
+                </a:r>
+                <a:r>
+                  <a:rPr lang="en-US" altLang="zh-CN" dirty="0"/>
+                  <a:t>is always more robust than </a:t>
+                </a:r>
+                <a14:m>
+                  <m:oMath xmlns:m="http://schemas.openxmlformats.org/officeDocument/2006/math">
+                    <m:sSub>
+                      <m:sSubPr>
+                        <m:ctrlPr>
+                          <a:rPr lang="en-US" altLang="zh-CN" i="1">
+                            <a:latin typeface="Cambria Math" panose="02040503050406030204" pitchFamily="18" charset="0"/>
+                          </a:rPr>
+                        </m:ctrlPr>
+                      </m:sSubPr>
+                      <m:e>
+                        <m:r>
+                          <a:rPr lang="en-US" altLang="zh-CN" i="1">
+                            <a:latin typeface="Cambria Math" panose="02040503050406030204" pitchFamily="18" charset="0"/>
+                          </a:rPr>
+                          <m:t>𝑆</m:t>
+                        </m:r>
+                      </m:e>
+                      <m:sub>
+                        <m:r>
+                          <a:rPr lang="en-US" altLang="zh-CN" i="1">
+                            <a:latin typeface="Cambria Math" panose="02040503050406030204" pitchFamily="18" charset="0"/>
+                          </a:rPr>
+                          <m:t>2</m:t>
+                        </m:r>
+                      </m:sub>
+                    </m:sSub>
+                  </m:oMath>
+                </a14:m>
+                <a:r>
+                  <a:rPr lang="en-US" altLang="zh-CN" dirty="0"/>
+                  <a:t>.</a:t>
+                </a:r>
+                <a:endParaRPr lang="zh-CN" altLang="en-US" dirty="0"/>
+              </a:p>
+            </p:txBody>
+          </p:sp>
+        </mc:Choice>
+        <mc:Fallback>
+          <p:sp>
+            <p:nvSpPr>
+              <p:cNvPr id="3" name="Text Placeholder 2">
+                <a:extLst>
+                  <a:ext uri="{FF2B5EF4-FFF2-40B4-BE49-F238E27FC236}">
+                    <a16:creationId xmlns:a16="http://schemas.microsoft.com/office/drawing/2014/main" id="{FF7AC89D-208F-4F65-84DB-EFFC59D974C8}"/>
+                  </a:ext>
+                </a:extLst>
+              </p:cNvPr>
+              <p:cNvSpPr>
+                <a:spLocks noGrp="1" noRot="1" noChangeAspect="1" noMove="1" noResize="1" noEditPoints="1" noAdjustHandles="1" noChangeArrowheads="1" noChangeShapeType="1" noTextEdit="1"/>
+              </p:cNvSpPr>
+              <p:nvPr>
+                <p:ph type="body" idx="1"/>
+              </p:nvPr>
+            </p:nvSpPr>
+            <p:spPr>
+              <a:xfrm>
+                <a:off x="311700" y="1152475"/>
+                <a:ext cx="8520600" cy="3172200"/>
+              </a:xfrm>
+              <a:blipFill>
+                <a:blip r:embed="rId3"/>
+                <a:stretch>
+                  <a:fillRect/>
+                </a:stretch>
+              </a:blipFill>
+            </p:spPr>
+            <p:txBody>
+              <a:bodyPr/>
+              <a:lstStyle/>
+              <a:p>
+                <a:r>
+                  <a:rPr lang="zh-CN" altLang="en-US">
+                    <a:noFill/>
+                  </a:rPr>
+                  <a:t> </a:t>
+                </a:r>
+              </a:p>
+            </p:txBody>
+          </p:sp>
+        </mc:Fallback>
+      </mc:AlternateContent>
+      <p:sp>
+        <p:nvSpPr>
+          <p:cNvPr id="4" name="Slide Number Placeholder 3">
+            <a:extLst>
+              <a:ext uri="{FF2B5EF4-FFF2-40B4-BE49-F238E27FC236}">
+                <a16:creationId xmlns:a16="http://schemas.microsoft.com/office/drawing/2014/main" id="{62633834-091E-4FAF-8812-C96CA3E5C450}"/>
+              </a:ext>
+            </a:extLst>
+          </p:cNvPr>
+          <p:cNvSpPr>
+            <a:spLocks noGrp="1"/>
+          </p:cNvSpPr>
+          <p:nvPr>
+            <p:ph type="sldNum" idx="12"/>
+          </p:nvPr>
+        </p:nvSpPr>
+        <p:spPr/>
+        <p:txBody>
+          <a:bodyPr/>
+          <a:lstStyle/>
+          <a:p>
+            <a:pPr marL="0" lvl="0" indent="0" algn="r" rtl="0">
+              <a:spcBef>
+                <a:spcPts val="0"/>
+              </a:spcBef>
+              <a:spcAft>
+                <a:spcPts val="0"/>
+              </a:spcAft>
+              <a:buNone/>
+            </a:pPr>
+            <a:fld id="{00000000-1234-1234-1234-123412341234}" type="slidenum">
+              <a:rPr lang="en" smtClean="0"/>
+              <a:t>27</a:t>
+            </a:fld>
+            <a:endParaRPr lang="en"/>
+          </a:p>
+        </p:txBody>
+      </p:sp>
+      <p:grpSp>
+        <p:nvGrpSpPr>
+          <p:cNvPr id="5" name="Group 4">
+            <a:extLst>
+              <a:ext uri="{FF2B5EF4-FFF2-40B4-BE49-F238E27FC236}">
+                <a16:creationId xmlns:a16="http://schemas.microsoft.com/office/drawing/2014/main" id="{3DCF4426-F1E5-495F-8F79-76ED7D164334}"/>
+              </a:ext>
+            </a:extLst>
+          </p:cNvPr>
+          <p:cNvGrpSpPr/>
+          <p:nvPr/>
+        </p:nvGrpSpPr>
+        <p:grpSpPr>
+          <a:xfrm>
+            <a:off x="5708553" y="2996231"/>
+            <a:ext cx="2110094" cy="1463194"/>
+            <a:chOff x="5838153" y="2243728"/>
+            <a:chExt cx="2110094" cy="1463194"/>
+          </a:xfrm>
+        </p:grpSpPr>
+        <p:sp>
+          <p:nvSpPr>
+            <p:cNvPr id="6" name="Freeform: Shape 5">
+              <a:extLst>
+                <a:ext uri="{FF2B5EF4-FFF2-40B4-BE49-F238E27FC236}">
+                  <a16:creationId xmlns:a16="http://schemas.microsoft.com/office/drawing/2014/main" id="{B5FBA282-3336-4B82-A7E9-25A6D4561213}"/>
+                </a:ext>
+              </a:extLst>
+            </p:cNvPr>
+            <p:cNvSpPr/>
+            <p:nvPr/>
+          </p:nvSpPr>
+          <p:spPr>
+            <a:xfrm rot="1212829">
+              <a:off x="5838153" y="2243728"/>
+              <a:ext cx="2110094" cy="1463194"/>
+            </a:xfrm>
+            <a:custGeom>
+              <a:avLst/>
+              <a:gdLst>
+                <a:gd name="connsiteX0" fmla="*/ 1037654 w 2110094"/>
+                <a:gd name="connsiteY0" fmla="*/ 583411 h 1463194"/>
+                <a:gd name="connsiteX1" fmla="*/ 1517962 w 2110094"/>
+                <a:gd name="connsiteY1" fmla="*/ 794025 h 1463194"/>
+                <a:gd name="connsiteX2" fmla="*/ 1288919 w 2110094"/>
+                <a:gd name="connsiteY2" fmla="*/ 1265822 h 1463194"/>
+                <a:gd name="connsiteX3" fmla="*/ 808612 w 2110094"/>
+                <a:gd name="connsiteY3" fmla="*/ 1055209 h 1463194"/>
+                <a:gd name="connsiteX4" fmla="*/ 1037654 w 2110094"/>
+                <a:gd name="connsiteY4" fmla="*/ 583411 h 1463194"/>
+                <a:gd name="connsiteX5" fmla="*/ 468854 w 2110094"/>
+                <a:gd name="connsiteY5" fmla="*/ 429401 h 1463194"/>
+                <a:gd name="connsiteX6" fmla="*/ 827693 w 2110094"/>
+                <a:gd name="connsiteY6" fmla="*/ 375786 h 1463194"/>
+                <a:gd name="connsiteX7" fmla="*/ 938305 w 2110094"/>
+                <a:gd name="connsiteY7" fmla="*/ 383111 h 1463194"/>
+                <a:gd name="connsiteX8" fmla="*/ 914888 w 2110094"/>
+                <a:gd name="connsiteY8" fmla="*/ 407574 h 1463194"/>
+                <a:gd name="connsiteX9" fmla="*/ 786970 w 2110094"/>
+                <a:gd name="connsiteY9" fmla="*/ 1246699 h 1463194"/>
+                <a:gd name="connsiteX10" fmla="*/ 1225366 w 2110094"/>
+                <a:gd name="connsiteY10" fmla="*/ 1366642 h 1463194"/>
+                <a:gd name="connsiteX11" fmla="*/ 1358615 w 2110094"/>
+                <a:gd name="connsiteY11" fmla="*/ 1333401 h 1463194"/>
+                <a:gd name="connsiteX12" fmla="*/ 1290464 w 2110094"/>
+                <a:gd name="connsiteY12" fmla="*/ 1370337 h 1463194"/>
+                <a:gd name="connsiteX13" fmla="*/ 827693 w 2110094"/>
+                <a:gd name="connsiteY13" fmla="*/ 1463194 h 1463194"/>
+                <a:gd name="connsiteX14" fmla="*/ 0 w 2110094"/>
+                <a:gd name="connsiteY14" fmla="*/ 919490 h 1463194"/>
+                <a:gd name="connsiteX15" fmla="*/ 364922 w 2110094"/>
+                <a:gd name="connsiteY15" fmla="*/ 468642 h 1463194"/>
+                <a:gd name="connsiteX16" fmla="*/ 468854 w 2110094"/>
+                <a:gd name="connsiteY16" fmla="*/ 429401 h 1463194"/>
+                <a:gd name="connsiteX17" fmla="*/ 1434560 w 2110094"/>
+                <a:gd name="connsiteY17" fmla="*/ 42876 h 1463194"/>
+                <a:gd name="connsiteX18" fmla="*/ 2008144 w 2110094"/>
+                <a:gd name="connsiteY18" fmla="*/ 129095 h 1463194"/>
+                <a:gd name="connsiteX19" fmla="*/ 1764629 w 2110094"/>
+                <a:gd name="connsiteY19" fmla="*/ 1088986 h 1463194"/>
+                <a:gd name="connsiteX20" fmla="*/ 1360554 w 2110094"/>
+                <a:gd name="connsiteY20" fmla="*/ 1332918 h 1463194"/>
+                <a:gd name="connsiteX21" fmla="*/ 1358615 w 2110094"/>
+                <a:gd name="connsiteY21" fmla="*/ 1333401 h 1463194"/>
+                <a:gd name="connsiteX22" fmla="*/ 1412960 w 2110094"/>
+                <a:gd name="connsiteY22" fmla="*/ 1303946 h 1463194"/>
+                <a:gd name="connsiteX23" fmla="*/ 1655386 w 2110094"/>
+                <a:gd name="connsiteY23" fmla="*/ 919490 h 1463194"/>
+                <a:gd name="connsiteX24" fmla="*/ 994502 w 2110094"/>
+                <a:gd name="connsiteY24" fmla="*/ 386832 h 1463194"/>
+                <a:gd name="connsiteX25" fmla="*/ 938305 w 2110094"/>
+                <a:gd name="connsiteY25" fmla="*/ 383111 h 1463194"/>
+                <a:gd name="connsiteX26" fmla="*/ 1030485 w 2110094"/>
+                <a:gd name="connsiteY26" fmla="*/ 286808 h 1463194"/>
+                <a:gd name="connsiteX27" fmla="*/ 1434560 w 2110094"/>
+                <a:gd name="connsiteY27" fmla="*/ 42876 h 1463194"/>
+              </a:gdLst>
+              <a:ahLst/>
+              <a:cxnLst>
+                <a:cxn ang="0">
+                  <a:pos x="connsiteX0" y="connsiteY0"/>
+                </a:cxn>
+                <a:cxn ang="0">
+                  <a:pos x="connsiteX1" y="connsiteY1"/>
+                </a:cxn>
+                <a:cxn ang="0">
+                  <a:pos x="connsiteX2" y="connsiteY2"/>
+                </a:cxn>
+                <a:cxn ang="0">
+                  <a:pos x="connsiteX3" y="connsiteY3"/>
+                </a:cxn>
+                <a:cxn ang="0">
+                  <a:pos x="connsiteX4" y="connsiteY4"/>
+                </a:cxn>
+                <a:cxn ang="0">
+                  <a:pos x="connsiteX5" y="connsiteY5"/>
+                </a:cxn>
+                <a:cxn ang="0">
+                  <a:pos x="connsiteX6" y="connsiteY6"/>
+                </a:cxn>
+                <a:cxn ang="0">
+                  <a:pos x="connsiteX7" y="connsiteY7"/>
+                </a:cxn>
+                <a:cxn ang="0">
+                  <a:pos x="connsiteX8" y="connsiteY8"/>
+                </a:cxn>
+                <a:cxn ang="0">
+                  <a:pos x="connsiteX9" y="connsiteY9"/>
+                </a:cxn>
+                <a:cxn ang="0">
+                  <a:pos x="connsiteX10" y="connsiteY10"/>
+                </a:cxn>
+                <a:cxn ang="0">
+                  <a:pos x="connsiteX11" y="connsiteY11"/>
+                </a:cxn>
+                <a:cxn ang="0">
+                  <a:pos x="connsiteX12" y="connsiteY12"/>
+                </a:cxn>
+                <a:cxn ang="0">
+                  <a:pos x="connsiteX13" y="connsiteY13"/>
+                </a:cxn>
+                <a:cxn ang="0">
+                  <a:pos x="connsiteX14" y="connsiteY14"/>
+                </a:cxn>
+                <a:cxn ang="0">
+                  <a:pos x="connsiteX15" y="connsiteY15"/>
+                </a:cxn>
+                <a:cxn ang="0">
+                  <a:pos x="connsiteX16" y="connsiteY16"/>
+                </a:cxn>
+                <a:cxn ang="0">
+                  <a:pos x="connsiteX17" y="connsiteY17"/>
+                </a:cxn>
+                <a:cxn ang="0">
+                  <a:pos x="connsiteX18" y="connsiteY18"/>
+                </a:cxn>
+                <a:cxn ang="0">
+                  <a:pos x="connsiteX19" y="connsiteY19"/>
+                </a:cxn>
+                <a:cxn ang="0">
+                  <a:pos x="connsiteX20" y="connsiteY20"/>
+                </a:cxn>
+                <a:cxn ang="0">
+                  <a:pos x="connsiteX21" y="connsiteY21"/>
+                </a:cxn>
+                <a:cxn ang="0">
+                  <a:pos x="connsiteX22" y="connsiteY22"/>
+                </a:cxn>
+                <a:cxn ang="0">
+                  <a:pos x="connsiteX23" y="connsiteY23"/>
+                </a:cxn>
+                <a:cxn ang="0">
+                  <a:pos x="connsiteX24" y="connsiteY24"/>
+                </a:cxn>
+                <a:cxn ang="0">
+                  <a:pos x="connsiteX25" y="connsiteY25"/>
+                </a:cxn>
+                <a:cxn ang="0">
+                  <a:pos x="connsiteX26" y="connsiteY26"/>
+                </a:cxn>
+                <a:cxn ang="0">
+                  <a:pos x="connsiteX27" y="connsiteY27"/>
+                </a:cxn>
+              </a:cxnLst>
+              <a:rect l="l" t="t" r="r" b="b"/>
+              <a:pathLst>
+                <a:path w="2110094" h="1463194">
+                  <a:moveTo>
+                    <a:pt x="1037654" y="583411"/>
+                  </a:moveTo>
+                  <a:cubicBezTo>
+                    <a:pt x="1233536" y="511287"/>
+                    <a:pt x="1448576" y="605582"/>
+                    <a:pt x="1517962" y="794025"/>
+                  </a:cubicBezTo>
+                  <a:cubicBezTo>
+                    <a:pt x="1587347" y="982468"/>
+                    <a:pt x="1484801" y="1193698"/>
+                    <a:pt x="1288919" y="1265822"/>
+                  </a:cubicBezTo>
+                  <a:cubicBezTo>
+                    <a:pt x="1093038" y="1337947"/>
+                    <a:pt x="877997" y="1243652"/>
+                    <a:pt x="808612" y="1055209"/>
+                  </a:cubicBezTo>
+                  <a:cubicBezTo>
+                    <a:pt x="739227" y="866766"/>
+                    <a:pt x="841772" y="655535"/>
+                    <a:pt x="1037654" y="583411"/>
+                  </a:cubicBezTo>
+                  <a:close/>
+                  <a:moveTo>
+                    <a:pt x="468854" y="429401"/>
+                  </a:moveTo>
+                  <a:cubicBezTo>
+                    <a:pt x="577408" y="395041"/>
+                    <a:pt x="699127" y="375786"/>
+                    <a:pt x="827693" y="375786"/>
+                  </a:cubicBezTo>
+                  <a:lnTo>
+                    <a:pt x="938305" y="383111"/>
+                  </a:lnTo>
+                  <a:lnTo>
+                    <a:pt x="914888" y="407574"/>
+                  </a:lnTo>
+                  <a:cubicBezTo>
+                    <a:pt x="670882" y="699611"/>
+                    <a:pt x="609583" y="1052873"/>
+                    <a:pt x="786970" y="1246699"/>
+                  </a:cubicBezTo>
+                  <a:cubicBezTo>
+                    <a:pt x="888334" y="1357456"/>
+                    <a:pt x="1048444" y="1395182"/>
+                    <a:pt x="1225366" y="1366642"/>
+                  </a:cubicBezTo>
+                  <a:lnTo>
+                    <a:pt x="1358615" y="1333401"/>
+                  </a:lnTo>
+                  <a:lnTo>
+                    <a:pt x="1290464" y="1370337"/>
+                  </a:lnTo>
+                  <a:cubicBezTo>
+                    <a:pt x="1158363" y="1428962"/>
+                    <a:pt x="999114" y="1463194"/>
+                    <a:pt x="827693" y="1463194"/>
+                  </a:cubicBezTo>
+                  <a:cubicBezTo>
+                    <a:pt x="370571" y="1463194"/>
+                    <a:pt x="0" y="1219769"/>
+                    <a:pt x="0" y="919490"/>
+                  </a:cubicBezTo>
+                  <a:cubicBezTo>
+                    <a:pt x="0" y="731816"/>
+                    <a:pt x="144754" y="566350"/>
+                    <a:pt x="364922" y="468642"/>
+                  </a:cubicBezTo>
+                  <a:cubicBezTo>
+                    <a:pt x="397947" y="453986"/>
+                    <a:pt x="432669" y="440854"/>
+                    <a:pt x="468854" y="429401"/>
+                  </a:cubicBezTo>
+                  <a:close/>
+                  <a:moveTo>
+                    <a:pt x="1434560" y="42876"/>
+                  </a:moveTo>
+                  <a:cubicBezTo>
+                    <a:pt x="1662943" y="-33687"/>
+                    <a:pt x="1881439" y="-9352"/>
+                    <a:pt x="2008144" y="129095"/>
+                  </a:cubicBezTo>
+                  <a:cubicBezTo>
+                    <a:pt x="2210871" y="350610"/>
+                    <a:pt x="2101847" y="780368"/>
+                    <a:pt x="1764629" y="1088986"/>
+                  </a:cubicBezTo>
+                  <a:cubicBezTo>
+                    <a:pt x="1638172" y="1204717"/>
+                    <a:pt x="1497583" y="1286979"/>
+                    <a:pt x="1360554" y="1332918"/>
+                  </a:cubicBezTo>
+                  <a:lnTo>
+                    <a:pt x="1358615" y="1333401"/>
+                  </a:lnTo>
+                  <a:lnTo>
+                    <a:pt x="1412960" y="1303946"/>
+                  </a:lnTo>
+                  <a:cubicBezTo>
+                    <a:pt x="1562743" y="1205555"/>
+                    <a:pt x="1655386" y="1069629"/>
+                    <a:pt x="1655386" y="919490"/>
+                  </a:cubicBezTo>
+                  <a:cubicBezTo>
+                    <a:pt x="1655386" y="656746"/>
+                    <a:pt x="1371668" y="437531"/>
+                    <a:pt x="994502" y="386832"/>
+                  </a:cubicBezTo>
+                  <a:lnTo>
+                    <a:pt x="938305" y="383111"/>
+                  </a:lnTo>
+                  <a:lnTo>
+                    <a:pt x="1030485" y="286808"/>
+                  </a:lnTo>
+                  <a:cubicBezTo>
+                    <a:pt x="1156942" y="171076"/>
+                    <a:pt x="1297531" y="88814"/>
+                    <a:pt x="1434560" y="42876"/>
+                  </a:cubicBezTo>
+                  <a:close/>
+                </a:path>
+              </a:pathLst>
+            </a:custGeom>
+            <a:ln/>
+          </p:spPr>
+          <p:style>
+            <a:lnRef idx="2">
+              <a:schemeClr val="dk1"/>
+            </a:lnRef>
+            <a:fillRef idx="1">
+              <a:schemeClr val="lt1"/>
+            </a:fillRef>
+            <a:effectRef idx="0">
+              <a:schemeClr val="dk1"/>
+            </a:effectRef>
+            <a:fontRef idx="minor">
+              <a:schemeClr val="dk1"/>
+            </a:fontRef>
+          </p:style>
+          <p:txBody>
+            <a:bodyPr rIns="828000" rtlCol="0" anchor="ctr"/>
+            <a:lstStyle/>
+            <a:p>
+              <a:pPr algn="ctr"/>
+              <a:endParaRPr lang="zh-CN" altLang="en-US" dirty="0"/>
+            </a:p>
+          </p:txBody>
+        </p:sp>
+        <p:sp>
+          <p:nvSpPr>
+            <p:cNvPr id="7" name="TextBox 6">
+              <a:extLst>
+                <a:ext uri="{FF2B5EF4-FFF2-40B4-BE49-F238E27FC236}">
+                  <a16:creationId xmlns:a16="http://schemas.microsoft.com/office/drawing/2014/main" id="{7B82F7B2-FFB7-474B-8D25-EC8057D012B2}"/>
+                </a:ext>
+              </a:extLst>
+            </p:cNvPr>
+            <p:cNvSpPr txBox="1"/>
+            <p:nvPr/>
+          </p:nvSpPr>
+          <p:spPr>
+            <a:xfrm>
+              <a:off x="6674400" y="3044692"/>
+              <a:ext cx="540000" cy="276999"/>
+            </a:xfrm>
+            <a:prstGeom prst="rect">
+              <a:avLst/>
+            </a:prstGeom>
+            <a:noFill/>
+          </p:spPr>
+          <p:txBody>
+            <a:bodyPr wrap="square" rtlCol="0">
+              <a:spAutoFit/>
+            </a:bodyPr>
+            <a:lstStyle/>
+            <a:p>
+              <a:r>
+                <a:rPr lang="en-US" altLang="zh-CN" sz="1200" dirty="0"/>
+                <a:t>base</a:t>
+              </a:r>
+              <a:endParaRPr lang="zh-CN" altLang="en-US" dirty="0"/>
+            </a:p>
+          </p:txBody>
+        </p:sp>
+        <p:sp>
+          <p:nvSpPr>
+            <p:cNvPr id="8" name="TextBox 7">
+              <a:extLst>
+                <a:ext uri="{FF2B5EF4-FFF2-40B4-BE49-F238E27FC236}">
+                  <a16:creationId xmlns:a16="http://schemas.microsoft.com/office/drawing/2014/main" id="{D49A950F-B171-4BAE-B99C-50519840F5AE}"/>
+                </a:ext>
+              </a:extLst>
+            </p:cNvPr>
+            <p:cNvSpPr txBox="1"/>
+            <p:nvPr/>
+          </p:nvSpPr>
+          <p:spPr>
+            <a:xfrm>
+              <a:off x="7445073" y="2698326"/>
+              <a:ext cx="356374" cy="276999"/>
+            </a:xfrm>
+            <a:prstGeom prst="rect">
+              <a:avLst/>
+            </a:prstGeom>
+            <a:noFill/>
+          </p:spPr>
+          <p:txBody>
+            <a:bodyPr wrap="square" rtlCol="0">
+              <a:spAutoFit/>
+            </a:bodyPr>
+            <a:lstStyle/>
+            <a:p>
+              <a:r>
+                <a:rPr lang="en-US" altLang="zh-CN" sz="1200" dirty="0"/>
+                <a:t>S</a:t>
+              </a:r>
+              <a:r>
+                <a:rPr lang="en-US" altLang="zh-CN" sz="1200" baseline="-25000" dirty="0"/>
+                <a:t>2</a:t>
+              </a:r>
+              <a:endParaRPr lang="zh-CN" altLang="en-US" baseline="-25000" dirty="0"/>
+            </a:p>
+          </p:txBody>
+        </p:sp>
+        <p:sp>
+          <p:nvSpPr>
+            <p:cNvPr id="9" name="TextBox 8">
+              <a:extLst>
+                <a:ext uri="{FF2B5EF4-FFF2-40B4-BE49-F238E27FC236}">
+                  <a16:creationId xmlns:a16="http://schemas.microsoft.com/office/drawing/2014/main" id="{E589A74F-021D-4AF5-B0B5-F8797277DB0F}"/>
+                </a:ext>
+              </a:extLst>
+            </p:cNvPr>
+            <p:cNvSpPr txBox="1"/>
+            <p:nvPr/>
+          </p:nvSpPr>
+          <p:spPr>
+            <a:xfrm>
+              <a:off x="6013150" y="2692334"/>
+              <a:ext cx="356374" cy="276999"/>
+            </a:xfrm>
+            <a:prstGeom prst="rect">
+              <a:avLst/>
+            </a:prstGeom>
+            <a:noFill/>
+          </p:spPr>
+          <p:txBody>
+            <a:bodyPr wrap="square" rtlCol="0">
+              <a:spAutoFit/>
+            </a:bodyPr>
+            <a:lstStyle/>
+            <a:p>
+              <a:r>
+                <a:rPr lang="en-US" altLang="zh-CN" sz="1200" dirty="0"/>
+                <a:t>S</a:t>
+              </a:r>
+              <a:r>
+                <a:rPr lang="en-US" altLang="zh-CN" sz="1200" baseline="-25000" dirty="0"/>
+                <a:t>1</a:t>
+              </a:r>
+              <a:endParaRPr lang="zh-CN" altLang="en-US" baseline="-25000" dirty="0"/>
+            </a:p>
+          </p:txBody>
+        </p:sp>
+      </p:grpSp>
+    </p:spTree>
+    <p:extLst>
+      <p:ext uri="{BB962C8B-B14F-4D97-AF65-F5344CB8AC3E}">
+        <p14:creationId xmlns:p14="http://schemas.microsoft.com/office/powerpoint/2010/main" val="3055909767"/>
+      </p:ext>
+    </p:extLst>
+  </p:cSld>
+  <p:clrMapOvr>
+    <a:masterClrMapping/>
+  </p:clrMapOvr>
+</p:sld>
+</file>
+
+<file path=ppt/slides/slide28.xml><?xml version="1.0" encoding="utf-8"?>
+<p:sld xmlns:a="http://schemas.openxmlformats.org/drawingml/2006/main" xmlns:r="http://schemas.openxmlformats.org/officeDocument/2006/relationships" xmlns:p="http://schemas.openxmlformats.org/presentationml/2006/main">
+  <p:cSld>
+    <p:spTree>
+      <p:nvGrpSpPr>
+        <p:cNvPr id="1" name=""/>
+        <p:cNvGrpSpPr/>
+        <p:nvPr/>
+      </p:nvGrpSpPr>
+      <p:grpSpPr>
+        <a:xfrm>
+          <a:off x="0" y="0"/>
+          <a:ext cx="0" cy="0"/>
+          <a:chOff x="0" y="0"/>
+          <a:chExt cx="0" cy="0"/>
+        </a:xfrm>
+      </p:grpSpPr>
+      <p:sp>
+        <p:nvSpPr>
+          <p:cNvPr id="2" name="Title 1">
+            <a:extLst>
+              <a:ext uri="{FF2B5EF4-FFF2-40B4-BE49-F238E27FC236}">
+                <a16:creationId xmlns:a16="http://schemas.microsoft.com/office/drawing/2014/main" id="{2FA6253A-0200-4ECD-863D-7CF76E08A73C}"/>
+              </a:ext>
+            </a:extLst>
+          </p:cNvPr>
+          <p:cNvSpPr>
+            <a:spLocks noGrp="1"/>
+          </p:cNvSpPr>
+          <p:nvPr>
+            <p:ph type="title"/>
+          </p:nvPr>
+        </p:nvSpPr>
+        <p:spPr/>
+        <p:txBody>
+          <a:bodyPr/>
+          <a:lstStyle/>
+          <a:p>
+            <a:r>
+              <a:rPr lang="en-US" altLang="zh-CN" dirty="0"/>
+              <a:t>Representation of Capability</a:t>
+            </a:r>
+            <a:endParaRPr lang="zh-CN" altLang="en-US" dirty="0"/>
+          </a:p>
+        </p:txBody>
+      </p:sp>
+      <mc:AlternateContent xmlns:mc="http://schemas.openxmlformats.org/markup-compatibility/2006">
+        <mc:Choice xmlns:a14="http://schemas.microsoft.com/office/drawing/2010/main" Requires="a14">
+          <p:sp>
+            <p:nvSpPr>
+              <p:cNvPr id="3" name="Text Placeholder 2">
+                <a:extLst>
+                  <a:ext uri="{FF2B5EF4-FFF2-40B4-BE49-F238E27FC236}">
+                    <a16:creationId xmlns:a16="http://schemas.microsoft.com/office/drawing/2014/main" id="{E04BAF23-C6DB-4057-BE90-D6BB5B3EAB8E}"/>
+                  </a:ext>
+                </a:extLst>
+              </p:cNvPr>
+              <p:cNvSpPr>
+                <a:spLocks noGrp="1"/>
+              </p:cNvSpPr>
+              <p:nvPr>
+                <p:ph type="body" idx="1"/>
+              </p:nvPr>
+            </p:nvSpPr>
+            <p:spPr/>
+            <p:txBody>
+              <a:bodyPr/>
+              <a:lstStyle/>
+              <a:p>
+                <a:pPr marL="114300" indent="0">
+                  <a:buNone/>
+                </a:pPr>
+                <a14:m>
+                  <m:oMathPara xmlns:m="http://schemas.openxmlformats.org/officeDocument/2006/math">
+                    <m:oMathParaPr>
+                      <m:jc m:val="centerGroup"/>
+                    </m:oMathParaPr>
+                    <m:oMath xmlns:m="http://schemas.openxmlformats.org/officeDocument/2006/math">
+                      <m:r>
+                        <a:rPr lang="zh-CN" altLang="en-US" sz="2000" i="1">
+                          <a:latin typeface="Cambria Math" panose="02040503050406030204" pitchFamily="18" charset="0"/>
+                        </a:rPr>
+                        <m:t>∆</m:t>
+                      </m:r>
+                      <m:r>
+                        <a:rPr lang="en-US" altLang="zh-CN" sz="2000" i="1">
+                          <a:latin typeface="Cambria Math" panose="02040503050406030204" pitchFamily="18" charset="0"/>
+                        </a:rPr>
+                        <m:t>𝑅</m:t>
+                      </m:r>
+                      <m:r>
+                        <a:rPr lang="en-US" altLang="zh-CN" sz="2000" i="1">
+                          <a:latin typeface="Cambria Math" panose="02040503050406030204" pitchFamily="18" charset="0"/>
+                        </a:rPr>
+                        <m:t>=</m:t>
+                      </m:r>
+                      <m:r>
+                        <a:rPr lang="en-US" altLang="zh-CN" sz="2000" i="1">
+                          <a:latin typeface="Cambria Math" panose="02040503050406030204" pitchFamily="18" charset="0"/>
+                        </a:rPr>
+                        <m:t>𝐵𝑒h</m:t>
+                      </m:r>
+                      <m:d>
+                        <m:dPr>
+                          <m:ctrlPr>
+                            <a:rPr lang="en-US" altLang="zh-CN" sz="2000" i="1">
+                              <a:latin typeface="Cambria Math" panose="02040503050406030204" pitchFamily="18" charset="0"/>
+                            </a:rPr>
+                          </m:ctrlPr>
+                        </m:dPr>
+                        <m:e>
+                          <m:r>
+                            <a:rPr lang="en-US" altLang="zh-CN" sz="2000" i="1">
+                              <a:latin typeface="Cambria Math" panose="02040503050406030204" pitchFamily="18" charset="0"/>
+                            </a:rPr>
+                            <m:t>𝑊</m:t>
+                          </m:r>
+                          <m:sSub>
+                            <m:sSubPr>
+                              <m:ctrlPr>
+                                <a:rPr lang="en-US" altLang="zh-CN" sz="2000" i="1">
+                                  <a:latin typeface="Cambria Math" panose="02040503050406030204" pitchFamily="18" charset="0"/>
+                                </a:rPr>
+                              </m:ctrlPr>
+                            </m:sSubPr>
+                            <m:e>
+                              <m:r>
+                                <a:rPr lang="en-US" altLang="zh-CN" sz="2000" i="1">
+                                  <a:latin typeface="Cambria Math" panose="02040503050406030204" pitchFamily="18" charset="0"/>
+                                </a:rPr>
+                                <m:t>𝐴</m:t>
+                              </m:r>
+                            </m:e>
+                            <m:sub>
+                              <m:sSub>
+                                <m:sSubPr>
+                                  <m:ctrlPr>
+                                    <a:rPr lang="en-US" altLang="zh-CN" sz="2000" i="1">
+                                      <a:latin typeface="Cambria Math" panose="02040503050406030204" pitchFamily="18" charset="0"/>
+                                    </a:rPr>
+                                  </m:ctrlPr>
+                                </m:sSubPr>
+                                <m:e>
+                                  <m:r>
+                                    <a:rPr lang="en-US" altLang="zh-CN" sz="2000" i="1">
+                                      <a:latin typeface="Cambria Math" panose="02040503050406030204" pitchFamily="18" charset="0"/>
+                                    </a:rPr>
+                                    <m:t>𝑆</m:t>
+                                  </m:r>
+                                </m:e>
+                                <m:sub>
+                                  <m:r>
+                                    <a:rPr lang="en-US" altLang="zh-CN" sz="2000" i="1">
+                                      <a:latin typeface="Cambria Math" panose="02040503050406030204" pitchFamily="18" charset="0"/>
+                                    </a:rPr>
+                                    <m:t>1</m:t>
+                                  </m:r>
+                                </m:sub>
+                              </m:sSub>
+                            </m:sub>
+                          </m:sSub>
+                        </m:e>
+                      </m:d>
+                      <m:r>
+                        <a:rPr lang="en-US" altLang="zh-CN" sz="2000" i="1">
+                          <a:latin typeface="Cambria Math" panose="02040503050406030204" pitchFamily="18" charset="0"/>
+                        </a:rPr>
+                        <m:t>−</m:t>
+                      </m:r>
+                      <m:r>
+                        <a:rPr lang="en-US" altLang="zh-CN" sz="2000" i="1">
+                          <a:latin typeface="Cambria Math" panose="02040503050406030204" pitchFamily="18" charset="0"/>
+                        </a:rPr>
+                        <m:t>𝐵𝑒h</m:t>
+                      </m:r>
+                      <m:r>
+                        <a:rPr lang="en-US" altLang="zh-CN" sz="2000" i="1">
+                          <a:latin typeface="Cambria Math" panose="02040503050406030204" pitchFamily="18" charset="0"/>
+                        </a:rPr>
+                        <m:t>(</m:t>
+                      </m:r>
+                      <m:r>
+                        <a:rPr lang="en-US" altLang="zh-CN" sz="2000" i="1">
+                          <a:latin typeface="Cambria Math" panose="02040503050406030204" pitchFamily="18" charset="0"/>
+                        </a:rPr>
+                        <m:t>𝑊</m:t>
+                      </m:r>
+                      <m:sSub>
+                        <m:sSubPr>
+                          <m:ctrlPr>
+                            <a:rPr lang="en-US" altLang="zh-CN" sz="2000" i="1">
+                              <a:latin typeface="Cambria Math" panose="02040503050406030204" pitchFamily="18" charset="0"/>
+                            </a:rPr>
+                          </m:ctrlPr>
+                        </m:sSubPr>
+                        <m:e>
+                          <m:r>
+                            <a:rPr lang="en-US" altLang="zh-CN" sz="2000" i="1">
+                              <a:latin typeface="Cambria Math" panose="02040503050406030204" pitchFamily="18" charset="0"/>
+                            </a:rPr>
+                            <m:t>𝐴</m:t>
+                          </m:r>
+                        </m:e>
+                        <m:sub>
+                          <m:sSub>
+                            <m:sSubPr>
+                              <m:ctrlPr>
+                                <a:rPr lang="en-US" altLang="zh-CN" sz="2000" i="1">
+                                  <a:latin typeface="Cambria Math" panose="02040503050406030204" pitchFamily="18" charset="0"/>
+                                </a:rPr>
+                              </m:ctrlPr>
+                            </m:sSubPr>
+                            <m:e>
+                              <m:r>
+                                <a:rPr lang="en-US" altLang="zh-CN" sz="2000" i="1">
+                                  <a:latin typeface="Cambria Math" panose="02040503050406030204" pitchFamily="18" charset="0"/>
+                                </a:rPr>
+                                <m:t>𝑆</m:t>
+                              </m:r>
+                            </m:e>
+                            <m:sub>
+                              <m:r>
+                                <a:rPr lang="en-US" altLang="zh-CN" sz="2000" i="1">
+                                  <a:latin typeface="Cambria Math" panose="02040503050406030204" pitchFamily="18" charset="0"/>
+                                </a:rPr>
+                                <m:t>2</m:t>
+                              </m:r>
+                            </m:sub>
+                          </m:sSub>
+                        </m:sub>
+                      </m:sSub>
+                      <m:r>
+                        <a:rPr lang="en-US" altLang="zh-CN" sz="2000" i="1">
+                          <a:latin typeface="Cambria Math" panose="02040503050406030204" pitchFamily="18" charset="0"/>
+                        </a:rPr>
+                        <m:t>)</m:t>
+                      </m:r>
+                    </m:oMath>
+                  </m:oMathPara>
+                </a14:m>
+                <a:endParaRPr lang="zh-CN" altLang="en-US" sz="2000" dirty="0"/>
+              </a:p>
+            </p:txBody>
+          </p:sp>
+        </mc:Choice>
+        <mc:Fallback>
+          <p:sp>
+            <p:nvSpPr>
+              <p:cNvPr id="3" name="Text Placeholder 2">
+                <a:extLst>
+                  <a:ext uri="{FF2B5EF4-FFF2-40B4-BE49-F238E27FC236}">
+                    <a16:creationId xmlns:a16="http://schemas.microsoft.com/office/drawing/2014/main" id="{E04BAF23-C6DB-4057-BE90-D6BB5B3EAB8E}"/>
+                  </a:ext>
+                </a:extLst>
+              </p:cNvPr>
+              <p:cNvSpPr>
+                <a:spLocks noGrp="1" noRot="1" noChangeAspect="1" noMove="1" noResize="1" noEditPoints="1" noAdjustHandles="1" noChangeArrowheads="1" noChangeShapeType="1" noTextEdit="1"/>
+              </p:cNvSpPr>
+              <p:nvPr>
+                <p:ph type="body" idx="1"/>
+              </p:nvPr>
+            </p:nvSpPr>
+            <p:spPr>
+              <a:blipFill>
+                <a:blip r:embed="rId2"/>
+                <a:stretch>
+                  <a:fillRect/>
+                </a:stretch>
+              </a:blipFill>
+            </p:spPr>
+            <p:txBody>
+              <a:bodyPr/>
+              <a:lstStyle/>
+              <a:p>
+                <a:r>
+                  <a:rPr lang="zh-CN" altLang="en-US">
+                    <a:noFill/>
+                  </a:rPr>
+                  <a:t> </a:t>
+                </a:r>
+              </a:p>
+            </p:txBody>
+          </p:sp>
+        </mc:Fallback>
+      </mc:AlternateContent>
+      <p:sp>
+        <p:nvSpPr>
+          <p:cNvPr id="4" name="Slide Number Placeholder 3">
+            <a:extLst>
+              <a:ext uri="{FF2B5EF4-FFF2-40B4-BE49-F238E27FC236}">
+                <a16:creationId xmlns:a16="http://schemas.microsoft.com/office/drawing/2014/main" id="{AE77A259-62DD-4A80-867D-CBF7C272FA51}"/>
+              </a:ext>
+            </a:extLst>
+          </p:cNvPr>
+          <p:cNvSpPr>
+            <a:spLocks noGrp="1"/>
+          </p:cNvSpPr>
+          <p:nvPr>
+            <p:ph type="sldNum" idx="12"/>
+          </p:nvPr>
+        </p:nvSpPr>
+        <p:spPr/>
+        <p:txBody>
+          <a:bodyPr/>
+          <a:lstStyle/>
+          <a:p>
+            <a:pPr marL="0" lvl="0" indent="0" algn="r" rtl="0">
+              <a:spcBef>
+                <a:spcPts val="0"/>
+              </a:spcBef>
+              <a:spcAft>
+                <a:spcPts val="0"/>
+              </a:spcAft>
+              <a:buNone/>
+            </a:pPr>
+            <a:fld id="{00000000-1234-1234-1234-123412341234}" type="slidenum">
+              <a:rPr lang="en" smtClean="0"/>
+              <a:t>28</a:t>
+            </a:fld>
+            <a:endParaRPr lang="en"/>
+          </a:p>
+        </p:txBody>
+      </p:sp>
+      <p:sp>
+        <p:nvSpPr>
+          <p:cNvPr id="5" name="Thought Bubble: Cloud 4">
+            <a:extLst>
+              <a:ext uri="{FF2B5EF4-FFF2-40B4-BE49-F238E27FC236}">
+                <a16:creationId xmlns:a16="http://schemas.microsoft.com/office/drawing/2014/main" id="{FDA578C6-AB26-408C-A7E2-0C4B917D2A96}"/>
+              </a:ext>
+            </a:extLst>
+          </p:cNvPr>
+          <p:cNvSpPr/>
+          <p:nvPr/>
+        </p:nvSpPr>
+        <p:spPr>
+          <a:xfrm>
+            <a:off x="1202400" y="2080800"/>
+            <a:ext cx="3175200" cy="1634400"/>
+          </a:xfrm>
+          <a:prstGeom prst="cloudCallout">
+            <a:avLst>
+              <a:gd name="adj1" fmla="val 41291"/>
+              <a:gd name="adj2" fmla="val -72910"/>
+            </a:avLst>
+          </a:prstGeom>
+        </p:spPr>
+        <p:style>
+          <a:lnRef idx="2">
+            <a:schemeClr val="accent1">
+              <a:shade val="50000"/>
+            </a:schemeClr>
+          </a:lnRef>
+          <a:fillRef idx="1">
+            <a:schemeClr val="accent1"/>
+          </a:fillRef>
+          <a:effectRef idx="0">
+            <a:schemeClr val="accent1"/>
+          </a:effectRef>
+          <a:fontRef idx="minor">
+            <a:schemeClr val="lt1"/>
+          </a:fontRef>
+        </p:style>
+        <p:txBody>
+          <a:bodyPr rtlCol="0" anchor="ctr"/>
+          <a:lstStyle/>
+          <a:p>
+            <a:pPr algn="ctr"/>
+            <a:r>
+              <a:rPr lang="en-US" altLang="zh-CN" sz="1600" dirty="0"/>
+              <a:t>How to generate the weakest assumption of a system?</a:t>
+            </a:r>
+            <a:endParaRPr lang="zh-CN" altLang="en-US" sz="1600" dirty="0"/>
+          </a:p>
+        </p:txBody>
+      </p:sp>
+      <p:sp>
+        <p:nvSpPr>
+          <p:cNvPr id="6" name="Thought Bubble: Cloud 5">
+            <a:extLst>
+              <a:ext uri="{FF2B5EF4-FFF2-40B4-BE49-F238E27FC236}">
+                <a16:creationId xmlns:a16="http://schemas.microsoft.com/office/drawing/2014/main" id="{0EF43B92-B627-449F-9BA8-F7B44CFDF12A}"/>
+              </a:ext>
+            </a:extLst>
+          </p:cNvPr>
+          <p:cNvSpPr/>
+          <p:nvPr/>
+        </p:nvSpPr>
+        <p:spPr>
+          <a:xfrm>
+            <a:off x="5004002" y="2048487"/>
+            <a:ext cx="3002398" cy="1169913"/>
+          </a:xfrm>
+          <a:prstGeom prst="cloudCallout">
+            <a:avLst>
+              <a:gd name="adj1" fmla="val -50811"/>
+              <a:gd name="adj2" fmla="val -78151"/>
+            </a:avLst>
+          </a:prstGeom>
+        </p:spPr>
+        <p:style>
+          <a:lnRef idx="2">
+            <a:schemeClr val="accent1">
+              <a:shade val="50000"/>
+            </a:schemeClr>
+          </a:lnRef>
+          <a:fillRef idx="1">
+            <a:schemeClr val="accent1"/>
+          </a:fillRef>
+          <a:effectRef idx="0">
+            <a:schemeClr val="accent1"/>
+          </a:effectRef>
+          <a:fontRef idx="minor">
+            <a:schemeClr val="lt1"/>
+          </a:fontRef>
+        </p:style>
+        <p:txBody>
+          <a:bodyPr rtlCol="0" anchor="ctr"/>
+          <a:lstStyle/>
+          <a:p>
+            <a:pPr algn="ctr"/>
+            <a:r>
+              <a:rPr lang="en-US" altLang="zh-CN" sz="1600" dirty="0"/>
+              <a:t>How to define the minus operator over LTSs?</a:t>
+            </a:r>
+            <a:endParaRPr lang="zh-CN" altLang="en-US" sz="1600" dirty="0"/>
+          </a:p>
+        </p:txBody>
+      </p:sp>
+    </p:spTree>
+    <p:extLst>
+      <p:ext uri="{BB962C8B-B14F-4D97-AF65-F5344CB8AC3E}">
+        <p14:creationId xmlns:p14="http://schemas.microsoft.com/office/powerpoint/2010/main" val="2000414927"/>
+      </p:ext>
+    </p:extLst>
+  </p:cSld>
+  <p:clrMapOvr>
+    <a:masterClrMapping/>
+  </p:clrMapOvr>
 </p:sld>
 </file>
 
@@ -11944,58 +14197,15 @@
           <a:lstStyle/>
           <a:p>
             <a:r>
-              <a:rPr lang="en-US" dirty="0"/>
-              <a:t>Stronger and Weaker Assumption</a:t>
+              <a:rPr lang="en-US" altLang="zh-CN" dirty="0"/>
+              <a:t>Approach In Details</a:t>
             </a:r>
           </a:p>
         </p:txBody>
       </p:sp>
       <p:sp>
         <p:nvSpPr>
-          <p:cNvPr id="3" name="Text Placeholder 2"/>
-          <p:cNvSpPr>
-            <a:spLocks noGrp="1"/>
-          </p:cNvSpPr>
-          <p:nvPr>
-            <p:ph type="body" idx="1"/>
-          </p:nvPr>
-        </p:nvSpPr>
-        <p:spPr/>
-        <p:txBody>
-          <a:bodyPr/>
-          <a:lstStyle/>
-          <a:p>
-            <a:r>
-              <a:rPr lang="en-US" dirty="0"/>
-              <a:t>Stronger assumption =&gt; less allowed behavior of the environment;</a:t>
-            </a:r>
-          </a:p>
-          <a:p>
-            <a:endParaRPr lang="en-US" dirty="0"/>
-          </a:p>
-          <a:p>
-            <a:endParaRPr lang="en-US" dirty="0"/>
-          </a:p>
-          <a:p>
-            <a:endParaRPr lang="en-US" dirty="0"/>
-          </a:p>
-          <a:p>
-            <a:pPr marL="114300" indent="0">
-              <a:buNone/>
-            </a:pPr>
-            <a:endParaRPr lang="en-US" dirty="0"/>
-          </a:p>
-          <a:p>
-            <a:r>
-              <a:rPr lang="en-US" dirty="0"/>
-              <a:t>Weaker assumption =&gt; more allowed behavior of the environment.</a:t>
-            </a:r>
-          </a:p>
-        </p:txBody>
-      </p:sp>
-      <p:sp>
-        <p:nvSpPr>
-          <p:cNvPr id="4" name="Slide Number Placeholder 3"/>
+          <p:cNvPr id="3" name="Slide Number Placeholder 2"/>
           <p:cNvSpPr>
             <a:spLocks noGrp="1"/>
           </p:cNvSpPr>
@@ -12025,77 +14235,16 @@
           </a:p>
         </p:txBody>
       </p:sp>
-      <p:pic>
-        <p:nvPicPr>
-          <p:cNvPr id="6" name="Picture 5">
-            <a:extLst>
-              <a:ext uri="{FF2B5EF4-FFF2-40B4-BE49-F238E27FC236}">
-                <a16:creationId xmlns:a16="http://schemas.microsoft.com/office/drawing/2014/main" id="{E0E6B421-AF24-4D85-B3CF-F72C662E30EB}"/>
-              </a:ext>
-            </a:extLst>
-          </p:cNvPr>
-          <p:cNvPicPr>
-            <a:picLocks noChangeAspect="1"/>
-          </p:cNvPicPr>
-          <p:nvPr/>
-        </p:nvPicPr>
-        <p:blipFill>
-          <a:blip r:embed="rId2"/>
-          <a:stretch>
-            <a:fillRect/>
-          </a:stretch>
-        </p:blipFill>
-        <p:spPr>
-          <a:xfrm>
-            <a:off x="978177" y="1633521"/>
-            <a:ext cx="2838846" cy="1105054"/>
-          </a:xfrm>
-          <a:prstGeom prst="rect">
-            <a:avLst/>
-          </a:prstGeom>
-        </p:spPr>
-      </p:pic>
-      <p:pic>
-        <p:nvPicPr>
-          <p:cNvPr id="7" name="Picture 6"/>
-          <p:cNvPicPr>
-            <a:picLocks noChangeAspect="1"/>
-          </p:cNvPicPr>
-          <p:nvPr/>
-        </p:nvPicPr>
-        <p:blipFill>
-          <a:blip r:embed="rId3"/>
-          <a:stretch>
-            <a:fillRect/>
-          </a:stretch>
-        </p:blipFill>
-        <p:spPr>
-          <a:xfrm>
-            <a:off x="978177" y="3240286"/>
-            <a:ext cx="2741831" cy="1084389"/>
-          </a:xfrm>
-          <a:prstGeom prst="rect">
-            <a:avLst/>
-          </a:prstGeom>
-        </p:spPr>
-      </p:pic>
     </p:spTree>
     <p:extLst>
       <p:ext uri="{BB962C8B-B14F-4D97-AF65-F5344CB8AC3E}">
-        <p14:creationId xmlns:p14="http://schemas.microsoft.com/office/powerpoint/2010/main" val="1948873531"/>
+        <p14:creationId xmlns:p14="http://schemas.microsoft.com/office/powerpoint/2010/main" val="4204826713"/>
       </p:ext>
     </p:extLst>
   </p:cSld>
   <p:clrMapOvr>
     <a:masterClrMapping/>
   </p:clrMapOvr>
-  <p:timing>
-    <p:tnLst>
-      <p:par>
-        <p:cTn id="1" dur="indefinite" restart="never" nodeType="tmRoot"/>
-      </p:par>
-    </p:tnLst>
-  </p:timing>
 </p:sld>
 </file>
 
@@ -12180,13 +14329,6 @@
   <p:clrMapOvr>
     <a:masterClrMapping/>
   </p:clrMapOvr>
-  <p:timing>
-    <p:tnLst>
-      <p:par>
-        <p:cTn id="1" dur="indefinite" restart="never" nodeType="tmRoot"/>
-      </p:par>
-    </p:tnLst>
-  </p:timing>
 </p:sld>
 </file>
 
@@ -12224,7 +14366,7 @@
           <a:p>
             <a:r>
               <a:rPr lang="en-US" dirty="0"/>
-              <a:t>Generating the weakest assumption</a:t>
+              <a:t>Generating the Weakest Assumption</a:t>
             </a:r>
           </a:p>
         </p:txBody>
@@ -12248,12 +14390,6 @@
         <p:txBody>
           <a:bodyPr/>
           <a:lstStyle/>
-          <a:p>
-            <a:r>
-              <a:rPr lang="en-US" dirty="0"/>
-              <a:t>Maximum allowed behavior = The weakest assumption</a:t>
-            </a:r>
-          </a:p>
           <a:p>
             <a:r>
               <a:rPr lang="en-US" dirty="0"/>
@@ -12405,8 +14541,8 @@
         </p:blipFill>
         <p:spPr>
           <a:xfrm>
-            <a:off x="926082" y="2360014"/>
-            <a:ext cx="1471184" cy="631171"/>
+            <a:off x="426309" y="2145600"/>
+            <a:ext cx="1970957" cy="845585"/>
           </a:xfrm>
           <a:prstGeom prst="rect">
             <a:avLst/>
@@ -12435,8 +14571,8 @@
         </p:blipFill>
         <p:spPr>
           <a:xfrm>
-            <a:off x="2426063" y="2360014"/>
-            <a:ext cx="1471184" cy="588473"/>
+            <a:off x="2426062" y="2145600"/>
+            <a:ext cx="2046035" cy="818413"/>
           </a:xfrm>
           <a:prstGeom prst="rect">
             <a:avLst/>
@@ -12459,8 +14595,8 @@
         </p:blipFill>
         <p:spPr>
           <a:xfrm>
-            <a:off x="1811971" y="3083236"/>
-            <a:ext cx="1228183" cy="761270"/>
+            <a:off x="1750749" y="2991184"/>
+            <a:ext cx="1739762" cy="1078364"/>
           </a:xfrm>
           <a:prstGeom prst="rect">
             <a:avLst/>
@@ -12499,7 +14635,7 @@
         </p:nvSpPr>
         <p:spPr>
           <a:xfrm>
-            <a:off x="4093061" y="2793901"/>
+            <a:off x="4140197" y="2793900"/>
             <a:ext cx="1349508" cy="394567"/>
           </a:xfrm>
           <a:prstGeom prst="rightArrow">
@@ -12541,13 +14677,6 @@
   <p:clrMapOvr>
     <a:masterClrMapping/>
   </p:clrMapOvr>
-  <p:timing>
-    <p:tnLst>
-      <p:par>
-        <p:cTn id="1" dur="indefinite" restart="never" nodeType="tmRoot"/>
-      </p:par>
-    </p:tnLst>
-  </p:timing>
 </p:sld>
 </file>
 
@@ -12610,47 +14739,24 @@
           <a:bodyPr/>
           <a:lstStyle/>
           <a:p>
+            <a:pPr marL="114300" indent="0">
+              <a:buNone/>
+            </a:pPr>
             <a:r>
               <a:rPr lang="en-US" sz="1400" dirty="0"/>
-              <a:t>Reminder: </a:t>
-            </a:r>
-            <a:r>
-              <a:rPr lang="en-US" altLang="zh-CN" sz="1400" i="1" dirty="0"/>
-              <a:t>Capability(S) = </a:t>
-            </a:r>
-            <a:r>
-              <a:rPr lang="en-US" altLang="zh-CN" sz="1400" i="1" dirty="0" err="1"/>
-              <a:t>WeakestAssumption</a:t>
-            </a:r>
-            <a:r>
-              <a:rPr lang="en-US" altLang="zh-CN" sz="1400" i="1" dirty="0"/>
-              <a:t>(S) – </a:t>
-            </a:r>
-            <a:r>
-              <a:rPr lang="en-US" altLang="zh-CN" sz="1400" i="1" dirty="0" err="1"/>
-              <a:t>Beh</a:t>
-            </a:r>
-            <a:r>
-              <a:rPr lang="en-US" altLang="zh-CN" sz="1400" i="1" dirty="0"/>
-              <a:t>(</a:t>
-            </a:r>
-            <a:r>
-              <a:rPr lang="en-US" altLang="zh-CN" sz="1400" i="1" dirty="0" err="1"/>
-              <a:t>Env</a:t>
-            </a:r>
-            <a:r>
-              <a:rPr lang="en-US" altLang="zh-CN" sz="1400" i="1" baseline="-25000" dirty="0" err="1"/>
-              <a:t>base</a:t>
-            </a:r>
-            <a:r>
-              <a:rPr lang="en-US" altLang="zh-CN" sz="1400" i="1" dirty="0"/>
-              <a:t>)</a:t>
-            </a:r>
-          </a:p>
-          <a:p>
+              <a:t>To define the minus operator</a:t>
+            </a:r>
+            <a:r>
+              <a:rPr lang="en-US" sz="1400" i="1" dirty="0"/>
+              <a:t>, </a:t>
+            </a:r>
+            <a:r>
+              <a:rPr lang="en-US" sz="1400" dirty="0"/>
+              <a:t>t</a:t>
+            </a:r>
             <a:r>
               <a:rPr lang="en-US" altLang="zh-CN" sz="1400" dirty="0"/>
-              <a:t>The LTS formalism is not enough, we introduce </a:t>
+              <a:t>he LTS formalism is not enough, we introduce </a:t>
             </a:r>
             <a:r>
               <a:rPr lang="en-US" sz="1400" b="1" dirty="0" err="1"/>
@@ -12729,7 +14835,7 @@
         </p:blipFill>
         <p:spPr>
           <a:xfrm>
-            <a:off x="1010875" y="1828991"/>
+            <a:off x="1010875" y="1634591"/>
             <a:ext cx="7122249" cy="2630434"/>
           </a:xfrm>
           <a:prstGeom prst="rect">
@@ -12747,13 +14853,6 @@
   <p:clrMapOvr>
     <a:masterClrMapping/>
   </p:clrMapOvr>
-  <p:timing>
-    <p:tnLst>
-      <p:par>
-        <p:cTn id="1" dur="indefinite" restart="never" nodeType="tmRoot"/>
-      </p:par>
-    </p:tnLst>
-  </p:timing>
 </p:sld>
 </file>
 
@@ -12784,44 +14883,29 @@
             <p:ph type="title"/>
           </p:nvPr>
         </p:nvSpPr>
-        <p:spPr/>
+        <p:spPr>
+          <a:xfrm>
+            <a:off x="311700" y="445025"/>
+            <a:ext cx="8520600" cy="572700"/>
+          </a:xfrm>
+        </p:spPr>
         <p:txBody>
           <a:bodyPr/>
           <a:lstStyle/>
           <a:p>
             <a:r>
               <a:rPr lang="en-US" dirty="0"/>
-              <a:t>Parallel composition ||</a:t>
-            </a:r>
-          </a:p>
-        </p:txBody>
-      </p:sp>
-      <p:sp>
-        <p:nvSpPr>
-          <p:cNvPr id="3" name="Text Placeholder 2"/>
-          <p:cNvSpPr>
-            <a:spLocks noGrp="1"/>
-          </p:cNvSpPr>
-          <p:nvPr>
-            <p:ph type="body" idx="1"/>
-          </p:nvPr>
-        </p:nvSpPr>
-        <p:spPr/>
-        <p:txBody>
-          <a:bodyPr/>
-          <a:lstStyle/>
-          <a:p>
-            <a:pPr marL="114300" indent="0">
-              <a:buNone/>
-            </a:pPr>
-            <a:r>
-              <a:rPr lang="en-US" sz="1600" i="1" dirty="0"/>
-              <a:t>Parallel composition “</a:t>
-            </a:r>
-            <a:r>
-              <a:rPr lang="en-US" sz="1600" dirty="0"/>
-              <a:t>||”  is an operator that combines behavior of two automaton by synchronizing common actions and interleaving the remaining actions.</a:t>
-            </a:r>
+              <a:t>Parallel Composition on </a:t>
+            </a:r>
+            <a:r>
+              <a:rPr lang="en-US" altLang="zh-CN" dirty="0" err="1"/>
+              <a:t>Büchi</a:t>
+            </a:r>
+            <a:r>
+              <a:rPr lang="en-US" altLang="zh-CN" dirty="0"/>
+              <a:t> automata</a:t>
+            </a:r>
+            <a:endParaRPr lang="en-US" dirty="0"/>
           </a:p>
         </p:txBody>
       </p:sp>
@@ -12883,7 +14967,7 @@
         </p:blipFill>
         <p:spPr>
           <a:xfrm>
-            <a:off x="451259" y="2057808"/>
+            <a:off x="451259" y="1561008"/>
             <a:ext cx="8241481" cy="1746357"/>
           </a:xfrm>
           <a:prstGeom prst="rect">
@@ -12901,13 +14985,6 @@
   <p:clrMapOvr>
     <a:masterClrMapping/>
   </p:clrMapOvr>
-  <p:timing>
-    <p:tnLst>
-      <p:par>
-        <p:cTn id="1" dur="indefinite" restart="never" nodeType="tmRoot"/>
-      </p:par>
-    </p:tnLst>
-  </p:timing>
 </p:sld>
 </file>
 
@@ -13079,13 +15156,6 @@
   <p:clrMapOvr>
     <a:masterClrMapping/>
   </p:clrMapOvr>
-  <p:timing>
-    <p:tnLst>
-      <p:par>
-        <p:cTn id="1" dur="indefinite" restart="never" nodeType="tmRoot"/>
-      </p:par>
-    </p:tnLst>
-  </p:timing>
 </p:sld>
 </file>
 
@@ -13217,13 +15287,6 @@
   <p:clrMapOvr>
     <a:masterClrMapping/>
   </p:clrMapOvr>
-  <p:timing>
-    <p:tnLst>
-      <p:par>
-        <p:cTn id="1" dur="indefinite" restart="never" nodeType="tmRoot"/>
-      </p:par>
-    </p:tnLst>
-  </p:timing>
 </p:sld>
 </file>
 
@@ -13273,79 +15336,223 @@
           </a:p>
         </p:txBody>
       </p:sp>
-      <p:sp>
-        <p:nvSpPr>
-          <p:cNvPr id="3" name="Text Placeholder 2">
-            <a:extLst>
-              <a:ext uri="{FF2B5EF4-FFF2-40B4-BE49-F238E27FC236}">
-                <a16:creationId xmlns:a16="http://schemas.microsoft.com/office/drawing/2014/main" id="{1083DC78-1AC3-4FD9-A1A3-871953946D02}"/>
-              </a:ext>
-            </a:extLst>
-          </p:cNvPr>
-          <p:cNvSpPr>
-            <a:spLocks noGrp="1"/>
-          </p:cNvSpPr>
-          <p:nvPr>
-            <p:ph type="body" idx="1"/>
-          </p:nvPr>
-        </p:nvSpPr>
-        <p:spPr/>
-        <p:txBody>
-          <a:bodyPr/>
-          <a:lstStyle/>
-          <a:p>
-            <a:pPr marL="139700" indent="0">
-              <a:buNone/>
-            </a:pPr>
-            <a:r>
-              <a:rPr lang="en-US" altLang="zh-CN" sz="1600" dirty="0"/>
-              <a:t>The weakest assumption of a system</a:t>
-            </a:r>
-            <a:endParaRPr lang="zh-CN" altLang="en-US" sz="1600" dirty="0"/>
-          </a:p>
-        </p:txBody>
-      </p:sp>
-      <p:sp>
-        <p:nvSpPr>
-          <p:cNvPr id="4" name="Text Placeholder 3">
-            <a:extLst>
-              <a:ext uri="{FF2B5EF4-FFF2-40B4-BE49-F238E27FC236}">
-                <a16:creationId xmlns:a16="http://schemas.microsoft.com/office/drawing/2014/main" id="{4B725C19-1420-4C89-AB7F-C1FB323EAB68}"/>
-              </a:ext>
-            </a:extLst>
-          </p:cNvPr>
-          <p:cNvSpPr>
-            <a:spLocks noGrp="1"/>
-          </p:cNvSpPr>
-          <p:nvPr>
-            <p:ph type="body" idx="2"/>
-          </p:nvPr>
-        </p:nvSpPr>
-        <p:spPr>
-          <a:xfrm>
-            <a:off x="4572000" y="1152475"/>
-            <a:ext cx="3999900" cy="3181200"/>
-          </a:xfrm>
-        </p:spPr>
-        <p:txBody>
-          <a:bodyPr/>
-          <a:lstStyle/>
-          <a:p>
-            <a:pPr marL="139700" indent="0">
-              <a:buNone/>
-            </a:pPr>
-            <a:r>
-              <a:rPr lang="en-US" altLang="zh-CN" sz="1600" dirty="0"/>
-              <a:t>The </a:t>
-            </a:r>
-            <a:r>
-              <a:rPr lang="en-US" altLang="zh-CN" sz="1600" i="1" dirty="0"/>
-              <a:t>baseline environment</a:t>
-            </a:r>
-            <a:endParaRPr lang="zh-CN" altLang="en-US" sz="1600" dirty="0"/>
-          </a:p>
-        </p:txBody>
-      </p:sp>
+      <mc:AlternateContent xmlns:mc="http://schemas.openxmlformats.org/markup-compatibility/2006">
+        <mc:Choice xmlns:a14="http://schemas.microsoft.com/office/drawing/2010/main" Requires="a14">
+          <p:sp>
+            <p:nvSpPr>
+              <p:cNvPr id="3" name="Text Placeholder 2">
+                <a:extLst>
+                  <a:ext uri="{FF2B5EF4-FFF2-40B4-BE49-F238E27FC236}">
+                    <a16:creationId xmlns:a16="http://schemas.microsoft.com/office/drawing/2014/main" id="{1083DC78-1AC3-4FD9-A1A3-871953946D02}"/>
+                  </a:ext>
+                </a:extLst>
+              </p:cNvPr>
+              <p:cNvSpPr>
+                <a:spLocks noGrp="1"/>
+              </p:cNvSpPr>
+              <p:nvPr>
+                <p:ph type="body" idx="1"/>
+              </p:nvPr>
+            </p:nvSpPr>
+            <p:spPr/>
+            <p:txBody>
+              <a:bodyPr/>
+              <a:lstStyle/>
+              <a:p>
+                <a:pPr marL="139700" indent="0">
+                  <a:buNone/>
+                </a:pPr>
+                <a:r>
+                  <a:rPr lang="en-US" altLang="zh-CN" sz="1800" dirty="0"/>
+                  <a:t>The weakest assumption of </a:t>
+                </a:r>
+                <a14:m>
+                  <m:oMath xmlns:m="http://schemas.openxmlformats.org/officeDocument/2006/math">
+                    <m:sSub>
+                      <m:sSubPr>
+                        <m:ctrlPr>
+                          <a:rPr lang="en-US" altLang="zh-CN" sz="1800" b="0" i="1" dirty="0" smtClean="0">
+                            <a:latin typeface="Cambria Math" panose="02040503050406030204" pitchFamily="18" charset="0"/>
+                          </a:rPr>
+                        </m:ctrlPr>
+                      </m:sSubPr>
+                      <m:e>
+                        <m:r>
+                          <a:rPr lang="en-US" altLang="zh-CN" sz="1800" i="1" dirty="0" smtClean="0">
+                            <a:latin typeface="Cambria Math" panose="02040503050406030204" pitchFamily="18" charset="0"/>
+                          </a:rPr>
+                          <m:t>𝑆</m:t>
+                        </m:r>
+                      </m:e>
+                      <m:sub>
+                        <m:r>
+                          <a:rPr lang="en-US" altLang="zh-CN" sz="1800" b="0" i="1" dirty="0" smtClean="0">
+                            <a:latin typeface="Cambria Math" panose="02040503050406030204" pitchFamily="18" charset="0"/>
+                          </a:rPr>
+                          <m:t>1</m:t>
+                        </m:r>
+                      </m:sub>
+                    </m:sSub>
+                  </m:oMath>
+                </a14:m>
+                <a:endParaRPr lang="zh-CN" altLang="en-US" sz="1800" dirty="0"/>
+              </a:p>
+            </p:txBody>
+          </p:sp>
+        </mc:Choice>
+        <mc:Fallback>
+          <p:sp>
+            <p:nvSpPr>
+              <p:cNvPr id="3" name="Text Placeholder 2">
+                <a:extLst>
+                  <a:ext uri="{FF2B5EF4-FFF2-40B4-BE49-F238E27FC236}">
+                    <a16:creationId xmlns:a16="http://schemas.microsoft.com/office/drawing/2014/main" id="{1083DC78-1AC3-4FD9-A1A3-871953946D02}"/>
+                  </a:ext>
+                </a:extLst>
+              </p:cNvPr>
+              <p:cNvSpPr>
+                <a:spLocks noGrp="1" noRot="1" noChangeAspect="1" noMove="1" noResize="1" noEditPoints="1" noAdjustHandles="1" noChangeArrowheads="1" noChangeShapeType="1" noTextEdit="1"/>
+              </p:cNvSpPr>
+              <p:nvPr>
+                <p:ph type="body" idx="1"/>
+              </p:nvPr>
+            </p:nvSpPr>
+            <p:spPr>
+              <a:blipFill>
+                <a:blip r:embed="rId2"/>
+                <a:stretch>
+                  <a:fillRect/>
+                </a:stretch>
+              </a:blipFill>
+            </p:spPr>
+            <p:txBody>
+              <a:bodyPr/>
+              <a:lstStyle/>
+              <a:p>
+                <a:r>
+                  <a:rPr lang="zh-CN" altLang="en-US">
+                    <a:noFill/>
+                  </a:rPr>
+                  <a:t> </a:t>
+                </a:r>
+              </a:p>
+            </p:txBody>
+          </p:sp>
+        </mc:Fallback>
+      </mc:AlternateContent>
+      <mc:AlternateContent xmlns:mc="http://schemas.openxmlformats.org/markup-compatibility/2006">
+        <mc:Choice xmlns:a14="http://schemas.microsoft.com/office/drawing/2010/main" Requires="a14">
+          <p:sp>
+            <p:nvSpPr>
+              <p:cNvPr id="4" name="Text Placeholder 3">
+                <a:extLst>
+                  <a:ext uri="{FF2B5EF4-FFF2-40B4-BE49-F238E27FC236}">
+                    <a16:creationId xmlns:a16="http://schemas.microsoft.com/office/drawing/2014/main" id="{4B725C19-1420-4C89-AB7F-C1FB323EAB68}"/>
+                  </a:ext>
+                </a:extLst>
+              </p:cNvPr>
+              <p:cNvSpPr>
+                <a:spLocks noGrp="1"/>
+              </p:cNvSpPr>
+              <p:nvPr>
+                <p:ph type="body" idx="2"/>
+              </p:nvPr>
+            </p:nvSpPr>
+            <p:spPr>
+              <a:xfrm>
+                <a:off x="4572000" y="1152475"/>
+                <a:ext cx="3999900" cy="3181200"/>
+              </a:xfrm>
+            </p:spPr>
+            <p:txBody>
+              <a:bodyPr/>
+              <a:lstStyle/>
+              <a:p>
+                <a:pPr marL="139700" indent="0">
+                  <a:buNone/>
+                </a:pPr>
+                <a:r>
+                  <a:rPr lang="en-US" altLang="zh-CN" sz="1800" dirty="0"/>
+                  <a:t>The weakest assumption of </a:t>
+                </a:r>
+                <a14:m>
+                  <m:oMath xmlns:m="http://schemas.openxmlformats.org/officeDocument/2006/math">
+                    <m:sSub>
+                      <m:sSubPr>
+                        <m:ctrlPr>
+                          <a:rPr lang="en-US" altLang="zh-CN" sz="1800" i="1" dirty="0">
+                            <a:latin typeface="Cambria Math" panose="02040503050406030204" pitchFamily="18" charset="0"/>
+                          </a:rPr>
+                        </m:ctrlPr>
+                      </m:sSubPr>
+                      <m:e>
+                        <m:r>
+                          <a:rPr lang="en-US" altLang="zh-CN" sz="1800" i="1" dirty="0">
+                            <a:latin typeface="Cambria Math" panose="02040503050406030204" pitchFamily="18" charset="0"/>
+                          </a:rPr>
+                          <m:t>𝑆</m:t>
+                        </m:r>
+                      </m:e>
+                      <m:sub>
+                        <m:r>
+                          <a:rPr lang="en-US" altLang="zh-CN" sz="1800" b="0" i="1" dirty="0" smtClean="0">
+                            <a:latin typeface="Cambria Math" panose="02040503050406030204" pitchFamily="18" charset="0"/>
+                          </a:rPr>
+                          <m:t>2</m:t>
+                        </m:r>
+                      </m:sub>
+                    </m:sSub>
+                  </m:oMath>
+                </a14:m>
+                <a:endParaRPr lang="zh-CN" altLang="en-US" sz="1800" dirty="0"/>
+              </a:p>
+            </p:txBody>
+          </p:sp>
+        </mc:Choice>
+        <mc:Fallback>
+          <p:sp>
+            <p:nvSpPr>
+              <p:cNvPr id="4" name="Text Placeholder 3">
+                <a:extLst>
+                  <a:ext uri="{FF2B5EF4-FFF2-40B4-BE49-F238E27FC236}">
+                    <a16:creationId xmlns:a16="http://schemas.microsoft.com/office/drawing/2014/main" id="{4B725C19-1420-4C89-AB7F-C1FB323EAB68}"/>
+                  </a:ext>
+                </a:extLst>
+              </p:cNvPr>
+              <p:cNvSpPr>
+                <a:spLocks noGrp="1" noRot="1" noChangeAspect="1" noMove="1" noResize="1" noEditPoints="1" noAdjustHandles="1" noChangeArrowheads="1" noChangeShapeType="1" noTextEdit="1"/>
+              </p:cNvSpPr>
+              <p:nvPr>
+                <p:ph type="body" idx="2"/>
+              </p:nvPr>
+            </p:nvSpPr>
+            <p:spPr>
+              <a:xfrm>
+                <a:off x="4572000" y="1152475"/>
+                <a:ext cx="3999900" cy="3181200"/>
+              </a:xfrm>
+              <a:blipFill>
+                <a:blip r:embed="rId3"/>
+                <a:stretch>
+                  <a:fillRect/>
+                </a:stretch>
+              </a:blipFill>
+            </p:spPr>
+            <p:txBody>
+              <a:bodyPr/>
+              <a:lstStyle/>
+              <a:p>
+                <a:r>
+                  <a:rPr lang="zh-CN" altLang="en-US">
+                    <a:noFill/>
+                  </a:rPr>
+                  <a:t> </a:t>
+                </a:r>
+              </a:p>
+            </p:txBody>
+          </p:sp>
+        </mc:Fallback>
+      </mc:AlternateContent>
       <p:sp>
         <p:nvSpPr>
           <p:cNvPr id="5" name="Slide Number Placeholder 4">
@@ -13384,66 +15591,6 @@
           </a:p>
         </p:txBody>
       </p:sp>
-      <p:pic>
-        <p:nvPicPr>
-          <p:cNvPr id="6" name="Picture 5">
-            <a:extLst>
-              <a:ext uri="{FF2B5EF4-FFF2-40B4-BE49-F238E27FC236}">
-                <a16:creationId xmlns:a16="http://schemas.microsoft.com/office/drawing/2014/main" id="{BC93CE4C-98C4-4B8E-9D01-D2CE790CFFEC}"/>
-              </a:ext>
-            </a:extLst>
-          </p:cNvPr>
-          <p:cNvPicPr>
-            <a:picLocks noChangeAspect="1"/>
-          </p:cNvPicPr>
-          <p:nvPr/>
-        </p:nvPicPr>
-        <p:blipFill>
-          <a:blip r:embed="rId2"/>
-          <a:stretch>
-            <a:fillRect/>
-          </a:stretch>
-        </p:blipFill>
-        <p:spPr>
-          <a:xfrm>
-            <a:off x="832500" y="2126227"/>
-            <a:ext cx="2945216" cy="1137262"/>
-          </a:xfrm>
-          <a:prstGeom prst="rect">
-            <a:avLst/>
-          </a:prstGeom>
-        </p:spPr>
-      </p:pic>
-      <p:pic>
-        <p:nvPicPr>
-          <p:cNvPr id="7" name="Picture 6">
-            <a:extLst>
-              <a:ext uri="{FF2B5EF4-FFF2-40B4-BE49-F238E27FC236}">
-                <a16:creationId xmlns:a16="http://schemas.microsoft.com/office/drawing/2014/main" id="{4B03E3D1-B60D-4AFD-B4F6-449CEA3A216D}"/>
-              </a:ext>
-            </a:extLst>
-          </p:cNvPr>
-          <p:cNvPicPr>
-            <a:picLocks noChangeAspect="1"/>
-          </p:cNvPicPr>
-          <p:nvPr/>
-        </p:nvPicPr>
-        <p:blipFill>
-          <a:blip r:embed="rId3"/>
-          <a:stretch>
-            <a:fillRect/>
-          </a:stretch>
-        </p:blipFill>
-        <p:spPr>
-          <a:xfrm>
-            <a:off x="4565458" y="2126227"/>
-            <a:ext cx="2920740" cy="1105144"/>
-          </a:xfrm>
-          <a:prstGeom prst="rect">
-            <a:avLst/>
-          </a:prstGeom>
-        </p:spPr>
-      </p:pic>
       <p:sp>
         <p:nvSpPr>
           <p:cNvPr id="8" name="Rectangle 7">
@@ -13458,7 +15605,7 @@
         </p:nvSpPr>
         <p:spPr>
           <a:xfrm>
-            <a:off x="3946258" y="2455200"/>
+            <a:off x="4018258" y="2455200"/>
             <a:ext cx="460800" cy="86400"/>
           </a:xfrm>
           <a:prstGeom prst="rect">
@@ -13504,7 +15651,7 @@
         </p:nvSpPr>
         <p:spPr>
           <a:xfrm>
-            <a:off x="7614598" y="2401575"/>
+            <a:off x="7850301" y="2368800"/>
             <a:ext cx="460800" cy="86400"/>
           </a:xfrm>
           <a:prstGeom prst="rect">
@@ -13550,7 +15697,7 @@
         </p:nvSpPr>
         <p:spPr>
           <a:xfrm>
-            <a:off x="7614598" y="2608458"/>
+            <a:off x="7850301" y="2575683"/>
             <a:ext cx="460800" cy="86400"/>
           </a:xfrm>
           <a:prstGeom prst="rect">
@@ -13596,7 +15743,7 @@
         </p:nvSpPr>
         <p:spPr>
           <a:xfrm>
-            <a:off x="8094371" y="2036735"/>
+            <a:off x="8311101" y="1993535"/>
             <a:ext cx="569387" cy="923330"/>
           </a:xfrm>
           <a:prstGeom prst="rect">
@@ -13630,6 +15777,66 @@
           </a:p>
         </p:txBody>
       </p:sp>
+      <p:pic>
+        <p:nvPicPr>
+          <p:cNvPr id="12" name="Picture 11">
+            <a:extLst>
+              <a:ext uri="{FF2B5EF4-FFF2-40B4-BE49-F238E27FC236}">
+                <a16:creationId xmlns:a16="http://schemas.microsoft.com/office/drawing/2014/main" id="{6DD5ADB0-F0C0-4EA0-A471-D3B365AC7F21}"/>
+              </a:ext>
+            </a:extLst>
+          </p:cNvPr>
+          <p:cNvPicPr>
+            <a:picLocks noChangeAspect="1"/>
+          </p:cNvPicPr>
+          <p:nvPr/>
+        </p:nvPicPr>
+        <p:blipFill>
+          <a:blip r:embed="rId4"/>
+          <a:stretch>
+            <a:fillRect/>
+          </a:stretch>
+        </p:blipFill>
+        <p:spPr>
+          <a:xfrm>
+            <a:off x="663222" y="2060694"/>
+            <a:ext cx="3124636" cy="1095528"/>
+          </a:xfrm>
+          <a:prstGeom prst="rect">
+            <a:avLst/>
+          </a:prstGeom>
+        </p:spPr>
+      </p:pic>
+      <p:pic>
+        <p:nvPicPr>
+          <p:cNvPr id="13" name="Picture 12">
+            <a:extLst>
+              <a:ext uri="{FF2B5EF4-FFF2-40B4-BE49-F238E27FC236}">
+                <a16:creationId xmlns:a16="http://schemas.microsoft.com/office/drawing/2014/main" id="{19EEB42E-9F12-486F-9005-A06DBB609011}"/>
+              </a:ext>
+            </a:extLst>
+          </p:cNvPr>
+          <p:cNvPicPr>
+            <a:picLocks noChangeAspect="1"/>
+          </p:cNvPicPr>
+          <p:nvPr/>
+        </p:nvPicPr>
+        <p:blipFill>
+          <a:blip r:embed="rId5"/>
+          <a:stretch>
+            <a:fillRect/>
+          </a:stretch>
+        </p:blipFill>
+        <p:spPr>
+          <a:xfrm>
+            <a:off x="4663122" y="2103894"/>
+            <a:ext cx="3096057" cy="1095528"/>
+          </a:xfrm>
+          <a:prstGeom prst="rect">
+            <a:avLst/>
+          </a:prstGeom>
+        </p:spPr>
+      </p:pic>
     </p:spTree>
     <p:extLst>
       <p:ext uri="{BB962C8B-B14F-4D97-AF65-F5344CB8AC3E}">
@@ -13640,13 +15847,6 @@
   <p:clrMapOvr>
     <a:masterClrMapping/>
   </p:clrMapOvr>
-  <p:timing>
-    <p:tnLst>
-      <p:par>
-        <p:cTn id="1" dur="indefinite" restart="never" nodeType="tmRoot"/>
-      </p:par>
-    </p:tnLst>
-  </p:timing>
 </p:sld>
 </file>
 
@@ -13770,36 +15970,6 @@
       </p:pic>
       <p:pic>
         <p:nvPicPr>
-          <p:cNvPr id="9" name="Picture 8">
-            <a:extLst>
-              <a:ext uri="{FF2B5EF4-FFF2-40B4-BE49-F238E27FC236}">
-                <a16:creationId xmlns:a16="http://schemas.microsoft.com/office/drawing/2014/main" id="{DD877670-9DF9-4588-8DC2-56C9394CF1BE}"/>
-              </a:ext>
-            </a:extLst>
-          </p:cNvPr>
-          <p:cNvPicPr>
-            <a:picLocks noChangeAspect="1"/>
-          </p:cNvPicPr>
-          <p:nvPr/>
-        </p:nvPicPr>
-        <p:blipFill>
-          <a:blip r:embed="rId4"/>
-          <a:stretch>
-            <a:fillRect/>
-          </a:stretch>
-        </p:blipFill>
-        <p:spPr>
-          <a:xfrm>
-            <a:off x="652459" y="2808643"/>
-            <a:ext cx="2945216" cy="1137262"/>
-          </a:xfrm>
-          <a:prstGeom prst="rect">
-            <a:avLst/>
-          </a:prstGeom>
-        </p:spPr>
-      </p:pic>
-      <p:pic>
-        <p:nvPicPr>
           <p:cNvPr id="1028" name="Picture 4" descr="data:image/png;base64,iVBORw0KGgoAAAANSUhEUgAAAyAAAAJYCAYAAACadoJwAAAgAElEQVR4nO3df7SkeV3Y+TcGMQHCDztIjvijbdgEo7Fnd8Ack8Yw/MjujsAQOZBm0V1ChB5EDf6gRZcwQW0hswwEWAY57KJRE0cUw4Jos3sQg7J7mHYDQVEG26MI6MDRGRJD0F13Z//4PrW3urpu973dt6pu3369zqnTfZ96nqc+VfWpp55PPd8fBQAAAAAAAAAAAAAAAAAAAAAAAAAAAAAAAAAAAAAAAAAAAAAAAAAAAAAAAAAAAAAAAAAAAAAAAAAAAAAAAAAAAAAAAAAAAAAAAAAAAAAAAAAAAAAAAAAAAAAAAAAAAAAAAAAAAAAAAAAAAAAAAAAAAAAAAAAAAAAAAAAAAAAAAAAAAAAAAAAAAAAAAAAAAAAAAAAAAAAAAAAAAAAAAAAAAAAAAAAAAAAAAAAAAAAAAAAAAAAAAAAAAAAAAAAAAAAAAAAAAAAAAAAAAAAAAAAAAAAAAAAAAAAAAAAAAAAAAAAAAAAAAAAAAAAAAAAAAAAAAAAAAAAAAAAAAAAAAAAAAAAAAAAAAAAAAAAAAAAAAAAAAAAAAAAAAAAAAAAAAAAAAAAAAAAAAAAAAAAAAAAAAAAAAAAAAAAAAAAAAAAAAAAAAAAAAAAAAAAAAAAAAAAAAAAAAAAAAAAAAAAAAAAAAAAAAAAAAAAAAAAAAAAAAAAAAAAAAAAAAAAAAAAAAAAAAAAAAAAAAAAAAAAAAAAAAAAAAAAAAAAAAAAAAAAAAAAAAAAAAAAAAAAAAAAAAAAAAAAAAAAAAAAAAAAAAAAAAAAAACtwpDq+6SAAAICD7Uh1a3VPdXrDsQAAAFeJsylAAACANTmdAgQAAFgTBQgAAFxFDlUnqpPVsZZ3CD863X9y+v+i66dtm/49Off3oiMLj6cAAQCAq8SR6q5GZ/CTjf4Y9yysc6pRIJyc/r1n+n+NYmR+2a3T37P9XL+wr+PT8lun/d413RQgAABwFZgVFTOHGsXDzPHOLw5mBceR6e9jbY1kNVt2qPNHt5qtN3+F5eiS9QAAgAPqeOMKxHyzqvmmU2fauvoxuy1eBTm28PfMYtOq2zq3uFl8DAAA4CpwqlFA3Nb5/TZmVydOLrnN9/nYSQGy3ZUOfUAAAOAqszgp4KFp+bLCYn6bUoAAAAA7tHjFY9Yn48T095lGs6lDC+sdaasvx04LkFmH80UKEAAAuEqc7Pxhd8+2VUycbBQXZ9rqJ3Kk0VxrVpRcqAA5M/f3rKnXqYX1ZkUOAABwwM0KjNva6mB+tq3mVbXVNGt2m++0fmzadrb85LTtqbn1T03LDrXVgX3Wr+RUowCZXw8AADigjrU1ceDsashic6vamojwROcWCfPbzm5Htlk2c33nXnk5nsIDAAAAAAAAAAAAAAAAAAAAAAAAAAAAAADgIHl49bzqpuqN1durX6s+2Zgo75PT32+f7r9pWv/hmwiWfUPeUPKAc8kHALZ1bePAf6a6s7qjell1Y/WU6tHVw6p7T/8+elp+47TeHdN2Z6b9XLve8Pfc4cZEgc9sPMfvrX64en31k9U7ql+pPlR9rPpM48v0M9PfH5ruf8e0/uun7b932t8zp/0fXs/TWRl5Q8kDziUfANjWA6tXVGerj1SvrB57mft87LSfj0z7fcX0OPvV/aqva/zi9rrql6u7qo9Xn65+qvqR6p9V31+9oHpW9aTqMdXXVF9ePaj6vOnfL5+WP2Za71nTdt8/7edHpv1+enqcu6bHfd0Ux9dNce1X8oaSB5xLPgBwUS+q7q7eUF2zosc4Ou3/7unxNu0R1d9v/KL2s41f2f608Svbm6sXVo+vvmjNcX3R9LgvnOI4M8V1xxTnTVPcj1hzXMtcjXnD+eQB8+QDABf0nMYvSW9pdV8Ui66ZHu/s9Pjr9HcaTZ/+XeNqwzuqU9Xx6qvWHMtufVUjzlONuD/eeB4/3Hhe63S15Q3LyQPmyQcALuhw9d7q3Y1f2zfh8dPjv7fV9X34C422xG+sPlF9sHECv+4T9lX5243n88HG83tj4/n+hV3s41/vYt3DXR15w4UdTh6w5XDyAYCLeFxjpJEX72Kba6qXtLNRS17S7n79evG0j8ftYpsL+aLqHzaaK32u8aX03dVf36P971d/vfquxvP9XPUzjdfhQk3Intp4D2/awf4Pet6wM/KAefIBgIt6bqM/wdN3sO511S2NDn8frV7dzkYtefW0/kem7a/bwWM9fYrruTt/Kue4d/Vt1XuqzzYuyf931V+5xP1d6f5K4/m/pfF6vKfx+tx7Yb0PNL707+nCvxoe1Lxhd+TBeh2bbvuVfADgol5efbiLD2F4Q/X+6vbqpTtYfzvXTtvfPu3vhh2s/+Epzp36skYTpD9unGw/qbrXriM92O7VeF3e0nidTjVet9nVj9ltu6ZYBzFv2D15sD5Hq9san8uTG45lO/IBgIt6eWMc9QdfYJ1j1Tsb/QmesceP/4xpv+/swr/oPbgR58W+NP5W9aPVn1X/vHrkHsR4NXhk4/X6s0Yxcs/C7akL6x+0vOHSyIP1O9r+LUDkAwAX9dzGL0EX+rK4pTGq0vNXHMvzp8e55QLrPLgR77LL50+tTle/25jEzxjwl+bFnV983NN4XWcOUt5w6eTB5uzHAkQ+AHBRj2u0hd3usvcDqrdVb63uu6aY7js93tumx1/m2kbcj2tM6PetjSFn//fqv11DjAfZgxqFxrIC5J7qOzsYecPlkwebtd8KEPkAwEUdbowGsl0HwWuqD1U3ryugBTdPj7/dCCdPr/5DY2bwn62esKa4Drqb2r74uKf6f6tPdWXnzSfb3FCcRxvztTT9e2LJ/Sen29EL7GO2zpEVxLgTh7vyjx+bzIPjXfx9PjS33vEl9y8WICcXbut0OPkAwA68t+2HRrymMTrSjesLZ6kbpzi2+9J4dWNIRvbOq+duL6yeXT228R4crn6zKz9vXtzI/3U6VN3aOGk83ThBvGv6e9ZO/dTcfac7/wTz0LR8cZ1lJ6erdhCOH5vKgzPTbbv3ucZ7eraRE6cauXJm2n5mcbtZx/TTrb8AkQ8AXNRzGvNBLPOAxi9Fm/6ymLmxEc92l8/fnRlu10XeXL57GieTR9v6hbvp39ML685OTmdXOW5dss5sf+skDy7dic4tOmsUGvPv65El65ycls1fMZsvQGbF6SaG5ZUPAOzI2bafkfZtbe4y+XZubsS1zOMbz4fVkzeXb/YL9aIzbf1yPbvN/zo+OyldvNpx/XRbJ3lw6Q413s/ZlYxjnV+A3LokpsXtais3jk3bHGoz5AMAF/WixpwPy9zS6LC3H7217UczeUvjebE68mZvbFeAzDedWbzNJpxb/FV8E+TB3pg1sbqt8wuQ0y3PkUWznLmnUYBsgnwA4KIeWN3d8jawxxpDFq5rdJLdum8jvmUnYNc0npdhd1dD3uydCxUg27XbP9JWAbKsv8eh1tMZXR5cvlkfkNvaes8WC47Tbf8r/HyH9VnOzPoWrbsvkHwAYEdeUb1hm/ve2erHZb9cz2/EucwbGs+PvSdv9s6FmmCd7fxmNEcaJ5azJljLtl0cSWtV5MHlu63z++wsFiCzgmLx5Hi+z1CdW7RuogiRDwDsyNmWD/l4Q2Pm2CvBBxvxLrombXdXRd7snXsaxcaik3P3zV7rI40T1llRMt/cZrbsRGOUpHWQB5dv9h7O3r8j0+POcuJQW1e77mqrCDkybXtk7u/Fq2ZnWm8RcqF8+MCaYrhcm84HgAPv2uoj29z3/uoZa4zlcjyjEe8yH2n7SbC4NPJmbxxp61fqWRGx2Gxq/v750bJmZs135tc53Xo6H8uDvTErNO9qvHezoZcXC8vjnZ8Ls8Li2Nw2d7VVhNzWufm1yv5C8gGAHbmpeuWS5ddVt685lst1eyPuRa9sPE/2jrzZG0c6v3P5sn4bs0kGT2xzf21NTrfO0a/kwd6ZvX+zAuFo4/1e1vxuWS4ca/mkg8sGL1gV+QDAjpxpTCi36JbqpesN5bK9tOUjmDy25c1buHTyhpIHnEs+AHBRD6/u3Oa+VV1mvr7xK9wq2iNf6PL/nY3ny+XbRN7U1rCze03eXJp158H81SJ5sP9sMh+W9Tm5XPIBYEWeV92xZPk11Uf3+LFmM/KebXxhnJlue91O/aMtH/7xjsbz5fKtM29qFKuzPg7bDUl7ueTN7q0zDxb7Pqyqn4s8uHTrzofZPCl3df5s8HtFPgCswE3Vy5Ysf0n16j1+rFONL4rZCcOhtibc2kuvbsS/6GVpt7tX1pk3NXLl+lZbgMib8y078Zq3rjw40ihAjy38vYp8kAfb20/5MD/B4uy7ZH4Usb0iHwBW4I3VjbtYfqlmQ0MuDgs6G/llLy+f39iIf6fL2b115c282RCkqypA5M35bmoMm7rdiee68mBZx/wLzX9yOeTB9vZLPiwbhGEV3yUlHwBW4u3VU3ax/FKdaHw5LI7Os4qTyqc04t/pcnZvXXkzb9UFiLw5301tNXda9gv2uvJgu/4eixP17QV5sL39kg/LnGo1HcPlA8AK/Fr16F0sv1SzcegXTyRmJ5V7eRLx6Eb8O13O7q0rb+atugCRN+ebP+G8p7q7evbc/ZvIg3mz/mR7SR5sb7/mw7G2n/zwcskHgBX4ZPWwXSy/VLPJsdZRgDysEf9Ol7N768qbeasuQOTN+RZPOGe3D1SH20wezBzt3D5le0UebG+/5cP8xIvzfYT2knwAWIF7qnvvYvmlWmcB8nnV9+xiObu3rryZt+oC5EJ5866Wn3i5rT8PZk63mgkX5cGVkw+ziRdnAxLc094XIb5PAFZgv1wB2cuRsPxitXqugFwdbmr5SeZ7Gh2RN3UF5ESrmUeo5MGF7Nd8qK1hmvd6VEX5ALAC62qzOxuhZPEXy1UMrarN7urpA3J1WDzhvLt6YfWg6f5N5MH1nT+a3l6SB9vbj/kw70x7PyiBfABYgXWNWrLdMLynpuXLhlW8VEYtWT2jYF0d5k8439No5z9v3XlwtNUWHyUPLmS/5cOiW9v7KyDyAWAF1jmfw60tn4jw1m23uDTGbV8984BcHW5qdDB+6jb3rzMPjrW8+DiSeYTWZb/kw9HOb4J3qPH9Yh4QgCvATa1vRutDjUvkZxonkWcbl8vNXHvlWWfe1LkdTVcx9GrJm2UOt9W8Zpl15cGsff92t73seCwPtne4/ZEPt3busWA2B8gqRsGSDwAr8LzqjiXLr6k+uqLHPN740ljFCDY14l42U+8djefL5Vt33pxccttr8mb31pUHy97/2e3EHj5OyYPLsa58ONTW98jJVlN4zMgHgBV4eHXnNvd9pLp2jbHshWsbcS9zZ+P5cvnkDSUPOJd8AGDHzlSPXbL8luql6w3lsr20EfeixzaeJ3tH3lDygHPJBwB25KbqlUuWX1fdvuZYLtftjbgXvTLtdfeavKHkAeeSDwDsyIUuM7+/esYaY7kcz2jEu8yVePl/v5M3lDzgXPIBgB072/KOdjdUH1xzLJfqg414Fx1tPL8LudDILmzvas8bBnnAPPkAwI68onrDNve9s3r+GmO5FM9vxLnMGxrPb+ZBjTa8NzUm07q77ce158Kuprxhe/KAefIBgB15YONEfNmvVseqj1f3XWtEO3ffRnzLhmK8pvps9ZbqXzYm0VqcQ+DuXAG5FA9uDIH6f7V8SOUrPW/ubnwuuLiDfPyQB7snHwDYsRc1TtSXuaV66xpj2Y23tnykkhrP56e78CRmq5g476D6iurbq3c1Co+fa7zGBzFvXrTGWA6Cg3r8kAeXRj4AsGNnq8dvc9/bqpvXGMtO3NyIa5nHt9VW96ltX4A8d8UxXun+8+qfNDpkfrp6c/WN1X3m1jmoecPuyAPmyQcAduQ51bu3ue8B1YeqG9cXzgXd2IjnAdvc/+7G85n50c4vPj7dmOn2jsavXk/M5fUHNl6HWxqvy0erV1WPu8A2Bzlv2Dl5wDz5AMCOvbd68Tb3zfpUbPpL48YpjmVtjGvE/94ly9/TuQXIbCz3/6Ix6dS/qT5X/bvqTdW3VF+zZ1HvT1/TuAr0psbz/lzjdXhp43XZqYOcN+ycPGCefABgRw5Xn6yevs391zR+KdrU5fObp8ff7svi6Y34Dy+570HV77ZVgGy3j0dVL6j+RWPM989U/2v1g9WTq4deWugb99BG/D/UeD6faTy/f9F4vo+6jH0f7uDmDTt3OHnAlsPJBwB26HHVn7b9ZEsPaLSVfWvrG83kvtPjva3tL5Nf24j7Qs2FrmkUHx/YxWM/pPqG6geq042RUH6vcUXlRxtXC765MXLKw3ax31V42BTHNzfienMjzt9rxH268Ty+ofG89tJBzht2Th4wTz4AsGPPrT7cGG51O7c0hixc9bjuz58eZ7vRSWrE+eF21qn8qW01v7pUX9H4YvpHjSsKP1m9r/qDxpfWb1W/UL2+cQn/2xttiP9B9aTquuprq69q/Lr2kLa+fO87/X14uv9rp/WfNG3/nGl/L572/wvT4/3p9Pjvm+L5oSm+x03xrsNBzht2Th4wTz4AsGMvr+7swl8axxqTNn2gesYeP/4zGjPSvrPl47LPPLgR58t3se9Vzv1x30bh8KTq2xoTV72ucTXip6ufr36pMbLUbzSahX260Q75nunfT0/Lf2Na75em7X562s/rpv1+2/Q4X9X+GVv/IOcNOycPmPfy6lPJBwB24OWNX4K2u3w+c0PjRPn2RtOfi62/nWun7W+f9nfDDtb/cOPX/59rXN04fImPvR/ca9MB7JErJW+cZKyWPGDmm6s/Tz4AsEPPbZzgb9eRcN51jUvbH2kM4frqxigjT6ke3eijcO/p30dPy2+c1vvotN0t034u5ulTXM9tNDdaHGb3X0/7vdKLkivVlZA3rJ484DsbzZ7+dvIBgF14XGM0kO2GVFzmmuol1Rurt1e/Nu3jnunfX5uWv3Fab7uRSJZ58bSPWQfBB3XhGc/vThGyCfs9b1gPeXD1+uFGk6r/bG6ZfABgxw43xkN/d9vPcLtqj58e/72dX1DMD7G7WHzs5suIvXW4/Z03rMfh5MHV5k2NIb+X9fs4nHwAYBeeU52t3tL6TuyvmR7vbNvPSLtstvO7G02w2Lz9mjeslzw4+O7TaAL7L3ewrnwAYFde1DjBf0N1dEWPcc20/7unx7uQZ3du8TEbDveLVxQbl2a/5Q2bIQ8Opi+ufrV6zS63kw8A7NgDG8PBnm10+Htl9djL3Odjp/18ZNrvK6bHuZj5fiCzKx8vqe5odV9o+82R6vimg9iB/ZQ3bI48OFiONo63L7nE7eUDALt2bWOCvzONcdTvqF7WzkYtedm0/p3T9jd1aUMvzvqBPHtu2Y3VXdUTLmF/V4oj1a2N5356w7Hs1n7IGzZPHlzZnlD9cXVij/YnHwDYtYdXz2sc+HcyaslN0/oPv8zHfXX1wiXLn9YYg/5Zl7n//e5sV14BMm9TecP+Ig+uLM9qHF+ftqL9ywcA9rULzXD+mOp3Gr+OHVSnu7ILEODK8rLGcfUxmw4EAParh1a/WP1UY6SWg0YBAqzDfRrH0V9sHFcBgIt4TfV/Vl+9x/s91GgDfbI61vIO4Uen+0+2vHP89dO2Tf+enPt70ZGFx1OAAKv21Y3j525HugKAq94Lqj+pvnGP9nek0dn91kZBcLbRPnneqUaBcHL6957p/zWKkfllt05/z/Zz/cK+jk/Lb532e9d0U4AAq/KNjePmCzYdCABcqZ7Y6MD44j3Y16yomDnUKB5mjnd+cTArOI5Mfx9raySr2bJDnT+61Wy9+SssR5esB7BXXtw4Xj5x04EAwJXuy6v3VG++zP0cb1yBmG9WNd906kxbVz9mt8WrIMcW/p5ZbFp1W+cWN4uPAbCX3tw4Tn75pgMBgIPkjY0ZfB9xGfs41Sggbuv8fhuzqxMnl9zm+3zspADZ7kqHPiDAXnpE47j4xk0HAgAH1XdXn66edBn7WJwU8NC0fFlhMb9NKUCA/eNJjePhd286EAA46J5cfaL6wV1ut3jFY9YnYzYz8JlGs6lDC+sdaasvx04LkFmH80UKEGAv/GDjOPjkTQcCAFeLh1Zvrf63dt4k62TnD7t7tq1i4mSjuDjTVj+RI43mWrOi5EIFyJm5v2dNvU4trDcrcgAuxSMax723Zn4PANiIk9V/qJ61w3Vn/T9mHczPttW8qraaZs1u853Wj03bzpafnLY9Nbf+qWnZobY6sM/6lZxqFCDz6wHs1LMax7vtmooCAGvy9dWHq9ddZL1jbU0cOLsastjcqrYmIjzRuUXC/Laz25Ftls1c37lXXo6n8AB273WN49zXbzoQAGD4gsYwlLdXj9pwLAB75VGN49qbG8c5AGCfeV71/2QWYODK94LG8ex5mw4EALiwo9X7qh+v7r/hWAB26/6N49f7OnfiVABgn3tVo5P5DZsOBGCHbmgct1616UAAgEvzlOqj1Y9U99twLADbuV/1hsbx6ikbjgUAuEz3qV5b/V71tM2GAnCepzWOT69tHK8AgAPi+uo3q/+peuCGYwF4YON49JuN4xMAcADdq9G2+hOdPys6wLocbxyHXtU4LgEAB9wTqw9VP9byyQgBVuFQ47jzoervbTYUAGATbq7urL5p04EAB943NY43N286EABgs66r/m31luqRG44FOHge2Ti+/NvG8QYAoKrvq/7v6gc2HQhwYLyscVz5vk0HAgDsT4cbMxD/dvXMzYYCXMGe2TiO/HjjuAIAcEH/dXWment1zYZjAa4c1zSOG2caxxEAgF35zuo/Vv+s+oINxwLsX1/QOE78x8ZxAwDgkv3V6k3V71fP3mwowD707Mbx4U2N4wUAwJ64rvqV6l3VYzYcC7B5j2kcD34lo1sBACv0rdXHqp+qjm44FmD9jjY+/x9rHA8AANbie6u7qzdWX7HhWIDV+4rG5/3uxucfAGDt/nJ1qvrz6n+oDm02HGAFDjU+33/e+Lz/5c2GAwBQD6teV322+ifV5282HGAPfH7j8/zZ6rWNzzkAwL7yldWPVX9Y/ePNhgJchn/c+Bz/WONzDQCwr/2t6ueqO6obNxwLsHMnGp/bn2t8jgEArihPqN7WGC3nRdVf3Gw4wBJ/sfH5/Fjj8/qEzYYDAHD5vrb6icboOT9QPWSz4QCNz+EPND6XP9H4nAIAHChfWb2+MZrOP68evtlw4Kr08OrVjc/hrenjAQBcBb6kekVjdJ3/ubpms+HAVeGaxufts43P35dsNhwAgPV7QPXfV3dWb6n+7mbDgQPp7zY+X3c2Pm8P2Gw4AACbd6/qO6rfqN7fGInHXCJw6T6/8Tl6f+Nz9R2NzxkAAAuur362+veNdup/c7PhwBXlaxqfm3/f+Bxdv9lwAACuHEeqH6o+Wf1i9YzNhgP72jMan5NPNj43RzYbDgDAle2bqndXv1u9NJ1nocbn4KWNz8W7G58TAAD20KMaw/h+rvpX1ZM3Gw5sxJMb+f+5xufh2s2GAwBw8N2vekH1b6o/aMwp8nUbjQhW6+saef4Hjbx/QeNzAADAmj2y0Qzlw9WvVy+p/tpGI4K98dca+fzrjfx+aSPfAQDYJ45Vr23Md/Ce6vnVF240ItidL2zk7XsaefzaRl4DALDP3dBoJ//n1c80RgnSZIX96H6N/PyZRr7+q0b+AgBwBbp/9Y+qn6/uqd5R3Vh96SaD4qr3pY08fEcjL3++kaf332RQAADsrftX/6D68equ6n3V91dHNxkUV42jjXx7XyP/fryRj4oOAICrxBMbIwudrX6remV13UYj4qC5rpFXv9XIs9c08g4AgKvctdVN1e3Vp6qfqL6lesQmg+KK84hG3vxEI49ub+SVuToAANjWkcZJ5E9Wn6h+u3pT9azqYRuMi/3nYY28eFMjTz7RyJtvaeQRAADs2t+svr362eqPGvMyvK56WnVog3Gxfoca7/vrGnnwR428+PZGngAAwJ57dPWi6p3VZxvNbF5TfXMmijtoHtl4X1/TeJ8/23jfX9TIAwAAWLuvr76nuq36ncYIR++qTlVPrb5kc6GxC19S/f3G+/auxvv4O4339Xsa7zMAAOw7D62eVP3TxvwOn6o+Vr21+r7qCdUXbSo4qvH6P6Hxfry18f58qvF+/dPqGxrvIwAAXJEeUR1vDMn6y9UfV3dO/39D9R3V38sEiXvtSxuv63c0Xudfbrzufzz9/5WN9+XhmwkPAADW54urx1ffVv2P1burP6g+U/0f1Zurk9WTq6/MhHXbuX/j9Xly4/V6c+P1+0zj9Xx39frG6/z4xusOAABMDlXHGkO53lL9QnVH9Z8aoy59oHp7o2j53uq/qR5THa4+b/3hrtTnNZ7XYxrP83sbz/vtjdfhjxqvyx2N1+lV1XMbr58RygAA4DI9pDGp3VMbQ7/eXP1U9avV71f3VB9vjNj0rum+11c/VH1X9Q+rGxodqr+6MY/FX1pT7H9peryvnh7/hime75rie/0U77um+D8+PZ/fr9433Xdz43k/tfE6PGRNsQMAAEvcq/qy6mur/6p6ZvWC6iWNqwM/Wv0v1Xsb81h8snEF4c+qP2n0jfjDRqfs365+s/pgoyD41eqXqtONfhSnp79/dbr/g9P6vz1t/4fT/v5k2v9/mh7v16fHf9sUzy1TfN86xftfTvF/2fR8AACAA+Y+jb4UX1j91cbJ/yOqv1Edbcx58Xeq6xoFwpOnf6+blj96Wu9vTNt92bSfL5z2e5/1PRUAAAAAAAAAAAAAAAAAAAAAAAC4iEPViU0HAQAAHHwnqrsakw0CAAD8/46taL+3pQABAADmHGoUCqtwMgUIAAAw51R1ekX7VoAAAMABcaTRz+Lkktuhbda7fmEfswLh7PT/4wvbnZxbfqjlrp/WObFkncUC5NhCnKtq+gUAAOyh440T+1sbJ/Jnp79Pd24Bcrw6My27dW6d2qssMjkAAAWGSURBVCowlhUgs/2fmm53Tbf5AuPotN18DHdNy2eWFSCzfZ1KAQIAAPveocYJ/K1zy450bnExW7ZYNMwKgvkrHYvbNW03v2xWkMwXDLOiZebYtM58f5LFAuT4FPd2V1MAAIB9Znaif3Jh+ZnOLRpOtVUkzG6LV0Fa8neNZlWz5lqHpn3NFyCzguTIwnYnWn4FZLaPxSZgAADAFeBso+CYt3hV5HTnFyDzfTpmlhUgNYqLW6d9zIbTnRUgO+1cPlvvdOc3zwIAAK4QRxqFwazPx+lGQTLftOl0249uNX/lYlkBcrxRMMwKldlVl8UCZPEKSC2/AnJ02t9ijAAAwBXg+sbVieNtP0rVrNnUsqsO8823FguQo9OyE3PLFguQWROsxWZgLWw3f6VEEQIAAFeou9oaxvZYy4uMWdFwV+f257h1Yf1ZUTDbZrbdqbl1ZoXE9dM+Zh3h5wuV2b7n+3nM+pzMXD/9rQgBAIAryJnGifzibb7ZVG1dqZi/He9cs/4dZxpFx3xxMevYfqKt4XpnBcbRufVmt/mi5dTc/be1VdzcNbevZVdQAACAfeZEo5BYnIjwtsYJ/rz5iQiXXSk5NLe/+W0WJxc80fnzdsy2XbbvxY7vswJkcTkAALCPzfp/bOe2C9wHAACwK7MheJf1obg+VxUAAIA9NBsidzZ61ex2JsUHAACwAofautqx3TC8AAAAAAAAAAAAAAAAAAAAAAAAAAAAAAAAAAAAAAAAAAAAAAAAAAAAAAAAAAAAAAAAAAAAAAAAAAAAAAAAAAAAAAAAAAAAAAAAAAAAAAAAAAAAAAAAAAAAAAAAAAAAAAAAAAAAAAAAAAAAAAAAAAAAAAAAAAAAAAAAAAAAAAAAAAAAAAAAAAAAAAAAAAAAAAAAAAAAAAAAAAAAAAAAAAAAAAAAAAAAAAAAAAAAAAAAAAAAAAAAAAAAAAAAAAAAAAAAAAAAAAAAAAAAAAAAAAAAAAAAAAAAAAAAAAAAAAAAAAAAAAAAAAAAAAAAAAAAAAAAAAAAAAAAAAAAAAAAAAAAAAAAAAAAAAAAAAAAAAAAAAAAAAAAAAAAAAAAAAAAAAAAAAAAAAAAAAAAAAAAAAAAAAAAAAAAAAAAAAAAAAAAAAAAAAAAAAAAAAAAAAAAAAAAAAAAAAAAAAAAAAAAAAAAAAAAAAAAAAAAAAAAAAAAAAAAAAAAAAAAAAAAAAAAAAAAAAAAAAAAAAAAAAAAAAAAAAAAAAAAAAAAAAAAAAAAAAAAAAAAAAAAAAAAAAAAAAAAAAAAAAAAAAAAAAAAAAAAAAAAAAAAAAAAAAAAAAAAAAAAAAAAAAAAAAAAAAAAAAAAAAAAAAAAAAAAAAAAAAAAAAAAAAAAAAAAAAAAAAAAAAAAAAAAAAAAAAAAAAAAAAAAAAAAAAAAAAAAAAAAAAAAAAAAAAAAAAAAAAAAAAAAAAAAAAAAAAAAAAAAAAAAAAAAAAAAAAAAAAAAAAAAAAAAAAAAAAAAAAAAAAAAAAAAAAAAAAAAAAAAAAAAAAAAAAAAAAAAAAAAAAAAAAAAAAAAAAAAAAAAAAAAAAAAAAAAAAAAAAAAAAAAAAAAAAAAAAAAAAAAAAAAAAAAAAAAAAAAAAAAAAAAAAAAAAAAAAAAAAAAAAAAAAAAAAAAAAAAAAAAAAAAAAAAAAAAAAAAAAAAAAAAAAAAAAAAAAAAAAAAAAAAAAAAAAAAAAAAAAAAAAAAAAAAAAAAAAAAAAAAAAAAAAAAAAAAAAAAAAAAAAAAAAAAAAAAAAAAAAAAAAAAAAAAAAAAAAAAAAAAAAAAAAAAAAAAAAAAAAAAAAAAAAAAAAAAAAAAAAAAAAAAAAAAAAAAAAAAAAAAAAAAAAAAAAAAAAAAwEX8f+wA1zCLGjWOAAAAAElFTkSuQmCC">
             <a:extLst>
               <a:ext uri="{FF2B5EF4-FFF2-40B4-BE49-F238E27FC236}">
@@ -13813,7 +15983,7 @@
           <p:nvPr/>
         </p:nvPicPr>
         <p:blipFill rotWithShape="1">
-          <a:blip r:embed="rId5">
+          <a:blip r:embed="rId4">
             <a:extLst>
               <a:ext uri="{28A0092B-C50C-407E-A947-70E740481C1C}">
                 <a14:useLocalDpi xmlns:a14="http://schemas.microsoft.com/office/drawing/2010/main" val="0"/>
@@ -13857,8 +16027,8 @@
         </p:nvSpPr>
         <p:spPr>
           <a:xfrm>
-            <a:off x="3823200" y="3160800"/>
-            <a:ext cx="1058400" cy="288000"/>
+            <a:off x="3902400" y="3160800"/>
+            <a:ext cx="979200" cy="288000"/>
           </a:xfrm>
           <a:prstGeom prst="rightArrow">
             <a:avLst/>
@@ -13889,6 +16059,36 @@
           </a:p>
         </p:txBody>
       </p:sp>
+      <p:pic>
+        <p:nvPicPr>
+          <p:cNvPr id="11" name="Picture 10">
+            <a:extLst>
+              <a:ext uri="{FF2B5EF4-FFF2-40B4-BE49-F238E27FC236}">
+                <a16:creationId xmlns:a16="http://schemas.microsoft.com/office/drawing/2014/main" id="{88052C50-C2F1-4C72-BCFB-6B215605170B}"/>
+              </a:ext>
+            </a:extLst>
+          </p:cNvPr>
+          <p:cNvPicPr>
+            <a:picLocks noChangeAspect="1"/>
+          </p:cNvPicPr>
+          <p:nvPr/>
+        </p:nvPicPr>
+        <p:blipFill>
+          <a:blip r:embed="rId5"/>
+          <a:stretch>
+            <a:fillRect/>
+          </a:stretch>
+        </p:blipFill>
+        <p:spPr>
+          <a:xfrm>
+            <a:off x="619364" y="2808643"/>
+            <a:ext cx="3124636" cy="1095528"/>
+          </a:xfrm>
+          <a:prstGeom prst="rect">
+            <a:avLst/>
+          </a:prstGeom>
+        </p:spPr>
+      </p:pic>
     </p:spTree>
     <p:extLst>
       <p:ext uri="{BB962C8B-B14F-4D97-AF65-F5344CB8AC3E}">
@@ -13899,13 +16099,6 @@
   <p:clrMapOvr>
     <a:masterClrMapping/>
   </p:clrMapOvr>
-  <p:timing>
-    <p:tnLst>
-      <p:par>
-        <p:cTn id="1" dur="indefinite" restart="never" nodeType="tmRoot"/>
-      </p:par>
-    </p:tnLst>
-  </p:timing>
 </p:sld>
 </file>
 
@@ -14021,36 +16214,6 @@
           <a:xfrm>
             <a:off x="651086" y="1193600"/>
             <a:ext cx="7841828" cy="755657"/>
-          </a:xfrm>
-          <a:prstGeom prst="rect">
-            <a:avLst/>
-          </a:prstGeom>
-        </p:spPr>
-      </p:pic>
-      <p:pic>
-        <p:nvPicPr>
-          <p:cNvPr id="7" name="Picture 6">
-            <a:extLst>
-              <a:ext uri="{FF2B5EF4-FFF2-40B4-BE49-F238E27FC236}">
-                <a16:creationId xmlns:a16="http://schemas.microsoft.com/office/drawing/2014/main" id="{D7E0EEEE-0BCF-4ED2-9440-5C9F4ED0C44B}"/>
-              </a:ext>
-            </a:extLst>
-          </p:cNvPr>
-          <p:cNvPicPr>
-            <a:picLocks noChangeAspect="1"/>
-          </p:cNvPicPr>
-          <p:nvPr/>
-        </p:nvPicPr>
-        <p:blipFill>
-          <a:blip r:embed="rId4"/>
-          <a:stretch>
-            <a:fillRect/>
-          </a:stretch>
-        </p:blipFill>
-        <p:spPr>
-          <a:xfrm>
-            <a:off x="651086" y="2571750"/>
-            <a:ext cx="2920740" cy="1105144"/>
           </a:xfrm>
           <a:prstGeom prst="rect">
             <a:avLst/>
@@ -14118,7 +16281,7 @@
           <p:nvPr/>
         </p:nvPicPr>
         <p:blipFill rotWithShape="1">
-          <a:blip r:embed="rId5">
+          <a:blip r:embed="rId4">
             <a:extLst>
               <a:ext uri="{28A0092B-C50C-407E-A947-70E740481C1C}">
                 <a14:useLocalDpi xmlns:a14="http://schemas.microsoft.com/office/drawing/2010/main" val="0"/>
@@ -14148,6 +16311,36 @@
           </a:extLst>
         </p:spPr>
       </p:pic>
+      <p:pic>
+        <p:nvPicPr>
+          <p:cNvPr id="9" name="Picture 8">
+            <a:extLst>
+              <a:ext uri="{FF2B5EF4-FFF2-40B4-BE49-F238E27FC236}">
+                <a16:creationId xmlns:a16="http://schemas.microsoft.com/office/drawing/2014/main" id="{1757F754-E689-428C-B570-723BB656DC8D}"/>
+              </a:ext>
+            </a:extLst>
+          </p:cNvPr>
+          <p:cNvPicPr>
+            <a:picLocks noChangeAspect="1"/>
+          </p:cNvPicPr>
+          <p:nvPr/>
+        </p:nvPicPr>
+        <p:blipFill>
+          <a:blip r:embed="rId5"/>
+          <a:stretch>
+            <a:fillRect/>
+          </a:stretch>
+        </p:blipFill>
+        <p:spPr>
+          <a:xfrm>
+            <a:off x="475769" y="2571750"/>
+            <a:ext cx="3096057" cy="1095528"/>
+          </a:xfrm>
+          <a:prstGeom prst="rect">
+            <a:avLst/>
+          </a:prstGeom>
+        </p:spPr>
+      </p:pic>
     </p:spTree>
     <p:extLst>
       <p:ext uri="{BB962C8B-B14F-4D97-AF65-F5344CB8AC3E}">
@@ -14158,13 +16351,6 @@
   <p:clrMapOvr>
     <a:masterClrMapping/>
   </p:clrMapOvr>
-  <p:timing>
-    <p:tnLst>
-      <p:par>
-        <p:cTn id="1" dur="indefinite" restart="never" nodeType="tmRoot"/>
-      </p:par>
-    </p:tnLst>
-  </p:timing>
 </p:sld>
 </file>
 
@@ -14581,13 +16767,6 @@
   <p:clrMapOvr>
     <a:masterClrMapping/>
   </p:clrMapOvr>
-  <p:timing>
-    <p:tnLst>
-      <p:par>
-        <p:cTn id="1" dur="indefinite" restart="never" nodeType="tmRoot"/>
-      </p:par>
-    </p:tnLst>
-  </p:timing>
 </p:sld>
 </file>
 
@@ -14685,13 +16864,6 @@
   <p:clrMapOvr>
     <a:masterClrMapping/>
   </p:clrMapOvr>
-  <p:timing>
-    <p:tnLst>
-      <p:par>
-        <p:cTn id="1" dur="indefinite" restart="never" nodeType="tmRoot"/>
-      </p:par>
-    </p:tnLst>
-  </p:timing>
 </p:sld>
 </file>
 
@@ -14700,7 +16872,7 @@
   <p:cSld>
     <p:spTree>
       <p:nvGrpSpPr>
-        <p:cNvPr id="1" name=""/>
+        <p:cNvPr id="1" name="Shape 79"/>
         <p:cNvGrpSpPr/>
         <p:nvPr/>
       </p:nvGrpSpPr>
@@ -14714,59 +16886,180 @@
       </p:grpSpPr>
       <p:sp>
         <p:nvSpPr>
-          <p:cNvPr id="2" name="Title 1"/>
-          <p:cNvSpPr>
+          <p:cNvPr id="80" name="Google Shape;80;p14"/>
+          <p:cNvSpPr txBox="1">
             <a:spLocks noGrp="1"/>
           </p:cNvSpPr>
           <p:nvPr>
             <p:ph type="title"/>
           </p:nvPr>
         </p:nvSpPr>
-        <p:spPr/>
+        <p:spPr>
+          <a:xfrm>
+            <a:off x="311700" y="445025"/>
+            <a:ext cx="8520600" cy="572700"/>
+          </a:xfrm>
+          <a:prstGeom prst="rect">
+            <a:avLst/>
+          </a:prstGeom>
+        </p:spPr>
         <p:txBody>
-          <a:bodyPr/>
+          <a:bodyPr spcFirstLastPara="1" wrap="square" lIns="91425" tIns="91425" rIns="91425" bIns="91425" anchor="t" anchorCtr="0">
+            <a:noAutofit/>
+          </a:bodyPr>
           <a:lstStyle/>
           <a:p>
-            <a:r>
-              <a:rPr lang="en-US" dirty="0" smtClean="0"/>
+            <a:pPr marL="0" lvl="0" indent="0" algn="l" rtl="0">
+              <a:spcBef>
+                <a:spcPts val="0"/>
+              </a:spcBef>
+              <a:spcAft>
+                <a:spcPts val="0"/>
+              </a:spcAft>
+              <a:buNone/>
+            </a:pPr>
+            <a:r>
+              <a:rPr lang="en-US" dirty="0"/>
               <a:t>What is Robustness?</a:t>
             </a:r>
-            <a:endParaRPr lang="en-US" dirty="0"/>
+            <a:endParaRPr dirty="0"/>
           </a:p>
         </p:txBody>
       </p:sp>
       <p:sp>
         <p:nvSpPr>
-          <p:cNvPr id="3" name="Text Placeholder 2"/>
-          <p:cNvSpPr>
+          <p:cNvPr id="81" name="Google Shape;81;p14"/>
+          <p:cNvSpPr txBox="1">
             <a:spLocks noGrp="1"/>
           </p:cNvSpPr>
           <p:nvPr>
             <p:ph type="body" idx="1"/>
           </p:nvPr>
         </p:nvSpPr>
-        <p:spPr/>
+        <p:spPr>
+          <a:xfrm>
+            <a:off x="311700" y="1152475"/>
+            <a:ext cx="8520600" cy="3172200"/>
+          </a:xfrm>
+          <a:prstGeom prst="rect">
+            <a:avLst/>
+          </a:prstGeom>
+        </p:spPr>
         <p:txBody>
-          <a:bodyPr/>
+          <a:bodyPr spcFirstLastPara="1" wrap="square" lIns="91425" tIns="91425" rIns="91425" bIns="91425" anchor="t" anchorCtr="0">
+            <a:noAutofit/>
+          </a:bodyPr>
           <a:lstStyle/>
           <a:p>
+            <a:r>
+              <a:rPr lang="en-US" altLang="zh-CN" b="1" dirty="0"/>
+              <a:t>IEEE definition:</a:t>
+            </a:r>
+          </a:p>
+          <a:p>
+            <a:pPr marL="596900" lvl="1" indent="0">
+              <a:spcBef>
+                <a:spcPts val="0"/>
+              </a:spcBef>
+              <a:spcAft>
+                <a:spcPts val="800"/>
+              </a:spcAft>
+              <a:buNone/>
+            </a:pPr>
+            <a:r>
+              <a:rPr lang="en-US" altLang="zh-CN" dirty="0"/>
+              <a:t>The degree to which a system or component can function correctly in the presence of </a:t>
+            </a:r>
+            <a:r>
+              <a:rPr lang="en-US" altLang="zh-CN" b="1" dirty="0"/>
+              <a:t>invalid inputs </a:t>
+            </a:r>
+            <a:r>
+              <a:rPr lang="en-US" altLang="zh-CN" dirty="0"/>
+              <a:t>or </a:t>
+            </a:r>
+            <a:r>
+              <a:rPr lang="en-US" altLang="zh-CN" b="1" dirty="0"/>
+              <a:t>stressful environmental conditions</a:t>
+            </a:r>
+            <a:r>
+              <a:rPr lang="en-US" altLang="zh-CN" dirty="0"/>
+              <a:t>.</a:t>
+            </a:r>
+            <a:endParaRPr lang="en-US" altLang="zh-CN" b="1" dirty="0"/>
+          </a:p>
+          <a:p>
+            <a:r>
+              <a:rPr lang="en-US" altLang="zh-CN" b="1" dirty="0"/>
+              <a:t>Robust control:</a:t>
+            </a:r>
+          </a:p>
+          <a:p>
+            <a:pPr marL="596900" lvl="1" indent="0">
+              <a:spcBef>
+                <a:spcPts val="0"/>
+              </a:spcBef>
+              <a:spcAft>
+                <a:spcPts val="800"/>
+              </a:spcAft>
+              <a:buNone/>
+            </a:pPr>
+            <a:r>
+              <a:rPr lang="en-US" altLang="zh-CN" dirty="0"/>
+              <a:t>In control theory, robust control is an approach to controller design that explicitly </a:t>
+            </a:r>
+            <a:r>
+              <a:rPr lang="en-US" altLang="zh-CN" b="1" dirty="0">
+                <a:solidFill>
+                  <a:srgbClr val="FF0000"/>
+                </a:solidFill>
+              </a:rPr>
+              <a:t>deals with uncertainty</a:t>
+            </a:r>
+            <a:r>
+              <a:rPr lang="en-US" altLang="zh-CN" dirty="0"/>
+              <a:t>.</a:t>
+            </a:r>
+            <a:endParaRPr lang="en-US" altLang="zh-CN" b="1" dirty="0"/>
+          </a:p>
+          <a:p>
+            <a:r>
+              <a:rPr lang="en-US" dirty="0"/>
+              <a:t>Other fields…</a:t>
+            </a:r>
+            <a:br>
+              <a:rPr lang="en-US" dirty="0"/>
+            </a:br>
+            <a:br>
+              <a:rPr lang="en-US" dirty="0"/>
+            </a:br>
             <a:endParaRPr lang="en-US" dirty="0"/>
           </a:p>
         </p:txBody>
       </p:sp>
       <p:sp>
         <p:nvSpPr>
-          <p:cNvPr id="4" name="Slide Number Placeholder 3"/>
-          <p:cNvSpPr>
+          <p:cNvPr id="82" name="Google Shape;82;p14"/>
+          <p:cNvSpPr txBox="1">
             <a:spLocks noGrp="1"/>
           </p:cNvSpPr>
           <p:nvPr>
             <p:ph type="sldNum" idx="12"/>
           </p:nvPr>
         </p:nvSpPr>
-        <p:spPr/>
+        <p:spPr>
+          <a:xfrm>
+            <a:off x="8472458" y="4688792"/>
+            <a:ext cx="548700" cy="393600"/>
+          </a:xfrm>
+          <a:prstGeom prst="rect">
+            <a:avLst/>
+          </a:prstGeom>
+        </p:spPr>
         <p:txBody>
-          <a:bodyPr/>
+          <a:bodyPr spcFirstLastPara="1" wrap="square" lIns="91425" tIns="91425" rIns="91425" bIns="91425" anchor="ctr" anchorCtr="0">
+            <a:noAutofit/>
+          </a:bodyPr>
           <a:lstStyle/>
           <a:p>
             <a:pPr marL="0" lvl="0" indent="0" algn="r" rtl="0">
@@ -14779,19 +17072,14 @@
               <a:buNone/>
             </a:pPr>
             <a:fld id="{00000000-1234-1234-1234-123412341234}" type="slidenum">
-              <a:rPr lang="en" smtClean="0"/>
+              <a:rPr lang="en"/>
               <a:t>4</a:t>
             </a:fld>
-            <a:endParaRPr lang="en"/>
+            <a:endParaRPr/>
           </a:p>
         </p:txBody>
       </p:sp>
     </p:spTree>
-    <p:extLst>
-      <p:ext uri="{BB962C8B-B14F-4D97-AF65-F5344CB8AC3E}">
-        <p14:creationId xmlns:p14="http://schemas.microsoft.com/office/powerpoint/2010/main" val="695925126"/>
-      </p:ext>
-    </p:extLst>
   </p:cSld>
   <p:clrMapOvr>
     <a:masterClrMapping/>
@@ -14938,13 +17226,6 @@
   <p:clrMapOvr>
     <a:masterClrMapping/>
   </p:clrMapOvr>
-  <p:timing>
-    <p:tnLst>
-      <p:par>
-        <p:cTn id="1" dur="indefinite" restart="never" nodeType="tmRoot"/>
-      </p:par>
-    </p:tnLst>
-  </p:timing>
 </p:sld>
 </file>
 
@@ -15667,13 +17948,6 @@
   <p:clrMapOvr>
     <a:masterClrMapping/>
   </p:clrMapOvr>
-  <p:timing>
-    <p:tnLst>
-      <p:par>
-        <p:cTn id="1" dur="indefinite" restart="never" nodeType="tmRoot"/>
-      </p:par>
-    </p:tnLst>
-  </p:timing>
 </p:sld>
 </file>
 
@@ -15745,35 +18019,35 @@
           <a:lstStyle/>
           <a:p>
             <a:r>
-              <a:rPr lang="en-US" altLang="zh-CN" sz="1600" dirty="0" smtClean="0"/>
+              <a:rPr lang="en-US" altLang="zh-CN" sz="1600" dirty="0"/>
               <a:t>Our approach is based on LTSA, thus the form of safety property is limited to it.</a:t>
             </a:r>
           </a:p>
           <a:p>
             <a:r>
-              <a:rPr lang="en-US" altLang="zh-CN" sz="1600" dirty="0" smtClean="0"/>
+              <a:rPr lang="en-US" altLang="zh-CN" sz="1600" dirty="0"/>
               <a:t>We only consider deadlock-free as the only liveness property.</a:t>
             </a:r>
           </a:p>
           <a:p>
             <a:r>
-              <a:rPr lang="en-US" altLang="zh-CN" sz="1600" dirty="0" smtClean="0"/>
+              <a:rPr lang="en-US" altLang="zh-CN" sz="1600" dirty="0"/>
               <a:t>The </a:t>
             </a:r>
             <a:r>
-              <a:rPr lang="en-US" altLang="zh-CN" sz="1600" dirty="0" err="1" smtClean="0"/>
+              <a:rPr lang="en-US" altLang="zh-CN" sz="1600" dirty="0" err="1"/>
               <a:t>Büchi</a:t>
             </a:r>
             <a:r>
-              <a:rPr lang="en-US" altLang="zh-CN" sz="1600" dirty="0" smtClean="0"/>
+              <a:rPr lang="en-US" altLang="zh-CN" sz="1600" dirty="0"/>
               <a:t> automata can capture the capability to deal with </a:t>
             </a:r>
             <a:r>
-              <a:rPr lang="en-US" altLang="zh-CN" sz="1600" dirty="0" err="1" smtClean="0"/>
+              <a:rPr lang="en-US" altLang="zh-CN" sz="1600" dirty="0" err="1"/>
               <a:t>unceratinty</a:t>
             </a:r>
             <a:r>
-              <a:rPr lang="en-US" altLang="zh-CN" sz="1600" dirty="0" smtClean="0"/>
+              <a:rPr lang="en-US" altLang="zh-CN" sz="1600" dirty="0"/>
               <a:t>, but it is not a good representation as a metric.</a:t>
             </a:r>
             <a:endParaRPr lang="zh-CN" altLang="en-US" sz="1600" dirty="0"/>
@@ -15828,256 +18102,10 @@
   <p:clrMapOvr>
     <a:masterClrMapping/>
   </p:clrMapOvr>
-  <p:timing>
-    <p:tnLst>
-      <p:par>
-        <p:cTn id="1" dur="indefinite" restart="never" nodeType="tmRoot"/>
-      </p:par>
-    </p:tnLst>
-  </p:timing>
 </p:sld>
 </file>
 
 <file path=ppt/slides/slide5.xml><?xml version="1.0" encoding="utf-8"?>
-<p:sld xmlns:a="http://schemas.openxmlformats.org/drawingml/2006/main" xmlns:r="http://schemas.openxmlformats.org/officeDocument/2006/relationships" xmlns:p="http://schemas.openxmlformats.org/presentationml/2006/main" show="0">
-  <p:cSld>
-    <p:spTree>
-      <p:nvGrpSpPr>
-        <p:cNvPr id="1" name="Shape 79"/>
-        <p:cNvGrpSpPr/>
-        <p:nvPr/>
-      </p:nvGrpSpPr>
-      <p:grpSpPr>
-        <a:xfrm>
-          <a:off x="0" y="0"/>
-          <a:ext cx="0" cy="0"/>
-          <a:chOff x="0" y="0"/>
-          <a:chExt cx="0" cy="0"/>
-        </a:xfrm>
-      </p:grpSpPr>
-      <p:sp>
-        <p:nvSpPr>
-          <p:cNvPr id="80" name="Google Shape;80;p14"/>
-          <p:cNvSpPr txBox="1">
-            <a:spLocks noGrp="1"/>
-          </p:cNvSpPr>
-          <p:nvPr>
-            <p:ph type="title"/>
-          </p:nvPr>
-        </p:nvSpPr>
-        <p:spPr>
-          <a:xfrm>
-            <a:off x="311700" y="445025"/>
-            <a:ext cx="8520600" cy="572700"/>
-          </a:xfrm>
-          <a:prstGeom prst="rect">
-            <a:avLst/>
-          </a:prstGeom>
-        </p:spPr>
-        <p:txBody>
-          <a:bodyPr spcFirstLastPara="1" wrap="square" lIns="91425" tIns="91425" rIns="91425" bIns="91425" anchor="t" anchorCtr="0">
-            <a:noAutofit/>
-          </a:bodyPr>
-          <a:lstStyle/>
-          <a:p>
-            <a:pPr marL="0" lvl="0" indent="0" algn="l" rtl="0">
-              <a:spcBef>
-                <a:spcPts val="0"/>
-              </a:spcBef>
-              <a:spcAft>
-                <a:spcPts val="0"/>
-              </a:spcAft>
-              <a:buNone/>
-            </a:pPr>
-            <a:r>
-              <a:rPr lang="en-US" dirty="0"/>
-              <a:t>What is Robustness?</a:t>
-            </a:r>
-            <a:endParaRPr dirty="0"/>
-          </a:p>
-        </p:txBody>
-      </p:sp>
-      <p:sp>
-        <p:nvSpPr>
-          <p:cNvPr id="81" name="Google Shape;81;p14"/>
-          <p:cNvSpPr txBox="1">
-            <a:spLocks noGrp="1"/>
-          </p:cNvSpPr>
-          <p:nvPr>
-            <p:ph type="body" idx="1"/>
-          </p:nvPr>
-        </p:nvSpPr>
-        <p:spPr>
-          <a:xfrm>
-            <a:off x="311700" y="1152475"/>
-            <a:ext cx="8520600" cy="3172200"/>
-          </a:xfrm>
-          <a:prstGeom prst="rect">
-            <a:avLst/>
-          </a:prstGeom>
-        </p:spPr>
-        <p:txBody>
-          <a:bodyPr spcFirstLastPara="1" wrap="square" lIns="91425" tIns="91425" rIns="91425" bIns="91425" anchor="t" anchorCtr="0">
-            <a:noAutofit/>
-          </a:bodyPr>
-          <a:lstStyle/>
-          <a:p>
-            <a:r>
-              <a:rPr lang="en-US" altLang="zh-CN" b="1" dirty="0"/>
-              <a:t>IEEE definition:</a:t>
-            </a:r>
-          </a:p>
-          <a:p>
-            <a:pPr marL="596900" lvl="1" indent="0">
-              <a:spcBef>
-                <a:spcPts val="0"/>
-              </a:spcBef>
-              <a:spcAft>
-                <a:spcPts val="800"/>
-              </a:spcAft>
-              <a:buNone/>
-            </a:pPr>
-            <a:r>
-              <a:rPr lang="en-US" altLang="zh-CN" dirty="0"/>
-              <a:t>The degree to which a system or component can function correctly in the presence of </a:t>
-            </a:r>
-            <a:r>
-              <a:rPr lang="en-US" altLang="zh-CN" b="1" dirty="0"/>
-              <a:t>invalid inputs </a:t>
-            </a:r>
-            <a:r>
-              <a:rPr lang="en-US" altLang="zh-CN" dirty="0"/>
-              <a:t>or </a:t>
-            </a:r>
-            <a:r>
-              <a:rPr lang="en-US" altLang="zh-CN" b="1" dirty="0"/>
-              <a:t>stressful environmental conditions</a:t>
-            </a:r>
-            <a:r>
-              <a:rPr lang="en-US" altLang="zh-CN" dirty="0"/>
-              <a:t>.</a:t>
-            </a:r>
-            <a:endParaRPr lang="en-US" altLang="zh-CN" b="1" dirty="0"/>
-          </a:p>
-          <a:p>
-            <a:r>
-              <a:rPr lang="en-US" altLang="zh-CN" b="1" dirty="0"/>
-              <a:t>Robust control:</a:t>
-            </a:r>
-          </a:p>
-          <a:p>
-            <a:pPr marL="596900" lvl="1" indent="0">
-              <a:spcBef>
-                <a:spcPts val="0"/>
-              </a:spcBef>
-              <a:spcAft>
-                <a:spcPts val="800"/>
-              </a:spcAft>
-              <a:buNone/>
-            </a:pPr>
-            <a:r>
-              <a:rPr lang="en-US" altLang="zh-CN" dirty="0"/>
-              <a:t>In control theory, robust control is an approach to controller design that explicitly </a:t>
-            </a:r>
-            <a:r>
-              <a:rPr lang="en-US" altLang="zh-CN" b="1" dirty="0">
-                <a:solidFill>
-                  <a:srgbClr val="FF0000"/>
-                </a:solidFill>
-              </a:rPr>
-              <a:t>deals with uncertainty</a:t>
-            </a:r>
-            <a:r>
-              <a:rPr lang="en-US" altLang="zh-CN" dirty="0"/>
-              <a:t>.</a:t>
-            </a:r>
-            <a:endParaRPr lang="en-US" altLang="zh-CN" b="1" dirty="0"/>
-          </a:p>
-          <a:p>
-            <a:r>
-              <a:rPr lang="en-US" dirty="0"/>
-              <a:t>Other fields…</a:t>
-            </a:r>
-            <a:br>
-              <a:rPr lang="en-US" dirty="0"/>
-            </a:br>
-            <a:r>
-              <a:rPr lang="en-US" dirty="0"/>
-              <a:t/>
-            </a:r>
-            <a:br>
-              <a:rPr lang="en-US" dirty="0"/>
-            </a:br>
-            <a:endParaRPr lang="en-US" dirty="0"/>
-          </a:p>
-        </p:txBody>
-      </p:sp>
-      <p:sp>
-        <p:nvSpPr>
-          <p:cNvPr id="82" name="Google Shape;82;p14"/>
-          <p:cNvSpPr txBox="1">
-            <a:spLocks noGrp="1"/>
-          </p:cNvSpPr>
-          <p:nvPr>
-            <p:ph type="sldNum" idx="12"/>
-          </p:nvPr>
-        </p:nvSpPr>
-        <p:spPr>
-          <a:xfrm>
-            <a:off x="8472458" y="4688792"/>
-            <a:ext cx="548700" cy="393600"/>
-          </a:xfrm>
-          <a:prstGeom prst="rect">
-            <a:avLst/>
-          </a:prstGeom>
-        </p:spPr>
-        <p:txBody>
-          <a:bodyPr spcFirstLastPara="1" wrap="square" lIns="91425" tIns="91425" rIns="91425" bIns="91425" anchor="ctr" anchorCtr="0">
-            <a:noAutofit/>
-          </a:bodyPr>
-          <a:lstStyle/>
-          <a:p>
-            <a:pPr marL="0" lvl="0" indent="0" algn="r" rtl="0">
-              <a:spcBef>
-                <a:spcPts val="0"/>
-              </a:spcBef>
-              <a:spcAft>
-                <a:spcPts val="0"/>
-              </a:spcAft>
-              <a:buNone/>
-            </a:pPr>
-            <a:fld id="{00000000-1234-1234-1234-123412341234}" type="slidenum">
-              <a:rPr lang="en"/>
-              <a:t>5</a:t>
-            </a:fld>
-            <a:endParaRPr/>
-          </a:p>
-        </p:txBody>
-      </p:sp>
-    </p:spTree>
-  </p:cSld>
-  <p:clrMapOvr>
-    <a:masterClrMapping/>
-  </p:clrMapOvr>
-  <mc:AlternateContent xmlns:mc="http://schemas.openxmlformats.org/markup-compatibility/2006">
-    <mc:Choice xmlns:p14="http://schemas.microsoft.com/office/powerpoint/2010/main" Requires="p14">
-      <p:transition spd="slow" p14:dur="2000"/>
-    </mc:Choice>
-    <mc:Fallback>
-      <p:transition spd="slow"/>
-    </mc:Fallback>
-  </mc:AlternateContent>
-  <p:timing>
-    <p:tnLst>
-      <p:par>
-        <p:cTn id="1" dur="indefinite" restart="never" nodeType="tmRoot"/>
-      </p:par>
-    </p:tnLst>
-  </p:timing>
-</p:sld>
-</file>
-
-<file path=ppt/slides/slide6.xml><?xml version="1.0" encoding="utf-8"?>
 <p:sld xmlns:a="http://schemas.openxmlformats.org/drawingml/2006/main" xmlns:r="http://schemas.openxmlformats.org/officeDocument/2006/relationships" xmlns:p="http://schemas.openxmlformats.org/presentationml/2006/main" show="0">
   <p:cSld>
     <p:spTree>
@@ -16267,7 +18295,7 @@
             </a:pPr>
             <a:fld id="{00000000-1234-1234-1234-123412341234}" type="slidenum">
               <a:rPr lang="en" smtClean="0"/>
-              <a:t>6</a:t>
+              <a:t>5</a:t>
             </a:fld>
             <a:endParaRPr lang="en"/>
           </a:p>
@@ -16283,25 +18311,10 @@
   <p:clrMapOvr>
     <a:masterClrMapping/>
   </p:clrMapOvr>
-  <mc:AlternateContent xmlns:mc="http://schemas.openxmlformats.org/markup-compatibility/2006">
-    <mc:Choice xmlns:p14="http://schemas.microsoft.com/office/powerpoint/2010/main" Requires="p14">
-      <p:transition spd="slow" p14:dur="2000"/>
-    </mc:Choice>
-    <mc:Fallback>
-      <p:transition spd="slow"/>
-    </mc:Fallback>
-  </mc:AlternateContent>
-  <p:timing>
-    <p:tnLst>
-      <p:par>
-        <p:cTn id="1" dur="indefinite" restart="never" nodeType="tmRoot"/>
-      </p:par>
-    </p:tnLst>
-  </p:timing>
 </p:sld>
 </file>
 
-<file path=ppt/slides/slide7.xml><?xml version="1.0" encoding="utf-8"?>
+<file path=ppt/slides/slide6.xml><?xml version="1.0" encoding="utf-8"?>
 <p:sld xmlns:a="http://schemas.openxmlformats.org/drawingml/2006/main" xmlns:r="http://schemas.openxmlformats.org/officeDocument/2006/relationships" xmlns:p="http://schemas.openxmlformats.org/presentationml/2006/main" show="0">
   <p:cSld>
     <p:spTree>
@@ -16534,7 +18547,7 @@
             </a:pPr>
             <a:fld id="{00000000-1234-1234-1234-123412341234}" type="slidenum">
               <a:rPr lang="en" smtClean="0"/>
-              <a:t>7</a:t>
+              <a:t>6</a:t>
             </a:fld>
             <a:endParaRPr lang="en"/>
           </a:p>
@@ -16550,25 +18563,10 @@
   <p:clrMapOvr>
     <a:masterClrMapping/>
   </p:clrMapOvr>
-  <mc:AlternateContent xmlns:mc="http://schemas.openxmlformats.org/markup-compatibility/2006">
-    <mc:Choice xmlns:p14="http://schemas.microsoft.com/office/powerpoint/2010/main" Requires="p14">
-      <p:transition spd="slow" p14:dur="2000"/>
-    </mc:Choice>
-    <mc:Fallback>
-      <p:transition spd="slow"/>
-    </mc:Fallback>
-  </mc:AlternateContent>
-  <p:timing>
-    <p:tnLst>
-      <p:par>
-        <p:cTn id="1" dur="indefinite" restart="never" nodeType="tmRoot"/>
-      </p:par>
-    </p:tnLst>
-  </p:timing>
 </p:sld>
 </file>
 
-<file path=ppt/slides/slide8.xml><?xml version="1.0" encoding="utf-8"?>
+<file path=ppt/slides/slide7.xml><?xml version="1.0" encoding="utf-8"?>
 <p:sld xmlns:a="http://schemas.openxmlformats.org/drawingml/2006/main" xmlns:r="http://schemas.openxmlformats.org/officeDocument/2006/relationships" xmlns:p="http://schemas.openxmlformats.org/presentationml/2006/main" show="0">
   <p:cSld>
     <p:spTree>
@@ -16769,7 +18767,7 @@
             </a:pPr>
             <a:fld id="{00000000-1234-1234-1234-123412341234}" type="slidenum">
               <a:rPr lang="en" smtClean="0"/>
-              <a:t>8</a:t>
+              <a:t>7</a:t>
             </a:fld>
             <a:endParaRPr lang="en"/>
           </a:p>
@@ -16785,25 +18783,10 @@
   <p:clrMapOvr>
     <a:masterClrMapping/>
   </p:clrMapOvr>
-  <mc:AlternateContent xmlns:mc="http://schemas.openxmlformats.org/markup-compatibility/2006">
-    <mc:Choice xmlns:p14="http://schemas.microsoft.com/office/powerpoint/2010/main" Requires="p14">
-      <p:transition spd="slow" p14:dur="2000"/>
-    </mc:Choice>
-    <mc:Fallback>
-      <p:transition spd="slow"/>
-    </mc:Fallback>
-  </mc:AlternateContent>
-  <p:timing>
-    <p:tnLst>
-      <p:par>
-        <p:cTn id="1" dur="indefinite" restart="never" nodeType="tmRoot"/>
-      </p:par>
-    </p:tnLst>
-  </p:timing>
 </p:sld>
 </file>
 
-<file path=ppt/slides/slide9.xml><?xml version="1.0" encoding="utf-8"?>
+<file path=ppt/slides/slide8.xml><?xml version="1.0" encoding="utf-8"?>
 <p:sld xmlns:a="http://schemas.openxmlformats.org/drawingml/2006/main" xmlns:r="http://schemas.openxmlformats.org/officeDocument/2006/relationships" xmlns:p="http://schemas.openxmlformats.org/presentationml/2006/main">
   <p:cSld>
     <p:spTree>
@@ -16869,7 +18852,7 @@
             </a:pPr>
             <a:fld id="{00000000-1234-1234-1234-123412341234}" type="slidenum">
               <a:rPr lang="en" smtClean="0"/>
-              <a:t>9</a:t>
+              <a:t>8</a:t>
             </a:fld>
             <a:endParaRPr lang="en"/>
           </a:p>
@@ -16885,13 +18868,177 @@
   <p:clrMapOvr>
     <a:masterClrMapping/>
   </p:clrMapOvr>
-  <p:timing>
-    <p:tnLst>
-      <p:par>
-        <p:cTn id="1" dur="indefinite" restart="never" nodeType="tmRoot"/>
-      </p:par>
-    </p:tnLst>
-  </p:timing>
+</p:sld>
+</file>
+
+<file path=ppt/slides/slide9.xml><?xml version="1.0" encoding="utf-8"?>
+<p:sld xmlns:a="http://schemas.openxmlformats.org/drawingml/2006/main" xmlns:r="http://schemas.openxmlformats.org/officeDocument/2006/relationships" xmlns:p="http://schemas.openxmlformats.org/presentationml/2006/main">
+  <p:cSld>
+    <p:spTree>
+      <p:nvGrpSpPr>
+        <p:cNvPr id="1" name=""/>
+        <p:cNvGrpSpPr/>
+        <p:nvPr/>
+      </p:nvGrpSpPr>
+      <p:grpSpPr>
+        <a:xfrm>
+          <a:off x="0" y="0"/>
+          <a:ext cx="0" cy="0"/>
+          <a:chOff x="0" y="0"/>
+          <a:chExt cx="0" cy="0"/>
+        </a:xfrm>
+      </p:grpSpPr>
+      <p:sp>
+        <p:nvSpPr>
+          <p:cNvPr id="2" name="Title 1">
+            <a:extLst>
+              <a:ext uri="{FF2B5EF4-FFF2-40B4-BE49-F238E27FC236}">
+                <a16:creationId xmlns:a16="http://schemas.microsoft.com/office/drawing/2014/main" id="{7D605995-26D7-480D-A8E6-4CA4D75F6B77}"/>
+              </a:ext>
+            </a:extLst>
+          </p:cNvPr>
+          <p:cNvSpPr>
+            <a:spLocks noGrp="1"/>
+          </p:cNvSpPr>
+          <p:nvPr>
+            <p:ph type="title"/>
+          </p:nvPr>
+        </p:nvSpPr>
+        <p:spPr/>
+        <p:txBody>
+          <a:bodyPr/>
+          <a:lstStyle/>
+          <a:p>
+            <a:r>
+              <a:rPr lang="en-US" altLang="zh-CN" dirty="0"/>
+              <a:t>Background</a:t>
+            </a:r>
+            <a:endParaRPr lang="zh-CN" altLang="en-US" dirty="0"/>
+          </a:p>
+        </p:txBody>
+      </p:sp>
+      <p:sp>
+        <p:nvSpPr>
+          <p:cNvPr id="3" name="Text Placeholder 2">
+            <a:extLst>
+              <a:ext uri="{FF2B5EF4-FFF2-40B4-BE49-F238E27FC236}">
+                <a16:creationId xmlns:a16="http://schemas.microsoft.com/office/drawing/2014/main" id="{1843D3EB-6AE8-431A-A06F-71485AF82E70}"/>
+              </a:ext>
+            </a:extLst>
+          </p:cNvPr>
+          <p:cNvSpPr>
+            <a:spLocks noGrp="1"/>
+          </p:cNvSpPr>
+          <p:nvPr>
+            <p:ph type="body" idx="1"/>
+          </p:nvPr>
+        </p:nvSpPr>
+        <p:spPr/>
+        <p:txBody>
+          <a:bodyPr/>
+          <a:lstStyle/>
+          <a:p>
+            <a:pPr marL="114300" indent="0">
+              <a:buNone/>
+            </a:pPr>
+            <a:r>
+              <a:rPr lang="en-US" altLang="zh-CN" sz="1600" dirty="0"/>
+              <a:t>We use </a:t>
+            </a:r>
+            <a:r>
+              <a:rPr lang="en-US" altLang="zh-CN" sz="1600" i="1" dirty="0"/>
+              <a:t>labelled transition systems (LTS) </a:t>
+            </a:r>
+            <a:r>
+              <a:rPr lang="en-US" altLang="zh-CN" sz="1600" dirty="0"/>
+              <a:t>to model the behavior of systems and environments.</a:t>
+            </a:r>
+            <a:endParaRPr lang="zh-CN" altLang="en-US" sz="1600" dirty="0"/>
+          </a:p>
+        </p:txBody>
+      </p:sp>
+      <p:sp>
+        <p:nvSpPr>
+          <p:cNvPr id="4" name="Slide Number Placeholder 3">
+            <a:extLst>
+              <a:ext uri="{FF2B5EF4-FFF2-40B4-BE49-F238E27FC236}">
+                <a16:creationId xmlns:a16="http://schemas.microsoft.com/office/drawing/2014/main" id="{DD769FA6-C05F-4802-8572-EDA4F133331D}"/>
+              </a:ext>
+            </a:extLst>
+          </p:cNvPr>
+          <p:cNvSpPr>
+            <a:spLocks noGrp="1"/>
+          </p:cNvSpPr>
+          <p:nvPr>
+            <p:ph type="sldNum" idx="12"/>
+          </p:nvPr>
+        </p:nvSpPr>
+        <p:spPr/>
+        <p:txBody>
+          <a:bodyPr/>
+          <a:lstStyle/>
+          <a:p>
+            <a:pPr marL="0" lvl="0" indent="0" algn="r" rtl="0">
+              <a:spcBef>
+                <a:spcPts val="0"/>
+              </a:spcBef>
+              <a:spcAft>
+                <a:spcPts val="0"/>
+              </a:spcAft>
+              <a:buNone/>
+            </a:pPr>
+            <a:fld id="{00000000-1234-1234-1234-123412341234}" type="slidenum">
+              <a:rPr lang="en" smtClean="0"/>
+              <a:t>9</a:t>
+            </a:fld>
+            <a:endParaRPr lang="en"/>
+          </a:p>
+        </p:txBody>
+      </p:sp>
+      <p:pic>
+        <p:nvPicPr>
+          <p:cNvPr id="10" name="Picture 9">
+            <a:extLst>
+              <a:ext uri="{FF2B5EF4-FFF2-40B4-BE49-F238E27FC236}">
+                <a16:creationId xmlns:a16="http://schemas.microsoft.com/office/drawing/2014/main" id="{FE22408C-4A77-4163-AFBB-C9F8F850FDA4}"/>
+              </a:ext>
+            </a:extLst>
+          </p:cNvPr>
+          <p:cNvPicPr>
+            <a:picLocks noChangeAspect="1"/>
+          </p:cNvPicPr>
+          <p:nvPr>
+            <p:custDataLst>
+              <p:tags r:id="rId1"/>
+            </p:custDataLst>
+          </p:nvPr>
+        </p:nvPicPr>
+        <p:blipFill>
+          <a:blip r:embed="rId3"/>
+          <a:stretch>
+            <a:fillRect/>
+          </a:stretch>
+        </p:blipFill>
+        <p:spPr>
+          <a:xfrm>
+            <a:off x="888190" y="1939978"/>
+            <a:ext cx="7367619" cy="2262857"/>
+          </a:xfrm>
+          <a:prstGeom prst="rect">
+            <a:avLst/>
+          </a:prstGeom>
+        </p:spPr>
+      </p:pic>
+    </p:spTree>
+    <p:extLst>
+      <p:ext uri="{BB962C8B-B14F-4D97-AF65-F5344CB8AC3E}">
+        <p14:creationId xmlns:p14="http://schemas.microsoft.com/office/powerpoint/2010/main" val="3205186143"/>
+      </p:ext>
+    </p:extLst>
+  </p:cSld>
+  <p:clrMapOvr>
+    <a:masterClrMapping/>
+  </p:clrMapOvr>
 </p:sld>
 </file>
 

--- a/Robustness.pptx
+++ b/Robustness.pptx
@@ -5,7 +5,7 @@
     <p:sldMasterId id="2147483659" r:id="rId1"/>
   </p:sldMasterIdLst>
   <p:notesMasterIdLst>
-    <p:notesMasterId r:id="rId44"/>
+    <p:notesMasterId r:id="rId43"/>
   </p:notesMasterIdLst>
   <p:sldIdLst>
     <p:sldId id="256" r:id="rId2"/>
@@ -48,36 +48,39 @@
     <p:sldId id="295" r:id="rId39"/>
     <p:sldId id="296" r:id="rId40"/>
     <p:sldId id="277" r:id="rId41"/>
-    <p:sldId id="297" r:id="rId42"/>
-    <p:sldId id="298" r:id="rId43"/>
+    <p:sldId id="298" r:id="rId42"/>
   </p:sldIdLst>
   <p:sldSz cx="9144000" cy="5143500" type="screen16x9"/>
   <p:notesSz cx="6858000" cy="9144000"/>
   <p:embeddedFontLst>
     <p:embeddedFont>
       <p:font typeface="Cambria Math" panose="02040503050406030204" pitchFamily="18" charset="0"/>
-      <p:regular r:id="rId45"/>
+      <p:regular r:id="rId44"/>
     </p:embeddedFont>
     <p:embeddedFont>
-      <p:font typeface="Open Sans" panose="02010600030101010101" charset="0"/>
-      <p:regular r:id="rId46"/>
-      <p:bold r:id="rId47"/>
-      <p:italic r:id="rId48"/>
-      <p:boldItalic r:id="rId49"/>
+      <p:font typeface="Open Sans Light" panose="020B0604020202020204" charset="0"/>
+      <p:regular r:id="rId45"/>
+      <p:bold r:id="rId46"/>
+      <p:italic r:id="rId47"/>
+      <p:boldItalic r:id="rId48"/>
     </p:embeddedFont>
     <p:embeddedFont>
-      <p:font typeface="Open Sans Light" panose="02010600030101010101" charset="0"/>
-      <p:regular r:id="rId50"/>
-      <p:bold r:id="rId51"/>
-      <p:italic r:id="rId52"/>
-      <p:boldItalic r:id="rId53"/>
+      <p:font typeface="Open Sans SemiBold" panose="020B0604020202020204" charset="0"/>
+      <p:regular r:id="rId49"/>
+      <p:bold r:id="rId50"/>
+      <p:italic r:id="rId51"/>
+      <p:boldItalic r:id="rId52"/>
     </p:embeddedFont>
     <p:embeddedFont>
-      <p:font typeface="Open Sans SemiBold" panose="02010600030101010101" charset="0"/>
-      <p:regular r:id="rId54"/>
-      <p:bold r:id="rId55"/>
-      <p:italic r:id="rId56"/>
-      <p:boldItalic r:id="rId57"/>
+      <p:font typeface="Open Sans" panose="020B0604020202020204" charset="0"/>
+      <p:regular r:id="rId53"/>
+      <p:bold r:id="rId54"/>
+      <p:italic r:id="rId55"/>
+      <p:boldItalic r:id="rId56"/>
+    </p:embeddedFont>
+    <p:embeddedFont>
+      <p:font typeface="宋体" panose="02010600030101010101" pitchFamily="2" charset="-122"/>
+      <p:regular r:id="rId57"/>
     </p:embeddedFont>
   </p:embeddedFontLst>
   <p:defaultTextStyle>
@@ -1550,6 +1553,14 @@
             <a:pPr marL="158750" indent="0">
               <a:buNone/>
             </a:pPr>
+            <a:r>
+              <a:rPr lang="en-US" dirty="0" smtClean="0"/>
+              <a:t>To check safety property, there should not have a trace that will lead the system enters the </a:t>
+            </a:r>
+            <a:r>
+              <a:rPr lang="en-US" smtClean="0"/>
+              <a:t>error state.</a:t>
+            </a:r>
             <a:endParaRPr lang="en-US" dirty="0"/>
           </a:p>
         </p:txBody>
@@ -8321,8 +8332,8 @@
           </a:p>
         </p:txBody>
       </p:sp>
-      <mc:AlternateContent xmlns:mc="http://schemas.openxmlformats.org/markup-compatibility/2006">
-        <mc:Choice xmlns:a14="http://schemas.microsoft.com/office/drawing/2010/main" Requires="a14">
+      <mc:AlternateContent xmlns:mc="http://schemas.openxmlformats.org/markup-compatibility/2006" xmlns:a14="http://schemas.microsoft.com/office/drawing/2010/main">
+        <mc:Choice Requires="a14">
           <p:sp>
             <p:nvSpPr>
               <p:cNvPr id="3" name="Text Placeholder 2"/>
@@ -8380,7 +8391,7 @@
             </p:txBody>
           </p:sp>
         </mc:Choice>
-        <mc:Fallback>
+        <mc:Fallback xmlns="">
           <p:sp>
             <p:nvSpPr>
               <p:cNvPr id="3" name="Text Placeholder 2"/>
@@ -9137,8 +9148,8 @@
           </a:p>
         </p:txBody>
       </p:sp>
-      <mc:AlternateContent xmlns:mc="http://schemas.openxmlformats.org/markup-compatibility/2006">
-        <mc:Choice xmlns:a14="http://schemas.microsoft.com/office/drawing/2010/main" Requires="a14">
+      <mc:AlternateContent xmlns:mc="http://schemas.openxmlformats.org/markup-compatibility/2006" xmlns:a14="http://schemas.microsoft.com/office/drawing/2010/main">
+        <mc:Choice Requires="a14">
           <p:sp>
             <p:nvSpPr>
               <p:cNvPr id="3" name="Text Placeholder 2"/>
@@ -9181,7 +9192,7 @@
             </p:txBody>
           </p:sp>
         </mc:Choice>
-        <mc:Fallback>
+        <mc:Fallback xmlns="">
           <p:sp>
             <p:nvSpPr>
               <p:cNvPr id="3" name="Text Placeholder 2"/>
@@ -9371,8 +9382,8 @@
           </a:p>
         </p:txBody>
       </p:sp>
-      <mc:AlternateContent xmlns:mc="http://schemas.openxmlformats.org/markup-compatibility/2006">
-        <mc:Choice xmlns:a14="http://schemas.microsoft.com/office/drawing/2010/main" Requires="a14">
+      <mc:AlternateContent xmlns:mc="http://schemas.openxmlformats.org/markup-compatibility/2006" xmlns:a14="http://schemas.microsoft.com/office/drawing/2010/main">
+        <mc:Choice Requires="a14">
           <p:sp>
             <p:nvSpPr>
               <p:cNvPr id="3" name="Text Placeholder 2"/>
@@ -9427,7 +9438,7 @@
             </p:txBody>
           </p:sp>
         </mc:Choice>
-        <mc:Fallback>
+        <mc:Fallback xmlns="">
           <p:sp>
             <p:nvSpPr>
               <p:cNvPr id="3" name="Text Placeholder 2"/>
@@ -9617,8 +9628,8 @@
           </a:p>
         </p:txBody>
       </p:sp>
-      <mc:AlternateContent xmlns:mc="http://schemas.openxmlformats.org/markup-compatibility/2006">
-        <mc:Choice xmlns:a14="http://schemas.microsoft.com/office/drawing/2010/main" Requires="a14">
+      <mc:AlternateContent xmlns:mc="http://schemas.openxmlformats.org/markup-compatibility/2006" xmlns:a14="http://schemas.microsoft.com/office/drawing/2010/main">
+        <mc:Choice Requires="a14">
           <p:sp>
             <p:nvSpPr>
               <p:cNvPr id="3" name="Text Placeholder 2"/>
@@ -9701,7 +9712,7 @@
             </p:txBody>
           </p:sp>
         </mc:Choice>
-        <mc:Fallback>
+        <mc:Fallback xmlns="">
           <p:sp>
             <p:nvSpPr>
               <p:cNvPr id="3" name="Text Placeholder 2"/>
@@ -9839,6 +9850,61 @@
           </a:prstGeom>
         </p:spPr>
       </p:pic>
+      <p:sp>
+        <p:nvSpPr>
+          <p:cNvPr id="6" name="Rectangular Callout 5"/>
+          <p:cNvSpPr/>
+          <p:nvPr/>
+        </p:nvSpPr>
+        <p:spPr>
+          <a:xfrm>
+            <a:off x="3145003" y="3476427"/>
+            <a:ext cx="2853993" cy="1089517"/>
+          </a:xfrm>
+          <a:prstGeom prst="wedgeRectCallout">
+            <a:avLst>
+              <a:gd name="adj1" fmla="val -34906"/>
+              <a:gd name="adj2" fmla="val -96316"/>
+            </a:avLst>
+          </a:prstGeom>
+        </p:spPr>
+        <p:style>
+          <a:lnRef idx="2">
+            <a:schemeClr val="accent1">
+              <a:shade val="50000"/>
+            </a:schemeClr>
+          </a:lnRef>
+          <a:fillRef idx="1">
+            <a:schemeClr val="accent1"/>
+          </a:fillRef>
+          <a:effectRef idx="0">
+            <a:schemeClr val="accent1"/>
+          </a:effectRef>
+          <a:fontRef idx="minor">
+            <a:schemeClr val="lt1"/>
+          </a:fontRef>
+        </p:style>
+        <p:txBody>
+          <a:bodyPr rtlCol="0" anchor="ctr"/>
+          <a:lstStyle/>
+          <a:p>
+            <a:pPr algn="ctr"/>
+            <a:r>
+              <a:rPr lang="en-US" dirty="0" smtClean="0"/>
+              <a:t>SENDER is waiting for </a:t>
+            </a:r>
+            <a:r>
+              <a:rPr lang="en-US" dirty="0" err="1" smtClean="0"/>
+              <a:t>getack</a:t>
+            </a:r>
+            <a:r>
+              <a:rPr lang="en-US" dirty="0" smtClean="0"/>
+              <a:t>; RECEIVER is waiting for rec; ACTUAL_CH is waiting for send!</a:t>
+            </a:r>
+            <a:endParaRPr lang="en-US" dirty="0"/>
+          </a:p>
+        </p:txBody>
+      </p:sp>
     </p:spTree>
     <p:extLst>
       <p:ext uri="{BB962C8B-B14F-4D97-AF65-F5344CB8AC3E}">
@@ -10252,8 +10318,8 @@
           </a:p>
         </p:txBody>
       </p:sp>
-      <mc:AlternateContent xmlns:mc="http://schemas.openxmlformats.org/markup-compatibility/2006">
-        <mc:Choice xmlns:a14="http://schemas.microsoft.com/office/drawing/2010/main" Requires="a14">
+      <mc:AlternateContent xmlns:mc="http://schemas.openxmlformats.org/markup-compatibility/2006" xmlns:a14="http://schemas.microsoft.com/office/drawing/2010/main">
+        <mc:Choice Requires="a14">
           <p:sp>
             <p:nvSpPr>
               <p:cNvPr id="3" name="Text Placeholder 2"/>
@@ -10296,7 +10362,7 @@
             </p:txBody>
           </p:sp>
         </mc:Choice>
-        <mc:Fallback>
+        <mc:Fallback xmlns="">
           <p:sp>
             <p:nvSpPr>
               <p:cNvPr id="3" name="Text Placeholder 2"/>
@@ -10510,8 +10576,8 @@
           </a:p>
         </p:txBody>
       </p:sp>
-      <mc:AlternateContent xmlns:mc="http://schemas.openxmlformats.org/markup-compatibility/2006">
-        <mc:Choice xmlns:a14="http://schemas.microsoft.com/office/drawing/2010/main" Requires="a14">
+      <mc:AlternateContent xmlns:mc="http://schemas.openxmlformats.org/markup-compatibility/2006" xmlns:a14="http://schemas.microsoft.com/office/drawing/2010/main">
+        <mc:Choice Requires="a14">
           <p:sp>
             <p:nvSpPr>
               <p:cNvPr id="3" name="Text Placeholder 2"/>
@@ -10566,7 +10632,7 @@
             </p:txBody>
           </p:sp>
         </mc:Choice>
-        <mc:Fallback>
+        <mc:Fallback xmlns="">
           <p:sp>
             <p:nvSpPr>
               <p:cNvPr id="3" name="Text Placeholder 2"/>
@@ -10780,8 +10846,8 @@
           </a:p>
         </p:txBody>
       </p:sp>
-      <mc:AlternateContent xmlns:mc="http://schemas.openxmlformats.org/markup-compatibility/2006">
-        <mc:Choice xmlns:a14="http://schemas.microsoft.com/office/drawing/2010/main" Requires="a14">
+      <mc:AlternateContent xmlns:mc="http://schemas.openxmlformats.org/markup-compatibility/2006" xmlns:a14="http://schemas.microsoft.com/office/drawing/2010/main">
+        <mc:Choice Requires="a14">
           <p:sp>
             <p:nvSpPr>
               <p:cNvPr id="3" name="Text Placeholder 2"/>
@@ -10848,7 +10914,7 @@
             </p:txBody>
           </p:sp>
         </mc:Choice>
-        <mc:Fallback>
+        <mc:Fallback xmlns="">
           <p:sp>
             <p:nvSpPr>
               <p:cNvPr id="3" name="Text Placeholder 2"/>
@@ -11062,8 +11128,8 @@
           </a:p>
         </p:txBody>
       </p:sp>
-      <mc:AlternateContent xmlns:mc="http://schemas.openxmlformats.org/markup-compatibility/2006">
-        <mc:Choice xmlns:a14="http://schemas.microsoft.com/office/drawing/2010/main" Requires="a14">
+      <mc:AlternateContent xmlns:mc="http://schemas.openxmlformats.org/markup-compatibility/2006" xmlns:a14="http://schemas.microsoft.com/office/drawing/2010/main">
+        <mc:Choice Requires="a14">
           <p:sp>
             <p:nvSpPr>
               <p:cNvPr id="3" name="Text Placeholder 2"/>
@@ -11158,7 +11224,7 @@
             </p:txBody>
           </p:sp>
         </mc:Choice>
-        <mc:Fallback>
+        <mc:Fallback xmlns="">
           <p:sp>
             <p:nvSpPr>
               <p:cNvPr id="3" name="Text Placeholder 2"/>
@@ -11320,6 +11386,53 @@
           </a:prstGeom>
         </p:spPr>
       </p:pic>
+      <p:sp>
+        <p:nvSpPr>
+          <p:cNvPr id="5" name="Rectangular Callout 4"/>
+          <p:cNvSpPr/>
+          <p:nvPr/>
+        </p:nvSpPr>
+        <p:spPr>
+          <a:xfrm>
+            <a:off x="5814816" y="1685032"/>
+            <a:ext cx="2657642" cy="887663"/>
+          </a:xfrm>
+          <a:prstGeom prst="wedgeRectCallout">
+            <a:avLst>
+              <a:gd name="adj1" fmla="val -68642"/>
+              <a:gd name="adj2" fmla="val 26566"/>
+            </a:avLst>
+          </a:prstGeom>
+        </p:spPr>
+        <p:style>
+          <a:lnRef idx="2">
+            <a:schemeClr val="accent1">
+              <a:shade val="50000"/>
+            </a:schemeClr>
+          </a:lnRef>
+          <a:fillRef idx="1">
+            <a:schemeClr val="accent1"/>
+          </a:fillRef>
+          <a:effectRef idx="0">
+            <a:schemeClr val="accent1"/>
+          </a:effectRef>
+          <a:fontRef idx="minor">
+            <a:schemeClr val="lt1"/>
+          </a:fontRef>
+        </p:style>
+        <p:txBody>
+          <a:bodyPr rtlCol="0" anchor="ctr"/>
+          <a:lstStyle/>
+          <a:p>
+            <a:pPr algn="ctr"/>
+            <a:r>
+              <a:rPr lang="en-US" dirty="0" smtClean="0"/>
+              <a:t>&lt;input, input&gt; in P results in entering the error state!</a:t>
+            </a:r>
+            <a:endParaRPr lang="en-US" dirty="0"/>
+          </a:p>
+        </p:txBody>
+      </p:sp>
     </p:spTree>
     <p:extLst>
       <p:ext uri="{BB962C8B-B14F-4D97-AF65-F5344CB8AC3E}">
@@ -11437,7 +11550,15 @@
                 </a:r>
                 <a:r>
                   <a:rPr lang="en-US" altLang="zh-CN" sz="1600" dirty="0"/>
-                  <a:t> is the additional unexpected behavior in the actual environment (not in the assumed environment) in the form of nondeterminism.</a:t>
+                  <a:t> is the additional unexpected behavior in the actual environment (not in the </a:t>
+                </a:r>
+                <a:r>
+                  <a:rPr lang="en-US" altLang="zh-CN" sz="1600" dirty="0" smtClean="0"/>
+                  <a:t>assumed) </a:t>
+                </a:r>
+                <a:r>
+                  <a:rPr lang="en-US" altLang="zh-CN" sz="1600" dirty="0"/>
+                  <a:t>in the form of nondeterminism.</a:t>
                 </a:r>
               </a:p>
               <a:p>
@@ -11599,7 +11720,7 @@
               <a:blipFill>
                 <a:blip r:embed="rId3"/>
                 <a:stretch>
-                  <a:fillRect/>
+                  <a:fillRect r="-1329"/>
                 </a:stretch>
               </a:blipFill>
             </p:spPr>
@@ -11608,7 +11729,7 @@
               <a:lstStyle/>
               <a:p>
                 <a:r>
-                  <a:rPr lang="zh-CN" altLang="en-US">
+                  <a:rPr lang="en-US">
                     <a:noFill/>
                   </a:rPr>
                   <a:t> </a:t>
@@ -12020,8 +12141,8 @@
           </a:p>
         </p:txBody>
       </p:sp>
-      <mc:AlternateContent xmlns:mc="http://schemas.openxmlformats.org/markup-compatibility/2006">
-        <mc:Choice xmlns:a14="http://schemas.microsoft.com/office/drawing/2010/main" Requires="a14">
+      <mc:AlternateContent xmlns:mc="http://schemas.openxmlformats.org/markup-compatibility/2006" xmlns:a14="http://schemas.microsoft.com/office/drawing/2010/main">
+        <mc:Choice Requires="a14">
           <p:sp>
             <p:nvSpPr>
               <p:cNvPr id="3" name="Text Placeholder 2"/>
@@ -12325,7 +12446,7 @@
             </p:txBody>
           </p:sp>
         </mc:Choice>
-        <mc:Fallback>
+        <mc:Fallback xmlns="">
           <p:sp>
             <p:nvSpPr>
               <p:cNvPr id="3" name="Text Placeholder 2"/>
@@ -12508,8 +12629,8 @@
           </a:p>
         </p:txBody>
       </p:sp>
-      <mc:AlternateContent xmlns:mc="http://schemas.openxmlformats.org/markup-compatibility/2006">
-        <mc:Choice xmlns:a14="http://schemas.microsoft.com/office/drawing/2010/main" Requires="a14">
+      <mc:AlternateContent xmlns:mc="http://schemas.openxmlformats.org/markup-compatibility/2006" xmlns:a14="http://schemas.microsoft.com/office/drawing/2010/main">
+        <mc:Choice Requires="a14">
           <p:sp>
             <p:nvSpPr>
               <p:cNvPr id="3" name="Text Placeholder 2">
@@ -13174,7 +13295,7 @@
             </p:txBody>
           </p:sp>
         </mc:Choice>
-        <mc:Fallback>
+        <mc:Fallback xmlns="">
           <p:sp>
             <p:nvSpPr>
               <p:cNvPr id="3" name="Text Placeholder 2">
@@ -13768,8 +13889,8 @@
           </a:p>
         </p:txBody>
       </p:sp>
-      <mc:AlternateContent xmlns:mc="http://schemas.openxmlformats.org/markup-compatibility/2006">
-        <mc:Choice xmlns:a14="http://schemas.microsoft.com/office/drawing/2010/main" Requires="a14">
+      <mc:AlternateContent xmlns:mc="http://schemas.openxmlformats.org/markup-compatibility/2006" xmlns:a14="http://schemas.microsoft.com/office/drawing/2010/main">
+        <mc:Choice Requires="a14">
           <p:sp>
             <p:nvSpPr>
               <p:cNvPr id="3" name="Text Placeholder 2">
@@ -13967,7 +14088,7 @@
             </p:txBody>
           </p:sp>
         </mc:Choice>
-        <mc:Fallback>
+        <mc:Fallback xmlns="">
           <p:sp>
             <p:nvSpPr>
               <p:cNvPr id="3" name="Text Placeholder 2">
@@ -15336,8 +15457,8 @@
           </a:p>
         </p:txBody>
       </p:sp>
-      <mc:AlternateContent xmlns:mc="http://schemas.openxmlformats.org/markup-compatibility/2006">
-        <mc:Choice xmlns:a14="http://schemas.microsoft.com/office/drawing/2010/main" Requires="a14">
+      <mc:AlternateContent xmlns:mc="http://schemas.openxmlformats.org/markup-compatibility/2006" xmlns:a14="http://schemas.microsoft.com/office/drawing/2010/main">
+        <mc:Choice Requires="a14">
           <p:sp>
             <p:nvSpPr>
               <p:cNvPr id="3" name="Text Placeholder 2">
@@ -15400,7 +15521,7 @@
             </p:txBody>
           </p:sp>
         </mc:Choice>
-        <mc:Fallback>
+        <mc:Fallback xmlns="">
           <p:sp>
             <p:nvSpPr>
               <p:cNvPr id="3" name="Text Placeholder 2">
@@ -15440,8 +15561,8 @@
           </p:sp>
         </mc:Fallback>
       </mc:AlternateContent>
-      <mc:AlternateContent xmlns:mc="http://schemas.openxmlformats.org/markup-compatibility/2006">
-        <mc:Choice xmlns:a14="http://schemas.microsoft.com/office/drawing/2010/main" Requires="a14">
+      <mc:AlternateContent xmlns:mc="http://schemas.openxmlformats.org/markup-compatibility/2006" xmlns:a14="http://schemas.microsoft.com/office/drawing/2010/main">
+        <mc:Choice Requires="a14">
           <p:sp>
             <p:nvSpPr>
               <p:cNvPr id="4" name="Text Placeholder 3">
@@ -15509,7 +15630,7 @@
             </p:txBody>
           </p:sp>
         </mc:Choice>
-        <mc:Fallback>
+        <mc:Fallback xmlns="">
           <p:sp>
             <p:nvSpPr>
               <p:cNvPr id="4" name="Text Placeholder 3">
@@ -17030,6 +17151,10 @@
             <a:br>
               <a:rPr lang="en-US" dirty="0"/>
             </a:br>
+            <a:r>
+              <a:rPr lang="en-US" dirty="0"/>
+              <a:t/>
+            </a:r>
             <a:br>
               <a:rPr lang="en-US" dirty="0"/>
             </a:br>
@@ -17121,8 +17246,13 @@
           <a:p>
             <a:r>
               <a:rPr lang="en-US" dirty="0"/>
-              <a:t>Potential Applications - 1</a:t>
-            </a:r>
+              <a:t>Potential </a:t>
+            </a:r>
+            <a:r>
+              <a:rPr lang="en-US" dirty="0" smtClean="0"/>
+              <a:t>Applications</a:t>
+            </a:r>
+            <a:endParaRPr lang="en-US" dirty="0"/>
           </a:p>
         </p:txBody>
       </p:sp>
@@ -17251,728 +17381,6 @@
           <p:cNvPr id="2" name="Title 1">
             <a:extLst>
               <a:ext uri="{FF2B5EF4-FFF2-40B4-BE49-F238E27FC236}">
-                <a16:creationId xmlns:a16="http://schemas.microsoft.com/office/drawing/2014/main" id="{C9D6ED1D-F6AC-48F6-85EC-A96CB66A9160}"/>
-              </a:ext>
-            </a:extLst>
-          </p:cNvPr>
-          <p:cNvSpPr>
-            <a:spLocks noGrp="1"/>
-          </p:cNvSpPr>
-          <p:nvPr>
-            <p:ph type="title"/>
-          </p:nvPr>
-        </p:nvSpPr>
-        <p:spPr/>
-        <p:txBody>
-          <a:bodyPr/>
-          <a:lstStyle/>
-          <a:p>
-            <a:r>
-              <a:rPr lang="en-US" altLang="zh-CN" dirty="0"/>
-              <a:t>Potential Applications - 2</a:t>
-            </a:r>
-            <a:endParaRPr lang="zh-CN" altLang="en-US" dirty="0"/>
-          </a:p>
-        </p:txBody>
-      </p:sp>
-      <p:sp>
-        <p:nvSpPr>
-          <p:cNvPr id="3" name="Text Placeholder 2">
-            <a:extLst>
-              <a:ext uri="{FF2B5EF4-FFF2-40B4-BE49-F238E27FC236}">
-                <a16:creationId xmlns:a16="http://schemas.microsoft.com/office/drawing/2014/main" id="{3180F698-32B7-4A2E-ACF0-DC22C4CF0872}"/>
-              </a:ext>
-            </a:extLst>
-          </p:cNvPr>
-          <p:cNvSpPr>
-            <a:spLocks noGrp="1"/>
-          </p:cNvSpPr>
-          <p:nvPr>
-            <p:ph type="body" idx="1"/>
-          </p:nvPr>
-        </p:nvSpPr>
-        <p:spPr>
-          <a:xfrm>
-            <a:off x="311700" y="1152475"/>
-            <a:ext cx="6362700" cy="1464500"/>
-          </a:xfrm>
-        </p:spPr>
-        <p:txBody>
-          <a:bodyPr/>
-          <a:lstStyle/>
-          <a:p>
-            <a:pPr marL="114300" indent="0">
-              <a:buNone/>
-            </a:pPr>
-            <a:r>
-              <a:rPr lang="en-US" altLang="zh-CN" dirty="0"/>
-              <a:t>Compare the robustness of two systems, i.e.,</a:t>
-            </a:r>
-          </a:p>
-          <a:p>
-            <a:r>
-              <a:rPr lang="en-US" altLang="zh-CN" dirty="0"/>
-              <a:t>If the result </a:t>
-            </a:r>
-            <a:r>
-              <a:rPr lang="en-US" altLang="zh-CN" dirty="0" err="1"/>
-              <a:t>Büchi</a:t>
-            </a:r>
-            <a:r>
-              <a:rPr lang="en-US" altLang="zh-CN" dirty="0"/>
-              <a:t> automata contains final states, i.e., then </a:t>
-            </a:r>
-            <a:r>
-              <a:rPr lang="en-US" altLang="zh-CN" i="1" dirty="0"/>
-              <a:t>S</a:t>
-            </a:r>
-            <a:r>
-              <a:rPr lang="en-US" altLang="zh-CN" i="1" baseline="-25000" dirty="0"/>
-              <a:t>1</a:t>
-            </a:r>
-            <a:r>
-              <a:rPr lang="en-US" altLang="zh-CN" dirty="0"/>
-              <a:t> contains additional behavior than </a:t>
-            </a:r>
-            <a:r>
-              <a:rPr lang="en-US" altLang="zh-CN" i="1" dirty="0"/>
-              <a:t>S</a:t>
-            </a:r>
-            <a:r>
-              <a:rPr lang="en-US" altLang="zh-CN" i="1" baseline="-25000" dirty="0"/>
-              <a:t>2</a:t>
-            </a:r>
-            <a:r>
-              <a:rPr lang="en-US" altLang="zh-CN" dirty="0"/>
-              <a:t>.</a:t>
-            </a:r>
-          </a:p>
-          <a:p>
-            <a:r>
-              <a:rPr lang="en-US" altLang="zh-CN" dirty="0"/>
-              <a:t>But, it doesn’t imply </a:t>
-            </a:r>
-            <a:r>
-              <a:rPr lang="en-US" altLang="zh-CN" i="1" dirty="0"/>
-              <a:t>S</a:t>
-            </a:r>
-            <a:r>
-              <a:rPr lang="en-US" altLang="zh-CN" i="1" baseline="-25000" dirty="0"/>
-              <a:t>1</a:t>
-            </a:r>
-            <a:r>
-              <a:rPr lang="en-US" altLang="zh-CN" dirty="0"/>
-              <a:t> is more robust than </a:t>
-            </a:r>
-            <a:r>
-              <a:rPr lang="en-US" altLang="zh-CN" i="1" dirty="0"/>
-              <a:t>S</a:t>
-            </a:r>
-            <a:r>
-              <a:rPr lang="en-US" altLang="zh-CN" i="1" baseline="-25000" dirty="0"/>
-              <a:t>2</a:t>
-            </a:r>
-            <a:r>
-              <a:rPr lang="en-US" altLang="zh-CN" dirty="0"/>
-              <a:t>!</a:t>
-            </a:r>
-          </a:p>
-        </p:txBody>
-      </p:sp>
-      <p:sp>
-        <p:nvSpPr>
-          <p:cNvPr id="4" name="Slide Number Placeholder 3">
-            <a:extLst>
-              <a:ext uri="{FF2B5EF4-FFF2-40B4-BE49-F238E27FC236}">
-                <a16:creationId xmlns:a16="http://schemas.microsoft.com/office/drawing/2014/main" id="{028D2B10-8963-4E02-B126-0AD449FF3A42}"/>
-              </a:ext>
-            </a:extLst>
-          </p:cNvPr>
-          <p:cNvSpPr>
-            <a:spLocks noGrp="1"/>
-          </p:cNvSpPr>
-          <p:nvPr>
-            <p:ph type="sldNum" idx="12"/>
-          </p:nvPr>
-        </p:nvSpPr>
-        <p:spPr/>
-        <p:txBody>
-          <a:bodyPr/>
-          <a:lstStyle/>
-          <a:p>
-            <a:pPr marL="0" lvl="0" indent="0" algn="r" rtl="0">
-              <a:spcBef>
-                <a:spcPts val="0"/>
-              </a:spcBef>
-              <a:spcAft>
-                <a:spcPts val="0"/>
-              </a:spcAft>
-              <a:buNone/>
-            </a:pPr>
-            <a:fld id="{00000000-1234-1234-1234-123412341234}" type="slidenum">
-              <a:rPr lang="en" smtClean="0"/>
-              <a:t>41</a:t>
-            </a:fld>
-            <a:endParaRPr lang="en"/>
-          </a:p>
-        </p:txBody>
-      </p:sp>
-      <p:pic>
-        <p:nvPicPr>
-          <p:cNvPr id="6" name="Picture 5">
-            <a:extLst>
-              <a:ext uri="{FF2B5EF4-FFF2-40B4-BE49-F238E27FC236}">
-                <a16:creationId xmlns:a16="http://schemas.microsoft.com/office/drawing/2014/main" id="{3EF9028D-0D54-47CD-8A8B-09ADBA464BA7}"/>
-              </a:ext>
-            </a:extLst>
-          </p:cNvPr>
-          <p:cNvPicPr>
-            <a:picLocks noChangeAspect="1"/>
-          </p:cNvPicPr>
-          <p:nvPr>
-            <p:custDataLst>
-              <p:tags r:id="rId1"/>
-            </p:custDataLst>
-          </p:nvPr>
-        </p:nvPicPr>
-        <p:blipFill>
-          <a:blip r:embed="rId4"/>
-          <a:stretch>
-            <a:fillRect/>
-          </a:stretch>
-        </p:blipFill>
-        <p:spPr>
-          <a:xfrm>
-            <a:off x="5398400" y="1294399"/>
-            <a:ext cx="2403047" cy="243810"/>
-          </a:xfrm>
-          <a:prstGeom prst="rect">
-            <a:avLst/>
-          </a:prstGeom>
-        </p:spPr>
-      </p:pic>
-      <p:pic>
-        <p:nvPicPr>
-          <p:cNvPr id="8" name="Picture 7">
-            <a:extLst>
-              <a:ext uri="{FF2B5EF4-FFF2-40B4-BE49-F238E27FC236}">
-                <a16:creationId xmlns:a16="http://schemas.microsoft.com/office/drawing/2014/main" id="{94618C34-813F-40D5-8817-737DF98D0049}"/>
-              </a:ext>
-            </a:extLst>
-          </p:cNvPr>
-          <p:cNvPicPr>
-            <a:picLocks noChangeAspect="1"/>
-          </p:cNvPicPr>
-          <p:nvPr>
-            <p:custDataLst>
-              <p:tags r:id="rId2"/>
-            </p:custDataLst>
-          </p:nvPr>
-        </p:nvPicPr>
-        <p:blipFill>
-          <a:blip r:embed="rId5"/>
-          <a:stretch>
-            <a:fillRect/>
-          </a:stretch>
-        </p:blipFill>
-        <p:spPr>
-          <a:xfrm>
-            <a:off x="6536000" y="1618769"/>
-            <a:ext cx="576000" cy="224914"/>
-          </a:xfrm>
-          <a:prstGeom prst="rect">
-            <a:avLst/>
-          </a:prstGeom>
-        </p:spPr>
-      </p:pic>
-      <p:grpSp>
-        <p:nvGrpSpPr>
-          <p:cNvPr id="20" name="Group 19">
-            <a:extLst>
-              <a:ext uri="{FF2B5EF4-FFF2-40B4-BE49-F238E27FC236}">
-                <a16:creationId xmlns:a16="http://schemas.microsoft.com/office/drawing/2014/main" id="{B77149C6-3613-442A-B7FB-F00528893FAD}"/>
-              </a:ext>
-            </a:extLst>
-          </p:cNvPr>
-          <p:cNvGrpSpPr/>
-          <p:nvPr/>
-        </p:nvGrpSpPr>
-        <p:grpSpPr>
-          <a:xfrm>
-            <a:off x="5838153" y="2243728"/>
-            <a:ext cx="2110094" cy="1463194"/>
-            <a:chOff x="5838153" y="2243728"/>
-            <a:chExt cx="2110094" cy="1463194"/>
-          </a:xfrm>
-        </p:grpSpPr>
-        <p:sp>
-          <p:nvSpPr>
-            <p:cNvPr id="16" name="Freeform: Shape 15">
-              <a:extLst>
-                <a:ext uri="{FF2B5EF4-FFF2-40B4-BE49-F238E27FC236}">
-                  <a16:creationId xmlns:a16="http://schemas.microsoft.com/office/drawing/2014/main" id="{9F2E27F7-7E61-4C8C-8DD7-5291F2BC1FF8}"/>
-                </a:ext>
-              </a:extLst>
-            </p:cNvPr>
-            <p:cNvSpPr/>
-            <p:nvPr/>
-          </p:nvSpPr>
-          <p:spPr>
-            <a:xfrm rot="1212829">
-              <a:off x="5838153" y="2243728"/>
-              <a:ext cx="2110094" cy="1463194"/>
-            </a:xfrm>
-            <a:custGeom>
-              <a:avLst/>
-              <a:gdLst>
-                <a:gd name="connsiteX0" fmla="*/ 1037654 w 2110094"/>
-                <a:gd name="connsiteY0" fmla="*/ 583411 h 1463194"/>
-                <a:gd name="connsiteX1" fmla="*/ 1517962 w 2110094"/>
-                <a:gd name="connsiteY1" fmla="*/ 794025 h 1463194"/>
-                <a:gd name="connsiteX2" fmla="*/ 1288919 w 2110094"/>
-                <a:gd name="connsiteY2" fmla="*/ 1265822 h 1463194"/>
-                <a:gd name="connsiteX3" fmla="*/ 808612 w 2110094"/>
-                <a:gd name="connsiteY3" fmla="*/ 1055209 h 1463194"/>
-                <a:gd name="connsiteX4" fmla="*/ 1037654 w 2110094"/>
-                <a:gd name="connsiteY4" fmla="*/ 583411 h 1463194"/>
-                <a:gd name="connsiteX5" fmla="*/ 468854 w 2110094"/>
-                <a:gd name="connsiteY5" fmla="*/ 429401 h 1463194"/>
-                <a:gd name="connsiteX6" fmla="*/ 827693 w 2110094"/>
-                <a:gd name="connsiteY6" fmla="*/ 375786 h 1463194"/>
-                <a:gd name="connsiteX7" fmla="*/ 938305 w 2110094"/>
-                <a:gd name="connsiteY7" fmla="*/ 383111 h 1463194"/>
-                <a:gd name="connsiteX8" fmla="*/ 914888 w 2110094"/>
-                <a:gd name="connsiteY8" fmla="*/ 407574 h 1463194"/>
-                <a:gd name="connsiteX9" fmla="*/ 786970 w 2110094"/>
-                <a:gd name="connsiteY9" fmla="*/ 1246699 h 1463194"/>
-                <a:gd name="connsiteX10" fmla="*/ 1225366 w 2110094"/>
-                <a:gd name="connsiteY10" fmla="*/ 1366642 h 1463194"/>
-                <a:gd name="connsiteX11" fmla="*/ 1358615 w 2110094"/>
-                <a:gd name="connsiteY11" fmla="*/ 1333401 h 1463194"/>
-                <a:gd name="connsiteX12" fmla="*/ 1290464 w 2110094"/>
-                <a:gd name="connsiteY12" fmla="*/ 1370337 h 1463194"/>
-                <a:gd name="connsiteX13" fmla="*/ 827693 w 2110094"/>
-                <a:gd name="connsiteY13" fmla="*/ 1463194 h 1463194"/>
-                <a:gd name="connsiteX14" fmla="*/ 0 w 2110094"/>
-                <a:gd name="connsiteY14" fmla="*/ 919490 h 1463194"/>
-                <a:gd name="connsiteX15" fmla="*/ 364922 w 2110094"/>
-                <a:gd name="connsiteY15" fmla="*/ 468642 h 1463194"/>
-                <a:gd name="connsiteX16" fmla="*/ 468854 w 2110094"/>
-                <a:gd name="connsiteY16" fmla="*/ 429401 h 1463194"/>
-                <a:gd name="connsiteX17" fmla="*/ 1434560 w 2110094"/>
-                <a:gd name="connsiteY17" fmla="*/ 42876 h 1463194"/>
-                <a:gd name="connsiteX18" fmla="*/ 2008144 w 2110094"/>
-                <a:gd name="connsiteY18" fmla="*/ 129095 h 1463194"/>
-                <a:gd name="connsiteX19" fmla="*/ 1764629 w 2110094"/>
-                <a:gd name="connsiteY19" fmla="*/ 1088986 h 1463194"/>
-                <a:gd name="connsiteX20" fmla="*/ 1360554 w 2110094"/>
-                <a:gd name="connsiteY20" fmla="*/ 1332918 h 1463194"/>
-                <a:gd name="connsiteX21" fmla="*/ 1358615 w 2110094"/>
-                <a:gd name="connsiteY21" fmla="*/ 1333401 h 1463194"/>
-                <a:gd name="connsiteX22" fmla="*/ 1412960 w 2110094"/>
-                <a:gd name="connsiteY22" fmla="*/ 1303946 h 1463194"/>
-                <a:gd name="connsiteX23" fmla="*/ 1655386 w 2110094"/>
-                <a:gd name="connsiteY23" fmla="*/ 919490 h 1463194"/>
-                <a:gd name="connsiteX24" fmla="*/ 994502 w 2110094"/>
-                <a:gd name="connsiteY24" fmla="*/ 386832 h 1463194"/>
-                <a:gd name="connsiteX25" fmla="*/ 938305 w 2110094"/>
-                <a:gd name="connsiteY25" fmla="*/ 383111 h 1463194"/>
-                <a:gd name="connsiteX26" fmla="*/ 1030485 w 2110094"/>
-                <a:gd name="connsiteY26" fmla="*/ 286808 h 1463194"/>
-                <a:gd name="connsiteX27" fmla="*/ 1434560 w 2110094"/>
-                <a:gd name="connsiteY27" fmla="*/ 42876 h 1463194"/>
-              </a:gdLst>
-              <a:ahLst/>
-              <a:cxnLst>
-                <a:cxn ang="0">
-                  <a:pos x="connsiteX0" y="connsiteY0"/>
-                </a:cxn>
-                <a:cxn ang="0">
-                  <a:pos x="connsiteX1" y="connsiteY1"/>
-                </a:cxn>
-                <a:cxn ang="0">
-                  <a:pos x="connsiteX2" y="connsiteY2"/>
-                </a:cxn>
-                <a:cxn ang="0">
-                  <a:pos x="connsiteX3" y="connsiteY3"/>
-                </a:cxn>
-                <a:cxn ang="0">
-                  <a:pos x="connsiteX4" y="connsiteY4"/>
-                </a:cxn>
-                <a:cxn ang="0">
-                  <a:pos x="connsiteX5" y="connsiteY5"/>
-                </a:cxn>
-                <a:cxn ang="0">
-                  <a:pos x="connsiteX6" y="connsiteY6"/>
-                </a:cxn>
-                <a:cxn ang="0">
-                  <a:pos x="connsiteX7" y="connsiteY7"/>
-                </a:cxn>
-                <a:cxn ang="0">
-                  <a:pos x="connsiteX8" y="connsiteY8"/>
-                </a:cxn>
-                <a:cxn ang="0">
-                  <a:pos x="connsiteX9" y="connsiteY9"/>
-                </a:cxn>
-                <a:cxn ang="0">
-                  <a:pos x="connsiteX10" y="connsiteY10"/>
-                </a:cxn>
-                <a:cxn ang="0">
-                  <a:pos x="connsiteX11" y="connsiteY11"/>
-                </a:cxn>
-                <a:cxn ang="0">
-                  <a:pos x="connsiteX12" y="connsiteY12"/>
-                </a:cxn>
-                <a:cxn ang="0">
-                  <a:pos x="connsiteX13" y="connsiteY13"/>
-                </a:cxn>
-                <a:cxn ang="0">
-                  <a:pos x="connsiteX14" y="connsiteY14"/>
-                </a:cxn>
-                <a:cxn ang="0">
-                  <a:pos x="connsiteX15" y="connsiteY15"/>
-                </a:cxn>
-                <a:cxn ang="0">
-                  <a:pos x="connsiteX16" y="connsiteY16"/>
-                </a:cxn>
-                <a:cxn ang="0">
-                  <a:pos x="connsiteX17" y="connsiteY17"/>
-                </a:cxn>
-                <a:cxn ang="0">
-                  <a:pos x="connsiteX18" y="connsiteY18"/>
-                </a:cxn>
-                <a:cxn ang="0">
-                  <a:pos x="connsiteX19" y="connsiteY19"/>
-                </a:cxn>
-                <a:cxn ang="0">
-                  <a:pos x="connsiteX20" y="connsiteY20"/>
-                </a:cxn>
-                <a:cxn ang="0">
-                  <a:pos x="connsiteX21" y="connsiteY21"/>
-                </a:cxn>
-                <a:cxn ang="0">
-                  <a:pos x="connsiteX22" y="connsiteY22"/>
-                </a:cxn>
-                <a:cxn ang="0">
-                  <a:pos x="connsiteX23" y="connsiteY23"/>
-                </a:cxn>
-                <a:cxn ang="0">
-                  <a:pos x="connsiteX24" y="connsiteY24"/>
-                </a:cxn>
-                <a:cxn ang="0">
-                  <a:pos x="connsiteX25" y="connsiteY25"/>
-                </a:cxn>
-                <a:cxn ang="0">
-                  <a:pos x="connsiteX26" y="connsiteY26"/>
-                </a:cxn>
-                <a:cxn ang="0">
-                  <a:pos x="connsiteX27" y="connsiteY27"/>
-                </a:cxn>
-              </a:cxnLst>
-              <a:rect l="l" t="t" r="r" b="b"/>
-              <a:pathLst>
-                <a:path w="2110094" h="1463194">
-                  <a:moveTo>
-                    <a:pt x="1037654" y="583411"/>
-                  </a:moveTo>
-                  <a:cubicBezTo>
-                    <a:pt x="1233536" y="511287"/>
-                    <a:pt x="1448576" y="605582"/>
-                    <a:pt x="1517962" y="794025"/>
-                  </a:cubicBezTo>
-                  <a:cubicBezTo>
-                    <a:pt x="1587347" y="982468"/>
-                    <a:pt x="1484801" y="1193698"/>
-                    <a:pt x="1288919" y="1265822"/>
-                  </a:cubicBezTo>
-                  <a:cubicBezTo>
-                    <a:pt x="1093038" y="1337947"/>
-                    <a:pt x="877997" y="1243652"/>
-                    <a:pt x="808612" y="1055209"/>
-                  </a:cubicBezTo>
-                  <a:cubicBezTo>
-                    <a:pt x="739227" y="866766"/>
-                    <a:pt x="841772" y="655535"/>
-                    <a:pt x="1037654" y="583411"/>
-                  </a:cubicBezTo>
-                  <a:close/>
-                  <a:moveTo>
-                    <a:pt x="468854" y="429401"/>
-                  </a:moveTo>
-                  <a:cubicBezTo>
-                    <a:pt x="577408" y="395041"/>
-                    <a:pt x="699127" y="375786"/>
-                    <a:pt x="827693" y="375786"/>
-                  </a:cubicBezTo>
-                  <a:lnTo>
-                    <a:pt x="938305" y="383111"/>
-                  </a:lnTo>
-                  <a:lnTo>
-                    <a:pt x="914888" y="407574"/>
-                  </a:lnTo>
-                  <a:cubicBezTo>
-                    <a:pt x="670882" y="699611"/>
-                    <a:pt x="609583" y="1052873"/>
-                    <a:pt x="786970" y="1246699"/>
-                  </a:cubicBezTo>
-                  <a:cubicBezTo>
-                    <a:pt x="888334" y="1357456"/>
-                    <a:pt x="1048444" y="1395182"/>
-                    <a:pt x="1225366" y="1366642"/>
-                  </a:cubicBezTo>
-                  <a:lnTo>
-                    <a:pt x="1358615" y="1333401"/>
-                  </a:lnTo>
-                  <a:lnTo>
-                    <a:pt x="1290464" y="1370337"/>
-                  </a:lnTo>
-                  <a:cubicBezTo>
-                    <a:pt x="1158363" y="1428962"/>
-                    <a:pt x="999114" y="1463194"/>
-                    <a:pt x="827693" y="1463194"/>
-                  </a:cubicBezTo>
-                  <a:cubicBezTo>
-                    <a:pt x="370571" y="1463194"/>
-                    <a:pt x="0" y="1219769"/>
-                    <a:pt x="0" y="919490"/>
-                  </a:cubicBezTo>
-                  <a:cubicBezTo>
-                    <a:pt x="0" y="731816"/>
-                    <a:pt x="144754" y="566350"/>
-                    <a:pt x="364922" y="468642"/>
-                  </a:cubicBezTo>
-                  <a:cubicBezTo>
-                    <a:pt x="397947" y="453986"/>
-                    <a:pt x="432669" y="440854"/>
-                    <a:pt x="468854" y="429401"/>
-                  </a:cubicBezTo>
-                  <a:close/>
-                  <a:moveTo>
-                    <a:pt x="1434560" y="42876"/>
-                  </a:moveTo>
-                  <a:cubicBezTo>
-                    <a:pt x="1662943" y="-33687"/>
-                    <a:pt x="1881439" y="-9352"/>
-                    <a:pt x="2008144" y="129095"/>
-                  </a:cubicBezTo>
-                  <a:cubicBezTo>
-                    <a:pt x="2210871" y="350610"/>
-                    <a:pt x="2101847" y="780368"/>
-                    <a:pt x="1764629" y="1088986"/>
-                  </a:cubicBezTo>
-                  <a:cubicBezTo>
-                    <a:pt x="1638172" y="1204717"/>
-                    <a:pt x="1497583" y="1286979"/>
-                    <a:pt x="1360554" y="1332918"/>
-                  </a:cubicBezTo>
-                  <a:lnTo>
-                    <a:pt x="1358615" y="1333401"/>
-                  </a:lnTo>
-                  <a:lnTo>
-                    <a:pt x="1412960" y="1303946"/>
-                  </a:lnTo>
-                  <a:cubicBezTo>
-                    <a:pt x="1562743" y="1205555"/>
-                    <a:pt x="1655386" y="1069629"/>
-                    <a:pt x="1655386" y="919490"/>
-                  </a:cubicBezTo>
-                  <a:cubicBezTo>
-                    <a:pt x="1655386" y="656746"/>
-                    <a:pt x="1371668" y="437531"/>
-                    <a:pt x="994502" y="386832"/>
-                  </a:cubicBezTo>
-                  <a:lnTo>
-                    <a:pt x="938305" y="383111"/>
-                  </a:lnTo>
-                  <a:lnTo>
-                    <a:pt x="1030485" y="286808"/>
-                  </a:lnTo>
-                  <a:cubicBezTo>
-                    <a:pt x="1156942" y="171076"/>
-                    <a:pt x="1297531" y="88814"/>
-                    <a:pt x="1434560" y="42876"/>
-                  </a:cubicBezTo>
-                  <a:close/>
-                </a:path>
-              </a:pathLst>
-            </a:custGeom>
-            <a:ln/>
-          </p:spPr>
-          <p:style>
-            <a:lnRef idx="2">
-              <a:schemeClr val="dk1"/>
-            </a:lnRef>
-            <a:fillRef idx="1">
-              <a:schemeClr val="lt1"/>
-            </a:fillRef>
-            <a:effectRef idx="0">
-              <a:schemeClr val="dk1"/>
-            </a:effectRef>
-            <a:fontRef idx="minor">
-              <a:schemeClr val="dk1"/>
-            </a:fontRef>
-          </p:style>
-          <p:txBody>
-            <a:bodyPr rIns="828000" rtlCol="0" anchor="ctr"/>
-            <a:lstStyle/>
-            <a:p>
-              <a:pPr algn="ctr"/>
-              <a:endParaRPr lang="zh-CN" altLang="en-US" dirty="0"/>
-            </a:p>
-          </p:txBody>
-        </p:sp>
-        <p:sp>
-          <p:nvSpPr>
-            <p:cNvPr id="17" name="TextBox 16">
-              <a:extLst>
-                <a:ext uri="{FF2B5EF4-FFF2-40B4-BE49-F238E27FC236}">
-                  <a16:creationId xmlns:a16="http://schemas.microsoft.com/office/drawing/2014/main" id="{055B7892-B37E-4E18-B78F-4164D54DDFF4}"/>
-                </a:ext>
-              </a:extLst>
-            </p:cNvPr>
-            <p:cNvSpPr txBox="1"/>
-            <p:nvPr/>
-          </p:nvSpPr>
-          <p:spPr>
-            <a:xfrm>
-              <a:off x="6674400" y="3044692"/>
-              <a:ext cx="540000" cy="276999"/>
-            </a:xfrm>
-            <a:prstGeom prst="rect">
-              <a:avLst/>
-            </a:prstGeom>
-            <a:noFill/>
-          </p:spPr>
-          <p:txBody>
-            <a:bodyPr wrap="square" rtlCol="0">
-              <a:spAutoFit/>
-            </a:bodyPr>
-            <a:lstStyle/>
-            <a:p>
-              <a:r>
-                <a:rPr lang="en-US" altLang="zh-CN" sz="1200" dirty="0"/>
-                <a:t>base</a:t>
-              </a:r>
-              <a:endParaRPr lang="zh-CN" altLang="en-US" dirty="0"/>
-            </a:p>
-          </p:txBody>
-        </p:sp>
-        <p:sp>
-          <p:nvSpPr>
-            <p:cNvPr id="18" name="TextBox 17">
-              <a:extLst>
-                <a:ext uri="{FF2B5EF4-FFF2-40B4-BE49-F238E27FC236}">
-                  <a16:creationId xmlns:a16="http://schemas.microsoft.com/office/drawing/2014/main" id="{5CBEFFA1-161A-40E5-85AC-5BC05DBE7A07}"/>
-                </a:ext>
-              </a:extLst>
-            </p:cNvPr>
-            <p:cNvSpPr txBox="1"/>
-            <p:nvPr/>
-          </p:nvSpPr>
-          <p:spPr>
-            <a:xfrm>
-              <a:off x="7445073" y="2698326"/>
-              <a:ext cx="356374" cy="276999"/>
-            </a:xfrm>
-            <a:prstGeom prst="rect">
-              <a:avLst/>
-            </a:prstGeom>
-            <a:noFill/>
-          </p:spPr>
-          <p:txBody>
-            <a:bodyPr wrap="square" rtlCol="0">
-              <a:spAutoFit/>
-            </a:bodyPr>
-            <a:lstStyle/>
-            <a:p>
-              <a:r>
-                <a:rPr lang="en-US" altLang="zh-CN" sz="1200" dirty="0"/>
-                <a:t>S</a:t>
-              </a:r>
-              <a:r>
-                <a:rPr lang="en-US" altLang="zh-CN" sz="1200" baseline="-25000" dirty="0"/>
-                <a:t>2</a:t>
-              </a:r>
-              <a:endParaRPr lang="zh-CN" altLang="en-US" baseline="-25000" dirty="0"/>
-            </a:p>
-          </p:txBody>
-        </p:sp>
-        <p:sp>
-          <p:nvSpPr>
-            <p:cNvPr id="19" name="TextBox 18">
-              <a:extLst>
-                <a:ext uri="{FF2B5EF4-FFF2-40B4-BE49-F238E27FC236}">
-                  <a16:creationId xmlns:a16="http://schemas.microsoft.com/office/drawing/2014/main" id="{3666036A-FB7C-4CB6-8150-0AAC9418166E}"/>
-                </a:ext>
-              </a:extLst>
-            </p:cNvPr>
-            <p:cNvSpPr txBox="1"/>
-            <p:nvPr/>
-          </p:nvSpPr>
-          <p:spPr>
-            <a:xfrm>
-              <a:off x="6013150" y="2692334"/>
-              <a:ext cx="356374" cy="276999"/>
-            </a:xfrm>
-            <a:prstGeom prst="rect">
-              <a:avLst/>
-            </a:prstGeom>
-            <a:noFill/>
-          </p:spPr>
-          <p:txBody>
-            <a:bodyPr wrap="square" rtlCol="0">
-              <a:spAutoFit/>
-            </a:bodyPr>
-            <a:lstStyle/>
-            <a:p>
-              <a:r>
-                <a:rPr lang="en-US" altLang="zh-CN" sz="1200" dirty="0"/>
-                <a:t>S</a:t>
-              </a:r>
-              <a:r>
-                <a:rPr lang="en-US" altLang="zh-CN" sz="1200" baseline="-25000" dirty="0"/>
-                <a:t>1</a:t>
-              </a:r>
-              <a:endParaRPr lang="zh-CN" altLang="en-US" baseline="-25000" dirty="0"/>
-            </a:p>
-          </p:txBody>
-        </p:sp>
-      </p:grpSp>
-    </p:spTree>
-    <p:extLst>
-      <p:ext uri="{BB962C8B-B14F-4D97-AF65-F5344CB8AC3E}">
-        <p14:creationId xmlns:p14="http://schemas.microsoft.com/office/powerpoint/2010/main" val="178256150"/>
-      </p:ext>
-    </p:extLst>
-  </p:cSld>
-  <p:clrMapOvr>
-    <a:masterClrMapping/>
-  </p:clrMapOvr>
-</p:sld>
-</file>
-
-<file path=ppt/slides/slide42.xml><?xml version="1.0" encoding="utf-8"?>
-<p:sld xmlns:a="http://schemas.openxmlformats.org/drawingml/2006/main" xmlns:r="http://schemas.openxmlformats.org/officeDocument/2006/relationships" xmlns:p="http://schemas.openxmlformats.org/presentationml/2006/main">
-  <p:cSld>
-    <p:spTree>
-      <p:nvGrpSpPr>
-        <p:cNvPr id="1" name=""/>
-        <p:cNvGrpSpPr/>
-        <p:nvPr/>
-      </p:nvGrpSpPr>
-      <p:grpSpPr>
-        <a:xfrm>
-          <a:off x="0" y="0"/>
-          <a:ext cx="0" cy="0"/>
-          <a:chOff x="0" y="0"/>
-          <a:chExt cx="0" cy="0"/>
-        </a:xfrm>
-      </p:grpSpPr>
-      <p:sp>
-        <p:nvSpPr>
-          <p:cNvPr id="2" name="Title 1">
-            <a:extLst>
-              <a:ext uri="{FF2B5EF4-FFF2-40B4-BE49-F238E27FC236}">
                 <a16:creationId xmlns:a16="http://schemas.microsoft.com/office/drawing/2014/main" id="{C8BC0AAE-31B5-4879-892F-B96F8DAB6051}"/>
               </a:ext>
             </a:extLst>
@@ -18040,15 +17448,15 @@
             </a:r>
             <a:r>
               <a:rPr lang="en-US" altLang="zh-CN" sz="1600" dirty="0"/>
-              <a:t> automata can capture the capability to deal with </a:t>
-            </a:r>
-            <a:r>
-              <a:rPr lang="en-US" altLang="zh-CN" sz="1600" dirty="0" err="1"/>
-              <a:t>unceratinty</a:t>
+              <a:t> automata </a:t>
+            </a:r>
+            <a:r>
+              <a:rPr lang="en-US" altLang="zh-CN" sz="1600" dirty="0" smtClean="0"/>
+              <a:t>is </a:t>
             </a:r>
             <a:r>
               <a:rPr lang="en-US" altLang="zh-CN" sz="1600" dirty="0"/>
-              <a:t>, but it is not a good representation as a metric.</a:t>
+              <a:t>not a good representation as a metric.</a:t>
             </a:r>
             <a:endParaRPr lang="zh-CN" altLang="en-US" sz="1600" dirty="0"/>
           </a:p>
@@ -18086,7 +17494,7 @@
             </a:pPr>
             <a:fld id="{00000000-1234-1234-1234-123412341234}" type="slidenum">
               <a:rPr lang="en" smtClean="0"/>
-              <a:t>42</a:t>
+              <a:t>41</a:t>
             </a:fld>
             <a:endParaRPr lang="en"/>
           </a:p>
@@ -18311,6 +17719,14 @@
   <p:clrMapOvr>
     <a:masterClrMapping/>
   </p:clrMapOvr>
+  <mc:AlternateContent xmlns:mc="http://schemas.openxmlformats.org/markup-compatibility/2006" xmlns:p14="http://schemas.microsoft.com/office/powerpoint/2010/main">
+    <mc:Choice Requires="p14">
+      <p:transition spd="slow" p14:dur="2000"/>
+    </mc:Choice>
+    <mc:Fallback xmlns="">
+      <p:transition spd="slow"/>
+    </mc:Fallback>
+  </mc:AlternateContent>
 </p:sld>
 </file>
 
@@ -18563,6 +17979,14 @@
   <p:clrMapOvr>
     <a:masterClrMapping/>
   </p:clrMapOvr>
+  <mc:AlternateContent xmlns:mc="http://schemas.openxmlformats.org/markup-compatibility/2006" xmlns:p14="http://schemas.microsoft.com/office/powerpoint/2010/main">
+    <mc:Choice Requires="p14">
+      <p:transition spd="slow" p14:dur="2000"/>
+    </mc:Choice>
+    <mc:Fallback xmlns="">
+      <p:transition spd="slow"/>
+    </mc:Fallback>
+  </mc:AlternateContent>
 </p:sld>
 </file>
 
@@ -18783,6 +18207,14 @@
   <p:clrMapOvr>
     <a:masterClrMapping/>
   </p:clrMapOvr>
+  <mc:AlternateContent xmlns:mc="http://schemas.openxmlformats.org/markup-compatibility/2006" xmlns:p14="http://schemas.microsoft.com/office/powerpoint/2010/main">
+    <mc:Choice Requires="p14">
+      <p:transition spd="slow" p14:dur="2000"/>
+    </mc:Choice>
+    <mc:Fallback xmlns="">
+      <p:transition spd="slow"/>
+    </mc:Fallback>
+  </mc:AlternateContent>
 </p:sld>
 </file>
 
@@ -19050,25 +18482,6 @@
   <p:tag name="LATEXADDIN" val="\documentclass{article}&#10;\usepackage{amsmath}&#10;\pagestyle{empty}&#10;\begin{document}&#10;&#10;A \textit{laballed transtion system} $T$ is a four tuple $\langle Q, \Sigma, \delta, q_0 \rangle$ where&#10;\begin{itemize}&#10;\item $Q$ is a finite set of states,&#10;\item $\Sigma$ is a set of actions called the \textit{alphabet} of $T$,&#10;\item $\delta \subseteq Q \times \Sigma \rightarrow Q$ is a function called the \textit{transition function} of $T$,&#10;\item $q_0 \in Q$ is the initial state.&#10;\end{itemize}&#10;&#10;\end{document}"/>
   <p:tag name="IGUANATEXSIZE" val="20"/>
   <p:tag name="IGUANATEXCURSOR" val="356"/>
-  <p:tag name="TRANSPARENCY" val="True"/>
-  <p:tag name="FILENAME" val=""/>
-  <p:tag name="LATEXENGINEID" val="0"/>
-  <p:tag name="TEMPFOLDER" val=".\tmp\"/>
-  <p:tag name="LATEXFORMHEIGHT" val="312"/>
-  <p:tag name="LATEXFORMWIDTH" val="384"/>
-  <p:tag name="LATEXFORMWRAP" val="True"/>
-  <p:tag name="BITMAPVECTOR" val="0"/>
-</p:tagLst>
-</file>
-
-<file path=ppt/tags/tag10.xml><?xml version="1.0" encoding="utf-8"?>
-<p:tagLst xmlns:a="http://schemas.openxmlformats.org/drawingml/2006/main" xmlns:r="http://schemas.openxmlformats.org/officeDocument/2006/relationships" xmlns:p="http://schemas.openxmlformats.org/presentationml/2006/main">
-  <p:tag name="OUTPUTDPI" val="1200"/>
-  <p:tag name="ORIGINALHEIGHT" val="122.9846"/>
-  <p:tag name="ORIGINALWIDTH" val="314.9606"/>
-  <p:tag name="LATEXADDIN" val="\documentclass{article}&#10;\usepackage{amsmath}&#10;\usepackage{amssymb}&#10;\pagestyle{empty}&#10;\begin{document}&#10;&#10;$F \neq \emptyset$&#10;&#10;&#10;\end{document}"/>
-  <p:tag name="IGUANATEXSIZE" val="18"/>
-  <p:tag name="IGUANATEXCURSOR" val="107"/>
   <p:tag name="TRANSPARENCY" val="True"/>
   <p:tag name="FILENAME" val=""/>
   <p:tag name="LATEXENGINEID" val="0"/>
@@ -19202,25 +18615,6 @@
   <p:tag name="LATEXADDIN" val="\documentclass{article}&#10;\usepackage{amsmath}&#10;\pagestyle{empty}&#10;\begin{document}&#10;&#10;A sink state is added to the subtrahend LTS, that any unspecified actions at each state will lead to the sink state. Then, the LTS is transformed to a Büchi automata by letting all the states as final states except the sink state.&#10;&#10;\end{document}"/>
   <p:tag name="IGUANATEXSIZE" val="18"/>
   <p:tag name="IGUANATEXCURSOR" val="311"/>
-  <p:tag name="TRANSPARENCY" val="True"/>
-  <p:tag name="FILENAME" val=""/>
-  <p:tag name="LATEXENGINEID" val="0"/>
-  <p:tag name="TEMPFOLDER" val=".\tmp\"/>
-  <p:tag name="LATEXFORMHEIGHT" val="312"/>
-  <p:tag name="LATEXFORMWIDTH" val="384"/>
-  <p:tag name="LATEXFORMWRAP" val="True"/>
-  <p:tag name="BITMAPVECTOR" val="0"/>
-</p:tagLst>
-</file>
-
-<file path=ppt/tags/tag9.xml><?xml version="1.0" encoding="utf-8"?>
-<p:tagLst xmlns:a="http://schemas.openxmlformats.org/drawingml/2006/main" xmlns:r="http://schemas.openxmlformats.org/officeDocument/2006/relationships" xmlns:p="http://schemas.openxmlformats.org/presentationml/2006/main">
-  <p:tag name="OUTPUTDPI" val="1200"/>
-  <p:tag name="ORIGINALHEIGHT" val="119.985"/>
-  <p:tag name="ORIGINALWIDTH" val="1182.602"/>
-  <p:tag name="LATEXADDIN" val="\documentclass{article}&#10;\usepackage{amsmath}&#10;\pagestyle{empty}&#10;\begin{document}&#10;&#10;$\Delta R = WA_{S_1} - WA_{S_2}$&#10;&#10;&#10;\end{document}"/>
-  <p:tag name="IGUANATEXSIZE" val="20"/>
-  <p:tag name="IGUANATEXCURSOR" val="101"/>
   <p:tag name="TRANSPARENCY" val="True"/>
   <p:tag name="FILENAME" val=""/>
   <p:tag name="LATEXENGINEID" val="0"/>

--- a/Robustness.pptx
+++ b/Robustness.pptx
@@ -5,82 +5,81 @@
     <p:sldMasterId id="2147483659" r:id="rId1"/>
   </p:sldMasterIdLst>
   <p:notesMasterIdLst>
-    <p:notesMasterId r:id="rId43"/>
+    <p:notesMasterId r:id="rId42"/>
   </p:notesMasterIdLst>
   <p:sldIdLst>
     <p:sldId id="256" r:id="rId2"/>
     <p:sldId id="264" r:id="rId3"/>
     <p:sldId id="284" r:id="rId4"/>
-    <p:sldId id="257" r:id="rId5"/>
-    <p:sldId id="278" r:id="rId6"/>
-    <p:sldId id="258" r:id="rId7"/>
-    <p:sldId id="259" r:id="rId8"/>
-    <p:sldId id="285" r:id="rId9"/>
-    <p:sldId id="270" r:id="rId10"/>
-    <p:sldId id="302" r:id="rId11"/>
-    <p:sldId id="260" r:id="rId12"/>
-    <p:sldId id="261" r:id="rId13"/>
-    <p:sldId id="300" r:id="rId14"/>
-    <p:sldId id="301" r:id="rId15"/>
-    <p:sldId id="262" r:id="rId16"/>
-    <p:sldId id="303" r:id="rId17"/>
-    <p:sldId id="304" r:id="rId18"/>
-    <p:sldId id="305" r:id="rId19"/>
-    <p:sldId id="307" r:id="rId20"/>
-    <p:sldId id="306" r:id="rId21"/>
-    <p:sldId id="308" r:id="rId22"/>
-    <p:sldId id="309" r:id="rId23"/>
-    <p:sldId id="310" r:id="rId24"/>
-    <p:sldId id="279" r:id="rId25"/>
-    <p:sldId id="281" r:id="rId26"/>
-    <p:sldId id="268" r:id="rId27"/>
-    <p:sldId id="311" r:id="rId28"/>
-    <p:sldId id="312" r:id="rId29"/>
-    <p:sldId id="286" r:id="rId30"/>
-    <p:sldId id="282" r:id="rId31"/>
-    <p:sldId id="283" r:id="rId32"/>
-    <p:sldId id="288" r:id="rId33"/>
-    <p:sldId id="289" r:id="rId34"/>
-    <p:sldId id="290" r:id="rId35"/>
-    <p:sldId id="292" r:id="rId36"/>
-    <p:sldId id="293" r:id="rId37"/>
-    <p:sldId id="294" r:id="rId38"/>
-    <p:sldId id="295" r:id="rId39"/>
-    <p:sldId id="296" r:id="rId40"/>
-    <p:sldId id="277" r:id="rId41"/>
-    <p:sldId id="298" r:id="rId42"/>
+    <p:sldId id="313" r:id="rId5"/>
+    <p:sldId id="314" r:id="rId6"/>
+    <p:sldId id="257" r:id="rId7"/>
+    <p:sldId id="285" r:id="rId8"/>
+    <p:sldId id="270" r:id="rId9"/>
+    <p:sldId id="302" r:id="rId10"/>
+    <p:sldId id="260" r:id="rId11"/>
+    <p:sldId id="261" r:id="rId12"/>
+    <p:sldId id="300" r:id="rId13"/>
+    <p:sldId id="301" r:id="rId14"/>
+    <p:sldId id="262" r:id="rId15"/>
+    <p:sldId id="303" r:id="rId16"/>
+    <p:sldId id="304" r:id="rId17"/>
+    <p:sldId id="305" r:id="rId18"/>
+    <p:sldId id="307" r:id="rId19"/>
+    <p:sldId id="306" r:id="rId20"/>
+    <p:sldId id="308" r:id="rId21"/>
+    <p:sldId id="309" r:id="rId22"/>
+    <p:sldId id="310" r:id="rId23"/>
+    <p:sldId id="279" r:id="rId24"/>
+    <p:sldId id="281" r:id="rId25"/>
+    <p:sldId id="268" r:id="rId26"/>
+    <p:sldId id="311" r:id="rId27"/>
+    <p:sldId id="312" r:id="rId28"/>
+    <p:sldId id="286" r:id="rId29"/>
+    <p:sldId id="282" r:id="rId30"/>
+    <p:sldId id="283" r:id="rId31"/>
+    <p:sldId id="288" r:id="rId32"/>
+    <p:sldId id="289" r:id="rId33"/>
+    <p:sldId id="290" r:id="rId34"/>
+    <p:sldId id="292" r:id="rId35"/>
+    <p:sldId id="293" r:id="rId36"/>
+    <p:sldId id="294" r:id="rId37"/>
+    <p:sldId id="295" r:id="rId38"/>
+    <p:sldId id="296" r:id="rId39"/>
+    <p:sldId id="277" r:id="rId40"/>
+    <p:sldId id="298" r:id="rId41"/>
   </p:sldIdLst>
   <p:sldSz cx="9144000" cy="5143500" type="screen16x9"/>
   <p:notesSz cx="6858000" cy="9144000"/>
   <p:embeddedFontLst>
     <p:embeddedFont>
+      <p:font typeface="Open Sans" panose="020B0604020202020204" charset="0"/>
+      <p:regular r:id="rId43"/>
+      <p:bold r:id="rId44"/>
+      <p:italic r:id="rId45"/>
+      <p:boldItalic r:id="rId46"/>
+    </p:embeddedFont>
+    <p:embeddedFont>
+      <p:font typeface="宋体" panose="02010600030101010101" pitchFamily="2" charset="-122"/>
+      <p:regular r:id="rId47"/>
+    </p:embeddedFont>
+    <p:embeddedFont>
       <p:font typeface="Cambria Math" panose="02040503050406030204" pitchFamily="18" charset="0"/>
-      <p:regular r:id="rId44"/>
+      <p:regular r:id="rId48"/>
     </p:embeddedFont>
     <p:embeddedFont>
       <p:font typeface="Open Sans Light" panose="020B0604020202020204" charset="0"/>
-      <p:regular r:id="rId45"/>
-      <p:bold r:id="rId46"/>
-      <p:italic r:id="rId47"/>
-      <p:boldItalic r:id="rId48"/>
-    </p:embeddedFont>
-    <p:embeddedFont>
-      <p:font typeface="Open Sans SemiBold" panose="020B0604020202020204" charset="0"/>
       <p:regular r:id="rId49"/>
       <p:bold r:id="rId50"/>
       <p:italic r:id="rId51"/>
       <p:boldItalic r:id="rId52"/>
     </p:embeddedFont>
     <p:embeddedFont>
-      <p:font typeface="Open Sans" panose="020B0604020202020204" charset="0"/>
+      <p:font typeface="Open Sans SemiBold" panose="020B0604020202020204" charset="0"/>
       <p:regular r:id="rId53"/>
       <p:bold r:id="rId54"/>
       <p:italic r:id="rId55"/>
       <p:boldItalic r:id="rId56"/>
-    </p:embeddedFont>
-    <p:embeddedFont>
-      <p:font typeface="宋体" panose="02010600030101010101" pitchFamily="2" charset="-122"/>
-      <p:regular r:id="rId57"/>
     </p:embeddedFont>
   </p:embeddedFontLst>
   <p:defaultTextStyle>
@@ -914,142 +913,6 @@
           <a:bodyPr/>
           <a:lstStyle/>
           <a:p>
-            <a:endParaRPr lang="zh-CN" altLang="en-US" dirty="0"/>
-          </a:p>
-        </p:txBody>
-      </p:sp>
-    </p:spTree>
-    <p:extLst>
-      <p:ext uri="{BB962C8B-B14F-4D97-AF65-F5344CB8AC3E}">
-        <p14:creationId xmlns:p14="http://schemas.microsoft.com/office/powerpoint/2010/main" val="2159525119"/>
-      </p:ext>
-    </p:extLst>
-  </p:cSld>
-  <p:clrMapOvr>
-    <a:masterClrMapping/>
-  </p:clrMapOvr>
-</p:notes>
-</file>
-
-<file path=ppt/notesSlides/notesSlide11.xml><?xml version="1.0" encoding="utf-8"?>
-<p:notes xmlns:a="http://schemas.openxmlformats.org/drawingml/2006/main" xmlns:r="http://schemas.openxmlformats.org/officeDocument/2006/relationships" xmlns:p="http://schemas.openxmlformats.org/presentationml/2006/main">
-  <p:cSld>
-    <p:spTree>
-      <p:nvGrpSpPr>
-        <p:cNvPr id="1" name=""/>
-        <p:cNvGrpSpPr/>
-        <p:nvPr/>
-      </p:nvGrpSpPr>
-      <p:grpSpPr>
-        <a:xfrm>
-          <a:off x="0" y="0"/>
-          <a:ext cx="0" cy="0"/>
-          <a:chOff x="0" y="0"/>
-          <a:chExt cx="0" cy="0"/>
-        </a:xfrm>
-      </p:grpSpPr>
-      <p:sp>
-        <p:nvSpPr>
-          <p:cNvPr id="2" name="Slide Image Placeholder 1"/>
-          <p:cNvSpPr>
-            <a:spLocks noGrp="1" noRot="1" noChangeAspect="1"/>
-          </p:cNvSpPr>
-          <p:nvPr>
-            <p:ph type="sldImg"/>
-          </p:nvPr>
-        </p:nvSpPr>
-        <p:spPr>
-          <a:xfrm>
-            <a:off x="381000" y="685800"/>
-            <a:ext cx="6096000" cy="3429000"/>
-          </a:xfrm>
-        </p:spPr>
-      </p:sp>
-      <p:sp>
-        <p:nvSpPr>
-          <p:cNvPr id="3" name="Notes Placeholder 2"/>
-          <p:cNvSpPr>
-            <a:spLocks noGrp="1"/>
-          </p:cNvSpPr>
-          <p:nvPr>
-            <p:ph type="body" idx="1"/>
-          </p:nvPr>
-        </p:nvSpPr>
-        <p:spPr/>
-        <p:txBody>
-          <a:bodyPr/>
-          <a:lstStyle/>
-          <a:p>
-            <a:r>
-              <a:rPr lang="en-US" altLang="zh-CN" dirty="0"/>
-              <a:t>Although the behavior of the actual environment is often unknown, we can generate the weakest assumption of a system.</a:t>
-            </a:r>
-            <a:endParaRPr lang="zh-CN" altLang="en-US" dirty="0"/>
-          </a:p>
-        </p:txBody>
-      </p:sp>
-    </p:spTree>
-    <p:extLst>
-      <p:ext uri="{BB962C8B-B14F-4D97-AF65-F5344CB8AC3E}">
-        <p14:creationId xmlns:p14="http://schemas.microsoft.com/office/powerpoint/2010/main" val="3103803863"/>
-      </p:ext>
-    </p:extLst>
-  </p:cSld>
-  <p:clrMapOvr>
-    <a:masterClrMapping/>
-  </p:clrMapOvr>
-</p:notes>
-</file>
-
-<file path=ppt/notesSlides/notesSlide12.xml><?xml version="1.0" encoding="utf-8"?>
-<p:notes xmlns:a="http://schemas.openxmlformats.org/drawingml/2006/main" xmlns:r="http://schemas.openxmlformats.org/officeDocument/2006/relationships" xmlns:p="http://schemas.openxmlformats.org/presentationml/2006/main">
-  <p:cSld>
-    <p:spTree>
-      <p:nvGrpSpPr>
-        <p:cNvPr id="1" name=""/>
-        <p:cNvGrpSpPr/>
-        <p:nvPr/>
-      </p:nvGrpSpPr>
-      <p:grpSpPr>
-        <a:xfrm>
-          <a:off x="0" y="0"/>
-          <a:ext cx="0" cy="0"/>
-          <a:chOff x="0" y="0"/>
-          <a:chExt cx="0" cy="0"/>
-        </a:xfrm>
-      </p:grpSpPr>
-      <p:sp>
-        <p:nvSpPr>
-          <p:cNvPr id="2" name="Slide Image Placeholder 1"/>
-          <p:cNvSpPr>
-            <a:spLocks noGrp="1" noRot="1" noChangeAspect="1"/>
-          </p:cNvSpPr>
-          <p:nvPr>
-            <p:ph type="sldImg"/>
-          </p:nvPr>
-        </p:nvSpPr>
-        <p:spPr>
-          <a:xfrm>
-            <a:off x="381000" y="685800"/>
-            <a:ext cx="6096000" cy="3429000"/>
-          </a:xfrm>
-        </p:spPr>
-      </p:sp>
-      <p:sp>
-        <p:nvSpPr>
-          <p:cNvPr id="3" name="Notes Placeholder 2"/>
-          <p:cNvSpPr>
-            <a:spLocks noGrp="1"/>
-          </p:cNvSpPr>
-          <p:nvPr>
-            <p:ph type="body" idx="1"/>
-          </p:nvPr>
-        </p:nvSpPr>
-        <p:spPr/>
-        <p:txBody>
-          <a:bodyPr/>
-          <a:lstStyle/>
-          <a:p>
             <a:endParaRPr lang="en-US"/>
           </a:p>
         </p:txBody>
@@ -1226,7 +1089,7 @@
           <a:p>
             <a:r>
               <a:rPr lang="en-US" altLang="zh-CN" dirty="0"/>
-              <a:t>The source and goal concepts are similar to the six dimensions of quality attributes proposed by SEI. Here, we simplify it and only focus on the stimulus (source) and the expected reaction of the system.</a:t>
+              <a:t>In the diagrams above, state 0 is always the initial state</a:t>
             </a:r>
             <a:endParaRPr lang="zh-CN" altLang="en-US" dirty="0"/>
           </a:p>
@@ -1235,7 +1098,7 @@
     </p:spTree>
     <p:extLst>
       <p:ext uri="{BB962C8B-B14F-4D97-AF65-F5344CB8AC3E}">
-        <p14:creationId xmlns:p14="http://schemas.microsoft.com/office/powerpoint/2010/main" val="2176454430"/>
+        <p14:creationId xmlns:p14="http://schemas.microsoft.com/office/powerpoint/2010/main" val="2651326126"/>
       </p:ext>
     </p:extLst>
   </p:cSld>
@@ -1294,22 +1157,60 @@
           <a:bodyPr/>
           <a:lstStyle/>
           <a:p>
+            <a:pPr marL="158750" indent="0">
+              <a:buNone/>
+            </a:pPr>
+            <a:endParaRPr lang="en-US" altLang="zh-CN" b="1" dirty="0"/>
+          </a:p>
+          <a:p>
+            <a:pPr marL="158750" indent="0">
+              <a:buNone/>
+            </a:pPr>
             <a:r>
-              <a:rPr lang="en-US" dirty="0"/>
-              <a:t>In</a:t>
+              <a:rPr lang="en-US" altLang="zh-CN" b="1" dirty="0"/>
+              <a:t>Limitations:</a:t>
+            </a:r>
+          </a:p>
+          <a:p>
+            <a:pPr marL="457200" indent="-298450"/>
+            <a:r>
+              <a:rPr lang="en-US" altLang="zh-CN" dirty="0"/>
+              <a:t>A safety property is restricted to the form of LTSA property.</a:t>
+            </a:r>
+          </a:p>
+          <a:p>
+            <a:pPr marL="457200" indent="-298450"/>
+            <a:r>
+              <a:rPr lang="en-US" altLang="zh-CN" dirty="0"/>
+              <a:t>We consider deadlock-free to be the weakest form of liveness, i.e., the system should not be stuck at some step.</a:t>
+            </a:r>
+          </a:p>
+          <a:p>
+            <a:pPr marL="158750" indent="0">
+              <a:buNone/>
+            </a:pPr>
+            <a:endParaRPr lang="en-US" altLang="zh-CN" dirty="0"/>
+          </a:p>
+          <a:p>
+            <a:pPr marL="158750" indent="0">
+              <a:buNone/>
+            </a:pPr>
+            <a:r>
+              <a:rPr lang="en-US" altLang="zh-CN" b="1" dirty="0"/>
+              <a:t>I will use “correct” in this presentation</a:t>
             </a:r>
             <a:r>
-              <a:rPr lang="en-US" baseline="0" dirty="0"/>
-              <a:t> other domain, there are formal definitions of robustness</a:t>
+              <a:rPr lang="en-US" altLang="zh-CN" b="1" baseline="0" dirty="0"/>
+              <a:t> for simplicity, but it means the system should satisfy the given safety properties and be deadlock-free.</a:t>
             </a:r>
-            <a:endParaRPr lang="en-US" dirty="0"/>
+            <a:endParaRPr lang="en-US" altLang="zh-CN" b="1" dirty="0"/>
           </a:p>
         </p:txBody>
       </p:sp>
     </p:spTree>
     <p:extLst>
       <p:ext uri="{BB962C8B-B14F-4D97-AF65-F5344CB8AC3E}">
-        <p14:creationId xmlns:p14="http://schemas.microsoft.com/office/powerpoint/2010/main" val="1876292659"/>
+        <p14:creationId xmlns:p14="http://schemas.microsoft.com/office/powerpoint/2010/main" val="988333764"/>
       </p:ext>
     </p:extLst>
   </p:cSld>
@@ -1368,18 +1269,25 @@
           <a:bodyPr/>
           <a:lstStyle/>
           <a:p>
+            <a:pPr marL="158750" indent="0">
+              <a:buNone/>
+            </a:pPr>
             <a:r>
-              <a:rPr lang="en-US" altLang="zh-CN" dirty="0"/>
-              <a:t>In the diagrams above, state 0 is always the initial state</a:t>
+              <a:rPr lang="en-US" dirty="0" smtClean="0"/>
+              <a:t>To check safety property, there should not have a trace that will lead the system enters the </a:t>
             </a:r>
-            <a:endParaRPr lang="zh-CN" altLang="en-US" dirty="0"/>
+            <a:r>
+              <a:rPr lang="en-US" smtClean="0"/>
+              <a:t>error state.</a:t>
+            </a:r>
+            <a:endParaRPr lang="en-US" dirty="0"/>
           </a:p>
         </p:txBody>
       </p:sp>
     </p:spTree>
     <p:extLst>
       <p:ext uri="{BB962C8B-B14F-4D97-AF65-F5344CB8AC3E}">
-        <p14:creationId xmlns:p14="http://schemas.microsoft.com/office/powerpoint/2010/main" val="2651326126"/>
+        <p14:creationId xmlns:p14="http://schemas.microsoft.com/office/powerpoint/2010/main" val="564671888"/>
       </p:ext>
     </p:extLst>
   </p:cSld>
@@ -1441,57 +1349,14 @@
             <a:pPr marL="158750" indent="0">
               <a:buNone/>
             </a:pPr>
-            <a:endParaRPr lang="en-US" altLang="zh-CN" b="1" dirty="0"/>
-          </a:p>
-          <a:p>
-            <a:pPr marL="158750" indent="0">
-              <a:buNone/>
-            </a:pPr>
-            <a:r>
-              <a:rPr lang="en-US" altLang="zh-CN" b="1" dirty="0"/>
-              <a:t>Limitations:</a:t>
-            </a:r>
-          </a:p>
-          <a:p>
-            <a:pPr marL="457200" indent="-298450"/>
-            <a:r>
-              <a:rPr lang="en-US" altLang="zh-CN" dirty="0"/>
-              <a:t>A safety property is restricted to the form of LTSA property.</a:t>
-            </a:r>
-          </a:p>
-          <a:p>
-            <a:pPr marL="457200" indent="-298450"/>
-            <a:r>
-              <a:rPr lang="en-US" altLang="zh-CN" dirty="0"/>
-              <a:t>We consider deadlock-free to be the weakest form of liveness, i.e., the system should not be stuck at some step.</a:t>
-            </a:r>
-          </a:p>
-          <a:p>
-            <a:pPr marL="158750" indent="0">
-              <a:buNone/>
-            </a:pPr>
-            <a:endParaRPr lang="en-US" altLang="zh-CN" dirty="0"/>
-          </a:p>
-          <a:p>
-            <a:pPr marL="158750" indent="0">
-              <a:buNone/>
-            </a:pPr>
-            <a:r>
-              <a:rPr lang="en-US" altLang="zh-CN" b="1" dirty="0"/>
-              <a:t>I will use “correct” in this presentation</a:t>
-            </a:r>
-            <a:r>
-              <a:rPr lang="en-US" altLang="zh-CN" b="1" baseline="0" dirty="0"/>
-              <a:t> for simplicity, but it means the system should satisfy the given safety properties and be deadlock-free.</a:t>
-            </a:r>
-            <a:endParaRPr lang="en-US" altLang="zh-CN" b="1" dirty="0"/>
+            <a:endParaRPr lang="en-US" baseline="0" dirty="0"/>
           </a:p>
         </p:txBody>
       </p:sp>
     </p:spTree>
     <p:extLst>
       <p:ext uri="{BB962C8B-B14F-4D97-AF65-F5344CB8AC3E}">
-        <p14:creationId xmlns:p14="http://schemas.microsoft.com/office/powerpoint/2010/main" val="988333764"/>
+        <p14:creationId xmlns:p14="http://schemas.microsoft.com/office/powerpoint/2010/main" val="3152369955"/>
       </p:ext>
     </p:extLst>
   </p:cSld>
@@ -1553,22 +1418,14 @@
             <a:pPr marL="158750" indent="0">
               <a:buNone/>
             </a:pPr>
-            <a:r>
-              <a:rPr lang="en-US" dirty="0" smtClean="0"/>
-              <a:t>To check safety property, there should not have a trace that will lead the system enters the </a:t>
-            </a:r>
-            <a:r>
-              <a:rPr lang="en-US" smtClean="0"/>
-              <a:t>error state.</a:t>
-            </a:r>
-            <a:endParaRPr lang="en-US" dirty="0"/>
+            <a:endParaRPr lang="en-US" baseline="0" dirty="0"/>
           </a:p>
         </p:txBody>
       </p:sp>
     </p:spTree>
     <p:extLst>
       <p:ext uri="{BB962C8B-B14F-4D97-AF65-F5344CB8AC3E}">
-        <p14:creationId xmlns:p14="http://schemas.microsoft.com/office/powerpoint/2010/main" val="564671888"/>
+        <p14:creationId xmlns:p14="http://schemas.microsoft.com/office/powerpoint/2010/main" val="4133652077"/>
       </p:ext>
     </p:extLst>
   </p:cSld>
@@ -1627,17 +1484,14 @@
           <a:bodyPr/>
           <a:lstStyle/>
           <a:p>
-            <a:pPr marL="158750" indent="0">
-              <a:buNone/>
-            </a:pPr>
-            <a:endParaRPr lang="en-US" baseline="0" dirty="0"/>
+            <a:endParaRPr lang="zh-CN" altLang="en-US" dirty="0"/>
           </a:p>
         </p:txBody>
       </p:sp>
     </p:spTree>
     <p:extLst>
       <p:ext uri="{BB962C8B-B14F-4D97-AF65-F5344CB8AC3E}">
-        <p14:creationId xmlns:p14="http://schemas.microsoft.com/office/powerpoint/2010/main" val="3152369955"/>
+        <p14:creationId xmlns:p14="http://schemas.microsoft.com/office/powerpoint/2010/main" val="2159525119"/>
       </p:ext>
     </p:extLst>
   </p:cSld>
@@ -1696,17 +1550,18 @@
           <a:bodyPr/>
           <a:lstStyle/>
           <a:p>
-            <a:pPr marL="158750" indent="0">
-              <a:buNone/>
-            </a:pPr>
-            <a:endParaRPr lang="en-US" baseline="0" dirty="0"/>
+            <a:r>
+              <a:rPr lang="en-US" altLang="zh-CN" dirty="0"/>
+              <a:t>Although the behavior of the actual environment is often unknown, we can generate the weakest assumption of a system.</a:t>
+            </a:r>
+            <a:endParaRPr lang="zh-CN" altLang="en-US" dirty="0"/>
           </a:p>
         </p:txBody>
       </p:sp>
     </p:spTree>
     <p:extLst>
       <p:ext uri="{BB962C8B-B14F-4D97-AF65-F5344CB8AC3E}">
-        <p14:creationId xmlns:p14="http://schemas.microsoft.com/office/powerpoint/2010/main" val="4133652077"/>
+        <p14:creationId xmlns:p14="http://schemas.microsoft.com/office/powerpoint/2010/main" val="3103803863"/>
       </p:ext>
     </p:extLst>
   </p:cSld>
@@ -7760,167 +7615,6 @@
           <a:chExt cx="0" cy="0"/>
         </a:xfrm>
       </p:grpSpPr>
-      <p:sp>
-        <p:nvSpPr>
-          <p:cNvPr id="2" name="Title 1"/>
-          <p:cNvSpPr>
-            <a:spLocks noGrp="1"/>
-          </p:cNvSpPr>
-          <p:nvPr>
-            <p:ph type="title"/>
-          </p:nvPr>
-        </p:nvSpPr>
-        <p:spPr/>
-        <p:txBody>
-          <a:bodyPr/>
-          <a:lstStyle/>
-          <a:p>
-            <a:r>
-              <a:rPr lang="en-US" dirty="0"/>
-              <a:t>Background</a:t>
-            </a:r>
-          </a:p>
-        </p:txBody>
-      </p:sp>
-      <p:sp>
-        <p:nvSpPr>
-          <p:cNvPr id="3" name="Text Placeholder 2"/>
-          <p:cNvSpPr>
-            <a:spLocks noGrp="1"/>
-          </p:cNvSpPr>
-          <p:nvPr>
-            <p:ph type="body" idx="1"/>
-          </p:nvPr>
-        </p:nvSpPr>
-        <p:spPr/>
-        <p:txBody>
-          <a:bodyPr/>
-          <a:lstStyle/>
-          <a:p>
-            <a:r>
-              <a:rPr lang="en-US" sz="1600" dirty="0"/>
-              <a:t>We use </a:t>
-            </a:r>
-            <a:r>
-              <a:rPr lang="en-US" sz="1600" i="1" dirty="0"/>
-              <a:t>parallel composition </a:t>
-            </a:r>
-            <a:r>
-              <a:rPr lang="en-US" sz="1600" dirty="0"/>
-              <a:t>to compose multiple concurrent LTSs as one system.</a:t>
-            </a:r>
-          </a:p>
-          <a:p>
-            <a:r>
-              <a:rPr lang="en-US" sz="1600" i="1" dirty="0"/>
-              <a:t>Parallel composition “</a:t>
-            </a:r>
-            <a:r>
-              <a:rPr lang="en-US" sz="1600" dirty="0"/>
-              <a:t>||”  is an operator that combines behavior of two LTSs by synchronizing common actions and interleaving the remaining actions.</a:t>
-            </a:r>
-          </a:p>
-          <a:p>
-            <a:endParaRPr lang="en-US" sz="1600" dirty="0"/>
-          </a:p>
-        </p:txBody>
-      </p:sp>
-      <p:sp>
-        <p:nvSpPr>
-          <p:cNvPr id="4" name="Slide Number Placeholder 3"/>
-          <p:cNvSpPr>
-            <a:spLocks noGrp="1"/>
-          </p:cNvSpPr>
-          <p:nvPr>
-            <p:ph type="sldNum" idx="12"/>
-          </p:nvPr>
-        </p:nvSpPr>
-        <p:spPr/>
-        <p:txBody>
-          <a:bodyPr/>
-          <a:lstStyle/>
-          <a:p>
-            <a:pPr marL="0" lvl="0" indent="0" algn="r" rtl="0">
-              <a:spcBef>
-                <a:spcPts val="0"/>
-              </a:spcBef>
-              <a:spcAft>
-                <a:spcPts val="0"/>
-              </a:spcAft>
-              <a:buNone/>
-            </a:pPr>
-            <a:fld id="{00000000-1234-1234-1234-123412341234}" type="slidenum">
-              <a:rPr lang="en" smtClean="0"/>
-              <a:t>10</a:t>
-            </a:fld>
-            <a:endParaRPr lang="en"/>
-          </a:p>
-        </p:txBody>
-      </p:sp>
-      <p:pic>
-        <p:nvPicPr>
-          <p:cNvPr id="6" name="Picture 5"/>
-          <p:cNvPicPr>
-            <a:picLocks noChangeAspect="1"/>
-          </p:cNvPicPr>
-          <p:nvPr>
-            <p:custDataLst>
-              <p:tags r:id="rId1"/>
-            </p:custDataLst>
-          </p:nvPr>
-        </p:nvPicPr>
-        <p:blipFill>
-          <a:blip r:embed="rId3">
-            <a:extLst>
-              <a:ext uri="{28A0092B-C50C-407E-A947-70E740481C1C}">
-                <a14:useLocalDpi xmlns:a14="http://schemas.microsoft.com/office/drawing/2010/main" val="0"/>
-              </a:ext>
-            </a:extLst>
-          </a:blip>
-          <a:stretch>
-            <a:fillRect/>
-          </a:stretch>
-        </p:blipFill>
-        <p:spPr>
-          <a:xfrm>
-            <a:off x="337335" y="2317659"/>
-            <a:ext cx="8469329" cy="1459383"/>
-          </a:xfrm>
-          <a:prstGeom prst="rect">
-            <a:avLst/>
-          </a:prstGeom>
-        </p:spPr>
-      </p:pic>
-    </p:spTree>
-    <p:extLst>
-      <p:ext uri="{BB962C8B-B14F-4D97-AF65-F5344CB8AC3E}">
-        <p14:creationId xmlns:p14="http://schemas.microsoft.com/office/powerpoint/2010/main" val="1405518867"/>
-      </p:ext>
-    </p:extLst>
-  </p:cSld>
-  <p:clrMapOvr>
-    <a:masterClrMapping/>
-  </p:clrMapOvr>
-</p:sld>
-</file>
-
-<file path=ppt/slides/slide11.xml><?xml version="1.0" encoding="utf-8"?>
-<p:sld xmlns:a="http://schemas.openxmlformats.org/drawingml/2006/main" xmlns:r="http://schemas.openxmlformats.org/officeDocument/2006/relationships" xmlns:p="http://schemas.openxmlformats.org/presentationml/2006/main">
-  <p:cSld>
-    <p:spTree>
-      <p:nvGrpSpPr>
-        <p:cNvPr id="1" name=""/>
-        <p:cNvGrpSpPr/>
-        <p:nvPr/>
-      </p:nvGrpSpPr>
-      <p:grpSpPr>
-        <a:xfrm>
-          <a:off x="0" y="0"/>
-          <a:ext cx="0" cy="0"/>
-          <a:chOff x="0" y="0"/>
-          <a:chExt cx="0" cy="0"/>
-        </a:xfrm>
-      </p:grpSpPr>
       <p:pic>
         <p:nvPicPr>
           <p:cNvPr id="1026" name="Picture 2" descr="https://documents.lucidchart.com/documents/1462bec2-3f08-4690-87bd-1f5a008ab79f/pages/0_0?a=411&amp;x=196&amp;y=385&amp;w=531&amp;h=330&amp;store=1&amp;accept=image%2F*&amp;auth=LCA%20f206f8790499ef2426edf17e954c542bca3fe800-ts%3D1572456013"/>
@@ -7984,8 +7678,8 @@
           <a:lstStyle/>
           <a:p>
             <a:r>
-              <a:rPr lang="en-US" altLang="zh-CN" dirty="0"/>
-              <a:t>Motivation Example</a:t>
+              <a:rPr lang="en-US" altLang="zh-CN" dirty="0" smtClean="0"/>
+              <a:t>Example</a:t>
             </a:r>
             <a:endParaRPr lang="zh-CN" altLang="en-US" dirty="0"/>
           </a:p>
@@ -8023,7 +7717,7 @@
             </a:pPr>
             <a:fld id="{00000000-1234-1234-1234-123412341234}" type="slidenum">
               <a:rPr lang="en" smtClean="0"/>
-              <a:t>11</a:t>
+              <a:t>10</a:t>
             </a:fld>
             <a:endParaRPr lang="en"/>
           </a:p>
@@ -8045,8 +7739,8 @@
         </p:blipFill>
         <p:spPr>
           <a:xfrm>
-            <a:off x="393830" y="1532060"/>
-            <a:ext cx="2423392" cy="1039689"/>
+            <a:off x="172490" y="1342140"/>
+            <a:ext cx="2866072" cy="1229609"/>
           </a:xfrm>
           <a:prstGeom prst="rect">
             <a:avLst/>
@@ -8069,8 +7763,8 @@
         </p:blipFill>
         <p:spPr>
           <a:xfrm>
-            <a:off x="305914" y="2860247"/>
-            <a:ext cx="2599223" cy="1039689"/>
+            <a:off x="172490" y="3200359"/>
+            <a:ext cx="2866072" cy="1146429"/>
           </a:xfrm>
           <a:prstGeom prst="rect">
             <a:avLst/>
@@ -8093,8 +7787,8 @@
         </p:blipFill>
         <p:spPr>
           <a:xfrm>
-            <a:off x="5822641" y="2181057"/>
-            <a:ext cx="3009659" cy="1138789"/>
+            <a:off x="5678647" y="2074426"/>
+            <a:ext cx="3342511" cy="1264733"/>
           </a:xfrm>
           <a:prstGeom prst="rect">
             <a:avLst/>
@@ -8114,7 +7808,7 @@
 </p:sld>
 </file>
 
-<file path=ppt/slides/slide12.xml><?xml version="1.0" encoding="utf-8"?>
+<file path=ppt/slides/slide11.xml><?xml version="1.0" encoding="utf-8"?>
 <p:sld xmlns:a="http://schemas.openxmlformats.org/drawingml/2006/main" xmlns:r="http://schemas.openxmlformats.org/officeDocument/2006/relationships" xmlns:p="http://schemas.openxmlformats.org/presentationml/2006/main">
   <p:cSld>
     <p:spTree>
@@ -8198,7 +7892,7 @@
               <a:buAutoNum type="arabicParenR"/>
             </a:pPr>
             <a:r>
-              <a:rPr lang="en-US" altLang="zh-CN" dirty="0"/>
+              <a:rPr lang="en-US" altLang="zh-CN" sz="1600" dirty="0"/>
               <a:t>bad things should not happen, and</a:t>
             </a:r>
           </a:p>
@@ -8214,7 +7908,7 @@
               <a:buAutoNum type="arabicParenR"/>
             </a:pPr>
             <a:r>
-              <a:rPr lang="en-US" altLang="zh-CN" dirty="0"/>
+              <a:rPr lang="en-US" altLang="zh-CN" sz="1600" dirty="0"/>
               <a:t>good things should eventually happen.</a:t>
             </a:r>
           </a:p>
@@ -8274,7 +7968,7 @@
             </a:pPr>
             <a:fld id="{00000000-1234-1234-1234-123412341234}" type="slidenum">
               <a:rPr lang="en" smtClean="0"/>
-              <a:t>12</a:t>
+              <a:t>11</a:t>
             </a:fld>
             <a:endParaRPr lang="en"/>
           </a:p>
@@ -8293,7 +7987,7 @@
 </p:sld>
 </file>
 
-<file path=ppt/slides/slide13.xml><?xml version="1.0" encoding="utf-8"?>
+<file path=ppt/slides/slide12.xml><?xml version="1.0" encoding="utf-8"?>
 <p:sld xmlns:a="http://schemas.openxmlformats.org/drawingml/2006/main" xmlns:r="http://schemas.openxmlformats.org/officeDocument/2006/relationships" xmlns:p="http://schemas.openxmlformats.org/presentationml/2006/main">
   <p:cSld>
     <p:spTree>
@@ -8451,7 +8145,7 @@
             </a:pPr>
             <a:fld id="{00000000-1234-1234-1234-123412341234}" type="slidenum">
               <a:rPr lang="en" smtClean="0"/>
-              <a:t>13</a:t>
+              <a:t>12</a:t>
             </a:fld>
             <a:endParaRPr lang="en"/>
           </a:p>
@@ -8495,18 +8189,26 @@
           <a:prstGeom prst="rightArrow">
             <a:avLst/>
           </a:prstGeom>
+          <a:solidFill>
+            <a:schemeClr val="bg2"/>
+          </a:solidFill>
+          <a:ln>
+            <a:solidFill>
+              <a:schemeClr val="bg2"/>
+            </a:solidFill>
+          </a:ln>
         </p:spPr>
         <p:style>
           <a:lnRef idx="2">
-            <a:schemeClr val="accent1">
+            <a:schemeClr val="dk1">
               <a:shade val="50000"/>
             </a:schemeClr>
           </a:lnRef>
           <a:fillRef idx="1">
-            <a:schemeClr val="accent1"/>
+            <a:schemeClr val="dk1"/>
           </a:fillRef>
           <a:effectRef idx="0">
-            <a:schemeClr val="accent1"/>
+            <a:schemeClr val="dk1"/>
           </a:effectRef>
           <a:fontRef idx="minor">
             <a:schemeClr val="lt1"/>
@@ -8568,16 +8270,14 @@
           </a:ln>
         </p:spPr>
         <p:style>
-          <a:lnRef idx="2">
-            <a:schemeClr val="accent1">
-              <a:shade val="50000"/>
-            </a:schemeClr>
+          <a:lnRef idx="3">
+            <a:schemeClr val="lt1"/>
           </a:lnRef>
           <a:fillRef idx="1">
-            <a:schemeClr val="accent1"/>
+            <a:schemeClr val="accent3"/>
           </a:fillRef>
-          <a:effectRef idx="0">
-            <a:schemeClr val="accent1"/>
+          <a:effectRef idx="1">
+            <a:schemeClr val="accent3"/>
           </a:effectRef>
           <a:fontRef idx="minor">
             <a:schemeClr val="lt1"/>
@@ -8616,7 +8316,7 @@
 </p:sld>
 </file>
 
-<file path=ppt/slides/slide14.xml><?xml version="1.0" encoding="utf-8"?>
+<file path=ppt/slides/slide13.xml><?xml version="1.0" encoding="utf-8"?>
 <p:sld xmlns:a="http://schemas.openxmlformats.org/drawingml/2006/main" xmlns:r="http://schemas.openxmlformats.org/officeDocument/2006/relationships" xmlns:p="http://schemas.openxmlformats.org/presentationml/2006/main">
   <p:cSld>
     <p:spTree>
@@ -8703,15 +8403,64 @@
             </a:pPr>
             <a:fld id="{00000000-1234-1234-1234-123412341234}" type="slidenum">
               <a:rPr lang="en" smtClean="0"/>
-              <a:t>14</a:t>
+              <a:t>13</a:t>
             </a:fld>
             <a:endParaRPr lang="en"/>
+          </a:p>
+        </p:txBody>
+      </p:sp>
+      <p:sp>
+        <p:nvSpPr>
+          <p:cNvPr id="7" name="Rounded Rectangular Callout 6"/>
+          <p:cNvSpPr/>
+          <p:nvPr/>
+        </p:nvSpPr>
+        <p:spPr>
+          <a:xfrm>
+            <a:off x="4360190" y="2477693"/>
+            <a:ext cx="3926237" cy="1055921"/>
+          </a:xfrm>
+          <a:prstGeom prst="wedgeRoundRectCallout">
+            <a:avLst>
+              <a:gd name="adj1" fmla="val -61927"/>
+              <a:gd name="adj2" fmla="val 2926"/>
+              <a:gd name="adj3" fmla="val 16667"/>
+            </a:avLst>
+          </a:prstGeom>
+          <a:ln>
+            <a:headEnd type="none" w="med" len="med"/>
+            <a:tailEnd type="none" w="med" len="med"/>
+          </a:ln>
+        </p:spPr>
+        <p:style>
+          <a:lnRef idx="3">
+            <a:schemeClr val="lt1"/>
+          </a:lnRef>
+          <a:fillRef idx="1">
+            <a:schemeClr val="accent3"/>
+          </a:fillRef>
+          <a:effectRef idx="1">
+            <a:schemeClr val="accent3"/>
+          </a:effectRef>
+          <a:fontRef idx="minor">
+            <a:schemeClr val="lt1"/>
+          </a:fontRef>
+        </p:style>
+        <p:txBody>
+          <a:bodyPr rtlCol="0" anchor="ctr"/>
+          <a:lstStyle/>
+          <a:p>
+            <a:pPr algn="ctr"/>
+            <a:r>
+              <a:rPr lang="en-US" dirty="0"/>
+              <a:t>A wait-for cycle exists. Because A is waiting to do a; but to do a, B has to do b first.</a:t>
+            </a:r>
           </a:p>
         </p:txBody>
       </p:sp>
       <p:pic>
         <p:nvPicPr>
-          <p:cNvPr id="5" name="Picture 4"/>
+          <p:cNvPr id="8" name="Picture 7"/>
           <p:cNvPicPr>
             <a:picLocks noChangeAspect="1"/>
           </p:cNvPicPr>
@@ -8725,132 +8474,8 @@
         </p:blipFill>
         <p:spPr>
           <a:xfrm>
-            <a:off x="910448" y="1989894"/>
-            <a:ext cx="2287888" cy="593156"/>
-          </a:xfrm>
-          <a:prstGeom prst="rect">
-            <a:avLst/>
-          </a:prstGeom>
-        </p:spPr>
-      </p:pic>
-      <p:sp>
-        <p:nvSpPr>
-          <p:cNvPr id="6" name="Rectangular Callout 5"/>
-          <p:cNvSpPr/>
-          <p:nvPr/>
-        </p:nvSpPr>
-        <p:spPr>
-          <a:xfrm>
-            <a:off x="3797084" y="1839133"/>
-            <a:ext cx="3404462" cy="619932"/>
-          </a:xfrm>
-          <a:prstGeom prst="wedgeRectCallout">
-            <a:avLst>
-              <a:gd name="adj1" fmla="val -68808"/>
-              <a:gd name="adj2" fmla="val 23679"/>
-            </a:avLst>
-          </a:prstGeom>
-          <a:ln>
-            <a:headEnd type="none" w="med" len="med"/>
-            <a:tailEnd type="none" w="med" len="med"/>
-          </a:ln>
-        </p:spPr>
-        <p:style>
-          <a:lnRef idx="2">
-            <a:schemeClr val="accent1">
-              <a:shade val="50000"/>
-            </a:schemeClr>
-          </a:lnRef>
-          <a:fillRef idx="1">
-            <a:schemeClr val="accent1"/>
-          </a:fillRef>
-          <a:effectRef idx="0">
-            <a:schemeClr val="accent1"/>
-          </a:effectRef>
-          <a:fontRef idx="minor">
-            <a:schemeClr val="lt1"/>
-          </a:fontRef>
-        </p:style>
-        <p:txBody>
-          <a:bodyPr rtlCol="0" anchor="ctr"/>
-          <a:lstStyle/>
-          <a:p>
-            <a:pPr algn="ctr"/>
-            <a:r>
-              <a:rPr lang="en-US" dirty="0"/>
-              <a:t>The system is deadlock since no outgoing transitions can take</a:t>
-            </a:r>
-          </a:p>
-        </p:txBody>
-      </p:sp>
-      <p:sp>
-        <p:nvSpPr>
-          <p:cNvPr id="7" name="Rectangular Callout 6"/>
-          <p:cNvSpPr/>
-          <p:nvPr/>
-        </p:nvSpPr>
-        <p:spPr>
-          <a:xfrm>
-            <a:off x="3797084" y="2919800"/>
-            <a:ext cx="3683431" cy="1057956"/>
-          </a:xfrm>
-          <a:prstGeom prst="wedgeRectCallout">
-            <a:avLst>
-              <a:gd name="adj1" fmla="val -63364"/>
-              <a:gd name="adj2" fmla="val -12804"/>
-            </a:avLst>
-          </a:prstGeom>
-          <a:ln>
-            <a:headEnd type="none" w="med" len="med"/>
-            <a:tailEnd type="none" w="med" len="med"/>
-          </a:ln>
-        </p:spPr>
-        <p:style>
-          <a:lnRef idx="2">
-            <a:schemeClr val="accent1">
-              <a:shade val="50000"/>
-            </a:schemeClr>
-          </a:lnRef>
-          <a:fillRef idx="1">
-            <a:schemeClr val="accent1"/>
-          </a:fillRef>
-          <a:effectRef idx="0">
-            <a:schemeClr val="accent1"/>
-          </a:effectRef>
-          <a:fontRef idx="minor">
-            <a:schemeClr val="lt1"/>
-          </a:fontRef>
-        </p:style>
-        <p:txBody>
-          <a:bodyPr rtlCol="0" anchor="ctr"/>
-          <a:lstStyle/>
-          <a:p>
-            <a:pPr algn="ctr"/>
-            <a:r>
-              <a:rPr lang="en-US" dirty="0"/>
-              <a:t>A wait-for cycle exists. Because A is waiting to do a; but to do a, B has to do b first.</a:t>
-            </a:r>
-          </a:p>
-        </p:txBody>
-      </p:sp>
-      <p:pic>
-        <p:nvPicPr>
-          <p:cNvPr id="8" name="Picture 7"/>
-          <p:cNvPicPr>
-            <a:picLocks noChangeAspect="1"/>
-          </p:cNvPicPr>
-          <p:nvPr/>
-        </p:nvPicPr>
-        <p:blipFill>
-          <a:blip r:embed="rId3"/>
-          <a:stretch>
-            <a:fillRect/>
-          </a:stretch>
-        </p:blipFill>
-        <p:spPr>
-          <a:xfrm>
-            <a:off x="910448" y="2877948"/>
-            <a:ext cx="2370025" cy="655377"/>
+            <a:off x="796794" y="2128863"/>
+            <a:ext cx="3174397" cy="877808"/>
           </a:xfrm>
           <a:prstGeom prst="rect">
             <a:avLst/>
@@ -8866,15 +8491,15 @@
           <p:nvPr/>
         </p:nvPicPr>
         <p:blipFill>
-          <a:blip r:embed="rId4"/>
+          <a:blip r:embed="rId3"/>
           <a:stretch>
             <a:fillRect/>
           </a:stretch>
         </p:blipFill>
         <p:spPr>
           <a:xfrm>
-            <a:off x="897661" y="3585784"/>
-            <a:ext cx="2377646" cy="655377"/>
+            <a:off x="796793" y="3239604"/>
+            <a:ext cx="3174397" cy="874994"/>
           </a:xfrm>
           <a:prstGeom prst="rect">
             <a:avLst/>
@@ -8894,7 +8519,7 @@
 </p:sld>
 </file>
 
-<file path=ppt/slides/slide15.xml><?xml version="1.0" encoding="utf-8"?>
+<file path=ppt/slides/slide14.xml><?xml version="1.0" encoding="utf-8"?>
 <p:sld xmlns:a="http://schemas.openxmlformats.org/drawingml/2006/main" xmlns:r="http://schemas.openxmlformats.org/officeDocument/2006/relationships" xmlns:p="http://schemas.openxmlformats.org/presentationml/2006/main">
   <p:cSld>
     <p:spTree>
@@ -8972,7 +8597,7 @@
             </a:pPr>
             <a:fld id="{00000000-1234-1234-1234-123412341234}" type="slidenum">
               <a:rPr lang="en" smtClean="0"/>
-              <a:t>15</a:t>
+              <a:t>14</a:t>
             </a:fld>
             <a:endParaRPr lang="en"/>
           </a:p>
@@ -9109,7 +8734,7 @@
 </p:sld>
 </file>
 
-<file path=ppt/slides/slide16.xml><?xml version="1.0" encoding="utf-8"?>
+<file path=ppt/slides/slide15.xml><?xml version="1.0" encoding="utf-8"?>
 <p:sld xmlns:a="http://schemas.openxmlformats.org/drawingml/2006/main" xmlns:r="http://schemas.openxmlformats.org/officeDocument/2006/relationships" xmlns:p="http://schemas.openxmlformats.org/presentationml/2006/main">
   <p:cSld>
     <p:spTree>
@@ -9252,7 +8877,7 @@
             </a:pPr>
             <a:fld id="{00000000-1234-1234-1234-123412341234}" type="slidenum">
               <a:rPr lang="en" smtClean="0"/>
-              <a:t>16</a:t>
+              <a:t>15</a:t>
             </a:fld>
             <a:endParaRPr lang="en"/>
           </a:p>
@@ -9343,7 +8968,7 @@
 </p:sld>
 </file>
 
-<file path=ppt/slides/slide17.xml><?xml version="1.0" encoding="utf-8"?>
+<file path=ppt/slides/slide16.xml><?xml version="1.0" encoding="utf-8"?>
 <p:sld xmlns:a="http://schemas.openxmlformats.org/drawingml/2006/main" xmlns:r="http://schemas.openxmlformats.org/officeDocument/2006/relationships" xmlns:p="http://schemas.openxmlformats.org/presentationml/2006/main">
   <p:cSld>
     <p:spTree>
@@ -9498,7 +9123,7 @@
             </a:pPr>
             <a:fld id="{00000000-1234-1234-1234-123412341234}" type="slidenum">
               <a:rPr lang="en" smtClean="0"/>
-              <a:t>17</a:t>
+              <a:t>16</a:t>
             </a:fld>
             <a:endParaRPr lang="en"/>
           </a:p>
@@ -9589,7 +9214,7 @@
 </p:sld>
 </file>
 
-<file path=ppt/slides/slide18.xml><?xml version="1.0" encoding="utf-8"?>
+<file path=ppt/slides/slide17.xml><?xml version="1.0" encoding="utf-8"?>
 <p:sld xmlns:a="http://schemas.openxmlformats.org/drawingml/2006/main" xmlns:r="http://schemas.openxmlformats.org/officeDocument/2006/relationships" xmlns:p="http://schemas.openxmlformats.org/presentationml/2006/main">
   <p:cSld>
     <p:spTree>
@@ -9772,7 +9397,7 @@
             </a:pPr>
             <a:fld id="{00000000-1234-1234-1234-123412341234}" type="slidenum">
               <a:rPr lang="en" smtClean="0"/>
-              <a:t>18</a:t>
+              <a:t>17</a:t>
             </a:fld>
             <a:endParaRPr lang="en"/>
           </a:p>
@@ -9918,7 +9543,7 @@
 </p:sld>
 </file>
 
-<file path=ppt/slides/slide19.xml><?xml version="1.0" encoding="utf-8"?>
+<file path=ppt/slides/slide18.xml><?xml version="1.0" encoding="utf-8"?>
 <p:sld xmlns:a="http://schemas.openxmlformats.org/drawingml/2006/main" xmlns:r="http://schemas.openxmlformats.org/officeDocument/2006/relationships" xmlns:p="http://schemas.openxmlformats.org/presentationml/2006/main">
   <p:cSld>
     <p:spTree>
@@ -9996,7 +9621,7 @@
             </a:pPr>
             <a:fld id="{00000000-1234-1234-1234-123412341234}" type="slidenum">
               <a:rPr lang="en" smtClean="0"/>
-              <a:t>19</a:t>
+              <a:t>18</a:t>
             </a:fld>
             <a:endParaRPr lang="en"/>
           </a:p>
@@ -10133,153 +9758,7 @@
 </p:sld>
 </file>
 
-<file path=ppt/slides/slide2.xml><?xml version="1.0" encoding="utf-8"?>
-<p:sld xmlns:a="http://schemas.openxmlformats.org/drawingml/2006/main" xmlns:r="http://schemas.openxmlformats.org/officeDocument/2006/relationships" xmlns:p="http://schemas.openxmlformats.org/presentationml/2006/main">
-  <p:cSld>
-    <p:spTree>
-      <p:nvGrpSpPr>
-        <p:cNvPr id="1" name=""/>
-        <p:cNvGrpSpPr/>
-        <p:nvPr/>
-      </p:nvGrpSpPr>
-      <p:grpSpPr>
-        <a:xfrm>
-          <a:off x="0" y="0"/>
-          <a:ext cx="0" cy="0"/>
-          <a:chOff x="0" y="0"/>
-          <a:chExt cx="0" cy="0"/>
-        </a:xfrm>
-      </p:grpSpPr>
-      <p:sp>
-        <p:nvSpPr>
-          <p:cNvPr id="2" name="Title 1">
-            <a:extLst>
-              <a:ext uri="{FF2B5EF4-FFF2-40B4-BE49-F238E27FC236}">
-                <a16:creationId xmlns:a16="http://schemas.microsoft.com/office/drawing/2014/main" id="{002A871F-18A2-4401-B6B9-077086628C4E}"/>
-              </a:ext>
-            </a:extLst>
-          </p:cNvPr>
-          <p:cNvSpPr>
-            <a:spLocks noGrp="1"/>
-          </p:cNvSpPr>
-          <p:nvPr>
-            <p:ph type="title"/>
-          </p:nvPr>
-        </p:nvSpPr>
-        <p:spPr/>
-        <p:txBody>
-          <a:bodyPr/>
-          <a:lstStyle/>
-          <a:p>
-            <a:r>
-              <a:rPr lang="en-US" altLang="zh-CN" dirty="0"/>
-              <a:t>Agenda</a:t>
-            </a:r>
-            <a:endParaRPr lang="zh-CN" altLang="en-US" dirty="0"/>
-          </a:p>
-        </p:txBody>
-      </p:sp>
-      <p:sp>
-        <p:nvSpPr>
-          <p:cNvPr id="3" name="Text Placeholder 2">
-            <a:extLst>
-              <a:ext uri="{FF2B5EF4-FFF2-40B4-BE49-F238E27FC236}">
-                <a16:creationId xmlns:a16="http://schemas.microsoft.com/office/drawing/2014/main" id="{8D97EDBA-6795-4FFA-BF7E-762491D0EB39}"/>
-              </a:ext>
-            </a:extLst>
-          </p:cNvPr>
-          <p:cNvSpPr>
-            <a:spLocks noGrp="1"/>
-          </p:cNvSpPr>
-          <p:nvPr>
-            <p:ph type="body" idx="1"/>
-          </p:nvPr>
-        </p:nvSpPr>
-        <p:spPr/>
-        <p:txBody>
-          <a:bodyPr/>
-          <a:lstStyle/>
-          <a:p>
-            <a:r>
-              <a:rPr lang="en-US" altLang="zh-CN" dirty="0"/>
-              <a:t>Research Problem</a:t>
-            </a:r>
-          </a:p>
-          <a:p>
-            <a:r>
-              <a:rPr lang="en-US" altLang="zh-CN" dirty="0"/>
-              <a:t>Motivation Example &amp; Overview</a:t>
-            </a:r>
-          </a:p>
-          <a:p>
-            <a:r>
-              <a:rPr lang="en-US" altLang="zh-CN" dirty="0"/>
-              <a:t>Approach In Details</a:t>
-            </a:r>
-          </a:p>
-          <a:p>
-            <a:r>
-              <a:rPr lang="en-US" altLang="zh-CN" dirty="0"/>
-              <a:t>Discussion</a:t>
-            </a:r>
-          </a:p>
-          <a:p>
-            <a:endParaRPr lang="zh-CN" altLang="en-US" dirty="0"/>
-          </a:p>
-        </p:txBody>
-      </p:sp>
-      <p:sp>
-        <p:nvSpPr>
-          <p:cNvPr id="4" name="Slide Number Placeholder 3">
-            <a:extLst>
-              <a:ext uri="{FF2B5EF4-FFF2-40B4-BE49-F238E27FC236}">
-                <a16:creationId xmlns:a16="http://schemas.microsoft.com/office/drawing/2014/main" id="{6B4CE1E3-8D12-4A2F-87D4-6395F5C91DDC}"/>
-              </a:ext>
-            </a:extLst>
-          </p:cNvPr>
-          <p:cNvSpPr>
-            <a:spLocks noGrp="1"/>
-          </p:cNvSpPr>
-          <p:nvPr>
-            <p:ph type="sldNum" idx="12"/>
-          </p:nvPr>
-        </p:nvSpPr>
-        <p:spPr/>
-        <p:txBody>
-          <a:bodyPr/>
-          <a:lstStyle/>
-          <a:p>
-            <a:pPr marL="0" lvl="0" indent="0" algn="r" rtl="0">
-              <a:spcBef>
-                <a:spcPts val="0"/>
-              </a:spcBef>
-              <a:spcAft>
-                <a:spcPts val="0"/>
-              </a:spcAft>
-              <a:buNone/>
-            </a:pPr>
-            <a:fld id="{00000000-1234-1234-1234-123412341234}" type="slidenum">
-              <a:rPr lang="en" smtClean="0"/>
-              <a:t>2</a:t>
-            </a:fld>
-            <a:endParaRPr lang="en"/>
-          </a:p>
-        </p:txBody>
-      </p:sp>
-    </p:spTree>
-    <p:extLst>
-      <p:ext uri="{BB962C8B-B14F-4D97-AF65-F5344CB8AC3E}">
-        <p14:creationId xmlns:p14="http://schemas.microsoft.com/office/powerpoint/2010/main" val="3292415568"/>
-      </p:ext>
-    </p:extLst>
-  </p:cSld>
-  <p:clrMapOvr>
-    <a:masterClrMapping/>
-  </p:clrMapOvr>
-</p:sld>
-</file>
-
-<file path=ppt/slides/slide20.xml><?xml version="1.0" encoding="utf-8"?>
+<file path=ppt/slides/slide19.xml><?xml version="1.0" encoding="utf-8"?>
 <p:sld xmlns:a="http://schemas.openxmlformats.org/drawingml/2006/main" xmlns:r="http://schemas.openxmlformats.org/officeDocument/2006/relationships" xmlns:p="http://schemas.openxmlformats.org/presentationml/2006/main">
   <p:cSld>
     <p:spTree>
@@ -10422,7 +9901,7 @@
             </a:pPr>
             <a:fld id="{00000000-1234-1234-1234-123412341234}" type="slidenum">
               <a:rPr lang="en" smtClean="0"/>
-              <a:t>20</a:t>
+              <a:t>19</a:t>
             </a:fld>
             <a:endParaRPr lang="en"/>
           </a:p>
@@ -10537,7 +10016,153 @@
 </p:sld>
 </file>
 
-<file path=ppt/slides/slide21.xml><?xml version="1.0" encoding="utf-8"?>
+<file path=ppt/slides/slide2.xml><?xml version="1.0" encoding="utf-8"?>
+<p:sld xmlns:a="http://schemas.openxmlformats.org/drawingml/2006/main" xmlns:r="http://schemas.openxmlformats.org/officeDocument/2006/relationships" xmlns:p="http://schemas.openxmlformats.org/presentationml/2006/main">
+  <p:cSld>
+    <p:spTree>
+      <p:nvGrpSpPr>
+        <p:cNvPr id="1" name=""/>
+        <p:cNvGrpSpPr/>
+        <p:nvPr/>
+      </p:nvGrpSpPr>
+      <p:grpSpPr>
+        <a:xfrm>
+          <a:off x="0" y="0"/>
+          <a:ext cx="0" cy="0"/>
+          <a:chOff x="0" y="0"/>
+          <a:chExt cx="0" cy="0"/>
+        </a:xfrm>
+      </p:grpSpPr>
+      <p:sp>
+        <p:nvSpPr>
+          <p:cNvPr id="2" name="Title 1">
+            <a:extLst>
+              <a:ext uri="{FF2B5EF4-FFF2-40B4-BE49-F238E27FC236}">
+                <a16:creationId xmlns:a16="http://schemas.microsoft.com/office/drawing/2014/main" id="{002A871F-18A2-4401-B6B9-077086628C4E}"/>
+              </a:ext>
+            </a:extLst>
+          </p:cNvPr>
+          <p:cNvSpPr>
+            <a:spLocks noGrp="1"/>
+          </p:cNvSpPr>
+          <p:nvPr>
+            <p:ph type="title"/>
+          </p:nvPr>
+        </p:nvSpPr>
+        <p:spPr/>
+        <p:txBody>
+          <a:bodyPr/>
+          <a:lstStyle/>
+          <a:p>
+            <a:r>
+              <a:rPr lang="en-US" altLang="zh-CN" dirty="0"/>
+              <a:t>Agenda</a:t>
+            </a:r>
+            <a:endParaRPr lang="zh-CN" altLang="en-US" dirty="0"/>
+          </a:p>
+        </p:txBody>
+      </p:sp>
+      <p:sp>
+        <p:nvSpPr>
+          <p:cNvPr id="3" name="Text Placeholder 2">
+            <a:extLst>
+              <a:ext uri="{FF2B5EF4-FFF2-40B4-BE49-F238E27FC236}">
+                <a16:creationId xmlns:a16="http://schemas.microsoft.com/office/drawing/2014/main" id="{8D97EDBA-6795-4FFA-BF7E-762491D0EB39}"/>
+              </a:ext>
+            </a:extLst>
+          </p:cNvPr>
+          <p:cNvSpPr>
+            <a:spLocks noGrp="1"/>
+          </p:cNvSpPr>
+          <p:nvPr>
+            <p:ph type="body" idx="1"/>
+          </p:nvPr>
+        </p:nvSpPr>
+        <p:spPr/>
+        <p:txBody>
+          <a:bodyPr/>
+          <a:lstStyle/>
+          <a:p>
+            <a:r>
+              <a:rPr lang="en-US" altLang="zh-CN" dirty="0"/>
+              <a:t>Research Problem</a:t>
+            </a:r>
+          </a:p>
+          <a:p>
+            <a:r>
+              <a:rPr lang="en-US" altLang="zh-CN" dirty="0"/>
+              <a:t>Motivation Example &amp; Overview</a:t>
+            </a:r>
+          </a:p>
+          <a:p>
+            <a:r>
+              <a:rPr lang="en-US" altLang="zh-CN" dirty="0"/>
+              <a:t>Approach In Details</a:t>
+            </a:r>
+          </a:p>
+          <a:p>
+            <a:r>
+              <a:rPr lang="en-US" altLang="zh-CN" dirty="0"/>
+              <a:t>Discussion</a:t>
+            </a:r>
+          </a:p>
+          <a:p>
+            <a:endParaRPr lang="zh-CN" altLang="en-US" dirty="0"/>
+          </a:p>
+        </p:txBody>
+      </p:sp>
+      <p:sp>
+        <p:nvSpPr>
+          <p:cNvPr id="4" name="Slide Number Placeholder 3">
+            <a:extLst>
+              <a:ext uri="{FF2B5EF4-FFF2-40B4-BE49-F238E27FC236}">
+                <a16:creationId xmlns:a16="http://schemas.microsoft.com/office/drawing/2014/main" id="{6B4CE1E3-8D12-4A2F-87D4-6395F5C91DDC}"/>
+              </a:ext>
+            </a:extLst>
+          </p:cNvPr>
+          <p:cNvSpPr>
+            <a:spLocks noGrp="1"/>
+          </p:cNvSpPr>
+          <p:nvPr>
+            <p:ph type="sldNum" idx="12"/>
+          </p:nvPr>
+        </p:nvSpPr>
+        <p:spPr/>
+        <p:txBody>
+          <a:bodyPr/>
+          <a:lstStyle/>
+          <a:p>
+            <a:pPr marL="0" lvl="0" indent="0" algn="r" rtl="0">
+              <a:spcBef>
+                <a:spcPts val="0"/>
+              </a:spcBef>
+              <a:spcAft>
+                <a:spcPts val="0"/>
+              </a:spcAft>
+              <a:buNone/>
+            </a:pPr>
+            <a:fld id="{00000000-1234-1234-1234-123412341234}" type="slidenum">
+              <a:rPr lang="en" smtClean="0"/>
+              <a:t>2</a:t>
+            </a:fld>
+            <a:endParaRPr lang="en"/>
+          </a:p>
+        </p:txBody>
+      </p:sp>
+    </p:spTree>
+    <p:extLst>
+      <p:ext uri="{BB962C8B-B14F-4D97-AF65-F5344CB8AC3E}">
+        <p14:creationId xmlns:p14="http://schemas.microsoft.com/office/powerpoint/2010/main" val="3292415568"/>
+      </p:ext>
+    </p:extLst>
+  </p:cSld>
+  <p:clrMapOvr>
+    <a:masterClrMapping/>
+  </p:clrMapOvr>
+</p:sld>
+</file>
+
+<file path=ppt/slides/slide20.xml><?xml version="1.0" encoding="utf-8"?>
 <p:sld xmlns:a="http://schemas.openxmlformats.org/drawingml/2006/main" xmlns:r="http://schemas.openxmlformats.org/officeDocument/2006/relationships" xmlns:p="http://schemas.openxmlformats.org/presentationml/2006/main">
   <p:cSld>
     <p:spTree>
@@ -10692,7 +10317,7 @@
             </a:pPr>
             <a:fld id="{00000000-1234-1234-1234-123412341234}" type="slidenum">
               <a:rPr lang="en" smtClean="0"/>
-              <a:t>21</a:t>
+              <a:t>20</a:t>
             </a:fld>
             <a:endParaRPr lang="en"/>
           </a:p>
@@ -10807,7 +10432,7 @@
 </p:sld>
 </file>
 
-<file path=ppt/slides/slide22.xml><?xml version="1.0" encoding="utf-8"?>
+<file path=ppt/slides/slide21.xml><?xml version="1.0" encoding="utf-8"?>
 <p:sld xmlns:a="http://schemas.openxmlformats.org/drawingml/2006/main" xmlns:r="http://schemas.openxmlformats.org/officeDocument/2006/relationships" xmlns:p="http://schemas.openxmlformats.org/presentationml/2006/main">
   <p:cSld>
     <p:spTree>
@@ -10974,7 +10599,7 @@
             </a:pPr>
             <a:fld id="{00000000-1234-1234-1234-123412341234}" type="slidenum">
               <a:rPr lang="en" smtClean="0"/>
-              <a:t>22</a:t>
+              <a:t>21</a:t>
             </a:fld>
             <a:endParaRPr lang="en"/>
           </a:p>
@@ -11089,7 +10714,7 @@
 </p:sld>
 </file>
 
-<file path=ppt/slides/slide23.xml><?xml version="1.0" encoding="utf-8"?>
+<file path=ppt/slides/slide22.xml><?xml version="1.0" encoding="utf-8"?>
 <p:sld xmlns:a="http://schemas.openxmlformats.org/drawingml/2006/main" xmlns:r="http://schemas.openxmlformats.org/officeDocument/2006/relationships" xmlns:p="http://schemas.openxmlformats.org/presentationml/2006/main">
   <p:cSld>
     <p:spTree>
@@ -11284,7 +10909,7 @@
             </a:pPr>
             <a:fld id="{00000000-1234-1234-1234-123412341234}" type="slidenum">
               <a:rPr lang="en" smtClean="0"/>
-              <a:t>23</a:t>
+              <a:t>22</a:t>
             </a:fld>
             <a:endParaRPr lang="en"/>
           </a:p>
@@ -11446,7 +11071,7 @@
 </p:sld>
 </file>
 
-<file path=ppt/slides/slide24.xml><?xml version="1.0" encoding="utf-8"?>
+<file path=ppt/slides/slide23.xml><?xml version="1.0" encoding="utf-8"?>
 <p:sld xmlns:a="http://schemas.openxmlformats.org/drawingml/2006/main" xmlns:r="http://schemas.openxmlformats.org/officeDocument/2006/relationships" xmlns:p="http://schemas.openxmlformats.org/presentationml/2006/main">
   <p:cSld>
     <p:spTree>
@@ -11492,8 +11117,8 @@
           </a:p>
         </p:txBody>
       </p:sp>
-      <mc:AlternateContent xmlns:mc="http://schemas.openxmlformats.org/markup-compatibility/2006">
-        <mc:Choice xmlns:a14="http://schemas.microsoft.com/office/drawing/2010/main" Requires="a14">
+      <mc:AlternateContent xmlns:mc="http://schemas.openxmlformats.org/markup-compatibility/2006" xmlns:a14="http://schemas.microsoft.com/office/drawing/2010/main">
+        <mc:Choice Requires="a14">
           <p:sp>
             <p:nvSpPr>
               <p:cNvPr id="3" name="Text Placeholder 2">
@@ -11695,7 +11320,7 @@
             </p:txBody>
           </p:sp>
         </mc:Choice>
-        <mc:Fallback>
+        <mc:Fallback xmlns="">
           <p:sp>
             <p:nvSpPr>
               <p:cNvPr id="3" name="Text Placeholder 2">
@@ -11771,7 +11396,7 @@
             </a:pPr>
             <a:fld id="{00000000-1234-1234-1234-123412341234}" type="slidenum">
               <a:rPr lang="en" smtClean="0"/>
-              <a:t>24</a:t>
+              <a:t>23</a:t>
             </a:fld>
             <a:endParaRPr lang="en"/>
           </a:p>
@@ -11921,7 +11546,7 @@
 </p:sld>
 </file>
 
-<file path=ppt/slides/slide25.xml><?xml version="1.0" encoding="utf-8"?>
+<file path=ppt/slides/slide24.xml><?xml version="1.0" encoding="utf-8"?>
 <p:sld xmlns:a="http://schemas.openxmlformats.org/drawingml/2006/main" xmlns:r="http://schemas.openxmlformats.org/officeDocument/2006/relationships" xmlns:p="http://schemas.openxmlformats.org/presentationml/2006/main">
   <p:cSld>
     <p:spTree>
@@ -12053,7 +11678,7 @@
             </a:pPr>
             <a:fld id="{00000000-1234-1234-1234-123412341234}" type="slidenum">
               <a:rPr lang="en" smtClean="0"/>
-              <a:t>25</a:t>
+              <a:t>24</a:t>
             </a:fld>
             <a:endParaRPr lang="en"/>
           </a:p>
@@ -12102,7 +11727,7 @@
 </p:sld>
 </file>
 
-<file path=ppt/slides/slide26.xml><?xml version="1.0" encoding="utf-8"?>
+<file path=ppt/slides/slide25.xml><?xml version="1.0" encoding="utf-8"?>
 <p:sld xmlns:a="http://schemas.openxmlformats.org/drawingml/2006/main" xmlns:r="http://schemas.openxmlformats.org/officeDocument/2006/relationships" xmlns:p="http://schemas.openxmlformats.org/presentationml/2006/main">
   <p:cSld>
     <p:spTree>
@@ -12510,7 +12135,7 @@
             </a:pPr>
             <a:fld id="{00000000-1234-1234-1234-123412341234}" type="slidenum">
               <a:rPr lang="en" smtClean="0"/>
-              <a:t>26</a:t>
+              <a:t>25</a:t>
             </a:fld>
             <a:endParaRPr lang="en"/>
           </a:p>
@@ -12583,7 +12208,7 @@
 </p:sld>
 </file>
 
-<file path=ppt/slides/slide27.xml><?xml version="1.0" encoding="utf-8"?>
+<file path=ppt/slides/slide26.xml><?xml version="1.0" encoding="utf-8"?>
 <p:sld xmlns:a="http://schemas.openxmlformats.org/drawingml/2006/main" xmlns:r="http://schemas.openxmlformats.org/officeDocument/2006/relationships" xmlns:p="http://schemas.openxmlformats.org/presentationml/2006/main">
   <p:cSld>
     <p:spTree>
@@ -13371,7 +12996,7 @@
             </a:pPr>
             <a:fld id="{00000000-1234-1234-1234-123412341234}" type="slidenum">
               <a:rPr lang="en" smtClean="0"/>
-              <a:t>27</a:t>
+              <a:t>26</a:t>
             </a:fld>
             <a:endParaRPr lang="en"/>
           </a:p>
@@ -13843,7 +13468,7 @@
 </p:sld>
 </file>
 
-<file path=ppt/slides/slide28.xml><?xml version="1.0" encoding="utf-8"?>
+<file path=ppt/slides/slide27.xml><?xml version="1.0" encoding="utf-8"?>
 <p:sld xmlns:a="http://schemas.openxmlformats.org/drawingml/2006/main" xmlns:r="http://schemas.openxmlformats.org/officeDocument/2006/relationships" xmlns:p="http://schemas.openxmlformats.org/presentationml/2006/main">
   <p:cSld>
     <p:spTree>
@@ -14160,7 +13785,7 @@
             </a:pPr>
             <a:fld id="{00000000-1234-1234-1234-123412341234}" type="slidenum">
               <a:rPr lang="en" smtClean="0"/>
-              <a:t>28</a:t>
+              <a:t>27</a:t>
             </a:fld>
             <a:endParaRPr lang="en"/>
           </a:p>
@@ -14285,6 +13910,90 @@
 </p:sld>
 </file>
 
+<file path=ppt/slides/slide28.xml><?xml version="1.0" encoding="utf-8"?>
+<p:sld xmlns:a="http://schemas.openxmlformats.org/drawingml/2006/main" xmlns:r="http://schemas.openxmlformats.org/officeDocument/2006/relationships" xmlns:p="http://schemas.openxmlformats.org/presentationml/2006/main">
+  <p:cSld>
+    <p:spTree>
+      <p:nvGrpSpPr>
+        <p:cNvPr id="1" name=""/>
+        <p:cNvGrpSpPr/>
+        <p:nvPr/>
+      </p:nvGrpSpPr>
+      <p:grpSpPr>
+        <a:xfrm>
+          <a:off x="0" y="0"/>
+          <a:ext cx="0" cy="0"/>
+          <a:chOff x="0" y="0"/>
+          <a:chExt cx="0" cy="0"/>
+        </a:xfrm>
+      </p:grpSpPr>
+      <p:sp>
+        <p:nvSpPr>
+          <p:cNvPr id="2" name="Title 1"/>
+          <p:cNvSpPr>
+            <a:spLocks noGrp="1"/>
+          </p:cNvSpPr>
+          <p:nvPr>
+            <p:ph type="title"/>
+          </p:nvPr>
+        </p:nvSpPr>
+        <p:spPr/>
+        <p:txBody>
+          <a:bodyPr/>
+          <a:lstStyle/>
+          <a:p>
+            <a:r>
+              <a:rPr lang="en-US" altLang="zh-CN" dirty="0"/>
+              <a:t>Approach In Details</a:t>
+            </a:r>
+          </a:p>
+        </p:txBody>
+      </p:sp>
+      <p:sp>
+        <p:nvSpPr>
+          <p:cNvPr id="3" name="Slide Number Placeholder 2"/>
+          <p:cNvSpPr>
+            <a:spLocks noGrp="1"/>
+          </p:cNvSpPr>
+          <p:nvPr>
+            <p:ph type="sldNum" idx="12"/>
+          </p:nvPr>
+        </p:nvSpPr>
+        <p:spPr/>
+        <p:txBody>
+          <a:bodyPr/>
+          <a:lstStyle/>
+          <a:p>
+            <a:pPr marL="0" lvl="0" indent="0" algn="r" rtl="0">
+              <a:spcBef>
+                <a:spcPts val="0"/>
+              </a:spcBef>
+              <a:spcAft>
+                <a:spcPts val="0"/>
+              </a:spcAft>
+              <a:buNone/>
+            </a:pPr>
+            <a:fld id="{00000000-1234-1234-1234-123412341234}" type="slidenum">
+              <a:rPr lang="en" smtClean="0"/>
+              <a:t>28</a:t>
+            </a:fld>
+            <a:endParaRPr lang="en"/>
+          </a:p>
+        </p:txBody>
+      </p:sp>
+    </p:spTree>
+    <p:extLst>
+      <p:ext uri="{BB962C8B-B14F-4D97-AF65-F5344CB8AC3E}">
+        <p14:creationId xmlns:p14="http://schemas.microsoft.com/office/powerpoint/2010/main" val="4204826713"/>
+      </p:ext>
+    </p:extLst>
+  </p:cSld>
+  <p:clrMapOvr>
+    <a:masterClrMapping/>
+  </p:clrMapOvr>
+</p:sld>
+</file>
+
 <file path=ppt/slides/slide29.xml><?xml version="1.0" encoding="utf-8"?>
 <p:sld xmlns:a="http://schemas.openxmlformats.org/drawingml/2006/main" xmlns:r="http://schemas.openxmlformats.org/officeDocument/2006/relationships" xmlns:p="http://schemas.openxmlformats.org/presentationml/2006/main">
   <p:cSld>
@@ -14318,174 +14027,6 @@
           <a:lstStyle/>
           <a:p>
             <a:r>
-              <a:rPr lang="en-US" altLang="zh-CN" dirty="0"/>
-              <a:t>Approach In Details</a:t>
-            </a:r>
-          </a:p>
-        </p:txBody>
-      </p:sp>
-      <p:sp>
-        <p:nvSpPr>
-          <p:cNvPr id="3" name="Slide Number Placeholder 2"/>
-          <p:cNvSpPr>
-            <a:spLocks noGrp="1"/>
-          </p:cNvSpPr>
-          <p:nvPr>
-            <p:ph type="sldNum" idx="12"/>
-          </p:nvPr>
-        </p:nvSpPr>
-        <p:spPr/>
-        <p:txBody>
-          <a:bodyPr/>
-          <a:lstStyle/>
-          <a:p>
-            <a:pPr marL="0" lvl="0" indent="0" algn="r" rtl="0">
-              <a:spcBef>
-                <a:spcPts val="0"/>
-              </a:spcBef>
-              <a:spcAft>
-                <a:spcPts val="0"/>
-              </a:spcAft>
-              <a:buNone/>
-            </a:pPr>
-            <a:fld id="{00000000-1234-1234-1234-123412341234}" type="slidenum">
-              <a:rPr lang="en" smtClean="0"/>
-              <a:t>29</a:t>
-            </a:fld>
-            <a:endParaRPr lang="en"/>
-          </a:p>
-        </p:txBody>
-      </p:sp>
-    </p:spTree>
-    <p:extLst>
-      <p:ext uri="{BB962C8B-B14F-4D97-AF65-F5344CB8AC3E}">
-        <p14:creationId xmlns:p14="http://schemas.microsoft.com/office/powerpoint/2010/main" val="4204826713"/>
-      </p:ext>
-    </p:extLst>
-  </p:cSld>
-  <p:clrMapOvr>
-    <a:masterClrMapping/>
-  </p:clrMapOvr>
-</p:sld>
-</file>
-
-<file path=ppt/slides/slide3.xml><?xml version="1.0" encoding="utf-8"?>
-<p:sld xmlns:a="http://schemas.openxmlformats.org/drawingml/2006/main" xmlns:r="http://schemas.openxmlformats.org/officeDocument/2006/relationships" xmlns:p="http://schemas.openxmlformats.org/presentationml/2006/main">
-  <p:cSld>
-    <p:spTree>
-      <p:nvGrpSpPr>
-        <p:cNvPr id="1" name=""/>
-        <p:cNvGrpSpPr/>
-        <p:nvPr/>
-      </p:nvGrpSpPr>
-      <p:grpSpPr>
-        <a:xfrm>
-          <a:off x="0" y="0"/>
-          <a:ext cx="0" cy="0"/>
-          <a:chOff x="0" y="0"/>
-          <a:chExt cx="0" cy="0"/>
-        </a:xfrm>
-      </p:grpSpPr>
-      <p:sp>
-        <p:nvSpPr>
-          <p:cNvPr id="2" name="Title 1"/>
-          <p:cNvSpPr>
-            <a:spLocks noGrp="1"/>
-          </p:cNvSpPr>
-          <p:nvPr>
-            <p:ph type="title"/>
-          </p:nvPr>
-        </p:nvSpPr>
-        <p:spPr/>
-        <p:txBody>
-          <a:bodyPr/>
-          <a:lstStyle/>
-          <a:p>
-            <a:r>
-              <a:rPr lang="en-US" dirty="0"/>
-              <a:t>Research Problem</a:t>
-            </a:r>
-          </a:p>
-        </p:txBody>
-      </p:sp>
-      <p:sp>
-        <p:nvSpPr>
-          <p:cNvPr id="3" name="Slide Number Placeholder 2"/>
-          <p:cNvSpPr>
-            <a:spLocks noGrp="1"/>
-          </p:cNvSpPr>
-          <p:nvPr>
-            <p:ph type="sldNum" idx="12"/>
-          </p:nvPr>
-        </p:nvSpPr>
-        <p:spPr/>
-        <p:txBody>
-          <a:bodyPr/>
-          <a:lstStyle/>
-          <a:p>
-            <a:pPr marL="0" lvl="0" indent="0" algn="r" rtl="0">
-              <a:spcBef>
-                <a:spcPts val="0"/>
-              </a:spcBef>
-              <a:spcAft>
-                <a:spcPts val="0"/>
-              </a:spcAft>
-              <a:buNone/>
-            </a:pPr>
-            <a:fld id="{00000000-1234-1234-1234-123412341234}" type="slidenum">
-              <a:rPr lang="en" smtClean="0"/>
-              <a:t>3</a:t>
-            </a:fld>
-            <a:endParaRPr lang="en"/>
-          </a:p>
-        </p:txBody>
-      </p:sp>
-    </p:spTree>
-    <p:extLst>
-      <p:ext uri="{BB962C8B-B14F-4D97-AF65-F5344CB8AC3E}">
-        <p14:creationId xmlns:p14="http://schemas.microsoft.com/office/powerpoint/2010/main" val="4062075277"/>
-      </p:ext>
-    </p:extLst>
-  </p:cSld>
-  <p:clrMapOvr>
-    <a:masterClrMapping/>
-  </p:clrMapOvr>
-</p:sld>
-</file>
-
-<file path=ppt/slides/slide30.xml><?xml version="1.0" encoding="utf-8"?>
-<p:sld xmlns:a="http://schemas.openxmlformats.org/drawingml/2006/main" xmlns:r="http://schemas.openxmlformats.org/officeDocument/2006/relationships" xmlns:p="http://schemas.openxmlformats.org/presentationml/2006/main">
-  <p:cSld>
-    <p:spTree>
-      <p:nvGrpSpPr>
-        <p:cNvPr id="1" name=""/>
-        <p:cNvGrpSpPr/>
-        <p:nvPr/>
-      </p:nvGrpSpPr>
-      <p:grpSpPr>
-        <a:xfrm>
-          <a:off x="0" y="0"/>
-          <a:ext cx="0" cy="0"/>
-          <a:chOff x="0" y="0"/>
-          <a:chExt cx="0" cy="0"/>
-        </a:xfrm>
-      </p:grpSpPr>
-      <p:sp>
-        <p:nvSpPr>
-          <p:cNvPr id="2" name="Title 1"/>
-          <p:cNvSpPr>
-            <a:spLocks noGrp="1"/>
-          </p:cNvSpPr>
-          <p:nvPr>
-            <p:ph type="title"/>
-          </p:nvPr>
-        </p:nvSpPr>
-        <p:spPr/>
-        <p:txBody>
-          <a:bodyPr/>
-          <a:lstStyle/>
-          <a:p>
-            <a:r>
               <a:rPr lang="en-US" dirty="0"/>
               <a:t>Generating the Weakest Assumption</a:t>
             </a:r>
@@ -14553,7 +14094,7 @@
             </a:pPr>
             <a:fld id="{00000000-1234-1234-1234-123412341234}" type="slidenum">
               <a:rPr lang="en" smtClean="0"/>
-              <a:t>30</a:t>
+              <a:t>29</a:t>
             </a:fld>
             <a:endParaRPr lang="en"/>
           </a:p>
@@ -14801,7 +14342,7 @@
 </p:sld>
 </file>
 
-<file path=ppt/slides/slide31.xml><?xml version="1.0" encoding="utf-8"?>
+<file path=ppt/slides/slide3.xml><?xml version="1.0" encoding="utf-8"?>
 <p:sld xmlns:a="http://schemas.openxmlformats.org/drawingml/2006/main" xmlns:r="http://schemas.openxmlformats.org/officeDocument/2006/relationships" xmlns:p="http://schemas.openxmlformats.org/presentationml/2006/main">
   <p:cSld>
     <p:spTree>
@@ -14834,6 +14375,90 @@
           <a:lstStyle/>
           <a:p>
             <a:r>
+              <a:rPr lang="en-US" dirty="0"/>
+              <a:t>Research Problem</a:t>
+            </a:r>
+          </a:p>
+        </p:txBody>
+      </p:sp>
+      <p:sp>
+        <p:nvSpPr>
+          <p:cNvPr id="3" name="Slide Number Placeholder 2"/>
+          <p:cNvSpPr>
+            <a:spLocks noGrp="1"/>
+          </p:cNvSpPr>
+          <p:nvPr>
+            <p:ph type="sldNum" idx="12"/>
+          </p:nvPr>
+        </p:nvSpPr>
+        <p:spPr/>
+        <p:txBody>
+          <a:bodyPr/>
+          <a:lstStyle/>
+          <a:p>
+            <a:pPr marL="0" lvl="0" indent="0" algn="r" rtl="0">
+              <a:spcBef>
+                <a:spcPts val="0"/>
+              </a:spcBef>
+              <a:spcAft>
+                <a:spcPts val="0"/>
+              </a:spcAft>
+              <a:buNone/>
+            </a:pPr>
+            <a:fld id="{00000000-1234-1234-1234-123412341234}" type="slidenum">
+              <a:rPr lang="en" smtClean="0"/>
+              <a:t>3</a:t>
+            </a:fld>
+            <a:endParaRPr lang="en"/>
+          </a:p>
+        </p:txBody>
+      </p:sp>
+    </p:spTree>
+    <p:extLst>
+      <p:ext uri="{BB962C8B-B14F-4D97-AF65-F5344CB8AC3E}">
+        <p14:creationId xmlns:p14="http://schemas.microsoft.com/office/powerpoint/2010/main" val="4062075277"/>
+      </p:ext>
+    </p:extLst>
+  </p:cSld>
+  <p:clrMapOvr>
+    <a:masterClrMapping/>
+  </p:clrMapOvr>
+</p:sld>
+</file>
+
+<file path=ppt/slides/slide30.xml><?xml version="1.0" encoding="utf-8"?>
+<p:sld xmlns:a="http://schemas.openxmlformats.org/drawingml/2006/main" xmlns:r="http://schemas.openxmlformats.org/officeDocument/2006/relationships" xmlns:p="http://schemas.openxmlformats.org/presentationml/2006/main">
+  <p:cSld>
+    <p:spTree>
+      <p:nvGrpSpPr>
+        <p:cNvPr id="1" name=""/>
+        <p:cNvGrpSpPr/>
+        <p:nvPr/>
+      </p:nvGrpSpPr>
+      <p:grpSpPr>
+        <a:xfrm>
+          <a:off x="0" y="0"/>
+          <a:ext cx="0" cy="0"/>
+          <a:chOff x="0" y="0"/>
+          <a:chExt cx="0" cy="0"/>
+        </a:xfrm>
+      </p:grpSpPr>
+      <p:sp>
+        <p:nvSpPr>
+          <p:cNvPr id="2" name="Title 1"/>
+          <p:cNvSpPr>
+            <a:spLocks noGrp="1"/>
+          </p:cNvSpPr>
+          <p:nvPr>
+            <p:ph type="title"/>
+          </p:nvPr>
+        </p:nvSpPr>
+        <p:spPr/>
+        <p:txBody>
+          <a:bodyPr/>
+          <a:lstStyle/>
+          <a:p>
+            <a:r>
               <a:rPr lang="en-US" altLang="zh-CN" dirty="0" err="1"/>
               <a:t>Büchi</a:t>
             </a:r>
@@ -14924,7 +14549,7 @@
             </a:pPr>
             <a:fld id="{00000000-1234-1234-1234-123412341234}" type="slidenum">
               <a:rPr lang="en" smtClean="0"/>
-              <a:t>31</a:t>
+              <a:t>30</a:t>
             </a:fld>
             <a:endParaRPr lang="en"/>
           </a:p>
@@ -14977,7 +14602,7 @@
 </p:sld>
 </file>
 
-<file path=ppt/slides/slide32.xml><?xml version="1.0" encoding="utf-8"?>
+<file path=ppt/slides/slide31.xml><?xml version="1.0" encoding="utf-8"?>
 <p:sld xmlns:a="http://schemas.openxmlformats.org/drawingml/2006/main" xmlns:r="http://schemas.openxmlformats.org/officeDocument/2006/relationships" xmlns:p="http://schemas.openxmlformats.org/presentationml/2006/main">
   <p:cSld>
     <p:spTree>
@@ -15056,7 +14681,7 @@
             </a:pPr>
             <a:fld id="{00000000-1234-1234-1234-123412341234}" type="slidenum">
               <a:rPr lang="en" smtClean="0"/>
-              <a:t>32</a:t>
+              <a:t>31</a:t>
             </a:fld>
             <a:endParaRPr lang="en"/>
           </a:p>
@@ -15109,7 +14734,7 @@
 </p:sld>
 </file>
 
-<file path=ppt/slides/slide33.xml><?xml version="1.0" encoding="utf-8"?>
+<file path=ppt/slides/slide32.xml><?xml version="1.0" encoding="utf-8"?>
 <p:sld xmlns:a="http://schemas.openxmlformats.org/drawingml/2006/main" xmlns:r="http://schemas.openxmlformats.org/officeDocument/2006/relationships" xmlns:p="http://schemas.openxmlformats.org/presentationml/2006/main">
   <p:cSld>
     <p:spTree>
@@ -15227,7 +14852,7 @@
             </a:pPr>
             <a:fld id="{00000000-1234-1234-1234-123412341234}" type="slidenum">
               <a:rPr lang="en" smtClean="0"/>
-              <a:t>33</a:t>
+              <a:t>32</a:t>
             </a:fld>
             <a:endParaRPr lang="en"/>
           </a:p>
@@ -15280,7 +14905,7 @@
 </p:sld>
 </file>
 
-<file path=ppt/slides/slide34.xml><?xml version="1.0" encoding="utf-8"?>
+<file path=ppt/slides/slide33.xml><?xml version="1.0" encoding="utf-8"?>
 <p:sld xmlns:a="http://schemas.openxmlformats.org/drawingml/2006/main" xmlns:r="http://schemas.openxmlformats.org/officeDocument/2006/relationships" xmlns:p="http://schemas.openxmlformats.org/presentationml/2006/main">
   <p:cSld>
     <p:spTree>
@@ -15358,7 +14983,7 @@
             </a:pPr>
             <a:fld id="{00000000-1234-1234-1234-123412341234}" type="slidenum">
               <a:rPr lang="en" smtClean="0"/>
-              <a:t>34</a:t>
+              <a:t>33</a:t>
             </a:fld>
             <a:endParaRPr lang="en"/>
           </a:p>
@@ -15411,7 +15036,7 @@
 </p:sld>
 </file>
 
-<file path=ppt/slides/slide35.xml><?xml version="1.0" encoding="utf-8"?>
+<file path=ppt/slides/slide34.xml><?xml version="1.0" encoding="utf-8"?>
 <p:sld xmlns:a="http://schemas.openxmlformats.org/drawingml/2006/main" xmlns:r="http://schemas.openxmlformats.org/officeDocument/2006/relationships" xmlns:p="http://schemas.openxmlformats.org/presentationml/2006/main">
   <p:cSld>
     <p:spTree>
@@ -15706,7 +15331,7 @@
             </a:pPr>
             <a:fld id="{00000000-1234-1234-1234-123412341234}" type="slidenum">
               <a:rPr lang="en" smtClean="0"/>
-              <a:t>35</a:t>
+              <a:t>34</a:t>
             </a:fld>
             <a:endParaRPr lang="en"/>
           </a:p>
@@ -15971,7 +15596,7 @@
 </p:sld>
 </file>
 
-<file path=ppt/slides/slide36.xml><?xml version="1.0" encoding="utf-8"?>
+<file path=ppt/slides/slide35.xml><?xml version="1.0" encoding="utf-8"?>
 <p:sld xmlns:a="http://schemas.openxmlformats.org/drawingml/2006/main" xmlns:r="http://schemas.openxmlformats.org/officeDocument/2006/relationships" xmlns:p="http://schemas.openxmlformats.org/presentationml/2006/main">
   <p:cSld>
     <p:spTree>
@@ -16049,7 +15674,7 @@
             </a:pPr>
             <a:fld id="{00000000-1234-1234-1234-123412341234}" type="slidenum">
               <a:rPr lang="en" smtClean="0"/>
-              <a:t>36</a:t>
+              <a:t>35</a:t>
             </a:fld>
             <a:endParaRPr lang="en"/>
           </a:p>
@@ -16223,7 +15848,7 @@
 </p:sld>
 </file>
 
-<file path=ppt/slides/slide37.xml><?xml version="1.0" encoding="utf-8"?>
+<file path=ppt/slides/slide36.xml><?xml version="1.0" encoding="utf-8"?>
 <p:sld xmlns:a="http://schemas.openxmlformats.org/drawingml/2006/main" xmlns:r="http://schemas.openxmlformats.org/officeDocument/2006/relationships" xmlns:p="http://schemas.openxmlformats.org/presentationml/2006/main">
   <p:cSld>
     <p:spTree>
@@ -16301,7 +15926,7 @@
             </a:pPr>
             <a:fld id="{00000000-1234-1234-1234-123412341234}" type="slidenum">
               <a:rPr lang="en" smtClean="0"/>
-              <a:t>37</a:t>
+              <a:t>36</a:t>
             </a:fld>
             <a:endParaRPr lang="en"/>
           </a:p>
@@ -16475,7 +16100,7 @@
 </p:sld>
 </file>
 
-<file path=ppt/slides/slide38.xml><?xml version="1.0" encoding="utf-8"?>
+<file path=ppt/slides/slide37.xml><?xml version="1.0" encoding="utf-8"?>
 <p:sld xmlns:a="http://schemas.openxmlformats.org/drawingml/2006/main" xmlns:r="http://schemas.openxmlformats.org/officeDocument/2006/relationships" xmlns:p="http://schemas.openxmlformats.org/presentationml/2006/main">
   <p:cSld>
     <p:spTree>
@@ -16553,7 +16178,7 @@
             </a:pPr>
             <a:fld id="{00000000-1234-1234-1234-123412341234}" type="slidenum">
               <a:rPr lang="en" smtClean="0"/>
-              <a:t>38</a:t>
+              <a:t>37</a:t>
             </a:fld>
             <a:endParaRPr lang="en"/>
           </a:p>
@@ -16891,7 +16516,7 @@
 </p:sld>
 </file>
 
-<file path=ppt/slides/slide39.xml><?xml version="1.0" encoding="utf-8"?>
+<file path=ppt/slides/slide38.xml><?xml version="1.0" encoding="utf-8"?>
 <p:sld xmlns:a="http://schemas.openxmlformats.org/drawingml/2006/main" xmlns:r="http://schemas.openxmlformats.org/officeDocument/2006/relationships" xmlns:p="http://schemas.openxmlformats.org/presentationml/2006/main">
   <p:cSld>
     <p:spTree>
@@ -16969,7 +16594,7 @@
             </a:pPr>
             <a:fld id="{00000000-1234-1234-1234-123412341234}" type="slidenum">
               <a:rPr lang="en" smtClean="0"/>
-              <a:t>39</a:t>
+              <a:t>38</a:t>
             </a:fld>
             <a:endParaRPr lang="en"/>
           </a:p>
@@ -16988,7 +16613,644 @@
 </p:sld>
 </file>
 
+<file path=ppt/slides/slide39.xml><?xml version="1.0" encoding="utf-8"?>
+<p:sld xmlns:a="http://schemas.openxmlformats.org/drawingml/2006/main" xmlns:r="http://schemas.openxmlformats.org/officeDocument/2006/relationships" xmlns:p="http://schemas.openxmlformats.org/presentationml/2006/main">
+  <p:cSld>
+    <p:spTree>
+      <p:nvGrpSpPr>
+        <p:cNvPr id="1" name=""/>
+        <p:cNvGrpSpPr/>
+        <p:nvPr/>
+      </p:nvGrpSpPr>
+      <p:grpSpPr>
+        <a:xfrm>
+          <a:off x="0" y="0"/>
+          <a:ext cx="0" cy="0"/>
+          <a:chOff x="0" y="0"/>
+          <a:chExt cx="0" cy="0"/>
+        </a:xfrm>
+      </p:grpSpPr>
+      <p:sp>
+        <p:nvSpPr>
+          <p:cNvPr id="2" name="Title 1"/>
+          <p:cNvSpPr>
+            <a:spLocks noGrp="1"/>
+          </p:cNvSpPr>
+          <p:nvPr>
+            <p:ph type="title"/>
+          </p:nvPr>
+        </p:nvSpPr>
+        <p:spPr/>
+        <p:txBody>
+          <a:bodyPr/>
+          <a:lstStyle/>
+          <a:p>
+            <a:r>
+              <a:rPr lang="en-US" dirty="0"/>
+              <a:t>Potential </a:t>
+            </a:r>
+            <a:r>
+              <a:rPr lang="en-US" dirty="0" smtClean="0"/>
+              <a:t>Applications</a:t>
+            </a:r>
+            <a:endParaRPr lang="en-US" dirty="0"/>
+          </a:p>
+        </p:txBody>
+      </p:sp>
+      <p:sp>
+        <p:nvSpPr>
+          <p:cNvPr id="3" name="Text Placeholder 2"/>
+          <p:cNvSpPr>
+            <a:spLocks noGrp="1"/>
+          </p:cNvSpPr>
+          <p:nvPr>
+            <p:ph type="body" idx="1"/>
+          </p:nvPr>
+        </p:nvSpPr>
+        <p:spPr/>
+        <p:txBody>
+          <a:bodyPr/>
+          <a:lstStyle/>
+          <a:p>
+            <a:r>
+              <a:rPr lang="en-US" dirty="0"/>
+              <a:t>Robustness of a Security Protocol against Attacker Models</a:t>
+            </a:r>
+          </a:p>
+          <a:p>
+            <a:r>
+              <a:rPr lang="en-US" dirty="0"/>
+              <a:t>Robustness of a Human Computer Interface Model against Human Behavior Models</a:t>
+            </a:r>
+          </a:p>
+          <a:p>
+            <a:r>
+              <a:rPr lang="en-US" dirty="0"/>
+              <a:t>Robustness of a Distributed Protocol against Fault Models</a:t>
+            </a:r>
+          </a:p>
+          <a:p>
+            <a:r>
+              <a:rPr lang="en-US" dirty="0"/>
+              <a:t>…</a:t>
+            </a:r>
+          </a:p>
+          <a:p>
+            <a:pPr marL="114300" indent="0">
+              <a:buNone/>
+            </a:pPr>
+            <a:endParaRPr lang="en-US" dirty="0"/>
+          </a:p>
+          <a:p>
+            <a:pPr marL="114300" indent="0">
+              <a:buNone/>
+            </a:pPr>
+            <a:r>
+              <a:rPr lang="en-US" dirty="0"/>
+              <a:t>Key Insights: How robust is a system when we only have limited information about the environment?</a:t>
+            </a:r>
+          </a:p>
+          <a:p>
+            <a:endParaRPr lang="en-US" dirty="0"/>
+          </a:p>
+        </p:txBody>
+      </p:sp>
+      <p:sp>
+        <p:nvSpPr>
+          <p:cNvPr id="4" name="Slide Number Placeholder 3"/>
+          <p:cNvSpPr>
+            <a:spLocks noGrp="1"/>
+          </p:cNvSpPr>
+          <p:nvPr>
+            <p:ph type="sldNum" idx="12"/>
+          </p:nvPr>
+        </p:nvSpPr>
+        <p:spPr/>
+        <p:txBody>
+          <a:bodyPr/>
+          <a:lstStyle/>
+          <a:p>
+            <a:pPr marL="0" lvl="0" indent="0" algn="r" rtl="0">
+              <a:spcBef>
+                <a:spcPts val="0"/>
+              </a:spcBef>
+              <a:spcAft>
+                <a:spcPts val="0"/>
+              </a:spcAft>
+              <a:buNone/>
+            </a:pPr>
+            <a:fld id="{00000000-1234-1234-1234-123412341234}" type="slidenum">
+              <a:rPr lang="en" smtClean="0"/>
+              <a:t>39</a:t>
+            </a:fld>
+            <a:endParaRPr lang="en"/>
+          </a:p>
+        </p:txBody>
+      </p:sp>
+    </p:spTree>
+    <p:extLst>
+      <p:ext uri="{BB962C8B-B14F-4D97-AF65-F5344CB8AC3E}">
+        <p14:creationId xmlns:p14="http://schemas.microsoft.com/office/powerpoint/2010/main" val="2579216949"/>
+      </p:ext>
+    </p:extLst>
+  </p:cSld>
+  <p:clrMapOvr>
+    <a:masterClrMapping/>
+  </p:clrMapOvr>
+</p:sld>
+</file>
+
 <file path=ppt/slides/slide4.xml><?xml version="1.0" encoding="utf-8"?>
+<p:sld xmlns:a="http://schemas.openxmlformats.org/drawingml/2006/main" xmlns:r="http://schemas.openxmlformats.org/officeDocument/2006/relationships" xmlns:p="http://schemas.openxmlformats.org/presentationml/2006/main">
+  <p:cSld>
+    <p:spTree>
+      <p:nvGrpSpPr>
+        <p:cNvPr id="1" name=""/>
+        <p:cNvGrpSpPr/>
+        <p:nvPr/>
+      </p:nvGrpSpPr>
+      <p:grpSpPr>
+        <a:xfrm>
+          <a:off x="0" y="0"/>
+          <a:ext cx="0" cy="0"/>
+          <a:chOff x="0" y="0"/>
+          <a:chExt cx="0" cy="0"/>
+        </a:xfrm>
+      </p:grpSpPr>
+      <p:sp>
+        <p:nvSpPr>
+          <p:cNvPr id="2" name="Title 1"/>
+          <p:cNvSpPr>
+            <a:spLocks noGrp="1"/>
+          </p:cNvSpPr>
+          <p:nvPr>
+            <p:ph type="title"/>
+          </p:nvPr>
+        </p:nvSpPr>
+        <p:spPr/>
+        <p:txBody>
+          <a:bodyPr/>
+          <a:lstStyle/>
+          <a:p>
+            <a:r>
+              <a:rPr lang="en-US" dirty="0" smtClean="0"/>
+              <a:t>What is Robustness?</a:t>
+            </a:r>
+            <a:endParaRPr lang="en-US" dirty="0"/>
+          </a:p>
+        </p:txBody>
+      </p:sp>
+      <p:sp>
+        <p:nvSpPr>
+          <p:cNvPr id="3" name="Text Placeholder 2"/>
+          <p:cNvSpPr>
+            <a:spLocks noGrp="1"/>
+          </p:cNvSpPr>
+          <p:nvPr>
+            <p:ph type="body" idx="1"/>
+          </p:nvPr>
+        </p:nvSpPr>
+        <p:spPr/>
+        <p:txBody>
+          <a:bodyPr/>
+          <a:lstStyle/>
+          <a:p>
+            <a:pPr>
+              <a:spcBef>
+                <a:spcPts val="800"/>
+              </a:spcBef>
+              <a:spcAft>
+                <a:spcPts val="800"/>
+              </a:spcAft>
+            </a:pPr>
+            <a:r>
+              <a:rPr lang="en-US" dirty="0" smtClean="0"/>
+              <a:t>In general, robustness is the capability of a system to deal with </a:t>
+            </a:r>
+            <a:r>
+              <a:rPr lang="en-US" i="1" dirty="0" smtClean="0"/>
+              <a:t>uncertainty.</a:t>
+            </a:r>
+            <a:endParaRPr lang="en-US" dirty="0" smtClean="0"/>
+          </a:p>
+          <a:p>
+            <a:pPr>
+              <a:spcBef>
+                <a:spcPts val="800"/>
+              </a:spcBef>
+              <a:spcAft>
+                <a:spcPts val="800"/>
+              </a:spcAft>
+            </a:pPr>
+            <a:r>
+              <a:rPr lang="en-US" b="1" i="1" dirty="0" smtClean="0"/>
+              <a:t>Uncertainty</a:t>
+            </a:r>
+            <a:r>
+              <a:rPr lang="en-US" i="1" dirty="0" smtClean="0"/>
+              <a:t> </a:t>
+            </a:r>
+            <a:r>
+              <a:rPr lang="en-US" dirty="0" smtClean="0"/>
+              <a:t>refers to the differences or errors between models and reality, and</a:t>
+            </a:r>
+          </a:p>
+          <a:p>
+            <a:pPr>
+              <a:spcBef>
+                <a:spcPts val="800"/>
+              </a:spcBef>
+              <a:spcAft>
+                <a:spcPts val="800"/>
+              </a:spcAft>
+            </a:pPr>
+            <a:r>
+              <a:rPr lang="en-US" dirty="0" smtClean="0"/>
+              <a:t>Whatever mechanism is used to express these errors will be called a </a:t>
+            </a:r>
+            <a:r>
+              <a:rPr lang="en-US" i="1" dirty="0" smtClean="0"/>
+              <a:t> representation of uncertainty.</a:t>
+            </a:r>
+            <a:r>
+              <a:rPr lang="en-US" dirty="0" smtClean="0"/>
+              <a:t> </a:t>
+            </a:r>
+            <a:r>
+              <a:rPr lang="en-US" sz="1400" dirty="0" smtClean="0"/>
+              <a:t>[Essential of Robust Control]</a:t>
+            </a:r>
+            <a:endParaRPr lang="en-US" sz="1400" i="1" dirty="0" smtClean="0"/>
+          </a:p>
+        </p:txBody>
+      </p:sp>
+      <p:sp>
+        <p:nvSpPr>
+          <p:cNvPr id="4" name="Slide Number Placeholder 3"/>
+          <p:cNvSpPr>
+            <a:spLocks noGrp="1"/>
+          </p:cNvSpPr>
+          <p:nvPr>
+            <p:ph type="sldNum" idx="12"/>
+          </p:nvPr>
+        </p:nvSpPr>
+        <p:spPr/>
+        <p:txBody>
+          <a:bodyPr/>
+          <a:lstStyle/>
+          <a:p>
+            <a:pPr marL="0" lvl="0" indent="0" algn="r" rtl="0">
+              <a:spcBef>
+                <a:spcPts val="0"/>
+              </a:spcBef>
+              <a:spcAft>
+                <a:spcPts val="0"/>
+              </a:spcAft>
+              <a:buNone/>
+            </a:pPr>
+            <a:fld id="{00000000-1234-1234-1234-123412341234}" type="slidenum">
+              <a:rPr lang="en" smtClean="0"/>
+              <a:t>4</a:t>
+            </a:fld>
+            <a:endParaRPr lang="en"/>
+          </a:p>
+        </p:txBody>
+      </p:sp>
+    </p:spTree>
+    <p:extLst>
+      <p:ext uri="{BB962C8B-B14F-4D97-AF65-F5344CB8AC3E}">
+        <p14:creationId xmlns:p14="http://schemas.microsoft.com/office/powerpoint/2010/main" val="2793319361"/>
+      </p:ext>
+    </p:extLst>
+  </p:cSld>
+  <p:clrMapOvr>
+    <a:masterClrMapping/>
+  </p:clrMapOvr>
+</p:sld>
+</file>
+
+<file path=ppt/slides/slide40.xml><?xml version="1.0" encoding="utf-8"?>
+<p:sld xmlns:a="http://schemas.openxmlformats.org/drawingml/2006/main" xmlns:r="http://schemas.openxmlformats.org/officeDocument/2006/relationships" xmlns:p="http://schemas.openxmlformats.org/presentationml/2006/main">
+  <p:cSld>
+    <p:spTree>
+      <p:nvGrpSpPr>
+        <p:cNvPr id="1" name=""/>
+        <p:cNvGrpSpPr/>
+        <p:nvPr/>
+      </p:nvGrpSpPr>
+      <p:grpSpPr>
+        <a:xfrm>
+          <a:off x="0" y="0"/>
+          <a:ext cx="0" cy="0"/>
+          <a:chOff x="0" y="0"/>
+          <a:chExt cx="0" cy="0"/>
+        </a:xfrm>
+      </p:grpSpPr>
+      <p:sp>
+        <p:nvSpPr>
+          <p:cNvPr id="2" name="Title 1">
+            <a:extLst>
+              <a:ext uri="{FF2B5EF4-FFF2-40B4-BE49-F238E27FC236}">
+                <a16:creationId xmlns:a16="http://schemas.microsoft.com/office/drawing/2014/main" id="{C8BC0AAE-31B5-4879-892F-B96F8DAB6051}"/>
+              </a:ext>
+            </a:extLst>
+          </p:cNvPr>
+          <p:cNvSpPr>
+            <a:spLocks noGrp="1"/>
+          </p:cNvSpPr>
+          <p:nvPr>
+            <p:ph type="title"/>
+          </p:nvPr>
+        </p:nvSpPr>
+        <p:spPr/>
+        <p:txBody>
+          <a:bodyPr/>
+          <a:lstStyle/>
+          <a:p>
+            <a:r>
+              <a:rPr lang="en-US" altLang="zh-CN" dirty="0"/>
+              <a:t>Limitations</a:t>
+            </a:r>
+            <a:endParaRPr lang="zh-CN" altLang="en-US" dirty="0"/>
+          </a:p>
+        </p:txBody>
+      </p:sp>
+      <p:sp>
+        <p:nvSpPr>
+          <p:cNvPr id="3" name="Text Placeholder 2">
+            <a:extLst>
+              <a:ext uri="{FF2B5EF4-FFF2-40B4-BE49-F238E27FC236}">
+                <a16:creationId xmlns:a16="http://schemas.microsoft.com/office/drawing/2014/main" id="{CCBCE4AF-25F7-4E77-B6AA-1E5DDAD1868B}"/>
+              </a:ext>
+            </a:extLst>
+          </p:cNvPr>
+          <p:cNvSpPr>
+            <a:spLocks noGrp="1"/>
+          </p:cNvSpPr>
+          <p:nvPr>
+            <p:ph type="body" idx="1"/>
+          </p:nvPr>
+        </p:nvSpPr>
+        <p:spPr/>
+        <p:txBody>
+          <a:bodyPr/>
+          <a:lstStyle/>
+          <a:p>
+            <a:r>
+              <a:rPr lang="en-US" altLang="zh-CN" sz="1600" dirty="0"/>
+              <a:t>Our approach is based on LTSA, thus the form of safety property is limited to it.</a:t>
+            </a:r>
+          </a:p>
+          <a:p>
+            <a:r>
+              <a:rPr lang="en-US" altLang="zh-CN" sz="1600" dirty="0"/>
+              <a:t>We only consider deadlock-free as the only liveness property.</a:t>
+            </a:r>
+          </a:p>
+          <a:p>
+            <a:r>
+              <a:rPr lang="en-US" altLang="zh-CN" sz="1600" dirty="0"/>
+              <a:t>The </a:t>
+            </a:r>
+            <a:r>
+              <a:rPr lang="en-US" altLang="zh-CN" sz="1600" dirty="0" err="1"/>
+              <a:t>Büchi</a:t>
+            </a:r>
+            <a:r>
+              <a:rPr lang="en-US" altLang="zh-CN" sz="1600" dirty="0"/>
+              <a:t> automata </a:t>
+            </a:r>
+            <a:r>
+              <a:rPr lang="en-US" altLang="zh-CN" sz="1600" dirty="0" smtClean="0"/>
+              <a:t>is </a:t>
+            </a:r>
+            <a:r>
+              <a:rPr lang="en-US" altLang="zh-CN" sz="1600" dirty="0"/>
+              <a:t>not a good representation as a metric.</a:t>
+            </a:r>
+            <a:endParaRPr lang="zh-CN" altLang="en-US" sz="1600" dirty="0"/>
+          </a:p>
+        </p:txBody>
+      </p:sp>
+      <p:sp>
+        <p:nvSpPr>
+          <p:cNvPr id="4" name="Slide Number Placeholder 3">
+            <a:extLst>
+              <a:ext uri="{FF2B5EF4-FFF2-40B4-BE49-F238E27FC236}">
+                <a16:creationId xmlns:a16="http://schemas.microsoft.com/office/drawing/2014/main" id="{2D017A7C-F965-468C-AE7C-3859A7275A70}"/>
+              </a:ext>
+            </a:extLst>
+          </p:cNvPr>
+          <p:cNvSpPr>
+            <a:spLocks noGrp="1"/>
+          </p:cNvSpPr>
+          <p:nvPr>
+            <p:ph type="sldNum" idx="12"/>
+          </p:nvPr>
+        </p:nvSpPr>
+        <p:spPr/>
+        <p:txBody>
+          <a:bodyPr/>
+          <a:lstStyle/>
+          <a:p>
+            <a:pPr marL="0" lvl="0" indent="0" algn="r" rtl="0">
+              <a:spcBef>
+                <a:spcPts val="0"/>
+              </a:spcBef>
+              <a:spcAft>
+                <a:spcPts val="0"/>
+              </a:spcAft>
+              <a:buNone/>
+            </a:pPr>
+            <a:fld id="{00000000-1234-1234-1234-123412341234}" type="slidenum">
+              <a:rPr lang="en" smtClean="0"/>
+              <a:t>40</a:t>
+            </a:fld>
+            <a:endParaRPr lang="en"/>
+          </a:p>
+        </p:txBody>
+      </p:sp>
+    </p:spTree>
+    <p:extLst>
+      <p:ext uri="{BB962C8B-B14F-4D97-AF65-F5344CB8AC3E}">
+        <p14:creationId xmlns:p14="http://schemas.microsoft.com/office/powerpoint/2010/main" val="3868490680"/>
+      </p:ext>
+    </p:extLst>
+  </p:cSld>
+  <p:clrMapOvr>
+    <a:masterClrMapping/>
+  </p:clrMapOvr>
+</p:sld>
+</file>
+
+<file path=ppt/slides/slide5.xml><?xml version="1.0" encoding="utf-8"?>
+<p:sld xmlns:a="http://schemas.openxmlformats.org/drawingml/2006/main" xmlns:r="http://schemas.openxmlformats.org/officeDocument/2006/relationships" xmlns:p="http://schemas.openxmlformats.org/presentationml/2006/main">
+  <p:cSld>
+    <p:spTree>
+      <p:nvGrpSpPr>
+        <p:cNvPr id="1" name=""/>
+        <p:cNvGrpSpPr/>
+        <p:nvPr/>
+      </p:nvGrpSpPr>
+      <p:grpSpPr>
+        <a:xfrm>
+          <a:off x="0" y="0"/>
+          <a:ext cx="0" cy="0"/>
+          <a:chOff x="0" y="0"/>
+          <a:chExt cx="0" cy="0"/>
+        </a:xfrm>
+      </p:grpSpPr>
+      <p:sp>
+        <p:nvSpPr>
+          <p:cNvPr id="2" name="Title 1"/>
+          <p:cNvSpPr>
+            <a:spLocks noGrp="1"/>
+          </p:cNvSpPr>
+          <p:nvPr>
+            <p:ph type="title"/>
+          </p:nvPr>
+        </p:nvSpPr>
+        <p:spPr/>
+        <p:txBody>
+          <a:bodyPr/>
+          <a:lstStyle/>
+          <a:p>
+            <a:r>
+              <a:rPr lang="en-US" dirty="0" smtClean="0"/>
+              <a:t>What is Robustness?</a:t>
+            </a:r>
+            <a:endParaRPr lang="en-US" dirty="0"/>
+          </a:p>
+        </p:txBody>
+      </p:sp>
+      <p:sp>
+        <p:nvSpPr>
+          <p:cNvPr id="3" name="Text Placeholder 2"/>
+          <p:cNvSpPr>
+            <a:spLocks noGrp="1"/>
+          </p:cNvSpPr>
+          <p:nvPr>
+            <p:ph type="body" idx="1"/>
+          </p:nvPr>
+        </p:nvSpPr>
+        <p:spPr/>
+        <p:txBody>
+          <a:bodyPr/>
+          <a:lstStyle/>
+          <a:p>
+            <a:pPr marL="114300" indent="0">
+              <a:buNone/>
+            </a:pPr>
+            <a:r>
+              <a:rPr lang="en-US" dirty="0" smtClean="0"/>
+              <a:t>The term is used in many domains:</a:t>
+            </a:r>
+          </a:p>
+          <a:p>
+            <a:pPr>
+              <a:spcBef>
+                <a:spcPts val="800"/>
+              </a:spcBef>
+              <a:spcAft>
+                <a:spcPts val="800"/>
+              </a:spcAft>
+            </a:pPr>
+            <a:r>
+              <a:rPr lang="en-US" sz="1400" dirty="0" smtClean="0"/>
+              <a:t>Robust statistics seek methods to deal with outliers in data samples (e.g., the distribution of data does not perfectly match to normal distribution).</a:t>
+            </a:r>
+          </a:p>
+          <a:p>
+            <a:pPr>
+              <a:spcBef>
+                <a:spcPts val="800"/>
+              </a:spcBef>
+              <a:spcAft>
+                <a:spcPts val="800"/>
+              </a:spcAft>
+            </a:pPr>
+            <a:r>
+              <a:rPr lang="en-US" sz="1400" dirty="0" smtClean="0"/>
+              <a:t>Machine Learning seeks methods to guarantee the performance of a model (e.g., a classifier) against noise in data samples.</a:t>
+            </a:r>
+          </a:p>
+          <a:p>
+            <a:pPr>
+              <a:spcBef>
+                <a:spcPts val="800"/>
+              </a:spcBef>
+              <a:spcAft>
+                <a:spcPts val="800"/>
+              </a:spcAft>
+            </a:pPr>
+            <a:r>
+              <a:rPr lang="en-US" sz="1400" dirty="0" smtClean="0"/>
+              <a:t>A distributed system should be robust to deal with failures of servers. Also mitigation strategies often designed to address certain types of failures (e.g., fail-stop, fail-silent, or fail-arbitrary).</a:t>
+            </a:r>
+          </a:p>
+          <a:p>
+            <a:pPr>
+              <a:spcBef>
+                <a:spcPts val="800"/>
+              </a:spcBef>
+              <a:spcAft>
+                <a:spcPts val="800"/>
+              </a:spcAft>
+            </a:pPr>
+            <a:r>
+              <a:rPr lang="en-US" sz="1400" dirty="0" smtClean="0"/>
+              <a:t>…</a:t>
+            </a:r>
+            <a:endParaRPr lang="en-US" sz="1400" dirty="0"/>
+          </a:p>
+        </p:txBody>
+      </p:sp>
+      <p:sp>
+        <p:nvSpPr>
+          <p:cNvPr id="4" name="Slide Number Placeholder 3"/>
+          <p:cNvSpPr>
+            <a:spLocks noGrp="1"/>
+          </p:cNvSpPr>
+          <p:nvPr>
+            <p:ph type="sldNum" idx="12"/>
+          </p:nvPr>
+        </p:nvSpPr>
+        <p:spPr/>
+        <p:txBody>
+          <a:bodyPr/>
+          <a:lstStyle/>
+          <a:p>
+            <a:pPr marL="0" lvl="0" indent="0" algn="r" rtl="0">
+              <a:spcBef>
+                <a:spcPts val="0"/>
+              </a:spcBef>
+              <a:spcAft>
+                <a:spcPts val="0"/>
+              </a:spcAft>
+              <a:buNone/>
+            </a:pPr>
+            <a:fld id="{00000000-1234-1234-1234-123412341234}" type="slidenum">
+              <a:rPr lang="en" smtClean="0"/>
+              <a:t>5</a:t>
+            </a:fld>
+            <a:endParaRPr lang="en"/>
+          </a:p>
+        </p:txBody>
+      </p:sp>
+    </p:spTree>
+    <p:extLst>
+      <p:ext uri="{BB962C8B-B14F-4D97-AF65-F5344CB8AC3E}">
+        <p14:creationId xmlns:p14="http://schemas.microsoft.com/office/powerpoint/2010/main" val="3418065256"/>
+      </p:ext>
+    </p:extLst>
+  </p:cSld>
+  <p:clrMapOvr>
+    <a:masterClrMapping/>
+  </p:clrMapOvr>
+</p:sld>
+</file>
+
+<file path=ppt/slides/slide6.xml><?xml version="1.0" encoding="utf-8"?>
 <p:sld xmlns:a="http://schemas.openxmlformats.org/drawingml/2006/main" xmlns:r="http://schemas.openxmlformats.org/officeDocument/2006/relationships" xmlns:p="http://schemas.openxmlformats.org/presentationml/2006/main">
   <p:cSld>
     <p:spTree>
@@ -17041,7 +17303,11 @@
             </a:pPr>
             <a:r>
               <a:rPr lang="en-US" dirty="0"/>
-              <a:t>What is Robustness?</a:t>
+              <a:t>What is </a:t>
+            </a:r>
+            <a:r>
+              <a:rPr lang="en-US" dirty="0" smtClean="0"/>
+              <a:t>Robustness in Software?</a:t>
             </a:r>
             <a:endParaRPr dirty="0"/>
           </a:p>
@@ -17072,24 +17338,35 @@
           </a:bodyPr>
           <a:lstStyle/>
           <a:p>
+            <a:pPr marL="114300" indent="0">
+              <a:buNone/>
+            </a:pPr>
             <a:r>
               <a:rPr lang="en-US" altLang="zh-CN" b="1" dirty="0"/>
-              <a:t>IEEE definition:</a:t>
+              <a:t>IEEE </a:t>
             </a:r>
-          </a:p>
-          <a:p>
-            <a:pPr marL="596900" lvl="1" indent="0">
-              <a:spcBef>
-                <a:spcPts val="0"/>
-              </a:spcBef>
-              <a:spcAft>
-                <a:spcPts val="800"/>
+            <a:r>
+              <a:rPr lang="en-US" altLang="zh-CN" b="1" dirty="0" smtClean="0"/>
+              <a:t>definition:</a:t>
+            </a:r>
+          </a:p>
+          <a:p>
+            <a:pPr marL="571500" lvl="1" indent="0">
+              <a:spcBef>
+                <a:spcPts val="400"/>
+              </a:spcBef>
+              <a:spcAft>
+                <a:spcPts val="1600"/>
               </a:spcAft>
               <a:buNone/>
             </a:pPr>
             <a:r>
+              <a:rPr lang="en-US" altLang="zh-CN" dirty="0" smtClean="0"/>
+              <a:t>The </a:t>
+            </a:r>
+            <a:r>
               <a:rPr lang="en-US" altLang="zh-CN" dirty="0"/>
-              <a:t>The degree to which a system or component can function correctly in the presence of </a:t>
+              <a:t>degree to which a system or component can function correctly in the presence of </a:t>
             </a:r>
             <a:r>
               <a:rPr lang="en-US" altLang="zh-CN" b="1" dirty="0"/>
@@ -17104,49 +17381,46 @@
               <a:t>stressful environmental conditions</a:t>
             </a:r>
             <a:r>
-              <a:rPr lang="en-US" altLang="zh-CN" dirty="0"/>
+              <a:rPr lang="en-US" altLang="zh-CN" dirty="0" smtClean="0"/>
               <a:t>.</a:t>
             </a:r>
             <a:endParaRPr lang="en-US" altLang="zh-CN" b="1" dirty="0"/>
           </a:p>
           <a:p>
-            <a:r>
-              <a:rPr lang="en-US" altLang="zh-CN" b="1" dirty="0"/>
-              <a:t>Robust control:</a:t>
-            </a:r>
-          </a:p>
-          <a:p>
-            <a:pPr marL="596900" lvl="1" indent="0">
-              <a:spcBef>
-                <a:spcPts val="0"/>
-              </a:spcBef>
-              <a:spcAft>
-                <a:spcPts val="800"/>
-              </a:spcAft>
+            <a:pPr marL="114300" indent="0">
               <a:buNone/>
             </a:pPr>
             <a:r>
-              <a:rPr lang="en-US" altLang="zh-CN" dirty="0"/>
-              <a:t>In control theory, robust control is an approach to controller design that explicitly </a:t>
+              <a:rPr lang="en-US" b="1" dirty="0" smtClean="0"/>
+              <a:t>Existing Work:</a:t>
+            </a:r>
+          </a:p>
+          <a:p>
+            <a:r>
+              <a:rPr lang="en-US" sz="1400" dirty="0" smtClean="0"/>
+              <a:t>Fuzz Testing – uses massive amounts of random data to fail a system.</a:t>
+            </a:r>
+          </a:p>
+          <a:p>
+            <a:r>
+              <a:rPr lang="en-US" sz="1400" dirty="0" smtClean="0"/>
+              <a:t>Chaos Engineering – puts a system in an extremely chaos environment to fail the system.</a:t>
+            </a:r>
+          </a:p>
+          <a:p>
+            <a:r>
+              <a:rPr lang="en-US" sz="1400" dirty="0" smtClean="0"/>
+              <a:t>Fault Injection – injects faults in hardware or software and exams the system behavior.</a:t>
+            </a:r>
+          </a:p>
+          <a:p>
+            <a:r>
+              <a:rPr lang="en-US" sz="1400" dirty="0" smtClean="0"/>
+              <a:t>… (Mostly focus on verification)</a:t>
             </a:r>
             <a:r>
-              <a:rPr lang="en-US" altLang="zh-CN" b="1" dirty="0">
-                <a:solidFill>
-                  <a:srgbClr val="FF0000"/>
-                </a:solidFill>
-              </a:rPr>
-              <a:t>deals with uncertainty</a:t>
-            </a:r>
-            <a:r>
-              <a:rPr lang="en-US" altLang="zh-CN" dirty="0"/>
-              <a:t>.</a:t>
-            </a:r>
-            <a:endParaRPr lang="en-US" altLang="zh-CN" b="1" dirty="0"/>
-          </a:p>
-          <a:p>
-            <a:r>
               <a:rPr lang="en-US" dirty="0"/>
-              <a:t>Other fields…</a:t>
+              <a:t/>
             </a:r>
             <a:br>
               <a:rPr lang="en-US" dirty="0"/>
@@ -17198,7 +17472,7 @@
             </a:pPr>
             <a:fld id="{00000000-1234-1234-1234-123412341234}" type="slidenum">
               <a:rPr lang="en"/>
-              <a:t>4</a:t>
+              <a:t>6</a:t>
             </a:fld>
             <a:endParaRPr/>
           </a:p>
@@ -17212,7 +17486,7 @@
 </p:sld>
 </file>
 
-<file path=ppt/slides/slide40.xml><?xml version="1.0" encoding="utf-8"?>
+<file path=ppt/slides/slide7.xml><?xml version="1.0" encoding="utf-8"?>
 <p:sld xmlns:a="http://schemas.openxmlformats.org/drawingml/2006/main" xmlns:r="http://schemas.openxmlformats.org/officeDocument/2006/relationships" xmlns:p="http://schemas.openxmlformats.org/presentationml/2006/main">
   <p:cSld>
     <p:spTree>
@@ -17245,1012 +17519,6 @@
           <a:lstStyle/>
           <a:p>
             <a:r>
-              <a:rPr lang="en-US" dirty="0"/>
-              <a:t>Potential </a:t>
-            </a:r>
-            <a:r>
-              <a:rPr lang="en-US" dirty="0" smtClean="0"/>
-              <a:t>Applications</a:t>
-            </a:r>
-            <a:endParaRPr lang="en-US" dirty="0"/>
-          </a:p>
-        </p:txBody>
-      </p:sp>
-      <p:sp>
-        <p:nvSpPr>
-          <p:cNvPr id="3" name="Text Placeholder 2"/>
-          <p:cNvSpPr>
-            <a:spLocks noGrp="1"/>
-          </p:cNvSpPr>
-          <p:nvPr>
-            <p:ph type="body" idx="1"/>
-          </p:nvPr>
-        </p:nvSpPr>
-        <p:spPr/>
-        <p:txBody>
-          <a:bodyPr/>
-          <a:lstStyle/>
-          <a:p>
-            <a:r>
-              <a:rPr lang="en-US" dirty="0"/>
-              <a:t>Robustness of a Security Protocol against Attacker Models</a:t>
-            </a:r>
-          </a:p>
-          <a:p>
-            <a:r>
-              <a:rPr lang="en-US" dirty="0"/>
-              <a:t>Robustness of a Human Computer Interface Model against Human Behavior Models</a:t>
-            </a:r>
-          </a:p>
-          <a:p>
-            <a:r>
-              <a:rPr lang="en-US" dirty="0"/>
-              <a:t>Robustness of a Distributed Protocol against Fault Models</a:t>
-            </a:r>
-          </a:p>
-          <a:p>
-            <a:r>
-              <a:rPr lang="en-US" dirty="0"/>
-              <a:t>…</a:t>
-            </a:r>
-          </a:p>
-          <a:p>
-            <a:pPr marL="114300" indent="0">
-              <a:buNone/>
-            </a:pPr>
-            <a:endParaRPr lang="en-US" dirty="0"/>
-          </a:p>
-          <a:p>
-            <a:pPr marL="114300" indent="0">
-              <a:buNone/>
-            </a:pPr>
-            <a:r>
-              <a:rPr lang="en-US" dirty="0"/>
-              <a:t>Key Insights: How robust is a system when we only have limited information about the environment?</a:t>
-            </a:r>
-          </a:p>
-          <a:p>
-            <a:endParaRPr lang="en-US" dirty="0"/>
-          </a:p>
-        </p:txBody>
-      </p:sp>
-      <p:sp>
-        <p:nvSpPr>
-          <p:cNvPr id="4" name="Slide Number Placeholder 3"/>
-          <p:cNvSpPr>
-            <a:spLocks noGrp="1"/>
-          </p:cNvSpPr>
-          <p:nvPr>
-            <p:ph type="sldNum" idx="12"/>
-          </p:nvPr>
-        </p:nvSpPr>
-        <p:spPr/>
-        <p:txBody>
-          <a:bodyPr/>
-          <a:lstStyle/>
-          <a:p>
-            <a:pPr marL="0" lvl="0" indent="0" algn="r" rtl="0">
-              <a:spcBef>
-                <a:spcPts val="0"/>
-              </a:spcBef>
-              <a:spcAft>
-                <a:spcPts val="0"/>
-              </a:spcAft>
-              <a:buNone/>
-            </a:pPr>
-            <a:fld id="{00000000-1234-1234-1234-123412341234}" type="slidenum">
-              <a:rPr lang="en" smtClean="0"/>
-              <a:t>40</a:t>
-            </a:fld>
-            <a:endParaRPr lang="en"/>
-          </a:p>
-        </p:txBody>
-      </p:sp>
-    </p:spTree>
-    <p:extLst>
-      <p:ext uri="{BB962C8B-B14F-4D97-AF65-F5344CB8AC3E}">
-        <p14:creationId xmlns:p14="http://schemas.microsoft.com/office/powerpoint/2010/main" val="2579216949"/>
-      </p:ext>
-    </p:extLst>
-  </p:cSld>
-  <p:clrMapOvr>
-    <a:masterClrMapping/>
-  </p:clrMapOvr>
-</p:sld>
-</file>
-
-<file path=ppt/slides/slide41.xml><?xml version="1.0" encoding="utf-8"?>
-<p:sld xmlns:a="http://schemas.openxmlformats.org/drawingml/2006/main" xmlns:r="http://schemas.openxmlformats.org/officeDocument/2006/relationships" xmlns:p="http://schemas.openxmlformats.org/presentationml/2006/main">
-  <p:cSld>
-    <p:spTree>
-      <p:nvGrpSpPr>
-        <p:cNvPr id="1" name=""/>
-        <p:cNvGrpSpPr/>
-        <p:nvPr/>
-      </p:nvGrpSpPr>
-      <p:grpSpPr>
-        <a:xfrm>
-          <a:off x="0" y="0"/>
-          <a:ext cx="0" cy="0"/>
-          <a:chOff x="0" y="0"/>
-          <a:chExt cx="0" cy="0"/>
-        </a:xfrm>
-      </p:grpSpPr>
-      <p:sp>
-        <p:nvSpPr>
-          <p:cNvPr id="2" name="Title 1">
-            <a:extLst>
-              <a:ext uri="{FF2B5EF4-FFF2-40B4-BE49-F238E27FC236}">
-                <a16:creationId xmlns:a16="http://schemas.microsoft.com/office/drawing/2014/main" id="{C8BC0AAE-31B5-4879-892F-B96F8DAB6051}"/>
-              </a:ext>
-            </a:extLst>
-          </p:cNvPr>
-          <p:cNvSpPr>
-            <a:spLocks noGrp="1"/>
-          </p:cNvSpPr>
-          <p:nvPr>
-            <p:ph type="title"/>
-          </p:nvPr>
-        </p:nvSpPr>
-        <p:spPr/>
-        <p:txBody>
-          <a:bodyPr/>
-          <a:lstStyle/>
-          <a:p>
-            <a:r>
-              <a:rPr lang="en-US" altLang="zh-CN" dirty="0"/>
-              <a:t>Limitations</a:t>
-            </a:r>
-            <a:endParaRPr lang="zh-CN" altLang="en-US" dirty="0"/>
-          </a:p>
-        </p:txBody>
-      </p:sp>
-      <p:sp>
-        <p:nvSpPr>
-          <p:cNvPr id="3" name="Text Placeholder 2">
-            <a:extLst>
-              <a:ext uri="{FF2B5EF4-FFF2-40B4-BE49-F238E27FC236}">
-                <a16:creationId xmlns:a16="http://schemas.microsoft.com/office/drawing/2014/main" id="{CCBCE4AF-25F7-4E77-B6AA-1E5DDAD1868B}"/>
-              </a:ext>
-            </a:extLst>
-          </p:cNvPr>
-          <p:cNvSpPr>
-            <a:spLocks noGrp="1"/>
-          </p:cNvSpPr>
-          <p:nvPr>
-            <p:ph type="body" idx="1"/>
-          </p:nvPr>
-        </p:nvSpPr>
-        <p:spPr/>
-        <p:txBody>
-          <a:bodyPr/>
-          <a:lstStyle/>
-          <a:p>
-            <a:r>
-              <a:rPr lang="en-US" altLang="zh-CN" sz="1600" dirty="0"/>
-              <a:t>Our approach is based on LTSA, thus the form of safety property is limited to it.</a:t>
-            </a:r>
-          </a:p>
-          <a:p>
-            <a:r>
-              <a:rPr lang="en-US" altLang="zh-CN" sz="1600" dirty="0"/>
-              <a:t>We only consider deadlock-free as the only liveness property.</a:t>
-            </a:r>
-          </a:p>
-          <a:p>
-            <a:r>
-              <a:rPr lang="en-US" altLang="zh-CN" sz="1600" dirty="0"/>
-              <a:t>The </a:t>
-            </a:r>
-            <a:r>
-              <a:rPr lang="en-US" altLang="zh-CN" sz="1600" dirty="0" err="1"/>
-              <a:t>Büchi</a:t>
-            </a:r>
-            <a:r>
-              <a:rPr lang="en-US" altLang="zh-CN" sz="1600" dirty="0"/>
-              <a:t> automata </a:t>
-            </a:r>
-            <a:r>
-              <a:rPr lang="en-US" altLang="zh-CN" sz="1600" dirty="0" smtClean="0"/>
-              <a:t>is </a:t>
-            </a:r>
-            <a:r>
-              <a:rPr lang="en-US" altLang="zh-CN" sz="1600" dirty="0"/>
-              <a:t>not a good representation as a metric.</a:t>
-            </a:r>
-            <a:endParaRPr lang="zh-CN" altLang="en-US" sz="1600" dirty="0"/>
-          </a:p>
-        </p:txBody>
-      </p:sp>
-      <p:sp>
-        <p:nvSpPr>
-          <p:cNvPr id="4" name="Slide Number Placeholder 3">
-            <a:extLst>
-              <a:ext uri="{FF2B5EF4-FFF2-40B4-BE49-F238E27FC236}">
-                <a16:creationId xmlns:a16="http://schemas.microsoft.com/office/drawing/2014/main" id="{2D017A7C-F965-468C-AE7C-3859A7275A70}"/>
-              </a:ext>
-            </a:extLst>
-          </p:cNvPr>
-          <p:cNvSpPr>
-            <a:spLocks noGrp="1"/>
-          </p:cNvSpPr>
-          <p:nvPr>
-            <p:ph type="sldNum" idx="12"/>
-          </p:nvPr>
-        </p:nvSpPr>
-        <p:spPr/>
-        <p:txBody>
-          <a:bodyPr/>
-          <a:lstStyle/>
-          <a:p>
-            <a:pPr marL="0" lvl="0" indent="0" algn="r" rtl="0">
-              <a:spcBef>
-                <a:spcPts val="0"/>
-              </a:spcBef>
-              <a:spcAft>
-                <a:spcPts val="0"/>
-              </a:spcAft>
-              <a:buNone/>
-            </a:pPr>
-            <a:fld id="{00000000-1234-1234-1234-123412341234}" type="slidenum">
-              <a:rPr lang="en" smtClean="0"/>
-              <a:t>41</a:t>
-            </a:fld>
-            <a:endParaRPr lang="en"/>
-          </a:p>
-        </p:txBody>
-      </p:sp>
-    </p:spTree>
-    <p:extLst>
-      <p:ext uri="{BB962C8B-B14F-4D97-AF65-F5344CB8AC3E}">
-        <p14:creationId xmlns:p14="http://schemas.microsoft.com/office/powerpoint/2010/main" val="3868490680"/>
-      </p:ext>
-    </p:extLst>
-  </p:cSld>
-  <p:clrMapOvr>
-    <a:masterClrMapping/>
-  </p:clrMapOvr>
-</p:sld>
-</file>
-
-<file path=ppt/slides/slide5.xml><?xml version="1.0" encoding="utf-8"?>
-<p:sld xmlns:a="http://schemas.openxmlformats.org/drawingml/2006/main" xmlns:r="http://schemas.openxmlformats.org/officeDocument/2006/relationships" xmlns:p="http://schemas.openxmlformats.org/presentationml/2006/main" show="0">
-  <p:cSld>
-    <p:spTree>
-      <p:nvGrpSpPr>
-        <p:cNvPr id="1" name=""/>
-        <p:cNvGrpSpPr/>
-        <p:nvPr/>
-      </p:nvGrpSpPr>
-      <p:grpSpPr>
-        <a:xfrm>
-          <a:off x="0" y="0"/>
-          <a:ext cx="0" cy="0"/>
-          <a:chOff x="0" y="0"/>
-          <a:chExt cx="0" cy="0"/>
-        </a:xfrm>
-      </p:grpSpPr>
-      <p:sp>
-        <p:nvSpPr>
-          <p:cNvPr id="2" name="Title 1">
-            <a:extLst>
-              <a:ext uri="{FF2B5EF4-FFF2-40B4-BE49-F238E27FC236}">
-                <a16:creationId xmlns:a16="http://schemas.microsoft.com/office/drawing/2014/main" id="{9E251364-039B-4735-91E3-409D2DED8681}"/>
-              </a:ext>
-            </a:extLst>
-          </p:cNvPr>
-          <p:cNvSpPr>
-            <a:spLocks noGrp="1"/>
-          </p:cNvSpPr>
-          <p:nvPr>
-            <p:ph type="title"/>
-          </p:nvPr>
-        </p:nvSpPr>
-        <p:spPr/>
-        <p:txBody>
-          <a:bodyPr/>
-          <a:lstStyle/>
-          <a:p>
-            <a:r>
-              <a:rPr lang="en-US" altLang="zh-CN" dirty="0"/>
-              <a:t>How to measure Robustness?</a:t>
-            </a:r>
-            <a:endParaRPr lang="zh-CN" altLang="en-US" dirty="0"/>
-          </a:p>
-        </p:txBody>
-      </p:sp>
-      <p:sp>
-        <p:nvSpPr>
-          <p:cNvPr id="3" name="Text Placeholder 2">
-            <a:extLst>
-              <a:ext uri="{FF2B5EF4-FFF2-40B4-BE49-F238E27FC236}">
-                <a16:creationId xmlns:a16="http://schemas.microsoft.com/office/drawing/2014/main" id="{A18E2989-81CF-4A96-913F-A4612ED50729}"/>
-              </a:ext>
-            </a:extLst>
-          </p:cNvPr>
-          <p:cNvSpPr>
-            <a:spLocks noGrp="1"/>
-          </p:cNvSpPr>
-          <p:nvPr>
-            <p:ph type="body" idx="1"/>
-          </p:nvPr>
-        </p:nvSpPr>
-        <p:spPr/>
-        <p:txBody>
-          <a:bodyPr/>
-          <a:lstStyle/>
-          <a:p>
-            <a:r>
-              <a:rPr lang="en-US" altLang="zh-CN" dirty="0"/>
-              <a:t>In other disciplines, there are widely accepted robustness measures and on-going research on it.</a:t>
-            </a:r>
-          </a:p>
-          <a:p>
-            <a:pPr lvl="1">
-              <a:spcBef>
-                <a:spcPts val="400"/>
-              </a:spcBef>
-            </a:pPr>
-            <a:r>
-              <a:rPr lang="en-US" altLang="zh-CN" dirty="0"/>
-              <a:t>Robust control in control theory</a:t>
-            </a:r>
-          </a:p>
-          <a:p>
-            <a:pPr lvl="1">
-              <a:spcBef>
-                <a:spcPts val="400"/>
-              </a:spcBef>
-            </a:pPr>
-            <a:r>
-              <a:rPr lang="en-US" altLang="zh-CN" dirty="0"/>
-              <a:t>Robust statistics in statistics</a:t>
-            </a:r>
-          </a:p>
-          <a:p>
-            <a:pPr lvl="1">
-              <a:spcBef>
-                <a:spcPts val="400"/>
-              </a:spcBef>
-            </a:pPr>
-            <a:r>
-              <a:rPr lang="en-US" altLang="zh-CN" dirty="0"/>
-              <a:t>Robustness measures in computer networks</a:t>
-            </a:r>
-          </a:p>
-          <a:p>
-            <a:pPr lvl="1">
-              <a:spcBef>
-                <a:spcPts val="400"/>
-              </a:spcBef>
-            </a:pPr>
-            <a:r>
-              <a:rPr lang="en-US" altLang="zh-CN" dirty="0"/>
-              <a:t>Robustness metrics in mechanical design</a:t>
-            </a:r>
-          </a:p>
-          <a:p>
-            <a:pPr lvl="1">
-              <a:spcBef>
-                <a:spcPts val="400"/>
-              </a:spcBef>
-            </a:pPr>
-            <a:r>
-              <a:rPr lang="en-US" altLang="zh-CN" dirty="0"/>
-              <a:t>… (by simply Google it)</a:t>
-            </a:r>
-          </a:p>
-          <a:p>
-            <a:r>
-              <a:rPr lang="en-US" altLang="zh-CN" dirty="0"/>
-              <a:t>What about software?</a:t>
-            </a:r>
-          </a:p>
-          <a:p>
-            <a:pPr lvl="1">
-              <a:spcBef>
-                <a:spcPts val="400"/>
-              </a:spcBef>
-            </a:pPr>
-            <a:r>
-              <a:rPr lang="en-US" altLang="zh-CN" dirty="0"/>
-              <a:t>Unlike other quality attributes (e.g., performance, availability), no widely used measures.</a:t>
-            </a:r>
-          </a:p>
-          <a:p>
-            <a:pPr lvl="1">
-              <a:spcBef>
-                <a:spcPts val="400"/>
-              </a:spcBef>
-            </a:pPr>
-            <a:r>
-              <a:rPr lang="en-US" altLang="zh-CN" b="1" dirty="0"/>
-              <a:t>The context matters!</a:t>
-            </a:r>
-            <a:endParaRPr lang="zh-CN" altLang="en-US" b="1" dirty="0"/>
-          </a:p>
-        </p:txBody>
-      </p:sp>
-      <p:sp>
-        <p:nvSpPr>
-          <p:cNvPr id="4" name="Slide Number Placeholder 3">
-            <a:extLst>
-              <a:ext uri="{FF2B5EF4-FFF2-40B4-BE49-F238E27FC236}">
-                <a16:creationId xmlns:a16="http://schemas.microsoft.com/office/drawing/2014/main" id="{C7F3070D-5F06-44AF-92CF-90615115297F}"/>
-              </a:ext>
-            </a:extLst>
-          </p:cNvPr>
-          <p:cNvSpPr>
-            <a:spLocks noGrp="1"/>
-          </p:cNvSpPr>
-          <p:nvPr>
-            <p:ph type="sldNum" idx="12"/>
-          </p:nvPr>
-        </p:nvSpPr>
-        <p:spPr/>
-        <p:txBody>
-          <a:bodyPr/>
-          <a:lstStyle/>
-          <a:p>
-            <a:pPr marL="0" lvl="0" indent="0" algn="r" rtl="0">
-              <a:spcBef>
-                <a:spcPts val="0"/>
-              </a:spcBef>
-              <a:spcAft>
-                <a:spcPts val="0"/>
-              </a:spcAft>
-              <a:buNone/>
-            </a:pPr>
-            <a:fld id="{00000000-1234-1234-1234-123412341234}" type="slidenum">
-              <a:rPr lang="en" smtClean="0"/>
-              <a:t>5</a:t>
-            </a:fld>
-            <a:endParaRPr lang="en"/>
-          </a:p>
-        </p:txBody>
-      </p:sp>
-    </p:spTree>
-    <p:extLst>
-      <p:ext uri="{BB962C8B-B14F-4D97-AF65-F5344CB8AC3E}">
-        <p14:creationId xmlns:p14="http://schemas.microsoft.com/office/powerpoint/2010/main" val="3889104320"/>
-      </p:ext>
-    </p:extLst>
-  </p:cSld>
-  <p:clrMapOvr>
-    <a:masterClrMapping/>
-  </p:clrMapOvr>
-  <mc:AlternateContent xmlns:mc="http://schemas.openxmlformats.org/markup-compatibility/2006" xmlns:p14="http://schemas.microsoft.com/office/powerpoint/2010/main">
-    <mc:Choice Requires="p14">
-      <p:transition spd="slow" p14:dur="2000"/>
-    </mc:Choice>
-    <mc:Fallback xmlns="">
-      <p:transition spd="slow"/>
-    </mc:Fallback>
-  </mc:AlternateContent>
-</p:sld>
-</file>
-
-<file path=ppt/slides/slide6.xml><?xml version="1.0" encoding="utf-8"?>
-<p:sld xmlns:a="http://schemas.openxmlformats.org/drawingml/2006/main" xmlns:r="http://schemas.openxmlformats.org/officeDocument/2006/relationships" xmlns:p="http://schemas.openxmlformats.org/presentationml/2006/main" show="0">
-  <p:cSld>
-    <p:spTree>
-      <p:nvGrpSpPr>
-        <p:cNvPr id="1" name=""/>
-        <p:cNvGrpSpPr/>
-        <p:nvPr/>
-      </p:nvGrpSpPr>
-      <p:grpSpPr>
-        <a:xfrm>
-          <a:off x="0" y="0"/>
-          <a:ext cx="0" cy="0"/>
-          <a:chOff x="0" y="0"/>
-          <a:chExt cx="0" cy="0"/>
-        </a:xfrm>
-      </p:grpSpPr>
-      <p:sp>
-        <p:nvSpPr>
-          <p:cNvPr id="2" name="Title 1">
-            <a:extLst>
-              <a:ext uri="{FF2B5EF4-FFF2-40B4-BE49-F238E27FC236}">
-                <a16:creationId xmlns:a16="http://schemas.microsoft.com/office/drawing/2014/main" id="{49041FF6-9BB7-4002-8216-E9801519F505}"/>
-              </a:ext>
-            </a:extLst>
-          </p:cNvPr>
-          <p:cNvSpPr>
-            <a:spLocks noGrp="1"/>
-          </p:cNvSpPr>
-          <p:nvPr>
-            <p:ph type="title"/>
-          </p:nvPr>
-        </p:nvSpPr>
-        <p:spPr/>
-        <p:txBody>
-          <a:bodyPr/>
-          <a:lstStyle/>
-          <a:p>
-            <a:r>
-              <a:rPr lang="en-US" altLang="zh-CN" dirty="0"/>
-              <a:t>The </a:t>
-            </a:r>
-            <a:r>
-              <a:rPr lang="en-US" altLang="zh-CN" dirty="0">
-                <a:solidFill>
-                  <a:srgbClr val="00B0F0"/>
-                </a:solidFill>
-              </a:rPr>
-              <a:t>Source</a:t>
-            </a:r>
-            <a:r>
-              <a:rPr lang="en-US" altLang="zh-CN" dirty="0"/>
-              <a:t> and </a:t>
-            </a:r>
-            <a:r>
-              <a:rPr lang="en-US" altLang="zh-CN" dirty="0">
-                <a:solidFill>
-                  <a:srgbClr val="FF0000"/>
-                </a:solidFill>
-              </a:rPr>
-              <a:t>Goal</a:t>
-            </a:r>
-            <a:endParaRPr lang="zh-CN" altLang="en-US" dirty="0">
-              <a:solidFill>
-                <a:srgbClr val="FF0000"/>
-              </a:solidFill>
-            </a:endParaRPr>
-          </a:p>
-        </p:txBody>
-      </p:sp>
-      <p:sp>
-        <p:nvSpPr>
-          <p:cNvPr id="3" name="Text Placeholder 2">
-            <a:extLst>
-              <a:ext uri="{FF2B5EF4-FFF2-40B4-BE49-F238E27FC236}">
-                <a16:creationId xmlns:a16="http://schemas.microsoft.com/office/drawing/2014/main" id="{878A57C1-4ADC-4307-A286-8C2F98063040}"/>
-              </a:ext>
-            </a:extLst>
-          </p:cNvPr>
-          <p:cNvSpPr>
-            <a:spLocks noGrp="1"/>
-          </p:cNvSpPr>
-          <p:nvPr>
-            <p:ph type="body" idx="1"/>
-          </p:nvPr>
-        </p:nvSpPr>
-        <p:spPr/>
-        <p:txBody>
-          <a:bodyPr/>
-          <a:lstStyle/>
-          <a:p>
-            <a:r>
-              <a:rPr lang="en-US" altLang="zh-CN" dirty="0"/>
-              <a:t>A robust system should </a:t>
-            </a:r>
-            <a:r>
-              <a:rPr lang="en-US" altLang="zh-CN" dirty="0">
-                <a:solidFill>
-                  <a:srgbClr val="FF0000"/>
-                </a:solidFill>
-              </a:rPr>
-              <a:t>function correctly </a:t>
-            </a:r>
-            <a:r>
-              <a:rPr lang="en-US" altLang="zh-CN" dirty="0"/>
-              <a:t>with </a:t>
-            </a:r>
-            <a:r>
-              <a:rPr lang="en-US" altLang="zh-CN" dirty="0">
-                <a:solidFill>
-                  <a:srgbClr val="00B0F0"/>
-                </a:solidFill>
-              </a:rPr>
-              <a:t>erroneous input or environment</a:t>
-            </a:r>
-            <a:r>
-              <a:rPr lang="en-US" altLang="zh-CN" dirty="0"/>
-              <a:t>.</a:t>
-            </a:r>
-          </a:p>
-          <a:p>
-            <a:r>
-              <a:rPr lang="en-US" altLang="zh-CN" dirty="0"/>
-              <a:t>A robust ML algorithm should have </a:t>
-            </a:r>
-            <a:r>
-              <a:rPr lang="en-US" altLang="zh-CN" dirty="0">
-                <a:solidFill>
-                  <a:srgbClr val="FF0000"/>
-                </a:solidFill>
-              </a:rPr>
-              <a:t>similar performance </a:t>
-            </a:r>
-            <a:r>
-              <a:rPr lang="en-US" altLang="zh-CN" dirty="0"/>
-              <a:t>on </a:t>
-            </a:r>
-            <a:r>
-              <a:rPr lang="en-US" altLang="zh-CN" dirty="0">
-                <a:solidFill>
-                  <a:srgbClr val="00B0F0"/>
-                </a:solidFill>
-              </a:rPr>
-              <a:t>datasets</a:t>
-            </a:r>
-            <a:r>
-              <a:rPr lang="en-US" altLang="zh-CN" dirty="0"/>
-              <a:t> other than the training set (i.e., not prone to overfitting).</a:t>
-            </a:r>
-          </a:p>
-          <a:p>
-            <a:r>
-              <a:rPr lang="en-US" altLang="zh-CN" dirty="0"/>
-              <a:t>A robust scheduling algorithm should </a:t>
-            </a:r>
-            <a:r>
-              <a:rPr lang="en-US" altLang="zh-CN" dirty="0">
-                <a:solidFill>
-                  <a:srgbClr val="FF0000"/>
-                </a:solidFill>
-              </a:rPr>
-              <a:t>generate suboptimal scheme </a:t>
-            </a:r>
-            <a:r>
-              <a:rPr lang="en-US" altLang="zh-CN" dirty="0"/>
-              <a:t>which is not sensitive to </a:t>
-            </a:r>
-            <a:r>
-              <a:rPr lang="en-US" altLang="zh-CN" dirty="0">
-                <a:solidFill>
-                  <a:srgbClr val="00B0F0"/>
-                </a:solidFill>
-              </a:rPr>
-              <a:t>stochastic disturbances</a:t>
-            </a:r>
-            <a:r>
-              <a:rPr lang="en-US" altLang="zh-CN" dirty="0"/>
-              <a:t>.</a:t>
-            </a:r>
-          </a:p>
-          <a:p>
-            <a:r>
-              <a:rPr lang="en-US" altLang="zh-CN" dirty="0"/>
-              <a:t>…</a:t>
-            </a:r>
-          </a:p>
-          <a:p>
-            <a:endParaRPr lang="en-US" altLang="zh-CN" dirty="0"/>
-          </a:p>
-          <a:p>
-            <a:pPr marL="114300" indent="0">
-              <a:buNone/>
-            </a:pPr>
-            <a:r>
-              <a:rPr lang="en-US" altLang="zh-CN" b="1" dirty="0"/>
-              <a:t>Important to set up the CONTEXT!</a:t>
-            </a:r>
-            <a:endParaRPr lang="zh-CN" altLang="en-US" b="1" dirty="0"/>
-          </a:p>
-        </p:txBody>
-      </p:sp>
-      <p:sp>
-        <p:nvSpPr>
-          <p:cNvPr id="4" name="Slide Number Placeholder 3">
-            <a:extLst>
-              <a:ext uri="{FF2B5EF4-FFF2-40B4-BE49-F238E27FC236}">
-                <a16:creationId xmlns:a16="http://schemas.microsoft.com/office/drawing/2014/main" id="{7AB845E8-6789-48B3-8C06-3B3EE9B4C480}"/>
-              </a:ext>
-            </a:extLst>
-          </p:cNvPr>
-          <p:cNvSpPr>
-            <a:spLocks noGrp="1"/>
-          </p:cNvSpPr>
-          <p:nvPr>
-            <p:ph type="sldNum" idx="12"/>
-          </p:nvPr>
-        </p:nvSpPr>
-        <p:spPr/>
-        <p:txBody>
-          <a:bodyPr/>
-          <a:lstStyle/>
-          <a:p>
-            <a:pPr marL="0" lvl="0" indent="0" algn="r" rtl="0">
-              <a:spcBef>
-                <a:spcPts val="0"/>
-              </a:spcBef>
-              <a:spcAft>
-                <a:spcPts val="0"/>
-              </a:spcAft>
-              <a:buNone/>
-            </a:pPr>
-            <a:fld id="{00000000-1234-1234-1234-123412341234}" type="slidenum">
-              <a:rPr lang="en" smtClean="0"/>
-              <a:t>6</a:t>
-            </a:fld>
-            <a:endParaRPr lang="en"/>
-          </a:p>
-        </p:txBody>
-      </p:sp>
-    </p:spTree>
-    <p:extLst>
-      <p:ext uri="{BB962C8B-B14F-4D97-AF65-F5344CB8AC3E}">
-        <p14:creationId xmlns:p14="http://schemas.microsoft.com/office/powerpoint/2010/main" val="3668782440"/>
-      </p:ext>
-    </p:extLst>
-  </p:cSld>
-  <p:clrMapOvr>
-    <a:masterClrMapping/>
-  </p:clrMapOvr>
-  <mc:AlternateContent xmlns:mc="http://schemas.openxmlformats.org/markup-compatibility/2006" xmlns:p14="http://schemas.microsoft.com/office/powerpoint/2010/main">
-    <mc:Choice Requires="p14">
-      <p:transition spd="slow" p14:dur="2000"/>
-    </mc:Choice>
-    <mc:Fallback xmlns="">
-      <p:transition spd="slow"/>
-    </mc:Fallback>
-  </mc:AlternateContent>
-</p:sld>
-</file>
-
-<file path=ppt/slides/slide7.xml><?xml version="1.0" encoding="utf-8"?>
-<p:sld xmlns:a="http://schemas.openxmlformats.org/drawingml/2006/main" xmlns:r="http://schemas.openxmlformats.org/officeDocument/2006/relationships" xmlns:p="http://schemas.openxmlformats.org/presentationml/2006/main" show="0">
-  <p:cSld>
-    <p:spTree>
-      <p:nvGrpSpPr>
-        <p:cNvPr id="1" name=""/>
-        <p:cNvGrpSpPr/>
-        <p:nvPr/>
-      </p:nvGrpSpPr>
-      <p:grpSpPr>
-        <a:xfrm>
-          <a:off x="0" y="0"/>
-          <a:ext cx="0" cy="0"/>
-          <a:chOff x="0" y="0"/>
-          <a:chExt cx="0" cy="0"/>
-        </a:xfrm>
-      </p:grpSpPr>
-      <p:sp>
-        <p:nvSpPr>
-          <p:cNvPr id="2" name="Title 1">
-            <a:extLst>
-              <a:ext uri="{FF2B5EF4-FFF2-40B4-BE49-F238E27FC236}">
-                <a16:creationId xmlns:a16="http://schemas.microsoft.com/office/drawing/2014/main" id="{8A0693D7-C929-49EA-8927-55AF116E3BDD}"/>
-              </a:ext>
-            </a:extLst>
-          </p:cNvPr>
-          <p:cNvSpPr>
-            <a:spLocks noGrp="1"/>
-          </p:cNvSpPr>
-          <p:nvPr>
-            <p:ph type="title"/>
-          </p:nvPr>
-        </p:nvSpPr>
-        <p:spPr/>
-        <p:txBody>
-          <a:bodyPr/>
-          <a:lstStyle/>
-          <a:p>
-            <a:r>
-              <a:rPr lang="en-US" altLang="zh-CN" dirty="0"/>
-              <a:t>Research Questions</a:t>
-            </a:r>
-            <a:endParaRPr lang="zh-CN" altLang="en-US" dirty="0"/>
-          </a:p>
-        </p:txBody>
-      </p:sp>
-      <p:sp>
-        <p:nvSpPr>
-          <p:cNvPr id="3" name="Text Placeholder 2">
-            <a:extLst>
-              <a:ext uri="{FF2B5EF4-FFF2-40B4-BE49-F238E27FC236}">
-                <a16:creationId xmlns:a16="http://schemas.microsoft.com/office/drawing/2014/main" id="{D05C7AE0-921B-4B23-A094-CDB983C72801}"/>
-              </a:ext>
-            </a:extLst>
-          </p:cNvPr>
-          <p:cNvSpPr>
-            <a:spLocks noGrp="1"/>
-          </p:cNvSpPr>
-          <p:nvPr>
-            <p:ph type="body" idx="1"/>
-          </p:nvPr>
-        </p:nvSpPr>
-        <p:spPr/>
-        <p:txBody>
-          <a:bodyPr/>
-          <a:lstStyle/>
-          <a:p>
-            <a:pPr marL="114300" indent="0">
-              <a:buNone/>
-            </a:pPr>
-            <a:r>
-              <a:rPr lang="en-US" altLang="zh-CN" dirty="0"/>
-              <a:t>How to measure the system capability to deal with </a:t>
-            </a:r>
-            <a:r>
-              <a:rPr lang="en-US" altLang="zh-CN" dirty="0">
-                <a:solidFill>
-                  <a:srgbClr val="00B0F0"/>
-                </a:solidFill>
-              </a:rPr>
-              <a:t>uncertainty in environment</a:t>
-            </a:r>
-            <a:r>
-              <a:rPr lang="en-US" altLang="zh-CN" dirty="0"/>
-              <a:t> to ensure </a:t>
-            </a:r>
-            <a:r>
-              <a:rPr lang="en-US" altLang="zh-CN" dirty="0">
-                <a:solidFill>
-                  <a:srgbClr val="FF0000"/>
-                </a:solidFill>
-              </a:rPr>
-              <a:t>correct function</a:t>
-            </a:r>
-            <a:r>
-              <a:rPr lang="en-US" altLang="zh-CN" dirty="0"/>
-              <a:t>?</a:t>
-            </a:r>
-          </a:p>
-          <a:p>
-            <a:pPr>
-              <a:spcBef>
-                <a:spcPts val="800"/>
-              </a:spcBef>
-              <a:spcAft>
-                <a:spcPts val="800"/>
-              </a:spcAft>
-            </a:pPr>
-            <a:r>
-              <a:rPr lang="en-US" altLang="zh-CN" dirty="0"/>
-              <a:t>What’s the formal definition of “correct” function?</a:t>
-            </a:r>
-          </a:p>
-          <a:p>
-            <a:pPr>
-              <a:spcBef>
-                <a:spcPts val="800"/>
-              </a:spcBef>
-              <a:spcAft>
-                <a:spcPts val="800"/>
-              </a:spcAft>
-            </a:pPr>
-            <a:r>
-              <a:rPr lang="en-US" altLang="zh-CN" dirty="0"/>
-              <a:t>What’s the representation of uncertainty in the environment?</a:t>
-            </a:r>
-          </a:p>
-          <a:p>
-            <a:pPr>
-              <a:spcBef>
-                <a:spcPts val="800"/>
-              </a:spcBef>
-              <a:spcAft>
-                <a:spcPts val="800"/>
-              </a:spcAft>
-            </a:pPr>
-            <a:r>
-              <a:rPr lang="en-US" altLang="zh-CN" dirty="0"/>
-              <a:t>How to measure capability?</a:t>
-            </a:r>
-          </a:p>
-          <a:p>
-            <a:pPr lvl="1">
-              <a:spcBef>
-                <a:spcPts val="0"/>
-              </a:spcBef>
-            </a:pPr>
-            <a:r>
-              <a:rPr lang="en-US" altLang="zh-CN" dirty="0"/>
-              <a:t>How to define such a measure?</a:t>
-            </a:r>
-          </a:p>
-          <a:p>
-            <a:pPr lvl="1">
-              <a:spcBef>
-                <a:spcPts val="0"/>
-              </a:spcBef>
-              <a:spcAft>
-                <a:spcPts val="800"/>
-              </a:spcAft>
-            </a:pPr>
-            <a:r>
-              <a:rPr lang="en-US" altLang="zh-CN" dirty="0"/>
-              <a:t>How to compare the capability of two systems?</a:t>
-            </a:r>
-            <a:endParaRPr lang="zh-CN" altLang="en-US" dirty="0"/>
-          </a:p>
-        </p:txBody>
-      </p:sp>
-      <p:sp>
-        <p:nvSpPr>
-          <p:cNvPr id="4" name="Slide Number Placeholder 3">
-            <a:extLst>
-              <a:ext uri="{FF2B5EF4-FFF2-40B4-BE49-F238E27FC236}">
-                <a16:creationId xmlns:a16="http://schemas.microsoft.com/office/drawing/2014/main" id="{DD200004-4FC8-42AB-BF45-1A005D50A196}"/>
-              </a:ext>
-            </a:extLst>
-          </p:cNvPr>
-          <p:cNvSpPr>
-            <a:spLocks noGrp="1"/>
-          </p:cNvSpPr>
-          <p:nvPr>
-            <p:ph type="sldNum" idx="12"/>
-          </p:nvPr>
-        </p:nvSpPr>
-        <p:spPr/>
-        <p:txBody>
-          <a:bodyPr/>
-          <a:lstStyle/>
-          <a:p>
-            <a:pPr marL="0" lvl="0" indent="0" algn="r" rtl="0">
-              <a:spcBef>
-                <a:spcPts val="0"/>
-              </a:spcBef>
-              <a:spcAft>
-                <a:spcPts val="0"/>
-              </a:spcAft>
-              <a:buNone/>
-            </a:pPr>
-            <a:fld id="{00000000-1234-1234-1234-123412341234}" type="slidenum">
-              <a:rPr lang="en" smtClean="0"/>
-              <a:t>7</a:t>
-            </a:fld>
-            <a:endParaRPr lang="en"/>
-          </a:p>
-        </p:txBody>
-      </p:sp>
-    </p:spTree>
-    <p:extLst>
-      <p:ext uri="{BB962C8B-B14F-4D97-AF65-F5344CB8AC3E}">
-        <p14:creationId xmlns:p14="http://schemas.microsoft.com/office/powerpoint/2010/main" val="4248666845"/>
-      </p:ext>
-    </p:extLst>
-  </p:cSld>
-  <p:clrMapOvr>
-    <a:masterClrMapping/>
-  </p:clrMapOvr>
-  <mc:AlternateContent xmlns:mc="http://schemas.openxmlformats.org/markup-compatibility/2006" xmlns:p14="http://schemas.microsoft.com/office/powerpoint/2010/main">
-    <mc:Choice Requires="p14">
-      <p:transition spd="slow" p14:dur="2000"/>
-    </mc:Choice>
-    <mc:Fallback xmlns="">
-      <p:transition spd="slow"/>
-    </mc:Fallback>
-  </mc:AlternateContent>
-</p:sld>
-</file>
-
-<file path=ppt/slides/slide8.xml><?xml version="1.0" encoding="utf-8"?>
-<p:sld xmlns:a="http://schemas.openxmlformats.org/drawingml/2006/main" xmlns:r="http://schemas.openxmlformats.org/officeDocument/2006/relationships" xmlns:p="http://schemas.openxmlformats.org/presentationml/2006/main">
-  <p:cSld>
-    <p:spTree>
-      <p:nvGrpSpPr>
-        <p:cNvPr id="1" name=""/>
-        <p:cNvGrpSpPr/>
-        <p:nvPr/>
-      </p:nvGrpSpPr>
-      <p:grpSpPr>
-        <a:xfrm>
-          <a:off x="0" y="0"/>
-          <a:ext cx="0" cy="0"/>
-          <a:chOff x="0" y="0"/>
-          <a:chExt cx="0" cy="0"/>
-        </a:xfrm>
-      </p:grpSpPr>
-      <p:sp>
-        <p:nvSpPr>
-          <p:cNvPr id="2" name="Title 1"/>
-          <p:cNvSpPr>
-            <a:spLocks noGrp="1"/>
-          </p:cNvSpPr>
-          <p:nvPr>
-            <p:ph type="title"/>
-          </p:nvPr>
-        </p:nvSpPr>
-        <p:spPr/>
-        <p:txBody>
-          <a:bodyPr/>
-          <a:lstStyle/>
-          <a:p>
-            <a:r>
               <a:rPr lang="en-US" altLang="zh-CN" dirty="0"/>
               <a:t>Motivation Example &amp; Overview</a:t>
             </a:r>
@@ -18284,7 +17552,7 @@
             </a:pPr>
             <a:fld id="{00000000-1234-1234-1234-123412341234}" type="slidenum">
               <a:rPr lang="en" smtClean="0"/>
-              <a:t>8</a:t>
+              <a:t>7</a:t>
             </a:fld>
             <a:endParaRPr lang="en"/>
           </a:p>
@@ -18303,7 +17571,7 @@
 </p:sld>
 </file>
 
-<file path=ppt/slides/slide9.xml><?xml version="1.0" encoding="utf-8"?>
+<file path=ppt/slides/slide8.xml><?xml version="1.0" encoding="utf-8"?>
 <p:sld xmlns:a="http://schemas.openxmlformats.org/drawingml/2006/main" xmlns:r="http://schemas.openxmlformats.org/officeDocument/2006/relationships" xmlns:p="http://schemas.openxmlformats.org/presentationml/2006/main">
   <p:cSld>
     <p:spTree>
@@ -18351,46 +17619,6 @@
       </p:sp>
       <p:sp>
         <p:nvSpPr>
-          <p:cNvPr id="3" name="Text Placeholder 2">
-            <a:extLst>
-              <a:ext uri="{FF2B5EF4-FFF2-40B4-BE49-F238E27FC236}">
-                <a16:creationId xmlns:a16="http://schemas.microsoft.com/office/drawing/2014/main" id="{1843D3EB-6AE8-431A-A06F-71485AF82E70}"/>
-              </a:ext>
-            </a:extLst>
-          </p:cNvPr>
-          <p:cNvSpPr>
-            <a:spLocks noGrp="1"/>
-          </p:cNvSpPr>
-          <p:nvPr>
-            <p:ph type="body" idx="1"/>
-          </p:nvPr>
-        </p:nvSpPr>
-        <p:spPr/>
-        <p:txBody>
-          <a:bodyPr/>
-          <a:lstStyle/>
-          <a:p>
-            <a:pPr marL="114300" indent="0">
-              <a:buNone/>
-            </a:pPr>
-            <a:r>
-              <a:rPr lang="en-US" altLang="zh-CN" sz="1600" dirty="0"/>
-              <a:t>We use </a:t>
-            </a:r>
-            <a:r>
-              <a:rPr lang="en-US" altLang="zh-CN" sz="1600" i="1" dirty="0"/>
-              <a:t>labelled transition systems (LTS) </a:t>
-            </a:r>
-            <a:r>
-              <a:rPr lang="en-US" altLang="zh-CN" sz="1600" dirty="0"/>
-              <a:t>to model the behavior of systems and environments.</a:t>
-            </a:r>
-            <a:endParaRPr lang="zh-CN" altLang="en-US" sz="1600" dirty="0"/>
-          </a:p>
-        </p:txBody>
-      </p:sp>
-      <p:sp>
-        <p:nvSpPr>
           <p:cNvPr id="4" name="Slide Number Placeholder 3">
             <a:extLst>
               <a:ext uri="{FF2B5EF4-FFF2-40B4-BE49-F238E27FC236}">
@@ -18421,7 +17649,7 @@
             </a:pPr>
             <a:fld id="{00000000-1234-1234-1234-123412341234}" type="slidenum">
               <a:rPr lang="en" smtClean="0"/>
-              <a:t>9</a:t>
+              <a:t>8</a:t>
             </a:fld>
             <a:endParaRPr lang="en"/>
           </a:p>
@@ -18453,7 +17681,7 @@
         </p:blipFill>
         <p:spPr>
           <a:xfrm>
-            <a:off x="888190" y="1939978"/>
+            <a:off x="888190" y="1444032"/>
             <a:ext cx="7367619" cy="2262857"/>
           </a:xfrm>
           <a:prstGeom prst="rect">
@@ -18465,6 +17693,179 @@
     <p:extLst>
       <p:ext uri="{BB962C8B-B14F-4D97-AF65-F5344CB8AC3E}">
         <p14:creationId xmlns:p14="http://schemas.microsoft.com/office/powerpoint/2010/main" val="3205186143"/>
+      </p:ext>
+    </p:extLst>
+  </p:cSld>
+  <p:clrMapOvr>
+    <a:masterClrMapping/>
+  </p:clrMapOvr>
+</p:sld>
+</file>
+
+<file path=ppt/slides/slide9.xml><?xml version="1.0" encoding="utf-8"?>
+<p:sld xmlns:a="http://schemas.openxmlformats.org/drawingml/2006/main" xmlns:r="http://schemas.openxmlformats.org/officeDocument/2006/relationships" xmlns:p="http://schemas.openxmlformats.org/presentationml/2006/main">
+  <p:cSld>
+    <p:spTree>
+      <p:nvGrpSpPr>
+        <p:cNvPr id="1" name=""/>
+        <p:cNvGrpSpPr/>
+        <p:nvPr/>
+      </p:nvGrpSpPr>
+      <p:grpSpPr>
+        <a:xfrm>
+          <a:off x="0" y="0"/>
+          <a:ext cx="0" cy="0"/>
+          <a:chOff x="0" y="0"/>
+          <a:chExt cx="0" cy="0"/>
+        </a:xfrm>
+      </p:grpSpPr>
+      <p:sp>
+        <p:nvSpPr>
+          <p:cNvPr id="2" name="Title 1"/>
+          <p:cNvSpPr>
+            <a:spLocks noGrp="1"/>
+          </p:cNvSpPr>
+          <p:nvPr>
+            <p:ph type="title"/>
+          </p:nvPr>
+        </p:nvSpPr>
+        <p:spPr/>
+        <p:txBody>
+          <a:bodyPr/>
+          <a:lstStyle/>
+          <a:p>
+            <a:r>
+              <a:rPr lang="en-US" dirty="0"/>
+              <a:t>Background</a:t>
+            </a:r>
+          </a:p>
+        </p:txBody>
+      </p:sp>
+      <p:sp>
+        <p:nvSpPr>
+          <p:cNvPr id="3" name="Text Placeholder 2"/>
+          <p:cNvSpPr>
+            <a:spLocks noGrp="1"/>
+          </p:cNvSpPr>
+          <p:nvPr>
+            <p:ph type="body" idx="1"/>
+          </p:nvPr>
+        </p:nvSpPr>
+        <p:spPr/>
+        <p:txBody>
+          <a:bodyPr/>
+          <a:lstStyle/>
+          <a:p>
+            <a:r>
+              <a:rPr lang="en-US" sz="1600" i="1" dirty="0"/>
+              <a:t>Parallel composition </a:t>
+            </a:r>
+            <a:r>
+              <a:rPr lang="en-US" sz="1600" dirty="0" smtClean="0"/>
+              <a:t>“||”</a:t>
+            </a:r>
+            <a:r>
+              <a:rPr lang="en-US" sz="1600" i="1" dirty="0" smtClean="0"/>
+              <a:t> </a:t>
+            </a:r>
+            <a:r>
+              <a:rPr lang="en-US" sz="1600" dirty="0" smtClean="0"/>
+              <a:t>composes two </a:t>
+            </a:r>
+            <a:r>
+              <a:rPr lang="en-US" sz="1600" dirty="0"/>
+              <a:t>concurrent LTSs as one system.</a:t>
+            </a:r>
+          </a:p>
+          <a:p>
+            <a:r>
+              <a:rPr lang="en-US" sz="1600" dirty="0" smtClean="0"/>
+              <a:t>It</a:t>
+            </a:r>
+            <a:r>
+              <a:rPr lang="en-US" sz="1600" dirty="0" smtClean="0"/>
+              <a:t> </a:t>
+            </a:r>
+            <a:r>
+              <a:rPr lang="en-US" sz="1600" dirty="0"/>
+              <a:t>combines behavior of two LTSs by synchronizing common actions and interleaving the remaining actions.</a:t>
+            </a:r>
+          </a:p>
+          <a:p>
+            <a:endParaRPr lang="en-US" sz="1600" dirty="0"/>
+          </a:p>
+        </p:txBody>
+      </p:sp>
+      <p:sp>
+        <p:nvSpPr>
+          <p:cNvPr id="4" name="Slide Number Placeholder 3"/>
+          <p:cNvSpPr>
+            <a:spLocks noGrp="1"/>
+          </p:cNvSpPr>
+          <p:nvPr>
+            <p:ph type="sldNum" idx="12"/>
+          </p:nvPr>
+        </p:nvSpPr>
+        <p:spPr/>
+        <p:txBody>
+          <a:bodyPr/>
+          <a:lstStyle/>
+          <a:p>
+            <a:pPr marL="0" lvl="0" indent="0" algn="r" rtl="0">
+              <a:spcBef>
+                <a:spcPts val="0"/>
+              </a:spcBef>
+              <a:spcAft>
+                <a:spcPts val="0"/>
+              </a:spcAft>
+              <a:buNone/>
+            </a:pPr>
+            <a:fld id="{00000000-1234-1234-1234-123412341234}" type="slidenum">
+              <a:rPr lang="en" smtClean="0"/>
+              <a:t>9</a:t>
+            </a:fld>
+            <a:endParaRPr lang="en"/>
+          </a:p>
+        </p:txBody>
+      </p:sp>
+      <p:pic>
+        <p:nvPicPr>
+          <p:cNvPr id="6" name="Picture 5"/>
+          <p:cNvPicPr>
+            <a:picLocks noChangeAspect="1"/>
+          </p:cNvPicPr>
+          <p:nvPr>
+            <p:custDataLst>
+              <p:tags r:id="rId1"/>
+            </p:custDataLst>
+          </p:nvPr>
+        </p:nvPicPr>
+        <p:blipFill>
+          <a:blip r:embed="rId3">
+            <a:extLst>
+              <a:ext uri="{28A0092B-C50C-407E-A947-70E740481C1C}">
+                <a14:useLocalDpi xmlns:a14="http://schemas.microsoft.com/office/drawing/2010/main" val="0"/>
+              </a:ext>
+            </a:extLst>
+          </a:blip>
+          <a:stretch>
+            <a:fillRect/>
+          </a:stretch>
+        </p:blipFill>
+        <p:spPr>
+          <a:xfrm>
+            <a:off x="337335" y="2317659"/>
+            <a:ext cx="8469329" cy="1459383"/>
+          </a:xfrm>
+          <a:prstGeom prst="rect">
+            <a:avLst/>
+          </a:prstGeom>
+        </p:spPr>
+      </p:pic>
+    </p:spTree>
+    <p:extLst>
+      <p:ext uri="{BB962C8B-B14F-4D97-AF65-F5344CB8AC3E}">
+        <p14:creationId xmlns:p14="http://schemas.microsoft.com/office/powerpoint/2010/main" val="1405518867"/>
       </p:ext>
     </p:extLst>
   </p:cSld>

--- a/Robustness.pptx
+++ b/Robustness.pptx
@@ -5,77 +5,74 @@
     <p:sldMasterId id="2147483659" r:id="rId1"/>
   </p:sldMasterIdLst>
   <p:notesMasterIdLst>
-    <p:notesMasterId r:id="rId42"/>
+    <p:notesMasterId r:id="rId43"/>
   </p:notesMasterIdLst>
   <p:sldIdLst>
     <p:sldId id="256" r:id="rId2"/>
-    <p:sldId id="264" r:id="rId3"/>
-    <p:sldId id="284" r:id="rId4"/>
-    <p:sldId id="313" r:id="rId5"/>
-    <p:sldId id="314" r:id="rId6"/>
-    <p:sldId id="257" r:id="rId7"/>
-    <p:sldId id="285" r:id="rId8"/>
-    <p:sldId id="270" r:id="rId9"/>
-    <p:sldId id="302" r:id="rId10"/>
-    <p:sldId id="260" r:id="rId11"/>
-    <p:sldId id="261" r:id="rId12"/>
-    <p:sldId id="300" r:id="rId13"/>
-    <p:sldId id="301" r:id="rId14"/>
-    <p:sldId id="262" r:id="rId15"/>
-    <p:sldId id="303" r:id="rId16"/>
-    <p:sldId id="304" r:id="rId17"/>
-    <p:sldId id="305" r:id="rId18"/>
-    <p:sldId id="307" r:id="rId19"/>
-    <p:sldId id="306" r:id="rId20"/>
-    <p:sldId id="308" r:id="rId21"/>
-    <p:sldId id="309" r:id="rId22"/>
-    <p:sldId id="310" r:id="rId23"/>
-    <p:sldId id="279" r:id="rId24"/>
-    <p:sldId id="281" r:id="rId25"/>
-    <p:sldId id="268" r:id="rId26"/>
-    <p:sldId id="311" r:id="rId27"/>
-    <p:sldId id="312" r:id="rId28"/>
-    <p:sldId id="286" r:id="rId29"/>
-    <p:sldId id="282" r:id="rId30"/>
-    <p:sldId id="283" r:id="rId31"/>
-    <p:sldId id="288" r:id="rId32"/>
-    <p:sldId id="289" r:id="rId33"/>
-    <p:sldId id="290" r:id="rId34"/>
-    <p:sldId id="292" r:id="rId35"/>
-    <p:sldId id="293" r:id="rId36"/>
-    <p:sldId id="294" r:id="rId37"/>
-    <p:sldId id="295" r:id="rId38"/>
-    <p:sldId id="296" r:id="rId39"/>
-    <p:sldId id="277" r:id="rId40"/>
-    <p:sldId id="298" r:id="rId41"/>
+    <p:sldId id="313" r:id="rId3"/>
+    <p:sldId id="314" r:id="rId4"/>
+    <p:sldId id="257" r:id="rId5"/>
+    <p:sldId id="315" r:id="rId6"/>
+    <p:sldId id="319" r:id="rId7"/>
+    <p:sldId id="317" r:id="rId8"/>
+    <p:sldId id="318" r:id="rId9"/>
+    <p:sldId id="270" r:id="rId10"/>
+    <p:sldId id="302" r:id="rId11"/>
+    <p:sldId id="260" r:id="rId12"/>
+    <p:sldId id="261" r:id="rId13"/>
+    <p:sldId id="300" r:id="rId14"/>
+    <p:sldId id="301" r:id="rId15"/>
+    <p:sldId id="262" r:id="rId16"/>
+    <p:sldId id="303" r:id="rId17"/>
+    <p:sldId id="304" r:id="rId18"/>
+    <p:sldId id="305" r:id="rId19"/>
+    <p:sldId id="307" r:id="rId20"/>
+    <p:sldId id="306" r:id="rId21"/>
+    <p:sldId id="308" r:id="rId22"/>
+    <p:sldId id="309" r:id="rId23"/>
+    <p:sldId id="310" r:id="rId24"/>
+    <p:sldId id="279" r:id="rId25"/>
+    <p:sldId id="281" r:id="rId26"/>
+    <p:sldId id="268" r:id="rId27"/>
+    <p:sldId id="311" r:id="rId28"/>
+    <p:sldId id="312" r:id="rId29"/>
+    <p:sldId id="286" r:id="rId30"/>
+    <p:sldId id="282" r:id="rId31"/>
+    <p:sldId id="283" r:id="rId32"/>
+    <p:sldId id="288" r:id="rId33"/>
+    <p:sldId id="289" r:id="rId34"/>
+    <p:sldId id="290" r:id="rId35"/>
+    <p:sldId id="292" r:id="rId36"/>
+    <p:sldId id="293" r:id="rId37"/>
+    <p:sldId id="294" r:id="rId38"/>
+    <p:sldId id="295" r:id="rId39"/>
+    <p:sldId id="296" r:id="rId40"/>
+    <p:sldId id="277" r:id="rId41"/>
+    <p:sldId id="298" r:id="rId42"/>
   </p:sldIdLst>
   <p:sldSz cx="9144000" cy="5143500" type="screen16x9"/>
   <p:notesSz cx="6858000" cy="9144000"/>
   <p:embeddedFontLst>
     <p:embeddedFont>
-      <p:font typeface="Open Sans" panose="020B0604020202020204" charset="0"/>
-      <p:regular r:id="rId43"/>
-      <p:bold r:id="rId44"/>
-      <p:italic r:id="rId45"/>
-      <p:boldItalic r:id="rId46"/>
+      <p:font typeface="Cambria Math" panose="02040503050406030204" pitchFamily="18" charset="0"/>
+      <p:regular r:id="rId44"/>
     </p:embeddedFont>
     <p:embeddedFont>
-      <p:font typeface="宋体" panose="02010600030101010101" pitchFamily="2" charset="-122"/>
-      <p:regular r:id="rId47"/>
+      <p:font typeface="Open Sans" panose="02010600030101010101" charset="0"/>
+      <p:regular r:id="rId45"/>
+      <p:bold r:id="rId46"/>
+      <p:italic r:id="rId47"/>
+      <p:boldItalic r:id="rId48"/>
     </p:embeddedFont>
     <p:embeddedFont>
-      <p:font typeface="Cambria Math" panose="02040503050406030204" pitchFamily="18" charset="0"/>
-      <p:regular r:id="rId48"/>
-    </p:embeddedFont>
-    <p:embeddedFont>
-      <p:font typeface="Open Sans Light" panose="020B0604020202020204" charset="0"/>
+      <p:font typeface="Open Sans Light" panose="02010600030101010101" charset="0"/>
       <p:regular r:id="rId49"/>
       <p:bold r:id="rId50"/>
       <p:italic r:id="rId51"/>
       <p:boldItalic r:id="rId52"/>
     </p:embeddedFont>
     <p:embeddedFont>
-      <p:font typeface="Open Sans SemiBold" panose="020B0604020202020204" charset="0"/>
+      <p:font typeface="Open Sans SemiBold" panose="02010600030101010101" charset="0"/>
       <p:regular r:id="rId53"/>
       <p:bold r:id="rId54"/>
       <p:italic r:id="rId55"/>
@@ -1273,11 +1270,11 @@
               <a:buNone/>
             </a:pPr>
             <a:r>
-              <a:rPr lang="en-US" dirty="0" smtClean="0"/>
+              <a:rPr lang="en-US" dirty="0"/>
               <a:t>To check safety property, there should not have a trace that will lead the system enters the </a:t>
             </a:r>
             <a:r>
-              <a:rPr lang="en-US" smtClean="0"/>
+              <a:rPr lang="en-US"/>
               <a:t>error state.</a:t>
             </a:r>
             <a:endParaRPr lang="en-US" dirty="0"/>
@@ -7339,18 +7336,10 @@
           </a:bodyPr>
           <a:lstStyle/>
           <a:p>
-            <a:pPr marL="0" lvl="0" indent="0" algn="ctr" rtl="0">
-              <a:spcBef>
-                <a:spcPts val="0"/>
-              </a:spcBef>
-              <a:spcAft>
-                <a:spcPts val="0"/>
-              </a:spcAft>
-              <a:buNone/>
-            </a:pPr>
+            <a:pPr lvl="0"/>
             <a:r>
               <a:rPr lang="en-US" sz="4000" dirty="0"/>
-              <a:t>How to “Measure” Software Robustness</a:t>
+              <a:t>How to characterize Software Robustness</a:t>
             </a:r>
             <a:endParaRPr sz="4000" dirty="0"/>
           </a:p>
@@ -7599,6 +7588,167 @@
 </file>
 
 <file path=ppt/slides/slide10.xml><?xml version="1.0" encoding="utf-8"?>
+<p:sld xmlns:a="http://schemas.openxmlformats.org/drawingml/2006/main" xmlns:r="http://schemas.openxmlformats.org/officeDocument/2006/relationships" xmlns:p="http://schemas.openxmlformats.org/presentationml/2006/main">
+  <p:cSld>
+    <p:spTree>
+      <p:nvGrpSpPr>
+        <p:cNvPr id="1" name=""/>
+        <p:cNvGrpSpPr/>
+        <p:nvPr/>
+      </p:nvGrpSpPr>
+      <p:grpSpPr>
+        <a:xfrm>
+          <a:off x="0" y="0"/>
+          <a:ext cx="0" cy="0"/>
+          <a:chOff x="0" y="0"/>
+          <a:chExt cx="0" cy="0"/>
+        </a:xfrm>
+      </p:grpSpPr>
+      <p:sp>
+        <p:nvSpPr>
+          <p:cNvPr id="2" name="Title 1"/>
+          <p:cNvSpPr>
+            <a:spLocks noGrp="1"/>
+          </p:cNvSpPr>
+          <p:nvPr>
+            <p:ph type="title"/>
+          </p:nvPr>
+        </p:nvSpPr>
+        <p:spPr/>
+        <p:txBody>
+          <a:bodyPr/>
+          <a:lstStyle/>
+          <a:p>
+            <a:r>
+              <a:rPr lang="en-US" dirty="0"/>
+              <a:t>Background</a:t>
+            </a:r>
+          </a:p>
+        </p:txBody>
+      </p:sp>
+      <p:sp>
+        <p:nvSpPr>
+          <p:cNvPr id="3" name="Text Placeholder 2"/>
+          <p:cNvSpPr>
+            <a:spLocks noGrp="1"/>
+          </p:cNvSpPr>
+          <p:nvPr>
+            <p:ph type="body" idx="1"/>
+          </p:nvPr>
+        </p:nvSpPr>
+        <p:spPr/>
+        <p:txBody>
+          <a:bodyPr/>
+          <a:lstStyle/>
+          <a:p>
+            <a:r>
+              <a:rPr lang="en-US" sz="1600" i="1" dirty="0"/>
+              <a:t>Parallel composition </a:t>
+            </a:r>
+            <a:r>
+              <a:rPr lang="en-US" sz="1600" dirty="0"/>
+              <a:t>“||”</a:t>
+            </a:r>
+            <a:r>
+              <a:rPr lang="en-US" sz="1600" i="1" dirty="0"/>
+              <a:t> </a:t>
+            </a:r>
+            <a:r>
+              <a:rPr lang="en-US" sz="1600" dirty="0"/>
+              <a:t>composes two concurrent LTSs as one system.</a:t>
+            </a:r>
+          </a:p>
+          <a:p>
+            <a:r>
+              <a:rPr lang="en-US" sz="1600" dirty="0"/>
+              <a:t>It combines behavior of two LTSs by synchronizing common actions and interleaving the remaining actions.</a:t>
+            </a:r>
+          </a:p>
+          <a:p>
+            <a:endParaRPr lang="en-US" sz="1600" dirty="0"/>
+          </a:p>
+        </p:txBody>
+      </p:sp>
+      <p:sp>
+        <p:nvSpPr>
+          <p:cNvPr id="4" name="Slide Number Placeholder 3"/>
+          <p:cNvSpPr>
+            <a:spLocks noGrp="1"/>
+          </p:cNvSpPr>
+          <p:nvPr>
+            <p:ph type="sldNum" idx="12"/>
+          </p:nvPr>
+        </p:nvSpPr>
+        <p:spPr/>
+        <p:txBody>
+          <a:bodyPr/>
+          <a:lstStyle/>
+          <a:p>
+            <a:pPr marL="0" lvl="0" indent="0" algn="r" rtl="0">
+              <a:spcBef>
+                <a:spcPts val="0"/>
+              </a:spcBef>
+              <a:spcAft>
+                <a:spcPts val="0"/>
+              </a:spcAft>
+              <a:buNone/>
+            </a:pPr>
+            <a:fld id="{00000000-1234-1234-1234-123412341234}" type="slidenum">
+              <a:rPr lang="en" smtClean="0"/>
+              <a:t>10</a:t>
+            </a:fld>
+            <a:endParaRPr lang="en"/>
+          </a:p>
+        </p:txBody>
+      </p:sp>
+      <p:pic>
+        <p:nvPicPr>
+          <p:cNvPr id="6" name="Picture 5"/>
+          <p:cNvPicPr>
+            <a:picLocks noChangeAspect="1"/>
+          </p:cNvPicPr>
+          <p:nvPr>
+            <p:custDataLst>
+              <p:tags r:id="rId1"/>
+            </p:custDataLst>
+          </p:nvPr>
+        </p:nvPicPr>
+        <p:blipFill>
+          <a:blip r:embed="rId3">
+            <a:extLst>
+              <a:ext uri="{28A0092B-C50C-407E-A947-70E740481C1C}">
+                <a14:useLocalDpi xmlns:a14="http://schemas.microsoft.com/office/drawing/2010/main" val="0"/>
+              </a:ext>
+            </a:extLst>
+          </a:blip>
+          <a:stretch>
+            <a:fillRect/>
+          </a:stretch>
+        </p:blipFill>
+        <p:spPr>
+          <a:xfrm>
+            <a:off x="337335" y="2317659"/>
+            <a:ext cx="8469329" cy="1459383"/>
+          </a:xfrm>
+          <a:prstGeom prst="rect">
+            <a:avLst/>
+          </a:prstGeom>
+        </p:spPr>
+      </p:pic>
+    </p:spTree>
+    <p:extLst>
+      <p:ext uri="{BB962C8B-B14F-4D97-AF65-F5344CB8AC3E}">
+        <p14:creationId xmlns:p14="http://schemas.microsoft.com/office/powerpoint/2010/main" val="1405518867"/>
+      </p:ext>
+    </p:extLst>
+  </p:cSld>
+  <p:clrMapOvr>
+    <a:masterClrMapping/>
+  </p:clrMapOvr>
+</p:sld>
+</file>
+
+<file path=ppt/slides/slide11.xml><?xml version="1.0" encoding="utf-8"?>
 <p:sld xmlns:a="http://schemas.openxmlformats.org/drawingml/2006/main" xmlns:r="http://schemas.openxmlformats.org/officeDocument/2006/relationships" xmlns:p="http://schemas.openxmlformats.org/presentationml/2006/main">
   <p:cSld>
     <p:spTree>
@@ -7678,7 +7828,7 @@
           <a:lstStyle/>
           <a:p>
             <a:r>
-              <a:rPr lang="en-US" altLang="zh-CN" dirty="0" smtClean="0"/>
+              <a:rPr lang="en-US" altLang="zh-CN" dirty="0"/>
               <a:t>Example</a:t>
             </a:r>
             <a:endParaRPr lang="zh-CN" altLang="en-US" dirty="0"/>
@@ -7717,7 +7867,7 @@
             </a:pPr>
             <a:fld id="{00000000-1234-1234-1234-123412341234}" type="slidenum">
               <a:rPr lang="en" smtClean="0"/>
-              <a:t>10</a:t>
+              <a:t>11</a:t>
             </a:fld>
             <a:endParaRPr lang="en"/>
           </a:p>
@@ -7808,7 +7958,7 @@
 </p:sld>
 </file>
 
-<file path=ppt/slides/slide11.xml><?xml version="1.0" encoding="utf-8"?>
+<file path=ppt/slides/slide12.xml><?xml version="1.0" encoding="utf-8"?>
 <p:sld xmlns:a="http://schemas.openxmlformats.org/drawingml/2006/main" xmlns:r="http://schemas.openxmlformats.org/officeDocument/2006/relationships" xmlns:p="http://schemas.openxmlformats.org/presentationml/2006/main">
   <p:cSld>
     <p:spTree>
@@ -7968,7 +8118,7 @@
             </a:pPr>
             <a:fld id="{00000000-1234-1234-1234-123412341234}" type="slidenum">
               <a:rPr lang="en" smtClean="0"/>
-              <a:t>11</a:t>
+              <a:t>12</a:t>
             </a:fld>
             <a:endParaRPr lang="en"/>
           </a:p>
@@ -7987,7 +8137,7 @@
 </p:sld>
 </file>
 
-<file path=ppt/slides/slide12.xml><?xml version="1.0" encoding="utf-8"?>
+<file path=ppt/slides/slide13.xml><?xml version="1.0" encoding="utf-8"?>
 <p:sld xmlns:a="http://schemas.openxmlformats.org/drawingml/2006/main" xmlns:r="http://schemas.openxmlformats.org/officeDocument/2006/relationships" xmlns:p="http://schemas.openxmlformats.org/presentationml/2006/main">
   <p:cSld>
     <p:spTree>
@@ -8145,7 +8295,7 @@
             </a:pPr>
             <a:fld id="{00000000-1234-1234-1234-123412341234}" type="slidenum">
               <a:rPr lang="en" smtClean="0"/>
-              <a:t>12</a:t>
+              <a:t>13</a:t>
             </a:fld>
             <a:endParaRPr lang="en"/>
           </a:p>
@@ -8316,7 +8466,7 @@
 </p:sld>
 </file>
 
-<file path=ppt/slides/slide13.xml><?xml version="1.0" encoding="utf-8"?>
+<file path=ppt/slides/slide14.xml><?xml version="1.0" encoding="utf-8"?>
 <p:sld xmlns:a="http://schemas.openxmlformats.org/drawingml/2006/main" xmlns:r="http://schemas.openxmlformats.org/officeDocument/2006/relationships" xmlns:p="http://schemas.openxmlformats.org/presentationml/2006/main">
   <p:cSld>
     <p:spTree>
@@ -8403,7 +8553,7 @@
             </a:pPr>
             <a:fld id="{00000000-1234-1234-1234-123412341234}" type="slidenum">
               <a:rPr lang="en" smtClean="0"/>
-              <a:t>13</a:t>
+              <a:t>14</a:t>
             </a:fld>
             <a:endParaRPr lang="en"/>
           </a:p>
@@ -8519,7 +8669,7 @@
 </p:sld>
 </file>
 
-<file path=ppt/slides/slide14.xml><?xml version="1.0" encoding="utf-8"?>
+<file path=ppt/slides/slide15.xml><?xml version="1.0" encoding="utf-8"?>
 <p:sld xmlns:a="http://schemas.openxmlformats.org/drawingml/2006/main" xmlns:r="http://schemas.openxmlformats.org/officeDocument/2006/relationships" xmlns:p="http://schemas.openxmlformats.org/presentationml/2006/main">
   <p:cSld>
     <p:spTree>
@@ -8597,7 +8747,7 @@
             </a:pPr>
             <a:fld id="{00000000-1234-1234-1234-123412341234}" type="slidenum">
               <a:rPr lang="en" smtClean="0"/>
-              <a:t>14</a:t>
+              <a:t>15</a:t>
             </a:fld>
             <a:endParaRPr lang="en"/>
           </a:p>
@@ -8734,7 +8884,7 @@
 </p:sld>
 </file>
 
-<file path=ppt/slides/slide15.xml><?xml version="1.0" encoding="utf-8"?>
+<file path=ppt/slides/slide16.xml><?xml version="1.0" encoding="utf-8"?>
 <p:sld xmlns:a="http://schemas.openxmlformats.org/drawingml/2006/main" xmlns:r="http://schemas.openxmlformats.org/officeDocument/2006/relationships" xmlns:p="http://schemas.openxmlformats.org/presentationml/2006/main">
   <p:cSld>
     <p:spTree>
@@ -8877,7 +9027,7 @@
             </a:pPr>
             <a:fld id="{00000000-1234-1234-1234-123412341234}" type="slidenum">
               <a:rPr lang="en" smtClean="0"/>
-              <a:t>15</a:t>
+              <a:t>16</a:t>
             </a:fld>
             <a:endParaRPr lang="en"/>
           </a:p>
@@ -8968,7 +9118,7 @@
 </p:sld>
 </file>
 
-<file path=ppt/slides/slide16.xml><?xml version="1.0" encoding="utf-8"?>
+<file path=ppt/slides/slide17.xml><?xml version="1.0" encoding="utf-8"?>
 <p:sld xmlns:a="http://schemas.openxmlformats.org/drawingml/2006/main" xmlns:r="http://schemas.openxmlformats.org/officeDocument/2006/relationships" xmlns:p="http://schemas.openxmlformats.org/presentationml/2006/main">
   <p:cSld>
     <p:spTree>
@@ -9123,7 +9273,7 @@
             </a:pPr>
             <a:fld id="{00000000-1234-1234-1234-123412341234}" type="slidenum">
               <a:rPr lang="en" smtClean="0"/>
-              <a:t>16</a:t>
+              <a:t>17</a:t>
             </a:fld>
             <a:endParaRPr lang="en"/>
           </a:p>
@@ -9214,7 +9364,7 @@
 </p:sld>
 </file>
 
-<file path=ppt/slides/slide17.xml><?xml version="1.0" encoding="utf-8"?>
+<file path=ppt/slides/slide18.xml><?xml version="1.0" encoding="utf-8"?>
 <p:sld xmlns:a="http://schemas.openxmlformats.org/drawingml/2006/main" xmlns:r="http://schemas.openxmlformats.org/officeDocument/2006/relationships" xmlns:p="http://schemas.openxmlformats.org/presentationml/2006/main">
   <p:cSld>
     <p:spTree>
@@ -9397,7 +9547,7 @@
             </a:pPr>
             <a:fld id="{00000000-1234-1234-1234-123412341234}" type="slidenum">
               <a:rPr lang="en" smtClean="0"/>
-              <a:t>17</a:t>
+              <a:t>18</a:t>
             </a:fld>
             <a:endParaRPr lang="en"/>
           </a:p>
@@ -9412,7 +9562,7 @@
           <p:nvPr/>
         </p:nvPicPr>
         <p:blipFill>
-          <a:blip r:embed="rId3"/>
+          <a:blip r:embed="rId2"/>
           <a:stretch>
             <a:fillRect/>
           </a:stretch>
@@ -9436,7 +9586,7 @@
           <p:nvPr/>
         </p:nvPicPr>
         <p:blipFill>
-          <a:blip r:embed="rId4"/>
+          <a:blip r:embed="rId3"/>
           <a:stretch>
             <a:fillRect/>
           </a:stretch>
@@ -9460,7 +9610,7 @@
           <p:nvPr/>
         </p:nvPicPr>
         <p:blipFill>
-          <a:blip r:embed="rId5"/>
+          <a:blip r:embed="rId4"/>
           <a:stretch>
             <a:fillRect/>
           </a:stretch>
@@ -9515,18 +9665,17 @@
           <a:p>
             <a:pPr algn="ctr"/>
             <a:r>
-              <a:rPr lang="en-US" dirty="0" smtClean="0"/>
+              <a:rPr lang="en-US" dirty="0"/>
               <a:t>SENDER is waiting for </a:t>
             </a:r>
             <a:r>
-              <a:rPr lang="en-US" dirty="0" err="1" smtClean="0"/>
+              <a:rPr lang="en-US" dirty="0" err="1"/>
               <a:t>getack</a:t>
             </a:r>
             <a:r>
-              <a:rPr lang="en-US" dirty="0" smtClean="0"/>
+              <a:rPr lang="en-US" dirty="0"/>
               <a:t>; RECEIVER is waiting for rec; ACTUAL_CH is waiting for send!</a:t>
             </a:r>
-            <a:endParaRPr lang="en-US" dirty="0"/>
           </a:p>
         </p:txBody>
       </p:sp>
@@ -9543,7 +9692,7 @@
 </p:sld>
 </file>
 
-<file path=ppt/slides/slide18.xml><?xml version="1.0" encoding="utf-8"?>
+<file path=ppt/slides/slide19.xml><?xml version="1.0" encoding="utf-8"?>
 <p:sld xmlns:a="http://schemas.openxmlformats.org/drawingml/2006/main" xmlns:r="http://schemas.openxmlformats.org/officeDocument/2006/relationships" xmlns:p="http://schemas.openxmlformats.org/presentationml/2006/main">
   <p:cSld>
     <p:spTree>
@@ -9621,7 +9770,7 @@
             </a:pPr>
             <a:fld id="{00000000-1234-1234-1234-123412341234}" type="slidenum">
               <a:rPr lang="en" smtClean="0"/>
-              <a:t>18</a:t>
+              <a:t>19</a:t>
             </a:fld>
             <a:endParaRPr lang="en"/>
           </a:p>
@@ -9758,7 +9907,169 @@
 </p:sld>
 </file>
 
-<file path=ppt/slides/slide19.xml><?xml version="1.0" encoding="utf-8"?>
+<file path=ppt/slides/slide2.xml><?xml version="1.0" encoding="utf-8"?>
+<p:sld xmlns:a="http://schemas.openxmlformats.org/drawingml/2006/main" xmlns:r="http://schemas.openxmlformats.org/officeDocument/2006/relationships" xmlns:p="http://schemas.openxmlformats.org/presentationml/2006/main">
+  <p:cSld>
+    <p:spTree>
+      <p:nvGrpSpPr>
+        <p:cNvPr id="1" name=""/>
+        <p:cNvGrpSpPr/>
+        <p:nvPr/>
+      </p:nvGrpSpPr>
+      <p:grpSpPr>
+        <a:xfrm>
+          <a:off x="0" y="0"/>
+          <a:ext cx="0" cy="0"/>
+          <a:chOff x="0" y="0"/>
+          <a:chExt cx="0" cy="0"/>
+        </a:xfrm>
+      </p:grpSpPr>
+      <p:sp>
+        <p:nvSpPr>
+          <p:cNvPr id="2" name="Title 1"/>
+          <p:cNvSpPr>
+            <a:spLocks noGrp="1"/>
+          </p:cNvSpPr>
+          <p:nvPr>
+            <p:ph type="title"/>
+          </p:nvPr>
+        </p:nvSpPr>
+        <p:spPr/>
+        <p:txBody>
+          <a:bodyPr/>
+          <a:lstStyle/>
+          <a:p>
+            <a:r>
+              <a:rPr lang="en-US" dirty="0"/>
+              <a:t>What is Robustness?</a:t>
+            </a:r>
+          </a:p>
+        </p:txBody>
+      </p:sp>
+      <p:sp>
+        <p:nvSpPr>
+          <p:cNvPr id="3" name="Text Placeholder 2"/>
+          <p:cNvSpPr>
+            <a:spLocks noGrp="1"/>
+          </p:cNvSpPr>
+          <p:nvPr>
+            <p:ph type="body" idx="1"/>
+          </p:nvPr>
+        </p:nvSpPr>
+        <p:spPr/>
+        <p:txBody>
+          <a:bodyPr/>
+          <a:lstStyle/>
+          <a:p>
+            <a:pPr>
+              <a:spcBef>
+                <a:spcPts val="800"/>
+              </a:spcBef>
+              <a:spcAft>
+                <a:spcPts val="800"/>
+              </a:spcAft>
+            </a:pPr>
+            <a:r>
+              <a:rPr lang="en-US" dirty="0"/>
+              <a:t>In general, </a:t>
+            </a:r>
+            <a:r>
+              <a:rPr lang="en-US" b="1" i="1" dirty="0"/>
+              <a:t>robustness</a:t>
+            </a:r>
+            <a:r>
+              <a:rPr lang="en-US" dirty="0"/>
+              <a:t> is the capability of a system to deal with </a:t>
+            </a:r>
+            <a:r>
+              <a:rPr lang="en-US" i="1" dirty="0"/>
+              <a:t>uncertainty.</a:t>
+            </a:r>
+            <a:endParaRPr lang="en-US" dirty="0"/>
+          </a:p>
+          <a:p>
+            <a:pPr>
+              <a:spcBef>
+                <a:spcPts val="800"/>
+              </a:spcBef>
+              <a:spcAft>
+                <a:spcPts val="800"/>
+              </a:spcAft>
+            </a:pPr>
+            <a:r>
+              <a:rPr lang="en-US" b="1" i="1" dirty="0"/>
+              <a:t>Uncertainty</a:t>
+            </a:r>
+            <a:r>
+              <a:rPr lang="en-US" i="1" dirty="0"/>
+              <a:t> </a:t>
+            </a:r>
+            <a:r>
+              <a:rPr lang="en-US" dirty="0"/>
+              <a:t>refers to the differences or errors between models and reality, and whatever mechanism is used to express these errors will be called a</a:t>
+            </a:r>
+            <a:r>
+              <a:rPr lang="en-US" i="1" dirty="0"/>
+              <a:t> representation of uncertainty.</a:t>
+            </a:r>
+            <a:r>
+              <a:rPr lang="en-US" dirty="0"/>
+              <a:t> </a:t>
+            </a:r>
+            <a:r>
+              <a:rPr lang="en-US" sz="1400" dirty="0"/>
+              <a:t>[Essential of Robust Control]</a:t>
+            </a:r>
+            <a:endParaRPr lang="en-US" sz="1400" i="1" dirty="0"/>
+          </a:p>
+        </p:txBody>
+      </p:sp>
+      <p:sp>
+        <p:nvSpPr>
+          <p:cNvPr id="4" name="Slide Number Placeholder 3"/>
+          <p:cNvSpPr>
+            <a:spLocks noGrp="1"/>
+          </p:cNvSpPr>
+          <p:nvPr>
+            <p:ph type="sldNum" idx="12"/>
+          </p:nvPr>
+        </p:nvSpPr>
+        <p:spPr/>
+        <p:txBody>
+          <a:bodyPr/>
+          <a:lstStyle/>
+          <a:p>
+            <a:pPr marL="0" lvl="0" indent="0" algn="r" rtl="0">
+              <a:spcBef>
+                <a:spcPts val="0"/>
+              </a:spcBef>
+              <a:spcAft>
+                <a:spcPts val="0"/>
+              </a:spcAft>
+              <a:buNone/>
+            </a:pPr>
+            <a:fld id="{00000000-1234-1234-1234-123412341234}" type="slidenum">
+              <a:rPr lang="en" smtClean="0"/>
+              <a:t>2</a:t>
+            </a:fld>
+            <a:endParaRPr lang="en"/>
+          </a:p>
+        </p:txBody>
+      </p:sp>
+    </p:spTree>
+    <p:extLst>
+      <p:ext uri="{BB962C8B-B14F-4D97-AF65-F5344CB8AC3E}">
+        <p14:creationId xmlns:p14="http://schemas.microsoft.com/office/powerpoint/2010/main" val="2793319361"/>
+      </p:ext>
+    </p:extLst>
+  </p:cSld>
+  <p:clrMapOvr>
+    <a:masterClrMapping/>
+  </p:clrMapOvr>
+</p:sld>
+</file>
+
+<file path=ppt/slides/slide20.xml><?xml version="1.0" encoding="utf-8"?>
 <p:sld xmlns:a="http://schemas.openxmlformats.org/drawingml/2006/main" xmlns:r="http://schemas.openxmlformats.org/officeDocument/2006/relationships" xmlns:p="http://schemas.openxmlformats.org/presentationml/2006/main">
   <p:cSld>
     <p:spTree>
@@ -9901,7 +10212,7 @@
             </a:pPr>
             <a:fld id="{00000000-1234-1234-1234-123412341234}" type="slidenum">
               <a:rPr lang="en" smtClean="0"/>
-              <a:t>19</a:t>
+              <a:t>20</a:t>
             </a:fld>
             <a:endParaRPr lang="en"/>
           </a:p>
@@ -10016,153 +10327,7 @@
 </p:sld>
 </file>
 
-<file path=ppt/slides/slide2.xml><?xml version="1.0" encoding="utf-8"?>
-<p:sld xmlns:a="http://schemas.openxmlformats.org/drawingml/2006/main" xmlns:r="http://schemas.openxmlformats.org/officeDocument/2006/relationships" xmlns:p="http://schemas.openxmlformats.org/presentationml/2006/main">
-  <p:cSld>
-    <p:spTree>
-      <p:nvGrpSpPr>
-        <p:cNvPr id="1" name=""/>
-        <p:cNvGrpSpPr/>
-        <p:nvPr/>
-      </p:nvGrpSpPr>
-      <p:grpSpPr>
-        <a:xfrm>
-          <a:off x="0" y="0"/>
-          <a:ext cx="0" cy="0"/>
-          <a:chOff x="0" y="0"/>
-          <a:chExt cx="0" cy="0"/>
-        </a:xfrm>
-      </p:grpSpPr>
-      <p:sp>
-        <p:nvSpPr>
-          <p:cNvPr id="2" name="Title 1">
-            <a:extLst>
-              <a:ext uri="{FF2B5EF4-FFF2-40B4-BE49-F238E27FC236}">
-                <a16:creationId xmlns:a16="http://schemas.microsoft.com/office/drawing/2014/main" id="{002A871F-18A2-4401-B6B9-077086628C4E}"/>
-              </a:ext>
-            </a:extLst>
-          </p:cNvPr>
-          <p:cNvSpPr>
-            <a:spLocks noGrp="1"/>
-          </p:cNvSpPr>
-          <p:nvPr>
-            <p:ph type="title"/>
-          </p:nvPr>
-        </p:nvSpPr>
-        <p:spPr/>
-        <p:txBody>
-          <a:bodyPr/>
-          <a:lstStyle/>
-          <a:p>
-            <a:r>
-              <a:rPr lang="en-US" altLang="zh-CN" dirty="0"/>
-              <a:t>Agenda</a:t>
-            </a:r>
-            <a:endParaRPr lang="zh-CN" altLang="en-US" dirty="0"/>
-          </a:p>
-        </p:txBody>
-      </p:sp>
-      <p:sp>
-        <p:nvSpPr>
-          <p:cNvPr id="3" name="Text Placeholder 2">
-            <a:extLst>
-              <a:ext uri="{FF2B5EF4-FFF2-40B4-BE49-F238E27FC236}">
-                <a16:creationId xmlns:a16="http://schemas.microsoft.com/office/drawing/2014/main" id="{8D97EDBA-6795-4FFA-BF7E-762491D0EB39}"/>
-              </a:ext>
-            </a:extLst>
-          </p:cNvPr>
-          <p:cNvSpPr>
-            <a:spLocks noGrp="1"/>
-          </p:cNvSpPr>
-          <p:nvPr>
-            <p:ph type="body" idx="1"/>
-          </p:nvPr>
-        </p:nvSpPr>
-        <p:spPr/>
-        <p:txBody>
-          <a:bodyPr/>
-          <a:lstStyle/>
-          <a:p>
-            <a:r>
-              <a:rPr lang="en-US" altLang="zh-CN" dirty="0"/>
-              <a:t>Research Problem</a:t>
-            </a:r>
-          </a:p>
-          <a:p>
-            <a:r>
-              <a:rPr lang="en-US" altLang="zh-CN" dirty="0"/>
-              <a:t>Motivation Example &amp; Overview</a:t>
-            </a:r>
-          </a:p>
-          <a:p>
-            <a:r>
-              <a:rPr lang="en-US" altLang="zh-CN" dirty="0"/>
-              <a:t>Approach In Details</a:t>
-            </a:r>
-          </a:p>
-          <a:p>
-            <a:r>
-              <a:rPr lang="en-US" altLang="zh-CN" dirty="0"/>
-              <a:t>Discussion</a:t>
-            </a:r>
-          </a:p>
-          <a:p>
-            <a:endParaRPr lang="zh-CN" altLang="en-US" dirty="0"/>
-          </a:p>
-        </p:txBody>
-      </p:sp>
-      <p:sp>
-        <p:nvSpPr>
-          <p:cNvPr id="4" name="Slide Number Placeholder 3">
-            <a:extLst>
-              <a:ext uri="{FF2B5EF4-FFF2-40B4-BE49-F238E27FC236}">
-                <a16:creationId xmlns:a16="http://schemas.microsoft.com/office/drawing/2014/main" id="{6B4CE1E3-8D12-4A2F-87D4-6395F5C91DDC}"/>
-              </a:ext>
-            </a:extLst>
-          </p:cNvPr>
-          <p:cNvSpPr>
-            <a:spLocks noGrp="1"/>
-          </p:cNvSpPr>
-          <p:nvPr>
-            <p:ph type="sldNum" idx="12"/>
-          </p:nvPr>
-        </p:nvSpPr>
-        <p:spPr/>
-        <p:txBody>
-          <a:bodyPr/>
-          <a:lstStyle/>
-          <a:p>
-            <a:pPr marL="0" lvl="0" indent="0" algn="r" rtl="0">
-              <a:spcBef>
-                <a:spcPts val="0"/>
-              </a:spcBef>
-              <a:spcAft>
-                <a:spcPts val="0"/>
-              </a:spcAft>
-              <a:buNone/>
-            </a:pPr>
-            <a:fld id="{00000000-1234-1234-1234-123412341234}" type="slidenum">
-              <a:rPr lang="en" smtClean="0"/>
-              <a:t>2</a:t>
-            </a:fld>
-            <a:endParaRPr lang="en"/>
-          </a:p>
-        </p:txBody>
-      </p:sp>
-    </p:spTree>
-    <p:extLst>
-      <p:ext uri="{BB962C8B-B14F-4D97-AF65-F5344CB8AC3E}">
-        <p14:creationId xmlns:p14="http://schemas.microsoft.com/office/powerpoint/2010/main" val="3292415568"/>
-      </p:ext>
-    </p:extLst>
-  </p:cSld>
-  <p:clrMapOvr>
-    <a:masterClrMapping/>
-  </p:clrMapOvr>
-</p:sld>
-</file>
-
-<file path=ppt/slides/slide20.xml><?xml version="1.0" encoding="utf-8"?>
+<file path=ppt/slides/slide21.xml><?xml version="1.0" encoding="utf-8"?>
 <p:sld xmlns:a="http://schemas.openxmlformats.org/drawingml/2006/main" xmlns:r="http://schemas.openxmlformats.org/officeDocument/2006/relationships" xmlns:p="http://schemas.openxmlformats.org/presentationml/2006/main">
   <p:cSld>
     <p:spTree>
@@ -10317,7 +10482,7 @@
             </a:pPr>
             <a:fld id="{00000000-1234-1234-1234-123412341234}" type="slidenum">
               <a:rPr lang="en" smtClean="0"/>
-              <a:t>20</a:t>
+              <a:t>21</a:t>
             </a:fld>
             <a:endParaRPr lang="en"/>
           </a:p>
@@ -10432,7 +10597,7 @@
 </p:sld>
 </file>
 
-<file path=ppt/slides/slide21.xml><?xml version="1.0" encoding="utf-8"?>
+<file path=ppt/slides/slide22.xml><?xml version="1.0" encoding="utf-8"?>
 <p:sld xmlns:a="http://schemas.openxmlformats.org/drawingml/2006/main" xmlns:r="http://schemas.openxmlformats.org/officeDocument/2006/relationships" xmlns:p="http://schemas.openxmlformats.org/presentationml/2006/main">
   <p:cSld>
     <p:spTree>
@@ -10599,7 +10764,7 @@
             </a:pPr>
             <a:fld id="{00000000-1234-1234-1234-123412341234}" type="slidenum">
               <a:rPr lang="en" smtClean="0"/>
-              <a:t>21</a:t>
+              <a:t>22</a:t>
             </a:fld>
             <a:endParaRPr lang="en"/>
           </a:p>
@@ -10714,7 +10879,7 @@
 </p:sld>
 </file>
 
-<file path=ppt/slides/slide22.xml><?xml version="1.0" encoding="utf-8"?>
+<file path=ppt/slides/slide23.xml><?xml version="1.0" encoding="utf-8"?>
 <p:sld xmlns:a="http://schemas.openxmlformats.org/drawingml/2006/main" xmlns:r="http://schemas.openxmlformats.org/officeDocument/2006/relationships" xmlns:p="http://schemas.openxmlformats.org/presentationml/2006/main">
   <p:cSld>
     <p:spTree>
@@ -10909,7 +11074,7 @@
             </a:pPr>
             <a:fld id="{00000000-1234-1234-1234-123412341234}" type="slidenum">
               <a:rPr lang="en" smtClean="0"/>
-              <a:t>22</a:t>
+              <a:t>23</a:t>
             </a:fld>
             <a:endParaRPr lang="en"/>
           </a:p>
@@ -11051,10 +11216,9 @@
           <a:p>
             <a:pPr algn="ctr"/>
             <a:r>
-              <a:rPr lang="en-US" dirty="0" smtClean="0"/>
+              <a:rPr lang="en-US" dirty="0"/>
               <a:t>&lt;input, input&gt; in P results in entering the error state!</a:t>
             </a:r>
-            <a:endParaRPr lang="en-US" dirty="0"/>
           </a:p>
         </p:txBody>
       </p:sp>
@@ -11071,7 +11235,7 @@
 </p:sld>
 </file>
 
-<file path=ppt/slides/slide23.xml><?xml version="1.0" encoding="utf-8"?>
+<file path=ppt/slides/slide24.xml><?xml version="1.0" encoding="utf-8"?>
 <p:sld xmlns:a="http://schemas.openxmlformats.org/drawingml/2006/main" xmlns:r="http://schemas.openxmlformats.org/officeDocument/2006/relationships" xmlns:p="http://schemas.openxmlformats.org/presentationml/2006/main">
   <p:cSld>
     <p:spTree>
@@ -11175,15 +11339,7 @@
                 </a:r>
                 <a:r>
                   <a:rPr lang="en-US" altLang="zh-CN" sz="1600" dirty="0"/>
-                  <a:t> is the additional unexpected behavior in the actual environment (not in the </a:t>
-                </a:r>
-                <a:r>
-                  <a:rPr lang="en-US" altLang="zh-CN" sz="1600" dirty="0" smtClean="0"/>
-                  <a:t>assumed) </a:t>
-                </a:r>
-                <a:r>
-                  <a:rPr lang="en-US" altLang="zh-CN" sz="1600" dirty="0"/>
-                  <a:t>in the form of nondeterminism.</a:t>
+                  <a:t> is the additional unexpected behavior in the actual environment (not in the assumed) in the form of nondeterminism.</a:t>
                 </a:r>
               </a:p>
               <a:p>
@@ -11396,7 +11552,7 @@
             </a:pPr>
             <a:fld id="{00000000-1234-1234-1234-123412341234}" type="slidenum">
               <a:rPr lang="en" smtClean="0"/>
-              <a:t>23</a:t>
+              <a:t>24</a:t>
             </a:fld>
             <a:endParaRPr lang="en"/>
           </a:p>
@@ -11546,7 +11702,7 @@
 </p:sld>
 </file>
 
-<file path=ppt/slides/slide24.xml><?xml version="1.0" encoding="utf-8"?>
+<file path=ppt/slides/slide25.xml><?xml version="1.0" encoding="utf-8"?>
 <p:sld xmlns:a="http://schemas.openxmlformats.org/drawingml/2006/main" xmlns:r="http://schemas.openxmlformats.org/officeDocument/2006/relationships" xmlns:p="http://schemas.openxmlformats.org/presentationml/2006/main">
   <p:cSld>
     <p:spTree>
@@ -11678,7 +11834,7 @@
             </a:pPr>
             <a:fld id="{00000000-1234-1234-1234-123412341234}" type="slidenum">
               <a:rPr lang="en" smtClean="0"/>
-              <a:t>24</a:t>
+              <a:t>25</a:t>
             </a:fld>
             <a:endParaRPr lang="en"/>
           </a:p>
@@ -11727,7 +11883,7 @@
 </p:sld>
 </file>
 
-<file path=ppt/slides/slide25.xml><?xml version="1.0" encoding="utf-8"?>
+<file path=ppt/slides/slide26.xml><?xml version="1.0" encoding="utf-8"?>
 <p:sld xmlns:a="http://schemas.openxmlformats.org/drawingml/2006/main" xmlns:r="http://schemas.openxmlformats.org/officeDocument/2006/relationships" xmlns:p="http://schemas.openxmlformats.org/presentationml/2006/main">
   <p:cSld>
     <p:spTree>
@@ -12135,7 +12291,7 @@
             </a:pPr>
             <a:fld id="{00000000-1234-1234-1234-123412341234}" type="slidenum">
               <a:rPr lang="en" smtClean="0"/>
-              <a:t>25</a:t>
+              <a:t>26</a:t>
             </a:fld>
             <a:endParaRPr lang="en"/>
           </a:p>
@@ -12208,7 +12364,7 @@
 </p:sld>
 </file>
 
-<file path=ppt/slides/slide26.xml><?xml version="1.0" encoding="utf-8"?>
+<file path=ppt/slides/slide27.xml><?xml version="1.0" encoding="utf-8"?>
 <p:sld xmlns:a="http://schemas.openxmlformats.org/drawingml/2006/main" xmlns:r="http://schemas.openxmlformats.org/officeDocument/2006/relationships" xmlns:p="http://schemas.openxmlformats.org/presentationml/2006/main">
   <p:cSld>
     <p:spTree>
@@ -12996,7 +13152,7 @@
             </a:pPr>
             <a:fld id="{00000000-1234-1234-1234-123412341234}" type="slidenum">
               <a:rPr lang="en" smtClean="0"/>
-              <a:t>26</a:t>
+              <a:t>27</a:t>
             </a:fld>
             <a:endParaRPr lang="en"/>
           </a:p>
@@ -13468,7 +13624,7 @@
 </p:sld>
 </file>
 
-<file path=ppt/slides/slide27.xml><?xml version="1.0" encoding="utf-8"?>
+<file path=ppt/slides/slide28.xml><?xml version="1.0" encoding="utf-8"?>
 <p:sld xmlns:a="http://schemas.openxmlformats.org/drawingml/2006/main" xmlns:r="http://schemas.openxmlformats.org/officeDocument/2006/relationships" xmlns:p="http://schemas.openxmlformats.org/presentationml/2006/main">
   <p:cSld>
     <p:spTree>
@@ -13785,7 +13941,7 @@
             </a:pPr>
             <a:fld id="{00000000-1234-1234-1234-123412341234}" type="slidenum">
               <a:rPr lang="en" smtClean="0"/>
-              <a:t>27</a:t>
+              <a:t>28</a:t>
             </a:fld>
             <a:endParaRPr lang="en"/>
           </a:p>
@@ -13910,90 +14066,6 @@
 </p:sld>
 </file>
 
-<file path=ppt/slides/slide28.xml><?xml version="1.0" encoding="utf-8"?>
-<p:sld xmlns:a="http://schemas.openxmlformats.org/drawingml/2006/main" xmlns:r="http://schemas.openxmlformats.org/officeDocument/2006/relationships" xmlns:p="http://schemas.openxmlformats.org/presentationml/2006/main">
-  <p:cSld>
-    <p:spTree>
-      <p:nvGrpSpPr>
-        <p:cNvPr id="1" name=""/>
-        <p:cNvGrpSpPr/>
-        <p:nvPr/>
-      </p:nvGrpSpPr>
-      <p:grpSpPr>
-        <a:xfrm>
-          <a:off x="0" y="0"/>
-          <a:ext cx="0" cy="0"/>
-          <a:chOff x="0" y="0"/>
-          <a:chExt cx="0" cy="0"/>
-        </a:xfrm>
-      </p:grpSpPr>
-      <p:sp>
-        <p:nvSpPr>
-          <p:cNvPr id="2" name="Title 1"/>
-          <p:cNvSpPr>
-            <a:spLocks noGrp="1"/>
-          </p:cNvSpPr>
-          <p:nvPr>
-            <p:ph type="title"/>
-          </p:nvPr>
-        </p:nvSpPr>
-        <p:spPr/>
-        <p:txBody>
-          <a:bodyPr/>
-          <a:lstStyle/>
-          <a:p>
-            <a:r>
-              <a:rPr lang="en-US" altLang="zh-CN" dirty="0"/>
-              <a:t>Approach In Details</a:t>
-            </a:r>
-          </a:p>
-        </p:txBody>
-      </p:sp>
-      <p:sp>
-        <p:nvSpPr>
-          <p:cNvPr id="3" name="Slide Number Placeholder 2"/>
-          <p:cNvSpPr>
-            <a:spLocks noGrp="1"/>
-          </p:cNvSpPr>
-          <p:nvPr>
-            <p:ph type="sldNum" idx="12"/>
-          </p:nvPr>
-        </p:nvSpPr>
-        <p:spPr/>
-        <p:txBody>
-          <a:bodyPr/>
-          <a:lstStyle/>
-          <a:p>
-            <a:pPr marL="0" lvl="0" indent="0" algn="r" rtl="0">
-              <a:spcBef>
-                <a:spcPts val="0"/>
-              </a:spcBef>
-              <a:spcAft>
-                <a:spcPts val="0"/>
-              </a:spcAft>
-              <a:buNone/>
-            </a:pPr>
-            <a:fld id="{00000000-1234-1234-1234-123412341234}" type="slidenum">
-              <a:rPr lang="en" smtClean="0"/>
-              <a:t>28</a:t>
-            </a:fld>
-            <a:endParaRPr lang="en"/>
-          </a:p>
-        </p:txBody>
-      </p:sp>
-    </p:spTree>
-    <p:extLst>
-      <p:ext uri="{BB962C8B-B14F-4D97-AF65-F5344CB8AC3E}">
-        <p14:creationId xmlns:p14="http://schemas.microsoft.com/office/powerpoint/2010/main" val="4204826713"/>
-      </p:ext>
-    </p:extLst>
-  </p:cSld>
-  <p:clrMapOvr>
-    <a:masterClrMapping/>
-  </p:clrMapOvr>
-</p:sld>
-</file>
-
 <file path=ppt/slides/slide29.xml><?xml version="1.0" encoding="utf-8"?>
 <p:sld xmlns:a="http://schemas.openxmlformats.org/drawingml/2006/main" xmlns:r="http://schemas.openxmlformats.org/officeDocument/2006/relationships" xmlns:p="http://schemas.openxmlformats.org/presentationml/2006/main">
   <p:cSld>
@@ -14027,6 +14099,263 @@
           <a:lstStyle/>
           <a:p>
             <a:r>
+              <a:rPr lang="en-US" altLang="zh-CN" dirty="0"/>
+              <a:t>Approach In Details</a:t>
+            </a:r>
+          </a:p>
+        </p:txBody>
+      </p:sp>
+      <p:sp>
+        <p:nvSpPr>
+          <p:cNvPr id="3" name="Slide Number Placeholder 2"/>
+          <p:cNvSpPr>
+            <a:spLocks noGrp="1"/>
+          </p:cNvSpPr>
+          <p:nvPr>
+            <p:ph type="sldNum" idx="12"/>
+          </p:nvPr>
+        </p:nvSpPr>
+        <p:spPr/>
+        <p:txBody>
+          <a:bodyPr/>
+          <a:lstStyle/>
+          <a:p>
+            <a:pPr marL="0" lvl="0" indent="0" algn="r" rtl="0">
+              <a:spcBef>
+                <a:spcPts val="0"/>
+              </a:spcBef>
+              <a:spcAft>
+                <a:spcPts val="0"/>
+              </a:spcAft>
+              <a:buNone/>
+            </a:pPr>
+            <a:fld id="{00000000-1234-1234-1234-123412341234}" type="slidenum">
+              <a:rPr lang="en" smtClean="0"/>
+              <a:t>29</a:t>
+            </a:fld>
+            <a:endParaRPr lang="en"/>
+          </a:p>
+        </p:txBody>
+      </p:sp>
+    </p:spTree>
+    <p:extLst>
+      <p:ext uri="{BB962C8B-B14F-4D97-AF65-F5344CB8AC3E}">
+        <p14:creationId xmlns:p14="http://schemas.microsoft.com/office/powerpoint/2010/main" val="4204826713"/>
+      </p:ext>
+    </p:extLst>
+  </p:cSld>
+  <p:clrMapOvr>
+    <a:masterClrMapping/>
+  </p:clrMapOvr>
+</p:sld>
+</file>
+
+<file path=ppt/slides/slide3.xml><?xml version="1.0" encoding="utf-8"?>
+<p:sld xmlns:a="http://schemas.openxmlformats.org/drawingml/2006/main" xmlns:r="http://schemas.openxmlformats.org/officeDocument/2006/relationships" xmlns:p="http://schemas.openxmlformats.org/presentationml/2006/main">
+  <p:cSld>
+    <p:spTree>
+      <p:nvGrpSpPr>
+        <p:cNvPr id="1" name=""/>
+        <p:cNvGrpSpPr/>
+        <p:nvPr/>
+      </p:nvGrpSpPr>
+      <p:grpSpPr>
+        <a:xfrm>
+          <a:off x="0" y="0"/>
+          <a:ext cx="0" cy="0"/>
+          <a:chOff x="0" y="0"/>
+          <a:chExt cx="0" cy="0"/>
+        </a:xfrm>
+      </p:grpSpPr>
+      <p:sp>
+        <p:nvSpPr>
+          <p:cNvPr id="2" name="Title 1"/>
+          <p:cNvSpPr>
+            <a:spLocks noGrp="1"/>
+          </p:cNvSpPr>
+          <p:nvPr>
+            <p:ph type="title"/>
+          </p:nvPr>
+        </p:nvSpPr>
+        <p:spPr/>
+        <p:txBody>
+          <a:bodyPr/>
+          <a:lstStyle/>
+          <a:p>
+            <a:r>
+              <a:rPr lang="en-US" dirty="0"/>
+              <a:t>What is Robustness?</a:t>
+            </a:r>
+          </a:p>
+        </p:txBody>
+      </p:sp>
+      <p:sp>
+        <p:nvSpPr>
+          <p:cNvPr id="3" name="Text Placeholder 2"/>
+          <p:cNvSpPr>
+            <a:spLocks noGrp="1"/>
+          </p:cNvSpPr>
+          <p:nvPr>
+            <p:ph type="body" idx="1"/>
+          </p:nvPr>
+        </p:nvSpPr>
+        <p:spPr/>
+        <p:txBody>
+          <a:bodyPr/>
+          <a:lstStyle/>
+          <a:p>
+            <a:pPr marL="114300" indent="0">
+              <a:buNone/>
+            </a:pPr>
+            <a:r>
+              <a:rPr lang="en-US" dirty="0"/>
+              <a:t>The term, </a:t>
+            </a:r>
+            <a:r>
+              <a:rPr lang="en-US" b="1" i="1" dirty="0"/>
+              <a:t>Robustness</a:t>
+            </a:r>
+            <a:r>
+              <a:rPr lang="en-US" dirty="0"/>
+              <a:t>, is used in many domains:</a:t>
+            </a:r>
+          </a:p>
+          <a:p>
+            <a:pPr>
+              <a:spcBef>
+                <a:spcPts val="600"/>
+              </a:spcBef>
+              <a:spcAft>
+                <a:spcPts val="600"/>
+              </a:spcAft>
+            </a:pPr>
+            <a:r>
+              <a:rPr lang="en-US" sz="1600" dirty="0"/>
+              <a:t>Robust statistics seek methods to deal with outliers in data samples (e.g., the distribution of data does not perfectly match to normal distribution).</a:t>
+            </a:r>
+          </a:p>
+          <a:p>
+            <a:pPr>
+              <a:spcBef>
+                <a:spcPts val="600"/>
+              </a:spcBef>
+              <a:spcAft>
+                <a:spcPts val="600"/>
+              </a:spcAft>
+            </a:pPr>
+            <a:r>
+              <a:rPr lang="en-US" sz="1600" dirty="0"/>
+              <a:t>Machine Learning seeks methods to guarantee the performance of a model (e.g., a classifier) against noise in data samples.</a:t>
+            </a:r>
+          </a:p>
+          <a:p>
+            <a:pPr>
+              <a:spcBef>
+                <a:spcPts val="600"/>
+              </a:spcBef>
+              <a:spcAft>
+                <a:spcPts val="600"/>
+              </a:spcAft>
+            </a:pPr>
+            <a:r>
+              <a:rPr lang="en-US" sz="1600" dirty="0"/>
+              <a:t>A distributed system should be robust to deal with failures of servers. Mitigation strategies often designed to address certain types of failures (e.g., fail-stop, fail-silent, or fail-arbitrary).</a:t>
+            </a:r>
+          </a:p>
+          <a:p>
+            <a:pPr>
+              <a:spcBef>
+                <a:spcPts val="600"/>
+              </a:spcBef>
+              <a:spcAft>
+                <a:spcPts val="600"/>
+              </a:spcAft>
+            </a:pPr>
+            <a:r>
+              <a:rPr lang="en-US" sz="1600" dirty="0"/>
+              <a:t>…</a:t>
+            </a:r>
+          </a:p>
+        </p:txBody>
+      </p:sp>
+      <p:sp>
+        <p:nvSpPr>
+          <p:cNvPr id="4" name="Slide Number Placeholder 3"/>
+          <p:cNvSpPr>
+            <a:spLocks noGrp="1"/>
+          </p:cNvSpPr>
+          <p:nvPr>
+            <p:ph type="sldNum" idx="12"/>
+          </p:nvPr>
+        </p:nvSpPr>
+        <p:spPr/>
+        <p:txBody>
+          <a:bodyPr/>
+          <a:lstStyle/>
+          <a:p>
+            <a:pPr marL="0" lvl="0" indent="0" algn="r" rtl="0">
+              <a:spcBef>
+                <a:spcPts val="0"/>
+              </a:spcBef>
+              <a:spcAft>
+                <a:spcPts val="0"/>
+              </a:spcAft>
+              <a:buNone/>
+            </a:pPr>
+            <a:fld id="{00000000-1234-1234-1234-123412341234}" type="slidenum">
+              <a:rPr lang="en" smtClean="0"/>
+              <a:t>3</a:t>
+            </a:fld>
+            <a:endParaRPr lang="en"/>
+          </a:p>
+        </p:txBody>
+      </p:sp>
+    </p:spTree>
+    <p:extLst>
+      <p:ext uri="{BB962C8B-B14F-4D97-AF65-F5344CB8AC3E}">
+        <p14:creationId xmlns:p14="http://schemas.microsoft.com/office/powerpoint/2010/main" val="3418065256"/>
+      </p:ext>
+    </p:extLst>
+  </p:cSld>
+  <p:clrMapOvr>
+    <a:masterClrMapping/>
+  </p:clrMapOvr>
+</p:sld>
+</file>
+
+<file path=ppt/slides/slide30.xml><?xml version="1.0" encoding="utf-8"?>
+<p:sld xmlns:a="http://schemas.openxmlformats.org/drawingml/2006/main" xmlns:r="http://schemas.openxmlformats.org/officeDocument/2006/relationships" xmlns:p="http://schemas.openxmlformats.org/presentationml/2006/main">
+  <p:cSld>
+    <p:spTree>
+      <p:nvGrpSpPr>
+        <p:cNvPr id="1" name=""/>
+        <p:cNvGrpSpPr/>
+        <p:nvPr/>
+      </p:nvGrpSpPr>
+      <p:grpSpPr>
+        <a:xfrm>
+          <a:off x="0" y="0"/>
+          <a:ext cx="0" cy="0"/>
+          <a:chOff x="0" y="0"/>
+          <a:chExt cx="0" cy="0"/>
+        </a:xfrm>
+      </p:grpSpPr>
+      <p:sp>
+        <p:nvSpPr>
+          <p:cNvPr id="2" name="Title 1"/>
+          <p:cNvSpPr>
+            <a:spLocks noGrp="1"/>
+          </p:cNvSpPr>
+          <p:nvPr>
+            <p:ph type="title"/>
+          </p:nvPr>
+        </p:nvSpPr>
+        <p:spPr/>
+        <p:txBody>
+          <a:bodyPr/>
+          <a:lstStyle/>
+          <a:p>
+            <a:r>
               <a:rPr lang="en-US" dirty="0"/>
               <a:t>Generating the Weakest Assumption</a:t>
             </a:r>
@@ -14094,7 +14423,7 @@
             </a:pPr>
             <a:fld id="{00000000-1234-1234-1234-123412341234}" type="slidenum">
               <a:rPr lang="en" smtClean="0"/>
-              <a:t>29</a:t>
+              <a:t>30</a:t>
             </a:fld>
             <a:endParaRPr lang="en"/>
           </a:p>
@@ -14342,7 +14671,7 @@
 </p:sld>
 </file>
 
-<file path=ppt/slides/slide3.xml><?xml version="1.0" encoding="utf-8"?>
+<file path=ppt/slides/slide31.xml><?xml version="1.0" encoding="utf-8"?>
 <p:sld xmlns:a="http://schemas.openxmlformats.org/drawingml/2006/main" xmlns:r="http://schemas.openxmlformats.org/officeDocument/2006/relationships" xmlns:p="http://schemas.openxmlformats.org/presentationml/2006/main">
   <p:cSld>
     <p:spTree>
@@ -14375,90 +14704,6 @@
           <a:lstStyle/>
           <a:p>
             <a:r>
-              <a:rPr lang="en-US" dirty="0"/>
-              <a:t>Research Problem</a:t>
-            </a:r>
-          </a:p>
-        </p:txBody>
-      </p:sp>
-      <p:sp>
-        <p:nvSpPr>
-          <p:cNvPr id="3" name="Slide Number Placeholder 2"/>
-          <p:cNvSpPr>
-            <a:spLocks noGrp="1"/>
-          </p:cNvSpPr>
-          <p:nvPr>
-            <p:ph type="sldNum" idx="12"/>
-          </p:nvPr>
-        </p:nvSpPr>
-        <p:spPr/>
-        <p:txBody>
-          <a:bodyPr/>
-          <a:lstStyle/>
-          <a:p>
-            <a:pPr marL="0" lvl="0" indent="0" algn="r" rtl="0">
-              <a:spcBef>
-                <a:spcPts val="0"/>
-              </a:spcBef>
-              <a:spcAft>
-                <a:spcPts val="0"/>
-              </a:spcAft>
-              <a:buNone/>
-            </a:pPr>
-            <a:fld id="{00000000-1234-1234-1234-123412341234}" type="slidenum">
-              <a:rPr lang="en" smtClean="0"/>
-              <a:t>3</a:t>
-            </a:fld>
-            <a:endParaRPr lang="en"/>
-          </a:p>
-        </p:txBody>
-      </p:sp>
-    </p:spTree>
-    <p:extLst>
-      <p:ext uri="{BB962C8B-B14F-4D97-AF65-F5344CB8AC3E}">
-        <p14:creationId xmlns:p14="http://schemas.microsoft.com/office/powerpoint/2010/main" val="4062075277"/>
-      </p:ext>
-    </p:extLst>
-  </p:cSld>
-  <p:clrMapOvr>
-    <a:masterClrMapping/>
-  </p:clrMapOvr>
-</p:sld>
-</file>
-
-<file path=ppt/slides/slide30.xml><?xml version="1.0" encoding="utf-8"?>
-<p:sld xmlns:a="http://schemas.openxmlformats.org/drawingml/2006/main" xmlns:r="http://schemas.openxmlformats.org/officeDocument/2006/relationships" xmlns:p="http://schemas.openxmlformats.org/presentationml/2006/main">
-  <p:cSld>
-    <p:spTree>
-      <p:nvGrpSpPr>
-        <p:cNvPr id="1" name=""/>
-        <p:cNvGrpSpPr/>
-        <p:nvPr/>
-      </p:nvGrpSpPr>
-      <p:grpSpPr>
-        <a:xfrm>
-          <a:off x="0" y="0"/>
-          <a:ext cx="0" cy="0"/>
-          <a:chOff x="0" y="0"/>
-          <a:chExt cx="0" cy="0"/>
-        </a:xfrm>
-      </p:grpSpPr>
-      <p:sp>
-        <p:nvSpPr>
-          <p:cNvPr id="2" name="Title 1"/>
-          <p:cNvSpPr>
-            <a:spLocks noGrp="1"/>
-          </p:cNvSpPr>
-          <p:nvPr>
-            <p:ph type="title"/>
-          </p:nvPr>
-        </p:nvSpPr>
-        <p:spPr/>
-        <p:txBody>
-          <a:bodyPr/>
-          <a:lstStyle/>
-          <a:p>
-            <a:r>
               <a:rPr lang="en-US" altLang="zh-CN" dirty="0" err="1"/>
               <a:t>Büchi</a:t>
             </a:r>
@@ -14549,7 +14794,7 @@
             </a:pPr>
             <a:fld id="{00000000-1234-1234-1234-123412341234}" type="slidenum">
               <a:rPr lang="en" smtClean="0"/>
-              <a:t>30</a:t>
+              <a:t>31</a:t>
             </a:fld>
             <a:endParaRPr lang="en"/>
           </a:p>
@@ -14602,7 +14847,7 @@
 </p:sld>
 </file>
 
-<file path=ppt/slides/slide31.xml><?xml version="1.0" encoding="utf-8"?>
+<file path=ppt/slides/slide32.xml><?xml version="1.0" encoding="utf-8"?>
 <p:sld xmlns:a="http://schemas.openxmlformats.org/drawingml/2006/main" xmlns:r="http://schemas.openxmlformats.org/officeDocument/2006/relationships" xmlns:p="http://schemas.openxmlformats.org/presentationml/2006/main">
   <p:cSld>
     <p:spTree>
@@ -14681,7 +14926,7 @@
             </a:pPr>
             <a:fld id="{00000000-1234-1234-1234-123412341234}" type="slidenum">
               <a:rPr lang="en" smtClean="0"/>
-              <a:t>31</a:t>
+              <a:t>32</a:t>
             </a:fld>
             <a:endParaRPr lang="en"/>
           </a:p>
@@ -14734,7 +14979,7 @@
 </p:sld>
 </file>
 
-<file path=ppt/slides/slide32.xml><?xml version="1.0" encoding="utf-8"?>
+<file path=ppt/slides/slide33.xml><?xml version="1.0" encoding="utf-8"?>
 <p:sld xmlns:a="http://schemas.openxmlformats.org/drawingml/2006/main" xmlns:r="http://schemas.openxmlformats.org/officeDocument/2006/relationships" xmlns:p="http://schemas.openxmlformats.org/presentationml/2006/main">
   <p:cSld>
     <p:spTree>
@@ -14852,7 +15097,7 @@
             </a:pPr>
             <a:fld id="{00000000-1234-1234-1234-123412341234}" type="slidenum">
               <a:rPr lang="en" smtClean="0"/>
-              <a:t>32</a:t>
+              <a:t>33</a:t>
             </a:fld>
             <a:endParaRPr lang="en"/>
           </a:p>
@@ -14905,7 +15150,7 @@
 </p:sld>
 </file>
 
-<file path=ppt/slides/slide33.xml><?xml version="1.0" encoding="utf-8"?>
+<file path=ppt/slides/slide34.xml><?xml version="1.0" encoding="utf-8"?>
 <p:sld xmlns:a="http://schemas.openxmlformats.org/drawingml/2006/main" xmlns:r="http://schemas.openxmlformats.org/officeDocument/2006/relationships" xmlns:p="http://schemas.openxmlformats.org/presentationml/2006/main">
   <p:cSld>
     <p:spTree>
@@ -14983,7 +15228,7 @@
             </a:pPr>
             <a:fld id="{00000000-1234-1234-1234-123412341234}" type="slidenum">
               <a:rPr lang="en" smtClean="0"/>
-              <a:t>33</a:t>
+              <a:t>34</a:t>
             </a:fld>
             <a:endParaRPr lang="en"/>
           </a:p>
@@ -15036,7 +15281,7 @@
 </p:sld>
 </file>
 
-<file path=ppt/slides/slide34.xml><?xml version="1.0" encoding="utf-8"?>
+<file path=ppt/slides/slide35.xml><?xml version="1.0" encoding="utf-8"?>
 <p:sld xmlns:a="http://schemas.openxmlformats.org/drawingml/2006/main" xmlns:r="http://schemas.openxmlformats.org/officeDocument/2006/relationships" xmlns:p="http://schemas.openxmlformats.org/presentationml/2006/main">
   <p:cSld>
     <p:spTree>
@@ -15331,7 +15576,7 @@
             </a:pPr>
             <a:fld id="{00000000-1234-1234-1234-123412341234}" type="slidenum">
               <a:rPr lang="en" smtClean="0"/>
-              <a:t>34</a:t>
+              <a:t>35</a:t>
             </a:fld>
             <a:endParaRPr lang="en"/>
           </a:p>
@@ -15596,7 +15841,7 @@
 </p:sld>
 </file>
 
-<file path=ppt/slides/slide35.xml><?xml version="1.0" encoding="utf-8"?>
+<file path=ppt/slides/slide36.xml><?xml version="1.0" encoding="utf-8"?>
 <p:sld xmlns:a="http://schemas.openxmlformats.org/drawingml/2006/main" xmlns:r="http://schemas.openxmlformats.org/officeDocument/2006/relationships" xmlns:p="http://schemas.openxmlformats.org/presentationml/2006/main">
   <p:cSld>
     <p:spTree>
@@ -15674,7 +15919,7 @@
             </a:pPr>
             <a:fld id="{00000000-1234-1234-1234-123412341234}" type="slidenum">
               <a:rPr lang="en" smtClean="0"/>
-              <a:t>35</a:t>
+              <a:t>36</a:t>
             </a:fld>
             <a:endParaRPr lang="en"/>
           </a:p>
@@ -15848,7 +16093,7 @@
 </p:sld>
 </file>
 
-<file path=ppt/slides/slide36.xml><?xml version="1.0" encoding="utf-8"?>
+<file path=ppt/slides/slide37.xml><?xml version="1.0" encoding="utf-8"?>
 <p:sld xmlns:a="http://schemas.openxmlformats.org/drawingml/2006/main" xmlns:r="http://schemas.openxmlformats.org/officeDocument/2006/relationships" xmlns:p="http://schemas.openxmlformats.org/presentationml/2006/main">
   <p:cSld>
     <p:spTree>
@@ -15926,7 +16171,7 @@
             </a:pPr>
             <a:fld id="{00000000-1234-1234-1234-123412341234}" type="slidenum">
               <a:rPr lang="en" smtClean="0"/>
-              <a:t>36</a:t>
+              <a:t>37</a:t>
             </a:fld>
             <a:endParaRPr lang="en"/>
           </a:p>
@@ -16100,7 +16345,7 @@
 </p:sld>
 </file>
 
-<file path=ppt/slides/slide37.xml><?xml version="1.0" encoding="utf-8"?>
+<file path=ppt/slides/slide38.xml><?xml version="1.0" encoding="utf-8"?>
 <p:sld xmlns:a="http://schemas.openxmlformats.org/drawingml/2006/main" xmlns:r="http://schemas.openxmlformats.org/officeDocument/2006/relationships" xmlns:p="http://schemas.openxmlformats.org/presentationml/2006/main">
   <p:cSld>
     <p:spTree>
@@ -16178,7 +16423,7 @@
             </a:pPr>
             <a:fld id="{00000000-1234-1234-1234-123412341234}" type="slidenum">
               <a:rPr lang="en" smtClean="0"/>
-              <a:t>37</a:t>
+              <a:t>38</a:t>
             </a:fld>
             <a:endParaRPr lang="en"/>
           </a:p>
@@ -16516,7 +16761,7 @@
 </p:sld>
 </file>
 
-<file path=ppt/slides/slide38.xml><?xml version="1.0" encoding="utf-8"?>
+<file path=ppt/slides/slide39.xml><?xml version="1.0" encoding="utf-8"?>
 <p:sld xmlns:a="http://schemas.openxmlformats.org/drawingml/2006/main" xmlns:r="http://schemas.openxmlformats.org/officeDocument/2006/relationships" xmlns:p="http://schemas.openxmlformats.org/presentationml/2006/main">
   <p:cSld>
     <p:spTree>
@@ -16594,7 +16839,7 @@
             </a:pPr>
             <a:fld id="{00000000-1234-1234-1234-123412341234}" type="slidenum">
               <a:rPr lang="en" smtClean="0"/>
-              <a:t>38</a:t>
+              <a:t>39</a:t>
             </a:fld>
             <a:endParaRPr lang="en"/>
           </a:p>
@@ -16613,644 +16858,7 @@
 </p:sld>
 </file>
 
-<file path=ppt/slides/slide39.xml><?xml version="1.0" encoding="utf-8"?>
-<p:sld xmlns:a="http://schemas.openxmlformats.org/drawingml/2006/main" xmlns:r="http://schemas.openxmlformats.org/officeDocument/2006/relationships" xmlns:p="http://schemas.openxmlformats.org/presentationml/2006/main">
-  <p:cSld>
-    <p:spTree>
-      <p:nvGrpSpPr>
-        <p:cNvPr id="1" name=""/>
-        <p:cNvGrpSpPr/>
-        <p:nvPr/>
-      </p:nvGrpSpPr>
-      <p:grpSpPr>
-        <a:xfrm>
-          <a:off x="0" y="0"/>
-          <a:ext cx="0" cy="0"/>
-          <a:chOff x="0" y="0"/>
-          <a:chExt cx="0" cy="0"/>
-        </a:xfrm>
-      </p:grpSpPr>
-      <p:sp>
-        <p:nvSpPr>
-          <p:cNvPr id="2" name="Title 1"/>
-          <p:cNvSpPr>
-            <a:spLocks noGrp="1"/>
-          </p:cNvSpPr>
-          <p:nvPr>
-            <p:ph type="title"/>
-          </p:nvPr>
-        </p:nvSpPr>
-        <p:spPr/>
-        <p:txBody>
-          <a:bodyPr/>
-          <a:lstStyle/>
-          <a:p>
-            <a:r>
-              <a:rPr lang="en-US" dirty="0"/>
-              <a:t>Potential </a:t>
-            </a:r>
-            <a:r>
-              <a:rPr lang="en-US" dirty="0" smtClean="0"/>
-              <a:t>Applications</a:t>
-            </a:r>
-            <a:endParaRPr lang="en-US" dirty="0"/>
-          </a:p>
-        </p:txBody>
-      </p:sp>
-      <p:sp>
-        <p:nvSpPr>
-          <p:cNvPr id="3" name="Text Placeholder 2"/>
-          <p:cNvSpPr>
-            <a:spLocks noGrp="1"/>
-          </p:cNvSpPr>
-          <p:nvPr>
-            <p:ph type="body" idx="1"/>
-          </p:nvPr>
-        </p:nvSpPr>
-        <p:spPr/>
-        <p:txBody>
-          <a:bodyPr/>
-          <a:lstStyle/>
-          <a:p>
-            <a:r>
-              <a:rPr lang="en-US" dirty="0"/>
-              <a:t>Robustness of a Security Protocol against Attacker Models</a:t>
-            </a:r>
-          </a:p>
-          <a:p>
-            <a:r>
-              <a:rPr lang="en-US" dirty="0"/>
-              <a:t>Robustness of a Human Computer Interface Model against Human Behavior Models</a:t>
-            </a:r>
-          </a:p>
-          <a:p>
-            <a:r>
-              <a:rPr lang="en-US" dirty="0"/>
-              <a:t>Robustness of a Distributed Protocol against Fault Models</a:t>
-            </a:r>
-          </a:p>
-          <a:p>
-            <a:r>
-              <a:rPr lang="en-US" dirty="0"/>
-              <a:t>…</a:t>
-            </a:r>
-          </a:p>
-          <a:p>
-            <a:pPr marL="114300" indent="0">
-              <a:buNone/>
-            </a:pPr>
-            <a:endParaRPr lang="en-US" dirty="0"/>
-          </a:p>
-          <a:p>
-            <a:pPr marL="114300" indent="0">
-              <a:buNone/>
-            </a:pPr>
-            <a:r>
-              <a:rPr lang="en-US" dirty="0"/>
-              <a:t>Key Insights: How robust is a system when we only have limited information about the environment?</a:t>
-            </a:r>
-          </a:p>
-          <a:p>
-            <a:endParaRPr lang="en-US" dirty="0"/>
-          </a:p>
-        </p:txBody>
-      </p:sp>
-      <p:sp>
-        <p:nvSpPr>
-          <p:cNvPr id="4" name="Slide Number Placeholder 3"/>
-          <p:cNvSpPr>
-            <a:spLocks noGrp="1"/>
-          </p:cNvSpPr>
-          <p:nvPr>
-            <p:ph type="sldNum" idx="12"/>
-          </p:nvPr>
-        </p:nvSpPr>
-        <p:spPr/>
-        <p:txBody>
-          <a:bodyPr/>
-          <a:lstStyle/>
-          <a:p>
-            <a:pPr marL="0" lvl="0" indent="0" algn="r" rtl="0">
-              <a:spcBef>
-                <a:spcPts val="0"/>
-              </a:spcBef>
-              <a:spcAft>
-                <a:spcPts val="0"/>
-              </a:spcAft>
-              <a:buNone/>
-            </a:pPr>
-            <a:fld id="{00000000-1234-1234-1234-123412341234}" type="slidenum">
-              <a:rPr lang="en" smtClean="0"/>
-              <a:t>39</a:t>
-            </a:fld>
-            <a:endParaRPr lang="en"/>
-          </a:p>
-        </p:txBody>
-      </p:sp>
-    </p:spTree>
-    <p:extLst>
-      <p:ext uri="{BB962C8B-B14F-4D97-AF65-F5344CB8AC3E}">
-        <p14:creationId xmlns:p14="http://schemas.microsoft.com/office/powerpoint/2010/main" val="2579216949"/>
-      </p:ext>
-    </p:extLst>
-  </p:cSld>
-  <p:clrMapOvr>
-    <a:masterClrMapping/>
-  </p:clrMapOvr>
-</p:sld>
-</file>
-
 <file path=ppt/slides/slide4.xml><?xml version="1.0" encoding="utf-8"?>
-<p:sld xmlns:a="http://schemas.openxmlformats.org/drawingml/2006/main" xmlns:r="http://schemas.openxmlformats.org/officeDocument/2006/relationships" xmlns:p="http://schemas.openxmlformats.org/presentationml/2006/main">
-  <p:cSld>
-    <p:spTree>
-      <p:nvGrpSpPr>
-        <p:cNvPr id="1" name=""/>
-        <p:cNvGrpSpPr/>
-        <p:nvPr/>
-      </p:nvGrpSpPr>
-      <p:grpSpPr>
-        <a:xfrm>
-          <a:off x="0" y="0"/>
-          <a:ext cx="0" cy="0"/>
-          <a:chOff x="0" y="0"/>
-          <a:chExt cx="0" cy="0"/>
-        </a:xfrm>
-      </p:grpSpPr>
-      <p:sp>
-        <p:nvSpPr>
-          <p:cNvPr id="2" name="Title 1"/>
-          <p:cNvSpPr>
-            <a:spLocks noGrp="1"/>
-          </p:cNvSpPr>
-          <p:nvPr>
-            <p:ph type="title"/>
-          </p:nvPr>
-        </p:nvSpPr>
-        <p:spPr/>
-        <p:txBody>
-          <a:bodyPr/>
-          <a:lstStyle/>
-          <a:p>
-            <a:r>
-              <a:rPr lang="en-US" dirty="0" smtClean="0"/>
-              <a:t>What is Robustness?</a:t>
-            </a:r>
-            <a:endParaRPr lang="en-US" dirty="0"/>
-          </a:p>
-        </p:txBody>
-      </p:sp>
-      <p:sp>
-        <p:nvSpPr>
-          <p:cNvPr id="3" name="Text Placeholder 2"/>
-          <p:cNvSpPr>
-            <a:spLocks noGrp="1"/>
-          </p:cNvSpPr>
-          <p:nvPr>
-            <p:ph type="body" idx="1"/>
-          </p:nvPr>
-        </p:nvSpPr>
-        <p:spPr/>
-        <p:txBody>
-          <a:bodyPr/>
-          <a:lstStyle/>
-          <a:p>
-            <a:pPr>
-              <a:spcBef>
-                <a:spcPts val="800"/>
-              </a:spcBef>
-              <a:spcAft>
-                <a:spcPts val="800"/>
-              </a:spcAft>
-            </a:pPr>
-            <a:r>
-              <a:rPr lang="en-US" dirty="0" smtClean="0"/>
-              <a:t>In general, robustness is the capability of a system to deal with </a:t>
-            </a:r>
-            <a:r>
-              <a:rPr lang="en-US" i="1" dirty="0" smtClean="0"/>
-              <a:t>uncertainty.</a:t>
-            </a:r>
-            <a:endParaRPr lang="en-US" dirty="0" smtClean="0"/>
-          </a:p>
-          <a:p>
-            <a:pPr>
-              <a:spcBef>
-                <a:spcPts val="800"/>
-              </a:spcBef>
-              <a:spcAft>
-                <a:spcPts val="800"/>
-              </a:spcAft>
-            </a:pPr>
-            <a:r>
-              <a:rPr lang="en-US" b="1" i="1" dirty="0" smtClean="0"/>
-              <a:t>Uncertainty</a:t>
-            </a:r>
-            <a:r>
-              <a:rPr lang="en-US" i="1" dirty="0" smtClean="0"/>
-              <a:t> </a:t>
-            </a:r>
-            <a:r>
-              <a:rPr lang="en-US" dirty="0" smtClean="0"/>
-              <a:t>refers to the differences or errors between models and reality, and</a:t>
-            </a:r>
-          </a:p>
-          <a:p>
-            <a:pPr>
-              <a:spcBef>
-                <a:spcPts val="800"/>
-              </a:spcBef>
-              <a:spcAft>
-                <a:spcPts val="800"/>
-              </a:spcAft>
-            </a:pPr>
-            <a:r>
-              <a:rPr lang="en-US" dirty="0" smtClean="0"/>
-              <a:t>Whatever mechanism is used to express these errors will be called a </a:t>
-            </a:r>
-            <a:r>
-              <a:rPr lang="en-US" i="1" dirty="0" smtClean="0"/>
-              <a:t> representation of uncertainty.</a:t>
-            </a:r>
-            <a:r>
-              <a:rPr lang="en-US" dirty="0" smtClean="0"/>
-              <a:t> </a:t>
-            </a:r>
-            <a:r>
-              <a:rPr lang="en-US" sz="1400" dirty="0" smtClean="0"/>
-              <a:t>[Essential of Robust Control]</a:t>
-            </a:r>
-            <a:endParaRPr lang="en-US" sz="1400" i="1" dirty="0" smtClean="0"/>
-          </a:p>
-        </p:txBody>
-      </p:sp>
-      <p:sp>
-        <p:nvSpPr>
-          <p:cNvPr id="4" name="Slide Number Placeholder 3"/>
-          <p:cNvSpPr>
-            <a:spLocks noGrp="1"/>
-          </p:cNvSpPr>
-          <p:nvPr>
-            <p:ph type="sldNum" idx="12"/>
-          </p:nvPr>
-        </p:nvSpPr>
-        <p:spPr/>
-        <p:txBody>
-          <a:bodyPr/>
-          <a:lstStyle/>
-          <a:p>
-            <a:pPr marL="0" lvl="0" indent="0" algn="r" rtl="0">
-              <a:spcBef>
-                <a:spcPts val="0"/>
-              </a:spcBef>
-              <a:spcAft>
-                <a:spcPts val="0"/>
-              </a:spcAft>
-              <a:buNone/>
-            </a:pPr>
-            <a:fld id="{00000000-1234-1234-1234-123412341234}" type="slidenum">
-              <a:rPr lang="en" smtClean="0"/>
-              <a:t>4</a:t>
-            </a:fld>
-            <a:endParaRPr lang="en"/>
-          </a:p>
-        </p:txBody>
-      </p:sp>
-    </p:spTree>
-    <p:extLst>
-      <p:ext uri="{BB962C8B-B14F-4D97-AF65-F5344CB8AC3E}">
-        <p14:creationId xmlns:p14="http://schemas.microsoft.com/office/powerpoint/2010/main" val="2793319361"/>
-      </p:ext>
-    </p:extLst>
-  </p:cSld>
-  <p:clrMapOvr>
-    <a:masterClrMapping/>
-  </p:clrMapOvr>
-</p:sld>
-</file>
-
-<file path=ppt/slides/slide40.xml><?xml version="1.0" encoding="utf-8"?>
-<p:sld xmlns:a="http://schemas.openxmlformats.org/drawingml/2006/main" xmlns:r="http://schemas.openxmlformats.org/officeDocument/2006/relationships" xmlns:p="http://schemas.openxmlformats.org/presentationml/2006/main">
-  <p:cSld>
-    <p:spTree>
-      <p:nvGrpSpPr>
-        <p:cNvPr id="1" name=""/>
-        <p:cNvGrpSpPr/>
-        <p:nvPr/>
-      </p:nvGrpSpPr>
-      <p:grpSpPr>
-        <a:xfrm>
-          <a:off x="0" y="0"/>
-          <a:ext cx="0" cy="0"/>
-          <a:chOff x="0" y="0"/>
-          <a:chExt cx="0" cy="0"/>
-        </a:xfrm>
-      </p:grpSpPr>
-      <p:sp>
-        <p:nvSpPr>
-          <p:cNvPr id="2" name="Title 1">
-            <a:extLst>
-              <a:ext uri="{FF2B5EF4-FFF2-40B4-BE49-F238E27FC236}">
-                <a16:creationId xmlns:a16="http://schemas.microsoft.com/office/drawing/2014/main" id="{C8BC0AAE-31B5-4879-892F-B96F8DAB6051}"/>
-              </a:ext>
-            </a:extLst>
-          </p:cNvPr>
-          <p:cNvSpPr>
-            <a:spLocks noGrp="1"/>
-          </p:cNvSpPr>
-          <p:nvPr>
-            <p:ph type="title"/>
-          </p:nvPr>
-        </p:nvSpPr>
-        <p:spPr/>
-        <p:txBody>
-          <a:bodyPr/>
-          <a:lstStyle/>
-          <a:p>
-            <a:r>
-              <a:rPr lang="en-US" altLang="zh-CN" dirty="0"/>
-              <a:t>Limitations</a:t>
-            </a:r>
-            <a:endParaRPr lang="zh-CN" altLang="en-US" dirty="0"/>
-          </a:p>
-        </p:txBody>
-      </p:sp>
-      <p:sp>
-        <p:nvSpPr>
-          <p:cNvPr id="3" name="Text Placeholder 2">
-            <a:extLst>
-              <a:ext uri="{FF2B5EF4-FFF2-40B4-BE49-F238E27FC236}">
-                <a16:creationId xmlns:a16="http://schemas.microsoft.com/office/drawing/2014/main" id="{CCBCE4AF-25F7-4E77-B6AA-1E5DDAD1868B}"/>
-              </a:ext>
-            </a:extLst>
-          </p:cNvPr>
-          <p:cNvSpPr>
-            <a:spLocks noGrp="1"/>
-          </p:cNvSpPr>
-          <p:nvPr>
-            <p:ph type="body" idx="1"/>
-          </p:nvPr>
-        </p:nvSpPr>
-        <p:spPr/>
-        <p:txBody>
-          <a:bodyPr/>
-          <a:lstStyle/>
-          <a:p>
-            <a:r>
-              <a:rPr lang="en-US" altLang="zh-CN" sz="1600" dirty="0"/>
-              <a:t>Our approach is based on LTSA, thus the form of safety property is limited to it.</a:t>
-            </a:r>
-          </a:p>
-          <a:p>
-            <a:r>
-              <a:rPr lang="en-US" altLang="zh-CN" sz="1600" dirty="0"/>
-              <a:t>We only consider deadlock-free as the only liveness property.</a:t>
-            </a:r>
-          </a:p>
-          <a:p>
-            <a:r>
-              <a:rPr lang="en-US" altLang="zh-CN" sz="1600" dirty="0"/>
-              <a:t>The </a:t>
-            </a:r>
-            <a:r>
-              <a:rPr lang="en-US" altLang="zh-CN" sz="1600" dirty="0" err="1"/>
-              <a:t>Büchi</a:t>
-            </a:r>
-            <a:r>
-              <a:rPr lang="en-US" altLang="zh-CN" sz="1600" dirty="0"/>
-              <a:t> automata </a:t>
-            </a:r>
-            <a:r>
-              <a:rPr lang="en-US" altLang="zh-CN" sz="1600" dirty="0" smtClean="0"/>
-              <a:t>is </a:t>
-            </a:r>
-            <a:r>
-              <a:rPr lang="en-US" altLang="zh-CN" sz="1600" dirty="0"/>
-              <a:t>not a good representation as a metric.</a:t>
-            </a:r>
-            <a:endParaRPr lang="zh-CN" altLang="en-US" sz="1600" dirty="0"/>
-          </a:p>
-        </p:txBody>
-      </p:sp>
-      <p:sp>
-        <p:nvSpPr>
-          <p:cNvPr id="4" name="Slide Number Placeholder 3">
-            <a:extLst>
-              <a:ext uri="{FF2B5EF4-FFF2-40B4-BE49-F238E27FC236}">
-                <a16:creationId xmlns:a16="http://schemas.microsoft.com/office/drawing/2014/main" id="{2D017A7C-F965-468C-AE7C-3859A7275A70}"/>
-              </a:ext>
-            </a:extLst>
-          </p:cNvPr>
-          <p:cNvSpPr>
-            <a:spLocks noGrp="1"/>
-          </p:cNvSpPr>
-          <p:nvPr>
-            <p:ph type="sldNum" idx="12"/>
-          </p:nvPr>
-        </p:nvSpPr>
-        <p:spPr/>
-        <p:txBody>
-          <a:bodyPr/>
-          <a:lstStyle/>
-          <a:p>
-            <a:pPr marL="0" lvl="0" indent="0" algn="r" rtl="0">
-              <a:spcBef>
-                <a:spcPts val="0"/>
-              </a:spcBef>
-              <a:spcAft>
-                <a:spcPts val="0"/>
-              </a:spcAft>
-              <a:buNone/>
-            </a:pPr>
-            <a:fld id="{00000000-1234-1234-1234-123412341234}" type="slidenum">
-              <a:rPr lang="en" smtClean="0"/>
-              <a:t>40</a:t>
-            </a:fld>
-            <a:endParaRPr lang="en"/>
-          </a:p>
-        </p:txBody>
-      </p:sp>
-    </p:spTree>
-    <p:extLst>
-      <p:ext uri="{BB962C8B-B14F-4D97-AF65-F5344CB8AC3E}">
-        <p14:creationId xmlns:p14="http://schemas.microsoft.com/office/powerpoint/2010/main" val="3868490680"/>
-      </p:ext>
-    </p:extLst>
-  </p:cSld>
-  <p:clrMapOvr>
-    <a:masterClrMapping/>
-  </p:clrMapOvr>
-</p:sld>
-</file>
-
-<file path=ppt/slides/slide5.xml><?xml version="1.0" encoding="utf-8"?>
-<p:sld xmlns:a="http://schemas.openxmlformats.org/drawingml/2006/main" xmlns:r="http://schemas.openxmlformats.org/officeDocument/2006/relationships" xmlns:p="http://schemas.openxmlformats.org/presentationml/2006/main">
-  <p:cSld>
-    <p:spTree>
-      <p:nvGrpSpPr>
-        <p:cNvPr id="1" name=""/>
-        <p:cNvGrpSpPr/>
-        <p:nvPr/>
-      </p:nvGrpSpPr>
-      <p:grpSpPr>
-        <a:xfrm>
-          <a:off x="0" y="0"/>
-          <a:ext cx="0" cy="0"/>
-          <a:chOff x="0" y="0"/>
-          <a:chExt cx="0" cy="0"/>
-        </a:xfrm>
-      </p:grpSpPr>
-      <p:sp>
-        <p:nvSpPr>
-          <p:cNvPr id="2" name="Title 1"/>
-          <p:cNvSpPr>
-            <a:spLocks noGrp="1"/>
-          </p:cNvSpPr>
-          <p:nvPr>
-            <p:ph type="title"/>
-          </p:nvPr>
-        </p:nvSpPr>
-        <p:spPr/>
-        <p:txBody>
-          <a:bodyPr/>
-          <a:lstStyle/>
-          <a:p>
-            <a:r>
-              <a:rPr lang="en-US" dirty="0" smtClean="0"/>
-              <a:t>What is Robustness?</a:t>
-            </a:r>
-            <a:endParaRPr lang="en-US" dirty="0"/>
-          </a:p>
-        </p:txBody>
-      </p:sp>
-      <p:sp>
-        <p:nvSpPr>
-          <p:cNvPr id="3" name="Text Placeholder 2"/>
-          <p:cNvSpPr>
-            <a:spLocks noGrp="1"/>
-          </p:cNvSpPr>
-          <p:nvPr>
-            <p:ph type="body" idx="1"/>
-          </p:nvPr>
-        </p:nvSpPr>
-        <p:spPr/>
-        <p:txBody>
-          <a:bodyPr/>
-          <a:lstStyle/>
-          <a:p>
-            <a:pPr marL="114300" indent="0">
-              <a:buNone/>
-            </a:pPr>
-            <a:r>
-              <a:rPr lang="en-US" dirty="0" smtClean="0"/>
-              <a:t>The term is used in many domains:</a:t>
-            </a:r>
-          </a:p>
-          <a:p>
-            <a:pPr>
-              <a:spcBef>
-                <a:spcPts val="800"/>
-              </a:spcBef>
-              <a:spcAft>
-                <a:spcPts val="800"/>
-              </a:spcAft>
-            </a:pPr>
-            <a:r>
-              <a:rPr lang="en-US" sz="1400" dirty="0" smtClean="0"/>
-              <a:t>Robust statistics seek methods to deal with outliers in data samples (e.g., the distribution of data does not perfectly match to normal distribution).</a:t>
-            </a:r>
-          </a:p>
-          <a:p>
-            <a:pPr>
-              <a:spcBef>
-                <a:spcPts val="800"/>
-              </a:spcBef>
-              <a:spcAft>
-                <a:spcPts val="800"/>
-              </a:spcAft>
-            </a:pPr>
-            <a:r>
-              <a:rPr lang="en-US" sz="1400" dirty="0" smtClean="0"/>
-              <a:t>Machine Learning seeks methods to guarantee the performance of a model (e.g., a classifier) against noise in data samples.</a:t>
-            </a:r>
-          </a:p>
-          <a:p>
-            <a:pPr>
-              <a:spcBef>
-                <a:spcPts val="800"/>
-              </a:spcBef>
-              <a:spcAft>
-                <a:spcPts val="800"/>
-              </a:spcAft>
-            </a:pPr>
-            <a:r>
-              <a:rPr lang="en-US" sz="1400" dirty="0" smtClean="0"/>
-              <a:t>A distributed system should be robust to deal with failures of servers. Also mitigation strategies often designed to address certain types of failures (e.g., fail-stop, fail-silent, or fail-arbitrary).</a:t>
-            </a:r>
-          </a:p>
-          <a:p>
-            <a:pPr>
-              <a:spcBef>
-                <a:spcPts val="800"/>
-              </a:spcBef>
-              <a:spcAft>
-                <a:spcPts val="800"/>
-              </a:spcAft>
-            </a:pPr>
-            <a:r>
-              <a:rPr lang="en-US" sz="1400" dirty="0" smtClean="0"/>
-              <a:t>…</a:t>
-            </a:r>
-            <a:endParaRPr lang="en-US" sz="1400" dirty="0"/>
-          </a:p>
-        </p:txBody>
-      </p:sp>
-      <p:sp>
-        <p:nvSpPr>
-          <p:cNvPr id="4" name="Slide Number Placeholder 3"/>
-          <p:cNvSpPr>
-            <a:spLocks noGrp="1"/>
-          </p:cNvSpPr>
-          <p:nvPr>
-            <p:ph type="sldNum" idx="12"/>
-          </p:nvPr>
-        </p:nvSpPr>
-        <p:spPr/>
-        <p:txBody>
-          <a:bodyPr/>
-          <a:lstStyle/>
-          <a:p>
-            <a:pPr marL="0" lvl="0" indent="0" algn="r" rtl="0">
-              <a:spcBef>
-                <a:spcPts val="0"/>
-              </a:spcBef>
-              <a:spcAft>
-                <a:spcPts val="0"/>
-              </a:spcAft>
-              <a:buNone/>
-            </a:pPr>
-            <a:fld id="{00000000-1234-1234-1234-123412341234}" type="slidenum">
-              <a:rPr lang="en" smtClean="0"/>
-              <a:t>5</a:t>
-            </a:fld>
-            <a:endParaRPr lang="en"/>
-          </a:p>
-        </p:txBody>
-      </p:sp>
-    </p:spTree>
-    <p:extLst>
-      <p:ext uri="{BB962C8B-B14F-4D97-AF65-F5344CB8AC3E}">
-        <p14:creationId xmlns:p14="http://schemas.microsoft.com/office/powerpoint/2010/main" val="3418065256"/>
-      </p:ext>
-    </p:extLst>
-  </p:cSld>
-  <p:clrMapOvr>
-    <a:masterClrMapping/>
-  </p:clrMapOvr>
-</p:sld>
-</file>
-
-<file path=ppt/slides/slide6.xml><?xml version="1.0" encoding="utf-8"?>
 <p:sld xmlns:a="http://schemas.openxmlformats.org/drawingml/2006/main" xmlns:r="http://schemas.openxmlformats.org/officeDocument/2006/relationships" xmlns:p="http://schemas.openxmlformats.org/presentationml/2006/main">
   <p:cSld>
     <p:spTree>
@@ -17303,11 +16911,7 @@
             </a:pPr>
             <a:r>
               <a:rPr lang="en-US" dirty="0"/>
-              <a:t>What is </a:t>
-            </a:r>
-            <a:r>
-              <a:rPr lang="en-US" dirty="0" smtClean="0"/>
-              <a:t>Robustness in Software?</a:t>
+              <a:t>What is Robustness for Software?</a:t>
             </a:r>
             <a:endParaRPr dirty="0"/>
           </a:p>
@@ -17343,92 +16947,108 @@
             </a:pPr>
             <a:r>
               <a:rPr lang="en-US" altLang="zh-CN" b="1" dirty="0"/>
-              <a:t>IEEE </a:t>
+              <a:t>IEEE definition:</a:t>
+            </a:r>
+          </a:p>
+          <a:p>
+            <a:pPr marL="571500" lvl="1" indent="0">
+              <a:spcBef>
+                <a:spcPts val="400"/>
+              </a:spcBef>
+              <a:spcAft>
+                <a:spcPts val="1400"/>
+              </a:spcAft>
+              <a:buNone/>
+            </a:pPr>
+            <a:r>
+              <a:rPr lang="en-US" altLang="zh-CN" sz="1600" dirty="0"/>
+              <a:t>The degree to which a system or component can function correctly in the presence of </a:t>
             </a:r>
             <a:r>
-              <a:rPr lang="en-US" altLang="zh-CN" b="1" dirty="0" smtClean="0"/>
-              <a:t>definition:</a:t>
-            </a:r>
-          </a:p>
-          <a:p>
-            <a:pPr marL="571500" lvl="1" indent="0">
-              <a:spcBef>
-                <a:spcPts val="400"/>
-              </a:spcBef>
-              <a:spcAft>
-                <a:spcPts val="1600"/>
-              </a:spcAft>
-              <a:buNone/>
-            </a:pPr>
-            <a:r>
-              <a:rPr lang="en-US" altLang="zh-CN" dirty="0" smtClean="0"/>
-              <a:t>The </a:t>
-            </a:r>
-            <a:r>
-              <a:rPr lang="en-US" altLang="zh-CN" dirty="0"/>
-              <a:t>degree to which a system or component can function correctly in the presence of </a:t>
-            </a:r>
-            <a:r>
-              <a:rPr lang="en-US" altLang="zh-CN" b="1" dirty="0"/>
+              <a:rPr lang="en-US" altLang="zh-CN" sz="1600" b="1" dirty="0"/>
               <a:t>invalid inputs </a:t>
             </a:r>
             <a:r>
-              <a:rPr lang="en-US" altLang="zh-CN" dirty="0"/>
+              <a:rPr lang="en-US" altLang="zh-CN" sz="1600" dirty="0"/>
               <a:t>or </a:t>
             </a:r>
             <a:r>
-              <a:rPr lang="en-US" altLang="zh-CN" b="1" dirty="0"/>
+              <a:rPr lang="en-US" altLang="zh-CN" sz="1600" b="1" dirty="0"/>
               <a:t>stressful environmental conditions</a:t>
             </a:r>
             <a:r>
-              <a:rPr lang="en-US" altLang="zh-CN" dirty="0" smtClean="0"/>
+              <a:rPr lang="en-US" altLang="zh-CN" sz="1600" dirty="0"/>
               <a:t>.</a:t>
             </a:r>
-            <a:endParaRPr lang="en-US" altLang="zh-CN" b="1" dirty="0"/>
+            <a:endParaRPr lang="en-US" altLang="zh-CN" sz="1600" b="1" dirty="0"/>
           </a:p>
           <a:p>
             <a:pPr marL="114300" indent="0">
               <a:buNone/>
             </a:pPr>
             <a:r>
-              <a:rPr lang="en-US" b="1" dirty="0" smtClean="0"/>
+              <a:rPr lang="en-US" b="1" dirty="0"/>
               <a:t>Existing Work:</a:t>
             </a:r>
           </a:p>
           <a:p>
+            <a:pPr>
+              <a:spcBef>
+                <a:spcPts val="400"/>
+              </a:spcBef>
+            </a:pPr>
             <a:r>
-              <a:rPr lang="en-US" sz="1400" dirty="0" smtClean="0"/>
-              <a:t>Fuzz Testing – uses massive amounts of random data to fail a system.</a:t>
-            </a:r>
-          </a:p>
-          <a:p>
-            <a:r>
-              <a:rPr lang="en-US" sz="1400" dirty="0" smtClean="0"/>
-              <a:t>Chaos Engineering – puts a system in an extremely chaos environment to fail the system.</a:t>
-            </a:r>
-          </a:p>
-          <a:p>
-            <a:r>
-              <a:rPr lang="en-US" sz="1400" dirty="0" smtClean="0"/>
-              <a:t>Fault Injection – injects faults in hardware or software and exams the system behavior.</a:t>
-            </a:r>
-          </a:p>
-          <a:p>
-            <a:r>
-              <a:rPr lang="en-US" sz="1400" dirty="0" smtClean="0"/>
-              <a:t>… (Mostly focus on verification)</a:t>
+              <a:rPr lang="en-US" sz="1600" i="1" dirty="0"/>
+              <a:t>Fuzz Testing </a:t>
             </a:r>
             <a:r>
-              <a:rPr lang="en-US" dirty="0"/>
-              <a:t/>
+              <a:rPr lang="en-US" sz="1600" dirty="0"/>
+              <a:t>– uses massive amounts of random input data to fail a system.</a:t>
+            </a:r>
+          </a:p>
+          <a:p>
+            <a:pPr>
+              <a:spcBef>
+                <a:spcPts val="400"/>
+              </a:spcBef>
+            </a:pPr>
+            <a:r>
+              <a:rPr lang="en-US" sz="1600" i="1" dirty="0"/>
+              <a:t>Chaos Engineering </a:t>
+            </a:r>
+            <a:r>
+              <a:rPr lang="en-US" sz="1600" dirty="0"/>
+              <a:t>– puts a system in an extremely chaos environment to fail the system.</a:t>
+            </a:r>
+          </a:p>
+          <a:p>
+            <a:pPr>
+              <a:spcBef>
+                <a:spcPts val="400"/>
+              </a:spcBef>
+            </a:pPr>
+            <a:r>
+              <a:rPr lang="en-US" sz="1600" i="1" dirty="0"/>
+              <a:t>Fault Injection </a:t>
+            </a:r>
+            <a:r>
+              <a:rPr lang="en-US" sz="1600" dirty="0"/>
+              <a:t>– injects faults in hardware or software and exams the system behavior.</a:t>
+            </a:r>
+          </a:p>
+          <a:p>
+            <a:pPr>
+              <a:spcBef>
+                <a:spcPts val="400"/>
+              </a:spcBef>
+            </a:pPr>
+            <a:r>
+              <a:rPr lang="en-US" sz="1600" dirty="0"/>
+              <a:t>… (Mostly focus on verification)</a:t>
             </a:r>
             <a:br>
               <a:rPr lang="en-US" dirty="0"/>
             </a:br>
-            <a:r>
-              <a:rPr lang="en-US" dirty="0"/>
-              <a:t/>
-            </a:r>
             <a:br>
               <a:rPr lang="en-US" dirty="0"/>
             </a:br>
@@ -17472,7 +17092,7 @@
             </a:pPr>
             <a:fld id="{00000000-1234-1234-1234-123412341234}" type="slidenum">
               <a:rPr lang="en"/>
-              <a:t>6</a:t>
+              <a:t>4</a:t>
             </a:fld>
             <a:endParaRPr/>
           </a:p>
@@ -17486,7 +17106,7 @@
 </p:sld>
 </file>
 
-<file path=ppt/slides/slide7.xml><?xml version="1.0" encoding="utf-8"?>
+<file path=ppt/slides/slide40.xml><?xml version="1.0" encoding="utf-8"?>
 <p:sld xmlns:a="http://schemas.openxmlformats.org/drawingml/2006/main" xmlns:r="http://schemas.openxmlformats.org/officeDocument/2006/relationships" xmlns:p="http://schemas.openxmlformats.org/presentationml/2006/main">
   <p:cSld>
     <p:spTree>
@@ -17519,16 +17139,73 @@
           <a:lstStyle/>
           <a:p>
             <a:r>
-              <a:rPr lang="en-US" altLang="zh-CN" dirty="0"/>
-              <a:t>Motivation Example &amp; Overview</a:t>
+              <a:rPr lang="en-US" dirty="0"/>
+              <a:t>Potential Applications</a:t>
             </a:r>
-            <a:endParaRPr lang="en-US" dirty="0"/>
           </a:p>
         </p:txBody>
       </p:sp>
       <p:sp>
         <p:nvSpPr>
-          <p:cNvPr id="3" name="Slide Number Placeholder 2"/>
+          <p:cNvPr id="3" name="Text Placeholder 2"/>
+          <p:cNvSpPr>
+            <a:spLocks noGrp="1"/>
+          </p:cNvSpPr>
+          <p:nvPr>
+            <p:ph type="body" idx="1"/>
+          </p:nvPr>
+        </p:nvSpPr>
+        <p:spPr/>
+        <p:txBody>
+          <a:bodyPr/>
+          <a:lstStyle/>
+          <a:p>
+            <a:r>
+              <a:rPr lang="en-US" dirty="0"/>
+              <a:t>Robustness of a Security Protocol against Attacker Models</a:t>
+            </a:r>
+          </a:p>
+          <a:p>
+            <a:r>
+              <a:rPr lang="en-US" dirty="0"/>
+              <a:t>Robustness of a Human Computer Interface Model against Human Behavior Models</a:t>
+            </a:r>
+          </a:p>
+          <a:p>
+            <a:r>
+              <a:rPr lang="en-US" dirty="0"/>
+              <a:t>Robustness of a Distributed Protocol against Fault Models</a:t>
+            </a:r>
+          </a:p>
+          <a:p>
+            <a:r>
+              <a:rPr lang="en-US" dirty="0"/>
+              <a:t>…</a:t>
+            </a:r>
+          </a:p>
+          <a:p>
+            <a:pPr marL="114300" indent="0">
+              <a:buNone/>
+            </a:pPr>
+            <a:endParaRPr lang="en-US" dirty="0"/>
+          </a:p>
+          <a:p>
+            <a:pPr marL="114300" indent="0">
+              <a:buNone/>
+            </a:pPr>
+            <a:r>
+              <a:rPr lang="en-US" dirty="0"/>
+              <a:t>Key Insights: How robust is a system when we only have limited information about the environment?</a:t>
+            </a:r>
+          </a:p>
+          <a:p>
+            <a:endParaRPr lang="en-US" dirty="0"/>
+          </a:p>
+        </p:txBody>
+      </p:sp>
+      <p:sp>
+        <p:nvSpPr>
+          <p:cNvPr id="4" name="Slide Number Placeholder 3"/>
           <p:cNvSpPr>
             <a:spLocks noGrp="1"/>
           </p:cNvSpPr>
@@ -17552,7 +17229,7 @@
             </a:pPr>
             <a:fld id="{00000000-1234-1234-1234-123412341234}" type="slidenum">
               <a:rPr lang="en" smtClean="0"/>
-              <a:t>7</a:t>
+              <a:t>40</a:t>
             </a:fld>
             <a:endParaRPr lang="en"/>
           </a:p>
@@ -17561,7 +17238,1301 @@
     </p:spTree>
     <p:extLst>
       <p:ext uri="{BB962C8B-B14F-4D97-AF65-F5344CB8AC3E}">
-        <p14:creationId xmlns:p14="http://schemas.microsoft.com/office/powerpoint/2010/main" val="409779367"/>
+        <p14:creationId xmlns:p14="http://schemas.microsoft.com/office/powerpoint/2010/main" val="2579216949"/>
+      </p:ext>
+    </p:extLst>
+  </p:cSld>
+  <p:clrMapOvr>
+    <a:masterClrMapping/>
+  </p:clrMapOvr>
+</p:sld>
+</file>
+
+<file path=ppt/slides/slide41.xml><?xml version="1.0" encoding="utf-8"?>
+<p:sld xmlns:a="http://schemas.openxmlformats.org/drawingml/2006/main" xmlns:r="http://schemas.openxmlformats.org/officeDocument/2006/relationships" xmlns:p="http://schemas.openxmlformats.org/presentationml/2006/main">
+  <p:cSld>
+    <p:spTree>
+      <p:nvGrpSpPr>
+        <p:cNvPr id="1" name=""/>
+        <p:cNvGrpSpPr/>
+        <p:nvPr/>
+      </p:nvGrpSpPr>
+      <p:grpSpPr>
+        <a:xfrm>
+          <a:off x="0" y="0"/>
+          <a:ext cx="0" cy="0"/>
+          <a:chOff x="0" y="0"/>
+          <a:chExt cx="0" cy="0"/>
+        </a:xfrm>
+      </p:grpSpPr>
+      <p:sp>
+        <p:nvSpPr>
+          <p:cNvPr id="2" name="Title 1">
+            <a:extLst>
+              <a:ext uri="{FF2B5EF4-FFF2-40B4-BE49-F238E27FC236}">
+                <a16:creationId xmlns:a16="http://schemas.microsoft.com/office/drawing/2014/main" id="{C8BC0AAE-31B5-4879-892F-B96F8DAB6051}"/>
+              </a:ext>
+            </a:extLst>
+          </p:cNvPr>
+          <p:cNvSpPr>
+            <a:spLocks noGrp="1"/>
+          </p:cNvSpPr>
+          <p:nvPr>
+            <p:ph type="title"/>
+          </p:nvPr>
+        </p:nvSpPr>
+        <p:spPr/>
+        <p:txBody>
+          <a:bodyPr/>
+          <a:lstStyle/>
+          <a:p>
+            <a:r>
+              <a:rPr lang="en-US" altLang="zh-CN" dirty="0"/>
+              <a:t>Limitations</a:t>
+            </a:r>
+            <a:endParaRPr lang="zh-CN" altLang="en-US" dirty="0"/>
+          </a:p>
+        </p:txBody>
+      </p:sp>
+      <p:sp>
+        <p:nvSpPr>
+          <p:cNvPr id="3" name="Text Placeholder 2">
+            <a:extLst>
+              <a:ext uri="{FF2B5EF4-FFF2-40B4-BE49-F238E27FC236}">
+                <a16:creationId xmlns:a16="http://schemas.microsoft.com/office/drawing/2014/main" id="{CCBCE4AF-25F7-4E77-B6AA-1E5DDAD1868B}"/>
+              </a:ext>
+            </a:extLst>
+          </p:cNvPr>
+          <p:cNvSpPr>
+            <a:spLocks noGrp="1"/>
+          </p:cNvSpPr>
+          <p:nvPr>
+            <p:ph type="body" idx="1"/>
+          </p:nvPr>
+        </p:nvSpPr>
+        <p:spPr/>
+        <p:txBody>
+          <a:bodyPr/>
+          <a:lstStyle/>
+          <a:p>
+            <a:r>
+              <a:rPr lang="en-US" altLang="zh-CN" sz="1600" dirty="0"/>
+              <a:t>Our approach is based on LTSA, thus the form of safety property is limited to it.</a:t>
+            </a:r>
+          </a:p>
+          <a:p>
+            <a:r>
+              <a:rPr lang="en-US" altLang="zh-CN" sz="1600" dirty="0"/>
+              <a:t>We only consider deadlock-free as the only liveness property.</a:t>
+            </a:r>
+          </a:p>
+          <a:p>
+            <a:r>
+              <a:rPr lang="en-US" altLang="zh-CN" sz="1600" dirty="0"/>
+              <a:t>The </a:t>
+            </a:r>
+            <a:r>
+              <a:rPr lang="en-US" altLang="zh-CN" sz="1600" dirty="0" err="1"/>
+              <a:t>Büchi</a:t>
+            </a:r>
+            <a:r>
+              <a:rPr lang="en-US" altLang="zh-CN" sz="1600" dirty="0"/>
+              <a:t> automata is not a good representation as a metric.</a:t>
+            </a:r>
+            <a:endParaRPr lang="zh-CN" altLang="en-US" sz="1600" dirty="0"/>
+          </a:p>
+        </p:txBody>
+      </p:sp>
+      <p:sp>
+        <p:nvSpPr>
+          <p:cNvPr id="4" name="Slide Number Placeholder 3">
+            <a:extLst>
+              <a:ext uri="{FF2B5EF4-FFF2-40B4-BE49-F238E27FC236}">
+                <a16:creationId xmlns:a16="http://schemas.microsoft.com/office/drawing/2014/main" id="{2D017A7C-F965-468C-AE7C-3859A7275A70}"/>
+              </a:ext>
+            </a:extLst>
+          </p:cNvPr>
+          <p:cNvSpPr>
+            <a:spLocks noGrp="1"/>
+          </p:cNvSpPr>
+          <p:nvPr>
+            <p:ph type="sldNum" idx="12"/>
+          </p:nvPr>
+        </p:nvSpPr>
+        <p:spPr/>
+        <p:txBody>
+          <a:bodyPr/>
+          <a:lstStyle/>
+          <a:p>
+            <a:pPr marL="0" lvl="0" indent="0" algn="r" rtl="0">
+              <a:spcBef>
+                <a:spcPts val="0"/>
+              </a:spcBef>
+              <a:spcAft>
+                <a:spcPts val="0"/>
+              </a:spcAft>
+              <a:buNone/>
+            </a:pPr>
+            <a:fld id="{00000000-1234-1234-1234-123412341234}" type="slidenum">
+              <a:rPr lang="en" smtClean="0"/>
+              <a:t>41</a:t>
+            </a:fld>
+            <a:endParaRPr lang="en"/>
+          </a:p>
+        </p:txBody>
+      </p:sp>
+    </p:spTree>
+    <p:extLst>
+      <p:ext uri="{BB962C8B-B14F-4D97-AF65-F5344CB8AC3E}">
+        <p14:creationId xmlns:p14="http://schemas.microsoft.com/office/powerpoint/2010/main" val="3868490680"/>
+      </p:ext>
+    </p:extLst>
+  </p:cSld>
+  <p:clrMapOvr>
+    <a:masterClrMapping/>
+  </p:clrMapOvr>
+</p:sld>
+</file>
+
+<file path=ppt/slides/slide5.xml><?xml version="1.0" encoding="utf-8"?>
+<p:sld xmlns:a="http://schemas.openxmlformats.org/drawingml/2006/main" xmlns:r="http://schemas.openxmlformats.org/officeDocument/2006/relationships" xmlns:p="http://schemas.openxmlformats.org/presentationml/2006/main">
+  <p:cSld>
+    <p:spTree>
+      <p:nvGrpSpPr>
+        <p:cNvPr id="1" name=""/>
+        <p:cNvGrpSpPr/>
+        <p:nvPr/>
+      </p:nvGrpSpPr>
+      <p:grpSpPr>
+        <a:xfrm>
+          <a:off x="0" y="0"/>
+          <a:ext cx="0" cy="0"/>
+          <a:chOff x="0" y="0"/>
+          <a:chExt cx="0" cy="0"/>
+        </a:xfrm>
+      </p:grpSpPr>
+      <p:sp>
+        <p:nvSpPr>
+          <p:cNvPr id="2" name="Title 1">
+            <a:extLst>
+              <a:ext uri="{FF2B5EF4-FFF2-40B4-BE49-F238E27FC236}">
+                <a16:creationId xmlns:a16="http://schemas.microsoft.com/office/drawing/2014/main" id="{777DDFFA-F0F5-47D3-9992-641A0AA4D1B4}"/>
+              </a:ext>
+            </a:extLst>
+          </p:cNvPr>
+          <p:cNvSpPr>
+            <a:spLocks noGrp="1"/>
+          </p:cNvSpPr>
+          <p:nvPr>
+            <p:ph type="title"/>
+          </p:nvPr>
+        </p:nvSpPr>
+        <p:spPr/>
+        <p:txBody>
+          <a:bodyPr/>
+          <a:lstStyle/>
+          <a:p>
+            <a:r>
+              <a:rPr lang="en-US" altLang="zh-CN" dirty="0"/>
+              <a:t>Research Focus</a:t>
+            </a:r>
+            <a:endParaRPr lang="zh-CN" altLang="en-US" dirty="0"/>
+          </a:p>
+        </p:txBody>
+      </p:sp>
+      <p:sp>
+        <p:nvSpPr>
+          <p:cNvPr id="3" name="Text Placeholder 2">
+            <a:extLst>
+              <a:ext uri="{FF2B5EF4-FFF2-40B4-BE49-F238E27FC236}">
+                <a16:creationId xmlns:a16="http://schemas.microsoft.com/office/drawing/2014/main" id="{54378D62-FD21-4692-8BF5-54F73335684A}"/>
+              </a:ext>
+            </a:extLst>
+          </p:cNvPr>
+          <p:cNvSpPr>
+            <a:spLocks noGrp="1"/>
+          </p:cNvSpPr>
+          <p:nvPr>
+            <p:ph type="body" idx="1"/>
+          </p:nvPr>
+        </p:nvSpPr>
+        <p:spPr/>
+        <p:txBody>
+          <a:bodyPr/>
+          <a:lstStyle/>
+          <a:p>
+            <a:pPr marL="114300" indent="0">
+              <a:buNone/>
+            </a:pPr>
+            <a:r>
+              <a:rPr lang="en-US" altLang="zh-CN" sz="2000" dirty="0"/>
+              <a:t>How to characterize the ability of a system to ensure correct function against erroneous behaviors in the environment?</a:t>
+            </a:r>
+          </a:p>
+          <a:p>
+            <a:pPr>
+              <a:spcBef>
+                <a:spcPts val="800"/>
+              </a:spcBef>
+              <a:spcAft>
+                <a:spcPts val="800"/>
+              </a:spcAft>
+            </a:pPr>
+            <a:r>
+              <a:rPr lang="en-US" altLang="zh-CN" dirty="0"/>
+              <a:t>What’s the definition of correct</a:t>
+            </a:r>
+            <a:r>
+              <a:rPr lang="en-US" altLang="zh-CN" i="1" dirty="0"/>
+              <a:t> </a:t>
+            </a:r>
+            <a:r>
+              <a:rPr lang="en-US" altLang="zh-CN" dirty="0"/>
+              <a:t>system function?</a:t>
+            </a:r>
+          </a:p>
+          <a:p>
+            <a:pPr>
+              <a:spcBef>
+                <a:spcPts val="800"/>
+              </a:spcBef>
+              <a:spcAft>
+                <a:spcPts val="800"/>
+              </a:spcAft>
+            </a:pPr>
+            <a:r>
+              <a:rPr lang="en-US" altLang="zh-CN" dirty="0"/>
+              <a:t>What’s the representation of erroneous behaviors in the environment?</a:t>
+            </a:r>
+          </a:p>
+          <a:p>
+            <a:pPr>
+              <a:spcBef>
+                <a:spcPts val="800"/>
+              </a:spcBef>
+              <a:spcAft>
+                <a:spcPts val="800"/>
+              </a:spcAft>
+            </a:pPr>
+            <a:r>
+              <a:rPr lang="en-US" altLang="zh-CN" dirty="0"/>
+              <a:t>What’s the representation of system ability to handle such erroneous behaviors (i.e., the representation of robustness)?</a:t>
+            </a:r>
+            <a:endParaRPr lang="zh-CN" altLang="en-US" dirty="0"/>
+          </a:p>
+        </p:txBody>
+      </p:sp>
+      <p:sp>
+        <p:nvSpPr>
+          <p:cNvPr id="4" name="Slide Number Placeholder 3">
+            <a:extLst>
+              <a:ext uri="{FF2B5EF4-FFF2-40B4-BE49-F238E27FC236}">
+                <a16:creationId xmlns:a16="http://schemas.microsoft.com/office/drawing/2014/main" id="{BFEF533C-902A-4F7A-8732-63DB3545E92F}"/>
+              </a:ext>
+            </a:extLst>
+          </p:cNvPr>
+          <p:cNvSpPr>
+            <a:spLocks noGrp="1"/>
+          </p:cNvSpPr>
+          <p:nvPr>
+            <p:ph type="sldNum" idx="12"/>
+          </p:nvPr>
+        </p:nvSpPr>
+        <p:spPr/>
+        <p:txBody>
+          <a:bodyPr/>
+          <a:lstStyle/>
+          <a:p>
+            <a:pPr marL="0" lvl="0" indent="0" algn="r" rtl="0">
+              <a:spcBef>
+                <a:spcPts val="0"/>
+              </a:spcBef>
+              <a:spcAft>
+                <a:spcPts val="0"/>
+              </a:spcAft>
+              <a:buNone/>
+            </a:pPr>
+            <a:fld id="{00000000-1234-1234-1234-123412341234}" type="slidenum">
+              <a:rPr lang="en" smtClean="0"/>
+              <a:t>5</a:t>
+            </a:fld>
+            <a:endParaRPr lang="en"/>
+          </a:p>
+        </p:txBody>
+      </p:sp>
+    </p:spTree>
+    <p:extLst>
+      <p:ext uri="{BB962C8B-B14F-4D97-AF65-F5344CB8AC3E}">
+        <p14:creationId xmlns:p14="http://schemas.microsoft.com/office/powerpoint/2010/main" val="1277660768"/>
+      </p:ext>
+    </p:extLst>
+  </p:cSld>
+  <p:clrMapOvr>
+    <a:masterClrMapping/>
+  </p:clrMapOvr>
+</p:sld>
+</file>
+
+<file path=ppt/slides/slide6.xml><?xml version="1.0" encoding="utf-8"?>
+<p:sld xmlns:a="http://schemas.openxmlformats.org/drawingml/2006/main" xmlns:r="http://schemas.openxmlformats.org/officeDocument/2006/relationships" xmlns:p="http://schemas.openxmlformats.org/presentationml/2006/main">
+  <p:cSld>
+    <p:spTree>
+      <p:nvGrpSpPr>
+        <p:cNvPr id="1" name=""/>
+        <p:cNvGrpSpPr/>
+        <p:nvPr/>
+      </p:nvGrpSpPr>
+      <p:grpSpPr>
+        <a:xfrm>
+          <a:off x="0" y="0"/>
+          <a:ext cx="0" cy="0"/>
+          <a:chOff x="0" y="0"/>
+          <a:chExt cx="0" cy="0"/>
+        </a:xfrm>
+      </p:grpSpPr>
+      <p:sp>
+        <p:nvSpPr>
+          <p:cNvPr id="2" name="Title 1">
+            <a:extLst>
+              <a:ext uri="{FF2B5EF4-FFF2-40B4-BE49-F238E27FC236}">
+                <a16:creationId xmlns:a16="http://schemas.microsoft.com/office/drawing/2014/main" id="{8D882958-137D-4133-B028-0E9B88120040}"/>
+              </a:ext>
+            </a:extLst>
+          </p:cNvPr>
+          <p:cNvSpPr>
+            <a:spLocks noGrp="1"/>
+          </p:cNvSpPr>
+          <p:nvPr>
+            <p:ph type="title"/>
+          </p:nvPr>
+        </p:nvSpPr>
+        <p:spPr/>
+        <p:txBody>
+          <a:bodyPr/>
+          <a:lstStyle/>
+          <a:p>
+            <a:r>
+              <a:rPr lang="en-US" altLang="zh-CN" dirty="0"/>
+              <a:t>A Formal View of Testing Robustness</a:t>
+            </a:r>
+            <a:endParaRPr lang="zh-CN" altLang="en-US" dirty="0"/>
+          </a:p>
+        </p:txBody>
+      </p:sp>
+      <mc:AlternateContent xmlns:mc="http://schemas.openxmlformats.org/markup-compatibility/2006">
+        <mc:Choice xmlns:a14="http://schemas.microsoft.com/office/drawing/2010/main" Requires="a14">
+          <p:sp>
+            <p:nvSpPr>
+              <p:cNvPr id="3" name="Text Placeholder 2">
+                <a:extLst>
+                  <a:ext uri="{FF2B5EF4-FFF2-40B4-BE49-F238E27FC236}">
+                    <a16:creationId xmlns:a16="http://schemas.microsoft.com/office/drawing/2014/main" id="{114A8568-25BC-497E-A443-B8527974595E}"/>
+                  </a:ext>
+                </a:extLst>
+              </p:cNvPr>
+              <p:cNvSpPr>
+                <a:spLocks noGrp="1"/>
+              </p:cNvSpPr>
+              <p:nvPr>
+                <p:ph type="body" idx="1"/>
+              </p:nvPr>
+            </p:nvSpPr>
+            <p:spPr>
+              <a:xfrm>
+                <a:off x="311700" y="1152475"/>
+                <a:ext cx="8520600" cy="3172200"/>
+              </a:xfrm>
+            </p:spPr>
+            <p:txBody>
+              <a:bodyPr/>
+              <a:lstStyle/>
+              <a:p>
+                <a:pPr marL="114300" indent="0">
+                  <a:buNone/>
+                </a:pPr>
+                <a:r>
+                  <a:rPr lang="en-US" altLang="zh-CN" sz="1600" dirty="0"/>
+                  <a:t>Let </a:t>
+                </a:r>
+                <a14:m>
+                  <m:oMath xmlns:m="http://schemas.openxmlformats.org/officeDocument/2006/math">
+                    <m:r>
+                      <a:rPr lang="en-US" altLang="zh-CN" sz="1600" i="1" dirty="0" smtClean="0">
+                        <a:latin typeface="Cambria Math" panose="02040503050406030204" pitchFamily="18" charset="0"/>
+                      </a:rPr>
+                      <m:t>𝑆</m:t>
+                    </m:r>
+                  </m:oMath>
+                </a14:m>
+                <a:r>
+                  <a:rPr lang="en-US" altLang="zh-CN" sz="1600" dirty="0"/>
+                  <a:t> be the spec of a system, </a:t>
+                </a:r>
+                <a14:m>
+                  <m:oMath xmlns:m="http://schemas.openxmlformats.org/officeDocument/2006/math">
+                    <m:r>
+                      <a:rPr lang="en-US" altLang="zh-CN" sz="1600" i="1" dirty="0" smtClean="0">
+                        <a:latin typeface="Cambria Math" panose="02040503050406030204" pitchFamily="18" charset="0"/>
+                      </a:rPr>
+                      <m:t>𝐸</m:t>
+                    </m:r>
+                  </m:oMath>
+                </a14:m>
+                <a:r>
+                  <a:rPr lang="en-US" altLang="zh-CN" sz="1600" dirty="0"/>
+                  <a:t> be the spec of the baseline environment, </a:t>
+                </a:r>
+                <a14:m>
+                  <m:oMath xmlns:m="http://schemas.openxmlformats.org/officeDocument/2006/math">
+                    <m:r>
+                      <a:rPr lang="en-US" altLang="zh-CN" sz="1600" i="1" dirty="0" smtClean="0">
+                        <a:latin typeface="Cambria Math" panose="02040503050406030204" pitchFamily="18" charset="0"/>
+                      </a:rPr>
+                      <m:t>𝑃</m:t>
+                    </m:r>
+                  </m:oMath>
+                </a14:m>
+                <a:r>
+                  <a:rPr lang="en-US" altLang="zh-CN" sz="1600" dirty="0"/>
+                  <a:t> be the property to hold, then </a:t>
+                </a:r>
+                <a14:m>
+                  <m:oMath xmlns:m="http://schemas.openxmlformats.org/officeDocument/2006/math">
+                    <m:r>
+                      <a:rPr lang="en-US" altLang="zh-CN" sz="1600" i="1" dirty="0" smtClean="0">
+                        <a:latin typeface="Cambria Math" panose="02040503050406030204" pitchFamily="18" charset="0"/>
+                      </a:rPr>
+                      <m:t>𝑆</m:t>
+                    </m:r>
+                  </m:oMath>
+                </a14:m>
+                <a:r>
+                  <a:rPr lang="en-US" altLang="zh-CN" sz="1600" dirty="0"/>
+                  <a:t> is correct if</a:t>
+                </a:r>
+              </a:p>
+              <a:p>
+                <a:pPr marL="114300" indent="0">
+                  <a:buNone/>
+                </a:pPr>
+                <a:endParaRPr lang="en-US" altLang="zh-CN" sz="1600" dirty="0"/>
+              </a:p>
+              <a:p>
+                <a:pPr marL="114300" indent="0">
+                  <a:buNone/>
+                </a:pPr>
+                <a:endParaRPr lang="en-US" altLang="zh-CN" sz="1600" dirty="0"/>
+              </a:p>
+              <a:p>
+                <a:pPr marL="114300" indent="0">
+                  <a:buNone/>
+                </a:pPr>
+                <a:r>
+                  <a:rPr lang="en-US" altLang="zh-CN" sz="1600" dirty="0"/>
+                  <a:t>To characterize the robustness, let </a:t>
+                </a:r>
+                <a14:m>
+                  <m:oMath xmlns:m="http://schemas.openxmlformats.org/officeDocument/2006/math">
+                    <m:r>
+                      <a:rPr lang="en-US" altLang="zh-CN" sz="1600" i="1" dirty="0" smtClean="0">
+                        <a:latin typeface="Cambria Math" panose="02040503050406030204" pitchFamily="18" charset="0"/>
+                      </a:rPr>
+                      <m:t>𝐸</m:t>
+                    </m:r>
+                    <m:r>
+                      <a:rPr lang="en-US" altLang="zh-CN" sz="1600" b="0" i="1" dirty="0" smtClean="0">
+                        <a:latin typeface="Cambria Math" panose="02040503050406030204" pitchFamily="18" charset="0"/>
+                      </a:rPr>
+                      <m:t>′</m:t>
+                    </m:r>
+                    <m:r>
+                      <a:rPr lang="en-US" altLang="zh-CN" sz="1600" i="1" dirty="0">
+                        <a:latin typeface="Cambria Math" panose="02040503050406030204" pitchFamily="18" charset="0"/>
+                      </a:rPr>
+                      <m:t> </m:t>
+                    </m:r>
+                  </m:oMath>
+                </a14:m>
+                <a:r>
+                  <a:rPr lang="en-US" altLang="zh-CN" sz="1600" dirty="0"/>
+                  <a:t>be the mutated environment with errors, then system </a:t>
+                </a:r>
+                <a14:m>
+                  <m:oMath xmlns:m="http://schemas.openxmlformats.org/officeDocument/2006/math">
+                    <m:r>
+                      <a:rPr lang="en-US" altLang="zh-CN" sz="1600" i="1" dirty="0" smtClean="0">
+                        <a:latin typeface="Cambria Math" panose="02040503050406030204" pitchFamily="18" charset="0"/>
+                      </a:rPr>
+                      <m:t>𝑆</m:t>
+                    </m:r>
+                  </m:oMath>
+                </a14:m>
+                <a:r>
+                  <a:rPr lang="en-US" altLang="zh-CN" sz="1600" dirty="0"/>
+                  <a:t> is correct if</a:t>
+                </a:r>
+              </a:p>
+              <a:p>
+                <a:pPr marL="114300" indent="0">
+                  <a:buNone/>
+                </a:pPr>
+                <a:endParaRPr lang="en-US" altLang="zh-CN" sz="1600" dirty="0"/>
+              </a:p>
+              <a:p>
+                <a:pPr marL="114300" indent="0">
+                  <a:buNone/>
+                </a:pPr>
+                <a:endParaRPr lang="en-US" altLang="zh-CN" sz="1600" dirty="0"/>
+              </a:p>
+              <a:p>
+                <a:pPr marL="114300" indent="0">
+                  <a:buNone/>
+                </a:pPr>
+                <a:r>
+                  <a:rPr lang="en-US" altLang="zh-CN" sz="1600" dirty="0"/>
+                  <a:t>We say system </a:t>
+                </a:r>
+                <a14:m>
+                  <m:oMath xmlns:m="http://schemas.openxmlformats.org/officeDocument/2006/math">
+                    <m:r>
+                      <a:rPr lang="en-US" altLang="zh-CN" sz="1600" i="1" dirty="0" smtClean="0">
+                        <a:latin typeface="Cambria Math" panose="02040503050406030204" pitchFamily="18" charset="0"/>
+                      </a:rPr>
+                      <m:t>𝑆</m:t>
+                    </m:r>
+                  </m:oMath>
+                </a14:m>
+                <a:r>
+                  <a:rPr lang="en-US" altLang="zh-CN" sz="1600" dirty="0"/>
+                  <a:t> is robust against errors </a:t>
+                </a:r>
+                <a14:m>
+                  <m:oMath xmlns:m="http://schemas.openxmlformats.org/officeDocument/2006/math">
+                    <m:r>
+                      <a:rPr lang="en-US" altLang="zh-CN" sz="1600" i="1" smtClean="0">
+                        <a:latin typeface="Cambria Math" panose="02040503050406030204" pitchFamily="18" charset="0"/>
+                        <a:ea typeface="Cambria Math" panose="02040503050406030204" pitchFamily="18" charset="0"/>
+                      </a:rPr>
+                      <m:t>∆</m:t>
+                    </m:r>
+                  </m:oMath>
+                </a14:m>
+                <a:r>
+                  <a:rPr lang="en-US" altLang="zh-CN" sz="1600" dirty="0"/>
+                  <a:t>, where</a:t>
+                </a:r>
+              </a:p>
+              <a:p>
+                <a:pPr marL="114300" indent="0">
+                  <a:buNone/>
+                </a:pPr>
+                <a:endParaRPr lang="zh-CN" altLang="en-US" dirty="0"/>
+              </a:p>
+            </p:txBody>
+          </p:sp>
+        </mc:Choice>
+        <mc:Fallback>
+          <p:sp>
+            <p:nvSpPr>
+              <p:cNvPr id="3" name="Text Placeholder 2">
+                <a:extLst>
+                  <a:ext uri="{FF2B5EF4-FFF2-40B4-BE49-F238E27FC236}">
+                    <a16:creationId xmlns:a16="http://schemas.microsoft.com/office/drawing/2014/main" id="{114A8568-25BC-497E-A443-B8527974595E}"/>
+                  </a:ext>
+                </a:extLst>
+              </p:cNvPr>
+              <p:cNvSpPr>
+                <a:spLocks noGrp="1" noRot="1" noChangeAspect="1" noMove="1" noResize="1" noEditPoints="1" noAdjustHandles="1" noChangeArrowheads="1" noChangeShapeType="1" noTextEdit="1"/>
+              </p:cNvSpPr>
+              <p:nvPr>
+                <p:ph type="body" idx="1"/>
+              </p:nvPr>
+            </p:nvSpPr>
+            <p:spPr>
+              <a:xfrm>
+                <a:off x="311700" y="1152475"/>
+                <a:ext cx="8520600" cy="3172200"/>
+              </a:xfrm>
+              <a:blipFill>
+                <a:blip r:embed="rId5"/>
+                <a:stretch>
+                  <a:fillRect/>
+                </a:stretch>
+              </a:blipFill>
+            </p:spPr>
+            <p:txBody>
+              <a:bodyPr/>
+              <a:lstStyle/>
+              <a:p>
+                <a:r>
+                  <a:rPr lang="zh-CN" altLang="en-US">
+                    <a:noFill/>
+                  </a:rPr>
+                  <a:t> </a:t>
+                </a:r>
+              </a:p>
+            </p:txBody>
+          </p:sp>
+        </mc:Fallback>
+      </mc:AlternateContent>
+      <p:sp>
+        <p:nvSpPr>
+          <p:cNvPr id="4" name="Slide Number Placeholder 3">
+            <a:extLst>
+              <a:ext uri="{FF2B5EF4-FFF2-40B4-BE49-F238E27FC236}">
+                <a16:creationId xmlns:a16="http://schemas.microsoft.com/office/drawing/2014/main" id="{CBFD67E7-69C5-4881-A0E9-E6B71855EF88}"/>
+              </a:ext>
+            </a:extLst>
+          </p:cNvPr>
+          <p:cNvSpPr>
+            <a:spLocks noGrp="1"/>
+          </p:cNvSpPr>
+          <p:nvPr>
+            <p:ph type="sldNum" idx="12"/>
+          </p:nvPr>
+        </p:nvSpPr>
+        <p:spPr/>
+        <p:txBody>
+          <a:bodyPr/>
+          <a:lstStyle/>
+          <a:p>
+            <a:pPr marL="0" lvl="0" indent="0" algn="r" rtl="0">
+              <a:spcBef>
+                <a:spcPts val="0"/>
+              </a:spcBef>
+              <a:spcAft>
+                <a:spcPts val="0"/>
+              </a:spcAft>
+              <a:buNone/>
+            </a:pPr>
+            <a:fld id="{00000000-1234-1234-1234-123412341234}" type="slidenum">
+              <a:rPr lang="en" smtClean="0"/>
+              <a:t>6</a:t>
+            </a:fld>
+            <a:endParaRPr lang="en"/>
+          </a:p>
+        </p:txBody>
+      </p:sp>
+      <p:pic>
+        <p:nvPicPr>
+          <p:cNvPr id="6" name="Picture 5">
+            <a:extLst>
+              <a:ext uri="{FF2B5EF4-FFF2-40B4-BE49-F238E27FC236}">
+                <a16:creationId xmlns:a16="http://schemas.microsoft.com/office/drawing/2014/main" id="{DA8B4A71-691B-4F9C-A9F3-3A127D3A4A36}"/>
+              </a:ext>
+            </a:extLst>
+          </p:cNvPr>
+          <p:cNvPicPr>
+            <a:picLocks noChangeAspect="1"/>
+          </p:cNvPicPr>
+          <p:nvPr>
+            <p:custDataLst>
+              <p:tags r:id="rId1"/>
+            </p:custDataLst>
+          </p:nvPr>
+        </p:nvPicPr>
+        <p:blipFill>
+          <a:blip r:embed="rId6"/>
+          <a:stretch>
+            <a:fillRect/>
+          </a:stretch>
+        </p:blipFill>
+        <p:spPr>
+          <a:xfrm>
+            <a:off x="3828799" y="1935976"/>
+            <a:ext cx="1086171" cy="279924"/>
+          </a:xfrm>
+          <a:prstGeom prst="rect">
+            <a:avLst/>
+          </a:prstGeom>
+        </p:spPr>
+      </p:pic>
+      <p:pic>
+        <p:nvPicPr>
+          <p:cNvPr id="9" name="Picture 8">
+            <a:extLst>
+              <a:ext uri="{FF2B5EF4-FFF2-40B4-BE49-F238E27FC236}">
+                <a16:creationId xmlns:a16="http://schemas.microsoft.com/office/drawing/2014/main" id="{C431E865-7216-4CA3-A4D0-0DF9D11938CB}"/>
+              </a:ext>
+            </a:extLst>
+          </p:cNvPr>
+          <p:cNvPicPr>
+            <a:picLocks noChangeAspect="1"/>
+          </p:cNvPicPr>
+          <p:nvPr>
+            <p:custDataLst>
+              <p:tags r:id="rId2"/>
+            </p:custDataLst>
+          </p:nvPr>
+        </p:nvPicPr>
+        <p:blipFill>
+          <a:blip r:embed="rId7"/>
+          <a:stretch>
+            <a:fillRect/>
+          </a:stretch>
+        </p:blipFill>
+        <p:spPr>
+          <a:xfrm>
+            <a:off x="3790247" y="2999400"/>
+            <a:ext cx="1163276" cy="279924"/>
+          </a:xfrm>
+          <a:prstGeom prst="rect">
+            <a:avLst/>
+          </a:prstGeom>
+        </p:spPr>
+      </p:pic>
+      <p:pic>
+        <p:nvPicPr>
+          <p:cNvPr id="14" name="Picture 13">
+            <a:extLst>
+              <a:ext uri="{FF2B5EF4-FFF2-40B4-BE49-F238E27FC236}">
+                <a16:creationId xmlns:a16="http://schemas.microsoft.com/office/drawing/2014/main" id="{F84A6EE6-193D-4B35-9AEA-6BD0F8B81DC0}"/>
+              </a:ext>
+            </a:extLst>
+          </p:cNvPr>
+          <p:cNvPicPr>
+            <a:picLocks noChangeAspect="1"/>
+          </p:cNvPicPr>
+          <p:nvPr>
+            <p:custDataLst>
+              <p:tags r:id="rId3"/>
+            </p:custDataLst>
+          </p:nvPr>
+        </p:nvPicPr>
+        <p:blipFill>
+          <a:blip r:embed="rId8"/>
+          <a:stretch>
+            <a:fillRect/>
+          </a:stretch>
+        </p:blipFill>
+        <p:spPr>
+          <a:xfrm>
+            <a:off x="3649447" y="3896188"/>
+            <a:ext cx="1444876" cy="209524"/>
+          </a:xfrm>
+          <a:prstGeom prst="rect">
+            <a:avLst/>
+          </a:prstGeom>
+        </p:spPr>
+      </p:pic>
+    </p:spTree>
+    <p:extLst>
+      <p:ext uri="{BB962C8B-B14F-4D97-AF65-F5344CB8AC3E}">
+        <p14:creationId xmlns:p14="http://schemas.microsoft.com/office/powerpoint/2010/main" val="1952937887"/>
+      </p:ext>
+    </p:extLst>
+  </p:cSld>
+  <p:clrMapOvr>
+    <a:masterClrMapping/>
+  </p:clrMapOvr>
+</p:sld>
+</file>
+
+<file path=ppt/slides/slide7.xml><?xml version="1.0" encoding="utf-8"?>
+<p:sld xmlns:a="http://schemas.openxmlformats.org/drawingml/2006/main" xmlns:r="http://schemas.openxmlformats.org/officeDocument/2006/relationships" xmlns:p="http://schemas.openxmlformats.org/presentationml/2006/main">
+  <p:cSld>
+    <p:spTree>
+      <p:nvGrpSpPr>
+        <p:cNvPr id="1" name=""/>
+        <p:cNvGrpSpPr/>
+        <p:nvPr/>
+      </p:nvGrpSpPr>
+      <p:grpSpPr>
+        <a:xfrm>
+          <a:off x="0" y="0"/>
+          <a:ext cx="0" cy="0"/>
+          <a:chOff x="0" y="0"/>
+          <a:chExt cx="0" cy="0"/>
+        </a:xfrm>
+      </p:grpSpPr>
+      <p:sp>
+        <p:nvSpPr>
+          <p:cNvPr id="2" name="Title 1">
+            <a:extLst>
+              <a:ext uri="{FF2B5EF4-FFF2-40B4-BE49-F238E27FC236}">
+                <a16:creationId xmlns:a16="http://schemas.microsoft.com/office/drawing/2014/main" id="{8D882958-137D-4133-B028-0E9B88120040}"/>
+              </a:ext>
+            </a:extLst>
+          </p:cNvPr>
+          <p:cNvSpPr>
+            <a:spLocks noGrp="1"/>
+          </p:cNvSpPr>
+          <p:nvPr>
+            <p:ph type="title"/>
+          </p:nvPr>
+        </p:nvSpPr>
+        <p:spPr/>
+        <p:txBody>
+          <a:bodyPr/>
+          <a:lstStyle/>
+          <a:p>
+            <a:r>
+              <a:rPr lang="en-US" altLang="zh-CN" dirty="0"/>
+              <a:t>A Formal View of Testing Robustness</a:t>
+            </a:r>
+            <a:endParaRPr lang="zh-CN" altLang="en-US" dirty="0"/>
+          </a:p>
+        </p:txBody>
+      </p:sp>
+      <mc:AlternateContent xmlns:mc="http://schemas.openxmlformats.org/markup-compatibility/2006">
+        <mc:Choice xmlns:a14="http://schemas.microsoft.com/office/drawing/2010/main" Requires="a14">
+          <p:sp>
+            <p:nvSpPr>
+              <p:cNvPr id="3" name="Text Placeholder 2">
+                <a:extLst>
+                  <a:ext uri="{FF2B5EF4-FFF2-40B4-BE49-F238E27FC236}">
+                    <a16:creationId xmlns:a16="http://schemas.microsoft.com/office/drawing/2014/main" id="{114A8568-25BC-497E-A443-B8527974595E}"/>
+                  </a:ext>
+                </a:extLst>
+              </p:cNvPr>
+              <p:cNvSpPr>
+                <a:spLocks noGrp="1"/>
+              </p:cNvSpPr>
+              <p:nvPr>
+                <p:ph type="body" idx="1"/>
+              </p:nvPr>
+            </p:nvSpPr>
+            <p:spPr>
+              <a:xfrm>
+                <a:off x="311700" y="1152475"/>
+                <a:ext cx="8520600" cy="3172200"/>
+              </a:xfrm>
+            </p:spPr>
+            <p:txBody>
+              <a:bodyPr/>
+              <a:lstStyle/>
+              <a:p>
+                <a:pPr marL="114300" indent="0">
+                  <a:buNone/>
+                </a:pPr>
+                <a:r>
+                  <a:rPr lang="en-US" altLang="zh-CN" sz="1600" dirty="0"/>
+                  <a:t>Let </a:t>
+                </a:r>
+                <a14:m>
+                  <m:oMath xmlns:m="http://schemas.openxmlformats.org/officeDocument/2006/math">
+                    <m:r>
+                      <a:rPr lang="en-US" altLang="zh-CN" sz="1600" i="1" dirty="0" smtClean="0">
+                        <a:latin typeface="Cambria Math" panose="02040503050406030204" pitchFamily="18" charset="0"/>
+                      </a:rPr>
+                      <m:t>𝑆</m:t>
+                    </m:r>
+                  </m:oMath>
+                </a14:m>
+                <a:r>
+                  <a:rPr lang="en-US" altLang="zh-CN" sz="1600" dirty="0"/>
+                  <a:t> be the spec of a system, </a:t>
+                </a:r>
+                <a14:m>
+                  <m:oMath xmlns:m="http://schemas.openxmlformats.org/officeDocument/2006/math">
+                    <m:r>
+                      <a:rPr lang="en-US" altLang="zh-CN" sz="1600" i="1" dirty="0" smtClean="0">
+                        <a:latin typeface="Cambria Math" panose="02040503050406030204" pitchFamily="18" charset="0"/>
+                      </a:rPr>
+                      <m:t>𝐸</m:t>
+                    </m:r>
+                  </m:oMath>
+                </a14:m>
+                <a:r>
+                  <a:rPr lang="en-US" altLang="zh-CN" sz="1600" dirty="0"/>
+                  <a:t> be the spec of the baseline environment, </a:t>
+                </a:r>
+                <a14:m>
+                  <m:oMath xmlns:m="http://schemas.openxmlformats.org/officeDocument/2006/math">
+                    <m:r>
+                      <a:rPr lang="en-US" altLang="zh-CN" sz="1600" i="1" dirty="0" smtClean="0">
+                        <a:latin typeface="Cambria Math" panose="02040503050406030204" pitchFamily="18" charset="0"/>
+                      </a:rPr>
+                      <m:t>𝑃</m:t>
+                    </m:r>
+                  </m:oMath>
+                </a14:m>
+                <a:r>
+                  <a:rPr lang="en-US" altLang="zh-CN" sz="1600" dirty="0"/>
+                  <a:t> be the property to hold, then </a:t>
+                </a:r>
+                <a14:m>
+                  <m:oMath xmlns:m="http://schemas.openxmlformats.org/officeDocument/2006/math">
+                    <m:r>
+                      <a:rPr lang="en-US" altLang="zh-CN" sz="1600" i="1" dirty="0" smtClean="0">
+                        <a:latin typeface="Cambria Math" panose="02040503050406030204" pitchFamily="18" charset="0"/>
+                      </a:rPr>
+                      <m:t>𝑆</m:t>
+                    </m:r>
+                  </m:oMath>
+                </a14:m>
+                <a:r>
+                  <a:rPr lang="en-US" altLang="zh-CN" sz="1600" dirty="0"/>
+                  <a:t> is correct if</a:t>
+                </a:r>
+              </a:p>
+              <a:p>
+                <a:pPr marL="114300" indent="0">
+                  <a:buNone/>
+                </a:pPr>
+                <a:endParaRPr lang="en-US" altLang="zh-CN" sz="1600" dirty="0"/>
+              </a:p>
+              <a:p>
+                <a:pPr marL="114300" indent="0">
+                  <a:buNone/>
+                </a:pPr>
+                <a:endParaRPr lang="en-US" altLang="zh-CN" sz="1600" dirty="0"/>
+              </a:p>
+              <a:p>
+                <a:pPr marL="114300" indent="0">
+                  <a:buNone/>
+                </a:pPr>
+                <a:r>
+                  <a:rPr lang="en-US" altLang="zh-CN" sz="1600" dirty="0"/>
+                  <a:t>To characterize the robustness, let </a:t>
+                </a:r>
+                <a14:m>
+                  <m:oMath xmlns:m="http://schemas.openxmlformats.org/officeDocument/2006/math">
+                    <m:r>
+                      <a:rPr lang="en-US" altLang="zh-CN" sz="1600" i="1" dirty="0" smtClean="0">
+                        <a:latin typeface="Cambria Math" panose="02040503050406030204" pitchFamily="18" charset="0"/>
+                      </a:rPr>
+                      <m:t>𝐸</m:t>
+                    </m:r>
+                    <m:r>
+                      <a:rPr lang="en-US" altLang="zh-CN" sz="1600" b="0" i="1" dirty="0" smtClean="0">
+                        <a:latin typeface="Cambria Math" panose="02040503050406030204" pitchFamily="18" charset="0"/>
+                      </a:rPr>
+                      <m:t>′</m:t>
+                    </m:r>
+                    <m:r>
+                      <a:rPr lang="en-US" altLang="zh-CN" sz="1600" i="1" dirty="0">
+                        <a:latin typeface="Cambria Math" panose="02040503050406030204" pitchFamily="18" charset="0"/>
+                      </a:rPr>
+                      <m:t> </m:t>
+                    </m:r>
+                  </m:oMath>
+                </a14:m>
+                <a:r>
+                  <a:rPr lang="en-US" altLang="zh-CN" sz="1600" dirty="0"/>
+                  <a:t>be the </a:t>
+                </a:r>
+                <a:r>
+                  <a:rPr lang="en-US" altLang="zh-CN" sz="1600" b="1" dirty="0"/>
+                  <a:t>mutated environment with errors</a:t>
+                </a:r>
+                <a:r>
+                  <a:rPr lang="en-US" altLang="zh-CN" sz="1600" dirty="0"/>
+                  <a:t>, then system </a:t>
+                </a:r>
+                <a14:m>
+                  <m:oMath xmlns:m="http://schemas.openxmlformats.org/officeDocument/2006/math">
+                    <m:r>
+                      <a:rPr lang="en-US" altLang="zh-CN" sz="1600" i="1" dirty="0" smtClean="0">
+                        <a:latin typeface="Cambria Math" panose="02040503050406030204" pitchFamily="18" charset="0"/>
+                      </a:rPr>
+                      <m:t>𝑆</m:t>
+                    </m:r>
+                  </m:oMath>
+                </a14:m>
+                <a:r>
+                  <a:rPr lang="en-US" altLang="zh-CN" sz="1600" dirty="0"/>
+                  <a:t> is correct if</a:t>
+                </a:r>
+              </a:p>
+              <a:p>
+                <a:pPr marL="114300" indent="0">
+                  <a:buNone/>
+                </a:pPr>
+                <a:endParaRPr lang="en-US" altLang="zh-CN" sz="1600" dirty="0"/>
+              </a:p>
+              <a:p>
+                <a:pPr marL="114300" indent="0">
+                  <a:buNone/>
+                </a:pPr>
+                <a:endParaRPr lang="en-US" altLang="zh-CN" sz="1600" dirty="0"/>
+              </a:p>
+              <a:p>
+                <a:pPr marL="114300" indent="0">
+                  <a:buNone/>
+                </a:pPr>
+                <a:r>
+                  <a:rPr lang="en-US" altLang="zh-CN" sz="1600" dirty="0"/>
+                  <a:t>We say system </a:t>
+                </a:r>
+                <a14:m>
+                  <m:oMath xmlns:m="http://schemas.openxmlformats.org/officeDocument/2006/math">
+                    <m:r>
+                      <a:rPr lang="en-US" altLang="zh-CN" sz="1600" i="1" dirty="0">
+                        <a:latin typeface="Cambria Math" panose="02040503050406030204" pitchFamily="18" charset="0"/>
+                      </a:rPr>
+                      <m:t>𝑆</m:t>
+                    </m:r>
+                  </m:oMath>
+                </a14:m>
+                <a:r>
+                  <a:rPr lang="en-US" altLang="zh-CN" sz="1600" dirty="0"/>
+                  <a:t> is robust against errors </a:t>
+                </a:r>
+                <a14:m>
+                  <m:oMath xmlns:m="http://schemas.openxmlformats.org/officeDocument/2006/math">
+                    <m:r>
+                      <a:rPr lang="en-US" altLang="zh-CN" sz="1600" i="1">
+                        <a:latin typeface="Cambria Math" panose="02040503050406030204" pitchFamily="18" charset="0"/>
+                        <a:ea typeface="Cambria Math" panose="02040503050406030204" pitchFamily="18" charset="0"/>
+                      </a:rPr>
+                      <m:t>∆</m:t>
+                    </m:r>
+                  </m:oMath>
+                </a14:m>
+                <a:r>
+                  <a:rPr lang="en-US" altLang="zh-CN" sz="1600" dirty="0"/>
+                  <a:t>, where</a:t>
+                </a:r>
+              </a:p>
+              <a:p>
+                <a:pPr marL="114300" indent="0">
+                  <a:buNone/>
+                </a:pPr>
+                <a:endParaRPr lang="zh-CN" altLang="en-US" dirty="0"/>
+              </a:p>
+            </p:txBody>
+          </p:sp>
+        </mc:Choice>
+        <mc:Fallback>
+          <p:sp>
+            <p:nvSpPr>
+              <p:cNvPr id="3" name="Text Placeholder 2">
+                <a:extLst>
+                  <a:ext uri="{FF2B5EF4-FFF2-40B4-BE49-F238E27FC236}">
+                    <a16:creationId xmlns:a16="http://schemas.microsoft.com/office/drawing/2014/main" id="{114A8568-25BC-497E-A443-B8527974595E}"/>
+                  </a:ext>
+                </a:extLst>
+              </p:cNvPr>
+              <p:cNvSpPr>
+                <a:spLocks noGrp="1" noRot="1" noChangeAspect="1" noMove="1" noResize="1" noEditPoints="1" noAdjustHandles="1" noChangeArrowheads="1" noChangeShapeType="1" noTextEdit="1"/>
+              </p:cNvSpPr>
+              <p:nvPr>
+                <p:ph type="body" idx="1"/>
+              </p:nvPr>
+            </p:nvSpPr>
+            <p:spPr>
+              <a:xfrm>
+                <a:off x="311700" y="1152475"/>
+                <a:ext cx="8520600" cy="3172200"/>
+              </a:xfrm>
+              <a:blipFill>
+                <a:blip r:embed="rId5"/>
+                <a:stretch>
+                  <a:fillRect r="-429"/>
+                </a:stretch>
+              </a:blipFill>
+            </p:spPr>
+            <p:txBody>
+              <a:bodyPr/>
+              <a:lstStyle/>
+              <a:p>
+                <a:r>
+                  <a:rPr lang="zh-CN" altLang="en-US">
+                    <a:noFill/>
+                  </a:rPr>
+                  <a:t> </a:t>
+                </a:r>
+              </a:p>
+            </p:txBody>
+          </p:sp>
+        </mc:Fallback>
+      </mc:AlternateContent>
+      <p:sp>
+        <p:nvSpPr>
+          <p:cNvPr id="4" name="Slide Number Placeholder 3">
+            <a:extLst>
+              <a:ext uri="{FF2B5EF4-FFF2-40B4-BE49-F238E27FC236}">
+                <a16:creationId xmlns:a16="http://schemas.microsoft.com/office/drawing/2014/main" id="{CBFD67E7-69C5-4881-A0E9-E6B71855EF88}"/>
+              </a:ext>
+            </a:extLst>
+          </p:cNvPr>
+          <p:cNvSpPr>
+            <a:spLocks noGrp="1"/>
+          </p:cNvSpPr>
+          <p:nvPr>
+            <p:ph type="sldNum" idx="12"/>
+          </p:nvPr>
+        </p:nvSpPr>
+        <p:spPr/>
+        <p:txBody>
+          <a:bodyPr/>
+          <a:lstStyle/>
+          <a:p>
+            <a:pPr marL="0" lvl="0" indent="0" algn="r" rtl="0">
+              <a:spcBef>
+                <a:spcPts val="0"/>
+              </a:spcBef>
+              <a:spcAft>
+                <a:spcPts val="0"/>
+              </a:spcAft>
+              <a:buNone/>
+            </a:pPr>
+            <a:fld id="{00000000-1234-1234-1234-123412341234}" type="slidenum">
+              <a:rPr lang="en" smtClean="0"/>
+              <a:t>7</a:t>
+            </a:fld>
+            <a:endParaRPr lang="en"/>
+          </a:p>
+        </p:txBody>
+      </p:sp>
+      <p:pic>
+        <p:nvPicPr>
+          <p:cNvPr id="6" name="Picture 5">
+            <a:extLst>
+              <a:ext uri="{FF2B5EF4-FFF2-40B4-BE49-F238E27FC236}">
+                <a16:creationId xmlns:a16="http://schemas.microsoft.com/office/drawing/2014/main" id="{DA8B4A71-691B-4F9C-A9F3-3A127D3A4A36}"/>
+              </a:ext>
+            </a:extLst>
+          </p:cNvPr>
+          <p:cNvPicPr>
+            <a:picLocks noChangeAspect="1"/>
+          </p:cNvPicPr>
+          <p:nvPr>
+            <p:custDataLst>
+              <p:tags r:id="rId1"/>
+            </p:custDataLst>
+          </p:nvPr>
+        </p:nvPicPr>
+        <p:blipFill>
+          <a:blip r:embed="rId6"/>
+          <a:stretch>
+            <a:fillRect/>
+          </a:stretch>
+        </p:blipFill>
+        <p:spPr>
+          <a:xfrm>
+            <a:off x="3828799" y="1935976"/>
+            <a:ext cx="1086171" cy="279924"/>
+          </a:xfrm>
+          <a:prstGeom prst="rect">
+            <a:avLst/>
+          </a:prstGeom>
+        </p:spPr>
+      </p:pic>
+      <p:pic>
+        <p:nvPicPr>
+          <p:cNvPr id="9" name="Picture 8">
+            <a:extLst>
+              <a:ext uri="{FF2B5EF4-FFF2-40B4-BE49-F238E27FC236}">
+                <a16:creationId xmlns:a16="http://schemas.microsoft.com/office/drawing/2014/main" id="{C431E865-7216-4CA3-A4D0-0DF9D11938CB}"/>
+              </a:ext>
+            </a:extLst>
+          </p:cNvPr>
+          <p:cNvPicPr>
+            <a:picLocks noChangeAspect="1"/>
+          </p:cNvPicPr>
+          <p:nvPr>
+            <p:custDataLst>
+              <p:tags r:id="rId2"/>
+            </p:custDataLst>
+          </p:nvPr>
+        </p:nvPicPr>
+        <p:blipFill>
+          <a:blip r:embed="rId7"/>
+          <a:stretch>
+            <a:fillRect/>
+          </a:stretch>
+        </p:blipFill>
+        <p:spPr>
+          <a:xfrm>
+            <a:off x="3790247" y="2999400"/>
+            <a:ext cx="1163276" cy="279924"/>
+          </a:xfrm>
+          <a:prstGeom prst="rect">
+            <a:avLst/>
+          </a:prstGeom>
+        </p:spPr>
+      </p:pic>
+      <p:pic>
+        <p:nvPicPr>
+          <p:cNvPr id="14" name="Picture 13">
+            <a:extLst>
+              <a:ext uri="{FF2B5EF4-FFF2-40B4-BE49-F238E27FC236}">
+                <a16:creationId xmlns:a16="http://schemas.microsoft.com/office/drawing/2014/main" id="{F84A6EE6-193D-4B35-9AEA-6BD0F8B81DC0}"/>
+              </a:ext>
+            </a:extLst>
+          </p:cNvPr>
+          <p:cNvPicPr>
+            <a:picLocks noChangeAspect="1"/>
+          </p:cNvPicPr>
+          <p:nvPr>
+            <p:custDataLst>
+              <p:tags r:id="rId3"/>
+            </p:custDataLst>
+          </p:nvPr>
+        </p:nvPicPr>
+        <p:blipFill>
+          <a:blip r:embed="rId8"/>
+          <a:stretch>
+            <a:fillRect/>
+          </a:stretch>
+        </p:blipFill>
+        <p:spPr>
+          <a:xfrm>
+            <a:off x="3649447" y="3896188"/>
+            <a:ext cx="1444876" cy="209524"/>
+          </a:xfrm>
+          <a:prstGeom prst="rect">
+            <a:avLst/>
+          </a:prstGeom>
+        </p:spPr>
+      </p:pic>
+      <p:sp>
+        <p:nvSpPr>
+          <p:cNvPr id="16" name="Speech Bubble: Oval 15">
+            <a:extLst>
+              <a:ext uri="{FF2B5EF4-FFF2-40B4-BE49-F238E27FC236}">
+                <a16:creationId xmlns:a16="http://schemas.microsoft.com/office/drawing/2014/main" id="{49BB222A-B9BC-44EB-92F2-AFBCA76E37C1}"/>
+              </a:ext>
+            </a:extLst>
+          </p:cNvPr>
+          <p:cNvSpPr/>
+          <p:nvPr/>
+        </p:nvSpPr>
+        <p:spPr>
+          <a:xfrm>
+            <a:off x="5817904" y="2865600"/>
+            <a:ext cx="2575658" cy="1226406"/>
+          </a:xfrm>
+          <a:prstGeom prst="wedgeEllipseCallout">
+            <a:avLst>
+              <a:gd name="adj1" fmla="val -35649"/>
+              <a:gd name="adj2" fmla="val -63722"/>
+            </a:avLst>
+          </a:prstGeom>
+        </p:spPr>
+        <p:style>
+          <a:lnRef idx="3">
+            <a:schemeClr val="lt1"/>
+          </a:lnRef>
+          <a:fillRef idx="1">
+            <a:schemeClr val="accent3"/>
+          </a:fillRef>
+          <a:effectRef idx="1">
+            <a:schemeClr val="accent3"/>
+          </a:effectRef>
+          <a:fontRef idx="minor">
+            <a:schemeClr val="lt1"/>
+          </a:fontRef>
+        </p:style>
+        <p:txBody>
+          <a:bodyPr rtlCol="0" anchor="ctr"/>
+          <a:lstStyle/>
+          <a:p>
+            <a:pPr algn="ctr"/>
+            <a:r>
+              <a:rPr lang="en-US" altLang="zh-CN" sz="1600" dirty="0"/>
+              <a:t>Not possible to enumerate all the possible errors!</a:t>
+            </a:r>
+            <a:endParaRPr lang="zh-CN" altLang="en-US" sz="1600" dirty="0"/>
+          </a:p>
+        </p:txBody>
+      </p:sp>
+    </p:spTree>
+    <p:extLst>
+      <p:ext uri="{BB962C8B-B14F-4D97-AF65-F5344CB8AC3E}">
+        <p14:creationId xmlns:p14="http://schemas.microsoft.com/office/powerpoint/2010/main" val="507448066"/>
       </p:ext>
     </p:extLst>
   </p:cSld>
@@ -17572,6 +18543,437 @@
 </file>
 
 <file path=ppt/slides/slide8.xml><?xml version="1.0" encoding="utf-8"?>
+<p:sld xmlns:a="http://schemas.openxmlformats.org/drawingml/2006/main" xmlns:r="http://schemas.openxmlformats.org/officeDocument/2006/relationships" xmlns:p="http://schemas.openxmlformats.org/presentationml/2006/main">
+  <p:cSld>
+    <p:spTree>
+      <p:nvGrpSpPr>
+        <p:cNvPr id="1" name=""/>
+        <p:cNvGrpSpPr/>
+        <p:nvPr/>
+      </p:nvGrpSpPr>
+      <p:grpSpPr>
+        <a:xfrm>
+          <a:off x="0" y="0"/>
+          <a:ext cx="0" cy="0"/>
+          <a:chOff x="0" y="0"/>
+          <a:chExt cx="0" cy="0"/>
+        </a:xfrm>
+      </p:grpSpPr>
+      <p:sp>
+        <p:nvSpPr>
+          <p:cNvPr id="2" name="Title 1">
+            <a:extLst>
+              <a:ext uri="{FF2B5EF4-FFF2-40B4-BE49-F238E27FC236}">
+                <a16:creationId xmlns:a16="http://schemas.microsoft.com/office/drawing/2014/main" id="{8362DDEA-16AC-46CF-9AA1-2CB5E2F45D2D}"/>
+              </a:ext>
+            </a:extLst>
+          </p:cNvPr>
+          <p:cNvSpPr>
+            <a:spLocks noGrp="1"/>
+          </p:cNvSpPr>
+          <p:nvPr>
+            <p:ph type="title"/>
+          </p:nvPr>
+        </p:nvSpPr>
+        <p:spPr/>
+        <p:txBody>
+          <a:bodyPr/>
+          <a:lstStyle/>
+          <a:p>
+            <a:r>
+              <a:rPr lang="en-US" altLang="zh-CN" dirty="0"/>
+              <a:t>Another way around</a:t>
+            </a:r>
+            <a:endParaRPr lang="zh-CN" altLang="en-US" dirty="0"/>
+          </a:p>
+        </p:txBody>
+      </p:sp>
+      <mc:AlternateContent xmlns:mc="http://schemas.openxmlformats.org/markup-compatibility/2006">
+        <mc:Choice xmlns:a14="http://schemas.microsoft.com/office/drawing/2010/main" Requires="a14">
+          <p:sp>
+            <p:nvSpPr>
+              <p:cNvPr id="3" name="Text Placeholder 2">
+                <a:extLst>
+                  <a:ext uri="{FF2B5EF4-FFF2-40B4-BE49-F238E27FC236}">
+                    <a16:creationId xmlns:a16="http://schemas.microsoft.com/office/drawing/2014/main" id="{7D292421-30A4-4D57-9A7A-B1BEF9CD135E}"/>
+                  </a:ext>
+                </a:extLst>
+              </p:cNvPr>
+              <p:cNvSpPr>
+                <a:spLocks noGrp="1"/>
+              </p:cNvSpPr>
+              <p:nvPr>
+                <p:ph type="body" idx="1"/>
+              </p:nvPr>
+            </p:nvSpPr>
+            <p:spPr/>
+            <p:txBody>
+              <a:bodyPr/>
+              <a:lstStyle/>
+              <a:p>
+                <a:pPr marL="114300" indent="0">
+                  <a:buNone/>
+                </a:pPr>
+                <a:r>
+                  <a:rPr lang="en-US" altLang="zh-CN" sz="1600" dirty="0"/>
+                  <a:t>Let </a:t>
+                </a:r>
+                <a14:m>
+                  <m:oMath xmlns:m="http://schemas.openxmlformats.org/officeDocument/2006/math">
+                    <m:r>
+                      <a:rPr lang="en-US" altLang="zh-CN" sz="1600" i="1" dirty="0">
+                        <a:latin typeface="Cambria Math" panose="02040503050406030204" pitchFamily="18" charset="0"/>
+                      </a:rPr>
+                      <m:t>𝑆</m:t>
+                    </m:r>
+                  </m:oMath>
+                </a14:m>
+                <a:r>
+                  <a:rPr lang="en-US" altLang="zh-CN" sz="1600" dirty="0"/>
+                  <a:t> be the spec of a system, </a:t>
+                </a:r>
+                <a14:m>
+                  <m:oMath xmlns:m="http://schemas.openxmlformats.org/officeDocument/2006/math">
+                    <m:r>
+                      <a:rPr lang="en-US" altLang="zh-CN" sz="1600" i="1" dirty="0">
+                        <a:latin typeface="Cambria Math" panose="02040503050406030204" pitchFamily="18" charset="0"/>
+                      </a:rPr>
+                      <m:t>𝐸</m:t>
+                    </m:r>
+                  </m:oMath>
+                </a14:m>
+                <a:r>
+                  <a:rPr lang="en-US" altLang="zh-CN" sz="1600" dirty="0"/>
+                  <a:t> be the spec of the baseline environment, </a:t>
+                </a:r>
+                <a14:m>
+                  <m:oMath xmlns:m="http://schemas.openxmlformats.org/officeDocument/2006/math">
+                    <m:r>
+                      <a:rPr lang="en-US" altLang="zh-CN" sz="1600" i="1" dirty="0">
+                        <a:latin typeface="Cambria Math" panose="02040503050406030204" pitchFamily="18" charset="0"/>
+                      </a:rPr>
+                      <m:t>𝑃</m:t>
+                    </m:r>
+                  </m:oMath>
+                </a14:m>
+                <a:r>
+                  <a:rPr lang="en-US" altLang="zh-CN" sz="1600" dirty="0"/>
+                  <a:t> be the property to hold, we have</a:t>
+                </a:r>
+              </a:p>
+              <a:p>
+                <a:pPr marL="114300" indent="0">
+                  <a:buNone/>
+                </a:pPr>
+                <a:endParaRPr lang="en-US" altLang="zh-CN" sz="1600" dirty="0"/>
+              </a:p>
+              <a:p>
+                <a:pPr marL="114300" indent="0">
+                  <a:buNone/>
+                </a:pPr>
+                <a:endParaRPr lang="en-US" altLang="zh-CN" sz="1600" dirty="0"/>
+              </a:p>
+              <a:p>
+                <a:pPr marL="114300" indent="0">
+                  <a:buNone/>
+                </a:pPr>
+                <a:r>
+                  <a:rPr lang="en-US" altLang="zh-CN" sz="1600" dirty="0"/>
+                  <a:t>where </a:t>
+                </a:r>
+                <a14:m>
+                  <m:oMath xmlns:m="http://schemas.openxmlformats.org/officeDocument/2006/math">
+                    <m:sSub>
+                      <m:sSubPr>
+                        <m:ctrlPr>
+                          <a:rPr lang="en-US" altLang="zh-CN" sz="1600" i="1" dirty="0" smtClean="0">
+                            <a:latin typeface="Cambria Math" panose="02040503050406030204" pitchFamily="18" charset="0"/>
+                          </a:rPr>
+                        </m:ctrlPr>
+                      </m:sSubPr>
+                      <m:e>
+                        <m:r>
+                          <a:rPr lang="en-US" altLang="zh-CN" sz="1600" b="0" i="1" dirty="0" smtClean="0">
+                            <a:latin typeface="Cambria Math" panose="02040503050406030204" pitchFamily="18" charset="0"/>
+                          </a:rPr>
+                          <m:t>𝑊</m:t>
+                        </m:r>
+                        <m:r>
+                          <a:rPr lang="en-US" altLang="zh-CN" sz="1600" i="1" dirty="0" smtClean="0">
+                            <a:latin typeface="Cambria Math" panose="02040503050406030204" pitchFamily="18" charset="0"/>
+                          </a:rPr>
+                          <m:t>𝐸</m:t>
+                        </m:r>
+                      </m:e>
+                      <m:sub>
+                        <m:r>
+                          <a:rPr lang="en-US" altLang="zh-CN" sz="1600" b="0" i="1" dirty="0" smtClean="0">
+                            <a:latin typeface="Cambria Math" panose="02040503050406030204" pitchFamily="18" charset="0"/>
+                          </a:rPr>
+                          <m:t>𝑆</m:t>
+                        </m:r>
+                      </m:sub>
+                    </m:sSub>
+                  </m:oMath>
+                </a14:m>
+                <a:r>
+                  <a:rPr lang="zh-CN" altLang="en-US" sz="1600" dirty="0"/>
+                  <a:t> </a:t>
+                </a:r>
+                <a:r>
+                  <a:rPr lang="en-US" altLang="zh-CN" sz="1600" dirty="0"/>
+                  <a:t>is the </a:t>
+                </a:r>
+                <a:r>
+                  <a:rPr lang="en-US" altLang="zh-CN" sz="1600" i="1" dirty="0"/>
+                  <a:t>weakest assumption </a:t>
+                </a:r>
+                <a:r>
+                  <a:rPr lang="en-US" altLang="zh-CN" sz="1600" dirty="0"/>
+                  <a:t>of the environment for system </a:t>
+                </a:r>
+                <a14:m>
+                  <m:oMath xmlns:m="http://schemas.openxmlformats.org/officeDocument/2006/math">
+                    <m:r>
+                      <a:rPr lang="en-US" altLang="zh-CN" sz="1600" i="1" dirty="0" smtClean="0">
+                        <a:latin typeface="Cambria Math" panose="02040503050406030204" pitchFamily="18" charset="0"/>
+                      </a:rPr>
+                      <m:t>𝑆</m:t>
+                    </m:r>
+                  </m:oMath>
+                </a14:m>
+                <a:r>
+                  <a:rPr lang="en-US" altLang="zh-CN" sz="1600" dirty="0"/>
+                  <a:t> to ensure </a:t>
+                </a:r>
+                <a14:m>
+                  <m:oMath xmlns:m="http://schemas.openxmlformats.org/officeDocument/2006/math">
+                    <m:r>
+                      <a:rPr lang="en-US" altLang="zh-CN" sz="1600" i="1" dirty="0" smtClean="0">
+                        <a:latin typeface="Cambria Math" panose="02040503050406030204" pitchFamily="18" charset="0"/>
+                      </a:rPr>
+                      <m:t>𝑃</m:t>
+                    </m:r>
+                  </m:oMath>
+                </a14:m>
+                <a:r>
+                  <a:rPr lang="en-US" altLang="zh-CN" sz="1600" dirty="0"/>
+                  <a:t>.</a:t>
+                </a:r>
+              </a:p>
+              <a:p>
+                <a:pPr marL="114300" indent="0">
+                  <a:buNone/>
+                </a:pPr>
+                <a:endParaRPr lang="en-US" altLang="zh-CN" sz="1600" dirty="0"/>
+              </a:p>
+              <a:p>
+                <a:pPr marL="114300" indent="0">
+                  <a:buNone/>
+                </a:pPr>
+                <a:r>
+                  <a:rPr lang="en-US" altLang="zh-CN" sz="1600" dirty="0"/>
+                  <a:t>Then, </a:t>
+                </a:r>
+                <a14:m>
+                  <m:oMath xmlns:m="http://schemas.openxmlformats.org/officeDocument/2006/math">
+                    <m:r>
+                      <a:rPr lang="en-US" altLang="zh-CN" sz="1600" i="1">
+                        <a:latin typeface="Cambria Math" panose="02040503050406030204" pitchFamily="18" charset="0"/>
+                        <a:ea typeface="Cambria Math" panose="02040503050406030204" pitchFamily="18" charset="0"/>
+                      </a:rPr>
+                      <m:t>∆ </m:t>
+                    </m:r>
+                  </m:oMath>
+                </a14:m>
+                <a:r>
+                  <a:rPr lang="en-US" altLang="zh-CN" sz="1600" dirty="0"/>
+                  <a:t>indicates the maximum errors that </a:t>
+                </a:r>
+                <a14:m>
+                  <m:oMath xmlns:m="http://schemas.openxmlformats.org/officeDocument/2006/math">
+                    <m:r>
+                      <a:rPr lang="en-US" altLang="zh-CN" sz="1600" i="1" dirty="0" smtClean="0">
+                        <a:latin typeface="Cambria Math" panose="02040503050406030204" pitchFamily="18" charset="0"/>
+                      </a:rPr>
+                      <m:t>𝑆</m:t>
+                    </m:r>
+                  </m:oMath>
+                </a14:m>
+                <a:r>
+                  <a:rPr lang="en-US" altLang="zh-CN" sz="1600" dirty="0"/>
+                  <a:t> can handle, where</a:t>
+                </a:r>
+              </a:p>
+              <a:p>
+                <a:pPr marL="114300" indent="0">
+                  <a:buNone/>
+                </a:pPr>
+                <a:endParaRPr lang="zh-CN" altLang="en-US" sz="1600" dirty="0"/>
+              </a:p>
+            </p:txBody>
+          </p:sp>
+        </mc:Choice>
+        <mc:Fallback>
+          <p:sp>
+            <p:nvSpPr>
+              <p:cNvPr id="3" name="Text Placeholder 2">
+                <a:extLst>
+                  <a:ext uri="{FF2B5EF4-FFF2-40B4-BE49-F238E27FC236}">
+                    <a16:creationId xmlns:a16="http://schemas.microsoft.com/office/drawing/2014/main" id="{7D292421-30A4-4D57-9A7A-B1BEF9CD135E}"/>
+                  </a:ext>
+                </a:extLst>
+              </p:cNvPr>
+              <p:cNvSpPr>
+                <a:spLocks noGrp="1" noRot="1" noChangeAspect="1" noMove="1" noResize="1" noEditPoints="1" noAdjustHandles="1" noChangeArrowheads="1" noChangeShapeType="1" noTextEdit="1"/>
+              </p:cNvSpPr>
+              <p:nvPr>
+                <p:ph type="body" idx="1"/>
+              </p:nvPr>
+            </p:nvSpPr>
+            <p:spPr>
+              <a:blipFill>
+                <a:blip r:embed="rId4"/>
+                <a:stretch>
+                  <a:fillRect/>
+                </a:stretch>
+              </a:blipFill>
+            </p:spPr>
+            <p:txBody>
+              <a:bodyPr/>
+              <a:lstStyle/>
+              <a:p>
+                <a:r>
+                  <a:rPr lang="zh-CN" altLang="en-US">
+                    <a:noFill/>
+                  </a:rPr>
+                  <a:t> </a:t>
+                </a:r>
+              </a:p>
+            </p:txBody>
+          </p:sp>
+        </mc:Fallback>
+      </mc:AlternateContent>
+      <p:sp>
+        <p:nvSpPr>
+          <p:cNvPr id="4" name="Slide Number Placeholder 3">
+            <a:extLst>
+              <a:ext uri="{FF2B5EF4-FFF2-40B4-BE49-F238E27FC236}">
+                <a16:creationId xmlns:a16="http://schemas.microsoft.com/office/drawing/2014/main" id="{E053C6A6-AA19-4C45-B996-A82875DA6553}"/>
+              </a:ext>
+            </a:extLst>
+          </p:cNvPr>
+          <p:cNvSpPr>
+            <a:spLocks noGrp="1"/>
+          </p:cNvSpPr>
+          <p:nvPr>
+            <p:ph type="sldNum" idx="12"/>
+          </p:nvPr>
+        </p:nvSpPr>
+        <p:spPr/>
+        <p:txBody>
+          <a:bodyPr/>
+          <a:lstStyle/>
+          <a:p>
+            <a:pPr marL="0" lvl="0" indent="0" algn="r" rtl="0">
+              <a:spcBef>
+                <a:spcPts val="0"/>
+              </a:spcBef>
+              <a:spcAft>
+                <a:spcPts val="0"/>
+              </a:spcAft>
+              <a:buNone/>
+            </a:pPr>
+            <a:fld id="{00000000-1234-1234-1234-123412341234}" type="slidenum">
+              <a:rPr lang="en" smtClean="0"/>
+              <a:t>8</a:t>
+            </a:fld>
+            <a:endParaRPr lang="en"/>
+          </a:p>
+        </p:txBody>
+      </p:sp>
+      <p:pic>
+        <p:nvPicPr>
+          <p:cNvPr id="18" name="Picture 17">
+            <a:extLst>
+              <a:ext uri="{FF2B5EF4-FFF2-40B4-BE49-F238E27FC236}">
+                <a16:creationId xmlns:a16="http://schemas.microsoft.com/office/drawing/2014/main" id="{70849E2C-FA46-4A00-954D-4BF0C6C5AED2}"/>
+              </a:ext>
+            </a:extLst>
+          </p:cNvPr>
+          <p:cNvPicPr>
+            <a:picLocks noChangeAspect="1"/>
+          </p:cNvPicPr>
+          <p:nvPr>
+            <p:custDataLst>
+              <p:tags r:id="rId1"/>
+            </p:custDataLst>
+          </p:nvPr>
+        </p:nvPicPr>
+        <p:blipFill>
+          <a:blip r:embed="rId5"/>
+          <a:stretch>
+            <a:fillRect/>
+          </a:stretch>
+        </p:blipFill>
+        <p:spPr>
+          <a:xfrm>
+            <a:off x="3670402" y="1869152"/>
+            <a:ext cx="1532038" cy="279924"/>
+          </a:xfrm>
+          <a:prstGeom prst="rect">
+            <a:avLst/>
+          </a:prstGeom>
+        </p:spPr>
+      </p:pic>
+      <p:pic>
+        <p:nvPicPr>
+          <p:cNvPr id="20" name="Picture 19">
+            <a:extLst>
+              <a:ext uri="{FF2B5EF4-FFF2-40B4-BE49-F238E27FC236}">
+                <a16:creationId xmlns:a16="http://schemas.microsoft.com/office/drawing/2014/main" id="{233CD195-BBFC-4EC8-A792-89BEAC59FE5A}"/>
+              </a:ext>
+            </a:extLst>
+          </p:cNvPr>
+          <p:cNvPicPr>
+            <a:picLocks noChangeAspect="1"/>
+          </p:cNvPicPr>
+          <p:nvPr>
+            <p:custDataLst>
+              <p:tags r:id="rId2"/>
+            </p:custDataLst>
+          </p:nvPr>
+        </p:nvPicPr>
+        <p:blipFill>
+          <a:blip r:embed="rId6"/>
+          <a:stretch>
+            <a:fillRect/>
+          </a:stretch>
+        </p:blipFill>
+        <p:spPr>
+          <a:xfrm>
+            <a:off x="3529602" y="3425601"/>
+            <a:ext cx="1813638" cy="244724"/>
+          </a:xfrm>
+          <a:prstGeom prst="rect">
+            <a:avLst/>
+          </a:prstGeom>
+        </p:spPr>
+      </p:pic>
+    </p:spTree>
+    <p:extLst>
+      <p:ext uri="{BB962C8B-B14F-4D97-AF65-F5344CB8AC3E}">
+        <p14:creationId xmlns:p14="http://schemas.microsoft.com/office/powerpoint/2010/main" val="1735789447"/>
+      </p:ext>
+    </p:extLst>
+  </p:cSld>
+  <p:clrMapOvr>
+    <a:masterClrMapping/>
+  </p:clrMapOvr>
+</p:sld>
+</file>
+
+<file path=ppt/slides/slide9.xml><?xml version="1.0" encoding="utf-8"?>
 <p:sld xmlns:a="http://schemas.openxmlformats.org/drawingml/2006/main" xmlns:r="http://schemas.openxmlformats.org/officeDocument/2006/relationships" xmlns:p="http://schemas.openxmlformats.org/presentationml/2006/main">
   <p:cSld>
     <p:spTree>
@@ -17649,7 +19051,7 @@
             </a:pPr>
             <a:fld id="{00000000-1234-1234-1234-123412341234}" type="slidenum">
               <a:rPr lang="en" smtClean="0"/>
-              <a:t>8</a:t>
+              <a:t>9</a:t>
             </a:fld>
             <a:endParaRPr lang="en"/>
           </a:p>
@@ -17702,187 +19104,14 @@
 </p:sld>
 </file>
 
-<file path=ppt/slides/slide9.xml><?xml version="1.0" encoding="utf-8"?>
-<p:sld xmlns:a="http://schemas.openxmlformats.org/drawingml/2006/main" xmlns:r="http://schemas.openxmlformats.org/officeDocument/2006/relationships" xmlns:p="http://schemas.openxmlformats.org/presentationml/2006/main">
-  <p:cSld>
-    <p:spTree>
-      <p:nvGrpSpPr>
-        <p:cNvPr id="1" name=""/>
-        <p:cNvGrpSpPr/>
-        <p:nvPr/>
-      </p:nvGrpSpPr>
-      <p:grpSpPr>
-        <a:xfrm>
-          <a:off x="0" y="0"/>
-          <a:ext cx="0" cy="0"/>
-          <a:chOff x="0" y="0"/>
-          <a:chExt cx="0" cy="0"/>
-        </a:xfrm>
-      </p:grpSpPr>
-      <p:sp>
-        <p:nvSpPr>
-          <p:cNvPr id="2" name="Title 1"/>
-          <p:cNvSpPr>
-            <a:spLocks noGrp="1"/>
-          </p:cNvSpPr>
-          <p:nvPr>
-            <p:ph type="title"/>
-          </p:nvPr>
-        </p:nvSpPr>
-        <p:spPr/>
-        <p:txBody>
-          <a:bodyPr/>
-          <a:lstStyle/>
-          <a:p>
-            <a:r>
-              <a:rPr lang="en-US" dirty="0"/>
-              <a:t>Background</a:t>
-            </a:r>
-          </a:p>
-        </p:txBody>
-      </p:sp>
-      <p:sp>
-        <p:nvSpPr>
-          <p:cNvPr id="3" name="Text Placeholder 2"/>
-          <p:cNvSpPr>
-            <a:spLocks noGrp="1"/>
-          </p:cNvSpPr>
-          <p:nvPr>
-            <p:ph type="body" idx="1"/>
-          </p:nvPr>
-        </p:nvSpPr>
-        <p:spPr/>
-        <p:txBody>
-          <a:bodyPr/>
-          <a:lstStyle/>
-          <a:p>
-            <a:r>
-              <a:rPr lang="en-US" sz="1600" i="1" dirty="0"/>
-              <a:t>Parallel composition </a:t>
-            </a:r>
-            <a:r>
-              <a:rPr lang="en-US" sz="1600" dirty="0" smtClean="0"/>
-              <a:t>“||”</a:t>
-            </a:r>
-            <a:r>
-              <a:rPr lang="en-US" sz="1600" i="1" dirty="0" smtClean="0"/>
-              <a:t> </a:t>
-            </a:r>
-            <a:r>
-              <a:rPr lang="en-US" sz="1600" dirty="0" smtClean="0"/>
-              <a:t>composes two </a:t>
-            </a:r>
-            <a:r>
-              <a:rPr lang="en-US" sz="1600" dirty="0"/>
-              <a:t>concurrent LTSs as one system.</a:t>
-            </a:r>
-          </a:p>
-          <a:p>
-            <a:r>
-              <a:rPr lang="en-US" sz="1600" dirty="0" smtClean="0"/>
-              <a:t>It</a:t>
-            </a:r>
-            <a:r>
-              <a:rPr lang="en-US" sz="1600" dirty="0" smtClean="0"/>
-              <a:t> </a:t>
-            </a:r>
-            <a:r>
-              <a:rPr lang="en-US" sz="1600" dirty="0"/>
-              <a:t>combines behavior of two LTSs by synchronizing common actions and interleaving the remaining actions.</a:t>
-            </a:r>
-          </a:p>
-          <a:p>
-            <a:endParaRPr lang="en-US" sz="1600" dirty="0"/>
-          </a:p>
-        </p:txBody>
-      </p:sp>
-      <p:sp>
-        <p:nvSpPr>
-          <p:cNvPr id="4" name="Slide Number Placeholder 3"/>
-          <p:cNvSpPr>
-            <a:spLocks noGrp="1"/>
-          </p:cNvSpPr>
-          <p:nvPr>
-            <p:ph type="sldNum" idx="12"/>
-          </p:nvPr>
-        </p:nvSpPr>
-        <p:spPr/>
-        <p:txBody>
-          <a:bodyPr/>
-          <a:lstStyle/>
-          <a:p>
-            <a:pPr marL="0" lvl="0" indent="0" algn="r" rtl="0">
-              <a:spcBef>
-                <a:spcPts val="0"/>
-              </a:spcBef>
-              <a:spcAft>
-                <a:spcPts val="0"/>
-              </a:spcAft>
-              <a:buNone/>
-            </a:pPr>
-            <a:fld id="{00000000-1234-1234-1234-123412341234}" type="slidenum">
-              <a:rPr lang="en" smtClean="0"/>
-              <a:t>9</a:t>
-            </a:fld>
-            <a:endParaRPr lang="en"/>
-          </a:p>
-        </p:txBody>
-      </p:sp>
-      <p:pic>
-        <p:nvPicPr>
-          <p:cNvPr id="6" name="Picture 5"/>
-          <p:cNvPicPr>
-            <a:picLocks noChangeAspect="1"/>
-          </p:cNvPicPr>
-          <p:nvPr>
-            <p:custDataLst>
-              <p:tags r:id="rId1"/>
-            </p:custDataLst>
-          </p:nvPr>
-        </p:nvPicPr>
-        <p:blipFill>
-          <a:blip r:embed="rId3">
-            <a:extLst>
-              <a:ext uri="{28A0092B-C50C-407E-A947-70E740481C1C}">
-                <a14:useLocalDpi xmlns:a14="http://schemas.microsoft.com/office/drawing/2010/main" val="0"/>
-              </a:ext>
-            </a:extLst>
-          </a:blip>
-          <a:stretch>
-            <a:fillRect/>
-          </a:stretch>
-        </p:blipFill>
-        <p:spPr>
-          <a:xfrm>
-            <a:off x="337335" y="2317659"/>
-            <a:ext cx="8469329" cy="1459383"/>
-          </a:xfrm>
-          <a:prstGeom prst="rect">
-            <a:avLst/>
-          </a:prstGeom>
-        </p:spPr>
-      </p:pic>
-    </p:spTree>
-    <p:extLst>
-      <p:ext uri="{BB962C8B-B14F-4D97-AF65-F5344CB8AC3E}">
-        <p14:creationId xmlns:p14="http://schemas.microsoft.com/office/powerpoint/2010/main" val="1405518867"/>
-      </p:ext>
-    </p:extLst>
-  </p:cSld>
-  <p:clrMapOvr>
-    <a:masterClrMapping/>
-  </p:clrMapOvr>
-</p:sld>
-</file>
-
 <file path=ppt/tags/tag1.xml><?xml version="1.0" encoding="utf-8"?>
 <p:tagLst xmlns:a="http://schemas.openxmlformats.org/drawingml/2006/main" xmlns:r="http://schemas.openxmlformats.org/officeDocument/2006/relationships" xmlns:p="http://schemas.openxmlformats.org/presentationml/2006/main">
   <p:tag name="OUTPUTDPI" val="1200"/>
-  <p:tag name="ORIGINALHEIGHT" val="1113.611"/>
-  <p:tag name="ORIGINALWIDTH" val="3625.797"/>
-  <p:tag name="LATEXADDIN" val="\documentclass{article}&#10;\usepackage{amsmath}&#10;\pagestyle{empty}&#10;\begin{document}&#10;&#10;A \textit{laballed transtion system} $T$ is a four tuple $\langle Q, \Sigma, \delta, q_0 \rangle$ where&#10;\begin{itemize}&#10;\item $Q$ is a finite set of states,&#10;\item $\Sigma$ is a set of actions called the \textit{alphabet} of $T$,&#10;\item $\delta \subseteq Q \times \Sigma \rightarrow Q$ is a function called the \textit{transition function} of $T$,&#10;\item $q_0 \in Q$ is the initial state.&#10;\end{itemize}&#10;&#10;\end{document}"/>
-  <p:tag name="IGUANATEXSIZE" val="20"/>
-  <p:tag name="IGUANATEXCURSOR" val="356"/>
+  <p:tag name="ORIGINALHEIGHT" val="125.2343"/>
+  <p:tag name="ORIGINALWIDTH" val="485.9393"/>
+  <p:tag name="LATEXADDIN" val="\documentclass{article}&#10;\usepackage{amsmath}&#10;\usepackage{amssymb}&#10;\pagestyle{empty}&#10;\begin{document}&#10;&#10;$S || E \vDash P$&#10;&#10;&#10;\end{document}"/>
+  <p:tag name="IGUANATEXSIZE" val="22"/>
+  <p:tag name="IGUANATEXCURSOR" val="62"/>
   <p:tag name="TRANSPARENCY" val="True"/>
   <p:tag name="FILENAME" val=""/>
   <p:tag name="LATEXENGINEID" val="0"/>
@@ -17894,7 +19123,7 @@
 </p:tagLst>
 </file>
 
-<file path=ppt/tags/tag2.xml><?xml version="1.0" encoding="utf-8"?>
+<file path=ppt/tags/tag10.xml><?xml version="1.0" encoding="utf-8"?>
 <p:tagLst xmlns:a="http://schemas.openxmlformats.org/drawingml/2006/main" xmlns:r="http://schemas.openxmlformats.org/officeDocument/2006/relationships" xmlns:p="http://schemas.openxmlformats.org/presentationml/2006/main">
   <p:tag name="OUTPUTDPI" val="1200"/>
   <p:tag name="ORIGINALHEIGHT" val="758.9051"/>
@@ -17913,7 +19142,7 @@
 </p:tagLst>
 </file>
 
-<file path=ppt/tags/tag3.xml><?xml version="1.0" encoding="utf-8"?>
+<file path=ppt/tags/tag11.xml><?xml version="1.0" encoding="utf-8"?>
 <p:tagLst xmlns:a="http://schemas.openxmlformats.org/drawingml/2006/main" xmlns:r="http://schemas.openxmlformats.org/officeDocument/2006/relationships" xmlns:p="http://schemas.openxmlformats.org/presentationml/2006/main">
   <p:tag name="OUTPUTDPI" val="1200"/>
   <p:tag name="ORIGINALHEIGHT" val="1513.311"/>
@@ -17932,7 +19161,7 @@
 </p:tagLst>
 </file>
 
-<file path=ppt/tags/tag4.xml><?xml version="1.0" encoding="utf-8"?>
+<file path=ppt/tags/tag12.xml><?xml version="1.0" encoding="utf-8"?>
 <p:tagLst xmlns:a="http://schemas.openxmlformats.org/drawingml/2006/main" xmlns:r="http://schemas.openxmlformats.org/officeDocument/2006/relationships" xmlns:p="http://schemas.openxmlformats.org/presentationml/2006/main">
   <p:tag name="OUTPUTDPI" val="1200"/>
   <p:tag name="ORIGINALHEIGHT" val="908.1365"/>
@@ -17951,7 +19180,7 @@
 </p:tagLst>
 </file>
 
-<file path=ppt/tags/tag5.xml><?xml version="1.0" encoding="utf-8"?>
+<file path=ppt/tags/tag13.xml><?xml version="1.0" encoding="utf-8"?>
 <p:tagLst xmlns:a="http://schemas.openxmlformats.org/drawingml/2006/main" xmlns:r="http://schemas.openxmlformats.org/officeDocument/2006/relationships" xmlns:p="http://schemas.openxmlformats.org/presentationml/2006/main">
   <p:tag name="OUTPUTDPI" val="1200"/>
   <p:tag name="ORIGINALHEIGHT" val="286.4642"/>
@@ -17970,7 +19199,7 @@
 </p:tagLst>
 </file>
 
-<file path=ppt/tags/tag6.xml><?xml version="1.0" encoding="utf-8"?>
+<file path=ppt/tags/tag14.xml><?xml version="1.0" encoding="utf-8"?>
 <p:tagLst xmlns:a="http://schemas.openxmlformats.org/drawingml/2006/main" xmlns:r="http://schemas.openxmlformats.org/officeDocument/2006/relationships" xmlns:p="http://schemas.openxmlformats.org/presentationml/2006/main">
   <p:tag name="OUTPUTDPI" val="1200"/>
   <p:tag name="ORIGINALHEIGHT" val="1164.604"/>
@@ -17989,7 +19218,7 @@
 </p:tagLst>
 </file>
 
-<file path=ppt/tags/tag7.xml><?xml version="1.0" encoding="utf-8"?>
+<file path=ppt/tags/tag15.xml><?xml version="1.0" encoding="utf-8"?>
 <p:tagLst xmlns:a="http://schemas.openxmlformats.org/drawingml/2006/main" xmlns:r="http://schemas.openxmlformats.org/officeDocument/2006/relationships" xmlns:p="http://schemas.openxmlformats.org/presentationml/2006/main">
   <p:tag name="OUTPUTDPI" val="1200"/>
   <p:tag name="ORIGINALHEIGHT" val="566.9291"/>
@@ -18008,7 +19237,7 @@
 </p:tagLst>
 </file>
 
-<file path=ppt/tags/tag8.xml><?xml version="1.0" encoding="utf-8"?>
+<file path=ppt/tags/tag16.xml><?xml version="1.0" encoding="utf-8"?>
 <p:tagLst xmlns:a="http://schemas.openxmlformats.org/drawingml/2006/main" xmlns:r="http://schemas.openxmlformats.org/officeDocument/2006/relationships" xmlns:p="http://schemas.openxmlformats.org/presentationml/2006/main">
   <p:tag name="OUTPUTDPI" val="1200"/>
   <p:tag name="ORIGINALHEIGHT" val="413.1983"/>
@@ -18016,6 +19245,158 @@
   <p:tag name="LATEXADDIN" val="\documentclass{article}&#10;\usepackage{amsmath}&#10;\pagestyle{empty}&#10;\begin{document}&#10;&#10;A sink state is added to the subtrahend LTS, that any unspecified actions at each state will lead to the sink state. Then, the LTS is transformed to a Büchi automata by letting all the states as final states except the sink state.&#10;&#10;\end{document}"/>
   <p:tag name="IGUANATEXSIZE" val="18"/>
   <p:tag name="IGUANATEXCURSOR" val="311"/>
+  <p:tag name="TRANSPARENCY" val="True"/>
+  <p:tag name="FILENAME" val=""/>
+  <p:tag name="LATEXENGINEID" val="0"/>
+  <p:tag name="TEMPFOLDER" val=".\tmp\"/>
+  <p:tag name="LATEXFORMHEIGHT" val="312"/>
+  <p:tag name="LATEXFORMWIDTH" val="384"/>
+  <p:tag name="LATEXFORMWRAP" val="True"/>
+  <p:tag name="BITMAPVECTOR" val="0"/>
+</p:tagLst>
+</file>
+
+<file path=ppt/tags/tag2.xml><?xml version="1.0" encoding="utf-8"?>
+<p:tagLst xmlns:a="http://schemas.openxmlformats.org/drawingml/2006/main" xmlns:r="http://schemas.openxmlformats.org/officeDocument/2006/relationships" xmlns:p="http://schemas.openxmlformats.org/presentationml/2006/main">
+  <p:tag name="OUTPUTDPI" val="1200"/>
+  <p:tag name="ORIGINALHEIGHT" val="125.2343"/>
+  <p:tag name="ORIGINALWIDTH" val="520.4349"/>
+  <p:tag name="LATEXADDIN" val="\documentclass{article}&#10;\usepackage{amsmath}&#10;\usepackage{amssymb}&#10;\pagestyle{empty}&#10;\begin{document}&#10;&#10;$S || E' \vDash P$&#10;&#10;&#10;\end{document}"/>
+  <p:tag name="IGUANATEXSIZE" val="22"/>
+  <p:tag name="IGUANATEXCURSOR" val="110"/>
+  <p:tag name="TRANSPARENCY" val="True"/>
+  <p:tag name="FILENAME" val=""/>
+  <p:tag name="LATEXENGINEID" val="0"/>
+  <p:tag name="TEMPFOLDER" val=".\tmp\"/>
+  <p:tag name="LATEXFORMHEIGHT" val="312"/>
+  <p:tag name="LATEXFORMWIDTH" val="384"/>
+  <p:tag name="LATEXFORMWRAP" val="True"/>
+  <p:tag name="BITMAPVECTOR" val="0"/>
+</p:tagLst>
+</file>
+
+<file path=ppt/tags/tag3.xml><?xml version="1.0" encoding="utf-8"?>
+<p:tagLst xmlns:a="http://schemas.openxmlformats.org/drawingml/2006/main" xmlns:r="http://schemas.openxmlformats.org/officeDocument/2006/relationships" xmlns:p="http://schemas.openxmlformats.org/presentationml/2006/main">
+  <p:tag name="OUTPUTDPI" val="1200"/>
+  <p:tag name="ORIGINALHEIGHT" val="93.73827"/>
+  <p:tag name="ORIGINALWIDTH" val="646.4192"/>
+  <p:tag name="LATEXADDIN" val="\documentclass{article}&#10;\usepackage{amsmath}&#10;\pagestyle{empty}&#10;\begin{document}&#10;&#10;&#10;$\Delta = E' - E$&#10;&#10;\end{document}"/>
+  <p:tag name="IGUANATEXSIZE" val="22"/>
+  <p:tag name="IGUANATEXCURSOR" val="98"/>
+  <p:tag name="TRANSPARENCY" val="True"/>
+  <p:tag name="FILENAME" val=""/>
+  <p:tag name="LATEXENGINEID" val="0"/>
+  <p:tag name="TEMPFOLDER" val=".\tmp\"/>
+  <p:tag name="LATEXFORMHEIGHT" val="312"/>
+  <p:tag name="LATEXFORMWIDTH" val="384"/>
+  <p:tag name="LATEXFORMWRAP" val="True"/>
+  <p:tag name="BITMAPVECTOR" val="0"/>
+</p:tagLst>
+</file>
+
+<file path=ppt/tags/tag4.xml><?xml version="1.0" encoding="utf-8"?>
+<p:tagLst xmlns:a="http://schemas.openxmlformats.org/drawingml/2006/main" xmlns:r="http://schemas.openxmlformats.org/officeDocument/2006/relationships" xmlns:p="http://schemas.openxmlformats.org/presentationml/2006/main">
+  <p:tag name="OUTPUTDPI" val="1200"/>
+  <p:tag name="ORIGINALHEIGHT" val="125.2343"/>
+  <p:tag name="ORIGINALWIDTH" val="485.9393"/>
+  <p:tag name="LATEXADDIN" val="\documentclass{article}&#10;\usepackage{amsmath}&#10;\usepackage{amssymb}&#10;\pagestyle{empty}&#10;\begin{document}&#10;&#10;$S || E \vDash P$&#10;&#10;&#10;\end{document}"/>
+  <p:tag name="IGUANATEXSIZE" val="22"/>
+  <p:tag name="IGUANATEXCURSOR" val="62"/>
+  <p:tag name="TRANSPARENCY" val="True"/>
+  <p:tag name="FILENAME" val=""/>
+  <p:tag name="LATEXENGINEID" val="0"/>
+  <p:tag name="TEMPFOLDER" val=".\tmp\"/>
+  <p:tag name="LATEXFORMHEIGHT" val="312"/>
+  <p:tag name="LATEXFORMWIDTH" val="384"/>
+  <p:tag name="LATEXFORMWRAP" val="True"/>
+  <p:tag name="BITMAPVECTOR" val="0"/>
+</p:tagLst>
+</file>
+
+<file path=ppt/tags/tag5.xml><?xml version="1.0" encoding="utf-8"?>
+<p:tagLst xmlns:a="http://schemas.openxmlformats.org/drawingml/2006/main" xmlns:r="http://schemas.openxmlformats.org/officeDocument/2006/relationships" xmlns:p="http://schemas.openxmlformats.org/presentationml/2006/main">
+  <p:tag name="OUTPUTDPI" val="1200"/>
+  <p:tag name="ORIGINALHEIGHT" val="125.2343"/>
+  <p:tag name="ORIGINALWIDTH" val="520.4349"/>
+  <p:tag name="LATEXADDIN" val="\documentclass{article}&#10;\usepackage{amsmath}&#10;\usepackage{amssymb}&#10;\pagestyle{empty}&#10;\begin{document}&#10;&#10;$S || E' \vDash P$&#10;&#10;&#10;\end{document}"/>
+  <p:tag name="IGUANATEXSIZE" val="22"/>
+  <p:tag name="IGUANATEXCURSOR" val="110"/>
+  <p:tag name="TRANSPARENCY" val="True"/>
+  <p:tag name="FILENAME" val=""/>
+  <p:tag name="LATEXENGINEID" val="0"/>
+  <p:tag name="TEMPFOLDER" val=".\tmp\"/>
+  <p:tag name="LATEXFORMHEIGHT" val="312"/>
+  <p:tag name="LATEXFORMWIDTH" val="384"/>
+  <p:tag name="LATEXFORMWRAP" val="True"/>
+  <p:tag name="BITMAPVECTOR" val="0"/>
+</p:tagLst>
+</file>
+
+<file path=ppt/tags/tag6.xml><?xml version="1.0" encoding="utf-8"?>
+<p:tagLst xmlns:a="http://schemas.openxmlformats.org/drawingml/2006/main" xmlns:r="http://schemas.openxmlformats.org/officeDocument/2006/relationships" xmlns:p="http://schemas.openxmlformats.org/presentationml/2006/main">
+  <p:tag name="OUTPUTDPI" val="1200"/>
+  <p:tag name="ORIGINALHEIGHT" val="93.73827"/>
+  <p:tag name="ORIGINALWIDTH" val="646.4192"/>
+  <p:tag name="LATEXADDIN" val="\documentclass{article}&#10;\usepackage{amsmath}&#10;\pagestyle{empty}&#10;\begin{document}&#10;&#10;&#10;$\Delta = E' - E$&#10;&#10;\end{document}"/>
+  <p:tag name="IGUANATEXSIZE" val="22"/>
+  <p:tag name="IGUANATEXCURSOR" val="98"/>
+  <p:tag name="TRANSPARENCY" val="True"/>
+  <p:tag name="FILENAME" val=""/>
+  <p:tag name="LATEXENGINEID" val="0"/>
+  <p:tag name="TEMPFOLDER" val=".\tmp\"/>
+  <p:tag name="LATEXFORMHEIGHT" val="312"/>
+  <p:tag name="LATEXFORMWIDTH" val="384"/>
+  <p:tag name="LATEXFORMWRAP" val="True"/>
+  <p:tag name="BITMAPVECTOR" val="0"/>
+</p:tagLst>
+</file>
+
+<file path=ppt/tags/tag7.xml><?xml version="1.0" encoding="utf-8"?>
+<p:tagLst xmlns:a="http://schemas.openxmlformats.org/drawingml/2006/main" xmlns:r="http://schemas.openxmlformats.org/officeDocument/2006/relationships" xmlns:p="http://schemas.openxmlformats.org/presentationml/2006/main">
+  <p:tag name="OUTPUTDPI" val="1200"/>
+  <p:tag name="ORIGINALHEIGHT" val="125.2343"/>
+  <p:tag name="ORIGINALWIDTH" val="685.4143"/>
+  <p:tag name="LATEXADDIN" val="\documentclass{article}&#10;\usepackage{amsmath}&#10;\usepackage{amssymb}&#10;\pagestyle{empty}&#10;\begin{document}&#10;&#10;&#10;$S || WE_{S} \vDash P$&#10;&#10;\end{document}"/>
+  <p:tag name="IGUANATEXSIZE" val="22"/>
+  <p:tag name="IGUANATEXCURSOR" val="114"/>
+  <p:tag name="TRANSPARENCY" val="True"/>
+  <p:tag name="FILENAME" val=""/>
+  <p:tag name="LATEXENGINEID" val="0"/>
+  <p:tag name="TEMPFOLDER" val=".\tmp\"/>
+  <p:tag name="LATEXFORMHEIGHT" val="312"/>
+  <p:tag name="LATEXFORMWIDTH" val="384"/>
+  <p:tag name="LATEXFORMWRAP" val="True"/>
+  <p:tag name="BITMAPVECTOR" val="0"/>
+</p:tagLst>
+</file>
+
+<file path=ppt/tags/tag8.xml><?xml version="1.0" encoding="utf-8"?>
+<p:tagLst xmlns:a="http://schemas.openxmlformats.org/drawingml/2006/main" xmlns:r="http://schemas.openxmlformats.org/officeDocument/2006/relationships" xmlns:p="http://schemas.openxmlformats.org/presentationml/2006/main">
+  <p:tag name="OUTPUTDPI" val="1200"/>
+  <p:tag name="ORIGINALHEIGHT" val="109.4863"/>
+  <p:tag name="ORIGINALWIDTH" val="811.3986"/>
+  <p:tag name="LATEXADDIN" val="\documentclass{article}&#10;\usepackage{amsmath}&#10;\pagestyle{empty}&#10;\begin{document}&#10;&#10;$\Delta = WE_S - E$&#10;&#10;&#10;\end{document}"/>
+  <p:tag name="IGUANATEXSIZE" val="22"/>
+  <p:tag name="IGUANATEXCURSOR" val="95"/>
+  <p:tag name="TRANSPARENCY" val="True"/>
+  <p:tag name="FILENAME" val=""/>
+  <p:tag name="LATEXENGINEID" val="0"/>
+  <p:tag name="TEMPFOLDER" val=".\tmp\"/>
+  <p:tag name="LATEXFORMHEIGHT" val="312"/>
+  <p:tag name="LATEXFORMWIDTH" val="384"/>
+  <p:tag name="LATEXFORMWRAP" val="True"/>
+  <p:tag name="BITMAPVECTOR" val="0"/>
+</p:tagLst>
+</file>
+
+<file path=ppt/tags/tag9.xml><?xml version="1.0" encoding="utf-8"?>
+<p:tagLst xmlns:a="http://schemas.openxmlformats.org/drawingml/2006/main" xmlns:r="http://schemas.openxmlformats.org/officeDocument/2006/relationships" xmlns:p="http://schemas.openxmlformats.org/presentationml/2006/main">
+  <p:tag name="OUTPUTDPI" val="1200"/>
+  <p:tag name="ORIGINALHEIGHT" val="1113.611"/>
+  <p:tag name="ORIGINALWIDTH" val="3625.797"/>
+  <p:tag name="LATEXADDIN" val="\documentclass{article}&#10;\usepackage{amsmath}&#10;\pagestyle{empty}&#10;\begin{document}&#10;&#10;A \textit{laballed transtion system} $T$ is a four tuple $\langle Q, \Sigma, \delta, q_0 \rangle$ where&#10;\begin{itemize}&#10;\item $Q$ is a finite set of states,&#10;\item $\Sigma$ is a set of actions called the \textit{alphabet} of $T$,&#10;\item $\delta \subseteq Q \times \Sigma \rightarrow Q$ is a function called the \textit{transition function} of $T$,&#10;\item $q_0 \in Q$ is the initial state.&#10;\end{itemize}&#10;&#10;\end{document}"/>
+  <p:tag name="IGUANATEXSIZE" val="20"/>
+  <p:tag name="IGUANATEXCURSOR" val="356"/>
   <p:tag name="TRANSPARENCY" val="True"/>
   <p:tag name="FILENAME" val=""/>
   <p:tag name="LATEXENGINEID" val="0"/>

--- a/Robustness.pptx
+++ b/Robustness.pptx
@@ -5,7 +5,7 @@
     <p:sldMasterId id="2147483659" r:id="rId1"/>
   </p:sldMasterIdLst>
   <p:notesMasterIdLst>
-    <p:notesMasterId r:id="rId43"/>
+    <p:notesMasterId r:id="rId47"/>
   </p:notesMasterIdLst>
   <p:sldIdLst>
     <p:sldId id="256" r:id="rId2"/>
@@ -13,70 +13,74 @@
     <p:sldId id="314" r:id="rId4"/>
     <p:sldId id="257" r:id="rId5"/>
     <p:sldId id="315" r:id="rId6"/>
-    <p:sldId id="319" r:id="rId7"/>
-    <p:sldId id="317" r:id="rId8"/>
-    <p:sldId id="318" r:id="rId9"/>
-    <p:sldId id="270" r:id="rId10"/>
-    <p:sldId id="302" r:id="rId11"/>
-    <p:sldId id="260" r:id="rId12"/>
-    <p:sldId id="261" r:id="rId13"/>
-    <p:sldId id="300" r:id="rId14"/>
-    <p:sldId id="301" r:id="rId15"/>
-    <p:sldId id="262" r:id="rId16"/>
-    <p:sldId id="303" r:id="rId17"/>
-    <p:sldId id="304" r:id="rId18"/>
-    <p:sldId id="305" r:id="rId19"/>
-    <p:sldId id="307" r:id="rId20"/>
-    <p:sldId id="306" r:id="rId21"/>
-    <p:sldId id="308" r:id="rId22"/>
-    <p:sldId id="309" r:id="rId23"/>
-    <p:sldId id="310" r:id="rId24"/>
-    <p:sldId id="279" r:id="rId25"/>
-    <p:sldId id="281" r:id="rId26"/>
-    <p:sldId id="268" r:id="rId27"/>
-    <p:sldId id="311" r:id="rId28"/>
-    <p:sldId id="312" r:id="rId29"/>
-    <p:sldId id="286" r:id="rId30"/>
-    <p:sldId id="282" r:id="rId31"/>
-    <p:sldId id="283" r:id="rId32"/>
-    <p:sldId id="288" r:id="rId33"/>
-    <p:sldId id="289" r:id="rId34"/>
-    <p:sldId id="290" r:id="rId35"/>
-    <p:sldId id="292" r:id="rId36"/>
-    <p:sldId id="293" r:id="rId37"/>
-    <p:sldId id="294" r:id="rId38"/>
-    <p:sldId id="295" r:id="rId39"/>
-    <p:sldId id="296" r:id="rId40"/>
-    <p:sldId id="277" r:id="rId41"/>
-    <p:sldId id="298" r:id="rId42"/>
+    <p:sldId id="323" r:id="rId7"/>
+    <p:sldId id="319" r:id="rId8"/>
+    <p:sldId id="317" r:id="rId9"/>
+    <p:sldId id="318" r:id="rId10"/>
+    <p:sldId id="320" r:id="rId11"/>
+    <p:sldId id="322" r:id="rId12"/>
+    <p:sldId id="324" r:id="rId13"/>
+    <p:sldId id="270" r:id="rId14"/>
+    <p:sldId id="302" r:id="rId15"/>
+    <p:sldId id="300" r:id="rId16"/>
+    <p:sldId id="260" r:id="rId17"/>
+    <p:sldId id="261" r:id="rId18"/>
+    <p:sldId id="301" r:id="rId19"/>
+    <p:sldId id="262" r:id="rId20"/>
+    <p:sldId id="303" r:id="rId21"/>
+    <p:sldId id="304" r:id="rId22"/>
+    <p:sldId id="305" r:id="rId23"/>
+    <p:sldId id="307" r:id="rId24"/>
+    <p:sldId id="306" r:id="rId25"/>
+    <p:sldId id="308" r:id="rId26"/>
+    <p:sldId id="309" r:id="rId27"/>
+    <p:sldId id="310" r:id="rId28"/>
+    <p:sldId id="279" r:id="rId29"/>
+    <p:sldId id="281" r:id="rId30"/>
+    <p:sldId id="268" r:id="rId31"/>
+    <p:sldId id="311" r:id="rId32"/>
+    <p:sldId id="312" r:id="rId33"/>
+    <p:sldId id="286" r:id="rId34"/>
+    <p:sldId id="282" r:id="rId35"/>
+    <p:sldId id="283" r:id="rId36"/>
+    <p:sldId id="288" r:id="rId37"/>
+    <p:sldId id="289" r:id="rId38"/>
+    <p:sldId id="290" r:id="rId39"/>
+    <p:sldId id="292" r:id="rId40"/>
+    <p:sldId id="293" r:id="rId41"/>
+    <p:sldId id="294" r:id="rId42"/>
+    <p:sldId id="295" r:id="rId43"/>
+    <p:sldId id="296" r:id="rId44"/>
+    <p:sldId id="277" r:id="rId45"/>
+    <p:sldId id="298" r:id="rId46"/>
   </p:sldIdLst>
   <p:sldSz cx="9144000" cy="5143500" type="screen16x9"/>
   <p:notesSz cx="6858000" cy="9144000"/>
   <p:embeddedFontLst>
     <p:embeddedFont>
       <p:font typeface="Cambria Math" panose="02040503050406030204" pitchFamily="18" charset="0"/>
-      <p:regular r:id="rId44"/>
+      <p:regular r:id="rId48"/>
     </p:embeddedFont>
     <p:embeddedFont>
       <p:font typeface="Open Sans" panose="02010600030101010101" charset="0"/>
-      <p:regular r:id="rId45"/>
-      <p:bold r:id="rId46"/>
-      <p:italic r:id="rId47"/>
-      <p:boldItalic r:id="rId48"/>
-    </p:embeddedFont>
-    <p:embeddedFont>
-      <p:font typeface="Open Sans Light" panose="02010600030101010101" charset="0"/>
       <p:regular r:id="rId49"/>
       <p:bold r:id="rId50"/>
       <p:italic r:id="rId51"/>
       <p:boldItalic r:id="rId52"/>
     </p:embeddedFont>
     <p:embeddedFont>
-      <p:font typeface="Open Sans SemiBold" panose="02010600030101010101" charset="0"/>
+      <p:font typeface="Open Sans Light" panose="02010600030101010101" charset="0"/>
       <p:regular r:id="rId53"/>
       <p:bold r:id="rId54"/>
       <p:italic r:id="rId55"/>
       <p:boldItalic r:id="rId56"/>
+    </p:embeddedFont>
+    <p:embeddedFont>
+      <p:font typeface="Open Sans SemiBold" panose="02010600030101010101" charset="0"/>
+      <p:regular r:id="rId57"/>
+      <p:bold r:id="rId58"/>
+      <p:italic r:id="rId59"/>
+      <p:boldItalic r:id="rId60"/>
     </p:embeddedFont>
   </p:embeddedFontLst>
   <p:defaultTextStyle>
@@ -910,6 +914,76 @@
           <a:bodyPr/>
           <a:lstStyle/>
           <a:p>
+            <a:r>
+              <a:rPr lang="en-US" altLang="zh-CN" dirty="0"/>
+              <a:t>Although the behavior of the actual environment is often unknown, we can generate the weakest assumption of a system.</a:t>
+            </a:r>
+            <a:endParaRPr lang="zh-CN" altLang="en-US" dirty="0"/>
+          </a:p>
+        </p:txBody>
+      </p:sp>
+    </p:spTree>
+    <p:extLst>
+      <p:ext uri="{BB962C8B-B14F-4D97-AF65-F5344CB8AC3E}">
+        <p14:creationId xmlns:p14="http://schemas.microsoft.com/office/powerpoint/2010/main" val="3103803863"/>
+      </p:ext>
+    </p:extLst>
+  </p:cSld>
+  <p:clrMapOvr>
+    <a:masterClrMapping/>
+  </p:clrMapOvr>
+</p:notes>
+</file>
+
+<file path=ppt/notesSlides/notesSlide11.xml><?xml version="1.0" encoding="utf-8"?>
+<p:notes xmlns:a="http://schemas.openxmlformats.org/drawingml/2006/main" xmlns:r="http://schemas.openxmlformats.org/officeDocument/2006/relationships" xmlns:p="http://schemas.openxmlformats.org/presentationml/2006/main">
+  <p:cSld>
+    <p:spTree>
+      <p:nvGrpSpPr>
+        <p:cNvPr id="1" name=""/>
+        <p:cNvGrpSpPr/>
+        <p:nvPr/>
+      </p:nvGrpSpPr>
+      <p:grpSpPr>
+        <a:xfrm>
+          <a:off x="0" y="0"/>
+          <a:ext cx="0" cy="0"/>
+          <a:chOff x="0" y="0"/>
+          <a:chExt cx="0" cy="0"/>
+        </a:xfrm>
+      </p:grpSpPr>
+      <p:sp>
+        <p:nvSpPr>
+          <p:cNvPr id="2" name="Slide Image Placeholder 1"/>
+          <p:cNvSpPr>
+            <a:spLocks noGrp="1" noRot="1" noChangeAspect="1"/>
+          </p:cNvSpPr>
+          <p:nvPr>
+            <p:ph type="sldImg"/>
+          </p:nvPr>
+        </p:nvSpPr>
+        <p:spPr>
+          <a:xfrm>
+            <a:off x="381000" y="685800"/>
+            <a:ext cx="6096000" cy="3429000"/>
+          </a:xfrm>
+        </p:spPr>
+      </p:sp>
+      <p:sp>
+        <p:nvSpPr>
+          <p:cNvPr id="3" name="Notes Placeholder 2"/>
+          <p:cNvSpPr>
+            <a:spLocks noGrp="1"/>
+          </p:cNvSpPr>
+          <p:nvPr>
+            <p:ph type="body" idx="1"/>
+          </p:nvPr>
+        </p:nvSpPr>
+        <p:spPr/>
+        <p:txBody>
+          <a:bodyPr/>
+          <a:lstStyle/>
+          <a:p>
             <a:endParaRPr lang="en-US"/>
           </a:p>
         </p:txBody>
@@ -1086,7 +1160,7 @@
           <a:p>
             <a:r>
               <a:rPr lang="en-US" altLang="zh-CN" dirty="0"/>
-              <a:t>In the diagrams above, state 0 is always the initial state</a:t>
+              <a:t>Of course, we are often more interested in the delta which does not satisfy P.</a:t>
             </a:r>
             <a:endParaRPr lang="zh-CN" altLang="en-US" dirty="0"/>
           </a:p>
@@ -1095,7 +1169,7 @@
     </p:spTree>
     <p:extLst>
       <p:ext uri="{BB962C8B-B14F-4D97-AF65-F5344CB8AC3E}">
-        <p14:creationId xmlns:p14="http://schemas.microsoft.com/office/powerpoint/2010/main" val="2651326126"/>
+        <p14:creationId xmlns:p14="http://schemas.microsoft.com/office/powerpoint/2010/main" val="1174819320"/>
       </p:ext>
     </p:extLst>
   </p:cSld>
@@ -1157,57 +1231,22 @@
             <a:pPr marL="158750" indent="0">
               <a:buNone/>
             </a:pPr>
-            <a:endParaRPr lang="en-US" altLang="zh-CN" b="1" dirty="0"/>
-          </a:p>
-          <a:p>
-            <a:pPr marL="158750" indent="0">
-              <a:buNone/>
-            </a:pPr>
             <a:r>
-              <a:rPr lang="en-US" altLang="zh-CN" b="1" dirty="0"/>
-              <a:t>Limitations:</a:t>
-            </a:r>
-          </a:p>
-          <a:p>
-            <a:pPr marL="457200" indent="-298450"/>
-            <a:r>
-              <a:rPr lang="en-US" altLang="zh-CN" dirty="0"/>
-              <a:t>A safety property is restricted to the form of LTSA property.</a:t>
-            </a:r>
-          </a:p>
-          <a:p>
-            <a:pPr marL="457200" indent="-298450"/>
-            <a:r>
-              <a:rPr lang="en-US" altLang="zh-CN" dirty="0"/>
-              <a:t>We consider deadlock-free to be the weakest form of liveness, i.e., the system should not be stuck at some step.</a:t>
-            </a:r>
-          </a:p>
-          <a:p>
-            <a:pPr marL="158750" indent="0">
-              <a:buNone/>
-            </a:pPr>
-            <a:endParaRPr lang="en-US" altLang="zh-CN" dirty="0"/>
-          </a:p>
-          <a:p>
-            <a:pPr marL="158750" indent="0">
-              <a:buNone/>
-            </a:pPr>
-            <a:r>
-              <a:rPr lang="en-US" altLang="zh-CN" b="1" dirty="0"/>
-              <a:t>I will use “correct” in this presentation</a:t>
+              <a:rPr lang="en-US" dirty="0"/>
+              <a:t>To check safety property, there should not have a trace that will lead the system enters the </a:t>
             </a:r>
             <a:r>
-              <a:rPr lang="en-US" altLang="zh-CN" b="1" baseline="0" dirty="0"/>
-              <a:t> for simplicity, but it means the system should satisfy the given safety properties and be deadlock-free.</a:t>
+              <a:rPr lang="en-US"/>
+              <a:t>error state.</a:t>
             </a:r>
-            <a:endParaRPr lang="en-US" altLang="zh-CN" b="1" dirty="0"/>
+            <a:endParaRPr lang="en-US" dirty="0"/>
           </a:p>
         </p:txBody>
       </p:sp>
     </p:spTree>
     <p:extLst>
       <p:ext uri="{BB962C8B-B14F-4D97-AF65-F5344CB8AC3E}">
-        <p14:creationId xmlns:p14="http://schemas.microsoft.com/office/powerpoint/2010/main" val="988333764"/>
+        <p14:creationId xmlns:p14="http://schemas.microsoft.com/office/powerpoint/2010/main" val="564671888"/>
       </p:ext>
     </p:extLst>
   </p:cSld>
@@ -1266,25 +1305,18 @@
           <a:bodyPr/>
           <a:lstStyle/>
           <a:p>
-            <a:pPr marL="158750" indent="0">
-              <a:buNone/>
-            </a:pPr>
             <a:r>
-              <a:rPr lang="en-US" dirty="0"/>
-              <a:t>To check safety property, there should not have a trace that will lead the system enters the </a:t>
+              <a:rPr lang="en-US" altLang="zh-CN" dirty="0"/>
+              <a:t>In the diagrams above, state 0 is always the initial state</a:t>
             </a:r>
-            <a:r>
-              <a:rPr lang="en-US"/>
-              <a:t>error state.</a:t>
-            </a:r>
-            <a:endParaRPr lang="en-US" dirty="0"/>
+            <a:endParaRPr lang="zh-CN" altLang="en-US" dirty="0"/>
           </a:p>
         </p:txBody>
       </p:sp>
     </p:spTree>
     <p:extLst>
       <p:ext uri="{BB962C8B-B14F-4D97-AF65-F5344CB8AC3E}">
-        <p14:creationId xmlns:p14="http://schemas.microsoft.com/office/powerpoint/2010/main" val="564671888"/>
+        <p14:creationId xmlns:p14="http://schemas.microsoft.com/office/powerpoint/2010/main" val="2651326126"/>
       </p:ext>
     </p:extLst>
   </p:cSld>
@@ -1346,14 +1378,57 @@
             <a:pPr marL="158750" indent="0">
               <a:buNone/>
             </a:pPr>
-            <a:endParaRPr lang="en-US" baseline="0" dirty="0"/>
+            <a:endParaRPr lang="en-US" altLang="zh-CN" b="1" dirty="0"/>
+          </a:p>
+          <a:p>
+            <a:pPr marL="158750" indent="0">
+              <a:buNone/>
+            </a:pPr>
+            <a:r>
+              <a:rPr lang="en-US" altLang="zh-CN" b="1" dirty="0"/>
+              <a:t>Limitations:</a:t>
+            </a:r>
+          </a:p>
+          <a:p>
+            <a:pPr marL="457200" indent="-298450"/>
+            <a:r>
+              <a:rPr lang="en-US" altLang="zh-CN" dirty="0"/>
+              <a:t>A safety property is restricted to the form of LTSA property.</a:t>
+            </a:r>
+          </a:p>
+          <a:p>
+            <a:pPr marL="457200" indent="-298450"/>
+            <a:r>
+              <a:rPr lang="en-US" altLang="zh-CN" dirty="0"/>
+              <a:t>We consider deadlock-free to be the weakest form of liveness, i.e., the system should not be stuck at some step.</a:t>
+            </a:r>
+          </a:p>
+          <a:p>
+            <a:pPr marL="158750" indent="0">
+              <a:buNone/>
+            </a:pPr>
+            <a:endParaRPr lang="en-US" altLang="zh-CN" dirty="0"/>
+          </a:p>
+          <a:p>
+            <a:pPr marL="158750" indent="0">
+              <a:buNone/>
+            </a:pPr>
+            <a:r>
+              <a:rPr lang="en-US" altLang="zh-CN" b="1" dirty="0"/>
+              <a:t>I will use “correct” in this presentation</a:t>
+            </a:r>
+            <a:r>
+              <a:rPr lang="en-US" altLang="zh-CN" b="1" baseline="0" dirty="0"/>
+              <a:t> for simplicity, but it means the system should satisfy the given safety properties and be deadlock-free.</a:t>
+            </a:r>
+            <a:endParaRPr lang="en-US" altLang="zh-CN" b="1" dirty="0"/>
           </a:p>
         </p:txBody>
       </p:sp>
     </p:spTree>
     <p:extLst>
       <p:ext uri="{BB962C8B-B14F-4D97-AF65-F5344CB8AC3E}">
-        <p14:creationId xmlns:p14="http://schemas.microsoft.com/office/powerpoint/2010/main" val="3152369955"/>
+        <p14:creationId xmlns:p14="http://schemas.microsoft.com/office/powerpoint/2010/main" val="988333764"/>
       </p:ext>
     </p:extLst>
   </p:cSld>
@@ -1422,7 +1497,7 @@
     </p:spTree>
     <p:extLst>
       <p:ext uri="{BB962C8B-B14F-4D97-AF65-F5344CB8AC3E}">
-        <p14:creationId xmlns:p14="http://schemas.microsoft.com/office/powerpoint/2010/main" val="4133652077"/>
+        <p14:creationId xmlns:p14="http://schemas.microsoft.com/office/powerpoint/2010/main" val="3152369955"/>
       </p:ext>
     </p:extLst>
   </p:cSld>
@@ -1481,14 +1556,17 @@
           <a:bodyPr/>
           <a:lstStyle/>
           <a:p>
-            <a:endParaRPr lang="zh-CN" altLang="en-US" dirty="0"/>
+            <a:pPr marL="158750" indent="0">
+              <a:buNone/>
+            </a:pPr>
+            <a:endParaRPr lang="en-US" baseline="0" dirty="0"/>
           </a:p>
         </p:txBody>
       </p:sp>
     </p:spTree>
     <p:extLst>
       <p:ext uri="{BB962C8B-B14F-4D97-AF65-F5344CB8AC3E}">
-        <p14:creationId xmlns:p14="http://schemas.microsoft.com/office/powerpoint/2010/main" val="2159525119"/>
+        <p14:creationId xmlns:p14="http://schemas.microsoft.com/office/powerpoint/2010/main" val="4133652077"/>
       </p:ext>
     </p:extLst>
   </p:cSld>
@@ -1547,10 +1625,6 @@
           <a:bodyPr/>
           <a:lstStyle/>
           <a:p>
-            <a:r>
-              <a:rPr lang="en-US" altLang="zh-CN" dirty="0"/>
-              <a:t>Although the behavior of the actual environment is often unknown, we can generate the weakest assumption of a system.</a:t>
-            </a:r>
             <a:endParaRPr lang="zh-CN" altLang="en-US" dirty="0"/>
           </a:p>
         </p:txBody>
@@ -1558,7 +1632,7 @@
     </p:spTree>
     <p:extLst>
       <p:ext uri="{BB962C8B-B14F-4D97-AF65-F5344CB8AC3E}">
-        <p14:creationId xmlns:p14="http://schemas.microsoft.com/office/powerpoint/2010/main" val="3103803863"/>
+        <p14:creationId xmlns:p14="http://schemas.microsoft.com/office/powerpoint/2010/main" val="2159525119"/>
       </p:ext>
     </p:extLst>
   </p:cSld>
@@ -7606,6 +7680,1382 @@
       </p:grpSpPr>
       <p:sp>
         <p:nvSpPr>
+          <p:cNvPr id="2" name="Title 1">
+            <a:extLst>
+              <a:ext uri="{FF2B5EF4-FFF2-40B4-BE49-F238E27FC236}">
+                <a16:creationId xmlns:a16="http://schemas.microsoft.com/office/drawing/2014/main" id="{08B3759E-FD54-4DD3-AA7D-6A433DB1A42F}"/>
+              </a:ext>
+            </a:extLst>
+          </p:cNvPr>
+          <p:cNvSpPr>
+            <a:spLocks noGrp="1"/>
+          </p:cNvSpPr>
+          <p:nvPr>
+            <p:ph type="title"/>
+          </p:nvPr>
+        </p:nvSpPr>
+        <p:spPr/>
+        <p:txBody>
+          <a:bodyPr/>
+          <a:lstStyle/>
+          <a:p>
+            <a:r>
+              <a:rPr lang="en-US" altLang="zh-CN" dirty="0"/>
+              <a:t>Another way around</a:t>
+            </a:r>
+            <a:endParaRPr lang="zh-CN" altLang="en-US" dirty="0"/>
+          </a:p>
+        </p:txBody>
+      </p:sp>
+      <mc:AlternateContent xmlns:mc="http://schemas.openxmlformats.org/markup-compatibility/2006">
+        <mc:Choice xmlns:a14="http://schemas.microsoft.com/office/drawing/2010/main" Requires="a14">
+          <p:sp>
+            <p:nvSpPr>
+              <p:cNvPr id="3" name="Text Placeholder 2">
+                <a:extLst>
+                  <a:ext uri="{FF2B5EF4-FFF2-40B4-BE49-F238E27FC236}">
+                    <a16:creationId xmlns:a16="http://schemas.microsoft.com/office/drawing/2014/main" id="{62E4D570-2A79-4756-9188-68C2A44C8A67}"/>
+                  </a:ext>
+                </a:extLst>
+              </p:cNvPr>
+              <p:cNvSpPr>
+                <a:spLocks noGrp="1"/>
+              </p:cNvSpPr>
+              <p:nvPr>
+                <p:ph type="body" idx="1"/>
+              </p:nvPr>
+            </p:nvSpPr>
+            <p:spPr/>
+            <p:txBody>
+              <a:bodyPr/>
+              <a:lstStyle/>
+              <a:p>
+                <a:pPr marL="114300" indent="0">
+                  <a:buNone/>
+                </a:pPr>
+                <a:endParaRPr lang="en-US" altLang="zh-CN" dirty="0"/>
+              </a:p>
+              <a:p>
+                <a:pPr>
+                  <a:spcBef>
+                    <a:spcPts val="400"/>
+                  </a:spcBef>
+                  <a:spcAft>
+                    <a:spcPts val="400"/>
+                  </a:spcAft>
+                </a:pPr>
+                <a:r>
+                  <a:rPr lang="en-US" altLang="zh-CN" dirty="0"/>
+                  <a:t>How to model the behavior of </a:t>
+                </a:r>
+                <a14:m>
+                  <m:oMath xmlns:m="http://schemas.openxmlformats.org/officeDocument/2006/math">
+                    <m:r>
+                      <a:rPr lang="en-US" altLang="zh-CN" i="1" dirty="0">
+                        <a:latin typeface="Cambria Math" panose="02040503050406030204" pitchFamily="18" charset="0"/>
+                      </a:rPr>
+                      <m:t>𝑆</m:t>
+                    </m:r>
+                  </m:oMath>
+                </a14:m>
+                <a:r>
+                  <a:rPr lang="en-US" altLang="zh-CN" dirty="0"/>
+                  <a:t> and </a:t>
+                </a:r>
+                <a14:m>
+                  <m:oMath xmlns:m="http://schemas.openxmlformats.org/officeDocument/2006/math">
+                    <m:r>
+                      <a:rPr lang="en-US" altLang="zh-CN" i="1" dirty="0" smtClean="0">
+                        <a:latin typeface="Cambria Math" panose="02040503050406030204" pitchFamily="18" charset="0"/>
+                      </a:rPr>
+                      <m:t>𝐸</m:t>
+                    </m:r>
+                  </m:oMath>
+                </a14:m>
+                <a:r>
+                  <a:rPr lang="en-US" altLang="zh-CN" dirty="0"/>
+                  <a:t>?</a:t>
+                </a:r>
+              </a:p>
+              <a:p>
+                <a:pPr>
+                  <a:spcBef>
+                    <a:spcPts val="400"/>
+                  </a:spcBef>
+                  <a:spcAft>
+                    <a:spcPts val="400"/>
+                  </a:spcAft>
+                </a:pPr>
+                <a:r>
+                  <a:rPr lang="en-US" altLang="zh-CN" dirty="0"/>
+                  <a:t>How to represent property </a:t>
+                </a:r>
+                <a14:m>
+                  <m:oMath xmlns:m="http://schemas.openxmlformats.org/officeDocument/2006/math">
+                    <m:r>
+                      <a:rPr lang="en-US" altLang="zh-CN" i="1" dirty="0" smtClean="0">
+                        <a:latin typeface="Cambria Math" panose="02040503050406030204" pitchFamily="18" charset="0"/>
+                      </a:rPr>
+                      <m:t>𝑃</m:t>
+                    </m:r>
+                  </m:oMath>
+                </a14:m>
+                <a:r>
+                  <a:rPr lang="en-US" altLang="zh-CN" dirty="0"/>
+                  <a:t>?</a:t>
+                </a:r>
+              </a:p>
+              <a:p>
+                <a:pPr>
+                  <a:spcBef>
+                    <a:spcPts val="400"/>
+                  </a:spcBef>
+                  <a:spcAft>
+                    <a:spcPts val="400"/>
+                  </a:spcAft>
+                </a:pPr>
+                <a:r>
+                  <a:rPr lang="en-US" altLang="zh-CN" dirty="0"/>
+                  <a:t>What does the </a:t>
+                </a:r>
+                <a:r>
+                  <a:rPr lang="en-US" altLang="zh-CN" i="1" dirty="0"/>
+                  <a:t>weakest assumption </a:t>
+                </a:r>
+                <a14:m>
+                  <m:oMath xmlns:m="http://schemas.openxmlformats.org/officeDocument/2006/math">
+                    <m:r>
+                      <a:rPr lang="en-US" altLang="zh-CN" i="1" dirty="0" smtClean="0">
+                        <a:latin typeface="Cambria Math" panose="02040503050406030204" pitchFamily="18" charset="0"/>
+                      </a:rPr>
+                      <m:t>𝑊</m:t>
+                    </m:r>
+                    <m:sSub>
+                      <m:sSubPr>
+                        <m:ctrlPr>
+                          <a:rPr lang="en-US" altLang="zh-CN" i="1" dirty="0" smtClean="0">
+                            <a:latin typeface="Cambria Math" panose="02040503050406030204" pitchFamily="18" charset="0"/>
+                          </a:rPr>
+                        </m:ctrlPr>
+                      </m:sSubPr>
+                      <m:e>
+                        <m:r>
+                          <a:rPr lang="en-US" altLang="zh-CN" i="1" dirty="0" smtClean="0">
+                            <a:latin typeface="Cambria Math" panose="02040503050406030204" pitchFamily="18" charset="0"/>
+                          </a:rPr>
+                          <m:t>𝐸</m:t>
+                        </m:r>
+                      </m:e>
+                      <m:sub>
+                        <m:r>
+                          <a:rPr lang="en-US" altLang="zh-CN" i="1" dirty="0" smtClean="0">
+                            <a:latin typeface="Cambria Math" panose="02040503050406030204" pitchFamily="18" charset="0"/>
+                          </a:rPr>
+                          <m:t>𝑆</m:t>
+                        </m:r>
+                      </m:sub>
+                    </m:sSub>
+                  </m:oMath>
+                </a14:m>
+                <a:r>
+                  <a:rPr lang="en-US" altLang="zh-CN" i="1" dirty="0"/>
+                  <a:t> </a:t>
+                </a:r>
+                <a:r>
+                  <a:rPr lang="en-US" altLang="zh-CN" dirty="0"/>
+                  <a:t>of </a:t>
+                </a:r>
+                <a14:m>
+                  <m:oMath xmlns:m="http://schemas.openxmlformats.org/officeDocument/2006/math">
+                    <m:r>
+                      <a:rPr lang="en-US" altLang="zh-CN" i="1" dirty="0">
+                        <a:latin typeface="Cambria Math" panose="02040503050406030204" pitchFamily="18" charset="0"/>
+                      </a:rPr>
+                      <m:t>𝑆</m:t>
+                    </m:r>
+                    <m:r>
+                      <a:rPr lang="en-US" altLang="zh-CN" i="1" dirty="0">
+                        <a:latin typeface="Cambria Math" panose="02040503050406030204" pitchFamily="18" charset="0"/>
+                      </a:rPr>
+                      <m:t> </m:t>
+                    </m:r>
+                  </m:oMath>
+                </a14:m>
+                <a:r>
+                  <a:rPr lang="en-US" altLang="zh-CN" dirty="0"/>
+                  <a:t>mean?</a:t>
+                </a:r>
+              </a:p>
+              <a:p>
+                <a:pPr>
+                  <a:spcBef>
+                    <a:spcPts val="400"/>
+                  </a:spcBef>
+                  <a:spcAft>
+                    <a:spcPts val="400"/>
+                  </a:spcAft>
+                </a:pPr>
+                <a:r>
+                  <a:rPr lang="en-US" altLang="zh-CN" dirty="0"/>
+                  <a:t>How to extract the </a:t>
+                </a:r>
+                <a:r>
+                  <a:rPr lang="en-US" altLang="zh-CN" i="1" dirty="0"/>
+                  <a:t>weakest assumption </a:t>
+                </a:r>
+                <a:r>
+                  <a:rPr lang="en-US" altLang="zh-CN" dirty="0"/>
+                  <a:t>from </a:t>
+                </a:r>
+                <a14:m>
+                  <m:oMath xmlns:m="http://schemas.openxmlformats.org/officeDocument/2006/math">
+                    <m:r>
+                      <a:rPr lang="en-US" altLang="zh-CN" i="1" dirty="0" smtClean="0">
+                        <a:latin typeface="Cambria Math" panose="02040503050406030204" pitchFamily="18" charset="0"/>
+                      </a:rPr>
+                      <m:t>𝑆</m:t>
+                    </m:r>
+                  </m:oMath>
+                </a14:m>
+                <a:r>
+                  <a:rPr lang="en-US" altLang="zh-CN" dirty="0"/>
+                  <a:t>?</a:t>
+                </a:r>
+              </a:p>
+              <a:p>
+                <a:pPr>
+                  <a:spcBef>
+                    <a:spcPts val="400"/>
+                  </a:spcBef>
+                  <a:spcAft>
+                    <a:spcPts val="400"/>
+                  </a:spcAft>
+                </a:pPr>
+                <a:r>
+                  <a:rPr lang="en-US" altLang="zh-CN" dirty="0"/>
+                  <a:t>How to define the “-” operator?</a:t>
+                </a:r>
+              </a:p>
+              <a:p>
+                <a:pPr>
+                  <a:spcBef>
+                    <a:spcPts val="400"/>
+                  </a:spcBef>
+                  <a:spcAft>
+                    <a:spcPts val="400"/>
+                  </a:spcAft>
+                </a:pPr>
+                <a:r>
+                  <a:rPr lang="en-US" altLang="zh-CN" dirty="0"/>
+                  <a:t>What’s the representation of </a:t>
+                </a:r>
+                <a14:m>
+                  <m:oMath xmlns:m="http://schemas.openxmlformats.org/officeDocument/2006/math">
+                    <m:sSub>
+                      <m:sSubPr>
+                        <m:ctrlPr>
+                          <a:rPr lang="en-US" altLang="zh-CN" i="1">
+                            <a:latin typeface="Cambria Math" panose="02040503050406030204" pitchFamily="18" charset="0"/>
+                            <a:ea typeface="Cambria Math" panose="02040503050406030204" pitchFamily="18" charset="0"/>
+                          </a:rPr>
+                        </m:ctrlPr>
+                      </m:sSubPr>
+                      <m:e>
+                        <m:r>
+                          <a:rPr lang="en-US" altLang="zh-CN" i="1">
+                            <a:latin typeface="Cambria Math" panose="02040503050406030204" pitchFamily="18" charset="0"/>
+                            <a:ea typeface="Cambria Math" panose="02040503050406030204" pitchFamily="18" charset="0"/>
+                          </a:rPr>
+                          <m:t>∆</m:t>
+                        </m:r>
+                      </m:e>
+                      <m:sub>
+                        <m:r>
+                          <a:rPr lang="en-US" altLang="zh-CN" i="1">
+                            <a:latin typeface="Cambria Math" panose="02040503050406030204" pitchFamily="18" charset="0"/>
+                            <a:ea typeface="Cambria Math" panose="02040503050406030204" pitchFamily="18" charset="0"/>
+                          </a:rPr>
+                          <m:t>𝑀</m:t>
+                        </m:r>
+                      </m:sub>
+                    </m:sSub>
+                  </m:oMath>
+                </a14:m>
+                <a:r>
+                  <a:rPr lang="en-US" altLang="zh-CN" dirty="0"/>
+                  <a:t>?</a:t>
+                </a:r>
+                <a:endParaRPr lang="zh-CN" altLang="en-US" dirty="0"/>
+              </a:p>
+            </p:txBody>
+          </p:sp>
+        </mc:Choice>
+        <mc:Fallback>
+          <p:sp>
+            <p:nvSpPr>
+              <p:cNvPr id="3" name="Text Placeholder 2">
+                <a:extLst>
+                  <a:ext uri="{FF2B5EF4-FFF2-40B4-BE49-F238E27FC236}">
+                    <a16:creationId xmlns:a16="http://schemas.microsoft.com/office/drawing/2014/main" id="{62E4D570-2A79-4756-9188-68C2A44C8A67}"/>
+                  </a:ext>
+                </a:extLst>
+              </p:cNvPr>
+              <p:cNvSpPr>
+                <a:spLocks noGrp="1" noRot="1" noChangeAspect="1" noMove="1" noResize="1" noEditPoints="1" noAdjustHandles="1" noChangeArrowheads="1" noChangeShapeType="1" noTextEdit="1"/>
+              </p:cNvSpPr>
+              <p:nvPr>
+                <p:ph type="body" idx="1"/>
+              </p:nvPr>
+            </p:nvSpPr>
+            <p:spPr>
+              <a:blipFill>
+                <a:blip r:embed="rId3"/>
+                <a:stretch>
+                  <a:fillRect/>
+                </a:stretch>
+              </a:blipFill>
+            </p:spPr>
+            <p:txBody>
+              <a:bodyPr/>
+              <a:lstStyle/>
+              <a:p>
+                <a:r>
+                  <a:rPr lang="zh-CN" altLang="en-US">
+                    <a:noFill/>
+                  </a:rPr>
+                  <a:t> </a:t>
+                </a:r>
+              </a:p>
+            </p:txBody>
+          </p:sp>
+        </mc:Fallback>
+      </mc:AlternateContent>
+      <p:sp>
+        <p:nvSpPr>
+          <p:cNvPr id="4" name="Slide Number Placeholder 3">
+            <a:extLst>
+              <a:ext uri="{FF2B5EF4-FFF2-40B4-BE49-F238E27FC236}">
+                <a16:creationId xmlns:a16="http://schemas.microsoft.com/office/drawing/2014/main" id="{184A8BA7-B363-4B6B-9379-B6B88F7BA785}"/>
+              </a:ext>
+            </a:extLst>
+          </p:cNvPr>
+          <p:cNvSpPr>
+            <a:spLocks noGrp="1"/>
+          </p:cNvSpPr>
+          <p:nvPr>
+            <p:ph type="sldNum" idx="12"/>
+          </p:nvPr>
+        </p:nvSpPr>
+        <p:spPr/>
+        <p:txBody>
+          <a:bodyPr/>
+          <a:lstStyle/>
+          <a:p>
+            <a:pPr marL="0" lvl="0" indent="0" algn="r" rtl="0">
+              <a:spcBef>
+                <a:spcPts val="0"/>
+              </a:spcBef>
+              <a:spcAft>
+                <a:spcPts val="0"/>
+              </a:spcAft>
+              <a:buNone/>
+            </a:pPr>
+            <a:fld id="{00000000-1234-1234-1234-123412341234}" type="slidenum">
+              <a:rPr lang="en" smtClean="0"/>
+              <a:t>10</a:t>
+            </a:fld>
+            <a:endParaRPr lang="en"/>
+          </a:p>
+        </p:txBody>
+      </p:sp>
+      <p:pic>
+        <p:nvPicPr>
+          <p:cNvPr id="7" name="Picture 6">
+            <a:extLst>
+              <a:ext uri="{FF2B5EF4-FFF2-40B4-BE49-F238E27FC236}">
+                <a16:creationId xmlns:a16="http://schemas.microsoft.com/office/drawing/2014/main" id="{112D1371-0F33-4847-B5A0-011F2F223168}"/>
+              </a:ext>
+            </a:extLst>
+          </p:cNvPr>
+          <p:cNvPicPr>
+            <a:picLocks noChangeAspect="1"/>
+          </p:cNvPicPr>
+          <p:nvPr>
+            <p:custDataLst>
+              <p:tags r:id="rId1"/>
+            </p:custDataLst>
+          </p:nvPr>
+        </p:nvPicPr>
+        <p:blipFill>
+          <a:blip r:embed="rId4"/>
+          <a:stretch>
+            <a:fillRect/>
+          </a:stretch>
+        </p:blipFill>
+        <p:spPr>
+          <a:xfrm>
+            <a:off x="460764" y="1258400"/>
+            <a:ext cx="3980952" cy="279924"/>
+          </a:xfrm>
+          <a:prstGeom prst="rect">
+            <a:avLst/>
+          </a:prstGeom>
+        </p:spPr>
+      </p:pic>
+    </p:spTree>
+    <p:extLst>
+      <p:ext uri="{BB962C8B-B14F-4D97-AF65-F5344CB8AC3E}">
+        <p14:creationId xmlns:p14="http://schemas.microsoft.com/office/powerpoint/2010/main" val="3833580796"/>
+      </p:ext>
+    </p:extLst>
+  </p:cSld>
+  <p:clrMapOvr>
+    <a:masterClrMapping/>
+  </p:clrMapOvr>
+</p:sld>
+</file>
+
+<file path=ppt/slides/slide11.xml><?xml version="1.0" encoding="utf-8"?>
+<p:sld xmlns:a="http://schemas.openxmlformats.org/drawingml/2006/main" xmlns:r="http://schemas.openxmlformats.org/officeDocument/2006/relationships" xmlns:p="http://schemas.openxmlformats.org/presentationml/2006/main">
+  <p:cSld>
+    <p:spTree>
+      <p:nvGrpSpPr>
+        <p:cNvPr id="1" name=""/>
+        <p:cNvGrpSpPr/>
+        <p:nvPr/>
+      </p:nvGrpSpPr>
+      <p:grpSpPr>
+        <a:xfrm>
+          <a:off x="0" y="0"/>
+          <a:ext cx="0" cy="0"/>
+          <a:chOff x="0" y="0"/>
+          <a:chExt cx="0" cy="0"/>
+        </a:xfrm>
+      </p:grpSpPr>
+      <p:sp>
+        <p:nvSpPr>
+          <p:cNvPr id="2" name="Title 1">
+            <a:extLst>
+              <a:ext uri="{FF2B5EF4-FFF2-40B4-BE49-F238E27FC236}">
+                <a16:creationId xmlns:a16="http://schemas.microsoft.com/office/drawing/2014/main" id="{08B3759E-FD54-4DD3-AA7D-6A433DB1A42F}"/>
+              </a:ext>
+            </a:extLst>
+          </p:cNvPr>
+          <p:cNvSpPr>
+            <a:spLocks noGrp="1"/>
+          </p:cNvSpPr>
+          <p:nvPr>
+            <p:ph type="title"/>
+          </p:nvPr>
+        </p:nvSpPr>
+        <p:spPr/>
+        <p:txBody>
+          <a:bodyPr/>
+          <a:lstStyle/>
+          <a:p>
+            <a:r>
+              <a:rPr lang="en-US" altLang="zh-CN" dirty="0"/>
+              <a:t>Another way around</a:t>
+            </a:r>
+            <a:endParaRPr lang="zh-CN" altLang="en-US" dirty="0"/>
+          </a:p>
+        </p:txBody>
+      </p:sp>
+      <mc:AlternateContent xmlns:mc="http://schemas.openxmlformats.org/markup-compatibility/2006">
+        <mc:Choice xmlns:a14="http://schemas.microsoft.com/office/drawing/2010/main" Requires="a14">
+          <p:sp>
+            <p:nvSpPr>
+              <p:cNvPr id="3" name="Text Placeholder 2">
+                <a:extLst>
+                  <a:ext uri="{FF2B5EF4-FFF2-40B4-BE49-F238E27FC236}">
+                    <a16:creationId xmlns:a16="http://schemas.microsoft.com/office/drawing/2014/main" id="{62E4D570-2A79-4756-9188-68C2A44C8A67}"/>
+                  </a:ext>
+                </a:extLst>
+              </p:cNvPr>
+              <p:cNvSpPr>
+                <a:spLocks noGrp="1"/>
+              </p:cNvSpPr>
+              <p:nvPr>
+                <p:ph type="body" idx="1"/>
+              </p:nvPr>
+            </p:nvSpPr>
+            <p:spPr/>
+            <p:txBody>
+              <a:bodyPr/>
+              <a:lstStyle/>
+              <a:p>
+                <a:pPr marL="114300" indent="0">
+                  <a:buNone/>
+                </a:pPr>
+                <a:endParaRPr lang="en-US" altLang="zh-CN" dirty="0"/>
+              </a:p>
+              <a:p>
+                <a:pPr>
+                  <a:spcBef>
+                    <a:spcPts val="400"/>
+                  </a:spcBef>
+                  <a:spcAft>
+                    <a:spcPts val="400"/>
+                  </a:spcAft>
+                </a:pPr>
+                <a:r>
+                  <a:rPr lang="en-US" altLang="zh-CN" dirty="0">
+                    <a:solidFill>
+                      <a:schemeClr val="bg1">
+                        <a:lumMod val="75000"/>
+                      </a:schemeClr>
+                    </a:solidFill>
+                  </a:rPr>
+                  <a:t>How to model the behavior of </a:t>
+                </a:r>
+                <a14:m>
+                  <m:oMath xmlns:m="http://schemas.openxmlformats.org/officeDocument/2006/math">
+                    <m:r>
+                      <a:rPr lang="en-US" altLang="zh-CN" i="1" dirty="0">
+                        <a:solidFill>
+                          <a:schemeClr val="bg1">
+                            <a:lumMod val="75000"/>
+                          </a:schemeClr>
+                        </a:solidFill>
+                        <a:latin typeface="Cambria Math" panose="02040503050406030204" pitchFamily="18" charset="0"/>
+                      </a:rPr>
+                      <m:t>𝑆</m:t>
+                    </m:r>
+                  </m:oMath>
+                </a14:m>
+                <a:r>
+                  <a:rPr lang="en-US" altLang="zh-CN" dirty="0">
+                    <a:solidFill>
+                      <a:schemeClr val="bg1">
+                        <a:lumMod val="75000"/>
+                      </a:schemeClr>
+                    </a:solidFill>
+                  </a:rPr>
+                  <a:t> and </a:t>
+                </a:r>
+                <a14:m>
+                  <m:oMath xmlns:m="http://schemas.openxmlformats.org/officeDocument/2006/math">
+                    <m:r>
+                      <a:rPr lang="en-US" altLang="zh-CN" i="1" dirty="0" smtClean="0">
+                        <a:solidFill>
+                          <a:schemeClr val="bg1">
+                            <a:lumMod val="75000"/>
+                          </a:schemeClr>
+                        </a:solidFill>
+                        <a:latin typeface="Cambria Math" panose="02040503050406030204" pitchFamily="18" charset="0"/>
+                      </a:rPr>
+                      <m:t>𝐸</m:t>
+                    </m:r>
+                  </m:oMath>
+                </a14:m>
+                <a:r>
+                  <a:rPr lang="en-US" altLang="zh-CN" dirty="0">
+                    <a:solidFill>
+                      <a:schemeClr val="bg1">
+                        <a:lumMod val="75000"/>
+                      </a:schemeClr>
+                    </a:solidFill>
+                  </a:rPr>
+                  <a:t>?</a:t>
+                </a:r>
+              </a:p>
+              <a:p>
+                <a:pPr>
+                  <a:spcBef>
+                    <a:spcPts val="400"/>
+                  </a:spcBef>
+                  <a:spcAft>
+                    <a:spcPts val="400"/>
+                  </a:spcAft>
+                </a:pPr>
+                <a:r>
+                  <a:rPr lang="en-US" altLang="zh-CN" dirty="0">
+                    <a:solidFill>
+                      <a:schemeClr val="bg1">
+                        <a:lumMod val="75000"/>
+                      </a:schemeClr>
+                    </a:solidFill>
+                  </a:rPr>
+                  <a:t>How to represent property </a:t>
+                </a:r>
+                <a14:m>
+                  <m:oMath xmlns:m="http://schemas.openxmlformats.org/officeDocument/2006/math">
+                    <m:r>
+                      <a:rPr lang="en-US" altLang="zh-CN" i="1" dirty="0" smtClean="0">
+                        <a:solidFill>
+                          <a:schemeClr val="bg1">
+                            <a:lumMod val="75000"/>
+                          </a:schemeClr>
+                        </a:solidFill>
+                        <a:latin typeface="Cambria Math" panose="02040503050406030204" pitchFamily="18" charset="0"/>
+                      </a:rPr>
+                      <m:t>𝑃</m:t>
+                    </m:r>
+                  </m:oMath>
+                </a14:m>
+                <a:r>
+                  <a:rPr lang="en-US" altLang="zh-CN" dirty="0">
+                    <a:solidFill>
+                      <a:schemeClr val="bg1">
+                        <a:lumMod val="75000"/>
+                      </a:schemeClr>
+                    </a:solidFill>
+                  </a:rPr>
+                  <a:t>?</a:t>
+                </a:r>
+              </a:p>
+              <a:p>
+                <a:pPr>
+                  <a:spcBef>
+                    <a:spcPts val="400"/>
+                  </a:spcBef>
+                  <a:spcAft>
+                    <a:spcPts val="400"/>
+                  </a:spcAft>
+                </a:pPr>
+                <a:r>
+                  <a:rPr lang="en-US" altLang="zh-CN" dirty="0">
+                    <a:solidFill>
+                      <a:schemeClr val="bg1">
+                        <a:lumMod val="75000"/>
+                      </a:schemeClr>
+                    </a:solidFill>
+                  </a:rPr>
+                  <a:t>What does the </a:t>
+                </a:r>
+                <a:r>
+                  <a:rPr lang="en-US" altLang="zh-CN" i="1" dirty="0">
+                    <a:solidFill>
+                      <a:schemeClr val="bg1">
+                        <a:lumMod val="75000"/>
+                      </a:schemeClr>
+                    </a:solidFill>
+                  </a:rPr>
+                  <a:t>weakest assumption </a:t>
+                </a:r>
+                <a14:m>
+                  <m:oMath xmlns:m="http://schemas.openxmlformats.org/officeDocument/2006/math">
+                    <m:r>
+                      <a:rPr lang="en-US" altLang="zh-CN" i="1" dirty="0" smtClean="0">
+                        <a:solidFill>
+                          <a:schemeClr val="bg1">
+                            <a:lumMod val="75000"/>
+                          </a:schemeClr>
+                        </a:solidFill>
+                        <a:latin typeface="Cambria Math" panose="02040503050406030204" pitchFamily="18" charset="0"/>
+                      </a:rPr>
+                      <m:t>𝑊</m:t>
+                    </m:r>
+                    <m:sSub>
+                      <m:sSubPr>
+                        <m:ctrlPr>
+                          <a:rPr lang="en-US" altLang="zh-CN" i="1" dirty="0" smtClean="0">
+                            <a:solidFill>
+                              <a:schemeClr val="bg1">
+                                <a:lumMod val="75000"/>
+                              </a:schemeClr>
+                            </a:solidFill>
+                            <a:latin typeface="Cambria Math" panose="02040503050406030204" pitchFamily="18" charset="0"/>
+                          </a:rPr>
+                        </m:ctrlPr>
+                      </m:sSubPr>
+                      <m:e>
+                        <m:r>
+                          <a:rPr lang="en-US" altLang="zh-CN" i="1" dirty="0" smtClean="0">
+                            <a:solidFill>
+                              <a:schemeClr val="bg1">
+                                <a:lumMod val="75000"/>
+                              </a:schemeClr>
+                            </a:solidFill>
+                            <a:latin typeface="Cambria Math" panose="02040503050406030204" pitchFamily="18" charset="0"/>
+                          </a:rPr>
+                          <m:t>𝐸</m:t>
+                        </m:r>
+                      </m:e>
+                      <m:sub>
+                        <m:r>
+                          <a:rPr lang="en-US" altLang="zh-CN" i="1" dirty="0" smtClean="0">
+                            <a:solidFill>
+                              <a:schemeClr val="bg1">
+                                <a:lumMod val="75000"/>
+                              </a:schemeClr>
+                            </a:solidFill>
+                            <a:latin typeface="Cambria Math" panose="02040503050406030204" pitchFamily="18" charset="0"/>
+                          </a:rPr>
+                          <m:t>𝑆</m:t>
+                        </m:r>
+                      </m:sub>
+                    </m:sSub>
+                  </m:oMath>
+                </a14:m>
+                <a:r>
+                  <a:rPr lang="en-US" altLang="zh-CN" i="1" dirty="0">
+                    <a:solidFill>
+                      <a:schemeClr val="bg1">
+                        <a:lumMod val="75000"/>
+                      </a:schemeClr>
+                    </a:solidFill>
+                  </a:rPr>
+                  <a:t> </a:t>
+                </a:r>
+                <a:r>
+                  <a:rPr lang="en-US" altLang="zh-CN" dirty="0">
+                    <a:solidFill>
+                      <a:schemeClr val="bg1">
+                        <a:lumMod val="75000"/>
+                      </a:schemeClr>
+                    </a:solidFill>
+                  </a:rPr>
+                  <a:t>of </a:t>
+                </a:r>
+                <a14:m>
+                  <m:oMath xmlns:m="http://schemas.openxmlformats.org/officeDocument/2006/math">
+                    <m:r>
+                      <a:rPr lang="en-US" altLang="zh-CN" i="1" dirty="0">
+                        <a:solidFill>
+                          <a:schemeClr val="bg1">
+                            <a:lumMod val="75000"/>
+                          </a:schemeClr>
+                        </a:solidFill>
+                        <a:latin typeface="Cambria Math" panose="02040503050406030204" pitchFamily="18" charset="0"/>
+                      </a:rPr>
+                      <m:t>𝑆</m:t>
+                    </m:r>
+                    <m:r>
+                      <a:rPr lang="en-US" altLang="zh-CN" i="1" dirty="0">
+                        <a:solidFill>
+                          <a:schemeClr val="bg1">
+                            <a:lumMod val="75000"/>
+                          </a:schemeClr>
+                        </a:solidFill>
+                        <a:latin typeface="Cambria Math" panose="02040503050406030204" pitchFamily="18" charset="0"/>
+                      </a:rPr>
+                      <m:t> </m:t>
+                    </m:r>
+                  </m:oMath>
+                </a14:m>
+                <a:r>
+                  <a:rPr lang="en-US" altLang="zh-CN" dirty="0">
+                    <a:solidFill>
+                      <a:schemeClr val="bg1">
+                        <a:lumMod val="75000"/>
+                      </a:schemeClr>
+                    </a:solidFill>
+                  </a:rPr>
+                  <a:t>mean?</a:t>
+                </a:r>
+              </a:p>
+              <a:p>
+                <a:pPr>
+                  <a:spcBef>
+                    <a:spcPts val="400"/>
+                  </a:spcBef>
+                  <a:spcAft>
+                    <a:spcPts val="400"/>
+                  </a:spcAft>
+                </a:pPr>
+                <a:r>
+                  <a:rPr lang="en-US" altLang="zh-CN" dirty="0">
+                    <a:solidFill>
+                      <a:schemeClr val="bg1">
+                        <a:lumMod val="75000"/>
+                      </a:schemeClr>
+                    </a:solidFill>
+                  </a:rPr>
+                  <a:t>How to extract the </a:t>
+                </a:r>
+                <a:r>
+                  <a:rPr lang="en-US" altLang="zh-CN" i="1" dirty="0">
+                    <a:solidFill>
+                      <a:schemeClr val="bg1">
+                        <a:lumMod val="75000"/>
+                      </a:schemeClr>
+                    </a:solidFill>
+                  </a:rPr>
+                  <a:t>weakest assumption </a:t>
+                </a:r>
+                <a:r>
+                  <a:rPr lang="en-US" altLang="zh-CN" dirty="0">
+                    <a:solidFill>
+                      <a:schemeClr val="bg1">
+                        <a:lumMod val="75000"/>
+                      </a:schemeClr>
+                    </a:solidFill>
+                  </a:rPr>
+                  <a:t>from </a:t>
+                </a:r>
+                <a14:m>
+                  <m:oMath xmlns:m="http://schemas.openxmlformats.org/officeDocument/2006/math">
+                    <m:r>
+                      <a:rPr lang="en-US" altLang="zh-CN" i="1" dirty="0" smtClean="0">
+                        <a:solidFill>
+                          <a:schemeClr val="bg1">
+                            <a:lumMod val="75000"/>
+                          </a:schemeClr>
+                        </a:solidFill>
+                        <a:latin typeface="Cambria Math" panose="02040503050406030204" pitchFamily="18" charset="0"/>
+                      </a:rPr>
+                      <m:t>𝑆</m:t>
+                    </m:r>
+                  </m:oMath>
+                </a14:m>
+                <a:r>
+                  <a:rPr lang="en-US" altLang="zh-CN" dirty="0">
+                    <a:solidFill>
+                      <a:schemeClr val="bg1">
+                        <a:lumMod val="75000"/>
+                      </a:schemeClr>
+                    </a:solidFill>
+                  </a:rPr>
+                  <a:t>?</a:t>
+                </a:r>
+              </a:p>
+              <a:p>
+                <a:pPr>
+                  <a:spcBef>
+                    <a:spcPts val="400"/>
+                  </a:spcBef>
+                  <a:spcAft>
+                    <a:spcPts val="400"/>
+                  </a:spcAft>
+                </a:pPr>
+                <a:r>
+                  <a:rPr lang="en-US" altLang="zh-CN" dirty="0"/>
+                  <a:t>How to define the “-” operator?</a:t>
+                </a:r>
+              </a:p>
+              <a:p>
+                <a:pPr>
+                  <a:spcBef>
+                    <a:spcPts val="400"/>
+                  </a:spcBef>
+                  <a:spcAft>
+                    <a:spcPts val="400"/>
+                  </a:spcAft>
+                </a:pPr>
+                <a:r>
+                  <a:rPr lang="en-US" altLang="zh-CN" dirty="0"/>
+                  <a:t>What’s the representation of </a:t>
+                </a:r>
+                <a14:m>
+                  <m:oMath xmlns:m="http://schemas.openxmlformats.org/officeDocument/2006/math">
+                    <m:sSub>
+                      <m:sSubPr>
+                        <m:ctrlPr>
+                          <a:rPr lang="en-US" altLang="zh-CN" i="1">
+                            <a:latin typeface="Cambria Math" panose="02040503050406030204" pitchFamily="18" charset="0"/>
+                            <a:ea typeface="Cambria Math" panose="02040503050406030204" pitchFamily="18" charset="0"/>
+                          </a:rPr>
+                        </m:ctrlPr>
+                      </m:sSubPr>
+                      <m:e>
+                        <m:r>
+                          <a:rPr lang="en-US" altLang="zh-CN" i="1">
+                            <a:latin typeface="Cambria Math" panose="02040503050406030204" pitchFamily="18" charset="0"/>
+                            <a:ea typeface="Cambria Math" panose="02040503050406030204" pitchFamily="18" charset="0"/>
+                          </a:rPr>
+                          <m:t>∆</m:t>
+                        </m:r>
+                      </m:e>
+                      <m:sub>
+                        <m:r>
+                          <a:rPr lang="en-US" altLang="zh-CN" i="1">
+                            <a:latin typeface="Cambria Math" panose="02040503050406030204" pitchFamily="18" charset="0"/>
+                            <a:ea typeface="Cambria Math" panose="02040503050406030204" pitchFamily="18" charset="0"/>
+                          </a:rPr>
+                          <m:t>𝑀</m:t>
+                        </m:r>
+                      </m:sub>
+                    </m:sSub>
+                  </m:oMath>
+                </a14:m>
+                <a:r>
+                  <a:rPr lang="en-US" altLang="zh-CN" dirty="0"/>
+                  <a:t>?</a:t>
+                </a:r>
+                <a:endParaRPr lang="zh-CN" altLang="en-US" dirty="0"/>
+              </a:p>
+            </p:txBody>
+          </p:sp>
+        </mc:Choice>
+        <mc:Fallback>
+          <p:sp>
+            <p:nvSpPr>
+              <p:cNvPr id="3" name="Text Placeholder 2">
+                <a:extLst>
+                  <a:ext uri="{FF2B5EF4-FFF2-40B4-BE49-F238E27FC236}">
+                    <a16:creationId xmlns:a16="http://schemas.microsoft.com/office/drawing/2014/main" id="{62E4D570-2A79-4756-9188-68C2A44C8A67}"/>
+                  </a:ext>
+                </a:extLst>
+              </p:cNvPr>
+              <p:cNvSpPr>
+                <a:spLocks noGrp="1" noRot="1" noChangeAspect="1" noMove="1" noResize="1" noEditPoints="1" noAdjustHandles="1" noChangeArrowheads="1" noChangeShapeType="1" noTextEdit="1"/>
+              </p:cNvSpPr>
+              <p:nvPr>
+                <p:ph type="body" idx="1"/>
+              </p:nvPr>
+            </p:nvSpPr>
+            <p:spPr>
+              <a:blipFill>
+                <a:blip r:embed="rId3"/>
+                <a:stretch>
+                  <a:fillRect/>
+                </a:stretch>
+              </a:blipFill>
+            </p:spPr>
+            <p:txBody>
+              <a:bodyPr/>
+              <a:lstStyle/>
+              <a:p>
+                <a:r>
+                  <a:rPr lang="zh-CN" altLang="en-US">
+                    <a:noFill/>
+                  </a:rPr>
+                  <a:t> </a:t>
+                </a:r>
+              </a:p>
+            </p:txBody>
+          </p:sp>
+        </mc:Fallback>
+      </mc:AlternateContent>
+      <p:sp>
+        <p:nvSpPr>
+          <p:cNvPr id="4" name="Slide Number Placeholder 3">
+            <a:extLst>
+              <a:ext uri="{FF2B5EF4-FFF2-40B4-BE49-F238E27FC236}">
+                <a16:creationId xmlns:a16="http://schemas.microsoft.com/office/drawing/2014/main" id="{184A8BA7-B363-4B6B-9379-B6B88F7BA785}"/>
+              </a:ext>
+            </a:extLst>
+          </p:cNvPr>
+          <p:cNvSpPr>
+            <a:spLocks noGrp="1"/>
+          </p:cNvSpPr>
+          <p:nvPr>
+            <p:ph type="sldNum" idx="12"/>
+          </p:nvPr>
+        </p:nvSpPr>
+        <p:spPr/>
+        <p:txBody>
+          <a:bodyPr/>
+          <a:lstStyle/>
+          <a:p>
+            <a:pPr marL="0" lvl="0" indent="0" algn="r" rtl="0">
+              <a:spcBef>
+                <a:spcPts val="0"/>
+              </a:spcBef>
+              <a:spcAft>
+                <a:spcPts val="0"/>
+              </a:spcAft>
+              <a:buNone/>
+            </a:pPr>
+            <a:fld id="{00000000-1234-1234-1234-123412341234}" type="slidenum">
+              <a:rPr lang="en" smtClean="0"/>
+              <a:t>11</a:t>
+            </a:fld>
+            <a:endParaRPr lang="en"/>
+          </a:p>
+        </p:txBody>
+      </p:sp>
+      <p:pic>
+        <p:nvPicPr>
+          <p:cNvPr id="7" name="Picture 6">
+            <a:extLst>
+              <a:ext uri="{FF2B5EF4-FFF2-40B4-BE49-F238E27FC236}">
+                <a16:creationId xmlns:a16="http://schemas.microsoft.com/office/drawing/2014/main" id="{112D1371-0F33-4847-B5A0-011F2F223168}"/>
+              </a:ext>
+            </a:extLst>
+          </p:cNvPr>
+          <p:cNvPicPr>
+            <a:picLocks noChangeAspect="1"/>
+          </p:cNvPicPr>
+          <p:nvPr>
+            <p:custDataLst>
+              <p:tags r:id="rId1"/>
+            </p:custDataLst>
+          </p:nvPr>
+        </p:nvPicPr>
+        <p:blipFill>
+          <a:blip r:embed="rId4"/>
+          <a:stretch>
+            <a:fillRect/>
+          </a:stretch>
+        </p:blipFill>
+        <p:spPr>
+          <a:xfrm>
+            <a:off x="460764" y="1258400"/>
+            <a:ext cx="3980952" cy="279924"/>
+          </a:xfrm>
+          <a:prstGeom prst="rect">
+            <a:avLst/>
+          </a:prstGeom>
+        </p:spPr>
+      </p:pic>
+      <p:sp>
+        <p:nvSpPr>
+          <p:cNvPr id="6" name="Speech Bubble: Oval 5">
+            <a:extLst>
+              <a:ext uri="{FF2B5EF4-FFF2-40B4-BE49-F238E27FC236}">
+                <a16:creationId xmlns:a16="http://schemas.microsoft.com/office/drawing/2014/main" id="{58C54E44-3688-4F85-BC50-DDDF2D014A4D}"/>
+              </a:ext>
+            </a:extLst>
+          </p:cNvPr>
+          <p:cNvSpPr/>
+          <p:nvPr/>
+        </p:nvSpPr>
+        <p:spPr>
+          <a:xfrm>
+            <a:off x="5773958" y="984729"/>
+            <a:ext cx="3058342" cy="1509425"/>
+          </a:xfrm>
+          <a:prstGeom prst="wedgeEllipseCallout">
+            <a:avLst>
+              <a:gd name="adj1" fmla="val -68386"/>
+              <a:gd name="adj2" fmla="val 40167"/>
+            </a:avLst>
+          </a:prstGeom>
+        </p:spPr>
+        <p:style>
+          <a:lnRef idx="3">
+            <a:schemeClr val="lt1"/>
+          </a:lnRef>
+          <a:fillRef idx="1">
+            <a:schemeClr val="accent3"/>
+          </a:fillRef>
+          <a:effectRef idx="1">
+            <a:schemeClr val="accent3"/>
+          </a:effectRef>
+          <a:fontRef idx="minor">
+            <a:schemeClr val="lt1"/>
+          </a:fontRef>
+        </p:style>
+        <p:txBody>
+          <a:bodyPr rtlCol="0" anchor="ctr"/>
+          <a:lstStyle/>
+          <a:p>
+            <a:pPr algn="ctr"/>
+            <a:r>
+              <a:rPr lang="en-US" altLang="zh-CN" b="1" dirty="0"/>
+              <a:t>Starting Point</a:t>
+            </a:r>
+            <a:r>
+              <a:rPr lang="en-US" altLang="zh-CN" dirty="0"/>
+              <a:t>: Existing work present approaches to these problems based on LTS.</a:t>
+            </a:r>
+            <a:endParaRPr lang="zh-CN" altLang="en-US" dirty="0"/>
+          </a:p>
+        </p:txBody>
+      </p:sp>
+      <p:sp>
+        <p:nvSpPr>
+          <p:cNvPr id="8" name="Speech Bubble: Oval 7">
+            <a:extLst>
+              <a:ext uri="{FF2B5EF4-FFF2-40B4-BE49-F238E27FC236}">
+                <a16:creationId xmlns:a16="http://schemas.microsoft.com/office/drawing/2014/main" id="{F905621E-95AC-415A-A237-0A3E57B939B5}"/>
+              </a:ext>
+            </a:extLst>
+          </p:cNvPr>
+          <p:cNvSpPr/>
+          <p:nvPr/>
+        </p:nvSpPr>
+        <p:spPr>
+          <a:xfrm>
+            <a:off x="4753200" y="3673250"/>
+            <a:ext cx="1726800" cy="651425"/>
+          </a:xfrm>
+          <a:prstGeom prst="wedgeEllipseCallout">
+            <a:avLst>
+              <a:gd name="adj1" fmla="val -64600"/>
+              <a:gd name="adj2" fmla="val -50463"/>
+            </a:avLst>
+          </a:prstGeom>
+        </p:spPr>
+        <p:style>
+          <a:lnRef idx="3">
+            <a:schemeClr val="lt1"/>
+          </a:lnRef>
+          <a:fillRef idx="1">
+            <a:schemeClr val="accent3"/>
+          </a:fillRef>
+          <a:effectRef idx="1">
+            <a:schemeClr val="accent3"/>
+          </a:effectRef>
+          <a:fontRef idx="minor">
+            <a:schemeClr val="lt1"/>
+          </a:fontRef>
+        </p:style>
+        <p:txBody>
+          <a:bodyPr rtlCol="0" anchor="ctr"/>
+          <a:lstStyle/>
+          <a:p>
+            <a:pPr algn="ctr"/>
+            <a:r>
+              <a:rPr lang="en-US" altLang="zh-CN" sz="1600" b="1" dirty="0"/>
+              <a:t>Our Focus</a:t>
+            </a:r>
+            <a:endParaRPr lang="zh-CN" altLang="en-US" sz="1600" dirty="0"/>
+          </a:p>
+        </p:txBody>
+      </p:sp>
+    </p:spTree>
+    <p:extLst>
+      <p:ext uri="{BB962C8B-B14F-4D97-AF65-F5344CB8AC3E}">
+        <p14:creationId xmlns:p14="http://schemas.microsoft.com/office/powerpoint/2010/main" val="2670629358"/>
+      </p:ext>
+    </p:extLst>
+  </p:cSld>
+  <p:clrMapOvr>
+    <a:masterClrMapping/>
+  </p:clrMapOvr>
+</p:sld>
+</file>
+
+<file path=ppt/slides/slide12.xml><?xml version="1.0" encoding="utf-8"?>
+<p:sld xmlns:a="http://schemas.openxmlformats.org/drawingml/2006/main" xmlns:r="http://schemas.openxmlformats.org/officeDocument/2006/relationships" xmlns:p="http://schemas.openxmlformats.org/presentationml/2006/main">
+  <p:cSld>
+    <p:spTree>
+      <p:nvGrpSpPr>
+        <p:cNvPr id="1" name=""/>
+        <p:cNvGrpSpPr/>
+        <p:nvPr/>
+      </p:nvGrpSpPr>
+      <p:grpSpPr>
+        <a:xfrm>
+          <a:off x="0" y="0"/>
+          <a:ext cx="0" cy="0"/>
+          <a:chOff x="0" y="0"/>
+          <a:chExt cx="0" cy="0"/>
+        </a:xfrm>
+      </p:grpSpPr>
+      <p:sp>
+        <p:nvSpPr>
+          <p:cNvPr id="2" name="Title 1">
+            <a:extLst>
+              <a:ext uri="{FF2B5EF4-FFF2-40B4-BE49-F238E27FC236}">
+                <a16:creationId xmlns:a16="http://schemas.microsoft.com/office/drawing/2014/main" id="{213C5E4E-6255-4DF7-B10C-D17F619AFDCE}"/>
+              </a:ext>
+            </a:extLst>
+          </p:cNvPr>
+          <p:cNvSpPr>
+            <a:spLocks noGrp="1"/>
+          </p:cNvSpPr>
+          <p:nvPr>
+            <p:ph type="title"/>
+          </p:nvPr>
+        </p:nvSpPr>
+        <p:spPr/>
+        <p:txBody>
+          <a:bodyPr/>
+          <a:lstStyle/>
+          <a:p>
+            <a:r>
+              <a:rPr lang="en-US" altLang="zh-CN" dirty="0"/>
+              <a:t>Generating Weakest Assumption</a:t>
+            </a:r>
+            <a:endParaRPr lang="zh-CN" altLang="en-US" dirty="0"/>
+          </a:p>
+        </p:txBody>
+      </p:sp>
+      <p:sp>
+        <p:nvSpPr>
+          <p:cNvPr id="3" name="Slide Number Placeholder 2">
+            <a:extLst>
+              <a:ext uri="{FF2B5EF4-FFF2-40B4-BE49-F238E27FC236}">
+                <a16:creationId xmlns:a16="http://schemas.microsoft.com/office/drawing/2014/main" id="{4351ADFE-E548-42F8-AE65-0E6AE56841A3}"/>
+              </a:ext>
+            </a:extLst>
+          </p:cNvPr>
+          <p:cNvSpPr>
+            <a:spLocks noGrp="1"/>
+          </p:cNvSpPr>
+          <p:nvPr>
+            <p:ph type="sldNum" idx="12"/>
+          </p:nvPr>
+        </p:nvSpPr>
+        <p:spPr/>
+        <p:txBody>
+          <a:bodyPr/>
+          <a:lstStyle/>
+          <a:p>
+            <a:pPr marL="0" lvl="0" indent="0" algn="r" rtl="0">
+              <a:spcBef>
+                <a:spcPts val="0"/>
+              </a:spcBef>
+              <a:spcAft>
+                <a:spcPts val="0"/>
+              </a:spcAft>
+              <a:buNone/>
+            </a:pPr>
+            <a:fld id="{00000000-1234-1234-1234-123412341234}" type="slidenum">
+              <a:rPr lang="en" smtClean="0"/>
+              <a:t>12</a:t>
+            </a:fld>
+            <a:endParaRPr lang="en"/>
+          </a:p>
+        </p:txBody>
+      </p:sp>
+    </p:spTree>
+    <p:extLst>
+      <p:ext uri="{BB962C8B-B14F-4D97-AF65-F5344CB8AC3E}">
+        <p14:creationId xmlns:p14="http://schemas.microsoft.com/office/powerpoint/2010/main" val="2335298559"/>
+      </p:ext>
+    </p:extLst>
+  </p:cSld>
+  <p:clrMapOvr>
+    <a:masterClrMapping/>
+  </p:clrMapOvr>
+</p:sld>
+</file>
+
+<file path=ppt/slides/slide13.xml><?xml version="1.0" encoding="utf-8"?>
+<p:sld xmlns:a="http://schemas.openxmlformats.org/drawingml/2006/main" xmlns:r="http://schemas.openxmlformats.org/officeDocument/2006/relationships" xmlns:p="http://schemas.openxmlformats.org/presentationml/2006/main">
+  <p:cSld>
+    <p:spTree>
+      <p:nvGrpSpPr>
+        <p:cNvPr id="1" name=""/>
+        <p:cNvGrpSpPr/>
+        <p:nvPr/>
+      </p:nvGrpSpPr>
+      <p:grpSpPr>
+        <a:xfrm>
+          <a:off x="0" y="0"/>
+          <a:ext cx="0" cy="0"/>
+          <a:chOff x="0" y="0"/>
+          <a:chExt cx="0" cy="0"/>
+        </a:xfrm>
+      </p:grpSpPr>
+      <p:sp>
+        <p:nvSpPr>
+          <p:cNvPr id="2" name="Title 1">
+            <a:extLst>
+              <a:ext uri="{FF2B5EF4-FFF2-40B4-BE49-F238E27FC236}">
+                <a16:creationId xmlns:a16="http://schemas.microsoft.com/office/drawing/2014/main" id="{7D605995-26D7-480D-A8E6-4CA4D75F6B77}"/>
+              </a:ext>
+            </a:extLst>
+          </p:cNvPr>
+          <p:cNvSpPr>
+            <a:spLocks noGrp="1"/>
+          </p:cNvSpPr>
+          <p:nvPr>
+            <p:ph type="title"/>
+          </p:nvPr>
+        </p:nvSpPr>
+        <p:spPr/>
+        <p:txBody>
+          <a:bodyPr/>
+          <a:lstStyle/>
+          <a:p>
+            <a:r>
+              <a:rPr lang="en-US" altLang="zh-CN" dirty="0"/>
+              <a:t>Background</a:t>
+            </a:r>
+            <a:endParaRPr lang="zh-CN" altLang="en-US" dirty="0"/>
+          </a:p>
+        </p:txBody>
+      </p:sp>
+      <p:sp>
+        <p:nvSpPr>
+          <p:cNvPr id="4" name="Slide Number Placeholder 3">
+            <a:extLst>
+              <a:ext uri="{FF2B5EF4-FFF2-40B4-BE49-F238E27FC236}">
+                <a16:creationId xmlns:a16="http://schemas.microsoft.com/office/drawing/2014/main" id="{DD769FA6-C05F-4802-8572-EDA4F133331D}"/>
+              </a:ext>
+            </a:extLst>
+          </p:cNvPr>
+          <p:cNvSpPr>
+            <a:spLocks noGrp="1"/>
+          </p:cNvSpPr>
+          <p:nvPr>
+            <p:ph type="sldNum" idx="12"/>
+          </p:nvPr>
+        </p:nvSpPr>
+        <p:spPr/>
+        <p:txBody>
+          <a:bodyPr/>
+          <a:lstStyle/>
+          <a:p>
+            <a:pPr marL="0" lvl="0" indent="0" algn="r" rtl="0">
+              <a:spcBef>
+                <a:spcPts val="0"/>
+              </a:spcBef>
+              <a:spcAft>
+                <a:spcPts val="0"/>
+              </a:spcAft>
+              <a:buNone/>
+            </a:pPr>
+            <a:fld id="{00000000-1234-1234-1234-123412341234}" type="slidenum">
+              <a:rPr lang="en" smtClean="0"/>
+              <a:t>13</a:t>
+            </a:fld>
+            <a:endParaRPr lang="en"/>
+          </a:p>
+        </p:txBody>
+      </p:sp>
+      <p:pic>
+        <p:nvPicPr>
+          <p:cNvPr id="10" name="Picture 9">
+            <a:extLst>
+              <a:ext uri="{FF2B5EF4-FFF2-40B4-BE49-F238E27FC236}">
+                <a16:creationId xmlns:a16="http://schemas.microsoft.com/office/drawing/2014/main" id="{FE22408C-4A77-4163-AFBB-C9F8F850FDA4}"/>
+              </a:ext>
+            </a:extLst>
+          </p:cNvPr>
+          <p:cNvPicPr>
+            <a:picLocks noChangeAspect="1"/>
+          </p:cNvPicPr>
+          <p:nvPr>
+            <p:custDataLst>
+              <p:tags r:id="rId1"/>
+            </p:custDataLst>
+          </p:nvPr>
+        </p:nvPicPr>
+        <p:blipFill>
+          <a:blip r:embed="rId3"/>
+          <a:stretch>
+            <a:fillRect/>
+          </a:stretch>
+        </p:blipFill>
+        <p:spPr>
+          <a:xfrm>
+            <a:off x="888190" y="1444032"/>
+            <a:ext cx="7367619" cy="2262857"/>
+          </a:xfrm>
+          <a:prstGeom prst="rect">
+            <a:avLst/>
+          </a:prstGeom>
+        </p:spPr>
+      </p:pic>
+    </p:spTree>
+    <p:extLst>
+      <p:ext uri="{BB962C8B-B14F-4D97-AF65-F5344CB8AC3E}">
+        <p14:creationId xmlns:p14="http://schemas.microsoft.com/office/powerpoint/2010/main" val="3205186143"/>
+      </p:ext>
+    </p:extLst>
+  </p:cSld>
+  <p:clrMapOvr>
+    <a:masterClrMapping/>
+  </p:clrMapOvr>
+</p:sld>
+</file>
+
+<file path=ppt/slides/slide14.xml><?xml version="1.0" encoding="utf-8"?>
+<p:sld xmlns:a="http://schemas.openxmlformats.org/drawingml/2006/main" xmlns:r="http://schemas.openxmlformats.org/officeDocument/2006/relationships" xmlns:p="http://schemas.openxmlformats.org/presentationml/2006/main">
+  <p:cSld>
+    <p:spTree>
+      <p:nvGrpSpPr>
+        <p:cNvPr id="1" name=""/>
+        <p:cNvGrpSpPr/>
+        <p:nvPr/>
+      </p:nvGrpSpPr>
+      <p:grpSpPr>
+        <a:xfrm>
+          <a:off x="0" y="0"/>
+          <a:ext cx="0" cy="0"/>
+          <a:chOff x="0" y="0"/>
+          <a:chExt cx="0" cy="0"/>
+        </a:xfrm>
+      </p:grpSpPr>
+      <p:sp>
+        <p:nvSpPr>
           <p:cNvPr id="2" name="Title 1"/>
           <p:cNvSpPr>
             <a:spLocks noGrp="1"/>
@@ -7620,9 +9070,10 @@
           <a:lstStyle/>
           <a:p>
             <a:r>
-              <a:rPr lang="en-US" dirty="0"/>
+              <a:rPr lang="en-US" altLang="zh-CN" dirty="0"/>
               <a:t>Background</a:t>
             </a:r>
+            <a:endParaRPr lang="en-US" dirty="0"/>
           </a:p>
         </p:txBody>
       </p:sp>
@@ -7695,7 +9146,7 @@
             </a:pPr>
             <a:fld id="{00000000-1234-1234-1234-123412341234}" type="slidenum">
               <a:rPr lang="en" smtClean="0"/>
-              <a:t>10</a:t>
+              <a:t>14</a:t>
             </a:fld>
             <a:endParaRPr lang="en"/>
           </a:p>
@@ -7748,396 +9199,7 @@
 </p:sld>
 </file>
 
-<file path=ppt/slides/slide11.xml><?xml version="1.0" encoding="utf-8"?>
-<p:sld xmlns:a="http://schemas.openxmlformats.org/drawingml/2006/main" xmlns:r="http://schemas.openxmlformats.org/officeDocument/2006/relationships" xmlns:p="http://schemas.openxmlformats.org/presentationml/2006/main">
-  <p:cSld>
-    <p:spTree>
-      <p:nvGrpSpPr>
-        <p:cNvPr id="1" name=""/>
-        <p:cNvGrpSpPr/>
-        <p:nvPr/>
-      </p:nvGrpSpPr>
-      <p:grpSpPr>
-        <a:xfrm>
-          <a:off x="0" y="0"/>
-          <a:ext cx="0" cy="0"/>
-          <a:chOff x="0" y="0"/>
-          <a:chExt cx="0" cy="0"/>
-        </a:xfrm>
-      </p:grpSpPr>
-      <p:pic>
-        <p:nvPicPr>
-          <p:cNvPr id="1026" name="Picture 2" descr="https://documents.lucidchart.com/documents/1462bec2-3f08-4690-87bd-1f5a008ab79f/pages/0_0?a=411&amp;x=196&amp;y=385&amp;w=531&amp;h=330&amp;store=1&amp;accept=image%2F*&amp;auth=LCA%20f206f8790499ef2426edf17e954c542bca3fe800-ts%3D1572456013"/>
-          <p:cNvPicPr>
-            <a:picLocks noChangeAspect="1" noChangeArrowheads="1"/>
-          </p:cNvPicPr>
-          <p:nvPr/>
-        </p:nvPicPr>
-        <p:blipFill>
-          <a:blip r:embed="rId3">
-            <a:extLst>
-              <a:ext uri="{28A0092B-C50C-407E-A947-70E740481C1C}">
-                <a14:useLocalDpi xmlns:a14="http://schemas.microsoft.com/office/drawing/2010/main" val="0"/>
-              </a:ext>
-            </a:extLst>
-          </a:blip>
-          <a:srcRect/>
-          <a:stretch>
-            <a:fillRect/>
-          </a:stretch>
-        </p:blipFill>
-        <p:spPr bwMode="auto">
-          <a:xfrm>
-            <a:off x="2817222" y="1646335"/>
-            <a:ext cx="3129319" cy="1949927"/>
-          </a:xfrm>
-          <a:prstGeom prst="rect">
-            <a:avLst/>
-          </a:prstGeom>
-          <a:noFill/>
-          <a:extLst>
-            <a:ext uri="{909E8E84-426E-40DD-AFC4-6F175D3DCCD1}">
-              <a14:hiddenFill xmlns:a14="http://schemas.microsoft.com/office/drawing/2010/main">
-                <a:solidFill>
-                  <a:srgbClr val="FFFFFF"/>
-                </a:solidFill>
-              </a14:hiddenFill>
-            </a:ext>
-          </a:extLst>
-        </p:spPr>
-      </p:pic>
-      <p:sp>
-        <p:nvSpPr>
-          <p:cNvPr id="2" name="Title 1">
-            <a:extLst>
-              <a:ext uri="{FF2B5EF4-FFF2-40B4-BE49-F238E27FC236}">
-                <a16:creationId xmlns:a16="http://schemas.microsoft.com/office/drawing/2014/main" id="{9B0F71D3-E7C9-45D6-B944-0457099404B2}"/>
-              </a:ext>
-            </a:extLst>
-          </p:cNvPr>
-          <p:cNvSpPr>
-            <a:spLocks noGrp="1"/>
-          </p:cNvSpPr>
-          <p:nvPr>
-            <p:ph type="title"/>
-          </p:nvPr>
-        </p:nvSpPr>
-        <p:spPr/>
-        <p:txBody>
-          <a:bodyPr/>
-          <a:lstStyle/>
-          <a:p>
-            <a:r>
-              <a:rPr lang="en-US" altLang="zh-CN" dirty="0"/>
-              <a:t>Example</a:t>
-            </a:r>
-            <a:endParaRPr lang="zh-CN" altLang="en-US" dirty="0"/>
-          </a:p>
-        </p:txBody>
-      </p:sp>
-      <p:sp>
-        <p:nvSpPr>
-          <p:cNvPr id="4" name="Slide Number Placeholder 3">
-            <a:extLst>
-              <a:ext uri="{FF2B5EF4-FFF2-40B4-BE49-F238E27FC236}">
-                <a16:creationId xmlns:a16="http://schemas.microsoft.com/office/drawing/2014/main" id="{EC9AACC4-0395-47BE-B3CA-C53C4AFC802F}"/>
-              </a:ext>
-            </a:extLst>
-          </p:cNvPr>
-          <p:cNvSpPr>
-            <a:spLocks noGrp="1"/>
-          </p:cNvSpPr>
-          <p:nvPr>
-            <p:ph type="sldNum" idx="12"/>
-          </p:nvPr>
-        </p:nvSpPr>
-        <p:spPr/>
-        <p:txBody>
-          <a:bodyPr/>
-          <a:lstStyle/>
-          <a:p>
-            <a:pPr marL="0" lvl="0" indent="0" algn="r" rtl="0">
-              <a:spcBef>
-                <a:spcPts val="0"/>
-              </a:spcBef>
-              <a:spcAft>
-                <a:spcPts val="0"/>
-              </a:spcAft>
-              <a:buNone/>
-            </a:pPr>
-            <a:fld id="{00000000-1234-1234-1234-123412341234}" type="slidenum">
-              <a:rPr lang="en" smtClean="0"/>
-              <a:t>11</a:t>
-            </a:fld>
-            <a:endParaRPr lang="en"/>
-          </a:p>
-        </p:txBody>
-      </p:sp>
-      <p:pic>
-        <p:nvPicPr>
-          <p:cNvPr id="8" name="Picture 7"/>
-          <p:cNvPicPr>
-            <a:picLocks noChangeAspect="1"/>
-          </p:cNvPicPr>
-          <p:nvPr/>
-        </p:nvPicPr>
-        <p:blipFill>
-          <a:blip r:embed="rId4"/>
-          <a:stretch>
-            <a:fillRect/>
-          </a:stretch>
-        </p:blipFill>
-        <p:spPr>
-          <a:xfrm>
-            <a:off x="172490" y="1342140"/>
-            <a:ext cx="2866072" cy="1229609"/>
-          </a:xfrm>
-          <a:prstGeom prst="rect">
-            <a:avLst/>
-          </a:prstGeom>
-        </p:spPr>
-      </p:pic>
-      <p:pic>
-        <p:nvPicPr>
-          <p:cNvPr id="9" name="Picture 8"/>
-          <p:cNvPicPr>
-            <a:picLocks noChangeAspect="1"/>
-          </p:cNvPicPr>
-          <p:nvPr/>
-        </p:nvPicPr>
-        <p:blipFill>
-          <a:blip r:embed="rId5"/>
-          <a:stretch>
-            <a:fillRect/>
-          </a:stretch>
-        </p:blipFill>
-        <p:spPr>
-          <a:xfrm>
-            <a:off x="172490" y="3200359"/>
-            <a:ext cx="2866072" cy="1146429"/>
-          </a:xfrm>
-          <a:prstGeom prst="rect">
-            <a:avLst/>
-          </a:prstGeom>
-        </p:spPr>
-      </p:pic>
-      <p:pic>
-        <p:nvPicPr>
-          <p:cNvPr id="10" name="Picture 9"/>
-          <p:cNvPicPr>
-            <a:picLocks noChangeAspect="1"/>
-          </p:cNvPicPr>
-          <p:nvPr/>
-        </p:nvPicPr>
-        <p:blipFill>
-          <a:blip r:embed="rId6"/>
-          <a:stretch>
-            <a:fillRect/>
-          </a:stretch>
-        </p:blipFill>
-        <p:spPr>
-          <a:xfrm>
-            <a:off x="5678647" y="2074426"/>
-            <a:ext cx="3342511" cy="1264733"/>
-          </a:xfrm>
-          <a:prstGeom prst="rect">
-            <a:avLst/>
-          </a:prstGeom>
-        </p:spPr>
-      </p:pic>
-    </p:spTree>
-    <p:extLst>
-      <p:ext uri="{BB962C8B-B14F-4D97-AF65-F5344CB8AC3E}">
-        <p14:creationId xmlns:p14="http://schemas.microsoft.com/office/powerpoint/2010/main" val="3537159091"/>
-      </p:ext>
-    </p:extLst>
-  </p:cSld>
-  <p:clrMapOvr>
-    <a:masterClrMapping/>
-  </p:clrMapOvr>
-</p:sld>
-</file>
-
-<file path=ppt/slides/slide12.xml><?xml version="1.0" encoding="utf-8"?>
-<p:sld xmlns:a="http://schemas.openxmlformats.org/drawingml/2006/main" xmlns:r="http://schemas.openxmlformats.org/officeDocument/2006/relationships" xmlns:p="http://schemas.openxmlformats.org/presentationml/2006/main">
-  <p:cSld>
-    <p:spTree>
-      <p:nvGrpSpPr>
-        <p:cNvPr id="1" name=""/>
-        <p:cNvGrpSpPr/>
-        <p:nvPr/>
-      </p:nvGrpSpPr>
-      <p:grpSpPr>
-        <a:xfrm>
-          <a:off x="0" y="0"/>
-          <a:ext cx="0" cy="0"/>
-          <a:chOff x="0" y="0"/>
-          <a:chExt cx="0" cy="0"/>
-        </a:xfrm>
-      </p:grpSpPr>
-      <p:sp>
-        <p:nvSpPr>
-          <p:cNvPr id="2" name="Title 1">
-            <a:extLst>
-              <a:ext uri="{FF2B5EF4-FFF2-40B4-BE49-F238E27FC236}">
-                <a16:creationId xmlns:a16="http://schemas.microsoft.com/office/drawing/2014/main" id="{D8EDB796-F80C-47DA-AC70-977473F07FE9}"/>
-              </a:ext>
-            </a:extLst>
-          </p:cNvPr>
-          <p:cNvSpPr>
-            <a:spLocks noGrp="1"/>
-          </p:cNvSpPr>
-          <p:nvPr>
-            <p:ph type="title"/>
-          </p:nvPr>
-        </p:nvSpPr>
-        <p:spPr/>
-        <p:txBody>
-          <a:bodyPr/>
-          <a:lstStyle/>
-          <a:p>
-            <a:r>
-              <a:rPr lang="en-US" altLang="zh-CN" dirty="0"/>
-              <a:t>The “correct” function</a:t>
-            </a:r>
-            <a:endParaRPr lang="zh-CN" altLang="en-US" dirty="0"/>
-          </a:p>
-        </p:txBody>
-      </p:sp>
-      <p:sp>
-        <p:nvSpPr>
-          <p:cNvPr id="3" name="Text Placeholder 2">
-            <a:extLst>
-              <a:ext uri="{FF2B5EF4-FFF2-40B4-BE49-F238E27FC236}">
-                <a16:creationId xmlns:a16="http://schemas.microsoft.com/office/drawing/2014/main" id="{DD7B06E2-7AAE-43A7-948E-4A4B27B207EC}"/>
-              </a:ext>
-            </a:extLst>
-          </p:cNvPr>
-          <p:cNvSpPr>
-            <a:spLocks noGrp="1"/>
-          </p:cNvSpPr>
-          <p:nvPr>
-            <p:ph type="body" idx="1"/>
-          </p:nvPr>
-        </p:nvSpPr>
-        <p:spPr/>
-        <p:txBody>
-          <a:bodyPr/>
-          <a:lstStyle/>
-          <a:p>
-            <a:r>
-              <a:rPr lang="en-US" altLang="zh-CN" dirty="0"/>
-              <a:t>Informally, in a system</a:t>
-            </a:r>
-          </a:p>
-          <a:p>
-            <a:pPr marL="939800" lvl="1" indent="-342900">
-              <a:spcBef>
-                <a:spcPts val="800"/>
-              </a:spcBef>
-              <a:spcAft>
-                <a:spcPts val="800"/>
-              </a:spcAft>
-              <a:buFont typeface="+mj-lt"/>
-              <a:buAutoNum type="arabicParenR"/>
-            </a:pPr>
-            <a:r>
-              <a:rPr lang="en-US" altLang="zh-CN" sz="1600" dirty="0"/>
-              <a:t>bad things should not happen, and</a:t>
-            </a:r>
-          </a:p>
-          <a:p>
-            <a:pPr marL="939800" lvl="1" indent="-342900">
-              <a:spcBef>
-                <a:spcPts val="800"/>
-              </a:spcBef>
-              <a:spcAft>
-                <a:spcPts val="800"/>
-              </a:spcAft>
-              <a:buFont typeface="+mj-lt"/>
-              <a:buAutoNum type="arabicParenR"/>
-            </a:pPr>
-            <a:r>
-              <a:rPr lang="en-US" altLang="zh-CN" sz="1600" dirty="0"/>
-              <a:t>good things should eventually happen.</a:t>
-            </a:r>
-          </a:p>
-          <a:p>
-            <a:r>
-              <a:rPr lang="en-US" altLang="zh-CN" dirty="0"/>
-              <a:t>Formally, the correct function is a combination of </a:t>
-            </a:r>
-            <a:r>
-              <a:rPr lang="en-US" altLang="zh-CN" b="1" dirty="0"/>
-              <a:t>safety</a:t>
-            </a:r>
-            <a:r>
-              <a:rPr lang="en-US" altLang="zh-CN" dirty="0"/>
-              <a:t> and </a:t>
-            </a:r>
-            <a:r>
-              <a:rPr lang="en-US" altLang="zh-CN" b="1" dirty="0"/>
-              <a:t>liveness</a:t>
-            </a:r>
-            <a:r>
-              <a:rPr lang="en-US" altLang="zh-CN" dirty="0"/>
-              <a:t> properties.</a:t>
-            </a:r>
-          </a:p>
-        </p:txBody>
-      </p:sp>
-      <p:sp>
-        <p:nvSpPr>
-          <p:cNvPr id="4" name="Slide Number Placeholder 3">
-            <a:extLst>
-              <a:ext uri="{FF2B5EF4-FFF2-40B4-BE49-F238E27FC236}">
-                <a16:creationId xmlns:a16="http://schemas.microsoft.com/office/drawing/2014/main" id="{73F2EA82-C591-4284-8C67-A86BB9EFF70C}"/>
-              </a:ext>
-            </a:extLst>
-          </p:cNvPr>
-          <p:cNvSpPr>
-            <a:spLocks noGrp="1"/>
-          </p:cNvSpPr>
-          <p:nvPr>
-            <p:ph type="sldNum" idx="12"/>
-          </p:nvPr>
-        </p:nvSpPr>
-        <p:spPr/>
-        <p:txBody>
-          <a:bodyPr/>
-          <a:lstStyle/>
-          <a:p>
-            <a:pPr marL="0" lvl="0" indent="0" algn="r" rtl="0">
-              <a:spcBef>
-                <a:spcPts val="0"/>
-              </a:spcBef>
-              <a:spcAft>
-                <a:spcPts val="0"/>
-              </a:spcAft>
-              <a:buNone/>
-            </a:pPr>
-            <a:fld id="{00000000-1234-1234-1234-123412341234}" type="slidenum">
-              <a:rPr lang="en" smtClean="0"/>
-              <a:t>12</a:t>
-            </a:fld>
-            <a:endParaRPr lang="en"/>
-          </a:p>
-        </p:txBody>
-      </p:sp>
-    </p:spTree>
-    <p:extLst>
-      <p:ext uri="{BB962C8B-B14F-4D97-AF65-F5344CB8AC3E}">
-        <p14:creationId xmlns:p14="http://schemas.microsoft.com/office/powerpoint/2010/main" val="3019702908"/>
-      </p:ext>
-    </p:extLst>
-  </p:cSld>
-  <p:clrMapOvr>
-    <a:masterClrMapping/>
-  </p:clrMapOvr>
-</p:sld>
-</file>
-
-<file path=ppt/slides/slide13.xml><?xml version="1.0" encoding="utf-8"?>
+<file path=ppt/slides/slide15.xml><?xml version="1.0" encoding="utf-8"?>
 <p:sld xmlns:a="http://schemas.openxmlformats.org/drawingml/2006/main" xmlns:r="http://schemas.openxmlformats.org/officeDocument/2006/relationships" xmlns:p="http://schemas.openxmlformats.org/presentationml/2006/main">
   <p:cSld>
     <p:spTree>
@@ -8295,7 +9357,7 @@
             </a:pPr>
             <a:fld id="{00000000-1234-1234-1234-123412341234}" type="slidenum">
               <a:rPr lang="en" smtClean="0"/>
-              <a:t>13</a:t>
+              <a:t>15</a:t>
             </a:fld>
             <a:endParaRPr lang="en"/>
           </a:p>
@@ -8466,7 +9528,396 @@
 </p:sld>
 </file>
 
-<file path=ppt/slides/slide14.xml><?xml version="1.0" encoding="utf-8"?>
+<file path=ppt/slides/slide16.xml><?xml version="1.0" encoding="utf-8"?>
+<p:sld xmlns:a="http://schemas.openxmlformats.org/drawingml/2006/main" xmlns:r="http://schemas.openxmlformats.org/officeDocument/2006/relationships" xmlns:p="http://schemas.openxmlformats.org/presentationml/2006/main">
+  <p:cSld>
+    <p:spTree>
+      <p:nvGrpSpPr>
+        <p:cNvPr id="1" name=""/>
+        <p:cNvGrpSpPr/>
+        <p:nvPr/>
+      </p:nvGrpSpPr>
+      <p:grpSpPr>
+        <a:xfrm>
+          <a:off x="0" y="0"/>
+          <a:ext cx="0" cy="0"/>
+          <a:chOff x="0" y="0"/>
+          <a:chExt cx="0" cy="0"/>
+        </a:xfrm>
+      </p:grpSpPr>
+      <p:pic>
+        <p:nvPicPr>
+          <p:cNvPr id="1026" name="Picture 2" descr="https://documents.lucidchart.com/documents/1462bec2-3f08-4690-87bd-1f5a008ab79f/pages/0_0?a=411&amp;x=196&amp;y=385&amp;w=531&amp;h=330&amp;store=1&amp;accept=image%2F*&amp;auth=LCA%20f206f8790499ef2426edf17e954c542bca3fe800-ts%3D1572456013"/>
+          <p:cNvPicPr>
+            <a:picLocks noChangeAspect="1" noChangeArrowheads="1"/>
+          </p:cNvPicPr>
+          <p:nvPr/>
+        </p:nvPicPr>
+        <p:blipFill>
+          <a:blip r:embed="rId3">
+            <a:extLst>
+              <a:ext uri="{28A0092B-C50C-407E-A947-70E740481C1C}">
+                <a14:useLocalDpi xmlns:a14="http://schemas.microsoft.com/office/drawing/2010/main" val="0"/>
+              </a:ext>
+            </a:extLst>
+          </a:blip>
+          <a:srcRect/>
+          <a:stretch>
+            <a:fillRect/>
+          </a:stretch>
+        </p:blipFill>
+        <p:spPr bwMode="auto">
+          <a:xfrm>
+            <a:off x="2817222" y="1646335"/>
+            <a:ext cx="3129319" cy="1949927"/>
+          </a:xfrm>
+          <a:prstGeom prst="rect">
+            <a:avLst/>
+          </a:prstGeom>
+          <a:noFill/>
+          <a:extLst>
+            <a:ext uri="{909E8E84-426E-40DD-AFC4-6F175D3DCCD1}">
+              <a14:hiddenFill xmlns:a14="http://schemas.microsoft.com/office/drawing/2010/main">
+                <a:solidFill>
+                  <a:srgbClr val="FFFFFF"/>
+                </a:solidFill>
+              </a14:hiddenFill>
+            </a:ext>
+          </a:extLst>
+        </p:spPr>
+      </p:pic>
+      <p:sp>
+        <p:nvSpPr>
+          <p:cNvPr id="2" name="Title 1">
+            <a:extLst>
+              <a:ext uri="{FF2B5EF4-FFF2-40B4-BE49-F238E27FC236}">
+                <a16:creationId xmlns:a16="http://schemas.microsoft.com/office/drawing/2014/main" id="{9B0F71D3-E7C9-45D6-B944-0457099404B2}"/>
+              </a:ext>
+            </a:extLst>
+          </p:cNvPr>
+          <p:cNvSpPr>
+            <a:spLocks noGrp="1"/>
+          </p:cNvSpPr>
+          <p:nvPr>
+            <p:ph type="title"/>
+          </p:nvPr>
+        </p:nvSpPr>
+        <p:spPr/>
+        <p:txBody>
+          <a:bodyPr/>
+          <a:lstStyle/>
+          <a:p>
+            <a:r>
+              <a:rPr lang="en-US" altLang="zh-CN" dirty="0"/>
+              <a:t>Example</a:t>
+            </a:r>
+            <a:endParaRPr lang="zh-CN" altLang="en-US" dirty="0"/>
+          </a:p>
+        </p:txBody>
+      </p:sp>
+      <p:sp>
+        <p:nvSpPr>
+          <p:cNvPr id="4" name="Slide Number Placeholder 3">
+            <a:extLst>
+              <a:ext uri="{FF2B5EF4-FFF2-40B4-BE49-F238E27FC236}">
+                <a16:creationId xmlns:a16="http://schemas.microsoft.com/office/drawing/2014/main" id="{EC9AACC4-0395-47BE-B3CA-C53C4AFC802F}"/>
+              </a:ext>
+            </a:extLst>
+          </p:cNvPr>
+          <p:cNvSpPr>
+            <a:spLocks noGrp="1"/>
+          </p:cNvSpPr>
+          <p:nvPr>
+            <p:ph type="sldNum" idx="12"/>
+          </p:nvPr>
+        </p:nvSpPr>
+        <p:spPr/>
+        <p:txBody>
+          <a:bodyPr/>
+          <a:lstStyle/>
+          <a:p>
+            <a:pPr marL="0" lvl="0" indent="0" algn="r" rtl="0">
+              <a:spcBef>
+                <a:spcPts val="0"/>
+              </a:spcBef>
+              <a:spcAft>
+                <a:spcPts val="0"/>
+              </a:spcAft>
+              <a:buNone/>
+            </a:pPr>
+            <a:fld id="{00000000-1234-1234-1234-123412341234}" type="slidenum">
+              <a:rPr lang="en" smtClean="0"/>
+              <a:t>16</a:t>
+            </a:fld>
+            <a:endParaRPr lang="en"/>
+          </a:p>
+        </p:txBody>
+      </p:sp>
+      <p:pic>
+        <p:nvPicPr>
+          <p:cNvPr id="8" name="Picture 7"/>
+          <p:cNvPicPr>
+            <a:picLocks noChangeAspect="1"/>
+          </p:cNvPicPr>
+          <p:nvPr/>
+        </p:nvPicPr>
+        <p:blipFill>
+          <a:blip r:embed="rId4"/>
+          <a:stretch>
+            <a:fillRect/>
+          </a:stretch>
+        </p:blipFill>
+        <p:spPr>
+          <a:xfrm>
+            <a:off x="172490" y="1342140"/>
+            <a:ext cx="2866072" cy="1229609"/>
+          </a:xfrm>
+          <a:prstGeom prst="rect">
+            <a:avLst/>
+          </a:prstGeom>
+        </p:spPr>
+      </p:pic>
+      <p:pic>
+        <p:nvPicPr>
+          <p:cNvPr id="9" name="Picture 8"/>
+          <p:cNvPicPr>
+            <a:picLocks noChangeAspect="1"/>
+          </p:cNvPicPr>
+          <p:nvPr/>
+        </p:nvPicPr>
+        <p:blipFill>
+          <a:blip r:embed="rId5"/>
+          <a:stretch>
+            <a:fillRect/>
+          </a:stretch>
+        </p:blipFill>
+        <p:spPr>
+          <a:xfrm>
+            <a:off x="172490" y="3200359"/>
+            <a:ext cx="2866072" cy="1146429"/>
+          </a:xfrm>
+          <a:prstGeom prst="rect">
+            <a:avLst/>
+          </a:prstGeom>
+        </p:spPr>
+      </p:pic>
+      <p:pic>
+        <p:nvPicPr>
+          <p:cNvPr id="10" name="Picture 9"/>
+          <p:cNvPicPr>
+            <a:picLocks noChangeAspect="1"/>
+          </p:cNvPicPr>
+          <p:nvPr/>
+        </p:nvPicPr>
+        <p:blipFill>
+          <a:blip r:embed="rId6"/>
+          <a:stretch>
+            <a:fillRect/>
+          </a:stretch>
+        </p:blipFill>
+        <p:spPr>
+          <a:xfrm>
+            <a:off x="5678647" y="2074426"/>
+            <a:ext cx="3342511" cy="1264733"/>
+          </a:xfrm>
+          <a:prstGeom prst="rect">
+            <a:avLst/>
+          </a:prstGeom>
+        </p:spPr>
+      </p:pic>
+    </p:spTree>
+    <p:extLst>
+      <p:ext uri="{BB962C8B-B14F-4D97-AF65-F5344CB8AC3E}">
+        <p14:creationId xmlns:p14="http://schemas.microsoft.com/office/powerpoint/2010/main" val="3537159091"/>
+      </p:ext>
+    </p:extLst>
+  </p:cSld>
+  <p:clrMapOvr>
+    <a:masterClrMapping/>
+  </p:clrMapOvr>
+</p:sld>
+</file>
+
+<file path=ppt/slides/slide17.xml><?xml version="1.0" encoding="utf-8"?>
+<p:sld xmlns:a="http://schemas.openxmlformats.org/drawingml/2006/main" xmlns:r="http://schemas.openxmlformats.org/officeDocument/2006/relationships" xmlns:p="http://schemas.openxmlformats.org/presentationml/2006/main">
+  <p:cSld>
+    <p:spTree>
+      <p:nvGrpSpPr>
+        <p:cNvPr id="1" name=""/>
+        <p:cNvGrpSpPr/>
+        <p:nvPr/>
+      </p:nvGrpSpPr>
+      <p:grpSpPr>
+        <a:xfrm>
+          <a:off x="0" y="0"/>
+          <a:ext cx="0" cy="0"/>
+          <a:chOff x="0" y="0"/>
+          <a:chExt cx="0" cy="0"/>
+        </a:xfrm>
+      </p:grpSpPr>
+      <p:sp>
+        <p:nvSpPr>
+          <p:cNvPr id="2" name="Title 1">
+            <a:extLst>
+              <a:ext uri="{FF2B5EF4-FFF2-40B4-BE49-F238E27FC236}">
+                <a16:creationId xmlns:a16="http://schemas.microsoft.com/office/drawing/2014/main" id="{D8EDB796-F80C-47DA-AC70-977473F07FE9}"/>
+              </a:ext>
+            </a:extLst>
+          </p:cNvPr>
+          <p:cNvSpPr>
+            <a:spLocks noGrp="1"/>
+          </p:cNvSpPr>
+          <p:nvPr>
+            <p:ph type="title"/>
+          </p:nvPr>
+        </p:nvSpPr>
+        <p:spPr/>
+        <p:txBody>
+          <a:bodyPr/>
+          <a:lstStyle/>
+          <a:p>
+            <a:r>
+              <a:rPr lang="en-US" altLang="zh-CN" dirty="0"/>
+              <a:t>The “correct” function</a:t>
+            </a:r>
+            <a:endParaRPr lang="zh-CN" altLang="en-US" dirty="0"/>
+          </a:p>
+        </p:txBody>
+      </p:sp>
+      <p:sp>
+        <p:nvSpPr>
+          <p:cNvPr id="3" name="Text Placeholder 2">
+            <a:extLst>
+              <a:ext uri="{FF2B5EF4-FFF2-40B4-BE49-F238E27FC236}">
+                <a16:creationId xmlns:a16="http://schemas.microsoft.com/office/drawing/2014/main" id="{DD7B06E2-7AAE-43A7-948E-4A4B27B207EC}"/>
+              </a:ext>
+            </a:extLst>
+          </p:cNvPr>
+          <p:cNvSpPr>
+            <a:spLocks noGrp="1"/>
+          </p:cNvSpPr>
+          <p:nvPr>
+            <p:ph type="body" idx="1"/>
+          </p:nvPr>
+        </p:nvSpPr>
+        <p:spPr/>
+        <p:txBody>
+          <a:bodyPr/>
+          <a:lstStyle/>
+          <a:p>
+            <a:r>
+              <a:rPr lang="en-US" altLang="zh-CN" dirty="0"/>
+              <a:t>Informally, in a system</a:t>
+            </a:r>
+          </a:p>
+          <a:p>
+            <a:pPr marL="939800" lvl="1" indent="-342900">
+              <a:spcBef>
+                <a:spcPts val="800"/>
+              </a:spcBef>
+              <a:spcAft>
+                <a:spcPts val="800"/>
+              </a:spcAft>
+              <a:buFont typeface="+mj-lt"/>
+              <a:buAutoNum type="arabicParenR"/>
+            </a:pPr>
+            <a:r>
+              <a:rPr lang="en-US" altLang="zh-CN" sz="1600" dirty="0"/>
+              <a:t>bad things should not happen, and</a:t>
+            </a:r>
+          </a:p>
+          <a:p>
+            <a:pPr marL="939800" lvl="1" indent="-342900">
+              <a:spcBef>
+                <a:spcPts val="800"/>
+              </a:spcBef>
+              <a:spcAft>
+                <a:spcPts val="800"/>
+              </a:spcAft>
+              <a:buFont typeface="+mj-lt"/>
+              <a:buAutoNum type="arabicParenR"/>
+            </a:pPr>
+            <a:r>
+              <a:rPr lang="en-US" altLang="zh-CN" sz="1600" dirty="0"/>
+              <a:t>good things should eventually happen.</a:t>
+            </a:r>
+          </a:p>
+          <a:p>
+            <a:r>
+              <a:rPr lang="en-US" altLang="zh-CN" dirty="0"/>
+              <a:t>Formally, the correct function is a combination of </a:t>
+            </a:r>
+            <a:r>
+              <a:rPr lang="en-US" altLang="zh-CN" b="1" dirty="0"/>
+              <a:t>safety</a:t>
+            </a:r>
+            <a:r>
+              <a:rPr lang="en-US" altLang="zh-CN" dirty="0"/>
+              <a:t> and </a:t>
+            </a:r>
+            <a:r>
+              <a:rPr lang="en-US" altLang="zh-CN" b="1" dirty="0"/>
+              <a:t>liveness</a:t>
+            </a:r>
+            <a:r>
+              <a:rPr lang="en-US" altLang="zh-CN" dirty="0"/>
+              <a:t> properties.</a:t>
+            </a:r>
+          </a:p>
+        </p:txBody>
+      </p:sp>
+      <p:sp>
+        <p:nvSpPr>
+          <p:cNvPr id="4" name="Slide Number Placeholder 3">
+            <a:extLst>
+              <a:ext uri="{FF2B5EF4-FFF2-40B4-BE49-F238E27FC236}">
+                <a16:creationId xmlns:a16="http://schemas.microsoft.com/office/drawing/2014/main" id="{73F2EA82-C591-4284-8C67-A86BB9EFF70C}"/>
+              </a:ext>
+            </a:extLst>
+          </p:cNvPr>
+          <p:cNvSpPr>
+            <a:spLocks noGrp="1"/>
+          </p:cNvSpPr>
+          <p:nvPr>
+            <p:ph type="sldNum" idx="12"/>
+          </p:nvPr>
+        </p:nvSpPr>
+        <p:spPr/>
+        <p:txBody>
+          <a:bodyPr/>
+          <a:lstStyle/>
+          <a:p>
+            <a:pPr marL="0" lvl="0" indent="0" algn="r" rtl="0">
+              <a:spcBef>
+                <a:spcPts val="0"/>
+              </a:spcBef>
+              <a:spcAft>
+                <a:spcPts val="0"/>
+              </a:spcAft>
+              <a:buNone/>
+            </a:pPr>
+            <a:fld id="{00000000-1234-1234-1234-123412341234}" type="slidenum">
+              <a:rPr lang="en" smtClean="0"/>
+              <a:t>17</a:t>
+            </a:fld>
+            <a:endParaRPr lang="en"/>
+          </a:p>
+        </p:txBody>
+      </p:sp>
+    </p:spTree>
+    <p:extLst>
+      <p:ext uri="{BB962C8B-B14F-4D97-AF65-F5344CB8AC3E}">
+        <p14:creationId xmlns:p14="http://schemas.microsoft.com/office/powerpoint/2010/main" val="3019702908"/>
+      </p:ext>
+    </p:extLst>
+  </p:cSld>
+  <p:clrMapOvr>
+    <a:masterClrMapping/>
+  </p:clrMapOvr>
+</p:sld>
+</file>
+
+<file path=ppt/slides/slide18.xml><?xml version="1.0" encoding="utf-8"?>
 <p:sld xmlns:a="http://schemas.openxmlformats.org/drawingml/2006/main" xmlns:r="http://schemas.openxmlformats.org/officeDocument/2006/relationships" xmlns:p="http://schemas.openxmlformats.org/presentationml/2006/main">
   <p:cSld>
     <p:spTree>
@@ -8553,7 +10004,7 @@
             </a:pPr>
             <a:fld id="{00000000-1234-1234-1234-123412341234}" type="slidenum">
               <a:rPr lang="en" smtClean="0"/>
-              <a:t>14</a:t>
+              <a:t>18</a:t>
             </a:fld>
             <a:endParaRPr lang="en"/>
           </a:p>
@@ -8669,7 +10120,7 @@
 </p:sld>
 </file>
 
-<file path=ppt/slides/slide15.xml><?xml version="1.0" encoding="utf-8"?>
+<file path=ppt/slides/slide19.xml><?xml version="1.0" encoding="utf-8"?>
 <p:sld xmlns:a="http://schemas.openxmlformats.org/drawingml/2006/main" xmlns:r="http://schemas.openxmlformats.org/officeDocument/2006/relationships" xmlns:p="http://schemas.openxmlformats.org/presentationml/2006/main">
   <p:cSld>
     <p:spTree>
@@ -8747,7 +10198,7 @@
             </a:pPr>
             <a:fld id="{00000000-1234-1234-1234-123412341234}" type="slidenum">
               <a:rPr lang="en" smtClean="0"/>
-              <a:t>15</a:t>
+              <a:t>19</a:t>
             </a:fld>
             <a:endParaRPr lang="en"/>
           </a:p>
@@ -8884,7 +10335,169 @@
 </p:sld>
 </file>
 
-<file path=ppt/slides/slide16.xml><?xml version="1.0" encoding="utf-8"?>
+<file path=ppt/slides/slide2.xml><?xml version="1.0" encoding="utf-8"?>
+<p:sld xmlns:a="http://schemas.openxmlformats.org/drawingml/2006/main" xmlns:r="http://schemas.openxmlformats.org/officeDocument/2006/relationships" xmlns:p="http://schemas.openxmlformats.org/presentationml/2006/main">
+  <p:cSld>
+    <p:spTree>
+      <p:nvGrpSpPr>
+        <p:cNvPr id="1" name=""/>
+        <p:cNvGrpSpPr/>
+        <p:nvPr/>
+      </p:nvGrpSpPr>
+      <p:grpSpPr>
+        <a:xfrm>
+          <a:off x="0" y="0"/>
+          <a:ext cx="0" cy="0"/>
+          <a:chOff x="0" y="0"/>
+          <a:chExt cx="0" cy="0"/>
+        </a:xfrm>
+      </p:grpSpPr>
+      <p:sp>
+        <p:nvSpPr>
+          <p:cNvPr id="2" name="Title 1"/>
+          <p:cNvSpPr>
+            <a:spLocks noGrp="1"/>
+          </p:cNvSpPr>
+          <p:nvPr>
+            <p:ph type="title"/>
+          </p:nvPr>
+        </p:nvSpPr>
+        <p:spPr/>
+        <p:txBody>
+          <a:bodyPr/>
+          <a:lstStyle/>
+          <a:p>
+            <a:r>
+              <a:rPr lang="en-US" dirty="0"/>
+              <a:t>What is Robustness?</a:t>
+            </a:r>
+          </a:p>
+        </p:txBody>
+      </p:sp>
+      <p:sp>
+        <p:nvSpPr>
+          <p:cNvPr id="3" name="Text Placeholder 2"/>
+          <p:cNvSpPr>
+            <a:spLocks noGrp="1"/>
+          </p:cNvSpPr>
+          <p:nvPr>
+            <p:ph type="body" idx="1"/>
+          </p:nvPr>
+        </p:nvSpPr>
+        <p:spPr/>
+        <p:txBody>
+          <a:bodyPr/>
+          <a:lstStyle/>
+          <a:p>
+            <a:pPr>
+              <a:spcBef>
+                <a:spcPts val="800"/>
+              </a:spcBef>
+              <a:spcAft>
+                <a:spcPts val="800"/>
+              </a:spcAft>
+            </a:pPr>
+            <a:r>
+              <a:rPr lang="en-US" dirty="0"/>
+              <a:t>In general, </a:t>
+            </a:r>
+            <a:r>
+              <a:rPr lang="en-US" b="1" i="1" dirty="0"/>
+              <a:t>robustness</a:t>
+            </a:r>
+            <a:r>
+              <a:rPr lang="en-US" dirty="0"/>
+              <a:t> is the capability of a system to deal with </a:t>
+            </a:r>
+            <a:r>
+              <a:rPr lang="en-US" i="1" dirty="0"/>
+              <a:t>uncertainty.</a:t>
+            </a:r>
+            <a:endParaRPr lang="en-US" dirty="0"/>
+          </a:p>
+          <a:p>
+            <a:pPr>
+              <a:spcBef>
+                <a:spcPts val="800"/>
+              </a:spcBef>
+              <a:spcAft>
+                <a:spcPts val="800"/>
+              </a:spcAft>
+            </a:pPr>
+            <a:r>
+              <a:rPr lang="en-US" b="1" i="1" dirty="0"/>
+              <a:t>Uncertainty</a:t>
+            </a:r>
+            <a:r>
+              <a:rPr lang="en-US" i="1" dirty="0"/>
+              <a:t> </a:t>
+            </a:r>
+            <a:r>
+              <a:rPr lang="en-US" dirty="0"/>
+              <a:t>refers to the differences or errors between models and reality, and whatever mechanism is used to express these errors will be called a</a:t>
+            </a:r>
+            <a:r>
+              <a:rPr lang="en-US" i="1" dirty="0"/>
+              <a:t> representation of uncertainty.</a:t>
+            </a:r>
+            <a:r>
+              <a:rPr lang="en-US" dirty="0"/>
+              <a:t> </a:t>
+            </a:r>
+            <a:r>
+              <a:rPr lang="en-US" sz="1400" dirty="0"/>
+              <a:t>[Essential of Robust Control]</a:t>
+            </a:r>
+            <a:endParaRPr lang="en-US" sz="1400" i="1" dirty="0"/>
+          </a:p>
+        </p:txBody>
+      </p:sp>
+      <p:sp>
+        <p:nvSpPr>
+          <p:cNvPr id="4" name="Slide Number Placeholder 3"/>
+          <p:cNvSpPr>
+            <a:spLocks noGrp="1"/>
+          </p:cNvSpPr>
+          <p:nvPr>
+            <p:ph type="sldNum" idx="12"/>
+          </p:nvPr>
+        </p:nvSpPr>
+        <p:spPr/>
+        <p:txBody>
+          <a:bodyPr/>
+          <a:lstStyle/>
+          <a:p>
+            <a:pPr marL="0" lvl="0" indent="0" algn="r" rtl="0">
+              <a:spcBef>
+                <a:spcPts val="0"/>
+              </a:spcBef>
+              <a:spcAft>
+                <a:spcPts val="0"/>
+              </a:spcAft>
+              <a:buNone/>
+            </a:pPr>
+            <a:fld id="{00000000-1234-1234-1234-123412341234}" type="slidenum">
+              <a:rPr lang="en" smtClean="0"/>
+              <a:t>2</a:t>
+            </a:fld>
+            <a:endParaRPr lang="en"/>
+          </a:p>
+        </p:txBody>
+      </p:sp>
+    </p:spTree>
+    <p:extLst>
+      <p:ext uri="{BB962C8B-B14F-4D97-AF65-F5344CB8AC3E}">
+        <p14:creationId xmlns:p14="http://schemas.microsoft.com/office/powerpoint/2010/main" val="2793319361"/>
+      </p:ext>
+    </p:extLst>
+  </p:cSld>
+  <p:clrMapOvr>
+    <a:masterClrMapping/>
+  </p:clrMapOvr>
+</p:sld>
+</file>
+
+<file path=ppt/slides/slide20.xml><?xml version="1.0" encoding="utf-8"?>
 <p:sld xmlns:a="http://schemas.openxmlformats.org/drawingml/2006/main" xmlns:r="http://schemas.openxmlformats.org/officeDocument/2006/relationships" xmlns:p="http://schemas.openxmlformats.org/presentationml/2006/main">
   <p:cSld>
     <p:spTree>
@@ -9027,7 +10640,7 @@
             </a:pPr>
             <a:fld id="{00000000-1234-1234-1234-123412341234}" type="slidenum">
               <a:rPr lang="en" smtClean="0"/>
-              <a:t>16</a:t>
+              <a:t>20</a:t>
             </a:fld>
             <a:endParaRPr lang="en"/>
           </a:p>
@@ -9118,7 +10731,7 @@
 </p:sld>
 </file>
 
-<file path=ppt/slides/slide17.xml><?xml version="1.0" encoding="utf-8"?>
+<file path=ppt/slides/slide21.xml><?xml version="1.0" encoding="utf-8"?>
 <p:sld xmlns:a="http://schemas.openxmlformats.org/drawingml/2006/main" xmlns:r="http://schemas.openxmlformats.org/officeDocument/2006/relationships" xmlns:p="http://schemas.openxmlformats.org/presentationml/2006/main">
   <p:cSld>
     <p:spTree>
@@ -9273,7 +10886,7 @@
             </a:pPr>
             <a:fld id="{00000000-1234-1234-1234-123412341234}" type="slidenum">
               <a:rPr lang="en" smtClean="0"/>
-              <a:t>17</a:t>
+              <a:t>21</a:t>
             </a:fld>
             <a:endParaRPr lang="en"/>
           </a:p>
@@ -9364,7 +10977,7 @@
 </p:sld>
 </file>
 
-<file path=ppt/slides/slide18.xml><?xml version="1.0" encoding="utf-8"?>
+<file path=ppt/slides/slide22.xml><?xml version="1.0" encoding="utf-8"?>
 <p:sld xmlns:a="http://schemas.openxmlformats.org/drawingml/2006/main" xmlns:r="http://schemas.openxmlformats.org/officeDocument/2006/relationships" xmlns:p="http://schemas.openxmlformats.org/presentationml/2006/main">
   <p:cSld>
     <p:spTree>
@@ -9547,7 +11160,7 @@
             </a:pPr>
             <a:fld id="{00000000-1234-1234-1234-123412341234}" type="slidenum">
               <a:rPr lang="en" smtClean="0"/>
-              <a:t>18</a:t>
+              <a:t>22</a:t>
             </a:fld>
             <a:endParaRPr lang="en"/>
           </a:p>
@@ -9562,7 +11175,7 @@
           <p:nvPr/>
         </p:nvPicPr>
         <p:blipFill>
-          <a:blip r:embed="rId2"/>
+          <a:blip r:embed="rId3"/>
           <a:stretch>
             <a:fillRect/>
           </a:stretch>
@@ -9586,7 +11199,7 @@
           <p:nvPr/>
         </p:nvPicPr>
         <p:blipFill>
-          <a:blip r:embed="rId3"/>
+          <a:blip r:embed="rId4"/>
           <a:stretch>
             <a:fillRect/>
           </a:stretch>
@@ -9610,7 +11223,7 @@
           <p:nvPr/>
         </p:nvPicPr>
         <p:blipFill>
-          <a:blip r:embed="rId4"/>
+          <a:blip r:embed="rId5"/>
           <a:stretch>
             <a:fillRect/>
           </a:stretch>
@@ -9692,7 +11305,7 @@
 </p:sld>
 </file>
 
-<file path=ppt/slides/slide19.xml><?xml version="1.0" encoding="utf-8"?>
+<file path=ppt/slides/slide23.xml><?xml version="1.0" encoding="utf-8"?>
 <p:sld xmlns:a="http://schemas.openxmlformats.org/drawingml/2006/main" xmlns:r="http://schemas.openxmlformats.org/officeDocument/2006/relationships" xmlns:p="http://schemas.openxmlformats.org/presentationml/2006/main">
   <p:cSld>
     <p:spTree>
@@ -9770,7 +11383,7 @@
             </a:pPr>
             <a:fld id="{00000000-1234-1234-1234-123412341234}" type="slidenum">
               <a:rPr lang="en" smtClean="0"/>
-              <a:t>19</a:t>
+              <a:t>23</a:t>
             </a:fld>
             <a:endParaRPr lang="en"/>
           </a:p>
@@ -9907,169 +11520,7 @@
 </p:sld>
 </file>
 
-<file path=ppt/slides/slide2.xml><?xml version="1.0" encoding="utf-8"?>
-<p:sld xmlns:a="http://schemas.openxmlformats.org/drawingml/2006/main" xmlns:r="http://schemas.openxmlformats.org/officeDocument/2006/relationships" xmlns:p="http://schemas.openxmlformats.org/presentationml/2006/main">
-  <p:cSld>
-    <p:spTree>
-      <p:nvGrpSpPr>
-        <p:cNvPr id="1" name=""/>
-        <p:cNvGrpSpPr/>
-        <p:nvPr/>
-      </p:nvGrpSpPr>
-      <p:grpSpPr>
-        <a:xfrm>
-          <a:off x="0" y="0"/>
-          <a:ext cx="0" cy="0"/>
-          <a:chOff x="0" y="0"/>
-          <a:chExt cx="0" cy="0"/>
-        </a:xfrm>
-      </p:grpSpPr>
-      <p:sp>
-        <p:nvSpPr>
-          <p:cNvPr id="2" name="Title 1"/>
-          <p:cNvSpPr>
-            <a:spLocks noGrp="1"/>
-          </p:cNvSpPr>
-          <p:nvPr>
-            <p:ph type="title"/>
-          </p:nvPr>
-        </p:nvSpPr>
-        <p:spPr/>
-        <p:txBody>
-          <a:bodyPr/>
-          <a:lstStyle/>
-          <a:p>
-            <a:r>
-              <a:rPr lang="en-US" dirty="0"/>
-              <a:t>What is Robustness?</a:t>
-            </a:r>
-          </a:p>
-        </p:txBody>
-      </p:sp>
-      <p:sp>
-        <p:nvSpPr>
-          <p:cNvPr id="3" name="Text Placeholder 2"/>
-          <p:cNvSpPr>
-            <a:spLocks noGrp="1"/>
-          </p:cNvSpPr>
-          <p:nvPr>
-            <p:ph type="body" idx="1"/>
-          </p:nvPr>
-        </p:nvSpPr>
-        <p:spPr/>
-        <p:txBody>
-          <a:bodyPr/>
-          <a:lstStyle/>
-          <a:p>
-            <a:pPr>
-              <a:spcBef>
-                <a:spcPts val="800"/>
-              </a:spcBef>
-              <a:spcAft>
-                <a:spcPts val="800"/>
-              </a:spcAft>
-            </a:pPr>
-            <a:r>
-              <a:rPr lang="en-US" dirty="0"/>
-              <a:t>In general, </a:t>
-            </a:r>
-            <a:r>
-              <a:rPr lang="en-US" b="1" i="1" dirty="0"/>
-              <a:t>robustness</a:t>
-            </a:r>
-            <a:r>
-              <a:rPr lang="en-US" dirty="0"/>
-              <a:t> is the capability of a system to deal with </a:t>
-            </a:r>
-            <a:r>
-              <a:rPr lang="en-US" i="1" dirty="0"/>
-              <a:t>uncertainty.</a:t>
-            </a:r>
-            <a:endParaRPr lang="en-US" dirty="0"/>
-          </a:p>
-          <a:p>
-            <a:pPr>
-              <a:spcBef>
-                <a:spcPts val="800"/>
-              </a:spcBef>
-              <a:spcAft>
-                <a:spcPts val="800"/>
-              </a:spcAft>
-            </a:pPr>
-            <a:r>
-              <a:rPr lang="en-US" b="1" i="1" dirty="0"/>
-              <a:t>Uncertainty</a:t>
-            </a:r>
-            <a:r>
-              <a:rPr lang="en-US" i="1" dirty="0"/>
-              <a:t> </a:t>
-            </a:r>
-            <a:r>
-              <a:rPr lang="en-US" dirty="0"/>
-              <a:t>refers to the differences or errors between models and reality, and whatever mechanism is used to express these errors will be called a</a:t>
-            </a:r>
-            <a:r>
-              <a:rPr lang="en-US" i="1" dirty="0"/>
-              <a:t> representation of uncertainty.</a:t>
-            </a:r>
-            <a:r>
-              <a:rPr lang="en-US" dirty="0"/>
-              <a:t> </a:t>
-            </a:r>
-            <a:r>
-              <a:rPr lang="en-US" sz="1400" dirty="0"/>
-              <a:t>[Essential of Robust Control]</a:t>
-            </a:r>
-            <a:endParaRPr lang="en-US" sz="1400" i="1" dirty="0"/>
-          </a:p>
-        </p:txBody>
-      </p:sp>
-      <p:sp>
-        <p:nvSpPr>
-          <p:cNvPr id="4" name="Slide Number Placeholder 3"/>
-          <p:cNvSpPr>
-            <a:spLocks noGrp="1"/>
-          </p:cNvSpPr>
-          <p:nvPr>
-            <p:ph type="sldNum" idx="12"/>
-          </p:nvPr>
-        </p:nvSpPr>
-        <p:spPr/>
-        <p:txBody>
-          <a:bodyPr/>
-          <a:lstStyle/>
-          <a:p>
-            <a:pPr marL="0" lvl="0" indent="0" algn="r" rtl="0">
-              <a:spcBef>
-                <a:spcPts val="0"/>
-              </a:spcBef>
-              <a:spcAft>
-                <a:spcPts val="0"/>
-              </a:spcAft>
-              <a:buNone/>
-            </a:pPr>
-            <a:fld id="{00000000-1234-1234-1234-123412341234}" type="slidenum">
-              <a:rPr lang="en" smtClean="0"/>
-              <a:t>2</a:t>
-            </a:fld>
-            <a:endParaRPr lang="en"/>
-          </a:p>
-        </p:txBody>
-      </p:sp>
-    </p:spTree>
-    <p:extLst>
-      <p:ext uri="{BB962C8B-B14F-4D97-AF65-F5344CB8AC3E}">
-        <p14:creationId xmlns:p14="http://schemas.microsoft.com/office/powerpoint/2010/main" val="2793319361"/>
-      </p:ext>
-    </p:extLst>
-  </p:cSld>
-  <p:clrMapOvr>
-    <a:masterClrMapping/>
-  </p:clrMapOvr>
-</p:sld>
-</file>
-
-<file path=ppt/slides/slide20.xml><?xml version="1.0" encoding="utf-8"?>
+<file path=ppt/slides/slide24.xml><?xml version="1.0" encoding="utf-8"?>
 <p:sld xmlns:a="http://schemas.openxmlformats.org/drawingml/2006/main" xmlns:r="http://schemas.openxmlformats.org/officeDocument/2006/relationships" xmlns:p="http://schemas.openxmlformats.org/presentationml/2006/main">
   <p:cSld>
     <p:spTree>
@@ -10212,7 +11663,7 @@
             </a:pPr>
             <a:fld id="{00000000-1234-1234-1234-123412341234}" type="slidenum">
               <a:rPr lang="en" smtClean="0"/>
-              <a:t>20</a:t>
+              <a:t>24</a:t>
             </a:fld>
             <a:endParaRPr lang="en"/>
           </a:p>
@@ -10327,7 +11778,7 @@
 </p:sld>
 </file>
 
-<file path=ppt/slides/slide21.xml><?xml version="1.0" encoding="utf-8"?>
+<file path=ppt/slides/slide25.xml><?xml version="1.0" encoding="utf-8"?>
 <p:sld xmlns:a="http://schemas.openxmlformats.org/drawingml/2006/main" xmlns:r="http://schemas.openxmlformats.org/officeDocument/2006/relationships" xmlns:p="http://schemas.openxmlformats.org/presentationml/2006/main">
   <p:cSld>
     <p:spTree>
@@ -10482,7 +11933,7 @@
             </a:pPr>
             <a:fld id="{00000000-1234-1234-1234-123412341234}" type="slidenum">
               <a:rPr lang="en" smtClean="0"/>
-              <a:t>21</a:t>
+              <a:t>25</a:t>
             </a:fld>
             <a:endParaRPr lang="en"/>
           </a:p>
@@ -10597,7 +12048,7 @@
 </p:sld>
 </file>
 
-<file path=ppt/slides/slide22.xml><?xml version="1.0" encoding="utf-8"?>
+<file path=ppt/slides/slide26.xml><?xml version="1.0" encoding="utf-8"?>
 <p:sld xmlns:a="http://schemas.openxmlformats.org/drawingml/2006/main" xmlns:r="http://schemas.openxmlformats.org/officeDocument/2006/relationships" xmlns:p="http://schemas.openxmlformats.org/presentationml/2006/main">
   <p:cSld>
     <p:spTree>
@@ -10764,7 +12215,7 @@
             </a:pPr>
             <a:fld id="{00000000-1234-1234-1234-123412341234}" type="slidenum">
               <a:rPr lang="en" smtClean="0"/>
-              <a:t>22</a:t>
+              <a:t>26</a:t>
             </a:fld>
             <a:endParaRPr lang="en"/>
           </a:p>
@@ -10879,7 +12330,7 @@
 </p:sld>
 </file>
 
-<file path=ppt/slides/slide23.xml><?xml version="1.0" encoding="utf-8"?>
+<file path=ppt/slides/slide27.xml><?xml version="1.0" encoding="utf-8"?>
 <p:sld xmlns:a="http://schemas.openxmlformats.org/drawingml/2006/main" xmlns:r="http://schemas.openxmlformats.org/officeDocument/2006/relationships" xmlns:p="http://schemas.openxmlformats.org/presentationml/2006/main">
   <p:cSld>
     <p:spTree>
@@ -11074,7 +12525,7 @@
             </a:pPr>
             <a:fld id="{00000000-1234-1234-1234-123412341234}" type="slidenum">
               <a:rPr lang="en" smtClean="0"/>
-              <a:t>23</a:t>
+              <a:t>27</a:t>
             </a:fld>
             <a:endParaRPr lang="en"/>
           </a:p>
@@ -11235,7 +12686,7 @@
 </p:sld>
 </file>
 
-<file path=ppt/slides/slide24.xml><?xml version="1.0" encoding="utf-8"?>
+<file path=ppt/slides/slide28.xml><?xml version="1.0" encoding="utf-8"?>
 <p:sld xmlns:a="http://schemas.openxmlformats.org/drawingml/2006/main" xmlns:r="http://schemas.openxmlformats.org/officeDocument/2006/relationships" xmlns:p="http://schemas.openxmlformats.org/presentationml/2006/main">
   <p:cSld>
     <p:spTree>
@@ -11552,7 +13003,7 @@
             </a:pPr>
             <a:fld id="{00000000-1234-1234-1234-123412341234}" type="slidenum">
               <a:rPr lang="en" smtClean="0"/>
-              <a:t>24</a:t>
+              <a:t>28</a:t>
             </a:fld>
             <a:endParaRPr lang="en"/>
           </a:p>
@@ -11702,7 +13153,7 @@
 </p:sld>
 </file>
 
-<file path=ppt/slides/slide25.xml><?xml version="1.0" encoding="utf-8"?>
+<file path=ppt/slides/slide29.xml><?xml version="1.0" encoding="utf-8"?>
 <p:sld xmlns:a="http://schemas.openxmlformats.org/drawingml/2006/main" xmlns:r="http://schemas.openxmlformats.org/officeDocument/2006/relationships" xmlns:p="http://schemas.openxmlformats.org/presentationml/2006/main">
   <p:cSld>
     <p:spTree>
@@ -11834,7 +13285,7 @@
             </a:pPr>
             <a:fld id="{00000000-1234-1234-1234-123412341234}" type="slidenum">
               <a:rPr lang="en" smtClean="0"/>
-              <a:t>25</a:t>
+              <a:t>29</a:t>
             </a:fld>
             <a:endParaRPr lang="en"/>
           </a:p>
@@ -11883,7 +13334,180 @@
 </p:sld>
 </file>
 
-<file path=ppt/slides/slide26.xml><?xml version="1.0" encoding="utf-8"?>
+<file path=ppt/slides/slide3.xml><?xml version="1.0" encoding="utf-8"?>
+<p:sld xmlns:a="http://schemas.openxmlformats.org/drawingml/2006/main" xmlns:r="http://schemas.openxmlformats.org/officeDocument/2006/relationships" xmlns:p="http://schemas.openxmlformats.org/presentationml/2006/main">
+  <p:cSld>
+    <p:spTree>
+      <p:nvGrpSpPr>
+        <p:cNvPr id="1" name=""/>
+        <p:cNvGrpSpPr/>
+        <p:nvPr/>
+      </p:nvGrpSpPr>
+      <p:grpSpPr>
+        <a:xfrm>
+          <a:off x="0" y="0"/>
+          <a:ext cx="0" cy="0"/>
+          <a:chOff x="0" y="0"/>
+          <a:chExt cx="0" cy="0"/>
+        </a:xfrm>
+      </p:grpSpPr>
+      <p:sp>
+        <p:nvSpPr>
+          <p:cNvPr id="2" name="Title 1"/>
+          <p:cNvSpPr>
+            <a:spLocks noGrp="1"/>
+          </p:cNvSpPr>
+          <p:nvPr>
+            <p:ph type="title"/>
+          </p:nvPr>
+        </p:nvSpPr>
+        <p:spPr/>
+        <p:txBody>
+          <a:bodyPr/>
+          <a:lstStyle/>
+          <a:p>
+            <a:r>
+              <a:rPr lang="en-US" dirty="0"/>
+              <a:t>What is Robustness?</a:t>
+            </a:r>
+          </a:p>
+        </p:txBody>
+      </p:sp>
+      <p:sp>
+        <p:nvSpPr>
+          <p:cNvPr id="3" name="Text Placeholder 2"/>
+          <p:cNvSpPr>
+            <a:spLocks noGrp="1"/>
+          </p:cNvSpPr>
+          <p:nvPr>
+            <p:ph type="body" idx="1"/>
+          </p:nvPr>
+        </p:nvSpPr>
+        <p:spPr/>
+        <p:txBody>
+          <a:bodyPr/>
+          <a:lstStyle/>
+          <a:p>
+            <a:pPr marL="114300" indent="0">
+              <a:buNone/>
+            </a:pPr>
+            <a:r>
+              <a:rPr lang="en-US" dirty="0"/>
+              <a:t>The term, </a:t>
+            </a:r>
+            <a:r>
+              <a:rPr lang="en-US" b="1" i="1" dirty="0"/>
+              <a:t>Robustness</a:t>
+            </a:r>
+            <a:r>
+              <a:rPr lang="en-US" dirty="0"/>
+              <a:t>, is used in many domains:</a:t>
+            </a:r>
+          </a:p>
+          <a:p>
+            <a:pPr>
+              <a:spcBef>
+                <a:spcPts val="600"/>
+              </a:spcBef>
+              <a:spcAft>
+                <a:spcPts val="600"/>
+              </a:spcAft>
+            </a:pPr>
+            <a:r>
+              <a:rPr lang="en-US" sz="1600" dirty="0"/>
+              <a:t>Robust statistics seek methods to deal with outliers in data samples (e.g., the distribution of data does not perfectly match to normal distribution).</a:t>
+            </a:r>
+          </a:p>
+          <a:p>
+            <a:pPr>
+              <a:spcBef>
+                <a:spcPts val="600"/>
+              </a:spcBef>
+              <a:spcAft>
+                <a:spcPts val="600"/>
+              </a:spcAft>
+            </a:pPr>
+            <a:r>
+              <a:rPr lang="en-US" sz="1600" dirty="0"/>
+              <a:t>Machine Learning seeks methods to guarantee the performance of a model (e.g., a classifier) against noise in data samples.</a:t>
+            </a:r>
+          </a:p>
+          <a:p>
+            <a:pPr>
+              <a:spcBef>
+                <a:spcPts val="600"/>
+              </a:spcBef>
+              <a:spcAft>
+                <a:spcPts val="600"/>
+              </a:spcAft>
+            </a:pPr>
+            <a:r>
+              <a:rPr lang="en-US" sz="1600" dirty="0"/>
+              <a:t>A distributed system should be robust to deal with failures of servers. Mitigation strategies often designed to address certain types of failures (e.g., fail-stop, fail-silent, or fail-arbitrary).</a:t>
+            </a:r>
+          </a:p>
+          <a:p>
+            <a:pPr>
+              <a:spcBef>
+                <a:spcPts val="600"/>
+              </a:spcBef>
+              <a:spcAft>
+                <a:spcPts val="600"/>
+              </a:spcAft>
+            </a:pPr>
+            <a:r>
+              <a:rPr lang="en-US" sz="1600" dirty="0"/>
+              <a:t>…</a:t>
+            </a:r>
+          </a:p>
+        </p:txBody>
+      </p:sp>
+      <p:sp>
+        <p:nvSpPr>
+          <p:cNvPr id="4" name="Slide Number Placeholder 3"/>
+          <p:cNvSpPr>
+            <a:spLocks noGrp="1"/>
+          </p:cNvSpPr>
+          <p:nvPr>
+            <p:ph type="sldNum" idx="12"/>
+          </p:nvPr>
+        </p:nvSpPr>
+        <p:spPr/>
+        <p:txBody>
+          <a:bodyPr/>
+          <a:lstStyle/>
+          <a:p>
+            <a:pPr marL="0" lvl="0" indent="0" algn="r" rtl="0">
+              <a:spcBef>
+                <a:spcPts val="0"/>
+              </a:spcBef>
+              <a:spcAft>
+                <a:spcPts val="0"/>
+              </a:spcAft>
+              <a:buNone/>
+            </a:pPr>
+            <a:fld id="{00000000-1234-1234-1234-123412341234}" type="slidenum">
+              <a:rPr lang="en" smtClean="0"/>
+              <a:t>3</a:t>
+            </a:fld>
+            <a:endParaRPr lang="en"/>
+          </a:p>
+        </p:txBody>
+      </p:sp>
+    </p:spTree>
+    <p:extLst>
+      <p:ext uri="{BB962C8B-B14F-4D97-AF65-F5344CB8AC3E}">
+        <p14:creationId xmlns:p14="http://schemas.microsoft.com/office/powerpoint/2010/main" val="3418065256"/>
+      </p:ext>
+    </p:extLst>
+  </p:cSld>
+  <p:clrMapOvr>
+    <a:masterClrMapping/>
+  </p:clrMapOvr>
+</p:sld>
+</file>
+
+<file path=ppt/slides/slide30.xml><?xml version="1.0" encoding="utf-8"?>
 <p:sld xmlns:a="http://schemas.openxmlformats.org/drawingml/2006/main" xmlns:r="http://schemas.openxmlformats.org/officeDocument/2006/relationships" xmlns:p="http://schemas.openxmlformats.org/presentationml/2006/main">
   <p:cSld>
     <p:spTree>
@@ -12291,7 +13915,7 @@
             </a:pPr>
             <a:fld id="{00000000-1234-1234-1234-123412341234}" type="slidenum">
               <a:rPr lang="en" smtClean="0"/>
-              <a:t>26</a:t>
+              <a:t>30</a:t>
             </a:fld>
             <a:endParaRPr lang="en"/>
           </a:p>
@@ -12364,7 +13988,7 @@
 </p:sld>
 </file>
 
-<file path=ppt/slides/slide27.xml><?xml version="1.0" encoding="utf-8"?>
+<file path=ppt/slides/slide31.xml><?xml version="1.0" encoding="utf-8"?>
 <p:sld xmlns:a="http://schemas.openxmlformats.org/drawingml/2006/main" xmlns:r="http://schemas.openxmlformats.org/officeDocument/2006/relationships" xmlns:p="http://schemas.openxmlformats.org/presentationml/2006/main">
   <p:cSld>
     <p:spTree>
@@ -13152,7 +14776,7 @@
             </a:pPr>
             <a:fld id="{00000000-1234-1234-1234-123412341234}" type="slidenum">
               <a:rPr lang="en" smtClean="0"/>
-              <a:t>27</a:t>
+              <a:t>31</a:t>
             </a:fld>
             <a:endParaRPr lang="en"/>
           </a:p>
@@ -13624,7 +15248,7 @@
 </p:sld>
 </file>
 
-<file path=ppt/slides/slide28.xml><?xml version="1.0" encoding="utf-8"?>
+<file path=ppt/slides/slide32.xml><?xml version="1.0" encoding="utf-8"?>
 <p:sld xmlns:a="http://schemas.openxmlformats.org/drawingml/2006/main" xmlns:r="http://schemas.openxmlformats.org/officeDocument/2006/relationships" xmlns:p="http://schemas.openxmlformats.org/presentationml/2006/main">
   <p:cSld>
     <p:spTree>
@@ -13941,7 +15565,7 @@
             </a:pPr>
             <a:fld id="{00000000-1234-1234-1234-123412341234}" type="slidenum">
               <a:rPr lang="en" smtClean="0"/>
-              <a:t>28</a:t>
+              <a:t>32</a:t>
             </a:fld>
             <a:endParaRPr lang="en"/>
           </a:p>
@@ -14066,7 +15690,7 @@
 </p:sld>
 </file>
 
-<file path=ppt/slides/slide29.xml><?xml version="1.0" encoding="utf-8"?>
+<file path=ppt/slides/slide33.xml><?xml version="1.0" encoding="utf-8"?>
 <p:sld xmlns:a="http://schemas.openxmlformats.org/drawingml/2006/main" xmlns:r="http://schemas.openxmlformats.org/officeDocument/2006/relationships" xmlns:p="http://schemas.openxmlformats.org/presentationml/2006/main">
   <p:cSld>
     <p:spTree>
@@ -14131,7 +15755,7 @@
             </a:pPr>
             <a:fld id="{00000000-1234-1234-1234-123412341234}" type="slidenum">
               <a:rPr lang="en" smtClean="0"/>
-              <a:t>29</a:t>
+              <a:t>33</a:t>
             </a:fld>
             <a:endParaRPr lang="en"/>
           </a:p>
@@ -14150,7 +15774,7 @@
 </p:sld>
 </file>
 
-<file path=ppt/slides/slide3.xml><?xml version="1.0" encoding="utf-8"?>
+<file path=ppt/slides/slide34.xml><?xml version="1.0" encoding="utf-8"?>
 <p:sld xmlns:a="http://schemas.openxmlformats.org/drawingml/2006/main" xmlns:r="http://schemas.openxmlformats.org/officeDocument/2006/relationships" xmlns:p="http://schemas.openxmlformats.org/presentationml/2006/main">
   <p:cSld>
     <p:spTree>
@@ -14184,179 +15808,6 @@
           <a:p>
             <a:r>
               <a:rPr lang="en-US" dirty="0"/>
-              <a:t>What is Robustness?</a:t>
-            </a:r>
-          </a:p>
-        </p:txBody>
-      </p:sp>
-      <p:sp>
-        <p:nvSpPr>
-          <p:cNvPr id="3" name="Text Placeholder 2"/>
-          <p:cNvSpPr>
-            <a:spLocks noGrp="1"/>
-          </p:cNvSpPr>
-          <p:nvPr>
-            <p:ph type="body" idx="1"/>
-          </p:nvPr>
-        </p:nvSpPr>
-        <p:spPr/>
-        <p:txBody>
-          <a:bodyPr/>
-          <a:lstStyle/>
-          <a:p>
-            <a:pPr marL="114300" indent="0">
-              <a:buNone/>
-            </a:pPr>
-            <a:r>
-              <a:rPr lang="en-US" dirty="0"/>
-              <a:t>The term, </a:t>
-            </a:r>
-            <a:r>
-              <a:rPr lang="en-US" b="1" i="1" dirty="0"/>
-              <a:t>Robustness</a:t>
-            </a:r>
-            <a:r>
-              <a:rPr lang="en-US" dirty="0"/>
-              <a:t>, is used in many domains:</a:t>
-            </a:r>
-          </a:p>
-          <a:p>
-            <a:pPr>
-              <a:spcBef>
-                <a:spcPts val="600"/>
-              </a:spcBef>
-              <a:spcAft>
-                <a:spcPts val="600"/>
-              </a:spcAft>
-            </a:pPr>
-            <a:r>
-              <a:rPr lang="en-US" sz="1600" dirty="0"/>
-              <a:t>Robust statistics seek methods to deal with outliers in data samples (e.g., the distribution of data does not perfectly match to normal distribution).</a:t>
-            </a:r>
-          </a:p>
-          <a:p>
-            <a:pPr>
-              <a:spcBef>
-                <a:spcPts val="600"/>
-              </a:spcBef>
-              <a:spcAft>
-                <a:spcPts val="600"/>
-              </a:spcAft>
-            </a:pPr>
-            <a:r>
-              <a:rPr lang="en-US" sz="1600" dirty="0"/>
-              <a:t>Machine Learning seeks methods to guarantee the performance of a model (e.g., a classifier) against noise in data samples.</a:t>
-            </a:r>
-          </a:p>
-          <a:p>
-            <a:pPr>
-              <a:spcBef>
-                <a:spcPts val="600"/>
-              </a:spcBef>
-              <a:spcAft>
-                <a:spcPts val="600"/>
-              </a:spcAft>
-            </a:pPr>
-            <a:r>
-              <a:rPr lang="en-US" sz="1600" dirty="0"/>
-              <a:t>A distributed system should be robust to deal with failures of servers. Mitigation strategies often designed to address certain types of failures (e.g., fail-stop, fail-silent, or fail-arbitrary).</a:t>
-            </a:r>
-          </a:p>
-          <a:p>
-            <a:pPr>
-              <a:spcBef>
-                <a:spcPts val="600"/>
-              </a:spcBef>
-              <a:spcAft>
-                <a:spcPts val="600"/>
-              </a:spcAft>
-            </a:pPr>
-            <a:r>
-              <a:rPr lang="en-US" sz="1600" dirty="0"/>
-              <a:t>…</a:t>
-            </a:r>
-          </a:p>
-        </p:txBody>
-      </p:sp>
-      <p:sp>
-        <p:nvSpPr>
-          <p:cNvPr id="4" name="Slide Number Placeholder 3"/>
-          <p:cNvSpPr>
-            <a:spLocks noGrp="1"/>
-          </p:cNvSpPr>
-          <p:nvPr>
-            <p:ph type="sldNum" idx="12"/>
-          </p:nvPr>
-        </p:nvSpPr>
-        <p:spPr/>
-        <p:txBody>
-          <a:bodyPr/>
-          <a:lstStyle/>
-          <a:p>
-            <a:pPr marL="0" lvl="0" indent="0" algn="r" rtl="0">
-              <a:spcBef>
-                <a:spcPts val="0"/>
-              </a:spcBef>
-              <a:spcAft>
-                <a:spcPts val="0"/>
-              </a:spcAft>
-              <a:buNone/>
-            </a:pPr>
-            <a:fld id="{00000000-1234-1234-1234-123412341234}" type="slidenum">
-              <a:rPr lang="en" smtClean="0"/>
-              <a:t>3</a:t>
-            </a:fld>
-            <a:endParaRPr lang="en"/>
-          </a:p>
-        </p:txBody>
-      </p:sp>
-    </p:spTree>
-    <p:extLst>
-      <p:ext uri="{BB962C8B-B14F-4D97-AF65-F5344CB8AC3E}">
-        <p14:creationId xmlns:p14="http://schemas.microsoft.com/office/powerpoint/2010/main" val="3418065256"/>
-      </p:ext>
-    </p:extLst>
-  </p:cSld>
-  <p:clrMapOvr>
-    <a:masterClrMapping/>
-  </p:clrMapOvr>
-</p:sld>
-</file>
-
-<file path=ppt/slides/slide30.xml><?xml version="1.0" encoding="utf-8"?>
-<p:sld xmlns:a="http://schemas.openxmlformats.org/drawingml/2006/main" xmlns:r="http://schemas.openxmlformats.org/officeDocument/2006/relationships" xmlns:p="http://schemas.openxmlformats.org/presentationml/2006/main">
-  <p:cSld>
-    <p:spTree>
-      <p:nvGrpSpPr>
-        <p:cNvPr id="1" name=""/>
-        <p:cNvGrpSpPr/>
-        <p:nvPr/>
-      </p:nvGrpSpPr>
-      <p:grpSpPr>
-        <a:xfrm>
-          <a:off x="0" y="0"/>
-          <a:ext cx="0" cy="0"/>
-          <a:chOff x="0" y="0"/>
-          <a:chExt cx="0" cy="0"/>
-        </a:xfrm>
-      </p:grpSpPr>
-      <p:sp>
-        <p:nvSpPr>
-          <p:cNvPr id="2" name="Title 1"/>
-          <p:cNvSpPr>
-            <a:spLocks noGrp="1"/>
-          </p:cNvSpPr>
-          <p:nvPr>
-            <p:ph type="title"/>
-          </p:nvPr>
-        </p:nvSpPr>
-        <p:spPr/>
-        <p:txBody>
-          <a:bodyPr/>
-          <a:lstStyle/>
-          <a:p>
-            <a:r>
-              <a:rPr lang="en-US" dirty="0"/>
               <a:t>Generating the Weakest Assumption</a:t>
             </a:r>
           </a:p>
@@ -14423,7 +15874,7 @@
             </a:pPr>
             <a:fld id="{00000000-1234-1234-1234-123412341234}" type="slidenum">
               <a:rPr lang="en" smtClean="0"/>
-              <a:t>30</a:t>
+              <a:t>34</a:t>
             </a:fld>
             <a:endParaRPr lang="en"/>
           </a:p>
@@ -14671,7 +16122,7 @@
 </p:sld>
 </file>
 
-<file path=ppt/slides/slide31.xml><?xml version="1.0" encoding="utf-8"?>
+<file path=ppt/slides/slide35.xml><?xml version="1.0" encoding="utf-8"?>
 <p:sld xmlns:a="http://schemas.openxmlformats.org/drawingml/2006/main" xmlns:r="http://schemas.openxmlformats.org/officeDocument/2006/relationships" xmlns:p="http://schemas.openxmlformats.org/presentationml/2006/main">
   <p:cSld>
     <p:spTree>
@@ -14794,7 +16245,7 @@
             </a:pPr>
             <a:fld id="{00000000-1234-1234-1234-123412341234}" type="slidenum">
               <a:rPr lang="en" smtClean="0"/>
-              <a:t>31</a:t>
+              <a:t>35</a:t>
             </a:fld>
             <a:endParaRPr lang="en"/>
           </a:p>
@@ -14847,7 +16298,7 @@
 </p:sld>
 </file>
 
-<file path=ppt/slides/slide32.xml><?xml version="1.0" encoding="utf-8"?>
+<file path=ppt/slides/slide36.xml><?xml version="1.0" encoding="utf-8"?>
 <p:sld xmlns:a="http://schemas.openxmlformats.org/drawingml/2006/main" xmlns:r="http://schemas.openxmlformats.org/officeDocument/2006/relationships" xmlns:p="http://schemas.openxmlformats.org/presentationml/2006/main">
   <p:cSld>
     <p:spTree>
@@ -14926,7 +16377,7 @@
             </a:pPr>
             <a:fld id="{00000000-1234-1234-1234-123412341234}" type="slidenum">
               <a:rPr lang="en" smtClean="0"/>
-              <a:t>32</a:t>
+              <a:t>36</a:t>
             </a:fld>
             <a:endParaRPr lang="en"/>
           </a:p>
@@ -14979,7 +16430,7 @@
 </p:sld>
 </file>
 
-<file path=ppt/slides/slide33.xml><?xml version="1.0" encoding="utf-8"?>
+<file path=ppt/slides/slide37.xml><?xml version="1.0" encoding="utf-8"?>
 <p:sld xmlns:a="http://schemas.openxmlformats.org/drawingml/2006/main" xmlns:r="http://schemas.openxmlformats.org/officeDocument/2006/relationships" xmlns:p="http://schemas.openxmlformats.org/presentationml/2006/main">
   <p:cSld>
     <p:spTree>
@@ -15097,7 +16548,7 @@
             </a:pPr>
             <a:fld id="{00000000-1234-1234-1234-123412341234}" type="slidenum">
               <a:rPr lang="en" smtClean="0"/>
-              <a:t>33</a:t>
+              <a:t>37</a:t>
             </a:fld>
             <a:endParaRPr lang="en"/>
           </a:p>
@@ -15150,7 +16601,7 @@
 </p:sld>
 </file>
 
-<file path=ppt/slides/slide34.xml><?xml version="1.0" encoding="utf-8"?>
+<file path=ppt/slides/slide38.xml><?xml version="1.0" encoding="utf-8"?>
 <p:sld xmlns:a="http://schemas.openxmlformats.org/drawingml/2006/main" xmlns:r="http://schemas.openxmlformats.org/officeDocument/2006/relationships" xmlns:p="http://schemas.openxmlformats.org/presentationml/2006/main">
   <p:cSld>
     <p:spTree>
@@ -15228,7 +16679,7 @@
             </a:pPr>
             <a:fld id="{00000000-1234-1234-1234-123412341234}" type="slidenum">
               <a:rPr lang="en" smtClean="0"/>
-              <a:t>34</a:t>
+              <a:t>38</a:t>
             </a:fld>
             <a:endParaRPr lang="en"/>
           </a:p>
@@ -15281,7 +16732,7 @@
 </p:sld>
 </file>
 
-<file path=ppt/slides/slide35.xml><?xml version="1.0" encoding="utf-8"?>
+<file path=ppt/slides/slide39.xml><?xml version="1.0" encoding="utf-8"?>
 <p:sld xmlns:a="http://schemas.openxmlformats.org/drawingml/2006/main" xmlns:r="http://schemas.openxmlformats.org/officeDocument/2006/relationships" xmlns:p="http://schemas.openxmlformats.org/presentationml/2006/main">
   <p:cSld>
     <p:spTree>
@@ -15576,7 +17027,7 @@
             </a:pPr>
             <a:fld id="{00000000-1234-1234-1234-123412341234}" type="slidenum">
               <a:rPr lang="en" smtClean="0"/>
-              <a:t>35</a:t>
+              <a:t>39</a:t>
             </a:fld>
             <a:endParaRPr lang="en"/>
           </a:p>
@@ -15841,7 +17292,240 @@
 </p:sld>
 </file>
 
-<file path=ppt/slides/slide36.xml><?xml version="1.0" encoding="utf-8"?>
+<file path=ppt/slides/slide4.xml><?xml version="1.0" encoding="utf-8"?>
+<p:sld xmlns:a="http://schemas.openxmlformats.org/drawingml/2006/main" xmlns:r="http://schemas.openxmlformats.org/officeDocument/2006/relationships" xmlns:p="http://schemas.openxmlformats.org/presentationml/2006/main">
+  <p:cSld>
+    <p:spTree>
+      <p:nvGrpSpPr>
+        <p:cNvPr id="1" name="Shape 79"/>
+        <p:cNvGrpSpPr/>
+        <p:nvPr/>
+      </p:nvGrpSpPr>
+      <p:grpSpPr>
+        <a:xfrm>
+          <a:off x="0" y="0"/>
+          <a:ext cx="0" cy="0"/>
+          <a:chOff x="0" y="0"/>
+          <a:chExt cx="0" cy="0"/>
+        </a:xfrm>
+      </p:grpSpPr>
+      <p:sp>
+        <p:nvSpPr>
+          <p:cNvPr id="80" name="Google Shape;80;p14"/>
+          <p:cNvSpPr txBox="1">
+            <a:spLocks noGrp="1"/>
+          </p:cNvSpPr>
+          <p:nvPr>
+            <p:ph type="title"/>
+          </p:nvPr>
+        </p:nvSpPr>
+        <p:spPr>
+          <a:xfrm>
+            <a:off x="311700" y="445025"/>
+            <a:ext cx="8520600" cy="572700"/>
+          </a:xfrm>
+          <a:prstGeom prst="rect">
+            <a:avLst/>
+          </a:prstGeom>
+        </p:spPr>
+        <p:txBody>
+          <a:bodyPr spcFirstLastPara="1" wrap="square" lIns="91425" tIns="91425" rIns="91425" bIns="91425" anchor="t" anchorCtr="0">
+            <a:noAutofit/>
+          </a:bodyPr>
+          <a:lstStyle/>
+          <a:p>
+            <a:pPr marL="0" lvl="0" indent="0" algn="l" rtl="0">
+              <a:spcBef>
+                <a:spcPts val="0"/>
+              </a:spcBef>
+              <a:spcAft>
+                <a:spcPts val="0"/>
+              </a:spcAft>
+              <a:buNone/>
+            </a:pPr>
+            <a:r>
+              <a:rPr lang="en-US" dirty="0"/>
+              <a:t>What is Robustness for Software?</a:t>
+            </a:r>
+            <a:endParaRPr dirty="0"/>
+          </a:p>
+        </p:txBody>
+      </p:sp>
+      <p:sp>
+        <p:nvSpPr>
+          <p:cNvPr id="81" name="Google Shape;81;p14"/>
+          <p:cNvSpPr txBox="1">
+            <a:spLocks noGrp="1"/>
+          </p:cNvSpPr>
+          <p:nvPr>
+            <p:ph type="body" idx="1"/>
+          </p:nvPr>
+        </p:nvSpPr>
+        <p:spPr>
+          <a:xfrm>
+            <a:off x="311700" y="1152475"/>
+            <a:ext cx="8520600" cy="3172200"/>
+          </a:xfrm>
+          <a:prstGeom prst="rect">
+            <a:avLst/>
+          </a:prstGeom>
+        </p:spPr>
+        <p:txBody>
+          <a:bodyPr spcFirstLastPara="1" wrap="square" lIns="91425" tIns="91425" rIns="91425" bIns="91425" anchor="t" anchorCtr="0">
+            <a:noAutofit/>
+          </a:bodyPr>
+          <a:lstStyle/>
+          <a:p>
+            <a:pPr marL="114300" indent="0">
+              <a:buNone/>
+            </a:pPr>
+            <a:r>
+              <a:rPr lang="en-US" altLang="zh-CN" b="1" dirty="0"/>
+              <a:t>IEEE definition:</a:t>
+            </a:r>
+          </a:p>
+          <a:p>
+            <a:pPr marL="571500" lvl="1" indent="0">
+              <a:spcBef>
+                <a:spcPts val="400"/>
+              </a:spcBef>
+              <a:spcAft>
+                <a:spcPts val="1400"/>
+              </a:spcAft>
+              <a:buNone/>
+            </a:pPr>
+            <a:r>
+              <a:rPr lang="en-US" altLang="zh-CN" sz="1600" dirty="0"/>
+              <a:t>The degree to which a system or component can function correctly in the presence of </a:t>
+            </a:r>
+            <a:r>
+              <a:rPr lang="en-US" altLang="zh-CN" sz="1600" b="1" dirty="0"/>
+              <a:t>invalid inputs </a:t>
+            </a:r>
+            <a:r>
+              <a:rPr lang="en-US" altLang="zh-CN" sz="1600" dirty="0"/>
+              <a:t>or </a:t>
+            </a:r>
+            <a:r>
+              <a:rPr lang="en-US" altLang="zh-CN" sz="1600" b="1" dirty="0"/>
+              <a:t>stressful environmental conditions</a:t>
+            </a:r>
+            <a:r>
+              <a:rPr lang="en-US" altLang="zh-CN" sz="1600" dirty="0"/>
+              <a:t>.</a:t>
+            </a:r>
+            <a:endParaRPr lang="en-US" altLang="zh-CN" sz="1600" b="1" dirty="0"/>
+          </a:p>
+          <a:p>
+            <a:pPr marL="114300" indent="0">
+              <a:buNone/>
+            </a:pPr>
+            <a:r>
+              <a:rPr lang="en-US" b="1" dirty="0"/>
+              <a:t>Existing Work:</a:t>
+            </a:r>
+          </a:p>
+          <a:p>
+            <a:pPr>
+              <a:spcBef>
+                <a:spcPts val="400"/>
+              </a:spcBef>
+            </a:pPr>
+            <a:r>
+              <a:rPr lang="en-US" sz="1600" i="1" dirty="0"/>
+              <a:t>Fuzz Testing </a:t>
+            </a:r>
+            <a:r>
+              <a:rPr lang="en-US" sz="1600" dirty="0"/>
+              <a:t>– uses massive amounts of random input data to fail a system.</a:t>
+            </a:r>
+          </a:p>
+          <a:p>
+            <a:pPr>
+              <a:spcBef>
+                <a:spcPts val="400"/>
+              </a:spcBef>
+            </a:pPr>
+            <a:r>
+              <a:rPr lang="en-US" sz="1600" i="1" dirty="0"/>
+              <a:t>Chaos Engineering </a:t>
+            </a:r>
+            <a:r>
+              <a:rPr lang="en-US" sz="1600" dirty="0"/>
+              <a:t>– puts a system in an extremely chaos environment to fail the system.</a:t>
+            </a:r>
+          </a:p>
+          <a:p>
+            <a:pPr>
+              <a:spcBef>
+                <a:spcPts val="400"/>
+              </a:spcBef>
+            </a:pPr>
+            <a:r>
+              <a:rPr lang="en-US" sz="1600" dirty="0"/>
+              <a:t>… (Mostly focus on verification)</a:t>
+            </a:r>
+            <a:br>
+              <a:rPr lang="en-US" dirty="0"/>
+            </a:br>
+            <a:br>
+              <a:rPr lang="en-US" dirty="0"/>
+            </a:br>
+            <a:endParaRPr lang="en-US" dirty="0"/>
+          </a:p>
+        </p:txBody>
+      </p:sp>
+      <p:sp>
+        <p:nvSpPr>
+          <p:cNvPr id="82" name="Google Shape;82;p14"/>
+          <p:cNvSpPr txBox="1">
+            <a:spLocks noGrp="1"/>
+          </p:cNvSpPr>
+          <p:nvPr>
+            <p:ph type="sldNum" idx="12"/>
+          </p:nvPr>
+        </p:nvSpPr>
+        <p:spPr>
+          <a:xfrm>
+            <a:off x="8472458" y="4688792"/>
+            <a:ext cx="548700" cy="393600"/>
+          </a:xfrm>
+          <a:prstGeom prst="rect">
+            <a:avLst/>
+          </a:prstGeom>
+        </p:spPr>
+        <p:txBody>
+          <a:bodyPr spcFirstLastPara="1" wrap="square" lIns="91425" tIns="91425" rIns="91425" bIns="91425" anchor="ctr" anchorCtr="0">
+            <a:noAutofit/>
+          </a:bodyPr>
+          <a:lstStyle/>
+          <a:p>
+            <a:pPr marL="0" lvl="0" indent="0" algn="r" rtl="0">
+              <a:spcBef>
+                <a:spcPts val="0"/>
+              </a:spcBef>
+              <a:spcAft>
+                <a:spcPts val="0"/>
+              </a:spcAft>
+              <a:buNone/>
+            </a:pPr>
+            <a:fld id="{00000000-1234-1234-1234-123412341234}" type="slidenum">
+              <a:rPr lang="en"/>
+              <a:t>4</a:t>
+            </a:fld>
+            <a:endParaRPr/>
+          </a:p>
+        </p:txBody>
+      </p:sp>
+    </p:spTree>
+  </p:cSld>
+  <p:clrMapOvr>
+    <a:masterClrMapping/>
+  </p:clrMapOvr>
+</p:sld>
+</file>
+
+<file path=ppt/slides/slide40.xml><?xml version="1.0" encoding="utf-8"?>
 <p:sld xmlns:a="http://schemas.openxmlformats.org/drawingml/2006/main" xmlns:r="http://schemas.openxmlformats.org/officeDocument/2006/relationships" xmlns:p="http://schemas.openxmlformats.org/presentationml/2006/main">
   <p:cSld>
     <p:spTree>
@@ -15919,7 +17603,7 @@
             </a:pPr>
             <a:fld id="{00000000-1234-1234-1234-123412341234}" type="slidenum">
               <a:rPr lang="en" smtClean="0"/>
-              <a:t>36</a:t>
+              <a:t>40</a:t>
             </a:fld>
             <a:endParaRPr lang="en"/>
           </a:p>
@@ -16093,7 +17777,7 @@
 </p:sld>
 </file>
 
-<file path=ppt/slides/slide37.xml><?xml version="1.0" encoding="utf-8"?>
+<file path=ppt/slides/slide41.xml><?xml version="1.0" encoding="utf-8"?>
 <p:sld xmlns:a="http://schemas.openxmlformats.org/drawingml/2006/main" xmlns:r="http://schemas.openxmlformats.org/officeDocument/2006/relationships" xmlns:p="http://schemas.openxmlformats.org/presentationml/2006/main">
   <p:cSld>
     <p:spTree>
@@ -16171,7 +17855,7 @@
             </a:pPr>
             <a:fld id="{00000000-1234-1234-1234-123412341234}" type="slidenum">
               <a:rPr lang="en" smtClean="0"/>
-              <a:t>37</a:t>
+              <a:t>41</a:t>
             </a:fld>
             <a:endParaRPr lang="en"/>
           </a:p>
@@ -16345,7 +18029,7 @@
 </p:sld>
 </file>
 
-<file path=ppt/slides/slide38.xml><?xml version="1.0" encoding="utf-8"?>
+<file path=ppt/slides/slide42.xml><?xml version="1.0" encoding="utf-8"?>
 <p:sld xmlns:a="http://schemas.openxmlformats.org/drawingml/2006/main" xmlns:r="http://schemas.openxmlformats.org/officeDocument/2006/relationships" xmlns:p="http://schemas.openxmlformats.org/presentationml/2006/main">
   <p:cSld>
     <p:spTree>
@@ -16423,7 +18107,7 @@
             </a:pPr>
             <a:fld id="{00000000-1234-1234-1234-123412341234}" type="slidenum">
               <a:rPr lang="en" smtClean="0"/>
-              <a:t>38</a:t>
+              <a:t>42</a:t>
             </a:fld>
             <a:endParaRPr lang="en"/>
           </a:p>
@@ -16761,7 +18445,7 @@
 </p:sld>
 </file>
 
-<file path=ppt/slides/slide39.xml><?xml version="1.0" encoding="utf-8"?>
+<file path=ppt/slides/slide43.xml><?xml version="1.0" encoding="utf-8"?>
 <p:sld xmlns:a="http://schemas.openxmlformats.org/drawingml/2006/main" xmlns:r="http://schemas.openxmlformats.org/officeDocument/2006/relationships" xmlns:p="http://schemas.openxmlformats.org/presentationml/2006/main">
   <p:cSld>
     <p:spTree>
@@ -16839,7 +18523,7 @@
             </a:pPr>
             <a:fld id="{00000000-1234-1234-1234-123412341234}" type="slidenum">
               <a:rPr lang="en" smtClean="0"/>
-              <a:t>39</a:t>
+              <a:t>43</a:t>
             </a:fld>
             <a:endParaRPr lang="en"/>
           </a:p>
@@ -16858,255 +18542,7 @@
 </p:sld>
 </file>
 
-<file path=ppt/slides/slide4.xml><?xml version="1.0" encoding="utf-8"?>
-<p:sld xmlns:a="http://schemas.openxmlformats.org/drawingml/2006/main" xmlns:r="http://schemas.openxmlformats.org/officeDocument/2006/relationships" xmlns:p="http://schemas.openxmlformats.org/presentationml/2006/main">
-  <p:cSld>
-    <p:spTree>
-      <p:nvGrpSpPr>
-        <p:cNvPr id="1" name="Shape 79"/>
-        <p:cNvGrpSpPr/>
-        <p:nvPr/>
-      </p:nvGrpSpPr>
-      <p:grpSpPr>
-        <a:xfrm>
-          <a:off x="0" y="0"/>
-          <a:ext cx="0" cy="0"/>
-          <a:chOff x="0" y="0"/>
-          <a:chExt cx="0" cy="0"/>
-        </a:xfrm>
-      </p:grpSpPr>
-      <p:sp>
-        <p:nvSpPr>
-          <p:cNvPr id="80" name="Google Shape;80;p14"/>
-          <p:cNvSpPr txBox="1">
-            <a:spLocks noGrp="1"/>
-          </p:cNvSpPr>
-          <p:nvPr>
-            <p:ph type="title"/>
-          </p:nvPr>
-        </p:nvSpPr>
-        <p:spPr>
-          <a:xfrm>
-            <a:off x="311700" y="445025"/>
-            <a:ext cx="8520600" cy="572700"/>
-          </a:xfrm>
-          <a:prstGeom prst="rect">
-            <a:avLst/>
-          </a:prstGeom>
-        </p:spPr>
-        <p:txBody>
-          <a:bodyPr spcFirstLastPara="1" wrap="square" lIns="91425" tIns="91425" rIns="91425" bIns="91425" anchor="t" anchorCtr="0">
-            <a:noAutofit/>
-          </a:bodyPr>
-          <a:lstStyle/>
-          <a:p>
-            <a:pPr marL="0" lvl="0" indent="0" algn="l" rtl="0">
-              <a:spcBef>
-                <a:spcPts val="0"/>
-              </a:spcBef>
-              <a:spcAft>
-                <a:spcPts val="0"/>
-              </a:spcAft>
-              <a:buNone/>
-            </a:pPr>
-            <a:r>
-              <a:rPr lang="en-US" dirty="0"/>
-              <a:t>What is Robustness for Software?</a:t>
-            </a:r>
-            <a:endParaRPr dirty="0"/>
-          </a:p>
-        </p:txBody>
-      </p:sp>
-      <p:sp>
-        <p:nvSpPr>
-          <p:cNvPr id="81" name="Google Shape;81;p14"/>
-          <p:cNvSpPr txBox="1">
-            <a:spLocks noGrp="1"/>
-          </p:cNvSpPr>
-          <p:nvPr>
-            <p:ph type="body" idx="1"/>
-          </p:nvPr>
-        </p:nvSpPr>
-        <p:spPr>
-          <a:xfrm>
-            <a:off x="311700" y="1152475"/>
-            <a:ext cx="8520600" cy="3172200"/>
-          </a:xfrm>
-          <a:prstGeom prst="rect">
-            <a:avLst/>
-          </a:prstGeom>
-        </p:spPr>
-        <p:txBody>
-          <a:bodyPr spcFirstLastPara="1" wrap="square" lIns="91425" tIns="91425" rIns="91425" bIns="91425" anchor="t" anchorCtr="0">
-            <a:noAutofit/>
-          </a:bodyPr>
-          <a:lstStyle/>
-          <a:p>
-            <a:pPr marL="114300" indent="0">
-              <a:buNone/>
-            </a:pPr>
-            <a:r>
-              <a:rPr lang="en-US" altLang="zh-CN" b="1" dirty="0"/>
-              <a:t>IEEE definition:</a:t>
-            </a:r>
-          </a:p>
-          <a:p>
-            <a:pPr marL="571500" lvl="1" indent="0">
-              <a:spcBef>
-                <a:spcPts val="400"/>
-              </a:spcBef>
-              <a:spcAft>
-                <a:spcPts val="1400"/>
-              </a:spcAft>
-              <a:buNone/>
-            </a:pPr>
-            <a:r>
-              <a:rPr lang="en-US" altLang="zh-CN" sz="1600" dirty="0"/>
-              <a:t>The degree to which a system or component can function correctly in the presence of </a:t>
-            </a:r>
-            <a:r>
-              <a:rPr lang="en-US" altLang="zh-CN" sz="1600" b="1" dirty="0"/>
-              <a:t>invalid inputs </a:t>
-            </a:r>
-            <a:r>
-              <a:rPr lang="en-US" altLang="zh-CN" sz="1600" dirty="0"/>
-              <a:t>or </a:t>
-            </a:r>
-            <a:r>
-              <a:rPr lang="en-US" altLang="zh-CN" sz="1600" b="1" dirty="0"/>
-              <a:t>stressful environmental conditions</a:t>
-            </a:r>
-            <a:r>
-              <a:rPr lang="en-US" altLang="zh-CN" sz="1600" dirty="0"/>
-              <a:t>.</a:t>
-            </a:r>
-            <a:endParaRPr lang="en-US" altLang="zh-CN" sz="1600" b="1" dirty="0"/>
-          </a:p>
-          <a:p>
-            <a:pPr marL="114300" indent="0">
-              <a:buNone/>
-            </a:pPr>
-            <a:r>
-              <a:rPr lang="en-US" b="1" dirty="0"/>
-              <a:t>Existing Work:</a:t>
-            </a:r>
-          </a:p>
-          <a:p>
-            <a:pPr>
-              <a:spcBef>
-                <a:spcPts val="400"/>
-              </a:spcBef>
-            </a:pPr>
-            <a:r>
-              <a:rPr lang="en-US" sz="1600" i="1" dirty="0"/>
-              <a:t>Fuzz Testing </a:t>
-            </a:r>
-            <a:r>
-              <a:rPr lang="en-US" sz="1600" dirty="0"/>
-              <a:t>– uses massive amounts of random input data to fail a system.</a:t>
-            </a:r>
-          </a:p>
-          <a:p>
-            <a:pPr>
-              <a:spcBef>
-                <a:spcPts val="400"/>
-              </a:spcBef>
-            </a:pPr>
-            <a:r>
-              <a:rPr lang="en-US" sz="1600" i="1" dirty="0"/>
-              <a:t>Chaos Engineering </a:t>
-            </a:r>
-            <a:r>
-              <a:rPr lang="en-US" sz="1600" dirty="0"/>
-              <a:t>– puts a system in an extremely chaos environment to fail the system.</a:t>
-            </a:r>
-          </a:p>
-          <a:p>
-            <a:pPr>
-              <a:spcBef>
-                <a:spcPts val="400"/>
-              </a:spcBef>
-            </a:pPr>
-            <a:r>
-              <a:rPr lang="en-US" sz="1600" i="1" dirty="0"/>
-              <a:t>Fault Injection </a:t>
-            </a:r>
-            <a:r>
-              <a:rPr lang="en-US" sz="1600" dirty="0"/>
-              <a:t>– injects faults in hardware or software and exams the system behavior.</a:t>
-            </a:r>
-          </a:p>
-          <a:p>
-            <a:pPr>
-              <a:spcBef>
-                <a:spcPts val="400"/>
-              </a:spcBef>
-            </a:pPr>
-            <a:r>
-              <a:rPr lang="en-US" sz="1600" dirty="0"/>
-              <a:t>… (Mostly focus on verification)</a:t>
-            </a:r>
-            <a:br>
-              <a:rPr lang="en-US" dirty="0"/>
-            </a:br>
-            <a:br>
-              <a:rPr lang="en-US" dirty="0"/>
-            </a:br>
-            <a:endParaRPr lang="en-US" dirty="0"/>
-          </a:p>
-        </p:txBody>
-      </p:sp>
-      <p:sp>
-        <p:nvSpPr>
-          <p:cNvPr id="82" name="Google Shape;82;p14"/>
-          <p:cNvSpPr txBox="1">
-            <a:spLocks noGrp="1"/>
-          </p:cNvSpPr>
-          <p:nvPr>
-            <p:ph type="sldNum" idx="12"/>
-          </p:nvPr>
-        </p:nvSpPr>
-        <p:spPr>
-          <a:xfrm>
-            <a:off x="8472458" y="4688792"/>
-            <a:ext cx="548700" cy="393600"/>
-          </a:xfrm>
-          <a:prstGeom prst="rect">
-            <a:avLst/>
-          </a:prstGeom>
-        </p:spPr>
-        <p:txBody>
-          <a:bodyPr spcFirstLastPara="1" wrap="square" lIns="91425" tIns="91425" rIns="91425" bIns="91425" anchor="ctr" anchorCtr="0">
-            <a:noAutofit/>
-          </a:bodyPr>
-          <a:lstStyle/>
-          <a:p>
-            <a:pPr marL="0" lvl="0" indent="0" algn="r" rtl="0">
-              <a:spcBef>
-                <a:spcPts val="0"/>
-              </a:spcBef>
-              <a:spcAft>
-                <a:spcPts val="0"/>
-              </a:spcAft>
-              <a:buNone/>
-            </a:pPr>
-            <a:fld id="{00000000-1234-1234-1234-123412341234}" type="slidenum">
-              <a:rPr lang="en"/>
-              <a:t>4</a:t>
-            </a:fld>
-            <a:endParaRPr/>
-          </a:p>
-        </p:txBody>
-      </p:sp>
-    </p:spTree>
-  </p:cSld>
-  <p:clrMapOvr>
-    <a:masterClrMapping/>
-  </p:clrMapOvr>
-</p:sld>
-</file>
-
-<file path=ppt/slides/slide40.xml><?xml version="1.0" encoding="utf-8"?>
+<file path=ppt/slides/slide44.xml><?xml version="1.0" encoding="utf-8"?>
 <p:sld xmlns:a="http://schemas.openxmlformats.org/drawingml/2006/main" xmlns:r="http://schemas.openxmlformats.org/officeDocument/2006/relationships" xmlns:p="http://schemas.openxmlformats.org/presentationml/2006/main">
   <p:cSld>
     <p:spTree>
@@ -17229,7 +18665,7 @@
             </a:pPr>
             <a:fld id="{00000000-1234-1234-1234-123412341234}" type="slidenum">
               <a:rPr lang="en" smtClean="0"/>
-              <a:t>40</a:t>
+              <a:t>44</a:t>
             </a:fld>
             <a:endParaRPr lang="en"/>
           </a:p>
@@ -17248,7 +18684,7 @@
 </p:sld>
 </file>
 
-<file path=ppt/slides/slide41.xml><?xml version="1.0" encoding="utf-8"?>
+<file path=ppt/slides/slide45.xml><?xml version="1.0" encoding="utf-8"?>
 <p:sld xmlns:a="http://schemas.openxmlformats.org/drawingml/2006/main" xmlns:r="http://schemas.openxmlformats.org/officeDocument/2006/relationships" xmlns:p="http://schemas.openxmlformats.org/presentationml/2006/main">
   <p:cSld>
     <p:spTree>
@@ -17375,7 +18811,7 @@
             </a:pPr>
             <a:fld id="{00000000-1234-1234-1234-123412341234}" type="slidenum">
               <a:rPr lang="en" smtClean="0"/>
-              <a:t>41</a:t>
+              <a:t>45</a:t>
             </a:fld>
             <a:endParaRPr lang="en"/>
           </a:p>
@@ -17595,6 +19031,103 @@
           <p:cNvPr id="2" name="Title 1">
             <a:extLst>
               <a:ext uri="{FF2B5EF4-FFF2-40B4-BE49-F238E27FC236}">
+                <a16:creationId xmlns:a16="http://schemas.microsoft.com/office/drawing/2014/main" id="{381E1B03-EAC8-4781-8E44-CCA5123E8B30}"/>
+              </a:ext>
+            </a:extLst>
+          </p:cNvPr>
+          <p:cNvSpPr>
+            <a:spLocks noGrp="1"/>
+          </p:cNvSpPr>
+          <p:nvPr>
+            <p:ph type="title"/>
+          </p:nvPr>
+        </p:nvSpPr>
+        <p:spPr/>
+        <p:txBody>
+          <a:bodyPr/>
+          <a:lstStyle/>
+          <a:p>
+            <a:r>
+              <a:rPr lang="en-US" altLang="zh-CN" dirty="0"/>
+              <a:t>Overview</a:t>
+            </a:r>
+            <a:endParaRPr lang="zh-CN" altLang="en-US" dirty="0"/>
+          </a:p>
+        </p:txBody>
+      </p:sp>
+      <p:sp>
+        <p:nvSpPr>
+          <p:cNvPr id="3" name="Slide Number Placeholder 2">
+            <a:extLst>
+              <a:ext uri="{FF2B5EF4-FFF2-40B4-BE49-F238E27FC236}">
+                <a16:creationId xmlns:a16="http://schemas.microsoft.com/office/drawing/2014/main" id="{BC43225F-D1ED-420C-BB7B-904AB9A27225}"/>
+              </a:ext>
+            </a:extLst>
+          </p:cNvPr>
+          <p:cNvSpPr>
+            <a:spLocks noGrp="1"/>
+          </p:cNvSpPr>
+          <p:nvPr>
+            <p:ph type="sldNum" idx="12"/>
+          </p:nvPr>
+        </p:nvSpPr>
+        <p:spPr/>
+        <p:txBody>
+          <a:bodyPr/>
+          <a:lstStyle/>
+          <a:p>
+            <a:pPr marL="0" lvl="0" indent="0" algn="r" rtl="0">
+              <a:spcBef>
+                <a:spcPts val="0"/>
+              </a:spcBef>
+              <a:spcAft>
+                <a:spcPts val="0"/>
+              </a:spcAft>
+              <a:buNone/>
+            </a:pPr>
+            <a:fld id="{00000000-1234-1234-1234-123412341234}" type="slidenum">
+              <a:rPr lang="en" smtClean="0"/>
+              <a:t>6</a:t>
+            </a:fld>
+            <a:endParaRPr lang="en"/>
+          </a:p>
+        </p:txBody>
+      </p:sp>
+    </p:spTree>
+    <p:extLst>
+      <p:ext uri="{BB962C8B-B14F-4D97-AF65-F5344CB8AC3E}">
+        <p14:creationId xmlns:p14="http://schemas.microsoft.com/office/powerpoint/2010/main" val="3122843084"/>
+      </p:ext>
+    </p:extLst>
+  </p:cSld>
+  <p:clrMapOvr>
+    <a:masterClrMapping/>
+  </p:clrMapOvr>
+</p:sld>
+</file>
+
+<file path=ppt/slides/slide7.xml><?xml version="1.0" encoding="utf-8"?>
+<p:sld xmlns:a="http://schemas.openxmlformats.org/drawingml/2006/main" xmlns:r="http://schemas.openxmlformats.org/officeDocument/2006/relationships" xmlns:p="http://schemas.openxmlformats.org/presentationml/2006/main">
+  <p:cSld>
+    <p:spTree>
+      <p:nvGrpSpPr>
+        <p:cNvPr id="1" name=""/>
+        <p:cNvGrpSpPr/>
+        <p:nvPr/>
+      </p:nvGrpSpPr>
+      <p:grpSpPr>
+        <a:xfrm>
+          <a:off x="0" y="0"/>
+          <a:ext cx="0" cy="0"/>
+          <a:chOff x="0" y="0"/>
+          <a:chExt cx="0" cy="0"/>
+        </a:xfrm>
+      </p:grpSpPr>
+      <p:sp>
+        <p:nvSpPr>
+          <p:cNvPr id="2" name="Title 1">
+            <a:extLst>
+              <a:ext uri="{FF2B5EF4-FFF2-40B4-BE49-F238E27FC236}">
                 <a16:creationId xmlns:a16="http://schemas.microsoft.com/office/drawing/2014/main" id="{8D882958-137D-4133-B028-0E9B88120040}"/>
               </a:ext>
             </a:extLst>
@@ -17619,8 +19152,8 @@
           </a:p>
         </p:txBody>
       </p:sp>
-      <mc:AlternateContent xmlns:mc="http://schemas.openxmlformats.org/markup-compatibility/2006">
-        <mc:Choice xmlns:a14="http://schemas.microsoft.com/office/drawing/2010/main" Requires="a14">
+      <mc:AlternateContent xmlns:mc="http://schemas.openxmlformats.org/markup-compatibility/2006" xmlns:a14="http://schemas.microsoft.com/office/drawing/2010/main">
+        <mc:Choice Requires="a14">
           <p:sp>
             <p:nvSpPr>
               <p:cNvPr id="3" name="Text Placeholder 2">
@@ -17831,7 +19364,7 @@
             </p:txBody>
           </p:sp>
         </mc:Choice>
-        <mc:Fallback>
+        <mc:Fallback xmlns="">
           <p:sp>
             <p:nvSpPr>
               <p:cNvPr id="3" name="Text Placeholder 2">
@@ -17854,7 +19387,7 @@
                 <a:ext cx="8520600" cy="3172200"/>
               </a:xfrm>
               <a:blipFill>
-                <a:blip r:embed="rId5"/>
+                <a:blip r:embed="rId6"/>
                 <a:stretch>
                   <a:fillRect/>
                 </a:stretch>
@@ -17907,7 +19440,7 @@
             </a:pPr>
             <a:fld id="{00000000-1234-1234-1234-123412341234}" type="slidenum">
               <a:rPr lang="en" smtClean="0"/>
-              <a:t>6</a:t>
+              <a:t>7</a:t>
             </a:fld>
             <a:endParaRPr lang="en"/>
           </a:p>
@@ -17932,7 +19465,7 @@
           </p:nvPr>
         </p:nvPicPr>
         <p:blipFill>
-          <a:blip r:embed="rId6"/>
+          <a:blip r:embed="rId7"/>
           <a:stretch>
             <a:fillRect/>
           </a:stretch>
@@ -17966,7 +19499,7 @@
           </p:nvPr>
         </p:nvPicPr>
         <p:blipFill>
-          <a:blip r:embed="rId7"/>
+          <a:blip r:embed="rId8"/>
           <a:stretch>
             <a:fillRect/>
           </a:stretch>
@@ -18000,7 +19533,7 @@
           </p:nvPr>
         </p:nvPicPr>
         <p:blipFill>
-          <a:blip r:embed="rId8"/>
+          <a:blip r:embed="rId9"/>
           <a:stretch>
             <a:fillRect/>
           </a:stretch>
@@ -18028,7 +19561,7 @@
 </p:sld>
 </file>
 
-<file path=ppt/slides/slide7.xml><?xml version="1.0" encoding="utf-8"?>
+<file path=ppt/slides/slide8.xml><?xml version="1.0" encoding="utf-8"?>
 <p:sld xmlns:a="http://schemas.openxmlformats.org/drawingml/2006/main" xmlns:r="http://schemas.openxmlformats.org/officeDocument/2006/relationships" xmlns:p="http://schemas.openxmlformats.org/presentationml/2006/main">
   <p:cSld>
     <p:spTree>
@@ -18074,8 +19607,8 @@
           </a:p>
         </p:txBody>
       </p:sp>
-      <mc:AlternateContent xmlns:mc="http://schemas.openxmlformats.org/markup-compatibility/2006">
-        <mc:Choice xmlns:a14="http://schemas.microsoft.com/office/drawing/2010/main" Requires="a14">
+      <mc:AlternateContent xmlns:mc="http://schemas.openxmlformats.org/markup-compatibility/2006" xmlns:a14="http://schemas.microsoft.com/office/drawing/2010/main">
+        <mc:Choice Requires="a14">
           <p:sp>
             <p:nvSpPr>
               <p:cNvPr id="3" name="Text Placeholder 2">
@@ -18294,7 +19827,7 @@
             </p:txBody>
           </p:sp>
         </mc:Choice>
-        <mc:Fallback>
+        <mc:Fallback xmlns="">
           <p:sp>
             <p:nvSpPr>
               <p:cNvPr id="3" name="Text Placeholder 2">
@@ -18370,7 +19903,7 @@
             </a:pPr>
             <a:fld id="{00000000-1234-1234-1234-123412341234}" type="slidenum">
               <a:rPr lang="en" smtClean="0"/>
-              <a:t>7</a:t>
+              <a:t>8</a:t>
             </a:fld>
             <a:endParaRPr lang="en"/>
           </a:p>
@@ -18542,7 +20075,7 @@
 </p:sld>
 </file>
 
-<file path=ppt/slides/slide8.xml><?xml version="1.0" encoding="utf-8"?>
+<file path=ppt/slides/slide9.xml><?xml version="1.0" encoding="utf-8"?>
 <p:sld xmlns:a="http://schemas.openxmlformats.org/drawingml/2006/main" xmlns:r="http://schemas.openxmlformats.org/officeDocument/2006/relationships" xmlns:p="http://schemas.openxmlformats.org/presentationml/2006/main">
   <p:cSld>
     <p:spTree>
@@ -18809,6 +20342,77 @@
                 <a:pPr marL="114300" indent="0">
                   <a:buNone/>
                 </a:pPr>
+                <a:endParaRPr lang="en-US" altLang="zh-CN" sz="1600" dirty="0"/>
+              </a:p>
+              <a:p>
+                <a:pPr marL="114300" indent="0">
+                  <a:buNone/>
+                </a:pPr>
+                <a:endParaRPr lang="en-US" altLang="zh-CN" sz="1600" dirty="0"/>
+              </a:p>
+              <a:p>
+                <a:pPr marL="114300" indent="0">
+                  <a:buNone/>
+                </a:pPr>
+                <a:r>
+                  <a:rPr lang="en-US" altLang="zh-CN" sz="1600" dirty="0"/>
+                  <a:t>We say </a:t>
+                </a:r>
+                <a14:m>
+                  <m:oMath xmlns:m="http://schemas.openxmlformats.org/officeDocument/2006/math">
+                    <m:sSub>
+                      <m:sSubPr>
+                        <m:ctrlPr>
+                          <a:rPr lang="en-US" altLang="zh-CN" sz="1600" b="0" i="1" smtClean="0">
+                            <a:latin typeface="Cambria Math" panose="02040503050406030204" pitchFamily="18" charset="0"/>
+                            <a:ea typeface="Cambria Math" panose="02040503050406030204" pitchFamily="18" charset="0"/>
+                          </a:rPr>
+                        </m:ctrlPr>
+                      </m:sSubPr>
+                      <m:e>
+                        <m:r>
+                          <a:rPr lang="en-US" altLang="zh-CN" sz="1600" i="1">
+                            <a:latin typeface="Cambria Math" panose="02040503050406030204" pitchFamily="18" charset="0"/>
+                            <a:ea typeface="Cambria Math" panose="02040503050406030204" pitchFamily="18" charset="0"/>
+                          </a:rPr>
+                          <m:t>∆</m:t>
+                        </m:r>
+                      </m:e>
+                      <m:sub>
+                        <m:r>
+                          <a:rPr lang="en-US" altLang="zh-CN" sz="1600" b="0" i="1" smtClean="0">
+                            <a:latin typeface="Cambria Math" panose="02040503050406030204" pitchFamily="18" charset="0"/>
+                            <a:ea typeface="Cambria Math" panose="02040503050406030204" pitchFamily="18" charset="0"/>
+                          </a:rPr>
+                          <m:t>𝑀</m:t>
+                        </m:r>
+                      </m:sub>
+                    </m:sSub>
+                  </m:oMath>
+                </a14:m>
+                <a:r>
+                  <a:rPr lang="en-US" altLang="zh-CN" sz="1600" dirty="0"/>
+                  <a:t> characterizes the robustness of </a:t>
+                </a:r>
+                <a14:m>
+                  <m:oMath xmlns:m="http://schemas.openxmlformats.org/officeDocument/2006/math">
+                    <m:r>
+                      <a:rPr lang="en-US" altLang="zh-CN" sz="1600" i="1" dirty="0" smtClean="0">
+                        <a:latin typeface="Cambria Math" panose="02040503050406030204" pitchFamily="18" charset="0"/>
+                      </a:rPr>
+                      <m:t>𝑆</m:t>
+                    </m:r>
+                  </m:oMath>
+                </a14:m>
+                <a:r>
+                  <a:rPr lang="en-US" altLang="zh-CN" sz="1600" dirty="0"/>
+                  <a:t>.</a:t>
+                </a:r>
+              </a:p>
+              <a:p>
+                <a:pPr marL="114300" indent="0">
+                  <a:buNone/>
+                </a:pPr>
                 <a:endParaRPr lang="zh-CN" altLang="en-US" sz="1600" dirty="0"/>
               </a:p>
             </p:txBody>
@@ -18886,7 +20490,7 @@
             </a:pPr>
             <a:fld id="{00000000-1234-1234-1234-123412341234}" type="slidenum">
               <a:rPr lang="en" smtClean="0"/>
-              <a:t>8</a:t>
+              <a:t>9</a:t>
             </a:fld>
             <a:endParaRPr lang="en"/>
           </a:p>
@@ -18928,10 +20532,10 @@
       </p:pic>
       <p:pic>
         <p:nvPicPr>
-          <p:cNvPr id="20" name="Picture 19">
+          <p:cNvPr id="6" name="Picture 5">
             <a:extLst>
               <a:ext uri="{FF2B5EF4-FFF2-40B4-BE49-F238E27FC236}">
-                <a16:creationId xmlns:a16="http://schemas.microsoft.com/office/drawing/2014/main" id="{233CD195-BBFC-4EC8-A792-89BEAC59FE5A}"/>
+                <a16:creationId xmlns:a16="http://schemas.microsoft.com/office/drawing/2014/main" id="{51CC32D7-F45E-432F-B066-C5825F8E68B3}"/>
               </a:ext>
             </a:extLst>
           </p:cNvPr>
@@ -18952,8 +20556,8 @@
         </p:blipFill>
         <p:spPr>
           <a:xfrm>
-            <a:off x="3529602" y="3425601"/>
-            <a:ext cx="1813638" cy="244724"/>
+            <a:off x="3405564" y="3368000"/>
+            <a:ext cx="2061714" cy="244724"/>
           </a:xfrm>
           <a:prstGeom prst="rect">
             <a:avLst/>
@@ -18964,137 +20568,6 @@
     <p:extLst>
       <p:ext uri="{BB962C8B-B14F-4D97-AF65-F5344CB8AC3E}">
         <p14:creationId xmlns:p14="http://schemas.microsoft.com/office/powerpoint/2010/main" val="1735789447"/>
-      </p:ext>
-    </p:extLst>
-  </p:cSld>
-  <p:clrMapOvr>
-    <a:masterClrMapping/>
-  </p:clrMapOvr>
-</p:sld>
-</file>
-
-<file path=ppt/slides/slide9.xml><?xml version="1.0" encoding="utf-8"?>
-<p:sld xmlns:a="http://schemas.openxmlformats.org/drawingml/2006/main" xmlns:r="http://schemas.openxmlformats.org/officeDocument/2006/relationships" xmlns:p="http://schemas.openxmlformats.org/presentationml/2006/main">
-  <p:cSld>
-    <p:spTree>
-      <p:nvGrpSpPr>
-        <p:cNvPr id="1" name=""/>
-        <p:cNvGrpSpPr/>
-        <p:nvPr/>
-      </p:nvGrpSpPr>
-      <p:grpSpPr>
-        <a:xfrm>
-          <a:off x="0" y="0"/>
-          <a:ext cx="0" cy="0"/>
-          <a:chOff x="0" y="0"/>
-          <a:chExt cx="0" cy="0"/>
-        </a:xfrm>
-      </p:grpSpPr>
-      <p:sp>
-        <p:nvSpPr>
-          <p:cNvPr id="2" name="Title 1">
-            <a:extLst>
-              <a:ext uri="{FF2B5EF4-FFF2-40B4-BE49-F238E27FC236}">
-                <a16:creationId xmlns:a16="http://schemas.microsoft.com/office/drawing/2014/main" id="{7D605995-26D7-480D-A8E6-4CA4D75F6B77}"/>
-              </a:ext>
-            </a:extLst>
-          </p:cNvPr>
-          <p:cNvSpPr>
-            <a:spLocks noGrp="1"/>
-          </p:cNvSpPr>
-          <p:nvPr>
-            <p:ph type="title"/>
-          </p:nvPr>
-        </p:nvSpPr>
-        <p:spPr/>
-        <p:txBody>
-          <a:bodyPr/>
-          <a:lstStyle/>
-          <a:p>
-            <a:r>
-              <a:rPr lang="en-US" altLang="zh-CN" dirty="0"/>
-              <a:t>Background</a:t>
-            </a:r>
-            <a:endParaRPr lang="zh-CN" altLang="en-US" dirty="0"/>
-          </a:p>
-        </p:txBody>
-      </p:sp>
-      <p:sp>
-        <p:nvSpPr>
-          <p:cNvPr id="4" name="Slide Number Placeholder 3">
-            <a:extLst>
-              <a:ext uri="{FF2B5EF4-FFF2-40B4-BE49-F238E27FC236}">
-                <a16:creationId xmlns:a16="http://schemas.microsoft.com/office/drawing/2014/main" id="{DD769FA6-C05F-4802-8572-EDA4F133331D}"/>
-              </a:ext>
-            </a:extLst>
-          </p:cNvPr>
-          <p:cNvSpPr>
-            <a:spLocks noGrp="1"/>
-          </p:cNvSpPr>
-          <p:nvPr>
-            <p:ph type="sldNum" idx="12"/>
-          </p:nvPr>
-        </p:nvSpPr>
-        <p:spPr/>
-        <p:txBody>
-          <a:bodyPr/>
-          <a:lstStyle/>
-          <a:p>
-            <a:pPr marL="0" lvl="0" indent="0" algn="r" rtl="0">
-              <a:spcBef>
-                <a:spcPts val="0"/>
-              </a:spcBef>
-              <a:spcAft>
-                <a:spcPts val="0"/>
-              </a:spcAft>
-              <a:buNone/>
-            </a:pPr>
-            <a:fld id="{00000000-1234-1234-1234-123412341234}" type="slidenum">
-              <a:rPr lang="en" smtClean="0"/>
-              <a:t>9</a:t>
-            </a:fld>
-            <a:endParaRPr lang="en"/>
-          </a:p>
-        </p:txBody>
-      </p:sp>
-      <p:pic>
-        <p:nvPicPr>
-          <p:cNvPr id="10" name="Picture 9">
-            <a:extLst>
-              <a:ext uri="{FF2B5EF4-FFF2-40B4-BE49-F238E27FC236}">
-                <a16:creationId xmlns:a16="http://schemas.microsoft.com/office/drawing/2014/main" id="{FE22408C-4A77-4163-AFBB-C9F8F850FDA4}"/>
-              </a:ext>
-            </a:extLst>
-          </p:cNvPr>
-          <p:cNvPicPr>
-            <a:picLocks noChangeAspect="1"/>
-          </p:cNvPicPr>
-          <p:nvPr>
-            <p:custDataLst>
-              <p:tags r:id="rId1"/>
-            </p:custDataLst>
-          </p:nvPr>
-        </p:nvPicPr>
-        <p:blipFill>
-          <a:blip r:embed="rId3"/>
-          <a:stretch>
-            <a:fillRect/>
-          </a:stretch>
-        </p:blipFill>
-        <p:spPr>
-          <a:xfrm>
-            <a:off x="888190" y="1444032"/>
-            <a:ext cx="7367619" cy="2262857"/>
-          </a:xfrm>
-          <a:prstGeom prst="rect">
-            <a:avLst/>
-          </a:prstGeom>
-        </p:spPr>
-      </p:pic>
-    </p:spTree>
-    <p:extLst>
-      <p:ext uri="{BB962C8B-B14F-4D97-AF65-F5344CB8AC3E}">
-        <p14:creationId xmlns:p14="http://schemas.microsoft.com/office/powerpoint/2010/main" val="3205186143"/>
       </p:ext>
     </p:extLst>
   </p:cSld>
@@ -19126,6 +20599,44 @@
 <file path=ppt/tags/tag10.xml><?xml version="1.0" encoding="utf-8"?>
 <p:tagLst xmlns:a="http://schemas.openxmlformats.org/drawingml/2006/main" xmlns:r="http://schemas.openxmlformats.org/officeDocument/2006/relationships" xmlns:p="http://schemas.openxmlformats.org/presentationml/2006/main">
   <p:tag name="OUTPUTDPI" val="1200"/>
+  <p:tag name="ORIGINALHEIGHT" val="125.2343"/>
+  <p:tag name="ORIGINALWIDTH" val="1781.027"/>
+  <p:tag name="LATEXADDIN" val="\documentclass{article}&#10;\usepackage{amsmath}&#10;\usepackage{amssymb}&#10;\pagestyle{empty}&#10;\begin{document}&#10;&#10;$S || WE_S \vDash P, \quad \Delta_M = WE_S - E$&#10;&#10;&#10;\end{document}"/>
+  <p:tag name="IGUANATEXSIZE" val="22"/>
+  <p:tag name="IGUANATEXCURSOR" val="64"/>
+  <p:tag name="TRANSPARENCY" val="True"/>
+  <p:tag name="FILENAME" val=""/>
+  <p:tag name="LATEXENGINEID" val="0"/>
+  <p:tag name="TEMPFOLDER" val=".\tmp\"/>
+  <p:tag name="LATEXFORMHEIGHT" val="312"/>
+  <p:tag name="LATEXFORMWIDTH" val="384"/>
+  <p:tag name="LATEXFORMWRAP" val="True"/>
+  <p:tag name="BITMAPVECTOR" val="0"/>
+</p:tagLst>
+</file>
+
+<file path=ppt/tags/tag11.xml><?xml version="1.0" encoding="utf-8"?>
+<p:tagLst xmlns:a="http://schemas.openxmlformats.org/drawingml/2006/main" xmlns:r="http://schemas.openxmlformats.org/officeDocument/2006/relationships" xmlns:p="http://schemas.openxmlformats.org/presentationml/2006/main">
+  <p:tag name="OUTPUTDPI" val="1200"/>
+  <p:tag name="ORIGINALHEIGHT" val="1113.611"/>
+  <p:tag name="ORIGINALWIDTH" val="3625.797"/>
+  <p:tag name="LATEXADDIN" val="\documentclass{article}&#10;\usepackage{amsmath}&#10;\pagestyle{empty}&#10;\begin{document}&#10;&#10;A \textit{laballed transtion system} $T$ is a four tuple $\langle Q, \Sigma, \delta, q_0 \rangle$ where&#10;\begin{itemize}&#10;\item $Q$ is a finite set of states,&#10;\item $\Sigma$ is a set of actions called the \textit{alphabet} of $T$,&#10;\item $\delta \subseteq Q \times \Sigma \rightarrow Q$ is a function called the \textit{transition function} of $T$,&#10;\item $q_0 \in Q$ is the initial state.&#10;\end{itemize}&#10;&#10;\end{document}"/>
+  <p:tag name="IGUANATEXSIZE" val="20"/>
+  <p:tag name="IGUANATEXCURSOR" val="356"/>
+  <p:tag name="TRANSPARENCY" val="True"/>
+  <p:tag name="FILENAME" val=""/>
+  <p:tag name="LATEXENGINEID" val="0"/>
+  <p:tag name="TEMPFOLDER" val=".\tmp\"/>
+  <p:tag name="LATEXFORMHEIGHT" val="312"/>
+  <p:tag name="LATEXFORMWIDTH" val="384"/>
+  <p:tag name="LATEXFORMWRAP" val="True"/>
+  <p:tag name="BITMAPVECTOR" val="0"/>
+</p:tagLst>
+</file>
+
+<file path=ppt/tags/tag12.xml><?xml version="1.0" encoding="utf-8"?>
+<p:tagLst xmlns:a="http://schemas.openxmlformats.org/drawingml/2006/main" xmlns:r="http://schemas.openxmlformats.org/officeDocument/2006/relationships" xmlns:p="http://schemas.openxmlformats.org/presentationml/2006/main">
+  <p:tag name="OUTPUTDPI" val="1200"/>
   <p:tag name="ORIGINALHEIGHT" val="758.9051"/>
   <p:tag name="ORIGINALWIDTH" val="4404.199"/>
   <p:tag name="LATEXADDIN" val="\documentclass{article}&#10;\usepackage{amsmath}&#10;\pagestyle{empty}&#10;\begin{document}&#10;&#10;\noindent Let $T_1 = \langle Q_1, \Sigma_1, \delta_1, q^1_0 \rangle$ and $T_2 = \langle Q_2, \Sigma_2, \delta_2, q^2_0 \rangle$, $T_1 || T_2$ is a LTS $T = \langle Q, \Sigma, \delta, q_0 \rangle$, where $Q = Q_1 \times Q_2$, $\Sigma = \Sigma_1 \cup \Sigma_2$, $q_0 = (q^1_0, q^2_0)$, and $\delta$ is defined as:&#10;&#10;$$\frac{T_1 \xrightarrow{a} T_1', a \notin \Sigma^2}{T_1 || T_2 \xrightarrow{a} T_1' || T_2} \quad \quad \frac{T_1 \xrightarrow{a} T_1', T_2 \xrightarrow{a} T_2'}{T_1 || T_2 \xrightarrow{a} T_1' || T_2'}$$&#10;&#10;&#10;\end{document}"/>
@@ -19142,7 +20653,7 @@
 </p:tagLst>
 </file>
 
-<file path=ppt/tags/tag11.xml><?xml version="1.0" encoding="utf-8"?>
+<file path=ppt/tags/tag13.xml><?xml version="1.0" encoding="utf-8"?>
 <p:tagLst xmlns:a="http://schemas.openxmlformats.org/drawingml/2006/main" xmlns:r="http://schemas.openxmlformats.org/officeDocument/2006/relationships" xmlns:p="http://schemas.openxmlformats.org/presentationml/2006/main">
   <p:tag name="OUTPUTDPI" val="1200"/>
   <p:tag name="ORIGINALHEIGHT" val="1513.311"/>
@@ -19161,7 +20672,7 @@
 </p:tagLst>
 </file>
 
-<file path=ppt/tags/tag12.xml><?xml version="1.0" encoding="utf-8"?>
+<file path=ppt/tags/tag14.xml><?xml version="1.0" encoding="utf-8"?>
 <p:tagLst xmlns:a="http://schemas.openxmlformats.org/drawingml/2006/main" xmlns:r="http://schemas.openxmlformats.org/officeDocument/2006/relationships" xmlns:p="http://schemas.openxmlformats.org/presentationml/2006/main">
   <p:tag name="OUTPUTDPI" val="1200"/>
   <p:tag name="ORIGINALHEIGHT" val="908.1365"/>
@@ -19180,7 +20691,7 @@
 </p:tagLst>
 </file>
 
-<file path=ppt/tags/tag13.xml><?xml version="1.0" encoding="utf-8"?>
+<file path=ppt/tags/tag15.xml><?xml version="1.0" encoding="utf-8"?>
 <p:tagLst xmlns:a="http://schemas.openxmlformats.org/drawingml/2006/main" xmlns:r="http://schemas.openxmlformats.org/officeDocument/2006/relationships" xmlns:p="http://schemas.openxmlformats.org/presentationml/2006/main">
   <p:tag name="OUTPUTDPI" val="1200"/>
   <p:tag name="ORIGINALHEIGHT" val="286.4642"/>
@@ -19199,7 +20710,7 @@
 </p:tagLst>
 </file>
 
-<file path=ppt/tags/tag14.xml><?xml version="1.0" encoding="utf-8"?>
+<file path=ppt/tags/tag16.xml><?xml version="1.0" encoding="utf-8"?>
 <p:tagLst xmlns:a="http://schemas.openxmlformats.org/drawingml/2006/main" xmlns:r="http://schemas.openxmlformats.org/officeDocument/2006/relationships" xmlns:p="http://schemas.openxmlformats.org/presentationml/2006/main">
   <p:tag name="OUTPUTDPI" val="1200"/>
   <p:tag name="ORIGINALHEIGHT" val="1164.604"/>
@@ -19218,7 +20729,7 @@
 </p:tagLst>
 </file>
 
-<file path=ppt/tags/tag15.xml><?xml version="1.0" encoding="utf-8"?>
+<file path=ppt/tags/tag17.xml><?xml version="1.0" encoding="utf-8"?>
 <p:tagLst xmlns:a="http://schemas.openxmlformats.org/drawingml/2006/main" xmlns:r="http://schemas.openxmlformats.org/officeDocument/2006/relationships" xmlns:p="http://schemas.openxmlformats.org/presentationml/2006/main">
   <p:tag name="OUTPUTDPI" val="1200"/>
   <p:tag name="ORIGINALHEIGHT" val="566.9291"/>
@@ -19237,7 +20748,7 @@
 </p:tagLst>
 </file>
 
-<file path=ppt/tags/tag16.xml><?xml version="1.0" encoding="utf-8"?>
+<file path=ppt/tags/tag18.xml><?xml version="1.0" encoding="utf-8"?>
 <p:tagLst xmlns:a="http://schemas.openxmlformats.org/drawingml/2006/main" xmlns:r="http://schemas.openxmlformats.org/officeDocument/2006/relationships" xmlns:p="http://schemas.openxmlformats.org/presentationml/2006/main">
   <p:tag name="OUTPUTDPI" val="1200"/>
   <p:tag name="ORIGINALHEIGHT" val="413.1983"/>
@@ -19374,10 +20885,10 @@
 <p:tagLst xmlns:a="http://schemas.openxmlformats.org/drawingml/2006/main" xmlns:r="http://schemas.openxmlformats.org/officeDocument/2006/relationships" xmlns:p="http://schemas.openxmlformats.org/presentationml/2006/main">
   <p:tag name="OUTPUTDPI" val="1200"/>
   <p:tag name="ORIGINALHEIGHT" val="109.4863"/>
-  <p:tag name="ORIGINALWIDTH" val="811.3986"/>
-  <p:tag name="LATEXADDIN" val="\documentclass{article}&#10;\usepackage{amsmath}&#10;\pagestyle{empty}&#10;\begin{document}&#10;&#10;$\Delta = WE_S - E$&#10;&#10;&#10;\end{document}"/>
+  <p:tag name="ORIGINALWIDTH" val="922.3847"/>
+  <p:tag name="LATEXADDIN" val="\documentclass{article}&#10;\usepackage{amsmath}&#10;\pagestyle{empty}&#10;\begin{document}&#10;&#10;$\Delta_M = WE_S - E$&#10;&#10;&#10;\end{document}"/>
   <p:tag name="IGUANATEXSIZE" val="22"/>
-  <p:tag name="IGUANATEXCURSOR" val="95"/>
+  <p:tag name="IGUANATEXCURSOR" val="90"/>
   <p:tag name="TRANSPARENCY" val="True"/>
   <p:tag name="FILENAME" val=""/>
   <p:tag name="LATEXENGINEID" val="0"/>
@@ -19392,11 +20903,11 @@
 <file path=ppt/tags/tag9.xml><?xml version="1.0" encoding="utf-8"?>
 <p:tagLst xmlns:a="http://schemas.openxmlformats.org/drawingml/2006/main" xmlns:r="http://schemas.openxmlformats.org/officeDocument/2006/relationships" xmlns:p="http://schemas.openxmlformats.org/presentationml/2006/main">
   <p:tag name="OUTPUTDPI" val="1200"/>
-  <p:tag name="ORIGINALHEIGHT" val="1113.611"/>
-  <p:tag name="ORIGINALWIDTH" val="3625.797"/>
-  <p:tag name="LATEXADDIN" val="\documentclass{article}&#10;\usepackage{amsmath}&#10;\pagestyle{empty}&#10;\begin{document}&#10;&#10;A \textit{laballed transtion system} $T$ is a four tuple $\langle Q, \Sigma, \delta, q_0 \rangle$ where&#10;\begin{itemize}&#10;\item $Q$ is a finite set of states,&#10;\item $\Sigma$ is a set of actions called the \textit{alphabet} of $T$,&#10;\item $\delta \subseteq Q \times \Sigma \rightarrow Q$ is a function called the \textit{transition function} of $T$,&#10;\item $q_0 \in Q$ is the initial state.&#10;\end{itemize}&#10;&#10;\end{document}"/>
-  <p:tag name="IGUANATEXSIZE" val="20"/>
-  <p:tag name="IGUANATEXCURSOR" val="356"/>
+  <p:tag name="ORIGINALHEIGHT" val="125.2343"/>
+  <p:tag name="ORIGINALWIDTH" val="1781.027"/>
+  <p:tag name="LATEXADDIN" val="\documentclass{article}&#10;\usepackage{amsmath}&#10;\usepackage{amssymb}&#10;\pagestyle{empty}&#10;\begin{document}&#10;&#10;$S || WE_S \vDash P, \quad \Delta_M = WE_S - E$&#10;&#10;&#10;\end{document}"/>
+  <p:tag name="IGUANATEXSIZE" val="22"/>
+  <p:tag name="IGUANATEXCURSOR" val="64"/>
   <p:tag name="TRANSPARENCY" val="True"/>
   <p:tag name="FILENAME" val=""/>
   <p:tag name="LATEXENGINEID" val="0"/>

--- a/Robustness.pptx
+++ b/Robustness.pptx
@@ -5,7 +5,7 @@
     <p:sldMasterId id="2147483659" r:id="rId1"/>
   </p:sldMasterIdLst>
   <p:notesMasterIdLst>
-    <p:notesMasterId r:id="rId52"/>
+    <p:notesMasterId r:id="rId53"/>
   </p:notesMasterIdLst>
   <p:sldIdLst>
     <p:sldId id="256" r:id="rId2"/>
@@ -35,57 +35,58 @@
     <p:sldId id="344" r:id="rId26"/>
     <p:sldId id="334" r:id="rId27"/>
     <p:sldId id="335" r:id="rId28"/>
-    <p:sldId id="336" r:id="rId29"/>
+    <p:sldId id="349" r:id="rId29"/>
     <p:sldId id="337" r:id="rId30"/>
-    <p:sldId id="338" r:id="rId31"/>
-    <p:sldId id="340" r:id="rId32"/>
-    <p:sldId id="341" r:id="rId33"/>
-    <p:sldId id="342" r:id="rId34"/>
-    <p:sldId id="345" r:id="rId35"/>
-    <p:sldId id="296" r:id="rId36"/>
-    <p:sldId id="277" r:id="rId37"/>
-    <p:sldId id="346" r:id="rId38"/>
-    <p:sldId id="347" r:id="rId39"/>
-    <p:sldId id="302" r:id="rId40"/>
-    <p:sldId id="261" r:id="rId41"/>
-    <p:sldId id="301" r:id="rId42"/>
-    <p:sldId id="327" r:id="rId43"/>
-    <p:sldId id="283" r:id="rId44"/>
-    <p:sldId id="288" r:id="rId45"/>
-    <p:sldId id="289" r:id="rId46"/>
-    <p:sldId id="290" r:id="rId47"/>
-    <p:sldId id="292" r:id="rId48"/>
-    <p:sldId id="293" r:id="rId49"/>
-    <p:sldId id="294" r:id="rId50"/>
-    <p:sldId id="295" r:id="rId51"/>
+    <p:sldId id="350" r:id="rId31"/>
+    <p:sldId id="338" r:id="rId32"/>
+    <p:sldId id="340" r:id="rId33"/>
+    <p:sldId id="341" r:id="rId34"/>
+    <p:sldId id="342" r:id="rId35"/>
+    <p:sldId id="345" r:id="rId36"/>
+    <p:sldId id="296" r:id="rId37"/>
+    <p:sldId id="277" r:id="rId38"/>
+    <p:sldId id="346" r:id="rId39"/>
+    <p:sldId id="347" r:id="rId40"/>
+    <p:sldId id="302" r:id="rId41"/>
+    <p:sldId id="261" r:id="rId42"/>
+    <p:sldId id="301" r:id="rId43"/>
+    <p:sldId id="327" r:id="rId44"/>
+    <p:sldId id="283" r:id="rId45"/>
+    <p:sldId id="288" r:id="rId46"/>
+    <p:sldId id="289" r:id="rId47"/>
+    <p:sldId id="290" r:id="rId48"/>
+    <p:sldId id="292" r:id="rId49"/>
+    <p:sldId id="293" r:id="rId50"/>
+    <p:sldId id="294" r:id="rId51"/>
+    <p:sldId id="295" r:id="rId52"/>
   </p:sldIdLst>
   <p:sldSz cx="9144000" cy="5143500" type="screen16x9"/>
   <p:notesSz cx="6858000" cy="9144000"/>
   <p:embeddedFontLst>
     <p:embeddedFont>
       <p:font typeface="Cambria Math" panose="02040503050406030204" pitchFamily="18" charset="0"/>
-      <p:regular r:id="rId53"/>
+      <p:regular r:id="rId54"/>
     </p:embeddedFont>
     <p:embeddedFont>
       <p:font typeface="Open Sans" panose="02010600030101010101" charset="0"/>
-      <p:regular r:id="rId54"/>
-      <p:bold r:id="rId55"/>
-      <p:italic r:id="rId56"/>
-      <p:boldItalic r:id="rId57"/>
+      <p:regular r:id="rId55"/>
+      <p:bold r:id="rId56"/>
+      <p:italic r:id="rId57"/>
+      <p:boldItalic r:id="rId58"/>
     </p:embeddedFont>
     <p:embeddedFont>
       <p:font typeface="Open Sans Light" panose="02010600030101010101" charset="0"/>
-      <p:regular r:id="rId58"/>
-      <p:bold r:id="rId59"/>
-      <p:italic r:id="rId60"/>
-      <p:boldItalic r:id="rId61"/>
+      <p:regular r:id="rId59"/>
+      <p:bold r:id="rId60"/>
+      <p:italic r:id="rId61"/>
+      <p:boldItalic r:id="rId62"/>
     </p:embeddedFont>
     <p:embeddedFont>
       <p:font typeface="Open Sans SemiBold" panose="02010600030101010101" charset="0"/>
-      <p:regular r:id="rId62"/>
-      <p:bold r:id="rId63"/>
-      <p:italic r:id="rId64"/>
-      <p:boldItalic r:id="rId65"/>
+      <p:regular r:id="rId63"/>
+      <p:bold r:id="rId64"/>
+      <p:italic r:id="rId65"/>
+      <p:boldItalic r:id="rId66"/>
     </p:embeddedFont>
   </p:embeddedFontLst>
   <p:defaultTextStyle>
@@ -921,7 +922,7 @@
           <a:p>
             <a:r>
               <a:rPr lang="en-US" altLang="zh-CN" dirty="0"/>
-              <a:t>For equivalent, it means that any trace in ENV_P is also a trace in WE_S2</a:t>
+              <a:t>Clearly, this system seems to be more robust compared to the original version</a:t>
             </a:r>
             <a:endParaRPr lang="zh-CN" altLang="en-US" dirty="0"/>
           </a:p>
@@ -930,7 +931,7 @@
     </p:spTree>
     <p:extLst>
       <p:ext uri="{BB962C8B-B14F-4D97-AF65-F5344CB8AC3E}">
-        <p14:creationId xmlns:p14="http://schemas.microsoft.com/office/powerpoint/2010/main" val="1845869345"/>
+        <p14:creationId xmlns:p14="http://schemas.microsoft.com/office/powerpoint/2010/main" val="2634979449"/>
       </p:ext>
     </p:extLst>
   </p:cSld>
@@ -991,7 +992,7 @@
           <a:p>
             <a:r>
               <a:rPr lang="en-US" altLang="zh-CN" dirty="0"/>
-              <a:t>In our context, the representation of errors and the representation of robustness refer to the same thing.</a:t>
+              <a:t>For equivalent, it means that any trace in ENV_P is also a trace in WE_S2</a:t>
             </a:r>
             <a:endParaRPr lang="zh-CN" altLang="en-US" dirty="0"/>
           </a:p>
@@ -1000,7 +1001,7 @@
     </p:spTree>
     <p:extLst>
       <p:ext uri="{BB962C8B-B14F-4D97-AF65-F5344CB8AC3E}">
-        <p14:creationId xmlns:p14="http://schemas.microsoft.com/office/powerpoint/2010/main" val="1883646462"/>
+        <p14:creationId xmlns:p14="http://schemas.microsoft.com/office/powerpoint/2010/main" val="1845869345"/>
       </p:ext>
     </p:extLst>
   </p:cSld>
@@ -1061,13 +1062,7 @@
           <a:p>
             <a:r>
               <a:rPr lang="en-US" altLang="zh-CN" dirty="0"/>
-              <a:t>Can we extract the design decisions with respect to the robustness of an infusion pump.</a:t>
-            </a:r>
-          </a:p>
-          <a:p>
-            <a:r>
-              <a:rPr lang="en-US" altLang="zh-CN" dirty="0"/>
-              <a:t>Can we map the delta traces we found in the weakest assumption back to the human behavior model.</a:t>
+              <a:t>In our context, the representation of errors and the representation of robustness refer to the same thing.</a:t>
             </a:r>
             <a:endParaRPr lang="zh-CN" altLang="en-US" dirty="0"/>
           </a:p>
@@ -1076,7 +1071,7 @@
     </p:spTree>
     <p:extLst>
       <p:ext uri="{BB962C8B-B14F-4D97-AF65-F5344CB8AC3E}">
-        <p14:creationId xmlns:p14="http://schemas.microsoft.com/office/powerpoint/2010/main" val="3159736694"/>
+        <p14:creationId xmlns:p14="http://schemas.microsoft.com/office/powerpoint/2010/main" val="1883646462"/>
       </p:ext>
     </p:extLst>
   </p:cSld>
@@ -1137,7 +1132,7 @@
           <a:p>
             <a:r>
               <a:rPr lang="en-US" altLang="zh-CN" dirty="0"/>
-              <a:t>Also, on the other hand, if we are confident about what a system can do, we can infer the errors that the system cannot handle.</a:t>
+              <a:t>In our context, the representation of errors and the representation of robustness refer to the same thing.</a:t>
             </a:r>
             <a:endParaRPr lang="zh-CN" altLang="en-US" dirty="0"/>
           </a:p>
@@ -1146,7 +1141,7 @@
     </p:spTree>
     <p:extLst>
       <p:ext uri="{BB962C8B-B14F-4D97-AF65-F5344CB8AC3E}">
-        <p14:creationId xmlns:p14="http://schemas.microsoft.com/office/powerpoint/2010/main" val="3761682563"/>
+        <p14:creationId xmlns:p14="http://schemas.microsoft.com/office/powerpoint/2010/main" val="2253185417"/>
       </p:ext>
     </p:extLst>
   </p:cSld>
@@ -1207,19 +1202,19 @@
           <a:p>
             <a:r>
               <a:rPr lang="en-US" altLang="zh-CN" dirty="0"/>
-              <a:t>In event-based model, we are talking about after doing a, we should do b.</a:t>
+              <a:t>EOFM is a human task model, it describes that to complete a task, what a human operator should do, when they should perform an action, and when the action is done.</a:t>
             </a:r>
           </a:p>
           <a:p>
             <a:r>
               <a:rPr lang="en-US" altLang="zh-CN" dirty="0"/>
-              <a:t>But in state-based model, we are talking about under what conditions we can do a or b.</a:t>
+              <a:t>A human activity or action is modeled as a state machine. 3 states: ready refers to the activity is waiting to execute, executing refers to the activity is executing, done refers to the activity is done.</a:t>
             </a:r>
           </a:p>
           <a:p>
             <a:r>
               <a:rPr lang="en-US" altLang="zh-CN" dirty="0"/>
-              <a:t>They can be used to model the same system, but with different focus. Often, state-based model is more expressive, but we are constrained by the previous work on generating weakest assumption.</a:t>
+              <a:t>Lines refer to the transitions and labels on the lines refer to the condition to execute a transition.</a:t>
             </a:r>
             <a:endParaRPr lang="zh-CN" altLang="en-US" dirty="0"/>
           </a:p>
@@ -1228,7 +1223,7 @@
     </p:spTree>
     <p:extLst>
       <p:ext uri="{BB962C8B-B14F-4D97-AF65-F5344CB8AC3E}">
-        <p14:creationId xmlns:p14="http://schemas.microsoft.com/office/powerpoint/2010/main" val="3220188404"/>
+        <p14:creationId xmlns:p14="http://schemas.microsoft.com/office/powerpoint/2010/main" val="1789370288"/>
       </p:ext>
     </p:extLst>
   </p:cSld>
@@ -1287,60 +1282,24 @@
           <a:bodyPr/>
           <a:lstStyle/>
           <a:p>
-            <a:pPr marL="158750" indent="0">
-              <a:buNone/>
-            </a:pPr>
-            <a:endParaRPr lang="en-US" altLang="zh-CN" b="1" dirty="0"/>
-          </a:p>
-          <a:p>
-            <a:pPr marL="158750" indent="0">
-              <a:buNone/>
-            </a:pPr>
-            <a:r>
-              <a:rPr lang="en-US" altLang="zh-CN" b="1" dirty="0"/>
-              <a:t>Limitations:</a:t>
-            </a:r>
-          </a:p>
-          <a:p>
-            <a:pPr marL="457200" indent="-298450"/>
             <a:r>
               <a:rPr lang="en-US" altLang="zh-CN" dirty="0"/>
-              <a:t>A safety property is restricted to the form of LTSA property.</a:t>
+              <a:t>Can we extract the design decisions with respect to the robustness of an infusion pump.</a:t>
             </a:r>
           </a:p>
           <a:p>
-            <a:pPr marL="457200" indent="-298450"/>
             <a:r>
               <a:rPr lang="en-US" altLang="zh-CN" dirty="0"/>
-              <a:t>We consider deadlock-free to be the weakest form of liveness, i.e., the system should not be stuck at some step.</a:t>
+              <a:t>Can we map the delta traces we found in the weakest assumption back to the human behavior model.</a:t>
             </a:r>
-          </a:p>
-          <a:p>
-            <a:pPr marL="158750" indent="0">
-              <a:buNone/>
-            </a:pPr>
-            <a:endParaRPr lang="en-US" altLang="zh-CN" dirty="0"/>
-          </a:p>
-          <a:p>
-            <a:pPr marL="158750" indent="0">
-              <a:buNone/>
-            </a:pPr>
-            <a:r>
-              <a:rPr lang="en-US" altLang="zh-CN" b="1" dirty="0"/>
-              <a:t>I will use “correct” in this presentation</a:t>
-            </a:r>
-            <a:r>
-              <a:rPr lang="en-US" altLang="zh-CN" b="1" baseline="0" dirty="0"/>
-              <a:t> for simplicity, but it means the system should satisfy the given safety properties and be deadlock-free.</a:t>
-            </a:r>
-            <a:endParaRPr lang="en-US" altLang="zh-CN" b="1" dirty="0"/>
+            <a:endParaRPr lang="zh-CN" altLang="en-US" dirty="0"/>
           </a:p>
         </p:txBody>
       </p:sp>
     </p:spTree>
     <p:extLst>
       <p:ext uri="{BB962C8B-B14F-4D97-AF65-F5344CB8AC3E}">
-        <p14:creationId xmlns:p14="http://schemas.microsoft.com/office/powerpoint/2010/main" val="988333764"/>
+        <p14:creationId xmlns:p14="http://schemas.microsoft.com/office/powerpoint/2010/main" val="3159736694"/>
       </p:ext>
     </p:extLst>
   </p:cSld>
@@ -1401,6 +1360,270 @@
           <a:p>
             <a:r>
               <a:rPr lang="en-US" altLang="zh-CN" dirty="0"/>
+              <a:t>Also, on the other hand, if we are confident about what a system can do, we can infer the errors that the system cannot handle.</a:t>
+            </a:r>
+            <a:endParaRPr lang="zh-CN" altLang="en-US" dirty="0"/>
+          </a:p>
+        </p:txBody>
+      </p:sp>
+    </p:spTree>
+    <p:extLst>
+      <p:ext uri="{BB962C8B-B14F-4D97-AF65-F5344CB8AC3E}">
+        <p14:creationId xmlns:p14="http://schemas.microsoft.com/office/powerpoint/2010/main" val="3761682563"/>
+      </p:ext>
+    </p:extLst>
+  </p:cSld>
+  <p:clrMapOvr>
+    <a:masterClrMapping/>
+  </p:clrMapOvr>
+</p:notes>
+</file>
+
+<file path=ppt/notesSlides/notesSlide17.xml><?xml version="1.0" encoding="utf-8"?>
+<p:notes xmlns:a="http://schemas.openxmlformats.org/drawingml/2006/main" xmlns:r="http://schemas.openxmlformats.org/officeDocument/2006/relationships" xmlns:p="http://schemas.openxmlformats.org/presentationml/2006/main">
+  <p:cSld>
+    <p:spTree>
+      <p:nvGrpSpPr>
+        <p:cNvPr id="1" name=""/>
+        <p:cNvGrpSpPr/>
+        <p:nvPr/>
+      </p:nvGrpSpPr>
+      <p:grpSpPr>
+        <a:xfrm>
+          <a:off x="0" y="0"/>
+          <a:ext cx="0" cy="0"/>
+          <a:chOff x="0" y="0"/>
+          <a:chExt cx="0" cy="0"/>
+        </a:xfrm>
+      </p:grpSpPr>
+      <p:sp>
+        <p:nvSpPr>
+          <p:cNvPr id="2" name="Slide Image Placeholder 1"/>
+          <p:cNvSpPr>
+            <a:spLocks noGrp="1" noRot="1" noChangeAspect="1"/>
+          </p:cNvSpPr>
+          <p:nvPr>
+            <p:ph type="sldImg"/>
+          </p:nvPr>
+        </p:nvSpPr>
+        <p:spPr>
+          <a:xfrm>
+            <a:off x="381000" y="685800"/>
+            <a:ext cx="6096000" cy="3429000"/>
+          </a:xfrm>
+        </p:spPr>
+      </p:sp>
+      <p:sp>
+        <p:nvSpPr>
+          <p:cNvPr id="3" name="Notes Placeholder 2"/>
+          <p:cNvSpPr>
+            <a:spLocks noGrp="1"/>
+          </p:cNvSpPr>
+          <p:nvPr>
+            <p:ph type="body" idx="1"/>
+          </p:nvPr>
+        </p:nvSpPr>
+        <p:spPr/>
+        <p:txBody>
+          <a:bodyPr/>
+          <a:lstStyle/>
+          <a:p>
+            <a:r>
+              <a:rPr lang="en-US" altLang="zh-CN" dirty="0"/>
+              <a:t>In event-based model, we are talking about after doing a, we should do b.</a:t>
+            </a:r>
+          </a:p>
+          <a:p>
+            <a:r>
+              <a:rPr lang="en-US" altLang="zh-CN" dirty="0"/>
+              <a:t>But in state-based model, we are talking about under what conditions we can do a or b.</a:t>
+            </a:r>
+          </a:p>
+          <a:p>
+            <a:r>
+              <a:rPr lang="en-US" altLang="zh-CN" dirty="0"/>
+              <a:t>They can be used to model the same system, but with different focus. Often, state-based model is more expressive, but we are constrained by the previous work on generating weakest assumption.</a:t>
+            </a:r>
+            <a:endParaRPr lang="zh-CN" altLang="en-US" dirty="0"/>
+          </a:p>
+        </p:txBody>
+      </p:sp>
+    </p:spTree>
+    <p:extLst>
+      <p:ext uri="{BB962C8B-B14F-4D97-AF65-F5344CB8AC3E}">
+        <p14:creationId xmlns:p14="http://schemas.microsoft.com/office/powerpoint/2010/main" val="3220188404"/>
+      </p:ext>
+    </p:extLst>
+  </p:cSld>
+  <p:clrMapOvr>
+    <a:masterClrMapping/>
+  </p:clrMapOvr>
+</p:notes>
+</file>
+
+<file path=ppt/notesSlides/notesSlide18.xml><?xml version="1.0" encoding="utf-8"?>
+<p:notes xmlns:a="http://schemas.openxmlformats.org/drawingml/2006/main" xmlns:r="http://schemas.openxmlformats.org/officeDocument/2006/relationships" xmlns:p="http://schemas.openxmlformats.org/presentationml/2006/main">
+  <p:cSld>
+    <p:spTree>
+      <p:nvGrpSpPr>
+        <p:cNvPr id="1" name=""/>
+        <p:cNvGrpSpPr/>
+        <p:nvPr/>
+      </p:nvGrpSpPr>
+      <p:grpSpPr>
+        <a:xfrm>
+          <a:off x="0" y="0"/>
+          <a:ext cx="0" cy="0"/>
+          <a:chOff x="0" y="0"/>
+          <a:chExt cx="0" cy="0"/>
+        </a:xfrm>
+      </p:grpSpPr>
+      <p:sp>
+        <p:nvSpPr>
+          <p:cNvPr id="2" name="Slide Image Placeholder 1"/>
+          <p:cNvSpPr>
+            <a:spLocks noGrp="1" noRot="1" noChangeAspect="1"/>
+          </p:cNvSpPr>
+          <p:nvPr>
+            <p:ph type="sldImg"/>
+          </p:nvPr>
+        </p:nvSpPr>
+        <p:spPr>
+          <a:xfrm>
+            <a:off x="381000" y="685800"/>
+            <a:ext cx="6096000" cy="3429000"/>
+          </a:xfrm>
+        </p:spPr>
+      </p:sp>
+      <p:sp>
+        <p:nvSpPr>
+          <p:cNvPr id="3" name="Notes Placeholder 2"/>
+          <p:cNvSpPr>
+            <a:spLocks noGrp="1"/>
+          </p:cNvSpPr>
+          <p:nvPr>
+            <p:ph type="body" idx="1"/>
+          </p:nvPr>
+        </p:nvSpPr>
+        <p:spPr/>
+        <p:txBody>
+          <a:bodyPr/>
+          <a:lstStyle/>
+          <a:p>
+            <a:pPr marL="158750" indent="0">
+              <a:buNone/>
+            </a:pPr>
+            <a:endParaRPr lang="en-US" altLang="zh-CN" b="1" dirty="0"/>
+          </a:p>
+          <a:p>
+            <a:pPr marL="158750" indent="0">
+              <a:buNone/>
+            </a:pPr>
+            <a:r>
+              <a:rPr lang="en-US" altLang="zh-CN" b="1" dirty="0"/>
+              <a:t>Limitations:</a:t>
+            </a:r>
+          </a:p>
+          <a:p>
+            <a:pPr marL="457200" indent="-298450"/>
+            <a:r>
+              <a:rPr lang="en-US" altLang="zh-CN" dirty="0"/>
+              <a:t>A safety property is restricted to the form of LTSA property.</a:t>
+            </a:r>
+          </a:p>
+          <a:p>
+            <a:pPr marL="457200" indent="-298450"/>
+            <a:r>
+              <a:rPr lang="en-US" altLang="zh-CN" dirty="0"/>
+              <a:t>We consider deadlock-free to be the weakest form of liveness, i.e., the system should not be stuck at some step.</a:t>
+            </a:r>
+          </a:p>
+          <a:p>
+            <a:pPr marL="158750" indent="0">
+              <a:buNone/>
+            </a:pPr>
+            <a:endParaRPr lang="en-US" altLang="zh-CN" dirty="0"/>
+          </a:p>
+          <a:p>
+            <a:pPr marL="158750" indent="0">
+              <a:buNone/>
+            </a:pPr>
+            <a:r>
+              <a:rPr lang="en-US" altLang="zh-CN" b="1" dirty="0"/>
+              <a:t>I will use “correct” in this presentation</a:t>
+            </a:r>
+            <a:r>
+              <a:rPr lang="en-US" altLang="zh-CN" b="1" baseline="0" dirty="0"/>
+              <a:t> for simplicity, but it means the system should satisfy the given safety properties and be deadlock-free.</a:t>
+            </a:r>
+            <a:endParaRPr lang="en-US" altLang="zh-CN" b="1" dirty="0"/>
+          </a:p>
+        </p:txBody>
+      </p:sp>
+    </p:spTree>
+    <p:extLst>
+      <p:ext uri="{BB962C8B-B14F-4D97-AF65-F5344CB8AC3E}">
+        <p14:creationId xmlns:p14="http://schemas.microsoft.com/office/powerpoint/2010/main" val="988333764"/>
+      </p:ext>
+    </p:extLst>
+  </p:cSld>
+  <p:clrMapOvr>
+    <a:masterClrMapping/>
+  </p:clrMapOvr>
+</p:notes>
+</file>
+
+<file path=ppt/notesSlides/notesSlide19.xml><?xml version="1.0" encoding="utf-8"?>
+<p:notes xmlns:a="http://schemas.openxmlformats.org/drawingml/2006/main" xmlns:r="http://schemas.openxmlformats.org/officeDocument/2006/relationships" xmlns:p="http://schemas.openxmlformats.org/presentationml/2006/main">
+  <p:cSld>
+    <p:spTree>
+      <p:nvGrpSpPr>
+        <p:cNvPr id="1" name=""/>
+        <p:cNvGrpSpPr/>
+        <p:nvPr/>
+      </p:nvGrpSpPr>
+      <p:grpSpPr>
+        <a:xfrm>
+          <a:off x="0" y="0"/>
+          <a:ext cx="0" cy="0"/>
+          <a:chOff x="0" y="0"/>
+          <a:chExt cx="0" cy="0"/>
+        </a:xfrm>
+      </p:grpSpPr>
+      <p:sp>
+        <p:nvSpPr>
+          <p:cNvPr id="2" name="Slide Image Placeholder 1"/>
+          <p:cNvSpPr>
+            <a:spLocks noGrp="1" noRot="1" noChangeAspect="1"/>
+          </p:cNvSpPr>
+          <p:nvPr>
+            <p:ph type="sldImg"/>
+          </p:nvPr>
+        </p:nvSpPr>
+        <p:spPr>
+          <a:xfrm>
+            <a:off x="381000" y="685800"/>
+            <a:ext cx="6096000" cy="3429000"/>
+          </a:xfrm>
+        </p:spPr>
+      </p:sp>
+      <p:sp>
+        <p:nvSpPr>
+          <p:cNvPr id="3" name="Notes Placeholder 2"/>
+          <p:cNvSpPr>
+            <a:spLocks noGrp="1"/>
+          </p:cNvSpPr>
+          <p:nvPr>
+            <p:ph type="body" idx="1"/>
+          </p:nvPr>
+        </p:nvSpPr>
+        <p:spPr/>
+        <p:txBody>
+          <a:bodyPr/>
+          <a:lstStyle/>
+          <a:p>
+            <a:r>
+              <a:rPr lang="en-US" altLang="zh-CN" dirty="0"/>
               <a:t>In the diagrams above, state 0 is always the initial state</a:t>
             </a:r>
             <a:endParaRPr lang="zh-CN" altLang="en-US" dirty="0"/>
@@ -1421,6 +1644,76 @@
 </file>
 
 <file path=ppt/notesSlides/notesSlide2.xml><?xml version="1.0" encoding="utf-8"?>
+<p:notes xmlns:a="http://schemas.openxmlformats.org/drawingml/2006/main" xmlns:r="http://schemas.openxmlformats.org/officeDocument/2006/relationships" xmlns:p="http://schemas.openxmlformats.org/presentationml/2006/main">
+  <p:cSld>
+    <p:spTree>
+      <p:nvGrpSpPr>
+        <p:cNvPr id="1" name=""/>
+        <p:cNvGrpSpPr/>
+        <p:nvPr/>
+      </p:nvGrpSpPr>
+      <p:grpSpPr>
+        <a:xfrm>
+          <a:off x="0" y="0"/>
+          <a:ext cx="0" cy="0"/>
+          <a:chOff x="0" y="0"/>
+          <a:chExt cx="0" cy="0"/>
+        </a:xfrm>
+      </p:grpSpPr>
+      <p:sp>
+        <p:nvSpPr>
+          <p:cNvPr id="2" name="Slide Image Placeholder 1"/>
+          <p:cNvSpPr>
+            <a:spLocks noGrp="1" noRot="1" noChangeAspect="1"/>
+          </p:cNvSpPr>
+          <p:nvPr>
+            <p:ph type="sldImg"/>
+          </p:nvPr>
+        </p:nvSpPr>
+        <p:spPr>
+          <a:xfrm>
+            <a:off x="381000" y="685800"/>
+            <a:ext cx="6096000" cy="3429000"/>
+          </a:xfrm>
+        </p:spPr>
+      </p:sp>
+      <p:sp>
+        <p:nvSpPr>
+          <p:cNvPr id="3" name="Notes Placeholder 2"/>
+          <p:cNvSpPr>
+            <a:spLocks noGrp="1"/>
+          </p:cNvSpPr>
+          <p:nvPr>
+            <p:ph type="body" idx="1"/>
+          </p:nvPr>
+        </p:nvSpPr>
+        <p:spPr/>
+        <p:txBody>
+          <a:bodyPr/>
+          <a:lstStyle/>
+          <a:p>
+            <a:r>
+              <a:rPr lang="en-US" altLang="zh-CN" dirty="0"/>
+              <a:t>This definition is not limited to control theory. The model could be mathematic model, a physics model, or our software is also a model of the real world. Then, there are always differences between models and reality.</a:t>
+            </a:r>
+            <a:endParaRPr lang="zh-CN" altLang="en-US" dirty="0"/>
+          </a:p>
+        </p:txBody>
+      </p:sp>
+    </p:spTree>
+    <p:extLst>
+      <p:ext uri="{BB962C8B-B14F-4D97-AF65-F5344CB8AC3E}">
+        <p14:creationId xmlns:p14="http://schemas.microsoft.com/office/powerpoint/2010/main" val="319380730"/>
+      </p:ext>
+    </p:extLst>
+  </p:cSld>
+  <p:clrMapOvr>
+    <a:masterClrMapping/>
+  </p:clrMapOvr>
+</p:notes>
+</file>
+
+<file path=ppt/notesSlides/notesSlide3.xml><?xml version="1.0" encoding="utf-8"?>
 <p:notes xmlns:a="http://schemas.openxmlformats.org/drawingml/2006/main" xmlns:r="http://schemas.openxmlformats.org/officeDocument/2006/relationships" xmlns:p="http://schemas.openxmlformats.org/presentationml/2006/main" showMasterSp="0" showMasterPhAnim="0">
   <p:cSld>
     <p:spTree>
@@ -1503,100 +1796,64 @@
           </a:bodyPr>
           <a:lstStyle/>
           <a:p>
-            <a:pPr marL="0" lvl="0" indent="0" algn="l" rtl="0">
-              <a:spcBef>
-                <a:spcPts val="0"/>
-              </a:spcBef>
-              <a:spcAft>
-                <a:spcPts val="0"/>
-              </a:spcAft>
-              <a:buNone/>
+            <a:pPr marL="171450" lvl="0" indent="-171450" algn="l" rtl="0">
+              <a:spcBef>
+                <a:spcPts val="0"/>
+              </a:spcBef>
+              <a:spcAft>
+                <a:spcPts val="0"/>
+              </a:spcAft>
             </a:pPr>
             <a:r>
               <a:rPr lang="en-US" dirty="0"/>
-              <a:t>In different domains, the definition of robustness is different and thus the measure is different</a:t>
+              <a:t>Fuzz testing focuses more on the erroneous input data, and chaos engineering focuses more on the stressful environment</a:t>
             </a:r>
-            <a:endParaRPr dirty="0"/>
+          </a:p>
+          <a:p>
+            <a:pPr marL="171450" lvl="0" indent="-171450" algn="l" rtl="0">
+              <a:spcBef>
+                <a:spcPts val="0"/>
+              </a:spcBef>
+              <a:spcAft>
+                <a:spcPts val="0"/>
+              </a:spcAft>
+            </a:pPr>
+            <a:r>
+              <a:rPr lang="en-US" dirty="0"/>
+              <a:t>They are great methods, but the problem for testing is that you cannot tell what a system can do and what a system cannot do exhaustively.</a:t>
+            </a:r>
+          </a:p>
+          <a:p>
+            <a:pPr marL="171450" lvl="0" indent="-171450" algn="l" rtl="0">
+              <a:spcBef>
+                <a:spcPts val="0"/>
+              </a:spcBef>
+              <a:spcAft>
+                <a:spcPts val="0"/>
+              </a:spcAft>
+            </a:pPr>
+            <a:r>
+              <a:rPr lang="en-US" dirty="0"/>
+              <a:t>For the latter one, that what a system cannot do, it’s often impossible to enumerate all the errors.</a:t>
+            </a:r>
+          </a:p>
+          <a:p>
+            <a:pPr marL="171450" lvl="0" indent="-171450" algn="l" rtl="0">
+              <a:spcBef>
+                <a:spcPts val="0"/>
+              </a:spcBef>
+              <a:spcAft>
+                <a:spcPts val="0"/>
+              </a:spcAft>
+            </a:pPr>
+            <a:r>
+              <a:rPr lang="en-US" dirty="0"/>
+              <a:t>But for the first one, we may be able to answer what a system can do, that’s our focus.</a:t>
+            </a:r>
           </a:p>
         </p:txBody>
       </p:sp>
     </p:spTree>
-  </p:cSld>
-  <p:clrMapOvr>
-    <a:masterClrMapping/>
-  </p:clrMapOvr>
-</p:notes>
-</file>
-
-<file path=ppt/notesSlides/notesSlide3.xml><?xml version="1.0" encoding="utf-8"?>
-<p:notes xmlns:a="http://schemas.openxmlformats.org/drawingml/2006/main" xmlns:r="http://schemas.openxmlformats.org/officeDocument/2006/relationships" xmlns:p="http://schemas.openxmlformats.org/presentationml/2006/main">
-  <p:cSld>
-    <p:spTree>
-      <p:nvGrpSpPr>
-        <p:cNvPr id="1" name=""/>
-        <p:cNvGrpSpPr/>
-        <p:nvPr/>
-      </p:nvGrpSpPr>
-      <p:grpSpPr>
-        <a:xfrm>
-          <a:off x="0" y="0"/>
-          <a:ext cx="0" cy="0"/>
-          <a:chOff x="0" y="0"/>
-          <a:chExt cx="0" cy="0"/>
-        </a:xfrm>
-      </p:grpSpPr>
-      <p:sp>
-        <p:nvSpPr>
-          <p:cNvPr id="2" name="Slide Image Placeholder 1"/>
-          <p:cNvSpPr>
-            <a:spLocks noGrp="1" noRot="1" noChangeAspect="1"/>
-          </p:cNvSpPr>
-          <p:nvPr>
-            <p:ph type="sldImg"/>
-          </p:nvPr>
-        </p:nvSpPr>
-        <p:spPr>
-          <a:xfrm>
-            <a:off x="381000" y="685800"/>
-            <a:ext cx="6096000" cy="3429000"/>
-          </a:xfrm>
-        </p:spPr>
-      </p:sp>
-      <p:sp>
-        <p:nvSpPr>
-          <p:cNvPr id="3" name="Notes Placeholder 2"/>
-          <p:cNvSpPr>
-            <a:spLocks noGrp="1"/>
-          </p:cNvSpPr>
-          <p:nvPr>
-            <p:ph type="body" idx="1"/>
-          </p:nvPr>
-        </p:nvSpPr>
-        <p:spPr/>
-        <p:txBody>
-          <a:bodyPr/>
-          <a:lstStyle/>
-          <a:p>
-            <a:r>
-              <a:rPr lang="en-US" altLang="zh-CN" dirty="0"/>
-              <a:t>For baseline environment, it could be any environment that we take as reference when designing a system</a:t>
-            </a:r>
-          </a:p>
-          <a:p>
-            <a:r>
-              <a:rPr lang="en-US" altLang="zh-CN" dirty="0"/>
-              <a:t>Of course, we are often more interested in the delta which does not satisfy P.</a:t>
-            </a:r>
-            <a:endParaRPr lang="zh-CN" altLang="en-US" dirty="0"/>
-          </a:p>
-        </p:txBody>
-      </p:sp>
-    </p:spTree>
-    <p:extLst>
-      <p:ext uri="{BB962C8B-B14F-4D97-AF65-F5344CB8AC3E}">
-        <p14:creationId xmlns:p14="http://schemas.microsoft.com/office/powerpoint/2010/main" val="1174819320"/>
-      </p:ext>
-    </p:extLst>
   </p:cSld>
   <p:clrMapOvr>
     <a:masterClrMapping/>
@@ -1655,13 +1912,25 @@
           <a:p>
             <a:r>
               <a:rPr lang="en-US" altLang="zh-CN" dirty="0"/>
-              <a:t>For baseline environment, it could be any environment that we take as reference when designing a system</a:t>
+              <a:t>For baseline environment, it could be any environment that we take as reference when designing a system (ground truth). E.g., a perfect channel without message lost.</a:t>
             </a:r>
           </a:p>
           <a:p>
             <a:r>
               <a:rPr lang="en-US" altLang="zh-CN" dirty="0"/>
-              <a:t>Of course, we are often more interested in the delta which does not satisfy P.</a:t>
+              <a:t>For now, let’s ignore the formalism we used to model the behavior and property.</a:t>
+            </a:r>
+          </a:p>
+          <a:p>
+            <a:r>
+              <a:rPr lang="en-US" altLang="zh-CN" dirty="0"/>
+              <a:t>Of course, in testing and verification, we are more interested in the deltas which do not satisfy P.</a:t>
+            </a:r>
+          </a:p>
+          <a:p>
+            <a:r>
+              <a:rPr lang="en-US" altLang="zh-CN" dirty="0"/>
+              <a:t>Also, let’s ignore what does – mean here. I’ll explain it later.</a:t>
             </a:r>
             <a:endParaRPr lang="zh-CN" altLang="en-US" dirty="0"/>
           </a:p>
@@ -1670,7 +1939,7 @@
     </p:spTree>
     <p:extLst>
       <p:ext uri="{BB962C8B-B14F-4D97-AF65-F5344CB8AC3E}">
-        <p14:creationId xmlns:p14="http://schemas.microsoft.com/office/powerpoint/2010/main" val="2251261124"/>
+        <p14:creationId xmlns:p14="http://schemas.microsoft.com/office/powerpoint/2010/main" val="1174819320"/>
       </p:ext>
     </p:extLst>
   </p:cSld>
@@ -1729,10 +1998,9 @@
           <a:bodyPr/>
           <a:lstStyle/>
           <a:p>
-            <a:r>
-              <a:rPr lang="en-US" altLang="zh-CN" dirty="0"/>
-              <a:t>An assumption describes the expected behavior of the environment made by a system to satisfy the property P.</a:t>
-            </a:r>
+            <a:pPr marL="158750" indent="0">
+              <a:buNone/>
+            </a:pPr>
             <a:endParaRPr lang="zh-CN" altLang="en-US" dirty="0"/>
           </a:p>
         </p:txBody>
@@ -1740,7 +2008,7 @@
     </p:spTree>
     <p:extLst>
       <p:ext uri="{BB962C8B-B14F-4D97-AF65-F5344CB8AC3E}">
-        <p14:creationId xmlns:p14="http://schemas.microsoft.com/office/powerpoint/2010/main" val="3919836522"/>
+        <p14:creationId xmlns:p14="http://schemas.microsoft.com/office/powerpoint/2010/main" val="2251261124"/>
       </p:ext>
     </p:extLst>
   </p:cSld>
@@ -1801,7 +2069,7 @@
           <a:p>
             <a:r>
               <a:rPr lang="en-US" altLang="zh-CN" dirty="0"/>
-              <a:t>By model checking, we know that this system composing with the baseline environment satisfies the property P.</a:t>
+              <a:t>In other words, the weakest assumption defines the maximum behavior of the environment the system expects in order to satisfy P.</a:t>
             </a:r>
             <a:endParaRPr lang="zh-CN" altLang="en-US" dirty="0"/>
           </a:p>
@@ -1810,7 +2078,7 @@
     </p:spTree>
     <p:extLst>
       <p:ext uri="{BB962C8B-B14F-4D97-AF65-F5344CB8AC3E}">
-        <p14:creationId xmlns:p14="http://schemas.microsoft.com/office/powerpoint/2010/main" val="2651326126"/>
+        <p14:creationId xmlns:p14="http://schemas.microsoft.com/office/powerpoint/2010/main" val="3919836522"/>
       </p:ext>
     </p:extLst>
   </p:cSld>
@@ -1869,48 +2137,18 @@
           <a:bodyPr/>
           <a:lstStyle/>
           <a:p>
-            <a:pPr marL="457200" indent="-298450"/>
-            <a:r>
-              <a:rPr lang="en-US" dirty="0"/>
-              <a:t>To check safety property, there should not have a trace that will lead the system enters the error state.</a:t>
-            </a:r>
-          </a:p>
-          <a:p>
-            <a:pPr marL="457200" marR="0" lvl="0" indent="-298450" algn="l" defTabSz="914400" rtl="0" eaLnBrk="1" fontAlgn="auto" latinLnBrk="0" hangingPunct="1">
-              <a:lnSpc>
-                <a:spcPct val="100000"/>
-              </a:lnSpc>
-              <a:spcBef>
-                <a:spcPts val="0"/>
-              </a:spcBef>
-              <a:spcAft>
-                <a:spcPts val="0"/>
-              </a:spcAft>
-              <a:buClr>
-                <a:srgbClr val="000000"/>
-              </a:buClr>
-              <a:buSzPts val="1100"/>
-              <a:tabLst/>
-              <a:defRPr/>
-            </a:pPr>
             <a:r>
               <a:rPr lang="en-US" altLang="zh-CN" dirty="0"/>
               <a:t>By model checking, we know that this system composing with the baseline environment satisfies the property P.</a:t>
             </a:r>
             <a:endParaRPr lang="zh-CN" altLang="en-US" dirty="0"/>
           </a:p>
-          <a:p>
-            <a:pPr marL="158750" indent="0">
-              <a:buNone/>
-            </a:pPr>
-            <a:endParaRPr lang="en-US" dirty="0"/>
-          </a:p>
         </p:txBody>
       </p:sp>
     </p:spTree>
     <p:extLst>
       <p:ext uri="{BB962C8B-B14F-4D97-AF65-F5344CB8AC3E}">
-        <p14:creationId xmlns:p14="http://schemas.microsoft.com/office/powerpoint/2010/main" val="564671888"/>
+        <p14:creationId xmlns:p14="http://schemas.microsoft.com/office/powerpoint/2010/main" val="2651326126"/>
       </p:ext>
     </p:extLst>
   </p:cSld>
@@ -1969,18 +2207,48 @@
           <a:bodyPr/>
           <a:lstStyle/>
           <a:p>
+            <a:pPr marL="457200" indent="-298450"/>
+            <a:r>
+              <a:rPr lang="en-US" dirty="0"/>
+              <a:t>To check safety property, there should not have a trace that will lead the system enters the error state.</a:t>
+            </a:r>
+          </a:p>
+          <a:p>
+            <a:pPr marL="457200" marR="0" lvl="0" indent="-298450" algn="l" defTabSz="914400" rtl="0" eaLnBrk="1" fontAlgn="auto" latinLnBrk="0" hangingPunct="1">
+              <a:lnSpc>
+                <a:spcPct val="100000"/>
+              </a:lnSpc>
+              <a:spcBef>
+                <a:spcPts val="0"/>
+              </a:spcBef>
+              <a:spcAft>
+                <a:spcPts val="0"/>
+              </a:spcAft>
+              <a:buClr>
+                <a:srgbClr val="000000"/>
+              </a:buClr>
+              <a:buSzPts val="1100"/>
+              <a:tabLst/>
+              <a:defRPr/>
+            </a:pPr>
             <a:r>
               <a:rPr lang="en-US" altLang="zh-CN" dirty="0"/>
-              <a:t>Clearly, this system seems to be more robust compared to the original version</a:t>
+              <a:t>By model checking, we know that this system composing with the baseline environment satisfies the property P.</a:t>
             </a:r>
             <a:endParaRPr lang="zh-CN" altLang="en-US" dirty="0"/>
+          </a:p>
+          <a:p>
+            <a:pPr marL="158750" indent="0">
+              <a:buNone/>
+            </a:pPr>
+            <a:endParaRPr lang="en-US" dirty="0"/>
           </a:p>
         </p:txBody>
       </p:sp>
     </p:spTree>
     <p:extLst>
       <p:ext uri="{BB962C8B-B14F-4D97-AF65-F5344CB8AC3E}">
-        <p14:creationId xmlns:p14="http://schemas.microsoft.com/office/powerpoint/2010/main" val="1712238092"/>
+        <p14:creationId xmlns:p14="http://schemas.microsoft.com/office/powerpoint/2010/main" val="564671888"/>
       </p:ext>
     </p:extLst>
   </p:cSld>
@@ -2050,7 +2318,7 @@
     </p:spTree>
     <p:extLst>
       <p:ext uri="{BB962C8B-B14F-4D97-AF65-F5344CB8AC3E}">
-        <p14:creationId xmlns:p14="http://schemas.microsoft.com/office/powerpoint/2010/main" val="2634979449"/>
+        <p14:creationId xmlns:p14="http://schemas.microsoft.com/office/powerpoint/2010/main" val="1712238092"/>
       </p:ext>
     </p:extLst>
   </p:cSld>
@@ -8125,8 +8393,8 @@
           </a:p>
         </p:txBody>
       </p:sp>
-      <mc:AlternateContent xmlns:mc="http://schemas.openxmlformats.org/markup-compatibility/2006">
-        <mc:Choice xmlns:a14="http://schemas.microsoft.com/office/drawing/2010/main" Requires="a14">
+      <mc:AlternateContent xmlns:mc="http://schemas.openxmlformats.org/markup-compatibility/2006" xmlns:a14="http://schemas.microsoft.com/office/drawing/2010/main">
+        <mc:Choice Requires="a14">
           <p:sp>
             <p:nvSpPr>
               <p:cNvPr id="3" name="Text Placeholder 2">
@@ -8516,7 +8784,7 @@
             </p:txBody>
           </p:sp>
         </mc:Choice>
-        <mc:Fallback>
+        <mc:Fallback xmlns="">
           <p:sp>
             <p:nvSpPr>
               <p:cNvPr id="3" name="Text Placeholder 2">
@@ -8755,8 +9023,8 @@
           </a:p>
         </p:txBody>
       </p:sp>
-      <mc:AlternateContent xmlns:mc="http://schemas.openxmlformats.org/markup-compatibility/2006">
-        <mc:Choice xmlns:a14="http://schemas.microsoft.com/office/drawing/2010/main" Requires="a14">
+      <mc:AlternateContent xmlns:mc="http://schemas.openxmlformats.org/markup-compatibility/2006" xmlns:a14="http://schemas.microsoft.com/office/drawing/2010/main">
+        <mc:Choice Requires="a14">
           <p:sp>
             <p:nvSpPr>
               <p:cNvPr id="3" name="Text Placeholder 2">
@@ -9364,7 +9632,7 @@
             </p:txBody>
           </p:sp>
         </mc:Choice>
-        <mc:Fallback>
+        <mc:Fallback xmlns="">
           <p:sp>
             <p:nvSpPr>
               <p:cNvPr id="3" name="Text Placeholder 2">
@@ -9569,8 +9837,8 @@
           </a:p>
         </p:txBody>
       </p:sp>
-      <mc:AlternateContent xmlns:mc="http://schemas.openxmlformats.org/markup-compatibility/2006">
-        <mc:Choice xmlns:a14="http://schemas.microsoft.com/office/drawing/2010/main" Requires="a14">
+      <mc:AlternateContent xmlns:mc="http://schemas.openxmlformats.org/markup-compatibility/2006" xmlns:a14="http://schemas.microsoft.com/office/drawing/2010/main">
+        <mc:Choice Requires="a14">
           <p:sp>
             <p:nvSpPr>
               <p:cNvPr id="3" name="Text Placeholder 2">
@@ -9810,7 +10078,7 @@
             </p:txBody>
           </p:sp>
         </mc:Choice>
-        <mc:Fallback>
+        <mc:Fallback xmlns="">
           <p:sp>
             <p:nvSpPr>
               <p:cNvPr id="3" name="Text Placeholder 2">
@@ -9981,8 +10249,8 @@
           </a:p>
         </p:txBody>
       </p:sp>
-      <mc:AlternateContent xmlns:mc="http://schemas.openxmlformats.org/markup-compatibility/2006">
-        <mc:Choice xmlns:a14="http://schemas.microsoft.com/office/drawing/2010/main" Requires="a14">
+      <mc:AlternateContent xmlns:mc="http://schemas.openxmlformats.org/markup-compatibility/2006" xmlns:a14="http://schemas.microsoft.com/office/drawing/2010/main">
+        <mc:Choice Requires="a14">
           <p:sp>
             <p:nvSpPr>
               <p:cNvPr id="3" name="Text Placeholder 2">
@@ -10322,7 +10590,7 @@
             </p:txBody>
           </p:sp>
         </mc:Choice>
-        <mc:Fallback>
+        <mc:Fallback xmlns="">
           <p:sp>
             <p:nvSpPr>
               <p:cNvPr id="3" name="Text Placeholder 2">
@@ -11366,7 +11634,7 @@
           <a:p>
             <a:r>
               <a:rPr lang="en-US" altLang="zh-CN" dirty="0"/>
-              <a:t>A robust version</a:t>
+              <a:t>A Robust Version</a:t>
             </a:r>
             <a:endParaRPr lang="zh-CN" altLang="en-US" dirty="0"/>
           </a:p>
@@ -11683,7 +11951,7 @@
           <a:p>
             <a:r>
               <a:rPr lang="en-US" altLang="zh-CN" dirty="0"/>
-              <a:t>A robust version</a:t>
+              <a:t>A Robust Version</a:t>
             </a:r>
             <a:endParaRPr lang="zh-CN" altLang="en-US" dirty="0"/>
           </a:p>
@@ -12308,7 +12576,7 @@
           <a:p>
             <a:r>
               <a:rPr lang="en-US" dirty="0"/>
-              <a:t>[Dimitra02] already presents an approach to generate the weakest assumption.</a:t>
+              <a:t>[Dimitra02] presents an approach to generate the weakest assumption.</a:t>
             </a:r>
           </a:p>
         </p:txBody>
@@ -12677,8 +12945,8 @@
           </a:p>
         </p:txBody>
       </p:sp>
-      <mc:AlternateContent xmlns:mc="http://schemas.openxmlformats.org/markup-compatibility/2006">
-        <mc:Choice xmlns:a14="http://schemas.microsoft.com/office/drawing/2010/main" Requires="a14">
+      <mc:AlternateContent xmlns:mc="http://schemas.openxmlformats.org/markup-compatibility/2006" xmlns:a14="http://schemas.microsoft.com/office/drawing/2010/main">
+        <mc:Choice Requires="a14">
           <p:graphicFrame>
             <p:nvGraphicFramePr>
               <p:cNvPr id="12" name="Table 12">
@@ -12765,6 +13033,7 @@
                         <a:bodyPr/>
                         <a:lstStyle/>
                         <a:p>
+                          <a:pPr/>
                           <a14:m>
                             <m:oMathPara xmlns:m="http://schemas.openxmlformats.org/officeDocument/2006/math">
                               <m:oMathParaPr>
@@ -13059,7 +13328,7 @@
             </a:graphic>
           </p:graphicFrame>
         </mc:Choice>
-        <mc:Fallback>
+        <mc:Fallback xmlns="">
           <p:graphicFrame>
             <p:nvGraphicFramePr>
               <p:cNvPr id="12" name="Table 12">
@@ -13674,8 +13943,8 @@
           </a:p>
         </p:txBody>
       </p:sp>
-      <mc:AlternateContent xmlns:mc="http://schemas.openxmlformats.org/markup-compatibility/2006">
-        <mc:Choice xmlns:a14="http://schemas.microsoft.com/office/drawing/2010/main" Requires="a14">
+      <mc:AlternateContent xmlns:mc="http://schemas.openxmlformats.org/markup-compatibility/2006" xmlns:a14="http://schemas.microsoft.com/office/drawing/2010/main">
+        <mc:Choice Requires="a14">
           <p:graphicFrame>
             <p:nvGraphicFramePr>
               <p:cNvPr id="12" name="Table 12">
@@ -13756,6 +14025,7 @@
                         <a:bodyPr/>
                         <a:lstStyle/>
                         <a:p>
+                          <a:pPr/>
                           <a14:m>
                             <m:oMathPara xmlns:m="http://schemas.openxmlformats.org/officeDocument/2006/math">
                               <m:oMathParaPr>
@@ -14050,7 +14320,7 @@
             </a:graphic>
           </p:graphicFrame>
         </mc:Choice>
-        <mc:Fallback>
+        <mc:Fallback xmlns="">
           <p:graphicFrame>
             <p:nvGraphicFramePr>
               <p:cNvPr id="12" name="Table 12">
@@ -14562,8 +14832,8 @@
           </a:prstGeom>
         </p:spPr>
       </p:pic>
-      <mc:AlternateContent xmlns:mc="http://schemas.openxmlformats.org/markup-compatibility/2006">
-        <mc:Choice xmlns:a14="http://schemas.microsoft.com/office/drawing/2010/main" Requires="a14">
+      <mc:AlternateContent xmlns:mc="http://schemas.openxmlformats.org/markup-compatibility/2006" xmlns:a14="http://schemas.microsoft.com/office/drawing/2010/main">
+        <mc:Choice Requires="a14">
           <p:sp>
             <p:nvSpPr>
               <p:cNvPr id="3" name="Speech Bubble: Oval 2">
@@ -14684,7 +14954,7 @@
             </p:txBody>
           </p:sp>
         </mc:Choice>
-        <mc:Fallback>
+        <mc:Fallback xmlns="">
           <p:sp>
             <p:nvSpPr>
               <p:cNvPr id="3" name="Speech Bubble: Oval 2">
@@ -14829,8 +15099,8 @@
           </a:p>
         </p:txBody>
       </p:sp>
-      <mc:AlternateContent xmlns:mc="http://schemas.openxmlformats.org/markup-compatibility/2006">
-        <mc:Choice xmlns:a14="http://schemas.microsoft.com/office/drawing/2010/main" Requires="a14">
+      <mc:AlternateContent xmlns:mc="http://schemas.openxmlformats.org/markup-compatibility/2006" xmlns:a14="http://schemas.microsoft.com/office/drawing/2010/main">
+        <mc:Choice Requires="a14">
           <p:graphicFrame>
             <p:nvGraphicFramePr>
               <p:cNvPr id="12" name="Table 12">
@@ -14911,6 +15181,7 @@
                         <a:bodyPr/>
                         <a:lstStyle/>
                         <a:p>
+                          <a:pPr/>
                           <a14:m>
                             <m:oMathPara xmlns:m="http://schemas.openxmlformats.org/officeDocument/2006/math">
                               <m:oMathParaPr>
@@ -15205,7 +15476,7 @@
             </a:graphic>
           </p:graphicFrame>
         </mc:Choice>
-        <mc:Fallback>
+        <mc:Fallback xmlns="">
           <p:graphicFrame>
             <p:nvGraphicFramePr>
               <p:cNvPr id="12" name="Table 12">
@@ -15717,8 +15988,8 @@
           </a:prstGeom>
         </p:spPr>
       </p:pic>
-      <mc:AlternateContent xmlns:mc="http://schemas.openxmlformats.org/markup-compatibility/2006">
-        <mc:Choice xmlns:a14="http://schemas.microsoft.com/office/drawing/2010/main" Requires="a14">
+      <mc:AlternateContent xmlns:mc="http://schemas.openxmlformats.org/markup-compatibility/2006" xmlns:a14="http://schemas.microsoft.com/office/drawing/2010/main">
+        <mc:Choice Requires="a14">
           <p:sp>
             <p:nvSpPr>
               <p:cNvPr id="3" name="Speech Bubble: Oval 2">
@@ -15786,7 +16057,7 @@
             </p:txBody>
           </p:sp>
         </mc:Choice>
-        <mc:Fallback>
+        <mc:Fallback xmlns="">
           <p:sp>
             <p:nvSpPr>
               <p:cNvPr id="3" name="Speech Bubble: Oval 2">
@@ -16003,8 +16274,8 @@
           </p:txBody>
         </p:sp>
       </p:grpSp>
-      <mc:AlternateContent xmlns:mc="http://schemas.openxmlformats.org/markup-compatibility/2006">
-        <mc:Choice xmlns:a14="http://schemas.microsoft.com/office/drawing/2010/main" Requires="a14">
+      <mc:AlternateContent xmlns:mc="http://schemas.openxmlformats.org/markup-compatibility/2006" xmlns:a14="http://schemas.microsoft.com/office/drawing/2010/main">
+        <mc:Choice Requires="a14">
           <p:sp>
             <p:nvSpPr>
               <p:cNvPr id="2" name="Title 1">
@@ -16046,7 +16317,7 @@
             </p:txBody>
           </p:sp>
         </mc:Choice>
-        <mc:Fallback>
+        <mc:Fallback xmlns="">
           <p:sp>
             <p:nvSpPr>
               <p:cNvPr id="2" name="Title 1">
@@ -16159,31 +16430,31 @@
                       </a:rPr>
                       <m:t>𝐸𝑁</m:t>
                     </m:r>
-                    <m:sSub>
-                      <m:sSubPr>
+                    <m:sSup>
+                      <m:sSupPr>
                         <m:ctrlPr>
-                          <a:rPr lang="en-US" altLang="zh-CN" sz="1600" i="1" dirty="0" smtClean="0">
+                          <a:rPr lang="en-US" altLang="zh-CN" sz="1600" b="0" i="1" dirty="0" smtClean="0">
                             <a:latin typeface="Cambria Math" panose="02040503050406030204" pitchFamily="18" charset="0"/>
                           </a:rPr>
                         </m:ctrlPr>
-                      </m:sSubPr>
+                      </m:sSupPr>
                       <m:e>
                         <m:r>
-                          <a:rPr lang="en-US" altLang="zh-CN" sz="1600" i="1" dirty="0" smtClean="0">
+                          <a:rPr lang="en-US" altLang="zh-CN" sz="1600" b="0" i="1" dirty="0" smtClean="0">
                             <a:latin typeface="Cambria Math" panose="02040503050406030204" pitchFamily="18" charset="0"/>
                           </a:rPr>
                           <m:t>𝑉</m:t>
                         </m:r>
                       </m:e>
-                      <m:sub>
+                      <m:sup>
                         <m:r>
-                          <a:rPr lang="en-US" altLang="zh-CN" sz="1600" i="1" dirty="0" smtClean="0">
+                          <a:rPr lang="en-US" altLang="zh-CN" sz="1600" b="0" i="1" dirty="0" smtClean="0">
                             <a:latin typeface="Cambria Math" panose="02040503050406030204" pitchFamily="18" charset="0"/>
                           </a:rPr>
-                          <m:t>𝑃</m:t>
+                          <m:t>′</m:t>
                         </m:r>
-                      </m:sub>
-                    </m:sSub>
+                      </m:sup>
+                    </m:sSup>
                   </m:oMath>
                 </a14:m>
                 <a:r>
@@ -16273,36 +16544,36 @@
                 <a14:m>
                   <m:oMath xmlns:m="http://schemas.openxmlformats.org/officeDocument/2006/math">
                     <m:r>
-                      <a:rPr lang="en-US" altLang="zh-CN" sz="1600" i="1" dirty="0" smtClean="0">
+                      <a:rPr lang="en-US" altLang="zh-CN" sz="1600" i="1" dirty="0">
                         <a:latin typeface="Cambria Math" panose="02040503050406030204" pitchFamily="18" charset="0"/>
                       </a:rPr>
                       <m:t>𝐸𝑁</m:t>
                     </m:r>
-                    <m:sSub>
-                      <m:sSubPr>
+                    <m:sSup>
+                      <m:sSupPr>
                         <m:ctrlPr>
-                          <a:rPr lang="en-US" altLang="zh-CN" sz="1600" i="1" dirty="0" smtClean="0">
+                          <a:rPr lang="en-US" altLang="zh-CN" sz="1600" i="1" dirty="0">
                             <a:latin typeface="Cambria Math" panose="02040503050406030204" pitchFamily="18" charset="0"/>
                           </a:rPr>
                         </m:ctrlPr>
-                      </m:sSubPr>
+                      </m:sSupPr>
                       <m:e>
                         <m:r>
-                          <a:rPr lang="en-US" altLang="zh-CN" sz="1600" i="1" dirty="0" smtClean="0">
+                          <a:rPr lang="en-US" altLang="zh-CN" sz="1600" i="1" dirty="0">
                             <a:latin typeface="Cambria Math" panose="02040503050406030204" pitchFamily="18" charset="0"/>
                           </a:rPr>
                           <m:t>𝑉</m:t>
                         </m:r>
                       </m:e>
-                      <m:sub>
+                      <m:sup>
                         <m:r>
-                          <a:rPr lang="en-US" altLang="zh-CN" sz="1600" i="1" dirty="0" smtClean="0">
+                          <a:rPr lang="en-US" altLang="zh-CN" sz="1600" i="1" dirty="0">
                             <a:latin typeface="Cambria Math" panose="02040503050406030204" pitchFamily="18" charset="0"/>
                           </a:rPr>
-                          <m:t>𝑃</m:t>
+                          <m:t>′</m:t>
                         </m:r>
-                      </m:sub>
-                    </m:sSub>
+                      </m:sup>
+                    </m:sSup>
                   </m:oMath>
                 </a14:m>
                 <a:r>
@@ -16645,10 +16916,10 @@
       </p:pic>
       <p:pic>
         <p:nvPicPr>
-          <p:cNvPr id="18" name="Picture 17">
+          <p:cNvPr id="7" name="Picture 6">
             <a:extLst>
               <a:ext uri="{FF2B5EF4-FFF2-40B4-BE49-F238E27FC236}">
-                <a16:creationId xmlns:a16="http://schemas.microsoft.com/office/drawing/2014/main" id="{C1F6365A-9035-47E6-8537-49E2A978C3E4}"/>
+                <a16:creationId xmlns:a16="http://schemas.microsoft.com/office/drawing/2014/main" id="{BB1E5296-16E6-4D1E-BD89-CF94DB3CC7C6}"/>
               </a:ext>
             </a:extLst>
           </p:cNvPr>
@@ -16669,8 +16940,8 @@
         </p:blipFill>
         <p:spPr>
           <a:xfrm>
-            <a:off x="5475730" y="2022568"/>
-            <a:ext cx="1632000" cy="254476"/>
+            <a:off x="5549101" y="2012104"/>
+            <a:ext cx="1590857" cy="254476"/>
           </a:xfrm>
           <a:prstGeom prst="rect">
             <a:avLst/>
@@ -16759,8 +17030,8 @@
           <a:chExt cx="0" cy="0"/>
         </a:xfrm>
       </p:grpSpPr>
-      <mc:AlternateContent xmlns:mc="http://schemas.openxmlformats.org/markup-compatibility/2006">
-        <mc:Choice xmlns:a14="http://schemas.microsoft.com/office/drawing/2010/main" Requires="a14">
+      <mc:AlternateContent xmlns:mc="http://schemas.openxmlformats.org/markup-compatibility/2006" xmlns:a14="http://schemas.microsoft.com/office/drawing/2010/main">
+        <mc:Choice Requires="a14">
           <p:sp>
             <p:nvSpPr>
               <p:cNvPr id="2" name="Title 1">
@@ -16802,7 +17073,7 @@
             </p:txBody>
           </p:sp>
         </mc:Choice>
-        <mc:Fallback>
+        <mc:Fallback xmlns="">
           <p:sp>
             <p:nvSpPr>
               <p:cNvPr id="2" name="Title 1">
@@ -17065,6 +17336,109 @@
           </a:p>
         </p:txBody>
       </p:sp>
+      <p:sp>
+        <p:nvSpPr>
+          <p:cNvPr id="9" name="Oval 8">
+            <a:extLst>
+              <a:ext uri="{FF2B5EF4-FFF2-40B4-BE49-F238E27FC236}">
+                <a16:creationId xmlns:a16="http://schemas.microsoft.com/office/drawing/2014/main" id="{F61AFAAC-93A6-400A-9BB3-C79114D0062B}"/>
+              </a:ext>
+            </a:extLst>
+          </p:cNvPr>
+          <p:cNvSpPr/>
+          <p:nvPr/>
+        </p:nvSpPr>
+        <p:spPr>
+          <a:xfrm>
+            <a:off x="1593795" y="2135709"/>
+            <a:ext cx="944530" cy="585887"/>
+          </a:xfrm>
+          <a:prstGeom prst="ellipse">
+            <a:avLst/>
+          </a:prstGeom>
+          <a:noFill/>
+          <a:ln>
+            <a:solidFill>
+              <a:srgbClr val="FF0000"/>
+            </a:solidFill>
+          </a:ln>
+        </p:spPr>
+        <p:style>
+          <a:lnRef idx="2">
+            <a:schemeClr val="accent1">
+              <a:shade val="50000"/>
+            </a:schemeClr>
+          </a:lnRef>
+          <a:fillRef idx="1">
+            <a:schemeClr val="accent1"/>
+          </a:fillRef>
+          <a:effectRef idx="0">
+            <a:schemeClr val="accent1"/>
+          </a:effectRef>
+          <a:fontRef idx="minor">
+            <a:schemeClr val="lt1"/>
+          </a:fontRef>
+        </p:style>
+        <p:txBody>
+          <a:bodyPr rtlCol="0" anchor="ctr"/>
+          <a:lstStyle/>
+          <a:p>
+            <a:pPr algn="ctr"/>
+            <a:endParaRPr lang="zh-CN" altLang="en-US"/>
+          </a:p>
+        </p:txBody>
+      </p:sp>
+      <p:sp>
+        <p:nvSpPr>
+          <p:cNvPr id="10" name="Speech Bubble: Oval 9">
+            <a:extLst>
+              <a:ext uri="{FF2B5EF4-FFF2-40B4-BE49-F238E27FC236}">
+                <a16:creationId xmlns:a16="http://schemas.microsoft.com/office/drawing/2014/main" id="{58CCC820-A59C-4138-B64F-528E6CCA6156}"/>
+              </a:ext>
+            </a:extLst>
+          </p:cNvPr>
+          <p:cNvSpPr/>
+          <p:nvPr/>
+        </p:nvSpPr>
+        <p:spPr>
+          <a:xfrm>
+            <a:off x="2159258" y="3053437"/>
+            <a:ext cx="3247200" cy="1572289"/>
+          </a:xfrm>
+          <a:prstGeom prst="wedgeEllipseCallout">
+            <a:avLst>
+              <a:gd name="adj1" fmla="val -47440"/>
+              <a:gd name="adj2" fmla="val -70300"/>
+            </a:avLst>
+          </a:prstGeom>
+        </p:spPr>
+        <p:style>
+          <a:lnRef idx="3">
+            <a:schemeClr val="lt1"/>
+          </a:lnRef>
+          <a:fillRef idx="1">
+            <a:schemeClr val="accent3"/>
+          </a:fillRef>
+          <a:effectRef idx="1">
+            <a:schemeClr val="accent3"/>
+          </a:effectRef>
+          <a:fontRef idx="minor">
+            <a:schemeClr val="lt1"/>
+          </a:fontRef>
+        </p:style>
+        <p:txBody>
+          <a:bodyPr rtlCol="0" anchor="ctr"/>
+          <a:lstStyle/>
+          <a:p>
+            <a:pPr algn="ctr"/>
+            <a:r>
+              <a:rPr lang="en-US" altLang="zh-CN" sz="1800" dirty="0"/>
+              <a:t>Do we have other interpretations?</a:t>
+            </a:r>
+            <a:endParaRPr lang="zh-CN" altLang="en-US" sz="1800" dirty="0"/>
+          </a:p>
+        </p:txBody>
+      </p:sp>
     </p:spTree>
     <p:extLst>
       <p:ext uri="{BB962C8B-B14F-4D97-AF65-F5344CB8AC3E}">
@@ -17262,7 +17636,7 @@
             </a:pPr>
             <a:r>
               <a:rPr lang="en-US" altLang="zh-CN" b="1" dirty="0"/>
-              <a:t>Related Work:</a:t>
+              <a:t>Existing Work:</a:t>
             </a:r>
           </a:p>
           <a:p>
@@ -17274,7 +17648,7 @@
           <a:p>
             <a:r>
               <a:rPr lang="en-US" altLang="zh-CN" dirty="0"/>
-              <a:t>In human behavior study, models are developed to classify erroneous human behavior (e.g., omissions, repetitions, and commissions).</a:t>
+              <a:t>In human behavior study, models are developed to classify erroneous human behaviors (e.g., omissions, repetitions, and commissions).</a:t>
             </a:r>
             <a:endParaRPr lang="zh-CN" altLang="en-US" dirty="0"/>
           </a:p>
@@ -17418,7 +17792,7 @@
             </a:pPr>
             <a:r>
               <a:rPr lang="en-US" altLang="zh-CN" b="1" dirty="0"/>
-              <a:t>Related Work:</a:t>
+              <a:t>Existing Work:</a:t>
             </a:r>
           </a:p>
           <a:p>
@@ -17430,7 +17804,7 @@
           <a:p>
             <a:r>
               <a:rPr lang="en-US" altLang="zh-CN" dirty="0"/>
-              <a:t>In human behavior study, models are developed to classify erroneous human behavior (e.g., omissions, repetitions, and commissions).</a:t>
+              <a:t>In human behavior study, models are developed to classify erroneous human behaviors (e.g., omissions, repetitions, and commissions).</a:t>
             </a:r>
             <a:endParaRPr lang="zh-CN" altLang="en-US" dirty="0"/>
           </a:p>
@@ -17476,10 +17850,10 @@
       </p:sp>
       <p:sp>
         <p:nvSpPr>
-          <p:cNvPr id="9" name="Freeform: Shape 8">
+          <p:cNvPr id="5" name="Freeform: Shape 4">
             <a:extLst>
               <a:ext uri="{FF2B5EF4-FFF2-40B4-BE49-F238E27FC236}">
-                <a16:creationId xmlns:a16="http://schemas.microsoft.com/office/drawing/2014/main" id="{0F5BA243-CA05-418D-855C-6F760755FA07}"/>
+                <a16:creationId xmlns:a16="http://schemas.microsoft.com/office/drawing/2014/main" id="{33980DA5-6C3E-4FD1-9C99-860E78F0B491}"/>
               </a:ext>
             </a:extLst>
           </p:cNvPr>
@@ -18258,7 +18632,7 @@
     </p:spTree>
     <p:extLst>
       <p:ext uri="{BB962C8B-B14F-4D97-AF65-F5344CB8AC3E}">
-        <p14:creationId xmlns:p14="http://schemas.microsoft.com/office/powerpoint/2010/main" val="419253696"/>
+        <p14:creationId xmlns:p14="http://schemas.microsoft.com/office/powerpoint/2010/main" val="3181071499"/>
       </p:ext>
     </p:extLst>
   </p:cSld>
@@ -18421,7 +18795,7 @@
           <p:nvPr/>
         </p:nvPicPr>
         <p:blipFill>
-          <a:blip r:embed="rId2"/>
+          <a:blip r:embed="rId3"/>
           <a:stretch>
             <a:fillRect/>
           </a:stretch>
@@ -18451,7 +18825,7 @@
           <p:nvPr/>
         </p:nvPicPr>
         <p:blipFill>
-          <a:blip r:embed="rId3"/>
+          <a:blip r:embed="rId4"/>
           <a:stretch>
             <a:fillRect/>
           </a:stretch>
@@ -18642,6 +19016,163 @@
 </file>
 
 <file path=ppt/slides/slide30.xml><?xml version="1.0" encoding="utf-8"?>
+<p:sld xmlns:a="http://schemas.openxmlformats.org/drawingml/2006/main" xmlns:r="http://schemas.openxmlformats.org/officeDocument/2006/relationships" xmlns:p="http://schemas.openxmlformats.org/presentationml/2006/main" show="0">
+  <p:cSld>
+    <p:spTree>
+      <p:nvGrpSpPr>
+        <p:cNvPr id="1" name=""/>
+        <p:cNvGrpSpPr/>
+        <p:nvPr/>
+      </p:nvGrpSpPr>
+      <p:grpSpPr>
+        <a:xfrm>
+          <a:off x="0" y="0"/>
+          <a:ext cx="0" cy="0"/>
+          <a:chOff x="0" y="0"/>
+          <a:chExt cx="0" cy="0"/>
+        </a:xfrm>
+      </p:grpSpPr>
+      <p:sp>
+        <p:nvSpPr>
+          <p:cNvPr id="2" name="Title 1">
+            <a:extLst>
+              <a:ext uri="{FF2B5EF4-FFF2-40B4-BE49-F238E27FC236}">
+                <a16:creationId xmlns:a16="http://schemas.microsoft.com/office/drawing/2014/main" id="{603837FE-6308-4FBC-ACAD-573832E3EFD0}"/>
+              </a:ext>
+            </a:extLst>
+          </p:cNvPr>
+          <p:cNvSpPr>
+            <a:spLocks noGrp="1"/>
+          </p:cNvSpPr>
+          <p:nvPr>
+            <p:ph type="title"/>
+          </p:nvPr>
+        </p:nvSpPr>
+        <p:spPr/>
+        <p:txBody>
+          <a:bodyPr/>
+          <a:lstStyle/>
+          <a:p>
+            <a:r>
+              <a:rPr lang="en-US" altLang="zh-CN" dirty="0"/>
+              <a:t>Human Behavior Model: EOFM</a:t>
+            </a:r>
+            <a:endParaRPr lang="zh-CN" altLang="en-US" dirty="0"/>
+          </a:p>
+        </p:txBody>
+      </p:sp>
+      <p:pic>
+        <p:nvPicPr>
+          <p:cNvPr id="5" name="Picture 4">
+            <a:extLst>
+              <a:ext uri="{FF2B5EF4-FFF2-40B4-BE49-F238E27FC236}">
+                <a16:creationId xmlns:a16="http://schemas.microsoft.com/office/drawing/2014/main" id="{5FF1629A-1EF9-4145-B813-F231103A74C2}"/>
+              </a:ext>
+            </a:extLst>
+          </p:cNvPr>
+          <p:cNvPicPr>
+            <a:picLocks noChangeAspect="1"/>
+          </p:cNvPicPr>
+          <p:nvPr/>
+        </p:nvPicPr>
+        <p:blipFill>
+          <a:blip r:embed="rId2"/>
+          <a:stretch>
+            <a:fillRect/>
+          </a:stretch>
+        </p:blipFill>
+        <p:spPr>
+          <a:xfrm>
+            <a:off x="3202868" y="633127"/>
+            <a:ext cx="5941132" cy="3864898"/>
+          </a:xfrm>
+          <a:prstGeom prst="rect">
+            <a:avLst/>
+          </a:prstGeom>
+        </p:spPr>
+      </p:pic>
+      <p:sp>
+        <p:nvSpPr>
+          <p:cNvPr id="4" name="Slide Number Placeholder 3">
+            <a:extLst>
+              <a:ext uri="{FF2B5EF4-FFF2-40B4-BE49-F238E27FC236}">
+                <a16:creationId xmlns:a16="http://schemas.microsoft.com/office/drawing/2014/main" id="{1B55DB1A-AF97-4E3A-A3A5-743AA48D8DCA}"/>
+              </a:ext>
+            </a:extLst>
+          </p:cNvPr>
+          <p:cNvSpPr>
+            <a:spLocks noGrp="1"/>
+          </p:cNvSpPr>
+          <p:nvPr>
+            <p:ph type="sldNum" idx="12"/>
+          </p:nvPr>
+        </p:nvSpPr>
+        <p:spPr/>
+        <p:txBody>
+          <a:bodyPr/>
+          <a:lstStyle/>
+          <a:p>
+            <a:pPr marL="0" lvl="0" indent="0" algn="r" rtl="0">
+              <a:spcBef>
+                <a:spcPts val="0"/>
+              </a:spcBef>
+              <a:spcAft>
+                <a:spcPts val="0"/>
+              </a:spcAft>
+              <a:buNone/>
+            </a:pPr>
+            <a:fld id="{00000000-1234-1234-1234-123412341234}" type="slidenum">
+              <a:rPr lang="en" smtClean="0"/>
+              <a:t>30</a:t>
+            </a:fld>
+            <a:endParaRPr lang="en"/>
+          </a:p>
+        </p:txBody>
+      </p:sp>
+      <p:pic>
+        <p:nvPicPr>
+          <p:cNvPr id="6" name="Picture 5">
+            <a:extLst>
+              <a:ext uri="{FF2B5EF4-FFF2-40B4-BE49-F238E27FC236}">
+                <a16:creationId xmlns:a16="http://schemas.microsoft.com/office/drawing/2014/main" id="{3AB18BF4-111B-4201-AC4F-6D6C6C69A3E3}"/>
+              </a:ext>
+            </a:extLst>
+          </p:cNvPr>
+          <p:cNvPicPr>
+            <a:picLocks noChangeAspect="1"/>
+          </p:cNvPicPr>
+          <p:nvPr/>
+        </p:nvPicPr>
+        <p:blipFill>
+          <a:blip r:embed="rId3"/>
+          <a:stretch>
+            <a:fillRect/>
+          </a:stretch>
+        </p:blipFill>
+        <p:spPr>
+          <a:xfrm>
+            <a:off x="0" y="1017725"/>
+            <a:ext cx="3342288" cy="3480300"/>
+          </a:xfrm>
+          <a:prstGeom prst="rect">
+            <a:avLst/>
+          </a:prstGeom>
+        </p:spPr>
+      </p:pic>
+    </p:spTree>
+    <p:extLst>
+      <p:ext uri="{BB962C8B-B14F-4D97-AF65-F5344CB8AC3E}">
+        <p14:creationId xmlns:p14="http://schemas.microsoft.com/office/powerpoint/2010/main" val="1256902783"/>
+      </p:ext>
+    </p:extLst>
+  </p:cSld>
+  <p:clrMapOvr>
+    <a:masterClrMapping/>
+  </p:clrMapOvr>
+</p:sld>
+</file>
+
+<file path=ppt/slides/slide31.xml><?xml version="1.0" encoding="utf-8"?>
 <p:sld xmlns:a="http://schemas.openxmlformats.org/drawingml/2006/main" xmlns:r="http://schemas.openxmlformats.org/officeDocument/2006/relationships" xmlns:p="http://schemas.openxmlformats.org/presentationml/2006/main">
   <p:cSld>
     <p:spTree>
@@ -18719,7 +19250,7 @@
             </a:pPr>
             <a:fld id="{00000000-1234-1234-1234-123412341234}" type="slidenum">
               <a:rPr lang="en" smtClean="0"/>
-              <a:t>30</a:t>
+              <a:t>31</a:t>
             </a:fld>
             <a:endParaRPr lang="en"/>
           </a:p>
@@ -18858,8 +19389,8 @@
           </a:xfrm>
           <a:prstGeom prst="wedgeEllipseCallout">
             <a:avLst>
-              <a:gd name="adj1" fmla="val -68202"/>
-              <a:gd name="adj2" fmla="val -1146"/>
+              <a:gd name="adj1" fmla="val -119579"/>
+              <a:gd name="adj2" fmla="val -6416"/>
             </a:avLst>
           </a:prstGeom>
         </p:spPr>
@@ -18884,7 +19415,7 @@
             <a:pPr algn="ctr"/>
             <a:r>
               <a:rPr lang="en-US" altLang="zh-CN" sz="1800" dirty="0"/>
-              <a:t>Intuitively, a user should perform an action unless its completion condition is reached.</a:t>
+              <a:t>Intuitively, a user should perform an action if the precondition is satisfied and it is not completed.</a:t>
             </a:r>
             <a:endParaRPr lang="zh-CN" altLang="en-US" sz="1800" dirty="0"/>
           </a:p>
@@ -18903,7 +19434,7 @@
 </p:sld>
 </file>
 
-<file path=ppt/slides/slide31.xml><?xml version="1.0" encoding="utf-8"?>
+<file path=ppt/slides/slide32.xml><?xml version="1.0" encoding="utf-8"?>
 <p:sld xmlns:a="http://schemas.openxmlformats.org/drawingml/2006/main" xmlns:r="http://schemas.openxmlformats.org/officeDocument/2006/relationships" xmlns:p="http://schemas.openxmlformats.org/presentationml/2006/main">
   <p:cSld>
     <p:spTree>
@@ -18981,7 +19512,7 @@
             </a:pPr>
             <a:fld id="{00000000-1234-1234-1234-123412341234}" type="slidenum">
               <a:rPr lang="en" smtClean="0"/>
-              <a:t>31</a:t>
+              <a:t>32</a:t>
             </a:fld>
             <a:endParaRPr lang="en"/>
           </a:p>
@@ -19120,8 +19651,8 @@
           </a:xfrm>
           <a:prstGeom prst="wedgeEllipseCallout">
             <a:avLst>
-              <a:gd name="adj1" fmla="val -116482"/>
-              <a:gd name="adj2" fmla="val 30880"/>
+              <a:gd name="adj1" fmla="val -133972"/>
+              <a:gd name="adj2" fmla="val 28043"/>
             </a:avLst>
           </a:prstGeom>
         </p:spPr>
@@ -19165,7 +19696,7 @@
 </p:sld>
 </file>
 
-<file path=ppt/slides/slide32.xml><?xml version="1.0" encoding="utf-8"?>
+<file path=ppt/slides/slide33.xml><?xml version="1.0" encoding="utf-8"?>
 <p:sld xmlns:a="http://schemas.openxmlformats.org/drawingml/2006/main" xmlns:r="http://schemas.openxmlformats.org/officeDocument/2006/relationships" xmlns:p="http://schemas.openxmlformats.org/presentationml/2006/main">
   <p:cSld>
     <p:spTree>
@@ -19243,7 +19774,7 @@
             </a:pPr>
             <a:fld id="{00000000-1234-1234-1234-123412341234}" type="slidenum">
               <a:rPr lang="en" smtClean="0"/>
-              <a:t>32</a:t>
+              <a:t>33</a:t>
             </a:fld>
             <a:endParaRPr lang="en"/>
           </a:p>
@@ -19427,7 +19958,7 @@
 </p:sld>
 </file>
 
-<file path=ppt/slides/slide33.xml><?xml version="1.0" encoding="utf-8"?>
+<file path=ppt/slides/slide34.xml><?xml version="1.0" encoding="utf-8"?>
 <p:sld xmlns:a="http://schemas.openxmlformats.org/drawingml/2006/main" xmlns:r="http://schemas.openxmlformats.org/officeDocument/2006/relationships" xmlns:p="http://schemas.openxmlformats.org/presentationml/2006/main">
   <p:cSld>
     <p:spTree>
@@ -19505,7 +20036,7 @@
             </a:pPr>
             <a:fld id="{00000000-1234-1234-1234-123412341234}" type="slidenum">
               <a:rPr lang="en" smtClean="0"/>
-              <a:t>33</a:t>
+              <a:t>34</a:t>
             </a:fld>
             <a:endParaRPr lang="en"/>
           </a:p>
@@ -19689,7 +20220,7 @@
 </p:sld>
 </file>
 
-<file path=ppt/slides/slide34.xml><?xml version="1.0" encoding="utf-8"?>
+<file path=ppt/slides/slide35.xml><?xml version="1.0" encoding="utf-8"?>
 <p:sld xmlns:a="http://schemas.openxmlformats.org/drawingml/2006/main" xmlns:r="http://schemas.openxmlformats.org/officeDocument/2006/relationships" xmlns:p="http://schemas.openxmlformats.org/presentationml/2006/main">
   <p:cSld>
     <p:spTree>
@@ -19797,7 +20328,7 @@
             </a:pPr>
             <a:fld id="{00000000-1234-1234-1234-123412341234}" type="slidenum">
               <a:rPr lang="en" smtClean="0"/>
-              <a:t>34</a:t>
+              <a:t>35</a:t>
             </a:fld>
             <a:endParaRPr lang="en"/>
           </a:p>
@@ -19876,7 +20407,7 @@
 </p:sld>
 </file>
 
-<file path=ppt/slides/slide35.xml><?xml version="1.0" encoding="utf-8"?>
+<file path=ppt/slides/slide36.xml><?xml version="1.0" encoding="utf-8"?>
 <p:sld xmlns:a="http://schemas.openxmlformats.org/drawingml/2006/main" xmlns:r="http://schemas.openxmlformats.org/officeDocument/2006/relationships" xmlns:p="http://schemas.openxmlformats.org/presentationml/2006/main">
   <p:cSld>
     <p:spTree>
@@ -19954,7 +20485,7 @@
             </a:pPr>
             <a:fld id="{00000000-1234-1234-1234-123412341234}" type="slidenum">
               <a:rPr lang="en" smtClean="0"/>
-              <a:t>35</a:t>
+              <a:t>36</a:t>
             </a:fld>
             <a:endParaRPr lang="en"/>
           </a:p>
@@ -19973,7 +20504,7 @@
 </p:sld>
 </file>
 
-<file path=ppt/slides/slide36.xml><?xml version="1.0" encoding="utf-8"?>
+<file path=ppt/slides/slide37.xml><?xml version="1.0" encoding="utf-8"?>
 <p:sld xmlns:a="http://schemas.openxmlformats.org/drawingml/2006/main" xmlns:r="http://schemas.openxmlformats.org/officeDocument/2006/relationships" xmlns:p="http://schemas.openxmlformats.org/presentationml/2006/main">
   <p:cSld>
     <p:spTree>
@@ -20115,7 +20646,7 @@
             </a:pPr>
             <a:fld id="{00000000-1234-1234-1234-123412341234}" type="slidenum">
               <a:rPr lang="en" smtClean="0"/>
-              <a:t>36</a:t>
+              <a:t>37</a:t>
             </a:fld>
             <a:endParaRPr lang="en"/>
           </a:p>
@@ -20134,7 +20665,7 @@
 </p:sld>
 </file>
 
-<file path=ppt/slides/slide37.xml><?xml version="1.0" encoding="utf-8"?>
+<file path=ppt/slides/slide38.xml><?xml version="1.0" encoding="utf-8"?>
 <p:sld xmlns:a="http://schemas.openxmlformats.org/drawingml/2006/main" xmlns:r="http://schemas.openxmlformats.org/officeDocument/2006/relationships" xmlns:p="http://schemas.openxmlformats.org/presentationml/2006/main">
   <p:cSld>
     <p:spTree>
@@ -20180,8 +20711,8 @@
           </a:p>
         </p:txBody>
       </p:sp>
-      <mc:AlternateContent xmlns:mc="http://schemas.openxmlformats.org/markup-compatibility/2006">
-        <mc:Choice xmlns:a14="http://schemas.microsoft.com/office/drawing/2010/main" Requires="a14">
+      <mc:AlternateContent xmlns:mc="http://schemas.openxmlformats.org/markup-compatibility/2006" xmlns:a14="http://schemas.microsoft.com/office/drawing/2010/main">
+        <mc:Choice Requires="a14">
           <p:sp>
             <p:nvSpPr>
               <p:cNvPr id="3" name="Text Placeholder 2">
@@ -20265,7 +20796,7 @@
             </p:txBody>
           </p:sp>
         </mc:Choice>
-        <mc:Fallback>
+        <mc:Fallback xmlns="">
           <p:sp>
             <p:nvSpPr>
               <p:cNvPr id="3" name="Text Placeholder 2">
@@ -20337,7 +20868,7 @@
             </a:pPr>
             <a:fld id="{00000000-1234-1234-1234-123412341234}" type="slidenum">
               <a:rPr lang="en" smtClean="0"/>
-              <a:t>37</a:t>
+              <a:t>38</a:t>
             </a:fld>
             <a:endParaRPr lang="en"/>
           </a:p>
@@ -20450,7 +20981,7 @@
 </p:sld>
 </file>
 
-<file path=ppt/slides/slide38.xml><?xml version="1.0" encoding="utf-8"?>
+<file path=ppt/slides/slide39.xml><?xml version="1.0" encoding="utf-8"?>
 <p:sld xmlns:a="http://schemas.openxmlformats.org/drawingml/2006/main" xmlns:r="http://schemas.openxmlformats.org/officeDocument/2006/relationships" xmlns:p="http://schemas.openxmlformats.org/presentationml/2006/main">
   <p:cSld>
     <p:spTree>
@@ -20623,7 +21154,7 @@
             </a:pPr>
             <a:fld id="{00000000-1234-1234-1234-123412341234}" type="slidenum">
               <a:rPr lang="en" smtClean="0"/>
-              <a:t>38</a:t>
+              <a:t>39</a:t>
             </a:fld>
             <a:endParaRPr lang="en"/>
           </a:p>
@@ -20642,7 +21173,180 @@
 </p:sld>
 </file>
 
-<file path=ppt/slides/slide39.xml><?xml version="1.0" encoding="utf-8"?>
+<file path=ppt/slides/slide4.xml><?xml version="1.0" encoding="utf-8"?>
+<p:sld xmlns:a="http://schemas.openxmlformats.org/drawingml/2006/main" xmlns:r="http://schemas.openxmlformats.org/officeDocument/2006/relationships" xmlns:p="http://schemas.openxmlformats.org/presentationml/2006/main">
+  <p:cSld>
+    <p:spTree>
+      <p:nvGrpSpPr>
+        <p:cNvPr id="1" name=""/>
+        <p:cNvGrpSpPr/>
+        <p:nvPr/>
+      </p:nvGrpSpPr>
+      <p:grpSpPr>
+        <a:xfrm>
+          <a:off x="0" y="0"/>
+          <a:ext cx="0" cy="0"/>
+          <a:chOff x="0" y="0"/>
+          <a:chExt cx="0" cy="0"/>
+        </a:xfrm>
+      </p:grpSpPr>
+      <p:sp>
+        <p:nvSpPr>
+          <p:cNvPr id="2" name="Title 1"/>
+          <p:cNvSpPr>
+            <a:spLocks noGrp="1"/>
+          </p:cNvSpPr>
+          <p:nvPr>
+            <p:ph type="title"/>
+          </p:nvPr>
+        </p:nvSpPr>
+        <p:spPr/>
+        <p:txBody>
+          <a:bodyPr/>
+          <a:lstStyle/>
+          <a:p>
+            <a:r>
+              <a:rPr lang="en-US" dirty="0"/>
+              <a:t>What is Robustness in other domains?</a:t>
+            </a:r>
+          </a:p>
+        </p:txBody>
+      </p:sp>
+      <p:sp>
+        <p:nvSpPr>
+          <p:cNvPr id="3" name="Text Placeholder 2"/>
+          <p:cNvSpPr>
+            <a:spLocks noGrp="1"/>
+          </p:cNvSpPr>
+          <p:nvPr>
+            <p:ph type="body" idx="1"/>
+          </p:nvPr>
+        </p:nvSpPr>
+        <p:spPr/>
+        <p:txBody>
+          <a:bodyPr/>
+          <a:lstStyle/>
+          <a:p>
+            <a:pPr marL="114300" indent="0">
+              <a:buNone/>
+            </a:pPr>
+            <a:r>
+              <a:rPr lang="en-US" dirty="0"/>
+              <a:t>The term, </a:t>
+            </a:r>
+            <a:r>
+              <a:rPr lang="en-US" b="1" i="1" dirty="0"/>
+              <a:t>Robustness</a:t>
+            </a:r>
+            <a:r>
+              <a:rPr lang="en-US" dirty="0"/>
+              <a:t>, is used in many domains:</a:t>
+            </a:r>
+          </a:p>
+          <a:p>
+            <a:pPr>
+              <a:spcBef>
+                <a:spcPts val="600"/>
+              </a:spcBef>
+              <a:spcAft>
+                <a:spcPts val="600"/>
+              </a:spcAft>
+            </a:pPr>
+            <a:r>
+              <a:rPr lang="en-US" sz="1600" dirty="0"/>
+              <a:t>Robust statistics seek methods to deal with outliers in data samples (e.g., the distribution of data does not perfectly match to normal distribution).</a:t>
+            </a:r>
+          </a:p>
+          <a:p>
+            <a:pPr>
+              <a:spcBef>
+                <a:spcPts val="600"/>
+              </a:spcBef>
+              <a:spcAft>
+                <a:spcPts val="600"/>
+              </a:spcAft>
+            </a:pPr>
+            <a:r>
+              <a:rPr lang="en-US" sz="1600" dirty="0"/>
+              <a:t>Machine Learning seeks methods to guarantee the performance of a model (e.g., a classifier) against noise in data samples.</a:t>
+            </a:r>
+          </a:p>
+          <a:p>
+            <a:pPr>
+              <a:spcBef>
+                <a:spcPts val="600"/>
+              </a:spcBef>
+              <a:spcAft>
+                <a:spcPts val="600"/>
+              </a:spcAft>
+            </a:pPr>
+            <a:r>
+              <a:rPr lang="en-US" sz="1600" dirty="0"/>
+              <a:t>A distributed system should be robust to deal with failures of servers. Mitigation strategies often designed to address certain types of failures (e.g., fail-stop, fail-silent, or fail-arbitrary).</a:t>
+            </a:r>
+          </a:p>
+          <a:p>
+            <a:pPr>
+              <a:spcBef>
+                <a:spcPts val="600"/>
+              </a:spcBef>
+              <a:spcAft>
+                <a:spcPts val="600"/>
+              </a:spcAft>
+            </a:pPr>
+            <a:r>
+              <a:rPr lang="en-US" sz="1600" dirty="0"/>
+              <a:t>…</a:t>
+            </a:r>
+          </a:p>
+        </p:txBody>
+      </p:sp>
+      <p:sp>
+        <p:nvSpPr>
+          <p:cNvPr id="4" name="Slide Number Placeholder 3"/>
+          <p:cNvSpPr>
+            <a:spLocks noGrp="1"/>
+          </p:cNvSpPr>
+          <p:nvPr>
+            <p:ph type="sldNum" idx="12"/>
+          </p:nvPr>
+        </p:nvSpPr>
+        <p:spPr/>
+        <p:txBody>
+          <a:bodyPr/>
+          <a:lstStyle/>
+          <a:p>
+            <a:pPr marL="0" lvl="0" indent="0" algn="r" rtl="0">
+              <a:spcBef>
+                <a:spcPts val="0"/>
+              </a:spcBef>
+              <a:spcAft>
+                <a:spcPts val="0"/>
+              </a:spcAft>
+              <a:buNone/>
+            </a:pPr>
+            <a:fld id="{00000000-1234-1234-1234-123412341234}" type="slidenum">
+              <a:rPr lang="en" smtClean="0"/>
+              <a:t>4</a:t>
+            </a:fld>
+            <a:endParaRPr lang="en"/>
+          </a:p>
+        </p:txBody>
+      </p:sp>
+    </p:spTree>
+    <p:extLst>
+      <p:ext uri="{BB962C8B-B14F-4D97-AF65-F5344CB8AC3E}">
+        <p14:creationId xmlns:p14="http://schemas.microsoft.com/office/powerpoint/2010/main" val="3418065256"/>
+      </p:ext>
+    </p:extLst>
+  </p:cSld>
+  <p:clrMapOvr>
+    <a:masterClrMapping/>
+  </p:clrMapOvr>
+</p:sld>
+</file>
+
+<file path=ppt/slides/slide40.xml><?xml version="1.0" encoding="utf-8"?>
 <p:sld xmlns:a="http://schemas.openxmlformats.org/drawingml/2006/main" xmlns:r="http://schemas.openxmlformats.org/officeDocument/2006/relationships" xmlns:p="http://schemas.openxmlformats.org/presentationml/2006/main" show="0">
   <p:cSld>
     <p:spTree>
@@ -20751,7 +21455,7 @@
             </a:pPr>
             <a:fld id="{00000000-1234-1234-1234-123412341234}" type="slidenum">
               <a:rPr lang="en" smtClean="0"/>
-              <a:t>39</a:t>
+              <a:t>40</a:t>
             </a:fld>
             <a:endParaRPr lang="en"/>
           </a:p>
@@ -20804,180 +21508,7 @@
 </p:sld>
 </file>
 
-<file path=ppt/slides/slide4.xml><?xml version="1.0" encoding="utf-8"?>
-<p:sld xmlns:a="http://schemas.openxmlformats.org/drawingml/2006/main" xmlns:r="http://schemas.openxmlformats.org/officeDocument/2006/relationships" xmlns:p="http://schemas.openxmlformats.org/presentationml/2006/main">
-  <p:cSld>
-    <p:spTree>
-      <p:nvGrpSpPr>
-        <p:cNvPr id="1" name=""/>
-        <p:cNvGrpSpPr/>
-        <p:nvPr/>
-      </p:nvGrpSpPr>
-      <p:grpSpPr>
-        <a:xfrm>
-          <a:off x="0" y="0"/>
-          <a:ext cx="0" cy="0"/>
-          <a:chOff x="0" y="0"/>
-          <a:chExt cx="0" cy="0"/>
-        </a:xfrm>
-      </p:grpSpPr>
-      <p:sp>
-        <p:nvSpPr>
-          <p:cNvPr id="2" name="Title 1"/>
-          <p:cNvSpPr>
-            <a:spLocks noGrp="1"/>
-          </p:cNvSpPr>
-          <p:nvPr>
-            <p:ph type="title"/>
-          </p:nvPr>
-        </p:nvSpPr>
-        <p:spPr/>
-        <p:txBody>
-          <a:bodyPr/>
-          <a:lstStyle/>
-          <a:p>
-            <a:r>
-              <a:rPr lang="en-US" dirty="0"/>
-              <a:t>What is Robustness in other domains?</a:t>
-            </a:r>
-          </a:p>
-        </p:txBody>
-      </p:sp>
-      <p:sp>
-        <p:nvSpPr>
-          <p:cNvPr id="3" name="Text Placeholder 2"/>
-          <p:cNvSpPr>
-            <a:spLocks noGrp="1"/>
-          </p:cNvSpPr>
-          <p:nvPr>
-            <p:ph type="body" idx="1"/>
-          </p:nvPr>
-        </p:nvSpPr>
-        <p:spPr/>
-        <p:txBody>
-          <a:bodyPr/>
-          <a:lstStyle/>
-          <a:p>
-            <a:pPr marL="114300" indent="0">
-              <a:buNone/>
-            </a:pPr>
-            <a:r>
-              <a:rPr lang="en-US" dirty="0"/>
-              <a:t>The term, </a:t>
-            </a:r>
-            <a:r>
-              <a:rPr lang="en-US" b="1" i="1" dirty="0"/>
-              <a:t>Robustness</a:t>
-            </a:r>
-            <a:r>
-              <a:rPr lang="en-US" dirty="0"/>
-              <a:t>, is used in many domains:</a:t>
-            </a:r>
-          </a:p>
-          <a:p>
-            <a:pPr>
-              <a:spcBef>
-                <a:spcPts val="600"/>
-              </a:spcBef>
-              <a:spcAft>
-                <a:spcPts val="600"/>
-              </a:spcAft>
-            </a:pPr>
-            <a:r>
-              <a:rPr lang="en-US" sz="1600" dirty="0"/>
-              <a:t>Robust statistics seek methods to deal with outliers in data samples (e.g., the distribution of data does not perfectly match to normal distribution).</a:t>
-            </a:r>
-          </a:p>
-          <a:p>
-            <a:pPr>
-              <a:spcBef>
-                <a:spcPts val="600"/>
-              </a:spcBef>
-              <a:spcAft>
-                <a:spcPts val="600"/>
-              </a:spcAft>
-            </a:pPr>
-            <a:r>
-              <a:rPr lang="en-US" sz="1600" dirty="0"/>
-              <a:t>Machine Learning seeks methods to guarantee the performance of a model (e.g., a classifier) against noise in data samples.</a:t>
-            </a:r>
-          </a:p>
-          <a:p>
-            <a:pPr>
-              <a:spcBef>
-                <a:spcPts val="600"/>
-              </a:spcBef>
-              <a:spcAft>
-                <a:spcPts val="600"/>
-              </a:spcAft>
-            </a:pPr>
-            <a:r>
-              <a:rPr lang="en-US" sz="1600" dirty="0"/>
-              <a:t>A distributed system should be robust to deal with failures of servers. Mitigation strategies often designed to address certain types of failures (e.g., fail-stop, fail-silent, or fail-arbitrary).</a:t>
-            </a:r>
-          </a:p>
-          <a:p>
-            <a:pPr>
-              <a:spcBef>
-                <a:spcPts val="600"/>
-              </a:spcBef>
-              <a:spcAft>
-                <a:spcPts val="600"/>
-              </a:spcAft>
-            </a:pPr>
-            <a:r>
-              <a:rPr lang="en-US" sz="1600" dirty="0"/>
-              <a:t>…</a:t>
-            </a:r>
-          </a:p>
-        </p:txBody>
-      </p:sp>
-      <p:sp>
-        <p:nvSpPr>
-          <p:cNvPr id="4" name="Slide Number Placeholder 3"/>
-          <p:cNvSpPr>
-            <a:spLocks noGrp="1"/>
-          </p:cNvSpPr>
-          <p:nvPr>
-            <p:ph type="sldNum" idx="12"/>
-          </p:nvPr>
-        </p:nvSpPr>
-        <p:spPr/>
-        <p:txBody>
-          <a:bodyPr/>
-          <a:lstStyle/>
-          <a:p>
-            <a:pPr marL="0" lvl="0" indent="0" algn="r" rtl="0">
-              <a:spcBef>
-                <a:spcPts val="0"/>
-              </a:spcBef>
-              <a:spcAft>
-                <a:spcPts val="0"/>
-              </a:spcAft>
-              <a:buNone/>
-            </a:pPr>
-            <a:fld id="{00000000-1234-1234-1234-123412341234}" type="slidenum">
-              <a:rPr lang="en" smtClean="0"/>
-              <a:t>4</a:t>
-            </a:fld>
-            <a:endParaRPr lang="en"/>
-          </a:p>
-        </p:txBody>
-      </p:sp>
-    </p:spTree>
-    <p:extLst>
-      <p:ext uri="{BB962C8B-B14F-4D97-AF65-F5344CB8AC3E}">
-        <p14:creationId xmlns:p14="http://schemas.microsoft.com/office/powerpoint/2010/main" val="3418065256"/>
-      </p:ext>
-    </p:extLst>
-  </p:cSld>
-  <p:clrMapOvr>
-    <a:masterClrMapping/>
-  </p:clrMapOvr>
-</p:sld>
-</file>
-
-<file path=ppt/slides/slide40.xml><?xml version="1.0" encoding="utf-8"?>
+<file path=ppt/slides/slide41.xml><?xml version="1.0" encoding="utf-8"?>
 <p:sld xmlns:a="http://schemas.openxmlformats.org/drawingml/2006/main" xmlns:r="http://schemas.openxmlformats.org/officeDocument/2006/relationships" xmlns:p="http://schemas.openxmlformats.org/presentationml/2006/main" show="0">
   <p:cSld>
     <p:spTree>
@@ -21137,7 +21668,7 @@
             </a:pPr>
             <a:fld id="{00000000-1234-1234-1234-123412341234}" type="slidenum">
               <a:rPr lang="en" smtClean="0"/>
-              <a:t>40</a:t>
+              <a:t>41</a:t>
             </a:fld>
             <a:endParaRPr lang="en"/>
           </a:p>
@@ -21156,7 +21687,7 @@
 </p:sld>
 </file>
 
-<file path=ppt/slides/slide41.xml><?xml version="1.0" encoding="utf-8"?>
+<file path=ppt/slides/slide42.xml><?xml version="1.0" encoding="utf-8"?>
 <p:sld xmlns:a="http://schemas.openxmlformats.org/drawingml/2006/main" xmlns:r="http://schemas.openxmlformats.org/officeDocument/2006/relationships" xmlns:p="http://schemas.openxmlformats.org/presentationml/2006/main" show="0">
   <p:cSld>
     <p:spTree>
@@ -21243,7 +21774,7 @@
             </a:pPr>
             <a:fld id="{00000000-1234-1234-1234-123412341234}" type="slidenum">
               <a:rPr lang="en" smtClean="0"/>
-              <a:t>41</a:t>
+              <a:t>42</a:t>
             </a:fld>
             <a:endParaRPr lang="en"/>
           </a:p>
@@ -21359,7 +21890,7 @@
 </p:sld>
 </file>
 
-<file path=ppt/slides/slide42.xml><?xml version="1.0" encoding="utf-8"?>
+<file path=ppt/slides/slide43.xml><?xml version="1.0" encoding="utf-8"?>
 <p:sld xmlns:a="http://schemas.openxmlformats.org/drawingml/2006/main" xmlns:r="http://schemas.openxmlformats.org/officeDocument/2006/relationships" xmlns:p="http://schemas.openxmlformats.org/presentationml/2006/main" show="0">
   <p:cSld>
     <p:spTree>
@@ -21478,7 +22009,7 @@
             </a:pPr>
             <a:fld id="{00000000-1234-1234-1234-123412341234}" type="slidenum">
               <a:rPr lang="en" smtClean="0"/>
-              <a:t>42</a:t>
+              <a:t>43</a:t>
             </a:fld>
             <a:endParaRPr lang="en"/>
           </a:p>
@@ -21656,7 +22187,7 @@
 </p:sld>
 </file>
 
-<file path=ppt/slides/slide43.xml><?xml version="1.0" encoding="utf-8"?>
+<file path=ppt/slides/slide44.xml><?xml version="1.0" encoding="utf-8"?>
 <p:sld xmlns:a="http://schemas.openxmlformats.org/drawingml/2006/main" xmlns:r="http://schemas.openxmlformats.org/officeDocument/2006/relationships" xmlns:p="http://schemas.openxmlformats.org/presentationml/2006/main" show="0">
   <p:cSld>
     <p:spTree>
@@ -21779,7 +22310,7 @@
             </a:pPr>
             <a:fld id="{00000000-1234-1234-1234-123412341234}" type="slidenum">
               <a:rPr lang="en" smtClean="0"/>
-              <a:t>43</a:t>
+              <a:t>44</a:t>
             </a:fld>
             <a:endParaRPr lang="en"/>
           </a:p>
@@ -21832,7 +22363,7 @@
 </p:sld>
 </file>
 
-<file path=ppt/slides/slide44.xml><?xml version="1.0" encoding="utf-8"?>
+<file path=ppt/slides/slide45.xml><?xml version="1.0" encoding="utf-8"?>
 <p:sld xmlns:a="http://schemas.openxmlformats.org/drawingml/2006/main" xmlns:r="http://schemas.openxmlformats.org/officeDocument/2006/relationships" xmlns:p="http://schemas.openxmlformats.org/presentationml/2006/main" show="0">
   <p:cSld>
     <p:spTree>
@@ -21911,7 +22442,7 @@
             </a:pPr>
             <a:fld id="{00000000-1234-1234-1234-123412341234}" type="slidenum">
               <a:rPr lang="en" smtClean="0"/>
-              <a:t>44</a:t>
+              <a:t>45</a:t>
             </a:fld>
             <a:endParaRPr lang="en"/>
           </a:p>
@@ -21964,7 +22495,7 @@
 </p:sld>
 </file>
 
-<file path=ppt/slides/slide45.xml><?xml version="1.0" encoding="utf-8"?>
+<file path=ppt/slides/slide46.xml><?xml version="1.0" encoding="utf-8"?>
 <p:sld xmlns:a="http://schemas.openxmlformats.org/drawingml/2006/main" xmlns:r="http://schemas.openxmlformats.org/officeDocument/2006/relationships" xmlns:p="http://schemas.openxmlformats.org/presentationml/2006/main" show="0">
   <p:cSld>
     <p:spTree>
@@ -22082,7 +22613,7 @@
             </a:pPr>
             <a:fld id="{00000000-1234-1234-1234-123412341234}" type="slidenum">
               <a:rPr lang="en" smtClean="0"/>
-              <a:t>45</a:t>
+              <a:t>46</a:t>
             </a:fld>
             <a:endParaRPr lang="en"/>
           </a:p>
@@ -22135,7 +22666,7 @@
 </p:sld>
 </file>
 
-<file path=ppt/slides/slide46.xml><?xml version="1.0" encoding="utf-8"?>
+<file path=ppt/slides/slide47.xml><?xml version="1.0" encoding="utf-8"?>
 <p:sld xmlns:a="http://schemas.openxmlformats.org/drawingml/2006/main" xmlns:r="http://schemas.openxmlformats.org/officeDocument/2006/relationships" xmlns:p="http://schemas.openxmlformats.org/presentationml/2006/main" show="0">
   <p:cSld>
     <p:spTree>
@@ -22213,7 +22744,7 @@
             </a:pPr>
             <a:fld id="{00000000-1234-1234-1234-123412341234}" type="slidenum">
               <a:rPr lang="en" smtClean="0"/>
-              <a:t>46</a:t>
+              <a:t>47</a:t>
             </a:fld>
             <a:endParaRPr lang="en"/>
           </a:p>
@@ -22266,7 +22797,7 @@
 </p:sld>
 </file>
 
-<file path=ppt/slides/slide47.xml><?xml version="1.0" encoding="utf-8"?>
+<file path=ppt/slides/slide48.xml><?xml version="1.0" encoding="utf-8"?>
 <p:sld xmlns:a="http://schemas.openxmlformats.org/drawingml/2006/main" xmlns:r="http://schemas.openxmlformats.org/officeDocument/2006/relationships" xmlns:p="http://schemas.openxmlformats.org/presentationml/2006/main" show="0">
   <p:cSld>
     <p:spTree>
@@ -22561,7 +23092,7 @@
             </a:pPr>
             <a:fld id="{00000000-1234-1234-1234-123412341234}" type="slidenum">
               <a:rPr lang="en" smtClean="0"/>
-              <a:t>47</a:t>
+              <a:t>48</a:t>
             </a:fld>
             <a:endParaRPr lang="en"/>
           </a:p>
@@ -22826,7 +23357,7 @@
 </p:sld>
 </file>
 
-<file path=ppt/slides/slide48.xml><?xml version="1.0" encoding="utf-8"?>
+<file path=ppt/slides/slide49.xml><?xml version="1.0" encoding="utf-8"?>
 <p:sld xmlns:a="http://schemas.openxmlformats.org/drawingml/2006/main" xmlns:r="http://schemas.openxmlformats.org/officeDocument/2006/relationships" xmlns:p="http://schemas.openxmlformats.org/presentationml/2006/main" show="0">
   <p:cSld>
     <p:spTree>
@@ -22904,7 +23435,7 @@
             </a:pPr>
             <a:fld id="{00000000-1234-1234-1234-123412341234}" type="slidenum">
               <a:rPr lang="en" smtClean="0"/>
-              <a:t>48</a:t>
+              <a:t>49</a:t>
             </a:fld>
             <a:endParaRPr lang="en"/>
           </a:p>
@@ -23078,7 +23609,240 @@
 </p:sld>
 </file>
 
-<file path=ppt/slides/slide49.xml><?xml version="1.0" encoding="utf-8"?>
+<file path=ppt/slides/slide5.xml><?xml version="1.0" encoding="utf-8"?>
+<p:sld xmlns:a="http://schemas.openxmlformats.org/drawingml/2006/main" xmlns:r="http://schemas.openxmlformats.org/officeDocument/2006/relationships" xmlns:p="http://schemas.openxmlformats.org/presentationml/2006/main">
+  <p:cSld>
+    <p:spTree>
+      <p:nvGrpSpPr>
+        <p:cNvPr id="1" name="Shape 79"/>
+        <p:cNvGrpSpPr/>
+        <p:nvPr/>
+      </p:nvGrpSpPr>
+      <p:grpSpPr>
+        <a:xfrm>
+          <a:off x="0" y="0"/>
+          <a:ext cx="0" cy="0"/>
+          <a:chOff x="0" y="0"/>
+          <a:chExt cx="0" cy="0"/>
+        </a:xfrm>
+      </p:grpSpPr>
+      <p:sp>
+        <p:nvSpPr>
+          <p:cNvPr id="80" name="Google Shape;80;p14"/>
+          <p:cNvSpPr txBox="1">
+            <a:spLocks noGrp="1"/>
+          </p:cNvSpPr>
+          <p:nvPr>
+            <p:ph type="title"/>
+          </p:nvPr>
+        </p:nvSpPr>
+        <p:spPr>
+          <a:xfrm>
+            <a:off x="311700" y="445025"/>
+            <a:ext cx="8520600" cy="572700"/>
+          </a:xfrm>
+          <a:prstGeom prst="rect">
+            <a:avLst/>
+          </a:prstGeom>
+        </p:spPr>
+        <p:txBody>
+          <a:bodyPr spcFirstLastPara="1" wrap="square" lIns="91425" tIns="91425" rIns="91425" bIns="91425" anchor="t" anchorCtr="0">
+            <a:noAutofit/>
+          </a:bodyPr>
+          <a:lstStyle/>
+          <a:p>
+            <a:pPr marL="0" lvl="0" indent="0" algn="l" rtl="0">
+              <a:spcBef>
+                <a:spcPts val="0"/>
+              </a:spcBef>
+              <a:spcAft>
+                <a:spcPts val="0"/>
+              </a:spcAft>
+              <a:buNone/>
+            </a:pPr>
+            <a:r>
+              <a:rPr lang="en-US" dirty="0"/>
+              <a:t>What is Robustness in Software?</a:t>
+            </a:r>
+            <a:endParaRPr dirty="0"/>
+          </a:p>
+        </p:txBody>
+      </p:sp>
+      <p:sp>
+        <p:nvSpPr>
+          <p:cNvPr id="81" name="Google Shape;81;p14"/>
+          <p:cNvSpPr txBox="1">
+            <a:spLocks noGrp="1"/>
+          </p:cNvSpPr>
+          <p:nvPr>
+            <p:ph type="body" idx="1"/>
+          </p:nvPr>
+        </p:nvSpPr>
+        <p:spPr>
+          <a:xfrm>
+            <a:off x="311700" y="1152475"/>
+            <a:ext cx="8520600" cy="3172200"/>
+          </a:xfrm>
+          <a:prstGeom prst="rect">
+            <a:avLst/>
+          </a:prstGeom>
+        </p:spPr>
+        <p:txBody>
+          <a:bodyPr spcFirstLastPara="1" wrap="square" lIns="91425" tIns="91425" rIns="91425" bIns="91425" anchor="t" anchorCtr="0">
+            <a:noAutofit/>
+          </a:bodyPr>
+          <a:lstStyle/>
+          <a:p>
+            <a:pPr marL="114300" indent="0">
+              <a:buNone/>
+            </a:pPr>
+            <a:r>
+              <a:rPr lang="en-US" altLang="zh-CN" b="1" dirty="0"/>
+              <a:t>IEEE definition:</a:t>
+            </a:r>
+          </a:p>
+          <a:p>
+            <a:pPr marL="571500" lvl="1" indent="0">
+              <a:spcBef>
+                <a:spcPts val="400"/>
+              </a:spcBef>
+              <a:spcAft>
+                <a:spcPts val="1400"/>
+              </a:spcAft>
+              <a:buNone/>
+            </a:pPr>
+            <a:r>
+              <a:rPr lang="en-US" altLang="zh-CN" sz="1600" dirty="0"/>
+              <a:t>The degree to which a system or component can function correctly in the presence of </a:t>
+            </a:r>
+            <a:r>
+              <a:rPr lang="en-US" altLang="zh-CN" sz="1600" b="1" dirty="0"/>
+              <a:t>invalid inputs </a:t>
+            </a:r>
+            <a:r>
+              <a:rPr lang="en-US" altLang="zh-CN" sz="1600" dirty="0"/>
+              <a:t>or </a:t>
+            </a:r>
+            <a:r>
+              <a:rPr lang="en-US" altLang="zh-CN" sz="1600" b="1" dirty="0"/>
+              <a:t>stressful environmental conditions</a:t>
+            </a:r>
+            <a:r>
+              <a:rPr lang="en-US" altLang="zh-CN" sz="1600" dirty="0"/>
+              <a:t>.</a:t>
+            </a:r>
+            <a:endParaRPr lang="en-US" altLang="zh-CN" sz="1600" b="1" dirty="0"/>
+          </a:p>
+          <a:p>
+            <a:pPr marL="114300" indent="0">
+              <a:buNone/>
+            </a:pPr>
+            <a:r>
+              <a:rPr lang="en-US" b="1" dirty="0"/>
+              <a:t>Existing Work:</a:t>
+            </a:r>
+          </a:p>
+          <a:p>
+            <a:pPr>
+              <a:spcBef>
+                <a:spcPts val="400"/>
+              </a:spcBef>
+            </a:pPr>
+            <a:r>
+              <a:rPr lang="en-US" sz="1600" i="1" dirty="0"/>
+              <a:t>Fuzz Testing </a:t>
+            </a:r>
+            <a:r>
+              <a:rPr lang="en-US" sz="1600" dirty="0"/>
+              <a:t>– uses massive amounts of random input data to fail a system.</a:t>
+            </a:r>
+          </a:p>
+          <a:p>
+            <a:pPr>
+              <a:spcBef>
+                <a:spcPts val="400"/>
+              </a:spcBef>
+            </a:pPr>
+            <a:r>
+              <a:rPr lang="en-US" sz="1600" i="1" dirty="0"/>
+              <a:t>Chaos Engineering </a:t>
+            </a:r>
+            <a:r>
+              <a:rPr lang="en-US" sz="1600" dirty="0"/>
+              <a:t>– puts a system in an extremely chaos environment to fail the system.</a:t>
+            </a:r>
+          </a:p>
+          <a:p>
+            <a:pPr>
+              <a:spcBef>
+                <a:spcPts val="400"/>
+              </a:spcBef>
+            </a:pPr>
+            <a:r>
+              <a:rPr lang="en-US" sz="1600" dirty="0"/>
+              <a:t>… (Mostly focus on verification)</a:t>
+            </a:r>
+            <a:br>
+              <a:rPr lang="en-US" dirty="0"/>
+            </a:br>
+            <a:br>
+              <a:rPr lang="en-US" dirty="0"/>
+            </a:br>
+            <a:endParaRPr lang="en-US" dirty="0"/>
+          </a:p>
+        </p:txBody>
+      </p:sp>
+      <p:sp>
+        <p:nvSpPr>
+          <p:cNvPr id="82" name="Google Shape;82;p14"/>
+          <p:cNvSpPr txBox="1">
+            <a:spLocks noGrp="1"/>
+          </p:cNvSpPr>
+          <p:nvPr>
+            <p:ph type="sldNum" idx="12"/>
+          </p:nvPr>
+        </p:nvSpPr>
+        <p:spPr>
+          <a:xfrm>
+            <a:off x="8472458" y="4688792"/>
+            <a:ext cx="548700" cy="393600"/>
+          </a:xfrm>
+          <a:prstGeom prst="rect">
+            <a:avLst/>
+          </a:prstGeom>
+        </p:spPr>
+        <p:txBody>
+          <a:bodyPr spcFirstLastPara="1" wrap="square" lIns="91425" tIns="91425" rIns="91425" bIns="91425" anchor="ctr" anchorCtr="0">
+            <a:noAutofit/>
+          </a:bodyPr>
+          <a:lstStyle/>
+          <a:p>
+            <a:pPr marL="0" lvl="0" indent="0" algn="r" rtl="0">
+              <a:spcBef>
+                <a:spcPts val="0"/>
+              </a:spcBef>
+              <a:spcAft>
+                <a:spcPts val="0"/>
+              </a:spcAft>
+              <a:buNone/>
+            </a:pPr>
+            <a:fld id="{00000000-1234-1234-1234-123412341234}" type="slidenum">
+              <a:rPr lang="en"/>
+              <a:t>5</a:t>
+            </a:fld>
+            <a:endParaRPr/>
+          </a:p>
+        </p:txBody>
+      </p:sp>
+    </p:spTree>
+  </p:cSld>
+  <p:clrMapOvr>
+    <a:masterClrMapping/>
+  </p:clrMapOvr>
+</p:sld>
+</file>
+
+<file path=ppt/slides/slide50.xml><?xml version="1.0" encoding="utf-8"?>
 <p:sld xmlns:a="http://schemas.openxmlformats.org/drawingml/2006/main" xmlns:r="http://schemas.openxmlformats.org/officeDocument/2006/relationships" xmlns:p="http://schemas.openxmlformats.org/presentationml/2006/main" show="0">
   <p:cSld>
     <p:spTree>
@@ -23156,7 +23920,7 @@
             </a:pPr>
             <a:fld id="{00000000-1234-1234-1234-123412341234}" type="slidenum">
               <a:rPr lang="en" smtClean="0"/>
-              <a:t>49</a:t>
+              <a:t>50</a:t>
             </a:fld>
             <a:endParaRPr lang="en"/>
           </a:p>
@@ -23330,240 +24094,7 @@
 </p:sld>
 </file>
 
-<file path=ppt/slides/slide5.xml><?xml version="1.0" encoding="utf-8"?>
-<p:sld xmlns:a="http://schemas.openxmlformats.org/drawingml/2006/main" xmlns:r="http://schemas.openxmlformats.org/officeDocument/2006/relationships" xmlns:p="http://schemas.openxmlformats.org/presentationml/2006/main">
-  <p:cSld>
-    <p:spTree>
-      <p:nvGrpSpPr>
-        <p:cNvPr id="1" name="Shape 79"/>
-        <p:cNvGrpSpPr/>
-        <p:nvPr/>
-      </p:nvGrpSpPr>
-      <p:grpSpPr>
-        <a:xfrm>
-          <a:off x="0" y="0"/>
-          <a:ext cx="0" cy="0"/>
-          <a:chOff x="0" y="0"/>
-          <a:chExt cx="0" cy="0"/>
-        </a:xfrm>
-      </p:grpSpPr>
-      <p:sp>
-        <p:nvSpPr>
-          <p:cNvPr id="80" name="Google Shape;80;p14"/>
-          <p:cNvSpPr txBox="1">
-            <a:spLocks noGrp="1"/>
-          </p:cNvSpPr>
-          <p:nvPr>
-            <p:ph type="title"/>
-          </p:nvPr>
-        </p:nvSpPr>
-        <p:spPr>
-          <a:xfrm>
-            <a:off x="311700" y="445025"/>
-            <a:ext cx="8520600" cy="572700"/>
-          </a:xfrm>
-          <a:prstGeom prst="rect">
-            <a:avLst/>
-          </a:prstGeom>
-        </p:spPr>
-        <p:txBody>
-          <a:bodyPr spcFirstLastPara="1" wrap="square" lIns="91425" tIns="91425" rIns="91425" bIns="91425" anchor="t" anchorCtr="0">
-            <a:noAutofit/>
-          </a:bodyPr>
-          <a:lstStyle/>
-          <a:p>
-            <a:pPr marL="0" lvl="0" indent="0" algn="l" rtl="0">
-              <a:spcBef>
-                <a:spcPts val="0"/>
-              </a:spcBef>
-              <a:spcAft>
-                <a:spcPts val="0"/>
-              </a:spcAft>
-              <a:buNone/>
-            </a:pPr>
-            <a:r>
-              <a:rPr lang="en-US" dirty="0"/>
-              <a:t>What is Robustness in Software?</a:t>
-            </a:r>
-            <a:endParaRPr dirty="0"/>
-          </a:p>
-        </p:txBody>
-      </p:sp>
-      <p:sp>
-        <p:nvSpPr>
-          <p:cNvPr id="81" name="Google Shape;81;p14"/>
-          <p:cNvSpPr txBox="1">
-            <a:spLocks noGrp="1"/>
-          </p:cNvSpPr>
-          <p:nvPr>
-            <p:ph type="body" idx="1"/>
-          </p:nvPr>
-        </p:nvSpPr>
-        <p:spPr>
-          <a:xfrm>
-            <a:off x="311700" y="1152475"/>
-            <a:ext cx="8520600" cy="3172200"/>
-          </a:xfrm>
-          <a:prstGeom prst="rect">
-            <a:avLst/>
-          </a:prstGeom>
-        </p:spPr>
-        <p:txBody>
-          <a:bodyPr spcFirstLastPara="1" wrap="square" lIns="91425" tIns="91425" rIns="91425" bIns="91425" anchor="t" anchorCtr="0">
-            <a:noAutofit/>
-          </a:bodyPr>
-          <a:lstStyle/>
-          <a:p>
-            <a:pPr marL="114300" indent="0">
-              <a:buNone/>
-            </a:pPr>
-            <a:r>
-              <a:rPr lang="en-US" altLang="zh-CN" b="1" dirty="0"/>
-              <a:t>IEEE definition:</a:t>
-            </a:r>
-          </a:p>
-          <a:p>
-            <a:pPr marL="571500" lvl="1" indent="0">
-              <a:spcBef>
-                <a:spcPts val="400"/>
-              </a:spcBef>
-              <a:spcAft>
-                <a:spcPts val="1400"/>
-              </a:spcAft>
-              <a:buNone/>
-            </a:pPr>
-            <a:r>
-              <a:rPr lang="en-US" altLang="zh-CN" sz="1600" dirty="0"/>
-              <a:t>The degree to which a system or component can function correctly in the presence of </a:t>
-            </a:r>
-            <a:r>
-              <a:rPr lang="en-US" altLang="zh-CN" sz="1600" b="1" dirty="0"/>
-              <a:t>invalid inputs </a:t>
-            </a:r>
-            <a:r>
-              <a:rPr lang="en-US" altLang="zh-CN" sz="1600" dirty="0"/>
-              <a:t>or </a:t>
-            </a:r>
-            <a:r>
-              <a:rPr lang="en-US" altLang="zh-CN" sz="1600" b="1" dirty="0"/>
-              <a:t>stressful environmental conditions</a:t>
-            </a:r>
-            <a:r>
-              <a:rPr lang="en-US" altLang="zh-CN" sz="1600" dirty="0"/>
-              <a:t>.</a:t>
-            </a:r>
-            <a:endParaRPr lang="en-US" altLang="zh-CN" sz="1600" b="1" dirty="0"/>
-          </a:p>
-          <a:p>
-            <a:pPr marL="114300" indent="0">
-              <a:buNone/>
-            </a:pPr>
-            <a:r>
-              <a:rPr lang="en-US" b="1" dirty="0"/>
-              <a:t>Existing Work:</a:t>
-            </a:r>
-          </a:p>
-          <a:p>
-            <a:pPr>
-              <a:spcBef>
-                <a:spcPts val="400"/>
-              </a:spcBef>
-            </a:pPr>
-            <a:r>
-              <a:rPr lang="en-US" sz="1600" i="1" dirty="0"/>
-              <a:t>Fuzz Testing </a:t>
-            </a:r>
-            <a:r>
-              <a:rPr lang="en-US" sz="1600" dirty="0"/>
-              <a:t>– uses massive amounts of random input data to fail a system.</a:t>
-            </a:r>
-          </a:p>
-          <a:p>
-            <a:pPr>
-              <a:spcBef>
-                <a:spcPts val="400"/>
-              </a:spcBef>
-            </a:pPr>
-            <a:r>
-              <a:rPr lang="en-US" sz="1600" i="1" dirty="0"/>
-              <a:t>Chaos Engineering </a:t>
-            </a:r>
-            <a:r>
-              <a:rPr lang="en-US" sz="1600" dirty="0"/>
-              <a:t>– puts a system in an extremely chaos environment to fail the system.</a:t>
-            </a:r>
-          </a:p>
-          <a:p>
-            <a:pPr>
-              <a:spcBef>
-                <a:spcPts val="400"/>
-              </a:spcBef>
-            </a:pPr>
-            <a:r>
-              <a:rPr lang="en-US" sz="1600" dirty="0"/>
-              <a:t>… (Mostly focus on verification)</a:t>
-            </a:r>
-            <a:br>
-              <a:rPr lang="en-US" dirty="0"/>
-            </a:br>
-            <a:br>
-              <a:rPr lang="en-US" dirty="0"/>
-            </a:br>
-            <a:endParaRPr lang="en-US" dirty="0"/>
-          </a:p>
-        </p:txBody>
-      </p:sp>
-      <p:sp>
-        <p:nvSpPr>
-          <p:cNvPr id="82" name="Google Shape;82;p14"/>
-          <p:cNvSpPr txBox="1">
-            <a:spLocks noGrp="1"/>
-          </p:cNvSpPr>
-          <p:nvPr>
-            <p:ph type="sldNum" idx="12"/>
-          </p:nvPr>
-        </p:nvSpPr>
-        <p:spPr>
-          <a:xfrm>
-            <a:off x="8472458" y="4688792"/>
-            <a:ext cx="548700" cy="393600"/>
-          </a:xfrm>
-          <a:prstGeom prst="rect">
-            <a:avLst/>
-          </a:prstGeom>
-        </p:spPr>
-        <p:txBody>
-          <a:bodyPr spcFirstLastPara="1" wrap="square" lIns="91425" tIns="91425" rIns="91425" bIns="91425" anchor="ctr" anchorCtr="0">
-            <a:noAutofit/>
-          </a:bodyPr>
-          <a:lstStyle/>
-          <a:p>
-            <a:pPr marL="0" lvl="0" indent="0" algn="r" rtl="0">
-              <a:spcBef>
-                <a:spcPts val="0"/>
-              </a:spcBef>
-              <a:spcAft>
-                <a:spcPts val="0"/>
-              </a:spcAft>
-              <a:buNone/>
-            </a:pPr>
-            <a:fld id="{00000000-1234-1234-1234-123412341234}" type="slidenum">
-              <a:rPr lang="en"/>
-              <a:t>5</a:t>
-            </a:fld>
-            <a:endParaRPr/>
-          </a:p>
-        </p:txBody>
-      </p:sp>
-    </p:spTree>
-  </p:cSld>
-  <p:clrMapOvr>
-    <a:masterClrMapping/>
-  </p:clrMapOvr>
-</p:sld>
-</file>
-
-<file path=ppt/slides/slide50.xml><?xml version="1.0" encoding="utf-8"?>
+<file path=ppt/slides/slide51.xml><?xml version="1.0" encoding="utf-8"?>
 <p:sld xmlns:a="http://schemas.openxmlformats.org/drawingml/2006/main" xmlns:r="http://schemas.openxmlformats.org/officeDocument/2006/relationships" xmlns:p="http://schemas.openxmlformats.org/presentationml/2006/main" show="0">
   <p:cSld>
     <p:spTree>
@@ -23641,7 +24172,7 @@
             </a:pPr>
             <a:fld id="{00000000-1234-1234-1234-123412341234}" type="slidenum">
               <a:rPr lang="en" smtClean="0"/>
-              <a:t>50</a:t>
+              <a:t>51</a:t>
             </a:fld>
             <a:endParaRPr lang="en"/>
           </a:p>
@@ -24301,8 +24832,8 @@
           </a:p>
         </p:txBody>
       </p:sp>
-      <mc:AlternateContent xmlns:mc="http://schemas.openxmlformats.org/markup-compatibility/2006">
-        <mc:Choice xmlns:a14="http://schemas.microsoft.com/office/drawing/2010/main" Requires="a14">
+      <mc:AlternateContent xmlns:mc="http://schemas.openxmlformats.org/markup-compatibility/2006" xmlns:a14="http://schemas.microsoft.com/office/drawing/2010/main">
+        <mc:Choice Requires="a14">
           <p:sp>
             <p:nvSpPr>
               <p:cNvPr id="3" name="Text Placeholder 2">
@@ -24556,7 +25087,7 @@
             </p:txBody>
           </p:sp>
         </mc:Choice>
-        <mc:Fallback>
+        <mc:Fallback xmlns="">
           <p:sp>
             <p:nvSpPr>
               <p:cNvPr id="3" name="Text Placeholder 2">
@@ -24799,8 +25330,8 @@
           </a:p>
         </p:txBody>
       </p:sp>
-      <mc:AlternateContent xmlns:mc="http://schemas.openxmlformats.org/markup-compatibility/2006">
-        <mc:Choice xmlns:a14="http://schemas.microsoft.com/office/drawing/2010/main" Requires="a14">
+      <mc:AlternateContent xmlns:mc="http://schemas.openxmlformats.org/markup-compatibility/2006" xmlns:a14="http://schemas.microsoft.com/office/drawing/2010/main">
+        <mc:Choice Requires="a14">
           <p:sp>
             <p:nvSpPr>
               <p:cNvPr id="3" name="Text Placeholder 2">
@@ -25058,7 +25589,7 @@
             </p:txBody>
           </p:sp>
         </mc:Choice>
-        <mc:Fallback>
+        <mc:Fallback xmlns="">
           <p:sp>
             <p:nvSpPr>
               <p:cNvPr id="3" name="Text Placeholder 2">
@@ -25443,10 +25974,10 @@
 <p:tagLst xmlns:a="http://schemas.openxmlformats.org/drawingml/2006/main" xmlns:r="http://schemas.openxmlformats.org/officeDocument/2006/relationships" xmlns:p="http://schemas.openxmlformats.org/presentationml/2006/main">
   <p:tag name="OUTPUTDPI" val="1200"/>
   <p:tag name="ORIGINALHEIGHT" val="125.2343"/>
-  <p:tag name="ORIGINALWIDTH" val="803.1496"/>
-  <p:tag name="LATEXADDIN" val="\documentclass{article}&#10;\usepackage{amsmath}&#10;\usepackage{amssymb}&#10;\pagestyle{empty}&#10;\begin{document}&#10;&#10;$S_2 || ENV_P \vDash P$&#10;&#10;&#10;\end{document}"/>
+  <p:tag name="ORIGINALWIDTH" val="782.9021"/>
+  <p:tag name="LATEXADDIN" val="\documentclass{article}&#10;\usepackage{amsmath}&#10;\usepackage{amssymb}&#10;\pagestyle{empty}&#10;\begin{document}&#10;&#10;$S_2 || ENV' \vDash P$&#10;&#10;&#10;\end{document}"/>
   <p:tag name="IGUANATEXSIZE" val="20"/>
-  <p:tag name="IGUANATEXCURSOR" val="124"/>
+  <p:tag name="IGUANATEXCURSOR" val="114"/>
   <p:tag name="TRANSPARENCY" val="True"/>
   <p:tag name="FILENAME" val=""/>
   <p:tag name="LATEXENGINEID" val="0"/>

--- a/Robustness.pptx
+++ b/Robustness.pptx
@@ -5,7 +5,7 @@
     <p:sldMasterId id="2147483659" r:id="rId1"/>
   </p:sldMasterIdLst>
   <p:notesMasterIdLst>
-    <p:notesMasterId r:id="rId53"/>
+    <p:notesMasterId r:id="rId54"/>
   </p:notesMasterIdLst>
   <p:sldIdLst>
     <p:sldId id="256" r:id="rId2"/>
@@ -43,50 +43,55 @@
     <p:sldId id="341" r:id="rId34"/>
     <p:sldId id="342" r:id="rId35"/>
     <p:sldId id="345" r:id="rId36"/>
-    <p:sldId id="296" r:id="rId37"/>
-    <p:sldId id="277" r:id="rId38"/>
-    <p:sldId id="346" r:id="rId39"/>
-    <p:sldId id="347" r:id="rId40"/>
-    <p:sldId id="302" r:id="rId41"/>
-    <p:sldId id="261" r:id="rId42"/>
-    <p:sldId id="301" r:id="rId43"/>
-    <p:sldId id="327" r:id="rId44"/>
-    <p:sldId id="283" r:id="rId45"/>
-    <p:sldId id="288" r:id="rId46"/>
-    <p:sldId id="289" r:id="rId47"/>
-    <p:sldId id="290" r:id="rId48"/>
-    <p:sldId id="292" r:id="rId49"/>
-    <p:sldId id="293" r:id="rId50"/>
-    <p:sldId id="294" r:id="rId51"/>
-    <p:sldId id="295" r:id="rId52"/>
+    <p:sldId id="351" r:id="rId37"/>
+    <p:sldId id="296" r:id="rId38"/>
+    <p:sldId id="277" r:id="rId39"/>
+    <p:sldId id="346" r:id="rId40"/>
+    <p:sldId id="347" r:id="rId41"/>
+    <p:sldId id="302" r:id="rId42"/>
+    <p:sldId id="261" r:id="rId43"/>
+    <p:sldId id="301" r:id="rId44"/>
+    <p:sldId id="327" r:id="rId45"/>
+    <p:sldId id="283" r:id="rId46"/>
+    <p:sldId id="288" r:id="rId47"/>
+    <p:sldId id="289" r:id="rId48"/>
+    <p:sldId id="290" r:id="rId49"/>
+    <p:sldId id="292" r:id="rId50"/>
+    <p:sldId id="293" r:id="rId51"/>
+    <p:sldId id="294" r:id="rId52"/>
+    <p:sldId id="295" r:id="rId53"/>
   </p:sldIdLst>
   <p:sldSz cx="9144000" cy="5143500" type="screen16x9"/>
   <p:notesSz cx="6858000" cy="9144000"/>
   <p:embeddedFontLst>
     <p:embeddedFont>
       <p:font typeface="Cambria Math" panose="02040503050406030204" pitchFamily="18" charset="0"/>
-      <p:regular r:id="rId54"/>
+      <p:regular r:id="rId55"/>
     </p:embeddedFont>
     <p:embeddedFont>
-      <p:font typeface="Open Sans" panose="02010600030101010101" charset="0"/>
-      <p:regular r:id="rId55"/>
-      <p:bold r:id="rId56"/>
-      <p:italic r:id="rId57"/>
-      <p:boldItalic r:id="rId58"/>
+      <p:font typeface="Open Sans Light" panose="020B0604020202020204" charset="0"/>
+      <p:regular r:id="rId56"/>
+      <p:bold r:id="rId57"/>
+      <p:italic r:id="rId58"/>
+      <p:boldItalic r:id="rId59"/>
     </p:embeddedFont>
     <p:embeddedFont>
-      <p:font typeface="Open Sans Light" panose="02010600030101010101" charset="0"/>
-      <p:regular r:id="rId59"/>
-      <p:bold r:id="rId60"/>
-      <p:italic r:id="rId61"/>
-      <p:boldItalic r:id="rId62"/>
+      <p:font typeface="Open Sans SemiBold" panose="020B0604020202020204" charset="0"/>
+      <p:regular r:id="rId60"/>
+      <p:bold r:id="rId61"/>
+      <p:italic r:id="rId62"/>
+      <p:boldItalic r:id="rId63"/>
     </p:embeddedFont>
     <p:embeddedFont>
-      <p:font typeface="Open Sans SemiBold" panose="02010600030101010101" charset="0"/>
-      <p:regular r:id="rId63"/>
-      <p:bold r:id="rId64"/>
-      <p:italic r:id="rId65"/>
-      <p:boldItalic r:id="rId66"/>
+      <p:font typeface="Open Sans" panose="020B0604020202020204" charset="0"/>
+      <p:regular r:id="rId64"/>
+      <p:bold r:id="rId65"/>
+      <p:italic r:id="rId66"/>
+      <p:boldItalic r:id="rId67"/>
+    </p:embeddedFont>
+    <p:embeddedFont>
+      <p:font typeface="宋体" panose="02010600030101010101" pitchFamily="2" charset="-122"/>
+      <p:regular r:id="rId68"/>
     </p:embeddedFont>
   </p:embeddedFontLst>
   <p:defaultTextStyle>
@@ -8344,6 +8349,13 @@
   <p:clrMapOvr>
     <a:masterClrMapping/>
   </p:clrMapOvr>
+  <p:timing>
+    <p:tnLst>
+      <p:par>
+        <p:cTn id="1" dur="indefinite" restart="never" nodeType="tmRoot"/>
+      </p:par>
+    </p:tnLst>
+  </p:timing>
 </p:sld>
 </file>
 
@@ -8974,6 +8986,13 @@
   <p:clrMapOvr>
     <a:masterClrMapping/>
   </p:clrMapOvr>
+  <p:timing>
+    <p:tnLst>
+      <p:par>
+        <p:cTn id="1" dur="indefinite" restart="never" nodeType="tmRoot"/>
+      </p:par>
+    </p:tnLst>
+  </p:timing>
 </p:sld>
 </file>
 
@@ -9788,6 +9807,13 @@
   <p:clrMapOvr>
     <a:masterClrMapping/>
   </p:clrMapOvr>
+  <p:timing>
+    <p:tnLst>
+      <p:par>
+        <p:cTn id="1" dur="indefinite" restart="never" nodeType="tmRoot"/>
+      </p:par>
+    </p:tnLst>
+  </p:timing>
 </p:sld>
 </file>
 
@@ -10200,6 +10226,13 @@
   <p:clrMapOvr>
     <a:masterClrMapping/>
   </p:clrMapOvr>
+  <p:timing>
+    <p:tnLst>
+      <p:par>
+        <p:cTn id="1" dur="indefinite" restart="never" nodeType="tmRoot"/>
+      </p:par>
+    </p:tnLst>
+  </p:timing>
 </p:sld>
 </file>
 
@@ -10818,6 +10851,13 @@
   <p:clrMapOvr>
     <a:masterClrMapping/>
   </p:clrMapOvr>
+  <p:timing>
+    <p:tnLst>
+      <p:par>
+        <p:cTn id="1" dur="indefinite" restart="never" nodeType="tmRoot"/>
+      </p:par>
+    </p:tnLst>
+  </p:timing>
 </p:sld>
 </file>
 
@@ -10915,6 +10955,13 @@
   <p:clrMapOvr>
     <a:masterClrMapping/>
   </p:clrMapOvr>
+  <p:timing>
+    <p:tnLst>
+      <p:par>
+        <p:cTn id="1" dur="indefinite" restart="never" nodeType="tmRoot"/>
+      </p:par>
+    </p:tnLst>
+  </p:timing>
 </p:sld>
 </file>
 
@@ -11046,6 +11093,13 @@
   <p:clrMapOvr>
     <a:masterClrMapping/>
   </p:clrMapOvr>
+  <p:timing>
+    <p:tnLst>
+      <p:par>
+        <p:cTn id="1" dur="indefinite" restart="never" nodeType="tmRoot"/>
+      </p:par>
+    </p:tnLst>
+  </p:timing>
 </p:sld>
 </file>
 
@@ -11262,6 +11316,13 @@
   <p:clrMapOvr>
     <a:masterClrMapping/>
   </p:clrMapOvr>
+  <p:timing>
+    <p:tnLst>
+      <p:par>
+        <p:cTn id="1" dur="indefinite" restart="never" nodeType="tmRoot"/>
+      </p:par>
+    </p:tnLst>
+  </p:timing>
 </p:sld>
 </file>
 
@@ -11591,6 +11652,13 @@
   <p:clrMapOvr>
     <a:masterClrMapping/>
   </p:clrMapOvr>
+  <p:timing>
+    <p:tnLst>
+      <p:par>
+        <p:cTn id="1" dur="indefinite" restart="never" nodeType="tmRoot"/>
+      </p:par>
+    </p:tnLst>
+  </p:timing>
 </p:sld>
 </file>
 
@@ -11908,6 +11976,13 @@
   <p:clrMapOvr>
     <a:masterClrMapping/>
   </p:clrMapOvr>
+  <p:timing>
+    <p:tnLst>
+      <p:par>
+        <p:cTn id="1" dur="indefinite" restart="never" nodeType="tmRoot"/>
+      </p:par>
+    </p:tnLst>
+  </p:timing>
 </p:sld>
 </file>
 
@@ -12317,6 +12392,13 @@
   <p:clrMapOvr>
     <a:masterClrMapping/>
   </p:clrMapOvr>
+  <p:timing>
+    <p:tnLst>
+      <p:par>
+        <p:cTn id="1" dur="indefinite" restart="never" nodeType="tmRoot"/>
+      </p:par>
+    </p:tnLst>
+  </p:timing>
 </p:sld>
 </file>
 
@@ -12512,6 +12594,13 @@
   <p:clrMapOvr>
     <a:masterClrMapping/>
   </p:clrMapOvr>
+  <p:timing>
+    <p:tnLst>
+      <p:par>
+        <p:cTn id="1" dur="indefinite" restart="never" nodeType="tmRoot"/>
+      </p:par>
+    </p:tnLst>
+  </p:timing>
 </p:sld>
 </file>
 
@@ -12858,6 +12947,13 @@
   <p:clrMapOvr>
     <a:masterClrMapping/>
   </p:clrMapOvr>
+  <p:timing>
+    <p:tnLst>
+      <p:par>
+        <p:cTn id="1" dur="indefinite" restart="never" nodeType="tmRoot"/>
+      </p:par>
+    </p:tnLst>
+  </p:timing>
 </p:sld>
 </file>
 
@@ -13856,6 +13952,13 @@
   <p:clrMapOvr>
     <a:masterClrMapping/>
   </p:clrMapOvr>
+  <p:timing>
+    <p:tnLst>
+      <p:par>
+        <p:cTn id="1" dur="indefinite" restart="never" nodeType="tmRoot"/>
+      </p:par>
+    </p:tnLst>
+  </p:timing>
 </p:sld>
 </file>
 
@@ -15012,6 +15115,13 @@
   <p:clrMapOvr>
     <a:masterClrMapping/>
   </p:clrMapOvr>
+  <p:timing>
+    <p:tnLst>
+      <p:par>
+        <p:cTn id="1" dur="indefinite" restart="never" nodeType="tmRoot"/>
+      </p:par>
+    </p:tnLst>
+  </p:timing>
 </p:sld>
 </file>
 
@@ -16167,6 +16277,13 @@
   <p:clrMapOvr>
     <a:masterClrMapping/>
   </p:clrMapOvr>
+  <p:timing>
+    <p:tnLst>
+      <p:par>
+        <p:cTn id="1" dur="indefinite" restart="never" nodeType="tmRoot"/>
+      </p:par>
+    </p:tnLst>
+  </p:timing>
 </p:sld>
 </file>
 
@@ -16357,8 +16474,8 @@
           </p:sp>
         </mc:Fallback>
       </mc:AlternateContent>
-      <mc:AlternateContent xmlns:mc="http://schemas.openxmlformats.org/markup-compatibility/2006">
-        <mc:Choice xmlns:a14="http://schemas.microsoft.com/office/drawing/2010/main" Requires="a14">
+      <mc:AlternateContent xmlns:mc="http://schemas.openxmlformats.org/markup-compatibility/2006" xmlns:a14="http://schemas.microsoft.com/office/drawing/2010/main">
+        <mc:Choice Requires="a14">
           <p:sp>
             <p:nvSpPr>
               <p:cNvPr id="3" name="Text Placeholder 2">
@@ -16716,7 +16833,7 @@
             </p:txBody>
           </p:sp>
         </mc:Choice>
-        <mc:Fallback>
+        <mc:Fallback xmlns="">
           <p:sp>
             <p:nvSpPr>
               <p:cNvPr id="3" name="Text Placeholder 2">
@@ -17010,6 +17127,13 @@
   <p:clrMapOvr>
     <a:masterClrMapping/>
   </p:clrMapOvr>
+  <p:timing>
+    <p:tnLst>
+      <p:par>
+        <p:cTn id="1" dur="indefinite" restart="never" nodeType="tmRoot"/>
+      </p:par>
+    </p:tnLst>
+  </p:timing>
 </p:sld>
 </file>
 
@@ -17449,6 +17573,13 @@
   <p:clrMapOvr>
     <a:masterClrMapping/>
   </p:clrMapOvr>
+  <p:timing>
+    <p:tnLst>
+      <p:par>
+        <p:cTn id="1" dur="indefinite" restart="never" nodeType="tmRoot"/>
+      </p:par>
+    </p:tnLst>
+  </p:timing>
 </p:sld>
 </file>
 
@@ -17546,6 +17677,13 @@
   <p:clrMapOvr>
     <a:masterClrMapping/>
   </p:clrMapOvr>
+  <p:timing>
+    <p:tnLst>
+      <p:par>
+        <p:cTn id="1" dur="indefinite" restart="never" nodeType="tmRoot"/>
+      </p:par>
+    </p:tnLst>
+  </p:timing>
 </p:sld>
 </file>
 
@@ -17702,6 +17840,13 @@
   <p:clrMapOvr>
     <a:masterClrMapping/>
   </p:clrMapOvr>
+  <p:timing>
+    <p:tnLst>
+      <p:par>
+        <p:cTn id="1" dur="indefinite" restart="never" nodeType="tmRoot"/>
+      </p:par>
+    </p:tnLst>
+  </p:timing>
 </p:sld>
 </file>
 
@@ -18639,6 +18784,13 @@
   <p:clrMapOvr>
     <a:masterClrMapping/>
   </p:clrMapOvr>
+  <p:timing>
+    <p:tnLst>
+      <p:par>
+        <p:cTn id="1" dur="indefinite" restart="never" nodeType="tmRoot"/>
+      </p:par>
+    </p:tnLst>
+  </p:timing>
 </p:sld>
 </file>
 
@@ -18850,6 +19002,13 @@
   <p:clrMapOvr>
     <a:masterClrMapping/>
   </p:clrMapOvr>
+  <p:timing>
+    <p:tnLst>
+      <p:par>
+        <p:cTn id="1" dur="indefinite" restart="never" nodeType="tmRoot"/>
+      </p:par>
+    </p:tnLst>
+  </p:timing>
 </p:sld>
 </file>
 
@@ -19012,6 +19171,13 @@
   <p:clrMapOvr>
     <a:masterClrMapping/>
   </p:clrMapOvr>
+  <p:timing>
+    <p:tnLst>
+      <p:par>
+        <p:cTn id="1" dur="indefinite" restart="never" nodeType="tmRoot"/>
+      </p:par>
+    </p:tnLst>
+  </p:timing>
 </p:sld>
 </file>
 
@@ -19169,6 +19335,14 @@
   <p:clrMapOvr>
     <a:masterClrMapping/>
   </p:clrMapOvr>
+  <mc:AlternateContent xmlns:mc="http://schemas.openxmlformats.org/markup-compatibility/2006">
+    <mc:Choice xmlns:p14="http://schemas.microsoft.com/office/powerpoint/2010/main" Requires="p14">
+      <p:transition spd="slow" p14:dur="2000"/>
+    </mc:Choice>
+    <mc:Fallback>
+      <p:transition spd="slow"/>
+    </mc:Fallback>
+  </mc:AlternateContent>
 </p:sld>
 </file>
 
@@ -19431,6 +19605,13 @@
   <p:clrMapOvr>
     <a:masterClrMapping/>
   </p:clrMapOvr>
+  <p:timing>
+    <p:tnLst>
+      <p:par>
+        <p:cTn id="1" dur="indefinite" restart="never" nodeType="tmRoot"/>
+      </p:par>
+    </p:tnLst>
+  </p:timing>
 </p:sld>
 </file>
 
@@ -19693,6 +19874,13 @@
   <p:clrMapOvr>
     <a:masterClrMapping/>
   </p:clrMapOvr>
+  <p:timing>
+    <p:tnLst>
+      <p:par>
+        <p:cTn id="1" dur="indefinite" restart="never" nodeType="tmRoot"/>
+      </p:par>
+    </p:tnLst>
+  </p:timing>
 </p:sld>
 </file>
 
@@ -19955,6 +20143,13 @@
   <p:clrMapOvr>
     <a:masterClrMapping/>
   </p:clrMapOvr>
+  <p:timing>
+    <p:tnLst>
+      <p:par>
+        <p:cTn id="1" dur="indefinite" restart="never" nodeType="tmRoot"/>
+      </p:par>
+    </p:tnLst>
+  </p:timing>
 </p:sld>
 </file>
 
@@ -20217,6 +20412,13 @@
   <p:clrMapOvr>
     <a:masterClrMapping/>
   </p:clrMapOvr>
+  <p:timing>
+    <p:tnLst>
+      <p:par>
+        <p:cTn id="1" dur="indefinite" restart="never" nodeType="tmRoot"/>
+      </p:par>
+    </p:tnLst>
+  </p:timing>
 </p:sld>
 </file>
 
@@ -20404,10 +20606,447 @@
   <p:clrMapOvr>
     <a:masterClrMapping/>
   </p:clrMapOvr>
+  <p:timing>
+    <p:tnLst>
+      <p:par>
+        <p:cTn id="1" dur="indefinite" restart="never" nodeType="tmRoot"/>
+      </p:par>
+    </p:tnLst>
+  </p:timing>
 </p:sld>
 </file>
 
 <file path=ppt/slides/slide36.xml><?xml version="1.0" encoding="utf-8"?>
+<p:sld xmlns:a="http://schemas.openxmlformats.org/drawingml/2006/main" xmlns:r="http://schemas.openxmlformats.org/officeDocument/2006/relationships" xmlns:p="http://schemas.openxmlformats.org/presentationml/2006/main">
+  <p:cSld>
+    <p:spTree>
+      <p:nvGrpSpPr>
+        <p:cNvPr id="1" name=""/>
+        <p:cNvGrpSpPr/>
+        <p:nvPr/>
+      </p:nvGrpSpPr>
+      <p:grpSpPr>
+        <a:xfrm>
+          <a:off x="0" y="0"/>
+          <a:ext cx="0" cy="0"/>
+          <a:chOff x="0" y="0"/>
+          <a:chExt cx="0" cy="0"/>
+        </a:xfrm>
+      </p:grpSpPr>
+      <p:sp>
+        <p:nvSpPr>
+          <p:cNvPr id="2" name="Title 1"/>
+          <p:cNvSpPr>
+            <a:spLocks noGrp="1"/>
+          </p:cNvSpPr>
+          <p:nvPr>
+            <p:ph type="title"/>
+          </p:nvPr>
+        </p:nvSpPr>
+        <p:spPr/>
+        <p:txBody>
+          <a:bodyPr/>
+          <a:lstStyle/>
+          <a:p>
+            <a:r>
+              <a:rPr lang="en-US" dirty="0" smtClean="0"/>
+              <a:t>Current Progress</a:t>
+            </a:r>
+            <a:endParaRPr lang="en-US" dirty="0"/>
+          </a:p>
+        </p:txBody>
+      </p:sp>
+      <p:pic>
+        <p:nvPicPr>
+          <p:cNvPr id="7" name="Picture 6"/>
+          <p:cNvPicPr>
+            <a:picLocks noChangeAspect="1"/>
+          </p:cNvPicPr>
+          <p:nvPr/>
+        </p:nvPicPr>
+        <p:blipFill>
+          <a:blip r:embed="rId2"/>
+          <a:stretch>
+            <a:fillRect/>
+          </a:stretch>
+        </p:blipFill>
+        <p:spPr>
+          <a:xfrm>
+            <a:off x="311700" y="3137352"/>
+            <a:ext cx="3942530" cy="818545"/>
+          </a:xfrm>
+          <a:prstGeom prst="rect">
+            <a:avLst/>
+          </a:prstGeom>
+        </p:spPr>
+      </p:pic>
+      <mc:AlternateContent xmlns:mc="http://schemas.openxmlformats.org/markup-compatibility/2006">
+        <mc:Choice xmlns:a14="http://schemas.microsoft.com/office/drawing/2010/main" Requires="a14">
+          <p:sp>
+            <p:nvSpPr>
+              <p:cNvPr id="3" name="Text Placeholder 2"/>
+              <p:cNvSpPr>
+                <a:spLocks noGrp="1"/>
+              </p:cNvSpPr>
+              <p:nvPr>
+                <p:ph type="body" idx="1"/>
+              </p:nvPr>
+            </p:nvSpPr>
+            <p:spPr>
+              <a:xfrm>
+                <a:off x="311700" y="1152474"/>
+                <a:ext cx="8520600" cy="1850129"/>
+              </a:xfrm>
+            </p:spPr>
+            <p:txBody>
+              <a:bodyPr/>
+              <a:lstStyle/>
+              <a:p>
+                <a:r>
+                  <a:rPr lang="en-US" dirty="0" smtClean="0"/>
+                  <a:t>Human model requires: </a:t>
+                </a:r>
+                <a14:m>
+                  <m:oMath xmlns:m="http://schemas.openxmlformats.org/officeDocument/2006/math">
+                    <m:r>
+                      <a:rPr lang="en-US" i="1" dirty="0" smtClean="0">
+                        <a:latin typeface="Cambria Math" panose="02040503050406030204" pitchFamily="18" charset="0"/>
+                      </a:rPr>
+                      <m:t>&lt;</m:t>
+                    </m:r>
+                    <m:r>
+                      <a:rPr lang="en-US" i="1" dirty="0" smtClean="0">
+                        <a:latin typeface="Cambria Math" panose="02040503050406030204" pitchFamily="18" charset="0"/>
+                      </a:rPr>
+                      <m:t>𝑎</m:t>
+                    </m:r>
+                    <m:r>
+                      <a:rPr lang="en-US" i="1" dirty="0" smtClean="0">
+                        <a:latin typeface="Cambria Math" panose="02040503050406030204" pitchFamily="18" charset="0"/>
+                      </a:rPr>
+                      <m:t>, </m:t>
+                    </m:r>
+                    <m:r>
+                      <a:rPr lang="en-US" i="1" dirty="0" smtClean="0">
+                        <a:latin typeface="Cambria Math" panose="02040503050406030204" pitchFamily="18" charset="0"/>
+                      </a:rPr>
+                      <m:t>𝑏</m:t>
+                    </m:r>
+                    <m:r>
+                      <a:rPr lang="en-US" i="1" dirty="0" smtClean="0">
+                        <a:latin typeface="Cambria Math" panose="02040503050406030204" pitchFamily="18" charset="0"/>
+                      </a:rPr>
+                      <m:t>, </m:t>
+                    </m:r>
+                    <m:r>
+                      <a:rPr lang="en-US" i="1" dirty="0" smtClean="0">
+                        <a:latin typeface="Cambria Math" panose="02040503050406030204" pitchFamily="18" charset="0"/>
+                      </a:rPr>
+                      <m:t>𝑐</m:t>
+                    </m:r>
+                    <m:r>
+                      <a:rPr lang="en-US" i="1" dirty="0" smtClean="0">
+                        <a:latin typeface="Cambria Math" panose="02040503050406030204" pitchFamily="18" charset="0"/>
+                      </a:rPr>
+                      <m:t>&gt;</m:t>
+                    </m:r>
+                  </m:oMath>
+                </a14:m>
+                <a:endParaRPr lang="en-US" dirty="0" smtClean="0"/>
+              </a:p>
+              <a:p>
+                <a:r>
+                  <a:rPr lang="en-US" dirty="0" smtClean="0"/>
+                  <a:t>Omission Error: </a:t>
+                </a:r>
+                <a14:m>
+                  <m:oMath xmlns:m="http://schemas.openxmlformats.org/officeDocument/2006/math">
+                    <m:r>
+                      <a:rPr lang="en-US" i="1" dirty="0" smtClean="0">
+                        <a:latin typeface="Cambria Math" panose="02040503050406030204" pitchFamily="18" charset="0"/>
+                      </a:rPr>
+                      <m:t>&lt;</m:t>
+                    </m:r>
+                    <m:r>
+                      <a:rPr lang="en-US" i="1" dirty="0" smtClean="0">
+                        <a:latin typeface="Cambria Math" panose="02040503050406030204" pitchFamily="18" charset="0"/>
+                      </a:rPr>
+                      <m:t>𝑎</m:t>
+                    </m:r>
+                    <m:r>
+                      <a:rPr lang="en-US" i="1" dirty="0" smtClean="0">
+                        <a:latin typeface="Cambria Math" panose="02040503050406030204" pitchFamily="18" charset="0"/>
+                      </a:rPr>
+                      <m:t>, </m:t>
+                    </m:r>
+                    <m:r>
+                      <a:rPr lang="en-US" i="1" dirty="0" smtClean="0">
+                        <a:latin typeface="Cambria Math" panose="02040503050406030204" pitchFamily="18" charset="0"/>
+                      </a:rPr>
+                      <m:t>𝑐</m:t>
+                    </m:r>
+                    <m:r>
+                      <a:rPr lang="en-US" i="1" dirty="0" smtClean="0">
+                        <a:latin typeface="Cambria Math" panose="02040503050406030204" pitchFamily="18" charset="0"/>
+                      </a:rPr>
+                      <m:t>&gt;</m:t>
+                    </m:r>
+                  </m:oMath>
+                </a14:m>
+                <a:r>
+                  <a:rPr lang="en-US" dirty="0" smtClean="0"/>
+                  <a:t> (not doing </a:t>
+                </a:r>
+                <a14:m>
+                  <m:oMath xmlns:m="http://schemas.openxmlformats.org/officeDocument/2006/math">
+                    <m:r>
+                      <a:rPr lang="en-US" i="1" dirty="0" smtClean="0">
+                        <a:latin typeface="Cambria Math" panose="02040503050406030204" pitchFamily="18" charset="0"/>
+                      </a:rPr>
+                      <m:t>𝑏</m:t>
+                    </m:r>
+                  </m:oMath>
+                </a14:m>
+                <a:r>
+                  <a:rPr lang="en-US" dirty="0" smtClean="0"/>
+                  <a:t>)</a:t>
+                </a:r>
+              </a:p>
+              <a:p>
+                <a:r>
+                  <a:rPr lang="en-US" dirty="0" smtClean="0"/>
+                  <a:t>However, the Robust Sys allows </a:t>
+                </a:r>
+                <a14:m>
+                  <m:oMath xmlns:m="http://schemas.openxmlformats.org/officeDocument/2006/math">
+                    <m:r>
+                      <a:rPr lang="en-US" i="1" dirty="0" smtClean="0">
+                        <a:latin typeface="Cambria Math" panose="02040503050406030204" pitchFamily="18" charset="0"/>
+                      </a:rPr>
+                      <m:t>&lt;</m:t>
+                    </m:r>
+                    <m:r>
+                      <a:rPr lang="en-US" i="1" dirty="0" smtClean="0">
+                        <a:latin typeface="Cambria Math" panose="02040503050406030204" pitchFamily="18" charset="0"/>
+                      </a:rPr>
+                      <m:t>𝑎</m:t>
+                    </m:r>
+                    <m:r>
+                      <a:rPr lang="en-US" i="1" dirty="0" smtClean="0">
+                        <a:latin typeface="Cambria Math" panose="02040503050406030204" pitchFamily="18" charset="0"/>
+                      </a:rPr>
+                      <m:t>, </m:t>
+                    </m:r>
+                    <m:r>
+                      <a:rPr lang="en-US" i="1" dirty="0" smtClean="0">
+                        <a:latin typeface="Cambria Math" panose="02040503050406030204" pitchFamily="18" charset="0"/>
+                      </a:rPr>
+                      <m:t>𝑐</m:t>
+                    </m:r>
+                    <m:r>
+                      <a:rPr lang="en-US" i="1" dirty="0" smtClean="0">
+                        <a:latin typeface="Cambria Math" panose="02040503050406030204" pitchFamily="18" charset="0"/>
+                      </a:rPr>
+                      <m:t>&gt; </m:t>
+                    </m:r>
+                  </m:oMath>
+                </a14:m>
+                <a:r>
+                  <a:rPr lang="en-US" dirty="0" smtClean="0"/>
+                  <a:t>as well as satisfies the safety property.</a:t>
+                </a:r>
+              </a:p>
+              <a:p>
+                <a:r>
+                  <a:rPr lang="en-US" dirty="0" smtClean="0"/>
+                  <a:t>Then, we say the system is robust in the sense of omission error of </a:t>
+                </a:r>
+                <a14:m>
+                  <m:oMath xmlns:m="http://schemas.openxmlformats.org/officeDocument/2006/math">
+                    <m:r>
+                      <a:rPr lang="en-US" i="1" dirty="0" smtClean="0">
+                        <a:latin typeface="Cambria Math" panose="02040503050406030204" pitchFamily="18" charset="0"/>
+                      </a:rPr>
+                      <m:t>𝑏</m:t>
+                    </m:r>
+                  </m:oMath>
+                </a14:m>
+                <a:r>
+                  <a:rPr lang="en-US" dirty="0" smtClean="0"/>
+                  <a:t>.</a:t>
+                </a:r>
+                <a:endParaRPr lang="en-US" dirty="0"/>
+              </a:p>
+            </p:txBody>
+          </p:sp>
+        </mc:Choice>
+        <mc:Fallback>
+          <p:sp>
+            <p:nvSpPr>
+              <p:cNvPr id="3" name="Text Placeholder 2"/>
+              <p:cNvSpPr>
+                <a:spLocks noGrp="1" noRot="1" noChangeAspect="1" noMove="1" noResize="1" noEditPoints="1" noAdjustHandles="1" noChangeArrowheads="1" noChangeShapeType="1" noTextEdit="1"/>
+              </p:cNvSpPr>
+              <p:nvPr>
+                <p:ph type="body" idx="1"/>
+              </p:nvPr>
+            </p:nvSpPr>
+            <p:spPr>
+              <a:xfrm>
+                <a:off x="311700" y="1152474"/>
+                <a:ext cx="8520600" cy="1850129"/>
+              </a:xfrm>
+              <a:blipFill>
+                <a:blip r:embed="rId3"/>
+                <a:stretch>
+                  <a:fillRect/>
+                </a:stretch>
+              </a:blipFill>
+            </p:spPr>
+            <p:txBody>
+              <a:bodyPr/>
+              <a:lstStyle/>
+              <a:p>
+                <a:r>
+                  <a:rPr lang="en-US">
+                    <a:noFill/>
+                  </a:rPr>
+                  <a:t> </a:t>
+                </a:r>
+              </a:p>
+            </p:txBody>
+          </p:sp>
+        </mc:Fallback>
+      </mc:AlternateContent>
+      <p:sp>
+        <p:nvSpPr>
+          <p:cNvPr id="4" name="Slide Number Placeholder 3"/>
+          <p:cNvSpPr>
+            <a:spLocks noGrp="1"/>
+          </p:cNvSpPr>
+          <p:nvPr>
+            <p:ph type="sldNum" idx="12"/>
+          </p:nvPr>
+        </p:nvSpPr>
+        <p:spPr/>
+        <p:txBody>
+          <a:bodyPr/>
+          <a:lstStyle/>
+          <a:p>
+            <a:pPr marL="0" lvl="0" indent="0" algn="r" rtl="0">
+              <a:spcBef>
+                <a:spcPts val="0"/>
+              </a:spcBef>
+              <a:spcAft>
+                <a:spcPts val="0"/>
+              </a:spcAft>
+              <a:buNone/>
+            </a:pPr>
+            <a:fld id="{00000000-1234-1234-1234-123412341234}" type="slidenum">
+              <a:rPr lang="en" smtClean="0"/>
+              <a:t>36</a:t>
+            </a:fld>
+            <a:endParaRPr lang="en"/>
+          </a:p>
+        </p:txBody>
+      </p:sp>
+      <p:pic>
+        <p:nvPicPr>
+          <p:cNvPr id="8" name="Picture 7"/>
+          <p:cNvPicPr>
+            <a:picLocks noChangeAspect="1"/>
+          </p:cNvPicPr>
+          <p:nvPr/>
+        </p:nvPicPr>
+        <p:blipFill>
+          <a:blip r:embed="rId4"/>
+          <a:stretch>
+            <a:fillRect/>
+          </a:stretch>
+        </p:blipFill>
+        <p:spPr>
+          <a:xfrm>
+            <a:off x="4839609" y="3002603"/>
+            <a:ext cx="3992691" cy="1028019"/>
+          </a:xfrm>
+          <a:prstGeom prst="rect">
+            <a:avLst/>
+          </a:prstGeom>
+        </p:spPr>
+      </p:pic>
+      <p:sp>
+        <p:nvSpPr>
+          <p:cNvPr id="9" name="Oval 8">
+            <a:extLst>
+              <a:ext uri="{FF2B5EF4-FFF2-40B4-BE49-F238E27FC236}">
+                <a16:creationId xmlns:a16="http://schemas.microsoft.com/office/drawing/2014/main" id="{F61AFAAC-93A6-400A-9BB3-C79114D0062B}"/>
+              </a:ext>
+            </a:extLst>
+          </p:cNvPr>
+          <p:cNvSpPr/>
+          <p:nvPr/>
+        </p:nvSpPr>
+        <p:spPr>
+          <a:xfrm>
+            <a:off x="6671634" y="3137352"/>
+            <a:ext cx="1395838" cy="727771"/>
+          </a:xfrm>
+          <a:prstGeom prst="ellipse">
+            <a:avLst/>
+          </a:prstGeom>
+          <a:noFill/>
+          <a:ln>
+            <a:solidFill>
+              <a:srgbClr val="FF0000"/>
+            </a:solidFill>
+          </a:ln>
+        </p:spPr>
+        <p:style>
+          <a:lnRef idx="2">
+            <a:schemeClr val="accent1">
+              <a:shade val="50000"/>
+            </a:schemeClr>
+          </a:lnRef>
+          <a:fillRef idx="1">
+            <a:schemeClr val="accent1"/>
+          </a:fillRef>
+          <a:effectRef idx="0">
+            <a:schemeClr val="accent1"/>
+          </a:effectRef>
+          <a:fontRef idx="minor">
+            <a:schemeClr val="lt1"/>
+          </a:fontRef>
+        </p:style>
+        <p:txBody>
+          <a:bodyPr rtlCol="0" anchor="ctr"/>
+          <a:lstStyle/>
+          <a:p>
+            <a:pPr algn="ctr"/>
+            <a:endParaRPr lang="zh-CN" altLang="en-US"/>
+          </a:p>
+        </p:txBody>
+      </p:sp>
+    </p:spTree>
+    <p:extLst>
+      <p:ext u